--- a/docs/ABMsAsAlgebraic.pptx
+++ b/docs/ABMsAsAlgebraic.pptx
@@ -6,7 +6,7 @@
     <p:sldMasterId id="2147483674" r:id="rId5"/>
   </p:sldMasterIdLst>
   <p:notesMasterIdLst>
-    <p:notesMasterId r:id="rId31"/>
+    <p:notesMasterId r:id="rId20"/>
   </p:notesMasterIdLst>
   <p:sldIdLst>
     <p:sldId id="257" r:id="rId6"/>
@@ -18,22 +18,11 @@
     <p:sldId id="270" r:id="rId12"/>
     <p:sldId id="271" r:id="rId13"/>
     <p:sldId id="272" r:id="rId14"/>
-    <p:sldId id="273" r:id="rId15"/>
-    <p:sldId id="274" r:id="rId16"/>
-    <p:sldId id="275" r:id="rId17"/>
-    <p:sldId id="276" r:id="rId18"/>
-    <p:sldId id="280" r:id="rId19"/>
-    <p:sldId id="281" r:id="rId20"/>
-    <p:sldId id="277" r:id="rId21"/>
-    <p:sldId id="287" r:id="rId22"/>
-    <p:sldId id="288" r:id="rId23"/>
-    <p:sldId id="282" r:id="rId24"/>
-    <p:sldId id="283" r:id="rId25"/>
-    <p:sldId id="284" r:id="rId26"/>
-    <p:sldId id="285" r:id="rId27"/>
-    <p:sldId id="286" r:id="rId28"/>
-    <p:sldId id="290" r:id="rId29"/>
-    <p:sldId id="268" r:id="rId30"/>
+    <p:sldId id="282" r:id="rId15"/>
+    <p:sldId id="283" r:id="rId16"/>
+    <p:sldId id="284" r:id="rId17"/>
+    <p:sldId id="290" r:id="rId18"/>
+    <p:sldId id="268" r:id="rId19"/>
   </p:sldIdLst>
   <p:sldSz cx="9144000" cy="6858000" type="screen4x3"/>
   <p:notesSz cx="6858000" cy="9144000"/>
@@ -899,753 +888,6 @@
 </file>
 
 <file path=ppt/diagrams/colors2.xml><?xml version="1.0" encoding="utf-8"?>
-<dgm:colorsDef xmlns:dgm="http://schemas.openxmlformats.org/drawingml/2006/diagram" xmlns:a="http://schemas.openxmlformats.org/drawingml/2006/main" uniqueId="urn:microsoft.com/office/officeart/2005/8/colors/accent1_2">
-  <dgm:title val=""/>
-  <dgm:desc val=""/>
-  <dgm:catLst>
-    <dgm:cat type="accent1" pri="11200"/>
-  </dgm:catLst>
-  <dgm:styleLbl name="node0">
-    <dgm:fillClrLst meth="repeat">
-      <a:schemeClr val="accent1"/>
-    </dgm:fillClrLst>
-    <dgm:linClrLst meth="repeat">
-      <a:schemeClr val="lt1"/>
-    </dgm:linClrLst>
-    <dgm:effectClrLst/>
-    <dgm:txLinClrLst/>
-    <dgm:txFillClrLst/>
-    <dgm:txEffectClrLst/>
-  </dgm:styleLbl>
-  <dgm:styleLbl name="alignNode1">
-    <dgm:fillClrLst meth="repeat">
-      <a:schemeClr val="accent1"/>
-    </dgm:fillClrLst>
-    <dgm:linClrLst meth="repeat">
-      <a:schemeClr val="accent1"/>
-    </dgm:linClrLst>
-    <dgm:effectClrLst/>
-    <dgm:txLinClrLst/>
-    <dgm:txFillClrLst/>
-    <dgm:txEffectClrLst/>
-  </dgm:styleLbl>
-  <dgm:styleLbl name="node1">
-    <dgm:fillClrLst meth="repeat">
-      <a:schemeClr val="accent1"/>
-    </dgm:fillClrLst>
-    <dgm:linClrLst meth="repeat">
-      <a:schemeClr val="lt1"/>
-    </dgm:linClrLst>
-    <dgm:effectClrLst/>
-    <dgm:txLinClrLst/>
-    <dgm:txFillClrLst/>
-    <dgm:txEffectClrLst/>
-  </dgm:styleLbl>
-  <dgm:styleLbl name="lnNode1">
-    <dgm:fillClrLst meth="repeat">
-      <a:schemeClr val="accent1"/>
-    </dgm:fillClrLst>
-    <dgm:linClrLst meth="repeat">
-      <a:schemeClr val="lt1"/>
-    </dgm:linClrLst>
-    <dgm:effectClrLst/>
-    <dgm:txLinClrLst/>
-    <dgm:txFillClrLst/>
-    <dgm:txEffectClrLst/>
-  </dgm:styleLbl>
-  <dgm:styleLbl name="vennNode1">
-    <dgm:fillClrLst meth="repeat">
-      <a:schemeClr val="accent1">
-        <a:alpha val="50000"/>
-      </a:schemeClr>
-    </dgm:fillClrLst>
-    <dgm:linClrLst meth="repeat">
-      <a:schemeClr val="lt1"/>
-    </dgm:linClrLst>
-    <dgm:effectClrLst/>
-    <dgm:txLinClrLst/>
-    <dgm:txFillClrLst/>
-    <dgm:txEffectClrLst/>
-  </dgm:styleLbl>
-  <dgm:styleLbl name="node2">
-    <dgm:fillClrLst meth="repeat">
-      <a:schemeClr val="accent1"/>
-    </dgm:fillClrLst>
-    <dgm:linClrLst meth="repeat">
-      <a:schemeClr val="lt1"/>
-    </dgm:linClrLst>
-    <dgm:effectClrLst/>
-    <dgm:txLinClrLst/>
-    <dgm:txFillClrLst/>
-    <dgm:txEffectClrLst/>
-  </dgm:styleLbl>
-  <dgm:styleLbl name="node3">
-    <dgm:fillClrLst meth="repeat">
-      <a:schemeClr val="accent1"/>
-    </dgm:fillClrLst>
-    <dgm:linClrLst meth="repeat">
-      <a:schemeClr val="lt1"/>
-    </dgm:linClrLst>
-    <dgm:effectClrLst/>
-    <dgm:txLinClrLst/>
-    <dgm:txFillClrLst/>
-    <dgm:txEffectClrLst/>
-  </dgm:styleLbl>
-  <dgm:styleLbl name="node4">
-    <dgm:fillClrLst meth="repeat">
-      <a:schemeClr val="accent1"/>
-    </dgm:fillClrLst>
-    <dgm:linClrLst meth="repeat">
-      <a:schemeClr val="lt1"/>
-    </dgm:linClrLst>
-    <dgm:effectClrLst/>
-    <dgm:txLinClrLst/>
-    <dgm:txFillClrLst/>
-    <dgm:txEffectClrLst/>
-  </dgm:styleLbl>
-  <dgm:styleLbl name="fgImgPlace1">
-    <dgm:fillClrLst meth="repeat">
-      <a:schemeClr val="accent1">
-        <a:tint val="50000"/>
-      </a:schemeClr>
-    </dgm:fillClrLst>
-    <dgm:linClrLst meth="repeat">
-      <a:schemeClr val="lt1"/>
-    </dgm:linClrLst>
-    <dgm:effectClrLst/>
-    <dgm:txLinClrLst/>
-    <dgm:txFillClrLst meth="repeat">
-      <a:schemeClr val="lt1"/>
-    </dgm:txFillClrLst>
-    <dgm:txEffectClrLst/>
-  </dgm:styleLbl>
-  <dgm:styleLbl name="alignImgPlace1">
-    <dgm:fillClrLst meth="repeat">
-      <a:schemeClr val="accent1">
-        <a:tint val="50000"/>
-      </a:schemeClr>
-    </dgm:fillClrLst>
-    <dgm:linClrLst meth="repeat">
-      <a:schemeClr val="lt1"/>
-    </dgm:linClrLst>
-    <dgm:effectClrLst/>
-    <dgm:txLinClrLst/>
-    <dgm:txFillClrLst meth="repeat">
-      <a:schemeClr val="lt1"/>
-    </dgm:txFillClrLst>
-    <dgm:txEffectClrLst/>
-  </dgm:styleLbl>
-  <dgm:styleLbl name="bgImgPlace1">
-    <dgm:fillClrLst meth="repeat">
-      <a:schemeClr val="accent1">
-        <a:tint val="50000"/>
-      </a:schemeClr>
-    </dgm:fillClrLst>
-    <dgm:linClrLst meth="repeat">
-      <a:schemeClr val="lt1"/>
-    </dgm:linClrLst>
-    <dgm:effectClrLst/>
-    <dgm:txLinClrLst/>
-    <dgm:txFillClrLst meth="repeat">
-      <a:schemeClr val="lt1"/>
-    </dgm:txFillClrLst>
-    <dgm:txEffectClrLst/>
-  </dgm:styleLbl>
-  <dgm:styleLbl name="sibTrans2D1">
-    <dgm:fillClrLst meth="repeat">
-      <a:schemeClr val="accent1">
-        <a:tint val="60000"/>
-      </a:schemeClr>
-    </dgm:fillClrLst>
-    <dgm:linClrLst meth="repeat">
-      <a:schemeClr val="accent1">
-        <a:tint val="60000"/>
-      </a:schemeClr>
-    </dgm:linClrLst>
-    <dgm:effectClrLst/>
-    <dgm:txLinClrLst/>
-    <dgm:txFillClrLst/>
-    <dgm:txEffectClrLst/>
-  </dgm:styleLbl>
-  <dgm:styleLbl name="fgSibTrans2D1">
-    <dgm:fillClrLst meth="repeat">
-      <a:schemeClr val="accent1">
-        <a:tint val="60000"/>
-      </a:schemeClr>
-    </dgm:fillClrLst>
-    <dgm:linClrLst meth="repeat">
-      <a:schemeClr val="accent1">
-        <a:tint val="60000"/>
-      </a:schemeClr>
-    </dgm:linClrLst>
-    <dgm:effectClrLst/>
-    <dgm:txLinClrLst/>
-    <dgm:txFillClrLst/>
-    <dgm:txEffectClrLst/>
-  </dgm:styleLbl>
-  <dgm:styleLbl name="bgSibTrans2D1">
-    <dgm:fillClrLst meth="repeat">
-      <a:schemeClr val="accent1">
-        <a:tint val="60000"/>
-      </a:schemeClr>
-    </dgm:fillClrLst>
-    <dgm:linClrLst meth="repeat">
-      <a:schemeClr val="accent1">
-        <a:tint val="60000"/>
-      </a:schemeClr>
-    </dgm:linClrLst>
-    <dgm:effectClrLst/>
-    <dgm:txLinClrLst/>
-    <dgm:txFillClrLst/>
-    <dgm:txEffectClrLst/>
-  </dgm:styleLbl>
-  <dgm:styleLbl name="sibTrans1D1">
-    <dgm:fillClrLst meth="repeat">
-      <a:schemeClr val="accent1"/>
-    </dgm:fillClrLst>
-    <dgm:linClrLst meth="repeat">
-      <a:schemeClr val="accent1"/>
-    </dgm:linClrLst>
-    <dgm:effectClrLst/>
-    <dgm:txLinClrLst/>
-    <dgm:txFillClrLst meth="repeat">
-      <a:schemeClr val="tx1"/>
-    </dgm:txFillClrLst>
-    <dgm:txEffectClrLst/>
-  </dgm:styleLbl>
-  <dgm:styleLbl name="callout">
-    <dgm:fillClrLst meth="repeat">
-      <a:schemeClr val="accent1"/>
-    </dgm:fillClrLst>
-    <dgm:linClrLst meth="repeat">
-      <a:schemeClr val="accent1">
-        <a:tint val="50000"/>
-      </a:schemeClr>
-    </dgm:linClrLst>
-    <dgm:effectClrLst/>
-    <dgm:txLinClrLst/>
-    <dgm:txFillClrLst meth="repeat">
-      <a:schemeClr val="tx1"/>
-    </dgm:txFillClrLst>
-    <dgm:txEffectClrLst/>
-  </dgm:styleLbl>
-  <dgm:styleLbl name="asst0">
-    <dgm:fillClrLst meth="repeat">
-      <a:schemeClr val="accent1"/>
-    </dgm:fillClrLst>
-    <dgm:linClrLst meth="repeat">
-      <a:schemeClr val="lt1"/>
-    </dgm:linClrLst>
-    <dgm:effectClrLst/>
-    <dgm:txLinClrLst/>
-    <dgm:txFillClrLst/>
-    <dgm:txEffectClrLst/>
-  </dgm:styleLbl>
-  <dgm:styleLbl name="asst1">
-    <dgm:fillClrLst meth="repeat">
-      <a:schemeClr val="accent1"/>
-    </dgm:fillClrLst>
-    <dgm:linClrLst meth="repeat">
-      <a:schemeClr val="lt1"/>
-    </dgm:linClrLst>
-    <dgm:effectClrLst/>
-    <dgm:txLinClrLst/>
-    <dgm:txFillClrLst/>
-    <dgm:txEffectClrLst/>
-  </dgm:styleLbl>
-  <dgm:styleLbl name="asst2">
-    <dgm:fillClrLst meth="repeat">
-      <a:schemeClr val="accent1"/>
-    </dgm:fillClrLst>
-    <dgm:linClrLst meth="repeat">
-      <a:schemeClr val="lt1"/>
-    </dgm:linClrLst>
-    <dgm:effectClrLst/>
-    <dgm:txLinClrLst/>
-    <dgm:txFillClrLst/>
-    <dgm:txEffectClrLst/>
-  </dgm:styleLbl>
-  <dgm:styleLbl name="asst3">
-    <dgm:fillClrLst meth="repeat">
-      <a:schemeClr val="accent1"/>
-    </dgm:fillClrLst>
-    <dgm:linClrLst meth="repeat">
-      <a:schemeClr val="lt1"/>
-    </dgm:linClrLst>
-    <dgm:effectClrLst/>
-    <dgm:txLinClrLst/>
-    <dgm:txFillClrLst/>
-    <dgm:txEffectClrLst/>
-  </dgm:styleLbl>
-  <dgm:styleLbl name="asst4">
-    <dgm:fillClrLst meth="repeat">
-      <a:schemeClr val="accent1"/>
-    </dgm:fillClrLst>
-    <dgm:linClrLst meth="repeat">
-      <a:schemeClr val="lt1"/>
-    </dgm:linClrLst>
-    <dgm:effectClrLst/>
-    <dgm:txLinClrLst/>
-    <dgm:txFillClrLst/>
-    <dgm:txEffectClrLst/>
-  </dgm:styleLbl>
-  <dgm:styleLbl name="parChTrans2D1">
-    <dgm:fillClrLst meth="repeat">
-      <a:schemeClr val="accent1">
-        <a:tint val="60000"/>
-      </a:schemeClr>
-    </dgm:fillClrLst>
-    <dgm:linClrLst meth="repeat">
-      <a:schemeClr val="accent1">
-        <a:tint val="60000"/>
-      </a:schemeClr>
-    </dgm:linClrLst>
-    <dgm:effectClrLst/>
-    <dgm:txLinClrLst/>
-    <dgm:txFillClrLst meth="repeat">
-      <a:schemeClr val="lt1"/>
-    </dgm:txFillClrLst>
-    <dgm:txEffectClrLst/>
-  </dgm:styleLbl>
-  <dgm:styleLbl name="parChTrans2D2">
-    <dgm:fillClrLst meth="repeat">
-      <a:schemeClr val="accent1"/>
-    </dgm:fillClrLst>
-    <dgm:linClrLst meth="repeat">
-      <a:schemeClr val="accent1"/>
-    </dgm:linClrLst>
-    <dgm:effectClrLst/>
-    <dgm:txLinClrLst/>
-    <dgm:txFillClrLst meth="repeat">
-      <a:schemeClr val="lt1"/>
-    </dgm:txFillClrLst>
-    <dgm:txEffectClrLst/>
-  </dgm:styleLbl>
-  <dgm:styleLbl name="parChTrans2D3">
-    <dgm:fillClrLst meth="repeat">
-      <a:schemeClr val="accent1"/>
-    </dgm:fillClrLst>
-    <dgm:linClrLst meth="repeat">
-      <a:schemeClr val="accent1"/>
-    </dgm:linClrLst>
-    <dgm:effectClrLst/>
-    <dgm:txLinClrLst/>
-    <dgm:txFillClrLst meth="repeat">
-      <a:schemeClr val="lt1"/>
-    </dgm:txFillClrLst>
-    <dgm:txEffectClrLst/>
-  </dgm:styleLbl>
-  <dgm:styleLbl name="parChTrans2D4">
-    <dgm:fillClrLst meth="repeat">
-      <a:schemeClr val="accent1"/>
-    </dgm:fillClrLst>
-    <dgm:linClrLst meth="repeat">
-      <a:schemeClr val="accent1"/>
-    </dgm:linClrLst>
-    <dgm:effectClrLst/>
-    <dgm:txLinClrLst/>
-    <dgm:txFillClrLst meth="repeat">
-      <a:schemeClr val="lt1"/>
-    </dgm:txFillClrLst>
-    <dgm:txEffectClrLst/>
-  </dgm:styleLbl>
-  <dgm:styleLbl name="parChTrans1D1">
-    <dgm:fillClrLst meth="repeat">
-      <a:schemeClr val="accent1"/>
-    </dgm:fillClrLst>
-    <dgm:linClrLst meth="repeat">
-      <a:schemeClr val="accent1">
-        <a:shade val="60000"/>
-      </a:schemeClr>
-    </dgm:linClrLst>
-    <dgm:effectClrLst/>
-    <dgm:txLinClrLst/>
-    <dgm:txFillClrLst meth="repeat">
-      <a:schemeClr val="tx1"/>
-    </dgm:txFillClrLst>
-    <dgm:txEffectClrLst/>
-  </dgm:styleLbl>
-  <dgm:styleLbl name="parChTrans1D2">
-    <dgm:fillClrLst meth="repeat">
-      <a:schemeClr val="accent1"/>
-    </dgm:fillClrLst>
-    <dgm:linClrLst meth="repeat">
-      <a:schemeClr val="accent1">
-        <a:shade val="60000"/>
-      </a:schemeClr>
-    </dgm:linClrLst>
-    <dgm:effectClrLst/>
-    <dgm:txLinClrLst/>
-    <dgm:txFillClrLst meth="repeat">
-      <a:schemeClr val="tx1"/>
-    </dgm:txFillClrLst>
-    <dgm:txEffectClrLst/>
-  </dgm:styleLbl>
-  <dgm:styleLbl name="parChTrans1D3">
-    <dgm:fillClrLst meth="repeat">
-      <a:schemeClr val="accent1"/>
-    </dgm:fillClrLst>
-    <dgm:linClrLst meth="repeat">
-      <a:schemeClr val="accent1">
-        <a:shade val="80000"/>
-      </a:schemeClr>
-    </dgm:linClrLst>
-    <dgm:effectClrLst/>
-    <dgm:txLinClrLst/>
-    <dgm:txFillClrLst meth="repeat">
-      <a:schemeClr val="tx1"/>
-    </dgm:txFillClrLst>
-    <dgm:txEffectClrLst/>
-  </dgm:styleLbl>
-  <dgm:styleLbl name="parChTrans1D4">
-    <dgm:fillClrLst meth="repeat">
-      <a:schemeClr val="accent1"/>
-    </dgm:fillClrLst>
-    <dgm:linClrLst meth="repeat">
-      <a:schemeClr val="accent1">
-        <a:shade val="80000"/>
-      </a:schemeClr>
-    </dgm:linClrLst>
-    <dgm:effectClrLst/>
-    <dgm:txLinClrLst/>
-    <dgm:txFillClrLst meth="repeat">
-      <a:schemeClr val="tx1"/>
-    </dgm:txFillClrLst>
-    <dgm:txEffectClrLst/>
-  </dgm:styleLbl>
-  <dgm:styleLbl name="fgAcc1">
-    <dgm:fillClrLst meth="repeat">
-      <a:schemeClr val="lt1">
-        <a:alpha val="90000"/>
-      </a:schemeClr>
-    </dgm:fillClrLst>
-    <dgm:linClrLst meth="repeat">
-      <a:schemeClr val="accent1"/>
-    </dgm:linClrLst>
-    <dgm:effectClrLst/>
-    <dgm:txLinClrLst/>
-    <dgm:txFillClrLst meth="repeat">
-      <a:schemeClr val="dk1"/>
-    </dgm:txFillClrLst>
-    <dgm:txEffectClrLst/>
-  </dgm:styleLbl>
-  <dgm:styleLbl name="conFgAcc1">
-    <dgm:fillClrLst meth="repeat">
-      <a:schemeClr val="lt1">
-        <a:alpha val="90000"/>
-      </a:schemeClr>
-    </dgm:fillClrLst>
-    <dgm:linClrLst meth="repeat">
-      <a:schemeClr val="accent1"/>
-    </dgm:linClrLst>
-    <dgm:effectClrLst/>
-    <dgm:txLinClrLst/>
-    <dgm:txFillClrLst meth="repeat">
-      <a:schemeClr val="dk1"/>
-    </dgm:txFillClrLst>
-    <dgm:txEffectClrLst/>
-  </dgm:styleLbl>
-  <dgm:styleLbl name="alignAcc1">
-    <dgm:fillClrLst meth="repeat">
-      <a:schemeClr val="lt1">
-        <a:alpha val="90000"/>
-      </a:schemeClr>
-    </dgm:fillClrLst>
-    <dgm:linClrLst meth="repeat">
-      <a:schemeClr val="accent1"/>
-    </dgm:linClrLst>
-    <dgm:effectClrLst/>
-    <dgm:txLinClrLst/>
-    <dgm:txFillClrLst meth="repeat">
-      <a:schemeClr val="dk1"/>
-    </dgm:txFillClrLst>
-    <dgm:txEffectClrLst/>
-  </dgm:styleLbl>
-  <dgm:styleLbl name="trAlignAcc1">
-    <dgm:fillClrLst meth="repeat">
-      <a:schemeClr val="lt1">
-        <a:alpha val="40000"/>
-      </a:schemeClr>
-    </dgm:fillClrLst>
-    <dgm:linClrLst meth="repeat">
-      <a:schemeClr val="accent1"/>
-    </dgm:linClrLst>
-    <dgm:effectClrLst/>
-    <dgm:txLinClrLst/>
-    <dgm:txFillClrLst meth="repeat">
-      <a:schemeClr val="dk1"/>
-    </dgm:txFillClrLst>
-    <dgm:txEffectClrLst/>
-  </dgm:styleLbl>
-  <dgm:styleLbl name="bgAcc1">
-    <dgm:fillClrLst meth="repeat">
-      <a:schemeClr val="lt1">
-        <a:alpha val="90000"/>
-      </a:schemeClr>
-    </dgm:fillClrLst>
-    <dgm:linClrLst meth="repeat">
-      <a:schemeClr val="accent1"/>
-    </dgm:linClrLst>
-    <dgm:effectClrLst/>
-    <dgm:txLinClrLst/>
-    <dgm:txFillClrLst meth="repeat">
-      <a:schemeClr val="dk1"/>
-    </dgm:txFillClrLst>
-    <dgm:txEffectClrLst/>
-  </dgm:styleLbl>
-  <dgm:styleLbl name="solidFgAcc1">
-    <dgm:fillClrLst meth="repeat">
-      <a:schemeClr val="lt1"/>
-    </dgm:fillClrLst>
-    <dgm:linClrLst meth="repeat">
-      <a:schemeClr val="accent1"/>
-    </dgm:linClrLst>
-    <dgm:effectClrLst/>
-    <dgm:txLinClrLst/>
-    <dgm:txFillClrLst meth="repeat">
-      <a:schemeClr val="dk1"/>
-    </dgm:txFillClrLst>
-    <dgm:txEffectClrLst/>
-  </dgm:styleLbl>
-  <dgm:styleLbl name="solidAlignAcc1">
-    <dgm:fillClrLst meth="repeat">
-      <a:schemeClr val="lt1"/>
-    </dgm:fillClrLst>
-    <dgm:linClrLst meth="repeat">
-      <a:schemeClr val="accent1"/>
-    </dgm:linClrLst>
-    <dgm:effectClrLst/>
-    <dgm:txLinClrLst/>
-    <dgm:txFillClrLst meth="repeat">
-      <a:schemeClr val="dk1"/>
-    </dgm:txFillClrLst>
-    <dgm:txEffectClrLst/>
-  </dgm:styleLbl>
-  <dgm:styleLbl name="solidBgAcc1">
-    <dgm:fillClrLst meth="repeat">
-      <a:schemeClr val="lt1"/>
-    </dgm:fillClrLst>
-    <dgm:linClrLst meth="repeat">
-      <a:schemeClr val="accent1"/>
-    </dgm:linClrLst>
-    <dgm:effectClrLst/>
-    <dgm:txLinClrLst/>
-    <dgm:txFillClrLst meth="repeat">
-      <a:schemeClr val="dk1"/>
-    </dgm:txFillClrLst>
-    <dgm:txEffectClrLst/>
-  </dgm:styleLbl>
-  <dgm:styleLbl name="fgAccFollowNode1">
-    <dgm:fillClrLst meth="repeat">
-      <a:schemeClr val="accent1">
-        <a:alpha val="90000"/>
-        <a:tint val="40000"/>
-      </a:schemeClr>
-    </dgm:fillClrLst>
-    <dgm:linClrLst meth="repeat">
-      <a:schemeClr val="accent1">
-        <a:alpha val="90000"/>
-        <a:tint val="40000"/>
-      </a:schemeClr>
-    </dgm:linClrLst>
-    <dgm:effectClrLst/>
-    <dgm:txLinClrLst/>
-    <dgm:txFillClrLst meth="repeat">
-      <a:schemeClr val="dk1"/>
-    </dgm:txFillClrLst>
-    <dgm:txEffectClrLst/>
-  </dgm:styleLbl>
-  <dgm:styleLbl name="alignAccFollowNode1">
-    <dgm:fillClrLst meth="repeat">
-      <a:schemeClr val="accent1">
-        <a:alpha val="90000"/>
-        <a:tint val="40000"/>
-      </a:schemeClr>
-    </dgm:fillClrLst>
-    <dgm:linClrLst meth="repeat">
-      <a:schemeClr val="accent1">
-        <a:alpha val="90000"/>
-        <a:tint val="40000"/>
-      </a:schemeClr>
-    </dgm:linClrLst>
-    <dgm:effectClrLst/>
-    <dgm:txLinClrLst/>
-    <dgm:txFillClrLst meth="repeat">
-      <a:schemeClr val="dk1"/>
-    </dgm:txFillClrLst>
-    <dgm:txEffectClrLst/>
-  </dgm:styleLbl>
-  <dgm:styleLbl name="bgAccFollowNode1">
-    <dgm:fillClrLst meth="repeat">
-      <a:schemeClr val="accent1">
-        <a:alpha val="90000"/>
-        <a:tint val="40000"/>
-      </a:schemeClr>
-    </dgm:fillClrLst>
-    <dgm:linClrLst meth="repeat">
-      <a:schemeClr val="accent1">
-        <a:alpha val="90000"/>
-        <a:tint val="40000"/>
-      </a:schemeClr>
-    </dgm:linClrLst>
-    <dgm:effectClrLst/>
-    <dgm:txLinClrLst/>
-    <dgm:txFillClrLst meth="repeat">
-      <a:schemeClr val="dk1"/>
-    </dgm:txFillClrLst>
-    <dgm:txEffectClrLst/>
-  </dgm:styleLbl>
-  <dgm:styleLbl name="fgAcc0">
-    <dgm:fillClrLst meth="repeat">
-      <a:schemeClr val="lt1">
-        <a:alpha val="90000"/>
-      </a:schemeClr>
-    </dgm:fillClrLst>
-    <dgm:linClrLst meth="repeat">
-      <a:schemeClr val="accent1"/>
-    </dgm:linClrLst>
-    <dgm:effectClrLst/>
-    <dgm:txLinClrLst/>
-    <dgm:txFillClrLst meth="repeat">
-      <a:schemeClr val="dk1"/>
-    </dgm:txFillClrLst>
-    <dgm:txEffectClrLst/>
-  </dgm:styleLbl>
-  <dgm:styleLbl name="fgAcc2">
-    <dgm:fillClrLst meth="repeat">
-      <a:schemeClr val="lt1">
-        <a:alpha val="90000"/>
-      </a:schemeClr>
-    </dgm:fillClrLst>
-    <dgm:linClrLst meth="repeat">
-      <a:schemeClr val="accent1"/>
-    </dgm:linClrLst>
-    <dgm:effectClrLst/>
-    <dgm:txLinClrLst/>
-    <dgm:txFillClrLst meth="repeat">
-      <a:schemeClr val="dk1"/>
-    </dgm:txFillClrLst>
-    <dgm:txEffectClrLst/>
-  </dgm:styleLbl>
-  <dgm:styleLbl name="fgAcc3">
-    <dgm:fillClrLst meth="repeat">
-      <a:schemeClr val="lt1">
-        <a:alpha val="90000"/>
-      </a:schemeClr>
-    </dgm:fillClrLst>
-    <dgm:linClrLst meth="repeat">
-      <a:schemeClr val="accent1"/>
-    </dgm:linClrLst>
-    <dgm:effectClrLst/>
-    <dgm:txLinClrLst/>
-    <dgm:txFillClrLst meth="repeat">
-      <a:schemeClr val="dk1"/>
-    </dgm:txFillClrLst>
-    <dgm:txEffectClrLst/>
-  </dgm:styleLbl>
-  <dgm:styleLbl name="fgAcc4">
-    <dgm:fillClrLst meth="repeat">
-      <a:schemeClr val="lt1">
-        <a:alpha val="90000"/>
-      </a:schemeClr>
-    </dgm:fillClrLst>
-    <dgm:linClrLst meth="repeat">
-      <a:schemeClr val="accent1"/>
-    </dgm:linClrLst>
-    <dgm:effectClrLst/>
-    <dgm:txLinClrLst/>
-    <dgm:txFillClrLst meth="repeat">
-      <a:schemeClr val="dk1"/>
-    </dgm:txFillClrLst>
-    <dgm:txEffectClrLst/>
-  </dgm:styleLbl>
-  <dgm:styleLbl name="bgShp">
-    <dgm:fillClrLst meth="repeat">
-      <a:schemeClr val="accent1">
-        <a:tint val="40000"/>
-      </a:schemeClr>
-    </dgm:fillClrLst>
-    <dgm:linClrLst meth="repeat">
-      <a:schemeClr val="accent1"/>
-    </dgm:linClrLst>
-    <dgm:effectClrLst/>
-    <dgm:txLinClrLst/>
-    <dgm:txFillClrLst meth="repeat">
-      <a:schemeClr val="dk1"/>
-    </dgm:txFillClrLst>
-    <dgm:txEffectClrLst/>
-  </dgm:styleLbl>
-  <dgm:styleLbl name="dkBgShp">
-    <dgm:fillClrLst meth="repeat">
-      <a:schemeClr val="accent1">
-        <a:shade val="80000"/>
-      </a:schemeClr>
-    </dgm:fillClrLst>
-    <dgm:linClrLst meth="repeat">
-      <a:schemeClr val="accent1"/>
-    </dgm:linClrLst>
-    <dgm:effectClrLst/>
-    <dgm:txLinClrLst/>
-    <dgm:txFillClrLst meth="repeat">
-      <a:schemeClr val="lt1"/>
-    </dgm:txFillClrLst>
-    <dgm:txEffectClrLst/>
-  </dgm:styleLbl>
-  <dgm:styleLbl name="trBgShp">
-    <dgm:fillClrLst meth="repeat">
-      <a:schemeClr val="accent1">
-        <a:tint val="50000"/>
-        <a:alpha val="40000"/>
-      </a:schemeClr>
-    </dgm:fillClrLst>
-    <dgm:linClrLst meth="repeat">
-      <a:schemeClr val="accent1"/>
-    </dgm:linClrLst>
-    <dgm:effectClrLst/>
-    <dgm:txLinClrLst/>
-    <dgm:txFillClrLst meth="repeat">
-      <a:schemeClr val="lt1"/>
-    </dgm:txFillClrLst>
-    <dgm:txEffectClrLst/>
-  </dgm:styleLbl>
-  <dgm:styleLbl name="fgShp">
-    <dgm:fillClrLst meth="repeat">
-      <a:schemeClr val="accent1">
-        <a:tint val="60000"/>
-      </a:schemeClr>
-    </dgm:fillClrLst>
-    <dgm:linClrLst meth="repeat">
-      <a:schemeClr val="lt1"/>
-    </dgm:linClrLst>
-    <dgm:effectClrLst/>
-    <dgm:txLinClrLst/>
-    <dgm:txFillClrLst meth="repeat">
-      <a:schemeClr val="dk1"/>
-    </dgm:txFillClrLst>
-    <dgm:txEffectClrLst/>
-  </dgm:styleLbl>
-  <dgm:styleLbl name="revTx">
-    <dgm:fillClrLst meth="repeat">
-      <a:schemeClr val="lt1">
-        <a:alpha val="0"/>
-      </a:schemeClr>
-    </dgm:fillClrLst>
-    <dgm:linClrLst meth="repeat">
-      <a:schemeClr val="dk1">
-        <a:alpha val="0"/>
-      </a:schemeClr>
-    </dgm:linClrLst>
-    <dgm:effectClrLst/>
-    <dgm:txLinClrLst/>
-    <dgm:txFillClrLst meth="repeat">
-      <a:schemeClr val="tx1"/>
-    </dgm:txFillClrLst>
-    <dgm:txEffectClrLst/>
-  </dgm:styleLbl>
-</dgm:colorsDef>
-</file>
-
-<file path=ppt/diagrams/colors3.xml><?xml version="1.0" encoding="utf-8"?>
 <dgm:colorsDef xmlns:dgm="http://schemas.openxmlformats.org/drawingml/2006/diagram" xmlns:a="http://schemas.openxmlformats.org/drawingml/2006/main" uniqueId="urn:microsoft.com/office/officeart/2005/8/colors/accent1_2">
   <dgm:title val=""/>
   <dgm:desc val=""/>
@@ -2869,304 +2111,6 @@
   <dgm:extLst>
     <a:ext uri="http://schemas.microsoft.com/office/drawing/2008/diagram">
       <dsp:dataModelExt xmlns:dsp="http://schemas.microsoft.com/office/drawing/2008/diagram" relId="rId7" minVer="http://schemas.openxmlformats.org/drawingml/2006/diagram"/>
-    </a:ext>
-  </dgm:extLst>
-</dgm:dataModel>
-</file>
-
-<file path=ppt/diagrams/data3.xml><?xml version="1.0" encoding="utf-8"?>
-<dgm:dataModel xmlns:dgm="http://schemas.openxmlformats.org/drawingml/2006/diagram" xmlns:a="http://schemas.openxmlformats.org/drawingml/2006/main">
-  <dgm:ptLst>
-    <dgm:pt modelId="{B024D95A-30B9-CC45-A1BF-CB200818752E}" type="doc">
-      <dgm:prSet loTypeId="urn:microsoft.com/office/officeart/2005/8/layout/hierarchy1" loCatId="" qsTypeId="urn:microsoft.com/office/officeart/2005/8/quickstyle/simple4" qsCatId="simple" csTypeId="urn:microsoft.com/office/officeart/2005/8/colors/accent1_2" csCatId="accent1" phldr="1"/>
-      <dgm:spPr/>
-      <dgm:t>
-        <a:bodyPr/>
-        <a:lstStyle/>
-        <a:p>
-          <a:endParaRPr lang="en-US"/>
-        </a:p>
-      </dgm:t>
-    </dgm:pt>
-    <dgm:pt modelId="{3ADB2364-75C2-C745-9BC3-13A12D772BEB}">
-      <dgm:prSet phldrT="[Text]"/>
-      <dgm:spPr/>
-      <dgm:t>
-        <a:bodyPr/>
-        <a:lstStyle/>
-        <a:p>
-          <a:r>
-            <a:rPr lang="en-US" dirty="0" smtClean="0"/>
-            <a:t>Stance Model</a:t>
-          </a:r>
-          <a:endParaRPr lang="en-US" dirty="0"/>
-        </a:p>
-      </dgm:t>
-    </dgm:pt>
-    <dgm:pt modelId="{8C23E21C-25AB-AE41-8239-4C674B1ED7BE}" type="parTrans" cxnId="{A700A1F6-A99E-3246-9304-273C51249CA1}">
-      <dgm:prSet/>
-      <dgm:spPr/>
-      <dgm:t>
-        <a:bodyPr/>
-        <a:lstStyle/>
-        <a:p>
-          <a:endParaRPr lang="en-US"/>
-        </a:p>
-      </dgm:t>
-    </dgm:pt>
-    <dgm:pt modelId="{36050D71-4E75-914B-85C7-CB4DB1D04B76}" type="sibTrans" cxnId="{A700A1F6-A99E-3246-9304-273C51249CA1}">
-      <dgm:prSet/>
-      <dgm:spPr/>
-      <dgm:t>
-        <a:bodyPr/>
-        <a:lstStyle/>
-        <a:p>
-          <a:endParaRPr lang="en-US"/>
-        </a:p>
-      </dgm:t>
-    </dgm:pt>
-    <dgm:pt modelId="{BC2D6196-ED7D-594B-BCA9-A4FE367784DD}">
-      <dgm:prSet phldrT="[Text]"/>
-      <dgm:spPr/>
-      <dgm:t>
-        <a:bodyPr/>
-        <a:lstStyle/>
-        <a:p>
-          <a:r>
-            <a:rPr lang="en-US" dirty="0" smtClean="0"/>
-            <a:t>Fashion Model</a:t>
-          </a:r>
-          <a:endParaRPr lang="en-US" dirty="0"/>
-        </a:p>
-      </dgm:t>
-    </dgm:pt>
-    <dgm:pt modelId="{F7A25E7A-364E-604E-90E2-1FAA4674CF52}" type="parTrans" cxnId="{97B6ED9A-FDA4-AA42-A5CC-80FAE1C936D6}">
-      <dgm:prSet/>
-      <dgm:spPr/>
-      <dgm:t>
-        <a:bodyPr/>
-        <a:lstStyle/>
-        <a:p>
-          <a:endParaRPr lang="en-US"/>
-        </a:p>
-      </dgm:t>
-    </dgm:pt>
-    <dgm:pt modelId="{D6C077F7-FF0C-5845-B901-CF64FFA40C32}" type="sibTrans" cxnId="{97B6ED9A-FDA4-AA42-A5CC-80FAE1C936D6}">
-      <dgm:prSet/>
-      <dgm:spPr/>
-      <dgm:t>
-        <a:bodyPr/>
-        <a:lstStyle/>
-        <a:p>
-          <a:endParaRPr lang="en-US"/>
-        </a:p>
-      </dgm:t>
-    </dgm:pt>
-    <dgm:pt modelId="{78C9BB4D-2AB5-C84F-9A74-3661421ED247}">
-      <dgm:prSet phldrT="[Text]"/>
-      <dgm:spPr/>
-      <dgm:t>
-        <a:bodyPr/>
-        <a:lstStyle/>
-        <a:p>
-          <a:r>
-            <a:rPr lang="en-US" dirty="0" smtClean="0"/>
-            <a:t>Finance Model</a:t>
-          </a:r>
-          <a:endParaRPr lang="en-US" dirty="0"/>
-        </a:p>
-      </dgm:t>
-    </dgm:pt>
-    <dgm:pt modelId="{17885A37-9EE6-794A-AD29-C80177E32105}" type="parTrans" cxnId="{02B73BF9-2BF5-3B4A-A1E0-9A5956806A18}">
-      <dgm:prSet/>
-      <dgm:spPr/>
-      <dgm:t>
-        <a:bodyPr/>
-        <a:lstStyle/>
-        <a:p>
-          <a:endParaRPr lang="en-US"/>
-        </a:p>
-      </dgm:t>
-    </dgm:pt>
-    <dgm:pt modelId="{6CE4C160-E81E-2C44-A195-46B7F063FA27}" type="sibTrans" cxnId="{02B73BF9-2BF5-3B4A-A1E0-9A5956806A18}">
-      <dgm:prSet/>
-      <dgm:spPr/>
-      <dgm:t>
-        <a:bodyPr/>
-        <a:lstStyle/>
-        <a:p>
-          <a:endParaRPr lang="en-US"/>
-        </a:p>
-      </dgm:t>
-    </dgm:pt>
-    <dgm:pt modelId="{38C370E5-6B60-FD4D-93CB-9632EEC07773}" type="pres">
-      <dgm:prSet presAssocID="{B024D95A-30B9-CC45-A1BF-CB200818752E}" presName="hierChild1" presStyleCnt="0">
-        <dgm:presLayoutVars>
-          <dgm:chPref val="1"/>
-          <dgm:dir/>
-          <dgm:animOne val="branch"/>
-          <dgm:animLvl val="lvl"/>
-          <dgm:resizeHandles/>
-        </dgm:presLayoutVars>
-      </dgm:prSet>
-      <dgm:spPr/>
-      <dgm:t>
-        <a:bodyPr/>
-        <a:lstStyle/>
-        <a:p>
-          <a:endParaRPr lang="en-US"/>
-        </a:p>
-      </dgm:t>
-    </dgm:pt>
-    <dgm:pt modelId="{6CE9CA63-5451-6A4B-9D32-F72498ED41DA}" type="pres">
-      <dgm:prSet presAssocID="{3ADB2364-75C2-C745-9BC3-13A12D772BEB}" presName="hierRoot1" presStyleCnt="0"/>
-      <dgm:spPr/>
-    </dgm:pt>
-    <dgm:pt modelId="{D191744A-5D06-1D47-93E0-393342349D96}" type="pres">
-      <dgm:prSet presAssocID="{3ADB2364-75C2-C745-9BC3-13A12D772BEB}" presName="composite" presStyleCnt="0"/>
-      <dgm:spPr/>
-    </dgm:pt>
-    <dgm:pt modelId="{7DDF201A-F444-4345-A1A1-AEF2A4BB6A14}" type="pres">
-      <dgm:prSet presAssocID="{3ADB2364-75C2-C745-9BC3-13A12D772BEB}" presName="background" presStyleLbl="node0" presStyleIdx="0" presStyleCnt="1"/>
-      <dgm:spPr/>
-    </dgm:pt>
-    <dgm:pt modelId="{5C240A09-E82C-5140-AFCF-7A220B9DE7F1}" type="pres">
-      <dgm:prSet presAssocID="{3ADB2364-75C2-C745-9BC3-13A12D772BEB}" presName="text" presStyleLbl="fgAcc0" presStyleIdx="0" presStyleCnt="1" custLinFactNeighborX="895" custLinFactNeighborY="-115">
-        <dgm:presLayoutVars>
-          <dgm:chPref val="3"/>
-        </dgm:presLayoutVars>
-      </dgm:prSet>
-      <dgm:spPr/>
-      <dgm:t>
-        <a:bodyPr/>
-        <a:lstStyle/>
-        <a:p>
-          <a:endParaRPr lang="en-US"/>
-        </a:p>
-      </dgm:t>
-    </dgm:pt>
-    <dgm:pt modelId="{2D95F9D5-1B6D-D74C-8A20-32279FBFF6CC}" type="pres">
-      <dgm:prSet presAssocID="{3ADB2364-75C2-C745-9BC3-13A12D772BEB}" presName="hierChild2" presStyleCnt="0"/>
-      <dgm:spPr/>
-    </dgm:pt>
-    <dgm:pt modelId="{55CABC5F-D9AF-D242-8035-6C3F837FDFF8}" type="pres">
-      <dgm:prSet presAssocID="{F7A25E7A-364E-604E-90E2-1FAA4674CF52}" presName="Name10" presStyleLbl="parChTrans1D2" presStyleIdx="0" presStyleCnt="2"/>
-      <dgm:spPr/>
-      <dgm:t>
-        <a:bodyPr/>
-        <a:lstStyle/>
-        <a:p>
-          <a:endParaRPr lang="en-US"/>
-        </a:p>
-      </dgm:t>
-    </dgm:pt>
-    <dgm:pt modelId="{BBB76A66-55E1-FF46-9B3D-4A0480CE3374}" type="pres">
-      <dgm:prSet presAssocID="{BC2D6196-ED7D-594B-BCA9-A4FE367784DD}" presName="hierRoot2" presStyleCnt="0"/>
-      <dgm:spPr/>
-    </dgm:pt>
-    <dgm:pt modelId="{7ED4B132-DC36-3D4E-927C-09758CA49FB6}" type="pres">
-      <dgm:prSet presAssocID="{BC2D6196-ED7D-594B-BCA9-A4FE367784DD}" presName="composite2" presStyleCnt="0"/>
-      <dgm:spPr/>
-    </dgm:pt>
-    <dgm:pt modelId="{4BD93975-27E9-B749-8B06-4136446FD7FC}" type="pres">
-      <dgm:prSet presAssocID="{BC2D6196-ED7D-594B-BCA9-A4FE367784DD}" presName="background2" presStyleLbl="node2" presStyleIdx="0" presStyleCnt="2"/>
-      <dgm:spPr/>
-    </dgm:pt>
-    <dgm:pt modelId="{8B3CDEA6-B010-B64B-B61A-A8819C5E7316}" type="pres">
-      <dgm:prSet presAssocID="{BC2D6196-ED7D-594B-BCA9-A4FE367784DD}" presName="text2" presStyleLbl="fgAcc2" presStyleIdx="0" presStyleCnt="2">
-        <dgm:presLayoutVars>
-          <dgm:chPref val="3"/>
-        </dgm:presLayoutVars>
-      </dgm:prSet>
-      <dgm:spPr/>
-      <dgm:t>
-        <a:bodyPr/>
-        <a:lstStyle/>
-        <a:p>
-          <a:endParaRPr lang="en-US"/>
-        </a:p>
-      </dgm:t>
-    </dgm:pt>
-    <dgm:pt modelId="{04011833-D140-9741-9F80-F4F1A2B2645A}" type="pres">
-      <dgm:prSet presAssocID="{BC2D6196-ED7D-594B-BCA9-A4FE367784DD}" presName="hierChild3" presStyleCnt="0"/>
-      <dgm:spPr/>
-    </dgm:pt>
-    <dgm:pt modelId="{7D5694B7-AC48-D14A-A9D0-4DDDD76A1177}" type="pres">
-      <dgm:prSet presAssocID="{17885A37-9EE6-794A-AD29-C80177E32105}" presName="Name10" presStyleLbl="parChTrans1D2" presStyleIdx="1" presStyleCnt="2"/>
-      <dgm:spPr/>
-      <dgm:t>
-        <a:bodyPr/>
-        <a:lstStyle/>
-        <a:p>
-          <a:endParaRPr lang="en-US"/>
-        </a:p>
-      </dgm:t>
-    </dgm:pt>
-    <dgm:pt modelId="{C33FA435-0642-F84F-A048-714EB8A496CD}" type="pres">
-      <dgm:prSet presAssocID="{78C9BB4D-2AB5-C84F-9A74-3661421ED247}" presName="hierRoot2" presStyleCnt="0"/>
-      <dgm:spPr/>
-    </dgm:pt>
-    <dgm:pt modelId="{D858400C-3268-0646-A809-754DBD7441ED}" type="pres">
-      <dgm:prSet presAssocID="{78C9BB4D-2AB5-C84F-9A74-3661421ED247}" presName="composite2" presStyleCnt="0"/>
-      <dgm:spPr/>
-    </dgm:pt>
-    <dgm:pt modelId="{8BD90299-E781-D740-A958-4F92A6A6E35B}" type="pres">
-      <dgm:prSet presAssocID="{78C9BB4D-2AB5-C84F-9A74-3661421ED247}" presName="background2" presStyleLbl="node2" presStyleIdx="1" presStyleCnt="2"/>
-      <dgm:spPr/>
-    </dgm:pt>
-    <dgm:pt modelId="{B3115A6C-A995-C84F-90C2-3D4FA9093C93}" type="pres">
-      <dgm:prSet presAssocID="{78C9BB4D-2AB5-C84F-9A74-3661421ED247}" presName="text2" presStyleLbl="fgAcc2" presStyleIdx="1" presStyleCnt="2">
-        <dgm:presLayoutVars>
-          <dgm:chPref val="3"/>
-        </dgm:presLayoutVars>
-      </dgm:prSet>
-      <dgm:spPr/>
-      <dgm:t>
-        <a:bodyPr/>
-        <a:lstStyle/>
-        <a:p>
-          <a:endParaRPr lang="en-US"/>
-        </a:p>
-      </dgm:t>
-    </dgm:pt>
-    <dgm:pt modelId="{FF3E7589-144C-134F-8ED4-977471249AD0}" type="pres">
-      <dgm:prSet presAssocID="{78C9BB4D-2AB5-C84F-9A74-3661421ED247}" presName="hierChild3" presStyleCnt="0"/>
-      <dgm:spPr/>
-    </dgm:pt>
-  </dgm:ptLst>
-  <dgm:cxnLst>
-    <dgm:cxn modelId="{3FB4673A-E00F-CC47-BD27-47C354BC4CAC}" type="presOf" srcId="{3ADB2364-75C2-C745-9BC3-13A12D772BEB}" destId="{5C240A09-E82C-5140-AFCF-7A220B9DE7F1}" srcOrd="0" destOrd="0" presId="urn:microsoft.com/office/officeart/2005/8/layout/hierarchy1"/>
-    <dgm:cxn modelId="{937920C2-04C4-2149-9224-ED746872E283}" type="presOf" srcId="{B024D95A-30B9-CC45-A1BF-CB200818752E}" destId="{38C370E5-6B60-FD4D-93CB-9632EEC07773}" srcOrd="0" destOrd="0" presId="urn:microsoft.com/office/officeart/2005/8/layout/hierarchy1"/>
-    <dgm:cxn modelId="{A700A1F6-A99E-3246-9304-273C51249CA1}" srcId="{B024D95A-30B9-CC45-A1BF-CB200818752E}" destId="{3ADB2364-75C2-C745-9BC3-13A12D772BEB}" srcOrd="0" destOrd="0" parTransId="{8C23E21C-25AB-AE41-8239-4C674B1ED7BE}" sibTransId="{36050D71-4E75-914B-85C7-CB4DB1D04B76}"/>
-    <dgm:cxn modelId="{3EF371E0-6A70-0E4F-96D5-629130F99D2F}" type="presOf" srcId="{BC2D6196-ED7D-594B-BCA9-A4FE367784DD}" destId="{8B3CDEA6-B010-B64B-B61A-A8819C5E7316}" srcOrd="0" destOrd="0" presId="urn:microsoft.com/office/officeart/2005/8/layout/hierarchy1"/>
-    <dgm:cxn modelId="{7918B857-DB32-E44D-A621-93320936067D}" type="presOf" srcId="{17885A37-9EE6-794A-AD29-C80177E32105}" destId="{7D5694B7-AC48-D14A-A9D0-4DDDD76A1177}" srcOrd="0" destOrd="0" presId="urn:microsoft.com/office/officeart/2005/8/layout/hierarchy1"/>
-    <dgm:cxn modelId="{97B6ED9A-FDA4-AA42-A5CC-80FAE1C936D6}" srcId="{3ADB2364-75C2-C745-9BC3-13A12D772BEB}" destId="{BC2D6196-ED7D-594B-BCA9-A4FE367784DD}" srcOrd="0" destOrd="0" parTransId="{F7A25E7A-364E-604E-90E2-1FAA4674CF52}" sibTransId="{D6C077F7-FF0C-5845-B901-CF64FFA40C32}"/>
-    <dgm:cxn modelId="{02B73BF9-2BF5-3B4A-A1E0-9A5956806A18}" srcId="{3ADB2364-75C2-C745-9BC3-13A12D772BEB}" destId="{78C9BB4D-2AB5-C84F-9A74-3661421ED247}" srcOrd="1" destOrd="0" parTransId="{17885A37-9EE6-794A-AD29-C80177E32105}" sibTransId="{6CE4C160-E81E-2C44-A195-46B7F063FA27}"/>
-    <dgm:cxn modelId="{2E206709-529E-384D-BA27-D30DCAF28C7F}" type="presOf" srcId="{F7A25E7A-364E-604E-90E2-1FAA4674CF52}" destId="{55CABC5F-D9AF-D242-8035-6C3F837FDFF8}" srcOrd="0" destOrd="0" presId="urn:microsoft.com/office/officeart/2005/8/layout/hierarchy1"/>
-    <dgm:cxn modelId="{B670B48D-8C4D-A544-A76B-66213BCBE418}" type="presOf" srcId="{78C9BB4D-2AB5-C84F-9A74-3661421ED247}" destId="{B3115A6C-A995-C84F-90C2-3D4FA9093C93}" srcOrd="0" destOrd="0" presId="urn:microsoft.com/office/officeart/2005/8/layout/hierarchy1"/>
-    <dgm:cxn modelId="{14454BC9-55E9-5044-9D5F-92D44A1223D9}" type="presParOf" srcId="{38C370E5-6B60-FD4D-93CB-9632EEC07773}" destId="{6CE9CA63-5451-6A4B-9D32-F72498ED41DA}" srcOrd="0" destOrd="0" presId="urn:microsoft.com/office/officeart/2005/8/layout/hierarchy1"/>
-    <dgm:cxn modelId="{1C1C6614-21AC-784F-9368-B22853BE8B1D}" type="presParOf" srcId="{6CE9CA63-5451-6A4B-9D32-F72498ED41DA}" destId="{D191744A-5D06-1D47-93E0-393342349D96}" srcOrd="0" destOrd="0" presId="urn:microsoft.com/office/officeart/2005/8/layout/hierarchy1"/>
-    <dgm:cxn modelId="{52E2F944-9DEE-464C-9945-121129BAAAD7}" type="presParOf" srcId="{D191744A-5D06-1D47-93E0-393342349D96}" destId="{7DDF201A-F444-4345-A1A1-AEF2A4BB6A14}" srcOrd="0" destOrd="0" presId="urn:microsoft.com/office/officeart/2005/8/layout/hierarchy1"/>
-    <dgm:cxn modelId="{AFB46DE9-99AC-794D-8572-35A74F23BC34}" type="presParOf" srcId="{D191744A-5D06-1D47-93E0-393342349D96}" destId="{5C240A09-E82C-5140-AFCF-7A220B9DE7F1}" srcOrd="1" destOrd="0" presId="urn:microsoft.com/office/officeart/2005/8/layout/hierarchy1"/>
-    <dgm:cxn modelId="{43F4396B-2C7F-DE48-81E4-71A14EDD7CE7}" type="presParOf" srcId="{6CE9CA63-5451-6A4B-9D32-F72498ED41DA}" destId="{2D95F9D5-1B6D-D74C-8A20-32279FBFF6CC}" srcOrd="1" destOrd="0" presId="urn:microsoft.com/office/officeart/2005/8/layout/hierarchy1"/>
-    <dgm:cxn modelId="{C991F31F-978E-E947-9C22-A241386A652C}" type="presParOf" srcId="{2D95F9D5-1B6D-D74C-8A20-32279FBFF6CC}" destId="{55CABC5F-D9AF-D242-8035-6C3F837FDFF8}" srcOrd="0" destOrd="0" presId="urn:microsoft.com/office/officeart/2005/8/layout/hierarchy1"/>
-    <dgm:cxn modelId="{96BE140A-B766-9240-86D4-1F4260A7B8E3}" type="presParOf" srcId="{2D95F9D5-1B6D-D74C-8A20-32279FBFF6CC}" destId="{BBB76A66-55E1-FF46-9B3D-4A0480CE3374}" srcOrd="1" destOrd="0" presId="urn:microsoft.com/office/officeart/2005/8/layout/hierarchy1"/>
-    <dgm:cxn modelId="{DAD55ED6-3D3C-EE4E-BCD7-7F828DF75518}" type="presParOf" srcId="{BBB76A66-55E1-FF46-9B3D-4A0480CE3374}" destId="{7ED4B132-DC36-3D4E-927C-09758CA49FB6}" srcOrd="0" destOrd="0" presId="urn:microsoft.com/office/officeart/2005/8/layout/hierarchy1"/>
-    <dgm:cxn modelId="{D83BC37A-7252-B145-AFF3-76894E939822}" type="presParOf" srcId="{7ED4B132-DC36-3D4E-927C-09758CA49FB6}" destId="{4BD93975-27E9-B749-8B06-4136446FD7FC}" srcOrd="0" destOrd="0" presId="urn:microsoft.com/office/officeart/2005/8/layout/hierarchy1"/>
-    <dgm:cxn modelId="{9963063C-8F25-3F42-98A2-83F0DC70AA17}" type="presParOf" srcId="{7ED4B132-DC36-3D4E-927C-09758CA49FB6}" destId="{8B3CDEA6-B010-B64B-B61A-A8819C5E7316}" srcOrd="1" destOrd="0" presId="urn:microsoft.com/office/officeart/2005/8/layout/hierarchy1"/>
-    <dgm:cxn modelId="{270FB8FF-BD1D-D743-9AA4-404CF9DD2A44}" type="presParOf" srcId="{BBB76A66-55E1-FF46-9B3D-4A0480CE3374}" destId="{04011833-D140-9741-9F80-F4F1A2B2645A}" srcOrd="1" destOrd="0" presId="urn:microsoft.com/office/officeart/2005/8/layout/hierarchy1"/>
-    <dgm:cxn modelId="{5A4FAB83-2725-C840-BF80-6075E686A05E}" type="presParOf" srcId="{2D95F9D5-1B6D-D74C-8A20-32279FBFF6CC}" destId="{7D5694B7-AC48-D14A-A9D0-4DDDD76A1177}" srcOrd="2" destOrd="0" presId="urn:microsoft.com/office/officeart/2005/8/layout/hierarchy1"/>
-    <dgm:cxn modelId="{F3AEF7EC-F2EE-7443-A7E7-BFA7C25FD5A9}" type="presParOf" srcId="{2D95F9D5-1B6D-D74C-8A20-32279FBFF6CC}" destId="{C33FA435-0642-F84F-A048-714EB8A496CD}" srcOrd="3" destOrd="0" presId="urn:microsoft.com/office/officeart/2005/8/layout/hierarchy1"/>
-    <dgm:cxn modelId="{34F24C60-B47D-7B4C-8ED6-8B14A2F036EE}" type="presParOf" srcId="{C33FA435-0642-F84F-A048-714EB8A496CD}" destId="{D858400C-3268-0646-A809-754DBD7441ED}" srcOrd="0" destOrd="0" presId="urn:microsoft.com/office/officeart/2005/8/layout/hierarchy1"/>
-    <dgm:cxn modelId="{FFD3A8C2-F002-1F42-895F-F4CC432FF774}" type="presParOf" srcId="{D858400C-3268-0646-A809-754DBD7441ED}" destId="{8BD90299-E781-D740-A958-4F92A6A6E35B}" srcOrd="0" destOrd="0" presId="urn:microsoft.com/office/officeart/2005/8/layout/hierarchy1"/>
-    <dgm:cxn modelId="{BFC295E8-DAAA-794B-99BF-3DA007F0D885}" type="presParOf" srcId="{D858400C-3268-0646-A809-754DBD7441ED}" destId="{B3115A6C-A995-C84F-90C2-3D4FA9093C93}" srcOrd="1" destOrd="0" presId="urn:microsoft.com/office/officeart/2005/8/layout/hierarchy1"/>
-    <dgm:cxn modelId="{3D92A671-BCB9-D049-9C0D-EEF824FC829A}" type="presParOf" srcId="{C33FA435-0642-F84F-A048-714EB8A496CD}" destId="{FF3E7589-144C-134F-8ED4-977471249AD0}" srcOrd="1" destOrd="0" presId="urn:microsoft.com/office/officeart/2005/8/layout/hierarchy1"/>
-  </dgm:cxnLst>
-  <dgm:bg/>
-  <dgm:whole/>
-  <dgm:extLst>
-    <a:ext uri="http://schemas.microsoft.com/office/drawing/2008/diagram">
-      <dsp:dataModelExt xmlns:dsp="http://schemas.microsoft.com/office/drawing/2008/diagram" relId="rId6" minVer="http://schemas.openxmlformats.org/drawingml/2006/diagram"/>
     </a:ext>
   </dgm:extLst>
 </dgm:dataModel>
@@ -4336,638 +3280,6 @@
 </dsp:drawing>
 </file>
 
-<file path=ppt/diagrams/drawing3.xml><?xml version="1.0" encoding="utf-8"?>
-<dsp:drawing xmlns:dgm="http://schemas.openxmlformats.org/drawingml/2006/diagram" xmlns:dsp="http://schemas.microsoft.com/office/drawing/2008/diagram" xmlns:a="http://schemas.openxmlformats.org/drawingml/2006/main">
-  <dsp:spTree>
-    <dsp:nvGrpSpPr>
-      <dsp:cNvPr id="0" name=""/>
-      <dsp:cNvGrpSpPr/>
-    </dsp:nvGrpSpPr>
-    <dsp:grpSpPr/>
-    <dsp:sp modelId="{7D5694B7-AC48-D14A-A9D0-4DDDD76A1177}">
-      <dsp:nvSpPr>
-        <dsp:cNvPr id="0" name=""/>
-        <dsp:cNvSpPr/>
-      </dsp:nvSpPr>
-      <dsp:spPr>
-        <a:xfrm>
-          <a:off x="2430137" y="1150792"/>
-          <a:ext cx="1091284" cy="528394"/>
-        </a:xfrm>
-        <a:custGeom>
-          <a:avLst/>
-          <a:gdLst/>
-          <a:ahLst/>
-          <a:cxnLst/>
-          <a:rect l="0" t="0" r="0" b="0"/>
-          <a:pathLst>
-            <a:path>
-              <a:moveTo>
-                <a:pt x="0" y="0"/>
-              </a:moveTo>
-              <a:lnTo>
-                <a:pt x="0" y="360507"/>
-              </a:lnTo>
-              <a:lnTo>
-                <a:pt x="1091284" y="360507"/>
-              </a:lnTo>
-              <a:lnTo>
-                <a:pt x="1091284" y="528394"/>
-              </a:lnTo>
-            </a:path>
-          </a:pathLst>
-        </a:custGeom>
-        <a:noFill/>
-        <a:ln w="9525" cap="flat" cmpd="sng" algn="ctr">
-          <a:solidFill>
-            <a:schemeClr val="accent1">
-              <a:shade val="60000"/>
-              <a:hueOff val="0"/>
-              <a:satOff val="0"/>
-              <a:lumOff val="0"/>
-              <a:alphaOff val="0"/>
-            </a:schemeClr>
-          </a:solidFill>
-          <a:prstDash val="solid"/>
-        </a:ln>
-        <a:effectLst/>
-      </dsp:spPr>
-      <dsp:style>
-        <a:lnRef idx="1">
-          <a:scrgbClr r="0" g="0" b="0"/>
-        </a:lnRef>
-        <a:fillRef idx="0">
-          <a:scrgbClr r="0" g="0" b="0"/>
-        </a:fillRef>
-        <a:effectRef idx="0">
-          <a:scrgbClr r="0" g="0" b="0"/>
-        </a:effectRef>
-        <a:fontRef idx="minor"/>
-      </dsp:style>
-    </dsp:sp>
-    <dsp:sp modelId="{55CABC5F-D9AF-D242-8035-6C3F837FDFF8}">
-      <dsp:nvSpPr>
-        <dsp:cNvPr id="0" name=""/>
-        <dsp:cNvSpPr/>
-      </dsp:nvSpPr>
-      <dsp:spPr>
-        <a:xfrm>
-          <a:off x="1306413" y="1150792"/>
-          <a:ext cx="1123724" cy="528394"/>
-        </a:xfrm>
-        <a:custGeom>
-          <a:avLst/>
-          <a:gdLst/>
-          <a:ahLst/>
-          <a:cxnLst/>
-          <a:rect l="0" t="0" r="0" b="0"/>
-          <a:pathLst>
-            <a:path>
-              <a:moveTo>
-                <a:pt x="1123724" y="0"/>
-              </a:moveTo>
-              <a:lnTo>
-                <a:pt x="1123724" y="360507"/>
-              </a:lnTo>
-              <a:lnTo>
-                <a:pt x="0" y="360507"/>
-              </a:lnTo>
-              <a:lnTo>
-                <a:pt x="0" y="528394"/>
-              </a:lnTo>
-            </a:path>
-          </a:pathLst>
-        </a:custGeom>
-        <a:noFill/>
-        <a:ln w="9525" cap="flat" cmpd="sng" algn="ctr">
-          <a:solidFill>
-            <a:schemeClr val="accent1">
-              <a:shade val="60000"/>
-              <a:hueOff val="0"/>
-              <a:satOff val="0"/>
-              <a:lumOff val="0"/>
-              <a:alphaOff val="0"/>
-            </a:schemeClr>
-          </a:solidFill>
-          <a:prstDash val="solid"/>
-        </a:ln>
-        <a:effectLst/>
-      </dsp:spPr>
-      <dsp:style>
-        <a:lnRef idx="1">
-          <a:scrgbClr r="0" g="0" b="0"/>
-        </a:lnRef>
-        <a:fillRef idx="0">
-          <a:scrgbClr r="0" g="0" b="0"/>
-        </a:fillRef>
-        <a:effectRef idx="0">
-          <a:scrgbClr r="0" g="0" b="0"/>
-        </a:effectRef>
-        <a:fontRef idx="minor"/>
-      </dsp:style>
-    </dsp:sp>
-    <dsp:sp modelId="{7DDF201A-F444-4345-A1A1-AEF2A4BB6A14}">
-      <dsp:nvSpPr>
-        <dsp:cNvPr id="0" name=""/>
-        <dsp:cNvSpPr/>
-      </dsp:nvSpPr>
-      <dsp:spPr>
-        <a:xfrm>
-          <a:off x="1523997" y="-5"/>
-          <a:ext cx="1812280" cy="1150797"/>
-        </a:xfrm>
-        <a:prstGeom prst="roundRect">
-          <a:avLst>
-            <a:gd name="adj" fmla="val 10000"/>
-          </a:avLst>
-        </a:prstGeom>
-        <a:gradFill rotWithShape="0">
-          <a:gsLst>
-            <a:gs pos="0">
-              <a:schemeClr val="accent1">
-                <a:hueOff val="0"/>
-                <a:satOff val="0"/>
-                <a:lumOff val="0"/>
-                <a:alphaOff val="0"/>
-                <a:shade val="15000"/>
-                <a:satMod val="180000"/>
-              </a:schemeClr>
-            </a:gs>
-            <a:gs pos="50000">
-              <a:schemeClr val="accent1">
-                <a:hueOff val="0"/>
-                <a:satOff val="0"/>
-                <a:lumOff val="0"/>
-                <a:alphaOff val="0"/>
-                <a:shade val="45000"/>
-                <a:satMod val="170000"/>
-              </a:schemeClr>
-            </a:gs>
-            <a:gs pos="70000">
-              <a:schemeClr val="accent1">
-                <a:hueOff val="0"/>
-                <a:satOff val="0"/>
-                <a:lumOff val="0"/>
-                <a:alphaOff val="0"/>
-                <a:tint val="99000"/>
-                <a:shade val="65000"/>
-                <a:satMod val="155000"/>
-              </a:schemeClr>
-            </a:gs>
-            <a:gs pos="100000">
-              <a:schemeClr val="accent1">
-                <a:hueOff val="0"/>
-                <a:satOff val="0"/>
-                <a:lumOff val="0"/>
-                <a:alphaOff val="0"/>
-                <a:tint val="95500"/>
-                <a:shade val="100000"/>
-                <a:satMod val="155000"/>
-              </a:schemeClr>
-            </a:gs>
-          </a:gsLst>
-          <a:lin ang="16200000" scaled="0"/>
-        </a:gradFill>
-        <a:ln>
-          <a:noFill/>
-        </a:ln>
-        <a:effectLst>
-          <a:outerShdw blurRad="50800" dist="38100" dir="5400000" rotWithShape="0">
-            <a:srgbClr val="000000">
-              <a:alpha val="35000"/>
-            </a:srgbClr>
-          </a:outerShdw>
-        </a:effectLst>
-      </dsp:spPr>
-      <dsp:style>
-        <a:lnRef idx="0">
-          <a:scrgbClr r="0" g="0" b="0"/>
-        </a:lnRef>
-        <a:fillRef idx="3">
-          <a:scrgbClr r="0" g="0" b="0"/>
-        </a:fillRef>
-        <a:effectRef idx="2">
-          <a:scrgbClr r="0" g="0" b="0"/>
-        </a:effectRef>
-        <a:fontRef idx="minor">
-          <a:schemeClr val="lt1"/>
-        </a:fontRef>
-      </dsp:style>
-    </dsp:sp>
-    <dsp:sp modelId="{5C240A09-E82C-5140-AFCF-7A220B9DE7F1}">
-      <dsp:nvSpPr>
-        <dsp:cNvPr id="0" name=""/>
-        <dsp:cNvSpPr/>
-      </dsp:nvSpPr>
-      <dsp:spPr>
-        <a:xfrm>
-          <a:off x="1725362" y="191291"/>
-          <a:ext cx="1812280" cy="1150797"/>
-        </a:xfrm>
-        <a:prstGeom prst="roundRect">
-          <a:avLst>
-            <a:gd name="adj" fmla="val 10000"/>
-          </a:avLst>
-        </a:prstGeom>
-        <a:solidFill>
-          <a:schemeClr val="lt1">
-            <a:alpha val="90000"/>
-            <a:hueOff val="0"/>
-            <a:satOff val="0"/>
-            <a:lumOff val="0"/>
-            <a:alphaOff val="0"/>
-          </a:schemeClr>
-        </a:solidFill>
-        <a:ln w="9525" cap="flat" cmpd="sng" algn="ctr">
-          <a:solidFill>
-            <a:schemeClr val="accent1">
-              <a:hueOff val="0"/>
-              <a:satOff val="0"/>
-              <a:lumOff val="0"/>
-              <a:alphaOff val="0"/>
-            </a:schemeClr>
-          </a:solidFill>
-          <a:prstDash val="solid"/>
-        </a:ln>
-        <a:effectLst/>
-      </dsp:spPr>
-      <dsp:style>
-        <a:lnRef idx="1">
-          <a:scrgbClr r="0" g="0" b="0"/>
-        </a:lnRef>
-        <a:fillRef idx="1">
-          <a:scrgbClr r="0" g="0" b="0"/>
-        </a:fillRef>
-        <a:effectRef idx="0">
-          <a:scrgbClr r="0" g="0" b="0"/>
-        </a:effectRef>
-        <a:fontRef idx="minor"/>
-      </dsp:style>
-      <dsp:txBody>
-        <a:bodyPr spcFirstLastPara="0" vert="horz" wrap="square" lIns="114300" tIns="114300" rIns="114300" bIns="114300" numCol="1" spcCol="1270" anchor="ctr" anchorCtr="0">
-          <a:noAutofit/>
-        </a:bodyPr>
-        <a:lstStyle/>
-        <a:p>
-          <a:pPr lvl="0" algn="ctr" defTabSz="1333500">
-            <a:lnSpc>
-              <a:spcPct val="90000"/>
-            </a:lnSpc>
-            <a:spcBef>
-              <a:spcPct val="0"/>
-            </a:spcBef>
-            <a:spcAft>
-              <a:spcPct val="35000"/>
-            </a:spcAft>
-          </a:pPr>
-          <a:r>
-            <a:rPr lang="en-US" sz="3000" kern="1200" dirty="0" smtClean="0"/>
-            <a:t>Stance Model</a:t>
-          </a:r>
-          <a:endParaRPr lang="en-US" sz="3000" kern="1200" dirty="0"/>
-        </a:p>
-      </dsp:txBody>
-      <dsp:txXfrm>
-        <a:off x="1759068" y="224997"/>
-        <a:ext cx="1744868" cy="1083385"/>
-      </dsp:txXfrm>
-    </dsp:sp>
-    <dsp:sp modelId="{4BD93975-27E9-B749-8B06-4136446FD7FC}">
-      <dsp:nvSpPr>
-        <dsp:cNvPr id="0" name=""/>
-        <dsp:cNvSpPr/>
-      </dsp:nvSpPr>
-      <dsp:spPr>
-        <a:xfrm>
-          <a:off x="400273" y="1679187"/>
-          <a:ext cx="1812280" cy="1150797"/>
-        </a:xfrm>
-        <a:prstGeom prst="roundRect">
-          <a:avLst>
-            <a:gd name="adj" fmla="val 10000"/>
-          </a:avLst>
-        </a:prstGeom>
-        <a:gradFill rotWithShape="0">
-          <a:gsLst>
-            <a:gs pos="0">
-              <a:schemeClr val="accent1">
-                <a:hueOff val="0"/>
-                <a:satOff val="0"/>
-                <a:lumOff val="0"/>
-                <a:alphaOff val="0"/>
-                <a:shade val="15000"/>
-                <a:satMod val="180000"/>
-              </a:schemeClr>
-            </a:gs>
-            <a:gs pos="50000">
-              <a:schemeClr val="accent1">
-                <a:hueOff val="0"/>
-                <a:satOff val="0"/>
-                <a:lumOff val="0"/>
-                <a:alphaOff val="0"/>
-                <a:shade val="45000"/>
-                <a:satMod val="170000"/>
-              </a:schemeClr>
-            </a:gs>
-            <a:gs pos="70000">
-              <a:schemeClr val="accent1">
-                <a:hueOff val="0"/>
-                <a:satOff val="0"/>
-                <a:lumOff val="0"/>
-                <a:alphaOff val="0"/>
-                <a:tint val="99000"/>
-                <a:shade val="65000"/>
-                <a:satMod val="155000"/>
-              </a:schemeClr>
-            </a:gs>
-            <a:gs pos="100000">
-              <a:schemeClr val="accent1">
-                <a:hueOff val="0"/>
-                <a:satOff val="0"/>
-                <a:lumOff val="0"/>
-                <a:alphaOff val="0"/>
-                <a:tint val="95500"/>
-                <a:shade val="100000"/>
-                <a:satMod val="155000"/>
-              </a:schemeClr>
-            </a:gs>
-          </a:gsLst>
-          <a:lin ang="16200000" scaled="0"/>
-        </a:gradFill>
-        <a:ln>
-          <a:noFill/>
-        </a:ln>
-        <a:effectLst>
-          <a:outerShdw blurRad="50800" dist="38100" dir="5400000" rotWithShape="0">
-            <a:srgbClr val="000000">
-              <a:alpha val="35000"/>
-            </a:srgbClr>
-          </a:outerShdw>
-        </a:effectLst>
-      </dsp:spPr>
-      <dsp:style>
-        <a:lnRef idx="0">
-          <a:scrgbClr r="0" g="0" b="0"/>
-        </a:lnRef>
-        <a:fillRef idx="3">
-          <a:scrgbClr r="0" g="0" b="0"/>
-        </a:fillRef>
-        <a:effectRef idx="2">
-          <a:scrgbClr r="0" g="0" b="0"/>
-        </a:effectRef>
-        <a:fontRef idx="minor">
-          <a:schemeClr val="lt1"/>
-        </a:fontRef>
-      </dsp:style>
-    </dsp:sp>
-    <dsp:sp modelId="{8B3CDEA6-B010-B64B-B61A-A8819C5E7316}">
-      <dsp:nvSpPr>
-        <dsp:cNvPr id="0" name=""/>
-        <dsp:cNvSpPr/>
-      </dsp:nvSpPr>
-      <dsp:spPr>
-        <a:xfrm>
-          <a:off x="601637" y="1870483"/>
-          <a:ext cx="1812280" cy="1150797"/>
-        </a:xfrm>
-        <a:prstGeom prst="roundRect">
-          <a:avLst>
-            <a:gd name="adj" fmla="val 10000"/>
-          </a:avLst>
-        </a:prstGeom>
-        <a:solidFill>
-          <a:schemeClr val="lt1">
-            <a:alpha val="90000"/>
-            <a:hueOff val="0"/>
-            <a:satOff val="0"/>
-            <a:lumOff val="0"/>
-            <a:alphaOff val="0"/>
-          </a:schemeClr>
-        </a:solidFill>
-        <a:ln w="9525" cap="flat" cmpd="sng" algn="ctr">
-          <a:solidFill>
-            <a:schemeClr val="accent1">
-              <a:hueOff val="0"/>
-              <a:satOff val="0"/>
-              <a:lumOff val="0"/>
-              <a:alphaOff val="0"/>
-            </a:schemeClr>
-          </a:solidFill>
-          <a:prstDash val="solid"/>
-        </a:ln>
-        <a:effectLst/>
-      </dsp:spPr>
-      <dsp:style>
-        <a:lnRef idx="1">
-          <a:scrgbClr r="0" g="0" b="0"/>
-        </a:lnRef>
-        <a:fillRef idx="1">
-          <a:scrgbClr r="0" g="0" b="0"/>
-        </a:fillRef>
-        <a:effectRef idx="0">
-          <a:scrgbClr r="0" g="0" b="0"/>
-        </a:effectRef>
-        <a:fontRef idx="minor"/>
-      </dsp:style>
-      <dsp:txBody>
-        <a:bodyPr spcFirstLastPara="0" vert="horz" wrap="square" lIns="114300" tIns="114300" rIns="114300" bIns="114300" numCol="1" spcCol="1270" anchor="ctr" anchorCtr="0">
-          <a:noAutofit/>
-        </a:bodyPr>
-        <a:lstStyle/>
-        <a:p>
-          <a:pPr lvl="0" algn="ctr" defTabSz="1333500">
-            <a:lnSpc>
-              <a:spcPct val="90000"/>
-            </a:lnSpc>
-            <a:spcBef>
-              <a:spcPct val="0"/>
-            </a:spcBef>
-            <a:spcAft>
-              <a:spcPct val="35000"/>
-            </a:spcAft>
-          </a:pPr>
-          <a:r>
-            <a:rPr lang="en-US" sz="3000" kern="1200" dirty="0" smtClean="0"/>
-            <a:t>Fashion Model</a:t>
-          </a:r>
-          <a:endParaRPr lang="en-US" sz="3000" kern="1200" dirty="0"/>
-        </a:p>
-      </dsp:txBody>
-      <dsp:txXfrm>
-        <a:off x="635343" y="1904189"/>
-        <a:ext cx="1744868" cy="1083385"/>
-      </dsp:txXfrm>
-    </dsp:sp>
-    <dsp:sp modelId="{8BD90299-E781-D740-A958-4F92A6A6E35B}">
-      <dsp:nvSpPr>
-        <dsp:cNvPr id="0" name=""/>
-        <dsp:cNvSpPr/>
-      </dsp:nvSpPr>
-      <dsp:spPr>
-        <a:xfrm>
-          <a:off x="2615282" y="1679187"/>
-          <a:ext cx="1812280" cy="1150797"/>
-        </a:xfrm>
-        <a:prstGeom prst="roundRect">
-          <a:avLst>
-            <a:gd name="adj" fmla="val 10000"/>
-          </a:avLst>
-        </a:prstGeom>
-        <a:gradFill rotWithShape="0">
-          <a:gsLst>
-            <a:gs pos="0">
-              <a:schemeClr val="accent1">
-                <a:hueOff val="0"/>
-                <a:satOff val="0"/>
-                <a:lumOff val="0"/>
-                <a:alphaOff val="0"/>
-                <a:shade val="15000"/>
-                <a:satMod val="180000"/>
-              </a:schemeClr>
-            </a:gs>
-            <a:gs pos="50000">
-              <a:schemeClr val="accent1">
-                <a:hueOff val="0"/>
-                <a:satOff val="0"/>
-                <a:lumOff val="0"/>
-                <a:alphaOff val="0"/>
-                <a:shade val="45000"/>
-                <a:satMod val="170000"/>
-              </a:schemeClr>
-            </a:gs>
-            <a:gs pos="70000">
-              <a:schemeClr val="accent1">
-                <a:hueOff val="0"/>
-                <a:satOff val="0"/>
-                <a:lumOff val="0"/>
-                <a:alphaOff val="0"/>
-                <a:tint val="99000"/>
-                <a:shade val="65000"/>
-                <a:satMod val="155000"/>
-              </a:schemeClr>
-            </a:gs>
-            <a:gs pos="100000">
-              <a:schemeClr val="accent1">
-                <a:hueOff val="0"/>
-                <a:satOff val="0"/>
-                <a:lumOff val="0"/>
-                <a:alphaOff val="0"/>
-                <a:tint val="95500"/>
-                <a:shade val="100000"/>
-                <a:satMod val="155000"/>
-              </a:schemeClr>
-            </a:gs>
-          </a:gsLst>
-          <a:lin ang="16200000" scaled="0"/>
-        </a:gradFill>
-        <a:ln>
-          <a:noFill/>
-        </a:ln>
-        <a:effectLst>
-          <a:outerShdw blurRad="50800" dist="38100" dir="5400000" rotWithShape="0">
-            <a:srgbClr val="000000">
-              <a:alpha val="35000"/>
-            </a:srgbClr>
-          </a:outerShdw>
-        </a:effectLst>
-      </dsp:spPr>
-      <dsp:style>
-        <a:lnRef idx="0">
-          <a:scrgbClr r="0" g="0" b="0"/>
-        </a:lnRef>
-        <a:fillRef idx="3">
-          <a:scrgbClr r="0" g="0" b="0"/>
-        </a:fillRef>
-        <a:effectRef idx="2">
-          <a:scrgbClr r="0" g="0" b="0"/>
-        </a:effectRef>
-        <a:fontRef idx="minor">
-          <a:schemeClr val="lt1"/>
-        </a:fontRef>
-      </dsp:style>
-    </dsp:sp>
-    <dsp:sp modelId="{B3115A6C-A995-C84F-90C2-3D4FA9093C93}">
-      <dsp:nvSpPr>
-        <dsp:cNvPr id="0" name=""/>
-        <dsp:cNvSpPr/>
-      </dsp:nvSpPr>
-      <dsp:spPr>
-        <a:xfrm>
-          <a:off x="2816646" y="1870483"/>
-          <a:ext cx="1812280" cy="1150797"/>
-        </a:xfrm>
-        <a:prstGeom prst="roundRect">
-          <a:avLst>
-            <a:gd name="adj" fmla="val 10000"/>
-          </a:avLst>
-        </a:prstGeom>
-        <a:solidFill>
-          <a:schemeClr val="lt1">
-            <a:alpha val="90000"/>
-            <a:hueOff val="0"/>
-            <a:satOff val="0"/>
-            <a:lumOff val="0"/>
-            <a:alphaOff val="0"/>
-          </a:schemeClr>
-        </a:solidFill>
-        <a:ln w="9525" cap="flat" cmpd="sng" algn="ctr">
-          <a:solidFill>
-            <a:schemeClr val="accent1">
-              <a:hueOff val="0"/>
-              <a:satOff val="0"/>
-              <a:lumOff val="0"/>
-              <a:alphaOff val="0"/>
-            </a:schemeClr>
-          </a:solidFill>
-          <a:prstDash val="solid"/>
-        </a:ln>
-        <a:effectLst/>
-      </dsp:spPr>
-      <dsp:style>
-        <a:lnRef idx="1">
-          <a:scrgbClr r="0" g="0" b="0"/>
-        </a:lnRef>
-        <a:fillRef idx="1">
-          <a:scrgbClr r="0" g="0" b="0"/>
-        </a:fillRef>
-        <a:effectRef idx="0">
-          <a:scrgbClr r="0" g="0" b="0"/>
-        </a:effectRef>
-        <a:fontRef idx="minor"/>
-      </dsp:style>
-      <dsp:txBody>
-        <a:bodyPr spcFirstLastPara="0" vert="horz" wrap="square" lIns="114300" tIns="114300" rIns="114300" bIns="114300" numCol="1" spcCol="1270" anchor="ctr" anchorCtr="0">
-          <a:noAutofit/>
-        </a:bodyPr>
-        <a:lstStyle/>
-        <a:p>
-          <a:pPr lvl="0" algn="ctr" defTabSz="1333500">
-            <a:lnSpc>
-              <a:spcPct val="90000"/>
-            </a:lnSpc>
-            <a:spcBef>
-              <a:spcPct val="0"/>
-            </a:spcBef>
-            <a:spcAft>
-              <a:spcPct val="35000"/>
-            </a:spcAft>
-          </a:pPr>
-          <a:r>
-            <a:rPr lang="en-US" sz="3000" kern="1200" dirty="0" smtClean="0"/>
-            <a:t>Finance Model</a:t>
-          </a:r>
-          <a:endParaRPr lang="en-US" sz="3000" kern="1200" dirty="0"/>
-        </a:p>
-      </dsp:txBody>
-      <dsp:txXfrm>
-        <a:off x="2850352" y="1904189"/>
-        <a:ext cx="1744868" cy="1083385"/>
-      </dsp:txXfrm>
-    </dsp:sp>
-  </dsp:spTree>
-</dsp:drawing>
-</file>
-
 <file path=ppt/diagrams/layout1.xml><?xml version="1.0" encoding="utf-8"?>
 <dgm:layoutDef xmlns:dgm="http://schemas.openxmlformats.org/drawingml/2006/diagram" xmlns:a="http://schemas.openxmlformats.org/drawingml/2006/main" uniqueId="urn:microsoft.com/office/officeart/2005/8/layout/equation1">
   <dgm:title val=""/>
@@ -5278,569 +3590,6 @@
 </dgm:layoutDef>
 </file>
 
-<file path=ppt/diagrams/layout3.xml><?xml version="1.0" encoding="utf-8"?>
-<dgm:layoutDef xmlns:dgm="http://schemas.openxmlformats.org/drawingml/2006/diagram" xmlns:a="http://schemas.openxmlformats.org/drawingml/2006/main" uniqueId="urn:microsoft.com/office/officeart/2005/8/layout/hierarchy1">
-  <dgm:title val=""/>
-  <dgm:desc val=""/>
-  <dgm:catLst>
-    <dgm:cat type="hierarchy" pri="2000"/>
-  </dgm:catLst>
-  <dgm:sampData>
-    <dgm:dataModel>
-      <dgm:ptLst>
-        <dgm:pt modelId="0" type="doc"/>
-        <dgm:pt modelId="1">
-          <dgm:prSet phldr="1"/>
-        </dgm:pt>
-        <dgm:pt modelId="2">
-          <dgm:prSet phldr="1"/>
-        </dgm:pt>
-        <dgm:pt modelId="21">
-          <dgm:prSet phldr="1"/>
-        </dgm:pt>
-        <dgm:pt modelId="22">
-          <dgm:prSet phldr="1"/>
-        </dgm:pt>
-        <dgm:pt modelId="3">
-          <dgm:prSet phldr="1"/>
-        </dgm:pt>
-        <dgm:pt modelId="31">
-          <dgm:prSet phldr="1"/>
-        </dgm:pt>
-      </dgm:ptLst>
-      <dgm:cxnLst>
-        <dgm:cxn modelId="4" srcId="0" destId="1" srcOrd="0" destOrd="0"/>
-        <dgm:cxn modelId="5" srcId="1" destId="2" srcOrd="0" destOrd="0"/>
-        <dgm:cxn modelId="6" srcId="1" destId="3" srcOrd="1" destOrd="0"/>
-        <dgm:cxn modelId="23" srcId="2" destId="21" srcOrd="0" destOrd="0"/>
-        <dgm:cxn modelId="24" srcId="2" destId="22" srcOrd="1" destOrd="0"/>
-        <dgm:cxn modelId="33" srcId="3" destId="31" srcOrd="0" destOrd="0"/>
-      </dgm:cxnLst>
-      <dgm:bg/>
-      <dgm:whole/>
-    </dgm:dataModel>
-  </dgm:sampData>
-  <dgm:styleData>
-    <dgm:dataModel>
-      <dgm:ptLst>
-        <dgm:pt modelId="0" type="doc"/>
-        <dgm:pt modelId="1"/>
-        <dgm:pt modelId="11"/>
-        <dgm:pt modelId="12"/>
-      </dgm:ptLst>
-      <dgm:cxnLst>
-        <dgm:cxn modelId="2" srcId="0" destId="1" srcOrd="0" destOrd="0"/>
-        <dgm:cxn modelId="13" srcId="1" destId="11" srcOrd="0" destOrd="0"/>
-        <dgm:cxn modelId="14" srcId="1" destId="12" srcOrd="1" destOrd="0"/>
-      </dgm:cxnLst>
-      <dgm:bg/>
-      <dgm:whole/>
-    </dgm:dataModel>
-  </dgm:styleData>
-  <dgm:clrData>
-    <dgm:dataModel>
-      <dgm:ptLst>
-        <dgm:pt modelId="0" type="doc"/>
-        <dgm:pt modelId="1"/>
-        <dgm:pt modelId="2"/>
-        <dgm:pt modelId="21"/>
-        <dgm:pt modelId="211"/>
-        <dgm:pt modelId="3"/>
-        <dgm:pt modelId="31"/>
-        <dgm:pt modelId="311"/>
-      </dgm:ptLst>
-      <dgm:cxnLst>
-        <dgm:cxn modelId="4" srcId="0" destId="1" srcOrd="0" destOrd="0"/>
-        <dgm:cxn modelId="5" srcId="1" destId="2" srcOrd="0" destOrd="0"/>
-        <dgm:cxn modelId="6" srcId="1" destId="3" srcOrd="1" destOrd="0"/>
-        <dgm:cxn modelId="23" srcId="2" destId="21" srcOrd="0" destOrd="0"/>
-        <dgm:cxn modelId="24" srcId="21" destId="211" srcOrd="0" destOrd="0"/>
-        <dgm:cxn modelId="33" srcId="3" destId="31" srcOrd="0" destOrd="0"/>
-        <dgm:cxn modelId="34" srcId="31" destId="311" srcOrd="0" destOrd="0"/>
-      </dgm:cxnLst>
-      <dgm:bg/>
-      <dgm:whole/>
-    </dgm:dataModel>
-  </dgm:clrData>
-  <dgm:layoutNode name="hierChild1">
-    <dgm:varLst>
-      <dgm:chPref val="1"/>
-      <dgm:dir/>
-      <dgm:animOne val="branch"/>
-      <dgm:animLvl val="lvl"/>
-      <dgm:resizeHandles/>
-    </dgm:varLst>
-    <dgm:choose name="Name0">
-      <dgm:if name="Name1" func="var" arg="dir" op="equ" val="norm">
-        <dgm:alg type="hierChild">
-          <dgm:param type="linDir" val="fromL"/>
-        </dgm:alg>
-      </dgm:if>
-      <dgm:else name="Name2">
-        <dgm:alg type="hierChild">
-          <dgm:param type="linDir" val="fromR"/>
-        </dgm:alg>
-      </dgm:else>
-    </dgm:choose>
-    <dgm:shape xmlns:r="http://schemas.openxmlformats.org/officeDocument/2006/relationships" r:blip="">
-      <dgm:adjLst/>
-    </dgm:shape>
-    <dgm:presOf/>
-    <dgm:constrLst>
-      <dgm:constr type="primFontSz" for="des" ptType="node" op="equ" val="65"/>
-      <dgm:constr type="w" for="des" forName="composite" refType="w"/>
-      <dgm:constr type="h" for="des" forName="composite" refType="w" refFor="des" refForName="composite" fact="0.667"/>
-      <dgm:constr type="w" for="des" forName="composite2" refType="w" refFor="des" refForName="composite"/>
-      <dgm:constr type="h" for="des" forName="composite2" refType="h" refFor="des" refForName="composite"/>
-      <dgm:constr type="w" for="des" forName="composite3" refType="w" refFor="des" refForName="composite"/>
-      <dgm:constr type="h" for="des" forName="composite3" refType="h" refFor="des" refForName="composite"/>
-      <dgm:constr type="w" for="des" forName="composite4" refType="w" refFor="des" refForName="composite"/>
-      <dgm:constr type="h" for="des" forName="composite4" refType="h" refFor="des" refForName="composite"/>
-      <dgm:constr type="w" for="des" forName="composite5" refType="w" refFor="des" refForName="composite"/>
-      <dgm:constr type="h" for="des" forName="composite5" refType="h" refFor="des" refForName="composite"/>
-      <dgm:constr type="sibSp" refType="w" refFor="des" refForName="composite" fact="0.1"/>
-      <dgm:constr type="sibSp" for="des" forName="hierChild2" refType="sibSp"/>
-      <dgm:constr type="sibSp" for="des" forName="hierChild3" refType="sibSp"/>
-      <dgm:constr type="sibSp" for="des" forName="hierChild4" refType="sibSp"/>
-      <dgm:constr type="sibSp" for="des" forName="hierChild5" refType="sibSp"/>
-      <dgm:constr type="sibSp" for="des" forName="hierChild6" refType="sibSp"/>
-      <dgm:constr type="sp" for="des" forName="hierRoot1" refType="h" refFor="des" refForName="composite" fact="0.25"/>
-      <dgm:constr type="sp" for="des" forName="hierRoot2" refType="sp" refFor="des" refForName="hierRoot1"/>
-      <dgm:constr type="sp" for="des" forName="hierRoot3" refType="sp" refFor="des" refForName="hierRoot1"/>
-      <dgm:constr type="sp" for="des" forName="hierRoot4" refType="sp" refFor="des" refForName="hierRoot1"/>
-      <dgm:constr type="sp" for="des" forName="hierRoot5" refType="sp" refFor="des" refForName="hierRoot1"/>
-    </dgm:constrLst>
-    <dgm:ruleLst/>
-    <dgm:forEach name="Name3" axis="ch">
-      <dgm:forEach name="Name4" axis="self" ptType="node">
-        <dgm:layoutNode name="hierRoot1">
-          <dgm:alg type="hierRoot"/>
-          <dgm:shape xmlns:r="http://schemas.openxmlformats.org/officeDocument/2006/relationships" r:blip="">
-            <dgm:adjLst/>
-          </dgm:shape>
-          <dgm:presOf/>
-          <dgm:constrLst>
-            <dgm:constr type="bendDist" for="des" ptType="parTrans" refType="sp" fact="0.5"/>
-          </dgm:constrLst>
-          <dgm:ruleLst/>
-          <dgm:layoutNode name="composite">
-            <dgm:alg type="composite"/>
-            <dgm:shape xmlns:r="http://schemas.openxmlformats.org/officeDocument/2006/relationships" r:blip="">
-              <dgm:adjLst/>
-            </dgm:shape>
-            <dgm:presOf/>
-            <dgm:constrLst>
-              <dgm:constr type="w" for="ch" forName="background" refType="w" fact="0.9"/>
-              <dgm:constr type="h" for="ch" forName="background" refType="w" refFor="ch" refForName="background" fact="0.635"/>
-              <dgm:constr type="t" for="ch" forName="background"/>
-              <dgm:constr type="l" for="ch" forName="background"/>
-              <dgm:constr type="w" for="ch" forName="text" refType="w" fact="0.9"/>
-              <dgm:constr type="h" for="ch" forName="text" refType="w" refFor="ch" refForName="text" fact="0.635"/>
-              <dgm:constr type="t" for="ch" forName="text" refType="w" fact="0.095"/>
-              <dgm:constr type="l" for="ch" forName="text" refType="w" fact="0.1"/>
-            </dgm:constrLst>
-            <dgm:ruleLst/>
-            <dgm:layoutNode name="background" styleLbl="node0" moveWith="text">
-              <dgm:alg type="sp"/>
-              <dgm:shape xmlns:r="http://schemas.openxmlformats.org/officeDocument/2006/relationships" type="roundRect" r:blip="">
-                <dgm:adjLst>
-                  <dgm:adj idx="1" val="0.1"/>
-                </dgm:adjLst>
-              </dgm:shape>
-              <dgm:presOf/>
-              <dgm:constrLst/>
-              <dgm:ruleLst/>
-            </dgm:layoutNode>
-            <dgm:layoutNode name="text" styleLbl="fgAcc0">
-              <dgm:varLst>
-                <dgm:chPref val="3"/>
-              </dgm:varLst>
-              <dgm:alg type="tx"/>
-              <dgm:shape xmlns:r="http://schemas.openxmlformats.org/officeDocument/2006/relationships" type="roundRect" r:blip="">
-                <dgm:adjLst>
-                  <dgm:adj idx="1" val="0.1"/>
-                </dgm:adjLst>
-              </dgm:shape>
-              <dgm:presOf axis="self"/>
-              <dgm:constrLst>
-                <dgm:constr type="tMarg" refType="primFontSz" fact="0.3"/>
-                <dgm:constr type="bMarg" refType="primFontSz" fact="0.3"/>
-                <dgm:constr type="lMarg" refType="primFontSz" fact="0.3"/>
-                <dgm:constr type="rMarg" refType="primFontSz" fact="0.3"/>
-              </dgm:constrLst>
-              <dgm:ruleLst>
-                <dgm:rule type="primFontSz" val="5" fact="NaN" max="NaN"/>
-              </dgm:ruleLst>
-            </dgm:layoutNode>
-          </dgm:layoutNode>
-          <dgm:layoutNode name="hierChild2">
-            <dgm:choose name="Name5">
-              <dgm:if name="Name6" func="var" arg="dir" op="equ" val="norm">
-                <dgm:alg type="hierChild">
-                  <dgm:param type="linDir" val="fromL"/>
-                </dgm:alg>
-              </dgm:if>
-              <dgm:else name="Name7">
-                <dgm:alg type="hierChild">
-                  <dgm:param type="linDir" val="fromR"/>
-                </dgm:alg>
-              </dgm:else>
-            </dgm:choose>
-            <dgm:shape xmlns:r="http://schemas.openxmlformats.org/officeDocument/2006/relationships" r:blip="">
-              <dgm:adjLst/>
-            </dgm:shape>
-            <dgm:presOf/>
-            <dgm:constrLst/>
-            <dgm:ruleLst/>
-            <dgm:forEach name="Name8" axis="ch">
-              <dgm:forEach name="Name9" axis="self" ptType="parTrans" cnt="1">
-                <dgm:layoutNode name="Name10">
-                  <dgm:alg type="conn">
-                    <dgm:param type="dim" val="1D"/>
-                    <dgm:param type="endSty" val="noArr"/>
-                    <dgm:param type="connRout" val="bend"/>
-                    <dgm:param type="bendPt" val="end"/>
-                    <dgm:param type="begPts" val="bCtr"/>
-                    <dgm:param type="endPts" val="tCtr"/>
-                    <dgm:param type="srcNode" val="background"/>
-                    <dgm:param type="dstNode" val="background2"/>
-                  </dgm:alg>
-                  <dgm:shape xmlns:r="http://schemas.openxmlformats.org/officeDocument/2006/relationships" type="conn" r:blip="" zOrderOff="-999">
-                    <dgm:adjLst/>
-                  </dgm:shape>
-                  <dgm:presOf axis="self"/>
-                  <dgm:constrLst>
-                    <dgm:constr type="begPad"/>
-                    <dgm:constr type="endPad"/>
-                  </dgm:constrLst>
-                  <dgm:ruleLst/>
-                </dgm:layoutNode>
-              </dgm:forEach>
-              <dgm:forEach name="Name11" axis="self" ptType="node">
-                <dgm:layoutNode name="hierRoot2">
-                  <dgm:alg type="hierRoot"/>
-                  <dgm:shape xmlns:r="http://schemas.openxmlformats.org/officeDocument/2006/relationships" r:blip="">
-                    <dgm:adjLst/>
-                  </dgm:shape>
-                  <dgm:presOf/>
-                  <dgm:constrLst>
-                    <dgm:constr type="bendDist" for="des" ptType="parTrans" refType="sp" fact="0.5"/>
-                  </dgm:constrLst>
-                  <dgm:ruleLst/>
-                  <dgm:layoutNode name="composite2">
-                    <dgm:alg type="composite"/>
-                    <dgm:shape xmlns:r="http://schemas.openxmlformats.org/officeDocument/2006/relationships" r:blip="">
-                      <dgm:adjLst/>
-                    </dgm:shape>
-                    <dgm:presOf/>
-                    <dgm:constrLst>
-                      <dgm:constr type="w" for="ch" forName="background2" refType="w" fact="0.9"/>
-                      <dgm:constr type="h" for="ch" forName="background2" refType="w" refFor="ch" refForName="background2" fact="0.635"/>
-                      <dgm:constr type="t" for="ch" forName="background2"/>
-                      <dgm:constr type="l" for="ch" forName="background2"/>
-                      <dgm:constr type="w" for="ch" forName="text2" refType="w" fact="0.9"/>
-                      <dgm:constr type="h" for="ch" forName="text2" refType="w" refFor="ch" refForName="text2" fact="0.635"/>
-                      <dgm:constr type="t" for="ch" forName="text2" refType="w" fact="0.095"/>
-                      <dgm:constr type="l" for="ch" forName="text2" refType="w" fact="0.1"/>
-                    </dgm:constrLst>
-                    <dgm:ruleLst/>
-                    <dgm:layoutNode name="background2" moveWith="text2">
-                      <dgm:alg type="sp"/>
-                      <dgm:shape xmlns:r="http://schemas.openxmlformats.org/officeDocument/2006/relationships" type="roundRect" r:blip="">
-                        <dgm:adjLst>
-                          <dgm:adj idx="1" val="0.1"/>
-                        </dgm:adjLst>
-                      </dgm:shape>
-                      <dgm:presOf/>
-                      <dgm:constrLst/>
-                      <dgm:ruleLst/>
-                    </dgm:layoutNode>
-                    <dgm:layoutNode name="text2" styleLbl="fgAcc2">
-                      <dgm:varLst>
-                        <dgm:chPref val="3"/>
-                      </dgm:varLst>
-                      <dgm:alg type="tx"/>
-                      <dgm:shape xmlns:r="http://schemas.openxmlformats.org/officeDocument/2006/relationships" type="roundRect" r:blip="">
-                        <dgm:adjLst>
-                          <dgm:adj idx="1" val="0.1"/>
-                        </dgm:adjLst>
-                      </dgm:shape>
-                      <dgm:presOf axis="self"/>
-                      <dgm:constrLst>
-                        <dgm:constr type="tMarg" refType="primFontSz" fact="0.3"/>
-                        <dgm:constr type="bMarg" refType="primFontSz" fact="0.3"/>
-                        <dgm:constr type="lMarg" refType="primFontSz" fact="0.3"/>
-                        <dgm:constr type="rMarg" refType="primFontSz" fact="0.3"/>
-                      </dgm:constrLst>
-                      <dgm:ruleLst>
-                        <dgm:rule type="primFontSz" val="5" fact="NaN" max="NaN"/>
-                      </dgm:ruleLst>
-                    </dgm:layoutNode>
-                  </dgm:layoutNode>
-                  <dgm:layoutNode name="hierChild3">
-                    <dgm:choose name="Name12">
-                      <dgm:if name="Name13" func="var" arg="dir" op="equ" val="norm">
-                        <dgm:alg type="hierChild">
-                          <dgm:param type="linDir" val="fromL"/>
-                        </dgm:alg>
-                      </dgm:if>
-                      <dgm:else name="Name14">
-                        <dgm:alg type="hierChild">
-                          <dgm:param type="linDir" val="fromR"/>
-                        </dgm:alg>
-                      </dgm:else>
-                    </dgm:choose>
-                    <dgm:shape xmlns:r="http://schemas.openxmlformats.org/officeDocument/2006/relationships" r:blip="">
-                      <dgm:adjLst/>
-                    </dgm:shape>
-                    <dgm:presOf/>
-                    <dgm:constrLst/>
-                    <dgm:ruleLst/>
-                    <dgm:forEach name="Name15" axis="ch">
-                      <dgm:forEach name="Name16" axis="self" ptType="parTrans" cnt="1">
-                        <dgm:layoutNode name="Name17">
-                          <dgm:alg type="conn">
-                            <dgm:param type="dim" val="1D"/>
-                            <dgm:param type="endSty" val="noArr"/>
-                            <dgm:param type="connRout" val="bend"/>
-                            <dgm:param type="bendPt" val="end"/>
-                            <dgm:param type="begPts" val="bCtr"/>
-                            <dgm:param type="endPts" val="tCtr"/>
-                            <dgm:param type="srcNode" val="background2"/>
-                            <dgm:param type="dstNode" val="background3"/>
-                          </dgm:alg>
-                          <dgm:shape xmlns:r="http://schemas.openxmlformats.org/officeDocument/2006/relationships" type="conn" r:blip="" zOrderOff="-999">
-                            <dgm:adjLst/>
-                          </dgm:shape>
-                          <dgm:presOf axis="self"/>
-                          <dgm:constrLst>
-                            <dgm:constr type="begPad"/>
-                            <dgm:constr type="endPad"/>
-                          </dgm:constrLst>
-                          <dgm:ruleLst/>
-                        </dgm:layoutNode>
-                      </dgm:forEach>
-                      <dgm:forEach name="Name18" axis="self" ptType="node">
-                        <dgm:layoutNode name="hierRoot3">
-                          <dgm:alg type="hierRoot"/>
-                          <dgm:shape xmlns:r="http://schemas.openxmlformats.org/officeDocument/2006/relationships" r:blip="">
-                            <dgm:adjLst/>
-                          </dgm:shape>
-                          <dgm:presOf/>
-                          <dgm:constrLst>
-                            <dgm:constr type="bendDist" for="des" ptType="parTrans" refType="sp" fact="0.5"/>
-                          </dgm:constrLst>
-                          <dgm:ruleLst/>
-                          <dgm:layoutNode name="composite3">
-                            <dgm:alg type="composite"/>
-                            <dgm:shape xmlns:r="http://schemas.openxmlformats.org/officeDocument/2006/relationships" r:blip="">
-                              <dgm:adjLst/>
-                            </dgm:shape>
-                            <dgm:presOf/>
-                            <dgm:constrLst>
-                              <dgm:constr type="w" for="ch" forName="background3" refType="w" fact="0.9"/>
-                              <dgm:constr type="h" for="ch" forName="background3" refType="w" refFor="ch" refForName="background3" fact="0.635"/>
-                              <dgm:constr type="t" for="ch" forName="background3"/>
-                              <dgm:constr type="l" for="ch" forName="background3"/>
-                              <dgm:constr type="w" for="ch" forName="text3" refType="w" fact="0.9"/>
-                              <dgm:constr type="h" for="ch" forName="text3" refType="w" refFor="ch" refForName="text3" fact="0.635"/>
-                              <dgm:constr type="t" for="ch" forName="text3" refType="w" fact="0.095"/>
-                              <dgm:constr type="l" for="ch" forName="text3" refType="w" fact="0.1"/>
-                            </dgm:constrLst>
-                            <dgm:ruleLst/>
-                            <dgm:layoutNode name="background3" moveWith="text3">
-                              <dgm:alg type="sp"/>
-                              <dgm:shape xmlns:r="http://schemas.openxmlformats.org/officeDocument/2006/relationships" type="roundRect" r:blip="">
-                                <dgm:adjLst>
-                                  <dgm:adj idx="1" val="0.1"/>
-                                </dgm:adjLst>
-                              </dgm:shape>
-                              <dgm:presOf/>
-                              <dgm:constrLst/>
-                              <dgm:ruleLst/>
-                            </dgm:layoutNode>
-                            <dgm:layoutNode name="text3" styleLbl="fgAcc3">
-                              <dgm:varLst>
-                                <dgm:chPref val="3"/>
-                              </dgm:varLst>
-                              <dgm:alg type="tx"/>
-                              <dgm:shape xmlns:r="http://schemas.openxmlformats.org/officeDocument/2006/relationships" type="roundRect" r:blip="">
-                                <dgm:adjLst>
-                                  <dgm:adj idx="1" val="0.1"/>
-                                </dgm:adjLst>
-                              </dgm:shape>
-                              <dgm:presOf axis="self"/>
-                              <dgm:constrLst>
-                                <dgm:constr type="tMarg" refType="primFontSz" fact="0.3"/>
-                                <dgm:constr type="bMarg" refType="primFontSz" fact="0.3"/>
-                                <dgm:constr type="lMarg" refType="primFontSz" fact="0.3"/>
-                                <dgm:constr type="rMarg" refType="primFontSz" fact="0.3"/>
-                              </dgm:constrLst>
-                              <dgm:ruleLst>
-                                <dgm:rule type="primFontSz" val="5" fact="NaN" max="NaN"/>
-                              </dgm:ruleLst>
-                            </dgm:layoutNode>
-                          </dgm:layoutNode>
-                          <dgm:layoutNode name="hierChild4">
-                            <dgm:choose name="Name19">
-                              <dgm:if name="Name20" func="var" arg="dir" op="equ" val="norm">
-                                <dgm:alg type="hierChild">
-                                  <dgm:param type="linDir" val="fromL"/>
-                                </dgm:alg>
-                              </dgm:if>
-                              <dgm:else name="Name21">
-                                <dgm:alg type="hierChild">
-                                  <dgm:param type="linDir" val="fromR"/>
-                                </dgm:alg>
-                              </dgm:else>
-                            </dgm:choose>
-                            <dgm:shape xmlns:r="http://schemas.openxmlformats.org/officeDocument/2006/relationships" r:blip="">
-                              <dgm:adjLst/>
-                            </dgm:shape>
-                            <dgm:presOf/>
-                            <dgm:constrLst/>
-                            <dgm:ruleLst/>
-                            <dgm:forEach name="repeat" axis="ch">
-                              <dgm:forEach name="Name22" axis="self" ptType="parTrans" cnt="1">
-                                <dgm:layoutNode name="Name23">
-                                  <dgm:choose name="Name24">
-                                    <dgm:if name="Name25" axis="self" func="depth" op="lte" val="4">
-                                      <dgm:alg type="conn">
-                                        <dgm:param type="dim" val="1D"/>
-                                        <dgm:param type="endSty" val="noArr"/>
-                                        <dgm:param type="connRout" val="bend"/>
-                                        <dgm:param type="bendPt" val="end"/>
-                                        <dgm:param type="begPts" val="bCtr"/>
-                                        <dgm:param type="endPts" val="tCtr"/>
-                                        <dgm:param type="srcNode" val="background3"/>
-                                        <dgm:param type="dstNode" val="background4"/>
-                                      </dgm:alg>
-                                    </dgm:if>
-                                    <dgm:else name="Name26">
-                                      <dgm:alg type="conn">
-                                        <dgm:param type="dim" val="1D"/>
-                                        <dgm:param type="endSty" val="noArr"/>
-                                        <dgm:param type="connRout" val="bend"/>
-                                        <dgm:param type="bendPt" val="end"/>
-                                        <dgm:param type="begPts" val="bCtr"/>
-                                        <dgm:param type="endPts" val="tCtr"/>
-                                        <dgm:param type="srcNode" val="background4"/>
-                                        <dgm:param type="dstNode" val="background4"/>
-                                      </dgm:alg>
-                                    </dgm:else>
-                                  </dgm:choose>
-                                  <dgm:shape xmlns:r="http://schemas.openxmlformats.org/officeDocument/2006/relationships" type="conn" r:blip="" zOrderOff="-999">
-                                    <dgm:adjLst/>
-                                  </dgm:shape>
-                                  <dgm:presOf axis="self"/>
-                                  <dgm:constrLst>
-                                    <dgm:constr type="begPad"/>
-                                    <dgm:constr type="endPad"/>
-                                  </dgm:constrLst>
-                                  <dgm:ruleLst/>
-                                </dgm:layoutNode>
-                              </dgm:forEach>
-                              <dgm:forEach name="Name27" axis="self" ptType="node">
-                                <dgm:layoutNode name="hierRoot4">
-                                  <dgm:alg type="hierRoot"/>
-                                  <dgm:shape xmlns:r="http://schemas.openxmlformats.org/officeDocument/2006/relationships" r:blip="">
-                                    <dgm:adjLst/>
-                                  </dgm:shape>
-                                  <dgm:presOf/>
-                                  <dgm:constrLst>
-                                    <dgm:constr type="bendDist" for="des" ptType="parTrans" refType="sp" fact="0.5"/>
-                                  </dgm:constrLst>
-                                  <dgm:ruleLst/>
-                                  <dgm:layoutNode name="composite4">
-                                    <dgm:alg type="composite"/>
-                                    <dgm:shape xmlns:r="http://schemas.openxmlformats.org/officeDocument/2006/relationships" r:blip="">
-                                      <dgm:adjLst/>
-                                    </dgm:shape>
-                                    <dgm:presOf/>
-                                    <dgm:constrLst>
-                                      <dgm:constr type="w" for="ch" forName="background4" refType="w" fact="0.9"/>
-                                      <dgm:constr type="h" for="ch" forName="background4" refType="w" refFor="ch" refForName="background4" fact="0.635"/>
-                                      <dgm:constr type="t" for="ch" forName="background4"/>
-                                      <dgm:constr type="l" for="ch" forName="background4"/>
-                                      <dgm:constr type="w" for="ch" forName="text4" refType="w" fact="0.9"/>
-                                      <dgm:constr type="h" for="ch" forName="text4" refType="w" refFor="ch" refForName="text4" fact="0.635"/>
-                                      <dgm:constr type="t" for="ch" forName="text4" refType="w" fact="0.095"/>
-                                      <dgm:constr type="l" for="ch" forName="text4" refType="w" fact="0.1"/>
-                                    </dgm:constrLst>
-                                    <dgm:ruleLst/>
-                                    <dgm:layoutNode name="background4" moveWith="text4">
-                                      <dgm:alg type="sp"/>
-                                      <dgm:shape xmlns:r="http://schemas.openxmlformats.org/officeDocument/2006/relationships" type="roundRect" r:blip="">
-                                        <dgm:adjLst>
-                                          <dgm:adj idx="1" val="0.1"/>
-                                        </dgm:adjLst>
-                                      </dgm:shape>
-                                      <dgm:presOf/>
-                                      <dgm:constrLst/>
-                                      <dgm:ruleLst/>
-                                    </dgm:layoutNode>
-                                    <dgm:layoutNode name="text4" styleLbl="fgAcc4">
-                                      <dgm:varLst>
-                                        <dgm:chPref val="3"/>
-                                      </dgm:varLst>
-                                      <dgm:alg type="tx"/>
-                                      <dgm:shape xmlns:r="http://schemas.openxmlformats.org/officeDocument/2006/relationships" type="roundRect" r:blip="">
-                                        <dgm:adjLst>
-                                          <dgm:adj idx="1" val="0.1"/>
-                                        </dgm:adjLst>
-                                      </dgm:shape>
-                                      <dgm:presOf axis="self"/>
-                                      <dgm:constrLst>
-                                        <dgm:constr type="tMarg" refType="primFontSz" fact="0.3"/>
-                                        <dgm:constr type="bMarg" refType="primFontSz" fact="0.3"/>
-                                        <dgm:constr type="lMarg" refType="primFontSz" fact="0.3"/>
-                                        <dgm:constr type="rMarg" refType="primFontSz" fact="0.3"/>
-                                      </dgm:constrLst>
-                                      <dgm:ruleLst>
-                                        <dgm:rule type="primFontSz" val="5" fact="NaN" max="NaN"/>
-                                      </dgm:ruleLst>
-                                    </dgm:layoutNode>
-                                  </dgm:layoutNode>
-                                  <dgm:layoutNode name="hierChild5">
-                                    <dgm:choose name="Name28">
-                                      <dgm:if name="Name29" func="var" arg="dir" op="equ" val="norm">
-                                        <dgm:alg type="hierChild">
-                                          <dgm:param type="linDir" val="fromL"/>
-                                        </dgm:alg>
-                                      </dgm:if>
-                                      <dgm:else name="Name30">
-                                        <dgm:alg type="hierChild">
-                                          <dgm:param type="linDir" val="fromR"/>
-                                        </dgm:alg>
-                                      </dgm:else>
-                                    </dgm:choose>
-                                    <dgm:shape xmlns:r="http://schemas.openxmlformats.org/officeDocument/2006/relationships" r:blip="">
-                                      <dgm:adjLst/>
-                                    </dgm:shape>
-                                    <dgm:presOf/>
-                                    <dgm:constrLst/>
-                                    <dgm:ruleLst/>
-                                    <dgm:forEach name="Name31" ref="repeat"/>
-                                  </dgm:layoutNode>
-                                </dgm:layoutNode>
-                              </dgm:forEach>
-                            </dgm:forEach>
-                          </dgm:layoutNode>
-                        </dgm:layoutNode>
-                      </dgm:forEach>
-                    </dgm:forEach>
-                  </dgm:layoutNode>
-                </dgm:layoutNode>
-              </dgm:forEach>
-            </dgm:forEach>
-          </dgm:layoutNode>
-        </dgm:layoutNode>
-      </dgm:forEach>
-    </dgm:forEach>
-  </dgm:layoutNode>
-</dgm:layoutDef>
-</file>
-
 <file path=ppt/diagrams/quickStyle1.xml><?xml version="1.0" encoding="utf-8"?>
 <dgm:styleDef xmlns:dgm="http://schemas.openxmlformats.org/drawingml/2006/diagram" xmlns:a="http://schemas.openxmlformats.org/drawingml/2006/main" uniqueId="urn:microsoft.com/office/officeart/2005/8/quickstyle/simple4">
   <dgm:title val=""/>
@@ -6876,1040 +4625,6 @@
 </file>
 
 <file path=ppt/diagrams/quickStyle2.xml><?xml version="1.0" encoding="utf-8"?>
-<dgm:styleDef xmlns:dgm="http://schemas.openxmlformats.org/drawingml/2006/diagram" xmlns:a="http://schemas.openxmlformats.org/drawingml/2006/main" uniqueId="urn:microsoft.com/office/officeart/2005/8/quickstyle/simple4">
-  <dgm:title val=""/>
-  <dgm:desc val=""/>
-  <dgm:catLst>
-    <dgm:cat type="simple" pri="10400"/>
-  </dgm:catLst>
-  <dgm:scene3d>
-    <a:camera prst="orthographicFront"/>
-    <a:lightRig rig="threePt" dir="t"/>
-  </dgm:scene3d>
-  <dgm:styleLbl name="node0">
-    <dgm:scene3d>
-      <a:camera prst="orthographicFront"/>
-      <a:lightRig rig="threePt" dir="t"/>
-    </dgm:scene3d>
-    <dgm:sp3d/>
-    <dgm:txPr/>
-    <dgm:style>
-      <a:lnRef idx="0">
-        <a:scrgbClr r="0" g="0" b="0"/>
-      </a:lnRef>
-      <a:fillRef idx="3">
-        <a:scrgbClr r="0" g="0" b="0"/>
-      </a:fillRef>
-      <a:effectRef idx="2">
-        <a:scrgbClr r="0" g="0" b="0"/>
-      </a:effectRef>
-      <a:fontRef idx="minor">
-        <a:schemeClr val="lt1"/>
-      </a:fontRef>
-    </dgm:style>
-  </dgm:styleLbl>
-  <dgm:styleLbl name="lnNode1">
-    <dgm:scene3d>
-      <a:camera prst="orthographicFront"/>
-      <a:lightRig rig="threePt" dir="t"/>
-    </dgm:scene3d>
-    <dgm:sp3d/>
-    <dgm:txPr/>
-    <dgm:style>
-      <a:lnRef idx="1">
-        <a:scrgbClr r="0" g="0" b="0"/>
-      </a:lnRef>
-      <a:fillRef idx="3">
-        <a:scrgbClr r="0" g="0" b="0"/>
-      </a:fillRef>
-      <a:effectRef idx="2">
-        <a:scrgbClr r="0" g="0" b="0"/>
-      </a:effectRef>
-      <a:fontRef idx="minor">
-        <a:schemeClr val="lt1"/>
-      </a:fontRef>
-    </dgm:style>
-  </dgm:styleLbl>
-  <dgm:styleLbl name="vennNode1">
-    <dgm:scene3d>
-      <a:camera prst="orthographicFront"/>
-      <a:lightRig rig="threePt" dir="t"/>
-    </dgm:scene3d>
-    <dgm:sp3d/>
-    <dgm:txPr/>
-    <dgm:style>
-      <a:lnRef idx="0">
-        <a:scrgbClr r="0" g="0" b="0"/>
-      </a:lnRef>
-      <a:fillRef idx="3">
-        <a:scrgbClr r="0" g="0" b="0"/>
-      </a:fillRef>
-      <a:effectRef idx="0">
-        <a:scrgbClr r="0" g="0" b="0"/>
-      </a:effectRef>
-      <a:fontRef idx="minor">
-        <a:schemeClr val="tx1"/>
-      </a:fontRef>
-    </dgm:style>
-  </dgm:styleLbl>
-  <dgm:styleLbl name="alignNode1">
-    <dgm:scene3d>
-      <a:camera prst="orthographicFront"/>
-      <a:lightRig rig="threePt" dir="t"/>
-    </dgm:scene3d>
-    <dgm:sp3d/>
-    <dgm:txPr/>
-    <dgm:style>
-      <a:lnRef idx="1">
-        <a:scrgbClr r="0" g="0" b="0"/>
-      </a:lnRef>
-      <a:fillRef idx="3">
-        <a:scrgbClr r="0" g="0" b="0"/>
-      </a:fillRef>
-      <a:effectRef idx="2">
-        <a:scrgbClr r="0" g="0" b="0"/>
-      </a:effectRef>
-      <a:fontRef idx="minor">
-        <a:schemeClr val="lt1"/>
-      </a:fontRef>
-    </dgm:style>
-  </dgm:styleLbl>
-  <dgm:styleLbl name="node1">
-    <dgm:scene3d>
-      <a:camera prst="orthographicFront"/>
-      <a:lightRig rig="threePt" dir="t"/>
-    </dgm:scene3d>
-    <dgm:sp3d/>
-    <dgm:txPr/>
-    <dgm:style>
-      <a:lnRef idx="0">
-        <a:scrgbClr r="0" g="0" b="0"/>
-      </a:lnRef>
-      <a:fillRef idx="3">
-        <a:scrgbClr r="0" g="0" b="0"/>
-      </a:fillRef>
-      <a:effectRef idx="2">
-        <a:scrgbClr r="0" g="0" b="0"/>
-      </a:effectRef>
-      <a:fontRef idx="minor">
-        <a:schemeClr val="lt1"/>
-      </a:fontRef>
-    </dgm:style>
-  </dgm:styleLbl>
-  <dgm:styleLbl name="node2">
-    <dgm:scene3d>
-      <a:camera prst="orthographicFront"/>
-      <a:lightRig rig="threePt" dir="t"/>
-    </dgm:scene3d>
-    <dgm:sp3d/>
-    <dgm:txPr/>
-    <dgm:style>
-      <a:lnRef idx="0">
-        <a:scrgbClr r="0" g="0" b="0"/>
-      </a:lnRef>
-      <a:fillRef idx="3">
-        <a:scrgbClr r="0" g="0" b="0"/>
-      </a:fillRef>
-      <a:effectRef idx="2">
-        <a:scrgbClr r="0" g="0" b="0"/>
-      </a:effectRef>
-      <a:fontRef idx="minor">
-        <a:schemeClr val="lt1"/>
-      </a:fontRef>
-    </dgm:style>
-  </dgm:styleLbl>
-  <dgm:styleLbl name="node3">
-    <dgm:scene3d>
-      <a:camera prst="orthographicFront"/>
-      <a:lightRig rig="threePt" dir="t"/>
-    </dgm:scene3d>
-    <dgm:sp3d/>
-    <dgm:txPr/>
-    <dgm:style>
-      <a:lnRef idx="0">
-        <a:scrgbClr r="0" g="0" b="0"/>
-      </a:lnRef>
-      <a:fillRef idx="3">
-        <a:scrgbClr r="0" g="0" b="0"/>
-      </a:fillRef>
-      <a:effectRef idx="2">
-        <a:scrgbClr r="0" g="0" b="0"/>
-      </a:effectRef>
-      <a:fontRef idx="minor">
-        <a:schemeClr val="lt1"/>
-      </a:fontRef>
-    </dgm:style>
-  </dgm:styleLbl>
-  <dgm:styleLbl name="node4">
-    <dgm:scene3d>
-      <a:camera prst="orthographicFront"/>
-      <a:lightRig rig="threePt" dir="t"/>
-    </dgm:scene3d>
-    <dgm:sp3d/>
-    <dgm:txPr/>
-    <dgm:style>
-      <a:lnRef idx="0">
-        <a:scrgbClr r="0" g="0" b="0"/>
-      </a:lnRef>
-      <a:fillRef idx="3">
-        <a:scrgbClr r="0" g="0" b="0"/>
-      </a:fillRef>
-      <a:effectRef idx="2">
-        <a:scrgbClr r="0" g="0" b="0"/>
-      </a:effectRef>
-      <a:fontRef idx="minor">
-        <a:schemeClr val="lt1"/>
-      </a:fontRef>
-    </dgm:style>
-  </dgm:styleLbl>
-  <dgm:styleLbl name="fgImgPlace1">
-    <dgm:scene3d>
-      <a:camera prst="orthographicFront"/>
-      <a:lightRig rig="threePt" dir="t"/>
-    </dgm:scene3d>
-    <dgm:sp3d/>
-    <dgm:txPr/>
-    <dgm:style>
-      <a:lnRef idx="0">
-        <a:scrgbClr r="0" g="0" b="0"/>
-      </a:lnRef>
-      <a:fillRef idx="1">
-        <a:scrgbClr r="0" g="0" b="0"/>
-      </a:fillRef>
-      <a:effectRef idx="2">
-        <a:scrgbClr r="0" g="0" b="0"/>
-      </a:effectRef>
-      <a:fontRef idx="minor"/>
-    </dgm:style>
-  </dgm:styleLbl>
-  <dgm:styleLbl name="alignImgPlace1">
-    <dgm:scene3d>
-      <a:camera prst="orthographicFront"/>
-      <a:lightRig rig="threePt" dir="t"/>
-    </dgm:scene3d>
-    <dgm:sp3d/>
-    <dgm:txPr/>
-    <dgm:style>
-      <a:lnRef idx="0">
-        <a:scrgbClr r="0" g="0" b="0"/>
-      </a:lnRef>
-      <a:fillRef idx="1">
-        <a:scrgbClr r="0" g="0" b="0"/>
-      </a:fillRef>
-      <a:effectRef idx="2">
-        <a:scrgbClr r="0" g="0" b="0"/>
-      </a:effectRef>
-      <a:fontRef idx="minor"/>
-    </dgm:style>
-  </dgm:styleLbl>
-  <dgm:styleLbl name="bgImgPlace1">
-    <dgm:scene3d>
-      <a:camera prst="orthographicFront"/>
-      <a:lightRig rig="threePt" dir="t"/>
-    </dgm:scene3d>
-    <dgm:sp3d/>
-    <dgm:txPr/>
-    <dgm:style>
-      <a:lnRef idx="0">
-        <a:scrgbClr r="0" g="0" b="0"/>
-      </a:lnRef>
-      <a:fillRef idx="1">
-        <a:scrgbClr r="0" g="0" b="0"/>
-      </a:fillRef>
-      <a:effectRef idx="2">
-        <a:scrgbClr r="0" g="0" b="0"/>
-      </a:effectRef>
-      <a:fontRef idx="minor"/>
-    </dgm:style>
-  </dgm:styleLbl>
-  <dgm:styleLbl name="sibTrans2D1">
-    <dgm:scene3d>
-      <a:camera prst="orthographicFront"/>
-      <a:lightRig rig="threePt" dir="t"/>
-    </dgm:scene3d>
-    <dgm:sp3d/>
-    <dgm:txPr/>
-    <dgm:style>
-      <a:lnRef idx="0">
-        <a:scrgbClr r="0" g="0" b="0"/>
-      </a:lnRef>
-      <a:fillRef idx="3">
-        <a:scrgbClr r="0" g="0" b="0"/>
-      </a:fillRef>
-      <a:effectRef idx="2">
-        <a:scrgbClr r="0" g="0" b="0"/>
-      </a:effectRef>
-      <a:fontRef idx="minor">
-        <a:schemeClr val="lt1"/>
-      </a:fontRef>
-    </dgm:style>
-  </dgm:styleLbl>
-  <dgm:styleLbl name="fgSibTrans2D1">
-    <dgm:scene3d>
-      <a:camera prst="orthographicFront"/>
-      <a:lightRig rig="threePt" dir="t"/>
-    </dgm:scene3d>
-    <dgm:sp3d/>
-    <dgm:txPr/>
-    <dgm:style>
-      <a:lnRef idx="0">
-        <a:scrgbClr r="0" g="0" b="0"/>
-      </a:lnRef>
-      <a:fillRef idx="3">
-        <a:scrgbClr r="0" g="0" b="0"/>
-      </a:fillRef>
-      <a:effectRef idx="2">
-        <a:scrgbClr r="0" g="0" b="0"/>
-      </a:effectRef>
-      <a:fontRef idx="minor">
-        <a:schemeClr val="lt1"/>
-      </a:fontRef>
-    </dgm:style>
-  </dgm:styleLbl>
-  <dgm:styleLbl name="bgSibTrans2D1">
-    <dgm:scene3d>
-      <a:camera prst="orthographicFront"/>
-      <a:lightRig rig="threePt" dir="t"/>
-    </dgm:scene3d>
-    <dgm:sp3d/>
-    <dgm:txPr/>
-    <dgm:style>
-      <a:lnRef idx="0">
-        <a:scrgbClr r="0" g="0" b="0"/>
-      </a:lnRef>
-      <a:fillRef idx="3">
-        <a:scrgbClr r="0" g="0" b="0"/>
-      </a:fillRef>
-      <a:effectRef idx="2">
-        <a:scrgbClr r="0" g="0" b="0"/>
-      </a:effectRef>
-      <a:fontRef idx="minor">
-        <a:schemeClr val="lt1"/>
-      </a:fontRef>
-    </dgm:style>
-  </dgm:styleLbl>
-  <dgm:styleLbl name="sibTrans1D1">
-    <dgm:scene3d>
-      <a:camera prst="orthographicFront"/>
-      <a:lightRig rig="threePt" dir="t"/>
-    </dgm:scene3d>
-    <dgm:sp3d/>
-    <dgm:txPr/>
-    <dgm:style>
-      <a:lnRef idx="1">
-        <a:scrgbClr r="0" g="0" b="0"/>
-      </a:lnRef>
-      <a:fillRef idx="0">
-        <a:scrgbClr r="0" g="0" b="0"/>
-      </a:fillRef>
-      <a:effectRef idx="0">
-        <a:scrgbClr r="0" g="0" b="0"/>
-      </a:effectRef>
-      <a:fontRef idx="minor"/>
-    </dgm:style>
-  </dgm:styleLbl>
-  <dgm:styleLbl name="callout">
-    <dgm:scene3d>
-      <a:camera prst="orthographicFront"/>
-      <a:lightRig rig="threePt" dir="t"/>
-    </dgm:scene3d>
-    <dgm:sp3d/>
-    <dgm:txPr/>
-    <dgm:style>
-      <a:lnRef idx="2">
-        <a:scrgbClr r="0" g="0" b="0"/>
-      </a:lnRef>
-      <a:fillRef idx="1">
-        <a:scrgbClr r="0" g="0" b="0"/>
-      </a:fillRef>
-      <a:effectRef idx="1">
-        <a:scrgbClr r="0" g="0" b="0"/>
-      </a:effectRef>
-      <a:fontRef idx="minor"/>
-    </dgm:style>
-  </dgm:styleLbl>
-  <dgm:styleLbl name="asst0">
-    <dgm:scene3d>
-      <a:camera prst="orthographicFront"/>
-      <a:lightRig rig="threePt" dir="t"/>
-    </dgm:scene3d>
-    <dgm:sp3d/>
-    <dgm:txPr/>
-    <dgm:style>
-      <a:lnRef idx="0">
-        <a:scrgbClr r="0" g="0" b="0"/>
-      </a:lnRef>
-      <a:fillRef idx="3">
-        <a:scrgbClr r="0" g="0" b="0"/>
-      </a:fillRef>
-      <a:effectRef idx="2">
-        <a:scrgbClr r="0" g="0" b="0"/>
-      </a:effectRef>
-      <a:fontRef idx="minor">
-        <a:schemeClr val="lt1"/>
-      </a:fontRef>
-    </dgm:style>
-  </dgm:styleLbl>
-  <dgm:styleLbl name="asst1">
-    <dgm:scene3d>
-      <a:camera prst="orthographicFront"/>
-      <a:lightRig rig="threePt" dir="t"/>
-    </dgm:scene3d>
-    <dgm:sp3d/>
-    <dgm:txPr/>
-    <dgm:style>
-      <a:lnRef idx="0">
-        <a:scrgbClr r="0" g="0" b="0"/>
-      </a:lnRef>
-      <a:fillRef idx="3">
-        <a:scrgbClr r="0" g="0" b="0"/>
-      </a:fillRef>
-      <a:effectRef idx="2">
-        <a:scrgbClr r="0" g="0" b="0"/>
-      </a:effectRef>
-      <a:fontRef idx="minor">
-        <a:schemeClr val="lt1"/>
-      </a:fontRef>
-    </dgm:style>
-  </dgm:styleLbl>
-  <dgm:styleLbl name="asst2">
-    <dgm:scene3d>
-      <a:camera prst="orthographicFront"/>
-      <a:lightRig rig="threePt" dir="t"/>
-    </dgm:scene3d>
-    <dgm:sp3d/>
-    <dgm:txPr/>
-    <dgm:style>
-      <a:lnRef idx="0">
-        <a:scrgbClr r="0" g="0" b="0"/>
-      </a:lnRef>
-      <a:fillRef idx="3">
-        <a:scrgbClr r="0" g="0" b="0"/>
-      </a:fillRef>
-      <a:effectRef idx="2">
-        <a:scrgbClr r="0" g="0" b="0"/>
-      </a:effectRef>
-      <a:fontRef idx="minor">
-        <a:schemeClr val="lt1"/>
-      </a:fontRef>
-    </dgm:style>
-  </dgm:styleLbl>
-  <dgm:styleLbl name="asst3">
-    <dgm:scene3d>
-      <a:camera prst="orthographicFront"/>
-      <a:lightRig rig="threePt" dir="t"/>
-    </dgm:scene3d>
-    <dgm:sp3d/>
-    <dgm:txPr/>
-    <dgm:style>
-      <a:lnRef idx="0">
-        <a:scrgbClr r="0" g="0" b="0"/>
-      </a:lnRef>
-      <a:fillRef idx="3">
-        <a:scrgbClr r="0" g="0" b="0"/>
-      </a:fillRef>
-      <a:effectRef idx="2">
-        <a:scrgbClr r="0" g="0" b="0"/>
-      </a:effectRef>
-      <a:fontRef idx="minor">
-        <a:schemeClr val="lt1"/>
-      </a:fontRef>
-    </dgm:style>
-  </dgm:styleLbl>
-  <dgm:styleLbl name="asst4">
-    <dgm:scene3d>
-      <a:camera prst="orthographicFront"/>
-      <a:lightRig rig="threePt" dir="t"/>
-    </dgm:scene3d>
-    <dgm:sp3d/>
-    <dgm:txPr/>
-    <dgm:style>
-      <a:lnRef idx="0">
-        <a:scrgbClr r="0" g="0" b="0"/>
-      </a:lnRef>
-      <a:fillRef idx="3">
-        <a:scrgbClr r="0" g="0" b="0"/>
-      </a:fillRef>
-      <a:effectRef idx="2">
-        <a:scrgbClr r="0" g="0" b="0"/>
-      </a:effectRef>
-      <a:fontRef idx="minor">
-        <a:schemeClr val="lt1"/>
-      </a:fontRef>
-    </dgm:style>
-  </dgm:styleLbl>
-  <dgm:styleLbl name="parChTrans2D1">
-    <dgm:scene3d>
-      <a:camera prst="orthographicFront"/>
-      <a:lightRig rig="threePt" dir="t"/>
-    </dgm:scene3d>
-    <dgm:sp3d/>
-    <dgm:txPr/>
-    <dgm:style>
-      <a:lnRef idx="0">
-        <a:scrgbClr r="0" g="0" b="0"/>
-      </a:lnRef>
-      <a:fillRef idx="3">
-        <a:scrgbClr r="0" g="0" b="0"/>
-      </a:fillRef>
-      <a:effectRef idx="2">
-        <a:scrgbClr r="0" g="0" b="0"/>
-      </a:effectRef>
-      <a:fontRef idx="minor">
-        <a:schemeClr val="lt1"/>
-      </a:fontRef>
-    </dgm:style>
-  </dgm:styleLbl>
-  <dgm:styleLbl name="parChTrans2D2">
-    <dgm:scene3d>
-      <a:camera prst="orthographicFront"/>
-      <a:lightRig rig="threePt" dir="t"/>
-    </dgm:scene3d>
-    <dgm:sp3d/>
-    <dgm:txPr/>
-    <dgm:style>
-      <a:lnRef idx="0">
-        <a:scrgbClr r="0" g="0" b="0"/>
-      </a:lnRef>
-      <a:fillRef idx="3">
-        <a:scrgbClr r="0" g="0" b="0"/>
-      </a:fillRef>
-      <a:effectRef idx="2">
-        <a:scrgbClr r="0" g="0" b="0"/>
-      </a:effectRef>
-      <a:fontRef idx="minor">
-        <a:schemeClr val="lt1"/>
-      </a:fontRef>
-    </dgm:style>
-  </dgm:styleLbl>
-  <dgm:styleLbl name="parChTrans2D3">
-    <dgm:scene3d>
-      <a:camera prst="orthographicFront"/>
-      <a:lightRig rig="threePt" dir="t"/>
-    </dgm:scene3d>
-    <dgm:sp3d/>
-    <dgm:txPr/>
-    <dgm:style>
-      <a:lnRef idx="1">
-        <a:scrgbClr r="0" g="0" b="0"/>
-      </a:lnRef>
-      <a:fillRef idx="3">
-        <a:scrgbClr r="0" g="0" b="0"/>
-      </a:fillRef>
-      <a:effectRef idx="2">
-        <a:scrgbClr r="0" g="0" b="0"/>
-      </a:effectRef>
-      <a:fontRef idx="minor">
-        <a:schemeClr val="lt1"/>
-      </a:fontRef>
-    </dgm:style>
-  </dgm:styleLbl>
-  <dgm:styleLbl name="parChTrans2D4">
-    <dgm:scene3d>
-      <a:camera prst="orthographicFront"/>
-      <a:lightRig rig="threePt" dir="t"/>
-    </dgm:scene3d>
-    <dgm:sp3d/>
-    <dgm:txPr/>
-    <dgm:style>
-      <a:lnRef idx="1">
-        <a:scrgbClr r="0" g="0" b="0"/>
-      </a:lnRef>
-      <a:fillRef idx="3">
-        <a:scrgbClr r="0" g="0" b="0"/>
-      </a:fillRef>
-      <a:effectRef idx="2">
-        <a:scrgbClr r="0" g="0" b="0"/>
-      </a:effectRef>
-      <a:fontRef idx="minor">
-        <a:schemeClr val="lt1"/>
-      </a:fontRef>
-    </dgm:style>
-  </dgm:styleLbl>
-  <dgm:styleLbl name="parChTrans1D1">
-    <dgm:scene3d>
-      <a:camera prst="orthographicFront"/>
-      <a:lightRig rig="threePt" dir="t"/>
-    </dgm:scene3d>
-    <dgm:sp3d/>
-    <dgm:txPr/>
-    <dgm:style>
-      <a:lnRef idx="1">
-        <a:scrgbClr r="0" g="0" b="0"/>
-      </a:lnRef>
-      <a:fillRef idx="0">
-        <a:scrgbClr r="0" g="0" b="0"/>
-      </a:fillRef>
-      <a:effectRef idx="0">
-        <a:scrgbClr r="0" g="0" b="0"/>
-      </a:effectRef>
-      <a:fontRef idx="minor"/>
-    </dgm:style>
-  </dgm:styleLbl>
-  <dgm:styleLbl name="parChTrans1D2">
-    <dgm:scene3d>
-      <a:camera prst="orthographicFront"/>
-      <a:lightRig rig="threePt" dir="t"/>
-    </dgm:scene3d>
-    <dgm:sp3d/>
-    <dgm:txPr/>
-    <dgm:style>
-      <a:lnRef idx="1">
-        <a:scrgbClr r="0" g="0" b="0"/>
-      </a:lnRef>
-      <a:fillRef idx="0">
-        <a:scrgbClr r="0" g="0" b="0"/>
-      </a:fillRef>
-      <a:effectRef idx="0">
-        <a:scrgbClr r="0" g="0" b="0"/>
-      </a:effectRef>
-      <a:fontRef idx="minor"/>
-    </dgm:style>
-  </dgm:styleLbl>
-  <dgm:styleLbl name="parChTrans1D3">
-    <dgm:scene3d>
-      <a:camera prst="orthographicFront"/>
-      <a:lightRig rig="threePt" dir="t"/>
-    </dgm:scene3d>
-    <dgm:sp3d/>
-    <dgm:txPr/>
-    <dgm:style>
-      <a:lnRef idx="1">
-        <a:scrgbClr r="0" g="0" b="0"/>
-      </a:lnRef>
-      <a:fillRef idx="0">
-        <a:scrgbClr r="0" g="0" b="0"/>
-      </a:fillRef>
-      <a:effectRef idx="0">
-        <a:scrgbClr r="0" g="0" b="0"/>
-      </a:effectRef>
-      <a:fontRef idx="minor"/>
-    </dgm:style>
-  </dgm:styleLbl>
-  <dgm:styleLbl name="parChTrans1D4">
-    <dgm:scene3d>
-      <a:camera prst="orthographicFront"/>
-      <a:lightRig rig="threePt" dir="t"/>
-    </dgm:scene3d>
-    <dgm:sp3d/>
-    <dgm:txPr/>
-    <dgm:style>
-      <a:lnRef idx="1">
-        <a:scrgbClr r="0" g="0" b="0"/>
-      </a:lnRef>
-      <a:fillRef idx="0">
-        <a:scrgbClr r="0" g="0" b="0"/>
-      </a:fillRef>
-      <a:effectRef idx="0">
-        <a:scrgbClr r="0" g="0" b="0"/>
-      </a:effectRef>
-      <a:fontRef idx="minor"/>
-    </dgm:style>
-  </dgm:styleLbl>
-  <dgm:styleLbl name="fgAcc1">
-    <dgm:scene3d>
-      <a:camera prst="orthographicFront"/>
-      <a:lightRig rig="threePt" dir="t"/>
-    </dgm:scene3d>
-    <dgm:sp3d/>
-    <dgm:txPr/>
-    <dgm:style>
-      <a:lnRef idx="1">
-        <a:scrgbClr r="0" g="0" b="0"/>
-      </a:lnRef>
-      <a:fillRef idx="1">
-        <a:scrgbClr r="0" g="0" b="0"/>
-      </a:fillRef>
-      <a:effectRef idx="0">
-        <a:scrgbClr r="0" g="0" b="0"/>
-      </a:effectRef>
-      <a:fontRef idx="minor"/>
-    </dgm:style>
-  </dgm:styleLbl>
-  <dgm:styleLbl name="conFgAcc1">
-    <dgm:scene3d>
-      <a:camera prst="orthographicFront"/>
-      <a:lightRig rig="threePt" dir="t"/>
-    </dgm:scene3d>
-    <dgm:sp3d/>
-    <dgm:txPr/>
-    <dgm:style>
-      <a:lnRef idx="1">
-        <a:scrgbClr r="0" g="0" b="0"/>
-      </a:lnRef>
-      <a:fillRef idx="1">
-        <a:scrgbClr r="0" g="0" b="0"/>
-      </a:fillRef>
-      <a:effectRef idx="0">
-        <a:scrgbClr r="0" g="0" b="0"/>
-      </a:effectRef>
-      <a:fontRef idx="minor"/>
-    </dgm:style>
-  </dgm:styleLbl>
-  <dgm:styleLbl name="alignAcc1">
-    <dgm:scene3d>
-      <a:camera prst="orthographicFront"/>
-      <a:lightRig rig="threePt" dir="t"/>
-    </dgm:scene3d>
-    <dgm:sp3d/>
-    <dgm:txPr/>
-    <dgm:style>
-      <a:lnRef idx="1">
-        <a:scrgbClr r="0" g="0" b="0"/>
-      </a:lnRef>
-      <a:fillRef idx="1">
-        <a:scrgbClr r="0" g="0" b="0"/>
-      </a:fillRef>
-      <a:effectRef idx="0">
-        <a:scrgbClr r="0" g="0" b="0"/>
-      </a:effectRef>
-      <a:fontRef idx="minor"/>
-    </dgm:style>
-  </dgm:styleLbl>
-  <dgm:styleLbl name="trAlignAcc1">
-    <dgm:scene3d>
-      <a:camera prst="orthographicFront"/>
-      <a:lightRig rig="threePt" dir="t"/>
-    </dgm:scene3d>
-    <dgm:sp3d/>
-    <dgm:txPr/>
-    <dgm:style>
-      <a:lnRef idx="1">
-        <a:scrgbClr r="0" g="0" b="0"/>
-      </a:lnRef>
-      <a:fillRef idx="1">
-        <a:scrgbClr r="0" g="0" b="0"/>
-      </a:fillRef>
-      <a:effectRef idx="0">
-        <a:scrgbClr r="0" g="0" b="0"/>
-      </a:effectRef>
-      <a:fontRef idx="minor"/>
-    </dgm:style>
-  </dgm:styleLbl>
-  <dgm:styleLbl name="bgAcc1">
-    <dgm:scene3d>
-      <a:camera prst="orthographicFront"/>
-      <a:lightRig rig="threePt" dir="t"/>
-    </dgm:scene3d>
-    <dgm:sp3d/>
-    <dgm:txPr/>
-    <dgm:style>
-      <a:lnRef idx="1">
-        <a:scrgbClr r="0" g="0" b="0"/>
-      </a:lnRef>
-      <a:fillRef idx="1">
-        <a:scrgbClr r="0" g="0" b="0"/>
-      </a:fillRef>
-      <a:effectRef idx="0">
-        <a:scrgbClr r="0" g="0" b="0"/>
-      </a:effectRef>
-      <a:fontRef idx="minor"/>
-    </dgm:style>
-  </dgm:styleLbl>
-  <dgm:styleLbl name="solidFgAcc1">
-    <dgm:scene3d>
-      <a:camera prst="orthographicFront"/>
-      <a:lightRig rig="threePt" dir="t"/>
-    </dgm:scene3d>
-    <dgm:sp3d/>
-    <dgm:txPr/>
-    <dgm:style>
-      <a:lnRef idx="1">
-        <a:scrgbClr r="0" g="0" b="0"/>
-      </a:lnRef>
-      <a:fillRef idx="1">
-        <a:scrgbClr r="0" g="0" b="0"/>
-      </a:fillRef>
-      <a:effectRef idx="0">
-        <a:scrgbClr r="0" g="0" b="0"/>
-      </a:effectRef>
-      <a:fontRef idx="minor"/>
-    </dgm:style>
-  </dgm:styleLbl>
-  <dgm:styleLbl name="solidAlignAcc1">
-    <dgm:scene3d>
-      <a:camera prst="orthographicFront"/>
-      <a:lightRig rig="threePt" dir="t"/>
-    </dgm:scene3d>
-    <dgm:sp3d/>
-    <dgm:txPr/>
-    <dgm:style>
-      <a:lnRef idx="1">
-        <a:scrgbClr r="0" g="0" b="0"/>
-      </a:lnRef>
-      <a:fillRef idx="1">
-        <a:scrgbClr r="0" g="0" b="0"/>
-      </a:fillRef>
-      <a:effectRef idx="0">
-        <a:scrgbClr r="0" g="0" b="0"/>
-      </a:effectRef>
-      <a:fontRef idx="minor"/>
-    </dgm:style>
-  </dgm:styleLbl>
-  <dgm:styleLbl name="solidBgAcc1">
-    <dgm:scene3d>
-      <a:camera prst="orthographicFront"/>
-      <a:lightRig rig="threePt" dir="t"/>
-    </dgm:scene3d>
-    <dgm:sp3d/>
-    <dgm:txPr/>
-    <dgm:style>
-      <a:lnRef idx="1">
-        <a:scrgbClr r="0" g="0" b="0"/>
-      </a:lnRef>
-      <a:fillRef idx="1">
-        <a:scrgbClr r="0" g="0" b="0"/>
-      </a:fillRef>
-      <a:effectRef idx="0">
-        <a:scrgbClr r="0" g="0" b="0"/>
-      </a:effectRef>
-      <a:fontRef idx="minor"/>
-    </dgm:style>
-  </dgm:styleLbl>
-  <dgm:styleLbl name="fgAccFollowNode1">
-    <dgm:scene3d>
-      <a:camera prst="orthographicFront"/>
-      <a:lightRig rig="threePt" dir="t"/>
-    </dgm:scene3d>
-    <dgm:sp3d/>
-    <dgm:txPr/>
-    <dgm:style>
-      <a:lnRef idx="1">
-        <a:scrgbClr r="0" g="0" b="0"/>
-      </a:lnRef>
-      <a:fillRef idx="1">
-        <a:scrgbClr r="0" g="0" b="0"/>
-      </a:fillRef>
-      <a:effectRef idx="0">
-        <a:scrgbClr r="0" g="0" b="0"/>
-      </a:effectRef>
-      <a:fontRef idx="minor"/>
-    </dgm:style>
-  </dgm:styleLbl>
-  <dgm:styleLbl name="alignAccFollowNode1">
-    <dgm:scene3d>
-      <a:camera prst="orthographicFront"/>
-      <a:lightRig rig="threePt" dir="t"/>
-    </dgm:scene3d>
-    <dgm:sp3d/>
-    <dgm:txPr/>
-    <dgm:style>
-      <a:lnRef idx="1">
-        <a:scrgbClr r="0" g="0" b="0"/>
-      </a:lnRef>
-      <a:fillRef idx="1">
-        <a:scrgbClr r="0" g="0" b="0"/>
-      </a:fillRef>
-      <a:effectRef idx="0">
-        <a:scrgbClr r="0" g="0" b="0"/>
-      </a:effectRef>
-      <a:fontRef idx="minor"/>
-    </dgm:style>
-  </dgm:styleLbl>
-  <dgm:styleLbl name="bgAccFollowNode1">
-    <dgm:scene3d>
-      <a:camera prst="orthographicFront"/>
-      <a:lightRig rig="threePt" dir="t"/>
-    </dgm:scene3d>
-    <dgm:sp3d/>
-    <dgm:txPr/>
-    <dgm:style>
-      <a:lnRef idx="1">
-        <a:scrgbClr r="0" g="0" b="0"/>
-      </a:lnRef>
-      <a:fillRef idx="1">
-        <a:scrgbClr r="0" g="0" b="0"/>
-      </a:fillRef>
-      <a:effectRef idx="0">
-        <a:scrgbClr r="0" g="0" b="0"/>
-      </a:effectRef>
-      <a:fontRef idx="minor"/>
-    </dgm:style>
-  </dgm:styleLbl>
-  <dgm:styleLbl name="fgAcc0">
-    <dgm:scene3d>
-      <a:camera prst="orthographicFront"/>
-      <a:lightRig rig="threePt" dir="t"/>
-    </dgm:scene3d>
-    <dgm:sp3d/>
-    <dgm:txPr/>
-    <dgm:style>
-      <a:lnRef idx="1">
-        <a:scrgbClr r="0" g="0" b="0"/>
-      </a:lnRef>
-      <a:fillRef idx="1">
-        <a:scrgbClr r="0" g="0" b="0"/>
-      </a:fillRef>
-      <a:effectRef idx="0">
-        <a:scrgbClr r="0" g="0" b="0"/>
-      </a:effectRef>
-      <a:fontRef idx="minor"/>
-    </dgm:style>
-  </dgm:styleLbl>
-  <dgm:styleLbl name="fgAcc2">
-    <dgm:scene3d>
-      <a:camera prst="orthographicFront"/>
-      <a:lightRig rig="threePt" dir="t"/>
-    </dgm:scene3d>
-    <dgm:sp3d/>
-    <dgm:txPr/>
-    <dgm:style>
-      <a:lnRef idx="1">
-        <a:scrgbClr r="0" g="0" b="0"/>
-      </a:lnRef>
-      <a:fillRef idx="1">
-        <a:scrgbClr r="0" g="0" b="0"/>
-      </a:fillRef>
-      <a:effectRef idx="0">
-        <a:scrgbClr r="0" g="0" b="0"/>
-      </a:effectRef>
-      <a:fontRef idx="minor"/>
-    </dgm:style>
-  </dgm:styleLbl>
-  <dgm:styleLbl name="fgAcc3">
-    <dgm:scene3d>
-      <a:camera prst="orthographicFront"/>
-      <a:lightRig rig="threePt" dir="t"/>
-    </dgm:scene3d>
-    <dgm:sp3d/>
-    <dgm:txPr/>
-    <dgm:style>
-      <a:lnRef idx="1">
-        <a:scrgbClr r="0" g="0" b="0"/>
-      </a:lnRef>
-      <a:fillRef idx="1">
-        <a:scrgbClr r="0" g="0" b="0"/>
-      </a:fillRef>
-      <a:effectRef idx="0">
-        <a:scrgbClr r="0" g="0" b="0"/>
-      </a:effectRef>
-      <a:fontRef idx="minor"/>
-    </dgm:style>
-  </dgm:styleLbl>
-  <dgm:styleLbl name="fgAcc4">
-    <dgm:scene3d>
-      <a:camera prst="orthographicFront"/>
-      <a:lightRig rig="threePt" dir="t"/>
-    </dgm:scene3d>
-    <dgm:sp3d/>
-    <dgm:txPr/>
-    <dgm:style>
-      <a:lnRef idx="1">
-        <a:scrgbClr r="0" g="0" b="0"/>
-      </a:lnRef>
-      <a:fillRef idx="1">
-        <a:scrgbClr r="0" g="0" b="0"/>
-      </a:fillRef>
-      <a:effectRef idx="0">
-        <a:scrgbClr r="0" g="0" b="0"/>
-      </a:effectRef>
-      <a:fontRef idx="minor"/>
-    </dgm:style>
-  </dgm:styleLbl>
-  <dgm:styleLbl name="bgShp">
-    <dgm:scene3d>
-      <a:camera prst="orthographicFront"/>
-      <a:lightRig rig="threePt" dir="t"/>
-    </dgm:scene3d>
-    <dgm:sp3d/>
-    <dgm:txPr/>
-    <dgm:style>
-      <a:lnRef idx="0">
-        <a:scrgbClr r="0" g="0" b="0"/>
-      </a:lnRef>
-      <a:fillRef idx="1">
-        <a:scrgbClr r="0" g="0" b="0"/>
-      </a:fillRef>
-      <a:effectRef idx="2">
-        <a:scrgbClr r="0" g="0" b="0"/>
-      </a:effectRef>
-      <a:fontRef idx="minor"/>
-    </dgm:style>
-  </dgm:styleLbl>
-  <dgm:styleLbl name="dkBgShp">
-    <dgm:scene3d>
-      <a:camera prst="orthographicFront"/>
-      <a:lightRig rig="threePt" dir="t"/>
-    </dgm:scene3d>
-    <dgm:sp3d/>
-    <dgm:txPr/>
-    <dgm:style>
-      <a:lnRef idx="0">
-        <a:scrgbClr r="0" g="0" b="0"/>
-      </a:lnRef>
-      <a:fillRef idx="1">
-        <a:scrgbClr r="0" g="0" b="0"/>
-      </a:fillRef>
-      <a:effectRef idx="2">
-        <a:scrgbClr r="0" g="0" b="0"/>
-      </a:effectRef>
-      <a:fontRef idx="minor"/>
-    </dgm:style>
-  </dgm:styleLbl>
-  <dgm:styleLbl name="trBgShp">
-    <dgm:scene3d>
-      <a:camera prst="orthographicFront"/>
-      <a:lightRig rig="threePt" dir="t"/>
-    </dgm:scene3d>
-    <dgm:sp3d/>
-    <dgm:txPr/>
-    <dgm:style>
-      <a:lnRef idx="0">
-        <a:scrgbClr r="0" g="0" b="0"/>
-      </a:lnRef>
-      <a:fillRef idx="1">
-        <a:scrgbClr r="0" g="0" b="0"/>
-      </a:fillRef>
-      <a:effectRef idx="0">
-        <a:scrgbClr r="0" g="0" b="0"/>
-      </a:effectRef>
-      <a:fontRef idx="minor"/>
-    </dgm:style>
-  </dgm:styleLbl>
-  <dgm:styleLbl name="fgShp">
-    <dgm:scene3d>
-      <a:camera prst="orthographicFront"/>
-      <a:lightRig rig="threePt" dir="t"/>
-    </dgm:scene3d>
-    <dgm:sp3d/>
-    <dgm:txPr/>
-    <dgm:style>
-      <a:lnRef idx="0">
-        <a:scrgbClr r="0" g="0" b="0"/>
-      </a:lnRef>
-      <a:fillRef idx="3">
-        <a:scrgbClr r="0" g="0" b="0"/>
-      </a:fillRef>
-      <a:effectRef idx="2">
-        <a:scrgbClr r="0" g="0" b="0"/>
-      </a:effectRef>
-      <a:fontRef idx="minor"/>
-    </dgm:style>
-  </dgm:styleLbl>
-  <dgm:styleLbl name="revTx">
-    <dgm:scene3d>
-      <a:camera prst="orthographicFront"/>
-      <a:lightRig rig="threePt" dir="t"/>
-    </dgm:scene3d>
-    <dgm:sp3d/>
-    <dgm:txPr/>
-    <dgm:style>
-      <a:lnRef idx="0">
-        <a:scrgbClr r="0" g="0" b="0"/>
-      </a:lnRef>
-      <a:fillRef idx="0">
-        <a:scrgbClr r="0" g="0" b="0"/>
-      </a:fillRef>
-      <a:effectRef idx="0">
-        <a:scrgbClr r="0" g="0" b="0"/>
-      </a:effectRef>
-      <a:fontRef idx="minor"/>
-    </dgm:style>
-  </dgm:styleLbl>
-</dgm:styleDef>
-</file>
-
-<file path=ppt/diagrams/quickStyle3.xml><?xml version="1.0" encoding="utf-8"?>
 <dgm:styleDef xmlns:dgm="http://schemas.openxmlformats.org/drawingml/2006/diagram" xmlns:a="http://schemas.openxmlformats.org/drawingml/2006/main" uniqueId="urn:microsoft.com/office/officeart/2005/8/quickstyle/simple4">
   <dgm:title val=""/>
   <dgm:desc val=""/>
@@ -10944,7 +7659,7 @@
             <a:fld id="{EC87E0CF-87F6-4B58-B8B8-DCAB2DAAF3CA}" type="slidenum">
               <a:rPr lang="en-US" smtClean="0"/>
               <a:pPr/>
-              <a:t>25</a:t>
+              <a:t>14</a:t>
             </a:fld>
             <a:endParaRPr lang="en-US" dirty="0"/>
           </a:p>
@@ -14146,11 +10861,7 @@
           <a:p>
             <a:r>
               <a:rPr lang="en-US" dirty="0" smtClean="0"/>
-              <a:t>ABMs as </a:t>
-            </a:r>
-            <a:r>
-              <a:rPr lang="en-US" smtClean="0"/>
-              <a:t>Algebraic Structures</a:t>
+              <a:t>ABMs as Algebraic Structures</a:t>
             </a:r>
             <a:endParaRPr lang="en-US" dirty="0"/>
           </a:p>
@@ -14249,1634 +10960,6 @@
           <a:p>
             <a:r>
               <a:rPr lang="en-US" dirty="0" smtClean="0"/>
-              <a:t>ABM and Generic Programming</a:t>
-            </a:r>
-            <a:endParaRPr lang="en-US" dirty="0"/>
-          </a:p>
-        </p:txBody>
-      </p:sp>
-      <p:sp>
-        <p:nvSpPr>
-          <p:cNvPr id="3" name="Text Placeholder 2"/>
-          <p:cNvSpPr>
-            <a:spLocks noGrp="1"/>
-          </p:cNvSpPr>
-          <p:nvPr>
-            <p:ph type="body" sz="quarter" idx="10"/>
-          </p:nvPr>
-        </p:nvSpPr>
-        <p:spPr>
-          <a:xfrm>
-            <a:off x="381000" y="1411552"/>
-            <a:ext cx="8382000" cy="4836848"/>
-          </a:xfrm>
-        </p:spPr>
-        <p:txBody>
-          <a:bodyPr/>
-          <a:lstStyle/>
-          <a:p>
-            <a:r>
-              <a:rPr lang="en-US" dirty="0" smtClean="0"/>
-              <a:t>Space is usually represented as a grid.</a:t>
-            </a:r>
-          </a:p>
-          <a:p>
-            <a:pPr lvl="1"/>
-            <a:r>
-              <a:rPr lang="en-US" dirty="0" smtClean="0"/>
-              <a:t>For finer-grained space, add more cells!</a:t>
-            </a:r>
-          </a:p>
-          <a:p>
-            <a:r>
-              <a:rPr lang="en-US" dirty="0" smtClean="0"/>
-              <a:t>Many models have agents look at a “neighborhood” around their location, often a square.</a:t>
-            </a:r>
-          </a:p>
-          <a:p>
-            <a:pPr lvl="1"/>
-            <a:r>
-              <a:rPr lang="en-US" dirty="0" smtClean="0"/>
-              <a:t>Special methods are written to deal with this neighborhood.</a:t>
-            </a:r>
-          </a:p>
-          <a:p>
-            <a:r>
-              <a:rPr lang="en-US" dirty="0" smtClean="0"/>
-              <a:t>A powerful abstraction is the “grid view.” This can be </a:t>
-            </a:r>
-            <a:r>
-              <a:rPr lang="en-US" i="1" dirty="0" smtClean="0"/>
-              <a:t>any</a:t>
-            </a:r>
-            <a:r>
-              <a:rPr lang="en-US" dirty="0" smtClean="0"/>
-              <a:t> collection of cells around an agent.</a:t>
-            </a:r>
-          </a:p>
-          <a:p>
-            <a:pPr lvl="1"/>
-            <a:r>
-              <a:rPr lang="en-US" dirty="0" smtClean="0"/>
-              <a:t>All grid methods work on grid views.</a:t>
-            </a:r>
-            <a:endParaRPr lang="en-US" dirty="0"/>
-          </a:p>
-        </p:txBody>
-      </p:sp>
-    </p:spTree>
-    <p:extLst>
-      <p:ext uri="{BB962C8B-B14F-4D97-AF65-F5344CB8AC3E}">
-        <p14:creationId xmlns:p14="http://schemas.microsoft.com/office/powerpoint/2010/main" val="2985670801"/>
-      </p:ext>
-    </p:extLst>
-  </p:cSld>
-  <p:clrMapOvr>
-    <a:masterClrMapping/>
-  </p:clrMapOvr>
-  <p:transition>
-    <p:fade/>
-  </p:transition>
-  <p:timing>
-    <p:tnLst>
-      <p:par>
-        <p:cTn id="1" dur="indefinite" restart="never" nodeType="tmRoot"/>
-      </p:par>
-    </p:tnLst>
-  </p:timing>
-</p:sld>
-</file>
-
-<file path=ppt/slides/slide11.xml><?xml version="1.0" encoding="utf-8"?>
-<p:sld xmlns:a="http://schemas.openxmlformats.org/drawingml/2006/main" xmlns:r="http://schemas.openxmlformats.org/officeDocument/2006/relationships" xmlns:p="http://schemas.openxmlformats.org/presentationml/2006/main">
-  <p:cSld>
-    <p:spTree>
-      <p:nvGrpSpPr>
-        <p:cNvPr id="1" name=""/>
-        <p:cNvGrpSpPr/>
-        <p:nvPr/>
-      </p:nvGrpSpPr>
-      <p:grpSpPr>
-        <a:xfrm>
-          <a:off x="0" y="0"/>
-          <a:ext cx="0" cy="0"/>
-          <a:chOff x="0" y="0"/>
-          <a:chExt cx="0" cy="0"/>
-        </a:xfrm>
-      </p:grpSpPr>
-      <p:sp>
-        <p:nvSpPr>
-          <p:cNvPr id="2" name="Title 1"/>
-          <p:cNvSpPr>
-            <a:spLocks noGrp="1"/>
-          </p:cNvSpPr>
-          <p:nvPr>
-            <p:ph type="title"/>
-          </p:nvPr>
-        </p:nvSpPr>
-        <p:spPr>
-          <a:xfrm>
-            <a:off x="381000" y="230188"/>
-            <a:ext cx="8382000" cy="677108"/>
-          </a:xfrm>
-        </p:spPr>
-        <p:txBody>
-          <a:bodyPr/>
-          <a:lstStyle/>
-          <a:p>
-            <a:r>
-              <a:rPr lang="en-US" dirty="0" smtClean="0"/>
-              <a:t>ABM and Generic Programming</a:t>
-            </a:r>
-            <a:endParaRPr lang="en-US" dirty="0"/>
-          </a:p>
-        </p:txBody>
-      </p:sp>
-      <p:sp>
-        <p:nvSpPr>
-          <p:cNvPr id="3" name="Text Placeholder 2"/>
-          <p:cNvSpPr>
-            <a:spLocks noGrp="1"/>
-          </p:cNvSpPr>
-          <p:nvPr>
-            <p:ph type="body" sz="quarter" idx="10"/>
-          </p:nvPr>
-        </p:nvSpPr>
-        <p:spPr>
-          <a:xfrm>
-            <a:off x="381000" y="1411552"/>
-            <a:ext cx="8382000" cy="4849532"/>
-          </a:xfrm>
-        </p:spPr>
-        <p:txBody>
-          <a:bodyPr/>
-          <a:lstStyle/>
-          <a:p>
-            <a:r>
-              <a:rPr lang="en-US" dirty="0" smtClean="0"/>
-              <a:t>Grid views implementation example:</a:t>
-            </a:r>
-          </a:p>
-          <a:p>
-            <a:r>
-              <a:rPr lang="en-US" sz="2000" dirty="0" err="1"/>
-              <a:t>def</a:t>
-            </a:r>
-            <a:r>
-              <a:rPr lang="en-US" sz="2000" dirty="0"/>
-              <a:t> </a:t>
-            </a:r>
-            <a:r>
-              <a:rPr lang="en-US" sz="2000" dirty="0" err="1"/>
-              <a:t>find_empty</a:t>
-            </a:r>
-            <a:r>
-              <a:rPr lang="en-US" sz="2000" dirty="0"/>
-              <a:t>(self, </a:t>
-            </a:r>
-            <a:r>
-              <a:rPr lang="en-US" sz="2000" dirty="0" err="1"/>
-              <a:t>grid_view</a:t>
-            </a:r>
-            <a:r>
-              <a:rPr lang="en-US" sz="2000" dirty="0"/>
-              <a:t>=None):                                             </a:t>
-            </a:r>
-          </a:p>
-          <a:p>
-            <a:r>
-              <a:rPr lang="en-US" sz="2000" dirty="0"/>
-              <a:t>    """                                                                          </a:t>
-            </a:r>
-          </a:p>
-          <a:p>
-            <a:r>
-              <a:rPr lang="en-US" sz="2000" dirty="0"/>
-              <a:t>    Return a random, empty cell.                                                 </a:t>
-            </a:r>
-          </a:p>
-          <a:p>
-            <a:r>
-              <a:rPr lang="en-US" sz="2000" dirty="0"/>
-              <a:t>    """                                                                           </a:t>
-            </a:r>
-          </a:p>
-          <a:p>
-            <a:r>
-              <a:rPr lang="en-US" sz="2000" dirty="0"/>
-              <a:t>    if </a:t>
-            </a:r>
-            <a:r>
-              <a:rPr lang="en-US" sz="2000" dirty="0" err="1"/>
-              <a:t>self.exists_empty_cells</a:t>
-            </a:r>
-            <a:r>
-              <a:rPr lang="en-US" sz="2000" dirty="0"/>
-              <a:t>():                                                 </a:t>
-            </a:r>
-          </a:p>
-          <a:p>
-            <a:r>
-              <a:rPr lang="en-US" sz="2000" dirty="0"/>
-              <a:t>        if </a:t>
-            </a:r>
-            <a:r>
-              <a:rPr lang="en-US" sz="2000" dirty="0" err="1"/>
-              <a:t>grid_view</a:t>
-            </a:r>
-            <a:r>
-              <a:rPr lang="en-US" sz="2000" dirty="0"/>
-              <a:t> is None:                                                     </a:t>
-            </a:r>
-          </a:p>
-          <a:p>
-            <a:r>
-              <a:rPr lang="en-US" sz="2000" dirty="0"/>
-              <a:t>            return </a:t>
-            </a:r>
-            <a:r>
-              <a:rPr lang="en-US" sz="2000" dirty="0" err="1"/>
-              <a:t>random.choice</a:t>
-            </a:r>
-            <a:r>
-              <a:rPr lang="en-US" sz="2000" dirty="0"/>
-              <a:t>(</a:t>
-            </a:r>
-            <a:r>
-              <a:rPr lang="en-US" sz="2000" dirty="0" err="1"/>
-              <a:t>self.empties</a:t>
-            </a:r>
-            <a:r>
-              <a:rPr lang="en-US" sz="2000" dirty="0"/>
-              <a:t>)                                    </a:t>
-            </a:r>
-          </a:p>
-          <a:p>
-            <a:r>
-              <a:rPr lang="en-US" sz="2000" dirty="0"/>
-              <a:t>        else:                                                                     </a:t>
-            </a:r>
-          </a:p>
-          <a:p>
-            <a:r>
-              <a:rPr lang="en-US" sz="2000" dirty="0"/>
-              <a:t>            </a:t>
-            </a:r>
-            <a:r>
-              <a:rPr lang="en-US" sz="2000" dirty="0" err="1"/>
-              <a:t>view_empties</a:t>
-            </a:r>
-            <a:r>
-              <a:rPr lang="en-US" sz="2000" dirty="0"/>
-              <a:t> = </a:t>
-            </a:r>
-            <a:r>
-              <a:rPr lang="en-US" sz="2000" dirty="0" err="1"/>
-              <a:t>grid_view.get_empties</a:t>
-            </a:r>
-            <a:r>
-              <a:rPr lang="en-US" sz="2000" dirty="0"/>
-              <a:t>()                                </a:t>
-            </a:r>
-          </a:p>
-          <a:p>
-            <a:r>
-              <a:rPr lang="en-US" sz="2000" dirty="0"/>
-              <a:t>            if </a:t>
-            </a:r>
-            <a:r>
-              <a:rPr lang="en-US" sz="2000" dirty="0" err="1"/>
-              <a:t>view_empties</a:t>
-            </a:r>
-            <a:r>
-              <a:rPr lang="en-US" sz="2000" dirty="0"/>
-              <a:t>:                                                      </a:t>
-            </a:r>
-          </a:p>
-          <a:p>
-            <a:r>
-              <a:rPr lang="en-US" sz="2000" dirty="0"/>
-              <a:t>                return </a:t>
-            </a:r>
-            <a:r>
-              <a:rPr lang="en-US" sz="2000" dirty="0" err="1"/>
-              <a:t>random.choice</a:t>
-            </a:r>
-            <a:r>
-              <a:rPr lang="en-US" sz="2000" dirty="0"/>
-              <a:t>(</a:t>
-            </a:r>
-            <a:r>
-              <a:rPr lang="en-US" sz="2000" dirty="0" err="1"/>
-              <a:t>view_empties</a:t>
-            </a:r>
-            <a:r>
-              <a:rPr lang="en-US" sz="2000" dirty="0"/>
-              <a:t>)                                </a:t>
-            </a:r>
-          </a:p>
-          <a:p>
-            <a:r>
-              <a:rPr lang="en-US" sz="2000" dirty="0"/>
-              <a:t>    return None                                                                   </a:t>
-            </a:r>
-          </a:p>
-          <a:p>
-            <a:endParaRPr lang="en-US" sz="2000" dirty="0"/>
-          </a:p>
-        </p:txBody>
-      </p:sp>
-    </p:spTree>
-    <p:extLst>
-      <p:ext uri="{BB962C8B-B14F-4D97-AF65-F5344CB8AC3E}">
-        <p14:creationId xmlns:p14="http://schemas.microsoft.com/office/powerpoint/2010/main" val="4259044637"/>
-      </p:ext>
-    </p:extLst>
-  </p:cSld>
-  <p:clrMapOvr>
-    <a:masterClrMapping/>
-  </p:clrMapOvr>
-  <p:transition>
-    <p:fade/>
-  </p:transition>
-  <p:timing>
-    <p:tnLst>
-      <p:par>
-        <p:cTn id="1" dur="indefinite" restart="never" nodeType="tmRoot"/>
-      </p:par>
-    </p:tnLst>
-  </p:timing>
-</p:sld>
-</file>
-
-<file path=ppt/slides/slide12.xml><?xml version="1.0" encoding="utf-8"?>
-<p:sld xmlns:a="http://schemas.openxmlformats.org/drawingml/2006/main" xmlns:r="http://schemas.openxmlformats.org/officeDocument/2006/relationships" xmlns:p="http://schemas.openxmlformats.org/presentationml/2006/main">
-  <p:cSld>
-    <p:spTree>
-      <p:nvGrpSpPr>
-        <p:cNvPr id="1" name=""/>
-        <p:cNvGrpSpPr/>
-        <p:nvPr/>
-      </p:nvGrpSpPr>
-      <p:grpSpPr>
-        <a:xfrm>
-          <a:off x="0" y="0"/>
-          <a:ext cx="0" cy="0"/>
-          <a:chOff x="0" y="0"/>
-          <a:chExt cx="0" cy="0"/>
-        </a:xfrm>
-      </p:grpSpPr>
-      <p:sp>
-        <p:nvSpPr>
-          <p:cNvPr id="2" name="Title 1"/>
-          <p:cNvSpPr>
-            <a:spLocks noGrp="1"/>
-          </p:cNvSpPr>
-          <p:nvPr>
-            <p:ph type="title"/>
-          </p:nvPr>
-        </p:nvSpPr>
-        <p:spPr>
-          <a:xfrm>
-            <a:off x="381000" y="230188"/>
-            <a:ext cx="8382000" cy="677108"/>
-          </a:xfrm>
-        </p:spPr>
-        <p:txBody>
-          <a:bodyPr/>
-          <a:lstStyle/>
-          <a:p>
-            <a:r>
-              <a:rPr lang="en-US" dirty="0" smtClean="0"/>
-              <a:t>ABM and Generic Programming</a:t>
-            </a:r>
-            <a:endParaRPr lang="en-US" dirty="0"/>
-          </a:p>
-        </p:txBody>
-      </p:sp>
-      <p:sp>
-        <p:nvSpPr>
-          <p:cNvPr id="3" name="Text Placeholder 2"/>
-          <p:cNvSpPr>
-            <a:spLocks noGrp="1"/>
-          </p:cNvSpPr>
-          <p:nvPr>
-            <p:ph type="body" sz="quarter" idx="10"/>
-          </p:nvPr>
-        </p:nvSpPr>
-        <p:spPr>
-          <a:xfrm>
-            <a:off x="381000" y="1411552"/>
-            <a:ext cx="8382000" cy="3897477"/>
-          </a:xfrm>
-        </p:spPr>
-        <p:txBody>
-          <a:bodyPr/>
-          <a:lstStyle/>
-          <a:p>
-            <a:r>
-              <a:rPr lang="en-US" dirty="0" smtClean="0"/>
-              <a:t>Agent loops.</a:t>
-            </a:r>
-          </a:p>
-          <a:p>
-            <a:pPr lvl="1"/>
-            <a:r>
-              <a:rPr lang="en-US" dirty="0" smtClean="0"/>
-              <a:t>All models have an </a:t>
-            </a:r>
-            <a:r>
-              <a:rPr lang="en-US" dirty="0" err="1" smtClean="0"/>
-              <a:t>act_loop</a:t>
-            </a:r>
-            <a:r>
-              <a:rPr lang="en-US" dirty="0" smtClean="0"/>
-              <a:t>.</a:t>
-            </a:r>
-          </a:p>
-          <a:p>
-            <a:pPr lvl="1"/>
-            <a:r>
-              <a:rPr lang="en-US" dirty="0" smtClean="0"/>
-              <a:t>Optionally, any model can have a </a:t>
-            </a:r>
-            <a:r>
-              <a:rPr lang="en-US" dirty="0" err="1" smtClean="0"/>
-              <a:t>preact_loop</a:t>
-            </a:r>
-            <a:r>
-              <a:rPr lang="en-US" dirty="0" smtClean="0"/>
-              <a:t> and/or a </a:t>
-            </a:r>
-            <a:r>
-              <a:rPr lang="en-US" dirty="0" err="1" smtClean="0"/>
-              <a:t>postact_loop</a:t>
-            </a:r>
-            <a:r>
-              <a:rPr lang="en-US" dirty="0" smtClean="0"/>
-              <a:t>. These are useful for setting up for acting or </a:t>
-            </a:r>
-            <a:r>
-              <a:rPr lang="en-US" dirty="0" err="1" smtClean="0"/>
-              <a:t>clean-up</a:t>
-            </a:r>
-            <a:r>
-              <a:rPr lang="en-US" dirty="0" smtClean="0"/>
-              <a:t> afterwards.</a:t>
-            </a:r>
-          </a:p>
-          <a:p>
-            <a:pPr lvl="1"/>
-            <a:r>
-              <a:rPr lang="en-US" dirty="0" smtClean="0"/>
-              <a:t>Example: setting state in forest fire model.</a:t>
-            </a:r>
-          </a:p>
-          <a:p>
-            <a:pPr lvl="1"/>
-            <a:r>
-              <a:rPr lang="en-US" dirty="0" smtClean="0"/>
-              <a:t>Rather than having to write these in each model that needs them, they are turned on by flags and performed in the base environment.</a:t>
-            </a:r>
-            <a:endParaRPr lang="en-US" dirty="0"/>
-          </a:p>
-        </p:txBody>
-      </p:sp>
-    </p:spTree>
-    <p:extLst>
-      <p:ext uri="{BB962C8B-B14F-4D97-AF65-F5344CB8AC3E}">
-        <p14:creationId xmlns:p14="http://schemas.microsoft.com/office/powerpoint/2010/main" val="4259044637"/>
-      </p:ext>
-    </p:extLst>
-  </p:cSld>
-  <p:clrMapOvr>
-    <a:masterClrMapping/>
-  </p:clrMapOvr>
-  <p:transition>
-    <p:fade/>
-  </p:transition>
-  <p:timing>
-    <p:tnLst>
-      <p:par>
-        <p:cTn id="1" dur="indefinite" restart="never" nodeType="tmRoot"/>
-      </p:par>
-    </p:tnLst>
-  </p:timing>
-</p:sld>
-</file>
-
-<file path=ppt/slides/slide13.xml><?xml version="1.0" encoding="utf-8"?>
-<p:sld xmlns:a="http://schemas.openxmlformats.org/drawingml/2006/main" xmlns:r="http://schemas.openxmlformats.org/officeDocument/2006/relationships" xmlns:p="http://schemas.openxmlformats.org/presentationml/2006/main">
-  <p:cSld>
-    <p:spTree>
-      <p:nvGrpSpPr>
-        <p:cNvPr id="1" name=""/>
-        <p:cNvGrpSpPr/>
-        <p:nvPr/>
-      </p:nvGrpSpPr>
-      <p:grpSpPr>
-        <a:xfrm>
-          <a:off x="0" y="0"/>
-          <a:ext cx="0" cy="0"/>
-          <a:chOff x="0" y="0"/>
-          <a:chExt cx="0" cy="0"/>
-        </a:xfrm>
-      </p:grpSpPr>
-      <p:sp>
-        <p:nvSpPr>
-          <p:cNvPr id="2" name="Title 1"/>
-          <p:cNvSpPr>
-            <a:spLocks noGrp="1"/>
-          </p:cNvSpPr>
-          <p:nvPr>
-            <p:ph type="title"/>
-          </p:nvPr>
-        </p:nvSpPr>
-        <p:spPr>
-          <a:xfrm>
-            <a:off x="381000" y="230188"/>
-            <a:ext cx="8382000" cy="677108"/>
-          </a:xfrm>
-        </p:spPr>
-        <p:txBody>
-          <a:bodyPr/>
-          <a:lstStyle/>
-          <a:p>
-            <a:r>
-              <a:rPr lang="en-US" dirty="0" smtClean="0"/>
-              <a:t>ABM and Generic Programming</a:t>
-            </a:r>
-            <a:endParaRPr lang="en-US" dirty="0"/>
-          </a:p>
-        </p:txBody>
-      </p:sp>
-      <p:sp>
-        <p:nvSpPr>
-          <p:cNvPr id="3" name="Text Placeholder 2"/>
-          <p:cNvSpPr>
-            <a:spLocks noGrp="1"/>
-          </p:cNvSpPr>
-          <p:nvPr>
-            <p:ph type="body" sz="quarter" idx="10"/>
-          </p:nvPr>
-        </p:nvSpPr>
-        <p:spPr>
-          <a:xfrm>
-            <a:off x="152400" y="1066800"/>
-            <a:ext cx="8915400" cy="2362200"/>
-          </a:xfrm>
-        </p:spPr>
-        <p:txBody>
-          <a:bodyPr/>
-          <a:lstStyle/>
-          <a:p>
-            <a:r>
-              <a:rPr lang="en-US" sz="2800" dirty="0" smtClean="0"/>
-              <a:t>Abstracting common patterns from models.</a:t>
-            </a:r>
-          </a:p>
-          <a:p>
-            <a:pPr lvl="1"/>
-            <a:r>
-              <a:rPr lang="en-US" sz="2400" dirty="0" smtClean="0"/>
-              <a:t>Begin with a fashion model, with trend-setters and followers.</a:t>
-            </a:r>
-          </a:p>
-          <a:p>
-            <a:pPr lvl="1"/>
-            <a:r>
-              <a:rPr lang="en-US" sz="2400" dirty="0" smtClean="0"/>
-              <a:t>Add a model of asset traders, with value investors and chart followers.</a:t>
-            </a:r>
-          </a:p>
-          <a:p>
-            <a:pPr lvl="1"/>
-            <a:r>
-              <a:rPr lang="en-US" sz="2400" dirty="0" smtClean="0"/>
-              <a:t>From the two, abstract a “stance model”: a concept.</a:t>
-            </a:r>
-          </a:p>
-          <a:p>
-            <a:pPr lvl="1"/>
-            <a:r>
-              <a:rPr lang="en-US" sz="2400" dirty="0" smtClean="0"/>
-              <a:t>Insert it “behind” the other two models.</a:t>
-            </a:r>
-            <a:endParaRPr lang="en-US" sz="2400" dirty="0"/>
-          </a:p>
-        </p:txBody>
-      </p:sp>
-      <p:graphicFrame>
-        <p:nvGraphicFramePr>
-          <p:cNvPr id="5" name="Diagram 4"/>
-          <p:cNvGraphicFramePr/>
-          <p:nvPr>
-            <p:extLst>
-              <p:ext uri="{D42A27DB-BD31-4B8C-83A1-F6EECF244321}">
-                <p14:modId xmlns:p14="http://schemas.microsoft.com/office/powerpoint/2010/main" val="3487425669"/>
-              </p:ext>
-            </p:extLst>
-          </p:nvPr>
-        </p:nvGraphicFramePr>
-        <p:xfrm>
-          <a:off x="2055976" y="3622078"/>
-          <a:ext cx="5029200" cy="3022600"/>
-        </p:xfrm>
-        <a:graphic>
-          <a:graphicData uri="http://schemas.openxmlformats.org/drawingml/2006/diagram">
-            <dgm:relIds xmlns:dgm="http://schemas.openxmlformats.org/drawingml/2006/diagram" xmlns:r="http://schemas.openxmlformats.org/officeDocument/2006/relationships" r:dm="rId2" r:lo="rId3" r:qs="rId4" r:cs="rId5"/>
-          </a:graphicData>
-        </a:graphic>
-      </p:graphicFrame>
-    </p:spTree>
-    <p:extLst>
-      <p:ext uri="{BB962C8B-B14F-4D97-AF65-F5344CB8AC3E}">
-        <p14:creationId xmlns:p14="http://schemas.microsoft.com/office/powerpoint/2010/main" val="4259044637"/>
-      </p:ext>
-    </p:extLst>
-  </p:cSld>
-  <p:clrMapOvr>
-    <a:masterClrMapping/>
-  </p:clrMapOvr>
-  <p:transition>
-    <p:fade/>
-  </p:transition>
-  <p:timing>
-    <p:tnLst>
-      <p:par>
-        <p:cTn id="1" dur="indefinite" restart="never" nodeType="tmRoot"/>
-      </p:par>
-    </p:tnLst>
-  </p:timing>
-</p:sld>
-</file>
-
-<file path=ppt/slides/slide14.xml><?xml version="1.0" encoding="utf-8"?>
-<p:sld xmlns:a="http://schemas.openxmlformats.org/drawingml/2006/main" xmlns:r="http://schemas.openxmlformats.org/officeDocument/2006/relationships" xmlns:p="http://schemas.openxmlformats.org/presentationml/2006/main">
-  <p:cSld>
-    <p:spTree>
-      <p:nvGrpSpPr>
-        <p:cNvPr id="1" name=""/>
-        <p:cNvGrpSpPr/>
-        <p:nvPr/>
-      </p:nvGrpSpPr>
-      <p:grpSpPr>
-        <a:xfrm>
-          <a:off x="0" y="0"/>
-          <a:ext cx="0" cy="0"/>
-          <a:chOff x="0" y="0"/>
-          <a:chExt cx="0" cy="0"/>
-        </a:xfrm>
-      </p:grpSpPr>
-      <p:sp>
-        <p:nvSpPr>
-          <p:cNvPr id="2" name="Title 1"/>
-          <p:cNvSpPr>
-            <a:spLocks noGrp="1"/>
-          </p:cNvSpPr>
-          <p:nvPr>
-            <p:ph type="title"/>
-          </p:nvPr>
-        </p:nvSpPr>
-        <p:spPr>
-          <a:xfrm>
-            <a:off x="381000" y="230188"/>
-            <a:ext cx="8382000" cy="677108"/>
-          </a:xfrm>
-        </p:spPr>
-        <p:txBody>
-          <a:bodyPr/>
-          <a:lstStyle/>
-          <a:p>
-            <a:r>
-              <a:rPr lang="en-US" dirty="0" smtClean="0"/>
-              <a:t>ABM and Generic Programming</a:t>
-            </a:r>
-            <a:endParaRPr lang="en-US" dirty="0"/>
-          </a:p>
-        </p:txBody>
-      </p:sp>
-      <p:sp>
-        <p:nvSpPr>
-          <p:cNvPr id="3" name="Text Placeholder 2"/>
-          <p:cNvSpPr>
-            <a:spLocks noGrp="1"/>
-          </p:cNvSpPr>
-          <p:nvPr>
-            <p:ph type="body" sz="quarter" idx="10"/>
-          </p:nvPr>
-        </p:nvSpPr>
-        <p:spPr>
-          <a:xfrm>
-            <a:off x="381000" y="1411552"/>
-            <a:ext cx="8382000" cy="3158813"/>
-          </a:xfrm>
-        </p:spPr>
-        <p:txBody>
-          <a:bodyPr/>
-          <a:lstStyle/>
-          <a:p>
-            <a:r>
-              <a:rPr lang="en-US" dirty="0" smtClean="0"/>
-              <a:t>Analyzing the components of an agent’s act():</a:t>
-            </a:r>
-          </a:p>
-          <a:p>
-            <a:pPr lvl="1"/>
-            <a:r>
-              <a:rPr lang="en-US" dirty="0" err="1"/>
-              <a:t>s</a:t>
-            </a:r>
-            <a:r>
-              <a:rPr lang="en-US" dirty="0" err="1" smtClean="0"/>
-              <a:t>urvey_env</a:t>
-            </a:r>
-            <a:r>
-              <a:rPr lang="en-US" dirty="0" smtClean="0"/>
-              <a:t>()</a:t>
-            </a:r>
-          </a:p>
-          <a:p>
-            <a:pPr lvl="2"/>
-            <a:r>
-              <a:rPr lang="en-US" dirty="0" smtClean="0"/>
-              <a:t>Get a grid view.</a:t>
-            </a:r>
-          </a:p>
-          <a:p>
-            <a:pPr lvl="1"/>
-            <a:r>
-              <a:rPr lang="en-US" dirty="0" err="1"/>
-              <a:t>e</a:t>
-            </a:r>
-            <a:r>
-              <a:rPr lang="en-US" dirty="0" err="1" smtClean="0"/>
-              <a:t>valuate_env</a:t>
-            </a:r>
-            <a:r>
-              <a:rPr lang="en-US" dirty="0" smtClean="0"/>
-              <a:t>()</a:t>
-            </a:r>
-          </a:p>
-          <a:p>
-            <a:pPr lvl="2"/>
-            <a:r>
-              <a:rPr lang="en-US" dirty="0" smtClean="0"/>
-              <a:t>Do some calculation on characteristics in the view.</a:t>
-            </a:r>
-          </a:p>
-          <a:p>
-            <a:pPr lvl="1"/>
-            <a:r>
-              <a:rPr lang="en-US" dirty="0" err="1"/>
-              <a:t>r</a:t>
-            </a:r>
-            <a:r>
-              <a:rPr lang="en-US" dirty="0" err="1" smtClean="0"/>
-              <a:t>espond_to_cond</a:t>
-            </a:r>
-            <a:r>
-              <a:rPr lang="en-US" dirty="0" smtClean="0"/>
-              <a:t>()</a:t>
-            </a:r>
-          </a:p>
-          <a:p>
-            <a:pPr lvl="2"/>
-            <a:r>
-              <a:rPr lang="en-US" dirty="0" smtClean="0"/>
-              <a:t>Jump to a new cell; change fashion; eat a sheep.</a:t>
-            </a:r>
-            <a:endParaRPr lang="en-US" dirty="0"/>
-          </a:p>
-        </p:txBody>
-      </p:sp>
-    </p:spTree>
-    <p:extLst>
-      <p:ext uri="{BB962C8B-B14F-4D97-AF65-F5344CB8AC3E}">
-        <p14:creationId xmlns:p14="http://schemas.microsoft.com/office/powerpoint/2010/main" val="2150116417"/>
-      </p:ext>
-    </p:extLst>
-  </p:cSld>
-  <p:clrMapOvr>
-    <a:masterClrMapping/>
-  </p:clrMapOvr>
-  <p:transition>
-    <p:fade/>
-  </p:transition>
-  <p:timing>
-    <p:tnLst>
-      <p:par>
-        <p:cTn id="1" dur="indefinite" restart="never" nodeType="tmRoot"/>
-      </p:par>
-    </p:tnLst>
-  </p:timing>
-</p:sld>
-</file>
-
-<file path=ppt/slides/slide15.xml><?xml version="1.0" encoding="utf-8"?>
-<p:sld xmlns:a="http://schemas.openxmlformats.org/drawingml/2006/main" xmlns:r="http://schemas.openxmlformats.org/officeDocument/2006/relationships" xmlns:p="http://schemas.openxmlformats.org/presentationml/2006/main">
-  <p:cSld>
-    <p:spTree>
-      <p:nvGrpSpPr>
-        <p:cNvPr id="1" name=""/>
-        <p:cNvGrpSpPr/>
-        <p:nvPr/>
-      </p:nvGrpSpPr>
-      <p:grpSpPr>
-        <a:xfrm>
-          <a:off x="0" y="0"/>
-          <a:ext cx="0" cy="0"/>
-          <a:chOff x="0" y="0"/>
-          <a:chExt cx="0" cy="0"/>
-        </a:xfrm>
-      </p:grpSpPr>
-      <p:sp>
-        <p:nvSpPr>
-          <p:cNvPr id="2" name="Title 1"/>
-          <p:cNvSpPr>
-            <a:spLocks noGrp="1"/>
-          </p:cNvSpPr>
-          <p:nvPr>
-            <p:ph type="title"/>
-          </p:nvPr>
-        </p:nvSpPr>
-        <p:spPr>
-          <a:xfrm>
-            <a:off x="381000" y="230188"/>
-            <a:ext cx="8382000" cy="677108"/>
-          </a:xfrm>
-        </p:spPr>
-        <p:txBody>
-          <a:bodyPr/>
-          <a:lstStyle/>
-          <a:p>
-            <a:r>
-              <a:rPr lang="en-US" dirty="0" smtClean="0"/>
-              <a:t>ABM and Generic Programming</a:t>
-            </a:r>
-            <a:endParaRPr lang="en-US" dirty="0"/>
-          </a:p>
-        </p:txBody>
-      </p:sp>
-      <p:sp>
-        <p:nvSpPr>
-          <p:cNvPr id="3" name="Text Placeholder 2"/>
-          <p:cNvSpPr>
-            <a:spLocks noGrp="1"/>
-          </p:cNvSpPr>
-          <p:nvPr>
-            <p:ph type="body" sz="quarter" idx="10"/>
-          </p:nvPr>
-        </p:nvSpPr>
-        <p:spPr>
-          <a:xfrm>
-            <a:off x="381000" y="1411552"/>
-            <a:ext cx="8382000" cy="451406"/>
-          </a:xfrm>
-        </p:spPr>
-        <p:txBody>
-          <a:bodyPr/>
-          <a:lstStyle/>
-          <a:p>
-            <a:r>
-              <a:rPr lang="en-US" dirty="0" smtClean="0"/>
-              <a:t>So we get this generic act() function:</a:t>
-            </a:r>
-          </a:p>
-        </p:txBody>
-      </p:sp>
-      <p:sp>
-        <p:nvSpPr>
-          <p:cNvPr id="4" name="TextBox 3"/>
-          <p:cNvSpPr txBox="1"/>
-          <p:nvPr/>
-        </p:nvSpPr>
-        <p:spPr>
-          <a:xfrm>
-            <a:off x="1066800" y="2286000"/>
-            <a:ext cx="6553200" cy="1846659"/>
-          </a:xfrm>
-          <a:prstGeom prst="rect">
-            <a:avLst/>
-          </a:prstGeom>
-          <a:noFill/>
-        </p:spPr>
-        <p:txBody>
-          <a:bodyPr wrap="square" rtlCol="0">
-            <a:spAutoFit/>
-          </a:bodyPr>
-          <a:lstStyle/>
-          <a:p>
-            <a:r>
-              <a:rPr lang="en-US" sz="2400" dirty="0" err="1"/>
-              <a:t>def</a:t>
-            </a:r>
-            <a:r>
-              <a:rPr lang="en-US" sz="2400" dirty="0"/>
-              <a:t> act(self):  </a:t>
-            </a:r>
-          </a:p>
-          <a:p>
-            <a:r>
-              <a:rPr lang="en-US" sz="2400" dirty="0"/>
-              <a:t>        </a:t>
-            </a:r>
-            <a:r>
-              <a:rPr lang="en-US" sz="2400" dirty="0" err="1"/>
-              <a:t>env_vars</a:t>
-            </a:r>
-            <a:r>
-              <a:rPr lang="en-US" sz="2400" dirty="0"/>
-              <a:t> = </a:t>
-            </a:r>
-            <a:r>
-              <a:rPr lang="en-US" sz="2400" dirty="0" err="1"/>
-              <a:t>self.survey_env</a:t>
-            </a:r>
-            <a:r>
-              <a:rPr lang="en-US" sz="2400" dirty="0"/>
-              <a:t>()  </a:t>
-            </a:r>
-          </a:p>
-          <a:p>
-            <a:r>
-              <a:rPr lang="en-US" sz="2400" dirty="0"/>
-              <a:t>    if </a:t>
-            </a:r>
-            <a:r>
-              <a:rPr lang="en-US" sz="2400" dirty="0" err="1"/>
-              <a:t>self.eval_env</a:t>
-            </a:r>
-            <a:r>
-              <a:rPr lang="en-US" sz="2400" dirty="0"/>
-              <a:t>(</a:t>
-            </a:r>
-            <a:r>
-              <a:rPr lang="en-US" sz="2400" dirty="0" err="1"/>
-              <a:t>env_vars</a:t>
-            </a:r>
-            <a:r>
-              <a:rPr lang="en-US" sz="2400" dirty="0"/>
-              <a:t>):  </a:t>
-            </a:r>
-          </a:p>
-          <a:p>
-            <a:r>
-              <a:rPr lang="en-US" sz="2400" dirty="0"/>
-              <a:t>        </a:t>
-            </a:r>
-            <a:r>
-              <a:rPr lang="en-US" sz="2400" dirty="0" err="1"/>
-              <a:t>self.respond_to_cond</a:t>
-            </a:r>
-            <a:r>
-              <a:rPr lang="en-US" sz="2400" dirty="0"/>
-              <a:t>(</a:t>
-            </a:r>
-            <a:r>
-              <a:rPr lang="en-US" sz="2400" dirty="0" err="1"/>
-              <a:t>env_vars</a:t>
-            </a:r>
-            <a:r>
-              <a:rPr lang="en-US" sz="2400" dirty="0"/>
-              <a:t>=</a:t>
-            </a:r>
-            <a:r>
-              <a:rPr lang="en-US" sz="2400" dirty="0" err="1"/>
-              <a:t>env_vars</a:t>
-            </a:r>
-            <a:r>
-              <a:rPr lang="en-US" sz="2400" dirty="0"/>
-              <a:t>)  </a:t>
-            </a:r>
-          </a:p>
-          <a:p>
-            <a:endParaRPr lang="en-US" dirty="0"/>
-          </a:p>
-        </p:txBody>
-      </p:sp>
-      <p:sp>
-        <p:nvSpPr>
-          <p:cNvPr id="5" name="Text Placeholder 2"/>
-          <p:cNvSpPr txBox="1">
-            <a:spLocks/>
-          </p:cNvSpPr>
-          <p:nvPr/>
-        </p:nvSpPr>
-        <p:spPr>
-          <a:xfrm>
-            <a:off x="381000" y="4419600"/>
-            <a:ext cx="8382000" cy="451406"/>
-          </a:xfrm>
-          <a:prstGeom prst="rect">
-            <a:avLst/>
-          </a:prstGeom>
-        </p:spPr>
-        <p:txBody>
-          <a:bodyPr vert="horz" lIns="0" tIns="0" rIns="0" bIns="0" rtlCol="0">
-            <a:spAutoFit/>
-          </a:bodyPr>
-          <a:lstStyle>
-            <a:lvl1pPr marL="396875" indent="-396875" algn="l" defTabSz="914363" rtl="0" eaLnBrk="1" latinLnBrk="0" hangingPunct="1">
-              <a:lnSpc>
-                <a:spcPct val="90000"/>
-              </a:lnSpc>
-              <a:spcBef>
-                <a:spcPct val="20000"/>
-              </a:spcBef>
-              <a:buFontTx/>
-              <a:buBlip>
-                <a:blip r:embed="rId2"/>
-              </a:buBlip>
-              <a:defRPr sz="3200" kern="1200">
-                <a:solidFill>
-                  <a:schemeClr val="tx1"/>
-                </a:solidFill>
-                <a:latin typeface="+mn-lt"/>
-                <a:ea typeface="+mn-ea"/>
-                <a:cs typeface="+mn-cs"/>
-              </a:defRPr>
-            </a:lvl1pPr>
-            <a:lvl2pPr marL="914400" indent="-396875" algn="l" defTabSz="914363" rtl="0" eaLnBrk="1" latinLnBrk="0" hangingPunct="1">
-              <a:lnSpc>
-                <a:spcPct val="90000"/>
-              </a:lnSpc>
-              <a:spcBef>
-                <a:spcPct val="20000"/>
-              </a:spcBef>
-              <a:buFontTx/>
-              <a:buBlip>
-                <a:blip r:embed="rId3"/>
-              </a:buBlip>
-              <a:defRPr sz="2800" kern="1200">
-                <a:solidFill>
-                  <a:schemeClr val="tx1"/>
-                </a:solidFill>
-                <a:latin typeface="+mn-lt"/>
-                <a:ea typeface="+mn-ea"/>
-                <a:cs typeface="+mn-cs"/>
-              </a:defRPr>
-            </a:lvl2pPr>
-            <a:lvl3pPr marL="1258888" indent="-344488" algn="l" defTabSz="914363" rtl="0" eaLnBrk="1" latinLnBrk="0" hangingPunct="1">
-              <a:lnSpc>
-                <a:spcPct val="90000"/>
-              </a:lnSpc>
-              <a:spcBef>
-                <a:spcPct val="20000"/>
-              </a:spcBef>
-              <a:buFontTx/>
-              <a:buBlip>
-                <a:blip r:embed="rId3"/>
-              </a:buBlip>
-              <a:defRPr sz="2400" kern="1200">
-                <a:solidFill>
-                  <a:schemeClr val="tx1"/>
-                </a:solidFill>
-                <a:latin typeface="+mn-lt"/>
-                <a:ea typeface="+mn-ea"/>
-                <a:cs typeface="+mn-cs"/>
-              </a:defRPr>
-            </a:lvl3pPr>
-            <a:lvl4pPr marL="1604963" indent="-346075" algn="l" defTabSz="914363" rtl="0" eaLnBrk="1" latinLnBrk="0" hangingPunct="1">
-              <a:lnSpc>
-                <a:spcPct val="90000"/>
-              </a:lnSpc>
-              <a:spcBef>
-                <a:spcPct val="20000"/>
-              </a:spcBef>
-              <a:buFontTx/>
-              <a:buBlip>
-                <a:blip r:embed="rId3"/>
-              </a:buBlip>
-              <a:defRPr sz="2400" kern="1200">
-                <a:solidFill>
-                  <a:schemeClr val="tx1"/>
-                </a:solidFill>
-                <a:latin typeface="+mn-lt"/>
-                <a:ea typeface="+mn-ea"/>
-                <a:cs typeface="+mn-cs"/>
-              </a:defRPr>
-            </a:lvl4pPr>
-            <a:lvl5pPr marL="1941513" indent="-336550" algn="l" defTabSz="914363" rtl="0" eaLnBrk="1" latinLnBrk="0" hangingPunct="1">
-              <a:lnSpc>
-                <a:spcPct val="90000"/>
-              </a:lnSpc>
-              <a:spcBef>
-                <a:spcPct val="20000"/>
-              </a:spcBef>
-              <a:buFontTx/>
-              <a:buBlip>
-                <a:blip r:embed="rId3"/>
-              </a:buBlip>
-              <a:defRPr sz="2400" kern="1200">
-                <a:solidFill>
-                  <a:schemeClr val="tx1"/>
-                </a:solidFill>
-                <a:latin typeface="+mn-lt"/>
-                <a:ea typeface="+mn-ea"/>
-                <a:cs typeface="+mn-cs"/>
-              </a:defRPr>
-            </a:lvl5pPr>
-            <a:lvl6pPr marL="2514499" indent="-228591" algn="l" defTabSz="914363" rtl="0" eaLnBrk="1" latinLnBrk="0" hangingPunct="1">
-              <a:spcBef>
-                <a:spcPct val="20000"/>
-              </a:spcBef>
-              <a:buFont typeface="Arial" pitchFamily="34" charset="0"/>
-              <a:buChar char="•"/>
-              <a:defRPr sz="2000" kern="1200">
-                <a:solidFill>
-                  <a:schemeClr val="tx1"/>
-                </a:solidFill>
-                <a:latin typeface="+mn-lt"/>
-                <a:ea typeface="+mn-ea"/>
-                <a:cs typeface="+mn-cs"/>
-              </a:defRPr>
-            </a:lvl6pPr>
-            <a:lvl7pPr marL="2971681" indent="-228591" algn="l" defTabSz="914363" rtl="0" eaLnBrk="1" latinLnBrk="0" hangingPunct="1">
-              <a:spcBef>
-                <a:spcPct val="20000"/>
-              </a:spcBef>
-              <a:buFont typeface="Arial" pitchFamily="34" charset="0"/>
-              <a:buChar char="•"/>
-              <a:defRPr sz="2000" kern="1200">
-                <a:solidFill>
-                  <a:schemeClr val="tx1"/>
-                </a:solidFill>
-                <a:latin typeface="+mn-lt"/>
-                <a:ea typeface="+mn-ea"/>
-                <a:cs typeface="+mn-cs"/>
-              </a:defRPr>
-            </a:lvl7pPr>
-            <a:lvl8pPr marL="3428863" indent="-228591" algn="l" defTabSz="914363" rtl="0" eaLnBrk="1" latinLnBrk="0" hangingPunct="1">
-              <a:spcBef>
-                <a:spcPct val="20000"/>
-              </a:spcBef>
-              <a:buFont typeface="Arial" pitchFamily="34" charset="0"/>
-              <a:buChar char="•"/>
-              <a:defRPr sz="2000" kern="1200">
-                <a:solidFill>
-                  <a:schemeClr val="tx1"/>
-                </a:solidFill>
-                <a:latin typeface="+mn-lt"/>
-                <a:ea typeface="+mn-ea"/>
-                <a:cs typeface="+mn-cs"/>
-              </a:defRPr>
-            </a:lvl8pPr>
-            <a:lvl9pPr marL="3886045" indent="-228591" algn="l" defTabSz="914363" rtl="0" eaLnBrk="1" latinLnBrk="0" hangingPunct="1">
-              <a:spcBef>
-                <a:spcPct val="20000"/>
-              </a:spcBef>
-              <a:buFont typeface="Arial" pitchFamily="34" charset="0"/>
-              <a:buChar char="•"/>
-              <a:defRPr sz="2000" kern="1200">
-                <a:solidFill>
-                  <a:schemeClr val="tx1"/>
-                </a:solidFill>
-                <a:latin typeface="+mn-lt"/>
-                <a:ea typeface="+mn-ea"/>
-                <a:cs typeface="+mn-cs"/>
-              </a:defRPr>
-            </a:lvl9pPr>
-          </a:lstStyle>
-          <a:p>
-            <a:r>
-              <a:rPr lang="en-US" dirty="0" smtClean="0"/>
-              <a:t>This has worked for a number of models.</a:t>
-            </a:r>
-          </a:p>
-        </p:txBody>
-      </p:sp>
-    </p:spTree>
-    <p:extLst>
-      <p:ext uri="{BB962C8B-B14F-4D97-AF65-F5344CB8AC3E}">
-        <p14:creationId xmlns:p14="http://schemas.microsoft.com/office/powerpoint/2010/main" val="2150116417"/>
-      </p:ext>
-    </p:extLst>
-  </p:cSld>
-  <p:clrMapOvr>
-    <a:masterClrMapping/>
-  </p:clrMapOvr>
-  <p:transition>
-    <p:fade/>
-  </p:transition>
-  <p:timing>
-    <p:tnLst>
-      <p:par>
-        <p:cTn id="1" dur="indefinite" restart="never" nodeType="tmRoot"/>
-      </p:par>
-    </p:tnLst>
-  </p:timing>
-</p:sld>
-</file>
-
-<file path=ppt/slides/slide16.xml><?xml version="1.0" encoding="utf-8"?>
-<p:sld xmlns:a="http://schemas.openxmlformats.org/drawingml/2006/main" xmlns:r="http://schemas.openxmlformats.org/officeDocument/2006/relationships" xmlns:p="http://schemas.openxmlformats.org/presentationml/2006/main">
-  <p:cSld>
-    <p:spTree>
-      <p:nvGrpSpPr>
-        <p:cNvPr id="1" name=""/>
-        <p:cNvGrpSpPr/>
-        <p:nvPr/>
-      </p:nvGrpSpPr>
-      <p:grpSpPr>
-        <a:xfrm>
-          <a:off x="0" y="0"/>
-          <a:ext cx="0" cy="0"/>
-          <a:chOff x="0" y="0"/>
-          <a:chExt cx="0" cy="0"/>
-        </a:xfrm>
-      </p:grpSpPr>
-      <p:sp>
-        <p:nvSpPr>
-          <p:cNvPr id="2" name="Title 1"/>
-          <p:cNvSpPr>
-            <a:spLocks noGrp="1"/>
-          </p:cNvSpPr>
-          <p:nvPr>
-            <p:ph type="title"/>
-          </p:nvPr>
-        </p:nvSpPr>
-        <p:spPr>
-          <a:xfrm>
-            <a:off x="381000" y="230188"/>
-            <a:ext cx="8382000" cy="677108"/>
-          </a:xfrm>
-        </p:spPr>
-        <p:txBody>
-          <a:bodyPr/>
-          <a:lstStyle/>
-          <a:p>
-            <a:r>
-              <a:rPr lang="en-US" dirty="0" smtClean="0"/>
-              <a:t>ABM and Generic Programming</a:t>
-            </a:r>
-            <a:endParaRPr lang="en-US" dirty="0"/>
-          </a:p>
-        </p:txBody>
-      </p:sp>
-      <p:sp>
-        <p:nvSpPr>
-          <p:cNvPr id="3" name="Text Placeholder 2"/>
-          <p:cNvSpPr>
-            <a:spLocks noGrp="1"/>
-          </p:cNvSpPr>
-          <p:nvPr>
-            <p:ph type="body" sz="quarter" idx="10"/>
-          </p:nvPr>
-        </p:nvSpPr>
-        <p:spPr>
-          <a:xfrm>
-            <a:off x="381000" y="1411552"/>
-            <a:ext cx="8382000" cy="1781000"/>
-          </a:xfrm>
-        </p:spPr>
-        <p:txBody>
-          <a:bodyPr/>
-          <a:lstStyle/>
-          <a:p>
-            <a:r>
-              <a:rPr lang="en-US" dirty="0" smtClean="0"/>
-              <a:t>We are now working on ways to treat the entire agent population as a vector, and use matrix multiplication to reset all agents’ states in a single operation.</a:t>
-            </a:r>
-            <a:endParaRPr lang="en-US" dirty="0"/>
-          </a:p>
-        </p:txBody>
-      </p:sp>
-    </p:spTree>
-    <p:extLst>
-      <p:ext uri="{BB962C8B-B14F-4D97-AF65-F5344CB8AC3E}">
-        <p14:creationId xmlns:p14="http://schemas.microsoft.com/office/powerpoint/2010/main" val="4259044637"/>
-      </p:ext>
-    </p:extLst>
-  </p:cSld>
-  <p:clrMapOvr>
-    <a:masterClrMapping/>
-  </p:clrMapOvr>
-  <p:transition>
-    <p:fade/>
-  </p:transition>
-  <p:timing>
-    <p:tnLst>
-      <p:par>
-        <p:cTn id="1" dur="indefinite" restart="never" nodeType="tmRoot"/>
-      </p:par>
-    </p:tnLst>
-  </p:timing>
-</p:sld>
-</file>
-
-<file path=ppt/slides/slide17.xml><?xml version="1.0" encoding="utf-8"?>
-<p:sld xmlns:a="http://schemas.openxmlformats.org/drawingml/2006/main" xmlns:r="http://schemas.openxmlformats.org/officeDocument/2006/relationships" xmlns:p="http://schemas.openxmlformats.org/presentationml/2006/main">
-  <p:cSld>
-    <p:spTree>
-      <p:nvGrpSpPr>
-        <p:cNvPr id="1" name=""/>
-        <p:cNvGrpSpPr/>
-        <p:nvPr/>
-      </p:nvGrpSpPr>
-      <p:grpSpPr>
-        <a:xfrm>
-          <a:off x="0" y="0"/>
-          <a:ext cx="0" cy="0"/>
-          <a:chOff x="0" y="0"/>
-          <a:chExt cx="0" cy="0"/>
-        </a:xfrm>
-      </p:grpSpPr>
-      <p:sp>
-        <p:nvSpPr>
-          <p:cNvPr id="2" name="Title 1"/>
-          <p:cNvSpPr>
-            <a:spLocks noGrp="1"/>
-          </p:cNvSpPr>
-          <p:nvPr>
-            <p:ph type="title"/>
-          </p:nvPr>
-        </p:nvSpPr>
-        <p:spPr>
-          <a:xfrm>
-            <a:off x="381000" y="230188"/>
-            <a:ext cx="8382000" cy="677108"/>
-          </a:xfrm>
-        </p:spPr>
-        <p:txBody>
-          <a:bodyPr/>
-          <a:lstStyle/>
-          <a:p>
-            <a:r>
-              <a:rPr lang="en-US" dirty="0" smtClean="0"/>
-              <a:t>Python and Generic Programming</a:t>
-            </a:r>
-            <a:endParaRPr lang="en-US" dirty="0"/>
-          </a:p>
-        </p:txBody>
-      </p:sp>
-      <p:sp>
-        <p:nvSpPr>
-          <p:cNvPr id="3" name="Text Placeholder 2"/>
-          <p:cNvSpPr>
-            <a:spLocks noGrp="1"/>
-          </p:cNvSpPr>
-          <p:nvPr>
-            <p:ph type="body" sz="quarter" idx="10"/>
-          </p:nvPr>
-        </p:nvSpPr>
-        <p:spPr>
-          <a:xfrm>
-            <a:off x="381000" y="1411552"/>
-            <a:ext cx="8382000" cy="4604337"/>
-          </a:xfrm>
-        </p:spPr>
-        <p:txBody>
-          <a:bodyPr/>
-          <a:lstStyle/>
-          <a:p>
-            <a:r>
-              <a:rPr lang="en-US" dirty="0" smtClean="0"/>
-              <a:t>Python is well-suited to doing generic programming:</a:t>
-            </a:r>
-          </a:p>
-          <a:p>
-            <a:pPr lvl="1"/>
-            <a:r>
-              <a:rPr lang="en-US" dirty="0" smtClean="0"/>
-              <a:t>We can already pass various types into a function </a:t>
-            </a:r>
-            <a:r>
-              <a:rPr lang="en-US" dirty="0"/>
-              <a:t>or a method and its descendants.</a:t>
-            </a:r>
-            <a:endParaRPr lang="en-US" dirty="0" smtClean="0"/>
-          </a:p>
-          <a:p>
-            <a:pPr lvl="1"/>
-            <a:r>
-              <a:rPr lang="en-US" dirty="0" smtClean="0"/>
-              <a:t>We can return various types from a function or a method and its descendants.</a:t>
-            </a:r>
-          </a:p>
-          <a:p>
-            <a:pPr lvl="1"/>
-            <a:r>
-              <a:rPr lang="en-US" dirty="0" smtClean="0"/>
-              <a:t>We can pass in operators when a function might need to handle different types differently: the operator module.</a:t>
-            </a:r>
-          </a:p>
-          <a:p>
-            <a:pPr lvl="2"/>
-            <a:r>
-              <a:rPr lang="en-US" dirty="0" smtClean="0"/>
-              <a:t>Thus we could pass in add() for </a:t>
-            </a:r>
-            <a:r>
-              <a:rPr lang="en-US" dirty="0" err="1" smtClean="0"/>
-              <a:t>ints</a:t>
-            </a:r>
-            <a:r>
-              <a:rPr lang="en-US" dirty="0" smtClean="0"/>
-              <a:t> and our own operator for knots. </a:t>
-            </a:r>
-            <a:endParaRPr lang="en-US" dirty="0"/>
-          </a:p>
-        </p:txBody>
-      </p:sp>
-    </p:spTree>
-    <p:extLst>
-      <p:ext uri="{BB962C8B-B14F-4D97-AF65-F5344CB8AC3E}">
-        <p14:creationId xmlns:p14="http://schemas.microsoft.com/office/powerpoint/2010/main" val="3303779278"/>
-      </p:ext>
-    </p:extLst>
-  </p:cSld>
-  <p:clrMapOvr>
-    <a:masterClrMapping/>
-  </p:clrMapOvr>
-  <p:transition>
-    <p:fade/>
-  </p:transition>
-  <p:timing>
-    <p:tnLst>
-      <p:par>
-        <p:cTn id="1" dur="indefinite" restart="never" nodeType="tmRoot"/>
-      </p:par>
-    </p:tnLst>
-  </p:timing>
-</p:sld>
-</file>
-
-<file path=ppt/slides/slide18.xml><?xml version="1.0" encoding="utf-8"?>
-<p:sld xmlns:a="http://schemas.openxmlformats.org/drawingml/2006/main" xmlns:r="http://schemas.openxmlformats.org/officeDocument/2006/relationships" xmlns:p="http://schemas.openxmlformats.org/presentationml/2006/main">
-  <p:cSld>
-    <p:spTree>
-      <p:nvGrpSpPr>
-        <p:cNvPr id="1" name=""/>
-        <p:cNvGrpSpPr/>
-        <p:nvPr/>
-      </p:nvGrpSpPr>
-      <p:grpSpPr>
-        <a:xfrm>
-          <a:off x="0" y="0"/>
-          <a:ext cx="0" cy="0"/>
-          <a:chOff x="0" y="0"/>
-          <a:chExt cx="0" cy="0"/>
-        </a:xfrm>
-      </p:grpSpPr>
-      <p:sp>
-        <p:nvSpPr>
-          <p:cNvPr id="2" name="Title 1"/>
-          <p:cNvSpPr>
-            <a:spLocks noGrp="1"/>
-          </p:cNvSpPr>
-          <p:nvPr>
-            <p:ph type="title"/>
-          </p:nvPr>
-        </p:nvSpPr>
-        <p:spPr>
-          <a:xfrm>
-            <a:off x="381000" y="230188"/>
-            <a:ext cx="8382000" cy="677108"/>
-          </a:xfrm>
-        </p:spPr>
-        <p:txBody>
-          <a:bodyPr/>
-          <a:lstStyle/>
-          <a:p>
-            <a:r>
-              <a:rPr lang="en-US" dirty="0" smtClean="0"/>
-              <a:t>Python and Generic Programming</a:t>
-            </a:r>
-            <a:endParaRPr lang="en-US" dirty="0"/>
-          </a:p>
-        </p:txBody>
-      </p:sp>
-      <p:sp>
-        <p:nvSpPr>
-          <p:cNvPr id="3" name="Text Placeholder 2"/>
-          <p:cNvSpPr>
-            <a:spLocks noGrp="1"/>
-          </p:cNvSpPr>
-          <p:nvPr>
-            <p:ph type="body" sz="quarter" idx="10"/>
-          </p:nvPr>
-        </p:nvSpPr>
-        <p:spPr>
-          <a:xfrm>
-            <a:off x="381000" y="1411552"/>
-            <a:ext cx="8382000" cy="3243965"/>
-          </a:xfrm>
-        </p:spPr>
-        <p:txBody>
-          <a:bodyPr/>
-          <a:lstStyle/>
-          <a:p>
-            <a:r>
-              <a:rPr lang="en-US" dirty="0" smtClean="0"/>
-              <a:t>Concepts:</a:t>
-            </a:r>
-          </a:p>
-          <a:p>
-            <a:pPr lvl="1"/>
-            <a:r>
-              <a:rPr lang="en-US" dirty="0" err="1"/>
-              <a:t>isinstance</a:t>
-            </a:r>
-            <a:r>
-              <a:rPr lang="en-US" dirty="0"/>
-              <a:t>(e, </a:t>
-            </a:r>
-            <a:r>
-              <a:rPr lang="en-US" dirty="0" err="1"/>
-              <a:t>collections.Iterable</a:t>
-            </a:r>
-            <a:r>
-              <a:rPr lang="en-US" dirty="0" smtClean="0"/>
-              <a:t>) is along the lines of what </a:t>
-            </a:r>
-            <a:r>
-              <a:rPr lang="en-US" dirty="0" err="1" smtClean="0"/>
-              <a:t>Stepanov</a:t>
-            </a:r>
-            <a:r>
-              <a:rPr lang="en-US" dirty="0" smtClean="0"/>
-              <a:t> and Rose are after.</a:t>
-            </a:r>
-          </a:p>
-          <a:p>
-            <a:pPr lvl="1"/>
-            <a:r>
-              <a:rPr lang="en-US" dirty="0" smtClean="0"/>
-              <a:t>“Duck typing” is a weak substitute for actual, rigorously defined concepts. </a:t>
-            </a:r>
-          </a:p>
-          <a:p>
-            <a:pPr lvl="2"/>
-            <a:r>
-              <a:rPr lang="en-US" dirty="0" smtClean="0"/>
-              <a:t>Rather than actually working out the abstraction that captures x, y and z, just chuck them all in a duck costume!</a:t>
-            </a:r>
-          </a:p>
-        </p:txBody>
-      </p:sp>
-    </p:spTree>
-    <p:extLst>
-      <p:ext uri="{BB962C8B-B14F-4D97-AF65-F5344CB8AC3E}">
-        <p14:creationId xmlns:p14="http://schemas.microsoft.com/office/powerpoint/2010/main" val="3094295442"/>
-      </p:ext>
-    </p:extLst>
-  </p:cSld>
-  <p:clrMapOvr>
-    <a:masterClrMapping/>
-  </p:clrMapOvr>
-  <p:transition>
-    <p:fade/>
-  </p:transition>
-  <p:timing>
-    <p:tnLst>
-      <p:par>
-        <p:cTn id="1" dur="indefinite" restart="never" nodeType="tmRoot"/>
-      </p:par>
-    </p:tnLst>
-  </p:timing>
-</p:sld>
-</file>
-
-<file path=ppt/slides/slide19.xml><?xml version="1.0" encoding="utf-8"?>
-<p:sld xmlns:a="http://schemas.openxmlformats.org/drawingml/2006/main" xmlns:r="http://schemas.openxmlformats.org/officeDocument/2006/relationships" xmlns:p="http://schemas.openxmlformats.org/presentationml/2006/main">
-  <p:cSld>
-    <p:spTree>
-      <p:nvGrpSpPr>
-        <p:cNvPr id="1" name=""/>
-        <p:cNvGrpSpPr/>
-        <p:nvPr/>
-      </p:nvGrpSpPr>
-      <p:grpSpPr>
-        <a:xfrm>
-          <a:off x="0" y="0"/>
-          <a:ext cx="0" cy="0"/>
-          <a:chOff x="0" y="0"/>
-          <a:chExt cx="0" cy="0"/>
-        </a:xfrm>
-      </p:grpSpPr>
-      <p:sp>
-        <p:nvSpPr>
-          <p:cNvPr id="2" name="Title 1"/>
-          <p:cNvSpPr>
-            <a:spLocks noGrp="1"/>
-          </p:cNvSpPr>
-          <p:nvPr>
-            <p:ph type="title"/>
-          </p:nvPr>
-        </p:nvSpPr>
-        <p:spPr>
-          <a:xfrm>
-            <a:off x="381000" y="230188"/>
-            <a:ext cx="8382000" cy="677108"/>
-          </a:xfrm>
-        </p:spPr>
-        <p:txBody>
-          <a:bodyPr/>
-          <a:lstStyle/>
-          <a:p>
-            <a:r>
-              <a:rPr lang="en-US" dirty="0" smtClean="0"/>
               <a:t>How to Do Generic Programming</a:t>
             </a:r>
             <a:endParaRPr lang="en-US" dirty="0"/>
@@ -16061,117 +11144,7 @@
 </p:sld>
 </file>
 
-<file path=ppt/slides/slide2.xml><?xml version="1.0" encoding="utf-8"?>
-<p:sld xmlns:a="http://schemas.openxmlformats.org/drawingml/2006/main" xmlns:r="http://schemas.openxmlformats.org/officeDocument/2006/relationships" xmlns:p="http://schemas.openxmlformats.org/presentationml/2006/main">
-  <p:cSld>
-    <p:spTree>
-      <p:nvGrpSpPr>
-        <p:cNvPr id="1" name=""/>
-        <p:cNvGrpSpPr/>
-        <p:nvPr/>
-      </p:nvGrpSpPr>
-      <p:grpSpPr>
-        <a:xfrm>
-          <a:off x="0" y="0"/>
-          <a:ext cx="0" cy="0"/>
-          <a:chOff x="0" y="0"/>
-          <a:chExt cx="0" cy="0"/>
-        </a:xfrm>
-      </p:grpSpPr>
-      <p:sp>
-        <p:nvSpPr>
-          <p:cNvPr id="2" name="Title 1"/>
-          <p:cNvSpPr>
-            <a:spLocks noGrp="1"/>
-          </p:cNvSpPr>
-          <p:nvPr>
-            <p:ph type="title"/>
-          </p:nvPr>
-        </p:nvSpPr>
-        <p:spPr>
-          <a:xfrm>
-            <a:off x="381000" y="230188"/>
-            <a:ext cx="8382000" cy="1163395"/>
-          </a:xfrm>
-        </p:spPr>
-        <p:txBody>
-          <a:bodyPr>
-            <a:normAutofit/>
-          </a:bodyPr>
-          <a:lstStyle/>
-          <a:p>
-            <a:r>
-              <a:rPr lang="en-US" dirty="0" smtClean="0"/>
-              <a:t>Generic Programming</a:t>
-            </a:r>
-            <a:br>
-              <a:rPr lang="en-US" dirty="0" smtClean="0"/>
-            </a:br>
-            <a:r>
-              <a:rPr lang="en-US" sz="3600" dirty="0" smtClean="0">
-                <a:solidFill>
-                  <a:schemeClr val="tx2"/>
-                </a:solidFill>
-              </a:rPr>
-              <a:t>Abstracting logic from data</a:t>
-            </a:r>
-            <a:endParaRPr lang="en-US" dirty="0">
-              <a:solidFill>
-                <a:schemeClr val="tx2"/>
-              </a:solidFill>
-            </a:endParaRPr>
-          </a:p>
-        </p:txBody>
-      </p:sp>
-      <p:pic>
-        <p:nvPicPr>
-          <p:cNvPr id="4" name="Picture 3" descr="Cover.aspx.jpeg"/>
-          <p:cNvPicPr>
-            <a:picLocks noChangeAspect="1"/>
-          </p:cNvPicPr>
-          <p:nvPr/>
-        </p:nvPicPr>
-        <p:blipFill>
-          <a:blip r:embed="rId3">
-            <a:extLst>
-              <a:ext uri="{28A0092B-C50C-407E-A947-70E740481C1C}">
-                <a14:useLocalDpi xmlns:a14="http://schemas.microsoft.com/office/drawing/2010/main" val="0"/>
-              </a:ext>
-            </a:extLst>
-          </a:blip>
-          <a:stretch>
-            <a:fillRect/>
-          </a:stretch>
-        </p:blipFill>
-        <p:spPr>
-          <a:xfrm>
-            <a:off x="4038600" y="1752600"/>
-            <a:ext cx="3606412" cy="4724400"/>
-          </a:xfrm>
-          <a:prstGeom prst="rect">
-            <a:avLst/>
-          </a:prstGeom>
-        </p:spPr>
-      </p:pic>
-    </p:spTree>
-  </p:cSld>
-  <p:clrMapOvr>
-    <a:masterClrMapping/>
-  </p:clrMapOvr>
-  <p:transition>
-    <p:fade/>
-  </p:transition>
-  <p:timing>
-    <p:tnLst>
-      <p:par>
-        <p:cTn id="1" dur="indefinite" restart="never" nodeType="tmRoot"/>
-      </p:par>
-    </p:tnLst>
-  </p:timing>
-</p:sld>
-</file>
-
-<file path=ppt/slides/slide20.xml><?xml version="1.0" encoding="utf-8"?>
+<file path=ppt/slides/slide11.xml><?xml version="1.0" encoding="utf-8"?>
 <p:sld xmlns:a="http://schemas.openxmlformats.org/drawingml/2006/main" xmlns:r="http://schemas.openxmlformats.org/officeDocument/2006/relationships" xmlns:p="http://schemas.openxmlformats.org/presentationml/2006/main">
   <p:cSld>
     <p:spTree>
@@ -16427,7 +11400,7 @@
 </p:sld>
 </file>
 
-<file path=ppt/slides/slide21.xml><?xml version="1.0" encoding="utf-8"?>
+<file path=ppt/slides/slide12.xml><?xml version="1.0" encoding="utf-8"?>
 <p:sld xmlns:a="http://schemas.openxmlformats.org/drawingml/2006/main" xmlns:r="http://schemas.openxmlformats.org/officeDocument/2006/relationships" xmlns:p="http://schemas.openxmlformats.org/presentationml/2006/main">
   <p:cSld>
     <p:spTree>
@@ -16595,427 +11568,7 @@
 </p:sld>
 </file>
 
-<file path=ppt/slides/slide22.xml><?xml version="1.0" encoding="utf-8"?>
-<p:sld xmlns:a="http://schemas.openxmlformats.org/drawingml/2006/main" xmlns:r="http://schemas.openxmlformats.org/officeDocument/2006/relationships" xmlns:p="http://schemas.openxmlformats.org/presentationml/2006/main">
-  <p:cSld>
-    <p:spTree>
-      <p:nvGrpSpPr>
-        <p:cNvPr id="1" name=""/>
-        <p:cNvGrpSpPr/>
-        <p:nvPr/>
-      </p:nvGrpSpPr>
-      <p:grpSpPr>
-        <a:xfrm>
-          <a:off x="0" y="0"/>
-          <a:ext cx="0" cy="0"/>
-          <a:chOff x="0" y="0"/>
-          <a:chExt cx="0" cy="0"/>
-        </a:xfrm>
-      </p:grpSpPr>
-      <p:sp>
-        <p:nvSpPr>
-          <p:cNvPr id="2" name="Title 1"/>
-          <p:cNvSpPr>
-            <a:spLocks noGrp="1"/>
-          </p:cNvSpPr>
-          <p:nvPr>
-            <p:ph type="title"/>
-          </p:nvPr>
-        </p:nvSpPr>
-        <p:spPr>
-          <a:xfrm>
-            <a:off x="381000" y="230188"/>
-            <a:ext cx="8382000" cy="677108"/>
-          </a:xfrm>
-        </p:spPr>
-        <p:txBody>
-          <a:bodyPr/>
-          <a:lstStyle/>
-          <a:p>
-            <a:r>
-              <a:rPr lang="en-US" dirty="0" smtClean="0"/>
-              <a:t>How to Do Generic Programming</a:t>
-            </a:r>
-            <a:endParaRPr lang="en-US" dirty="0"/>
-          </a:p>
-        </p:txBody>
-      </p:sp>
-      <p:sp>
-        <p:nvSpPr>
-          <p:cNvPr id="3" name="Text Placeholder 2"/>
-          <p:cNvSpPr>
-            <a:spLocks noGrp="1"/>
-          </p:cNvSpPr>
-          <p:nvPr>
-            <p:ph type="body" sz="quarter" idx="10"/>
-          </p:nvPr>
-        </p:nvSpPr>
-        <p:spPr>
-          <a:xfrm>
-            <a:off x="381000" y="1371600"/>
-            <a:ext cx="8382000" cy="4352986"/>
-          </a:xfrm>
-        </p:spPr>
-        <p:txBody>
-          <a:bodyPr/>
-          <a:lstStyle/>
-          <a:p>
-            <a:r>
-              <a:rPr lang="en-US" dirty="0" smtClean="0"/>
-              <a:t>Flat is better than nested?</a:t>
-            </a:r>
-          </a:p>
-          <a:p>
-            <a:pPr lvl="1"/>
-            <a:r>
-              <a:rPr lang="en-US" dirty="0" smtClean="0"/>
-              <a:t>We have chosen nested.</a:t>
-            </a:r>
-          </a:p>
-          <a:p>
-            <a:pPr lvl="1"/>
-            <a:r>
-              <a:rPr lang="en-US" dirty="0" smtClean="0"/>
-              <a:t>Trade</a:t>
-            </a:r>
-            <a:r>
-              <a:rPr lang="en-US" dirty="0"/>
-              <a:t>-off: the resulting code is going to be </a:t>
-            </a:r>
-            <a:r>
-              <a:rPr lang="en-US" dirty="0" smtClean="0"/>
-              <a:t>harder to grasp </a:t>
-            </a:r>
-            <a:r>
-              <a:rPr lang="en-US" dirty="0"/>
-              <a:t>for people not familiar with </a:t>
-            </a:r>
-            <a:r>
-              <a:rPr lang="en-US" dirty="0" smtClean="0"/>
-              <a:t>such abstractions.</a:t>
-            </a:r>
-          </a:p>
-          <a:p>
-            <a:pPr lvl="1"/>
-            <a:r>
-              <a:rPr lang="en-US" dirty="0" smtClean="0"/>
-              <a:t>This </a:t>
-            </a:r>
-            <a:r>
-              <a:rPr lang="en-US" dirty="0"/>
-              <a:t>is OK, because it enables skilled software engineers to create a “fill-in-the-template” system for the use of social scientists who are not highly skilled </a:t>
-            </a:r>
-            <a:r>
-              <a:rPr lang="en-US" dirty="0" smtClean="0"/>
-              <a:t>programmers</a:t>
-            </a:r>
-            <a:r>
-              <a:rPr lang="en-US" dirty="0"/>
-              <a:t>.</a:t>
-            </a:r>
-          </a:p>
-          <a:p>
-            <a:pPr lvl="1"/>
-            <a:endParaRPr lang="en-US" dirty="0"/>
-          </a:p>
-        </p:txBody>
-      </p:sp>
-    </p:spTree>
-    <p:extLst>
-      <p:ext uri="{BB962C8B-B14F-4D97-AF65-F5344CB8AC3E}">
-        <p14:creationId xmlns:p14="http://schemas.microsoft.com/office/powerpoint/2010/main" val="3526871055"/>
-      </p:ext>
-    </p:extLst>
-  </p:cSld>
-  <p:clrMapOvr>
-    <a:masterClrMapping/>
-  </p:clrMapOvr>
-  <p:transition>
-    <p:fade/>
-  </p:transition>
-  <p:timing>
-    <p:tnLst>
-      <p:par>
-        <p:cTn id="1" dur="indefinite" restart="never" nodeType="tmRoot"/>
-      </p:par>
-    </p:tnLst>
-  </p:timing>
-</p:sld>
-</file>
-
-<file path=ppt/slides/slide23.xml><?xml version="1.0" encoding="utf-8"?>
-<p:sld xmlns:a="http://schemas.openxmlformats.org/drawingml/2006/main" xmlns:r="http://schemas.openxmlformats.org/officeDocument/2006/relationships" xmlns:p="http://schemas.openxmlformats.org/presentationml/2006/main">
-  <p:cSld>
-    <p:spTree>
-      <p:nvGrpSpPr>
-        <p:cNvPr id="1" name=""/>
-        <p:cNvGrpSpPr/>
-        <p:nvPr/>
-      </p:nvGrpSpPr>
-      <p:grpSpPr>
-        <a:xfrm>
-          <a:off x="0" y="0"/>
-          <a:ext cx="0" cy="0"/>
-          <a:chOff x="0" y="0"/>
-          <a:chExt cx="0" cy="0"/>
-        </a:xfrm>
-      </p:grpSpPr>
-      <p:sp>
-        <p:nvSpPr>
-          <p:cNvPr id="2" name="Title 1"/>
-          <p:cNvSpPr>
-            <a:spLocks noGrp="1"/>
-          </p:cNvSpPr>
-          <p:nvPr>
-            <p:ph type="title"/>
-          </p:nvPr>
-        </p:nvSpPr>
-        <p:spPr>
-          <a:xfrm>
-            <a:off x="533400" y="230188"/>
-            <a:ext cx="8001000" cy="677108"/>
-          </a:xfrm>
-        </p:spPr>
-        <p:txBody>
-          <a:bodyPr/>
-          <a:lstStyle/>
-          <a:p>
-            <a:r>
-              <a:rPr lang="en-US" dirty="0" smtClean="0"/>
-              <a:t>How to Do Generic Programming</a:t>
-            </a:r>
-            <a:endParaRPr lang="en-US" dirty="0"/>
-          </a:p>
-        </p:txBody>
-      </p:sp>
-      <p:sp>
-        <p:nvSpPr>
-          <p:cNvPr id="3" name="Text Placeholder 2"/>
-          <p:cNvSpPr>
-            <a:spLocks noGrp="1"/>
-          </p:cNvSpPr>
-          <p:nvPr>
-            <p:ph type="body" sz="quarter" idx="10"/>
-          </p:nvPr>
-        </p:nvSpPr>
-        <p:spPr>
-          <a:xfrm>
-            <a:off x="381000" y="1371600"/>
-            <a:ext cx="8382000" cy="1786130"/>
-          </a:xfrm>
-        </p:spPr>
-        <p:txBody>
-          <a:bodyPr/>
-          <a:lstStyle/>
-          <a:p>
-            <a:r>
-              <a:rPr lang="en-US" dirty="0" smtClean="0"/>
-              <a:t>Flat is better than nested?</a:t>
-            </a:r>
-          </a:p>
-          <a:p>
-            <a:pPr lvl="1"/>
-            <a:r>
-              <a:rPr lang="en-US" dirty="0" smtClean="0"/>
-              <a:t>If we build it right, the social scientists never need to “look under the hood.”</a:t>
-            </a:r>
-          </a:p>
-          <a:p>
-            <a:pPr lvl="1"/>
-            <a:endParaRPr lang="en-US" dirty="0"/>
-          </a:p>
-        </p:txBody>
-      </p:sp>
-      <p:pic>
-        <p:nvPicPr>
-          <p:cNvPr id="4" name="Picture 3" descr="Model_T.jpg"/>
-          <p:cNvPicPr>
-            <a:picLocks noChangeAspect="1"/>
-          </p:cNvPicPr>
-          <p:nvPr/>
-        </p:nvPicPr>
-        <p:blipFill>
-          <a:blip r:embed="rId2">
-            <a:extLst>
-              <a:ext uri="{28A0092B-C50C-407E-A947-70E740481C1C}">
-                <a14:useLocalDpi xmlns:a14="http://schemas.microsoft.com/office/drawing/2010/main" val="0"/>
-              </a:ext>
-            </a:extLst>
-          </a:blip>
-          <a:stretch>
-            <a:fillRect/>
-          </a:stretch>
-        </p:blipFill>
-        <p:spPr>
-          <a:xfrm>
-            <a:off x="533400" y="3200400"/>
-            <a:ext cx="3116988" cy="2705100"/>
-          </a:xfrm>
-          <a:prstGeom prst="rect">
-            <a:avLst/>
-          </a:prstGeom>
-        </p:spPr>
-      </p:pic>
-      <p:sp>
-        <p:nvSpPr>
-          <p:cNvPr id="5" name="Right Arrow 4"/>
-          <p:cNvSpPr/>
-          <p:nvPr/>
-        </p:nvSpPr>
-        <p:spPr bwMode="auto">
-          <a:xfrm>
-            <a:off x="4191000" y="3886200"/>
-            <a:ext cx="822960" cy="822960"/>
-          </a:xfrm>
-          <a:prstGeom prst="rightArrow">
-            <a:avLst/>
-          </a:prstGeom>
-          <a:ln>
-            <a:headEnd type="none" w="med" len="med"/>
-            <a:tailEnd type="none" w="med" len="med"/>
-          </a:ln>
-        </p:spPr>
-        <p:style>
-          <a:lnRef idx="0">
-            <a:schemeClr val="accent2"/>
-          </a:lnRef>
-          <a:fillRef idx="3">
-            <a:schemeClr val="accent2"/>
-          </a:fillRef>
-          <a:effectRef idx="3">
-            <a:schemeClr val="accent2"/>
-          </a:effectRef>
-          <a:fontRef idx="minor">
-            <a:schemeClr val="lt1"/>
-          </a:fontRef>
-        </p:style>
-        <p:txBody>
-          <a:bodyPr/>
-          <a:lstStyle/>
-          <a:p>
-            <a:endParaRPr lang="en-US"/>
-          </a:p>
-        </p:txBody>
-      </p:sp>
-      <p:sp>
-        <p:nvSpPr>
-          <p:cNvPr id="6" name="Right Arrow 5"/>
-          <p:cNvSpPr/>
-          <p:nvPr/>
-        </p:nvSpPr>
-        <p:spPr bwMode="auto">
-          <a:xfrm>
-            <a:off x="10668000" y="3886200"/>
-            <a:ext cx="152400" cy="228600"/>
-          </a:xfrm>
-          <a:prstGeom prst="rightArrow">
-            <a:avLst/>
-          </a:prstGeom>
-          <a:ln>
-            <a:headEnd type="none" w="med" len="med"/>
-            <a:tailEnd type="none" w="med" len="med"/>
-          </a:ln>
-        </p:spPr>
-        <p:style>
-          <a:lnRef idx="0">
-            <a:schemeClr val="accent2"/>
-          </a:lnRef>
-          <a:fillRef idx="3">
-            <a:schemeClr val="accent2"/>
-          </a:fillRef>
-          <a:effectRef idx="3">
-            <a:schemeClr val="accent2"/>
-          </a:effectRef>
-          <a:fontRef idx="minor">
-            <a:schemeClr val="lt1"/>
-          </a:fontRef>
-        </p:style>
-        <p:txBody>
-          <a:bodyPr vert="horz" wrap="square" lIns="91436" tIns="45718" rIns="91436" bIns="45718" numCol="1" rtlCol="0" anchor="ctr" anchorCtr="0" compatLnSpc="1">
-            <a:prstTxWarp prst="textNoShape">
-              <a:avLst/>
-            </a:prstTxWarp>
-          </a:bodyPr>
-          <a:lstStyle/>
-          <a:p>
-            <a:pPr algn="ctr" defTabSz="914099" fontAlgn="base">
-              <a:spcBef>
-                <a:spcPct val="0"/>
-              </a:spcBef>
-              <a:spcAft>
-                <a:spcPct val="0"/>
-              </a:spcAft>
-            </a:pPr>
-            <a:endParaRPr lang="en-US" sz="2300" dirty="0" smtClean="0">
-              <a:solidFill>
-                <a:srgbClr val="FFFFFF"/>
-              </a:solidFill>
-              <a:effectLst>
-                <a:outerShdw blurRad="38100" dist="38100" dir="2700000" algn="tl">
-                  <a:srgbClr val="000000">
-                    <a:alpha val="43137"/>
-                  </a:srgbClr>
-                </a:outerShdw>
-              </a:effectLst>
-              <a:latin typeface="Segoe" pitchFamily="34" charset="0"/>
-            </a:endParaRPr>
-          </a:p>
-        </p:txBody>
-      </p:sp>
-      <p:pic>
-        <p:nvPicPr>
-          <p:cNvPr id="7" name="Picture 6" descr="Car-computer.jpg"/>
-          <p:cNvPicPr>
-            <a:picLocks noChangeAspect="1"/>
-          </p:cNvPicPr>
-          <p:nvPr/>
-        </p:nvPicPr>
-        <p:blipFill>
-          <a:blip r:embed="rId3">
-            <a:extLst>
-              <a:ext uri="{28A0092B-C50C-407E-A947-70E740481C1C}">
-                <a14:useLocalDpi xmlns:a14="http://schemas.microsoft.com/office/drawing/2010/main" val="0"/>
-              </a:ext>
-            </a:extLst>
-          </a:blip>
-          <a:stretch>
-            <a:fillRect/>
-          </a:stretch>
-        </p:blipFill>
-        <p:spPr>
-          <a:xfrm>
-            <a:off x="5334000" y="3048000"/>
-            <a:ext cx="3458094" cy="2971800"/>
-          </a:xfrm>
-          <a:prstGeom prst="rect">
-            <a:avLst/>
-          </a:prstGeom>
-        </p:spPr>
-      </p:pic>
-    </p:spTree>
-    <p:extLst>
-      <p:ext uri="{BB962C8B-B14F-4D97-AF65-F5344CB8AC3E}">
-        <p14:creationId xmlns:p14="http://schemas.microsoft.com/office/powerpoint/2010/main" val="71148745"/>
-      </p:ext>
-    </p:extLst>
-  </p:cSld>
-  <p:clrMapOvr>
-    <a:masterClrMapping/>
-  </p:clrMapOvr>
-  <p:transition>
-    <p:fade/>
-  </p:transition>
-  <p:timing>
-    <p:tnLst>
-      <p:par>
-        <p:cTn id="1" dur="indefinite" restart="never" nodeType="tmRoot"/>
-      </p:par>
-    </p:tnLst>
-  </p:timing>
-</p:sld>
-</file>
-
-<file path=ppt/slides/slide24.xml><?xml version="1.0" encoding="utf-8"?>
+<file path=ppt/slides/slide13.xml><?xml version="1.0" encoding="utf-8"?>
 <p:sld xmlns:a="http://schemas.openxmlformats.org/drawingml/2006/main" xmlns:r="http://schemas.openxmlformats.org/officeDocument/2006/relationships" xmlns:p="http://schemas.openxmlformats.org/presentationml/2006/main">
   <p:cSld>
     <p:spTree>
@@ -17073,7 +11626,7 @@
         <p:spPr>
           <a:xfrm>
             <a:off x="381000" y="1371600"/>
-            <a:ext cx="8382000" cy="894604"/>
+            <a:ext cx="8382000" cy="886397"/>
           </a:xfrm>
         </p:spPr>
         <p:txBody>
@@ -17089,9 +11642,30 @@
               <a:t>GitHub</a:t>
             </a:r>
             <a:r>
-              <a:rPr lang="en-US" dirty="0" smtClean="0"/>
-              <a:t>.</a:t>
-            </a:r>
+              <a:rPr lang="en-US" dirty="0"/>
+              <a:t>: https://</a:t>
+            </a:r>
+            <a:r>
+              <a:rPr lang="en-US" dirty="0" err="1"/>
+              <a:t>github.com</a:t>
+            </a:r>
+            <a:r>
+              <a:rPr lang="en-US" dirty="0"/>
+              <a:t>/</a:t>
+            </a:r>
+            <a:r>
+              <a:rPr lang="en-US" dirty="0" err="1"/>
+              <a:t>gcallah</a:t>
+            </a:r>
+            <a:r>
+              <a:rPr lang="en-US" dirty="0"/>
+              <a:t>/</a:t>
+            </a:r>
+            <a:r>
+              <a:rPr lang="en-US"/>
+              <a:t>Indra</a:t>
+            </a:r>
+            <a:endParaRPr lang="en-US" dirty="0" smtClean="0"/>
           </a:p>
         </p:txBody>
       </p:sp>
@@ -17118,7 +11692,7 @@
 </p:sld>
 </file>
 
-<file path=ppt/slides/slide25.xml><?xml version="1.0" encoding="utf-8"?>
+<file path=ppt/slides/slide14.xml><?xml version="1.0" encoding="utf-8"?>
 <p:sld xmlns:a="http://schemas.openxmlformats.org/drawingml/2006/main" xmlns:r="http://schemas.openxmlformats.org/officeDocument/2006/relationships" xmlns:p="http://schemas.openxmlformats.org/presentationml/2006/main">
   <p:cSld>
     <p:spTree>
@@ -17279,6 +11853,116 @@
         <p14:creationId xmlns:p14="http://schemas.microsoft.com/office/powerpoint/2010/main" val="3776600832"/>
       </p:ext>
     </p:extLst>
+  </p:cSld>
+  <p:clrMapOvr>
+    <a:masterClrMapping/>
+  </p:clrMapOvr>
+  <p:transition>
+    <p:fade/>
+  </p:transition>
+  <p:timing>
+    <p:tnLst>
+      <p:par>
+        <p:cTn id="1" dur="indefinite" restart="never" nodeType="tmRoot"/>
+      </p:par>
+    </p:tnLst>
+  </p:timing>
+</p:sld>
+</file>
+
+<file path=ppt/slides/slide2.xml><?xml version="1.0" encoding="utf-8"?>
+<p:sld xmlns:a="http://schemas.openxmlformats.org/drawingml/2006/main" xmlns:r="http://schemas.openxmlformats.org/officeDocument/2006/relationships" xmlns:p="http://schemas.openxmlformats.org/presentationml/2006/main">
+  <p:cSld>
+    <p:spTree>
+      <p:nvGrpSpPr>
+        <p:cNvPr id="1" name=""/>
+        <p:cNvGrpSpPr/>
+        <p:nvPr/>
+      </p:nvGrpSpPr>
+      <p:grpSpPr>
+        <a:xfrm>
+          <a:off x="0" y="0"/>
+          <a:ext cx="0" cy="0"/>
+          <a:chOff x="0" y="0"/>
+          <a:chExt cx="0" cy="0"/>
+        </a:xfrm>
+      </p:grpSpPr>
+      <p:sp>
+        <p:nvSpPr>
+          <p:cNvPr id="2" name="Title 1"/>
+          <p:cNvSpPr>
+            <a:spLocks noGrp="1"/>
+          </p:cNvSpPr>
+          <p:nvPr>
+            <p:ph type="title"/>
+          </p:nvPr>
+        </p:nvSpPr>
+        <p:spPr>
+          <a:xfrm>
+            <a:off x="381000" y="230188"/>
+            <a:ext cx="8382000" cy="1163395"/>
+          </a:xfrm>
+        </p:spPr>
+        <p:txBody>
+          <a:bodyPr>
+            <a:normAutofit/>
+          </a:bodyPr>
+          <a:lstStyle/>
+          <a:p>
+            <a:r>
+              <a:rPr lang="en-US" dirty="0" smtClean="0"/>
+              <a:t>Generic Programming</a:t>
+            </a:r>
+            <a:br>
+              <a:rPr lang="en-US" dirty="0" smtClean="0"/>
+            </a:br>
+            <a:r>
+              <a:rPr lang="en-US" sz="3600" dirty="0" smtClean="0">
+                <a:solidFill>
+                  <a:schemeClr val="tx2"/>
+                </a:solidFill>
+              </a:rPr>
+              <a:t>Abstracting logic from data</a:t>
+            </a:r>
+            <a:endParaRPr lang="en-US" dirty="0">
+              <a:solidFill>
+                <a:schemeClr val="tx2"/>
+              </a:solidFill>
+            </a:endParaRPr>
+          </a:p>
+        </p:txBody>
+      </p:sp>
+      <p:pic>
+        <p:nvPicPr>
+          <p:cNvPr id="4" name="Picture 3" descr="Cover.aspx.jpeg"/>
+          <p:cNvPicPr>
+            <a:picLocks noChangeAspect="1"/>
+          </p:cNvPicPr>
+          <p:nvPr/>
+        </p:nvPicPr>
+        <p:blipFill>
+          <a:blip r:embed="rId3">
+            <a:extLst>
+              <a:ext uri="{28A0092B-C50C-407E-A947-70E740481C1C}">
+                <a14:useLocalDpi xmlns:a14="http://schemas.microsoft.com/office/drawing/2010/main" val="0"/>
+              </a:ext>
+            </a:extLst>
+          </a:blip>
+          <a:stretch>
+            <a:fillRect/>
+          </a:stretch>
+        </p:blipFill>
+        <p:spPr>
+          <a:xfrm>
+            <a:off x="4038600" y="1752600"/>
+            <a:ext cx="3606412" cy="4724400"/>
+          </a:xfrm>
+          <a:prstGeom prst="rect">
+            <a:avLst/>
+          </a:prstGeom>
+        </p:spPr>
+      </p:pic>
+    </p:spTree>
   </p:cSld>
   <p:clrMapOvr>
     <a:masterClrMapping/>
@@ -18344,7 +13028,7 @@
           <a:graphicData uri="http://schemas.openxmlformats.org/presentationml/2006/ole">
             <mc:AlternateContent xmlns:mc="http://schemas.openxmlformats.org/markup-compatibility/2006">
               <mc:Choice xmlns:v="urn:schemas-microsoft-com:vml" Requires="v">
-                <p:oleObj spid="_x0000_s1047" name="Document" r:id="rId3" imgW="6540500" imgH="1270000" progId="Word.Document.12">
+                <p:oleObj spid="_x0000_s1048" name="Document" r:id="rId3" imgW="6540500" imgH="1270000" progId="Word.Document.12">
                   <p:embed/>
                 </p:oleObj>
               </mc:Choice>

--- a/docs/ABMsAsAlgebraic.pptx
+++ b/docs/ABMsAsAlgebraic.pptx
@@ -6,7 +6,7 @@
     <p:sldMasterId id="2147483674" r:id="rId5"/>
   </p:sldMasterIdLst>
   <p:notesMasterIdLst>
-    <p:notesMasterId r:id="rId20"/>
+    <p:notesMasterId r:id="rId21"/>
   </p:notesMasterIdLst>
   <p:sldIdLst>
     <p:sldId id="257" r:id="rId6"/>
@@ -17,12 +17,13 @@
     <p:sldId id="269" r:id="rId11"/>
     <p:sldId id="270" r:id="rId12"/>
     <p:sldId id="271" r:id="rId13"/>
-    <p:sldId id="272" r:id="rId14"/>
-    <p:sldId id="282" r:id="rId15"/>
-    <p:sldId id="283" r:id="rId16"/>
-    <p:sldId id="284" r:id="rId17"/>
-    <p:sldId id="290" r:id="rId18"/>
-    <p:sldId id="268" r:id="rId19"/>
+    <p:sldId id="282" r:id="rId14"/>
+    <p:sldId id="283" r:id="rId15"/>
+    <p:sldId id="284" r:id="rId16"/>
+    <p:sldId id="291" r:id="rId17"/>
+    <p:sldId id="292" r:id="rId18"/>
+    <p:sldId id="290" r:id="rId19"/>
+    <p:sldId id="268" r:id="rId20"/>
   </p:sldIdLst>
   <p:sldSz cx="9144000" cy="6858000" type="screen4x3"/>
   <p:notesSz cx="6858000" cy="9144000"/>
@@ -888,6 +889,753 @@
 </file>
 
 <file path=ppt/diagrams/colors2.xml><?xml version="1.0" encoding="utf-8"?>
+<dgm:colorsDef xmlns:dgm="http://schemas.openxmlformats.org/drawingml/2006/diagram" xmlns:a="http://schemas.openxmlformats.org/drawingml/2006/main" uniqueId="urn:microsoft.com/office/officeart/2005/8/colors/accent1_2">
+  <dgm:title val=""/>
+  <dgm:desc val=""/>
+  <dgm:catLst>
+    <dgm:cat type="accent1" pri="11200"/>
+  </dgm:catLst>
+  <dgm:styleLbl name="node0">
+    <dgm:fillClrLst meth="repeat">
+      <a:schemeClr val="accent1"/>
+    </dgm:fillClrLst>
+    <dgm:linClrLst meth="repeat">
+      <a:schemeClr val="lt1"/>
+    </dgm:linClrLst>
+    <dgm:effectClrLst/>
+    <dgm:txLinClrLst/>
+    <dgm:txFillClrLst/>
+    <dgm:txEffectClrLst/>
+  </dgm:styleLbl>
+  <dgm:styleLbl name="alignNode1">
+    <dgm:fillClrLst meth="repeat">
+      <a:schemeClr val="accent1"/>
+    </dgm:fillClrLst>
+    <dgm:linClrLst meth="repeat">
+      <a:schemeClr val="accent1"/>
+    </dgm:linClrLst>
+    <dgm:effectClrLst/>
+    <dgm:txLinClrLst/>
+    <dgm:txFillClrLst/>
+    <dgm:txEffectClrLst/>
+  </dgm:styleLbl>
+  <dgm:styleLbl name="node1">
+    <dgm:fillClrLst meth="repeat">
+      <a:schemeClr val="accent1"/>
+    </dgm:fillClrLst>
+    <dgm:linClrLst meth="repeat">
+      <a:schemeClr val="lt1"/>
+    </dgm:linClrLst>
+    <dgm:effectClrLst/>
+    <dgm:txLinClrLst/>
+    <dgm:txFillClrLst/>
+    <dgm:txEffectClrLst/>
+  </dgm:styleLbl>
+  <dgm:styleLbl name="lnNode1">
+    <dgm:fillClrLst meth="repeat">
+      <a:schemeClr val="accent1"/>
+    </dgm:fillClrLst>
+    <dgm:linClrLst meth="repeat">
+      <a:schemeClr val="lt1"/>
+    </dgm:linClrLst>
+    <dgm:effectClrLst/>
+    <dgm:txLinClrLst/>
+    <dgm:txFillClrLst/>
+    <dgm:txEffectClrLst/>
+  </dgm:styleLbl>
+  <dgm:styleLbl name="vennNode1">
+    <dgm:fillClrLst meth="repeat">
+      <a:schemeClr val="accent1">
+        <a:alpha val="50000"/>
+      </a:schemeClr>
+    </dgm:fillClrLst>
+    <dgm:linClrLst meth="repeat">
+      <a:schemeClr val="lt1"/>
+    </dgm:linClrLst>
+    <dgm:effectClrLst/>
+    <dgm:txLinClrLst/>
+    <dgm:txFillClrLst/>
+    <dgm:txEffectClrLst/>
+  </dgm:styleLbl>
+  <dgm:styleLbl name="node2">
+    <dgm:fillClrLst meth="repeat">
+      <a:schemeClr val="accent1"/>
+    </dgm:fillClrLst>
+    <dgm:linClrLst meth="repeat">
+      <a:schemeClr val="lt1"/>
+    </dgm:linClrLst>
+    <dgm:effectClrLst/>
+    <dgm:txLinClrLst/>
+    <dgm:txFillClrLst/>
+    <dgm:txEffectClrLst/>
+  </dgm:styleLbl>
+  <dgm:styleLbl name="node3">
+    <dgm:fillClrLst meth="repeat">
+      <a:schemeClr val="accent1"/>
+    </dgm:fillClrLst>
+    <dgm:linClrLst meth="repeat">
+      <a:schemeClr val="lt1"/>
+    </dgm:linClrLst>
+    <dgm:effectClrLst/>
+    <dgm:txLinClrLst/>
+    <dgm:txFillClrLst/>
+    <dgm:txEffectClrLst/>
+  </dgm:styleLbl>
+  <dgm:styleLbl name="node4">
+    <dgm:fillClrLst meth="repeat">
+      <a:schemeClr val="accent1"/>
+    </dgm:fillClrLst>
+    <dgm:linClrLst meth="repeat">
+      <a:schemeClr val="lt1"/>
+    </dgm:linClrLst>
+    <dgm:effectClrLst/>
+    <dgm:txLinClrLst/>
+    <dgm:txFillClrLst/>
+    <dgm:txEffectClrLst/>
+  </dgm:styleLbl>
+  <dgm:styleLbl name="fgImgPlace1">
+    <dgm:fillClrLst meth="repeat">
+      <a:schemeClr val="accent1">
+        <a:tint val="50000"/>
+      </a:schemeClr>
+    </dgm:fillClrLst>
+    <dgm:linClrLst meth="repeat">
+      <a:schemeClr val="lt1"/>
+    </dgm:linClrLst>
+    <dgm:effectClrLst/>
+    <dgm:txLinClrLst/>
+    <dgm:txFillClrLst meth="repeat">
+      <a:schemeClr val="lt1"/>
+    </dgm:txFillClrLst>
+    <dgm:txEffectClrLst/>
+  </dgm:styleLbl>
+  <dgm:styleLbl name="alignImgPlace1">
+    <dgm:fillClrLst meth="repeat">
+      <a:schemeClr val="accent1">
+        <a:tint val="50000"/>
+      </a:schemeClr>
+    </dgm:fillClrLst>
+    <dgm:linClrLst meth="repeat">
+      <a:schemeClr val="lt1"/>
+    </dgm:linClrLst>
+    <dgm:effectClrLst/>
+    <dgm:txLinClrLst/>
+    <dgm:txFillClrLst meth="repeat">
+      <a:schemeClr val="lt1"/>
+    </dgm:txFillClrLst>
+    <dgm:txEffectClrLst/>
+  </dgm:styleLbl>
+  <dgm:styleLbl name="bgImgPlace1">
+    <dgm:fillClrLst meth="repeat">
+      <a:schemeClr val="accent1">
+        <a:tint val="50000"/>
+      </a:schemeClr>
+    </dgm:fillClrLst>
+    <dgm:linClrLst meth="repeat">
+      <a:schemeClr val="lt1"/>
+    </dgm:linClrLst>
+    <dgm:effectClrLst/>
+    <dgm:txLinClrLst/>
+    <dgm:txFillClrLst meth="repeat">
+      <a:schemeClr val="lt1"/>
+    </dgm:txFillClrLst>
+    <dgm:txEffectClrLst/>
+  </dgm:styleLbl>
+  <dgm:styleLbl name="sibTrans2D1">
+    <dgm:fillClrLst meth="repeat">
+      <a:schemeClr val="accent1">
+        <a:tint val="60000"/>
+      </a:schemeClr>
+    </dgm:fillClrLst>
+    <dgm:linClrLst meth="repeat">
+      <a:schemeClr val="accent1">
+        <a:tint val="60000"/>
+      </a:schemeClr>
+    </dgm:linClrLst>
+    <dgm:effectClrLst/>
+    <dgm:txLinClrLst/>
+    <dgm:txFillClrLst/>
+    <dgm:txEffectClrLst/>
+  </dgm:styleLbl>
+  <dgm:styleLbl name="fgSibTrans2D1">
+    <dgm:fillClrLst meth="repeat">
+      <a:schemeClr val="accent1">
+        <a:tint val="60000"/>
+      </a:schemeClr>
+    </dgm:fillClrLst>
+    <dgm:linClrLst meth="repeat">
+      <a:schemeClr val="accent1">
+        <a:tint val="60000"/>
+      </a:schemeClr>
+    </dgm:linClrLst>
+    <dgm:effectClrLst/>
+    <dgm:txLinClrLst/>
+    <dgm:txFillClrLst/>
+    <dgm:txEffectClrLst/>
+  </dgm:styleLbl>
+  <dgm:styleLbl name="bgSibTrans2D1">
+    <dgm:fillClrLst meth="repeat">
+      <a:schemeClr val="accent1">
+        <a:tint val="60000"/>
+      </a:schemeClr>
+    </dgm:fillClrLst>
+    <dgm:linClrLst meth="repeat">
+      <a:schemeClr val="accent1">
+        <a:tint val="60000"/>
+      </a:schemeClr>
+    </dgm:linClrLst>
+    <dgm:effectClrLst/>
+    <dgm:txLinClrLst/>
+    <dgm:txFillClrLst/>
+    <dgm:txEffectClrLst/>
+  </dgm:styleLbl>
+  <dgm:styleLbl name="sibTrans1D1">
+    <dgm:fillClrLst meth="repeat">
+      <a:schemeClr val="accent1"/>
+    </dgm:fillClrLst>
+    <dgm:linClrLst meth="repeat">
+      <a:schemeClr val="accent1"/>
+    </dgm:linClrLst>
+    <dgm:effectClrLst/>
+    <dgm:txLinClrLst/>
+    <dgm:txFillClrLst meth="repeat">
+      <a:schemeClr val="tx1"/>
+    </dgm:txFillClrLst>
+    <dgm:txEffectClrLst/>
+  </dgm:styleLbl>
+  <dgm:styleLbl name="callout">
+    <dgm:fillClrLst meth="repeat">
+      <a:schemeClr val="accent1"/>
+    </dgm:fillClrLst>
+    <dgm:linClrLst meth="repeat">
+      <a:schemeClr val="accent1">
+        <a:tint val="50000"/>
+      </a:schemeClr>
+    </dgm:linClrLst>
+    <dgm:effectClrLst/>
+    <dgm:txLinClrLst/>
+    <dgm:txFillClrLst meth="repeat">
+      <a:schemeClr val="tx1"/>
+    </dgm:txFillClrLst>
+    <dgm:txEffectClrLst/>
+  </dgm:styleLbl>
+  <dgm:styleLbl name="asst0">
+    <dgm:fillClrLst meth="repeat">
+      <a:schemeClr val="accent1"/>
+    </dgm:fillClrLst>
+    <dgm:linClrLst meth="repeat">
+      <a:schemeClr val="lt1"/>
+    </dgm:linClrLst>
+    <dgm:effectClrLst/>
+    <dgm:txLinClrLst/>
+    <dgm:txFillClrLst/>
+    <dgm:txEffectClrLst/>
+  </dgm:styleLbl>
+  <dgm:styleLbl name="asst1">
+    <dgm:fillClrLst meth="repeat">
+      <a:schemeClr val="accent1"/>
+    </dgm:fillClrLst>
+    <dgm:linClrLst meth="repeat">
+      <a:schemeClr val="lt1"/>
+    </dgm:linClrLst>
+    <dgm:effectClrLst/>
+    <dgm:txLinClrLst/>
+    <dgm:txFillClrLst/>
+    <dgm:txEffectClrLst/>
+  </dgm:styleLbl>
+  <dgm:styleLbl name="asst2">
+    <dgm:fillClrLst meth="repeat">
+      <a:schemeClr val="accent1"/>
+    </dgm:fillClrLst>
+    <dgm:linClrLst meth="repeat">
+      <a:schemeClr val="lt1"/>
+    </dgm:linClrLst>
+    <dgm:effectClrLst/>
+    <dgm:txLinClrLst/>
+    <dgm:txFillClrLst/>
+    <dgm:txEffectClrLst/>
+  </dgm:styleLbl>
+  <dgm:styleLbl name="asst3">
+    <dgm:fillClrLst meth="repeat">
+      <a:schemeClr val="accent1"/>
+    </dgm:fillClrLst>
+    <dgm:linClrLst meth="repeat">
+      <a:schemeClr val="lt1"/>
+    </dgm:linClrLst>
+    <dgm:effectClrLst/>
+    <dgm:txLinClrLst/>
+    <dgm:txFillClrLst/>
+    <dgm:txEffectClrLst/>
+  </dgm:styleLbl>
+  <dgm:styleLbl name="asst4">
+    <dgm:fillClrLst meth="repeat">
+      <a:schemeClr val="accent1"/>
+    </dgm:fillClrLst>
+    <dgm:linClrLst meth="repeat">
+      <a:schemeClr val="lt1"/>
+    </dgm:linClrLst>
+    <dgm:effectClrLst/>
+    <dgm:txLinClrLst/>
+    <dgm:txFillClrLst/>
+    <dgm:txEffectClrLst/>
+  </dgm:styleLbl>
+  <dgm:styleLbl name="parChTrans2D1">
+    <dgm:fillClrLst meth="repeat">
+      <a:schemeClr val="accent1">
+        <a:tint val="60000"/>
+      </a:schemeClr>
+    </dgm:fillClrLst>
+    <dgm:linClrLst meth="repeat">
+      <a:schemeClr val="accent1">
+        <a:tint val="60000"/>
+      </a:schemeClr>
+    </dgm:linClrLst>
+    <dgm:effectClrLst/>
+    <dgm:txLinClrLst/>
+    <dgm:txFillClrLst meth="repeat">
+      <a:schemeClr val="lt1"/>
+    </dgm:txFillClrLst>
+    <dgm:txEffectClrLst/>
+  </dgm:styleLbl>
+  <dgm:styleLbl name="parChTrans2D2">
+    <dgm:fillClrLst meth="repeat">
+      <a:schemeClr val="accent1"/>
+    </dgm:fillClrLst>
+    <dgm:linClrLst meth="repeat">
+      <a:schemeClr val="accent1"/>
+    </dgm:linClrLst>
+    <dgm:effectClrLst/>
+    <dgm:txLinClrLst/>
+    <dgm:txFillClrLst meth="repeat">
+      <a:schemeClr val="lt1"/>
+    </dgm:txFillClrLst>
+    <dgm:txEffectClrLst/>
+  </dgm:styleLbl>
+  <dgm:styleLbl name="parChTrans2D3">
+    <dgm:fillClrLst meth="repeat">
+      <a:schemeClr val="accent1"/>
+    </dgm:fillClrLst>
+    <dgm:linClrLst meth="repeat">
+      <a:schemeClr val="accent1"/>
+    </dgm:linClrLst>
+    <dgm:effectClrLst/>
+    <dgm:txLinClrLst/>
+    <dgm:txFillClrLst meth="repeat">
+      <a:schemeClr val="lt1"/>
+    </dgm:txFillClrLst>
+    <dgm:txEffectClrLst/>
+  </dgm:styleLbl>
+  <dgm:styleLbl name="parChTrans2D4">
+    <dgm:fillClrLst meth="repeat">
+      <a:schemeClr val="accent1"/>
+    </dgm:fillClrLst>
+    <dgm:linClrLst meth="repeat">
+      <a:schemeClr val="accent1"/>
+    </dgm:linClrLst>
+    <dgm:effectClrLst/>
+    <dgm:txLinClrLst/>
+    <dgm:txFillClrLst meth="repeat">
+      <a:schemeClr val="lt1"/>
+    </dgm:txFillClrLst>
+    <dgm:txEffectClrLst/>
+  </dgm:styleLbl>
+  <dgm:styleLbl name="parChTrans1D1">
+    <dgm:fillClrLst meth="repeat">
+      <a:schemeClr val="accent1"/>
+    </dgm:fillClrLst>
+    <dgm:linClrLst meth="repeat">
+      <a:schemeClr val="accent1">
+        <a:shade val="60000"/>
+      </a:schemeClr>
+    </dgm:linClrLst>
+    <dgm:effectClrLst/>
+    <dgm:txLinClrLst/>
+    <dgm:txFillClrLst meth="repeat">
+      <a:schemeClr val="tx1"/>
+    </dgm:txFillClrLst>
+    <dgm:txEffectClrLst/>
+  </dgm:styleLbl>
+  <dgm:styleLbl name="parChTrans1D2">
+    <dgm:fillClrLst meth="repeat">
+      <a:schemeClr val="accent1"/>
+    </dgm:fillClrLst>
+    <dgm:linClrLst meth="repeat">
+      <a:schemeClr val="accent1">
+        <a:shade val="60000"/>
+      </a:schemeClr>
+    </dgm:linClrLst>
+    <dgm:effectClrLst/>
+    <dgm:txLinClrLst/>
+    <dgm:txFillClrLst meth="repeat">
+      <a:schemeClr val="tx1"/>
+    </dgm:txFillClrLst>
+    <dgm:txEffectClrLst/>
+  </dgm:styleLbl>
+  <dgm:styleLbl name="parChTrans1D3">
+    <dgm:fillClrLst meth="repeat">
+      <a:schemeClr val="accent1"/>
+    </dgm:fillClrLst>
+    <dgm:linClrLst meth="repeat">
+      <a:schemeClr val="accent1">
+        <a:shade val="80000"/>
+      </a:schemeClr>
+    </dgm:linClrLst>
+    <dgm:effectClrLst/>
+    <dgm:txLinClrLst/>
+    <dgm:txFillClrLst meth="repeat">
+      <a:schemeClr val="tx1"/>
+    </dgm:txFillClrLst>
+    <dgm:txEffectClrLst/>
+  </dgm:styleLbl>
+  <dgm:styleLbl name="parChTrans1D4">
+    <dgm:fillClrLst meth="repeat">
+      <a:schemeClr val="accent1"/>
+    </dgm:fillClrLst>
+    <dgm:linClrLst meth="repeat">
+      <a:schemeClr val="accent1">
+        <a:shade val="80000"/>
+      </a:schemeClr>
+    </dgm:linClrLst>
+    <dgm:effectClrLst/>
+    <dgm:txLinClrLst/>
+    <dgm:txFillClrLst meth="repeat">
+      <a:schemeClr val="tx1"/>
+    </dgm:txFillClrLst>
+    <dgm:txEffectClrLst/>
+  </dgm:styleLbl>
+  <dgm:styleLbl name="fgAcc1">
+    <dgm:fillClrLst meth="repeat">
+      <a:schemeClr val="lt1">
+        <a:alpha val="90000"/>
+      </a:schemeClr>
+    </dgm:fillClrLst>
+    <dgm:linClrLst meth="repeat">
+      <a:schemeClr val="accent1"/>
+    </dgm:linClrLst>
+    <dgm:effectClrLst/>
+    <dgm:txLinClrLst/>
+    <dgm:txFillClrLst meth="repeat">
+      <a:schemeClr val="dk1"/>
+    </dgm:txFillClrLst>
+    <dgm:txEffectClrLst/>
+  </dgm:styleLbl>
+  <dgm:styleLbl name="conFgAcc1">
+    <dgm:fillClrLst meth="repeat">
+      <a:schemeClr val="lt1">
+        <a:alpha val="90000"/>
+      </a:schemeClr>
+    </dgm:fillClrLst>
+    <dgm:linClrLst meth="repeat">
+      <a:schemeClr val="accent1"/>
+    </dgm:linClrLst>
+    <dgm:effectClrLst/>
+    <dgm:txLinClrLst/>
+    <dgm:txFillClrLst meth="repeat">
+      <a:schemeClr val="dk1"/>
+    </dgm:txFillClrLst>
+    <dgm:txEffectClrLst/>
+  </dgm:styleLbl>
+  <dgm:styleLbl name="alignAcc1">
+    <dgm:fillClrLst meth="repeat">
+      <a:schemeClr val="lt1">
+        <a:alpha val="90000"/>
+      </a:schemeClr>
+    </dgm:fillClrLst>
+    <dgm:linClrLst meth="repeat">
+      <a:schemeClr val="accent1"/>
+    </dgm:linClrLst>
+    <dgm:effectClrLst/>
+    <dgm:txLinClrLst/>
+    <dgm:txFillClrLst meth="repeat">
+      <a:schemeClr val="dk1"/>
+    </dgm:txFillClrLst>
+    <dgm:txEffectClrLst/>
+  </dgm:styleLbl>
+  <dgm:styleLbl name="trAlignAcc1">
+    <dgm:fillClrLst meth="repeat">
+      <a:schemeClr val="lt1">
+        <a:alpha val="40000"/>
+      </a:schemeClr>
+    </dgm:fillClrLst>
+    <dgm:linClrLst meth="repeat">
+      <a:schemeClr val="accent1"/>
+    </dgm:linClrLst>
+    <dgm:effectClrLst/>
+    <dgm:txLinClrLst/>
+    <dgm:txFillClrLst meth="repeat">
+      <a:schemeClr val="dk1"/>
+    </dgm:txFillClrLst>
+    <dgm:txEffectClrLst/>
+  </dgm:styleLbl>
+  <dgm:styleLbl name="bgAcc1">
+    <dgm:fillClrLst meth="repeat">
+      <a:schemeClr val="lt1">
+        <a:alpha val="90000"/>
+      </a:schemeClr>
+    </dgm:fillClrLst>
+    <dgm:linClrLst meth="repeat">
+      <a:schemeClr val="accent1"/>
+    </dgm:linClrLst>
+    <dgm:effectClrLst/>
+    <dgm:txLinClrLst/>
+    <dgm:txFillClrLst meth="repeat">
+      <a:schemeClr val="dk1"/>
+    </dgm:txFillClrLst>
+    <dgm:txEffectClrLst/>
+  </dgm:styleLbl>
+  <dgm:styleLbl name="solidFgAcc1">
+    <dgm:fillClrLst meth="repeat">
+      <a:schemeClr val="lt1"/>
+    </dgm:fillClrLst>
+    <dgm:linClrLst meth="repeat">
+      <a:schemeClr val="accent1"/>
+    </dgm:linClrLst>
+    <dgm:effectClrLst/>
+    <dgm:txLinClrLst/>
+    <dgm:txFillClrLst meth="repeat">
+      <a:schemeClr val="dk1"/>
+    </dgm:txFillClrLst>
+    <dgm:txEffectClrLst/>
+  </dgm:styleLbl>
+  <dgm:styleLbl name="solidAlignAcc1">
+    <dgm:fillClrLst meth="repeat">
+      <a:schemeClr val="lt1"/>
+    </dgm:fillClrLst>
+    <dgm:linClrLst meth="repeat">
+      <a:schemeClr val="accent1"/>
+    </dgm:linClrLst>
+    <dgm:effectClrLst/>
+    <dgm:txLinClrLst/>
+    <dgm:txFillClrLst meth="repeat">
+      <a:schemeClr val="dk1"/>
+    </dgm:txFillClrLst>
+    <dgm:txEffectClrLst/>
+  </dgm:styleLbl>
+  <dgm:styleLbl name="solidBgAcc1">
+    <dgm:fillClrLst meth="repeat">
+      <a:schemeClr val="lt1"/>
+    </dgm:fillClrLst>
+    <dgm:linClrLst meth="repeat">
+      <a:schemeClr val="accent1"/>
+    </dgm:linClrLst>
+    <dgm:effectClrLst/>
+    <dgm:txLinClrLst/>
+    <dgm:txFillClrLst meth="repeat">
+      <a:schemeClr val="dk1"/>
+    </dgm:txFillClrLst>
+    <dgm:txEffectClrLst/>
+  </dgm:styleLbl>
+  <dgm:styleLbl name="fgAccFollowNode1">
+    <dgm:fillClrLst meth="repeat">
+      <a:schemeClr val="accent1">
+        <a:alpha val="90000"/>
+        <a:tint val="40000"/>
+      </a:schemeClr>
+    </dgm:fillClrLst>
+    <dgm:linClrLst meth="repeat">
+      <a:schemeClr val="accent1">
+        <a:alpha val="90000"/>
+        <a:tint val="40000"/>
+      </a:schemeClr>
+    </dgm:linClrLst>
+    <dgm:effectClrLst/>
+    <dgm:txLinClrLst/>
+    <dgm:txFillClrLst meth="repeat">
+      <a:schemeClr val="dk1"/>
+    </dgm:txFillClrLst>
+    <dgm:txEffectClrLst/>
+  </dgm:styleLbl>
+  <dgm:styleLbl name="alignAccFollowNode1">
+    <dgm:fillClrLst meth="repeat">
+      <a:schemeClr val="accent1">
+        <a:alpha val="90000"/>
+        <a:tint val="40000"/>
+      </a:schemeClr>
+    </dgm:fillClrLst>
+    <dgm:linClrLst meth="repeat">
+      <a:schemeClr val="accent1">
+        <a:alpha val="90000"/>
+        <a:tint val="40000"/>
+      </a:schemeClr>
+    </dgm:linClrLst>
+    <dgm:effectClrLst/>
+    <dgm:txLinClrLst/>
+    <dgm:txFillClrLst meth="repeat">
+      <a:schemeClr val="dk1"/>
+    </dgm:txFillClrLst>
+    <dgm:txEffectClrLst/>
+  </dgm:styleLbl>
+  <dgm:styleLbl name="bgAccFollowNode1">
+    <dgm:fillClrLst meth="repeat">
+      <a:schemeClr val="accent1">
+        <a:alpha val="90000"/>
+        <a:tint val="40000"/>
+      </a:schemeClr>
+    </dgm:fillClrLst>
+    <dgm:linClrLst meth="repeat">
+      <a:schemeClr val="accent1">
+        <a:alpha val="90000"/>
+        <a:tint val="40000"/>
+      </a:schemeClr>
+    </dgm:linClrLst>
+    <dgm:effectClrLst/>
+    <dgm:txLinClrLst/>
+    <dgm:txFillClrLst meth="repeat">
+      <a:schemeClr val="dk1"/>
+    </dgm:txFillClrLst>
+    <dgm:txEffectClrLst/>
+  </dgm:styleLbl>
+  <dgm:styleLbl name="fgAcc0">
+    <dgm:fillClrLst meth="repeat">
+      <a:schemeClr val="lt1">
+        <a:alpha val="90000"/>
+      </a:schemeClr>
+    </dgm:fillClrLst>
+    <dgm:linClrLst meth="repeat">
+      <a:schemeClr val="accent1"/>
+    </dgm:linClrLst>
+    <dgm:effectClrLst/>
+    <dgm:txLinClrLst/>
+    <dgm:txFillClrLst meth="repeat">
+      <a:schemeClr val="dk1"/>
+    </dgm:txFillClrLst>
+    <dgm:txEffectClrLst/>
+  </dgm:styleLbl>
+  <dgm:styleLbl name="fgAcc2">
+    <dgm:fillClrLst meth="repeat">
+      <a:schemeClr val="lt1">
+        <a:alpha val="90000"/>
+      </a:schemeClr>
+    </dgm:fillClrLst>
+    <dgm:linClrLst meth="repeat">
+      <a:schemeClr val="accent1"/>
+    </dgm:linClrLst>
+    <dgm:effectClrLst/>
+    <dgm:txLinClrLst/>
+    <dgm:txFillClrLst meth="repeat">
+      <a:schemeClr val="dk1"/>
+    </dgm:txFillClrLst>
+    <dgm:txEffectClrLst/>
+  </dgm:styleLbl>
+  <dgm:styleLbl name="fgAcc3">
+    <dgm:fillClrLst meth="repeat">
+      <a:schemeClr val="lt1">
+        <a:alpha val="90000"/>
+      </a:schemeClr>
+    </dgm:fillClrLst>
+    <dgm:linClrLst meth="repeat">
+      <a:schemeClr val="accent1"/>
+    </dgm:linClrLst>
+    <dgm:effectClrLst/>
+    <dgm:txLinClrLst/>
+    <dgm:txFillClrLst meth="repeat">
+      <a:schemeClr val="dk1"/>
+    </dgm:txFillClrLst>
+    <dgm:txEffectClrLst/>
+  </dgm:styleLbl>
+  <dgm:styleLbl name="fgAcc4">
+    <dgm:fillClrLst meth="repeat">
+      <a:schemeClr val="lt1">
+        <a:alpha val="90000"/>
+      </a:schemeClr>
+    </dgm:fillClrLst>
+    <dgm:linClrLst meth="repeat">
+      <a:schemeClr val="accent1"/>
+    </dgm:linClrLst>
+    <dgm:effectClrLst/>
+    <dgm:txLinClrLst/>
+    <dgm:txFillClrLst meth="repeat">
+      <a:schemeClr val="dk1"/>
+    </dgm:txFillClrLst>
+    <dgm:txEffectClrLst/>
+  </dgm:styleLbl>
+  <dgm:styleLbl name="bgShp">
+    <dgm:fillClrLst meth="repeat">
+      <a:schemeClr val="accent1">
+        <a:tint val="40000"/>
+      </a:schemeClr>
+    </dgm:fillClrLst>
+    <dgm:linClrLst meth="repeat">
+      <a:schemeClr val="accent1"/>
+    </dgm:linClrLst>
+    <dgm:effectClrLst/>
+    <dgm:txLinClrLst/>
+    <dgm:txFillClrLst meth="repeat">
+      <a:schemeClr val="dk1"/>
+    </dgm:txFillClrLst>
+    <dgm:txEffectClrLst/>
+  </dgm:styleLbl>
+  <dgm:styleLbl name="dkBgShp">
+    <dgm:fillClrLst meth="repeat">
+      <a:schemeClr val="accent1">
+        <a:shade val="80000"/>
+      </a:schemeClr>
+    </dgm:fillClrLst>
+    <dgm:linClrLst meth="repeat">
+      <a:schemeClr val="accent1"/>
+    </dgm:linClrLst>
+    <dgm:effectClrLst/>
+    <dgm:txLinClrLst/>
+    <dgm:txFillClrLst meth="repeat">
+      <a:schemeClr val="lt1"/>
+    </dgm:txFillClrLst>
+    <dgm:txEffectClrLst/>
+  </dgm:styleLbl>
+  <dgm:styleLbl name="trBgShp">
+    <dgm:fillClrLst meth="repeat">
+      <a:schemeClr val="accent1">
+        <a:tint val="50000"/>
+        <a:alpha val="40000"/>
+      </a:schemeClr>
+    </dgm:fillClrLst>
+    <dgm:linClrLst meth="repeat">
+      <a:schemeClr val="accent1"/>
+    </dgm:linClrLst>
+    <dgm:effectClrLst/>
+    <dgm:txLinClrLst/>
+    <dgm:txFillClrLst meth="repeat">
+      <a:schemeClr val="lt1"/>
+    </dgm:txFillClrLst>
+    <dgm:txEffectClrLst/>
+  </dgm:styleLbl>
+  <dgm:styleLbl name="fgShp">
+    <dgm:fillClrLst meth="repeat">
+      <a:schemeClr val="accent1">
+        <a:tint val="60000"/>
+      </a:schemeClr>
+    </dgm:fillClrLst>
+    <dgm:linClrLst meth="repeat">
+      <a:schemeClr val="lt1"/>
+    </dgm:linClrLst>
+    <dgm:effectClrLst/>
+    <dgm:txLinClrLst/>
+    <dgm:txFillClrLst meth="repeat">
+      <a:schemeClr val="dk1"/>
+    </dgm:txFillClrLst>
+    <dgm:txEffectClrLst/>
+  </dgm:styleLbl>
+  <dgm:styleLbl name="revTx">
+    <dgm:fillClrLst meth="repeat">
+      <a:schemeClr val="lt1">
+        <a:alpha val="0"/>
+      </a:schemeClr>
+    </dgm:fillClrLst>
+    <dgm:linClrLst meth="repeat">
+      <a:schemeClr val="dk1">
+        <a:alpha val="0"/>
+      </a:schemeClr>
+    </dgm:linClrLst>
+    <dgm:effectClrLst/>
+    <dgm:txLinClrLst/>
+    <dgm:txFillClrLst meth="repeat">
+      <a:schemeClr val="tx1"/>
+    </dgm:txFillClrLst>
+    <dgm:txEffectClrLst/>
+  </dgm:styleLbl>
+</dgm:colorsDef>
+</file>
+
+<file path=ppt/diagrams/colors3.xml><?xml version="1.0" encoding="utf-8"?>
 <dgm:colorsDef xmlns:dgm="http://schemas.openxmlformats.org/drawingml/2006/diagram" xmlns:a="http://schemas.openxmlformats.org/drawingml/2006/main" uniqueId="urn:microsoft.com/office/officeart/2005/8/colors/accent1_2">
   <dgm:title val=""/>
   <dgm:desc val=""/>
@@ -2111,6 +2859,258 @@
   <dgm:extLst>
     <a:ext uri="http://schemas.microsoft.com/office/drawing/2008/diagram">
       <dsp:dataModelExt xmlns:dsp="http://schemas.microsoft.com/office/drawing/2008/diagram" relId="rId7" minVer="http://schemas.openxmlformats.org/drawingml/2006/diagram"/>
+    </a:ext>
+  </dgm:extLst>
+</dgm:dataModel>
+</file>
+
+<file path=ppt/diagrams/data3.xml><?xml version="1.0" encoding="utf-8"?>
+<dgm:dataModel xmlns:dgm="http://schemas.openxmlformats.org/drawingml/2006/diagram" xmlns:a="http://schemas.openxmlformats.org/drawingml/2006/main">
+  <dgm:ptLst>
+    <dgm:pt modelId="{E9003F98-5D21-8344-8F29-A6476A129BB0}" type="doc">
+      <dgm:prSet loTypeId="urn:microsoft.com/office/officeart/2005/8/layout/radial4" loCatId="" qsTypeId="urn:microsoft.com/office/officeart/2005/8/quickstyle/simple4" qsCatId="simple" csTypeId="urn:microsoft.com/office/officeart/2005/8/colors/accent1_2" csCatId="accent1" phldr="1"/>
+      <dgm:spPr/>
+      <dgm:t>
+        <a:bodyPr/>
+        <a:lstStyle/>
+        <a:p>
+          <a:endParaRPr lang="en-US"/>
+        </a:p>
+      </dgm:t>
+    </dgm:pt>
+    <dgm:pt modelId="{ED1367CB-9406-BF44-B3C3-0D02221EF958}">
+      <dgm:prSet phldrT="[Text]"/>
+      <dgm:spPr/>
+      <dgm:t>
+        <a:bodyPr/>
+        <a:lstStyle/>
+        <a:p>
+          <a:r>
+            <a:rPr lang="en-US" dirty="0" smtClean="0"/>
+            <a:t>Agent</a:t>
+          </a:r>
+          <a:endParaRPr lang="en-US" dirty="0"/>
+        </a:p>
+      </dgm:t>
+    </dgm:pt>
+    <dgm:pt modelId="{6C5494E4-ED76-D744-8CA0-5957EF16B7D7}" type="parTrans" cxnId="{8848F2A0-F86F-6E4B-A7BA-F9357CF2752C}">
+      <dgm:prSet/>
+      <dgm:spPr/>
+      <dgm:t>
+        <a:bodyPr/>
+        <a:lstStyle/>
+        <a:p>
+          <a:endParaRPr lang="en-US"/>
+        </a:p>
+      </dgm:t>
+    </dgm:pt>
+    <dgm:pt modelId="{BAD68991-FD0A-DD49-9017-5897481D1BF8}" type="sibTrans" cxnId="{8848F2A0-F86F-6E4B-A7BA-F9357CF2752C}">
+      <dgm:prSet/>
+      <dgm:spPr/>
+      <dgm:t>
+        <a:bodyPr/>
+        <a:lstStyle/>
+        <a:p>
+          <a:endParaRPr lang="en-US"/>
+        </a:p>
+      </dgm:t>
+    </dgm:pt>
+    <dgm:pt modelId="{DD6BCC4B-5E12-3845-8CF7-B2E5F9830B6A}">
+      <dgm:prSet phldrT="[Text]"/>
+      <dgm:spPr/>
+      <dgm:t>
+        <a:bodyPr/>
+        <a:lstStyle/>
+        <a:p>
+          <a:r>
+            <a:rPr lang="en-US" dirty="0" smtClean="0"/>
+            <a:t>Resource</a:t>
+          </a:r>
+          <a:endParaRPr lang="en-US" dirty="0"/>
+        </a:p>
+      </dgm:t>
+    </dgm:pt>
+    <dgm:pt modelId="{CBE0903F-8B40-3742-B396-FA92E2EFDF0D}" type="parTrans" cxnId="{F406AC12-B6F6-5243-A973-966C1FC51652}">
+      <dgm:prSet/>
+      <dgm:spPr/>
+      <dgm:t>
+        <a:bodyPr/>
+        <a:lstStyle/>
+        <a:p>
+          <a:endParaRPr lang="en-US"/>
+        </a:p>
+      </dgm:t>
+    </dgm:pt>
+    <dgm:pt modelId="{1BE70A8D-89DA-F942-AF52-7555871A1F11}" type="sibTrans" cxnId="{F406AC12-B6F6-5243-A973-966C1FC51652}">
+      <dgm:prSet/>
+      <dgm:spPr/>
+      <dgm:t>
+        <a:bodyPr/>
+        <a:lstStyle/>
+        <a:p>
+          <a:endParaRPr lang="en-US"/>
+        </a:p>
+      </dgm:t>
+    </dgm:pt>
+    <dgm:pt modelId="{29E5DC1B-E1CE-024C-AF29-D75A3762173C}">
+      <dgm:prSet phldrT="[Text]"/>
+      <dgm:spPr/>
+      <dgm:t>
+        <a:bodyPr/>
+        <a:lstStyle/>
+        <a:p>
+          <a:r>
+            <a:rPr lang="en-US" smtClean="0"/>
+            <a:t>Hazard</a:t>
+          </a:r>
+          <a:endParaRPr lang="en-US" dirty="0"/>
+        </a:p>
+      </dgm:t>
+    </dgm:pt>
+    <dgm:pt modelId="{1C25A7A4-93E0-BA44-8648-9D40496067DC}" type="parTrans" cxnId="{72254136-A00D-0E43-943A-F3D1BC18AD4E}">
+      <dgm:prSet/>
+      <dgm:spPr/>
+      <dgm:t>
+        <a:bodyPr/>
+        <a:lstStyle/>
+        <a:p>
+          <a:endParaRPr lang="en-US"/>
+        </a:p>
+      </dgm:t>
+    </dgm:pt>
+    <dgm:pt modelId="{33F6E7F2-7657-5B4E-B81B-C81F6645F8ED}" type="sibTrans" cxnId="{72254136-A00D-0E43-943A-F3D1BC18AD4E}">
+      <dgm:prSet/>
+      <dgm:spPr/>
+      <dgm:t>
+        <a:bodyPr/>
+        <a:lstStyle/>
+        <a:p>
+          <a:endParaRPr lang="en-US"/>
+        </a:p>
+      </dgm:t>
+    </dgm:pt>
+    <dgm:pt modelId="{A1FA5A00-7E43-3C4E-BCBB-BF8022C9A59B}">
+      <dgm:prSet phldrT="[Text]"/>
+      <dgm:spPr/>
+      <dgm:t>
+        <a:bodyPr/>
+        <a:lstStyle/>
+        <a:p>
+          <a:r>
+            <a:rPr lang="en-US" dirty="0" smtClean="0"/>
+            <a:t>Competitor</a:t>
+          </a:r>
+          <a:endParaRPr lang="en-US" dirty="0"/>
+        </a:p>
+      </dgm:t>
+    </dgm:pt>
+    <dgm:pt modelId="{84263B29-ADA3-8841-AA84-9F3A92FBBC7F}" type="parTrans" cxnId="{590E75F1-415E-804E-B240-700454BF108A}">
+      <dgm:prSet/>
+      <dgm:spPr/>
+      <dgm:t>
+        <a:bodyPr/>
+        <a:lstStyle/>
+        <a:p>
+          <a:endParaRPr lang="en-US"/>
+        </a:p>
+      </dgm:t>
+    </dgm:pt>
+    <dgm:pt modelId="{939AD30C-1864-F14A-9D12-DC517CEF1C86}" type="sibTrans" cxnId="{590E75F1-415E-804E-B240-700454BF108A}">
+      <dgm:prSet/>
+      <dgm:spPr/>
+      <dgm:t>
+        <a:bodyPr/>
+        <a:lstStyle/>
+        <a:p>
+          <a:endParaRPr lang="en-US"/>
+        </a:p>
+      </dgm:t>
+    </dgm:pt>
+    <dgm:pt modelId="{CE0A1827-12D9-6144-BDF9-ABC504E10F09}" type="pres">
+      <dgm:prSet presAssocID="{E9003F98-5D21-8344-8F29-A6476A129BB0}" presName="cycle" presStyleCnt="0">
+        <dgm:presLayoutVars>
+          <dgm:chMax val="1"/>
+          <dgm:dir/>
+          <dgm:animLvl val="ctr"/>
+          <dgm:resizeHandles val="exact"/>
+        </dgm:presLayoutVars>
+      </dgm:prSet>
+      <dgm:spPr/>
+    </dgm:pt>
+    <dgm:pt modelId="{A1ED98AF-9F90-D143-B84A-E5A2851235FC}" type="pres">
+      <dgm:prSet presAssocID="{ED1367CB-9406-BF44-B3C3-0D02221EF958}" presName="centerShape" presStyleLbl="node0" presStyleIdx="0" presStyleCnt="1"/>
+      <dgm:spPr/>
+    </dgm:pt>
+    <dgm:pt modelId="{6B86A08A-3170-B149-9531-8CF202D3D62C}" type="pres">
+      <dgm:prSet presAssocID="{CBE0903F-8B40-3742-B396-FA92E2EFDF0D}" presName="parTrans" presStyleLbl="bgSibTrans2D1" presStyleIdx="0" presStyleCnt="3"/>
+      <dgm:spPr/>
+    </dgm:pt>
+    <dgm:pt modelId="{88BFBCBD-11C3-CE49-938D-1B600C9B6508}" type="pres">
+      <dgm:prSet presAssocID="{DD6BCC4B-5E12-3845-8CF7-B2E5F9830B6A}" presName="node" presStyleLbl="node1" presStyleIdx="0" presStyleCnt="3">
+        <dgm:presLayoutVars>
+          <dgm:bulletEnabled val="1"/>
+        </dgm:presLayoutVars>
+      </dgm:prSet>
+      <dgm:spPr/>
+    </dgm:pt>
+    <dgm:pt modelId="{5235DE4E-7D7F-2F4E-A0CA-6913A33BE539}" type="pres">
+      <dgm:prSet presAssocID="{1C25A7A4-93E0-BA44-8648-9D40496067DC}" presName="parTrans" presStyleLbl="bgSibTrans2D1" presStyleIdx="1" presStyleCnt="3"/>
+      <dgm:spPr/>
+    </dgm:pt>
+    <dgm:pt modelId="{5DB02E11-B99B-774E-B4DA-FA8E864C2F24}" type="pres">
+      <dgm:prSet presAssocID="{29E5DC1B-E1CE-024C-AF29-D75A3762173C}" presName="node" presStyleLbl="node1" presStyleIdx="1" presStyleCnt="3">
+        <dgm:presLayoutVars>
+          <dgm:bulletEnabled val="1"/>
+        </dgm:presLayoutVars>
+      </dgm:prSet>
+      <dgm:spPr/>
+      <dgm:t>
+        <a:bodyPr/>
+        <a:lstStyle/>
+        <a:p>
+          <a:endParaRPr lang="en-US"/>
+        </a:p>
+      </dgm:t>
+    </dgm:pt>
+    <dgm:pt modelId="{858F3E64-6B67-D74A-B91F-DAA0820CBC49}" type="pres">
+      <dgm:prSet presAssocID="{84263B29-ADA3-8841-AA84-9F3A92FBBC7F}" presName="parTrans" presStyleLbl="bgSibTrans2D1" presStyleIdx="2" presStyleCnt="3"/>
+      <dgm:spPr/>
+    </dgm:pt>
+    <dgm:pt modelId="{B2CDDBF3-96B7-884B-8198-A41A58DD9390}" type="pres">
+      <dgm:prSet presAssocID="{A1FA5A00-7E43-3C4E-BCBB-BF8022C9A59B}" presName="node" presStyleLbl="node1" presStyleIdx="2" presStyleCnt="3">
+        <dgm:presLayoutVars>
+          <dgm:bulletEnabled val="1"/>
+        </dgm:presLayoutVars>
+      </dgm:prSet>
+      <dgm:spPr/>
+    </dgm:pt>
+  </dgm:ptLst>
+  <dgm:cxnLst>
+    <dgm:cxn modelId="{72254136-A00D-0E43-943A-F3D1BC18AD4E}" srcId="{ED1367CB-9406-BF44-B3C3-0D02221EF958}" destId="{29E5DC1B-E1CE-024C-AF29-D75A3762173C}" srcOrd="1" destOrd="0" parTransId="{1C25A7A4-93E0-BA44-8648-9D40496067DC}" sibTransId="{33F6E7F2-7657-5B4E-B81B-C81F6645F8ED}"/>
+    <dgm:cxn modelId="{2B04726D-B174-C648-ACC9-E0CDACCAF9D4}" type="presOf" srcId="{84263B29-ADA3-8841-AA84-9F3A92FBBC7F}" destId="{858F3E64-6B67-D74A-B91F-DAA0820CBC49}" srcOrd="0" destOrd="0" presId="urn:microsoft.com/office/officeart/2005/8/layout/radial4"/>
+    <dgm:cxn modelId="{F406AC12-B6F6-5243-A973-966C1FC51652}" srcId="{ED1367CB-9406-BF44-B3C3-0D02221EF958}" destId="{DD6BCC4B-5E12-3845-8CF7-B2E5F9830B6A}" srcOrd="0" destOrd="0" parTransId="{CBE0903F-8B40-3742-B396-FA92E2EFDF0D}" sibTransId="{1BE70A8D-89DA-F942-AF52-7555871A1F11}"/>
+    <dgm:cxn modelId="{8F47E7F5-047E-2941-923B-69C8C3317A40}" type="presOf" srcId="{1C25A7A4-93E0-BA44-8648-9D40496067DC}" destId="{5235DE4E-7D7F-2F4E-A0CA-6913A33BE539}" srcOrd="0" destOrd="0" presId="urn:microsoft.com/office/officeart/2005/8/layout/radial4"/>
+    <dgm:cxn modelId="{590E75F1-415E-804E-B240-700454BF108A}" srcId="{ED1367CB-9406-BF44-B3C3-0D02221EF958}" destId="{A1FA5A00-7E43-3C4E-BCBB-BF8022C9A59B}" srcOrd="2" destOrd="0" parTransId="{84263B29-ADA3-8841-AA84-9F3A92FBBC7F}" sibTransId="{939AD30C-1864-F14A-9D12-DC517CEF1C86}"/>
+    <dgm:cxn modelId="{06464728-B3CF-2544-B5EC-358987CB9EA2}" type="presOf" srcId="{ED1367CB-9406-BF44-B3C3-0D02221EF958}" destId="{A1ED98AF-9F90-D143-B84A-E5A2851235FC}" srcOrd="0" destOrd="0" presId="urn:microsoft.com/office/officeart/2005/8/layout/radial4"/>
+    <dgm:cxn modelId="{8848F2A0-F86F-6E4B-A7BA-F9357CF2752C}" srcId="{E9003F98-5D21-8344-8F29-A6476A129BB0}" destId="{ED1367CB-9406-BF44-B3C3-0D02221EF958}" srcOrd="0" destOrd="0" parTransId="{6C5494E4-ED76-D744-8CA0-5957EF16B7D7}" sibTransId="{BAD68991-FD0A-DD49-9017-5897481D1BF8}"/>
+    <dgm:cxn modelId="{E860FC29-6A88-CF42-B1B3-2F1F9A49CCFD}" type="presOf" srcId="{E9003F98-5D21-8344-8F29-A6476A129BB0}" destId="{CE0A1827-12D9-6144-BDF9-ABC504E10F09}" srcOrd="0" destOrd="0" presId="urn:microsoft.com/office/officeart/2005/8/layout/radial4"/>
+    <dgm:cxn modelId="{363C6F8F-9F17-9447-BA07-C990D63ED5C5}" type="presOf" srcId="{29E5DC1B-E1CE-024C-AF29-D75A3762173C}" destId="{5DB02E11-B99B-774E-B4DA-FA8E864C2F24}" srcOrd="0" destOrd="0" presId="urn:microsoft.com/office/officeart/2005/8/layout/radial4"/>
+    <dgm:cxn modelId="{9414F469-A65C-E042-A744-1246FE3865E3}" type="presOf" srcId="{CBE0903F-8B40-3742-B396-FA92E2EFDF0D}" destId="{6B86A08A-3170-B149-9531-8CF202D3D62C}" srcOrd="0" destOrd="0" presId="urn:microsoft.com/office/officeart/2005/8/layout/radial4"/>
+    <dgm:cxn modelId="{2D39EE6E-E674-1745-B546-A2A7DD6D32A1}" type="presOf" srcId="{DD6BCC4B-5E12-3845-8CF7-B2E5F9830B6A}" destId="{88BFBCBD-11C3-CE49-938D-1B600C9B6508}" srcOrd="0" destOrd="0" presId="urn:microsoft.com/office/officeart/2005/8/layout/radial4"/>
+    <dgm:cxn modelId="{70AC48E3-4A0D-1548-8727-526C40F88437}" type="presOf" srcId="{A1FA5A00-7E43-3C4E-BCBB-BF8022C9A59B}" destId="{B2CDDBF3-96B7-884B-8198-A41A58DD9390}" srcOrd="0" destOrd="0" presId="urn:microsoft.com/office/officeart/2005/8/layout/radial4"/>
+    <dgm:cxn modelId="{70BA39B9-7EE2-FA41-B1DE-F06FAFAF52CA}" type="presParOf" srcId="{CE0A1827-12D9-6144-BDF9-ABC504E10F09}" destId="{A1ED98AF-9F90-D143-B84A-E5A2851235FC}" srcOrd="0" destOrd="0" presId="urn:microsoft.com/office/officeart/2005/8/layout/radial4"/>
+    <dgm:cxn modelId="{C18D31BA-618E-E640-AB13-4F1B70B0F4FD}" type="presParOf" srcId="{CE0A1827-12D9-6144-BDF9-ABC504E10F09}" destId="{6B86A08A-3170-B149-9531-8CF202D3D62C}" srcOrd="1" destOrd="0" presId="urn:microsoft.com/office/officeart/2005/8/layout/radial4"/>
+    <dgm:cxn modelId="{1A23C000-1D68-B145-A2D7-DD4E86C66AE8}" type="presParOf" srcId="{CE0A1827-12D9-6144-BDF9-ABC504E10F09}" destId="{88BFBCBD-11C3-CE49-938D-1B600C9B6508}" srcOrd="2" destOrd="0" presId="urn:microsoft.com/office/officeart/2005/8/layout/radial4"/>
+    <dgm:cxn modelId="{5D1E5FA6-AA9B-CE44-94CB-50FDCEDB4703}" type="presParOf" srcId="{CE0A1827-12D9-6144-BDF9-ABC504E10F09}" destId="{5235DE4E-7D7F-2F4E-A0CA-6913A33BE539}" srcOrd="3" destOrd="0" presId="urn:microsoft.com/office/officeart/2005/8/layout/radial4"/>
+    <dgm:cxn modelId="{D935CF6B-2AE6-5246-BE54-6FF9E26058E0}" type="presParOf" srcId="{CE0A1827-12D9-6144-BDF9-ABC504E10F09}" destId="{5DB02E11-B99B-774E-B4DA-FA8E864C2F24}" srcOrd="4" destOrd="0" presId="urn:microsoft.com/office/officeart/2005/8/layout/radial4"/>
+    <dgm:cxn modelId="{745D6A0A-61F8-7141-9F3D-FF5E46FBFF87}" type="presParOf" srcId="{CE0A1827-12D9-6144-BDF9-ABC504E10F09}" destId="{858F3E64-6B67-D74A-B91F-DAA0820CBC49}" srcOrd="5" destOrd="0" presId="urn:microsoft.com/office/officeart/2005/8/layout/radial4"/>
+    <dgm:cxn modelId="{4B671FDD-4DBE-644C-B100-8CAB52D5F32A}" type="presParOf" srcId="{CE0A1827-12D9-6144-BDF9-ABC504E10F09}" destId="{B2CDDBF3-96B7-884B-8198-A41A58DD9390}" srcOrd="6" destOrd="0" presId="urn:microsoft.com/office/officeart/2005/8/layout/radial4"/>
+  </dgm:cxnLst>
+  <dgm:bg/>
+  <dgm:whole/>
+  <dgm:extLst>
+    <a:ext uri="http://schemas.microsoft.com/office/drawing/2008/diagram">
+      <dsp:dataModelExt xmlns:dsp="http://schemas.microsoft.com/office/drawing/2008/diagram" relId="rId6" minVer="http://schemas.openxmlformats.org/drawingml/2006/diagram"/>
     </a:ext>
   </dgm:extLst>
 </dgm:dataModel>
@@ -3280,6 +4280,759 @@
 </dsp:drawing>
 </file>
 
+<file path=ppt/diagrams/drawing3.xml><?xml version="1.0" encoding="utf-8"?>
+<dsp:drawing xmlns:dgm="http://schemas.openxmlformats.org/drawingml/2006/diagram" xmlns:dsp="http://schemas.microsoft.com/office/drawing/2008/diagram" xmlns:a="http://schemas.openxmlformats.org/drawingml/2006/main">
+  <dsp:spTree>
+    <dsp:nvGrpSpPr>
+      <dsp:cNvPr id="0" name=""/>
+      <dsp:cNvGrpSpPr/>
+    </dsp:nvGrpSpPr>
+    <dsp:grpSpPr/>
+    <dsp:sp modelId="{A1ED98AF-9F90-D143-B84A-E5A2851235FC}">
+      <dsp:nvSpPr>
+        <dsp:cNvPr id="0" name=""/>
+        <dsp:cNvSpPr/>
+      </dsp:nvSpPr>
+      <dsp:spPr>
+        <a:xfrm>
+          <a:off x="1408033" y="2246239"/>
+          <a:ext cx="1298733" cy="1298733"/>
+        </a:xfrm>
+        <a:prstGeom prst="ellipse">
+          <a:avLst/>
+        </a:prstGeom>
+        <a:gradFill rotWithShape="0">
+          <a:gsLst>
+            <a:gs pos="0">
+              <a:schemeClr val="accent1">
+                <a:hueOff val="0"/>
+                <a:satOff val="0"/>
+                <a:lumOff val="0"/>
+                <a:alphaOff val="0"/>
+                <a:shade val="15000"/>
+                <a:satMod val="180000"/>
+              </a:schemeClr>
+            </a:gs>
+            <a:gs pos="50000">
+              <a:schemeClr val="accent1">
+                <a:hueOff val="0"/>
+                <a:satOff val="0"/>
+                <a:lumOff val="0"/>
+                <a:alphaOff val="0"/>
+                <a:shade val="45000"/>
+                <a:satMod val="170000"/>
+              </a:schemeClr>
+            </a:gs>
+            <a:gs pos="70000">
+              <a:schemeClr val="accent1">
+                <a:hueOff val="0"/>
+                <a:satOff val="0"/>
+                <a:lumOff val="0"/>
+                <a:alphaOff val="0"/>
+                <a:tint val="99000"/>
+                <a:shade val="65000"/>
+                <a:satMod val="155000"/>
+              </a:schemeClr>
+            </a:gs>
+            <a:gs pos="100000">
+              <a:schemeClr val="accent1">
+                <a:hueOff val="0"/>
+                <a:satOff val="0"/>
+                <a:lumOff val="0"/>
+                <a:alphaOff val="0"/>
+                <a:tint val="95500"/>
+                <a:shade val="100000"/>
+                <a:satMod val="155000"/>
+              </a:schemeClr>
+            </a:gs>
+          </a:gsLst>
+          <a:lin ang="16200000" scaled="0"/>
+        </a:gradFill>
+        <a:ln>
+          <a:noFill/>
+        </a:ln>
+        <a:effectLst>
+          <a:outerShdw blurRad="50800" dist="38100" dir="5400000" rotWithShape="0">
+            <a:srgbClr val="000000">
+              <a:alpha val="35000"/>
+            </a:srgbClr>
+          </a:outerShdw>
+        </a:effectLst>
+      </dsp:spPr>
+      <dsp:style>
+        <a:lnRef idx="0">
+          <a:scrgbClr r="0" g="0" b="0"/>
+        </a:lnRef>
+        <a:fillRef idx="3">
+          <a:scrgbClr r="0" g="0" b="0"/>
+        </a:fillRef>
+        <a:effectRef idx="2">
+          <a:scrgbClr r="0" g="0" b="0"/>
+        </a:effectRef>
+        <a:fontRef idx="minor">
+          <a:schemeClr val="lt1"/>
+        </a:fontRef>
+      </dsp:style>
+      <dsp:txBody>
+        <a:bodyPr spcFirstLastPara="0" vert="horz" wrap="square" lIns="18415" tIns="18415" rIns="18415" bIns="18415" numCol="1" spcCol="1270" anchor="ctr" anchorCtr="0">
+          <a:noAutofit/>
+        </a:bodyPr>
+        <a:lstStyle/>
+        <a:p>
+          <a:pPr lvl="0" algn="ctr" defTabSz="1289050">
+            <a:lnSpc>
+              <a:spcPct val="90000"/>
+            </a:lnSpc>
+            <a:spcBef>
+              <a:spcPct val="0"/>
+            </a:spcBef>
+            <a:spcAft>
+              <a:spcPct val="35000"/>
+            </a:spcAft>
+          </a:pPr>
+          <a:r>
+            <a:rPr lang="en-US" sz="2900" kern="1200" dirty="0" smtClean="0"/>
+            <a:t>Agent</a:t>
+          </a:r>
+          <a:endParaRPr lang="en-US" sz="2900" kern="1200" dirty="0"/>
+        </a:p>
+      </dsp:txBody>
+      <dsp:txXfrm>
+        <a:off x="1598228" y="2436434"/>
+        <a:ext cx="918343" cy="918343"/>
+      </dsp:txXfrm>
+    </dsp:sp>
+    <dsp:sp modelId="{6B86A08A-3170-B149-9531-8CF202D3D62C}">
+      <dsp:nvSpPr>
+        <dsp:cNvPr id="0" name=""/>
+        <dsp:cNvSpPr/>
+      </dsp:nvSpPr>
+      <dsp:spPr>
+        <a:xfrm rot="12900000">
+          <a:off x="524351" y="2003232"/>
+          <a:ext cx="1045825" cy="370139"/>
+        </a:xfrm>
+        <a:prstGeom prst="leftArrow">
+          <a:avLst>
+            <a:gd name="adj1" fmla="val 60000"/>
+            <a:gd name="adj2" fmla="val 50000"/>
+          </a:avLst>
+        </a:prstGeom>
+        <a:gradFill rotWithShape="0">
+          <a:gsLst>
+            <a:gs pos="0">
+              <a:schemeClr val="accent1">
+                <a:tint val="60000"/>
+                <a:hueOff val="0"/>
+                <a:satOff val="0"/>
+                <a:lumOff val="0"/>
+                <a:alphaOff val="0"/>
+                <a:shade val="15000"/>
+                <a:satMod val="180000"/>
+              </a:schemeClr>
+            </a:gs>
+            <a:gs pos="50000">
+              <a:schemeClr val="accent1">
+                <a:tint val="60000"/>
+                <a:hueOff val="0"/>
+                <a:satOff val="0"/>
+                <a:lumOff val="0"/>
+                <a:alphaOff val="0"/>
+                <a:shade val="45000"/>
+                <a:satMod val="170000"/>
+              </a:schemeClr>
+            </a:gs>
+            <a:gs pos="70000">
+              <a:schemeClr val="accent1">
+                <a:tint val="60000"/>
+                <a:hueOff val="0"/>
+                <a:satOff val="0"/>
+                <a:lumOff val="0"/>
+                <a:alphaOff val="0"/>
+                <a:tint val="99000"/>
+                <a:shade val="65000"/>
+                <a:satMod val="155000"/>
+              </a:schemeClr>
+            </a:gs>
+            <a:gs pos="100000">
+              <a:schemeClr val="accent1">
+                <a:tint val="60000"/>
+                <a:hueOff val="0"/>
+                <a:satOff val="0"/>
+                <a:lumOff val="0"/>
+                <a:alphaOff val="0"/>
+                <a:tint val="95500"/>
+                <a:shade val="100000"/>
+                <a:satMod val="155000"/>
+              </a:schemeClr>
+            </a:gs>
+          </a:gsLst>
+          <a:lin ang="16200000" scaled="0"/>
+        </a:gradFill>
+        <a:ln>
+          <a:noFill/>
+        </a:ln>
+        <a:effectLst>
+          <a:outerShdw blurRad="50800" dist="38100" dir="5400000" rotWithShape="0">
+            <a:srgbClr val="000000">
+              <a:alpha val="35000"/>
+            </a:srgbClr>
+          </a:outerShdw>
+        </a:effectLst>
+      </dsp:spPr>
+      <dsp:style>
+        <a:lnRef idx="0">
+          <a:scrgbClr r="0" g="0" b="0"/>
+        </a:lnRef>
+        <a:fillRef idx="3">
+          <a:scrgbClr r="0" g="0" b="0"/>
+        </a:fillRef>
+        <a:effectRef idx="2">
+          <a:scrgbClr r="0" g="0" b="0"/>
+        </a:effectRef>
+        <a:fontRef idx="minor">
+          <a:schemeClr val="lt1"/>
+        </a:fontRef>
+      </dsp:style>
+    </dsp:sp>
+    <dsp:sp modelId="{88BFBCBD-11C3-CE49-938D-1B600C9B6508}">
+      <dsp:nvSpPr>
+        <dsp:cNvPr id="0" name=""/>
+        <dsp:cNvSpPr/>
+      </dsp:nvSpPr>
+      <dsp:spPr>
+        <a:xfrm>
+          <a:off x="2021" y="1394852"/>
+          <a:ext cx="1233797" cy="987037"/>
+        </a:xfrm>
+        <a:prstGeom prst="roundRect">
+          <a:avLst>
+            <a:gd name="adj" fmla="val 10000"/>
+          </a:avLst>
+        </a:prstGeom>
+        <a:gradFill rotWithShape="0">
+          <a:gsLst>
+            <a:gs pos="0">
+              <a:schemeClr val="accent1">
+                <a:hueOff val="0"/>
+                <a:satOff val="0"/>
+                <a:lumOff val="0"/>
+                <a:alphaOff val="0"/>
+                <a:shade val="15000"/>
+                <a:satMod val="180000"/>
+              </a:schemeClr>
+            </a:gs>
+            <a:gs pos="50000">
+              <a:schemeClr val="accent1">
+                <a:hueOff val="0"/>
+                <a:satOff val="0"/>
+                <a:lumOff val="0"/>
+                <a:alphaOff val="0"/>
+                <a:shade val="45000"/>
+                <a:satMod val="170000"/>
+              </a:schemeClr>
+            </a:gs>
+            <a:gs pos="70000">
+              <a:schemeClr val="accent1">
+                <a:hueOff val="0"/>
+                <a:satOff val="0"/>
+                <a:lumOff val="0"/>
+                <a:alphaOff val="0"/>
+                <a:tint val="99000"/>
+                <a:shade val="65000"/>
+                <a:satMod val="155000"/>
+              </a:schemeClr>
+            </a:gs>
+            <a:gs pos="100000">
+              <a:schemeClr val="accent1">
+                <a:hueOff val="0"/>
+                <a:satOff val="0"/>
+                <a:lumOff val="0"/>
+                <a:alphaOff val="0"/>
+                <a:tint val="95500"/>
+                <a:shade val="100000"/>
+                <a:satMod val="155000"/>
+              </a:schemeClr>
+            </a:gs>
+          </a:gsLst>
+          <a:lin ang="16200000" scaled="0"/>
+        </a:gradFill>
+        <a:ln>
+          <a:noFill/>
+        </a:ln>
+        <a:effectLst>
+          <a:outerShdw blurRad="50800" dist="38100" dir="5400000" rotWithShape="0">
+            <a:srgbClr val="000000">
+              <a:alpha val="35000"/>
+            </a:srgbClr>
+          </a:outerShdw>
+        </a:effectLst>
+      </dsp:spPr>
+      <dsp:style>
+        <a:lnRef idx="0">
+          <a:scrgbClr r="0" g="0" b="0"/>
+        </a:lnRef>
+        <a:fillRef idx="3">
+          <a:scrgbClr r="0" g="0" b="0"/>
+        </a:fillRef>
+        <a:effectRef idx="2">
+          <a:scrgbClr r="0" g="0" b="0"/>
+        </a:effectRef>
+        <a:fontRef idx="minor">
+          <a:schemeClr val="lt1"/>
+        </a:fontRef>
+      </dsp:style>
+      <dsp:txBody>
+        <a:bodyPr spcFirstLastPara="0" vert="horz" wrap="square" lIns="34290" tIns="34290" rIns="34290" bIns="34290" numCol="1" spcCol="1270" anchor="ctr" anchorCtr="0">
+          <a:noAutofit/>
+        </a:bodyPr>
+        <a:lstStyle/>
+        <a:p>
+          <a:pPr lvl="0" algn="ctr" defTabSz="800100">
+            <a:lnSpc>
+              <a:spcPct val="90000"/>
+            </a:lnSpc>
+            <a:spcBef>
+              <a:spcPct val="0"/>
+            </a:spcBef>
+            <a:spcAft>
+              <a:spcPct val="35000"/>
+            </a:spcAft>
+          </a:pPr>
+          <a:r>
+            <a:rPr lang="en-US" sz="1800" kern="1200" dirty="0" smtClean="0"/>
+            <a:t>Resource</a:t>
+          </a:r>
+          <a:endParaRPr lang="en-US" sz="1800" kern="1200" dirty="0"/>
+        </a:p>
+      </dsp:txBody>
+      <dsp:txXfrm>
+        <a:off x="30930" y="1423761"/>
+        <a:ext cx="1175979" cy="929219"/>
+      </dsp:txXfrm>
+    </dsp:sp>
+    <dsp:sp modelId="{5235DE4E-7D7F-2F4E-A0CA-6913A33BE539}">
+      <dsp:nvSpPr>
+        <dsp:cNvPr id="0" name=""/>
+        <dsp:cNvSpPr/>
+      </dsp:nvSpPr>
+      <dsp:spPr>
+        <a:xfrm rot="16200000">
+          <a:off x="1534487" y="1477388"/>
+          <a:ext cx="1045825" cy="370139"/>
+        </a:xfrm>
+        <a:prstGeom prst="leftArrow">
+          <a:avLst>
+            <a:gd name="adj1" fmla="val 60000"/>
+            <a:gd name="adj2" fmla="val 50000"/>
+          </a:avLst>
+        </a:prstGeom>
+        <a:gradFill rotWithShape="0">
+          <a:gsLst>
+            <a:gs pos="0">
+              <a:schemeClr val="accent1">
+                <a:tint val="60000"/>
+                <a:hueOff val="0"/>
+                <a:satOff val="0"/>
+                <a:lumOff val="0"/>
+                <a:alphaOff val="0"/>
+                <a:shade val="15000"/>
+                <a:satMod val="180000"/>
+              </a:schemeClr>
+            </a:gs>
+            <a:gs pos="50000">
+              <a:schemeClr val="accent1">
+                <a:tint val="60000"/>
+                <a:hueOff val="0"/>
+                <a:satOff val="0"/>
+                <a:lumOff val="0"/>
+                <a:alphaOff val="0"/>
+                <a:shade val="45000"/>
+                <a:satMod val="170000"/>
+              </a:schemeClr>
+            </a:gs>
+            <a:gs pos="70000">
+              <a:schemeClr val="accent1">
+                <a:tint val="60000"/>
+                <a:hueOff val="0"/>
+                <a:satOff val="0"/>
+                <a:lumOff val="0"/>
+                <a:alphaOff val="0"/>
+                <a:tint val="99000"/>
+                <a:shade val="65000"/>
+                <a:satMod val="155000"/>
+              </a:schemeClr>
+            </a:gs>
+            <a:gs pos="100000">
+              <a:schemeClr val="accent1">
+                <a:tint val="60000"/>
+                <a:hueOff val="0"/>
+                <a:satOff val="0"/>
+                <a:lumOff val="0"/>
+                <a:alphaOff val="0"/>
+                <a:tint val="95500"/>
+                <a:shade val="100000"/>
+                <a:satMod val="155000"/>
+              </a:schemeClr>
+            </a:gs>
+          </a:gsLst>
+          <a:lin ang="16200000" scaled="0"/>
+        </a:gradFill>
+        <a:ln>
+          <a:noFill/>
+        </a:ln>
+        <a:effectLst>
+          <a:outerShdw blurRad="50800" dist="38100" dir="5400000" rotWithShape="0">
+            <a:srgbClr val="000000">
+              <a:alpha val="35000"/>
+            </a:srgbClr>
+          </a:outerShdw>
+        </a:effectLst>
+      </dsp:spPr>
+      <dsp:style>
+        <a:lnRef idx="0">
+          <a:scrgbClr r="0" g="0" b="0"/>
+        </a:lnRef>
+        <a:fillRef idx="3">
+          <a:scrgbClr r="0" g="0" b="0"/>
+        </a:fillRef>
+        <a:effectRef idx="2">
+          <a:scrgbClr r="0" g="0" b="0"/>
+        </a:effectRef>
+        <a:fontRef idx="minor">
+          <a:schemeClr val="lt1"/>
+        </a:fontRef>
+      </dsp:style>
+    </dsp:sp>
+    <dsp:sp modelId="{5DB02E11-B99B-774E-B4DA-FA8E864C2F24}">
+      <dsp:nvSpPr>
+        <dsp:cNvPr id="0" name=""/>
+        <dsp:cNvSpPr/>
+      </dsp:nvSpPr>
+      <dsp:spPr>
+        <a:xfrm>
+          <a:off x="1440501" y="646027"/>
+          <a:ext cx="1233797" cy="987037"/>
+        </a:xfrm>
+        <a:prstGeom prst="roundRect">
+          <a:avLst>
+            <a:gd name="adj" fmla="val 10000"/>
+          </a:avLst>
+        </a:prstGeom>
+        <a:gradFill rotWithShape="0">
+          <a:gsLst>
+            <a:gs pos="0">
+              <a:schemeClr val="accent1">
+                <a:hueOff val="0"/>
+                <a:satOff val="0"/>
+                <a:lumOff val="0"/>
+                <a:alphaOff val="0"/>
+                <a:shade val="15000"/>
+                <a:satMod val="180000"/>
+              </a:schemeClr>
+            </a:gs>
+            <a:gs pos="50000">
+              <a:schemeClr val="accent1">
+                <a:hueOff val="0"/>
+                <a:satOff val="0"/>
+                <a:lumOff val="0"/>
+                <a:alphaOff val="0"/>
+                <a:shade val="45000"/>
+                <a:satMod val="170000"/>
+              </a:schemeClr>
+            </a:gs>
+            <a:gs pos="70000">
+              <a:schemeClr val="accent1">
+                <a:hueOff val="0"/>
+                <a:satOff val="0"/>
+                <a:lumOff val="0"/>
+                <a:alphaOff val="0"/>
+                <a:tint val="99000"/>
+                <a:shade val="65000"/>
+                <a:satMod val="155000"/>
+              </a:schemeClr>
+            </a:gs>
+            <a:gs pos="100000">
+              <a:schemeClr val="accent1">
+                <a:hueOff val="0"/>
+                <a:satOff val="0"/>
+                <a:lumOff val="0"/>
+                <a:alphaOff val="0"/>
+                <a:tint val="95500"/>
+                <a:shade val="100000"/>
+                <a:satMod val="155000"/>
+              </a:schemeClr>
+            </a:gs>
+          </a:gsLst>
+          <a:lin ang="16200000" scaled="0"/>
+        </a:gradFill>
+        <a:ln>
+          <a:noFill/>
+        </a:ln>
+        <a:effectLst>
+          <a:outerShdw blurRad="50800" dist="38100" dir="5400000" rotWithShape="0">
+            <a:srgbClr val="000000">
+              <a:alpha val="35000"/>
+            </a:srgbClr>
+          </a:outerShdw>
+        </a:effectLst>
+      </dsp:spPr>
+      <dsp:style>
+        <a:lnRef idx="0">
+          <a:scrgbClr r="0" g="0" b="0"/>
+        </a:lnRef>
+        <a:fillRef idx="3">
+          <a:scrgbClr r="0" g="0" b="0"/>
+        </a:fillRef>
+        <a:effectRef idx="2">
+          <a:scrgbClr r="0" g="0" b="0"/>
+        </a:effectRef>
+        <a:fontRef idx="minor">
+          <a:schemeClr val="lt1"/>
+        </a:fontRef>
+      </dsp:style>
+      <dsp:txBody>
+        <a:bodyPr spcFirstLastPara="0" vert="horz" wrap="square" lIns="34290" tIns="34290" rIns="34290" bIns="34290" numCol="1" spcCol="1270" anchor="ctr" anchorCtr="0">
+          <a:noAutofit/>
+        </a:bodyPr>
+        <a:lstStyle/>
+        <a:p>
+          <a:pPr lvl="0" algn="ctr" defTabSz="800100">
+            <a:lnSpc>
+              <a:spcPct val="90000"/>
+            </a:lnSpc>
+            <a:spcBef>
+              <a:spcPct val="0"/>
+            </a:spcBef>
+            <a:spcAft>
+              <a:spcPct val="35000"/>
+            </a:spcAft>
+          </a:pPr>
+          <a:r>
+            <a:rPr lang="en-US" sz="1800" kern="1200" smtClean="0"/>
+            <a:t>Hazard</a:t>
+          </a:r>
+          <a:endParaRPr lang="en-US" sz="1800" kern="1200" dirty="0"/>
+        </a:p>
+      </dsp:txBody>
+      <dsp:txXfrm>
+        <a:off x="1469410" y="674936"/>
+        <a:ext cx="1175979" cy="929219"/>
+      </dsp:txXfrm>
+    </dsp:sp>
+    <dsp:sp modelId="{858F3E64-6B67-D74A-B91F-DAA0820CBC49}">
+      <dsp:nvSpPr>
+        <dsp:cNvPr id="0" name=""/>
+        <dsp:cNvSpPr/>
+      </dsp:nvSpPr>
+      <dsp:spPr>
+        <a:xfrm rot="19500000">
+          <a:off x="2544622" y="2003232"/>
+          <a:ext cx="1045825" cy="370139"/>
+        </a:xfrm>
+        <a:prstGeom prst="leftArrow">
+          <a:avLst>
+            <a:gd name="adj1" fmla="val 60000"/>
+            <a:gd name="adj2" fmla="val 50000"/>
+          </a:avLst>
+        </a:prstGeom>
+        <a:gradFill rotWithShape="0">
+          <a:gsLst>
+            <a:gs pos="0">
+              <a:schemeClr val="accent1">
+                <a:tint val="60000"/>
+                <a:hueOff val="0"/>
+                <a:satOff val="0"/>
+                <a:lumOff val="0"/>
+                <a:alphaOff val="0"/>
+                <a:shade val="15000"/>
+                <a:satMod val="180000"/>
+              </a:schemeClr>
+            </a:gs>
+            <a:gs pos="50000">
+              <a:schemeClr val="accent1">
+                <a:tint val="60000"/>
+                <a:hueOff val="0"/>
+                <a:satOff val="0"/>
+                <a:lumOff val="0"/>
+                <a:alphaOff val="0"/>
+                <a:shade val="45000"/>
+                <a:satMod val="170000"/>
+              </a:schemeClr>
+            </a:gs>
+            <a:gs pos="70000">
+              <a:schemeClr val="accent1">
+                <a:tint val="60000"/>
+                <a:hueOff val="0"/>
+                <a:satOff val="0"/>
+                <a:lumOff val="0"/>
+                <a:alphaOff val="0"/>
+                <a:tint val="99000"/>
+                <a:shade val="65000"/>
+                <a:satMod val="155000"/>
+              </a:schemeClr>
+            </a:gs>
+            <a:gs pos="100000">
+              <a:schemeClr val="accent1">
+                <a:tint val="60000"/>
+                <a:hueOff val="0"/>
+                <a:satOff val="0"/>
+                <a:lumOff val="0"/>
+                <a:alphaOff val="0"/>
+                <a:tint val="95500"/>
+                <a:shade val="100000"/>
+                <a:satMod val="155000"/>
+              </a:schemeClr>
+            </a:gs>
+          </a:gsLst>
+          <a:lin ang="16200000" scaled="0"/>
+        </a:gradFill>
+        <a:ln>
+          <a:noFill/>
+        </a:ln>
+        <a:effectLst>
+          <a:outerShdw blurRad="50800" dist="38100" dir="5400000" rotWithShape="0">
+            <a:srgbClr val="000000">
+              <a:alpha val="35000"/>
+            </a:srgbClr>
+          </a:outerShdw>
+        </a:effectLst>
+      </dsp:spPr>
+      <dsp:style>
+        <a:lnRef idx="0">
+          <a:scrgbClr r="0" g="0" b="0"/>
+        </a:lnRef>
+        <a:fillRef idx="3">
+          <a:scrgbClr r="0" g="0" b="0"/>
+        </a:fillRef>
+        <a:effectRef idx="2">
+          <a:scrgbClr r="0" g="0" b="0"/>
+        </a:effectRef>
+        <a:fontRef idx="minor">
+          <a:schemeClr val="lt1"/>
+        </a:fontRef>
+      </dsp:style>
+    </dsp:sp>
+    <dsp:sp modelId="{B2CDDBF3-96B7-884B-8198-A41A58DD9390}">
+      <dsp:nvSpPr>
+        <dsp:cNvPr id="0" name=""/>
+        <dsp:cNvSpPr/>
+      </dsp:nvSpPr>
+      <dsp:spPr>
+        <a:xfrm>
+          <a:off x="2878981" y="1394852"/>
+          <a:ext cx="1233797" cy="987037"/>
+        </a:xfrm>
+        <a:prstGeom prst="roundRect">
+          <a:avLst>
+            <a:gd name="adj" fmla="val 10000"/>
+          </a:avLst>
+        </a:prstGeom>
+        <a:gradFill rotWithShape="0">
+          <a:gsLst>
+            <a:gs pos="0">
+              <a:schemeClr val="accent1">
+                <a:hueOff val="0"/>
+                <a:satOff val="0"/>
+                <a:lumOff val="0"/>
+                <a:alphaOff val="0"/>
+                <a:shade val="15000"/>
+                <a:satMod val="180000"/>
+              </a:schemeClr>
+            </a:gs>
+            <a:gs pos="50000">
+              <a:schemeClr val="accent1">
+                <a:hueOff val="0"/>
+                <a:satOff val="0"/>
+                <a:lumOff val="0"/>
+                <a:alphaOff val="0"/>
+                <a:shade val="45000"/>
+                <a:satMod val="170000"/>
+              </a:schemeClr>
+            </a:gs>
+            <a:gs pos="70000">
+              <a:schemeClr val="accent1">
+                <a:hueOff val="0"/>
+                <a:satOff val="0"/>
+                <a:lumOff val="0"/>
+                <a:alphaOff val="0"/>
+                <a:tint val="99000"/>
+                <a:shade val="65000"/>
+                <a:satMod val="155000"/>
+              </a:schemeClr>
+            </a:gs>
+            <a:gs pos="100000">
+              <a:schemeClr val="accent1">
+                <a:hueOff val="0"/>
+                <a:satOff val="0"/>
+                <a:lumOff val="0"/>
+                <a:alphaOff val="0"/>
+                <a:tint val="95500"/>
+                <a:shade val="100000"/>
+                <a:satMod val="155000"/>
+              </a:schemeClr>
+            </a:gs>
+          </a:gsLst>
+          <a:lin ang="16200000" scaled="0"/>
+        </a:gradFill>
+        <a:ln>
+          <a:noFill/>
+        </a:ln>
+        <a:effectLst>
+          <a:outerShdw blurRad="50800" dist="38100" dir="5400000" rotWithShape="0">
+            <a:srgbClr val="000000">
+              <a:alpha val="35000"/>
+            </a:srgbClr>
+          </a:outerShdw>
+        </a:effectLst>
+      </dsp:spPr>
+      <dsp:style>
+        <a:lnRef idx="0">
+          <a:scrgbClr r="0" g="0" b="0"/>
+        </a:lnRef>
+        <a:fillRef idx="3">
+          <a:scrgbClr r="0" g="0" b="0"/>
+        </a:fillRef>
+        <a:effectRef idx="2">
+          <a:scrgbClr r="0" g="0" b="0"/>
+        </a:effectRef>
+        <a:fontRef idx="minor">
+          <a:schemeClr val="lt1"/>
+        </a:fontRef>
+      </dsp:style>
+      <dsp:txBody>
+        <a:bodyPr spcFirstLastPara="0" vert="horz" wrap="square" lIns="34290" tIns="34290" rIns="34290" bIns="34290" numCol="1" spcCol="1270" anchor="ctr" anchorCtr="0">
+          <a:noAutofit/>
+        </a:bodyPr>
+        <a:lstStyle/>
+        <a:p>
+          <a:pPr lvl="0" algn="ctr" defTabSz="800100">
+            <a:lnSpc>
+              <a:spcPct val="90000"/>
+            </a:lnSpc>
+            <a:spcBef>
+              <a:spcPct val="0"/>
+            </a:spcBef>
+            <a:spcAft>
+              <a:spcPct val="35000"/>
+            </a:spcAft>
+          </a:pPr>
+          <a:r>
+            <a:rPr lang="en-US" sz="1800" kern="1200" dirty="0" smtClean="0"/>
+            <a:t>Competitor</a:t>
+          </a:r>
+          <a:endParaRPr lang="en-US" sz="1800" kern="1200" dirty="0"/>
+        </a:p>
+      </dsp:txBody>
+      <dsp:txXfrm>
+        <a:off x="2907890" y="1423761"/>
+        <a:ext cx="1175979" cy="929219"/>
+      </dsp:txXfrm>
+    </dsp:sp>
+  </dsp:spTree>
+</dsp:drawing>
+</file>
+
 <file path=ppt/diagrams/layout1.xml><?xml version="1.0" encoding="utf-8"?>
 <dgm:layoutDef xmlns:dgm="http://schemas.openxmlformats.org/drawingml/2006/diagram" xmlns:a="http://schemas.openxmlformats.org/drawingml/2006/main" uniqueId="urn:microsoft.com/office/officeart/2005/8/layout/equation1">
   <dgm:title val=""/>
@@ -3590,6 +5343,266 @@
 </dgm:layoutDef>
 </file>
 
+<file path=ppt/diagrams/layout3.xml><?xml version="1.0" encoding="utf-8"?>
+<dgm:layoutDef xmlns:dgm="http://schemas.openxmlformats.org/drawingml/2006/diagram" xmlns:a="http://schemas.openxmlformats.org/drawingml/2006/main" uniqueId="urn:microsoft.com/office/officeart/2005/8/layout/radial4">
+  <dgm:title val=""/>
+  <dgm:desc val=""/>
+  <dgm:catLst>
+    <dgm:cat type="relationship" pri="19000"/>
+  </dgm:catLst>
+  <dgm:sampData>
+    <dgm:dataModel>
+      <dgm:ptLst>
+        <dgm:pt modelId="0" type="doc"/>
+        <dgm:pt modelId="1">
+          <dgm:prSet phldr="1"/>
+        </dgm:pt>
+        <dgm:pt modelId="11">
+          <dgm:prSet phldr="1"/>
+        </dgm:pt>
+        <dgm:pt modelId="12">
+          <dgm:prSet phldr="1"/>
+        </dgm:pt>
+        <dgm:pt modelId="13">
+          <dgm:prSet phldr="1"/>
+        </dgm:pt>
+      </dgm:ptLst>
+      <dgm:cxnLst>
+        <dgm:cxn modelId="2" srcId="0" destId="1" srcOrd="0" destOrd="0"/>
+        <dgm:cxn modelId="3" srcId="1" destId="11" srcOrd="0" destOrd="0"/>
+        <dgm:cxn modelId="4" srcId="1" destId="12" srcOrd="1" destOrd="0"/>
+        <dgm:cxn modelId="5" srcId="1" destId="13" srcOrd="2" destOrd="0"/>
+      </dgm:cxnLst>
+      <dgm:bg/>
+      <dgm:whole/>
+    </dgm:dataModel>
+  </dgm:sampData>
+  <dgm:styleData>
+    <dgm:dataModel>
+      <dgm:ptLst>
+        <dgm:pt modelId="0" type="doc"/>
+        <dgm:pt modelId="1"/>
+        <dgm:pt modelId="11"/>
+        <dgm:pt modelId="12"/>
+      </dgm:ptLst>
+      <dgm:cxnLst>
+        <dgm:cxn modelId="2" srcId="0" destId="1" srcOrd="0" destOrd="0"/>
+        <dgm:cxn modelId="15" srcId="1" destId="11" srcOrd="0" destOrd="0"/>
+        <dgm:cxn modelId="16" srcId="1" destId="12" srcOrd="1" destOrd="0"/>
+      </dgm:cxnLst>
+      <dgm:bg/>
+      <dgm:whole/>
+    </dgm:dataModel>
+  </dgm:styleData>
+  <dgm:clrData>
+    <dgm:dataModel>
+      <dgm:ptLst>
+        <dgm:pt modelId="0" type="doc"/>
+        <dgm:pt modelId="1"/>
+        <dgm:pt modelId="11"/>
+        <dgm:pt modelId="12"/>
+        <dgm:pt modelId="13"/>
+        <dgm:pt modelId="14"/>
+        <dgm:pt modelId="15"/>
+        <dgm:pt modelId="16"/>
+      </dgm:ptLst>
+      <dgm:cxnLst>
+        <dgm:cxn modelId="2" srcId="0" destId="1" srcOrd="0" destOrd="0"/>
+        <dgm:cxn modelId="16" srcId="1" destId="11" srcOrd="0" destOrd="0"/>
+        <dgm:cxn modelId="17" srcId="1" destId="12" srcOrd="1" destOrd="0"/>
+        <dgm:cxn modelId="18" srcId="1" destId="13" srcOrd="2" destOrd="0"/>
+        <dgm:cxn modelId="19" srcId="1" destId="14" srcOrd="3" destOrd="0"/>
+        <dgm:cxn modelId="20" srcId="1" destId="15" srcOrd="4" destOrd="0"/>
+        <dgm:cxn modelId="21" srcId="1" destId="16" srcOrd="5" destOrd="0"/>
+      </dgm:cxnLst>
+      <dgm:bg/>
+      <dgm:whole/>
+    </dgm:dataModel>
+  </dgm:clrData>
+  <dgm:layoutNode name="cycle">
+    <dgm:varLst>
+      <dgm:chMax val="1"/>
+      <dgm:dir/>
+      <dgm:animLvl val="ctr"/>
+      <dgm:resizeHandles val="exact"/>
+    </dgm:varLst>
+    <dgm:choose name="Name0">
+      <dgm:if name="Name1" func="var" arg="dir" op="equ" val="norm">
+        <dgm:choose name="Name2">
+          <dgm:if name="Name3" axis="ch ch" ptType="node node" st="1 1" cnt="1 0" func="cnt" op="lte" val="1">
+            <dgm:alg type="cycle">
+              <dgm:param type="stAng" val="0"/>
+              <dgm:param type="spanAng" val="360"/>
+              <dgm:param type="ctrShpMap" val="fNode"/>
+            </dgm:alg>
+          </dgm:if>
+          <dgm:else name="Name4">
+            <dgm:choose name="Name5">
+              <dgm:if name="Name6" axis="ch ch" ptType="node node" st="1 1" cnt="1 0" func="cnt" op="lte" val="3">
+                <dgm:alg type="cycle">
+                  <dgm:param type="stAng" val="-55"/>
+                  <dgm:param type="spanAng" val="110"/>
+                  <dgm:param type="ctrShpMap" val="fNode"/>
+                </dgm:alg>
+              </dgm:if>
+              <dgm:else name="Name7">
+                <dgm:choose name="Name8">
+                  <dgm:if name="Name9" axis="ch ch" ptType="node node" st="1 1" cnt="1 0" func="cnt" op="equ" val="4">
+                    <dgm:alg type="cycle">
+                      <dgm:param type="stAng" val="-75"/>
+                      <dgm:param type="spanAng" val="150"/>
+                      <dgm:param type="ctrShpMap" val="fNode"/>
+                    </dgm:alg>
+                  </dgm:if>
+                  <dgm:else name="Name10">
+                    <dgm:alg type="cycle">
+                      <dgm:param type="stAng" val="-90"/>
+                      <dgm:param type="spanAng" val="180"/>
+                      <dgm:param type="ctrShpMap" val="fNode"/>
+                    </dgm:alg>
+                  </dgm:else>
+                </dgm:choose>
+              </dgm:else>
+            </dgm:choose>
+          </dgm:else>
+        </dgm:choose>
+      </dgm:if>
+      <dgm:else name="Name11">
+        <dgm:choose name="Name12">
+          <dgm:if name="Name13" axis="ch ch" ptType="node node" st="1 1" cnt="1 0" func="cnt" op="lte" val="1">
+            <dgm:alg type="cycle">
+              <dgm:param type="stAng" val="0"/>
+              <dgm:param type="spanAng" val="-360"/>
+              <dgm:param type="ctrShpMap" val="fNode"/>
+            </dgm:alg>
+          </dgm:if>
+          <dgm:else name="Name14">
+            <dgm:choose name="Name15">
+              <dgm:if name="Name16" axis="ch ch" ptType="node node" st="1 1" cnt="1 0" func="cnt" op="lte" val="3">
+                <dgm:alg type="cycle">
+                  <dgm:param type="stAng" val="55"/>
+                  <dgm:param type="spanAng" val="-110"/>
+                  <dgm:param type="ctrShpMap" val="fNode"/>
+                </dgm:alg>
+              </dgm:if>
+              <dgm:else name="Name17">
+                <dgm:choose name="Name18">
+                  <dgm:if name="Name19" axis="ch ch" ptType="node node" st="1 1" cnt="1 0" func="cnt" op="equ" val="4">
+                    <dgm:alg type="cycle">
+                      <dgm:param type="stAng" val="75"/>
+                      <dgm:param type="spanAng" val="-150"/>
+                      <dgm:param type="ctrShpMap" val="fNode"/>
+                    </dgm:alg>
+                  </dgm:if>
+                  <dgm:else name="Name20">
+                    <dgm:alg type="cycle">
+                      <dgm:param type="stAng" val="90"/>
+                      <dgm:param type="spanAng" val="-180"/>
+                      <dgm:param type="ctrShpMap" val="fNode"/>
+                    </dgm:alg>
+                  </dgm:else>
+                </dgm:choose>
+              </dgm:else>
+            </dgm:choose>
+          </dgm:else>
+        </dgm:choose>
+      </dgm:else>
+    </dgm:choose>
+    <dgm:shape xmlns:r="http://schemas.openxmlformats.org/officeDocument/2006/relationships" r:blip="">
+      <dgm:adjLst/>
+    </dgm:shape>
+    <dgm:presOf/>
+    <dgm:constrLst>
+      <dgm:constr type="w" for="ch" forName="centerShape" refType="w"/>
+      <dgm:constr type="w" for="ch" forName="node" refType="w" refFor="ch" refForName="centerShape" fact="0.95"/>
+      <dgm:constr type="h" for="ch" forName="parTrans" refType="w" refFor="ch" refForName="centerShape" fact="0.285"/>
+      <dgm:constr type="sp" refType="w" refFor="ch" refForName="centerShape" op="equ" fact="0.23"/>
+      <dgm:constr type="sibSp" refType="w" refFor="ch" refForName="node" fact="0.1"/>
+      <dgm:constr type="primFontSz" for="ch" forName="node" op="equ"/>
+    </dgm:constrLst>
+    <dgm:choose name="Name21">
+      <dgm:if name="Name22" axis="ch ch" ptType="node node" st="1 1" cnt="1 0" func="cnt" op="lte" val="5">
+        <dgm:ruleLst>
+          <dgm:rule type="w" for="ch" forName="centerShape" val="NaN" fact="0.27" max="NaN"/>
+        </dgm:ruleLst>
+      </dgm:if>
+      <dgm:else name="Name23">
+        <dgm:ruleLst>
+          <dgm:rule type="w" for="ch" forName="centerShape" val="NaN" fact="0.27" max="NaN"/>
+          <dgm:rule type="w" for="ch" forName="node" val="NaN" fact="0.7" max="NaN"/>
+        </dgm:ruleLst>
+      </dgm:else>
+    </dgm:choose>
+    <dgm:forEach name="Name24" axis="ch" ptType="node" cnt="1">
+      <dgm:layoutNode name="centerShape" styleLbl="node0">
+        <dgm:alg type="tx"/>
+        <dgm:shape xmlns:r="http://schemas.openxmlformats.org/officeDocument/2006/relationships" type="ellipse" r:blip="">
+          <dgm:adjLst/>
+        </dgm:shape>
+        <dgm:presOf axis="self"/>
+        <dgm:constrLst>
+          <dgm:constr type="tMarg" refType="primFontSz" fact="0.05"/>
+          <dgm:constr type="bMarg" refType="primFontSz" fact="0.05"/>
+          <dgm:constr type="lMarg" refType="primFontSz" fact="0.05"/>
+          <dgm:constr type="rMarg" refType="primFontSz" fact="0.05"/>
+          <dgm:constr type="primFontSz" val="65"/>
+          <dgm:constr type="h" refType="w"/>
+        </dgm:constrLst>
+        <dgm:ruleLst>
+          <dgm:rule type="primFontSz" val="5" fact="NaN" max="NaN"/>
+        </dgm:ruleLst>
+      </dgm:layoutNode>
+      <dgm:forEach name="Name25" axis="ch">
+        <dgm:forEach name="Name26" axis="self" ptType="parTrans">
+          <dgm:layoutNode name="parTrans" styleLbl="bgSibTrans2D1">
+            <dgm:alg type="conn">
+              <dgm:param type="begPts" val="auto"/>
+              <dgm:param type="endPts" val="ctr"/>
+              <dgm:param type="endSty" val="noArr"/>
+              <dgm:param type="begSty" val="arr"/>
+            </dgm:alg>
+            <dgm:shape xmlns:r="http://schemas.openxmlformats.org/officeDocument/2006/relationships" type="conn" r:blip="">
+              <dgm:adjLst/>
+            </dgm:shape>
+            <dgm:presOf axis="self"/>
+            <dgm:constrLst>
+              <dgm:constr type="begPad" refType="connDist" fact="0.055"/>
+              <dgm:constr type="endPad"/>
+            </dgm:constrLst>
+            <dgm:ruleLst/>
+          </dgm:layoutNode>
+        </dgm:forEach>
+        <dgm:forEach name="Name27" axis="self" ptType="node">
+          <dgm:layoutNode name="node" styleLbl="node1">
+            <dgm:varLst>
+              <dgm:bulletEnabled val="1"/>
+            </dgm:varLst>
+            <dgm:alg type="tx"/>
+            <dgm:shape xmlns:r="http://schemas.openxmlformats.org/officeDocument/2006/relationships" type="roundRect" r:blip="">
+              <dgm:adjLst>
+                <dgm:adj idx="1" val="0.1"/>
+              </dgm:adjLst>
+            </dgm:shape>
+            <dgm:presOf axis="desOrSelf" ptType="node"/>
+            <dgm:constrLst>
+              <dgm:constr type="primFontSz" val="65"/>
+              <dgm:constr type="h" refType="w" fact="0.8"/>
+              <dgm:constr type="tMarg" refType="primFontSz" fact="0.15"/>
+              <dgm:constr type="bMarg" refType="primFontSz" fact="0.15"/>
+              <dgm:constr type="lMarg" refType="primFontSz" fact="0.15"/>
+              <dgm:constr type="rMarg" refType="primFontSz" fact="0.15"/>
+            </dgm:constrLst>
+            <dgm:ruleLst>
+              <dgm:rule type="primFontSz" val="5" fact="NaN" max="NaN"/>
+            </dgm:ruleLst>
+          </dgm:layoutNode>
+        </dgm:forEach>
+      </dgm:forEach>
+    </dgm:forEach>
+  </dgm:layoutNode>
+</dgm:layoutDef>
+</file>
+
 <file path=ppt/diagrams/quickStyle1.xml><?xml version="1.0" encoding="utf-8"?>
 <dgm:styleDef xmlns:dgm="http://schemas.openxmlformats.org/drawingml/2006/diagram" xmlns:a="http://schemas.openxmlformats.org/drawingml/2006/main" uniqueId="urn:microsoft.com/office/officeart/2005/8/quickstyle/simple4">
   <dgm:title val=""/>
@@ -4625,6 +6638,1040 @@
 </file>
 
 <file path=ppt/diagrams/quickStyle2.xml><?xml version="1.0" encoding="utf-8"?>
+<dgm:styleDef xmlns:dgm="http://schemas.openxmlformats.org/drawingml/2006/diagram" xmlns:a="http://schemas.openxmlformats.org/drawingml/2006/main" uniqueId="urn:microsoft.com/office/officeart/2005/8/quickstyle/simple4">
+  <dgm:title val=""/>
+  <dgm:desc val=""/>
+  <dgm:catLst>
+    <dgm:cat type="simple" pri="10400"/>
+  </dgm:catLst>
+  <dgm:scene3d>
+    <a:camera prst="orthographicFront"/>
+    <a:lightRig rig="threePt" dir="t"/>
+  </dgm:scene3d>
+  <dgm:styleLbl name="node0">
+    <dgm:scene3d>
+      <a:camera prst="orthographicFront"/>
+      <a:lightRig rig="threePt" dir="t"/>
+    </dgm:scene3d>
+    <dgm:sp3d/>
+    <dgm:txPr/>
+    <dgm:style>
+      <a:lnRef idx="0">
+        <a:scrgbClr r="0" g="0" b="0"/>
+      </a:lnRef>
+      <a:fillRef idx="3">
+        <a:scrgbClr r="0" g="0" b="0"/>
+      </a:fillRef>
+      <a:effectRef idx="2">
+        <a:scrgbClr r="0" g="0" b="0"/>
+      </a:effectRef>
+      <a:fontRef idx="minor">
+        <a:schemeClr val="lt1"/>
+      </a:fontRef>
+    </dgm:style>
+  </dgm:styleLbl>
+  <dgm:styleLbl name="lnNode1">
+    <dgm:scene3d>
+      <a:camera prst="orthographicFront"/>
+      <a:lightRig rig="threePt" dir="t"/>
+    </dgm:scene3d>
+    <dgm:sp3d/>
+    <dgm:txPr/>
+    <dgm:style>
+      <a:lnRef idx="1">
+        <a:scrgbClr r="0" g="0" b="0"/>
+      </a:lnRef>
+      <a:fillRef idx="3">
+        <a:scrgbClr r="0" g="0" b="0"/>
+      </a:fillRef>
+      <a:effectRef idx="2">
+        <a:scrgbClr r="0" g="0" b="0"/>
+      </a:effectRef>
+      <a:fontRef idx="minor">
+        <a:schemeClr val="lt1"/>
+      </a:fontRef>
+    </dgm:style>
+  </dgm:styleLbl>
+  <dgm:styleLbl name="vennNode1">
+    <dgm:scene3d>
+      <a:camera prst="orthographicFront"/>
+      <a:lightRig rig="threePt" dir="t"/>
+    </dgm:scene3d>
+    <dgm:sp3d/>
+    <dgm:txPr/>
+    <dgm:style>
+      <a:lnRef idx="0">
+        <a:scrgbClr r="0" g="0" b="0"/>
+      </a:lnRef>
+      <a:fillRef idx="3">
+        <a:scrgbClr r="0" g="0" b="0"/>
+      </a:fillRef>
+      <a:effectRef idx="0">
+        <a:scrgbClr r="0" g="0" b="0"/>
+      </a:effectRef>
+      <a:fontRef idx="minor">
+        <a:schemeClr val="tx1"/>
+      </a:fontRef>
+    </dgm:style>
+  </dgm:styleLbl>
+  <dgm:styleLbl name="alignNode1">
+    <dgm:scene3d>
+      <a:camera prst="orthographicFront"/>
+      <a:lightRig rig="threePt" dir="t"/>
+    </dgm:scene3d>
+    <dgm:sp3d/>
+    <dgm:txPr/>
+    <dgm:style>
+      <a:lnRef idx="1">
+        <a:scrgbClr r="0" g="0" b="0"/>
+      </a:lnRef>
+      <a:fillRef idx="3">
+        <a:scrgbClr r="0" g="0" b="0"/>
+      </a:fillRef>
+      <a:effectRef idx="2">
+        <a:scrgbClr r="0" g="0" b="0"/>
+      </a:effectRef>
+      <a:fontRef idx="minor">
+        <a:schemeClr val="lt1"/>
+      </a:fontRef>
+    </dgm:style>
+  </dgm:styleLbl>
+  <dgm:styleLbl name="node1">
+    <dgm:scene3d>
+      <a:camera prst="orthographicFront"/>
+      <a:lightRig rig="threePt" dir="t"/>
+    </dgm:scene3d>
+    <dgm:sp3d/>
+    <dgm:txPr/>
+    <dgm:style>
+      <a:lnRef idx="0">
+        <a:scrgbClr r="0" g="0" b="0"/>
+      </a:lnRef>
+      <a:fillRef idx="3">
+        <a:scrgbClr r="0" g="0" b="0"/>
+      </a:fillRef>
+      <a:effectRef idx="2">
+        <a:scrgbClr r="0" g="0" b="0"/>
+      </a:effectRef>
+      <a:fontRef idx="minor">
+        <a:schemeClr val="lt1"/>
+      </a:fontRef>
+    </dgm:style>
+  </dgm:styleLbl>
+  <dgm:styleLbl name="node2">
+    <dgm:scene3d>
+      <a:camera prst="orthographicFront"/>
+      <a:lightRig rig="threePt" dir="t"/>
+    </dgm:scene3d>
+    <dgm:sp3d/>
+    <dgm:txPr/>
+    <dgm:style>
+      <a:lnRef idx="0">
+        <a:scrgbClr r="0" g="0" b="0"/>
+      </a:lnRef>
+      <a:fillRef idx="3">
+        <a:scrgbClr r="0" g="0" b="0"/>
+      </a:fillRef>
+      <a:effectRef idx="2">
+        <a:scrgbClr r="0" g="0" b="0"/>
+      </a:effectRef>
+      <a:fontRef idx="minor">
+        <a:schemeClr val="lt1"/>
+      </a:fontRef>
+    </dgm:style>
+  </dgm:styleLbl>
+  <dgm:styleLbl name="node3">
+    <dgm:scene3d>
+      <a:camera prst="orthographicFront"/>
+      <a:lightRig rig="threePt" dir="t"/>
+    </dgm:scene3d>
+    <dgm:sp3d/>
+    <dgm:txPr/>
+    <dgm:style>
+      <a:lnRef idx="0">
+        <a:scrgbClr r="0" g="0" b="0"/>
+      </a:lnRef>
+      <a:fillRef idx="3">
+        <a:scrgbClr r="0" g="0" b="0"/>
+      </a:fillRef>
+      <a:effectRef idx="2">
+        <a:scrgbClr r="0" g="0" b="0"/>
+      </a:effectRef>
+      <a:fontRef idx="minor">
+        <a:schemeClr val="lt1"/>
+      </a:fontRef>
+    </dgm:style>
+  </dgm:styleLbl>
+  <dgm:styleLbl name="node4">
+    <dgm:scene3d>
+      <a:camera prst="orthographicFront"/>
+      <a:lightRig rig="threePt" dir="t"/>
+    </dgm:scene3d>
+    <dgm:sp3d/>
+    <dgm:txPr/>
+    <dgm:style>
+      <a:lnRef idx="0">
+        <a:scrgbClr r="0" g="0" b="0"/>
+      </a:lnRef>
+      <a:fillRef idx="3">
+        <a:scrgbClr r="0" g="0" b="0"/>
+      </a:fillRef>
+      <a:effectRef idx="2">
+        <a:scrgbClr r="0" g="0" b="0"/>
+      </a:effectRef>
+      <a:fontRef idx="minor">
+        <a:schemeClr val="lt1"/>
+      </a:fontRef>
+    </dgm:style>
+  </dgm:styleLbl>
+  <dgm:styleLbl name="fgImgPlace1">
+    <dgm:scene3d>
+      <a:camera prst="orthographicFront"/>
+      <a:lightRig rig="threePt" dir="t"/>
+    </dgm:scene3d>
+    <dgm:sp3d/>
+    <dgm:txPr/>
+    <dgm:style>
+      <a:lnRef idx="0">
+        <a:scrgbClr r="0" g="0" b="0"/>
+      </a:lnRef>
+      <a:fillRef idx="1">
+        <a:scrgbClr r="0" g="0" b="0"/>
+      </a:fillRef>
+      <a:effectRef idx="2">
+        <a:scrgbClr r="0" g="0" b="0"/>
+      </a:effectRef>
+      <a:fontRef idx="minor"/>
+    </dgm:style>
+  </dgm:styleLbl>
+  <dgm:styleLbl name="alignImgPlace1">
+    <dgm:scene3d>
+      <a:camera prst="orthographicFront"/>
+      <a:lightRig rig="threePt" dir="t"/>
+    </dgm:scene3d>
+    <dgm:sp3d/>
+    <dgm:txPr/>
+    <dgm:style>
+      <a:lnRef idx="0">
+        <a:scrgbClr r="0" g="0" b="0"/>
+      </a:lnRef>
+      <a:fillRef idx="1">
+        <a:scrgbClr r="0" g="0" b="0"/>
+      </a:fillRef>
+      <a:effectRef idx="2">
+        <a:scrgbClr r="0" g="0" b="0"/>
+      </a:effectRef>
+      <a:fontRef idx="minor"/>
+    </dgm:style>
+  </dgm:styleLbl>
+  <dgm:styleLbl name="bgImgPlace1">
+    <dgm:scene3d>
+      <a:camera prst="orthographicFront"/>
+      <a:lightRig rig="threePt" dir="t"/>
+    </dgm:scene3d>
+    <dgm:sp3d/>
+    <dgm:txPr/>
+    <dgm:style>
+      <a:lnRef idx="0">
+        <a:scrgbClr r="0" g="0" b="0"/>
+      </a:lnRef>
+      <a:fillRef idx="1">
+        <a:scrgbClr r="0" g="0" b="0"/>
+      </a:fillRef>
+      <a:effectRef idx="2">
+        <a:scrgbClr r="0" g="0" b="0"/>
+      </a:effectRef>
+      <a:fontRef idx="minor"/>
+    </dgm:style>
+  </dgm:styleLbl>
+  <dgm:styleLbl name="sibTrans2D1">
+    <dgm:scene3d>
+      <a:camera prst="orthographicFront"/>
+      <a:lightRig rig="threePt" dir="t"/>
+    </dgm:scene3d>
+    <dgm:sp3d/>
+    <dgm:txPr/>
+    <dgm:style>
+      <a:lnRef idx="0">
+        <a:scrgbClr r="0" g="0" b="0"/>
+      </a:lnRef>
+      <a:fillRef idx="3">
+        <a:scrgbClr r="0" g="0" b="0"/>
+      </a:fillRef>
+      <a:effectRef idx="2">
+        <a:scrgbClr r="0" g="0" b="0"/>
+      </a:effectRef>
+      <a:fontRef idx="minor">
+        <a:schemeClr val="lt1"/>
+      </a:fontRef>
+    </dgm:style>
+  </dgm:styleLbl>
+  <dgm:styleLbl name="fgSibTrans2D1">
+    <dgm:scene3d>
+      <a:camera prst="orthographicFront"/>
+      <a:lightRig rig="threePt" dir="t"/>
+    </dgm:scene3d>
+    <dgm:sp3d/>
+    <dgm:txPr/>
+    <dgm:style>
+      <a:lnRef idx="0">
+        <a:scrgbClr r="0" g="0" b="0"/>
+      </a:lnRef>
+      <a:fillRef idx="3">
+        <a:scrgbClr r="0" g="0" b="0"/>
+      </a:fillRef>
+      <a:effectRef idx="2">
+        <a:scrgbClr r="0" g="0" b="0"/>
+      </a:effectRef>
+      <a:fontRef idx="minor">
+        <a:schemeClr val="lt1"/>
+      </a:fontRef>
+    </dgm:style>
+  </dgm:styleLbl>
+  <dgm:styleLbl name="bgSibTrans2D1">
+    <dgm:scene3d>
+      <a:camera prst="orthographicFront"/>
+      <a:lightRig rig="threePt" dir="t"/>
+    </dgm:scene3d>
+    <dgm:sp3d/>
+    <dgm:txPr/>
+    <dgm:style>
+      <a:lnRef idx="0">
+        <a:scrgbClr r="0" g="0" b="0"/>
+      </a:lnRef>
+      <a:fillRef idx="3">
+        <a:scrgbClr r="0" g="0" b="0"/>
+      </a:fillRef>
+      <a:effectRef idx="2">
+        <a:scrgbClr r="0" g="0" b="0"/>
+      </a:effectRef>
+      <a:fontRef idx="minor">
+        <a:schemeClr val="lt1"/>
+      </a:fontRef>
+    </dgm:style>
+  </dgm:styleLbl>
+  <dgm:styleLbl name="sibTrans1D1">
+    <dgm:scene3d>
+      <a:camera prst="orthographicFront"/>
+      <a:lightRig rig="threePt" dir="t"/>
+    </dgm:scene3d>
+    <dgm:sp3d/>
+    <dgm:txPr/>
+    <dgm:style>
+      <a:lnRef idx="1">
+        <a:scrgbClr r="0" g="0" b="0"/>
+      </a:lnRef>
+      <a:fillRef idx="0">
+        <a:scrgbClr r="0" g="0" b="0"/>
+      </a:fillRef>
+      <a:effectRef idx="0">
+        <a:scrgbClr r="0" g="0" b="0"/>
+      </a:effectRef>
+      <a:fontRef idx="minor"/>
+    </dgm:style>
+  </dgm:styleLbl>
+  <dgm:styleLbl name="callout">
+    <dgm:scene3d>
+      <a:camera prst="orthographicFront"/>
+      <a:lightRig rig="threePt" dir="t"/>
+    </dgm:scene3d>
+    <dgm:sp3d/>
+    <dgm:txPr/>
+    <dgm:style>
+      <a:lnRef idx="2">
+        <a:scrgbClr r="0" g="0" b="0"/>
+      </a:lnRef>
+      <a:fillRef idx="1">
+        <a:scrgbClr r="0" g="0" b="0"/>
+      </a:fillRef>
+      <a:effectRef idx="1">
+        <a:scrgbClr r="0" g="0" b="0"/>
+      </a:effectRef>
+      <a:fontRef idx="minor"/>
+    </dgm:style>
+  </dgm:styleLbl>
+  <dgm:styleLbl name="asst0">
+    <dgm:scene3d>
+      <a:camera prst="orthographicFront"/>
+      <a:lightRig rig="threePt" dir="t"/>
+    </dgm:scene3d>
+    <dgm:sp3d/>
+    <dgm:txPr/>
+    <dgm:style>
+      <a:lnRef idx="0">
+        <a:scrgbClr r="0" g="0" b="0"/>
+      </a:lnRef>
+      <a:fillRef idx="3">
+        <a:scrgbClr r="0" g="0" b="0"/>
+      </a:fillRef>
+      <a:effectRef idx="2">
+        <a:scrgbClr r="0" g="0" b="0"/>
+      </a:effectRef>
+      <a:fontRef idx="minor">
+        <a:schemeClr val="lt1"/>
+      </a:fontRef>
+    </dgm:style>
+  </dgm:styleLbl>
+  <dgm:styleLbl name="asst1">
+    <dgm:scene3d>
+      <a:camera prst="orthographicFront"/>
+      <a:lightRig rig="threePt" dir="t"/>
+    </dgm:scene3d>
+    <dgm:sp3d/>
+    <dgm:txPr/>
+    <dgm:style>
+      <a:lnRef idx="0">
+        <a:scrgbClr r="0" g="0" b="0"/>
+      </a:lnRef>
+      <a:fillRef idx="3">
+        <a:scrgbClr r="0" g="0" b="0"/>
+      </a:fillRef>
+      <a:effectRef idx="2">
+        <a:scrgbClr r="0" g="0" b="0"/>
+      </a:effectRef>
+      <a:fontRef idx="minor">
+        <a:schemeClr val="lt1"/>
+      </a:fontRef>
+    </dgm:style>
+  </dgm:styleLbl>
+  <dgm:styleLbl name="asst2">
+    <dgm:scene3d>
+      <a:camera prst="orthographicFront"/>
+      <a:lightRig rig="threePt" dir="t"/>
+    </dgm:scene3d>
+    <dgm:sp3d/>
+    <dgm:txPr/>
+    <dgm:style>
+      <a:lnRef idx="0">
+        <a:scrgbClr r="0" g="0" b="0"/>
+      </a:lnRef>
+      <a:fillRef idx="3">
+        <a:scrgbClr r="0" g="0" b="0"/>
+      </a:fillRef>
+      <a:effectRef idx="2">
+        <a:scrgbClr r="0" g="0" b="0"/>
+      </a:effectRef>
+      <a:fontRef idx="minor">
+        <a:schemeClr val="lt1"/>
+      </a:fontRef>
+    </dgm:style>
+  </dgm:styleLbl>
+  <dgm:styleLbl name="asst3">
+    <dgm:scene3d>
+      <a:camera prst="orthographicFront"/>
+      <a:lightRig rig="threePt" dir="t"/>
+    </dgm:scene3d>
+    <dgm:sp3d/>
+    <dgm:txPr/>
+    <dgm:style>
+      <a:lnRef idx="0">
+        <a:scrgbClr r="0" g="0" b="0"/>
+      </a:lnRef>
+      <a:fillRef idx="3">
+        <a:scrgbClr r="0" g="0" b="0"/>
+      </a:fillRef>
+      <a:effectRef idx="2">
+        <a:scrgbClr r="0" g="0" b="0"/>
+      </a:effectRef>
+      <a:fontRef idx="minor">
+        <a:schemeClr val="lt1"/>
+      </a:fontRef>
+    </dgm:style>
+  </dgm:styleLbl>
+  <dgm:styleLbl name="asst4">
+    <dgm:scene3d>
+      <a:camera prst="orthographicFront"/>
+      <a:lightRig rig="threePt" dir="t"/>
+    </dgm:scene3d>
+    <dgm:sp3d/>
+    <dgm:txPr/>
+    <dgm:style>
+      <a:lnRef idx="0">
+        <a:scrgbClr r="0" g="0" b="0"/>
+      </a:lnRef>
+      <a:fillRef idx="3">
+        <a:scrgbClr r="0" g="0" b="0"/>
+      </a:fillRef>
+      <a:effectRef idx="2">
+        <a:scrgbClr r="0" g="0" b="0"/>
+      </a:effectRef>
+      <a:fontRef idx="minor">
+        <a:schemeClr val="lt1"/>
+      </a:fontRef>
+    </dgm:style>
+  </dgm:styleLbl>
+  <dgm:styleLbl name="parChTrans2D1">
+    <dgm:scene3d>
+      <a:camera prst="orthographicFront"/>
+      <a:lightRig rig="threePt" dir="t"/>
+    </dgm:scene3d>
+    <dgm:sp3d/>
+    <dgm:txPr/>
+    <dgm:style>
+      <a:lnRef idx="0">
+        <a:scrgbClr r="0" g="0" b="0"/>
+      </a:lnRef>
+      <a:fillRef idx="3">
+        <a:scrgbClr r="0" g="0" b="0"/>
+      </a:fillRef>
+      <a:effectRef idx="2">
+        <a:scrgbClr r="0" g="0" b="0"/>
+      </a:effectRef>
+      <a:fontRef idx="minor">
+        <a:schemeClr val="lt1"/>
+      </a:fontRef>
+    </dgm:style>
+  </dgm:styleLbl>
+  <dgm:styleLbl name="parChTrans2D2">
+    <dgm:scene3d>
+      <a:camera prst="orthographicFront"/>
+      <a:lightRig rig="threePt" dir="t"/>
+    </dgm:scene3d>
+    <dgm:sp3d/>
+    <dgm:txPr/>
+    <dgm:style>
+      <a:lnRef idx="0">
+        <a:scrgbClr r="0" g="0" b="0"/>
+      </a:lnRef>
+      <a:fillRef idx="3">
+        <a:scrgbClr r="0" g="0" b="0"/>
+      </a:fillRef>
+      <a:effectRef idx="2">
+        <a:scrgbClr r="0" g="0" b="0"/>
+      </a:effectRef>
+      <a:fontRef idx="minor">
+        <a:schemeClr val="lt1"/>
+      </a:fontRef>
+    </dgm:style>
+  </dgm:styleLbl>
+  <dgm:styleLbl name="parChTrans2D3">
+    <dgm:scene3d>
+      <a:camera prst="orthographicFront"/>
+      <a:lightRig rig="threePt" dir="t"/>
+    </dgm:scene3d>
+    <dgm:sp3d/>
+    <dgm:txPr/>
+    <dgm:style>
+      <a:lnRef idx="1">
+        <a:scrgbClr r="0" g="0" b="0"/>
+      </a:lnRef>
+      <a:fillRef idx="3">
+        <a:scrgbClr r="0" g="0" b="0"/>
+      </a:fillRef>
+      <a:effectRef idx="2">
+        <a:scrgbClr r="0" g="0" b="0"/>
+      </a:effectRef>
+      <a:fontRef idx="minor">
+        <a:schemeClr val="lt1"/>
+      </a:fontRef>
+    </dgm:style>
+  </dgm:styleLbl>
+  <dgm:styleLbl name="parChTrans2D4">
+    <dgm:scene3d>
+      <a:camera prst="orthographicFront"/>
+      <a:lightRig rig="threePt" dir="t"/>
+    </dgm:scene3d>
+    <dgm:sp3d/>
+    <dgm:txPr/>
+    <dgm:style>
+      <a:lnRef idx="1">
+        <a:scrgbClr r="0" g="0" b="0"/>
+      </a:lnRef>
+      <a:fillRef idx="3">
+        <a:scrgbClr r="0" g="0" b="0"/>
+      </a:fillRef>
+      <a:effectRef idx="2">
+        <a:scrgbClr r="0" g="0" b="0"/>
+      </a:effectRef>
+      <a:fontRef idx="minor">
+        <a:schemeClr val="lt1"/>
+      </a:fontRef>
+    </dgm:style>
+  </dgm:styleLbl>
+  <dgm:styleLbl name="parChTrans1D1">
+    <dgm:scene3d>
+      <a:camera prst="orthographicFront"/>
+      <a:lightRig rig="threePt" dir="t"/>
+    </dgm:scene3d>
+    <dgm:sp3d/>
+    <dgm:txPr/>
+    <dgm:style>
+      <a:lnRef idx="1">
+        <a:scrgbClr r="0" g="0" b="0"/>
+      </a:lnRef>
+      <a:fillRef idx="0">
+        <a:scrgbClr r="0" g="0" b="0"/>
+      </a:fillRef>
+      <a:effectRef idx="0">
+        <a:scrgbClr r="0" g="0" b="0"/>
+      </a:effectRef>
+      <a:fontRef idx="minor"/>
+    </dgm:style>
+  </dgm:styleLbl>
+  <dgm:styleLbl name="parChTrans1D2">
+    <dgm:scene3d>
+      <a:camera prst="orthographicFront"/>
+      <a:lightRig rig="threePt" dir="t"/>
+    </dgm:scene3d>
+    <dgm:sp3d/>
+    <dgm:txPr/>
+    <dgm:style>
+      <a:lnRef idx="1">
+        <a:scrgbClr r="0" g="0" b="0"/>
+      </a:lnRef>
+      <a:fillRef idx="0">
+        <a:scrgbClr r="0" g="0" b="0"/>
+      </a:fillRef>
+      <a:effectRef idx="0">
+        <a:scrgbClr r="0" g="0" b="0"/>
+      </a:effectRef>
+      <a:fontRef idx="minor"/>
+    </dgm:style>
+  </dgm:styleLbl>
+  <dgm:styleLbl name="parChTrans1D3">
+    <dgm:scene3d>
+      <a:camera prst="orthographicFront"/>
+      <a:lightRig rig="threePt" dir="t"/>
+    </dgm:scene3d>
+    <dgm:sp3d/>
+    <dgm:txPr/>
+    <dgm:style>
+      <a:lnRef idx="1">
+        <a:scrgbClr r="0" g="0" b="0"/>
+      </a:lnRef>
+      <a:fillRef idx="0">
+        <a:scrgbClr r="0" g="0" b="0"/>
+      </a:fillRef>
+      <a:effectRef idx="0">
+        <a:scrgbClr r="0" g="0" b="0"/>
+      </a:effectRef>
+      <a:fontRef idx="minor"/>
+    </dgm:style>
+  </dgm:styleLbl>
+  <dgm:styleLbl name="parChTrans1D4">
+    <dgm:scene3d>
+      <a:camera prst="orthographicFront"/>
+      <a:lightRig rig="threePt" dir="t"/>
+    </dgm:scene3d>
+    <dgm:sp3d/>
+    <dgm:txPr/>
+    <dgm:style>
+      <a:lnRef idx="1">
+        <a:scrgbClr r="0" g="0" b="0"/>
+      </a:lnRef>
+      <a:fillRef idx="0">
+        <a:scrgbClr r="0" g="0" b="0"/>
+      </a:fillRef>
+      <a:effectRef idx="0">
+        <a:scrgbClr r="0" g="0" b="0"/>
+      </a:effectRef>
+      <a:fontRef idx="minor"/>
+    </dgm:style>
+  </dgm:styleLbl>
+  <dgm:styleLbl name="fgAcc1">
+    <dgm:scene3d>
+      <a:camera prst="orthographicFront"/>
+      <a:lightRig rig="threePt" dir="t"/>
+    </dgm:scene3d>
+    <dgm:sp3d/>
+    <dgm:txPr/>
+    <dgm:style>
+      <a:lnRef idx="1">
+        <a:scrgbClr r="0" g="0" b="0"/>
+      </a:lnRef>
+      <a:fillRef idx="1">
+        <a:scrgbClr r="0" g="0" b="0"/>
+      </a:fillRef>
+      <a:effectRef idx="0">
+        <a:scrgbClr r="0" g="0" b="0"/>
+      </a:effectRef>
+      <a:fontRef idx="minor"/>
+    </dgm:style>
+  </dgm:styleLbl>
+  <dgm:styleLbl name="conFgAcc1">
+    <dgm:scene3d>
+      <a:camera prst="orthographicFront"/>
+      <a:lightRig rig="threePt" dir="t"/>
+    </dgm:scene3d>
+    <dgm:sp3d/>
+    <dgm:txPr/>
+    <dgm:style>
+      <a:lnRef idx="1">
+        <a:scrgbClr r="0" g="0" b="0"/>
+      </a:lnRef>
+      <a:fillRef idx="1">
+        <a:scrgbClr r="0" g="0" b="0"/>
+      </a:fillRef>
+      <a:effectRef idx="0">
+        <a:scrgbClr r="0" g="0" b="0"/>
+      </a:effectRef>
+      <a:fontRef idx="minor"/>
+    </dgm:style>
+  </dgm:styleLbl>
+  <dgm:styleLbl name="alignAcc1">
+    <dgm:scene3d>
+      <a:camera prst="orthographicFront"/>
+      <a:lightRig rig="threePt" dir="t"/>
+    </dgm:scene3d>
+    <dgm:sp3d/>
+    <dgm:txPr/>
+    <dgm:style>
+      <a:lnRef idx="1">
+        <a:scrgbClr r="0" g="0" b="0"/>
+      </a:lnRef>
+      <a:fillRef idx="1">
+        <a:scrgbClr r="0" g="0" b="0"/>
+      </a:fillRef>
+      <a:effectRef idx="0">
+        <a:scrgbClr r="0" g="0" b="0"/>
+      </a:effectRef>
+      <a:fontRef idx="minor"/>
+    </dgm:style>
+  </dgm:styleLbl>
+  <dgm:styleLbl name="trAlignAcc1">
+    <dgm:scene3d>
+      <a:camera prst="orthographicFront"/>
+      <a:lightRig rig="threePt" dir="t"/>
+    </dgm:scene3d>
+    <dgm:sp3d/>
+    <dgm:txPr/>
+    <dgm:style>
+      <a:lnRef idx="1">
+        <a:scrgbClr r="0" g="0" b="0"/>
+      </a:lnRef>
+      <a:fillRef idx="1">
+        <a:scrgbClr r="0" g="0" b="0"/>
+      </a:fillRef>
+      <a:effectRef idx="0">
+        <a:scrgbClr r="0" g="0" b="0"/>
+      </a:effectRef>
+      <a:fontRef idx="minor"/>
+    </dgm:style>
+  </dgm:styleLbl>
+  <dgm:styleLbl name="bgAcc1">
+    <dgm:scene3d>
+      <a:camera prst="orthographicFront"/>
+      <a:lightRig rig="threePt" dir="t"/>
+    </dgm:scene3d>
+    <dgm:sp3d/>
+    <dgm:txPr/>
+    <dgm:style>
+      <a:lnRef idx="1">
+        <a:scrgbClr r="0" g="0" b="0"/>
+      </a:lnRef>
+      <a:fillRef idx="1">
+        <a:scrgbClr r="0" g="0" b="0"/>
+      </a:fillRef>
+      <a:effectRef idx="0">
+        <a:scrgbClr r="0" g="0" b="0"/>
+      </a:effectRef>
+      <a:fontRef idx="minor"/>
+    </dgm:style>
+  </dgm:styleLbl>
+  <dgm:styleLbl name="solidFgAcc1">
+    <dgm:scene3d>
+      <a:camera prst="orthographicFront"/>
+      <a:lightRig rig="threePt" dir="t"/>
+    </dgm:scene3d>
+    <dgm:sp3d/>
+    <dgm:txPr/>
+    <dgm:style>
+      <a:lnRef idx="1">
+        <a:scrgbClr r="0" g="0" b="0"/>
+      </a:lnRef>
+      <a:fillRef idx="1">
+        <a:scrgbClr r="0" g="0" b="0"/>
+      </a:fillRef>
+      <a:effectRef idx="0">
+        <a:scrgbClr r="0" g="0" b="0"/>
+      </a:effectRef>
+      <a:fontRef idx="minor"/>
+    </dgm:style>
+  </dgm:styleLbl>
+  <dgm:styleLbl name="solidAlignAcc1">
+    <dgm:scene3d>
+      <a:camera prst="orthographicFront"/>
+      <a:lightRig rig="threePt" dir="t"/>
+    </dgm:scene3d>
+    <dgm:sp3d/>
+    <dgm:txPr/>
+    <dgm:style>
+      <a:lnRef idx="1">
+        <a:scrgbClr r="0" g="0" b="0"/>
+      </a:lnRef>
+      <a:fillRef idx="1">
+        <a:scrgbClr r="0" g="0" b="0"/>
+      </a:fillRef>
+      <a:effectRef idx="0">
+        <a:scrgbClr r="0" g="0" b="0"/>
+      </a:effectRef>
+      <a:fontRef idx="minor"/>
+    </dgm:style>
+  </dgm:styleLbl>
+  <dgm:styleLbl name="solidBgAcc1">
+    <dgm:scene3d>
+      <a:camera prst="orthographicFront"/>
+      <a:lightRig rig="threePt" dir="t"/>
+    </dgm:scene3d>
+    <dgm:sp3d/>
+    <dgm:txPr/>
+    <dgm:style>
+      <a:lnRef idx="1">
+        <a:scrgbClr r="0" g="0" b="0"/>
+      </a:lnRef>
+      <a:fillRef idx="1">
+        <a:scrgbClr r="0" g="0" b="0"/>
+      </a:fillRef>
+      <a:effectRef idx="0">
+        <a:scrgbClr r="0" g="0" b="0"/>
+      </a:effectRef>
+      <a:fontRef idx="minor"/>
+    </dgm:style>
+  </dgm:styleLbl>
+  <dgm:styleLbl name="fgAccFollowNode1">
+    <dgm:scene3d>
+      <a:camera prst="orthographicFront"/>
+      <a:lightRig rig="threePt" dir="t"/>
+    </dgm:scene3d>
+    <dgm:sp3d/>
+    <dgm:txPr/>
+    <dgm:style>
+      <a:lnRef idx="1">
+        <a:scrgbClr r="0" g="0" b="0"/>
+      </a:lnRef>
+      <a:fillRef idx="1">
+        <a:scrgbClr r="0" g="0" b="0"/>
+      </a:fillRef>
+      <a:effectRef idx="0">
+        <a:scrgbClr r="0" g="0" b="0"/>
+      </a:effectRef>
+      <a:fontRef idx="minor"/>
+    </dgm:style>
+  </dgm:styleLbl>
+  <dgm:styleLbl name="alignAccFollowNode1">
+    <dgm:scene3d>
+      <a:camera prst="orthographicFront"/>
+      <a:lightRig rig="threePt" dir="t"/>
+    </dgm:scene3d>
+    <dgm:sp3d/>
+    <dgm:txPr/>
+    <dgm:style>
+      <a:lnRef idx="1">
+        <a:scrgbClr r="0" g="0" b="0"/>
+      </a:lnRef>
+      <a:fillRef idx="1">
+        <a:scrgbClr r="0" g="0" b="0"/>
+      </a:fillRef>
+      <a:effectRef idx="0">
+        <a:scrgbClr r="0" g="0" b="0"/>
+      </a:effectRef>
+      <a:fontRef idx="minor"/>
+    </dgm:style>
+  </dgm:styleLbl>
+  <dgm:styleLbl name="bgAccFollowNode1">
+    <dgm:scene3d>
+      <a:camera prst="orthographicFront"/>
+      <a:lightRig rig="threePt" dir="t"/>
+    </dgm:scene3d>
+    <dgm:sp3d/>
+    <dgm:txPr/>
+    <dgm:style>
+      <a:lnRef idx="1">
+        <a:scrgbClr r="0" g="0" b="0"/>
+      </a:lnRef>
+      <a:fillRef idx="1">
+        <a:scrgbClr r="0" g="0" b="0"/>
+      </a:fillRef>
+      <a:effectRef idx="0">
+        <a:scrgbClr r="0" g="0" b="0"/>
+      </a:effectRef>
+      <a:fontRef idx="minor"/>
+    </dgm:style>
+  </dgm:styleLbl>
+  <dgm:styleLbl name="fgAcc0">
+    <dgm:scene3d>
+      <a:camera prst="orthographicFront"/>
+      <a:lightRig rig="threePt" dir="t"/>
+    </dgm:scene3d>
+    <dgm:sp3d/>
+    <dgm:txPr/>
+    <dgm:style>
+      <a:lnRef idx="1">
+        <a:scrgbClr r="0" g="0" b="0"/>
+      </a:lnRef>
+      <a:fillRef idx="1">
+        <a:scrgbClr r="0" g="0" b="0"/>
+      </a:fillRef>
+      <a:effectRef idx="0">
+        <a:scrgbClr r="0" g="0" b="0"/>
+      </a:effectRef>
+      <a:fontRef idx="minor"/>
+    </dgm:style>
+  </dgm:styleLbl>
+  <dgm:styleLbl name="fgAcc2">
+    <dgm:scene3d>
+      <a:camera prst="orthographicFront"/>
+      <a:lightRig rig="threePt" dir="t"/>
+    </dgm:scene3d>
+    <dgm:sp3d/>
+    <dgm:txPr/>
+    <dgm:style>
+      <a:lnRef idx="1">
+        <a:scrgbClr r="0" g="0" b="0"/>
+      </a:lnRef>
+      <a:fillRef idx="1">
+        <a:scrgbClr r="0" g="0" b="0"/>
+      </a:fillRef>
+      <a:effectRef idx="0">
+        <a:scrgbClr r="0" g="0" b="0"/>
+      </a:effectRef>
+      <a:fontRef idx="minor"/>
+    </dgm:style>
+  </dgm:styleLbl>
+  <dgm:styleLbl name="fgAcc3">
+    <dgm:scene3d>
+      <a:camera prst="orthographicFront"/>
+      <a:lightRig rig="threePt" dir="t"/>
+    </dgm:scene3d>
+    <dgm:sp3d/>
+    <dgm:txPr/>
+    <dgm:style>
+      <a:lnRef idx="1">
+        <a:scrgbClr r="0" g="0" b="0"/>
+      </a:lnRef>
+      <a:fillRef idx="1">
+        <a:scrgbClr r="0" g="0" b="0"/>
+      </a:fillRef>
+      <a:effectRef idx="0">
+        <a:scrgbClr r="0" g="0" b="0"/>
+      </a:effectRef>
+      <a:fontRef idx="minor"/>
+    </dgm:style>
+  </dgm:styleLbl>
+  <dgm:styleLbl name="fgAcc4">
+    <dgm:scene3d>
+      <a:camera prst="orthographicFront"/>
+      <a:lightRig rig="threePt" dir="t"/>
+    </dgm:scene3d>
+    <dgm:sp3d/>
+    <dgm:txPr/>
+    <dgm:style>
+      <a:lnRef idx="1">
+        <a:scrgbClr r="0" g="0" b="0"/>
+      </a:lnRef>
+      <a:fillRef idx="1">
+        <a:scrgbClr r="0" g="0" b="0"/>
+      </a:fillRef>
+      <a:effectRef idx="0">
+        <a:scrgbClr r="0" g="0" b="0"/>
+      </a:effectRef>
+      <a:fontRef idx="minor"/>
+    </dgm:style>
+  </dgm:styleLbl>
+  <dgm:styleLbl name="bgShp">
+    <dgm:scene3d>
+      <a:camera prst="orthographicFront"/>
+      <a:lightRig rig="threePt" dir="t"/>
+    </dgm:scene3d>
+    <dgm:sp3d/>
+    <dgm:txPr/>
+    <dgm:style>
+      <a:lnRef idx="0">
+        <a:scrgbClr r="0" g="0" b="0"/>
+      </a:lnRef>
+      <a:fillRef idx="1">
+        <a:scrgbClr r="0" g="0" b="0"/>
+      </a:fillRef>
+      <a:effectRef idx="2">
+        <a:scrgbClr r="0" g="0" b="0"/>
+      </a:effectRef>
+      <a:fontRef idx="minor"/>
+    </dgm:style>
+  </dgm:styleLbl>
+  <dgm:styleLbl name="dkBgShp">
+    <dgm:scene3d>
+      <a:camera prst="orthographicFront"/>
+      <a:lightRig rig="threePt" dir="t"/>
+    </dgm:scene3d>
+    <dgm:sp3d/>
+    <dgm:txPr/>
+    <dgm:style>
+      <a:lnRef idx="0">
+        <a:scrgbClr r="0" g="0" b="0"/>
+      </a:lnRef>
+      <a:fillRef idx="1">
+        <a:scrgbClr r="0" g="0" b="0"/>
+      </a:fillRef>
+      <a:effectRef idx="2">
+        <a:scrgbClr r="0" g="0" b="0"/>
+      </a:effectRef>
+      <a:fontRef idx="minor"/>
+    </dgm:style>
+  </dgm:styleLbl>
+  <dgm:styleLbl name="trBgShp">
+    <dgm:scene3d>
+      <a:camera prst="orthographicFront"/>
+      <a:lightRig rig="threePt" dir="t"/>
+    </dgm:scene3d>
+    <dgm:sp3d/>
+    <dgm:txPr/>
+    <dgm:style>
+      <a:lnRef idx="0">
+        <a:scrgbClr r="0" g="0" b="0"/>
+      </a:lnRef>
+      <a:fillRef idx="1">
+        <a:scrgbClr r="0" g="0" b="0"/>
+      </a:fillRef>
+      <a:effectRef idx="0">
+        <a:scrgbClr r="0" g="0" b="0"/>
+      </a:effectRef>
+      <a:fontRef idx="minor"/>
+    </dgm:style>
+  </dgm:styleLbl>
+  <dgm:styleLbl name="fgShp">
+    <dgm:scene3d>
+      <a:camera prst="orthographicFront"/>
+      <a:lightRig rig="threePt" dir="t"/>
+    </dgm:scene3d>
+    <dgm:sp3d/>
+    <dgm:txPr/>
+    <dgm:style>
+      <a:lnRef idx="0">
+        <a:scrgbClr r="0" g="0" b="0"/>
+      </a:lnRef>
+      <a:fillRef idx="3">
+        <a:scrgbClr r="0" g="0" b="0"/>
+      </a:fillRef>
+      <a:effectRef idx="2">
+        <a:scrgbClr r="0" g="0" b="0"/>
+      </a:effectRef>
+      <a:fontRef idx="minor"/>
+    </dgm:style>
+  </dgm:styleLbl>
+  <dgm:styleLbl name="revTx">
+    <dgm:scene3d>
+      <a:camera prst="orthographicFront"/>
+      <a:lightRig rig="threePt" dir="t"/>
+    </dgm:scene3d>
+    <dgm:sp3d/>
+    <dgm:txPr/>
+    <dgm:style>
+      <a:lnRef idx="0">
+        <a:scrgbClr r="0" g="0" b="0"/>
+      </a:lnRef>
+      <a:fillRef idx="0">
+        <a:scrgbClr r="0" g="0" b="0"/>
+      </a:fillRef>
+      <a:effectRef idx="0">
+        <a:scrgbClr r="0" g="0" b="0"/>
+      </a:effectRef>
+      <a:fontRef idx="minor"/>
+    </dgm:style>
+  </dgm:styleLbl>
+</dgm:styleDef>
+</file>
+
+<file path=ppt/diagrams/quickStyle3.xml><?xml version="1.0" encoding="utf-8"?>
 <dgm:styleDef xmlns:dgm="http://schemas.openxmlformats.org/drawingml/2006/diagram" xmlns:a="http://schemas.openxmlformats.org/drawingml/2006/main" uniqueId="urn:microsoft.com/office/officeart/2005/8/quickstyle/simple4">
   <dgm:title val=""/>
   <dgm:desc val=""/>
@@ -7659,7 +10706,7 @@
             <a:fld id="{EC87E0CF-87F6-4B58-B8B8-DCAB2DAAF3CA}" type="slidenum">
               <a:rPr lang="en-US" smtClean="0"/>
               <a:pPr/>
-              <a:t>14</a:t>
+              <a:t>15</a:t>
             </a:fld>
             <a:endParaRPr lang="en-US" dirty="0"/>
           </a:p>
@@ -8949,7 +11996,12 @@
             <p:ph type="title"/>
           </p:nvPr>
         </p:nvSpPr>
-        <p:spPr/>
+        <p:spPr>
+          <a:xfrm>
+            <a:off x="381000" y="230188"/>
+            <a:ext cx="8382000" cy="912812"/>
+          </a:xfrm>
+        </p:spPr>
         <p:txBody>
           <a:bodyPr/>
           <a:lstStyle/>
@@ -8974,8 +12026,8 @@
         </p:nvSpPr>
         <p:spPr>
           <a:xfrm>
-            <a:off x="381000" y="1411552"/>
-            <a:ext cx="8382000" cy="2210862"/>
+            <a:off x="381000" y="1676400"/>
+            <a:ext cx="8382000" cy="4495800"/>
           </a:xfrm>
         </p:spPr>
         <p:txBody>
@@ -9227,7 +12279,12 @@
             <p:ph type="title"/>
           </p:nvPr>
         </p:nvSpPr>
-        <p:spPr/>
+        <p:spPr>
+          <a:xfrm>
+            <a:off x="381000" y="230188"/>
+            <a:ext cx="8382000" cy="1065212"/>
+          </a:xfrm>
+        </p:spPr>
         <p:txBody>
           <a:bodyPr/>
           <a:lstStyle/>
@@ -9252,8 +12309,8 @@
         </p:nvSpPr>
         <p:spPr>
           <a:xfrm>
-            <a:off x="381000" y="1411553"/>
-            <a:ext cx="4114800" cy="2129814"/>
+            <a:off x="381000" y="1676400"/>
+            <a:ext cx="4114800" cy="4191000"/>
           </a:xfrm>
         </p:spPr>
         <p:txBody>
@@ -9352,8 +12409,8 @@
         </p:nvSpPr>
         <p:spPr>
           <a:xfrm>
-            <a:off x="4648200" y="1411553"/>
-            <a:ext cx="4114800" cy="2129814"/>
+            <a:off x="4648200" y="1676400"/>
+            <a:ext cx="4114800" cy="4191000"/>
           </a:xfrm>
         </p:spPr>
         <p:txBody>
@@ -10861,7 +13918,7 @@
           <a:p>
             <a:r>
               <a:rPr lang="en-US" dirty="0" smtClean="0"/>
-              <a:t>ABMs as Algebraic Structures</a:t>
+              <a:t>ABM Interactions as Algebraic Structures</a:t>
             </a:r>
             <a:endParaRPr lang="en-US" dirty="0"/>
           </a:p>
@@ -10880,7 +13937,7 @@
         <p:spPr>
           <a:xfrm>
             <a:off x="730249" y="4344988"/>
-            <a:ext cx="7681913" cy="1370012"/>
+            <a:ext cx="7681913" cy="1827212"/>
           </a:xfrm>
         </p:spPr>
         <p:txBody>
@@ -10893,6 +13950,27 @@
               <a:rPr lang="en-US" dirty="0" smtClean="0"/>
               <a:t>Dr. Gene Callahan</a:t>
             </a:r>
+          </a:p>
+          <a:p>
+            <a:r>
+              <a:rPr lang="en-US" dirty="0" smtClean="0"/>
+              <a:t>St. Joseph’s </a:t>
+            </a:r>
+            <a:r>
+              <a:rPr lang="en-US" dirty="0" smtClean="0"/>
+              <a:t>College</a:t>
+            </a:r>
+          </a:p>
+          <a:p>
+            <a:r>
+              <a:rPr lang="en-US" dirty="0" smtClean="0"/>
+              <a:t>Dr. David </a:t>
+            </a:r>
+            <a:r>
+              <a:rPr lang="en-US" dirty="0" err="1" smtClean="0"/>
+              <a:t>Seppala-Holtzman</a:t>
+            </a:r>
+            <a:endParaRPr lang="en-US" dirty="0" smtClean="0"/>
           </a:p>
           <a:p>
             <a:r>
@@ -10922,229 +14000,6 @@
 </file>
 
 <file path=ppt/slides/slide10.xml><?xml version="1.0" encoding="utf-8"?>
-<p:sld xmlns:a="http://schemas.openxmlformats.org/drawingml/2006/main" xmlns:r="http://schemas.openxmlformats.org/officeDocument/2006/relationships" xmlns:p="http://schemas.openxmlformats.org/presentationml/2006/main">
-  <p:cSld>
-    <p:spTree>
-      <p:nvGrpSpPr>
-        <p:cNvPr id="1" name=""/>
-        <p:cNvGrpSpPr/>
-        <p:nvPr/>
-      </p:nvGrpSpPr>
-      <p:grpSpPr>
-        <a:xfrm>
-          <a:off x="0" y="0"/>
-          <a:ext cx="0" cy="0"/>
-          <a:chOff x="0" y="0"/>
-          <a:chExt cx="0" cy="0"/>
-        </a:xfrm>
-      </p:grpSpPr>
-      <p:sp>
-        <p:nvSpPr>
-          <p:cNvPr id="2" name="Title 1"/>
-          <p:cNvSpPr>
-            <a:spLocks noGrp="1"/>
-          </p:cNvSpPr>
-          <p:nvPr>
-            <p:ph type="title"/>
-          </p:nvPr>
-        </p:nvSpPr>
-        <p:spPr>
-          <a:xfrm>
-            <a:off x="381000" y="230188"/>
-            <a:ext cx="8382000" cy="677108"/>
-          </a:xfrm>
-        </p:spPr>
-        <p:txBody>
-          <a:bodyPr/>
-          <a:lstStyle/>
-          <a:p>
-            <a:r>
-              <a:rPr lang="en-US" dirty="0" smtClean="0"/>
-              <a:t>How to Do Generic Programming</a:t>
-            </a:r>
-            <a:endParaRPr lang="en-US" dirty="0"/>
-          </a:p>
-        </p:txBody>
-      </p:sp>
-      <p:sp>
-        <p:nvSpPr>
-          <p:cNvPr id="3" name="Text Placeholder 2"/>
-          <p:cNvSpPr>
-            <a:spLocks noGrp="1"/>
-          </p:cNvSpPr>
-          <p:nvPr>
-            <p:ph type="body" sz="quarter" idx="10"/>
-          </p:nvPr>
-        </p:nvSpPr>
-        <p:spPr>
-          <a:xfrm>
-            <a:off x="381000" y="1125149"/>
-            <a:ext cx="8382000" cy="5580451"/>
-          </a:xfrm>
-        </p:spPr>
-        <p:txBody>
-          <a:bodyPr/>
-          <a:lstStyle/>
-          <a:p>
-            <a:r>
-              <a:rPr lang="en-US" dirty="0"/>
-              <a:t>In </a:t>
-            </a:r>
-            <a:r>
-              <a:rPr lang="en-US" dirty="0" smtClean="0"/>
-              <a:t>math, the process </a:t>
-            </a:r>
-            <a:r>
-              <a:rPr lang="en-US" dirty="0"/>
-              <a:t>of generalization </a:t>
-            </a:r>
-            <a:r>
-              <a:rPr lang="en-US" dirty="0" smtClean="0"/>
-              <a:t>was</a:t>
-            </a:r>
-            <a:r>
-              <a:rPr lang="en-US" dirty="0"/>
-              <a:t>:</a:t>
-            </a:r>
-          </a:p>
-          <a:p>
-            <a:pPr lvl="1"/>
-            <a:r>
-              <a:rPr lang="en-US" dirty="0"/>
-              <a:t>Common measures</a:t>
-            </a:r>
-          </a:p>
-          <a:p>
-            <a:pPr lvl="1"/>
-            <a:r>
-              <a:rPr lang="en-US" dirty="0"/>
-              <a:t>Natural numbers </a:t>
-            </a:r>
-          </a:p>
-          <a:p>
-            <a:pPr lvl="1"/>
-            <a:r>
-              <a:rPr lang="en-US" dirty="0"/>
-              <a:t>Integers</a:t>
-            </a:r>
-          </a:p>
-          <a:p>
-            <a:pPr lvl="1"/>
-            <a:r>
-              <a:rPr lang="en-US" dirty="0"/>
-              <a:t>Rational numbers</a:t>
-            </a:r>
-          </a:p>
-          <a:p>
-            <a:pPr lvl="1"/>
-            <a:r>
-              <a:rPr lang="en-US" dirty="0"/>
-              <a:t>Polynomials</a:t>
-            </a:r>
-          </a:p>
-          <a:p>
-            <a:pPr lvl="1"/>
-            <a:r>
-              <a:rPr lang="en-US" dirty="0"/>
-              <a:t>Real </a:t>
-            </a:r>
-            <a:r>
-              <a:rPr lang="en-US" dirty="0" smtClean="0"/>
-              <a:t>numbers</a:t>
-            </a:r>
-          </a:p>
-          <a:p>
-            <a:pPr lvl="1"/>
-            <a:r>
-              <a:rPr lang="en-US" dirty="0" smtClean="0"/>
-              <a:t>Complex </a:t>
-            </a:r>
-            <a:r>
-              <a:rPr lang="en-US" dirty="0"/>
-              <a:t>numbers</a:t>
-            </a:r>
-          </a:p>
-          <a:p>
-            <a:pPr lvl="1"/>
-            <a:r>
-              <a:rPr lang="en-US" dirty="0" smtClean="0"/>
-              <a:t>Groups</a:t>
-            </a:r>
-          </a:p>
-          <a:p>
-            <a:pPr lvl="1"/>
-            <a:r>
-              <a:rPr lang="en-US" dirty="0" smtClean="0"/>
-              <a:t>Rings</a:t>
-            </a:r>
-            <a:endParaRPr lang="en-US" dirty="0"/>
-          </a:p>
-          <a:p>
-            <a:pPr lvl="1"/>
-            <a:r>
-              <a:rPr lang="en-US" dirty="0"/>
-              <a:t>Fields</a:t>
-            </a:r>
-          </a:p>
-          <a:p>
-            <a:endParaRPr lang="en-US" dirty="0"/>
-          </a:p>
-        </p:txBody>
-      </p:sp>
-      <p:pic>
-        <p:nvPicPr>
-          <p:cNvPr id="4" name="Picture 3" descr="Stonehenge.jpg"/>
-          <p:cNvPicPr>
-            <a:picLocks noChangeAspect="1"/>
-          </p:cNvPicPr>
-          <p:nvPr/>
-        </p:nvPicPr>
-        <p:blipFill>
-          <a:blip r:embed="rId2">
-            <a:extLst>
-              <a:ext uri="{28A0092B-C50C-407E-A947-70E740481C1C}">
-                <a14:useLocalDpi xmlns:a14="http://schemas.microsoft.com/office/drawing/2010/main" val="0"/>
-              </a:ext>
-            </a:extLst>
-          </a:blip>
-          <a:stretch>
-            <a:fillRect/>
-          </a:stretch>
-        </p:blipFill>
-        <p:spPr>
-          <a:xfrm>
-            <a:off x="4521200" y="3048000"/>
-            <a:ext cx="4140200" cy="3105150"/>
-          </a:xfrm>
-          <a:prstGeom prst="rect">
-            <a:avLst/>
-          </a:prstGeom>
-        </p:spPr>
-      </p:pic>
-    </p:spTree>
-    <p:extLst>
-      <p:ext uri="{BB962C8B-B14F-4D97-AF65-F5344CB8AC3E}">
-        <p14:creationId xmlns:p14="http://schemas.microsoft.com/office/powerpoint/2010/main" val="2427681662"/>
-      </p:ext>
-    </p:extLst>
-  </p:cSld>
-  <p:clrMapOvr>
-    <a:masterClrMapping/>
-  </p:clrMapOvr>
-  <p:transition>
-    <p:fade/>
-  </p:transition>
-  <p:timing>
-    <p:tnLst>
-      <p:par>
-        <p:cTn id="1" dur="indefinite" restart="never" nodeType="tmRoot"/>
-      </p:par>
-    </p:tnLst>
-  </p:timing>
-</p:sld>
-</file>
-
-<file path=ppt/slides/slide11.xml><?xml version="1.0" encoding="utf-8"?>
 <p:sld xmlns:a="http://schemas.openxmlformats.org/drawingml/2006/main" xmlns:r="http://schemas.openxmlformats.org/officeDocument/2006/relationships" xmlns:p="http://schemas.openxmlformats.org/presentationml/2006/main">
   <p:cSld>
     <p:spTree>
@@ -11400,7 +14255,7 @@
 </p:sld>
 </file>
 
-<file path=ppt/slides/slide12.xml><?xml version="1.0" encoding="utf-8"?>
+<file path=ppt/slides/slide11.xml><?xml version="1.0" encoding="utf-8"?>
 <p:sld xmlns:a="http://schemas.openxmlformats.org/drawingml/2006/main" xmlns:r="http://schemas.openxmlformats.org/officeDocument/2006/relationships" xmlns:p="http://schemas.openxmlformats.org/presentationml/2006/main">
   <p:cSld>
     <p:spTree>
@@ -11568,7 +14423,295 @@
 </p:sld>
 </file>
 
+<file path=ppt/slides/slide12.xml><?xml version="1.0" encoding="utf-8"?>
+<p:sld xmlns:a="http://schemas.openxmlformats.org/drawingml/2006/main" xmlns:r="http://schemas.openxmlformats.org/officeDocument/2006/relationships" xmlns:p="http://schemas.openxmlformats.org/presentationml/2006/main">
+  <p:cSld>
+    <p:spTree>
+      <p:nvGrpSpPr>
+        <p:cNvPr id="1" name=""/>
+        <p:cNvGrpSpPr/>
+        <p:nvPr/>
+      </p:nvGrpSpPr>
+      <p:grpSpPr>
+        <a:xfrm>
+          <a:off x="0" y="0"/>
+          <a:ext cx="0" cy="0"/>
+          <a:chOff x="0" y="0"/>
+          <a:chExt cx="0" cy="0"/>
+        </a:xfrm>
+      </p:grpSpPr>
+      <p:sp>
+        <p:nvSpPr>
+          <p:cNvPr id="2" name="Title 1"/>
+          <p:cNvSpPr>
+            <a:spLocks noGrp="1"/>
+          </p:cNvSpPr>
+          <p:nvPr>
+            <p:ph type="title"/>
+          </p:nvPr>
+        </p:nvSpPr>
+        <p:spPr>
+          <a:xfrm>
+            <a:off x="381000" y="230188"/>
+            <a:ext cx="8382000" cy="664797"/>
+          </a:xfrm>
+        </p:spPr>
+        <p:txBody>
+          <a:bodyPr/>
+          <a:lstStyle/>
+          <a:p>
+            <a:r>
+              <a:rPr lang="en-US" dirty="0" smtClean="0"/>
+              <a:t>An Algebraic Module</a:t>
+            </a:r>
+            <a:endParaRPr lang="en-US" dirty="0"/>
+          </a:p>
+        </p:txBody>
+      </p:sp>
+      <p:sp>
+        <p:nvSpPr>
+          <p:cNvPr id="3" name="Content Placeholder 2"/>
+          <p:cNvSpPr>
+            <a:spLocks noGrp="1"/>
+          </p:cNvSpPr>
+          <p:nvPr>
+            <p:ph type="body" sz="quarter" idx="10"/>
+          </p:nvPr>
+        </p:nvSpPr>
+        <p:spPr>
+          <a:xfrm>
+            <a:off x="381000" y="1676400"/>
+            <a:ext cx="8382000" cy="4505849"/>
+          </a:xfrm>
+        </p:spPr>
+        <p:txBody>
+          <a:bodyPr/>
+          <a:lstStyle/>
+          <a:p>
+            <a:r>
+              <a:rPr lang="en-US" sz="2800" dirty="0"/>
+              <a:t>To be a module an algebraic structure must contain a primary set that is an Abelian group, G, satisfying four group axioms: closure, associativity, identity and </a:t>
+            </a:r>
+            <a:r>
+              <a:rPr lang="en-US" sz="2800" dirty="0" err="1"/>
+              <a:t>invertibility</a:t>
+            </a:r>
+            <a:r>
+              <a:rPr lang="en-US" sz="2800" dirty="0"/>
+              <a:t>. There is an operator </a:t>
+            </a:r>
+            <a:r>
+              <a:rPr lang="en-US" sz="2800" dirty="0">
+                <a:sym typeface="Symbol" charset="2"/>
+              </a:rPr>
+              <a:t></a:t>
+            </a:r>
+            <a:r>
+              <a:rPr lang="en-US" sz="2800" dirty="0"/>
+              <a:t> which takes two elements of the group and yields an element, and its operation satisfies these axioms.</a:t>
+            </a:r>
+          </a:p>
+          <a:p>
+            <a:r>
+              <a:rPr lang="en-US" sz="2800" dirty="0"/>
+              <a:t>In addition, a module contains a secondary set, R, a ring of coefficients, with a second operation, </a:t>
+            </a:r>
+            <a:r>
+              <a:rPr lang="en-US" sz="2800" dirty="0">
+                <a:sym typeface="Symbol" charset="2"/>
+              </a:rPr>
+              <a:t></a:t>
+            </a:r>
+            <a:r>
+              <a:rPr lang="en-US" sz="2800" dirty="0"/>
+              <a:t>, which takes an element of R and an element of G and produces and element of G.</a:t>
+            </a:r>
+          </a:p>
+          <a:p>
+            <a:endParaRPr lang="en-US" dirty="0"/>
+          </a:p>
+        </p:txBody>
+      </p:sp>
+    </p:spTree>
+    <p:extLst>
+      <p:ext uri="{BB962C8B-B14F-4D97-AF65-F5344CB8AC3E}">
+        <p14:creationId xmlns:p14="http://schemas.microsoft.com/office/powerpoint/2010/main" val="1957043964"/>
+      </p:ext>
+    </p:extLst>
+  </p:cSld>
+  <p:clrMapOvr>
+    <a:masterClrMapping/>
+  </p:clrMapOvr>
+  <p:transition>
+    <p:fade/>
+  </p:transition>
+</p:sld>
+</file>
+
 <file path=ppt/slides/slide13.xml><?xml version="1.0" encoding="utf-8"?>
+<p:sld xmlns:a="http://schemas.openxmlformats.org/drawingml/2006/main" xmlns:r="http://schemas.openxmlformats.org/officeDocument/2006/relationships" xmlns:p="http://schemas.openxmlformats.org/presentationml/2006/main">
+  <p:cSld>
+    <p:spTree>
+      <p:nvGrpSpPr>
+        <p:cNvPr id="1" name=""/>
+        <p:cNvGrpSpPr/>
+        <p:nvPr/>
+      </p:nvGrpSpPr>
+      <p:grpSpPr>
+        <a:xfrm>
+          <a:off x="0" y="0"/>
+          <a:ext cx="0" cy="0"/>
+          <a:chOff x="0" y="0"/>
+          <a:chExt cx="0" cy="0"/>
+        </a:xfrm>
+      </p:grpSpPr>
+      <p:sp>
+        <p:nvSpPr>
+          <p:cNvPr id="2" name="Title 1"/>
+          <p:cNvSpPr>
+            <a:spLocks noGrp="1"/>
+          </p:cNvSpPr>
+          <p:nvPr>
+            <p:ph type="title"/>
+          </p:nvPr>
+        </p:nvSpPr>
+        <p:spPr>
+          <a:xfrm>
+            <a:off x="381000" y="230188"/>
+            <a:ext cx="8382000" cy="664797"/>
+          </a:xfrm>
+        </p:spPr>
+        <p:txBody>
+          <a:bodyPr/>
+          <a:lstStyle/>
+          <a:p>
+            <a:r>
+              <a:rPr lang="en-US" dirty="0" smtClean="0">
+                <a:effectLst/>
+              </a:rPr>
+              <a:t>ABM </a:t>
+            </a:r>
+            <a:r>
+              <a:rPr lang="en-US" dirty="0">
+                <a:effectLst/>
+              </a:rPr>
+              <a:t>Interaction as a </a:t>
+            </a:r>
+            <a:r>
+              <a:rPr lang="en-US" dirty="0" smtClean="0">
+                <a:effectLst/>
+              </a:rPr>
+              <a:t>Module</a:t>
+            </a:r>
+            <a:endParaRPr lang="en-US" dirty="0"/>
+          </a:p>
+        </p:txBody>
+      </p:sp>
+      <p:sp>
+        <p:nvSpPr>
+          <p:cNvPr id="3" name="Content Placeholder 2"/>
+          <p:cNvSpPr>
+            <a:spLocks noGrp="1"/>
+          </p:cNvSpPr>
+          <p:nvPr>
+            <p:ph sz="half" idx="1"/>
+          </p:nvPr>
+        </p:nvSpPr>
+        <p:spPr>
+          <a:xfrm>
+            <a:off x="381000" y="1752600"/>
+            <a:ext cx="3657600" cy="4038600"/>
+          </a:xfrm>
+        </p:spPr>
+        <p:txBody>
+          <a:bodyPr/>
+          <a:lstStyle/>
+          <a:p>
+            <a:r>
+              <a:rPr lang="en-US" dirty="0"/>
+              <a:t>Elements: Following </a:t>
+            </a:r>
+            <a:r>
+              <a:rPr lang="en-US" dirty="0" smtClean="0"/>
+              <a:t>Whitehead, </a:t>
+            </a:r>
+            <a:r>
+              <a:rPr lang="en-US" dirty="0"/>
+              <a:t>we call the elements of our group G </a:t>
+            </a:r>
+            <a:r>
+              <a:rPr lang="en-US" i="1" dirty="0" err="1"/>
+              <a:t>prehensions</a:t>
+            </a:r>
+            <a:r>
+              <a:rPr lang="en-US" dirty="0"/>
+              <a:t>. A </a:t>
+            </a:r>
+            <a:r>
+              <a:rPr lang="en-US" dirty="0" err="1"/>
+              <a:t>prehension</a:t>
+            </a:r>
+            <a:r>
+              <a:rPr lang="en-US" dirty="0"/>
+              <a:t> can be roughly understood as a state of affairs in the world </a:t>
+            </a:r>
+            <a:r>
+              <a:rPr lang="en-US" i="1" dirty="0"/>
+              <a:t>as seen from a particular point of view</a:t>
+            </a:r>
+            <a:r>
+              <a:rPr lang="en-US" dirty="0"/>
+              <a:t>.</a:t>
+            </a:r>
+            <a:r>
+              <a:rPr lang="en-US" dirty="0"/>
+              <a:t> </a:t>
+            </a:r>
+          </a:p>
+        </p:txBody>
+      </p:sp>
+      <p:graphicFrame>
+        <p:nvGraphicFramePr>
+          <p:cNvPr id="5" name="Content Placeholder 4"/>
+          <p:cNvGraphicFramePr>
+            <a:graphicFrameLocks noGrp="1"/>
+          </p:cNvGraphicFramePr>
+          <p:nvPr>
+            <p:ph sz="half" idx="2"/>
+            <p:extLst>
+              <p:ext uri="{D42A27DB-BD31-4B8C-83A1-F6EECF244321}">
+                <p14:modId xmlns:p14="http://schemas.microsoft.com/office/powerpoint/2010/main" val="1828800468"/>
+              </p:ext>
+            </p:extLst>
+          </p:nvPr>
+        </p:nvGraphicFramePr>
+        <p:xfrm>
+          <a:off x="4648200" y="1676400"/>
+          <a:ext cx="4114800" cy="4191000"/>
+        </p:xfrm>
+        <a:graphic>
+          <a:graphicData uri="http://schemas.openxmlformats.org/drawingml/2006/diagram">
+            <dgm:relIds xmlns:dgm="http://schemas.openxmlformats.org/drawingml/2006/diagram" xmlns:r="http://schemas.openxmlformats.org/officeDocument/2006/relationships" r:dm="rId2" r:lo="rId3" r:qs="rId4" r:cs="rId5"/>
+          </a:graphicData>
+        </a:graphic>
+      </p:graphicFrame>
+    </p:spTree>
+    <p:extLst>
+      <p:ext uri="{BB962C8B-B14F-4D97-AF65-F5344CB8AC3E}">
+        <p14:creationId xmlns:p14="http://schemas.microsoft.com/office/powerpoint/2010/main" val="1849000610"/>
+      </p:ext>
+    </p:extLst>
+  </p:cSld>
+  <p:clrMapOvr>
+    <a:masterClrMapping/>
+  </p:clrMapOvr>
+  <p:transition>
+    <p:fade/>
+  </p:transition>
+</p:sld>
+</file>
+
+<file path=ppt/slides/slide14.xml><?xml version="1.0" encoding="utf-8"?>
 <p:sld xmlns:a="http://schemas.openxmlformats.org/drawingml/2006/main" xmlns:r="http://schemas.openxmlformats.org/officeDocument/2006/relationships" xmlns:p="http://schemas.openxmlformats.org/presentationml/2006/main">
   <p:cSld>
     <p:spTree>
@@ -11662,7 +14805,7 @@
               <a:t>/</a:t>
             </a:r>
             <a:r>
-              <a:rPr lang="en-US"/>
+              <a:rPr lang="en-US" dirty="0" err="1"/>
               <a:t>Indra</a:t>
             </a:r>
             <a:endParaRPr lang="en-US" dirty="0" smtClean="0"/>
@@ -11692,7 +14835,7 @@
 </p:sld>
 </file>
 
-<file path=ppt/slides/slide14.xml><?xml version="1.0" encoding="utf-8"?>
+<file path=ppt/slides/slide15.xml><?xml version="1.0" encoding="utf-8"?>
 <p:sld xmlns:a="http://schemas.openxmlformats.org/drawingml/2006/main" xmlns:r="http://schemas.openxmlformats.org/officeDocument/2006/relationships" xmlns:p="http://schemas.openxmlformats.org/presentationml/2006/main">
   <p:cSld>
     <p:spTree>
@@ -12965,7 +16108,7 @@
           <a:p>
             <a:r>
               <a:rPr lang="en-US" dirty="0" smtClean="0"/>
-              <a:t>ABM and Generic Programming</a:t>
+              <a:t>How to Do Generic Programming</a:t>
             </a:r>
             <a:endParaRPr lang="en-US" dirty="0"/>
           </a:p>
@@ -12983,8 +16126,8 @@
         </p:nvSpPr>
         <p:spPr>
           <a:xfrm>
-            <a:off x="381000" y="1411552"/>
-            <a:ext cx="8382000" cy="1337802"/>
+            <a:off x="381000" y="1125149"/>
+            <a:ext cx="8382000" cy="5580451"/>
           </a:xfrm>
         </p:spPr>
         <p:txBody>
@@ -12992,81 +16135,144 @@
           <a:lstStyle/>
           <a:p>
             <a:r>
+              <a:rPr lang="en-US" dirty="0"/>
+              <a:t>In </a:t>
+            </a:r>
+            <a:r>
               <a:rPr lang="en-US" dirty="0" smtClean="0"/>
-              <a:t>Our goal in creating </a:t>
-            </a:r>
-            <a:r>
-              <a:rPr lang="en-US" dirty="0" err="1" smtClean="0"/>
-              <a:t>Indra</a:t>
+              <a:t>math, the process </a:t>
+            </a:r>
+            <a:r>
+              <a:rPr lang="en-US" dirty="0"/>
+              <a:t>of generalization </a:t>
             </a:r>
             <a:r>
               <a:rPr lang="en-US" dirty="0" smtClean="0"/>
-              <a:t> has been to continually to push more and more of the “work” into generic ABM libraries.</a:t>
-            </a:r>
+              <a:t>was</a:t>
+            </a:r>
+            <a:r>
+              <a:rPr lang="en-US" dirty="0"/>
+              <a:t>:</a:t>
+            </a:r>
+          </a:p>
+          <a:p>
+            <a:pPr lvl="1"/>
+            <a:r>
+              <a:rPr lang="en-US" dirty="0"/>
+              <a:t>Common measures</a:t>
+            </a:r>
+          </a:p>
+          <a:p>
+            <a:pPr lvl="1"/>
+            <a:r>
+              <a:rPr lang="en-US" dirty="0"/>
+              <a:t>Natural numbers </a:t>
+            </a:r>
+          </a:p>
+          <a:p>
+            <a:pPr lvl="1"/>
+            <a:r>
+              <a:rPr lang="en-US" dirty="0"/>
+              <a:t>Integers</a:t>
+            </a:r>
+          </a:p>
+          <a:p>
+            <a:pPr lvl="1"/>
+            <a:r>
+              <a:rPr lang="en-US" dirty="0"/>
+              <a:t>Rational numbers</a:t>
+            </a:r>
+          </a:p>
+          <a:p>
+            <a:pPr lvl="1"/>
+            <a:r>
+              <a:rPr lang="en-US" dirty="0"/>
+              <a:t>Polynomials</a:t>
+            </a:r>
+          </a:p>
+          <a:p>
+            <a:pPr lvl="1"/>
+            <a:r>
+              <a:rPr lang="en-US" dirty="0"/>
+              <a:t>Real </a:t>
+            </a:r>
+            <a:r>
+              <a:rPr lang="en-US" dirty="0" smtClean="0"/>
+              <a:t>numbers</a:t>
+            </a:r>
+          </a:p>
+          <a:p>
+            <a:pPr lvl="1"/>
+            <a:r>
+              <a:rPr lang="en-US" dirty="0" smtClean="0"/>
+              <a:t>Complex </a:t>
+            </a:r>
+            <a:r>
+              <a:rPr lang="en-US" dirty="0"/>
+              <a:t>numbers</a:t>
+            </a:r>
+          </a:p>
+          <a:p>
+            <a:pPr lvl="1"/>
+            <a:r>
+              <a:rPr lang="en-US" dirty="0" smtClean="0"/>
+              <a:t>Groups</a:t>
+            </a:r>
+          </a:p>
+          <a:p>
+            <a:pPr lvl="1"/>
+            <a:r>
+              <a:rPr lang="en-US" dirty="0" smtClean="0"/>
+              <a:t>Rings</a:t>
+            </a:r>
+            <a:endParaRPr lang="en-US" dirty="0"/>
+          </a:p>
+          <a:p>
+            <a:pPr lvl="1"/>
+            <a:r>
+              <a:rPr lang="en-US" dirty="0"/>
+              <a:t>Fields</a:t>
+            </a:r>
+          </a:p>
+          <a:p>
+            <a:endParaRPr lang="en-US" dirty="0"/>
           </a:p>
         </p:txBody>
       </p:sp>
-      <p:graphicFrame>
-        <p:nvGraphicFramePr>
-          <p:cNvPr id="4" name="Object 3"/>
-          <p:cNvGraphicFramePr>
-            <a:graphicFrameLocks noChangeAspect="1"/>
-          </p:cNvGraphicFramePr>
-          <p:nvPr>
-            <p:extLst>
-              <p:ext uri="{D42A27DB-BD31-4B8C-83A1-F6EECF244321}">
-                <p14:modId xmlns:p14="http://schemas.microsoft.com/office/powerpoint/2010/main" val="2046554277"/>
-              </p:ext>
-            </p:extLst>
-          </p:nvPr>
-        </p:nvGraphicFramePr>
-        <p:xfrm>
-          <a:off x="990600" y="3276600"/>
-          <a:ext cx="7267222" cy="2286000"/>
-        </p:xfrm>
-        <a:graphic>
-          <a:graphicData uri="http://schemas.openxmlformats.org/presentationml/2006/ole">
-            <mc:AlternateContent xmlns:mc="http://schemas.openxmlformats.org/markup-compatibility/2006">
-              <mc:Choice xmlns:v="urn:schemas-microsoft-com:vml" Requires="v">
-                <p:oleObj spid="_x0000_s1048" name="Document" r:id="rId3" imgW="6540500" imgH="1270000" progId="Word.Document.12">
-                  <p:embed/>
-                </p:oleObj>
-              </mc:Choice>
-              <mc:Fallback>
-                <p:oleObj name="Document" r:id="rId3" imgW="6540500" imgH="1270000" progId="Word.Document.12">
-                  <p:embed/>
-                  <p:pic>
-                    <p:nvPicPr>
-                      <p:cNvPr id="0" name=""/>
-                      <p:cNvPicPr/>
-                      <p:nvPr/>
-                    </p:nvPicPr>
-                    <p:blipFill>
-                      <a:blip r:embed="rId4"/>
-                      <a:stretch>
-                        <a:fillRect/>
-                      </a:stretch>
-                    </p:blipFill>
-                    <p:spPr>
-                      <a:xfrm>
-                        <a:off x="990600" y="3276600"/>
-                        <a:ext cx="7267222" cy="2286000"/>
-                      </a:xfrm>
-                      <a:prstGeom prst="rect">
-                        <a:avLst/>
-                      </a:prstGeom>
-                    </p:spPr>
-                  </p:pic>
-                </p:oleObj>
-              </mc:Fallback>
-            </mc:AlternateContent>
-          </a:graphicData>
-        </a:graphic>
-      </p:graphicFrame>
+      <p:pic>
+        <p:nvPicPr>
+          <p:cNvPr id="4" name="Picture 3" descr="Stonehenge.jpg"/>
+          <p:cNvPicPr>
+            <a:picLocks noChangeAspect="1"/>
+          </p:cNvPicPr>
+          <p:nvPr/>
+        </p:nvPicPr>
+        <p:blipFill>
+          <a:blip r:embed="rId2">
+            <a:extLst>
+              <a:ext uri="{28A0092B-C50C-407E-A947-70E740481C1C}">
+                <a14:useLocalDpi xmlns:a14="http://schemas.microsoft.com/office/drawing/2010/main" val="0"/>
+              </a:ext>
+            </a:extLst>
+          </a:blip>
+          <a:stretch>
+            <a:fillRect/>
+          </a:stretch>
+        </p:blipFill>
+        <p:spPr>
+          <a:xfrm>
+            <a:off x="4521200" y="3048000"/>
+            <a:ext cx="4140200" cy="3105150"/>
+          </a:xfrm>
+          <a:prstGeom prst="rect">
+            <a:avLst/>
+          </a:prstGeom>
+        </p:spPr>
+      </p:pic>
     </p:spTree>
     <p:extLst>
       <p:ext uri="{BB962C8B-B14F-4D97-AF65-F5344CB8AC3E}">
-        <p14:creationId xmlns:p14="http://schemas.microsoft.com/office/powerpoint/2010/main" val="1136954897"/>
+        <p14:creationId xmlns:p14="http://schemas.microsoft.com/office/powerpoint/2010/main" val="2427681662"/>
       </p:ext>
     </p:extLst>
   </p:cSld>

--- a/docs/ABMsAsAlgebraic.pptx
+++ b/docs/ABMsAsAlgebraic.pptx
@@ -6,7 +6,7 @@
     <p:sldMasterId id="2147483674" r:id="rId5"/>
   </p:sldMasterIdLst>
   <p:notesMasterIdLst>
-    <p:notesMasterId r:id="rId21"/>
+    <p:notesMasterId r:id="rId25"/>
   </p:notesMasterIdLst>
   <p:sldIdLst>
     <p:sldId id="257" r:id="rId6"/>
@@ -22,8 +22,12 @@
     <p:sldId id="284" r:id="rId16"/>
     <p:sldId id="291" r:id="rId17"/>
     <p:sldId id="292" r:id="rId18"/>
-    <p:sldId id="290" r:id="rId19"/>
-    <p:sldId id="268" r:id="rId20"/>
+    <p:sldId id="293" r:id="rId19"/>
+    <p:sldId id="294" r:id="rId20"/>
+    <p:sldId id="295" r:id="rId21"/>
+    <p:sldId id="296" r:id="rId22"/>
+    <p:sldId id="290" r:id="rId23"/>
+    <p:sldId id="268" r:id="rId24"/>
   </p:sldIdLst>
   <p:sldSz cx="9144000" cy="6858000" type="screen4x3"/>
   <p:notesSz cx="6858000" cy="9144000"/>
@@ -1636,6 +1640,1500 @@
 </file>
 
 <file path=ppt/diagrams/colors3.xml><?xml version="1.0" encoding="utf-8"?>
+<dgm:colorsDef xmlns:dgm="http://schemas.openxmlformats.org/drawingml/2006/diagram" xmlns:a="http://schemas.openxmlformats.org/drawingml/2006/main" uniqueId="urn:microsoft.com/office/officeart/2005/8/colors/accent1_2">
+  <dgm:title val=""/>
+  <dgm:desc val=""/>
+  <dgm:catLst>
+    <dgm:cat type="accent1" pri="11200"/>
+  </dgm:catLst>
+  <dgm:styleLbl name="node0">
+    <dgm:fillClrLst meth="repeat">
+      <a:schemeClr val="accent1"/>
+    </dgm:fillClrLst>
+    <dgm:linClrLst meth="repeat">
+      <a:schemeClr val="lt1"/>
+    </dgm:linClrLst>
+    <dgm:effectClrLst/>
+    <dgm:txLinClrLst/>
+    <dgm:txFillClrLst/>
+    <dgm:txEffectClrLst/>
+  </dgm:styleLbl>
+  <dgm:styleLbl name="alignNode1">
+    <dgm:fillClrLst meth="repeat">
+      <a:schemeClr val="accent1"/>
+    </dgm:fillClrLst>
+    <dgm:linClrLst meth="repeat">
+      <a:schemeClr val="accent1"/>
+    </dgm:linClrLst>
+    <dgm:effectClrLst/>
+    <dgm:txLinClrLst/>
+    <dgm:txFillClrLst/>
+    <dgm:txEffectClrLst/>
+  </dgm:styleLbl>
+  <dgm:styleLbl name="node1">
+    <dgm:fillClrLst meth="repeat">
+      <a:schemeClr val="accent1"/>
+    </dgm:fillClrLst>
+    <dgm:linClrLst meth="repeat">
+      <a:schemeClr val="lt1"/>
+    </dgm:linClrLst>
+    <dgm:effectClrLst/>
+    <dgm:txLinClrLst/>
+    <dgm:txFillClrLst/>
+    <dgm:txEffectClrLst/>
+  </dgm:styleLbl>
+  <dgm:styleLbl name="lnNode1">
+    <dgm:fillClrLst meth="repeat">
+      <a:schemeClr val="accent1"/>
+    </dgm:fillClrLst>
+    <dgm:linClrLst meth="repeat">
+      <a:schemeClr val="lt1"/>
+    </dgm:linClrLst>
+    <dgm:effectClrLst/>
+    <dgm:txLinClrLst/>
+    <dgm:txFillClrLst/>
+    <dgm:txEffectClrLst/>
+  </dgm:styleLbl>
+  <dgm:styleLbl name="vennNode1">
+    <dgm:fillClrLst meth="repeat">
+      <a:schemeClr val="accent1">
+        <a:alpha val="50000"/>
+      </a:schemeClr>
+    </dgm:fillClrLst>
+    <dgm:linClrLst meth="repeat">
+      <a:schemeClr val="lt1"/>
+    </dgm:linClrLst>
+    <dgm:effectClrLst/>
+    <dgm:txLinClrLst/>
+    <dgm:txFillClrLst/>
+    <dgm:txEffectClrLst/>
+  </dgm:styleLbl>
+  <dgm:styleLbl name="node2">
+    <dgm:fillClrLst meth="repeat">
+      <a:schemeClr val="accent1"/>
+    </dgm:fillClrLst>
+    <dgm:linClrLst meth="repeat">
+      <a:schemeClr val="lt1"/>
+    </dgm:linClrLst>
+    <dgm:effectClrLst/>
+    <dgm:txLinClrLst/>
+    <dgm:txFillClrLst/>
+    <dgm:txEffectClrLst/>
+  </dgm:styleLbl>
+  <dgm:styleLbl name="node3">
+    <dgm:fillClrLst meth="repeat">
+      <a:schemeClr val="accent1"/>
+    </dgm:fillClrLst>
+    <dgm:linClrLst meth="repeat">
+      <a:schemeClr val="lt1"/>
+    </dgm:linClrLst>
+    <dgm:effectClrLst/>
+    <dgm:txLinClrLst/>
+    <dgm:txFillClrLst/>
+    <dgm:txEffectClrLst/>
+  </dgm:styleLbl>
+  <dgm:styleLbl name="node4">
+    <dgm:fillClrLst meth="repeat">
+      <a:schemeClr val="accent1"/>
+    </dgm:fillClrLst>
+    <dgm:linClrLst meth="repeat">
+      <a:schemeClr val="lt1"/>
+    </dgm:linClrLst>
+    <dgm:effectClrLst/>
+    <dgm:txLinClrLst/>
+    <dgm:txFillClrLst/>
+    <dgm:txEffectClrLst/>
+  </dgm:styleLbl>
+  <dgm:styleLbl name="fgImgPlace1">
+    <dgm:fillClrLst meth="repeat">
+      <a:schemeClr val="accent1">
+        <a:tint val="50000"/>
+      </a:schemeClr>
+    </dgm:fillClrLst>
+    <dgm:linClrLst meth="repeat">
+      <a:schemeClr val="lt1"/>
+    </dgm:linClrLst>
+    <dgm:effectClrLst/>
+    <dgm:txLinClrLst/>
+    <dgm:txFillClrLst meth="repeat">
+      <a:schemeClr val="lt1"/>
+    </dgm:txFillClrLst>
+    <dgm:txEffectClrLst/>
+  </dgm:styleLbl>
+  <dgm:styleLbl name="alignImgPlace1">
+    <dgm:fillClrLst meth="repeat">
+      <a:schemeClr val="accent1">
+        <a:tint val="50000"/>
+      </a:schemeClr>
+    </dgm:fillClrLst>
+    <dgm:linClrLst meth="repeat">
+      <a:schemeClr val="lt1"/>
+    </dgm:linClrLst>
+    <dgm:effectClrLst/>
+    <dgm:txLinClrLst/>
+    <dgm:txFillClrLst meth="repeat">
+      <a:schemeClr val="lt1"/>
+    </dgm:txFillClrLst>
+    <dgm:txEffectClrLst/>
+  </dgm:styleLbl>
+  <dgm:styleLbl name="bgImgPlace1">
+    <dgm:fillClrLst meth="repeat">
+      <a:schemeClr val="accent1">
+        <a:tint val="50000"/>
+      </a:schemeClr>
+    </dgm:fillClrLst>
+    <dgm:linClrLst meth="repeat">
+      <a:schemeClr val="lt1"/>
+    </dgm:linClrLst>
+    <dgm:effectClrLst/>
+    <dgm:txLinClrLst/>
+    <dgm:txFillClrLst meth="repeat">
+      <a:schemeClr val="lt1"/>
+    </dgm:txFillClrLst>
+    <dgm:txEffectClrLst/>
+  </dgm:styleLbl>
+  <dgm:styleLbl name="sibTrans2D1">
+    <dgm:fillClrLst meth="repeat">
+      <a:schemeClr val="accent1">
+        <a:tint val="60000"/>
+      </a:schemeClr>
+    </dgm:fillClrLst>
+    <dgm:linClrLst meth="repeat">
+      <a:schemeClr val="accent1">
+        <a:tint val="60000"/>
+      </a:schemeClr>
+    </dgm:linClrLst>
+    <dgm:effectClrLst/>
+    <dgm:txLinClrLst/>
+    <dgm:txFillClrLst/>
+    <dgm:txEffectClrLst/>
+  </dgm:styleLbl>
+  <dgm:styleLbl name="fgSibTrans2D1">
+    <dgm:fillClrLst meth="repeat">
+      <a:schemeClr val="accent1">
+        <a:tint val="60000"/>
+      </a:schemeClr>
+    </dgm:fillClrLst>
+    <dgm:linClrLst meth="repeat">
+      <a:schemeClr val="accent1">
+        <a:tint val="60000"/>
+      </a:schemeClr>
+    </dgm:linClrLst>
+    <dgm:effectClrLst/>
+    <dgm:txLinClrLst/>
+    <dgm:txFillClrLst/>
+    <dgm:txEffectClrLst/>
+  </dgm:styleLbl>
+  <dgm:styleLbl name="bgSibTrans2D1">
+    <dgm:fillClrLst meth="repeat">
+      <a:schemeClr val="accent1">
+        <a:tint val="60000"/>
+      </a:schemeClr>
+    </dgm:fillClrLst>
+    <dgm:linClrLst meth="repeat">
+      <a:schemeClr val="accent1">
+        <a:tint val="60000"/>
+      </a:schemeClr>
+    </dgm:linClrLst>
+    <dgm:effectClrLst/>
+    <dgm:txLinClrLst/>
+    <dgm:txFillClrLst/>
+    <dgm:txEffectClrLst/>
+  </dgm:styleLbl>
+  <dgm:styleLbl name="sibTrans1D1">
+    <dgm:fillClrLst meth="repeat">
+      <a:schemeClr val="accent1"/>
+    </dgm:fillClrLst>
+    <dgm:linClrLst meth="repeat">
+      <a:schemeClr val="accent1"/>
+    </dgm:linClrLst>
+    <dgm:effectClrLst/>
+    <dgm:txLinClrLst/>
+    <dgm:txFillClrLst meth="repeat">
+      <a:schemeClr val="tx1"/>
+    </dgm:txFillClrLst>
+    <dgm:txEffectClrLst/>
+  </dgm:styleLbl>
+  <dgm:styleLbl name="callout">
+    <dgm:fillClrLst meth="repeat">
+      <a:schemeClr val="accent1"/>
+    </dgm:fillClrLst>
+    <dgm:linClrLst meth="repeat">
+      <a:schemeClr val="accent1">
+        <a:tint val="50000"/>
+      </a:schemeClr>
+    </dgm:linClrLst>
+    <dgm:effectClrLst/>
+    <dgm:txLinClrLst/>
+    <dgm:txFillClrLst meth="repeat">
+      <a:schemeClr val="tx1"/>
+    </dgm:txFillClrLst>
+    <dgm:txEffectClrLst/>
+  </dgm:styleLbl>
+  <dgm:styleLbl name="asst0">
+    <dgm:fillClrLst meth="repeat">
+      <a:schemeClr val="accent1"/>
+    </dgm:fillClrLst>
+    <dgm:linClrLst meth="repeat">
+      <a:schemeClr val="lt1"/>
+    </dgm:linClrLst>
+    <dgm:effectClrLst/>
+    <dgm:txLinClrLst/>
+    <dgm:txFillClrLst/>
+    <dgm:txEffectClrLst/>
+  </dgm:styleLbl>
+  <dgm:styleLbl name="asst1">
+    <dgm:fillClrLst meth="repeat">
+      <a:schemeClr val="accent1"/>
+    </dgm:fillClrLst>
+    <dgm:linClrLst meth="repeat">
+      <a:schemeClr val="lt1"/>
+    </dgm:linClrLst>
+    <dgm:effectClrLst/>
+    <dgm:txLinClrLst/>
+    <dgm:txFillClrLst/>
+    <dgm:txEffectClrLst/>
+  </dgm:styleLbl>
+  <dgm:styleLbl name="asst2">
+    <dgm:fillClrLst meth="repeat">
+      <a:schemeClr val="accent1"/>
+    </dgm:fillClrLst>
+    <dgm:linClrLst meth="repeat">
+      <a:schemeClr val="lt1"/>
+    </dgm:linClrLst>
+    <dgm:effectClrLst/>
+    <dgm:txLinClrLst/>
+    <dgm:txFillClrLst/>
+    <dgm:txEffectClrLst/>
+  </dgm:styleLbl>
+  <dgm:styleLbl name="asst3">
+    <dgm:fillClrLst meth="repeat">
+      <a:schemeClr val="accent1"/>
+    </dgm:fillClrLst>
+    <dgm:linClrLst meth="repeat">
+      <a:schemeClr val="lt1"/>
+    </dgm:linClrLst>
+    <dgm:effectClrLst/>
+    <dgm:txLinClrLst/>
+    <dgm:txFillClrLst/>
+    <dgm:txEffectClrLst/>
+  </dgm:styleLbl>
+  <dgm:styleLbl name="asst4">
+    <dgm:fillClrLst meth="repeat">
+      <a:schemeClr val="accent1"/>
+    </dgm:fillClrLst>
+    <dgm:linClrLst meth="repeat">
+      <a:schemeClr val="lt1"/>
+    </dgm:linClrLst>
+    <dgm:effectClrLst/>
+    <dgm:txLinClrLst/>
+    <dgm:txFillClrLst/>
+    <dgm:txEffectClrLst/>
+  </dgm:styleLbl>
+  <dgm:styleLbl name="parChTrans2D1">
+    <dgm:fillClrLst meth="repeat">
+      <a:schemeClr val="accent1">
+        <a:tint val="60000"/>
+      </a:schemeClr>
+    </dgm:fillClrLst>
+    <dgm:linClrLst meth="repeat">
+      <a:schemeClr val="accent1">
+        <a:tint val="60000"/>
+      </a:schemeClr>
+    </dgm:linClrLst>
+    <dgm:effectClrLst/>
+    <dgm:txLinClrLst/>
+    <dgm:txFillClrLst meth="repeat">
+      <a:schemeClr val="lt1"/>
+    </dgm:txFillClrLst>
+    <dgm:txEffectClrLst/>
+  </dgm:styleLbl>
+  <dgm:styleLbl name="parChTrans2D2">
+    <dgm:fillClrLst meth="repeat">
+      <a:schemeClr val="accent1"/>
+    </dgm:fillClrLst>
+    <dgm:linClrLst meth="repeat">
+      <a:schemeClr val="accent1"/>
+    </dgm:linClrLst>
+    <dgm:effectClrLst/>
+    <dgm:txLinClrLst/>
+    <dgm:txFillClrLst meth="repeat">
+      <a:schemeClr val="lt1"/>
+    </dgm:txFillClrLst>
+    <dgm:txEffectClrLst/>
+  </dgm:styleLbl>
+  <dgm:styleLbl name="parChTrans2D3">
+    <dgm:fillClrLst meth="repeat">
+      <a:schemeClr val="accent1"/>
+    </dgm:fillClrLst>
+    <dgm:linClrLst meth="repeat">
+      <a:schemeClr val="accent1"/>
+    </dgm:linClrLst>
+    <dgm:effectClrLst/>
+    <dgm:txLinClrLst/>
+    <dgm:txFillClrLst meth="repeat">
+      <a:schemeClr val="lt1"/>
+    </dgm:txFillClrLst>
+    <dgm:txEffectClrLst/>
+  </dgm:styleLbl>
+  <dgm:styleLbl name="parChTrans2D4">
+    <dgm:fillClrLst meth="repeat">
+      <a:schemeClr val="accent1"/>
+    </dgm:fillClrLst>
+    <dgm:linClrLst meth="repeat">
+      <a:schemeClr val="accent1"/>
+    </dgm:linClrLst>
+    <dgm:effectClrLst/>
+    <dgm:txLinClrLst/>
+    <dgm:txFillClrLst meth="repeat">
+      <a:schemeClr val="lt1"/>
+    </dgm:txFillClrLst>
+    <dgm:txEffectClrLst/>
+  </dgm:styleLbl>
+  <dgm:styleLbl name="parChTrans1D1">
+    <dgm:fillClrLst meth="repeat">
+      <a:schemeClr val="accent1"/>
+    </dgm:fillClrLst>
+    <dgm:linClrLst meth="repeat">
+      <a:schemeClr val="accent1">
+        <a:shade val="60000"/>
+      </a:schemeClr>
+    </dgm:linClrLst>
+    <dgm:effectClrLst/>
+    <dgm:txLinClrLst/>
+    <dgm:txFillClrLst meth="repeat">
+      <a:schemeClr val="tx1"/>
+    </dgm:txFillClrLst>
+    <dgm:txEffectClrLst/>
+  </dgm:styleLbl>
+  <dgm:styleLbl name="parChTrans1D2">
+    <dgm:fillClrLst meth="repeat">
+      <a:schemeClr val="accent1"/>
+    </dgm:fillClrLst>
+    <dgm:linClrLst meth="repeat">
+      <a:schemeClr val="accent1">
+        <a:shade val="60000"/>
+      </a:schemeClr>
+    </dgm:linClrLst>
+    <dgm:effectClrLst/>
+    <dgm:txLinClrLst/>
+    <dgm:txFillClrLst meth="repeat">
+      <a:schemeClr val="tx1"/>
+    </dgm:txFillClrLst>
+    <dgm:txEffectClrLst/>
+  </dgm:styleLbl>
+  <dgm:styleLbl name="parChTrans1D3">
+    <dgm:fillClrLst meth="repeat">
+      <a:schemeClr val="accent1"/>
+    </dgm:fillClrLst>
+    <dgm:linClrLst meth="repeat">
+      <a:schemeClr val="accent1">
+        <a:shade val="80000"/>
+      </a:schemeClr>
+    </dgm:linClrLst>
+    <dgm:effectClrLst/>
+    <dgm:txLinClrLst/>
+    <dgm:txFillClrLst meth="repeat">
+      <a:schemeClr val="tx1"/>
+    </dgm:txFillClrLst>
+    <dgm:txEffectClrLst/>
+  </dgm:styleLbl>
+  <dgm:styleLbl name="parChTrans1D4">
+    <dgm:fillClrLst meth="repeat">
+      <a:schemeClr val="accent1"/>
+    </dgm:fillClrLst>
+    <dgm:linClrLst meth="repeat">
+      <a:schemeClr val="accent1">
+        <a:shade val="80000"/>
+      </a:schemeClr>
+    </dgm:linClrLst>
+    <dgm:effectClrLst/>
+    <dgm:txLinClrLst/>
+    <dgm:txFillClrLst meth="repeat">
+      <a:schemeClr val="tx1"/>
+    </dgm:txFillClrLst>
+    <dgm:txEffectClrLst/>
+  </dgm:styleLbl>
+  <dgm:styleLbl name="fgAcc1">
+    <dgm:fillClrLst meth="repeat">
+      <a:schemeClr val="lt1">
+        <a:alpha val="90000"/>
+      </a:schemeClr>
+    </dgm:fillClrLst>
+    <dgm:linClrLst meth="repeat">
+      <a:schemeClr val="accent1"/>
+    </dgm:linClrLst>
+    <dgm:effectClrLst/>
+    <dgm:txLinClrLst/>
+    <dgm:txFillClrLst meth="repeat">
+      <a:schemeClr val="dk1"/>
+    </dgm:txFillClrLst>
+    <dgm:txEffectClrLst/>
+  </dgm:styleLbl>
+  <dgm:styleLbl name="conFgAcc1">
+    <dgm:fillClrLst meth="repeat">
+      <a:schemeClr val="lt1">
+        <a:alpha val="90000"/>
+      </a:schemeClr>
+    </dgm:fillClrLst>
+    <dgm:linClrLst meth="repeat">
+      <a:schemeClr val="accent1"/>
+    </dgm:linClrLst>
+    <dgm:effectClrLst/>
+    <dgm:txLinClrLst/>
+    <dgm:txFillClrLst meth="repeat">
+      <a:schemeClr val="dk1"/>
+    </dgm:txFillClrLst>
+    <dgm:txEffectClrLst/>
+  </dgm:styleLbl>
+  <dgm:styleLbl name="alignAcc1">
+    <dgm:fillClrLst meth="repeat">
+      <a:schemeClr val="lt1">
+        <a:alpha val="90000"/>
+      </a:schemeClr>
+    </dgm:fillClrLst>
+    <dgm:linClrLst meth="repeat">
+      <a:schemeClr val="accent1"/>
+    </dgm:linClrLst>
+    <dgm:effectClrLst/>
+    <dgm:txLinClrLst/>
+    <dgm:txFillClrLst meth="repeat">
+      <a:schemeClr val="dk1"/>
+    </dgm:txFillClrLst>
+    <dgm:txEffectClrLst/>
+  </dgm:styleLbl>
+  <dgm:styleLbl name="trAlignAcc1">
+    <dgm:fillClrLst meth="repeat">
+      <a:schemeClr val="lt1">
+        <a:alpha val="40000"/>
+      </a:schemeClr>
+    </dgm:fillClrLst>
+    <dgm:linClrLst meth="repeat">
+      <a:schemeClr val="accent1"/>
+    </dgm:linClrLst>
+    <dgm:effectClrLst/>
+    <dgm:txLinClrLst/>
+    <dgm:txFillClrLst meth="repeat">
+      <a:schemeClr val="dk1"/>
+    </dgm:txFillClrLst>
+    <dgm:txEffectClrLst/>
+  </dgm:styleLbl>
+  <dgm:styleLbl name="bgAcc1">
+    <dgm:fillClrLst meth="repeat">
+      <a:schemeClr val="lt1">
+        <a:alpha val="90000"/>
+      </a:schemeClr>
+    </dgm:fillClrLst>
+    <dgm:linClrLst meth="repeat">
+      <a:schemeClr val="accent1"/>
+    </dgm:linClrLst>
+    <dgm:effectClrLst/>
+    <dgm:txLinClrLst/>
+    <dgm:txFillClrLst meth="repeat">
+      <a:schemeClr val="dk1"/>
+    </dgm:txFillClrLst>
+    <dgm:txEffectClrLst/>
+  </dgm:styleLbl>
+  <dgm:styleLbl name="solidFgAcc1">
+    <dgm:fillClrLst meth="repeat">
+      <a:schemeClr val="lt1"/>
+    </dgm:fillClrLst>
+    <dgm:linClrLst meth="repeat">
+      <a:schemeClr val="accent1"/>
+    </dgm:linClrLst>
+    <dgm:effectClrLst/>
+    <dgm:txLinClrLst/>
+    <dgm:txFillClrLst meth="repeat">
+      <a:schemeClr val="dk1"/>
+    </dgm:txFillClrLst>
+    <dgm:txEffectClrLst/>
+  </dgm:styleLbl>
+  <dgm:styleLbl name="solidAlignAcc1">
+    <dgm:fillClrLst meth="repeat">
+      <a:schemeClr val="lt1"/>
+    </dgm:fillClrLst>
+    <dgm:linClrLst meth="repeat">
+      <a:schemeClr val="accent1"/>
+    </dgm:linClrLst>
+    <dgm:effectClrLst/>
+    <dgm:txLinClrLst/>
+    <dgm:txFillClrLst meth="repeat">
+      <a:schemeClr val="dk1"/>
+    </dgm:txFillClrLst>
+    <dgm:txEffectClrLst/>
+  </dgm:styleLbl>
+  <dgm:styleLbl name="solidBgAcc1">
+    <dgm:fillClrLst meth="repeat">
+      <a:schemeClr val="lt1"/>
+    </dgm:fillClrLst>
+    <dgm:linClrLst meth="repeat">
+      <a:schemeClr val="accent1"/>
+    </dgm:linClrLst>
+    <dgm:effectClrLst/>
+    <dgm:txLinClrLst/>
+    <dgm:txFillClrLst meth="repeat">
+      <a:schemeClr val="dk1"/>
+    </dgm:txFillClrLst>
+    <dgm:txEffectClrLst/>
+  </dgm:styleLbl>
+  <dgm:styleLbl name="fgAccFollowNode1">
+    <dgm:fillClrLst meth="repeat">
+      <a:schemeClr val="accent1">
+        <a:alpha val="90000"/>
+        <a:tint val="40000"/>
+      </a:schemeClr>
+    </dgm:fillClrLst>
+    <dgm:linClrLst meth="repeat">
+      <a:schemeClr val="accent1">
+        <a:alpha val="90000"/>
+        <a:tint val="40000"/>
+      </a:schemeClr>
+    </dgm:linClrLst>
+    <dgm:effectClrLst/>
+    <dgm:txLinClrLst/>
+    <dgm:txFillClrLst meth="repeat">
+      <a:schemeClr val="dk1"/>
+    </dgm:txFillClrLst>
+    <dgm:txEffectClrLst/>
+  </dgm:styleLbl>
+  <dgm:styleLbl name="alignAccFollowNode1">
+    <dgm:fillClrLst meth="repeat">
+      <a:schemeClr val="accent1">
+        <a:alpha val="90000"/>
+        <a:tint val="40000"/>
+      </a:schemeClr>
+    </dgm:fillClrLst>
+    <dgm:linClrLst meth="repeat">
+      <a:schemeClr val="accent1">
+        <a:alpha val="90000"/>
+        <a:tint val="40000"/>
+      </a:schemeClr>
+    </dgm:linClrLst>
+    <dgm:effectClrLst/>
+    <dgm:txLinClrLst/>
+    <dgm:txFillClrLst meth="repeat">
+      <a:schemeClr val="dk1"/>
+    </dgm:txFillClrLst>
+    <dgm:txEffectClrLst/>
+  </dgm:styleLbl>
+  <dgm:styleLbl name="bgAccFollowNode1">
+    <dgm:fillClrLst meth="repeat">
+      <a:schemeClr val="accent1">
+        <a:alpha val="90000"/>
+        <a:tint val="40000"/>
+      </a:schemeClr>
+    </dgm:fillClrLst>
+    <dgm:linClrLst meth="repeat">
+      <a:schemeClr val="accent1">
+        <a:alpha val="90000"/>
+        <a:tint val="40000"/>
+      </a:schemeClr>
+    </dgm:linClrLst>
+    <dgm:effectClrLst/>
+    <dgm:txLinClrLst/>
+    <dgm:txFillClrLst meth="repeat">
+      <a:schemeClr val="dk1"/>
+    </dgm:txFillClrLst>
+    <dgm:txEffectClrLst/>
+  </dgm:styleLbl>
+  <dgm:styleLbl name="fgAcc0">
+    <dgm:fillClrLst meth="repeat">
+      <a:schemeClr val="lt1">
+        <a:alpha val="90000"/>
+      </a:schemeClr>
+    </dgm:fillClrLst>
+    <dgm:linClrLst meth="repeat">
+      <a:schemeClr val="accent1"/>
+    </dgm:linClrLst>
+    <dgm:effectClrLst/>
+    <dgm:txLinClrLst/>
+    <dgm:txFillClrLst meth="repeat">
+      <a:schemeClr val="dk1"/>
+    </dgm:txFillClrLst>
+    <dgm:txEffectClrLst/>
+  </dgm:styleLbl>
+  <dgm:styleLbl name="fgAcc2">
+    <dgm:fillClrLst meth="repeat">
+      <a:schemeClr val="lt1">
+        <a:alpha val="90000"/>
+      </a:schemeClr>
+    </dgm:fillClrLst>
+    <dgm:linClrLst meth="repeat">
+      <a:schemeClr val="accent1"/>
+    </dgm:linClrLst>
+    <dgm:effectClrLst/>
+    <dgm:txLinClrLst/>
+    <dgm:txFillClrLst meth="repeat">
+      <a:schemeClr val="dk1"/>
+    </dgm:txFillClrLst>
+    <dgm:txEffectClrLst/>
+  </dgm:styleLbl>
+  <dgm:styleLbl name="fgAcc3">
+    <dgm:fillClrLst meth="repeat">
+      <a:schemeClr val="lt1">
+        <a:alpha val="90000"/>
+      </a:schemeClr>
+    </dgm:fillClrLst>
+    <dgm:linClrLst meth="repeat">
+      <a:schemeClr val="accent1"/>
+    </dgm:linClrLst>
+    <dgm:effectClrLst/>
+    <dgm:txLinClrLst/>
+    <dgm:txFillClrLst meth="repeat">
+      <a:schemeClr val="dk1"/>
+    </dgm:txFillClrLst>
+    <dgm:txEffectClrLst/>
+  </dgm:styleLbl>
+  <dgm:styleLbl name="fgAcc4">
+    <dgm:fillClrLst meth="repeat">
+      <a:schemeClr val="lt1">
+        <a:alpha val="90000"/>
+      </a:schemeClr>
+    </dgm:fillClrLst>
+    <dgm:linClrLst meth="repeat">
+      <a:schemeClr val="accent1"/>
+    </dgm:linClrLst>
+    <dgm:effectClrLst/>
+    <dgm:txLinClrLst/>
+    <dgm:txFillClrLst meth="repeat">
+      <a:schemeClr val="dk1"/>
+    </dgm:txFillClrLst>
+    <dgm:txEffectClrLst/>
+  </dgm:styleLbl>
+  <dgm:styleLbl name="bgShp">
+    <dgm:fillClrLst meth="repeat">
+      <a:schemeClr val="accent1">
+        <a:tint val="40000"/>
+      </a:schemeClr>
+    </dgm:fillClrLst>
+    <dgm:linClrLst meth="repeat">
+      <a:schemeClr val="accent1"/>
+    </dgm:linClrLst>
+    <dgm:effectClrLst/>
+    <dgm:txLinClrLst/>
+    <dgm:txFillClrLst meth="repeat">
+      <a:schemeClr val="dk1"/>
+    </dgm:txFillClrLst>
+    <dgm:txEffectClrLst/>
+  </dgm:styleLbl>
+  <dgm:styleLbl name="dkBgShp">
+    <dgm:fillClrLst meth="repeat">
+      <a:schemeClr val="accent1">
+        <a:shade val="80000"/>
+      </a:schemeClr>
+    </dgm:fillClrLst>
+    <dgm:linClrLst meth="repeat">
+      <a:schemeClr val="accent1"/>
+    </dgm:linClrLst>
+    <dgm:effectClrLst/>
+    <dgm:txLinClrLst/>
+    <dgm:txFillClrLst meth="repeat">
+      <a:schemeClr val="lt1"/>
+    </dgm:txFillClrLst>
+    <dgm:txEffectClrLst/>
+  </dgm:styleLbl>
+  <dgm:styleLbl name="trBgShp">
+    <dgm:fillClrLst meth="repeat">
+      <a:schemeClr val="accent1">
+        <a:tint val="50000"/>
+        <a:alpha val="40000"/>
+      </a:schemeClr>
+    </dgm:fillClrLst>
+    <dgm:linClrLst meth="repeat">
+      <a:schemeClr val="accent1"/>
+    </dgm:linClrLst>
+    <dgm:effectClrLst/>
+    <dgm:txLinClrLst/>
+    <dgm:txFillClrLst meth="repeat">
+      <a:schemeClr val="lt1"/>
+    </dgm:txFillClrLst>
+    <dgm:txEffectClrLst/>
+  </dgm:styleLbl>
+  <dgm:styleLbl name="fgShp">
+    <dgm:fillClrLst meth="repeat">
+      <a:schemeClr val="accent1">
+        <a:tint val="60000"/>
+      </a:schemeClr>
+    </dgm:fillClrLst>
+    <dgm:linClrLst meth="repeat">
+      <a:schemeClr val="lt1"/>
+    </dgm:linClrLst>
+    <dgm:effectClrLst/>
+    <dgm:txLinClrLst/>
+    <dgm:txFillClrLst meth="repeat">
+      <a:schemeClr val="dk1"/>
+    </dgm:txFillClrLst>
+    <dgm:txEffectClrLst/>
+  </dgm:styleLbl>
+  <dgm:styleLbl name="revTx">
+    <dgm:fillClrLst meth="repeat">
+      <a:schemeClr val="lt1">
+        <a:alpha val="0"/>
+      </a:schemeClr>
+    </dgm:fillClrLst>
+    <dgm:linClrLst meth="repeat">
+      <a:schemeClr val="dk1">
+        <a:alpha val="0"/>
+      </a:schemeClr>
+    </dgm:linClrLst>
+    <dgm:effectClrLst/>
+    <dgm:txLinClrLst/>
+    <dgm:txFillClrLst meth="repeat">
+      <a:schemeClr val="tx1"/>
+    </dgm:txFillClrLst>
+    <dgm:txEffectClrLst/>
+  </dgm:styleLbl>
+</dgm:colorsDef>
+</file>
+
+<file path=ppt/diagrams/colors4.xml><?xml version="1.0" encoding="utf-8"?>
+<dgm:colorsDef xmlns:dgm="http://schemas.openxmlformats.org/drawingml/2006/diagram" xmlns:a="http://schemas.openxmlformats.org/drawingml/2006/main" uniqueId="urn:microsoft.com/office/officeart/2005/8/colors/accent1_2">
+  <dgm:title val=""/>
+  <dgm:desc val=""/>
+  <dgm:catLst>
+    <dgm:cat type="accent1" pri="11200"/>
+  </dgm:catLst>
+  <dgm:styleLbl name="node0">
+    <dgm:fillClrLst meth="repeat">
+      <a:schemeClr val="accent1"/>
+    </dgm:fillClrLst>
+    <dgm:linClrLst meth="repeat">
+      <a:schemeClr val="lt1"/>
+    </dgm:linClrLst>
+    <dgm:effectClrLst/>
+    <dgm:txLinClrLst/>
+    <dgm:txFillClrLst/>
+    <dgm:txEffectClrLst/>
+  </dgm:styleLbl>
+  <dgm:styleLbl name="alignNode1">
+    <dgm:fillClrLst meth="repeat">
+      <a:schemeClr val="accent1"/>
+    </dgm:fillClrLst>
+    <dgm:linClrLst meth="repeat">
+      <a:schemeClr val="accent1"/>
+    </dgm:linClrLst>
+    <dgm:effectClrLst/>
+    <dgm:txLinClrLst/>
+    <dgm:txFillClrLst/>
+    <dgm:txEffectClrLst/>
+  </dgm:styleLbl>
+  <dgm:styleLbl name="node1">
+    <dgm:fillClrLst meth="repeat">
+      <a:schemeClr val="accent1"/>
+    </dgm:fillClrLst>
+    <dgm:linClrLst meth="repeat">
+      <a:schemeClr val="lt1"/>
+    </dgm:linClrLst>
+    <dgm:effectClrLst/>
+    <dgm:txLinClrLst/>
+    <dgm:txFillClrLst/>
+    <dgm:txEffectClrLst/>
+  </dgm:styleLbl>
+  <dgm:styleLbl name="lnNode1">
+    <dgm:fillClrLst meth="repeat">
+      <a:schemeClr val="accent1"/>
+    </dgm:fillClrLst>
+    <dgm:linClrLst meth="repeat">
+      <a:schemeClr val="lt1"/>
+    </dgm:linClrLst>
+    <dgm:effectClrLst/>
+    <dgm:txLinClrLst/>
+    <dgm:txFillClrLst/>
+    <dgm:txEffectClrLst/>
+  </dgm:styleLbl>
+  <dgm:styleLbl name="vennNode1">
+    <dgm:fillClrLst meth="repeat">
+      <a:schemeClr val="accent1">
+        <a:alpha val="50000"/>
+      </a:schemeClr>
+    </dgm:fillClrLst>
+    <dgm:linClrLst meth="repeat">
+      <a:schemeClr val="lt1"/>
+    </dgm:linClrLst>
+    <dgm:effectClrLst/>
+    <dgm:txLinClrLst/>
+    <dgm:txFillClrLst/>
+    <dgm:txEffectClrLst/>
+  </dgm:styleLbl>
+  <dgm:styleLbl name="node2">
+    <dgm:fillClrLst meth="repeat">
+      <a:schemeClr val="accent1"/>
+    </dgm:fillClrLst>
+    <dgm:linClrLst meth="repeat">
+      <a:schemeClr val="lt1"/>
+    </dgm:linClrLst>
+    <dgm:effectClrLst/>
+    <dgm:txLinClrLst/>
+    <dgm:txFillClrLst/>
+    <dgm:txEffectClrLst/>
+  </dgm:styleLbl>
+  <dgm:styleLbl name="node3">
+    <dgm:fillClrLst meth="repeat">
+      <a:schemeClr val="accent1"/>
+    </dgm:fillClrLst>
+    <dgm:linClrLst meth="repeat">
+      <a:schemeClr val="lt1"/>
+    </dgm:linClrLst>
+    <dgm:effectClrLst/>
+    <dgm:txLinClrLst/>
+    <dgm:txFillClrLst/>
+    <dgm:txEffectClrLst/>
+  </dgm:styleLbl>
+  <dgm:styleLbl name="node4">
+    <dgm:fillClrLst meth="repeat">
+      <a:schemeClr val="accent1"/>
+    </dgm:fillClrLst>
+    <dgm:linClrLst meth="repeat">
+      <a:schemeClr val="lt1"/>
+    </dgm:linClrLst>
+    <dgm:effectClrLst/>
+    <dgm:txLinClrLst/>
+    <dgm:txFillClrLst/>
+    <dgm:txEffectClrLst/>
+  </dgm:styleLbl>
+  <dgm:styleLbl name="fgImgPlace1">
+    <dgm:fillClrLst meth="repeat">
+      <a:schemeClr val="accent1">
+        <a:tint val="50000"/>
+      </a:schemeClr>
+    </dgm:fillClrLst>
+    <dgm:linClrLst meth="repeat">
+      <a:schemeClr val="lt1"/>
+    </dgm:linClrLst>
+    <dgm:effectClrLst/>
+    <dgm:txLinClrLst/>
+    <dgm:txFillClrLst meth="repeat">
+      <a:schemeClr val="lt1"/>
+    </dgm:txFillClrLst>
+    <dgm:txEffectClrLst/>
+  </dgm:styleLbl>
+  <dgm:styleLbl name="alignImgPlace1">
+    <dgm:fillClrLst meth="repeat">
+      <a:schemeClr val="accent1">
+        <a:tint val="50000"/>
+      </a:schemeClr>
+    </dgm:fillClrLst>
+    <dgm:linClrLst meth="repeat">
+      <a:schemeClr val="lt1"/>
+    </dgm:linClrLst>
+    <dgm:effectClrLst/>
+    <dgm:txLinClrLst/>
+    <dgm:txFillClrLst meth="repeat">
+      <a:schemeClr val="lt1"/>
+    </dgm:txFillClrLst>
+    <dgm:txEffectClrLst/>
+  </dgm:styleLbl>
+  <dgm:styleLbl name="bgImgPlace1">
+    <dgm:fillClrLst meth="repeat">
+      <a:schemeClr val="accent1">
+        <a:tint val="50000"/>
+      </a:schemeClr>
+    </dgm:fillClrLst>
+    <dgm:linClrLst meth="repeat">
+      <a:schemeClr val="lt1"/>
+    </dgm:linClrLst>
+    <dgm:effectClrLst/>
+    <dgm:txLinClrLst/>
+    <dgm:txFillClrLst meth="repeat">
+      <a:schemeClr val="lt1"/>
+    </dgm:txFillClrLst>
+    <dgm:txEffectClrLst/>
+  </dgm:styleLbl>
+  <dgm:styleLbl name="sibTrans2D1">
+    <dgm:fillClrLst meth="repeat">
+      <a:schemeClr val="accent1">
+        <a:tint val="60000"/>
+      </a:schemeClr>
+    </dgm:fillClrLst>
+    <dgm:linClrLst meth="repeat">
+      <a:schemeClr val="accent1">
+        <a:tint val="60000"/>
+      </a:schemeClr>
+    </dgm:linClrLst>
+    <dgm:effectClrLst/>
+    <dgm:txLinClrLst/>
+    <dgm:txFillClrLst/>
+    <dgm:txEffectClrLst/>
+  </dgm:styleLbl>
+  <dgm:styleLbl name="fgSibTrans2D1">
+    <dgm:fillClrLst meth="repeat">
+      <a:schemeClr val="accent1">
+        <a:tint val="60000"/>
+      </a:schemeClr>
+    </dgm:fillClrLst>
+    <dgm:linClrLst meth="repeat">
+      <a:schemeClr val="accent1">
+        <a:tint val="60000"/>
+      </a:schemeClr>
+    </dgm:linClrLst>
+    <dgm:effectClrLst/>
+    <dgm:txLinClrLst/>
+    <dgm:txFillClrLst/>
+    <dgm:txEffectClrLst/>
+  </dgm:styleLbl>
+  <dgm:styleLbl name="bgSibTrans2D1">
+    <dgm:fillClrLst meth="repeat">
+      <a:schemeClr val="accent1">
+        <a:tint val="60000"/>
+      </a:schemeClr>
+    </dgm:fillClrLst>
+    <dgm:linClrLst meth="repeat">
+      <a:schemeClr val="accent1">
+        <a:tint val="60000"/>
+      </a:schemeClr>
+    </dgm:linClrLst>
+    <dgm:effectClrLst/>
+    <dgm:txLinClrLst/>
+    <dgm:txFillClrLst/>
+    <dgm:txEffectClrLst/>
+  </dgm:styleLbl>
+  <dgm:styleLbl name="sibTrans1D1">
+    <dgm:fillClrLst meth="repeat">
+      <a:schemeClr val="accent1"/>
+    </dgm:fillClrLst>
+    <dgm:linClrLst meth="repeat">
+      <a:schemeClr val="accent1"/>
+    </dgm:linClrLst>
+    <dgm:effectClrLst/>
+    <dgm:txLinClrLst/>
+    <dgm:txFillClrLst meth="repeat">
+      <a:schemeClr val="tx1"/>
+    </dgm:txFillClrLst>
+    <dgm:txEffectClrLst/>
+  </dgm:styleLbl>
+  <dgm:styleLbl name="callout">
+    <dgm:fillClrLst meth="repeat">
+      <a:schemeClr val="accent1"/>
+    </dgm:fillClrLst>
+    <dgm:linClrLst meth="repeat">
+      <a:schemeClr val="accent1">
+        <a:tint val="50000"/>
+      </a:schemeClr>
+    </dgm:linClrLst>
+    <dgm:effectClrLst/>
+    <dgm:txLinClrLst/>
+    <dgm:txFillClrLst meth="repeat">
+      <a:schemeClr val="tx1"/>
+    </dgm:txFillClrLst>
+    <dgm:txEffectClrLst/>
+  </dgm:styleLbl>
+  <dgm:styleLbl name="asst0">
+    <dgm:fillClrLst meth="repeat">
+      <a:schemeClr val="accent1"/>
+    </dgm:fillClrLst>
+    <dgm:linClrLst meth="repeat">
+      <a:schemeClr val="lt1"/>
+    </dgm:linClrLst>
+    <dgm:effectClrLst/>
+    <dgm:txLinClrLst/>
+    <dgm:txFillClrLst/>
+    <dgm:txEffectClrLst/>
+  </dgm:styleLbl>
+  <dgm:styleLbl name="asst1">
+    <dgm:fillClrLst meth="repeat">
+      <a:schemeClr val="accent1"/>
+    </dgm:fillClrLst>
+    <dgm:linClrLst meth="repeat">
+      <a:schemeClr val="lt1"/>
+    </dgm:linClrLst>
+    <dgm:effectClrLst/>
+    <dgm:txLinClrLst/>
+    <dgm:txFillClrLst/>
+    <dgm:txEffectClrLst/>
+  </dgm:styleLbl>
+  <dgm:styleLbl name="asst2">
+    <dgm:fillClrLst meth="repeat">
+      <a:schemeClr val="accent1"/>
+    </dgm:fillClrLst>
+    <dgm:linClrLst meth="repeat">
+      <a:schemeClr val="lt1"/>
+    </dgm:linClrLst>
+    <dgm:effectClrLst/>
+    <dgm:txLinClrLst/>
+    <dgm:txFillClrLst/>
+    <dgm:txEffectClrLst/>
+  </dgm:styleLbl>
+  <dgm:styleLbl name="asst3">
+    <dgm:fillClrLst meth="repeat">
+      <a:schemeClr val="accent1"/>
+    </dgm:fillClrLst>
+    <dgm:linClrLst meth="repeat">
+      <a:schemeClr val="lt1"/>
+    </dgm:linClrLst>
+    <dgm:effectClrLst/>
+    <dgm:txLinClrLst/>
+    <dgm:txFillClrLst/>
+    <dgm:txEffectClrLst/>
+  </dgm:styleLbl>
+  <dgm:styleLbl name="asst4">
+    <dgm:fillClrLst meth="repeat">
+      <a:schemeClr val="accent1"/>
+    </dgm:fillClrLst>
+    <dgm:linClrLst meth="repeat">
+      <a:schemeClr val="lt1"/>
+    </dgm:linClrLst>
+    <dgm:effectClrLst/>
+    <dgm:txLinClrLst/>
+    <dgm:txFillClrLst/>
+    <dgm:txEffectClrLst/>
+  </dgm:styleLbl>
+  <dgm:styleLbl name="parChTrans2D1">
+    <dgm:fillClrLst meth="repeat">
+      <a:schemeClr val="accent1">
+        <a:tint val="60000"/>
+      </a:schemeClr>
+    </dgm:fillClrLst>
+    <dgm:linClrLst meth="repeat">
+      <a:schemeClr val="accent1">
+        <a:tint val="60000"/>
+      </a:schemeClr>
+    </dgm:linClrLst>
+    <dgm:effectClrLst/>
+    <dgm:txLinClrLst/>
+    <dgm:txFillClrLst meth="repeat">
+      <a:schemeClr val="lt1"/>
+    </dgm:txFillClrLst>
+    <dgm:txEffectClrLst/>
+  </dgm:styleLbl>
+  <dgm:styleLbl name="parChTrans2D2">
+    <dgm:fillClrLst meth="repeat">
+      <a:schemeClr val="accent1"/>
+    </dgm:fillClrLst>
+    <dgm:linClrLst meth="repeat">
+      <a:schemeClr val="accent1"/>
+    </dgm:linClrLst>
+    <dgm:effectClrLst/>
+    <dgm:txLinClrLst/>
+    <dgm:txFillClrLst meth="repeat">
+      <a:schemeClr val="lt1"/>
+    </dgm:txFillClrLst>
+    <dgm:txEffectClrLst/>
+  </dgm:styleLbl>
+  <dgm:styleLbl name="parChTrans2D3">
+    <dgm:fillClrLst meth="repeat">
+      <a:schemeClr val="accent1"/>
+    </dgm:fillClrLst>
+    <dgm:linClrLst meth="repeat">
+      <a:schemeClr val="accent1"/>
+    </dgm:linClrLst>
+    <dgm:effectClrLst/>
+    <dgm:txLinClrLst/>
+    <dgm:txFillClrLst meth="repeat">
+      <a:schemeClr val="lt1"/>
+    </dgm:txFillClrLst>
+    <dgm:txEffectClrLst/>
+  </dgm:styleLbl>
+  <dgm:styleLbl name="parChTrans2D4">
+    <dgm:fillClrLst meth="repeat">
+      <a:schemeClr val="accent1"/>
+    </dgm:fillClrLst>
+    <dgm:linClrLst meth="repeat">
+      <a:schemeClr val="accent1"/>
+    </dgm:linClrLst>
+    <dgm:effectClrLst/>
+    <dgm:txLinClrLst/>
+    <dgm:txFillClrLst meth="repeat">
+      <a:schemeClr val="lt1"/>
+    </dgm:txFillClrLst>
+    <dgm:txEffectClrLst/>
+  </dgm:styleLbl>
+  <dgm:styleLbl name="parChTrans1D1">
+    <dgm:fillClrLst meth="repeat">
+      <a:schemeClr val="accent1"/>
+    </dgm:fillClrLst>
+    <dgm:linClrLst meth="repeat">
+      <a:schemeClr val="accent1">
+        <a:shade val="60000"/>
+      </a:schemeClr>
+    </dgm:linClrLst>
+    <dgm:effectClrLst/>
+    <dgm:txLinClrLst/>
+    <dgm:txFillClrLst meth="repeat">
+      <a:schemeClr val="tx1"/>
+    </dgm:txFillClrLst>
+    <dgm:txEffectClrLst/>
+  </dgm:styleLbl>
+  <dgm:styleLbl name="parChTrans1D2">
+    <dgm:fillClrLst meth="repeat">
+      <a:schemeClr val="accent1"/>
+    </dgm:fillClrLst>
+    <dgm:linClrLst meth="repeat">
+      <a:schemeClr val="accent1">
+        <a:shade val="60000"/>
+      </a:schemeClr>
+    </dgm:linClrLst>
+    <dgm:effectClrLst/>
+    <dgm:txLinClrLst/>
+    <dgm:txFillClrLst meth="repeat">
+      <a:schemeClr val="tx1"/>
+    </dgm:txFillClrLst>
+    <dgm:txEffectClrLst/>
+  </dgm:styleLbl>
+  <dgm:styleLbl name="parChTrans1D3">
+    <dgm:fillClrLst meth="repeat">
+      <a:schemeClr val="accent1"/>
+    </dgm:fillClrLst>
+    <dgm:linClrLst meth="repeat">
+      <a:schemeClr val="accent1">
+        <a:shade val="80000"/>
+      </a:schemeClr>
+    </dgm:linClrLst>
+    <dgm:effectClrLst/>
+    <dgm:txLinClrLst/>
+    <dgm:txFillClrLst meth="repeat">
+      <a:schemeClr val="tx1"/>
+    </dgm:txFillClrLst>
+    <dgm:txEffectClrLst/>
+  </dgm:styleLbl>
+  <dgm:styleLbl name="parChTrans1D4">
+    <dgm:fillClrLst meth="repeat">
+      <a:schemeClr val="accent1"/>
+    </dgm:fillClrLst>
+    <dgm:linClrLst meth="repeat">
+      <a:schemeClr val="accent1">
+        <a:shade val="80000"/>
+      </a:schemeClr>
+    </dgm:linClrLst>
+    <dgm:effectClrLst/>
+    <dgm:txLinClrLst/>
+    <dgm:txFillClrLst meth="repeat">
+      <a:schemeClr val="tx1"/>
+    </dgm:txFillClrLst>
+    <dgm:txEffectClrLst/>
+  </dgm:styleLbl>
+  <dgm:styleLbl name="fgAcc1">
+    <dgm:fillClrLst meth="repeat">
+      <a:schemeClr val="lt1">
+        <a:alpha val="90000"/>
+      </a:schemeClr>
+    </dgm:fillClrLst>
+    <dgm:linClrLst meth="repeat">
+      <a:schemeClr val="accent1"/>
+    </dgm:linClrLst>
+    <dgm:effectClrLst/>
+    <dgm:txLinClrLst/>
+    <dgm:txFillClrLst meth="repeat">
+      <a:schemeClr val="dk1"/>
+    </dgm:txFillClrLst>
+    <dgm:txEffectClrLst/>
+  </dgm:styleLbl>
+  <dgm:styleLbl name="conFgAcc1">
+    <dgm:fillClrLst meth="repeat">
+      <a:schemeClr val="lt1">
+        <a:alpha val="90000"/>
+      </a:schemeClr>
+    </dgm:fillClrLst>
+    <dgm:linClrLst meth="repeat">
+      <a:schemeClr val="accent1"/>
+    </dgm:linClrLst>
+    <dgm:effectClrLst/>
+    <dgm:txLinClrLst/>
+    <dgm:txFillClrLst meth="repeat">
+      <a:schemeClr val="dk1"/>
+    </dgm:txFillClrLst>
+    <dgm:txEffectClrLst/>
+  </dgm:styleLbl>
+  <dgm:styleLbl name="alignAcc1">
+    <dgm:fillClrLst meth="repeat">
+      <a:schemeClr val="lt1">
+        <a:alpha val="90000"/>
+      </a:schemeClr>
+    </dgm:fillClrLst>
+    <dgm:linClrLst meth="repeat">
+      <a:schemeClr val="accent1"/>
+    </dgm:linClrLst>
+    <dgm:effectClrLst/>
+    <dgm:txLinClrLst/>
+    <dgm:txFillClrLst meth="repeat">
+      <a:schemeClr val="dk1"/>
+    </dgm:txFillClrLst>
+    <dgm:txEffectClrLst/>
+  </dgm:styleLbl>
+  <dgm:styleLbl name="trAlignAcc1">
+    <dgm:fillClrLst meth="repeat">
+      <a:schemeClr val="lt1">
+        <a:alpha val="40000"/>
+      </a:schemeClr>
+    </dgm:fillClrLst>
+    <dgm:linClrLst meth="repeat">
+      <a:schemeClr val="accent1"/>
+    </dgm:linClrLst>
+    <dgm:effectClrLst/>
+    <dgm:txLinClrLst/>
+    <dgm:txFillClrLst meth="repeat">
+      <a:schemeClr val="dk1"/>
+    </dgm:txFillClrLst>
+    <dgm:txEffectClrLst/>
+  </dgm:styleLbl>
+  <dgm:styleLbl name="bgAcc1">
+    <dgm:fillClrLst meth="repeat">
+      <a:schemeClr val="lt1">
+        <a:alpha val="90000"/>
+      </a:schemeClr>
+    </dgm:fillClrLst>
+    <dgm:linClrLst meth="repeat">
+      <a:schemeClr val="accent1"/>
+    </dgm:linClrLst>
+    <dgm:effectClrLst/>
+    <dgm:txLinClrLst/>
+    <dgm:txFillClrLst meth="repeat">
+      <a:schemeClr val="dk1"/>
+    </dgm:txFillClrLst>
+    <dgm:txEffectClrLst/>
+  </dgm:styleLbl>
+  <dgm:styleLbl name="solidFgAcc1">
+    <dgm:fillClrLst meth="repeat">
+      <a:schemeClr val="lt1"/>
+    </dgm:fillClrLst>
+    <dgm:linClrLst meth="repeat">
+      <a:schemeClr val="accent1"/>
+    </dgm:linClrLst>
+    <dgm:effectClrLst/>
+    <dgm:txLinClrLst/>
+    <dgm:txFillClrLst meth="repeat">
+      <a:schemeClr val="dk1"/>
+    </dgm:txFillClrLst>
+    <dgm:txEffectClrLst/>
+  </dgm:styleLbl>
+  <dgm:styleLbl name="solidAlignAcc1">
+    <dgm:fillClrLst meth="repeat">
+      <a:schemeClr val="lt1"/>
+    </dgm:fillClrLst>
+    <dgm:linClrLst meth="repeat">
+      <a:schemeClr val="accent1"/>
+    </dgm:linClrLst>
+    <dgm:effectClrLst/>
+    <dgm:txLinClrLst/>
+    <dgm:txFillClrLst meth="repeat">
+      <a:schemeClr val="dk1"/>
+    </dgm:txFillClrLst>
+    <dgm:txEffectClrLst/>
+  </dgm:styleLbl>
+  <dgm:styleLbl name="solidBgAcc1">
+    <dgm:fillClrLst meth="repeat">
+      <a:schemeClr val="lt1"/>
+    </dgm:fillClrLst>
+    <dgm:linClrLst meth="repeat">
+      <a:schemeClr val="accent1"/>
+    </dgm:linClrLst>
+    <dgm:effectClrLst/>
+    <dgm:txLinClrLst/>
+    <dgm:txFillClrLst meth="repeat">
+      <a:schemeClr val="dk1"/>
+    </dgm:txFillClrLst>
+    <dgm:txEffectClrLst/>
+  </dgm:styleLbl>
+  <dgm:styleLbl name="fgAccFollowNode1">
+    <dgm:fillClrLst meth="repeat">
+      <a:schemeClr val="accent1">
+        <a:alpha val="90000"/>
+        <a:tint val="40000"/>
+      </a:schemeClr>
+    </dgm:fillClrLst>
+    <dgm:linClrLst meth="repeat">
+      <a:schemeClr val="accent1">
+        <a:alpha val="90000"/>
+        <a:tint val="40000"/>
+      </a:schemeClr>
+    </dgm:linClrLst>
+    <dgm:effectClrLst/>
+    <dgm:txLinClrLst/>
+    <dgm:txFillClrLst meth="repeat">
+      <a:schemeClr val="dk1"/>
+    </dgm:txFillClrLst>
+    <dgm:txEffectClrLst/>
+  </dgm:styleLbl>
+  <dgm:styleLbl name="alignAccFollowNode1">
+    <dgm:fillClrLst meth="repeat">
+      <a:schemeClr val="accent1">
+        <a:alpha val="90000"/>
+        <a:tint val="40000"/>
+      </a:schemeClr>
+    </dgm:fillClrLst>
+    <dgm:linClrLst meth="repeat">
+      <a:schemeClr val="accent1">
+        <a:alpha val="90000"/>
+        <a:tint val="40000"/>
+      </a:schemeClr>
+    </dgm:linClrLst>
+    <dgm:effectClrLst/>
+    <dgm:txLinClrLst/>
+    <dgm:txFillClrLst meth="repeat">
+      <a:schemeClr val="dk1"/>
+    </dgm:txFillClrLst>
+    <dgm:txEffectClrLst/>
+  </dgm:styleLbl>
+  <dgm:styleLbl name="bgAccFollowNode1">
+    <dgm:fillClrLst meth="repeat">
+      <a:schemeClr val="accent1">
+        <a:alpha val="90000"/>
+        <a:tint val="40000"/>
+      </a:schemeClr>
+    </dgm:fillClrLst>
+    <dgm:linClrLst meth="repeat">
+      <a:schemeClr val="accent1">
+        <a:alpha val="90000"/>
+        <a:tint val="40000"/>
+      </a:schemeClr>
+    </dgm:linClrLst>
+    <dgm:effectClrLst/>
+    <dgm:txLinClrLst/>
+    <dgm:txFillClrLst meth="repeat">
+      <a:schemeClr val="dk1"/>
+    </dgm:txFillClrLst>
+    <dgm:txEffectClrLst/>
+  </dgm:styleLbl>
+  <dgm:styleLbl name="fgAcc0">
+    <dgm:fillClrLst meth="repeat">
+      <a:schemeClr val="lt1">
+        <a:alpha val="90000"/>
+      </a:schemeClr>
+    </dgm:fillClrLst>
+    <dgm:linClrLst meth="repeat">
+      <a:schemeClr val="accent1"/>
+    </dgm:linClrLst>
+    <dgm:effectClrLst/>
+    <dgm:txLinClrLst/>
+    <dgm:txFillClrLst meth="repeat">
+      <a:schemeClr val="dk1"/>
+    </dgm:txFillClrLst>
+    <dgm:txEffectClrLst/>
+  </dgm:styleLbl>
+  <dgm:styleLbl name="fgAcc2">
+    <dgm:fillClrLst meth="repeat">
+      <a:schemeClr val="lt1">
+        <a:alpha val="90000"/>
+      </a:schemeClr>
+    </dgm:fillClrLst>
+    <dgm:linClrLst meth="repeat">
+      <a:schemeClr val="accent1"/>
+    </dgm:linClrLst>
+    <dgm:effectClrLst/>
+    <dgm:txLinClrLst/>
+    <dgm:txFillClrLst meth="repeat">
+      <a:schemeClr val="dk1"/>
+    </dgm:txFillClrLst>
+    <dgm:txEffectClrLst/>
+  </dgm:styleLbl>
+  <dgm:styleLbl name="fgAcc3">
+    <dgm:fillClrLst meth="repeat">
+      <a:schemeClr val="lt1">
+        <a:alpha val="90000"/>
+      </a:schemeClr>
+    </dgm:fillClrLst>
+    <dgm:linClrLst meth="repeat">
+      <a:schemeClr val="accent1"/>
+    </dgm:linClrLst>
+    <dgm:effectClrLst/>
+    <dgm:txLinClrLst/>
+    <dgm:txFillClrLst meth="repeat">
+      <a:schemeClr val="dk1"/>
+    </dgm:txFillClrLst>
+    <dgm:txEffectClrLst/>
+  </dgm:styleLbl>
+  <dgm:styleLbl name="fgAcc4">
+    <dgm:fillClrLst meth="repeat">
+      <a:schemeClr val="lt1">
+        <a:alpha val="90000"/>
+      </a:schemeClr>
+    </dgm:fillClrLst>
+    <dgm:linClrLst meth="repeat">
+      <a:schemeClr val="accent1"/>
+    </dgm:linClrLst>
+    <dgm:effectClrLst/>
+    <dgm:txLinClrLst/>
+    <dgm:txFillClrLst meth="repeat">
+      <a:schemeClr val="dk1"/>
+    </dgm:txFillClrLst>
+    <dgm:txEffectClrLst/>
+  </dgm:styleLbl>
+  <dgm:styleLbl name="bgShp">
+    <dgm:fillClrLst meth="repeat">
+      <a:schemeClr val="accent1">
+        <a:tint val="40000"/>
+      </a:schemeClr>
+    </dgm:fillClrLst>
+    <dgm:linClrLst meth="repeat">
+      <a:schemeClr val="accent1"/>
+    </dgm:linClrLst>
+    <dgm:effectClrLst/>
+    <dgm:txLinClrLst/>
+    <dgm:txFillClrLst meth="repeat">
+      <a:schemeClr val="dk1"/>
+    </dgm:txFillClrLst>
+    <dgm:txEffectClrLst/>
+  </dgm:styleLbl>
+  <dgm:styleLbl name="dkBgShp">
+    <dgm:fillClrLst meth="repeat">
+      <a:schemeClr val="accent1">
+        <a:shade val="80000"/>
+      </a:schemeClr>
+    </dgm:fillClrLst>
+    <dgm:linClrLst meth="repeat">
+      <a:schemeClr val="accent1"/>
+    </dgm:linClrLst>
+    <dgm:effectClrLst/>
+    <dgm:txLinClrLst/>
+    <dgm:txFillClrLst meth="repeat">
+      <a:schemeClr val="lt1"/>
+    </dgm:txFillClrLst>
+    <dgm:txEffectClrLst/>
+  </dgm:styleLbl>
+  <dgm:styleLbl name="trBgShp">
+    <dgm:fillClrLst meth="repeat">
+      <a:schemeClr val="accent1">
+        <a:tint val="50000"/>
+        <a:alpha val="40000"/>
+      </a:schemeClr>
+    </dgm:fillClrLst>
+    <dgm:linClrLst meth="repeat">
+      <a:schemeClr val="accent1"/>
+    </dgm:linClrLst>
+    <dgm:effectClrLst/>
+    <dgm:txLinClrLst/>
+    <dgm:txFillClrLst meth="repeat">
+      <a:schemeClr val="lt1"/>
+    </dgm:txFillClrLst>
+    <dgm:txEffectClrLst/>
+  </dgm:styleLbl>
+  <dgm:styleLbl name="fgShp">
+    <dgm:fillClrLst meth="repeat">
+      <a:schemeClr val="accent1">
+        <a:tint val="60000"/>
+      </a:schemeClr>
+    </dgm:fillClrLst>
+    <dgm:linClrLst meth="repeat">
+      <a:schemeClr val="lt1"/>
+    </dgm:linClrLst>
+    <dgm:effectClrLst/>
+    <dgm:txLinClrLst/>
+    <dgm:txFillClrLst meth="repeat">
+      <a:schemeClr val="dk1"/>
+    </dgm:txFillClrLst>
+    <dgm:txEffectClrLst/>
+  </dgm:styleLbl>
+  <dgm:styleLbl name="revTx">
+    <dgm:fillClrLst meth="repeat">
+      <a:schemeClr val="lt1">
+        <a:alpha val="0"/>
+      </a:schemeClr>
+    </dgm:fillClrLst>
+    <dgm:linClrLst meth="repeat">
+      <a:schemeClr val="dk1">
+        <a:alpha val="0"/>
+      </a:schemeClr>
+    </dgm:linClrLst>
+    <dgm:effectClrLst/>
+    <dgm:txLinClrLst/>
+    <dgm:txFillClrLst meth="repeat">
+      <a:schemeClr val="tx1"/>
+    </dgm:txFillClrLst>
+    <dgm:txEffectClrLst/>
+  </dgm:styleLbl>
+</dgm:colorsDef>
+</file>
+
+<file path=ppt/diagrams/colors5.xml><?xml version="1.0" encoding="utf-8"?>
 <dgm:colorsDef xmlns:dgm="http://schemas.openxmlformats.org/drawingml/2006/diagram" xmlns:a="http://schemas.openxmlformats.org/drawingml/2006/main" uniqueId="urn:microsoft.com/office/officeart/2005/8/colors/accent1_2">
   <dgm:title val=""/>
   <dgm:desc val=""/>
@@ -2960,7 +4458,7 @@
         <a:lstStyle/>
         <a:p>
           <a:r>
-            <a:rPr lang="en-US" smtClean="0"/>
+            <a:rPr lang="en-US" dirty="0" smtClean="0"/>
             <a:t>Hazard</a:t>
           </a:r>
           <a:endParaRPr lang="en-US" dirty="0"/>
@@ -3036,14 +4534,35 @@
         </dgm:presLayoutVars>
       </dgm:prSet>
       <dgm:spPr/>
+      <dgm:t>
+        <a:bodyPr/>
+        <a:lstStyle/>
+        <a:p>
+          <a:endParaRPr lang="en-US"/>
+        </a:p>
+      </dgm:t>
     </dgm:pt>
     <dgm:pt modelId="{A1ED98AF-9F90-D143-B84A-E5A2851235FC}" type="pres">
       <dgm:prSet presAssocID="{ED1367CB-9406-BF44-B3C3-0D02221EF958}" presName="centerShape" presStyleLbl="node0" presStyleIdx="0" presStyleCnt="1"/>
       <dgm:spPr/>
+      <dgm:t>
+        <a:bodyPr/>
+        <a:lstStyle/>
+        <a:p>
+          <a:endParaRPr lang="en-US"/>
+        </a:p>
+      </dgm:t>
     </dgm:pt>
     <dgm:pt modelId="{6B86A08A-3170-B149-9531-8CF202D3D62C}" type="pres">
       <dgm:prSet presAssocID="{CBE0903F-8B40-3742-B396-FA92E2EFDF0D}" presName="parTrans" presStyleLbl="bgSibTrans2D1" presStyleIdx="0" presStyleCnt="3"/>
       <dgm:spPr/>
+      <dgm:t>
+        <a:bodyPr/>
+        <a:lstStyle/>
+        <a:p>
+          <a:endParaRPr lang="en-US"/>
+        </a:p>
+      </dgm:t>
     </dgm:pt>
     <dgm:pt modelId="{88BFBCBD-11C3-CE49-938D-1B600C9B6508}" type="pres">
       <dgm:prSet presAssocID="{DD6BCC4B-5E12-3845-8CF7-B2E5F9830B6A}" presName="node" presStyleLbl="node1" presStyleIdx="0" presStyleCnt="3">
@@ -3052,10 +4571,24 @@
         </dgm:presLayoutVars>
       </dgm:prSet>
       <dgm:spPr/>
+      <dgm:t>
+        <a:bodyPr/>
+        <a:lstStyle/>
+        <a:p>
+          <a:endParaRPr lang="en-US"/>
+        </a:p>
+      </dgm:t>
     </dgm:pt>
     <dgm:pt modelId="{5235DE4E-7D7F-2F4E-A0CA-6913A33BE539}" type="pres">
       <dgm:prSet presAssocID="{1C25A7A4-93E0-BA44-8648-9D40496067DC}" presName="parTrans" presStyleLbl="bgSibTrans2D1" presStyleIdx="1" presStyleCnt="3"/>
       <dgm:spPr/>
+      <dgm:t>
+        <a:bodyPr/>
+        <a:lstStyle/>
+        <a:p>
+          <a:endParaRPr lang="en-US"/>
+        </a:p>
+      </dgm:t>
     </dgm:pt>
     <dgm:pt modelId="{5DB02E11-B99B-774E-B4DA-FA8E864C2F24}" type="pres">
       <dgm:prSet presAssocID="{29E5DC1B-E1CE-024C-AF29-D75A3762173C}" presName="node" presStyleLbl="node1" presStyleIdx="1" presStyleCnt="3">
@@ -3075,6 +4608,13 @@
     <dgm:pt modelId="{858F3E64-6B67-D74A-B91F-DAA0820CBC49}" type="pres">
       <dgm:prSet presAssocID="{84263B29-ADA3-8841-AA84-9F3A92FBBC7F}" presName="parTrans" presStyleLbl="bgSibTrans2D1" presStyleIdx="2" presStyleCnt="3"/>
       <dgm:spPr/>
+      <dgm:t>
+        <a:bodyPr/>
+        <a:lstStyle/>
+        <a:p>
+          <a:endParaRPr lang="en-US"/>
+        </a:p>
+      </dgm:t>
     </dgm:pt>
     <dgm:pt modelId="{B2CDDBF3-96B7-884B-8198-A41A58DD9390}" type="pres">
       <dgm:prSet presAssocID="{A1FA5A00-7E43-3C4E-BCBB-BF8022C9A59B}" presName="node" presStyleLbl="node1" presStyleIdx="2" presStyleCnt="3">
@@ -3083,6 +4623,13 @@
         </dgm:presLayoutVars>
       </dgm:prSet>
       <dgm:spPr/>
+      <dgm:t>
+        <a:bodyPr/>
+        <a:lstStyle/>
+        <a:p>
+          <a:endParaRPr lang="en-US"/>
+        </a:p>
+      </dgm:t>
     </dgm:pt>
   </dgm:ptLst>
   <dgm:cxnLst>
@@ -3111,6 +4658,500 @@
   <dgm:extLst>
     <a:ext uri="http://schemas.microsoft.com/office/drawing/2008/diagram">
       <dsp:dataModelExt xmlns:dsp="http://schemas.microsoft.com/office/drawing/2008/diagram" relId="rId6" minVer="http://schemas.openxmlformats.org/drawingml/2006/diagram"/>
+    </a:ext>
+  </dgm:extLst>
+</dgm:dataModel>
+</file>
+
+<file path=ppt/diagrams/data4.xml><?xml version="1.0" encoding="utf-8"?>
+<dgm:dataModel xmlns:dgm="http://schemas.openxmlformats.org/drawingml/2006/diagram" xmlns:a="http://schemas.openxmlformats.org/drawingml/2006/main">
+  <dgm:ptLst>
+    <dgm:pt modelId="{8C01D5BE-A3A6-E84A-8414-BF1B035A6270}" type="doc">
+      <dgm:prSet loTypeId="urn:microsoft.com/office/officeart/2005/8/layout/equation1" loCatId="" qsTypeId="urn:microsoft.com/office/officeart/2005/8/quickstyle/simple4" qsCatId="simple" csTypeId="urn:microsoft.com/office/officeart/2005/8/colors/accent1_2" csCatId="accent1" phldr="1"/>
+      <dgm:spPr/>
+    </dgm:pt>
+    <dgm:pt modelId="{A839A946-A87D-B147-B09E-73EADA32204F}">
+      <dgm:prSet phldrT="[Text]"/>
+      <dgm:spPr/>
+      <dgm:t>
+        <a:bodyPr/>
+        <a:lstStyle/>
+        <a:p>
+          <a:r>
+            <a:rPr lang="en-US" dirty="0" smtClean="0"/>
+            <a:t>Prehension1</a:t>
+          </a:r>
+          <a:endParaRPr lang="en-US" dirty="0"/>
+        </a:p>
+      </dgm:t>
+    </dgm:pt>
+    <dgm:pt modelId="{92CB6341-D1DF-CD4A-A878-B7C96DE157E4}" type="parTrans" cxnId="{66D59332-1822-424F-8BE2-FBDC57174958}">
+      <dgm:prSet/>
+      <dgm:spPr/>
+    </dgm:pt>
+    <dgm:pt modelId="{EEF684F0-CF6F-054D-9CFE-CDC5C013D75A}" type="sibTrans" cxnId="{66D59332-1822-424F-8BE2-FBDC57174958}">
+      <dgm:prSet/>
+      <dgm:spPr/>
+      <dgm:t>
+        <a:bodyPr/>
+        <a:lstStyle/>
+        <a:p>
+          <a:endParaRPr lang="en-US"/>
+        </a:p>
+      </dgm:t>
+    </dgm:pt>
+    <dgm:pt modelId="{7971CBDD-C72C-7246-A65A-6BC9536B0736}">
+      <dgm:prSet phldrT="[Text]"/>
+      <dgm:spPr/>
+      <dgm:t>
+        <a:bodyPr/>
+        <a:lstStyle/>
+        <a:p>
+          <a:r>
+            <a:rPr lang="en-US" dirty="0" smtClean="0"/>
+            <a:t>Prehension2</a:t>
+          </a:r>
+          <a:endParaRPr lang="en-US" dirty="0"/>
+        </a:p>
+      </dgm:t>
+    </dgm:pt>
+    <dgm:pt modelId="{D3A9ABD7-34D6-1A42-8A92-3AFA67CE236B}" type="parTrans" cxnId="{48A1AA7E-F9C7-A84A-AFEC-4EFEDEE6BC4A}">
+      <dgm:prSet/>
+      <dgm:spPr/>
+    </dgm:pt>
+    <dgm:pt modelId="{23D4BC95-D636-4541-9890-B1E4E26F88AB}" type="sibTrans" cxnId="{48A1AA7E-F9C7-A84A-AFEC-4EFEDEE6BC4A}">
+      <dgm:prSet/>
+      <dgm:spPr/>
+      <dgm:t>
+        <a:bodyPr/>
+        <a:lstStyle/>
+        <a:p>
+          <a:endParaRPr lang="en-US"/>
+        </a:p>
+      </dgm:t>
+    </dgm:pt>
+    <dgm:pt modelId="{5E19AFC7-3BB4-5249-AC2E-C801E47E0739}">
+      <dgm:prSet phldrT="[Text]"/>
+      <dgm:spPr/>
+      <dgm:t>
+        <a:bodyPr/>
+        <a:lstStyle/>
+        <a:p>
+          <a:r>
+            <a:rPr lang="en-US" dirty="0" smtClean="0"/>
+            <a:t>A </a:t>
+          </a:r>
+          <a:r>
+            <a:rPr lang="en-US" dirty="0" err="1" smtClean="0"/>
+            <a:t>prehension</a:t>
+          </a:r>
+          <a:endParaRPr lang="en-US" dirty="0"/>
+        </a:p>
+      </dgm:t>
+    </dgm:pt>
+    <dgm:pt modelId="{E6DC1243-897E-DE45-84CD-552AF90C619F}" type="parTrans" cxnId="{1378C20C-EF0B-044B-BC3B-5497862FD0F2}">
+      <dgm:prSet/>
+      <dgm:spPr/>
+    </dgm:pt>
+    <dgm:pt modelId="{2BE95596-3CD4-1A49-BBD2-293675CA8172}" type="sibTrans" cxnId="{1378C20C-EF0B-044B-BC3B-5497862FD0F2}">
+      <dgm:prSet/>
+      <dgm:spPr/>
+    </dgm:pt>
+    <dgm:pt modelId="{BCB6158D-5DA5-3C4C-BC18-F2CE3AD24149}" type="pres">
+      <dgm:prSet presAssocID="{8C01D5BE-A3A6-E84A-8414-BF1B035A6270}" presName="linearFlow" presStyleCnt="0">
+        <dgm:presLayoutVars>
+          <dgm:dir/>
+          <dgm:resizeHandles val="exact"/>
+        </dgm:presLayoutVars>
+      </dgm:prSet>
+      <dgm:spPr/>
+    </dgm:pt>
+    <dgm:pt modelId="{F4FA07D4-B546-3F44-8DF7-731B795CDB90}" type="pres">
+      <dgm:prSet presAssocID="{A839A946-A87D-B147-B09E-73EADA32204F}" presName="node" presStyleLbl="node1" presStyleIdx="0" presStyleCnt="3">
+        <dgm:presLayoutVars>
+          <dgm:bulletEnabled val="1"/>
+        </dgm:presLayoutVars>
+      </dgm:prSet>
+      <dgm:spPr/>
+      <dgm:t>
+        <a:bodyPr/>
+        <a:lstStyle/>
+        <a:p>
+          <a:endParaRPr lang="en-US"/>
+        </a:p>
+      </dgm:t>
+    </dgm:pt>
+    <dgm:pt modelId="{AB5F988E-B0D9-684D-862D-99B32DAC03D5}" type="pres">
+      <dgm:prSet presAssocID="{EEF684F0-CF6F-054D-9CFE-CDC5C013D75A}" presName="spacerL" presStyleCnt="0"/>
+      <dgm:spPr/>
+    </dgm:pt>
+    <dgm:pt modelId="{C8476DB5-DB24-7B44-8FEF-EEA4E4698EE3}" type="pres">
+      <dgm:prSet presAssocID="{EEF684F0-CF6F-054D-9CFE-CDC5C013D75A}" presName="sibTrans" presStyleLbl="sibTrans2D1" presStyleIdx="0" presStyleCnt="2"/>
+      <dgm:spPr/>
+      <dgm:t>
+        <a:bodyPr/>
+        <a:lstStyle/>
+        <a:p>
+          <a:endParaRPr lang="en-US"/>
+        </a:p>
+      </dgm:t>
+    </dgm:pt>
+    <dgm:pt modelId="{9A4F3B8F-6C1B-F549-A429-0D363BE603FC}" type="pres">
+      <dgm:prSet presAssocID="{EEF684F0-CF6F-054D-9CFE-CDC5C013D75A}" presName="spacerR" presStyleCnt="0"/>
+      <dgm:spPr/>
+    </dgm:pt>
+    <dgm:pt modelId="{29ADC74E-F447-CE48-B13E-FC6549E5ECC8}" type="pres">
+      <dgm:prSet presAssocID="{7971CBDD-C72C-7246-A65A-6BC9536B0736}" presName="node" presStyleLbl="node1" presStyleIdx="1" presStyleCnt="3">
+        <dgm:presLayoutVars>
+          <dgm:bulletEnabled val="1"/>
+        </dgm:presLayoutVars>
+      </dgm:prSet>
+      <dgm:spPr/>
+      <dgm:t>
+        <a:bodyPr/>
+        <a:lstStyle/>
+        <a:p>
+          <a:endParaRPr lang="en-US"/>
+        </a:p>
+      </dgm:t>
+    </dgm:pt>
+    <dgm:pt modelId="{14B0463F-523A-7847-9F42-BFDD698842EC}" type="pres">
+      <dgm:prSet presAssocID="{23D4BC95-D636-4541-9890-B1E4E26F88AB}" presName="spacerL" presStyleCnt="0"/>
+      <dgm:spPr/>
+    </dgm:pt>
+    <dgm:pt modelId="{A39D0033-CCD9-884C-87DB-F144F6409893}" type="pres">
+      <dgm:prSet presAssocID="{23D4BC95-D636-4541-9890-B1E4E26F88AB}" presName="sibTrans" presStyleLbl="sibTrans2D1" presStyleIdx="1" presStyleCnt="2"/>
+      <dgm:spPr/>
+      <dgm:t>
+        <a:bodyPr/>
+        <a:lstStyle/>
+        <a:p>
+          <a:endParaRPr lang="en-US"/>
+        </a:p>
+      </dgm:t>
+    </dgm:pt>
+    <dgm:pt modelId="{DB409E98-5D2F-094F-A56C-63965CEC347C}" type="pres">
+      <dgm:prSet presAssocID="{23D4BC95-D636-4541-9890-B1E4E26F88AB}" presName="spacerR" presStyleCnt="0"/>
+      <dgm:spPr/>
+    </dgm:pt>
+    <dgm:pt modelId="{78CE2D1B-D92B-AD48-8116-163D8A5AB67F}" type="pres">
+      <dgm:prSet presAssocID="{5E19AFC7-3BB4-5249-AC2E-C801E47E0739}" presName="node" presStyleLbl="node1" presStyleIdx="2" presStyleCnt="3">
+        <dgm:presLayoutVars>
+          <dgm:bulletEnabled val="1"/>
+        </dgm:presLayoutVars>
+      </dgm:prSet>
+      <dgm:spPr/>
+      <dgm:t>
+        <a:bodyPr/>
+        <a:lstStyle/>
+        <a:p>
+          <a:endParaRPr lang="en-US"/>
+        </a:p>
+      </dgm:t>
+    </dgm:pt>
+  </dgm:ptLst>
+  <dgm:cxnLst>
+    <dgm:cxn modelId="{4F3969A0-6B03-134E-82C6-84202B5D67D5}" type="presOf" srcId="{A839A946-A87D-B147-B09E-73EADA32204F}" destId="{F4FA07D4-B546-3F44-8DF7-731B795CDB90}" srcOrd="0" destOrd="0" presId="urn:microsoft.com/office/officeart/2005/8/layout/equation1"/>
+    <dgm:cxn modelId="{609ACF92-F204-C941-B494-18362B60B4B4}" type="presOf" srcId="{5E19AFC7-3BB4-5249-AC2E-C801E47E0739}" destId="{78CE2D1B-D92B-AD48-8116-163D8A5AB67F}" srcOrd="0" destOrd="0" presId="urn:microsoft.com/office/officeart/2005/8/layout/equation1"/>
+    <dgm:cxn modelId="{987E2833-634D-2147-88A9-2B78F63937B9}" type="presOf" srcId="{8C01D5BE-A3A6-E84A-8414-BF1B035A6270}" destId="{BCB6158D-5DA5-3C4C-BC18-F2CE3AD24149}" srcOrd="0" destOrd="0" presId="urn:microsoft.com/office/officeart/2005/8/layout/equation1"/>
+    <dgm:cxn modelId="{66D59332-1822-424F-8BE2-FBDC57174958}" srcId="{8C01D5BE-A3A6-E84A-8414-BF1B035A6270}" destId="{A839A946-A87D-B147-B09E-73EADA32204F}" srcOrd="0" destOrd="0" parTransId="{92CB6341-D1DF-CD4A-A878-B7C96DE157E4}" sibTransId="{EEF684F0-CF6F-054D-9CFE-CDC5C013D75A}"/>
+    <dgm:cxn modelId="{CDB345DC-A151-194D-A64E-399F3E9187D7}" type="presOf" srcId="{23D4BC95-D636-4541-9890-B1E4E26F88AB}" destId="{A39D0033-CCD9-884C-87DB-F144F6409893}" srcOrd="0" destOrd="0" presId="urn:microsoft.com/office/officeart/2005/8/layout/equation1"/>
+    <dgm:cxn modelId="{48A1AA7E-F9C7-A84A-AFEC-4EFEDEE6BC4A}" srcId="{8C01D5BE-A3A6-E84A-8414-BF1B035A6270}" destId="{7971CBDD-C72C-7246-A65A-6BC9536B0736}" srcOrd="1" destOrd="0" parTransId="{D3A9ABD7-34D6-1A42-8A92-3AFA67CE236B}" sibTransId="{23D4BC95-D636-4541-9890-B1E4E26F88AB}"/>
+    <dgm:cxn modelId="{E4401C55-A1B9-1945-A344-0A38FE7E801E}" type="presOf" srcId="{7971CBDD-C72C-7246-A65A-6BC9536B0736}" destId="{29ADC74E-F447-CE48-B13E-FC6549E5ECC8}" srcOrd="0" destOrd="0" presId="urn:microsoft.com/office/officeart/2005/8/layout/equation1"/>
+    <dgm:cxn modelId="{1378C20C-EF0B-044B-BC3B-5497862FD0F2}" srcId="{8C01D5BE-A3A6-E84A-8414-BF1B035A6270}" destId="{5E19AFC7-3BB4-5249-AC2E-C801E47E0739}" srcOrd="2" destOrd="0" parTransId="{E6DC1243-897E-DE45-84CD-552AF90C619F}" sibTransId="{2BE95596-3CD4-1A49-BBD2-293675CA8172}"/>
+    <dgm:cxn modelId="{186923A0-1291-1449-A886-9B93053BC2CD}" type="presOf" srcId="{EEF684F0-CF6F-054D-9CFE-CDC5C013D75A}" destId="{C8476DB5-DB24-7B44-8FEF-EEA4E4698EE3}" srcOrd="0" destOrd="0" presId="urn:microsoft.com/office/officeart/2005/8/layout/equation1"/>
+    <dgm:cxn modelId="{1A9AA77F-4667-2843-8C1A-4C143AFB2FAF}" type="presParOf" srcId="{BCB6158D-5DA5-3C4C-BC18-F2CE3AD24149}" destId="{F4FA07D4-B546-3F44-8DF7-731B795CDB90}" srcOrd="0" destOrd="0" presId="urn:microsoft.com/office/officeart/2005/8/layout/equation1"/>
+    <dgm:cxn modelId="{3F883F09-F6FE-FE4B-9637-6FDBAFD7ECB1}" type="presParOf" srcId="{BCB6158D-5DA5-3C4C-BC18-F2CE3AD24149}" destId="{AB5F988E-B0D9-684D-862D-99B32DAC03D5}" srcOrd="1" destOrd="0" presId="urn:microsoft.com/office/officeart/2005/8/layout/equation1"/>
+    <dgm:cxn modelId="{773F6AA0-B413-3B46-82A7-E7EF28E18F5F}" type="presParOf" srcId="{BCB6158D-5DA5-3C4C-BC18-F2CE3AD24149}" destId="{C8476DB5-DB24-7B44-8FEF-EEA4E4698EE3}" srcOrd="2" destOrd="0" presId="urn:microsoft.com/office/officeart/2005/8/layout/equation1"/>
+    <dgm:cxn modelId="{71A009E2-DCB9-CD44-82DC-6E565D9F3FBB}" type="presParOf" srcId="{BCB6158D-5DA5-3C4C-BC18-F2CE3AD24149}" destId="{9A4F3B8F-6C1B-F549-A429-0D363BE603FC}" srcOrd="3" destOrd="0" presId="urn:microsoft.com/office/officeart/2005/8/layout/equation1"/>
+    <dgm:cxn modelId="{C374EFC9-225E-5148-9B8D-6CE9975524E4}" type="presParOf" srcId="{BCB6158D-5DA5-3C4C-BC18-F2CE3AD24149}" destId="{29ADC74E-F447-CE48-B13E-FC6549E5ECC8}" srcOrd="4" destOrd="0" presId="urn:microsoft.com/office/officeart/2005/8/layout/equation1"/>
+    <dgm:cxn modelId="{2B0287EC-F15B-D142-BF91-148702E4A7E0}" type="presParOf" srcId="{BCB6158D-5DA5-3C4C-BC18-F2CE3AD24149}" destId="{14B0463F-523A-7847-9F42-BFDD698842EC}" srcOrd="5" destOrd="0" presId="urn:microsoft.com/office/officeart/2005/8/layout/equation1"/>
+    <dgm:cxn modelId="{4795B59D-C0EA-034D-B60D-89F801B4CDE4}" type="presParOf" srcId="{BCB6158D-5DA5-3C4C-BC18-F2CE3AD24149}" destId="{A39D0033-CCD9-884C-87DB-F144F6409893}" srcOrd="6" destOrd="0" presId="urn:microsoft.com/office/officeart/2005/8/layout/equation1"/>
+    <dgm:cxn modelId="{E2FB7DD0-FDD3-964B-B69E-9A59FF973FB4}" type="presParOf" srcId="{BCB6158D-5DA5-3C4C-BC18-F2CE3AD24149}" destId="{DB409E98-5D2F-094F-A56C-63965CEC347C}" srcOrd="7" destOrd="0" presId="urn:microsoft.com/office/officeart/2005/8/layout/equation1"/>
+    <dgm:cxn modelId="{FF55F1F1-3EF2-FD4A-A691-3EBE88C021E5}" type="presParOf" srcId="{BCB6158D-5DA5-3C4C-BC18-F2CE3AD24149}" destId="{78CE2D1B-D92B-AD48-8116-163D8A5AB67F}" srcOrd="8" destOrd="0" presId="urn:microsoft.com/office/officeart/2005/8/layout/equation1"/>
+  </dgm:cxnLst>
+  <dgm:bg/>
+  <dgm:whole/>
+  <dgm:extLst>
+    <a:ext uri="http://schemas.microsoft.com/office/drawing/2008/diagram">
+      <dsp:dataModelExt xmlns:dsp="http://schemas.microsoft.com/office/drawing/2008/diagram" relId="rId7" minVer="http://schemas.openxmlformats.org/drawingml/2006/diagram"/>
+    </a:ext>
+  </dgm:extLst>
+</dgm:dataModel>
+</file>
+
+<file path=ppt/diagrams/data5.xml><?xml version="1.0" encoding="utf-8"?>
+<dgm:dataModel xmlns:dgm="http://schemas.openxmlformats.org/drawingml/2006/diagram" xmlns:a="http://schemas.openxmlformats.org/drawingml/2006/main">
+  <dgm:ptLst>
+    <dgm:pt modelId="{688D77BE-721F-6842-8652-267ECDEC0D4C}" type="doc">
+      <dgm:prSet loTypeId="urn:microsoft.com/office/officeart/2005/8/layout/cycle2" loCatId="" qsTypeId="urn:microsoft.com/office/officeart/2005/8/quickstyle/simple4" qsCatId="simple" csTypeId="urn:microsoft.com/office/officeart/2005/8/colors/accent1_2" csCatId="accent1" phldr="1"/>
+      <dgm:spPr/>
+      <dgm:t>
+        <a:bodyPr/>
+        <a:lstStyle/>
+        <a:p>
+          <a:endParaRPr lang="en-US"/>
+        </a:p>
+      </dgm:t>
+    </dgm:pt>
+    <dgm:pt modelId="{D15DA790-D86E-2E4A-A4AC-BB2C53035A48}">
+      <dgm:prSet phldrT="[Text]"/>
+      <dgm:spPr/>
+      <dgm:t>
+        <a:bodyPr/>
+        <a:lstStyle/>
+        <a:p>
+          <a:r>
+            <a:rPr lang="en-US" dirty="0" smtClean="0"/>
+            <a:t>Agent</a:t>
+          </a:r>
+          <a:endParaRPr lang="en-US" dirty="0"/>
+        </a:p>
+      </dgm:t>
+    </dgm:pt>
+    <dgm:pt modelId="{CAFF1245-EFAF-DB4E-99EA-9F1324E0F796}" type="parTrans" cxnId="{84D9BE8B-A77B-9740-9883-1EF130095D65}">
+      <dgm:prSet/>
+      <dgm:spPr/>
+      <dgm:t>
+        <a:bodyPr/>
+        <a:lstStyle/>
+        <a:p>
+          <a:endParaRPr lang="en-US"/>
+        </a:p>
+      </dgm:t>
+    </dgm:pt>
+    <dgm:pt modelId="{74AD216D-95D5-574B-A24A-4B7D5C57DC2C}" type="sibTrans" cxnId="{84D9BE8B-A77B-9740-9883-1EF130095D65}">
+      <dgm:prSet/>
+      <dgm:spPr/>
+      <dgm:t>
+        <a:bodyPr/>
+        <a:lstStyle/>
+        <a:p>
+          <a:endParaRPr lang="en-US"/>
+        </a:p>
+      </dgm:t>
+    </dgm:pt>
+    <dgm:pt modelId="{0F7ACD39-B432-1F4E-9400-F52BC71C6B28}">
+      <dgm:prSet phldrT="[Text]"/>
+      <dgm:spPr/>
+      <dgm:t>
+        <a:bodyPr/>
+        <a:lstStyle/>
+        <a:p>
+          <a:r>
+            <a:rPr lang="en-US" dirty="0" smtClean="0"/>
+            <a:t>Environment</a:t>
+          </a:r>
+          <a:endParaRPr lang="en-US" dirty="0"/>
+        </a:p>
+      </dgm:t>
+    </dgm:pt>
+    <dgm:pt modelId="{CFDFE17D-A1C9-F446-9DC3-A360A0858104}" type="parTrans" cxnId="{69F3C763-FA2E-514E-9AED-618CC1C16680}">
+      <dgm:prSet/>
+      <dgm:spPr/>
+      <dgm:t>
+        <a:bodyPr/>
+        <a:lstStyle/>
+        <a:p>
+          <a:endParaRPr lang="en-US"/>
+        </a:p>
+      </dgm:t>
+    </dgm:pt>
+    <dgm:pt modelId="{E21A56C5-1158-414A-B458-A54D4E73A513}" type="sibTrans" cxnId="{69F3C763-FA2E-514E-9AED-618CC1C16680}">
+      <dgm:prSet/>
+      <dgm:spPr/>
+      <dgm:t>
+        <a:bodyPr/>
+        <a:lstStyle/>
+        <a:p>
+          <a:endParaRPr lang="en-US"/>
+        </a:p>
+      </dgm:t>
+    </dgm:pt>
+    <dgm:pt modelId="{2226E3C8-2586-284A-A8D3-C14D13411E64}">
+      <dgm:prSet phldrT="[Text]"/>
+      <dgm:spPr/>
+      <dgm:t>
+        <a:bodyPr/>
+        <a:lstStyle/>
+        <a:p>
+          <a:r>
+            <a:rPr lang="en-US" dirty="0" smtClean="0"/>
+            <a:t>Agent</a:t>
+          </a:r>
+          <a:endParaRPr lang="en-US" dirty="0"/>
+        </a:p>
+      </dgm:t>
+    </dgm:pt>
+    <dgm:pt modelId="{F2EEE97D-B1B3-064D-96F4-4659DE04F3FD}" type="parTrans" cxnId="{F97C0574-8D31-9744-851E-D528C6484B98}">
+      <dgm:prSet/>
+      <dgm:spPr/>
+      <dgm:t>
+        <a:bodyPr/>
+        <a:lstStyle/>
+        <a:p>
+          <a:endParaRPr lang="en-US"/>
+        </a:p>
+      </dgm:t>
+    </dgm:pt>
+    <dgm:pt modelId="{EAAA7CF0-15EA-7347-83D0-21E3F6B1D78A}" type="sibTrans" cxnId="{F97C0574-8D31-9744-851E-D528C6484B98}">
+      <dgm:prSet/>
+      <dgm:spPr/>
+      <dgm:t>
+        <a:bodyPr/>
+        <a:lstStyle/>
+        <a:p>
+          <a:endParaRPr lang="en-US"/>
+        </a:p>
+      </dgm:t>
+    </dgm:pt>
+    <dgm:pt modelId="{B54EC266-43BA-8B45-B04A-8F638F60EB18}">
+      <dgm:prSet phldrT="[Text]"/>
+      <dgm:spPr/>
+      <dgm:t>
+        <a:bodyPr/>
+        <a:lstStyle/>
+        <a:p>
+          <a:r>
+            <a:rPr lang="en-US" dirty="0" smtClean="0"/>
+            <a:t>Environment</a:t>
+          </a:r>
+          <a:endParaRPr lang="en-US" dirty="0"/>
+        </a:p>
+      </dgm:t>
+    </dgm:pt>
+    <dgm:pt modelId="{F7423C22-F94C-5549-AF1E-8B4C902284FB}" type="parTrans" cxnId="{DCDCB21F-3821-8D40-A66A-0A6EABC45D78}">
+      <dgm:prSet/>
+      <dgm:spPr/>
+      <dgm:t>
+        <a:bodyPr/>
+        <a:lstStyle/>
+        <a:p>
+          <a:endParaRPr lang="en-US"/>
+        </a:p>
+      </dgm:t>
+    </dgm:pt>
+    <dgm:pt modelId="{3868F799-4B2E-644E-BAEB-4CF4FD8D5CAD}" type="sibTrans" cxnId="{DCDCB21F-3821-8D40-A66A-0A6EABC45D78}">
+      <dgm:prSet/>
+      <dgm:spPr/>
+      <dgm:t>
+        <a:bodyPr/>
+        <a:lstStyle/>
+        <a:p>
+          <a:endParaRPr lang="en-US"/>
+        </a:p>
+      </dgm:t>
+    </dgm:pt>
+    <dgm:pt modelId="{2F7E0FE9-A81F-4F47-8767-603D407D9B3B}" type="pres">
+      <dgm:prSet presAssocID="{688D77BE-721F-6842-8652-267ECDEC0D4C}" presName="cycle" presStyleCnt="0">
+        <dgm:presLayoutVars>
+          <dgm:dir/>
+          <dgm:resizeHandles val="exact"/>
+        </dgm:presLayoutVars>
+      </dgm:prSet>
+      <dgm:spPr/>
+    </dgm:pt>
+    <dgm:pt modelId="{FAF75DFB-BAB1-0D4D-AAE3-3DB2C8A7C5CB}" type="pres">
+      <dgm:prSet presAssocID="{D15DA790-D86E-2E4A-A4AC-BB2C53035A48}" presName="node" presStyleLbl="node1" presStyleIdx="0" presStyleCnt="4">
+        <dgm:presLayoutVars>
+          <dgm:bulletEnabled val="1"/>
+        </dgm:presLayoutVars>
+      </dgm:prSet>
+      <dgm:spPr/>
+    </dgm:pt>
+    <dgm:pt modelId="{FC7907E5-A662-3049-A2C3-E4121564A074}" type="pres">
+      <dgm:prSet presAssocID="{74AD216D-95D5-574B-A24A-4B7D5C57DC2C}" presName="sibTrans" presStyleLbl="sibTrans2D1" presStyleIdx="0" presStyleCnt="4"/>
+      <dgm:spPr/>
+    </dgm:pt>
+    <dgm:pt modelId="{05D6C732-8347-FD47-9C34-B0BC9F881B5F}" type="pres">
+      <dgm:prSet presAssocID="{74AD216D-95D5-574B-A24A-4B7D5C57DC2C}" presName="connectorText" presStyleLbl="sibTrans2D1" presStyleIdx="0" presStyleCnt="4"/>
+      <dgm:spPr/>
+    </dgm:pt>
+    <dgm:pt modelId="{0032026F-C9CE-1E4F-A84D-F03E0A55B7FB}" type="pres">
+      <dgm:prSet presAssocID="{0F7ACD39-B432-1F4E-9400-F52BC71C6B28}" presName="node" presStyleLbl="node1" presStyleIdx="1" presStyleCnt="4">
+        <dgm:presLayoutVars>
+          <dgm:bulletEnabled val="1"/>
+        </dgm:presLayoutVars>
+      </dgm:prSet>
+      <dgm:spPr/>
+    </dgm:pt>
+    <dgm:pt modelId="{21835110-1248-0F40-B471-53227881DFA1}" type="pres">
+      <dgm:prSet presAssocID="{E21A56C5-1158-414A-B458-A54D4E73A513}" presName="sibTrans" presStyleLbl="sibTrans2D1" presStyleIdx="1" presStyleCnt="4"/>
+      <dgm:spPr/>
+    </dgm:pt>
+    <dgm:pt modelId="{F43DE482-739C-984B-9F60-2A276C31DDF0}" type="pres">
+      <dgm:prSet presAssocID="{E21A56C5-1158-414A-B458-A54D4E73A513}" presName="connectorText" presStyleLbl="sibTrans2D1" presStyleIdx="1" presStyleCnt="4"/>
+      <dgm:spPr/>
+    </dgm:pt>
+    <dgm:pt modelId="{66AD2163-19FA-9842-B407-11A561E0B28C}" type="pres">
+      <dgm:prSet presAssocID="{2226E3C8-2586-284A-A8D3-C14D13411E64}" presName="node" presStyleLbl="node1" presStyleIdx="2" presStyleCnt="4">
+        <dgm:presLayoutVars>
+          <dgm:bulletEnabled val="1"/>
+        </dgm:presLayoutVars>
+      </dgm:prSet>
+      <dgm:spPr/>
+    </dgm:pt>
+    <dgm:pt modelId="{5B98DEAE-4428-8B49-BA68-1B1813C6005F}" type="pres">
+      <dgm:prSet presAssocID="{EAAA7CF0-15EA-7347-83D0-21E3F6B1D78A}" presName="sibTrans" presStyleLbl="sibTrans2D1" presStyleIdx="2" presStyleCnt="4"/>
+      <dgm:spPr/>
+    </dgm:pt>
+    <dgm:pt modelId="{0F9ED58B-2448-FA4D-8F18-E49CD9F59AAC}" type="pres">
+      <dgm:prSet presAssocID="{EAAA7CF0-15EA-7347-83D0-21E3F6B1D78A}" presName="connectorText" presStyleLbl="sibTrans2D1" presStyleIdx="2" presStyleCnt="4"/>
+      <dgm:spPr/>
+    </dgm:pt>
+    <dgm:pt modelId="{492633B3-01F9-E343-8017-0890C7327E6B}" type="pres">
+      <dgm:prSet presAssocID="{B54EC266-43BA-8B45-B04A-8F638F60EB18}" presName="node" presStyleLbl="node1" presStyleIdx="3" presStyleCnt="4">
+        <dgm:presLayoutVars>
+          <dgm:bulletEnabled val="1"/>
+        </dgm:presLayoutVars>
+      </dgm:prSet>
+      <dgm:spPr/>
+    </dgm:pt>
+    <dgm:pt modelId="{481688DA-3166-054F-941C-BF6AB84AC722}" type="pres">
+      <dgm:prSet presAssocID="{3868F799-4B2E-644E-BAEB-4CF4FD8D5CAD}" presName="sibTrans" presStyleLbl="sibTrans2D1" presStyleIdx="3" presStyleCnt="4"/>
+      <dgm:spPr/>
+    </dgm:pt>
+    <dgm:pt modelId="{7B7AF5A6-4B51-4242-A113-AB75EF6DDFAD}" type="pres">
+      <dgm:prSet presAssocID="{3868F799-4B2E-644E-BAEB-4CF4FD8D5CAD}" presName="connectorText" presStyleLbl="sibTrans2D1" presStyleIdx="3" presStyleCnt="4"/>
+      <dgm:spPr/>
+    </dgm:pt>
+  </dgm:ptLst>
+  <dgm:cxnLst>
+    <dgm:cxn modelId="{84D9BE8B-A77B-9740-9883-1EF130095D65}" srcId="{688D77BE-721F-6842-8652-267ECDEC0D4C}" destId="{D15DA790-D86E-2E4A-A4AC-BB2C53035A48}" srcOrd="0" destOrd="0" parTransId="{CAFF1245-EFAF-DB4E-99EA-9F1324E0F796}" sibTransId="{74AD216D-95D5-574B-A24A-4B7D5C57DC2C}"/>
+    <dgm:cxn modelId="{69F3C763-FA2E-514E-9AED-618CC1C16680}" srcId="{688D77BE-721F-6842-8652-267ECDEC0D4C}" destId="{0F7ACD39-B432-1F4E-9400-F52BC71C6B28}" srcOrd="1" destOrd="0" parTransId="{CFDFE17D-A1C9-F446-9DC3-A360A0858104}" sibTransId="{E21A56C5-1158-414A-B458-A54D4E73A513}"/>
+    <dgm:cxn modelId="{0467A906-4AF2-9940-9F1B-995D8CC25BE2}" type="presOf" srcId="{B54EC266-43BA-8B45-B04A-8F638F60EB18}" destId="{492633B3-01F9-E343-8017-0890C7327E6B}" srcOrd="0" destOrd="0" presId="urn:microsoft.com/office/officeart/2005/8/layout/cycle2"/>
+    <dgm:cxn modelId="{D04B5554-A9E4-1242-B442-3C607461E99F}" type="presOf" srcId="{EAAA7CF0-15EA-7347-83D0-21E3F6B1D78A}" destId="{0F9ED58B-2448-FA4D-8F18-E49CD9F59AAC}" srcOrd="1" destOrd="0" presId="urn:microsoft.com/office/officeart/2005/8/layout/cycle2"/>
+    <dgm:cxn modelId="{B0CF4127-F573-4F44-9756-65C6E8A0CAF4}" type="presOf" srcId="{D15DA790-D86E-2E4A-A4AC-BB2C53035A48}" destId="{FAF75DFB-BAB1-0D4D-AAE3-3DB2C8A7C5CB}" srcOrd="0" destOrd="0" presId="urn:microsoft.com/office/officeart/2005/8/layout/cycle2"/>
+    <dgm:cxn modelId="{16D57E9B-1FC3-FA40-9050-858EAD223B28}" type="presOf" srcId="{EAAA7CF0-15EA-7347-83D0-21E3F6B1D78A}" destId="{5B98DEAE-4428-8B49-BA68-1B1813C6005F}" srcOrd="0" destOrd="0" presId="urn:microsoft.com/office/officeart/2005/8/layout/cycle2"/>
+    <dgm:cxn modelId="{85A25660-8241-BD45-8039-0289938FB83F}" type="presOf" srcId="{0F7ACD39-B432-1F4E-9400-F52BC71C6B28}" destId="{0032026F-C9CE-1E4F-A84D-F03E0A55B7FB}" srcOrd="0" destOrd="0" presId="urn:microsoft.com/office/officeart/2005/8/layout/cycle2"/>
+    <dgm:cxn modelId="{FA693349-C475-394D-A91B-E069D38F7F1E}" type="presOf" srcId="{3868F799-4B2E-644E-BAEB-4CF4FD8D5CAD}" destId="{7B7AF5A6-4B51-4242-A113-AB75EF6DDFAD}" srcOrd="1" destOrd="0" presId="urn:microsoft.com/office/officeart/2005/8/layout/cycle2"/>
+    <dgm:cxn modelId="{F0301D89-7E98-DE4C-92EB-F4BA586E1A0D}" type="presOf" srcId="{688D77BE-721F-6842-8652-267ECDEC0D4C}" destId="{2F7E0FE9-A81F-4F47-8767-603D407D9B3B}" srcOrd="0" destOrd="0" presId="urn:microsoft.com/office/officeart/2005/8/layout/cycle2"/>
+    <dgm:cxn modelId="{F97C0574-8D31-9744-851E-D528C6484B98}" srcId="{688D77BE-721F-6842-8652-267ECDEC0D4C}" destId="{2226E3C8-2586-284A-A8D3-C14D13411E64}" srcOrd="2" destOrd="0" parTransId="{F2EEE97D-B1B3-064D-96F4-4659DE04F3FD}" sibTransId="{EAAA7CF0-15EA-7347-83D0-21E3F6B1D78A}"/>
+    <dgm:cxn modelId="{955A6D32-4895-E240-B1AB-FF65364680BC}" type="presOf" srcId="{E21A56C5-1158-414A-B458-A54D4E73A513}" destId="{F43DE482-739C-984B-9F60-2A276C31DDF0}" srcOrd="1" destOrd="0" presId="urn:microsoft.com/office/officeart/2005/8/layout/cycle2"/>
+    <dgm:cxn modelId="{DCE6ACBB-8233-8643-8F78-C532CF7B5EA3}" type="presOf" srcId="{2226E3C8-2586-284A-A8D3-C14D13411E64}" destId="{66AD2163-19FA-9842-B407-11A561E0B28C}" srcOrd="0" destOrd="0" presId="urn:microsoft.com/office/officeart/2005/8/layout/cycle2"/>
+    <dgm:cxn modelId="{24F9C4C1-B2C1-3040-A526-6CA0FD5E78E8}" type="presOf" srcId="{74AD216D-95D5-574B-A24A-4B7D5C57DC2C}" destId="{FC7907E5-A662-3049-A2C3-E4121564A074}" srcOrd="0" destOrd="0" presId="urn:microsoft.com/office/officeart/2005/8/layout/cycle2"/>
+    <dgm:cxn modelId="{74C22EEE-BE37-C040-86D2-CA70F44054FE}" type="presOf" srcId="{74AD216D-95D5-574B-A24A-4B7D5C57DC2C}" destId="{05D6C732-8347-FD47-9C34-B0BC9F881B5F}" srcOrd="1" destOrd="0" presId="urn:microsoft.com/office/officeart/2005/8/layout/cycle2"/>
+    <dgm:cxn modelId="{879E881A-B7F7-904A-A6BE-D3F11233BF63}" type="presOf" srcId="{3868F799-4B2E-644E-BAEB-4CF4FD8D5CAD}" destId="{481688DA-3166-054F-941C-BF6AB84AC722}" srcOrd="0" destOrd="0" presId="urn:microsoft.com/office/officeart/2005/8/layout/cycle2"/>
+    <dgm:cxn modelId="{239E5D03-4A21-524C-AA12-DE889687FFDF}" type="presOf" srcId="{E21A56C5-1158-414A-B458-A54D4E73A513}" destId="{21835110-1248-0F40-B471-53227881DFA1}" srcOrd="0" destOrd="0" presId="urn:microsoft.com/office/officeart/2005/8/layout/cycle2"/>
+    <dgm:cxn modelId="{DCDCB21F-3821-8D40-A66A-0A6EABC45D78}" srcId="{688D77BE-721F-6842-8652-267ECDEC0D4C}" destId="{B54EC266-43BA-8B45-B04A-8F638F60EB18}" srcOrd="3" destOrd="0" parTransId="{F7423C22-F94C-5549-AF1E-8B4C902284FB}" sibTransId="{3868F799-4B2E-644E-BAEB-4CF4FD8D5CAD}"/>
+    <dgm:cxn modelId="{7C30FF0A-4349-9C4F-9514-3F4021C7A94E}" type="presParOf" srcId="{2F7E0FE9-A81F-4F47-8767-603D407D9B3B}" destId="{FAF75DFB-BAB1-0D4D-AAE3-3DB2C8A7C5CB}" srcOrd="0" destOrd="0" presId="urn:microsoft.com/office/officeart/2005/8/layout/cycle2"/>
+    <dgm:cxn modelId="{97B6FD41-11F4-D74D-B77C-7ECEDED61118}" type="presParOf" srcId="{2F7E0FE9-A81F-4F47-8767-603D407D9B3B}" destId="{FC7907E5-A662-3049-A2C3-E4121564A074}" srcOrd="1" destOrd="0" presId="urn:microsoft.com/office/officeart/2005/8/layout/cycle2"/>
+    <dgm:cxn modelId="{244881E3-FD28-DB45-82EE-F5B3F958D442}" type="presParOf" srcId="{FC7907E5-A662-3049-A2C3-E4121564A074}" destId="{05D6C732-8347-FD47-9C34-B0BC9F881B5F}" srcOrd="0" destOrd="0" presId="urn:microsoft.com/office/officeart/2005/8/layout/cycle2"/>
+    <dgm:cxn modelId="{3932CE31-EB99-904F-8C22-53557634F557}" type="presParOf" srcId="{2F7E0FE9-A81F-4F47-8767-603D407D9B3B}" destId="{0032026F-C9CE-1E4F-A84D-F03E0A55B7FB}" srcOrd="2" destOrd="0" presId="urn:microsoft.com/office/officeart/2005/8/layout/cycle2"/>
+    <dgm:cxn modelId="{2EE7A2C1-82E2-A149-B1C6-B115F89E264D}" type="presParOf" srcId="{2F7E0FE9-A81F-4F47-8767-603D407D9B3B}" destId="{21835110-1248-0F40-B471-53227881DFA1}" srcOrd="3" destOrd="0" presId="urn:microsoft.com/office/officeart/2005/8/layout/cycle2"/>
+    <dgm:cxn modelId="{3464B377-B38E-C048-8E86-CD10A016F7D6}" type="presParOf" srcId="{21835110-1248-0F40-B471-53227881DFA1}" destId="{F43DE482-739C-984B-9F60-2A276C31DDF0}" srcOrd="0" destOrd="0" presId="urn:microsoft.com/office/officeart/2005/8/layout/cycle2"/>
+    <dgm:cxn modelId="{2AA7120A-141A-B14D-9413-2FDC9648D7EB}" type="presParOf" srcId="{2F7E0FE9-A81F-4F47-8767-603D407D9B3B}" destId="{66AD2163-19FA-9842-B407-11A561E0B28C}" srcOrd="4" destOrd="0" presId="urn:microsoft.com/office/officeart/2005/8/layout/cycle2"/>
+    <dgm:cxn modelId="{6CA6FFF3-385E-5E46-8273-39F6594668DB}" type="presParOf" srcId="{2F7E0FE9-A81F-4F47-8767-603D407D9B3B}" destId="{5B98DEAE-4428-8B49-BA68-1B1813C6005F}" srcOrd="5" destOrd="0" presId="urn:microsoft.com/office/officeart/2005/8/layout/cycle2"/>
+    <dgm:cxn modelId="{E90FB97C-D28E-F840-A98A-3F4BD39ED5E0}" type="presParOf" srcId="{5B98DEAE-4428-8B49-BA68-1B1813C6005F}" destId="{0F9ED58B-2448-FA4D-8F18-E49CD9F59AAC}" srcOrd="0" destOrd="0" presId="urn:microsoft.com/office/officeart/2005/8/layout/cycle2"/>
+    <dgm:cxn modelId="{18F10A6A-2437-4548-8DCD-D68133396ED3}" type="presParOf" srcId="{2F7E0FE9-A81F-4F47-8767-603D407D9B3B}" destId="{492633B3-01F9-E343-8017-0890C7327E6B}" srcOrd="6" destOrd="0" presId="urn:microsoft.com/office/officeart/2005/8/layout/cycle2"/>
+    <dgm:cxn modelId="{93DAA829-2837-3045-B4E0-80E8CE21DBC0}" type="presParOf" srcId="{2F7E0FE9-A81F-4F47-8767-603D407D9B3B}" destId="{481688DA-3166-054F-941C-BF6AB84AC722}" srcOrd="7" destOrd="0" presId="urn:microsoft.com/office/officeart/2005/8/layout/cycle2"/>
+    <dgm:cxn modelId="{EC35F7EE-FCD9-4B46-84B5-550A7143AE25}" type="presParOf" srcId="{481688DA-3166-054F-941C-BF6AB84AC722}" destId="{7B7AF5A6-4B51-4242-A113-AB75EF6DDFAD}" srcOrd="0" destOrd="0" presId="urn:microsoft.com/office/officeart/2005/8/layout/cycle2"/>
+  </dgm:cxnLst>
+  <dgm:bg/>
+  <dgm:whole/>
+  <dgm:extLst>
+    <a:ext uri="http://schemas.microsoft.com/office/drawing/2008/diagram">
+      <dsp:dataModelExt xmlns:dsp="http://schemas.microsoft.com/office/drawing/2008/diagram" relId="rId7" minVer="http://schemas.openxmlformats.org/drawingml/2006/diagram"/>
     </a:ext>
   </dgm:extLst>
 </dgm:dataModel>
@@ -4809,7 +6850,7 @@
             </a:spcAft>
           </a:pPr>
           <a:r>
-            <a:rPr lang="en-US" sz="1800" kern="1200" smtClean="0"/>
+            <a:rPr lang="en-US" sz="1800" kern="1200" dirty="0" smtClean="0"/>
             <a:t>Hazard</a:t>
           </a:r>
           <a:endParaRPr lang="en-US" sz="1800" kern="1200" dirty="0"/>
@@ -5027,6 +7068,1528 @@
       <dsp:txXfrm>
         <a:off x="2907890" y="1423761"/>
         <a:ext cx="1175979" cy="929219"/>
+      </dsp:txXfrm>
+    </dsp:sp>
+  </dsp:spTree>
+</dsp:drawing>
+</file>
+
+<file path=ppt/diagrams/drawing4.xml><?xml version="1.0" encoding="utf-8"?>
+<dsp:drawing xmlns:dgm="http://schemas.openxmlformats.org/drawingml/2006/diagram" xmlns:dsp="http://schemas.microsoft.com/office/drawing/2008/diagram" xmlns:a="http://schemas.openxmlformats.org/drawingml/2006/main">
+  <dsp:spTree>
+    <dsp:nvGrpSpPr>
+      <dsp:cNvPr id="0" name=""/>
+      <dsp:cNvGrpSpPr/>
+    </dsp:nvGrpSpPr>
+    <dsp:grpSpPr/>
+    <dsp:sp modelId="{F4FA07D4-B546-3F44-8DF7-731B795CDB90}">
+      <dsp:nvSpPr>
+        <dsp:cNvPr id="0" name=""/>
+        <dsp:cNvSpPr/>
+      </dsp:nvSpPr>
+      <dsp:spPr>
+        <a:xfrm>
+          <a:off x="730" y="1725727"/>
+          <a:ext cx="968145" cy="968145"/>
+        </a:xfrm>
+        <a:prstGeom prst="ellipse">
+          <a:avLst/>
+        </a:prstGeom>
+        <a:gradFill rotWithShape="0">
+          <a:gsLst>
+            <a:gs pos="0">
+              <a:schemeClr val="accent1">
+                <a:hueOff val="0"/>
+                <a:satOff val="0"/>
+                <a:lumOff val="0"/>
+                <a:alphaOff val="0"/>
+                <a:shade val="15000"/>
+                <a:satMod val="180000"/>
+              </a:schemeClr>
+            </a:gs>
+            <a:gs pos="50000">
+              <a:schemeClr val="accent1">
+                <a:hueOff val="0"/>
+                <a:satOff val="0"/>
+                <a:lumOff val="0"/>
+                <a:alphaOff val="0"/>
+                <a:shade val="45000"/>
+                <a:satMod val="170000"/>
+              </a:schemeClr>
+            </a:gs>
+            <a:gs pos="70000">
+              <a:schemeClr val="accent1">
+                <a:hueOff val="0"/>
+                <a:satOff val="0"/>
+                <a:lumOff val="0"/>
+                <a:alphaOff val="0"/>
+                <a:tint val="99000"/>
+                <a:shade val="65000"/>
+                <a:satMod val="155000"/>
+              </a:schemeClr>
+            </a:gs>
+            <a:gs pos="100000">
+              <a:schemeClr val="accent1">
+                <a:hueOff val="0"/>
+                <a:satOff val="0"/>
+                <a:lumOff val="0"/>
+                <a:alphaOff val="0"/>
+                <a:tint val="95500"/>
+                <a:shade val="100000"/>
+                <a:satMod val="155000"/>
+              </a:schemeClr>
+            </a:gs>
+          </a:gsLst>
+          <a:lin ang="16200000" scaled="0"/>
+        </a:gradFill>
+        <a:ln>
+          <a:noFill/>
+        </a:ln>
+        <a:effectLst>
+          <a:outerShdw blurRad="50800" dist="38100" dir="5400000" rotWithShape="0">
+            <a:srgbClr val="000000">
+              <a:alpha val="35000"/>
+            </a:srgbClr>
+          </a:outerShdw>
+        </a:effectLst>
+      </dsp:spPr>
+      <dsp:style>
+        <a:lnRef idx="0">
+          <a:scrgbClr r="0" g="0" b="0"/>
+        </a:lnRef>
+        <a:fillRef idx="3">
+          <a:scrgbClr r="0" g="0" b="0"/>
+        </a:fillRef>
+        <a:effectRef idx="2">
+          <a:scrgbClr r="0" g="0" b="0"/>
+        </a:effectRef>
+        <a:fontRef idx="minor">
+          <a:schemeClr val="lt1"/>
+        </a:fontRef>
+      </dsp:style>
+      <dsp:txBody>
+        <a:bodyPr spcFirstLastPara="0" vert="horz" wrap="square" lIns="12700" tIns="12700" rIns="12700" bIns="12700" numCol="1" spcCol="1270" anchor="ctr" anchorCtr="0">
+          <a:noAutofit/>
+        </a:bodyPr>
+        <a:lstStyle/>
+        <a:p>
+          <a:pPr lvl="0" algn="ctr" defTabSz="444500">
+            <a:lnSpc>
+              <a:spcPct val="90000"/>
+            </a:lnSpc>
+            <a:spcBef>
+              <a:spcPct val="0"/>
+            </a:spcBef>
+            <a:spcAft>
+              <a:spcPct val="35000"/>
+            </a:spcAft>
+          </a:pPr>
+          <a:r>
+            <a:rPr lang="en-US" sz="1000" kern="1200" dirty="0" smtClean="0"/>
+            <a:t>Prehension1</a:t>
+          </a:r>
+          <a:endParaRPr lang="en-US" sz="1000" kern="1200" dirty="0"/>
+        </a:p>
+      </dsp:txBody>
+      <dsp:txXfrm>
+        <a:off x="142512" y="1867509"/>
+        <a:ext cx="684581" cy="684581"/>
+      </dsp:txXfrm>
+    </dsp:sp>
+    <dsp:sp modelId="{C8476DB5-DB24-7B44-8FEF-EEA4E4698EE3}">
+      <dsp:nvSpPr>
+        <dsp:cNvPr id="0" name=""/>
+        <dsp:cNvSpPr/>
+      </dsp:nvSpPr>
+      <dsp:spPr>
+        <a:xfrm>
+          <a:off x="1047489" y="1929037"/>
+          <a:ext cx="561524" cy="561524"/>
+        </a:xfrm>
+        <a:prstGeom prst="mathPlus">
+          <a:avLst/>
+        </a:prstGeom>
+        <a:gradFill rotWithShape="0">
+          <a:gsLst>
+            <a:gs pos="0">
+              <a:schemeClr val="accent1">
+                <a:tint val="60000"/>
+                <a:hueOff val="0"/>
+                <a:satOff val="0"/>
+                <a:lumOff val="0"/>
+                <a:alphaOff val="0"/>
+                <a:shade val="15000"/>
+                <a:satMod val="180000"/>
+              </a:schemeClr>
+            </a:gs>
+            <a:gs pos="50000">
+              <a:schemeClr val="accent1">
+                <a:tint val="60000"/>
+                <a:hueOff val="0"/>
+                <a:satOff val="0"/>
+                <a:lumOff val="0"/>
+                <a:alphaOff val="0"/>
+                <a:shade val="45000"/>
+                <a:satMod val="170000"/>
+              </a:schemeClr>
+            </a:gs>
+            <a:gs pos="70000">
+              <a:schemeClr val="accent1">
+                <a:tint val="60000"/>
+                <a:hueOff val="0"/>
+                <a:satOff val="0"/>
+                <a:lumOff val="0"/>
+                <a:alphaOff val="0"/>
+                <a:tint val="99000"/>
+                <a:shade val="65000"/>
+                <a:satMod val="155000"/>
+              </a:schemeClr>
+            </a:gs>
+            <a:gs pos="100000">
+              <a:schemeClr val="accent1">
+                <a:tint val="60000"/>
+                <a:hueOff val="0"/>
+                <a:satOff val="0"/>
+                <a:lumOff val="0"/>
+                <a:alphaOff val="0"/>
+                <a:tint val="95500"/>
+                <a:shade val="100000"/>
+                <a:satMod val="155000"/>
+              </a:schemeClr>
+            </a:gs>
+          </a:gsLst>
+          <a:lin ang="16200000" scaled="0"/>
+        </a:gradFill>
+        <a:ln>
+          <a:noFill/>
+        </a:ln>
+        <a:effectLst>
+          <a:outerShdw blurRad="50800" dist="38100" dir="5400000" rotWithShape="0">
+            <a:srgbClr val="000000">
+              <a:alpha val="35000"/>
+            </a:srgbClr>
+          </a:outerShdw>
+        </a:effectLst>
+      </dsp:spPr>
+      <dsp:style>
+        <a:lnRef idx="0">
+          <a:scrgbClr r="0" g="0" b="0"/>
+        </a:lnRef>
+        <a:fillRef idx="3">
+          <a:scrgbClr r="0" g="0" b="0"/>
+        </a:fillRef>
+        <a:effectRef idx="2">
+          <a:scrgbClr r="0" g="0" b="0"/>
+        </a:effectRef>
+        <a:fontRef idx="minor">
+          <a:schemeClr val="lt1"/>
+        </a:fontRef>
+      </dsp:style>
+      <dsp:txBody>
+        <a:bodyPr spcFirstLastPara="0" vert="horz" wrap="square" lIns="0" tIns="0" rIns="0" bIns="0" numCol="1" spcCol="1270" anchor="ctr" anchorCtr="0">
+          <a:noAutofit/>
+        </a:bodyPr>
+        <a:lstStyle/>
+        <a:p>
+          <a:pPr lvl="0" algn="ctr" defTabSz="355600">
+            <a:lnSpc>
+              <a:spcPct val="90000"/>
+            </a:lnSpc>
+            <a:spcBef>
+              <a:spcPct val="0"/>
+            </a:spcBef>
+            <a:spcAft>
+              <a:spcPct val="35000"/>
+            </a:spcAft>
+          </a:pPr>
+          <a:endParaRPr lang="en-US" sz="800" kern="1200"/>
+        </a:p>
+      </dsp:txBody>
+      <dsp:txXfrm>
+        <a:off x="1121919" y="2143764"/>
+        <a:ext cx="412664" cy="132070"/>
+      </dsp:txXfrm>
+    </dsp:sp>
+    <dsp:sp modelId="{29ADC74E-F447-CE48-B13E-FC6549E5ECC8}">
+      <dsp:nvSpPr>
+        <dsp:cNvPr id="0" name=""/>
+        <dsp:cNvSpPr/>
+      </dsp:nvSpPr>
+      <dsp:spPr>
+        <a:xfrm>
+          <a:off x="1687627" y="1725727"/>
+          <a:ext cx="968145" cy="968145"/>
+        </a:xfrm>
+        <a:prstGeom prst="ellipse">
+          <a:avLst/>
+        </a:prstGeom>
+        <a:gradFill rotWithShape="0">
+          <a:gsLst>
+            <a:gs pos="0">
+              <a:schemeClr val="accent1">
+                <a:hueOff val="0"/>
+                <a:satOff val="0"/>
+                <a:lumOff val="0"/>
+                <a:alphaOff val="0"/>
+                <a:shade val="15000"/>
+                <a:satMod val="180000"/>
+              </a:schemeClr>
+            </a:gs>
+            <a:gs pos="50000">
+              <a:schemeClr val="accent1">
+                <a:hueOff val="0"/>
+                <a:satOff val="0"/>
+                <a:lumOff val="0"/>
+                <a:alphaOff val="0"/>
+                <a:shade val="45000"/>
+                <a:satMod val="170000"/>
+              </a:schemeClr>
+            </a:gs>
+            <a:gs pos="70000">
+              <a:schemeClr val="accent1">
+                <a:hueOff val="0"/>
+                <a:satOff val="0"/>
+                <a:lumOff val="0"/>
+                <a:alphaOff val="0"/>
+                <a:tint val="99000"/>
+                <a:shade val="65000"/>
+                <a:satMod val="155000"/>
+              </a:schemeClr>
+            </a:gs>
+            <a:gs pos="100000">
+              <a:schemeClr val="accent1">
+                <a:hueOff val="0"/>
+                <a:satOff val="0"/>
+                <a:lumOff val="0"/>
+                <a:alphaOff val="0"/>
+                <a:tint val="95500"/>
+                <a:shade val="100000"/>
+                <a:satMod val="155000"/>
+              </a:schemeClr>
+            </a:gs>
+          </a:gsLst>
+          <a:lin ang="16200000" scaled="0"/>
+        </a:gradFill>
+        <a:ln>
+          <a:noFill/>
+        </a:ln>
+        <a:effectLst>
+          <a:outerShdw blurRad="50800" dist="38100" dir="5400000" rotWithShape="0">
+            <a:srgbClr val="000000">
+              <a:alpha val="35000"/>
+            </a:srgbClr>
+          </a:outerShdw>
+        </a:effectLst>
+      </dsp:spPr>
+      <dsp:style>
+        <a:lnRef idx="0">
+          <a:scrgbClr r="0" g="0" b="0"/>
+        </a:lnRef>
+        <a:fillRef idx="3">
+          <a:scrgbClr r="0" g="0" b="0"/>
+        </a:fillRef>
+        <a:effectRef idx="2">
+          <a:scrgbClr r="0" g="0" b="0"/>
+        </a:effectRef>
+        <a:fontRef idx="minor">
+          <a:schemeClr val="lt1"/>
+        </a:fontRef>
+      </dsp:style>
+      <dsp:txBody>
+        <a:bodyPr spcFirstLastPara="0" vert="horz" wrap="square" lIns="12700" tIns="12700" rIns="12700" bIns="12700" numCol="1" spcCol="1270" anchor="ctr" anchorCtr="0">
+          <a:noAutofit/>
+        </a:bodyPr>
+        <a:lstStyle/>
+        <a:p>
+          <a:pPr lvl="0" algn="ctr" defTabSz="444500">
+            <a:lnSpc>
+              <a:spcPct val="90000"/>
+            </a:lnSpc>
+            <a:spcBef>
+              <a:spcPct val="0"/>
+            </a:spcBef>
+            <a:spcAft>
+              <a:spcPct val="35000"/>
+            </a:spcAft>
+          </a:pPr>
+          <a:r>
+            <a:rPr lang="en-US" sz="1000" kern="1200" dirty="0" smtClean="0"/>
+            <a:t>Prehension2</a:t>
+          </a:r>
+          <a:endParaRPr lang="en-US" sz="1000" kern="1200" dirty="0"/>
+        </a:p>
+      </dsp:txBody>
+      <dsp:txXfrm>
+        <a:off x="1829409" y="1867509"/>
+        <a:ext cx="684581" cy="684581"/>
+      </dsp:txXfrm>
+    </dsp:sp>
+    <dsp:sp modelId="{A39D0033-CCD9-884C-87DB-F144F6409893}">
+      <dsp:nvSpPr>
+        <dsp:cNvPr id="0" name=""/>
+        <dsp:cNvSpPr/>
+      </dsp:nvSpPr>
+      <dsp:spPr>
+        <a:xfrm>
+          <a:off x="2734386" y="1929037"/>
+          <a:ext cx="561524" cy="561524"/>
+        </a:xfrm>
+        <a:prstGeom prst="mathEqual">
+          <a:avLst/>
+        </a:prstGeom>
+        <a:gradFill rotWithShape="0">
+          <a:gsLst>
+            <a:gs pos="0">
+              <a:schemeClr val="accent1">
+                <a:tint val="60000"/>
+                <a:hueOff val="0"/>
+                <a:satOff val="0"/>
+                <a:lumOff val="0"/>
+                <a:alphaOff val="0"/>
+                <a:shade val="15000"/>
+                <a:satMod val="180000"/>
+              </a:schemeClr>
+            </a:gs>
+            <a:gs pos="50000">
+              <a:schemeClr val="accent1">
+                <a:tint val="60000"/>
+                <a:hueOff val="0"/>
+                <a:satOff val="0"/>
+                <a:lumOff val="0"/>
+                <a:alphaOff val="0"/>
+                <a:shade val="45000"/>
+                <a:satMod val="170000"/>
+              </a:schemeClr>
+            </a:gs>
+            <a:gs pos="70000">
+              <a:schemeClr val="accent1">
+                <a:tint val="60000"/>
+                <a:hueOff val="0"/>
+                <a:satOff val="0"/>
+                <a:lumOff val="0"/>
+                <a:alphaOff val="0"/>
+                <a:tint val="99000"/>
+                <a:shade val="65000"/>
+                <a:satMod val="155000"/>
+              </a:schemeClr>
+            </a:gs>
+            <a:gs pos="100000">
+              <a:schemeClr val="accent1">
+                <a:tint val="60000"/>
+                <a:hueOff val="0"/>
+                <a:satOff val="0"/>
+                <a:lumOff val="0"/>
+                <a:alphaOff val="0"/>
+                <a:tint val="95500"/>
+                <a:shade val="100000"/>
+                <a:satMod val="155000"/>
+              </a:schemeClr>
+            </a:gs>
+          </a:gsLst>
+          <a:lin ang="16200000" scaled="0"/>
+        </a:gradFill>
+        <a:ln>
+          <a:noFill/>
+        </a:ln>
+        <a:effectLst>
+          <a:outerShdw blurRad="50800" dist="38100" dir="5400000" rotWithShape="0">
+            <a:srgbClr val="000000">
+              <a:alpha val="35000"/>
+            </a:srgbClr>
+          </a:outerShdw>
+        </a:effectLst>
+      </dsp:spPr>
+      <dsp:style>
+        <a:lnRef idx="0">
+          <a:scrgbClr r="0" g="0" b="0"/>
+        </a:lnRef>
+        <a:fillRef idx="3">
+          <a:scrgbClr r="0" g="0" b="0"/>
+        </a:fillRef>
+        <a:effectRef idx="2">
+          <a:scrgbClr r="0" g="0" b="0"/>
+        </a:effectRef>
+        <a:fontRef idx="minor">
+          <a:schemeClr val="lt1"/>
+        </a:fontRef>
+      </dsp:style>
+      <dsp:txBody>
+        <a:bodyPr spcFirstLastPara="0" vert="horz" wrap="square" lIns="0" tIns="0" rIns="0" bIns="0" numCol="1" spcCol="1270" anchor="ctr" anchorCtr="0">
+          <a:noAutofit/>
+        </a:bodyPr>
+        <a:lstStyle/>
+        <a:p>
+          <a:pPr lvl="0" algn="ctr" defTabSz="355600">
+            <a:lnSpc>
+              <a:spcPct val="90000"/>
+            </a:lnSpc>
+            <a:spcBef>
+              <a:spcPct val="0"/>
+            </a:spcBef>
+            <a:spcAft>
+              <a:spcPct val="35000"/>
+            </a:spcAft>
+          </a:pPr>
+          <a:endParaRPr lang="en-US" sz="800" kern="1200"/>
+        </a:p>
+      </dsp:txBody>
+      <dsp:txXfrm>
+        <a:off x="2808816" y="2044711"/>
+        <a:ext cx="412664" cy="330176"/>
+      </dsp:txXfrm>
+    </dsp:sp>
+    <dsp:sp modelId="{78CE2D1B-D92B-AD48-8116-163D8A5AB67F}">
+      <dsp:nvSpPr>
+        <dsp:cNvPr id="0" name=""/>
+        <dsp:cNvSpPr/>
+      </dsp:nvSpPr>
+      <dsp:spPr>
+        <a:xfrm>
+          <a:off x="3374524" y="1725727"/>
+          <a:ext cx="968145" cy="968145"/>
+        </a:xfrm>
+        <a:prstGeom prst="ellipse">
+          <a:avLst/>
+        </a:prstGeom>
+        <a:gradFill rotWithShape="0">
+          <a:gsLst>
+            <a:gs pos="0">
+              <a:schemeClr val="accent1">
+                <a:hueOff val="0"/>
+                <a:satOff val="0"/>
+                <a:lumOff val="0"/>
+                <a:alphaOff val="0"/>
+                <a:shade val="15000"/>
+                <a:satMod val="180000"/>
+              </a:schemeClr>
+            </a:gs>
+            <a:gs pos="50000">
+              <a:schemeClr val="accent1">
+                <a:hueOff val="0"/>
+                <a:satOff val="0"/>
+                <a:lumOff val="0"/>
+                <a:alphaOff val="0"/>
+                <a:shade val="45000"/>
+                <a:satMod val="170000"/>
+              </a:schemeClr>
+            </a:gs>
+            <a:gs pos="70000">
+              <a:schemeClr val="accent1">
+                <a:hueOff val="0"/>
+                <a:satOff val="0"/>
+                <a:lumOff val="0"/>
+                <a:alphaOff val="0"/>
+                <a:tint val="99000"/>
+                <a:shade val="65000"/>
+                <a:satMod val="155000"/>
+              </a:schemeClr>
+            </a:gs>
+            <a:gs pos="100000">
+              <a:schemeClr val="accent1">
+                <a:hueOff val="0"/>
+                <a:satOff val="0"/>
+                <a:lumOff val="0"/>
+                <a:alphaOff val="0"/>
+                <a:tint val="95500"/>
+                <a:shade val="100000"/>
+                <a:satMod val="155000"/>
+              </a:schemeClr>
+            </a:gs>
+          </a:gsLst>
+          <a:lin ang="16200000" scaled="0"/>
+        </a:gradFill>
+        <a:ln>
+          <a:noFill/>
+        </a:ln>
+        <a:effectLst>
+          <a:outerShdw blurRad="50800" dist="38100" dir="5400000" rotWithShape="0">
+            <a:srgbClr val="000000">
+              <a:alpha val="35000"/>
+            </a:srgbClr>
+          </a:outerShdw>
+        </a:effectLst>
+      </dsp:spPr>
+      <dsp:style>
+        <a:lnRef idx="0">
+          <a:scrgbClr r="0" g="0" b="0"/>
+        </a:lnRef>
+        <a:fillRef idx="3">
+          <a:scrgbClr r="0" g="0" b="0"/>
+        </a:fillRef>
+        <a:effectRef idx="2">
+          <a:scrgbClr r="0" g="0" b="0"/>
+        </a:effectRef>
+        <a:fontRef idx="minor">
+          <a:schemeClr val="lt1"/>
+        </a:fontRef>
+      </dsp:style>
+      <dsp:txBody>
+        <a:bodyPr spcFirstLastPara="0" vert="horz" wrap="square" lIns="12700" tIns="12700" rIns="12700" bIns="12700" numCol="1" spcCol="1270" anchor="ctr" anchorCtr="0">
+          <a:noAutofit/>
+        </a:bodyPr>
+        <a:lstStyle/>
+        <a:p>
+          <a:pPr lvl="0" algn="ctr" defTabSz="444500">
+            <a:lnSpc>
+              <a:spcPct val="90000"/>
+            </a:lnSpc>
+            <a:spcBef>
+              <a:spcPct val="0"/>
+            </a:spcBef>
+            <a:spcAft>
+              <a:spcPct val="35000"/>
+            </a:spcAft>
+          </a:pPr>
+          <a:r>
+            <a:rPr lang="en-US" sz="1000" kern="1200" dirty="0" smtClean="0"/>
+            <a:t>A </a:t>
+          </a:r>
+          <a:r>
+            <a:rPr lang="en-US" sz="1000" kern="1200" dirty="0" err="1" smtClean="0"/>
+            <a:t>prehension</a:t>
+          </a:r>
+          <a:endParaRPr lang="en-US" sz="1000" kern="1200" dirty="0"/>
+        </a:p>
+      </dsp:txBody>
+      <dsp:txXfrm>
+        <a:off x="3516306" y="1867509"/>
+        <a:ext cx="684581" cy="684581"/>
+      </dsp:txXfrm>
+    </dsp:sp>
+  </dsp:spTree>
+</dsp:drawing>
+</file>
+
+<file path=ppt/diagrams/drawing5.xml><?xml version="1.0" encoding="utf-8"?>
+<dsp:drawing xmlns:dgm="http://schemas.openxmlformats.org/drawingml/2006/diagram" xmlns:dsp="http://schemas.microsoft.com/office/drawing/2008/diagram" xmlns:a="http://schemas.openxmlformats.org/drawingml/2006/main">
+  <dsp:spTree>
+    <dsp:nvGrpSpPr>
+      <dsp:cNvPr id="0" name=""/>
+      <dsp:cNvGrpSpPr/>
+    </dsp:nvGrpSpPr>
+    <dsp:grpSpPr/>
+    <dsp:sp modelId="{FAF75DFB-BAB1-0D4D-AAE3-3DB2C8A7C5CB}">
+      <dsp:nvSpPr>
+        <dsp:cNvPr id="0" name=""/>
+        <dsp:cNvSpPr/>
+      </dsp:nvSpPr>
+      <dsp:spPr>
+        <a:xfrm>
+          <a:off x="1398389" y="38214"/>
+          <a:ext cx="1318021" cy="1318021"/>
+        </a:xfrm>
+        <a:prstGeom prst="ellipse">
+          <a:avLst/>
+        </a:prstGeom>
+        <a:gradFill rotWithShape="0">
+          <a:gsLst>
+            <a:gs pos="0">
+              <a:schemeClr val="accent1">
+                <a:hueOff val="0"/>
+                <a:satOff val="0"/>
+                <a:lumOff val="0"/>
+                <a:alphaOff val="0"/>
+                <a:shade val="15000"/>
+                <a:satMod val="180000"/>
+              </a:schemeClr>
+            </a:gs>
+            <a:gs pos="50000">
+              <a:schemeClr val="accent1">
+                <a:hueOff val="0"/>
+                <a:satOff val="0"/>
+                <a:lumOff val="0"/>
+                <a:alphaOff val="0"/>
+                <a:shade val="45000"/>
+                <a:satMod val="170000"/>
+              </a:schemeClr>
+            </a:gs>
+            <a:gs pos="70000">
+              <a:schemeClr val="accent1">
+                <a:hueOff val="0"/>
+                <a:satOff val="0"/>
+                <a:lumOff val="0"/>
+                <a:alphaOff val="0"/>
+                <a:tint val="99000"/>
+                <a:shade val="65000"/>
+                <a:satMod val="155000"/>
+              </a:schemeClr>
+            </a:gs>
+            <a:gs pos="100000">
+              <a:schemeClr val="accent1">
+                <a:hueOff val="0"/>
+                <a:satOff val="0"/>
+                <a:lumOff val="0"/>
+                <a:alphaOff val="0"/>
+                <a:tint val="95500"/>
+                <a:shade val="100000"/>
+                <a:satMod val="155000"/>
+              </a:schemeClr>
+            </a:gs>
+          </a:gsLst>
+          <a:lin ang="16200000" scaled="0"/>
+        </a:gradFill>
+        <a:ln>
+          <a:noFill/>
+        </a:ln>
+        <a:effectLst>
+          <a:outerShdw blurRad="50800" dist="38100" dir="5400000" rotWithShape="0">
+            <a:srgbClr val="000000">
+              <a:alpha val="35000"/>
+            </a:srgbClr>
+          </a:outerShdw>
+        </a:effectLst>
+      </dsp:spPr>
+      <dsp:style>
+        <a:lnRef idx="0">
+          <a:scrgbClr r="0" g="0" b="0"/>
+        </a:lnRef>
+        <a:fillRef idx="3">
+          <a:scrgbClr r="0" g="0" b="0"/>
+        </a:fillRef>
+        <a:effectRef idx="2">
+          <a:scrgbClr r="0" g="0" b="0"/>
+        </a:effectRef>
+        <a:fontRef idx="minor">
+          <a:schemeClr val="lt1"/>
+        </a:fontRef>
+      </dsp:style>
+      <dsp:txBody>
+        <a:bodyPr spcFirstLastPara="0" vert="horz" wrap="square" lIns="16510" tIns="16510" rIns="16510" bIns="16510" numCol="1" spcCol="1270" anchor="ctr" anchorCtr="0">
+          <a:noAutofit/>
+        </a:bodyPr>
+        <a:lstStyle/>
+        <a:p>
+          <a:pPr lvl="0" algn="ctr" defTabSz="577850">
+            <a:lnSpc>
+              <a:spcPct val="90000"/>
+            </a:lnSpc>
+            <a:spcBef>
+              <a:spcPct val="0"/>
+            </a:spcBef>
+            <a:spcAft>
+              <a:spcPct val="35000"/>
+            </a:spcAft>
+          </a:pPr>
+          <a:r>
+            <a:rPr lang="en-US" sz="1300" kern="1200" dirty="0" smtClean="0"/>
+            <a:t>Agent</a:t>
+          </a:r>
+          <a:endParaRPr lang="en-US" sz="1300" kern="1200" dirty="0"/>
+        </a:p>
+      </dsp:txBody>
+      <dsp:txXfrm>
+        <a:off x="1591409" y="231234"/>
+        <a:ext cx="931981" cy="931981"/>
+      </dsp:txXfrm>
+    </dsp:sp>
+    <dsp:sp modelId="{FC7907E5-A662-3049-A2C3-E4121564A074}">
+      <dsp:nvSpPr>
+        <dsp:cNvPr id="0" name=""/>
+        <dsp:cNvSpPr/>
+      </dsp:nvSpPr>
+      <dsp:spPr>
+        <a:xfrm rot="2700000">
+          <a:off x="2574792" y="1166952"/>
+          <a:ext cx="349501" cy="444832"/>
+        </a:xfrm>
+        <a:prstGeom prst="rightArrow">
+          <a:avLst>
+            <a:gd name="adj1" fmla="val 60000"/>
+            <a:gd name="adj2" fmla="val 50000"/>
+          </a:avLst>
+        </a:prstGeom>
+        <a:gradFill rotWithShape="0">
+          <a:gsLst>
+            <a:gs pos="0">
+              <a:schemeClr val="accent1">
+                <a:tint val="60000"/>
+                <a:hueOff val="0"/>
+                <a:satOff val="0"/>
+                <a:lumOff val="0"/>
+                <a:alphaOff val="0"/>
+                <a:shade val="15000"/>
+                <a:satMod val="180000"/>
+              </a:schemeClr>
+            </a:gs>
+            <a:gs pos="50000">
+              <a:schemeClr val="accent1">
+                <a:tint val="60000"/>
+                <a:hueOff val="0"/>
+                <a:satOff val="0"/>
+                <a:lumOff val="0"/>
+                <a:alphaOff val="0"/>
+                <a:shade val="45000"/>
+                <a:satMod val="170000"/>
+              </a:schemeClr>
+            </a:gs>
+            <a:gs pos="70000">
+              <a:schemeClr val="accent1">
+                <a:tint val="60000"/>
+                <a:hueOff val="0"/>
+                <a:satOff val="0"/>
+                <a:lumOff val="0"/>
+                <a:alphaOff val="0"/>
+                <a:tint val="99000"/>
+                <a:shade val="65000"/>
+                <a:satMod val="155000"/>
+              </a:schemeClr>
+            </a:gs>
+            <a:gs pos="100000">
+              <a:schemeClr val="accent1">
+                <a:tint val="60000"/>
+                <a:hueOff val="0"/>
+                <a:satOff val="0"/>
+                <a:lumOff val="0"/>
+                <a:alphaOff val="0"/>
+                <a:tint val="95500"/>
+                <a:shade val="100000"/>
+                <a:satMod val="155000"/>
+              </a:schemeClr>
+            </a:gs>
+          </a:gsLst>
+          <a:lin ang="16200000" scaled="0"/>
+        </a:gradFill>
+        <a:ln>
+          <a:noFill/>
+        </a:ln>
+        <a:effectLst>
+          <a:outerShdw blurRad="50800" dist="38100" dir="5400000" rotWithShape="0">
+            <a:srgbClr val="000000">
+              <a:alpha val="35000"/>
+            </a:srgbClr>
+          </a:outerShdw>
+        </a:effectLst>
+      </dsp:spPr>
+      <dsp:style>
+        <a:lnRef idx="0">
+          <a:scrgbClr r="0" g="0" b="0"/>
+        </a:lnRef>
+        <a:fillRef idx="3">
+          <a:scrgbClr r="0" g="0" b="0"/>
+        </a:fillRef>
+        <a:effectRef idx="2">
+          <a:scrgbClr r="0" g="0" b="0"/>
+        </a:effectRef>
+        <a:fontRef idx="minor">
+          <a:schemeClr val="lt1"/>
+        </a:fontRef>
+      </dsp:style>
+      <dsp:txBody>
+        <a:bodyPr spcFirstLastPara="0" vert="horz" wrap="square" lIns="0" tIns="0" rIns="0" bIns="0" numCol="1" spcCol="1270" anchor="ctr" anchorCtr="0">
+          <a:noAutofit/>
+        </a:bodyPr>
+        <a:lstStyle/>
+        <a:p>
+          <a:pPr lvl="0" algn="ctr" defTabSz="444500">
+            <a:lnSpc>
+              <a:spcPct val="90000"/>
+            </a:lnSpc>
+            <a:spcBef>
+              <a:spcPct val="0"/>
+            </a:spcBef>
+            <a:spcAft>
+              <a:spcPct val="35000"/>
+            </a:spcAft>
+          </a:pPr>
+          <a:endParaRPr lang="en-US" sz="1000" kern="1200"/>
+        </a:p>
+      </dsp:txBody>
+      <dsp:txXfrm>
+        <a:off x="2590147" y="1218848"/>
+        <a:ext cx="244651" cy="266900"/>
+      </dsp:txXfrm>
+    </dsp:sp>
+    <dsp:sp modelId="{0032026F-C9CE-1E4F-A84D-F03E0A55B7FB}">
+      <dsp:nvSpPr>
+        <dsp:cNvPr id="0" name=""/>
+        <dsp:cNvSpPr/>
+      </dsp:nvSpPr>
+      <dsp:spPr>
+        <a:xfrm>
+          <a:off x="2796663" y="1436489"/>
+          <a:ext cx="1318021" cy="1318021"/>
+        </a:xfrm>
+        <a:prstGeom prst="ellipse">
+          <a:avLst/>
+        </a:prstGeom>
+        <a:gradFill rotWithShape="0">
+          <a:gsLst>
+            <a:gs pos="0">
+              <a:schemeClr val="accent1">
+                <a:hueOff val="0"/>
+                <a:satOff val="0"/>
+                <a:lumOff val="0"/>
+                <a:alphaOff val="0"/>
+                <a:shade val="15000"/>
+                <a:satMod val="180000"/>
+              </a:schemeClr>
+            </a:gs>
+            <a:gs pos="50000">
+              <a:schemeClr val="accent1">
+                <a:hueOff val="0"/>
+                <a:satOff val="0"/>
+                <a:lumOff val="0"/>
+                <a:alphaOff val="0"/>
+                <a:shade val="45000"/>
+                <a:satMod val="170000"/>
+              </a:schemeClr>
+            </a:gs>
+            <a:gs pos="70000">
+              <a:schemeClr val="accent1">
+                <a:hueOff val="0"/>
+                <a:satOff val="0"/>
+                <a:lumOff val="0"/>
+                <a:alphaOff val="0"/>
+                <a:tint val="99000"/>
+                <a:shade val="65000"/>
+                <a:satMod val="155000"/>
+              </a:schemeClr>
+            </a:gs>
+            <a:gs pos="100000">
+              <a:schemeClr val="accent1">
+                <a:hueOff val="0"/>
+                <a:satOff val="0"/>
+                <a:lumOff val="0"/>
+                <a:alphaOff val="0"/>
+                <a:tint val="95500"/>
+                <a:shade val="100000"/>
+                <a:satMod val="155000"/>
+              </a:schemeClr>
+            </a:gs>
+          </a:gsLst>
+          <a:lin ang="16200000" scaled="0"/>
+        </a:gradFill>
+        <a:ln>
+          <a:noFill/>
+        </a:ln>
+        <a:effectLst>
+          <a:outerShdw blurRad="50800" dist="38100" dir="5400000" rotWithShape="0">
+            <a:srgbClr val="000000">
+              <a:alpha val="35000"/>
+            </a:srgbClr>
+          </a:outerShdw>
+        </a:effectLst>
+      </dsp:spPr>
+      <dsp:style>
+        <a:lnRef idx="0">
+          <a:scrgbClr r="0" g="0" b="0"/>
+        </a:lnRef>
+        <a:fillRef idx="3">
+          <a:scrgbClr r="0" g="0" b="0"/>
+        </a:fillRef>
+        <a:effectRef idx="2">
+          <a:scrgbClr r="0" g="0" b="0"/>
+        </a:effectRef>
+        <a:fontRef idx="minor">
+          <a:schemeClr val="lt1"/>
+        </a:fontRef>
+      </dsp:style>
+      <dsp:txBody>
+        <a:bodyPr spcFirstLastPara="0" vert="horz" wrap="square" lIns="16510" tIns="16510" rIns="16510" bIns="16510" numCol="1" spcCol="1270" anchor="ctr" anchorCtr="0">
+          <a:noAutofit/>
+        </a:bodyPr>
+        <a:lstStyle/>
+        <a:p>
+          <a:pPr lvl="0" algn="ctr" defTabSz="577850">
+            <a:lnSpc>
+              <a:spcPct val="90000"/>
+            </a:lnSpc>
+            <a:spcBef>
+              <a:spcPct val="0"/>
+            </a:spcBef>
+            <a:spcAft>
+              <a:spcPct val="35000"/>
+            </a:spcAft>
+          </a:pPr>
+          <a:r>
+            <a:rPr lang="en-US" sz="1300" kern="1200" dirty="0" smtClean="0"/>
+            <a:t>Environment</a:t>
+          </a:r>
+          <a:endParaRPr lang="en-US" sz="1300" kern="1200" dirty="0"/>
+        </a:p>
+      </dsp:txBody>
+      <dsp:txXfrm>
+        <a:off x="2989683" y="1629509"/>
+        <a:ext cx="931981" cy="931981"/>
+      </dsp:txXfrm>
+    </dsp:sp>
+    <dsp:sp modelId="{21835110-1248-0F40-B471-53227881DFA1}">
+      <dsp:nvSpPr>
+        <dsp:cNvPr id="0" name=""/>
+        <dsp:cNvSpPr/>
+      </dsp:nvSpPr>
+      <dsp:spPr>
+        <a:xfrm rot="8100000">
+          <a:off x="2588780" y="2565226"/>
+          <a:ext cx="349501" cy="444832"/>
+        </a:xfrm>
+        <a:prstGeom prst="rightArrow">
+          <a:avLst>
+            <a:gd name="adj1" fmla="val 60000"/>
+            <a:gd name="adj2" fmla="val 50000"/>
+          </a:avLst>
+        </a:prstGeom>
+        <a:gradFill rotWithShape="0">
+          <a:gsLst>
+            <a:gs pos="0">
+              <a:schemeClr val="accent1">
+                <a:tint val="60000"/>
+                <a:hueOff val="0"/>
+                <a:satOff val="0"/>
+                <a:lumOff val="0"/>
+                <a:alphaOff val="0"/>
+                <a:shade val="15000"/>
+                <a:satMod val="180000"/>
+              </a:schemeClr>
+            </a:gs>
+            <a:gs pos="50000">
+              <a:schemeClr val="accent1">
+                <a:tint val="60000"/>
+                <a:hueOff val="0"/>
+                <a:satOff val="0"/>
+                <a:lumOff val="0"/>
+                <a:alphaOff val="0"/>
+                <a:shade val="45000"/>
+                <a:satMod val="170000"/>
+              </a:schemeClr>
+            </a:gs>
+            <a:gs pos="70000">
+              <a:schemeClr val="accent1">
+                <a:tint val="60000"/>
+                <a:hueOff val="0"/>
+                <a:satOff val="0"/>
+                <a:lumOff val="0"/>
+                <a:alphaOff val="0"/>
+                <a:tint val="99000"/>
+                <a:shade val="65000"/>
+                <a:satMod val="155000"/>
+              </a:schemeClr>
+            </a:gs>
+            <a:gs pos="100000">
+              <a:schemeClr val="accent1">
+                <a:tint val="60000"/>
+                <a:hueOff val="0"/>
+                <a:satOff val="0"/>
+                <a:lumOff val="0"/>
+                <a:alphaOff val="0"/>
+                <a:tint val="95500"/>
+                <a:shade val="100000"/>
+                <a:satMod val="155000"/>
+              </a:schemeClr>
+            </a:gs>
+          </a:gsLst>
+          <a:lin ang="16200000" scaled="0"/>
+        </a:gradFill>
+        <a:ln>
+          <a:noFill/>
+        </a:ln>
+        <a:effectLst>
+          <a:outerShdw blurRad="50800" dist="38100" dir="5400000" rotWithShape="0">
+            <a:srgbClr val="000000">
+              <a:alpha val="35000"/>
+            </a:srgbClr>
+          </a:outerShdw>
+        </a:effectLst>
+      </dsp:spPr>
+      <dsp:style>
+        <a:lnRef idx="0">
+          <a:scrgbClr r="0" g="0" b="0"/>
+        </a:lnRef>
+        <a:fillRef idx="3">
+          <a:scrgbClr r="0" g="0" b="0"/>
+        </a:fillRef>
+        <a:effectRef idx="2">
+          <a:scrgbClr r="0" g="0" b="0"/>
+        </a:effectRef>
+        <a:fontRef idx="minor">
+          <a:schemeClr val="lt1"/>
+        </a:fontRef>
+      </dsp:style>
+      <dsp:txBody>
+        <a:bodyPr spcFirstLastPara="0" vert="horz" wrap="square" lIns="0" tIns="0" rIns="0" bIns="0" numCol="1" spcCol="1270" anchor="ctr" anchorCtr="0">
+          <a:noAutofit/>
+        </a:bodyPr>
+        <a:lstStyle/>
+        <a:p>
+          <a:pPr lvl="0" algn="ctr" defTabSz="444500">
+            <a:lnSpc>
+              <a:spcPct val="90000"/>
+            </a:lnSpc>
+            <a:spcBef>
+              <a:spcPct val="0"/>
+            </a:spcBef>
+            <a:spcAft>
+              <a:spcPct val="35000"/>
+            </a:spcAft>
+          </a:pPr>
+          <a:endParaRPr lang="en-US" sz="1000" kern="1200"/>
+        </a:p>
+      </dsp:txBody>
+      <dsp:txXfrm rot="10800000">
+        <a:off x="2678275" y="2617122"/>
+        <a:ext cx="244651" cy="266900"/>
+      </dsp:txXfrm>
+    </dsp:sp>
+    <dsp:sp modelId="{66AD2163-19FA-9842-B407-11A561E0B28C}">
+      <dsp:nvSpPr>
+        <dsp:cNvPr id="0" name=""/>
+        <dsp:cNvSpPr/>
+      </dsp:nvSpPr>
+      <dsp:spPr>
+        <a:xfrm>
+          <a:off x="1398389" y="2834763"/>
+          <a:ext cx="1318021" cy="1318021"/>
+        </a:xfrm>
+        <a:prstGeom prst="ellipse">
+          <a:avLst/>
+        </a:prstGeom>
+        <a:gradFill rotWithShape="0">
+          <a:gsLst>
+            <a:gs pos="0">
+              <a:schemeClr val="accent1">
+                <a:hueOff val="0"/>
+                <a:satOff val="0"/>
+                <a:lumOff val="0"/>
+                <a:alphaOff val="0"/>
+                <a:shade val="15000"/>
+                <a:satMod val="180000"/>
+              </a:schemeClr>
+            </a:gs>
+            <a:gs pos="50000">
+              <a:schemeClr val="accent1">
+                <a:hueOff val="0"/>
+                <a:satOff val="0"/>
+                <a:lumOff val="0"/>
+                <a:alphaOff val="0"/>
+                <a:shade val="45000"/>
+                <a:satMod val="170000"/>
+              </a:schemeClr>
+            </a:gs>
+            <a:gs pos="70000">
+              <a:schemeClr val="accent1">
+                <a:hueOff val="0"/>
+                <a:satOff val="0"/>
+                <a:lumOff val="0"/>
+                <a:alphaOff val="0"/>
+                <a:tint val="99000"/>
+                <a:shade val="65000"/>
+                <a:satMod val="155000"/>
+              </a:schemeClr>
+            </a:gs>
+            <a:gs pos="100000">
+              <a:schemeClr val="accent1">
+                <a:hueOff val="0"/>
+                <a:satOff val="0"/>
+                <a:lumOff val="0"/>
+                <a:alphaOff val="0"/>
+                <a:tint val="95500"/>
+                <a:shade val="100000"/>
+                <a:satMod val="155000"/>
+              </a:schemeClr>
+            </a:gs>
+          </a:gsLst>
+          <a:lin ang="16200000" scaled="0"/>
+        </a:gradFill>
+        <a:ln>
+          <a:noFill/>
+        </a:ln>
+        <a:effectLst>
+          <a:outerShdw blurRad="50800" dist="38100" dir="5400000" rotWithShape="0">
+            <a:srgbClr val="000000">
+              <a:alpha val="35000"/>
+            </a:srgbClr>
+          </a:outerShdw>
+        </a:effectLst>
+      </dsp:spPr>
+      <dsp:style>
+        <a:lnRef idx="0">
+          <a:scrgbClr r="0" g="0" b="0"/>
+        </a:lnRef>
+        <a:fillRef idx="3">
+          <a:scrgbClr r="0" g="0" b="0"/>
+        </a:fillRef>
+        <a:effectRef idx="2">
+          <a:scrgbClr r="0" g="0" b="0"/>
+        </a:effectRef>
+        <a:fontRef idx="minor">
+          <a:schemeClr val="lt1"/>
+        </a:fontRef>
+      </dsp:style>
+      <dsp:txBody>
+        <a:bodyPr spcFirstLastPara="0" vert="horz" wrap="square" lIns="16510" tIns="16510" rIns="16510" bIns="16510" numCol="1" spcCol="1270" anchor="ctr" anchorCtr="0">
+          <a:noAutofit/>
+        </a:bodyPr>
+        <a:lstStyle/>
+        <a:p>
+          <a:pPr lvl="0" algn="ctr" defTabSz="577850">
+            <a:lnSpc>
+              <a:spcPct val="90000"/>
+            </a:lnSpc>
+            <a:spcBef>
+              <a:spcPct val="0"/>
+            </a:spcBef>
+            <a:spcAft>
+              <a:spcPct val="35000"/>
+            </a:spcAft>
+          </a:pPr>
+          <a:r>
+            <a:rPr lang="en-US" sz="1300" kern="1200" dirty="0" smtClean="0"/>
+            <a:t>Agent</a:t>
+          </a:r>
+          <a:endParaRPr lang="en-US" sz="1300" kern="1200" dirty="0"/>
+        </a:p>
+      </dsp:txBody>
+      <dsp:txXfrm>
+        <a:off x="1591409" y="3027783"/>
+        <a:ext cx="931981" cy="931981"/>
+      </dsp:txXfrm>
+    </dsp:sp>
+    <dsp:sp modelId="{5B98DEAE-4428-8B49-BA68-1B1813C6005F}">
+      <dsp:nvSpPr>
+        <dsp:cNvPr id="0" name=""/>
+        <dsp:cNvSpPr/>
+      </dsp:nvSpPr>
+      <dsp:spPr>
+        <a:xfrm rot="13500000">
+          <a:off x="1190506" y="2579215"/>
+          <a:ext cx="349501" cy="444832"/>
+        </a:xfrm>
+        <a:prstGeom prst="rightArrow">
+          <a:avLst>
+            <a:gd name="adj1" fmla="val 60000"/>
+            <a:gd name="adj2" fmla="val 50000"/>
+          </a:avLst>
+        </a:prstGeom>
+        <a:gradFill rotWithShape="0">
+          <a:gsLst>
+            <a:gs pos="0">
+              <a:schemeClr val="accent1">
+                <a:tint val="60000"/>
+                <a:hueOff val="0"/>
+                <a:satOff val="0"/>
+                <a:lumOff val="0"/>
+                <a:alphaOff val="0"/>
+                <a:shade val="15000"/>
+                <a:satMod val="180000"/>
+              </a:schemeClr>
+            </a:gs>
+            <a:gs pos="50000">
+              <a:schemeClr val="accent1">
+                <a:tint val="60000"/>
+                <a:hueOff val="0"/>
+                <a:satOff val="0"/>
+                <a:lumOff val="0"/>
+                <a:alphaOff val="0"/>
+                <a:shade val="45000"/>
+                <a:satMod val="170000"/>
+              </a:schemeClr>
+            </a:gs>
+            <a:gs pos="70000">
+              <a:schemeClr val="accent1">
+                <a:tint val="60000"/>
+                <a:hueOff val="0"/>
+                <a:satOff val="0"/>
+                <a:lumOff val="0"/>
+                <a:alphaOff val="0"/>
+                <a:tint val="99000"/>
+                <a:shade val="65000"/>
+                <a:satMod val="155000"/>
+              </a:schemeClr>
+            </a:gs>
+            <a:gs pos="100000">
+              <a:schemeClr val="accent1">
+                <a:tint val="60000"/>
+                <a:hueOff val="0"/>
+                <a:satOff val="0"/>
+                <a:lumOff val="0"/>
+                <a:alphaOff val="0"/>
+                <a:tint val="95500"/>
+                <a:shade val="100000"/>
+                <a:satMod val="155000"/>
+              </a:schemeClr>
+            </a:gs>
+          </a:gsLst>
+          <a:lin ang="16200000" scaled="0"/>
+        </a:gradFill>
+        <a:ln>
+          <a:noFill/>
+        </a:ln>
+        <a:effectLst>
+          <a:outerShdw blurRad="50800" dist="38100" dir="5400000" rotWithShape="0">
+            <a:srgbClr val="000000">
+              <a:alpha val="35000"/>
+            </a:srgbClr>
+          </a:outerShdw>
+        </a:effectLst>
+      </dsp:spPr>
+      <dsp:style>
+        <a:lnRef idx="0">
+          <a:scrgbClr r="0" g="0" b="0"/>
+        </a:lnRef>
+        <a:fillRef idx="3">
+          <a:scrgbClr r="0" g="0" b="0"/>
+        </a:fillRef>
+        <a:effectRef idx="2">
+          <a:scrgbClr r="0" g="0" b="0"/>
+        </a:effectRef>
+        <a:fontRef idx="minor">
+          <a:schemeClr val="lt1"/>
+        </a:fontRef>
+      </dsp:style>
+      <dsp:txBody>
+        <a:bodyPr spcFirstLastPara="0" vert="horz" wrap="square" lIns="0" tIns="0" rIns="0" bIns="0" numCol="1" spcCol="1270" anchor="ctr" anchorCtr="0">
+          <a:noAutofit/>
+        </a:bodyPr>
+        <a:lstStyle/>
+        <a:p>
+          <a:pPr lvl="0" algn="ctr" defTabSz="444500">
+            <a:lnSpc>
+              <a:spcPct val="90000"/>
+            </a:lnSpc>
+            <a:spcBef>
+              <a:spcPct val="0"/>
+            </a:spcBef>
+            <a:spcAft>
+              <a:spcPct val="35000"/>
+            </a:spcAft>
+          </a:pPr>
+          <a:endParaRPr lang="en-US" sz="1000" kern="1200"/>
+        </a:p>
+      </dsp:txBody>
+      <dsp:txXfrm rot="10800000">
+        <a:off x="1280001" y="2705251"/>
+        <a:ext cx="244651" cy="266900"/>
+      </dsp:txXfrm>
+    </dsp:sp>
+    <dsp:sp modelId="{492633B3-01F9-E343-8017-0890C7327E6B}">
+      <dsp:nvSpPr>
+        <dsp:cNvPr id="0" name=""/>
+        <dsp:cNvSpPr/>
+      </dsp:nvSpPr>
+      <dsp:spPr>
+        <a:xfrm>
+          <a:off x="114" y="1436489"/>
+          <a:ext cx="1318021" cy="1318021"/>
+        </a:xfrm>
+        <a:prstGeom prst="ellipse">
+          <a:avLst/>
+        </a:prstGeom>
+        <a:gradFill rotWithShape="0">
+          <a:gsLst>
+            <a:gs pos="0">
+              <a:schemeClr val="accent1">
+                <a:hueOff val="0"/>
+                <a:satOff val="0"/>
+                <a:lumOff val="0"/>
+                <a:alphaOff val="0"/>
+                <a:shade val="15000"/>
+                <a:satMod val="180000"/>
+              </a:schemeClr>
+            </a:gs>
+            <a:gs pos="50000">
+              <a:schemeClr val="accent1">
+                <a:hueOff val="0"/>
+                <a:satOff val="0"/>
+                <a:lumOff val="0"/>
+                <a:alphaOff val="0"/>
+                <a:shade val="45000"/>
+                <a:satMod val="170000"/>
+              </a:schemeClr>
+            </a:gs>
+            <a:gs pos="70000">
+              <a:schemeClr val="accent1">
+                <a:hueOff val="0"/>
+                <a:satOff val="0"/>
+                <a:lumOff val="0"/>
+                <a:alphaOff val="0"/>
+                <a:tint val="99000"/>
+                <a:shade val="65000"/>
+                <a:satMod val="155000"/>
+              </a:schemeClr>
+            </a:gs>
+            <a:gs pos="100000">
+              <a:schemeClr val="accent1">
+                <a:hueOff val="0"/>
+                <a:satOff val="0"/>
+                <a:lumOff val="0"/>
+                <a:alphaOff val="0"/>
+                <a:tint val="95500"/>
+                <a:shade val="100000"/>
+                <a:satMod val="155000"/>
+              </a:schemeClr>
+            </a:gs>
+          </a:gsLst>
+          <a:lin ang="16200000" scaled="0"/>
+        </a:gradFill>
+        <a:ln>
+          <a:noFill/>
+        </a:ln>
+        <a:effectLst>
+          <a:outerShdw blurRad="50800" dist="38100" dir="5400000" rotWithShape="0">
+            <a:srgbClr val="000000">
+              <a:alpha val="35000"/>
+            </a:srgbClr>
+          </a:outerShdw>
+        </a:effectLst>
+      </dsp:spPr>
+      <dsp:style>
+        <a:lnRef idx="0">
+          <a:scrgbClr r="0" g="0" b="0"/>
+        </a:lnRef>
+        <a:fillRef idx="3">
+          <a:scrgbClr r="0" g="0" b="0"/>
+        </a:fillRef>
+        <a:effectRef idx="2">
+          <a:scrgbClr r="0" g="0" b="0"/>
+        </a:effectRef>
+        <a:fontRef idx="minor">
+          <a:schemeClr val="lt1"/>
+        </a:fontRef>
+      </dsp:style>
+      <dsp:txBody>
+        <a:bodyPr spcFirstLastPara="0" vert="horz" wrap="square" lIns="16510" tIns="16510" rIns="16510" bIns="16510" numCol="1" spcCol="1270" anchor="ctr" anchorCtr="0">
+          <a:noAutofit/>
+        </a:bodyPr>
+        <a:lstStyle/>
+        <a:p>
+          <a:pPr lvl="0" algn="ctr" defTabSz="577850">
+            <a:lnSpc>
+              <a:spcPct val="90000"/>
+            </a:lnSpc>
+            <a:spcBef>
+              <a:spcPct val="0"/>
+            </a:spcBef>
+            <a:spcAft>
+              <a:spcPct val="35000"/>
+            </a:spcAft>
+          </a:pPr>
+          <a:r>
+            <a:rPr lang="en-US" sz="1300" kern="1200" dirty="0" smtClean="0"/>
+            <a:t>Environment</a:t>
+          </a:r>
+          <a:endParaRPr lang="en-US" sz="1300" kern="1200" dirty="0"/>
+        </a:p>
+      </dsp:txBody>
+      <dsp:txXfrm>
+        <a:off x="193134" y="1629509"/>
+        <a:ext cx="931981" cy="931981"/>
+      </dsp:txXfrm>
+    </dsp:sp>
+    <dsp:sp modelId="{481688DA-3166-054F-941C-BF6AB84AC722}">
+      <dsp:nvSpPr>
+        <dsp:cNvPr id="0" name=""/>
+        <dsp:cNvSpPr/>
+      </dsp:nvSpPr>
+      <dsp:spPr>
+        <a:xfrm rot="18900000">
+          <a:off x="1176517" y="1180941"/>
+          <a:ext cx="349501" cy="444832"/>
+        </a:xfrm>
+        <a:prstGeom prst="rightArrow">
+          <a:avLst>
+            <a:gd name="adj1" fmla="val 60000"/>
+            <a:gd name="adj2" fmla="val 50000"/>
+          </a:avLst>
+        </a:prstGeom>
+        <a:gradFill rotWithShape="0">
+          <a:gsLst>
+            <a:gs pos="0">
+              <a:schemeClr val="accent1">
+                <a:tint val="60000"/>
+                <a:hueOff val="0"/>
+                <a:satOff val="0"/>
+                <a:lumOff val="0"/>
+                <a:alphaOff val="0"/>
+                <a:shade val="15000"/>
+                <a:satMod val="180000"/>
+              </a:schemeClr>
+            </a:gs>
+            <a:gs pos="50000">
+              <a:schemeClr val="accent1">
+                <a:tint val="60000"/>
+                <a:hueOff val="0"/>
+                <a:satOff val="0"/>
+                <a:lumOff val="0"/>
+                <a:alphaOff val="0"/>
+                <a:shade val="45000"/>
+                <a:satMod val="170000"/>
+              </a:schemeClr>
+            </a:gs>
+            <a:gs pos="70000">
+              <a:schemeClr val="accent1">
+                <a:tint val="60000"/>
+                <a:hueOff val="0"/>
+                <a:satOff val="0"/>
+                <a:lumOff val="0"/>
+                <a:alphaOff val="0"/>
+                <a:tint val="99000"/>
+                <a:shade val="65000"/>
+                <a:satMod val="155000"/>
+              </a:schemeClr>
+            </a:gs>
+            <a:gs pos="100000">
+              <a:schemeClr val="accent1">
+                <a:tint val="60000"/>
+                <a:hueOff val="0"/>
+                <a:satOff val="0"/>
+                <a:lumOff val="0"/>
+                <a:alphaOff val="0"/>
+                <a:tint val="95500"/>
+                <a:shade val="100000"/>
+                <a:satMod val="155000"/>
+              </a:schemeClr>
+            </a:gs>
+          </a:gsLst>
+          <a:lin ang="16200000" scaled="0"/>
+        </a:gradFill>
+        <a:ln>
+          <a:noFill/>
+        </a:ln>
+        <a:effectLst>
+          <a:outerShdw blurRad="50800" dist="38100" dir="5400000" rotWithShape="0">
+            <a:srgbClr val="000000">
+              <a:alpha val="35000"/>
+            </a:srgbClr>
+          </a:outerShdw>
+        </a:effectLst>
+      </dsp:spPr>
+      <dsp:style>
+        <a:lnRef idx="0">
+          <a:scrgbClr r="0" g="0" b="0"/>
+        </a:lnRef>
+        <a:fillRef idx="3">
+          <a:scrgbClr r="0" g="0" b="0"/>
+        </a:fillRef>
+        <a:effectRef idx="2">
+          <a:scrgbClr r="0" g="0" b="0"/>
+        </a:effectRef>
+        <a:fontRef idx="minor">
+          <a:schemeClr val="lt1"/>
+        </a:fontRef>
+      </dsp:style>
+      <dsp:txBody>
+        <a:bodyPr spcFirstLastPara="0" vert="horz" wrap="square" lIns="0" tIns="0" rIns="0" bIns="0" numCol="1" spcCol="1270" anchor="ctr" anchorCtr="0">
+          <a:noAutofit/>
+        </a:bodyPr>
+        <a:lstStyle/>
+        <a:p>
+          <a:pPr lvl="0" algn="ctr" defTabSz="444500">
+            <a:lnSpc>
+              <a:spcPct val="90000"/>
+            </a:lnSpc>
+            <a:spcBef>
+              <a:spcPct val="0"/>
+            </a:spcBef>
+            <a:spcAft>
+              <a:spcPct val="35000"/>
+            </a:spcAft>
+          </a:pPr>
+          <a:endParaRPr lang="en-US" sz="1000" kern="1200"/>
+        </a:p>
+      </dsp:txBody>
+      <dsp:txXfrm>
+        <a:off x="1191872" y="1306977"/>
+        <a:ext cx="244651" cy="266900"/>
       </dsp:txXfrm>
     </dsp:sp>
   </dsp:spTree>
@@ -5603,6 +9166,372 @@
 </dgm:layoutDef>
 </file>
 
+<file path=ppt/diagrams/layout4.xml><?xml version="1.0" encoding="utf-8"?>
+<dgm:layoutDef xmlns:dgm="http://schemas.openxmlformats.org/drawingml/2006/diagram" xmlns:a="http://schemas.openxmlformats.org/drawingml/2006/main" uniqueId="urn:microsoft.com/office/officeart/2005/8/layout/equation1">
+  <dgm:title val=""/>
+  <dgm:desc val=""/>
+  <dgm:catLst>
+    <dgm:cat type="relationship" pri="17000"/>
+    <dgm:cat type="process" pri="25000"/>
+  </dgm:catLst>
+  <dgm:sampData useDef="1">
+    <dgm:dataModel>
+      <dgm:ptLst/>
+      <dgm:bg/>
+      <dgm:whole/>
+    </dgm:dataModel>
+  </dgm:sampData>
+  <dgm:styleData>
+    <dgm:dataModel>
+      <dgm:ptLst>
+        <dgm:pt modelId="0" type="doc"/>
+        <dgm:pt modelId="1"/>
+        <dgm:pt modelId="2"/>
+      </dgm:ptLst>
+      <dgm:cxnLst>
+        <dgm:cxn modelId="3" srcId="0" destId="1" srcOrd="0" destOrd="0"/>
+        <dgm:cxn modelId="4" srcId="0" destId="2" srcOrd="1" destOrd="0"/>
+      </dgm:cxnLst>
+      <dgm:bg/>
+      <dgm:whole/>
+    </dgm:dataModel>
+  </dgm:styleData>
+  <dgm:clrData>
+    <dgm:dataModel>
+      <dgm:ptLst>
+        <dgm:pt modelId="0" type="doc"/>
+        <dgm:pt modelId="1"/>
+        <dgm:pt modelId="2"/>
+        <dgm:pt modelId="3"/>
+        <dgm:pt modelId="4"/>
+      </dgm:ptLst>
+      <dgm:cxnLst>
+        <dgm:cxn modelId="5" srcId="0" destId="1" srcOrd="0" destOrd="0"/>
+        <dgm:cxn modelId="6" srcId="0" destId="2" srcOrd="1" destOrd="0"/>
+        <dgm:cxn modelId="7" srcId="0" destId="3" srcOrd="2" destOrd="0"/>
+        <dgm:cxn modelId="8" srcId="0" destId="4" srcOrd="3" destOrd="0"/>
+      </dgm:cxnLst>
+      <dgm:bg/>
+      <dgm:whole/>
+    </dgm:dataModel>
+  </dgm:clrData>
+  <dgm:layoutNode name="linearFlow">
+    <dgm:varLst>
+      <dgm:dir/>
+      <dgm:resizeHandles val="exact"/>
+    </dgm:varLst>
+    <dgm:choose name="Name0">
+      <dgm:if name="Name1" func="var" arg="dir" op="equ" val="norm">
+        <dgm:alg type="lin">
+          <dgm:param type="fallback" val="2D"/>
+        </dgm:alg>
+      </dgm:if>
+      <dgm:else name="Name2">
+        <dgm:alg type="lin">
+          <dgm:param type="linDir" val="fromR"/>
+          <dgm:param type="fallback" val="2D"/>
+        </dgm:alg>
+      </dgm:else>
+    </dgm:choose>
+    <dgm:shape xmlns:r="http://schemas.openxmlformats.org/officeDocument/2006/relationships" r:blip="">
+      <dgm:adjLst/>
+    </dgm:shape>
+    <dgm:presOf/>
+    <dgm:constrLst>
+      <dgm:constr type="w" for="ch" ptType="node" refType="w"/>
+      <dgm:constr type="w" for="ch" ptType="sibTrans" refType="w" refFor="ch" refPtType="node" fact="0.58"/>
+      <dgm:constr type="primFontSz" for="ch" ptType="node" op="equ" val="65"/>
+      <dgm:constr type="primFontSz" for="ch" ptType="sibTrans" op="equ" val="55"/>
+      <dgm:constr type="primFontSz" for="ch" ptType="sibTrans" refType="primFontSz" refFor="ch" refPtType="node" op="lte" fact="0.8"/>
+      <dgm:constr type="w" for="ch" forName="spacerL" refType="w" refFor="ch" refPtType="sibTrans" fact="0.14"/>
+      <dgm:constr type="w" for="ch" forName="spacerR" refType="w" refFor="ch" refPtType="sibTrans" fact="0.14"/>
+    </dgm:constrLst>
+    <dgm:ruleLst/>
+    <dgm:forEach name="nodesForEach" axis="ch" ptType="node">
+      <dgm:layoutNode name="node">
+        <dgm:varLst>
+          <dgm:bulletEnabled val="1"/>
+        </dgm:varLst>
+        <dgm:alg type="tx">
+          <dgm:param type="txAnchorVertCh" val="mid"/>
+        </dgm:alg>
+        <dgm:shape xmlns:r="http://schemas.openxmlformats.org/officeDocument/2006/relationships" type="ellipse" r:blip="">
+          <dgm:adjLst/>
+        </dgm:shape>
+        <dgm:presOf axis="desOrSelf" ptType="node"/>
+        <dgm:constrLst>
+          <dgm:constr type="h" refType="w"/>
+          <dgm:constr type="tMarg" refType="primFontSz" fact="0.1"/>
+          <dgm:constr type="bMarg" refType="primFontSz" fact="0.1"/>
+          <dgm:constr type="lMarg" refType="primFontSz" fact="0.1"/>
+          <dgm:constr type="rMarg" refType="primFontSz" fact="0.1"/>
+        </dgm:constrLst>
+        <dgm:ruleLst>
+          <dgm:rule type="primFontSz" val="5" fact="NaN" max="NaN"/>
+        </dgm:ruleLst>
+      </dgm:layoutNode>
+      <dgm:forEach name="sibTransForEach" axis="followSib" ptType="sibTrans" cnt="1">
+        <dgm:layoutNode name="spacerL">
+          <dgm:alg type="sp"/>
+          <dgm:shape xmlns:r="http://schemas.openxmlformats.org/officeDocument/2006/relationships" r:blip="">
+            <dgm:adjLst/>
+          </dgm:shape>
+          <dgm:presOf/>
+          <dgm:constrLst/>
+          <dgm:ruleLst/>
+        </dgm:layoutNode>
+        <dgm:layoutNode name="sibTrans">
+          <dgm:alg type="tx"/>
+          <dgm:choose name="Name3">
+            <dgm:if name="Name4" axis="followSib" ptType="sibTrans" func="cnt" op="equ" val="0">
+              <dgm:shape xmlns:r="http://schemas.openxmlformats.org/officeDocument/2006/relationships" type="mathEqual" r:blip="">
+                <dgm:adjLst/>
+              </dgm:shape>
+            </dgm:if>
+            <dgm:else name="Name5">
+              <dgm:shape xmlns:r="http://schemas.openxmlformats.org/officeDocument/2006/relationships" type="mathPlus" r:blip="">
+                <dgm:adjLst/>
+              </dgm:shape>
+            </dgm:else>
+          </dgm:choose>
+          <dgm:presOf axis="self"/>
+          <dgm:constrLst>
+            <dgm:constr type="h" refType="w"/>
+            <dgm:constr type="lMarg"/>
+            <dgm:constr type="rMarg"/>
+            <dgm:constr type="tMarg"/>
+            <dgm:constr type="bMarg"/>
+          </dgm:constrLst>
+          <dgm:ruleLst>
+            <dgm:rule type="primFontSz" val="5" fact="NaN" max="NaN"/>
+          </dgm:ruleLst>
+        </dgm:layoutNode>
+        <dgm:layoutNode name="spacerR">
+          <dgm:alg type="sp"/>
+          <dgm:shape xmlns:r="http://schemas.openxmlformats.org/officeDocument/2006/relationships" r:blip="">
+            <dgm:adjLst/>
+          </dgm:shape>
+          <dgm:presOf/>
+          <dgm:constrLst/>
+          <dgm:ruleLst/>
+        </dgm:layoutNode>
+      </dgm:forEach>
+    </dgm:forEach>
+  </dgm:layoutNode>
+</dgm:layoutDef>
+</file>
+
+<file path=ppt/diagrams/layout5.xml><?xml version="1.0" encoding="utf-8"?>
+<dgm:layoutDef xmlns:dgm="http://schemas.openxmlformats.org/drawingml/2006/diagram" xmlns:a="http://schemas.openxmlformats.org/drawingml/2006/main" uniqueId="urn:microsoft.com/office/officeart/2005/8/layout/cycle2">
+  <dgm:title val=""/>
+  <dgm:desc val=""/>
+  <dgm:catLst>
+    <dgm:cat type="cycle" pri="1000"/>
+    <dgm:cat type="convert" pri="10000"/>
+  </dgm:catLst>
+  <dgm:sampData>
+    <dgm:dataModel>
+      <dgm:ptLst>
+        <dgm:pt modelId="0" type="doc"/>
+        <dgm:pt modelId="1">
+          <dgm:prSet phldr="1"/>
+        </dgm:pt>
+        <dgm:pt modelId="2">
+          <dgm:prSet phldr="1"/>
+        </dgm:pt>
+        <dgm:pt modelId="3">
+          <dgm:prSet phldr="1"/>
+        </dgm:pt>
+        <dgm:pt modelId="4">
+          <dgm:prSet phldr="1"/>
+        </dgm:pt>
+        <dgm:pt modelId="5">
+          <dgm:prSet phldr="1"/>
+        </dgm:pt>
+      </dgm:ptLst>
+      <dgm:cxnLst>
+        <dgm:cxn modelId="6" srcId="0" destId="1" srcOrd="0" destOrd="0"/>
+        <dgm:cxn modelId="7" srcId="0" destId="2" srcOrd="1" destOrd="0"/>
+        <dgm:cxn modelId="8" srcId="0" destId="3" srcOrd="2" destOrd="0"/>
+        <dgm:cxn modelId="9" srcId="0" destId="4" srcOrd="3" destOrd="0"/>
+        <dgm:cxn modelId="10" srcId="0" destId="5" srcOrd="4" destOrd="0"/>
+      </dgm:cxnLst>
+      <dgm:bg/>
+      <dgm:whole/>
+    </dgm:dataModel>
+  </dgm:sampData>
+  <dgm:styleData>
+    <dgm:dataModel>
+      <dgm:ptLst>
+        <dgm:pt modelId="0" type="doc"/>
+        <dgm:pt modelId="1"/>
+        <dgm:pt modelId="2"/>
+        <dgm:pt modelId="3"/>
+      </dgm:ptLst>
+      <dgm:cxnLst>
+        <dgm:cxn modelId="4" srcId="0" destId="1" srcOrd="0" destOrd="0"/>
+        <dgm:cxn modelId="5" srcId="0" destId="2" srcOrd="1" destOrd="0"/>
+        <dgm:cxn modelId="6" srcId="0" destId="3" srcOrd="2" destOrd="0"/>
+      </dgm:cxnLst>
+      <dgm:bg/>
+      <dgm:whole/>
+    </dgm:dataModel>
+  </dgm:styleData>
+  <dgm:clrData>
+    <dgm:dataModel>
+      <dgm:ptLst>
+        <dgm:pt modelId="0" type="doc"/>
+        <dgm:pt modelId="1"/>
+        <dgm:pt modelId="2"/>
+        <dgm:pt modelId="3"/>
+        <dgm:pt modelId="4"/>
+        <dgm:pt modelId="5"/>
+        <dgm:pt modelId="6"/>
+      </dgm:ptLst>
+      <dgm:cxnLst>
+        <dgm:cxn modelId="7" srcId="0" destId="1" srcOrd="0" destOrd="0"/>
+        <dgm:cxn modelId="8" srcId="0" destId="2" srcOrd="1" destOrd="0"/>
+        <dgm:cxn modelId="9" srcId="0" destId="3" srcOrd="2" destOrd="0"/>
+        <dgm:cxn modelId="10" srcId="0" destId="4" srcOrd="3" destOrd="0"/>
+        <dgm:cxn modelId="11" srcId="0" destId="5" srcOrd="4" destOrd="0"/>
+        <dgm:cxn modelId="12" srcId="0" destId="6" srcOrd="5" destOrd="0"/>
+      </dgm:cxnLst>
+      <dgm:bg/>
+      <dgm:whole/>
+    </dgm:dataModel>
+  </dgm:clrData>
+  <dgm:layoutNode name="cycle">
+    <dgm:varLst>
+      <dgm:dir/>
+      <dgm:resizeHandles val="exact"/>
+    </dgm:varLst>
+    <dgm:choose name="Name0">
+      <dgm:if name="Name1" func="var" arg="dir" op="equ" val="norm">
+        <dgm:choose name="Name2">
+          <dgm:if name="Name3" axis="ch" ptType="node" func="cnt" op="gt" val="2">
+            <dgm:alg type="cycle">
+              <dgm:param type="stAng" val="0"/>
+              <dgm:param type="spanAng" val="360"/>
+            </dgm:alg>
+          </dgm:if>
+          <dgm:else name="Name4">
+            <dgm:alg type="cycle">
+              <dgm:param type="stAng" val="-90"/>
+              <dgm:param type="spanAng" val="360"/>
+            </dgm:alg>
+          </dgm:else>
+        </dgm:choose>
+      </dgm:if>
+      <dgm:else name="Name5">
+        <dgm:choose name="Name6">
+          <dgm:if name="Name7" axis="ch" ptType="node" func="cnt" op="gt" val="2">
+            <dgm:alg type="cycle">
+              <dgm:param type="stAng" val="0"/>
+              <dgm:param type="spanAng" val="-360"/>
+            </dgm:alg>
+          </dgm:if>
+          <dgm:else name="Name8">
+            <dgm:alg type="cycle">
+              <dgm:param type="stAng" val="90"/>
+              <dgm:param type="spanAng" val="-360"/>
+            </dgm:alg>
+          </dgm:else>
+        </dgm:choose>
+      </dgm:else>
+    </dgm:choose>
+    <dgm:shape xmlns:r="http://schemas.openxmlformats.org/officeDocument/2006/relationships" r:blip="">
+      <dgm:adjLst/>
+    </dgm:shape>
+    <dgm:presOf/>
+    <dgm:constrLst>
+      <dgm:constr type="w" for="ch" ptType="node" refType="w"/>
+      <dgm:constr type="w" for="ch" ptType="sibTrans" refType="w" refFor="ch" refPtType="node" op="equ" fact="0.25"/>
+      <dgm:constr type="sibSp" refType="w" refFor="ch" refPtType="node" fact="0.5"/>
+      <dgm:constr type="primFontSz" for="ch" ptType="node" op="equ" val="65"/>
+      <dgm:constr type="primFontSz" for="des" forName="connectorText" op="equ" val="55"/>
+      <dgm:constr type="primFontSz" for="des" forName="connectorText" refType="primFontSz" refFor="ch" refPtType="node" op="lte" fact="0.8"/>
+    </dgm:constrLst>
+    <dgm:ruleLst/>
+    <dgm:forEach name="nodesForEach" axis="ch" ptType="node">
+      <dgm:layoutNode name="node">
+        <dgm:varLst>
+          <dgm:bulletEnabled val="1"/>
+        </dgm:varLst>
+        <dgm:alg type="tx">
+          <dgm:param type="txAnchorVertCh" val="mid"/>
+        </dgm:alg>
+        <dgm:shape xmlns:r="http://schemas.openxmlformats.org/officeDocument/2006/relationships" type="ellipse" r:blip="">
+          <dgm:adjLst/>
+        </dgm:shape>
+        <dgm:presOf axis="desOrSelf" ptType="node"/>
+        <dgm:constrLst>
+          <dgm:constr type="h" refType="w"/>
+          <dgm:constr type="lMarg" refType="primFontSz" fact="0.1"/>
+          <dgm:constr type="rMarg" refType="primFontSz" fact="0.1"/>
+          <dgm:constr type="tMarg" refType="primFontSz" fact="0.1"/>
+          <dgm:constr type="bMarg" refType="primFontSz" fact="0.1"/>
+        </dgm:constrLst>
+        <dgm:ruleLst>
+          <dgm:rule type="primFontSz" val="5" fact="NaN" max="NaN"/>
+        </dgm:ruleLst>
+      </dgm:layoutNode>
+      <dgm:choose name="Name9">
+        <dgm:if name="Name10" axis="par ch" ptType="doc node" func="cnt" op="gt" val="1">
+          <dgm:forEach name="sibTransForEach" axis="followSib" ptType="sibTrans" hideLastTrans="0" cnt="1">
+            <dgm:layoutNode name="sibTrans">
+              <dgm:choose name="Name11">
+                <dgm:if name="Name12" axis="par ch" ptType="doc node" func="cnt" op="lt" val="3">
+                  <dgm:alg type="conn">
+                    <dgm:param type="begPts" val="radial"/>
+                    <dgm:param type="endPts" val="radial"/>
+                  </dgm:alg>
+                </dgm:if>
+                <dgm:else name="Name13">
+                  <dgm:alg type="conn">
+                    <dgm:param type="begPts" val="auto"/>
+                    <dgm:param type="endPts" val="auto"/>
+                  </dgm:alg>
+                </dgm:else>
+              </dgm:choose>
+              <dgm:shape xmlns:r="http://schemas.openxmlformats.org/officeDocument/2006/relationships" type="conn" r:blip="">
+                <dgm:adjLst/>
+              </dgm:shape>
+              <dgm:presOf axis="self"/>
+              <dgm:constrLst>
+                <dgm:constr type="h" refType="w" fact="1.35"/>
+                <dgm:constr type="connDist"/>
+                <dgm:constr type="w" for="ch" refType="connDist" fact="0.45"/>
+                <dgm:constr type="h" for="ch" refType="h"/>
+              </dgm:constrLst>
+              <dgm:ruleLst/>
+              <dgm:layoutNode name="connectorText">
+                <dgm:alg type="tx">
+                  <dgm:param type="autoTxRot" val="grav"/>
+                </dgm:alg>
+                <dgm:shape xmlns:r="http://schemas.openxmlformats.org/officeDocument/2006/relationships" type="conn" r:blip="" hideGeom="1">
+                  <dgm:adjLst/>
+                </dgm:shape>
+                <dgm:presOf axis="self"/>
+                <dgm:constrLst>
+                  <dgm:constr type="lMarg"/>
+                  <dgm:constr type="rMarg"/>
+                  <dgm:constr type="tMarg"/>
+                  <dgm:constr type="bMarg"/>
+                </dgm:constrLst>
+                <dgm:ruleLst>
+                  <dgm:rule type="primFontSz" val="5" fact="NaN" max="NaN"/>
+                </dgm:ruleLst>
+              </dgm:layoutNode>
+            </dgm:layoutNode>
+          </dgm:forEach>
+        </dgm:if>
+        <dgm:else name="Name14"/>
+      </dgm:choose>
+    </dgm:forEach>
+  </dgm:layoutNode>
+</dgm:layoutDef>
+</file>
+
 <file path=ppt/diagrams/quickStyle1.xml><?xml version="1.0" encoding="utf-8"?>
 <dgm:styleDef xmlns:dgm="http://schemas.openxmlformats.org/drawingml/2006/diagram" xmlns:a="http://schemas.openxmlformats.org/drawingml/2006/main" uniqueId="urn:microsoft.com/office/officeart/2005/8/quickstyle/simple4">
   <dgm:title val=""/>
@@ -7672,6 +11601,2074 @@
 </file>
 
 <file path=ppt/diagrams/quickStyle3.xml><?xml version="1.0" encoding="utf-8"?>
+<dgm:styleDef xmlns:dgm="http://schemas.openxmlformats.org/drawingml/2006/diagram" xmlns:a="http://schemas.openxmlformats.org/drawingml/2006/main" uniqueId="urn:microsoft.com/office/officeart/2005/8/quickstyle/simple4">
+  <dgm:title val=""/>
+  <dgm:desc val=""/>
+  <dgm:catLst>
+    <dgm:cat type="simple" pri="10400"/>
+  </dgm:catLst>
+  <dgm:scene3d>
+    <a:camera prst="orthographicFront"/>
+    <a:lightRig rig="threePt" dir="t"/>
+  </dgm:scene3d>
+  <dgm:styleLbl name="node0">
+    <dgm:scene3d>
+      <a:camera prst="orthographicFront"/>
+      <a:lightRig rig="threePt" dir="t"/>
+    </dgm:scene3d>
+    <dgm:sp3d/>
+    <dgm:txPr/>
+    <dgm:style>
+      <a:lnRef idx="0">
+        <a:scrgbClr r="0" g="0" b="0"/>
+      </a:lnRef>
+      <a:fillRef idx="3">
+        <a:scrgbClr r="0" g="0" b="0"/>
+      </a:fillRef>
+      <a:effectRef idx="2">
+        <a:scrgbClr r="0" g="0" b="0"/>
+      </a:effectRef>
+      <a:fontRef idx="minor">
+        <a:schemeClr val="lt1"/>
+      </a:fontRef>
+    </dgm:style>
+  </dgm:styleLbl>
+  <dgm:styleLbl name="lnNode1">
+    <dgm:scene3d>
+      <a:camera prst="orthographicFront"/>
+      <a:lightRig rig="threePt" dir="t"/>
+    </dgm:scene3d>
+    <dgm:sp3d/>
+    <dgm:txPr/>
+    <dgm:style>
+      <a:lnRef idx="1">
+        <a:scrgbClr r="0" g="0" b="0"/>
+      </a:lnRef>
+      <a:fillRef idx="3">
+        <a:scrgbClr r="0" g="0" b="0"/>
+      </a:fillRef>
+      <a:effectRef idx="2">
+        <a:scrgbClr r="0" g="0" b="0"/>
+      </a:effectRef>
+      <a:fontRef idx="minor">
+        <a:schemeClr val="lt1"/>
+      </a:fontRef>
+    </dgm:style>
+  </dgm:styleLbl>
+  <dgm:styleLbl name="vennNode1">
+    <dgm:scene3d>
+      <a:camera prst="orthographicFront"/>
+      <a:lightRig rig="threePt" dir="t"/>
+    </dgm:scene3d>
+    <dgm:sp3d/>
+    <dgm:txPr/>
+    <dgm:style>
+      <a:lnRef idx="0">
+        <a:scrgbClr r="0" g="0" b="0"/>
+      </a:lnRef>
+      <a:fillRef idx="3">
+        <a:scrgbClr r="0" g="0" b="0"/>
+      </a:fillRef>
+      <a:effectRef idx="0">
+        <a:scrgbClr r="0" g="0" b="0"/>
+      </a:effectRef>
+      <a:fontRef idx="minor">
+        <a:schemeClr val="tx1"/>
+      </a:fontRef>
+    </dgm:style>
+  </dgm:styleLbl>
+  <dgm:styleLbl name="alignNode1">
+    <dgm:scene3d>
+      <a:camera prst="orthographicFront"/>
+      <a:lightRig rig="threePt" dir="t"/>
+    </dgm:scene3d>
+    <dgm:sp3d/>
+    <dgm:txPr/>
+    <dgm:style>
+      <a:lnRef idx="1">
+        <a:scrgbClr r="0" g="0" b="0"/>
+      </a:lnRef>
+      <a:fillRef idx="3">
+        <a:scrgbClr r="0" g="0" b="0"/>
+      </a:fillRef>
+      <a:effectRef idx="2">
+        <a:scrgbClr r="0" g="0" b="0"/>
+      </a:effectRef>
+      <a:fontRef idx="minor">
+        <a:schemeClr val="lt1"/>
+      </a:fontRef>
+    </dgm:style>
+  </dgm:styleLbl>
+  <dgm:styleLbl name="node1">
+    <dgm:scene3d>
+      <a:camera prst="orthographicFront"/>
+      <a:lightRig rig="threePt" dir="t"/>
+    </dgm:scene3d>
+    <dgm:sp3d/>
+    <dgm:txPr/>
+    <dgm:style>
+      <a:lnRef idx="0">
+        <a:scrgbClr r="0" g="0" b="0"/>
+      </a:lnRef>
+      <a:fillRef idx="3">
+        <a:scrgbClr r="0" g="0" b="0"/>
+      </a:fillRef>
+      <a:effectRef idx="2">
+        <a:scrgbClr r="0" g="0" b="0"/>
+      </a:effectRef>
+      <a:fontRef idx="minor">
+        <a:schemeClr val="lt1"/>
+      </a:fontRef>
+    </dgm:style>
+  </dgm:styleLbl>
+  <dgm:styleLbl name="node2">
+    <dgm:scene3d>
+      <a:camera prst="orthographicFront"/>
+      <a:lightRig rig="threePt" dir="t"/>
+    </dgm:scene3d>
+    <dgm:sp3d/>
+    <dgm:txPr/>
+    <dgm:style>
+      <a:lnRef idx="0">
+        <a:scrgbClr r="0" g="0" b="0"/>
+      </a:lnRef>
+      <a:fillRef idx="3">
+        <a:scrgbClr r="0" g="0" b="0"/>
+      </a:fillRef>
+      <a:effectRef idx="2">
+        <a:scrgbClr r="0" g="0" b="0"/>
+      </a:effectRef>
+      <a:fontRef idx="minor">
+        <a:schemeClr val="lt1"/>
+      </a:fontRef>
+    </dgm:style>
+  </dgm:styleLbl>
+  <dgm:styleLbl name="node3">
+    <dgm:scene3d>
+      <a:camera prst="orthographicFront"/>
+      <a:lightRig rig="threePt" dir="t"/>
+    </dgm:scene3d>
+    <dgm:sp3d/>
+    <dgm:txPr/>
+    <dgm:style>
+      <a:lnRef idx="0">
+        <a:scrgbClr r="0" g="0" b="0"/>
+      </a:lnRef>
+      <a:fillRef idx="3">
+        <a:scrgbClr r="0" g="0" b="0"/>
+      </a:fillRef>
+      <a:effectRef idx="2">
+        <a:scrgbClr r="0" g="0" b="0"/>
+      </a:effectRef>
+      <a:fontRef idx="minor">
+        <a:schemeClr val="lt1"/>
+      </a:fontRef>
+    </dgm:style>
+  </dgm:styleLbl>
+  <dgm:styleLbl name="node4">
+    <dgm:scene3d>
+      <a:camera prst="orthographicFront"/>
+      <a:lightRig rig="threePt" dir="t"/>
+    </dgm:scene3d>
+    <dgm:sp3d/>
+    <dgm:txPr/>
+    <dgm:style>
+      <a:lnRef idx="0">
+        <a:scrgbClr r="0" g="0" b="0"/>
+      </a:lnRef>
+      <a:fillRef idx="3">
+        <a:scrgbClr r="0" g="0" b="0"/>
+      </a:fillRef>
+      <a:effectRef idx="2">
+        <a:scrgbClr r="0" g="0" b="0"/>
+      </a:effectRef>
+      <a:fontRef idx="minor">
+        <a:schemeClr val="lt1"/>
+      </a:fontRef>
+    </dgm:style>
+  </dgm:styleLbl>
+  <dgm:styleLbl name="fgImgPlace1">
+    <dgm:scene3d>
+      <a:camera prst="orthographicFront"/>
+      <a:lightRig rig="threePt" dir="t"/>
+    </dgm:scene3d>
+    <dgm:sp3d/>
+    <dgm:txPr/>
+    <dgm:style>
+      <a:lnRef idx="0">
+        <a:scrgbClr r="0" g="0" b="0"/>
+      </a:lnRef>
+      <a:fillRef idx="1">
+        <a:scrgbClr r="0" g="0" b="0"/>
+      </a:fillRef>
+      <a:effectRef idx="2">
+        <a:scrgbClr r="0" g="0" b="0"/>
+      </a:effectRef>
+      <a:fontRef idx="minor"/>
+    </dgm:style>
+  </dgm:styleLbl>
+  <dgm:styleLbl name="alignImgPlace1">
+    <dgm:scene3d>
+      <a:camera prst="orthographicFront"/>
+      <a:lightRig rig="threePt" dir="t"/>
+    </dgm:scene3d>
+    <dgm:sp3d/>
+    <dgm:txPr/>
+    <dgm:style>
+      <a:lnRef idx="0">
+        <a:scrgbClr r="0" g="0" b="0"/>
+      </a:lnRef>
+      <a:fillRef idx="1">
+        <a:scrgbClr r="0" g="0" b="0"/>
+      </a:fillRef>
+      <a:effectRef idx="2">
+        <a:scrgbClr r="0" g="0" b="0"/>
+      </a:effectRef>
+      <a:fontRef idx="minor"/>
+    </dgm:style>
+  </dgm:styleLbl>
+  <dgm:styleLbl name="bgImgPlace1">
+    <dgm:scene3d>
+      <a:camera prst="orthographicFront"/>
+      <a:lightRig rig="threePt" dir="t"/>
+    </dgm:scene3d>
+    <dgm:sp3d/>
+    <dgm:txPr/>
+    <dgm:style>
+      <a:lnRef idx="0">
+        <a:scrgbClr r="0" g="0" b="0"/>
+      </a:lnRef>
+      <a:fillRef idx="1">
+        <a:scrgbClr r="0" g="0" b="0"/>
+      </a:fillRef>
+      <a:effectRef idx="2">
+        <a:scrgbClr r="0" g="0" b="0"/>
+      </a:effectRef>
+      <a:fontRef idx="minor"/>
+    </dgm:style>
+  </dgm:styleLbl>
+  <dgm:styleLbl name="sibTrans2D1">
+    <dgm:scene3d>
+      <a:camera prst="orthographicFront"/>
+      <a:lightRig rig="threePt" dir="t"/>
+    </dgm:scene3d>
+    <dgm:sp3d/>
+    <dgm:txPr/>
+    <dgm:style>
+      <a:lnRef idx="0">
+        <a:scrgbClr r="0" g="0" b="0"/>
+      </a:lnRef>
+      <a:fillRef idx="3">
+        <a:scrgbClr r="0" g="0" b="0"/>
+      </a:fillRef>
+      <a:effectRef idx="2">
+        <a:scrgbClr r="0" g="0" b="0"/>
+      </a:effectRef>
+      <a:fontRef idx="minor">
+        <a:schemeClr val="lt1"/>
+      </a:fontRef>
+    </dgm:style>
+  </dgm:styleLbl>
+  <dgm:styleLbl name="fgSibTrans2D1">
+    <dgm:scene3d>
+      <a:camera prst="orthographicFront"/>
+      <a:lightRig rig="threePt" dir="t"/>
+    </dgm:scene3d>
+    <dgm:sp3d/>
+    <dgm:txPr/>
+    <dgm:style>
+      <a:lnRef idx="0">
+        <a:scrgbClr r="0" g="0" b="0"/>
+      </a:lnRef>
+      <a:fillRef idx="3">
+        <a:scrgbClr r="0" g="0" b="0"/>
+      </a:fillRef>
+      <a:effectRef idx="2">
+        <a:scrgbClr r="0" g="0" b="0"/>
+      </a:effectRef>
+      <a:fontRef idx="minor">
+        <a:schemeClr val="lt1"/>
+      </a:fontRef>
+    </dgm:style>
+  </dgm:styleLbl>
+  <dgm:styleLbl name="bgSibTrans2D1">
+    <dgm:scene3d>
+      <a:camera prst="orthographicFront"/>
+      <a:lightRig rig="threePt" dir="t"/>
+    </dgm:scene3d>
+    <dgm:sp3d/>
+    <dgm:txPr/>
+    <dgm:style>
+      <a:lnRef idx="0">
+        <a:scrgbClr r="0" g="0" b="0"/>
+      </a:lnRef>
+      <a:fillRef idx="3">
+        <a:scrgbClr r="0" g="0" b="0"/>
+      </a:fillRef>
+      <a:effectRef idx="2">
+        <a:scrgbClr r="0" g="0" b="0"/>
+      </a:effectRef>
+      <a:fontRef idx="minor">
+        <a:schemeClr val="lt1"/>
+      </a:fontRef>
+    </dgm:style>
+  </dgm:styleLbl>
+  <dgm:styleLbl name="sibTrans1D1">
+    <dgm:scene3d>
+      <a:camera prst="orthographicFront"/>
+      <a:lightRig rig="threePt" dir="t"/>
+    </dgm:scene3d>
+    <dgm:sp3d/>
+    <dgm:txPr/>
+    <dgm:style>
+      <a:lnRef idx="1">
+        <a:scrgbClr r="0" g="0" b="0"/>
+      </a:lnRef>
+      <a:fillRef idx="0">
+        <a:scrgbClr r="0" g="0" b="0"/>
+      </a:fillRef>
+      <a:effectRef idx="0">
+        <a:scrgbClr r="0" g="0" b="0"/>
+      </a:effectRef>
+      <a:fontRef idx="minor"/>
+    </dgm:style>
+  </dgm:styleLbl>
+  <dgm:styleLbl name="callout">
+    <dgm:scene3d>
+      <a:camera prst="orthographicFront"/>
+      <a:lightRig rig="threePt" dir="t"/>
+    </dgm:scene3d>
+    <dgm:sp3d/>
+    <dgm:txPr/>
+    <dgm:style>
+      <a:lnRef idx="2">
+        <a:scrgbClr r="0" g="0" b="0"/>
+      </a:lnRef>
+      <a:fillRef idx="1">
+        <a:scrgbClr r="0" g="0" b="0"/>
+      </a:fillRef>
+      <a:effectRef idx="1">
+        <a:scrgbClr r="0" g="0" b="0"/>
+      </a:effectRef>
+      <a:fontRef idx="minor"/>
+    </dgm:style>
+  </dgm:styleLbl>
+  <dgm:styleLbl name="asst0">
+    <dgm:scene3d>
+      <a:camera prst="orthographicFront"/>
+      <a:lightRig rig="threePt" dir="t"/>
+    </dgm:scene3d>
+    <dgm:sp3d/>
+    <dgm:txPr/>
+    <dgm:style>
+      <a:lnRef idx="0">
+        <a:scrgbClr r="0" g="0" b="0"/>
+      </a:lnRef>
+      <a:fillRef idx="3">
+        <a:scrgbClr r="0" g="0" b="0"/>
+      </a:fillRef>
+      <a:effectRef idx="2">
+        <a:scrgbClr r="0" g="0" b="0"/>
+      </a:effectRef>
+      <a:fontRef idx="minor">
+        <a:schemeClr val="lt1"/>
+      </a:fontRef>
+    </dgm:style>
+  </dgm:styleLbl>
+  <dgm:styleLbl name="asst1">
+    <dgm:scene3d>
+      <a:camera prst="orthographicFront"/>
+      <a:lightRig rig="threePt" dir="t"/>
+    </dgm:scene3d>
+    <dgm:sp3d/>
+    <dgm:txPr/>
+    <dgm:style>
+      <a:lnRef idx="0">
+        <a:scrgbClr r="0" g="0" b="0"/>
+      </a:lnRef>
+      <a:fillRef idx="3">
+        <a:scrgbClr r="0" g="0" b="0"/>
+      </a:fillRef>
+      <a:effectRef idx="2">
+        <a:scrgbClr r="0" g="0" b="0"/>
+      </a:effectRef>
+      <a:fontRef idx="minor">
+        <a:schemeClr val="lt1"/>
+      </a:fontRef>
+    </dgm:style>
+  </dgm:styleLbl>
+  <dgm:styleLbl name="asst2">
+    <dgm:scene3d>
+      <a:camera prst="orthographicFront"/>
+      <a:lightRig rig="threePt" dir="t"/>
+    </dgm:scene3d>
+    <dgm:sp3d/>
+    <dgm:txPr/>
+    <dgm:style>
+      <a:lnRef idx="0">
+        <a:scrgbClr r="0" g="0" b="0"/>
+      </a:lnRef>
+      <a:fillRef idx="3">
+        <a:scrgbClr r="0" g="0" b="0"/>
+      </a:fillRef>
+      <a:effectRef idx="2">
+        <a:scrgbClr r="0" g="0" b="0"/>
+      </a:effectRef>
+      <a:fontRef idx="minor">
+        <a:schemeClr val="lt1"/>
+      </a:fontRef>
+    </dgm:style>
+  </dgm:styleLbl>
+  <dgm:styleLbl name="asst3">
+    <dgm:scene3d>
+      <a:camera prst="orthographicFront"/>
+      <a:lightRig rig="threePt" dir="t"/>
+    </dgm:scene3d>
+    <dgm:sp3d/>
+    <dgm:txPr/>
+    <dgm:style>
+      <a:lnRef idx="0">
+        <a:scrgbClr r="0" g="0" b="0"/>
+      </a:lnRef>
+      <a:fillRef idx="3">
+        <a:scrgbClr r="0" g="0" b="0"/>
+      </a:fillRef>
+      <a:effectRef idx="2">
+        <a:scrgbClr r="0" g="0" b="0"/>
+      </a:effectRef>
+      <a:fontRef idx="minor">
+        <a:schemeClr val="lt1"/>
+      </a:fontRef>
+    </dgm:style>
+  </dgm:styleLbl>
+  <dgm:styleLbl name="asst4">
+    <dgm:scene3d>
+      <a:camera prst="orthographicFront"/>
+      <a:lightRig rig="threePt" dir="t"/>
+    </dgm:scene3d>
+    <dgm:sp3d/>
+    <dgm:txPr/>
+    <dgm:style>
+      <a:lnRef idx="0">
+        <a:scrgbClr r="0" g="0" b="0"/>
+      </a:lnRef>
+      <a:fillRef idx="3">
+        <a:scrgbClr r="0" g="0" b="0"/>
+      </a:fillRef>
+      <a:effectRef idx="2">
+        <a:scrgbClr r="0" g="0" b="0"/>
+      </a:effectRef>
+      <a:fontRef idx="minor">
+        <a:schemeClr val="lt1"/>
+      </a:fontRef>
+    </dgm:style>
+  </dgm:styleLbl>
+  <dgm:styleLbl name="parChTrans2D1">
+    <dgm:scene3d>
+      <a:camera prst="orthographicFront"/>
+      <a:lightRig rig="threePt" dir="t"/>
+    </dgm:scene3d>
+    <dgm:sp3d/>
+    <dgm:txPr/>
+    <dgm:style>
+      <a:lnRef idx="0">
+        <a:scrgbClr r="0" g="0" b="0"/>
+      </a:lnRef>
+      <a:fillRef idx="3">
+        <a:scrgbClr r="0" g="0" b="0"/>
+      </a:fillRef>
+      <a:effectRef idx="2">
+        <a:scrgbClr r="0" g="0" b="0"/>
+      </a:effectRef>
+      <a:fontRef idx="minor">
+        <a:schemeClr val="lt1"/>
+      </a:fontRef>
+    </dgm:style>
+  </dgm:styleLbl>
+  <dgm:styleLbl name="parChTrans2D2">
+    <dgm:scene3d>
+      <a:camera prst="orthographicFront"/>
+      <a:lightRig rig="threePt" dir="t"/>
+    </dgm:scene3d>
+    <dgm:sp3d/>
+    <dgm:txPr/>
+    <dgm:style>
+      <a:lnRef idx="0">
+        <a:scrgbClr r="0" g="0" b="0"/>
+      </a:lnRef>
+      <a:fillRef idx="3">
+        <a:scrgbClr r="0" g="0" b="0"/>
+      </a:fillRef>
+      <a:effectRef idx="2">
+        <a:scrgbClr r="0" g="0" b="0"/>
+      </a:effectRef>
+      <a:fontRef idx="minor">
+        <a:schemeClr val="lt1"/>
+      </a:fontRef>
+    </dgm:style>
+  </dgm:styleLbl>
+  <dgm:styleLbl name="parChTrans2D3">
+    <dgm:scene3d>
+      <a:camera prst="orthographicFront"/>
+      <a:lightRig rig="threePt" dir="t"/>
+    </dgm:scene3d>
+    <dgm:sp3d/>
+    <dgm:txPr/>
+    <dgm:style>
+      <a:lnRef idx="1">
+        <a:scrgbClr r="0" g="0" b="0"/>
+      </a:lnRef>
+      <a:fillRef idx="3">
+        <a:scrgbClr r="0" g="0" b="0"/>
+      </a:fillRef>
+      <a:effectRef idx="2">
+        <a:scrgbClr r="0" g="0" b="0"/>
+      </a:effectRef>
+      <a:fontRef idx="minor">
+        <a:schemeClr val="lt1"/>
+      </a:fontRef>
+    </dgm:style>
+  </dgm:styleLbl>
+  <dgm:styleLbl name="parChTrans2D4">
+    <dgm:scene3d>
+      <a:camera prst="orthographicFront"/>
+      <a:lightRig rig="threePt" dir="t"/>
+    </dgm:scene3d>
+    <dgm:sp3d/>
+    <dgm:txPr/>
+    <dgm:style>
+      <a:lnRef idx="1">
+        <a:scrgbClr r="0" g="0" b="0"/>
+      </a:lnRef>
+      <a:fillRef idx="3">
+        <a:scrgbClr r="0" g="0" b="0"/>
+      </a:fillRef>
+      <a:effectRef idx="2">
+        <a:scrgbClr r="0" g="0" b="0"/>
+      </a:effectRef>
+      <a:fontRef idx="minor">
+        <a:schemeClr val="lt1"/>
+      </a:fontRef>
+    </dgm:style>
+  </dgm:styleLbl>
+  <dgm:styleLbl name="parChTrans1D1">
+    <dgm:scene3d>
+      <a:camera prst="orthographicFront"/>
+      <a:lightRig rig="threePt" dir="t"/>
+    </dgm:scene3d>
+    <dgm:sp3d/>
+    <dgm:txPr/>
+    <dgm:style>
+      <a:lnRef idx="1">
+        <a:scrgbClr r="0" g="0" b="0"/>
+      </a:lnRef>
+      <a:fillRef idx="0">
+        <a:scrgbClr r="0" g="0" b="0"/>
+      </a:fillRef>
+      <a:effectRef idx="0">
+        <a:scrgbClr r="0" g="0" b="0"/>
+      </a:effectRef>
+      <a:fontRef idx="minor"/>
+    </dgm:style>
+  </dgm:styleLbl>
+  <dgm:styleLbl name="parChTrans1D2">
+    <dgm:scene3d>
+      <a:camera prst="orthographicFront"/>
+      <a:lightRig rig="threePt" dir="t"/>
+    </dgm:scene3d>
+    <dgm:sp3d/>
+    <dgm:txPr/>
+    <dgm:style>
+      <a:lnRef idx="1">
+        <a:scrgbClr r="0" g="0" b="0"/>
+      </a:lnRef>
+      <a:fillRef idx="0">
+        <a:scrgbClr r="0" g="0" b="0"/>
+      </a:fillRef>
+      <a:effectRef idx="0">
+        <a:scrgbClr r="0" g="0" b="0"/>
+      </a:effectRef>
+      <a:fontRef idx="minor"/>
+    </dgm:style>
+  </dgm:styleLbl>
+  <dgm:styleLbl name="parChTrans1D3">
+    <dgm:scene3d>
+      <a:camera prst="orthographicFront"/>
+      <a:lightRig rig="threePt" dir="t"/>
+    </dgm:scene3d>
+    <dgm:sp3d/>
+    <dgm:txPr/>
+    <dgm:style>
+      <a:lnRef idx="1">
+        <a:scrgbClr r="0" g="0" b="0"/>
+      </a:lnRef>
+      <a:fillRef idx="0">
+        <a:scrgbClr r="0" g="0" b="0"/>
+      </a:fillRef>
+      <a:effectRef idx="0">
+        <a:scrgbClr r="0" g="0" b="0"/>
+      </a:effectRef>
+      <a:fontRef idx="minor"/>
+    </dgm:style>
+  </dgm:styleLbl>
+  <dgm:styleLbl name="parChTrans1D4">
+    <dgm:scene3d>
+      <a:camera prst="orthographicFront"/>
+      <a:lightRig rig="threePt" dir="t"/>
+    </dgm:scene3d>
+    <dgm:sp3d/>
+    <dgm:txPr/>
+    <dgm:style>
+      <a:lnRef idx="1">
+        <a:scrgbClr r="0" g="0" b="0"/>
+      </a:lnRef>
+      <a:fillRef idx="0">
+        <a:scrgbClr r="0" g="0" b="0"/>
+      </a:fillRef>
+      <a:effectRef idx="0">
+        <a:scrgbClr r="0" g="0" b="0"/>
+      </a:effectRef>
+      <a:fontRef idx="minor"/>
+    </dgm:style>
+  </dgm:styleLbl>
+  <dgm:styleLbl name="fgAcc1">
+    <dgm:scene3d>
+      <a:camera prst="orthographicFront"/>
+      <a:lightRig rig="threePt" dir="t"/>
+    </dgm:scene3d>
+    <dgm:sp3d/>
+    <dgm:txPr/>
+    <dgm:style>
+      <a:lnRef idx="1">
+        <a:scrgbClr r="0" g="0" b="0"/>
+      </a:lnRef>
+      <a:fillRef idx="1">
+        <a:scrgbClr r="0" g="0" b="0"/>
+      </a:fillRef>
+      <a:effectRef idx="0">
+        <a:scrgbClr r="0" g="0" b="0"/>
+      </a:effectRef>
+      <a:fontRef idx="minor"/>
+    </dgm:style>
+  </dgm:styleLbl>
+  <dgm:styleLbl name="conFgAcc1">
+    <dgm:scene3d>
+      <a:camera prst="orthographicFront"/>
+      <a:lightRig rig="threePt" dir="t"/>
+    </dgm:scene3d>
+    <dgm:sp3d/>
+    <dgm:txPr/>
+    <dgm:style>
+      <a:lnRef idx="1">
+        <a:scrgbClr r="0" g="0" b="0"/>
+      </a:lnRef>
+      <a:fillRef idx="1">
+        <a:scrgbClr r="0" g="0" b="0"/>
+      </a:fillRef>
+      <a:effectRef idx="0">
+        <a:scrgbClr r="0" g="0" b="0"/>
+      </a:effectRef>
+      <a:fontRef idx="minor"/>
+    </dgm:style>
+  </dgm:styleLbl>
+  <dgm:styleLbl name="alignAcc1">
+    <dgm:scene3d>
+      <a:camera prst="orthographicFront"/>
+      <a:lightRig rig="threePt" dir="t"/>
+    </dgm:scene3d>
+    <dgm:sp3d/>
+    <dgm:txPr/>
+    <dgm:style>
+      <a:lnRef idx="1">
+        <a:scrgbClr r="0" g="0" b="0"/>
+      </a:lnRef>
+      <a:fillRef idx="1">
+        <a:scrgbClr r="0" g="0" b="0"/>
+      </a:fillRef>
+      <a:effectRef idx="0">
+        <a:scrgbClr r="0" g="0" b="0"/>
+      </a:effectRef>
+      <a:fontRef idx="minor"/>
+    </dgm:style>
+  </dgm:styleLbl>
+  <dgm:styleLbl name="trAlignAcc1">
+    <dgm:scene3d>
+      <a:camera prst="orthographicFront"/>
+      <a:lightRig rig="threePt" dir="t"/>
+    </dgm:scene3d>
+    <dgm:sp3d/>
+    <dgm:txPr/>
+    <dgm:style>
+      <a:lnRef idx="1">
+        <a:scrgbClr r="0" g="0" b="0"/>
+      </a:lnRef>
+      <a:fillRef idx="1">
+        <a:scrgbClr r="0" g="0" b="0"/>
+      </a:fillRef>
+      <a:effectRef idx="0">
+        <a:scrgbClr r="0" g="0" b="0"/>
+      </a:effectRef>
+      <a:fontRef idx="minor"/>
+    </dgm:style>
+  </dgm:styleLbl>
+  <dgm:styleLbl name="bgAcc1">
+    <dgm:scene3d>
+      <a:camera prst="orthographicFront"/>
+      <a:lightRig rig="threePt" dir="t"/>
+    </dgm:scene3d>
+    <dgm:sp3d/>
+    <dgm:txPr/>
+    <dgm:style>
+      <a:lnRef idx="1">
+        <a:scrgbClr r="0" g="0" b="0"/>
+      </a:lnRef>
+      <a:fillRef idx="1">
+        <a:scrgbClr r="0" g="0" b="0"/>
+      </a:fillRef>
+      <a:effectRef idx="0">
+        <a:scrgbClr r="0" g="0" b="0"/>
+      </a:effectRef>
+      <a:fontRef idx="minor"/>
+    </dgm:style>
+  </dgm:styleLbl>
+  <dgm:styleLbl name="solidFgAcc1">
+    <dgm:scene3d>
+      <a:camera prst="orthographicFront"/>
+      <a:lightRig rig="threePt" dir="t"/>
+    </dgm:scene3d>
+    <dgm:sp3d/>
+    <dgm:txPr/>
+    <dgm:style>
+      <a:lnRef idx="1">
+        <a:scrgbClr r="0" g="0" b="0"/>
+      </a:lnRef>
+      <a:fillRef idx="1">
+        <a:scrgbClr r="0" g="0" b="0"/>
+      </a:fillRef>
+      <a:effectRef idx="0">
+        <a:scrgbClr r="0" g="0" b="0"/>
+      </a:effectRef>
+      <a:fontRef idx="minor"/>
+    </dgm:style>
+  </dgm:styleLbl>
+  <dgm:styleLbl name="solidAlignAcc1">
+    <dgm:scene3d>
+      <a:camera prst="orthographicFront"/>
+      <a:lightRig rig="threePt" dir="t"/>
+    </dgm:scene3d>
+    <dgm:sp3d/>
+    <dgm:txPr/>
+    <dgm:style>
+      <a:lnRef idx="1">
+        <a:scrgbClr r="0" g="0" b="0"/>
+      </a:lnRef>
+      <a:fillRef idx="1">
+        <a:scrgbClr r="0" g="0" b="0"/>
+      </a:fillRef>
+      <a:effectRef idx="0">
+        <a:scrgbClr r="0" g="0" b="0"/>
+      </a:effectRef>
+      <a:fontRef idx="minor"/>
+    </dgm:style>
+  </dgm:styleLbl>
+  <dgm:styleLbl name="solidBgAcc1">
+    <dgm:scene3d>
+      <a:camera prst="orthographicFront"/>
+      <a:lightRig rig="threePt" dir="t"/>
+    </dgm:scene3d>
+    <dgm:sp3d/>
+    <dgm:txPr/>
+    <dgm:style>
+      <a:lnRef idx="1">
+        <a:scrgbClr r="0" g="0" b="0"/>
+      </a:lnRef>
+      <a:fillRef idx="1">
+        <a:scrgbClr r="0" g="0" b="0"/>
+      </a:fillRef>
+      <a:effectRef idx="0">
+        <a:scrgbClr r="0" g="0" b="0"/>
+      </a:effectRef>
+      <a:fontRef idx="minor"/>
+    </dgm:style>
+  </dgm:styleLbl>
+  <dgm:styleLbl name="fgAccFollowNode1">
+    <dgm:scene3d>
+      <a:camera prst="orthographicFront"/>
+      <a:lightRig rig="threePt" dir="t"/>
+    </dgm:scene3d>
+    <dgm:sp3d/>
+    <dgm:txPr/>
+    <dgm:style>
+      <a:lnRef idx="1">
+        <a:scrgbClr r="0" g="0" b="0"/>
+      </a:lnRef>
+      <a:fillRef idx="1">
+        <a:scrgbClr r="0" g="0" b="0"/>
+      </a:fillRef>
+      <a:effectRef idx="0">
+        <a:scrgbClr r="0" g="0" b="0"/>
+      </a:effectRef>
+      <a:fontRef idx="minor"/>
+    </dgm:style>
+  </dgm:styleLbl>
+  <dgm:styleLbl name="alignAccFollowNode1">
+    <dgm:scene3d>
+      <a:camera prst="orthographicFront"/>
+      <a:lightRig rig="threePt" dir="t"/>
+    </dgm:scene3d>
+    <dgm:sp3d/>
+    <dgm:txPr/>
+    <dgm:style>
+      <a:lnRef idx="1">
+        <a:scrgbClr r="0" g="0" b="0"/>
+      </a:lnRef>
+      <a:fillRef idx="1">
+        <a:scrgbClr r="0" g="0" b="0"/>
+      </a:fillRef>
+      <a:effectRef idx="0">
+        <a:scrgbClr r="0" g="0" b="0"/>
+      </a:effectRef>
+      <a:fontRef idx="minor"/>
+    </dgm:style>
+  </dgm:styleLbl>
+  <dgm:styleLbl name="bgAccFollowNode1">
+    <dgm:scene3d>
+      <a:camera prst="orthographicFront"/>
+      <a:lightRig rig="threePt" dir="t"/>
+    </dgm:scene3d>
+    <dgm:sp3d/>
+    <dgm:txPr/>
+    <dgm:style>
+      <a:lnRef idx="1">
+        <a:scrgbClr r="0" g="0" b="0"/>
+      </a:lnRef>
+      <a:fillRef idx="1">
+        <a:scrgbClr r="0" g="0" b="0"/>
+      </a:fillRef>
+      <a:effectRef idx="0">
+        <a:scrgbClr r="0" g="0" b="0"/>
+      </a:effectRef>
+      <a:fontRef idx="minor"/>
+    </dgm:style>
+  </dgm:styleLbl>
+  <dgm:styleLbl name="fgAcc0">
+    <dgm:scene3d>
+      <a:camera prst="orthographicFront"/>
+      <a:lightRig rig="threePt" dir="t"/>
+    </dgm:scene3d>
+    <dgm:sp3d/>
+    <dgm:txPr/>
+    <dgm:style>
+      <a:lnRef idx="1">
+        <a:scrgbClr r="0" g="0" b="0"/>
+      </a:lnRef>
+      <a:fillRef idx="1">
+        <a:scrgbClr r="0" g="0" b="0"/>
+      </a:fillRef>
+      <a:effectRef idx="0">
+        <a:scrgbClr r="0" g="0" b="0"/>
+      </a:effectRef>
+      <a:fontRef idx="minor"/>
+    </dgm:style>
+  </dgm:styleLbl>
+  <dgm:styleLbl name="fgAcc2">
+    <dgm:scene3d>
+      <a:camera prst="orthographicFront"/>
+      <a:lightRig rig="threePt" dir="t"/>
+    </dgm:scene3d>
+    <dgm:sp3d/>
+    <dgm:txPr/>
+    <dgm:style>
+      <a:lnRef idx="1">
+        <a:scrgbClr r="0" g="0" b="0"/>
+      </a:lnRef>
+      <a:fillRef idx="1">
+        <a:scrgbClr r="0" g="0" b="0"/>
+      </a:fillRef>
+      <a:effectRef idx="0">
+        <a:scrgbClr r="0" g="0" b="0"/>
+      </a:effectRef>
+      <a:fontRef idx="minor"/>
+    </dgm:style>
+  </dgm:styleLbl>
+  <dgm:styleLbl name="fgAcc3">
+    <dgm:scene3d>
+      <a:camera prst="orthographicFront"/>
+      <a:lightRig rig="threePt" dir="t"/>
+    </dgm:scene3d>
+    <dgm:sp3d/>
+    <dgm:txPr/>
+    <dgm:style>
+      <a:lnRef idx="1">
+        <a:scrgbClr r="0" g="0" b="0"/>
+      </a:lnRef>
+      <a:fillRef idx="1">
+        <a:scrgbClr r="0" g="0" b="0"/>
+      </a:fillRef>
+      <a:effectRef idx="0">
+        <a:scrgbClr r="0" g="0" b="0"/>
+      </a:effectRef>
+      <a:fontRef idx="minor"/>
+    </dgm:style>
+  </dgm:styleLbl>
+  <dgm:styleLbl name="fgAcc4">
+    <dgm:scene3d>
+      <a:camera prst="orthographicFront"/>
+      <a:lightRig rig="threePt" dir="t"/>
+    </dgm:scene3d>
+    <dgm:sp3d/>
+    <dgm:txPr/>
+    <dgm:style>
+      <a:lnRef idx="1">
+        <a:scrgbClr r="0" g="0" b="0"/>
+      </a:lnRef>
+      <a:fillRef idx="1">
+        <a:scrgbClr r="0" g="0" b="0"/>
+      </a:fillRef>
+      <a:effectRef idx="0">
+        <a:scrgbClr r="0" g="0" b="0"/>
+      </a:effectRef>
+      <a:fontRef idx="minor"/>
+    </dgm:style>
+  </dgm:styleLbl>
+  <dgm:styleLbl name="bgShp">
+    <dgm:scene3d>
+      <a:camera prst="orthographicFront"/>
+      <a:lightRig rig="threePt" dir="t"/>
+    </dgm:scene3d>
+    <dgm:sp3d/>
+    <dgm:txPr/>
+    <dgm:style>
+      <a:lnRef idx="0">
+        <a:scrgbClr r="0" g="0" b="0"/>
+      </a:lnRef>
+      <a:fillRef idx="1">
+        <a:scrgbClr r="0" g="0" b="0"/>
+      </a:fillRef>
+      <a:effectRef idx="2">
+        <a:scrgbClr r="0" g="0" b="0"/>
+      </a:effectRef>
+      <a:fontRef idx="minor"/>
+    </dgm:style>
+  </dgm:styleLbl>
+  <dgm:styleLbl name="dkBgShp">
+    <dgm:scene3d>
+      <a:camera prst="orthographicFront"/>
+      <a:lightRig rig="threePt" dir="t"/>
+    </dgm:scene3d>
+    <dgm:sp3d/>
+    <dgm:txPr/>
+    <dgm:style>
+      <a:lnRef idx="0">
+        <a:scrgbClr r="0" g="0" b="0"/>
+      </a:lnRef>
+      <a:fillRef idx="1">
+        <a:scrgbClr r="0" g="0" b="0"/>
+      </a:fillRef>
+      <a:effectRef idx="2">
+        <a:scrgbClr r="0" g="0" b="0"/>
+      </a:effectRef>
+      <a:fontRef idx="minor"/>
+    </dgm:style>
+  </dgm:styleLbl>
+  <dgm:styleLbl name="trBgShp">
+    <dgm:scene3d>
+      <a:camera prst="orthographicFront"/>
+      <a:lightRig rig="threePt" dir="t"/>
+    </dgm:scene3d>
+    <dgm:sp3d/>
+    <dgm:txPr/>
+    <dgm:style>
+      <a:lnRef idx="0">
+        <a:scrgbClr r="0" g="0" b="0"/>
+      </a:lnRef>
+      <a:fillRef idx="1">
+        <a:scrgbClr r="0" g="0" b="0"/>
+      </a:fillRef>
+      <a:effectRef idx="0">
+        <a:scrgbClr r="0" g="0" b="0"/>
+      </a:effectRef>
+      <a:fontRef idx="minor"/>
+    </dgm:style>
+  </dgm:styleLbl>
+  <dgm:styleLbl name="fgShp">
+    <dgm:scene3d>
+      <a:camera prst="orthographicFront"/>
+      <a:lightRig rig="threePt" dir="t"/>
+    </dgm:scene3d>
+    <dgm:sp3d/>
+    <dgm:txPr/>
+    <dgm:style>
+      <a:lnRef idx="0">
+        <a:scrgbClr r="0" g="0" b="0"/>
+      </a:lnRef>
+      <a:fillRef idx="3">
+        <a:scrgbClr r="0" g="0" b="0"/>
+      </a:fillRef>
+      <a:effectRef idx="2">
+        <a:scrgbClr r="0" g="0" b="0"/>
+      </a:effectRef>
+      <a:fontRef idx="minor"/>
+    </dgm:style>
+  </dgm:styleLbl>
+  <dgm:styleLbl name="revTx">
+    <dgm:scene3d>
+      <a:camera prst="orthographicFront"/>
+      <a:lightRig rig="threePt" dir="t"/>
+    </dgm:scene3d>
+    <dgm:sp3d/>
+    <dgm:txPr/>
+    <dgm:style>
+      <a:lnRef idx="0">
+        <a:scrgbClr r="0" g="0" b="0"/>
+      </a:lnRef>
+      <a:fillRef idx="0">
+        <a:scrgbClr r="0" g="0" b="0"/>
+      </a:fillRef>
+      <a:effectRef idx="0">
+        <a:scrgbClr r="0" g="0" b="0"/>
+      </a:effectRef>
+      <a:fontRef idx="minor"/>
+    </dgm:style>
+  </dgm:styleLbl>
+</dgm:styleDef>
+</file>
+
+<file path=ppt/diagrams/quickStyle4.xml><?xml version="1.0" encoding="utf-8"?>
+<dgm:styleDef xmlns:dgm="http://schemas.openxmlformats.org/drawingml/2006/diagram" xmlns:a="http://schemas.openxmlformats.org/drawingml/2006/main" uniqueId="urn:microsoft.com/office/officeart/2005/8/quickstyle/simple4">
+  <dgm:title val=""/>
+  <dgm:desc val=""/>
+  <dgm:catLst>
+    <dgm:cat type="simple" pri="10400"/>
+  </dgm:catLst>
+  <dgm:scene3d>
+    <a:camera prst="orthographicFront"/>
+    <a:lightRig rig="threePt" dir="t"/>
+  </dgm:scene3d>
+  <dgm:styleLbl name="node0">
+    <dgm:scene3d>
+      <a:camera prst="orthographicFront"/>
+      <a:lightRig rig="threePt" dir="t"/>
+    </dgm:scene3d>
+    <dgm:sp3d/>
+    <dgm:txPr/>
+    <dgm:style>
+      <a:lnRef idx="0">
+        <a:scrgbClr r="0" g="0" b="0"/>
+      </a:lnRef>
+      <a:fillRef idx="3">
+        <a:scrgbClr r="0" g="0" b="0"/>
+      </a:fillRef>
+      <a:effectRef idx="2">
+        <a:scrgbClr r="0" g="0" b="0"/>
+      </a:effectRef>
+      <a:fontRef idx="minor">
+        <a:schemeClr val="lt1"/>
+      </a:fontRef>
+    </dgm:style>
+  </dgm:styleLbl>
+  <dgm:styleLbl name="lnNode1">
+    <dgm:scene3d>
+      <a:camera prst="orthographicFront"/>
+      <a:lightRig rig="threePt" dir="t"/>
+    </dgm:scene3d>
+    <dgm:sp3d/>
+    <dgm:txPr/>
+    <dgm:style>
+      <a:lnRef idx="1">
+        <a:scrgbClr r="0" g="0" b="0"/>
+      </a:lnRef>
+      <a:fillRef idx="3">
+        <a:scrgbClr r="0" g="0" b="0"/>
+      </a:fillRef>
+      <a:effectRef idx="2">
+        <a:scrgbClr r="0" g="0" b="0"/>
+      </a:effectRef>
+      <a:fontRef idx="minor">
+        <a:schemeClr val="lt1"/>
+      </a:fontRef>
+    </dgm:style>
+  </dgm:styleLbl>
+  <dgm:styleLbl name="vennNode1">
+    <dgm:scene3d>
+      <a:camera prst="orthographicFront"/>
+      <a:lightRig rig="threePt" dir="t"/>
+    </dgm:scene3d>
+    <dgm:sp3d/>
+    <dgm:txPr/>
+    <dgm:style>
+      <a:lnRef idx="0">
+        <a:scrgbClr r="0" g="0" b="0"/>
+      </a:lnRef>
+      <a:fillRef idx="3">
+        <a:scrgbClr r="0" g="0" b="0"/>
+      </a:fillRef>
+      <a:effectRef idx="0">
+        <a:scrgbClr r="0" g="0" b="0"/>
+      </a:effectRef>
+      <a:fontRef idx="minor">
+        <a:schemeClr val="tx1"/>
+      </a:fontRef>
+    </dgm:style>
+  </dgm:styleLbl>
+  <dgm:styleLbl name="alignNode1">
+    <dgm:scene3d>
+      <a:camera prst="orthographicFront"/>
+      <a:lightRig rig="threePt" dir="t"/>
+    </dgm:scene3d>
+    <dgm:sp3d/>
+    <dgm:txPr/>
+    <dgm:style>
+      <a:lnRef idx="1">
+        <a:scrgbClr r="0" g="0" b="0"/>
+      </a:lnRef>
+      <a:fillRef idx="3">
+        <a:scrgbClr r="0" g="0" b="0"/>
+      </a:fillRef>
+      <a:effectRef idx="2">
+        <a:scrgbClr r="0" g="0" b="0"/>
+      </a:effectRef>
+      <a:fontRef idx="minor">
+        <a:schemeClr val="lt1"/>
+      </a:fontRef>
+    </dgm:style>
+  </dgm:styleLbl>
+  <dgm:styleLbl name="node1">
+    <dgm:scene3d>
+      <a:camera prst="orthographicFront"/>
+      <a:lightRig rig="threePt" dir="t"/>
+    </dgm:scene3d>
+    <dgm:sp3d/>
+    <dgm:txPr/>
+    <dgm:style>
+      <a:lnRef idx="0">
+        <a:scrgbClr r="0" g="0" b="0"/>
+      </a:lnRef>
+      <a:fillRef idx="3">
+        <a:scrgbClr r="0" g="0" b="0"/>
+      </a:fillRef>
+      <a:effectRef idx="2">
+        <a:scrgbClr r="0" g="0" b="0"/>
+      </a:effectRef>
+      <a:fontRef idx="minor">
+        <a:schemeClr val="lt1"/>
+      </a:fontRef>
+    </dgm:style>
+  </dgm:styleLbl>
+  <dgm:styleLbl name="node2">
+    <dgm:scene3d>
+      <a:camera prst="orthographicFront"/>
+      <a:lightRig rig="threePt" dir="t"/>
+    </dgm:scene3d>
+    <dgm:sp3d/>
+    <dgm:txPr/>
+    <dgm:style>
+      <a:lnRef idx="0">
+        <a:scrgbClr r="0" g="0" b="0"/>
+      </a:lnRef>
+      <a:fillRef idx="3">
+        <a:scrgbClr r="0" g="0" b="0"/>
+      </a:fillRef>
+      <a:effectRef idx="2">
+        <a:scrgbClr r="0" g="0" b="0"/>
+      </a:effectRef>
+      <a:fontRef idx="minor">
+        <a:schemeClr val="lt1"/>
+      </a:fontRef>
+    </dgm:style>
+  </dgm:styleLbl>
+  <dgm:styleLbl name="node3">
+    <dgm:scene3d>
+      <a:camera prst="orthographicFront"/>
+      <a:lightRig rig="threePt" dir="t"/>
+    </dgm:scene3d>
+    <dgm:sp3d/>
+    <dgm:txPr/>
+    <dgm:style>
+      <a:lnRef idx="0">
+        <a:scrgbClr r="0" g="0" b="0"/>
+      </a:lnRef>
+      <a:fillRef idx="3">
+        <a:scrgbClr r="0" g="0" b="0"/>
+      </a:fillRef>
+      <a:effectRef idx="2">
+        <a:scrgbClr r="0" g="0" b="0"/>
+      </a:effectRef>
+      <a:fontRef idx="minor">
+        <a:schemeClr val="lt1"/>
+      </a:fontRef>
+    </dgm:style>
+  </dgm:styleLbl>
+  <dgm:styleLbl name="node4">
+    <dgm:scene3d>
+      <a:camera prst="orthographicFront"/>
+      <a:lightRig rig="threePt" dir="t"/>
+    </dgm:scene3d>
+    <dgm:sp3d/>
+    <dgm:txPr/>
+    <dgm:style>
+      <a:lnRef idx="0">
+        <a:scrgbClr r="0" g="0" b="0"/>
+      </a:lnRef>
+      <a:fillRef idx="3">
+        <a:scrgbClr r="0" g="0" b="0"/>
+      </a:fillRef>
+      <a:effectRef idx="2">
+        <a:scrgbClr r="0" g="0" b="0"/>
+      </a:effectRef>
+      <a:fontRef idx="minor">
+        <a:schemeClr val="lt1"/>
+      </a:fontRef>
+    </dgm:style>
+  </dgm:styleLbl>
+  <dgm:styleLbl name="fgImgPlace1">
+    <dgm:scene3d>
+      <a:camera prst="orthographicFront"/>
+      <a:lightRig rig="threePt" dir="t"/>
+    </dgm:scene3d>
+    <dgm:sp3d/>
+    <dgm:txPr/>
+    <dgm:style>
+      <a:lnRef idx="0">
+        <a:scrgbClr r="0" g="0" b="0"/>
+      </a:lnRef>
+      <a:fillRef idx="1">
+        <a:scrgbClr r="0" g="0" b="0"/>
+      </a:fillRef>
+      <a:effectRef idx="2">
+        <a:scrgbClr r="0" g="0" b="0"/>
+      </a:effectRef>
+      <a:fontRef idx="minor"/>
+    </dgm:style>
+  </dgm:styleLbl>
+  <dgm:styleLbl name="alignImgPlace1">
+    <dgm:scene3d>
+      <a:camera prst="orthographicFront"/>
+      <a:lightRig rig="threePt" dir="t"/>
+    </dgm:scene3d>
+    <dgm:sp3d/>
+    <dgm:txPr/>
+    <dgm:style>
+      <a:lnRef idx="0">
+        <a:scrgbClr r="0" g="0" b="0"/>
+      </a:lnRef>
+      <a:fillRef idx="1">
+        <a:scrgbClr r="0" g="0" b="0"/>
+      </a:fillRef>
+      <a:effectRef idx="2">
+        <a:scrgbClr r="0" g="0" b="0"/>
+      </a:effectRef>
+      <a:fontRef idx="minor"/>
+    </dgm:style>
+  </dgm:styleLbl>
+  <dgm:styleLbl name="bgImgPlace1">
+    <dgm:scene3d>
+      <a:camera prst="orthographicFront"/>
+      <a:lightRig rig="threePt" dir="t"/>
+    </dgm:scene3d>
+    <dgm:sp3d/>
+    <dgm:txPr/>
+    <dgm:style>
+      <a:lnRef idx="0">
+        <a:scrgbClr r="0" g="0" b="0"/>
+      </a:lnRef>
+      <a:fillRef idx="1">
+        <a:scrgbClr r="0" g="0" b="0"/>
+      </a:fillRef>
+      <a:effectRef idx="2">
+        <a:scrgbClr r="0" g="0" b="0"/>
+      </a:effectRef>
+      <a:fontRef idx="minor"/>
+    </dgm:style>
+  </dgm:styleLbl>
+  <dgm:styleLbl name="sibTrans2D1">
+    <dgm:scene3d>
+      <a:camera prst="orthographicFront"/>
+      <a:lightRig rig="threePt" dir="t"/>
+    </dgm:scene3d>
+    <dgm:sp3d/>
+    <dgm:txPr/>
+    <dgm:style>
+      <a:lnRef idx="0">
+        <a:scrgbClr r="0" g="0" b="0"/>
+      </a:lnRef>
+      <a:fillRef idx="3">
+        <a:scrgbClr r="0" g="0" b="0"/>
+      </a:fillRef>
+      <a:effectRef idx="2">
+        <a:scrgbClr r="0" g="0" b="0"/>
+      </a:effectRef>
+      <a:fontRef idx="minor">
+        <a:schemeClr val="lt1"/>
+      </a:fontRef>
+    </dgm:style>
+  </dgm:styleLbl>
+  <dgm:styleLbl name="fgSibTrans2D1">
+    <dgm:scene3d>
+      <a:camera prst="orthographicFront"/>
+      <a:lightRig rig="threePt" dir="t"/>
+    </dgm:scene3d>
+    <dgm:sp3d/>
+    <dgm:txPr/>
+    <dgm:style>
+      <a:lnRef idx="0">
+        <a:scrgbClr r="0" g="0" b="0"/>
+      </a:lnRef>
+      <a:fillRef idx="3">
+        <a:scrgbClr r="0" g="0" b="0"/>
+      </a:fillRef>
+      <a:effectRef idx="2">
+        <a:scrgbClr r="0" g="0" b="0"/>
+      </a:effectRef>
+      <a:fontRef idx="minor">
+        <a:schemeClr val="lt1"/>
+      </a:fontRef>
+    </dgm:style>
+  </dgm:styleLbl>
+  <dgm:styleLbl name="bgSibTrans2D1">
+    <dgm:scene3d>
+      <a:camera prst="orthographicFront"/>
+      <a:lightRig rig="threePt" dir="t"/>
+    </dgm:scene3d>
+    <dgm:sp3d/>
+    <dgm:txPr/>
+    <dgm:style>
+      <a:lnRef idx="0">
+        <a:scrgbClr r="0" g="0" b="0"/>
+      </a:lnRef>
+      <a:fillRef idx="3">
+        <a:scrgbClr r="0" g="0" b="0"/>
+      </a:fillRef>
+      <a:effectRef idx="2">
+        <a:scrgbClr r="0" g="0" b="0"/>
+      </a:effectRef>
+      <a:fontRef idx="minor">
+        <a:schemeClr val="lt1"/>
+      </a:fontRef>
+    </dgm:style>
+  </dgm:styleLbl>
+  <dgm:styleLbl name="sibTrans1D1">
+    <dgm:scene3d>
+      <a:camera prst="orthographicFront"/>
+      <a:lightRig rig="threePt" dir="t"/>
+    </dgm:scene3d>
+    <dgm:sp3d/>
+    <dgm:txPr/>
+    <dgm:style>
+      <a:lnRef idx="1">
+        <a:scrgbClr r="0" g="0" b="0"/>
+      </a:lnRef>
+      <a:fillRef idx="0">
+        <a:scrgbClr r="0" g="0" b="0"/>
+      </a:fillRef>
+      <a:effectRef idx="0">
+        <a:scrgbClr r="0" g="0" b="0"/>
+      </a:effectRef>
+      <a:fontRef idx="minor"/>
+    </dgm:style>
+  </dgm:styleLbl>
+  <dgm:styleLbl name="callout">
+    <dgm:scene3d>
+      <a:camera prst="orthographicFront"/>
+      <a:lightRig rig="threePt" dir="t"/>
+    </dgm:scene3d>
+    <dgm:sp3d/>
+    <dgm:txPr/>
+    <dgm:style>
+      <a:lnRef idx="2">
+        <a:scrgbClr r="0" g="0" b="0"/>
+      </a:lnRef>
+      <a:fillRef idx="1">
+        <a:scrgbClr r="0" g="0" b="0"/>
+      </a:fillRef>
+      <a:effectRef idx="1">
+        <a:scrgbClr r="0" g="0" b="0"/>
+      </a:effectRef>
+      <a:fontRef idx="minor"/>
+    </dgm:style>
+  </dgm:styleLbl>
+  <dgm:styleLbl name="asst0">
+    <dgm:scene3d>
+      <a:camera prst="orthographicFront"/>
+      <a:lightRig rig="threePt" dir="t"/>
+    </dgm:scene3d>
+    <dgm:sp3d/>
+    <dgm:txPr/>
+    <dgm:style>
+      <a:lnRef idx="0">
+        <a:scrgbClr r="0" g="0" b="0"/>
+      </a:lnRef>
+      <a:fillRef idx="3">
+        <a:scrgbClr r="0" g="0" b="0"/>
+      </a:fillRef>
+      <a:effectRef idx="2">
+        <a:scrgbClr r="0" g="0" b="0"/>
+      </a:effectRef>
+      <a:fontRef idx="minor">
+        <a:schemeClr val="lt1"/>
+      </a:fontRef>
+    </dgm:style>
+  </dgm:styleLbl>
+  <dgm:styleLbl name="asst1">
+    <dgm:scene3d>
+      <a:camera prst="orthographicFront"/>
+      <a:lightRig rig="threePt" dir="t"/>
+    </dgm:scene3d>
+    <dgm:sp3d/>
+    <dgm:txPr/>
+    <dgm:style>
+      <a:lnRef idx="0">
+        <a:scrgbClr r="0" g="0" b="0"/>
+      </a:lnRef>
+      <a:fillRef idx="3">
+        <a:scrgbClr r="0" g="0" b="0"/>
+      </a:fillRef>
+      <a:effectRef idx="2">
+        <a:scrgbClr r="0" g="0" b="0"/>
+      </a:effectRef>
+      <a:fontRef idx="minor">
+        <a:schemeClr val="lt1"/>
+      </a:fontRef>
+    </dgm:style>
+  </dgm:styleLbl>
+  <dgm:styleLbl name="asst2">
+    <dgm:scene3d>
+      <a:camera prst="orthographicFront"/>
+      <a:lightRig rig="threePt" dir="t"/>
+    </dgm:scene3d>
+    <dgm:sp3d/>
+    <dgm:txPr/>
+    <dgm:style>
+      <a:lnRef idx="0">
+        <a:scrgbClr r="0" g="0" b="0"/>
+      </a:lnRef>
+      <a:fillRef idx="3">
+        <a:scrgbClr r="0" g="0" b="0"/>
+      </a:fillRef>
+      <a:effectRef idx="2">
+        <a:scrgbClr r="0" g="0" b="0"/>
+      </a:effectRef>
+      <a:fontRef idx="minor">
+        <a:schemeClr val="lt1"/>
+      </a:fontRef>
+    </dgm:style>
+  </dgm:styleLbl>
+  <dgm:styleLbl name="asst3">
+    <dgm:scene3d>
+      <a:camera prst="orthographicFront"/>
+      <a:lightRig rig="threePt" dir="t"/>
+    </dgm:scene3d>
+    <dgm:sp3d/>
+    <dgm:txPr/>
+    <dgm:style>
+      <a:lnRef idx="0">
+        <a:scrgbClr r="0" g="0" b="0"/>
+      </a:lnRef>
+      <a:fillRef idx="3">
+        <a:scrgbClr r="0" g="0" b="0"/>
+      </a:fillRef>
+      <a:effectRef idx="2">
+        <a:scrgbClr r="0" g="0" b="0"/>
+      </a:effectRef>
+      <a:fontRef idx="minor">
+        <a:schemeClr val="lt1"/>
+      </a:fontRef>
+    </dgm:style>
+  </dgm:styleLbl>
+  <dgm:styleLbl name="asst4">
+    <dgm:scene3d>
+      <a:camera prst="orthographicFront"/>
+      <a:lightRig rig="threePt" dir="t"/>
+    </dgm:scene3d>
+    <dgm:sp3d/>
+    <dgm:txPr/>
+    <dgm:style>
+      <a:lnRef idx="0">
+        <a:scrgbClr r="0" g="0" b="0"/>
+      </a:lnRef>
+      <a:fillRef idx="3">
+        <a:scrgbClr r="0" g="0" b="0"/>
+      </a:fillRef>
+      <a:effectRef idx="2">
+        <a:scrgbClr r="0" g="0" b="0"/>
+      </a:effectRef>
+      <a:fontRef idx="minor">
+        <a:schemeClr val="lt1"/>
+      </a:fontRef>
+    </dgm:style>
+  </dgm:styleLbl>
+  <dgm:styleLbl name="parChTrans2D1">
+    <dgm:scene3d>
+      <a:camera prst="orthographicFront"/>
+      <a:lightRig rig="threePt" dir="t"/>
+    </dgm:scene3d>
+    <dgm:sp3d/>
+    <dgm:txPr/>
+    <dgm:style>
+      <a:lnRef idx="0">
+        <a:scrgbClr r="0" g="0" b="0"/>
+      </a:lnRef>
+      <a:fillRef idx="3">
+        <a:scrgbClr r="0" g="0" b="0"/>
+      </a:fillRef>
+      <a:effectRef idx="2">
+        <a:scrgbClr r="0" g="0" b="0"/>
+      </a:effectRef>
+      <a:fontRef idx="minor">
+        <a:schemeClr val="lt1"/>
+      </a:fontRef>
+    </dgm:style>
+  </dgm:styleLbl>
+  <dgm:styleLbl name="parChTrans2D2">
+    <dgm:scene3d>
+      <a:camera prst="orthographicFront"/>
+      <a:lightRig rig="threePt" dir="t"/>
+    </dgm:scene3d>
+    <dgm:sp3d/>
+    <dgm:txPr/>
+    <dgm:style>
+      <a:lnRef idx="0">
+        <a:scrgbClr r="0" g="0" b="0"/>
+      </a:lnRef>
+      <a:fillRef idx="3">
+        <a:scrgbClr r="0" g="0" b="0"/>
+      </a:fillRef>
+      <a:effectRef idx="2">
+        <a:scrgbClr r="0" g="0" b="0"/>
+      </a:effectRef>
+      <a:fontRef idx="minor">
+        <a:schemeClr val="lt1"/>
+      </a:fontRef>
+    </dgm:style>
+  </dgm:styleLbl>
+  <dgm:styleLbl name="parChTrans2D3">
+    <dgm:scene3d>
+      <a:camera prst="orthographicFront"/>
+      <a:lightRig rig="threePt" dir="t"/>
+    </dgm:scene3d>
+    <dgm:sp3d/>
+    <dgm:txPr/>
+    <dgm:style>
+      <a:lnRef idx="1">
+        <a:scrgbClr r="0" g="0" b="0"/>
+      </a:lnRef>
+      <a:fillRef idx="3">
+        <a:scrgbClr r="0" g="0" b="0"/>
+      </a:fillRef>
+      <a:effectRef idx="2">
+        <a:scrgbClr r="0" g="0" b="0"/>
+      </a:effectRef>
+      <a:fontRef idx="minor">
+        <a:schemeClr val="lt1"/>
+      </a:fontRef>
+    </dgm:style>
+  </dgm:styleLbl>
+  <dgm:styleLbl name="parChTrans2D4">
+    <dgm:scene3d>
+      <a:camera prst="orthographicFront"/>
+      <a:lightRig rig="threePt" dir="t"/>
+    </dgm:scene3d>
+    <dgm:sp3d/>
+    <dgm:txPr/>
+    <dgm:style>
+      <a:lnRef idx="1">
+        <a:scrgbClr r="0" g="0" b="0"/>
+      </a:lnRef>
+      <a:fillRef idx="3">
+        <a:scrgbClr r="0" g="0" b="0"/>
+      </a:fillRef>
+      <a:effectRef idx="2">
+        <a:scrgbClr r="0" g="0" b="0"/>
+      </a:effectRef>
+      <a:fontRef idx="minor">
+        <a:schemeClr val="lt1"/>
+      </a:fontRef>
+    </dgm:style>
+  </dgm:styleLbl>
+  <dgm:styleLbl name="parChTrans1D1">
+    <dgm:scene3d>
+      <a:camera prst="orthographicFront"/>
+      <a:lightRig rig="threePt" dir="t"/>
+    </dgm:scene3d>
+    <dgm:sp3d/>
+    <dgm:txPr/>
+    <dgm:style>
+      <a:lnRef idx="1">
+        <a:scrgbClr r="0" g="0" b="0"/>
+      </a:lnRef>
+      <a:fillRef idx="0">
+        <a:scrgbClr r="0" g="0" b="0"/>
+      </a:fillRef>
+      <a:effectRef idx="0">
+        <a:scrgbClr r="0" g="0" b="0"/>
+      </a:effectRef>
+      <a:fontRef idx="minor"/>
+    </dgm:style>
+  </dgm:styleLbl>
+  <dgm:styleLbl name="parChTrans1D2">
+    <dgm:scene3d>
+      <a:camera prst="orthographicFront"/>
+      <a:lightRig rig="threePt" dir="t"/>
+    </dgm:scene3d>
+    <dgm:sp3d/>
+    <dgm:txPr/>
+    <dgm:style>
+      <a:lnRef idx="1">
+        <a:scrgbClr r="0" g="0" b="0"/>
+      </a:lnRef>
+      <a:fillRef idx="0">
+        <a:scrgbClr r="0" g="0" b="0"/>
+      </a:fillRef>
+      <a:effectRef idx="0">
+        <a:scrgbClr r="0" g="0" b="0"/>
+      </a:effectRef>
+      <a:fontRef idx="minor"/>
+    </dgm:style>
+  </dgm:styleLbl>
+  <dgm:styleLbl name="parChTrans1D3">
+    <dgm:scene3d>
+      <a:camera prst="orthographicFront"/>
+      <a:lightRig rig="threePt" dir="t"/>
+    </dgm:scene3d>
+    <dgm:sp3d/>
+    <dgm:txPr/>
+    <dgm:style>
+      <a:lnRef idx="1">
+        <a:scrgbClr r="0" g="0" b="0"/>
+      </a:lnRef>
+      <a:fillRef idx="0">
+        <a:scrgbClr r="0" g="0" b="0"/>
+      </a:fillRef>
+      <a:effectRef idx="0">
+        <a:scrgbClr r="0" g="0" b="0"/>
+      </a:effectRef>
+      <a:fontRef idx="minor"/>
+    </dgm:style>
+  </dgm:styleLbl>
+  <dgm:styleLbl name="parChTrans1D4">
+    <dgm:scene3d>
+      <a:camera prst="orthographicFront"/>
+      <a:lightRig rig="threePt" dir="t"/>
+    </dgm:scene3d>
+    <dgm:sp3d/>
+    <dgm:txPr/>
+    <dgm:style>
+      <a:lnRef idx="1">
+        <a:scrgbClr r="0" g="0" b="0"/>
+      </a:lnRef>
+      <a:fillRef idx="0">
+        <a:scrgbClr r="0" g="0" b="0"/>
+      </a:fillRef>
+      <a:effectRef idx="0">
+        <a:scrgbClr r="0" g="0" b="0"/>
+      </a:effectRef>
+      <a:fontRef idx="minor"/>
+    </dgm:style>
+  </dgm:styleLbl>
+  <dgm:styleLbl name="fgAcc1">
+    <dgm:scene3d>
+      <a:camera prst="orthographicFront"/>
+      <a:lightRig rig="threePt" dir="t"/>
+    </dgm:scene3d>
+    <dgm:sp3d/>
+    <dgm:txPr/>
+    <dgm:style>
+      <a:lnRef idx="1">
+        <a:scrgbClr r="0" g="0" b="0"/>
+      </a:lnRef>
+      <a:fillRef idx="1">
+        <a:scrgbClr r="0" g="0" b="0"/>
+      </a:fillRef>
+      <a:effectRef idx="0">
+        <a:scrgbClr r="0" g="0" b="0"/>
+      </a:effectRef>
+      <a:fontRef idx="minor"/>
+    </dgm:style>
+  </dgm:styleLbl>
+  <dgm:styleLbl name="conFgAcc1">
+    <dgm:scene3d>
+      <a:camera prst="orthographicFront"/>
+      <a:lightRig rig="threePt" dir="t"/>
+    </dgm:scene3d>
+    <dgm:sp3d/>
+    <dgm:txPr/>
+    <dgm:style>
+      <a:lnRef idx="1">
+        <a:scrgbClr r="0" g="0" b="0"/>
+      </a:lnRef>
+      <a:fillRef idx="1">
+        <a:scrgbClr r="0" g="0" b="0"/>
+      </a:fillRef>
+      <a:effectRef idx="0">
+        <a:scrgbClr r="0" g="0" b="0"/>
+      </a:effectRef>
+      <a:fontRef idx="minor"/>
+    </dgm:style>
+  </dgm:styleLbl>
+  <dgm:styleLbl name="alignAcc1">
+    <dgm:scene3d>
+      <a:camera prst="orthographicFront"/>
+      <a:lightRig rig="threePt" dir="t"/>
+    </dgm:scene3d>
+    <dgm:sp3d/>
+    <dgm:txPr/>
+    <dgm:style>
+      <a:lnRef idx="1">
+        <a:scrgbClr r="0" g="0" b="0"/>
+      </a:lnRef>
+      <a:fillRef idx="1">
+        <a:scrgbClr r="0" g="0" b="0"/>
+      </a:fillRef>
+      <a:effectRef idx="0">
+        <a:scrgbClr r="0" g="0" b="0"/>
+      </a:effectRef>
+      <a:fontRef idx="minor"/>
+    </dgm:style>
+  </dgm:styleLbl>
+  <dgm:styleLbl name="trAlignAcc1">
+    <dgm:scene3d>
+      <a:camera prst="orthographicFront"/>
+      <a:lightRig rig="threePt" dir="t"/>
+    </dgm:scene3d>
+    <dgm:sp3d/>
+    <dgm:txPr/>
+    <dgm:style>
+      <a:lnRef idx="1">
+        <a:scrgbClr r="0" g="0" b="0"/>
+      </a:lnRef>
+      <a:fillRef idx="1">
+        <a:scrgbClr r="0" g="0" b="0"/>
+      </a:fillRef>
+      <a:effectRef idx="0">
+        <a:scrgbClr r="0" g="0" b="0"/>
+      </a:effectRef>
+      <a:fontRef idx="minor"/>
+    </dgm:style>
+  </dgm:styleLbl>
+  <dgm:styleLbl name="bgAcc1">
+    <dgm:scene3d>
+      <a:camera prst="orthographicFront"/>
+      <a:lightRig rig="threePt" dir="t"/>
+    </dgm:scene3d>
+    <dgm:sp3d/>
+    <dgm:txPr/>
+    <dgm:style>
+      <a:lnRef idx="1">
+        <a:scrgbClr r="0" g="0" b="0"/>
+      </a:lnRef>
+      <a:fillRef idx="1">
+        <a:scrgbClr r="0" g="0" b="0"/>
+      </a:fillRef>
+      <a:effectRef idx="0">
+        <a:scrgbClr r="0" g="0" b="0"/>
+      </a:effectRef>
+      <a:fontRef idx="minor"/>
+    </dgm:style>
+  </dgm:styleLbl>
+  <dgm:styleLbl name="solidFgAcc1">
+    <dgm:scene3d>
+      <a:camera prst="orthographicFront"/>
+      <a:lightRig rig="threePt" dir="t"/>
+    </dgm:scene3d>
+    <dgm:sp3d/>
+    <dgm:txPr/>
+    <dgm:style>
+      <a:lnRef idx="1">
+        <a:scrgbClr r="0" g="0" b="0"/>
+      </a:lnRef>
+      <a:fillRef idx="1">
+        <a:scrgbClr r="0" g="0" b="0"/>
+      </a:fillRef>
+      <a:effectRef idx="0">
+        <a:scrgbClr r="0" g="0" b="0"/>
+      </a:effectRef>
+      <a:fontRef idx="minor"/>
+    </dgm:style>
+  </dgm:styleLbl>
+  <dgm:styleLbl name="solidAlignAcc1">
+    <dgm:scene3d>
+      <a:camera prst="orthographicFront"/>
+      <a:lightRig rig="threePt" dir="t"/>
+    </dgm:scene3d>
+    <dgm:sp3d/>
+    <dgm:txPr/>
+    <dgm:style>
+      <a:lnRef idx="1">
+        <a:scrgbClr r="0" g="0" b="0"/>
+      </a:lnRef>
+      <a:fillRef idx="1">
+        <a:scrgbClr r="0" g="0" b="0"/>
+      </a:fillRef>
+      <a:effectRef idx="0">
+        <a:scrgbClr r="0" g="0" b="0"/>
+      </a:effectRef>
+      <a:fontRef idx="minor"/>
+    </dgm:style>
+  </dgm:styleLbl>
+  <dgm:styleLbl name="solidBgAcc1">
+    <dgm:scene3d>
+      <a:camera prst="orthographicFront"/>
+      <a:lightRig rig="threePt" dir="t"/>
+    </dgm:scene3d>
+    <dgm:sp3d/>
+    <dgm:txPr/>
+    <dgm:style>
+      <a:lnRef idx="1">
+        <a:scrgbClr r="0" g="0" b="0"/>
+      </a:lnRef>
+      <a:fillRef idx="1">
+        <a:scrgbClr r="0" g="0" b="0"/>
+      </a:fillRef>
+      <a:effectRef idx="0">
+        <a:scrgbClr r="0" g="0" b="0"/>
+      </a:effectRef>
+      <a:fontRef idx="minor"/>
+    </dgm:style>
+  </dgm:styleLbl>
+  <dgm:styleLbl name="fgAccFollowNode1">
+    <dgm:scene3d>
+      <a:camera prst="orthographicFront"/>
+      <a:lightRig rig="threePt" dir="t"/>
+    </dgm:scene3d>
+    <dgm:sp3d/>
+    <dgm:txPr/>
+    <dgm:style>
+      <a:lnRef idx="1">
+        <a:scrgbClr r="0" g="0" b="0"/>
+      </a:lnRef>
+      <a:fillRef idx="1">
+        <a:scrgbClr r="0" g="0" b="0"/>
+      </a:fillRef>
+      <a:effectRef idx="0">
+        <a:scrgbClr r="0" g="0" b="0"/>
+      </a:effectRef>
+      <a:fontRef idx="minor"/>
+    </dgm:style>
+  </dgm:styleLbl>
+  <dgm:styleLbl name="alignAccFollowNode1">
+    <dgm:scene3d>
+      <a:camera prst="orthographicFront"/>
+      <a:lightRig rig="threePt" dir="t"/>
+    </dgm:scene3d>
+    <dgm:sp3d/>
+    <dgm:txPr/>
+    <dgm:style>
+      <a:lnRef idx="1">
+        <a:scrgbClr r="0" g="0" b="0"/>
+      </a:lnRef>
+      <a:fillRef idx="1">
+        <a:scrgbClr r="0" g="0" b="0"/>
+      </a:fillRef>
+      <a:effectRef idx="0">
+        <a:scrgbClr r="0" g="0" b="0"/>
+      </a:effectRef>
+      <a:fontRef idx="minor"/>
+    </dgm:style>
+  </dgm:styleLbl>
+  <dgm:styleLbl name="bgAccFollowNode1">
+    <dgm:scene3d>
+      <a:camera prst="orthographicFront"/>
+      <a:lightRig rig="threePt" dir="t"/>
+    </dgm:scene3d>
+    <dgm:sp3d/>
+    <dgm:txPr/>
+    <dgm:style>
+      <a:lnRef idx="1">
+        <a:scrgbClr r="0" g="0" b="0"/>
+      </a:lnRef>
+      <a:fillRef idx="1">
+        <a:scrgbClr r="0" g="0" b="0"/>
+      </a:fillRef>
+      <a:effectRef idx="0">
+        <a:scrgbClr r="0" g="0" b="0"/>
+      </a:effectRef>
+      <a:fontRef idx="minor"/>
+    </dgm:style>
+  </dgm:styleLbl>
+  <dgm:styleLbl name="fgAcc0">
+    <dgm:scene3d>
+      <a:camera prst="orthographicFront"/>
+      <a:lightRig rig="threePt" dir="t"/>
+    </dgm:scene3d>
+    <dgm:sp3d/>
+    <dgm:txPr/>
+    <dgm:style>
+      <a:lnRef idx="1">
+        <a:scrgbClr r="0" g="0" b="0"/>
+      </a:lnRef>
+      <a:fillRef idx="1">
+        <a:scrgbClr r="0" g="0" b="0"/>
+      </a:fillRef>
+      <a:effectRef idx="0">
+        <a:scrgbClr r="0" g="0" b="0"/>
+      </a:effectRef>
+      <a:fontRef idx="minor"/>
+    </dgm:style>
+  </dgm:styleLbl>
+  <dgm:styleLbl name="fgAcc2">
+    <dgm:scene3d>
+      <a:camera prst="orthographicFront"/>
+      <a:lightRig rig="threePt" dir="t"/>
+    </dgm:scene3d>
+    <dgm:sp3d/>
+    <dgm:txPr/>
+    <dgm:style>
+      <a:lnRef idx="1">
+        <a:scrgbClr r="0" g="0" b="0"/>
+      </a:lnRef>
+      <a:fillRef idx="1">
+        <a:scrgbClr r="0" g="0" b="0"/>
+      </a:fillRef>
+      <a:effectRef idx="0">
+        <a:scrgbClr r="0" g="0" b="0"/>
+      </a:effectRef>
+      <a:fontRef idx="minor"/>
+    </dgm:style>
+  </dgm:styleLbl>
+  <dgm:styleLbl name="fgAcc3">
+    <dgm:scene3d>
+      <a:camera prst="orthographicFront"/>
+      <a:lightRig rig="threePt" dir="t"/>
+    </dgm:scene3d>
+    <dgm:sp3d/>
+    <dgm:txPr/>
+    <dgm:style>
+      <a:lnRef idx="1">
+        <a:scrgbClr r="0" g="0" b="0"/>
+      </a:lnRef>
+      <a:fillRef idx="1">
+        <a:scrgbClr r="0" g="0" b="0"/>
+      </a:fillRef>
+      <a:effectRef idx="0">
+        <a:scrgbClr r="0" g="0" b="0"/>
+      </a:effectRef>
+      <a:fontRef idx="minor"/>
+    </dgm:style>
+  </dgm:styleLbl>
+  <dgm:styleLbl name="fgAcc4">
+    <dgm:scene3d>
+      <a:camera prst="orthographicFront"/>
+      <a:lightRig rig="threePt" dir="t"/>
+    </dgm:scene3d>
+    <dgm:sp3d/>
+    <dgm:txPr/>
+    <dgm:style>
+      <a:lnRef idx="1">
+        <a:scrgbClr r="0" g="0" b="0"/>
+      </a:lnRef>
+      <a:fillRef idx="1">
+        <a:scrgbClr r="0" g="0" b="0"/>
+      </a:fillRef>
+      <a:effectRef idx="0">
+        <a:scrgbClr r="0" g="0" b="0"/>
+      </a:effectRef>
+      <a:fontRef idx="minor"/>
+    </dgm:style>
+  </dgm:styleLbl>
+  <dgm:styleLbl name="bgShp">
+    <dgm:scene3d>
+      <a:camera prst="orthographicFront"/>
+      <a:lightRig rig="threePt" dir="t"/>
+    </dgm:scene3d>
+    <dgm:sp3d/>
+    <dgm:txPr/>
+    <dgm:style>
+      <a:lnRef idx="0">
+        <a:scrgbClr r="0" g="0" b="0"/>
+      </a:lnRef>
+      <a:fillRef idx="1">
+        <a:scrgbClr r="0" g="0" b="0"/>
+      </a:fillRef>
+      <a:effectRef idx="2">
+        <a:scrgbClr r="0" g="0" b="0"/>
+      </a:effectRef>
+      <a:fontRef idx="minor"/>
+    </dgm:style>
+  </dgm:styleLbl>
+  <dgm:styleLbl name="dkBgShp">
+    <dgm:scene3d>
+      <a:camera prst="orthographicFront"/>
+      <a:lightRig rig="threePt" dir="t"/>
+    </dgm:scene3d>
+    <dgm:sp3d/>
+    <dgm:txPr/>
+    <dgm:style>
+      <a:lnRef idx="0">
+        <a:scrgbClr r="0" g="0" b="0"/>
+      </a:lnRef>
+      <a:fillRef idx="1">
+        <a:scrgbClr r="0" g="0" b="0"/>
+      </a:fillRef>
+      <a:effectRef idx="2">
+        <a:scrgbClr r="0" g="0" b="0"/>
+      </a:effectRef>
+      <a:fontRef idx="minor"/>
+    </dgm:style>
+  </dgm:styleLbl>
+  <dgm:styleLbl name="trBgShp">
+    <dgm:scene3d>
+      <a:camera prst="orthographicFront"/>
+      <a:lightRig rig="threePt" dir="t"/>
+    </dgm:scene3d>
+    <dgm:sp3d/>
+    <dgm:txPr/>
+    <dgm:style>
+      <a:lnRef idx="0">
+        <a:scrgbClr r="0" g="0" b="0"/>
+      </a:lnRef>
+      <a:fillRef idx="1">
+        <a:scrgbClr r="0" g="0" b="0"/>
+      </a:fillRef>
+      <a:effectRef idx="0">
+        <a:scrgbClr r="0" g="0" b="0"/>
+      </a:effectRef>
+      <a:fontRef idx="minor"/>
+    </dgm:style>
+  </dgm:styleLbl>
+  <dgm:styleLbl name="fgShp">
+    <dgm:scene3d>
+      <a:camera prst="orthographicFront"/>
+      <a:lightRig rig="threePt" dir="t"/>
+    </dgm:scene3d>
+    <dgm:sp3d/>
+    <dgm:txPr/>
+    <dgm:style>
+      <a:lnRef idx="0">
+        <a:scrgbClr r="0" g="0" b="0"/>
+      </a:lnRef>
+      <a:fillRef idx="3">
+        <a:scrgbClr r="0" g="0" b="0"/>
+      </a:fillRef>
+      <a:effectRef idx="2">
+        <a:scrgbClr r="0" g="0" b="0"/>
+      </a:effectRef>
+      <a:fontRef idx="minor"/>
+    </dgm:style>
+  </dgm:styleLbl>
+  <dgm:styleLbl name="revTx">
+    <dgm:scene3d>
+      <a:camera prst="orthographicFront"/>
+      <a:lightRig rig="threePt" dir="t"/>
+    </dgm:scene3d>
+    <dgm:sp3d/>
+    <dgm:txPr/>
+    <dgm:style>
+      <a:lnRef idx="0">
+        <a:scrgbClr r="0" g="0" b="0"/>
+      </a:lnRef>
+      <a:fillRef idx="0">
+        <a:scrgbClr r="0" g="0" b="0"/>
+      </a:fillRef>
+      <a:effectRef idx="0">
+        <a:scrgbClr r="0" g="0" b="0"/>
+      </a:effectRef>
+      <a:fontRef idx="minor"/>
+    </dgm:style>
+  </dgm:styleLbl>
+</dgm:styleDef>
+</file>
+
+<file path=ppt/diagrams/quickStyle5.xml><?xml version="1.0" encoding="utf-8"?>
 <dgm:styleDef xmlns:dgm="http://schemas.openxmlformats.org/drawingml/2006/diagram" xmlns:a="http://schemas.openxmlformats.org/drawingml/2006/main" uniqueId="urn:microsoft.com/office/officeart/2005/8/quickstyle/simple4">
   <dgm:title val=""/>
   <dgm:desc val=""/>
@@ -8788,7 +14785,7 @@
             <a:fld id="{AB1CDEB6-C0D8-439D-94AA-7569540F08E4}" type="datetimeFigureOut">
               <a:rPr lang="en-US" smtClean="0"/>
               <a:pPr/>
-              <a:t>12/11/15</a:t>
+              <a:t>12/12/15</a:t>
             </a:fld>
             <a:endParaRPr lang="en-US"/>
           </a:p>
@@ -9146,7 +15143,7 @@
             <a:fld id="{81331B57-0BE5-4F82-AA58-76F53EFF3ADA}" type="datetime8">
               <a:rPr lang="en-US" smtClean="0"/>
               <a:pPr/>
-              <a:t>12/11/15 1:00 AM</a:t>
+              <a:t>12/12/15 2:24 AM</a:t>
             </a:fld>
             <a:endParaRPr lang="en-US" dirty="0"/>
           </a:p>
@@ -9244,6 +15241,190 @@
     <p:extLst>
       <p:ext uri="{BB962C8B-B14F-4D97-AF65-F5344CB8AC3E}">
         <p14:creationId xmlns:p14="http://schemas.microsoft.com/office/powerpoint/2010/main" val="1903985753"/>
+      </p:ext>
+    </p:extLst>
+  </p:cSld>
+  <p:clrMapOvr>
+    <a:masterClrMapping/>
+  </p:clrMapOvr>
+</p:notes>
+</file>
+
+<file path=ppt/notesSlides/notesSlide10.xml><?xml version="1.0" encoding="utf-8"?>
+<p:notes xmlns:a="http://schemas.openxmlformats.org/drawingml/2006/main" xmlns:r="http://schemas.openxmlformats.org/officeDocument/2006/relationships" xmlns:p="http://schemas.openxmlformats.org/presentationml/2006/main">
+  <p:cSld>
+    <p:spTree>
+      <p:nvGrpSpPr>
+        <p:cNvPr id="1" name=""/>
+        <p:cNvGrpSpPr/>
+        <p:nvPr/>
+      </p:nvGrpSpPr>
+      <p:grpSpPr>
+        <a:xfrm>
+          <a:off x="0" y="0"/>
+          <a:ext cx="0" cy="0"/>
+          <a:chOff x="0" y="0"/>
+          <a:chExt cx="0" cy="0"/>
+        </a:xfrm>
+      </p:grpSpPr>
+      <p:sp>
+        <p:nvSpPr>
+          <p:cNvPr id="2" name="Slide Image Placeholder 1"/>
+          <p:cNvSpPr>
+            <a:spLocks noGrp="1" noRot="1" noChangeAspect="1"/>
+          </p:cNvSpPr>
+          <p:nvPr>
+            <p:ph type="sldImg"/>
+          </p:nvPr>
+        </p:nvSpPr>
+        <p:spPr/>
+      </p:sp>
+      <p:sp>
+        <p:nvSpPr>
+          <p:cNvPr id="3" name="Notes Placeholder 2"/>
+          <p:cNvSpPr>
+            <a:spLocks noGrp="1"/>
+          </p:cNvSpPr>
+          <p:nvPr>
+            <p:ph type="body" idx="1"/>
+          </p:nvPr>
+        </p:nvSpPr>
+        <p:spPr/>
+        <p:txBody>
+          <a:bodyPr>
+            <a:normAutofit/>
+          </a:bodyPr>
+          <a:lstStyle/>
+          <a:p>
+            <a:endParaRPr lang="en-US"/>
+          </a:p>
+        </p:txBody>
+      </p:sp>
+      <p:sp>
+        <p:nvSpPr>
+          <p:cNvPr id="4" name="Header Placeholder 3"/>
+          <p:cNvSpPr>
+            <a:spLocks noGrp="1"/>
+          </p:cNvSpPr>
+          <p:nvPr>
+            <p:ph type="hdr" sz="quarter" idx="10"/>
+          </p:nvPr>
+        </p:nvSpPr>
+        <p:spPr/>
+        <p:txBody>
+          <a:bodyPr/>
+          <a:lstStyle/>
+          <a:p>
+            <a:endParaRPr lang="en-US" dirty="0"/>
+          </a:p>
+        </p:txBody>
+      </p:sp>
+      <p:sp>
+        <p:nvSpPr>
+          <p:cNvPr id="5" name="Date Placeholder 4"/>
+          <p:cNvSpPr>
+            <a:spLocks noGrp="1"/>
+          </p:cNvSpPr>
+          <p:nvPr>
+            <p:ph type="dt" idx="11"/>
+          </p:nvPr>
+        </p:nvSpPr>
+        <p:spPr/>
+        <p:txBody>
+          <a:bodyPr/>
+          <a:lstStyle/>
+          <a:p>
+            <a:fld id="{81331B57-0BE5-4F82-AA58-76F53EFF3ADA}" type="datetime8">
+              <a:rPr lang="en-US" smtClean="0"/>
+              <a:pPr/>
+              <a:t>12/12/15 2:24 AM</a:t>
+            </a:fld>
+            <a:endParaRPr lang="en-US"/>
+          </a:p>
+        </p:txBody>
+      </p:sp>
+      <p:sp>
+        <p:nvSpPr>
+          <p:cNvPr id="6" name="Footer Placeholder 5"/>
+          <p:cNvSpPr>
+            <a:spLocks noGrp="1"/>
+          </p:cNvSpPr>
+          <p:nvPr>
+            <p:ph type="ftr" sz="quarter" idx="12"/>
+          </p:nvPr>
+        </p:nvSpPr>
+        <p:spPr/>
+        <p:txBody>
+          <a:bodyPr/>
+          <a:lstStyle/>
+          <a:p>
+            <a:r>
+              <a:rPr lang="en-US" smtClean="0">
+                <a:solidFill>
+                  <a:srgbClr val="000000"/>
+                </a:solidFill>
+              </a:rPr>
+              <a:t>© 2007 Microsoft Corporation. All rights reserved. Microsoft, Windows, Windows Vista and other product names are or may be registered trademarks and/or trademarks in the U.S. and/or other countries.</a:t>
+            </a:r>
+          </a:p>
+          <a:p>
+            <a:r>
+              <a:rPr lang="en-US" smtClean="0">
+                <a:solidFill>
+                  <a:srgbClr val="000000"/>
+                </a:solidFill>
+              </a:rPr>
+              <a:t>The information herein is for informational purposes only and represents the current view of Microsoft Corporation as of the date of this presentation.  Because Microsoft must respond to changing market conditions, it should not be interpreted to be a commitment on the part of Microsoft, and Microsoft cannot guarantee the accuracy of any information provided after the date of this presentation.  </a:t>
+            </a:r>
+            <a:br>
+              <a:rPr lang="en-US" smtClean="0">
+                <a:solidFill>
+                  <a:srgbClr val="000000"/>
+                </a:solidFill>
+              </a:rPr>
+            </a:br>
+            <a:r>
+              <a:rPr lang="en-US" smtClean="0">
+                <a:solidFill>
+                  <a:srgbClr val="000000"/>
+                </a:solidFill>
+              </a:rPr>
+              <a:t>MICROSOFT MAKES NO WARRANTIES, EXPRESS, IMPLIED OR STATUTORY, AS TO THE INFORMATION IN THIS PRESENTATION.</a:t>
+            </a:r>
+          </a:p>
+          <a:p>
+            <a:endParaRPr lang="en-US" dirty="0"/>
+          </a:p>
+        </p:txBody>
+      </p:sp>
+      <p:sp>
+        <p:nvSpPr>
+          <p:cNvPr id="7" name="Slide Number Placeholder 6"/>
+          <p:cNvSpPr>
+            <a:spLocks noGrp="1"/>
+          </p:cNvSpPr>
+          <p:nvPr>
+            <p:ph type="sldNum" sz="quarter" idx="13"/>
+          </p:nvPr>
+        </p:nvSpPr>
+        <p:spPr/>
+        <p:txBody>
+          <a:bodyPr/>
+          <a:lstStyle/>
+          <a:p>
+            <a:fld id="{EC87E0CF-87F6-4B58-B8B8-DCAB2DAAF3CA}" type="slidenum">
+              <a:rPr lang="en-US" smtClean="0"/>
+              <a:pPr/>
+              <a:t>19</a:t>
+            </a:fld>
+            <a:endParaRPr lang="en-US" dirty="0"/>
+          </a:p>
+        </p:txBody>
+      </p:sp>
+    </p:spTree>
+    <p:extLst>
+      <p:ext uri="{BB962C8B-B14F-4D97-AF65-F5344CB8AC3E}">
+        <p14:creationId xmlns:p14="http://schemas.microsoft.com/office/powerpoint/2010/main" val="282733531"/>
       </p:ext>
     </p:extLst>
   </p:cSld>
@@ -9340,7 +15521,7 @@
             <a:fld id="{81331B57-0BE5-4F82-AA58-76F53EFF3ADA}" type="datetime8">
               <a:rPr lang="en-US" smtClean="0"/>
               <a:pPr/>
-              <a:t>12/11/15 1:00 AM</a:t>
+              <a:t>12/12/15 2:24 AM</a:t>
             </a:fld>
             <a:endParaRPr lang="en-US"/>
           </a:p>
@@ -9524,7 +15705,7 @@
             <a:fld id="{81331B57-0BE5-4F82-AA58-76F53EFF3ADA}" type="datetime8">
               <a:rPr lang="en-US" smtClean="0"/>
               <a:pPr/>
-              <a:t>12/11/15 1:00 AM</a:t>
+              <a:t>12/12/15 2:24 AM</a:t>
             </a:fld>
             <a:endParaRPr lang="en-US"/>
           </a:p>
@@ -9708,7 +15889,7 @@
             <a:fld id="{81331B57-0BE5-4F82-AA58-76F53EFF3ADA}" type="datetime8">
               <a:rPr lang="en-US" smtClean="0"/>
               <a:pPr/>
-              <a:t>12/11/15 1:00 AM</a:t>
+              <a:t>12/12/15 2:24 AM</a:t>
             </a:fld>
             <a:endParaRPr lang="en-US"/>
           </a:p>
@@ -9892,7 +16073,7 @@
             <a:fld id="{81331B57-0BE5-4F82-AA58-76F53EFF3ADA}" type="datetime8">
               <a:rPr lang="en-US" smtClean="0"/>
               <a:pPr/>
-              <a:t>12/11/15 1:00 AM</a:t>
+              <a:t>12/12/15 2:24 AM</a:t>
             </a:fld>
             <a:endParaRPr lang="en-US"/>
           </a:p>
@@ -10076,7 +16257,7 @@
             <a:fld id="{81331B57-0BE5-4F82-AA58-76F53EFF3ADA}" type="datetime8">
               <a:rPr lang="en-US" smtClean="0"/>
               <a:pPr/>
-              <a:t>12/11/15 1:00 AM</a:t>
+              <a:t>12/12/15 2:24 AM</a:t>
             </a:fld>
             <a:endParaRPr lang="en-US"/>
           </a:p>
@@ -10260,7 +16441,7 @@
             <a:fld id="{81331B57-0BE5-4F82-AA58-76F53EFF3ADA}" type="datetime8">
               <a:rPr lang="en-US" smtClean="0"/>
               <a:pPr/>
-              <a:t>12/11/15 1:00 AM</a:t>
+              <a:t>12/12/15 2:24 AM</a:t>
             </a:fld>
             <a:endParaRPr lang="en-US"/>
           </a:p>
@@ -10444,7 +16625,7 @@
             <a:fld id="{81331B57-0BE5-4F82-AA58-76F53EFF3ADA}" type="datetime8">
               <a:rPr lang="en-US" smtClean="0"/>
               <a:pPr/>
-              <a:t>12/11/15 1:00 AM</a:t>
+              <a:t>12/12/15 2:24 AM</a:t>
             </a:fld>
             <a:endParaRPr lang="en-US"/>
           </a:p>
@@ -10582,27 +16763,6 @@
         </p:nvSpPr>
         <p:spPr/>
         <p:txBody>
-          <a:bodyPr>
-            <a:normAutofit/>
-          </a:bodyPr>
-          <a:lstStyle/>
-          <a:p>
-            <a:endParaRPr lang="en-US"/>
-          </a:p>
-        </p:txBody>
-      </p:sp>
-      <p:sp>
-        <p:nvSpPr>
-          <p:cNvPr id="4" name="Header Placeholder 3"/>
-          <p:cNvSpPr>
-            <a:spLocks noGrp="1"/>
-          </p:cNvSpPr>
-          <p:nvPr>
-            <p:ph type="hdr" sz="quarter" idx="10"/>
-          </p:nvPr>
-        </p:nvSpPr>
-        <p:spPr/>
-        <p:txBody>
           <a:bodyPr/>
           <a:lstStyle/>
           <a:p>
@@ -10612,12 +16772,12 @@
       </p:sp>
       <p:sp>
         <p:nvSpPr>
-          <p:cNvPr id="5" name="Date Placeholder 4"/>
+          <p:cNvPr id="4" name="Slide Number Placeholder 3"/>
           <p:cNvSpPr>
             <a:spLocks noGrp="1"/>
           </p:cNvSpPr>
           <p:nvPr>
-            <p:ph type="dt" idx="11"/>
+            <p:ph type="sldNum" sz="quarter" idx="10"/>
           </p:nvPr>
         </p:nvSpPr>
         <p:spPr/>
@@ -10625,97 +16785,19 @@
           <a:bodyPr/>
           <a:lstStyle/>
           <a:p>
-            <a:fld id="{81331B57-0BE5-4F82-AA58-76F53EFF3ADA}" type="datetime8">
-              <a:rPr lang="en-US" smtClean="0"/>
-              <a:pPr/>
-              <a:t>12/11/15 1:00 AM</a:t>
-            </a:fld>
-            <a:endParaRPr lang="en-US"/>
-          </a:p>
-        </p:txBody>
-      </p:sp>
-      <p:sp>
-        <p:nvSpPr>
-          <p:cNvPr id="6" name="Footer Placeholder 5"/>
-          <p:cNvSpPr>
-            <a:spLocks noGrp="1"/>
-          </p:cNvSpPr>
-          <p:nvPr>
-            <p:ph type="ftr" sz="quarter" idx="12"/>
-          </p:nvPr>
-        </p:nvSpPr>
-        <p:spPr/>
-        <p:txBody>
-          <a:bodyPr/>
-          <a:lstStyle/>
-          <a:p>
-            <a:r>
-              <a:rPr lang="en-US" smtClean="0">
-                <a:solidFill>
-                  <a:srgbClr val="000000"/>
-                </a:solidFill>
-              </a:rPr>
-              <a:t>© 2007 Microsoft Corporation. All rights reserved. Microsoft, Windows, Windows Vista and other product names are or may be registered trademarks and/or trademarks in the U.S. and/or other countries.</a:t>
-            </a:r>
-          </a:p>
-          <a:p>
-            <a:r>
-              <a:rPr lang="en-US" smtClean="0">
-                <a:solidFill>
-                  <a:srgbClr val="000000"/>
-                </a:solidFill>
-              </a:rPr>
-              <a:t>The information herein is for informational purposes only and represents the current view of Microsoft Corporation as of the date of this presentation.  Because Microsoft must respond to changing market conditions, it should not be interpreted to be a commitment on the part of Microsoft, and Microsoft cannot guarantee the accuracy of any information provided after the date of this presentation.  </a:t>
-            </a:r>
-            <a:br>
-              <a:rPr lang="en-US" smtClean="0">
-                <a:solidFill>
-                  <a:srgbClr val="000000"/>
-                </a:solidFill>
-              </a:rPr>
-            </a:br>
-            <a:r>
-              <a:rPr lang="en-US" smtClean="0">
-                <a:solidFill>
-                  <a:srgbClr val="000000"/>
-                </a:solidFill>
-              </a:rPr>
-              <a:t>MICROSOFT MAKES NO WARRANTIES, EXPRESS, IMPLIED OR STATUTORY, AS TO THE INFORMATION IN THIS PRESENTATION.</a:t>
-            </a:r>
-          </a:p>
-          <a:p>
-            <a:endParaRPr lang="en-US" dirty="0"/>
-          </a:p>
-        </p:txBody>
-      </p:sp>
-      <p:sp>
-        <p:nvSpPr>
-          <p:cNvPr id="7" name="Slide Number Placeholder 6"/>
-          <p:cNvSpPr>
-            <a:spLocks noGrp="1"/>
-          </p:cNvSpPr>
-          <p:nvPr>
-            <p:ph type="sldNum" sz="quarter" idx="13"/>
-          </p:nvPr>
-        </p:nvSpPr>
-        <p:spPr/>
-        <p:txBody>
-          <a:bodyPr/>
-          <a:lstStyle/>
-          <a:p>
-            <a:fld id="{EC87E0CF-87F6-4B58-B8B8-DCAB2DAAF3CA}" type="slidenum">
+            <a:fld id="{033A6C6C-526F-4C16-B273-CA96130954AF}" type="slidenum">
               <a:rPr lang="en-US" smtClean="0"/>
               <a:pPr/>
               <a:t>15</a:t>
             </a:fld>
-            <a:endParaRPr lang="en-US" dirty="0"/>
+            <a:endParaRPr lang="en-US"/>
           </a:p>
         </p:txBody>
       </p:sp>
     </p:spTree>
     <p:extLst>
       <p:ext uri="{BB962C8B-B14F-4D97-AF65-F5344CB8AC3E}">
-        <p14:creationId xmlns:p14="http://schemas.microsoft.com/office/powerpoint/2010/main" val="282733531"/>
+        <p14:creationId xmlns:p14="http://schemas.microsoft.com/office/powerpoint/2010/main" val="1679183966"/>
       </p:ext>
     </p:extLst>
   </p:cSld>
@@ -13954,11 +20036,7 @@
           <a:p>
             <a:r>
               <a:rPr lang="en-US" dirty="0" smtClean="0"/>
-              <a:t>St. Joseph’s </a:t>
-            </a:r>
-            <a:r>
-              <a:rPr lang="en-US" dirty="0" smtClean="0"/>
-              <a:t>College</a:t>
+              <a:t>St. Joseph’s College</a:t>
             </a:r>
           </a:p>
           <a:p>
@@ -14620,7 +20698,7 @@
         <p:spPr>
           <a:xfrm>
             <a:off x="381000" y="1752600"/>
-            <a:ext cx="3657600" cy="4038600"/>
+            <a:ext cx="3657600" cy="3877985"/>
           </a:xfrm>
         </p:spPr>
         <p:txBody>
@@ -14633,7 +20711,7 @@
             </a:r>
             <a:r>
               <a:rPr lang="en-US" dirty="0" smtClean="0"/>
-              <a:t>Whitehead, </a:t>
+              <a:t>A. N. Whitehead, </a:t>
             </a:r>
             <a:r>
               <a:rPr lang="en-US" dirty="0"/>
@@ -14661,11 +20739,7 @@
             </a:r>
             <a:r>
               <a:rPr lang="en-US" dirty="0"/>
-              <a:t>.</a:t>
-            </a:r>
-            <a:r>
-              <a:rPr lang="en-US" dirty="0"/>
-              <a:t> </a:t>
+              <a:t>. </a:t>
             </a:r>
           </a:p>
         </p:txBody>
@@ -14741,6 +20815,706 @@
         <p:spPr>
           <a:xfrm>
             <a:off x="381000" y="230188"/>
+            <a:ext cx="8382000" cy="664797"/>
+          </a:xfrm>
+        </p:spPr>
+        <p:txBody>
+          <a:bodyPr/>
+          <a:lstStyle/>
+          <a:p>
+            <a:r>
+              <a:rPr lang="en-US" dirty="0" err="1" smtClean="0"/>
+              <a:t>Prehending</a:t>
+            </a:r>
+            <a:endParaRPr lang="en-US" dirty="0"/>
+          </a:p>
+        </p:txBody>
+      </p:sp>
+      <p:sp>
+        <p:nvSpPr>
+          <p:cNvPr id="3" name="Content Placeholder 2"/>
+          <p:cNvSpPr>
+            <a:spLocks noGrp="1"/>
+          </p:cNvSpPr>
+          <p:nvPr>
+            <p:ph sz="half" idx="1"/>
+          </p:nvPr>
+        </p:nvSpPr>
+        <p:spPr>
+          <a:xfrm>
+            <a:off x="381000" y="1943100"/>
+            <a:ext cx="3276600" cy="3988784"/>
+          </a:xfrm>
+        </p:spPr>
+        <p:txBody>
+          <a:bodyPr/>
+          <a:lstStyle/>
+          <a:p>
+            <a:pPr marL="339976" lvl="2" indent="-339976">
+              <a:buBlip>
+                <a:blip r:embed="rId2"/>
+              </a:buBlip>
+            </a:pPr>
+            <a:r>
+              <a:rPr lang="en-US" sz="3200" b="1" dirty="0"/>
+              <a:t>The operation </a:t>
+            </a:r>
+            <a:r>
+              <a:rPr lang="en-US" sz="3200" b="1" dirty="0">
+                <a:sym typeface="Symbol" charset="2"/>
+              </a:rPr>
+              <a:t></a:t>
+            </a:r>
+            <a:r>
+              <a:rPr lang="en-US" sz="3200" b="1" dirty="0"/>
+              <a:t>, which we will call “</a:t>
+            </a:r>
+            <a:r>
+              <a:rPr lang="en-US" sz="3200" b="1" dirty="0" err="1"/>
+              <a:t>prehend</a:t>
+            </a:r>
+            <a:r>
+              <a:rPr lang="en-US" sz="3200" b="1" dirty="0"/>
+              <a:t>”, accepts two </a:t>
+            </a:r>
+            <a:r>
+              <a:rPr lang="en-US" sz="3200" b="1" dirty="0" err="1"/>
+              <a:t>prehensions</a:t>
+            </a:r>
+            <a:r>
+              <a:rPr lang="en-US" sz="3200" b="1" dirty="0"/>
+              <a:t> as arguments and produces a third </a:t>
+            </a:r>
+            <a:r>
+              <a:rPr lang="en-US" sz="3200" b="1" dirty="0" err="1" smtClean="0"/>
+              <a:t>prehension</a:t>
+            </a:r>
+            <a:r>
+              <a:rPr lang="en-US" sz="3200" b="1" dirty="0"/>
+              <a:t> </a:t>
+            </a:r>
+            <a:r>
+              <a:rPr lang="en-US" sz="3200" b="1" dirty="0" smtClean="0"/>
+              <a:t>(</a:t>
+            </a:r>
+            <a:r>
+              <a:rPr lang="en-US" sz="3200" b="1" dirty="0" smtClean="0">
+                <a:solidFill>
+                  <a:schemeClr val="accent6"/>
+                </a:solidFill>
+              </a:rPr>
+              <a:t>Closure</a:t>
+            </a:r>
+            <a:r>
+              <a:rPr lang="en-US" sz="3200" b="1" dirty="0" smtClean="0"/>
+              <a:t>).</a:t>
+            </a:r>
+            <a:endParaRPr lang="en-US" sz="3200" b="1" dirty="0"/>
+          </a:p>
+        </p:txBody>
+      </p:sp>
+      <p:graphicFrame>
+        <p:nvGraphicFramePr>
+          <p:cNvPr id="5" name="Content Placeholder 4"/>
+          <p:cNvGraphicFramePr>
+            <a:graphicFrameLocks noGrp="1"/>
+          </p:cNvGraphicFramePr>
+          <p:nvPr>
+            <p:ph sz="half" idx="2"/>
+            <p:extLst>
+              <p:ext uri="{D42A27DB-BD31-4B8C-83A1-F6EECF244321}">
+                <p14:modId xmlns:p14="http://schemas.microsoft.com/office/powerpoint/2010/main" val="1356543855"/>
+              </p:ext>
+            </p:extLst>
+          </p:nvPr>
+        </p:nvGraphicFramePr>
+        <p:xfrm>
+          <a:off x="4419600" y="1676400"/>
+          <a:ext cx="4343400" cy="4419600"/>
+        </p:xfrm>
+        <a:graphic>
+          <a:graphicData uri="http://schemas.openxmlformats.org/drawingml/2006/diagram">
+            <dgm:relIds xmlns:dgm="http://schemas.openxmlformats.org/drawingml/2006/diagram" xmlns:r="http://schemas.openxmlformats.org/officeDocument/2006/relationships" r:dm="rId3" r:lo="rId4" r:qs="rId5" r:cs="rId6"/>
+          </a:graphicData>
+        </a:graphic>
+      </p:graphicFrame>
+    </p:spTree>
+    <p:extLst>
+      <p:ext uri="{BB962C8B-B14F-4D97-AF65-F5344CB8AC3E}">
+        <p14:creationId xmlns:p14="http://schemas.microsoft.com/office/powerpoint/2010/main" val="406889955"/>
+      </p:ext>
+    </p:extLst>
+  </p:cSld>
+  <p:clrMapOvr>
+    <a:masterClrMapping/>
+  </p:clrMapOvr>
+  <p:transition>
+    <p:fade/>
+  </p:transition>
+</p:sld>
+</file>
+
+<file path=ppt/slides/slide15.xml><?xml version="1.0" encoding="utf-8"?>
+<p:sld xmlns:a="http://schemas.openxmlformats.org/drawingml/2006/main" xmlns:r="http://schemas.openxmlformats.org/officeDocument/2006/relationships" xmlns:p="http://schemas.openxmlformats.org/presentationml/2006/main">
+  <p:cSld>
+    <p:spTree>
+      <p:nvGrpSpPr>
+        <p:cNvPr id="1" name=""/>
+        <p:cNvGrpSpPr/>
+        <p:nvPr/>
+      </p:nvGrpSpPr>
+      <p:grpSpPr>
+        <a:xfrm>
+          <a:off x="0" y="0"/>
+          <a:ext cx="0" cy="0"/>
+          <a:chOff x="0" y="0"/>
+          <a:chExt cx="0" cy="0"/>
+        </a:xfrm>
+      </p:grpSpPr>
+      <p:sp>
+        <p:nvSpPr>
+          <p:cNvPr id="2" name="Title 1"/>
+          <p:cNvSpPr>
+            <a:spLocks noGrp="1"/>
+          </p:cNvSpPr>
+          <p:nvPr>
+            <p:ph type="title"/>
+          </p:nvPr>
+        </p:nvSpPr>
+        <p:spPr>
+          <a:xfrm>
+            <a:off x="381000" y="230188"/>
+            <a:ext cx="8382000" cy="664797"/>
+          </a:xfrm>
+        </p:spPr>
+        <p:txBody>
+          <a:bodyPr/>
+          <a:lstStyle/>
+          <a:p>
+            <a:r>
+              <a:rPr lang="en-US" dirty="0" smtClean="0"/>
+              <a:t>Associativity</a:t>
+            </a:r>
+            <a:endParaRPr lang="en-US" dirty="0"/>
+          </a:p>
+        </p:txBody>
+      </p:sp>
+      <p:sp>
+        <p:nvSpPr>
+          <p:cNvPr id="3" name="Content Placeholder 2"/>
+          <p:cNvSpPr>
+            <a:spLocks noGrp="1"/>
+          </p:cNvSpPr>
+          <p:nvPr>
+            <p:ph sz="half" idx="1"/>
+          </p:nvPr>
+        </p:nvSpPr>
+        <p:spPr>
+          <a:xfrm>
+            <a:off x="381000" y="1676400"/>
+            <a:ext cx="4114800" cy="4062651"/>
+          </a:xfrm>
+        </p:spPr>
+        <p:txBody>
+          <a:bodyPr/>
+          <a:lstStyle/>
+          <a:p>
+            <a:r>
+              <a:rPr lang="en-US" sz="2400" dirty="0"/>
+              <a:t>(a </a:t>
+            </a:r>
+            <a:r>
+              <a:rPr lang="en-US" sz="2400" dirty="0">
+                <a:sym typeface="Symbol" charset="2"/>
+              </a:rPr>
+              <a:t></a:t>
+            </a:r>
+            <a:r>
+              <a:rPr lang="en-US" sz="2400" dirty="0"/>
+              <a:t> b) </a:t>
+            </a:r>
+            <a:r>
+              <a:rPr lang="en-US" sz="2400" dirty="0">
+                <a:sym typeface="Symbol" charset="2"/>
+              </a:rPr>
+              <a:t></a:t>
+            </a:r>
+            <a:r>
+              <a:rPr lang="en-US" sz="2400" dirty="0"/>
+              <a:t> c = a </a:t>
+            </a:r>
+            <a:r>
+              <a:rPr lang="en-US" sz="2400" dirty="0">
+                <a:sym typeface="Symbol" charset="2"/>
+              </a:rPr>
+              <a:t></a:t>
+            </a:r>
+            <a:r>
+              <a:rPr lang="en-US" sz="2400" dirty="0"/>
+              <a:t> (b </a:t>
+            </a:r>
+            <a:r>
+              <a:rPr lang="en-US" sz="2400" dirty="0">
+                <a:sym typeface="Symbol" charset="2"/>
+              </a:rPr>
+              <a:t></a:t>
+            </a:r>
+            <a:r>
+              <a:rPr lang="en-US" sz="2400" dirty="0"/>
+              <a:t> c) for all a, b and c. </a:t>
+            </a:r>
+            <a:endParaRPr lang="en-US" sz="2400" dirty="0" smtClean="0"/>
+          </a:p>
+          <a:p>
+            <a:r>
+              <a:rPr lang="en-US" sz="2400" dirty="0" smtClean="0"/>
+              <a:t>We </a:t>
+            </a:r>
+            <a:r>
+              <a:rPr lang="en-US" sz="2400" dirty="0"/>
+              <a:t>must ensure that, say, a neighborhood can interact with a neighborhood (b </a:t>
+            </a:r>
+            <a:r>
+              <a:rPr lang="en-US" sz="2400" dirty="0">
+                <a:solidFill>
+                  <a:srgbClr val="FFFFFF"/>
+                </a:solidFill>
+                <a:sym typeface="Symbol" charset="2"/>
+              </a:rPr>
+              <a:t></a:t>
+            </a:r>
+            <a:r>
+              <a:rPr lang="en-US" sz="2400" dirty="0" smtClean="0"/>
+              <a:t> </a:t>
+            </a:r>
+            <a:r>
+              <a:rPr lang="en-US" sz="2400" dirty="0"/>
+              <a:t>c), and then with an agent (a </a:t>
+            </a:r>
+            <a:r>
+              <a:rPr lang="en-US" sz="2400" dirty="0">
+                <a:sym typeface="Symbol" charset="2"/>
+              </a:rPr>
+              <a:t></a:t>
+            </a:r>
+            <a:r>
+              <a:rPr lang="en-US" sz="2400" dirty="0" smtClean="0"/>
+              <a:t> </a:t>
+            </a:r>
+            <a:r>
+              <a:rPr lang="en-US" sz="2400" dirty="0"/>
+              <a:t>(b </a:t>
+            </a:r>
+            <a:r>
+              <a:rPr lang="en-US" sz="2400" dirty="0">
+                <a:sym typeface="Symbol" charset="2"/>
+              </a:rPr>
+              <a:t></a:t>
+            </a:r>
+            <a:r>
+              <a:rPr lang="en-US" sz="2400" dirty="0" smtClean="0"/>
+              <a:t> </a:t>
+            </a:r>
+            <a:r>
+              <a:rPr lang="en-US" sz="2400" dirty="0"/>
+              <a:t>c)). Furthermore, this must produce an identical </a:t>
+            </a:r>
+            <a:r>
+              <a:rPr lang="en-US" sz="2400" dirty="0" err="1"/>
+              <a:t>prehension</a:t>
+            </a:r>
+            <a:r>
+              <a:rPr lang="en-US" sz="2400" dirty="0"/>
+              <a:t> to that produced by an agent interacting with one neighborhood and then another one ((a </a:t>
+            </a:r>
+            <a:r>
+              <a:rPr lang="en-US" sz="2400" dirty="0">
+                <a:sym typeface="Symbol" charset="2"/>
+              </a:rPr>
+              <a:t></a:t>
+            </a:r>
+            <a:r>
+              <a:rPr lang="en-US" sz="2400" dirty="0" smtClean="0"/>
+              <a:t> </a:t>
+            </a:r>
+            <a:r>
+              <a:rPr lang="en-US" sz="2400" dirty="0"/>
+              <a:t>b</a:t>
+            </a:r>
+            <a:r>
+              <a:rPr lang="en-US" sz="2400"/>
+              <a:t>) </a:t>
+            </a:r>
+            <a:r>
+              <a:rPr lang="en-US" sz="2400">
+                <a:sym typeface="Symbol" charset="2"/>
+              </a:rPr>
+              <a:t></a:t>
+            </a:r>
+            <a:r>
+              <a:rPr lang="en-US" sz="2400" smtClean="0"/>
+              <a:t> </a:t>
+            </a:r>
+            <a:r>
+              <a:rPr lang="en-US" sz="2400" dirty="0"/>
+              <a:t>c).</a:t>
+            </a:r>
+          </a:p>
+        </p:txBody>
+      </p:sp>
+      <p:graphicFrame>
+        <p:nvGraphicFramePr>
+          <p:cNvPr id="5" name="Content Placeholder 4"/>
+          <p:cNvGraphicFramePr>
+            <a:graphicFrameLocks noGrp="1"/>
+          </p:cNvGraphicFramePr>
+          <p:nvPr>
+            <p:ph sz="half" idx="2"/>
+            <p:extLst>
+              <p:ext uri="{D42A27DB-BD31-4B8C-83A1-F6EECF244321}">
+                <p14:modId xmlns:p14="http://schemas.microsoft.com/office/powerpoint/2010/main" val="1524901451"/>
+              </p:ext>
+            </p:extLst>
+          </p:nvPr>
+        </p:nvGraphicFramePr>
+        <p:xfrm>
+          <a:off x="4648200" y="1676400"/>
+          <a:ext cx="4114800" cy="4191000"/>
+        </p:xfrm>
+        <a:graphic>
+          <a:graphicData uri="http://schemas.openxmlformats.org/drawingml/2006/diagram">
+            <dgm:relIds xmlns:dgm="http://schemas.openxmlformats.org/drawingml/2006/diagram" xmlns:r="http://schemas.openxmlformats.org/officeDocument/2006/relationships" r:dm="rId3" r:lo="rId4" r:qs="rId5" r:cs="rId6"/>
+          </a:graphicData>
+        </a:graphic>
+      </p:graphicFrame>
+    </p:spTree>
+    <p:extLst>
+      <p:ext uri="{BB962C8B-B14F-4D97-AF65-F5344CB8AC3E}">
+        <p14:creationId xmlns:p14="http://schemas.microsoft.com/office/powerpoint/2010/main" val="272259747"/>
+      </p:ext>
+    </p:extLst>
+  </p:cSld>
+  <p:clrMapOvr>
+    <a:masterClrMapping/>
+  </p:clrMapOvr>
+  <p:transition>
+    <p:fade/>
+  </p:transition>
+</p:sld>
+</file>
+
+<file path=ppt/slides/slide16.xml><?xml version="1.0" encoding="utf-8"?>
+<p:sld xmlns:a="http://schemas.openxmlformats.org/drawingml/2006/main" xmlns:r="http://schemas.openxmlformats.org/officeDocument/2006/relationships" xmlns:p="http://schemas.openxmlformats.org/presentationml/2006/main">
+  <p:cSld>
+    <p:spTree>
+      <p:nvGrpSpPr>
+        <p:cNvPr id="1" name=""/>
+        <p:cNvGrpSpPr/>
+        <p:nvPr/>
+      </p:nvGrpSpPr>
+      <p:grpSpPr>
+        <a:xfrm>
+          <a:off x="0" y="0"/>
+          <a:ext cx="0" cy="0"/>
+          <a:chOff x="0" y="0"/>
+          <a:chExt cx="0" cy="0"/>
+        </a:xfrm>
+      </p:grpSpPr>
+      <p:sp>
+        <p:nvSpPr>
+          <p:cNvPr id="2" name="Title 1"/>
+          <p:cNvSpPr>
+            <a:spLocks noGrp="1"/>
+          </p:cNvSpPr>
+          <p:nvPr>
+            <p:ph type="title"/>
+          </p:nvPr>
+        </p:nvSpPr>
+        <p:spPr>
+          <a:xfrm>
+            <a:off x="381000" y="230188"/>
+            <a:ext cx="8382000" cy="664797"/>
+          </a:xfrm>
+        </p:spPr>
+        <p:txBody>
+          <a:bodyPr/>
+          <a:lstStyle/>
+          <a:p>
+            <a:r>
+              <a:rPr lang="en-US" dirty="0" smtClean="0"/>
+              <a:t>Identity</a:t>
+            </a:r>
+            <a:endParaRPr lang="en-US" dirty="0"/>
+          </a:p>
+        </p:txBody>
+      </p:sp>
+      <p:sp>
+        <p:nvSpPr>
+          <p:cNvPr id="3" name="Content Placeholder 2"/>
+          <p:cNvSpPr>
+            <a:spLocks noGrp="1"/>
+          </p:cNvSpPr>
+          <p:nvPr>
+            <p:ph sz="half" idx="1"/>
+          </p:nvPr>
+        </p:nvSpPr>
+        <p:spPr>
+          <a:xfrm>
+            <a:off x="381000" y="2743200"/>
+            <a:ext cx="4114800" cy="1551194"/>
+          </a:xfrm>
+        </p:spPr>
+        <p:txBody>
+          <a:bodyPr/>
+          <a:lstStyle/>
+          <a:p>
+            <a:r>
+              <a:rPr lang="en-US" dirty="0" smtClean="0">
+                <a:solidFill>
+                  <a:schemeClr val="accent6"/>
+                </a:solidFill>
+              </a:rPr>
+              <a:t>Identity</a:t>
+            </a:r>
+            <a:r>
+              <a:rPr lang="en-US" dirty="0"/>
+              <a:t>: Any </a:t>
+            </a:r>
+            <a:r>
+              <a:rPr lang="en-US" dirty="0" err="1"/>
+              <a:t>prehension</a:t>
+            </a:r>
+            <a:r>
+              <a:rPr lang="en-US" dirty="0"/>
+              <a:t> </a:t>
+            </a:r>
+            <a:r>
+              <a:rPr lang="en-US" dirty="0" err="1"/>
+              <a:t>prehending</a:t>
+            </a:r>
+            <a:r>
+              <a:rPr lang="en-US" dirty="0"/>
+              <a:t> the null </a:t>
+            </a:r>
+            <a:r>
+              <a:rPr lang="en-US" dirty="0" err="1"/>
+              <a:t>prehension</a:t>
+            </a:r>
+            <a:r>
+              <a:rPr lang="en-US" dirty="0"/>
+              <a:t> remains unchanged.</a:t>
+            </a:r>
+          </a:p>
+        </p:txBody>
+      </p:sp>
+      <p:sp>
+        <p:nvSpPr>
+          <p:cNvPr id="4" name="Content Placeholder 3"/>
+          <p:cNvSpPr>
+            <a:spLocks noGrp="1"/>
+          </p:cNvSpPr>
+          <p:nvPr>
+            <p:ph sz="half" idx="2"/>
+          </p:nvPr>
+        </p:nvSpPr>
+        <p:spPr/>
+        <p:txBody>
+          <a:bodyPr/>
+          <a:lstStyle/>
+          <a:p>
+            <a:endParaRPr lang="en-US"/>
+          </a:p>
+        </p:txBody>
+      </p:sp>
+    </p:spTree>
+    <p:extLst>
+      <p:ext uri="{BB962C8B-B14F-4D97-AF65-F5344CB8AC3E}">
+        <p14:creationId xmlns:p14="http://schemas.microsoft.com/office/powerpoint/2010/main" val="1039198004"/>
+      </p:ext>
+    </p:extLst>
+  </p:cSld>
+  <p:clrMapOvr>
+    <a:masterClrMapping/>
+  </p:clrMapOvr>
+  <p:transition>
+    <p:fade/>
+  </p:transition>
+</p:sld>
+</file>
+
+<file path=ppt/slides/slide17.xml><?xml version="1.0" encoding="utf-8"?>
+<p:sld xmlns:a="http://schemas.openxmlformats.org/drawingml/2006/main" xmlns:r="http://schemas.openxmlformats.org/officeDocument/2006/relationships" xmlns:p="http://schemas.openxmlformats.org/presentationml/2006/main">
+  <p:cSld>
+    <p:spTree>
+      <p:nvGrpSpPr>
+        <p:cNvPr id="1" name=""/>
+        <p:cNvGrpSpPr/>
+        <p:nvPr/>
+      </p:nvGrpSpPr>
+      <p:grpSpPr>
+        <a:xfrm>
+          <a:off x="0" y="0"/>
+          <a:ext cx="0" cy="0"/>
+          <a:chOff x="0" y="0"/>
+          <a:chExt cx="0" cy="0"/>
+        </a:xfrm>
+      </p:grpSpPr>
+      <p:sp>
+        <p:nvSpPr>
+          <p:cNvPr id="2" name="Title 1"/>
+          <p:cNvSpPr>
+            <a:spLocks noGrp="1"/>
+          </p:cNvSpPr>
+          <p:nvPr>
+            <p:ph type="title"/>
+          </p:nvPr>
+        </p:nvSpPr>
+        <p:spPr>
+          <a:xfrm>
+            <a:off x="381000" y="230188"/>
+            <a:ext cx="8382000" cy="664797"/>
+          </a:xfrm>
+        </p:spPr>
+        <p:txBody>
+          <a:bodyPr/>
+          <a:lstStyle/>
+          <a:p>
+            <a:r>
+              <a:rPr lang="en-US" dirty="0" err="1" smtClean="0"/>
+              <a:t>Commutativity</a:t>
+            </a:r>
+            <a:endParaRPr lang="en-US" dirty="0"/>
+          </a:p>
+        </p:txBody>
+      </p:sp>
+      <p:sp>
+        <p:nvSpPr>
+          <p:cNvPr id="3" name="Content Placeholder 2"/>
+          <p:cNvSpPr>
+            <a:spLocks noGrp="1"/>
+          </p:cNvSpPr>
+          <p:nvPr>
+            <p:ph sz="half" idx="1"/>
+          </p:nvPr>
+        </p:nvSpPr>
+        <p:spPr>
+          <a:xfrm>
+            <a:off x="381000" y="1676400"/>
+            <a:ext cx="4114800" cy="775597"/>
+          </a:xfrm>
+        </p:spPr>
+        <p:txBody>
+          <a:bodyPr/>
+          <a:lstStyle/>
+          <a:p>
+            <a:r>
+              <a:rPr lang="en-US" b="1" dirty="0" err="1">
+                <a:solidFill>
+                  <a:schemeClr val="accent6"/>
+                </a:solidFill>
+              </a:rPr>
+              <a:t>Commutativity</a:t>
+            </a:r>
+            <a:r>
+              <a:rPr lang="en-US" b="1" dirty="0"/>
+              <a:t>: :</a:t>
+            </a:r>
+            <a:r>
+              <a:rPr lang="en-US" dirty="0"/>
+              <a:t> (a </a:t>
+            </a:r>
+            <a:r>
+              <a:rPr lang="en-US" dirty="0">
+                <a:sym typeface="Symbol" charset="2"/>
+              </a:rPr>
+              <a:t></a:t>
+            </a:r>
+            <a:r>
+              <a:rPr lang="en-US" dirty="0"/>
+              <a:t> b) =  (b </a:t>
+            </a:r>
+            <a:r>
+              <a:rPr lang="en-US" dirty="0">
+                <a:sym typeface="Symbol" charset="2"/>
+              </a:rPr>
+              <a:t></a:t>
+            </a:r>
+            <a:r>
+              <a:rPr lang="en-US" dirty="0"/>
+              <a:t> a)  for all a and b.</a:t>
+            </a:r>
+            <a:r>
+              <a:rPr lang="en-US" dirty="0"/>
+              <a:t> </a:t>
+            </a:r>
+          </a:p>
+        </p:txBody>
+      </p:sp>
+      <p:sp>
+        <p:nvSpPr>
+          <p:cNvPr id="4" name="Content Placeholder 3"/>
+          <p:cNvSpPr>
+            <a:spLocks noGrp="1"/>
+          </p:cNvSpPr>
+          <p:nvPr>
+            <p:ph sz="half" idx="2"/>
+          </p:nvPr>
+        </p:nvSpPr>
+        <p:spPr/>
+        <p:txBody>
+          <a:bodyPr/>
+          <a:lstStyle/>
+          <a:p>
+            <a:endParaRPr lang="en-US"/>
+          </a:p>
+        </p:txBody>
+      </p:sp>
+    </p:spTree>
+    <p:extLst>
+      <p:ext uri="{BB962C8B-B14F-4D97-AF65-F5344CB8AC3E}">
+        <p14:creationId xmlns:p14="http://schemas.microsoft.com/office/powerpoint/2010/main" val="654603717"/>
+      </p:ext>
+    </p:extLst>
+  </p:cSld>
+  <p:clrMapOvr>
+    <a:masterClrMapping/>
+  </p:clrMapOvr>
+  <p:transition>
+    <p:fade/>
+  </p:transition>
+</p:sld>
+</file>
+
+<file path=ppt/slides/slide18.xml><?xml version="1.0" encoding="utf-8"?>
+<p:sld xmlns:a="http://schemas.openxmlformats.org/drawingml/2006/main" xmlns:r="http://schemas.openxmlformats.org/officeDocument/2006/relationships" xmlns:p="http://schemas.openxmlformats.org/presentationml/2006/main">
+  <p:cSld>
+    <p:spTree>
+      <p:nvGrpSpPr>
+        <p:cNvPr id="1" name=""/>
+        <p:cNvGrpSpPr/>
+        <p:nvPr/>
+      </p:nvGrpSpPr>
+      <p:grpSpPr>
+        <a:xfrm>
+          <a:off x="0" y="0"/>
+          <a:ext cx="0" cy="0"/>
+          <a:chOff x="0" y="0"/>
+          <a:chExt cx="0" cy="0"/>
+        </a:xfrm>
+      </p:grpSpPr>
+      <p:sp>
+        <p:nvSpPr>
+          <p:cNvPr id="2" name="Title 1"/>
+          <p:cNvSpPr>
+            <a:spLocks noGrp="1"/>
+          </p:cNvSpPr>
+          <p:nvPr>
+            <p:ph type="title"/>
+          </p:nvPr>
+        </p:nvSpPr>
+        <p:spPr>
+          <a:xfrm>
+            <a:off x="381000" y="230188"/>
             <a:ext cx="8153400" cy="677108"/>
           </a:xfrm>
         </p:spPr>
@@ -14835,7 +21609,7 @@
 </p:sld>
 </file>
 
-<file path=ppt/slides/slide15.xml><?xml version="1.0" encoding="utf-8"?>
+<file path=ppt/slides/slide19.xml><?xml version="1.0" encoding="utf-8"?>
 <p:sld xmlns:a="http://schemas.openxmlformats.org/drawingml/2006/main" xmlns:r="http://schemas.openxmlformats.org/officeDocument/2006/relationships" xmlns:p="http://schemas.openxmlformats.org/presentationml/2006/main">
   <p:cSld>
     <p:spTree>

--- a/docs/ABMsAsAlgebraic.pptx
+++ b/docs/ABMsAsAlgebraic.pptx
@@ -6,7 +6,7 @@
     <p:sldMasterId id="2147483674" r:id="rId5"/>
   </p:sldMasterIdLst>
   <p:notesMasterIdLst>
-    <p:notesMasterId r:id="rId25"/>
+    <p:notesMasterId r:id="rId26"/>
   </p:notesMasterIdLst>
   <p:sldIdLst>
     <p:sldId id="257" r:id="rId6"/>
@@ -26,8 +26,9 @@
     <p:sldId id="294" r:id="rId20"/>
     <p:sldId id="295" r:id="rId21"/>
     <p:sldId id="296" r:id="rId22"/>
-    <p:sldId id="290" r:id="rId23"/>
-    <p:sldId id="268" r:id="rId24"/>
+    <p:sldId id="297" r:id="rId23"/>
+    <p:sldId id="290" r:id="rId24"/>
+    <p:sldId id="268" r:id="rId25"/>
   </p:sldIdLst>
   <p:sldSz cx="9144000" cy="6858000" type="screen4x3"/>
   <p:notesSz cx="6858000" cy="9144000"/>
@@ -15415,7 +15416,7 @@
             <a:fld id="{EC87E0CF-87F6-4B58-B8B8-DCAB2DAAF3CA}" type="slidenum">
               <a:rPr lang="en-US" smtClean="0"/>
               <a:pPr/>
-              <a:t>19</a:t>
+              <a:t>20</a:t>
             </a:fld>
             <a:endParaRPr lang="en-US" dirty="0"/>
           </a:p>
@@ -21515,7 +21516,7 @@
         <p:spPr>
           <a:xfrm>
             <a:off x="381000" y="230188"/>
-            <a:ext cx="8153400" cy="677108"/>
+            <a:ext cx="8382000" cy="664797"/>
           </a:xfrm>
         </p:spPr>
         <p:txBody>
@@ -21523,8 +21524,8 @@
           <a:lstStyle/>
           <a:p>
             <a:r>
-              <a:rPr lang="en-US" dirty="0" smtClean="0"/>
-              <a:t>Final note</a:t>
+              <a:rPr lang="en-US" dirty="0" err="1" smtClean="0"/>
+              <a:t>Invertability</a:t>
             </a:r>
             <a:endParaRPr lang="en-US" dirty="0"/>
           </a:p>
@@ -21532,64 +21533,90 @@
       </p:sp>
       <p:sp>
         <p:nvSpPr>
-          <p:cNvPr id="3" name="Text Placeholder 2"/>
+          <p:cNvPr id="3" name="Content Placeholder 2"/>
           <p:cNvSpPr>
             <a:spLocks noGrp="1"/>
           </p:cNvSpPr>
           <p:nvPr>
-            <p:ph type="body" sz="quarter" idx="10"/>
+            <p:ph sz="half" idx="1"/>
           </p:nvPr>
         </p:nvSpPr>
         <p:spPr>
           <a:xfrm>
-            <a:off x="381000" y="1371600"/>
-            <a:ext cx="8382000" cy="886397"/>
+            <a:off x="381000" y="1905000"/>
+            <a:ext cx="4114800" cy="3133165"/>
           </a:xfrm>
         </p:spPr>
         <p:txBody>
           <a:bodyPr/>
           <a:lstStyle/>
           <a:p>
-            <a:r>
-              <a:rPr lang="en-US" dirty="0" smtClean="0"/>
-              <a:t>Contributors welcome! The project is on </a:t>
-            </a:r>
-            <a:r>
-              <a:rPr lang="en-US" dirty="0" err="1" smtClean="0"/>
-              <a:t>GitHub</a:t>
-            </a:r>
-            <a:r>
-              <a:rPr lang="en-US" dirty="0"/>
-              <a:t>: https://</a:t>
-            </a:r>
-            <a:r>
-              <a:rPr lang="en-US" dirty="0" err="1"/>
-              <a:t>github.com</a:t>
-            </a:r>
-            <a:r>
-              <a:rPr lang="en-US" dirty="0"/>
-              <a:t>/</a:t>
-            </a:r>
-            <a:r>
-              <a:rPr lang="en-US" dirty="0" err="1"/>
-              <a:t>gcallah</a:t>
-            </a:r>
-            <a:r>
-              <a:rPr lang="en-US" dirty="0"/>
-              <a:t>/</a:t>
-            </a:r>
-            <a:r>
-              <a:rPr lang="en-US" dirty="0" err="1"/>
-              <a:t>Indra</a:t>
-            </a:r>
-            <a:endParaRPr lang="en-US" dirty="0" smtClean="0"/>
+            <a:pPr marL="339976" lvl="4" indent="-339976">
+              <a:buBlip>
+                <a:blip r:embed="rId2"/>
+              </a:buBlip>
+            </a:pPr>
+            <a:r>
+              <a:rPr lang="en-US" sz="3200" dirty="0" smtClean="0"/>
+              <a:t>For </a:t>
+            </a:r>
+            <a:r>
+              <a:rPr lang="en-US" sz="3200" dirty="0"/>
+              <a:t>any </a:t>
+            </a:r>
+            <a:r>
+              <a:rPr lang="en-US" sz="3200" dirty="0" err="1"/>
+              <a:t>prehension</a:t>
+            </a:r>
+            <a:r>
+              <a:rPr lang="en-US" sz="3200" dirty="0"/>
+              <a:t>, there is another </a:t>
+            </a:r>
+            <a:r>
+              <a:rPr lang="en-US" sz="3200" dirty="0" err="1"/>
+              <a:t>prehension</a:t>
+            </a:r>
+            <a:r>
+              <a:rPr lang="en-US" sz="3200" dirty="0"/>
+              <a:t> that combines with it to produce the null </a:t>
+            </a:r>
+            <a:r>
+              <a:rPr lang="en-US" sz="3200" dirty="0" err="1"/>
+              <a:t>prehension</a:t>
+            </a:r>
+            <a:r>
+              <a:rPr lang="en-US" sz="3200" dirty="0"/>
+              <a:t>.</a:t>
+            </a:r>
+          </a:p>
+          <a:p>
+            <a:endParaRPr lang="en-US" dirty="0"/>
+          </a:p>
+        </p:txBody>
+      </p:sp>
+      <p:sp>
+        <p:nvSpPr>
+          <p:cNvPr id="4" name="Content Placeholder 3"/>
+          <p:cNvSpPr>
+            <a:spLocks noGrp="1"/>
+          </p:cNvSpPr>
+          <p:nvPr>
+            <p:ph sz="half" idx="2"/>
+          </p:nvPr>
+        </p:nvSpPr>
+        <p:spPr/>
+        <p:txBody>
+          <a:bodyPr/>
+          <a:lstStyle/>
+          <a:p>
+            <a:endParaRPr lang="en-US"/>
           </a:p>
         </p:txBody>
       </p:sp>
     </p:spTree>
     <p:extLst>
       <p:ext uri="{BB962C8B-B14F-4D97-AF65-F5344CB8AC3E}">
-        <p14:creationId xmlns:p14="http://schemas.microsoft.com/office/powerpoint/2010/main" val="3965056846"/>
+        <p14:creationId xmlns:p14="http://schemas.microsoft.com/office/powerpoint/2010/main" val="1029124452"/>
       </p:ext>
     </p:extLst>
   </p:cSld>
@@ -21599,13 +21626,6 @@
   <p:transition>
     <p:fade/>
   </p:transition>
-  <p:timing>
-    <p:tnLst>
-      <p:par>
-        <p:cTn id="1" dur="indefinite" restart="never" nodeType="tmRoot"/>
-      </p:par>
-    </p:tnLst>
-  </p:timing>
 </p:sld>
 </file>
 
@@ -21638,28 +21658,19 @@
         </p:nvSpPr>
         <p:spPr>
           <a:xfrm>
-            <a:off x="381000" y="230189"/>
-            <a:ext cx="8382000" cy="836612"/>
+            <a:off x="381000" y="230188"/>
+            <a:ext cx="8153400" cy="677108"/>
           </a:xfrm>
         </p:spPr>
         <p:txBody>
-          <a:bodyPr>
-            <a:normAutofit fontScale="90000"/>
-          </a:bodyPr>
+          <a:bodyPr/>
           <a:lstStyle/>
           <a:p>
             <a:r>
               <a:rPr lang="en-US" dirty="0" smtClean="0"/>
-              <a:t>Credits</a:t>
-            </a:r>
-            <a:br>
-              <a:rPr lang="en-US" dirty="0" smtClean="0"/>
-            </a:br>
-            <a:endParaRPr lang="en-US" dirty="0">
-              <a:solidFill>
-                <a:schemeClr val="tx2"/>
-              </a:solidFill>
-            </a:endParaRPr>
+              <a:t>Final note</a:t>
+            </a:r>
+            <a:endParaRPr lang="en-US" dirty="0"/>
           </a:p>
         </p:txBody>
       </p:sp>
@@ -21675,91 +21686,46 @@
         </p:nvSpPr>
         <p:spPr>
           <a:xfrm>
-            <a:off x="381000" y="838200"/>
-            <a:ext cx="8382000" cy="5486400"/>
+            <a:off x="381000" y="1371600"/>
+            <a:ext cx="8382000" cy="886397"/>
           </a:xfrm>
         </p:spPr>
         <p:txBody>
-          <a:bodyPr>
-            <a:normAutofit fontScale="92500" lnSpcReduction="20000"/>
-          </a:bodyPr>
+          <a:bodyPr/>
           <a:lstStyle/>
           <a:p>
-            <a:endParaRPr lang="en-US" dirty="0" smtClean="0"/>
-          </a:p>
-          <a:p>
+            <a:r>
+              <a:rPr lang="en-US" dirty="0" smtClean="0"/>
+              <a:t>Contributors welcome! The project is on </a:t>
+            </a:r>
+            <a:r>
+              <a:rPr lang="en-US" dirty="0" err="1" smtClean="0"/>
+              <a:t>GitHub</a:t>
+            </a:r>
             <a:r>
               <a:rPr lang="en-US" dirty="0"/>
-              <a:t>"Knot with </a:t>
+              <a:t>: https://</a:t>
             </a:r>
             <a:r>
               <a:rPr lang="en-US" dirty="0" err="1"/>
-              <a:t>borromean</a:t>
+              <a:t>github.com</a:t>
             </a:r>
             <a:r>
               <a:rPr lang="en-US" dirty="0"/>
-              <a:t> rings in </a:t>
+              <a:t>/</a:t>
             </a:r>
             <a:r>
               <a:rPr lang="en-US" dirty="0" err="1"/>
-              <a:t>jsj</a:t>
+              <a:t>gcallah</a:t>
             </a:r>
             <a:r>
               <a:rPr lang="en-US" dirty="0"/>
-              <a:t> </a:t>
+              <a:t>/</a:t>
             </a:r>
             <a:r>
               <a:rPr lang="en-US" dirty="0" err="1"/>
-              <a:t>decomp</a:t>
-            </a:r>
-            <a:r>
-              <a:rPr lang="en-US" dirty="0"/>
-              <a:t> small". Licensed under CC BY-SA 3.0 via Wikipedia - </a:t>
-            </a:r>
-            <a:r>
-              <a:rPr lang="en-US" dirty="0">
-                <a:hlinkClick r:id="rId3"/>
-              </a:rPr>
-              <a:t>https://en.wikipedia.org/wiki/File:Knot_with_borromean_rings_in_jsj_decomp_small.png#/media/</a:t>
-            </a:r>
-            <a:r>
-              <a:rPr lang="en-US" dirty="0" smtClean="0">
-                <a:hlinkClick r:id="rId3"/>
-              </a:rPr>
-              <a:t>File:Knot_with_borromean_rings_in_jsj_decomp_small.png</a:t>
-            </a:r>
-            <a:endParaRPr lang="en-US" dirty="0" smtClean="0"/>
-          </a:p>
-          <a:p>
-            <a:r>
-              <a:rPr lang="en-US" dirty="0"/>
-              <a:t>"Stonehenge on 27.01.08" by </a:t>
-            </a:r>
-            <a:r>
-              <a:rPr lang="en-US" dirty="0" err="1"/>
-              <a:t>Mavratti</a:t>
-            </a:r>
-            <a:r>
-              <a:rPr lang="en-US" dirty="0"/>
-              <a:t> - Own work. Licensed under Public Domain via Wikimedia Commons - https://</a:t>
-            </a:r>
-            <a:r>
-              <a:rPr lang="en-US" dirty="0" err="1"/>
-              <a:t>commons.wikimedia.org</a:t>
-            </a:r>
-            <a:r>
-              <a:rPr lang="en-US" dirty="0"/>
-              <a:t>/wiki/File:Stonehenge_on_27.01.08.jpg#/media/File:Stonehenge_on_27.01.08.jpg</a:t>
-            </a:r>
-            <a:endParaRPr lang="en-US" dirty="0" smtClean="0"/>
-          </a:p>
-          <a:p>
-            <a:r>
-              <a:rPr lang="en-US" dirty="0" smtClean="0"/>
-              <a:t>The Mesa team at George Mason has contributed code to this project.</a:t>
-            </a:r>
-          </a:p>
-          <a:p>
+              <a:t>Indra</a:t>
+            </a:r>
             <a:endParaRPr lang="en-US" dirty="0" smtClean="0"/>
           </a:p>
         </p:txBody>
@@ -21767,7 +21733,7 @@
     </p:spTree>
     <p:extLst>
       <p:ext uri="{BB962C8B-B14F-4D97-AF65-F5344CB8AC3E}">
-        <p14:creationId xmlns:p14="http://schemas.microsoft.com/office/powerpoint/2010/main" val="3776600832"/>
+        <p14:creationId xmlns:p14="http://schemas.microsoft.com/office/powerpoint/2010/main" val="3965056846"/>
       </p:ext>
     </p:extLst>
   </p:cSld>
@@ -21880,6 +21846,184 @@
         </p:spPr>
       </p:pic>
     </p:spTree>
+  </p:cSld>
+  <p:clrMapOvr>
+    <a:masterClrMapping/>
+  </p:clrMapOvr>
+  <p:transition>
+    <p:fade/>
+  </p:transition>
+  <p:timing>
+    <p:tnLst>
+      <p:par>
+        <p:cTn id="1" dur="indefinite" restart="never" nodeType="tmRoot"/>
+      </p:par>
+    </p:tnLst>
+  </p:timing>
+</p:sld>
+</file>
+
+<file path=ppt/slides/slide20.xml><?xml version="1.0" encoding="utf-8"?>
+<p:sld xmlns:a="http://schemas.openxmlformats.org/drawingml/2006/main" xmlns:r="http://schemas.openxmlformats.org/officeDocument/2006/relationships" xmlns:p="http://schemas.openxmlformats.org/presentationml/2006/main">
+  <p:cSld>
+    <p:spTree>
+      <p:nvGrpSpPr>
+        <p:cNvPr id="1" name=""/>
+        <p:cNvGrpSpPr/>
+        <p:nvPr/>
+      </p:nvGrpSpPr>
+      <p:grpSpPr>
+        <a:xfrm>
+          <a:off x="0" y="0"/>
+          <a:ext cx="0" cy="0"/>
+          <a:chOff x="0" y="0"/>
+          <a:chExt cx="0" cy="0"/>
+        </a:xfrm>
+      </p:grpSpPr>
+      <p:sp>
+        <p:nvSpPr>
+          <p:cNvPr id="2" name="Title 1"/>
+          <p:cNvSpPr>
+            <a:spLocks noGrp="1"/>
+          </p:cNvSpPr>
+          <p:nvPr>
+            <p:ph type="title"/>
+          </p:nvPr>
+        </p:nvSpPr>
+        <p:spPr>
+          <a:xfrm>
+            <a:off x="381000" y="230189"/>
+            <a:ext cx="8382000" cy="836612"/>
+          </a:xfrm>
+        </p:spPr>
+        <p:txBody>
+          <a:bodyPr>
+            <a:normAutofit fontScale="90000"/>
+          </a:bodyPr>
+          <a:lstStyle/>
+          <a:p>
+            <a:r>
+              <a:rPr lang="en-US" dirty="0" smtClean="0"/>
+              <a:t>Credits</a:t>
+            </a:r>
+            <a:br>
+              <a:rPr lang="en-US" dirty="0" smtClean="0"/>
+            </a:br>
+            <a:endParaRPr lang="en-US" dirty="0">
+              <a:solidFill>
+                <a:schemeClr val="tx2"/>
+              </a:solidFill>
+            </a:endParaRPr>
+          </a:p>
+        </p:txBody>
+      </p:sp>
+      <p:sp>
+        <p:nvSpPr>
+          <p:cNvPr id="3" name="Text Placeholder 2"/>
+          <p:cNvSpPr>
+            <a:spLocks noGrp="1"/>
+          </p:cNvSpPr>
+          <p:nvPr>
+            <p:ph type="body" sz="quarter" idx="10"/>
+          </p:nvPr>
+        </p:nvSpPr>
+        <p:spPr>
+          <a:xfrm>
+            <a:off x="381000" y="838200"/>
+            <a:ext cx="8382000" cy="5486400"/>
+          </a:xfrm>
+        </p:spPr>
+        <p:txBody>
+          <a:bodyPr>
+            <a:normAutofit fontScale="92500" lnSpcReduction="20000"/>
+          </a:bodyPr>
+          <a:lstStyle/>
+          <a:p>
+            <a:endParaRPr lang="en-US" dirty="0" smtClean="0"/>
+          </a:p>
+          <a:p>
+            <a:r>
+              <a:rPr lang="en-US" dirty="0"/>
+              <a:t>"Knot with </a:t>
+            </a:r>
+            <a:r>
+              <a:rPr lang="en-US" dirty="0" err="1"/>
+              <a:t>borromean</a:t>
+            </a:r>
+            <a:r>
+              <a:rPr lang="en-US" dirty="0"/>
+              <a:t> rings in </a:t>
+            </a:r>
+            <a:r>
+              <a:rPr lang="en-US" dirty="0" err="1"/>
+              <a:t>jsj</a:t>
+            </a:r>
+            <a:r>
+              <a:rPr lang="en-US" dirty="0"/>
+              <a:t> </a:t>
+            </a:r>
+            <a:r>
+              <a:rPr lang="en-US" dirty="0" err="1"/>
+              <a:t>decomp</a:t>
+            </a:r>
+            <a:r>
+              <a:rPr lang="en-US" dirty="0"/>
+              <a:t> small". Licensed under CC BY-SA 3.0 via Wikipedia - </a:t>
+            </a:r>
+            <a:r>
+              <a:rPr lang="en-US" dirty="0">
+                <a:hlinkClick r:id="rId3"/>
+              </a:rPr>
+              <a:t>https://en.wikipedia.org/wiki/File:Knot_with_borromean_rings_in_jsj_decomp_small.png#/media/</a:t>
+            </a:r>
+            <a:r>
+              <a:rPr lang="en-US" dirty="0" smtClean="0">
+                <a:hlinkClick r:id="rId3"/>
+              </a:rPr>
+              <a:t>File:Knot_with_borromean_rings_in_jsj_decomp_small.png</a:t>
+            </a:r>
+            <a:endParaRPr lang="en-US" dirty="0" smtClean="0"/>
+          </a:p>
+          <a:p>
+            <a:r>
+              <a:rPr lang="en-US" dirty="0"/>
+              <a:t>"Stonehenge on 27.01.08" by </a:t>
+            </a:r>
+            <a:r>
+              <a:rPr lang="en-US" dirty="0" err="1"/>
+              <a:t>Mavratti</a:t>
+            </a:r>
+            <a:r>
+              <a:rPr lang="en-US" dirty="0"/>
+              <a:t> - Own work. Licensed under Public Domain via Wikimedia Commons - https://</a:t>
+            </a:r>
+            <a:r>
+              <a:rPr lang="en-US" dirty="0" err="1"/>
+              <a:t>commons.wikimedia.org</a:t>
+            </a:r>
+            <a:r>
+              <a:rPr lang="en-US" dirty="0"/>
+              <a:t>/wiki/File:Stonehenge_on_27.01.08.jpg#/media/File:Stonehenge_on_27.01.08.jpg</a:t>
+            </a:r>
+            <a:endParaRPr lang="en-US" dirty="0" smtClean="0"/>
+          </a:p>
+          <a:p>
+            <a:r>
+              <a:rPr lang="en-US" dirty="0" smtClean="0"/>
+              <a:t>The Mesa team at George Mason has contributed code to this project.</a:t>
+            </a:r>
+          </a:p>
+          <a:p>
+            <a:endParaRPr lang="en-US" dirty="0" smtClean="0"/>
+          </a:p>
+        </p:txBody>
+      </p:sp>
+    </p:spTree>
+    <p:extLst>
+      <p:ext uri="{BB962C8B-B14F-4D97-AF65-F5344CB8AC3E}">
+        <p14:creationId xmlns:p14="http://schemas.microsoft.com/office/powerpoint/2010/main" val="3776600832"/>
+      </p:ext>
+    </p:extLst>
   </p:cSld>
   <p:clrMapOvr>
     <a:masterClrMapping/>

--- a/docs/ABMsAsAlgebraic.pptx
+++ b/docs/ABMsAsAlgebraic.pptx
@@ -3848,6 +3848,788 @@
     <dgm:fillClrLst meth="repeat">
       <a:schemeClr val="accent1">
         <a:tint val="60000"/>
+      </a:schemeClr>
+    </dgm:fillClrLst>
+    <dgm:linClrLst meth="repeat">
+      <a:schemeClr val="lt1"/>
+    </dgm:linClrLst>
+    <dgm:effectClrLst/>
+    <dgm:txLinClrLst/>
+    <dgm:txFillClrLst meth="repeat">
+      <a:schemeClr val="dk1"/>
+    </dgm:txFillClrLst>
+    <dgm:txEffectClrLst/>
+  </dgm:styleLbl>
+  <dgm:styleLbl name="revTx">
+    <dgm:fillClrLst meth="repeat">
+      <a:schemeClr val="lt1">
+        <a:alpha val="0"/>
+      </a:schemeClr>
+    </dgm:fillClrLst>
+    <dgm:linClrLst meth="repeat">
+      <a:schemeClr val="dk1">
+        <a:alpha val="0"/>
+      </a:schemeClr>
+    </dgm:linClrLst>
+    <dgm:effectClrLst/>
+    <dgm:txLinClrLst/>
+    <dgm:txFillClrLst meth="repeat">
+      <a:schemeClr val="tx1"/>
+    </dgm:txFillClrLst>
+    <dgm:txEffectClrLst/>
+  </dgm:styleLbl>
+</dgm:colorsDef>
+</file>
+
+<file path=ppt/diagrams/colors6.xml><?xml version="1.0" encoding="utf-8"?>
+<dgm:colorsDef xmlns:dgm="http://schemas.openxmlformats.org/drawingml/2006/diagram" xmlns:a="http://schemas.openxmlformats.org/drawingml/2006/main" uniqueId="urn:microsoft.com/office/officeart/2005/8/colors/colorful5">
+  <dgm:title val=""/>
+  <dgm:desc val=""/>
+  <dgm:catLst>
+    <dgm:cat type="colorful" pri="10500"/>
+  </dgm:catLst>
+  <dgm:styleLbl name="node0">
+    <dgm:fillClrLst meth="repeat">
+      <a:schemeClr val="accent4"/>
+    </dgm:fillClrLst>
+    <dgm:linClrLst meth="repeat">
+      <a:schemeClr val="lt1"/>
+    </dgm:linClrLst>
+    <dgm:effectClrLst/>
+    <dgm:txLinClrLst/>
+    <dgm:txFillClrLst/>
+    <dgm:txEffectClrLst/>
+  </dgm:styleLbl>
+  <dgm:styleLbl name="node1">
+    <dgm:fillClrLst>
+      <a:schemeClr val="accent5"/>
+      <a:schemeClr val="accent6"/>
+    </dgm:fillClrLst>
+    <dgm:linClrLst meth="repeat">
+      <a:schemeClr val="lt1"/>
+    </dgm:linClrLst>
+    <dgm:effectClrLst/>
+    <dgm:txLinClrLst/>
+    <dgm:txFillClrLst/>
+    <dgm:txEffectClrLst/>
+  </dgm:styleLbl>
+  <dgm:styleLbl name="alignNode1">
+    <dgm:fillClrLst>
+      <a:schemeClr val="accent5"/>
+      <a:schemeClr val="accent6"/>
+    </dgm:fillClrLst>
+    <dgm:linClrLst>
+      <a:schemeClr val="accent5"/>
+      <a:schemeClr val="accent6"/>
+    </dgm:linClrLst>
+    <dgm:effectClrLst/>
+    <dgm:txLinClrLst/>
+    <dgm:txFillClrLst/>
+    <dgm:txEffectClrLst/>
+  </dgm:styleLbl>
+  <dgm:styleLbl name="lnNode1">
+    <dgm:fillClrLst>
+      <a:schemeClr val="accent5"/>
+      <a:schemeClr val="accent6"/>
+    </dgm:fillClrLst>
+    <dgm:linClrLst meth="repeat">
+      <a:schemeClr val="lt1"/>
+    </dgm:linClrLst>
+    <dgm:effectClrLst/>
+    <dgm:txLinClrLst/>
+    <dgm:txFillClrLst/>
+    <dgm:txEffectClrLst/>
+  </dgm:styleLbl>
+  <dgm:styleLbl name="vennNode1">
+    <dgm:fillClrLst>
+      <a:schemeClr val="accent5">
+        <a:alpha val="50000"/>
+      </a:schemeClr>
+      <a:schemeClr val="accent6">
+        <a:alpha val="50000"/>
+      </a:schemeClr>
+    </dgm:fillClrLst>
+    <dgm:linClrLst meth="repeat">
+      <a:schemeClr val="lt1"/>
+    </dgm:linClrLst>
+    <dgm:effectClrLst/>
+    <dgm:txLinClrLst/>
+    <dgm:txFillClrLst/>
+    <dgm:txEffectClrLst/>
+  </dgm:styleLbl>
+  <dgm:styleLbl name="node2">
+    <dgm:fillClrLst>
+      <a:schemeClr val="accent6"/>
+    </dgm:fillClrLst>
+    <dgm:linClrLst meth="repeat">
+      <a:schemeClr val="lt1"/>
+    </dgm:linClrLst>
+    <dgm:effectClrLst/>
+    <dgm:txLinClrLst/>
+    <dgm:txFillClrLst/>
+    <dgm:txEffectClrLst/>
+  </dgm:styleLbl>
+  <dgm:styleLbl name="node3">
+    <dgm:fillClrLst>
+      <a:schemeClr val="accent1"/>
+    </dgm:fillClrLst>
+    <dgm:linClrLst meth="repeat">
+      <a:schemeClr val="lt1"/>
+    </dgm:linClrLst>
+    <dgm:effectClrLst/>
+    <dgm:txLinClrLst/>
+    <dgm:txFillClrLst/>
+    <dgm:txEffectClrLst/>
+  </dgm:styleLbl>
+  <dgm:styleLbl name="node4">
+    <dgm:fillClrLst>
+      <a:schemeClr val="accent2"/>
+    </dgm:fillClrLst>
+    <dgm:linClrLst meth="repeat">
+      <a:schemeClr val="lt1"/>
+    </dgm:linClrLst>
+    <dgm:effectClrLst/>
+    <dgm:txLinClrLst/>
+    <dgm:txFillClrLst/>
+    <dgm:txEffectClrLst/>
+  </dgm:styleLbl>
+  <dgm:styleLbl name="fgImgPlace1">
+    <dgm:fillClrLst>
+      <a:schemeClr val="accent5">
+        <a:tint val="50000"/>
+      </a:schemeClr>
+      <a:schemeClr val="accent6">
+        <a:tint val="50000"/>
+      </a:schemeClr>
+    </dgm:fillClrLst>
+    <dgm:linClrLst meth="repeat">
+      <a:schemeClr val="lt1"/>
+    </dgm:linClrLst>
+    <dgm:effectClrLst/>
+    <dgm:txLinClrLst/>
+    <dgm:txFillClrLst meth="repeat">
+      <a:schemeClr val="lt1"/>
+    </dgm:txFillClrLst>
+    <dgm:txEffectClrLst/>
+  </dgm:styleLbl>
+  <dgm:styleLbl name="alignImgPlace1">
+    <dgm:fillClrLst>
+      <a:schemeClr val="accent5">
+        <a:tint val="50000"/>
+      </a:schemeClr>
+      <a:schemeClr val="accent6">
+        <a:tint val="20000"/>
+      </a:schemeClr>
+    </dgm:fillClrLst>
+    <dgm:linClrLst meth="repeat">
+      <a:schemeClr val="lt1"/>
+    </dgm:linClrLst>
+    <dgm:effectClrLst/>
+    <dgm:txLinClrLst/>
+    <dgm:txFillClrLst meth="repeat">
+      <a:schemeClr val="lt1"/>
+    </dgm:txFillClrLst>
+    <dgm:txEffectClrLst/>
+  </dgm:styleLbl>
+  <dgm:styleLbl name="bgImgPlace1">
+    <dgm:fillClrLst>
+      <a:schemeClr val="accent5">
+        <a:tint val="50000"/>
+      </a:schemeClr>
+      <a:schemeClr val="accent6">
+        <a:tint val="20000"/>
+      </a:schemeClr>
+    </dgm:fillClrLst>
+    <dgm:linClrLst meth="repeat">
+      <a:schemeClr val="lt1"/>
+    </dgm:linClrLst>
+    <dgm:effectClrLst/>
+    <dgm:txLinClrLst/>
+    <dgm:txFillClrLst meth="repeat">
+      <a:schemeClr val="lt1"/>
+    </dgm:txFillClrLst>
+    <dgm:txEffectClrLst/>
+  </dgm:styleLbl>
+  <dgm:styleLbl name="sibTrans2D1">
+    <dgm:fillClrLst>
+      <a:schemeClr val="accent5"/>
+      <a:schemeClr val="accent6"/>
+    </dgm:fillClrLst>
+    <dgm:linClrLst meth="repeat">
+      <a:schemeClr val="lt1"/>
+    </dgm:linClrLst>
+    <dgm:effectClrLst/>
+    <dgm:txLinClrLst/>
+    <dgm:txFillClrLst/>
+    <dgm:txEffectClrLst/>
+  </dgm:styleLbl>
+  <dgm:styleLbl name="fgSibTrans2D1">
+    <dgm:fillClrLst>
+      <a:schemeClr val="accent5"/>
+      <a:schemeClr val="accent6"/>
+    </dgm:fillClrLst>
+    <dgm:linClrLst meth="repeat">
+      <a:schemeClr val="lt1"/>
+    </dgm:linClrLst>
+    <dgm:effectClrLst/>
+    <dgm:txLinClrLst/>
+    <dgm:txFillClrLst meth="repeat">
+      <a:schemeClr val="lt1"/>
+    </dgm:txFillClrLst>
+    <dgm:txEffectClrLst/>
+  </dgm:styleLbl>
+  <dgm:styleLbl name="bgSibTrans2D1">
+    <dgm:fillClrLst>
+      <a:schemeClr val="accent5"/>
+      <a:schemeClr val="accent6"/>
+    </dgm:fillClrLst>
+    <dgm:linClrLst meth="repeat">
+      <a:schemeClr val="lt1"/>
+    </dgm:linClrLst>
+    <dgm:effectClrLst/>
+    <dgm:txLinClrLst/>
+    <dgm:txFillClrLst meth="repeat">
+      <a:schemeClr val="lt1"/>
+    </dgm:txFillClrLst>
+    <dgm:txEffectClrLst/>
+  </dgm:styleLbl>
+  <dgm:styleLbl name="sibTrans1D1">
+    <dgm:fillClrLst/>
+    <dgm:linClrLst>
+      <a:schemeClr val="accent5"/>
+      <a:schemeClr val="accent6"/>
+    </dgm:linClrLst>
+    <dgm:effectClrLst/>
+    <dgm:txLinClrLst/>
+    <dgm:txFillClrLst meth="repeat">
+      <a:schemeClr val="tx1"/>
+    </dgm:txFillClrLst>
+    <dgm:txEffectClrLst/>
+  </dgm:styleLbl>
+  <dgm:styleLbl name="callout">
+    <dgm:fillClrLst meth="repeat">
+      <a:schemeClr val="accent5"/>
+    </dgm:fillClrLst>
+    <dgm:linClrLst meth="repeat">
+      <a:schemeClr val="accent5">
+        <a:tint val="50000"/>
+      </a:schemeClr>
+    </dgm:linClrLst>
+    <dgm:effectClrLst/>
+    <dgm:txLinClrLst/>
+    <dgm:txFillClrLst meth="repeat">
+      <a:schemeClr val="tx1"/>
+    </dgm:txFillClrLst>
+    <dgm:txEffectClrLst/>
+  </dgm:styleLbl>
+  <dgm:styleLbl name="asst0">
+    <dgm:fillClrLst meth="repeat">
+      <a:schemeClr val="accent5"/>
+    </dgm:fillClrLst>
+    <dgm:linClrLst meth="repeat">
+      <a:schemeClr val="lt1">
+        <a:shade val="80000"/>
+      </a:schemeClr>
+    </dgm:linClrLst>
+    <dgm:effectClrLst/>
+    <dgm:txLinClrLst/>
+    <dgm:txFillClrLst/>
+    <dgm:txEffectClrLst/>
+  </dgm:styleLbl>
+  <dgm:styleLbl name="asst1">
+    <dgm:fillClrLst meth="repeat">
+      <a:schemeClr val="accent6"/>
+    </dgm:fillClrLst>
+    <dgm:linClrLst meth="repeat">
+      <a:schemeClr val="lt1">
+        <a:shade val="80000"/>
+      </a:schemeClr>
+    </dgm:linClrLst>
+    <dgm:effectClrLst/>
+    <dgm:txLinClrLst/>
+    <dgm:txFillClrLst/>
+    <dgm:txEffectClrLst/>
+  </dgm:styleLbl>
+  <dgm:styleLbl name="asst2">
+    <dgm:fillClrLst>
+      <a:schemeClr val="accent1"/>
+    </dgm:fillClrLst>
+    <dgm:linClrLst meth="repeat">
+      <a:schemeClr val="lt1"/>
+    </dgm:linClrLst>
+    <dgm:effectClrLst/>
+    <dgm:txLinClrLst/>
+    <dgm:txFillClrLst/>
+    <dgm:txEffectClrLst/>
+  </dgm:styleLbl>
+  <dgm:styleLbl name="asst3">
+    <dgm:fillClrLst>
+      <a:schemeClr val="accent2"/>
+    </dgm:fillClrLst>
+    <dgm:linClrLst meth="repeat">
+      <a:schemeClr val="lt1"/>
+    </dgm:linClrLst>
+    <dgm:effectClrLst/>
+    <dgm:txLinClrLst/>
+    <dgm:txFillClrLst/>
+    <dgm:txEffectClrLst/>
+  </dgm:styleLbl>
+  <dgm:styleLbl name="asst4">
+    <dgm:fillClrLst>
+      <a:schemeClr val="accent3"/>
+    </dgm:fillClrLst>
+    <dgm:linClrLst meth="repeat">
+      <a:schemeClr val="lt1"/>
+    </dgm:linClrLst>
+    <dgm:effectClrLst/>
+    <dgm:txLinClrLst/>
+    <dgm:txFillClrLst/>
+    <dgm:txEffectClrLst/>
+  </dgm:styleLbl>
+  <dgm:styleLbl name="parChTrans2D1">
+    <dgm:fillClrLst meth="repeat">
+      <a:schemeClr val="accent5"/>
+    </dgm:fillClrLst>
+    <dgm:linClrLst meth="repeat">
+      <a:schemeClr val="lt1"/>
+    </dgm:linClrLst>
+    <dgm:effectClrLst/>
+    <dgm:txLinClrLst/>
+    <dgm:txFillClrLst meth="repeat">
+      <a:schemeClr val="lt1"/>
+    </dgm:txFillClrLst>
+    <dgm:txEffectClrLst/>
+  </dgm:styleLbl>
+  <dgm:styleLbl name="parChTrans2D2">
+    <dgm:fillClrLst meth="repeat">
+      <a:schemeClr val="accent6"/>
+    </dgm:fillClrLst>
+    <dgm:linClrLst meth="repeat">
+      <a:schemeClr val="lt1"/>
+    </dgm:linClrLst>
+    <dgm:effectClrLst/>
+    <dgm:txLinClrLst/>
+    <dgm:txFillClrLst/>
+    <dgm:txEffectClrLst/>
+  </dgm:styleLbl>
+  <dgm:styleLbl name="parChTrans2D3">
+    <dgm:fillClrLst meth="repeat">
+      <a:schemeClr val="accent6"/>
+    </dgm:fillClrLst>
+    <dgm:linClrLst meth="repeat">
+      <a:schemeClr val="lt1"/>
+    </dgm:linClrLst>
+    <dgm:effectClrLst/>
+    <dgm:txLinClrLst/>
+    <dgm:txFillClrLst/>
+    <dgm:txEffectClrLst/>
+  </dgm:styleLbl>
+  <dgm:styleLbl name="parChTrans2D4">
+    <dgm:fillClrLst meth="repeat">
+      <a:schemeClr val="accent1"/>
+    </dgm:fillClrLst>
+    <dgm:linClrLst meth="repeat">
+      <a:schemeClr val="lt1"/>
+    </dgm:linClrLst>
+    <dgm:effectClrLst/>
+    <dgm:txLinClrLst/>
+    <dgm:txFillClrLst meth="repeat">
+      <a:schemeClr val="lt1"/>
+    </dgm:txFillClrLst>
+    <dgm:txEffectClrLst/>
+  </dgm:styleLbl>
+  <dgm:styleLbl name="parChTrans1D1">
+    <dgm:fillClrLst meth="repeat">
+      <a:schemeClr val="accent5"/>
+    </dgm:fillClrLst>
+    <dgm:linClrLst meth="repeat">
+      <a:schemeClr val="accent5"/>
+    </dgm:linClrLst>
+    <dgm:effectClrLst/>
+    <dgm:txLinClrLst/>
+    <dgm:txFillClrLst meth="repeat">
+      <a:schemeClr val="tx1"/>
+    </dgm:txFillClrLst>
+    <dgm:txEffectClrLst/>
+  </dgm:styleLbl>
+  <dgm:styleLbl name="parChTrans1D2">
+    <dgm:fillClrLst meth="repeat">
+      <a:schemeClr val="accent6">
+        <a:tint val="90000"/>
+      </a:schemeClr>
+    </dgm:fillClrLst>
+    <dgm:linClrLst meth="repeat">
+      <a:schemeClr val="accent6"/>
+    </dgm:linClrLst>
+    <dgm:effectClrLst/>
+    <dgm:txLinClrLst/>
+    <dgm:txFillClrLst meth="repeat">
+      <a:schemeClr val="tx1"/>
+    </dgm:txFillClrLst>
+    <dgm:txEffectClrLst/>
+  </dgm:styleLbl>
+  <dgm:styleLbl name="parChTrans1D3">
+    <dgm:fillClrLst meth="repeat">
+      <a:schemeClr val="accent6">
+        <a:tint val="70000"/>
+      </a:schemeClr>
+    </dgm:fillClrLst>
+    <dgm:linClrLst meth="repeat">
+      <a:schemeClr val="accent1"/>
+    </dgm:linClrLst>
+    <dgm:effectClrLst/>
+    <dgm:txLinClrLst/>
+    <dgm:txFillClrLst meth="repeat">
+      <a:schemeClr val="tx1"/>
+    </dgm:txFillClrLst>
+    <dgm:txEffectClrLst/>
+  </dgm:styleLbl>
+  <dgm:styleLbl name="parChTrans1D4">
+    <dgm:fillClrLst meth="repeat">
+      <a:schemeClr val="accent6">
+        <a:tint val="50000"/>
+      </a:schemeClr>
+    </dgm:fillClrLst>
+    <dgm:linClrLst meth="repeat">
+      <a:schemeClr val="accent2"/>
+    </dgm:linClrLst>
+    <dgm:effectClrLst/>
+    <dgm:txLinClrLst/>
+    <dgm:txFillClrLst meth="repeat">
+      <a:schemeClr val="tx1"/>
+    </dgm:txFillClrLst>
+    <dgm:txEffectClrLst/>
+  </dgm:styleLbl>
+  <dgm:styleLbl name="fgAcc1">
+    <dgm:fillClrLst meth="repeat">
+      <a:schemeClr val="lt1">
+        <a:alpha val="90000"/>
+      </a:schemeClr>
+    </dgm:fillClrLst>
+    <dgm:linClrLst>
+      <a:schemeClr val="accent5"/>
+      <a:schemeClr val="accent6"/>
+    </dgm:linClrLst>
+    <dgm:effectClrLst/>
+    <dgm:txLinClrLst/>
+    <dgm:txFillClrLst meth="repeat">
+      <a:schemeClr val="dk1"/>
+    </dgm:txFillClrLst>
+    <dgm:txEffectClrLst/>
+  </dgm:styleLbl>
+  <dgm:styleLbl name="conFgAcc1">
+    <dgm:fillClrLst meth="repeat">
+      <a:schemeClr val="lt1">
+        <a:alpha val="90000"/>
+      </a:schemeClr>
+    </dgm:fillClrLst>
+    <dgm:linClrLst>
+      <a:schemeClr val="accent5"/>
+      <a:schemeClr val="accent6"/>
+    </dgm:linClrLst>
+    <dgm:effectClrLst/>
+    <dgm:txLinClrLst/>
+    <dgm:txFillClrLst meth="repeat">
+      <a:schemeClr val="dk1"/>
+    </dgm:txFillClrLst>
+    <dgm:txEffectClrLst/>
+  </dgm:styleLbl>
+  <dgm:styleLbl name="alignAcc1">
+    <dgm:fillClrLst meth="repeat">
+      <a:schemeClr val="lt1">
+        <a:alpha val="90000"/>
+      </a:schemeClr>
+    </dgm:fillClrLst>
+    <dgm:linClrLst>
+      <a:schemeClr val="accent5"/>
+      <a:schemeClr val="accent6"/>
+    </dgm:linClrLst>
+    <dgm:effectClrLst/>
+    <dgm:txLinClrLst/>
+    <dgm:txFillClrLst meth="repeat">
+      <a:schemeClr val="dk1"/>
+    </dgm:txFillClrLst>
+    <dgm:txEffectClrLst/>
+  </dgm:styleLbl>
+  <dgm:styleLbl name="trAlignAcc1">
+    <dgm:fillClrLst meth="repeat">
+      <a:schemeClr val="lt1">
+        <a:alpha val="40000"/>
+      </a:schemeClr>
+    </dgm:fillClrLst>
+    <dgm:linClrLst meth="repeat">
+      <a:schemeClr val="accent5"/>
+    </dgm:linClrLst>
+    <dgm:effectClrLst/>
+    <dgm:txLinClrLst/>
+    <dgm:txFillClrLst meth="repeat">
+      <a:schemeClr val="dk1"/>
+    </dgm:txFillClrLst>
+    <dgm:txEffectClrLst/>
+  </dgm:styleLbl>
+  <dgm:styleLbl name="bgAcc1">
+    <dgm:fillClrLst meth="repeat">
+      <a:schemeClr val="lt1">
+        <a:alpha val="90000"/>
+      </a:schemeClr>
+    </dgm:fillClrLst>
+    <dgm:linClrLst>
+      <a:schemeClr val="accent5"/>
+      <a:schemeClr val="accent6"/>
+    </dgm:linClrLst>
+    <dgm:effectClrLst/>
+    <dgm:txLinClrLst/>
+    <dgm:txFillClrLst meth="repeat">
+      <a:schemeClr val="dk1"/>
+    </dgm:txFillClrLst>
+    <dgm:txEffectClrLst/>
+  </dgm:styleLbl>
+  <dgm:styleLbl name="solidFgAcc1">
+    <dgm:fillClrLst meth="repeat">
+      <a:schemeClr val="lt1"/>
+    </dgm:fillClrLst>
+    <dgm:linClrLst>
+      <a:schemeClr val="accent5"/>
+      <a:schemeClr val="accent6"/>
+    </dgm:linClrLst>
+    <dgm:effectClrLst/>
+    <dgm:txLinClrLst/>
+    <dgm:txFillClrLst meth="repeat">
+      <a:schemeClr val="dk1"/>
+    </dgm:txFillClrLst>
+    <dgm:txEffectClrLst/>
+  </dgm:styleLbl>
+  <dgm:styleLbl name="solidAlignAcc1">
+    <dgm:fillClrLst meth="repeat">
+      <a:schemeClr val="lt1"/>
+    </dgm:fillClrLst>
+    <dgm:linClrLst>
+      <a:schemeClr val="accent5"/>
+      <a:schemeClr val="accent6"/>
+    </dgm:linClrLst>
+    <dgm:effectClrLst/>
+    <dgm:txLinClrLst/>
+    <dgm:txFillClrLst meth="repeat">
+      <a:schemeClr val="dk1"/>
+    </dgm:txFillClrLst>
+    <dgm:txEffectClrLst/>
+  </dgm:styleLbl>
+  <dgm:styleLbl name="solidBgAcc1">
+    <dgm:fillClrLst meth="repeat">
+      <a:schemeClr val="lt1"/>
+    </dgm:fillClrLst>
+    <dgm:linClrLst>
+      <a:schemeClr val="accent5"/>
+      <a:schemeClr val="accent6"/>
+    </dgm:linClrLst>
+    <dgm:effectClrLst/>
+    <dgm:txLinClrLst/>
+    <dgm:txFillClrLst meth="repeat">
+      <a:schemeClr val="dk1"/>
+    </dgm:txFillClrLst>
+    <dgm:txEffectClrLst/>
+  </dgm:styleLbl>
+  <dgm:styleLbl name="fgAccFollowNode1">
+    <dgm:fillClrLst>
+      <a:schemeClr val="accent5">
+        <a:tint val="40000"/>
+        <a:alpha val="90000"/>
+      </a:schemeClr>
+      <a:schemeClr val="accent6">
+        <a:tint val="40000"/>
+        <a:alpha val="90000"/>
+      </a:schemeClr>
+    </dgm:fillClrLst>
+    <dgm:linClrLst>
+      <a:schemeClr val="accent5">
+        <a:tint val="40000"/>
+        <a:alpha val="90000"/>
+      </a:schemeClr>
+      <a:schemeClr val="accent5">
+        <a:tint val="40000"/>
+        <a:alpha val="90000"/>
+      </a:schemeClr>
+    </dgm:linClrLst>
+    <dgm:effectClrLst/>
+    <dgm:txLinClrLst/>
+    <dgm:txFillClrLst meth="repeat">
+      <a:schemeClr val="dk1"/>
+    </dgm:txFillClrLst>
+    <dgm:txEffectClrLst/>
+  </dgm:styleLbl>
+  <dgm:styleLbl name="alignAccFollowNode1">
+    <dgm:fillClrLst>
+      <a:schemeClr val="accent5">
+        <a:tint val="40000"/>
+        <a:alpha val="90000"/>
+      </a:schemeClr>
+      <a:schemeClr val="accent6">
+        <a:tint val="40000"/>
+        <a:alpha val="90000"/>
+      </a:schemeClr>
+    </dgm:fillClrLst>
+    <dgm:linClrLst>
+      <a:schemeClr val="accent5">
+        <a:tint val="40000"/>
+        <a:alpha val="90000"/>
+      </a:schemeClr>
+      <a:schemeClr val="accent6">
+        <a:tint val="40000"/>
+        <a:alpha val="90000"/>
+      </a:schemeClr>
+    </dgm:linClrLst>
+    <dgm:effectClrLst/>
+    <dgm:txLinClrLst/>
+    <dgm:txFillClrLst meth="repeat">
+      <a:schemeClr val="dk1"/>
+    </dgm:txFillClrLst>
+    <dgm:txEffectClrLst/>
+  </dgm:styleLbl>
+  <dgm:styleLbl name="bgAccFollowNode1">
+    <dgm:fillClrLst>
+      <a:schemeClr val="accent5">
+        <a:tint val="40000"/>
+        <a:alpha val="90000"/>
+      </a:schemeClr>
+      <a:schemeClr val="accent6">
+        <a:tint val="40000"/>
+        <a:alpha val="90000"/>
+      </a:schemeClr>
+    </dgm:fillClrLst>
+    <dgm:linClrLst>
+      <a:schemeClr val="accent5">
+        <a:tint val="40000"/>
+        <a:alpha val="90000"/>
+      </a:schemeClr>
+      <a:schemeClr val="accent6">
+        <a:tint val="40000"/>
+        <a:alpha val="90000"/>
+      </a:schemeClr>
+    </dgm:linClrLst>
+    <dgm:effectClrLst/>
+    <dgm:txLinClrLst/>
+    <dgm:txFillClrLst meth="repeat">
+      <a:schemeClr val="dk1"/>
+    </dgm:txFillClrLst>
+    <dgm:txEffectClrLst/>
+  </dgm:styleLbl>
+  <dgm:styleLbl name="fgAcc0">
+    <dgm:fillClrLst meth="repeat">
+      <a:schemeClr val="lt1">
+        <a:alpha val="90000"/>
+      </a:schemeClr>
+    </dgm:fillClrLst>
+    <dgm:linClrLst>
+      <a:schemeClr val="accent4"/>
+    </dgm:linClrLst>
+    <dgm:effectClrLst/>
+    <dgm:txLinClrLst/>
+    <dgm:txFillClrLst meth="repeat">
+      <a:schemeClr val="dk1"/>
+    </dgm:txFillClrLst>
+    <dgm:txEffectClrLst/>
+  </dgm:styleLbl>
+  <dgm:styleLbl name="fgAcc2">
+    <dgm:fillClrLst meth="repeat">
+      <a:schemeClr val="lt1">
+        <a:alpha val="90000"/>
+      </a:schemeClr>
+    </dgm:fillClrLst>
+    <dgm:linClrLst>
+      <a:schemeClr val="accent6"/>
+    </dgm:linClrLst>
+    <dgm:effectClrLst/>
+    <dgm:txLinClrLst/>
+    <dgm:txFillClrLst meth="repeat">
+      <a:schemeClr val="dk1"/>
+    </dgm:txFillClrLst>
+    <dgm:txEffectClrLst/>
+  </dgm:styleLbl>
+  <dgm:styleLbl name="fgAcc3">
+    <dgm:fillClrLst meth="repeat">
+      <a:schemeClr val="lt1">
+        <a:alpha val="90000"/>
+      </a:schemeClr>
+    </dgm:fillClrLst>
+    <dgm:linClrLst>
+      <a:schemeClr val="accent1"/>
+    </dgm:linClrLst>
+    <dgm:effectClrLst/>
+    <dgm:txLinClrLst/>
+    <dgm:txFillClrLst meth="repeat">
+      <a:schemeClr val="dk1"/>
+    </dgm:txFillClrLst>
+    <dgm:txEffectClrLst/>
+  </dgm:styleLbl>
+  <dgm:styleLbl name="fgAcc4">
+    <dgm:fillClrLst meth="repeat">
+      <a:schemeClr val="lt1">
+        <a:alpha val="90000"/>
+      </a:schemeClr>
+    </dgm:fillClrLst>
+    <dgm:linClrLst>
+      <a:schemeClr val="accent2"/>
+    </dgm:linClrLst>
+    <dgm:effectClrLst/>
+    <dgm:txLinClrLst/>
+    <dgm:txFillClrLst meth="repeat">
+      <a:schemeClr val="dk1"/>
+    </dgm:txFillClrLst>
+    <dgm:txEffectClrLst/>
+  </dgm:styleLbl>
+  <dgm:styleLbl name="bgShp">
+    <dgm:fillClrLst meth="repeat">
+      <a:schemeClr val="accent5">
+        <a:tint val="40000"/>
+      </a:schemeClr>
+    </dgm:fillClrLst>
+    <dgm:linClrLst meth="repeat">
+      <a:schemeClr val="dk1"/>
+    </dgm:linClrLst>
+    <dgm:effectClrLst/>
+    <dgm:txLinClrLst/>
+    <dgm:txFillClrLst meth="repeat">
+      <a:schemeClr val="dk1"/>
+    </dgm:txFillClrLst>
+    <dgm:txEffectClrLst/>
+  </dgm:styleLbl>
+  <dgm:styleLbl name="dkBgShp">
+    <dgm:fillClrLst meth="repeat">
+      <a:schemeClr val="accent5">
+        <a:shade val="90000"/>
+      </a:schemeClr>
+    </dgm:fillClrLst>
+    <dgm:linClrLst meth="repeat">
+      <a:schemeClr val="dk1"/>
+    </dgm:linClrLst>
+    <dgm:effectClrLst/>
+    <dgm:txLinClrLst/>
+    <dgm:txFillClrLst meth="repeat">
+      <a:schemeClr val="lt1"/>
+    </dgm:txFillClrLst>
+    <dgm:txEffectClrLst/>
+  </dgm:styleLbl>
+  <dgm:styleLbl name="trBgShp">
+    <dgm:fillClrLst meth="repeat">
+      <a:schemeClr val="accent5">
+        <a:tint val="50000"/>
+        <a:alpha val="40000"/>
+      </a:schemeClr>
+    </dgm:fillClrLst>
+    <dgm:linClrLst meth="repeat">
+      <a:schemeClr val="accent5"/>
+    </dgm:linClrLst>
+    <dgm:effectClrLst/>
+    <dgm:txLinClrLst/>
+    <dgm:txFillClrLst meth="repeat">
+      <a:schemeClr val="lt1"/>
+    </dgm:txFillClrLst>
+    <dgm:txEffectClrLst/>
+  </dgm:styleLbl>
+  <dgm:styleLbl name="fgShp">
+    <dgm:fillClrLst meth="repeat">
+      <a:schemeClr val="accent5">
+        <a:tint val="40000"/>
       </a:schemeClr>
     </dgm:fillClrLst>
     <dgm:linClrLst meth="repeat">
@@ -5153,6 +5935,216 @@
   <dgm:extLst>
     <a:ext uri="http://schemas.microsoft.com/office/drawing/2008/diagram">
       <dsp:dataModelExt xmlns:dsp="http://schemas.microsoft.com/office/drawing/2008/diagram" relId="rId7" minVer="http://schemas.openxmlformats.org/drawingml/2006/diagram"/>
+    </a:ext>
+  </dgm:extLst>
+</dgm:dataModel>
+</file>
+
+<file path=ppt/diagrams/data6.xml><?xml version="1.0" encoding="utf-8"?>
+<dgm:dataModel xmlns:dgm="http://schemas.openxmlformats.org/drawingml/2006/diagram" xmlns:a="http://schemas.openxmlformats.org/drawingml/2006/main">
+  <dgm:ptLst>
+    <dgm:pt modelId="{E80DDE21-4817-EA47-94C2-0A9B57346F30}" type="doc">
+      <dgm:prSet loTypeId="urn:microsoft.com/office/officeart/2005/8/layout/equation2" loCatId="" qsTypeId="urn:microsoft.com/office/officeart/2005/8/quickstyle/simple4" qsCatId="simple" csTypeId="urn:microsoft.com/office/officeart/2005/8/colors/colorful5" csCatId="colorful" phldr="1"/>
+      <dgm:spPr/>
+    </dgm:pt>
+    <dgm:pt modelId="{A86B2FF0-89A1-B64B-9E51-E45D89BD07CB}">
+      <dgm:prSet phldrT="[Text]"/>
+      <dgm:spPr/>
+      <dgm:t>
+        <a:bodyPr/>
+        <a:lstStyle/>
+        <a:p>
+          <a:r>
+            <a:rPr lang="en-US" dirty="0" err="1" smtClean="0"/>
+            <a:t>Prehension</a:t>
+          </a:r>
+          <a:endParaRPr lang="en-US" dirty="0"/>
+        </a:p>
+      </dgm:t>
+    </dgm:pt>
+    <dgm:pt modelId="{9E0B3DAB-12D4-4F49-A6AE-B2191514CE9E}" type="parTrans" cxnId="{D6A737DA-442D-A54C-8325-0EDE91135978}">
+      <dgm:prSet/>
+      <dgm:spPr/>
+      <dgm:t>
+        <a:bodyPr/>
+        <a:lstStyle/>
+        <a:p>
+          <a:endParaRPr lang="en-US"/>
+        </a:p>
+      </dgm:t>
+    </dgm:pt>
+    <dgm:pt modelId="{EF45CCB3-A4CB-CF4D-A791-D7357FED8189}" type="sibTrans" cxnId="{D6A737DA-442D-A54C-8325-0EDE91135978}">
+      <dgm:prSet/>
+      <dgm:spPr/>
+      <dgm:t>
+        <a:bodyPr/>
+        <a:lstStyle/>
+        <a:p>
+          <a:endParaRPr lang="en-US"/>
+        </a:p>
+      </dgm:t>
+    </dgm:pt>
+    <dgm:pt modelId="{5FC0E566-6D6A-2446-B5D8-F8F1946BDDBE}">
+      <dgm:prSet phldrT="[Text]"/>
+      <dgm:spPr/>
+      <dgm:t>
+        <a:bodyPr/>
+        <a:lstStyle/>
+        <a:p>
+          <a:r>
+            <a:rPr lang="en-US" dirty="0" err="1" smtClean="0"/>
+            <a:t>Prehension</a:t>
+          </a:r>
+          <a:endParaRPr lang="en-US" dirty="0"/>
+        </a:p>
+      </dgm:t>
+    </dgm:pt>
+    <dgm:pt modelId="{40C79F14-1B98-7D4C-B823-F3CF367CD975}" type="parTrans" cxnId="{E1FF6403-975F-D040-A2EF-A028A1896FA3}">
+      <dgm:prSet/>
+      <dgm:spPr/>
+      <dgm:t>
+        <a:bodyPr/>
+        <a:lstStyle/>
+        <a:p>
+          <a:endParaRPr lang="en-US"/>
+        </a:p>
+      </dgm:t>
+    </dgm:pt>
+    <dgm:pt modelId="{7F0C2840-251D-154C-B8F1-E44BE008103E}" type="sibTrans" cxnId="{E1FF6403-975F-D040-A2EF-A028A1896FA3}">
+      <dgm:prSet/>
+      <dgm:spPr/>
+      <dgm:t>
+        <a:bodyPr/>
+        <a:lstStyle/>
+        <a:p>
+          <a:endParaRPr lang="en-US"/>
+        </a:p>
+      </dgm:t>
+    </dgm:pt>
+    <dgm:pt modelId="{61B7720B-83B3-FD44-98EC-0F55ED8A78FD}">
+      <dgm:prSet phldrT="[Text]"/>
+      <dgm:spPr/>
+      <dgm:t>
+        <a:bodyPr/>
+        <a:lstStyle/>
+        <a:p>
+          <a:r>
+            <a:rPr lang="en-US" dirty="0" smtClean="0"/>
+            <a:t>Nothing!</a:t>
+          </a:r>
+          <a:endParaRPr lang="en-US" dirty="0"/>
+        </a:p>
+      </dgm:t>
+    </dgm:pt>
+    <dgm:pt modelId="{CA3D2FD7-BB10-B541-B79C-DEB45F90B4C9}" type="parTrans" cxnId="{E5891797-C619-0542-9E79-910BB81C7469}">
+      <dgm:prSet/>
+      <dgm:spPr/>
+      <dgm:t>
+        <a:bodyPr/>
+        <a:lstStyle/>
+        <a:p>
+          <a:endParaRPr lang="en-US"/>
+        </a:p>
+      </dgm:t>
+    </dgm:pt>
+    <dgm:pt modelId="{885A587C-8634-BB41-B279-0436DD076E3C}" type="sibTrans" cxnId="{E5891797-C619-0542-9E79-910BB81C7469}">
+      <dgm:prSet/>
+      <dgm:spPr/>
+      <dgm:t>
+        <a:bodyPr/>
+        <a:lstStyle/>
+        <a:p>
+          <a:endParaRPr lang="en-US"/>
+        </a:p>
+      </dgm:t>
+    </dgm:pt>
+    <dgm:pt modelId="{E661CE2B-5B42-9646-B974-460F0C1E7D4B}" type="pres">
+      <dgm:prSet presAssocID="{E80DDE21-4817-EA47-94C2-0A9B57346F30}" presName="Name0" presStyleCnt="0">
+        <dgm:presLayoutVars>
+          <dgm:dir/>
+          <dgm:resizeHandles val="exact"/>
+        </dgm:presLayoutVars>
+      </dgm:prSet>
+      <dgm:spPr/>
+    </dgm:pt>
+    <dgm:pt modelId="{74887028-FD3C-B946-BD23-600824FC8FE5}" type="pres">
+      <dgm:prSet presAssocID="{E80DDE21-4817-EA47-94C2-0A9B57346F30}" presName="vNodes" presStyleCnt="0"/>
+      <dgm:spPr/>
+    </dgm:pt>
+    <dgm:pt modelId="{09DB74CC-7A8A-6A4D-BE3B-CACA9029F9FC}" type="pres">
+      <dgm:prSet presAssocID="{A86B2FF0-89A1-B64B-9E51-E45D89BD07CB}" presName="node" presStyleLbl="node1" presStyleIdx="0" presStyleCnt="3">
+        <dgm:presLayoutVars>
+          <dgm:bulletEnabled val="1"/>
+        </dgm:presLayoutVars>
+      </dgm:prSet>
+      <dgm:spPr/>
+    </dgm:pt>
+    <dgm:pt modelId="{33179443-2AD2-D343-A33C-9D033A9C51A9}" type="pres">
+      <dgm:prSet presAssocID="{EF45CCB3-A4CB-CF4D-A791-D7357FED8189}" presName="spacerT" presStyleCnt="0"/>
+      <dgm:spPr/>
+    </dgm:pt>
+    <dgm:pt modelId="{F02CB99D-15B1-AD44-9320-8E975381C9D8}" type="pres">
+      <dgm:prSet presAssocID="{EF45CCB3-A4CB-CF4D-A791-D7357FED8189}" presName="sibTrans" presStyleLbl="sibTrans2D1" presStyleIdx="0" presStyleCnt="2"/>
+      <dgm:spPr/>
+    </dgm:pt>
+    <dgm:pt modelId="{85F6367F-898A-9A4C-9D96-785B930E4EAF}" type="pres">
+      <dgm:prSet presAssocID="{EF45CCB3-A4CB-CF4D-A791-D7357FED8189}" presName="spacerB" presStyleCnt="0"/>
+      <dgm:spPr/>
+    </dgm:pt>
+    <dgm:pt modelId="{CCCCA607-E45B-0648-9FB4-84B03C1AEFB9}" type="pres">
+      <dgm:prSet presAssocID="{5FC0E566-6D6A-2446-B5D8-F8F1946BDDBE}" presName="node" presStyleLbl="node1" presStyleIdx="1" presStyleCnt="3">
+        <dgm:presLayoutVars>
+          <dgm:bulletEnabled val="1"/>
+        </dgm:presLayoutVars>
+      </dgm:prSet>
+      <dgm:spPr/>
+    </dgm:pt>
+    <dgm:pt modelId="{BF1CED5C-0D5B-3D4F-815B-A58D41B33ECF}" type="pres">
+      <dgm:prSet presAssocID="{E80DDE21-4817-EA47-94C2-0A9B57346F30}" presName="sibTransLast" presStyleLbl="sibTrans2D1" presStyleIdx="1" presStyleCnt="2"/>
+      <dgm:spPr/>
+    </dgm:pt>
+    <dgm:pt modelId="{5CB1C4A4-FA9F-8740-88EF-0EC14C9FEE88}" type="pres">
+      <dgm:prSet presAssocID="{E80DDE21-4817-EA47-94C2-0A9B57346F30}" presName="connectorText" presStyleLbl="sibTrans2D1" presStyleIdx="1" presStyleCnt="2"/>
+      <dgm:spPr/>
+    </dgm:pt>
+    <dgm:pt modelId="{660C8989-F8D4-4A43-862F-8B032FF92F2B}" type="pres">
+      <dgm:prSet presAssocID="{E80DDE21-4817-EA47-94C2-0A9B57346F30}" presName="lastNode" presStyleLbl="node1" presStyleIdx="2" presStyleCnt="3">
+        <dgm:presLayoutVars>
+          <dgm:bulletEnabled val="1"/>
+        </dgm:presLayoutVars>
+      </dgm:prSet>
+      <dgm:spPr/>
+    </dgm:pt>
+  </dgm:ptLst>
+  <dgm:cxnLst>
+    <dgm:cxn modelId="{1787A796-D322-4742-9A43-0DE9A52C4E33}" type="presOf" srcId="{A86B2FF0-89A1-B64B-9E51-E45D89BD07CB}" destId="{09DB74CC-7A8A-6A4D-BE3B-CACA9029F9FC}" srcOrd="0" destOrd="0" presId="urn:microsoft.com/office/officeart/2005/8/layout/equation2"/>
+    <dgm:cxn modelId="{388C9DFE-5506-2E4C-9AD7-8F0C396621E9}" type="presOf" srcId="{7F0C2840-251D-154C-B8F1-E44BE008103E}" destId="{5CB1C4A4-FA9F-8740-88EF-0EC14C9FEE88}" srcOrd="1" destOrd="0" presId="urn:microsoft.com/office/officeart/2005/8/layout/equation2"/>
+    <dgm:cxn modelId="{D6A737DA-442D-A54C-8325-0EDE91135978}" srcId="{E80DDE21-4817-EA47-94C2-0A9B57346F30}" destId="{A86B2FF0-89A1-B64B-9E51-E45D89BD07CB}" srcOrd="0" destOrd="0" parTransId="{9E0B3DAB-12D4-4F49-A6AE-B2191514CE9E}" sibTransId="{EF45CCB3-A4CB-CF4D-A791-D7357FED8189}"/>
+    <dgm:cxn modelId="{E1FF6403-975F-D040-A2EF-A028A1896FA3}" srcId="{E80DDE21-4817-EA47-94C2-0A9B57346F30}" destId="{5FC0E566-6D6A-2446-B5D8-F8F1946BDDBE}" srcOrd="1" destOrd="0" parTransId="{40C79F14-1B98-7D4C-B823-F3CF367CD975}" sibTransId="{7F0C2840-251D-154C-B8F1-E44BE008103E}"/>
+    <dgm:cxn modelId="{9F29E77F-9398-8F4D-9AE7-9BC36EC22E06}" type="presOf" srcId="{EF45CCB3-A4CB-CF4D-A791-D7357FED8189}" destId="{F02CB99D-15B1-AD44-9320-8E975381C9D8}" srcOrd="0" destOrd="0" presId="urn:microsoft.com/office/officeart/2005/8/layout/equation2"/>
+    <dgm:cxn modelId="{5AA44DF2-3F32-5E4A-AB27-99B690407F49}" type="presOf" srcId="{61B7720B-83B3-FD44-98EC-0F55ED8A78FD}" destId="{660C8989-F8D4-4A43-862F-8B032FF92F2B}" srcOrd="0" destOrd="0" presId="urn:microsoft.com/office/officeart/2005/8/layout/equation2"/>
+    <dgm:cxn modelId="{E5891797-C619-0542-9E79-910BB81C7469}" srcId="{E80DDE21-4817-EA47-94C2-0A9B57346F30}" destId="{61B7720B-83B3-FD44-98EC-0F55ED8A78FD}" srcOrd="2" destOrd="0" parTransId="{CA3D2FD7-BB10-B541-B79C-DEB45F90B4C9}" sibTransId="{885A587C-8634-BB41-B279-0436DD076E3C}"/>
+    <dgm:cxn modelId="{F5174C77-AA38-474C-A520-0642DFF89D02}" type="presOf" srcId="{7F0C2840-251D-154C-B8F1-E44BE008103E}" destId="{BF1CED5C-0D5B-3D4F-815B-A58D41B33ECF}" srcOrd="0" destOrd="0" presId="urn:microsoft.com/office/officeart/2005/8/layout/equation2"/>
+    <dgm:cxn modelId="{4CBC64DD-3F30-7C43-9BB3-368DF09AA9C7}" type="presOf" srcId="{5FC0E566-6D6A-2446-B5D8-F8F1946BDDBE}" destId="{CCCCA607-E45B-0648-9FB4-84B03C1AEFB9}" srcOrd="0" destOrd="0" presId="urn:microsoft.com/office/officeart/2005/8/layout/equation2"/>
+    <dgm:cxn modelId="{C23D9E4A-7534-7042-A4F0-90C4C226C9B3}" type="presOf" srcId="{E80DDE21-4817-EA47-94C2-0A9B57346F30}" destId="{E661CE2B-5B42-9646-B974-460F0C1E7D4B}" srcOrd="0" destOrd="0" presId="urn:microsoft.com/office/officeart/2005/8/layout/equation2"/>
+    <dgm:cxn modelId="{B550B803-9369-384C-9FA8-775626B1C9C9}" type="presParOf" srcId="{E661CE2B-5B42-9646-B974-460F0C1E7D4B}" destId="{74887028-FD3C-B946-BD23-600824FC8FE5}" srcOrd="0" destOrd="0" presId="urn:microsoft.com/office/officeart/2005/8/layout/equation2"/>
+    <dgm:cxn modelId="{AC8C71E0-BAAD-854B-A0F0-1E18C1C4A579}" type="presParOf" srcId="{74887028-FD3C-B946-BD23-600824FC8FE5}" destId="{09DB74CC-7A8A-6A4D-BE3B-CACA9029F9FC}" srcOrd="0" destOrd="0" presId="urn:microsoft.com/office/officeart/2005/8/layout/equation2"/>
+    <dgm:cxn modelId="{C9692AFF-A8D9-DE47-996E-F08D7D3D4781}" type="presParOf" srcId="{74887028-FD3C-B946-BD23-600824FC8FE5}" destId="{33179443-2AD2-D343-A33C-9D033A9C51A9}" srcOrd="1" destOrd="0" presId="urn:microsoft.com/office/officeart/2005/8/layout/equation2"/>
+    <dgm:cxn modelId="{40C8141B-3747-7943-8FB0-AAB8A9BBCC1D}" type="presParOf" srcId="{74887028-FD3C-B946-BD23-600824FC8FE5}" destId="{F02CB99D-15B1-AD44-9320-8E975381C9D8}" srcOrd="2" destOrd="0" presId="urn:microsoft.com/office/officeart/2005/8/layout/equation2"/>
+    <dgm:cxn modelId="{87B5F188-7EAA-8E47-99BE-2670AAFF5BAC}" type="presParOf" srcId="{74887028-FD3C-B946-BD23-600824FC8FE5}" destId="{85F6367F-898A-9A4C-9D96-785B930E4EAF}" srcOrd="3" destOrd="0" presId="urn:microsoft.com/office/officeart/2005/8/layout/equation2"/>
+    <dgm:cxn modelId="{159D8964-073D-FF4F-B8D2-EAE9E81F84C6}" type="presParOf" srcId="{74887028-FD3C-B946-BD23-600824FC8FE5}" destId="{CCCCA607-E45B-0648-9FB4-84B03C1AEFB9}" srcOrd="4" destOrd="0" presId="urn:microsoft.com/office/officeart/2005/8/layout/equation2"/>
+    <dgm:cxn modelId="{BF3D289D-D0DC-3E4F-BE78-FEDF5245ACBA}" type="presParOf" srcId="{E661CE2B-5B42-9646-B974-460F0C1E7D4B}" destId="{BF1CED5C-0D5B-3D4F-815B-A58D41B33ECF}" srcOrd="1" destOrd="0" presId="urn:microsoft.com/office/officeart/2005/8/layout/equation2"/>
+    <dgm:cxn modelId="{0C905A2E-02A0-4447-A4AD-DDA0714557A1}" type="presParOf" srcId="{BF1CED5C-0D5B-3D4F-815B-A58D41B33ECF}" destId="{5CB1C4A4-FA9F-8740-88EF-0EC14C9FEE88}" srcOrd="0" destOrd="0" presId="urn:microsoft.com/office/officeart/2005/8/layout/equation2"/>
+    <dgm:cxn modelId="{6B8F5CF6-E5F5-9246-854B-F3D27F70ADDE}" type="presParOf" srcId="{E661CE2B-5B42-9646-B974-460F0C1E7D4B}" destId="{660C8989-F8D4-4A43-862F-8B032FF92F2B}" srcOrd="2" destOrd="0" presId="urn:microsoft.com/office/officeart/2005/8/layout/equation2"/>
+  </dgm:cxnLst>
+  <dgm:bg/>
+  <dgm:whole/>
+  <dgm:extLst>
+    <a:ext uri="http://schemas.microsoft.com/office/drawing/2008/diagram">
+      <dsp:dataModelExt xmlns:dsp="http://schemas.microsoft.com/office/drawing/2008/diagram" relId="rId7" minVer="http://schemas.openxmlformats.org/drawingml/2006/diagram"/>
+    </a:ext>
+    <a:ext uri="{C62137D5-CB1D-491B-B009-E17868A290BF}">
+      <dgm14:recolorImg xmlns:dgm14="http://schemas.microsoft.com/office/drawing/2010/diagram" val="1"/>
     </a:ext>
   </dgm:extLst>
 </dgm:dataModel>
@@ -8597,6 +9589,583 @@
 </dsp:drawing>
 </file>
 
+<file path=ppt/diagrams/drawing6.xml><?xml version="1.0" encoding="utf-8"?>
+<dsp:drawing xmlns:dgm="http://schemas.openxmlformats.org/drawingml/2006/diagram" xmlns:dsp="http://schemas.microsoft.com/office/drawing/2008/diagram" xmlns:a="http://schemas.openxmlformats.org/drawingml/2006/main">
+  <dsp:spTree>
+    <dsp:nvGrpSpPr>
+      <dsp:cNvPr id="0" name=""/>
+      <dsp:cNvGrpSpPr/>
+    </dsp:nvGrpSpPr>
+    <dsp:grpSpPr/>
+    <dsp:sp modelId="{09DB74CC-7A8A-6A4D-BE3B-CACA9029F9FC}">
+      <dsp:nvSpPr>
+        <dsp:cNvPr id="0" name=""/>
+        <dsp:cNvSpPr/>
+      </dsp:nvSpPr>
+      <dsp:spPr>
+        <a:xfrm>
+          <a:off x="3214" y="530667"/>
+          <a:ext cx="1141214" cy="1141214"/>
+        </a:xfrm>
+        <a:prstGeom prst="ellipse">
+          <a:avLst/>
+        </a:prstGeom>
+        <a:gradFill rotWithShape="0">
+          <a:gsLst>
+            <a:gs pos="0">
+              <a:schemeClr val="accent5">
+                <a:hueOff val="0"/>
+                <a:satOff val="0"/>
+                <a:lumOff val="0"/>
+                <a:alphaOff val="0"/>
+                <a:shade val="15000"/>
+                <a:satMod val="180000"/>
+              </a:schemeClr>
+            </a:gs>
+            <a:gs pos="50000">
+              <a:schemeClr val="accent5">
+                <a:hueOff val="0"/>
+                <a:satOff val="0"/>
+                <a:lumOff val="0"/>
+                <a:alphaOff val="0"/>
+                <a:shade val="45000"/>
+                <a:satMod val="170000"/>
+              </a:schemeClr>
+            </a:gs>
+            <a:gs pos="70000">
+              <a:schemeClr val="accent5">
+                <a:hueOff val="0"/>
+                <a:satOff val="0"/>
+                <a:lumOff val="0"/>
+                <a:alphaOff val="0"/>
+                <a:tint val="99000"/>
+                <a:shade val="65000"/>
+                <a:satMod val="155000"/>
+              </a:schemeClr>
+            </a:gs>
+            <a:gs pos="100000">
+              <a:schemeClr val="accent5">
+                <a:hueOff val="0"/>
+                <a:satOff val="0"/>
+                <a:lumOff val="0"/>
+                <a:alphaOff val="0"/>
+                <a:tint val="95500"/>
+                <a:shade val="100000"/>
+                <a:satMod val="155000"/>
+              </a:schemeClr>
+            </a:gs>
+          </a:gsLst>
+          <a:lin ang="16200000" scaled="0"/>
+        </a:gradFill>
+        <a:ln>
+          <a:noFill/>
+        </a:ln>
+        <a:effectLst>
+          <a:outerShdw blurRad="50800" dist="38100" dir="5400000" rotWithShape="0">
+            <a:srgbClr val="000000">
+              <a:alpha val="35000"/>
+            </a:srgbClr>
+          </a:outerShdw>
+        </a:effectLst>
+      </dsp:spPr>
+      <dsp:style>
+        <a:lnRef idx="0">
+          <a:scrgbClr r="0" g="0" b="0"/>
+        </a:lnRef>
+        <a:fillRef idx="3">
+          <a:scrgbClr r="0" g="0" b="0"/>
+        </a:fillRef>
+        <a:effectRef idx="2">
+          <a:scrgbClr r="0" g="0" b="0"/>
+        </a:effectRef>
+        <a:fontRef idx="minor">
+          <a:schemeClr val="lt1"/>
+        </a:fontRef>
+      </dsp:style>
+      <dsp:txBody>
+        <a:bodyPr spcFirstLastPara="0" vert="horz" wrap="square" lIns="16510" tIns="16510" rIns="16510" bIns="16510" numCol="1" spcCol="1270" anchor="ctr" anchorCtr="0">
+          <a:noAutofit/>
+        </a:bodyPr>
+        <a:lstStyle/>
+        <a:p>
+          <a:pPr lvl="0" algn="ctr" defTabSz="577850">
+            <a:lnSpc>
+              <a:spcPct val="90000"/>
+            </a:lnSpc>
+            <a:spcBef>
+              <a:spcPct val="0"/>
+            </a:spcBef>
+            <a:spcAft>
+              <a:spcPct val="35000"/>
+            </a:spcAft>
+          </a:pPr>
+          <a:r>
+            <a:rPr lang="en-US" sz="1300" kern="1200" dirty="0" err="1" smtClean="0"/>
+            <a:t>Prehension</a:t>
+          </a:r>
+          <a:endParaRPr lang="en-US" sz="1300" kern="1200" dirty="0"/>
+        </a:p>
+      </dsp:txBody>
+      <dsp:txXfrm>
+        <a:off x="170341" y="697794"/>
+        <a:ext cx="806960" cy="806960"/>
+      </dsp:txXfrm>
+    </dsp:sp>
+    <dsp:sp modelId="{F02CB99D-15B1-AD44-9320-8E975381C9D8}">
+      <dsp:nvSpPr>
+        <dsp:cNvPr id="0" name=""/>
+        <dsp:cNvSpPr/>
+      </dsp:nvSpPr>
+      <dsp:spPr>
+        <a:xfrm>
+          <a:off x="242869" y="1764547"/>
+          <a:ext cx="661904" cy="661904"/>
+        </a:xfrm>
+        <a:prstGeom prst="mathPlus">
+          <a:avLst/>
+        </a:prstGeom>
+        <a:gradFill rotWithShape="0">
+          <a:gsLst>
+            <a:gs pos="0">
+              <a:schemeClr val="accent5">
+                <a:hueOff val="0"/>
+                <a:satOff val="0"/>
+                <a:lumOff val="0"/>
+                <a:alphaOff val="0"/>
+                <a:shade val="15000"/>
+                <a:satMod val="180000"/>
+              </a:schemeClr>
+            </a:gs>
+            <a:gs pos="50000">
+              <a:schemeClr val="accent5">
+                <a:hueOff val="0"/>
+                <a:satOff val="0"/>
+                <a:lumOff val="0"/>
+                <a:alphaOff val="0"/>
+                <a:shade val="45000"/>
+                <a:satMod val="170000"/>
+              </a:schemeClr>
+            </a:gs>
+            <a:gs pos="70000">
+              <a:schemeClr val="accent5">
+                <a:hueOff val="0"/>
+                <a:satOff val="0"/>
+                <a:lumOff val="0"/>
+                <a:alphaOff val="0"/>
+                <a:tint val="99000"/>
+                <a:shade val="65000"/>
+                <a:satMod val="155000"/>
+              </a:schemeClr>
+            </a:gs>
+            <a:gs pos="100000">
+              <a:schemeClr val="accent5">
+                <a:hueOff val="0"/>
+                <a:satOff val="0"/>
+                <a:lumOff val="0"/>
+                <a:alphaOff val="0"/>
+                <a:tint val="95500"/>
+                <a:shade val="100000"/>
+                <a:satMod val="155000"/>
+              </a:schemeClr>
+            </a:gs>
+          </a:gsLst>
+          <a:lin ang="16200000" scaled="0"/>
+        </a:gradFill>
+        <a:ln>
+          <a:noFill/>
+        </a:ln>
+        <a:effectLst>
+          <a:outerShdw blurRad="50800" dist="38100" dir="5400000" rotWithShape="0">
+            <a:srgbClr val="000000">
+              <a:alpha val="35000"/>
+            </a:srgbClr>
+          </a:outerShdw>
+        </a:effectLst>
+      </dsp:spPr>
+      <dsp:style>
+        <a:lnRef idx="0">
+          <a:scrgbClr r="0" g="0" b="0"/>
+        </a:lnRef>
+        <a:fillRef idx="3">
+          <a:scrgbClr r="0" g="0" b="0"/>
+        </a:fillRef>
+        <a:effectRef idx="2">
+          <a:scrgbClr r="0" g="0" b="0"/>
+        </a:effectRef>
+        <a:fontRef idx="minor">
+          <a:schemeClr val="lt1"/>
+        </a:fontRef>
+      </dsp:style>
+      <dsp:txBody>
+        <a:bodyPr spcFirstLastPara="0" vert="horz" wrap="square" lIns="0" tIns="0" rIns="0" bIns="0" numCol="1" spcCol="1270" anchor="ctr" anchorCtr="0">
+          <a:noAutofit/>
+        </a:bodyPr>
+        <a:lstStyle/>
+        <a:p>
+          <a:pPr lvl="0" algn="ctr" defTabSz="488950">
+            <a:lnSpc>
+              <a:spcPct val="90000"/>
+            </a:lnSpc>
+            <a:spcBef>
+              <a:spcPct val="0"/>
+            </a:spcBef>
+            <a:spcAft>
+              <a:spcPct val="35000"/>
+            </a:spcAft>
+          </a:pPr>
+          <a:endParaRPr lang="en-US" sz="1100" kern="1200"/>
+        </a:p>
+      </dsp:txBody>
+      <dsp:txXfrm>
+        <a:off x="330604" y="2017659"/>
+        <a:ext cx="486434" cy="155680"/>
+      </dsp:txXfrm>
+    </dsp:sp>
+    <dsp:sp modelId="{CCCCA607-E45B-0648-9FB4-84B03C1AEFB9}">
+      <dsp:nvSpPr>
+        <dsp:cNvPr id="0" name=""/>
+        <dsp:cNvSpPr/>
+      </dsp:nvSpPr>
+      <dsp:spPr>
+        <a:xfrm>
+          <a:off x="3214" y="2519118"/>
+          <a:ext cx="1141214" cy="1141214"/>
+        </a:xfrm>
+        <a:prstGeom prst="ellipse">
+          <a:avLst/>
+        </a:prstGeom>
+        <a:gradFill rotWithShape="0">
+          <a:gsLst>
+            <a:gs pos="0">
+              <a:schemeClr val="accent5">
+                <a:hueOff val="7409907"/>
+                <a:satOff val="-27478"/>
+                <a:lumOff val="-7254"/>
+                <a:alphaOff val="0"/>
+                <a:shade val="15000"/>
+                <a:satMod val="180000"/>
+              </a:schemeClr>
+            </a:gs>
+            <a:gs pos="50000">
+              <a:schemeClr val="accent5">
+                <a:hueOff val="7409907"/>
+                <a:satOff val="-27478"/>
+                <a:lumOff val="-7254"/>
+                <a:alphaOff val="0"/>
+                <a:shade val="45000"/>
+                <a:satMod val="170000"/>
+              </a:schemeClr>
+            </a:gs>
+            <a:gs pos="70000">
+              <a:schemeClr val="accent5">
+                <a:hueOff val="7409907"/>
+                <a:satOff val="-27478"/>
+                <a:lumOff val="-7254"/>
+                <a:alphaOff val="0"/>
+                <a:tint val="99000"/>
+                <a:shade val="65000"/>
+                <a:satMod val="155000"/>
+              </a:schemeClr>
+            </a:gs>
+            <a:gs pos="100000">
+              <a:schemeClr val="accent5">
+                <a:hueOff val="7409907"/>
+                <a:satOff val="-27478"/>
+                <a:lumOff val="-7254"/>
+                <a:alphaOff val="0"/>
+                <a:tint val="95500"/>
+                <a:shade val="100000"/>
+                <a:satMod val="155000"/>
+              </a:schemeClr>
+            </a:gs>
+          </a:gsLst>
+          <a:lin ang="16200000" scaled="0"/>
+        </a:gradFill>
+        <a:ln>
+          <a:noFill/>
+        </a:ln>
+        <a:effectLst>
+          <a:outerShdw blurRad="50800" dist="38100" dir="5400000" rotWithShape="0">
+            <a:srgbClr val="000000">
+              <a:alpha val="35000"/>
+            </a:srgbClr>
+          </a:outerShdw>
+        </a:effectLst>
+      </dsp:spPr>
+      <dsp:style>
+        <a:lnRef idx="0">
+          <a:scrgbClr r="0" g="0" b="0"/>
+        </a:lnRef>
+        <a:fillRef idx="3">
+          <a:scrgbClr r="0" g="0" b="0"/>
+        </a:fillRef>
+        <a:effectRef idx="2">
+          <a:scrgbClr r="0" g="0" b="0"/>
+        </a:effectRef>
+        <a:fontRef idx="minor">
+          <a:schemeClr val="lt1"/>
+        </a:fontRef>
+      </dsp:style>
+      <dsp:txBody>
+        <a:bodyPr spcFirstLastPara="0" vert="horz" wrap="square" lIns="16510" tIns="16510" rIns="16510" bIns="16510" numCol="1" spcCol="1270" anchor="ctr" anchorCtr="0">
+          <a:noAutofit/>
+        </a:bodyPr>
+        <a:lstStyle/>
+        <a:p>
+          <a:pPr lvl="0" algn="ctr" defTabSz="577850">
+            <a:lnSpc>
+              <a:spcPct val="90000"/>
+            </a:lnSpc>
+            <a:spcBef>
+              <a:spcPct val="0"/>
+            </a:spcBef>
+            <a:spcAft>
+              <a:spcPct val="35000"/>
+            </a:spcAft>
+          </a:pPr>
+          <a:r>
+            <a:rPr lang="en-US" sz="1300" kern="1200" dirty="0" err="1" smtClean="0"/>
+            <a:t>Prehension</a:t>
+          </a:r>
+          <a:endParaRPr lang="en-US" sz="1300" kern="1200" dirty="0"/>
+        </a:p>
+      </dsp:txBody>
+      <dsp:txXfrm>
+        <a:off x="170341" y="2686245"/>
+        <a:ext cx="806960" cy="806960"/>
+      </dsp:txXfrm>
+    </dsp:sp>
+    <dsp:sp modelId="{BF1CED5C-0D5B-3D4F-815B-A58D41B33ECF}">
+      <dsp:nvSpPr>
+        <dsp:cNvPr id="0" name=""/>
+        <dsp:cNvSpPr/>
+      </dsp:nvSpPr>
+      <dsp:spPr>
+        <a:xfrm>
+          <a:off x="1315610" y="1883234"/>
+          <a:ext cx="362906" cy="424531"/>
+        </a:xfrm>
+        <a:prstGeom prst="rightArrow">
+          <a:avLst>
+            <a:gd name="adj1" fmla="val 60000"/>
+            <a:gd name="adj2" fmla="val 50000"/>
+          </a:avLst>
+        </a:prstGeom>
+        <a:gradFill rotWithShape="0">
+          <a:gsLst>
+            <a:gs pos="0">
+              <a:schemeClr val="accent5">
+                <a:hueOff val="14819814"/>
+                <a:satOff val="-54957"/>
+                <a:lumOff val="-14508"/>
+                <a:alphaOff val="0"/>
+                <a:shade val="15000"/>
+                <a:satMod val="180000"/>
+              </a:schemeClr>
+            </a:gs>
+            <a:gs pos="50000">
+              <a:schemeClr val="accent5">
+                <a:hueOff val="14819814"/>
+                <a:satOff val="-54957"/>
+                <a:lumOff val="-14508"/>
+                <a:alphaOff val="0"/>
+                <a:shade val="45000"/>
+                <a:satMod val="170000"/>
+              </a:schemeClr>
+            </a:gs>
+            <a:gs pos="70000">
+              <a:schemeClr val="accent5">
+                <a:hueOff val="14819814"/>
+                <a:satOff val="-54957"/>
+                <a:lumOff val="-14508"/>
+                <a:alphaOff val="0"/>
+                <a:tint val="99000"/>
+                <a:shade val="65000"/>
+                <a:satMod val="155000"/>
+              </a:schemeClr>
+            </a:gs>
+            <a:gs pos="100000">
+              <a:schemeClr val="accent5">
+                <a:hueOff val="14819814"/>
+                <a:satOff val="-54957"/>
+                <a:lumOff val="-14508"/>
+                <a:alphaOff val="0"/>
+                <a:tint val="95500"/>
+                <a:shade val="100000"/>
+                <a:satMod val="155000"/>
+              </a:schemeClr>
+            </a:gs>
+          </a:gsLst>
+          <a:lin ang="16200000" scaled="0"/>
+        </a:gradFill>
+        <a:ln>
+          <a:noFill/>
+        </a:ln>
+        <a:effectLst>
+          <a:outerShdw blurRad="50800" dist="38100" dir="5400000" rotWithShape="0">
+            <a:srgbClr val="000000">
+              <a:alpha val="35000"/>
+            </a:srgbClr>
+          </a:outerShdw>
+        </a:effectLst>
+      </dsp:spPr>
+      <dsp:style>
+        <a:lnRef idx="0">
+          <a:scrgbClr r="0" g="0" b="0"/>
+        </a:lnRef>
+        <a:fillRef idx="3">
+          <a:scrgbClr r="0" g="0" b="0"/>
+        </a:fillRef>
+        <a:effectRef idx="2">
+          <a:scrgbClr r="0" g="0" b="0"/>
+        </a:effectRef>
+        <a:fontRef idx="minor">
+          <a:schemeClr val="lt1"/>
+        </a:fontRef>
+      </dsp:style>
+      <dsp:txBody>
+        <a:bodyPr spcFirstLastPara="0" vert="horz" wrap="square" lIns="0" tIns="0" rIns="0" bIns="0" numCol="1" spcCol="1270" anchor="ctr" anchorCtr="0">
+          <a:noAutofit/>
+        </a:bodyPr>
+        <a:lstStyle/>
+        <a:p>
+          <a:pPr lvl="0" algn="ctr" defTabSz="488950">
+            <a:lnSpc>
+              <a:spcPct val="90000"/>
+            </a:lnSpc>
+            <a:spcBef>
+              <a:spcPct val="0"/>
+            </a:spcBef>
+            <a:spcAft>
+              <a:spcPct val="35000"/>
+            </a:spcAft>
+          </a:pPr>
+          <a:endParaRPr lang="en-US" sz="1100" kern="1200"/>
+        </a:p>
+      </dsp:txBody>
+      <dsp:txXfrm>
+        <a:off x="1315610" y="1968140"/>
+        <a:ext cx="254034" cy="254719"/>
+      </dsp:txXfrm>
+    </dsp:sp>
+    <dsp:sp modelId="{660C8989-F8D4-4A43-862F-8B032FF92F2B}">
+      <dsp:nvSpPr>
+        <dsp:cNvPr id="0" name=""/>
+        <dsp:cNvSpPr/>
+      </dsp:nvSpPr>
+      <dsp:spPr>
+        <a:xfrm>
+          <a:off x="1829157" y="954285"/>
+          <a:ext cx="2282428" cy="2282428"/>
+        </a:xfrm>
+        <a:prstGeom prst="ellipse">
+          <a:avLst/>
+        </a:prstGeom>
+        <a:gradFill rotWithShape="0">
+          <a:gsLst>
+            <a:gs pos="0">
+              <a:schemeClr val="accent5">
+                <a:hueOff val="14819814"/>
+                <a:satOff val="-54957"/>
+                <a:lumOff val="-14508"/>
+                <a:alphaOff val="0"/>
+                <a:shade val="15000"/>
+                <a:satMod val="180000"/>
+              </a:schemeClr>
+            </a:gs>
+            <a:gs pos="50000">
+              <a:schemeClr val="accent5">
+                <a:hueOff val="14819814"/>
+                <a:satOff val="-54957"/>
+                <a:lumOff val="-14508"/>
+                <a:alphaOff val="0"/>
+                <a:shade val="45000"/>
+                <a:satMod val="170000"/>
+              </a:schemeClr>
+            </a:gs>
+            <a:gs pos="70000">
+              <a:schemeClr val="accent5">
+                <a:hueOff val="14819814"/>
+                <a:satOff val="-54957"/>
+                <a:lumOff val="-14508"/>
+                <a:alphaOff val="0"/>
+                <a:tint val="99000"/>
+                <a:shade val="65000"/>
+                <a:satMod val="155000"/>
+              </a:schemeClr>
+            </a:gs>
+            <a:gs pos="100000">
+              <a:schemeClr val="accent5">
+                <a:hueOff val="14819814"/>
+                <a:satOff val="-54957"/>
+                <a:lumOff val="-14508"/>
+                <a:alphaOff val="0"/>
+                <a:tint val="95500"/>
+                <a:shade val="100000"/>
+                <a:satMod val="155000"/>
+              </a:schemeClr>
+            </a:gs>
+          </a:gsLst>
+          <a:lin ang="16200000" scaled="0"/>
+        </a:gradFill>
+        <a:ln>
+          <a:noFill/>
+        </a:ln>
+        <a:effectLst>
+          <a:outerShdw blurRad="50800" dist="38100" dir="5400000" rotWithShape="0">
+            <a:srgbClr val="000000">
+              <a:alpha val="35000"/>
+            </a:srgbClr>
+          </a:outerShdw>
+        </a:effectLst>
+      </dsp:spPr>
+      <dsp:style>
+        <a:lnRef idx="0">
+          <a:scrgbClr r="0" g="0" b="0"/>
+        </a:lnRef>
+        <a:fillRef idx="3">
+          <a:scrgbClr r="0" g="0" b="0"/>
+        </a:fillRef>
+        <a:effectRef idx="2">
+          <a:scrgbClr r="0" g="0" b="0"/>
+        </a:effectRef>
+        <a:fontRef idx="minor">
+          <a:schemeClr val="lt1"/>
+        </a:fontRef>
+      </dsp:style>
+      <dsp:txBody>
+        <a:bodyPr spcFirstLastPara="0" vert="horz" wrap="square" lIns="41910" tIns="41910" rIns="41910" bIns="41910" numCol="1" spcCol="1270" anchor="ctr" anchorCtr="0">
+          <a:noAutofit/>
+        </a:bodyPr>
+        <a:lstStyle/>
+        <a:p>
+          <a:pPr lvl="0" algn="ctr" defTabSz="1466850">
+            <a:lnSpc>
+              <a:spcPct val="90000"/>
+            </a:lnSpc>
+            <a:spcBef>
+              <a:spcPct val="0"/>
+            </a:spcBef>
+            <a:spcAft>
+              <a:spcPct val="35000"/>
+            </a:spcAft>
+          </a:pPr>
+          <a:r>
+            <a:rPr lang="en-US" sz="3300" kern="1200" dirty="0" smtClean="0"/>
+            <a:t>Nothing!</a:t>
+          </a:r>
+          <a:endParaRPr lang="en-US" sz="3300" kern="1200" dirty="0"/>
+        </a:p>
+      </dsp:txBody>
+      <dsp:txXfrm>
+        <a:off x="2163411" y="1288539"/>
+        <a:ext cx="1613920" cy="1613920"/>
+      </dsp:txXfrm>
+    </dsp:sp>
+  </dsp:spTree>
+</dsp:drawing>
+</file>
+
 <file path=ppt/diagrams/layout1.xml><?xml version="1.0" encoding="utf-8"?>
 <dgm:layoutDef xmlns:dgm="http://schemas.openxmlformats.org/drawingml/2006/diagram" xmlns:a="http://schemas.openxmlformats.org/drawingml/2006/main" uniqueId="urn:microsoft.com/office/officeart/2005/8/layout/equation1">
   <dgm:title val=""/>
@@ -9533,6 +11102,271 @@
 </dgm:layoutDef>
 </file>
 
+<file path=ppt/diagrams/layout6.xml><?xml version="1.0" encoding="utf-8"?>
+<dgm:layoutDef xmlns:dgm="http://schemas.openxmlformats.org/drawingml/2006/diagram" xmlns:a="http://schemas.openxmlformats.org/drawingml/2006/main" uniqueId="urn:microsoft.com/office/officeart/2005/8/layout/equation2">
+  <dgm:title val=""/>
+  <dgm:desc val=""/>
+  <dgm:catLst>
+    <dgm:cat type="relationship" pri="18000"/>
+    <dgm:cat type="process" pri="26000"/>
+  </dgm:catLst>
+  <dgm:sampData useDef="1">
+    <dgm:dataModel>
+      <dgm:ptLst/>
+      <dgm:bg/>
+      <dgm:whole/>
+    </dgm:dataModel>
+  </dgm:sampData>
+  <dgm:styleData>
+    <dgm:dataModel>
+      <dgm:ptLst>
+        <dgm:pt modelId="0" type="doc"/>
+        <dgm:pt modelId="1"/>
+        <dgm:pt modelId="2"/>
+      </dgm:ptLst>
+      <dgm:cxnLst>
+        <dgm:cxn modelId="3" srcId="0" destId="1" srcOrd="0" destOrd="0"/>
+        <dgm:cxn modelId="4" srcId="0" destId="2" srcOrd="1" destOrd="0"/>
+      </dgm:cxnLst>
+      <dgm:bg/>
+      <dgm:whole/>
+    </dgm:dataModel>
+  </dgm:styleData>
+  <dgm:clrData>
+    <dgm:dataModel>
+      <dgm:ptLst>
+        <dgm:pt modelId="0" type="doc"/>
+        <dgm:pt modelId="1"/>
+        <dgm:pt modelId="2"/>
+        <dgm:pt modelId="3"/>
+        <dgm:pt modelId="4"/>
+      </dgm:ptLst>
+      <dgm:cxnLst>
+        <dgm:cxn modelId="5" srcId="0" destId="1" srcOrd="0" destOrd="0"/>
+        <dgm:cxn modelId="6" srcId="0" destId="2" srcOrd="1" destOrd="0"/>
+        <dgm:cxn modelId="7" srcId="0" destId="3" srcOrd="2" destOrd="0"/>
+        <dgm:cxn modelId="8" srcId="0" destId="4" srcOrd="3" destOrd="0"/>
+      </dgm:cxnLst>
+      <dgm:bg/>
+      <dgm:whole/>
+    </dgm:dataModel>
+  </dgm:clrData>
+  <dgm:layoutNode name="Name0">
+    <dgm:varLst>
+      <dgm:dir/>
+      <dgm:resizeHandles val="exact"/>
+    </dgm:varLst>
+    <dgm:choose name="Name1">
+      <dgm:if name="Name2" func="var" arg="dir" op="equ" val="norm">
+        <dgm:alg type="lin">
+          <dgm:param type="linDir" val="fromL"/>
+          <dgm:param type="fallback" val="2D"/>
+        </dgm:alg>
+      </dgm:if>
+      <dgm:else name="Name3">
+        <dgm:alg type="lin">
+          <dgm:param type="linDir" val="fromR"/>
+          <dgm:param type="fallback" val="2D"/>
+        </dgm:alg>
+      </dgm:else>
+    </dgm:choose>
+    <dgm:shape xmlns:r="http://schemas.openxmlformats.org/officeDocument/2006/relationships" r:blip="">
+      <dgm:adjLst/>
+    </dgm:shape>
+    <dgm:presOf/>
+    <dgm:choose name="Name4">
+      <dgm:if name="Name5" axis="ch" ptType="node" func="cnt" op="gte" val="3">
+        <dgm:constrLst>
+          <dgm:constr type="h" for="des" forName="node" refType="w" fact="0.5"/>
+          <dgm:constr type="w" for="ch" forName="lastNode" refType="w"/>
+          <dgm:constr type="w" for="des" forName="node" refType="h" refFor="des" refForName="node"/>
+          <dgm:constr type="w" for="ch" forName="sibTransLast" refType="h" refFor="des" refForName="node" fact="0.6"/>
+          <dgm:constr type="h" for="des" forName="sibTrans" refType="h" refFor="des" refForName="node" op="equ" fact="0.58"/>
+          <dgm:constr type="w" for="des" forName="sibTrans" refType="h" refFor="des" refForName="sibTrans" op="equ"/>
+          <dgm:constr type="primFontSz" for="ch" forName="lastNode" op="equ" val="65"/>
+          <dgm:constr type="primFontSz" for="des" forName="node" op="equ" val="65"/>
+          <dgm:constr type="primFontSz" for="des" forName="sibTrans" val="55"/>
+          <dgm:constr type="primFontSz" for="des" forName="sibTrans" refType="primFontSz" refFor="des" refForName="node" op="lte" fact="0.8"/>
+          <dgm:constr type="primFontSz" for="des" forName="connectorText" refType="primFontSz" refFor="des" refForName="node" op="lte" fact="0.8"/>
+          <dgm:constr type="primFontSz" for="des" forName="connectorText" refType="primFontSz" refFor="des" refForName="sibTrans" op="equ"/>
+          <dgm:constr type="h" for="des" forName="spacerT" refType="h" refFor="des" refForName="sibTrans" fact="0.14"/>
+          <dgm:constr type="h" for="des" forName="spacerB" refType="h" refFor="des" refForName="sibTrans" fact="0.14"/>
+        </dgm:constrLst>
+      </dgm:if>
+      <dgm:else name="Name6">
+        <dgm:constrLst>
+          <dgm:constr type="h" for="des" forName="node" refType="w"/>
+          <dgm:constr type="w" for="ch" forName="lastNode" refType="w"/>
+          <dgm:constr type="w" for="des" forName="node" refType="h" refFor="des" refForName="node"/>
+          <dgm:constr type="w" for="ch" forName="sibTransLast" refType="h" refFor="des" refForName="node" fact="0.6"/>
+          <dgm:constr type="h" for="des" forName="sibTrans" refType="h" refFor="des" refForName="node" op="equ" fact="0.58"/>
+          <dgm:constr type="w" for="des" forName="sibTrans" refType="h" refFor="des" refForName="sibTrans" op="equ"/>
+          <dgm:constr type="primFontSz" for="des" forName="node" val="65"/>
+          <dgm:constr type="primFontSz" for="ch" forName="lastNode" refType="primFontSz" refFor="des" refForName="node" op="equ"/>
+          <dgm:constr type="primFontSz" for="des" forName="sibTrans" val="55"/>
+          <dgm:constr type="primFontSz" for="des" forName="connectorText" refType="primFontSz" refFor="des" refForName="node" op="lte" fact="0.8"/>
+          <dgm:constr type="primFontSz" for="des" forName="connectorText" refType="primFontSz" refFor="des" refForName="sibTrans" op="equ"/>
+          <dgm:constr type="h" for="des" forName="spacerT" refType="h" refFor="des" refForName="sibTrans" fact="0.14"/>
+          <dgm:constr type="h" for="des" forName="spacerB" refType="h" refFor="des" refForName="sibTrans" fact="0.14"/>
+        </dgm:constrLst>
+      </dgm:else>
+    </dgm:choose>
+    <dgm:ruleLst/>
+    <dgm:choose name="Name7">
+      <dgm:if name="Name8" axis="ch" ptType="node" func="cnt" op="gte" val="1">
+        <dgm:layoutNode name="vNodes">
+          <dgm:alg type="lin">
+            <dgm:param type="linDir" val="fromT"/>
+            <dgm:param type="fallback" val="2D"/>
+          </dgm:alg>
+          <dgm:shape xmlns:r="http://schemas.openxmlformats.org/officeDocument/2006/relationships" r:blip="">
+            <dgm:adjLst/>
+          </dgm:shape>
+          <dgm:presOf/>
+          <dgm:constrLst/>
+          <dgm:ruleLst/>
+          <dgm:forEach name="Name9" axis="ch" ptType="node">
+            <dgm:choose name="Name10">
+              <dgm:if name="Name11" axis="self" func="revPos" op="neq" val="1">
+                <dgm:layoutNode name="node">
+                  <dgm:varLst>
+                    <dgm:bulletEnabled val="1"/>
+                  </dgm:varLst>
+                  <dgm:alg type="tx">
+                    <dgm:param type="txAnchorVertCh" val="mid"/>
+                  </dgm:alg>
+                  <dgm:shape xmlns:r="http://schemas.openxmlformats.org/officeDocument/2006/relationships" type="ellipse" r:blip="">
+                    <dgm:adjLst/>
+                  </dgm:shape>
+                  <dgm:presOf axis="desOrSelf" ptType="node"/>
+                  <dgm:constrLst>
+                    <dgm:constr type="tMarg" refType="primFontSz" fact="0.1"/>
+                    <dgm:constr type="bMarg" refType="primFontSz" fact="0.1"/>
+                    <dgm:constr type="lMarg" refType="primFontSz" fact="0.1"/>
+                    <dgm:constr type="rMarg" refType="primFontSz" fact="0.1"/>
+                  </dgm:constrLst>
+                  <dgm:ruleLst>
+                    <dgm:rule type="primFontSz" val="5" fact="NaN" max="NaN"/>
+                  </dgm:ruleLst>
+                </dgm:layoutNode>
+                <dgm:choose name="Name12">
+                  <dgm:if name="Name13" axis="self" ptType="node" func="revPos" op="gt" val="2">
+                    <dgm:forEach name="sibTransForEach" axis="followSib" ptType="sibTrans" cnt="1">
+                      <dgm:layoutNode name="spacerT">
+                        <dgm:alg type="sp"/>
+                        <dgm:shape xmlns:r="http://schemas.openxmlformats.org/officeDocument/2006/relationships" r:blip="">
+                          <dgm:adjLst/>
+                        </dgm:shape>
+                        <dgm:presOf axis="self"/>
+                        <dgm:constrLst/>
+                        <dgm:ruleLst/>
+                      </dgm:layoutNode>
+                      <dgm:layoutNode name="sibTrans">
+                        <dgm:alg type="tx"/>
+                        <dgm:shape xmlns:r="http://schemas.openxmlformats.org/officeDocument/2006/relationships" type="mathPlus" r:blip="">
+                          <dgm:adjLst/>
+                        </dgm:shape>
+                        <dgm:presOf axis="self"/>
+                        <dgm:constrLst>
+                          <dgm:constr type="h" refType="w"/>
+                          <dgm:constr type="lMarg"/>
+                          <dgm:constr type="rMarg"/>
+                          <dgm:constr type="tMarg"/>
+                          <dgm:constr type="bMarg"/>
+                        </dgm:constrLst>
+                        <dgm:ruleLst>
+                          <dgm:rule type="primFontSz" val="5" fact="NaN" max="NaN"/>
+                        </dgm:ruleLst>
+                      </dgm:layoutNode>
+                      <dgm:layoutNode name="spacerB">
+                        <dgm:alg type="sp"/>
+                        <dgm:shape xmlns:r="http://schemas.openxmlformats.org/officeDocument/2006/relationships" r:blip="">
+                          <dgm:adjLst/>
+                        </dgm:shape>
+                        <dgm:presOf axis="self"/>
+                        <dgm:constrLst/>
+                        <dgm:ruleLst/>
+                      </dgm:layoutNode>
+                    </dgm:forEach>
+                  </dgm:if>
+                  <dgm:else name="Name14"/>
+                </dgm:choose>
+              </dgm:if>
+              <dgm:else name="Name15"/>
+            </dgm:choose>
+          </dgm:forEach>
+        </dgm:layoutNode>
+        <dgm:choose name="Name16">
+          <dgm:if name="Name17" axis="ch" ptType="node" func="cnt" op="gt" val="1">
+            <dgm:layoutNode name="sibTransLast">
+              <dgm:alg type="conn">
+                <dgm:param type="begPts" val="auto"/>
+                <dgm:param type="endPts" val="auto"/>
+                <dgm:param type="srcNode" val="vNodes"/>
+                <dgm:param type="dstNode" val="lastNode"/>
+              </dgm:alg>
+              <dgm:shape xmlns:r="http://schemas.openxmlformats.org/officeDocument/2006/relationships" type="conn" r:blip="">
+                <dgm:adjLst/>
+              </dgm:shape>
+              <dgm:presOf axis="ch" ptType="sibTrans" st="-1" cnt="1"/>
+              <dgm:constrLst>
+                <dgm:constr type="h" refType="w" fact="0.62"/>
+                <dgm:constr type="connDist"/>
+                <dgm:constr type="begPad" refType="connDist" fact="0.25"/>
+                <dgm:constr type="endPad" refType="connDist" fact="0.22"/>
+              </dgm:constrLst>
+              <dgm:ruleLst/>
+              <dgm:layoutNode name="connectorText">
+                <dgm:alg type="tx">
+                  <dgm:param type="autoTxRot" val="grav"/>
+                </dgm:alg>
+                <dgm:shape xmlns:r="http://schemas.openxmlformats.org/officeDocument/2006/relationships" type="conn" r:blip="" hideGeom="1">
+                  <dgm:adjLst/>
+                </dgm:shape>
+                <dgm:presOf axis="ch desOrSelf" ptType="sibTrans sibTrans" st="-1 1" cnt="1 0"/>
+                <dgm:constrLst>
+                  <dgm:constr type="lMarg"/>
+                  <dgm:constr type="rMarg"/>
+                  <dgm:constr type="tMarg"/>
+                  <dgm:constr type="bMarg"/>
+                </dgm:constrLst>
+                <dgm:ruleLst>
+                  <dgm:rule type="primFontSz" val="5" fact="NaN" max="NaN"/>
+                </dgm:ruleLst>
+              </dgm:layoutNode>
+            </dgm:layoutNode>
+          </dgm:if>
+          <dgm:else name="Name18"/>
+        </dgm:choose>
+        <dgm:layoutNode name="lastNode">
+          <dgm:varLst>
+            <dgm:bulletEnabled val="1"/>
+          </dgm:varLst>
+          <dgm:alg type="tx">
+            <dgm:param type="txAnchorVertCh" val="mid"/>
+          </dgm:alg>
+          <dgm:shape xmlns:r="http://schemas.openxmlformats.org/officeDocument/2006/relationships" type="ellipse" r:blip="">
+            <dgm:adjLst/>
+          </dgm:shape>
+          <dgm:presOf axis="ch desOrSelf" ptType="node node" st="-1 1" cnt="1 0"/>
+          <dgm:constrLst>
+            <dgm:constr type="h" refType="w"/>
+            <dgm:constr type="tMarg" refType="primFontSz" fact="0.1"/>
+            <dgm:constr type="bMarg" refType="primFontSz" fact="0.1"/>
+            <dgm:constr type="lMarg" refType="primFontSz" fact="0.1"/>
+            <dgm:constr type="rMarg" refType="primFontSz" fact="0.1"/>
+          </dgm:constrLst>
+          <dgm:ruleLst>
+            <dgm:rule type="primFontSz" val="5" fact="NaN" max="NaN"/>
+          </dgm:ruleLst>
+        </dgm:layoutNode>
+      </dgm:if>
+      <dgm:else name="Name19"/>
+    </dgm:choose>
+  </dgm:layoutNode>
+</dgm:layoutDef>
+</file>
+
 <file path=ppt/diagrams/quickStyle1.xml><?xml version="1.0" encoding="utf-8"?>
 <dgm:styleDef xmlns:dgm="http://schemas.openxmlformats.org/drawingml/2006/diagram" xmlns:a="http://schemas.openxmlformats.org/drawingml/2006/main" uniqueId="urn:microsoft.com/office/officeart/2005/8/quickstyle/simple4">
   <dgm:title val=""/>
@@ -13670,6 +15504,1040 @@
 </file>
 
 <file path=ppt/diagrams/quickStyle5.xml><?xml version="1.0" encoding="utf-8"?>
+<dgm:styleDef xmlns:dgm="http://schemas.openxmlformats.org/drawingml/2006/diagram" xmlns:a="http://schemas.openxmlformats.org/drawingml/2006/main" uniqueId="urn:microsoft.com/office/officeart/2005/8/quickstyle/simple4">
+  <dgm:title val=""/>
+  <dgm:desc val=""/>
+  <dgm:catLst>
+    <dgm:cat type="simple" pri="10400"/>
+  </dgm:catLst>
+  <dgm:scene3d>
+    <a:camera prst="orthographicFront"/>
+    <a:lightRig rig="threePt" dir="t"/>
+  </dgm:scene3d>
+  <dgm:styleLbl name="node0">
+    <dgm:scene3d>
+      <a:camera prst="orthographicFront"/>
+      <a:lightRig rig="threePt" dir="t"/>
+    </dgm:scene3d>
+    <dgm:sp3d/>
+    <dgm:txPr/>
+    <dgm:style>
+      <a:lnRef idx="0">
+        <a:scrgbClr r="0" g="0" b="0"/>
+      </a:lnRef>
+      <a:fillRef idx="3">
+        <a:scrgbClr r="0" g="0" b="0"/>
+      </a:fillRef>
+      <a:effectRef idx="2">
+        <a:scrgbClr r="0" g="0" b="0"/>
+      </a:effectRef>
+      <a:fontRef idx="minor">
+        <a:schemeClr val="lt1"/>
+      </a:fontRef>
+    </dgm:style>
+  </dgm:styleLbl>
+  <dgm:styleLbl name="lnNode1">
+    <dgm:scene3d>
+      <a:camera prst="orthographicFront"/>
+      <a:lightRig rig="threePt" dir="t"/>
+    </dgm:scene3d>
+    <dgm:sp3d/>
+    <dgm:txPr/>
+    <dgm:style>
+      <a:lnRef idx="1">
+        <a:scrgbClr r="0" g="0" b="0"/>
+      </a:lnRef>
+      <a:fillRef idx="3">
+        <a:scrgbClr r="0" g="0" b="0"/>
+      </a:fillRef>
+      <a:effectRef idx="2">
+        <a:scrgbClr r="0" g="0" b="0"/>
+      </a:effectRef>
+      <a:fontRef idx="minor">
+        <a:schemeClr val="lt1"/>
+      </a:fontRef>
+    </dgm:style>
+  </dgm:styleLbl>
+  <dgm:styleLbl name="vennNode1">
+    <dgm:scene3d>
+      <a:camera prst="orthographicFront"/>
+      <a:lightRig rig="threePt" dir="t"/>
+    </dgm:scene3d>
+    <dgm:sp3d/>
+    <dgm:txPr/>
+    <dgm:style>
+      <a:lnRef idx="0">
+        <a:scrgbClr r="0" g="0" b="0"/>
+      </a:lnRef>
+      <a:fillRef idx="3">
+        <a:scrgbClr r="0" g="0" b="0"/>
+      </a:fillRef>
+      <a:effectRef idx="0">
+        <a:scrgbClr r="0" g="0" b="0"/>
+      </a:effectRef>
+      <a:fontRef idx="minor">
+        <a:schemeClr val="tx1"/>
+      </a:fontRef>
+    </dgm:style>
+  </dgm:styleLbl>
+  <dgm:styleLbl name="alignNode1">
+    <dgm:scene3d>
+      <a:camera prst="orthographicFront"/>
+      <a:lightRig rig="threePt" dir="t"/>
+    </dgm:scene3d>
+    <dgm:sp3d/>
+    <dgm:txPr/>
+    <dgm:style>
+      <a:lnRef idx="1">
+        <a:scrgbClr r="0" g="0" b="0"/>
+      </a:lnRef>
+      <a:fillRef idx="3">
+        <a:scrgbClr r="0" g="0" b="0"/>
+      </a:fillRef>
+      <a:effectRef idx="2">
+        <a:scrgbClr r="0" g="0" b="0"/>
+      </a:effectRef>
+      <a:fontRef idx="minor">
+        <a:schemeClr val="lt1"/>
+      </a:fontRef>
+    </dgm:style>
+  </dgm:styleLbl>
+  <dgm:styleLbl name="node1">
+    <dgm:scene3d>
+      <a:camera prst="orthographicFront"/>
+      <a:lightRig rig="threePt" dir="t"/>
+    </dgm:scene3d>
+    <dgm:sp3d/>
+    <dgm:txPr/>
+    <dgm:style>
+      <a:lnRef idx="0">
+        <a:scrgbClr r="0" g="0" b="0"/>
+      </a:lnRef>
+      <a:fillRef idx="3">
+        <a:scrgbClr r="0" g="0" b="0"/>
+      </a:fillRef>
+      <a:effectRef idx="2">
+        <a:scrgbClr r="0" g="0" b="0"/>
+      </a:effectRef>
+      <a:fontRef idx="minor">
+        <a:schemeClr val="lt1"/>
+      </a:fontRef>
+    </dgm:style>
+  </dgm:styleLbl>
+  <dgm:styleLbl name="node2">
+    <dgm:scene3d>
+      <a:camera prst="orthographicFront"/>
+      <a:lightRig rig="threePt" dir="t"/>
+    </dgm:scene3d>
+    <dgm:sp3d/>
+    <dgm:txPr/>
+    <dgm:style>
+      <a:lnRef idx="0">
+        <a:scrgbClr r="0" g="0" b="0"/>
+      </a:lnRef>
+      <a:fillRef idx="3">
+        <a:scrgbClr r="0" g="0" b="0"/>
+      </a:fillRef>
+      <a:effectRef idx="2">
+        <a:scrgbClr r="0" g="0" b="0"/>
+      </a:effectRef>
+      <a:fontRef idx="minor">
+        <a:schemeClr val="lt1"/>
+      </a:fontRef>
+    </dgm:style>
+  </dgm:styleLbl>
+  <dgm:styleLbl name="node3">
+    <dgm:scene3d>
+      <a:camera prst="orthographicFront"/>
+      <a:lightRig rig="threePt" dir="t"/>
+    </dgm:scene3d>
+    <dgm:sp3d/>
+    <dgm:txPr/>
+    <dgm:style>
+      <a:lnRef idx="0">
+        <a:scrgbClr r="0" g="0" b="0"/>
+      </a:lnRef>
+      <a:fillRef idx="3">
+        <a:scrgbClr r="0" g="0" b="0"/>
+      </a:fillRef>
+      <a:effectRef idx="2">
+        <a:scrgbClr r="0" g="0" b="0"/>
+      </a:effectRef>
+      <a:fontRef idx="minor">
+        <a:schemeClr val="lt1"/>
+      </a:fontRef>
+    </dgm:style>
+  </dgm:styleLbl>
+  <dgm:styleLbl name="node4">
+    <dgm:scene3d>
+      <a:camera prst="orthographicFront"/>
+      <a:lightRig rig="threePt" dir="t"/>
+    </dgm:scene3d>
+    <dgm:sp3d/>
+    <dgm:txPr/>
+    <dgm:style>
+      <a:lnRef idx="0">
+        <a:scrgbClr r="0" g="0" b="0"/>
+      </a:lnRef>
+      <a:fillRef idx="3">
+        <a:scrgbClr r="0" g="0" b="0"/>
+      </a:fillRef>
+      <a:effectRef idx="2">
+        <a:scrgbClr r="0" g="0" b="0"/>
+      </a:effectRef>
+      <a:fontRef idx="minor">
+        <a:schemeClr val="lt1"/>
+      </a:fontRef>
+    </dgm:style>
+  </dgm:styleLbl>
+  <dgm:styleLbl name="fgImgPlace1">
+    <dgm:scene3d>
+      <a:camera prst="orthographicFront"/>
+      <a:lightRig rig="threePt" dir="t"/>
+    </dgm:scene3d>
+    <dgm:sp3d/>
+    <dgm:txPr/>
+    <dgm:style>
+      <a:lnRef idx="0">
+        <a:scrgbClr r="0" g="0" b="0"/>
+      </a:lnRef>
+      <a:fillRef idx="1">
+        <a:scrgbClr r="0" g="0" b="0"/>
+      </a:fillRef>
+      <a:effectRef idx="2">
+        <a:scrgbClr r="0" g="0" b="0"/>
+      </a:effectRef>
+      <a:fontRef idx="minor"/>
+    </dgm:style>
+  </dgm:styleLbl>
+  <dgm:styleLbl name="alignImgPlace1">
+    <dgm:scene3d>
+      <a:camera prst="orthographicFront"/>
+      <a:lightRig rig="threePt" dir="t"/>
+    </dgm:scene3d>
+    <dgm:sp3d/>
+    <dgm:txPr/>
+    <dgm:style>
+      <a:lnRef idx="0">
+        <a:scrgbClr r="0" g="0" b="0"/>
+      </a:lnRef>
+      <a:fillRef idx="1">
+        <a:scrgbClr r="0" g="0" b="0"/>
+      </a:fillRef>
+      <a:effectRef idx="2">
+        <a:scrgbClr r="0" g="0" b="0"/>
+      </a:effectRef>
+      <a:fontRef idx="minor"/>
+    </dgm:style>
+  </dgm:styleLbl>
+  <dgm:styleLbl name="bgImgPlace1">
+    <dgm:scene3d>
+      <a:camera prst="orthographicFront"/>
+      <a:lightRig rig="threePt" dir="t"/>
+    </dgm:scene3d>
+    <dgm:sp3d/>
+    <dgm:txPr/>
+    <dgm:style>
+      <a:lnRef idx="0">
+        <a:scrgbClr r="0" g="0" b="0"/>
+      </a:lnRef>
+      <a:fillRef idx="1">
+        <a:scrgbClr r="0" g="0" b="0"/>
+      </a:fillRef>
+      <a:effectRef idx="2">
+        <a:scrgbClr r="0" g="0" b="0"/>
+      </a:effectRef>
+      <a:fontRef idx="minor"/>
+    </dgm:style>
+  </dgm:styleLbl>
+  <dgm:styleLbl name="sibTrans2D1">
+    <dgm:scene3d>
+      <a:camera prst="orthographicFront"/>
+      <a:lightRig rig="threePt" dir="t"/>
+    </dgm:scene3d>
+    <dgm:sp3d/>
+    <dgm:txPr/>
+    <dgm:style>
+      <a:lnRef idx="0">
+        <a:scrgbClr r="0" g="0" b="0"/>
+      </a:lnRef>
+      <a:fillRef idx="3">
+        <a:scrgbClr r="0" g="0" b="0"/>
+      </a:fillRef>
+      <a:effectRef idx="2">
+        <a:scrgbClr r="0" g="0" b="0"/>
+      </a:effectRef>
+      <a:fontRef idx="minor">
+        <a:schemeClr val="lt1"/>
+      </a:fontRef>
+    </dgm:style>
+  </dgm:styleLbl>
+  <dgm:styleLbl name="fgSibTrans2D1">
+    <dgm:scene3d>
+      <a:camera prst="orthographicFront"/>
+      <a:lightRig rig="threePt" dir="t"/>
+    </dgm:scene3d>
+    <dgm:sp3d/>
+    <dgm:txPr/>
+    <dgm:style>
+      <a:lnRef idx="0">
+        <a:scrgbClr r="0" g="0" b="0"/>
+      </a:lnRef>
+      <a:fillRef idx="3">
+        <a:scrgbClr r="0" g="0" b="0"/>
+      </a:fillRef>
+      <a:effectRef idx="2">
+        <a:scrgbClr r="0" g="0" b="0"/>
+      </a:effectRef>
+      <a:fontRef idx="minor">
+        <a:schemeClr val="lt1"/>
+      </a:fontRef>
+    </dgm:style>
+  </dgm:styleLbl>
+  <dgm:styleLbl name="bgSibTrans2D1">
+    <dgm:scene3d>
+      <a:camera prst="orthographicFront"/>
+      <a:lightRig rig="threePt" dir="t"/>
+    </dgm:scene3d>
+    <dgm:sp3d/>
+    <dgm:txPr/>
+    <dgm:style>
+      <a:lnRef idx="0">
+        <a:scrgbClr r="0" g="0" b="0"/>
+      </a:lnRef>
+      <a:fillRef idx="3">
+        <a:scrgbClr r="0" g="0" b="0"/>
+      </a:fillRef>
+      <a:effectRef idx="2">
+        <a:scrgbClr r="0" g="0" b="0"/>
+      </a:effectRef>
+      <a:fontRef idx="minor">
+        <a:schemeClr val="lt1"/>
+      </a:fontRef>
+    </dgm:style>
+  </dgm:styleLbl>
+  <dgm:styleLbl name="sibTrans1D1">
+    <dgm:scene3d>
+      <a:camera prst="orthographicFront"/>
+      <a:lightRig rig="threePt" dir="t"/>
+    </dgm:scene3d>
+    <dgm:sp3d/>
+    <dgm:txPr/>
+    <dgm:style>
+      <a:lnRef idx="1">
+        <a:scrgbClr r="0" g="0" b="0"/>
+      </a:lnRef>
+      <a:fillRef idx="0">
+        <a:scrgbClr r="0" g="0" b="0"/>
+      </a:fillRef>
+      <a:effectRef idx="0">
+        <a:scrgbClr r="0" g="0" b="0"/>
+      </a:effectRef>
+      <a:fontRef idx="minor"/>
+    </dgm:style>
+  </dgm:styleLbl>
+  <dgm:styleLbl name="callout">
+    <dgm:scene3d>
+      <a:camera prst="orthographicFront"/>
+      <a:lightRig rig="threePt" dir="t"/>
+    </dgm:scene3d>
+    <dgm:sp3d/>
+    <dgm:txPr/>
+    <dgm:style>
+      <a:lnRef idx="2">
+        <a:scrgbClr r="0" g="0" b="0"/>
+      </a:lnRef>
+      <a:fillRef idx="1">
+        <a:scrgbClr r="0" g="0" b="0"/>
+      </a:fillRef>
+      <a:effectRef idx="1">
+        <a:scrgbClr r="0" g="0" b="0"/>
+      </a:effectRef>
+      <a:fontRef idx="minor"/>
+    </dgm:style>
+  </dgm:styleLbl>
+  <dgm:styleLbl name="asst0">
+    <dgm:scene3d>
+      <a:camera prst="orthographicFront"/>
+      <a:lightRig rig="threePt" dir="t"/>
+    </dgm:scene3d>
+    <dgm:sp3d/>
+    <dgm:txPr/>
+    <dgm:style>
+      <a:lnRef idx="0">
+        <a:scrgbClr r="0" g="0" b="0"/>
+      </a:lnRef>
+      <a:fillRef idx="3">
+        <a:scrgbClr r="0" g="0" b="0"/>
+      </a:fillRef>
+      <a:effectRef idx="2">
+        <a:scrgbClr r="0" g="0" b="0"/>
+      </a:effectRef>
+      <a:fontRef idx="minor">
+        <a:schemeClr val="lt1"/>
+      </a:fontRef>
+    </dgm:style>
+  </dgm:styleLbl>
+  <dgm:styleLbl name="asst1">
+    <dgm:scene3d>
+      <a:camera prst="orthographicFront"/>
+      <a:lightRig rig="threePt" dir="t"/>
+    </dgm:scene3d>
+    <dgm:sp3d/>
+    <dgm:txPr/>
+    <dgm:style>
+      <a:lnRef idx="0">
+        <a:scrgbClr r="0" g="0" b="0"/>
+      </a:lnRef>
+      <a:fillRef idx="3">
+        <a:scrgbClr r="0" g="0" b="0"/>
+      </a:fillRef>
+      <a:effectRef idx="2">
+        <a:scrgbClr r="0" g="0" b="0"/>
+      </a:effectRef>
+      <a:fontRef idx="minor">
+        <a:schemeClr val="lt1"/>
+      </a:fontRef>
+    </dgm:style>
+  </dgm:styleLbl>
+  <dgm:styleLbl name="asst2">
+    <dgm:scene3d>
+      <a:camera prst="orthographicFront"/>
+      <a:lightRig rig="threePt" dir="t"/>
+    </dgm:scene3d>
+    <dgm:sp3d/>
+    <dgm:txPr/>
+    <dgm:style>
+      <a:lnRef idx="0">
+        <a:scrgbClr r="0" g="0" b="0"/>
+      </a:lnRef>
+      <a:fillRef idx="3">
+        <a:scrgbClr r="0" g="0" b="0"/>
+      </a:fillRef>
+      <a:effectRef idx="2">
+        <a:scrgbClr r="0" g="0" b="0"/>
+      </a:effectRef>
+      <a:fontRef idx="minor">
+        <a:schemeClr val="lt1"/>
+      </a:fontRef>
+    </dgm:style>
+  </dgm:styleLbl>
+  <dgm:styleLbl name="asst3">
+    <dgm:scene3d>
+      <a:camera prst="orthographicFront"/>
+      <a:lightRig rig="threePt" dir="t"/>
+    </dgm:scene3d>
+    <dgm:sp3d/>
+    <dgm:txPr/>
+    <dgm:style>
+      <a:lnRef idx="0">
+        <a:scrgbClr r="0" g="0" b="0"/>
+      </a:lnRef>
+      <a:fillRef idx="3">
+        <a:scrgbClr r="0" g="0" b="0"/>
+      </a:fillRef>
+      <a:effectRef idx="2">
+        <a:scrgbClr r="0" g="0" b="0"/>
+      </a:effectRef>
+      <a:fontRef idx="minor">
+        <a:schemeClr val="lt1"/>
+      </a:fontRef>
+    </dgm:style>
+  </dgm:styleLbl>
+  <dgm:styleLbl name="asst4">
+    <dgm:scene3d>
+      <a:camera prst="orthographicFront"/>
+      <a:lightRig rig="threePt" dir="t"/>
+    </dgm:scene3d>
+    <dgm:sp3d/>
+    <dgm:txPr/>
+    <dgm:style>
+      <a:lnRef idx="0">
+        <a:scrgbClr r="0" g="0" b="0"/>
+      </a:lnRef>
+      <a:fillRef idx="3">
+        <a:scrgbClr r="0" g="0" b="0"/>
+      </a:fillRef>
+      <a:effectRef idx="2">
+        <a:scrgbClr r="0" g="0" b="0"/>
+      </a:effectRef>
+      <a:fontRef idx="minor">
+        <a:schemeClr val="lt1"/>
+      </a:fontRef>
+    </dgm:style>
+  </dgm:styleLbl>
+  <dgm:styleLbl name="parChTrans2D1">
+    <dgm:scene3d>
+      <a:camera prst="orthographicFront"/>
+      <a:lightRig rig="threePt" dir="t"/>
+    </dgm:scene3d>
+    <dgm:sp3d/>
+    <dgm:txPr/>
+    <dgm:style>
+      <a:lnRef idx="0">
+        <a:scrgbClr r="0" g="0" b="0"/>
+      </a:lnRef>
+      <a:fillRef idx="3">
+        <a:scrgbClr r="0" g="0" b="0"/>
+      </a:fillRef>
+      <a:effectRef idx="2">
+        <a:scrgbClr r="0" g="0" b="0"/>
+      </a:effectRef>
+      <a:fontRef idx="minor">
+        <a:schemeClr val="lt1"/>
+      </a:fontRef>
+    </dgm:style>
+  </dgm:styleLbl>
+  <dgm:styleLbl name="parChTrans2D2">
+    <dgm:scene3d>
+      <a:camera prst="orthographicFront"/>
+      <a:lightRig rig="threePt" dir="t"/>
+    </dgm:scene3d>
+    <dgm:sp3d/>
+    <dgm:txPr/>
+    <dgm:style>
+      <a:lnRef idx="0">
+        <a:scrgbClr r="0" g="0" b="0"/>
+      </a:lnRef>
+      <a:fillRef idx="3">
+        <a:scrgbClr r="0" g="0" b="0"/>
+      </a:fillRef>
+      <a:effectRef idx="2">
+        <a:scrgbClr r="0" g="0" b="0"/>
+      </a:effectRef>
+      <a:fontRef idx="minor">
+        <a:schemeClr val="lt1"/>
+      </a:fontRef>
+    </dgm:style>
+  </dgm:styleLbl>
+  <dgm:styleLbl name="parChTrans2D3">
+    <dgm:scene3d>
+      <a:camera prst="orthographicFront"/>
+      <a:lightRig rig="threePt" dir="t"/>
+    </dgm:scene3d>
+    <dgm:sp3d/>
+    <dgm:txPr/>
+    <dgm:style>
+      <a:lnRef idx="1">
+        <a:scrgbClr r="0" g="0" b="0"/>
+      </a:lnRef>
+      <a:fillRef idx="3">
+        <a:scrgbClr r="0" g="0" b="0"/>
+      </a:fillRef>
+      <a:effectRef idx="2">
+        <a:scrgbClr r="0" g="0" b="0"/>
+      </a:effectRef>
+      <a:fontRef idx="minor">
+        <a:schemeClr val="lt1"/>
+      </a:fontRef>
+    </dgm:style>
+  </dgm:styleLbl>
+  <dgm:styleLbl name="parChTrans2D4">
+    <dgm:scene3d>
+      <a:camera prst="orthographicFront"/>
+      <a:lightRig rig="threePt" dir="t"/>
+    </dgm:scene3d>
+    <dgm:sp3d/>
+    <dgm:txPr/>
+    <dgm:style>
+      <a:lnRef idx="1">
+        <a:scrgbClr r="0" g="0" b="0"/>
+      </a:lnRef>
+      <a:fillRef idx="3">
+        <a:scrgbClr r="0" g="0" b="0"/>
+      </a:fillRef>
+      <a:effectRef idx="2">
+        <a:scrgbClr r="0" g="0" b="0"/>
+      </a:effectRef>
+      <a:fontRef idx="minor">
+        <a:schemeClr val="lt1"/>
+      </a:fontRef>
+    </dgm:style>
+  </dgm:styleLbl>
+  <dgm:styleLbl name="parChTrans1D1">
+    <dgm:scene3d>
+      <a:camera prst="orthographicFront"/>
+      <a:lightRig rig="threePt" dir="t"/>
+    </dgm:scene3d>
+    <dgm:sp3d/>
+    <dgm:txPr/>
+    <dgm:style>
+      <a:lnRef idx="1">
+        <a:scrgbClr r="0" g="0" b="0"/>
+      </a:lnRef>
+      <a:fillRef idx="0">
+        <a:scrgbClr r="0" g="0" b="0"/>
+      </a:fillRef>
+      <a:effectRef idx="0">
+        <a:scrgbClr r="0" g="0" b="0"/>
+      </a:effectRef>
+      <a:fontRef idx="minor"/>
+    </dgm:style>
+  </dgm:styleLbl>
+  <dgm:styleLbl name="parChTrans1D2">
+    <dgm:scene3d>
+      <a:camera prst="orthographicFront"/>
+      <a:lightRig rig="threePt" dir="t"/>
+    </dgm:scene3d>
+    <dgm:sp3d/>
+    <dgm:txPr/>
+    <dgm:style>
+      <a:lnRef idx="1">
+        <a:scrgbClr r="0" g="0" b="0"/>
+      </a:lnRef>
+      <a:fillRef idx="0">
+        <a:scrgbClr r="0" g="0" b="0"/>
+      </a:fillRef>
+      <a:effectRef idx="0">
+        <a:scrgbClr r="0" g="0" b="0"/>
+      </a:effectRef>
+      <a:fontRef idx="minor"/>
+    </dgm:style>
+  </dgm:styleLbl>
+  <dgm:styleLbl name="parChTrans1D3">
+    <dgm:scene3d>
+      <a:camera prst="orthographicFront"/>
+      <a:lightRig rig="threePt" dir="t"/>
+    </dgm:scene3d>
+    <dgm:sp3d/>
+    <dgm:txPr/>
+    <dgm:style>
+      <a:lnRef idx="1">
+        <a:scrgbClr r="0" g="0" b="0"/>
+      </a:lnRef>
+      <a:fillRef idx="0">
+        <a:scrgbClr r="0" g="0" b="0"/>
+      </a:fillRef>
+      <a:effectRef idx="0">
+        <a:scrgbClr r="0" g="0" b="0"/>
+      </a:effectRef>
+      <a:fontRef idx="minor"/>
+    </dgm:style>
+  </dgm:styleLbl>
+  <dgm:styleLbl name="parChTrans1D4">
+    <dgm:scene3d>
+      <a:camera prst="orthographicFront"/>
+      <a:lightRig rig="threePt" dir="t"/>
+    </dgm:scene3d>
+    <dgm:sp3d/>
+    <dgm:txPr/>
+    <dgm:style>
+      <a:lnRef idx="1">
+        <a:scrgbClr r="0" g="0" b="0"/>
+      </a:lnRef>
+      <a:fillRef idx="0">
+        <a:scrgbClr r="0" g="0" b="0"/>
+      </a:fillRef>
+      <a:effectRef idx="0">
+        <a:scrgbClr r="0" g="0" b="0"/>
+      </a:effectRef>
+      <a:fontRef idx="minor"/>
+    </dgm:style>
+  </dgm:styleLbl>
+  <dgm:styleLbl name="fgAcc1">
+    <dgm:scene3d>
+      <a:camera prst="orthographicFront"/>
+      <a:lightRig rig="threePt" dir="t"/>
+    </dgm:scene3d>
+    <dgm:sp3d/>
+    <dgm:txPr/>
+    <dgm:style>
+      <a:lnRef idx="1">
+        <a:scrgbClr r="0" g="0" b="0"/>
+      </a:lnRef>
+      <a:fillRef idx="1">
+        <a:scrgbClr r="0" g="0" b="0"/>
+      </a:fillRef>
+      <a:effectRef idx="0">
+        <a:scrgbClr r="0" g="0" b="0"/>
+      </a:effectRef>
+      <a:fontRef idx="minor"/>
+    </dgm:style>
+  </dgm:styleLbl>
+  <dgm:styleLbl name="conFgAcc1">
+    <dgm:scene3d>
+      <a:camera prst="orthographicFront"/>
+      <a:lightRig rig="threePt" dir="t"/>
+    </dgm:scene3d>
+    <dgm:sp3d/>
+    <dgm:txPr/>
+    <dgm:style>
+      <a:lnRef idx="1">
+        <a:scrgbClr r="0" g="0" b="0"/>
+      </a:lnRef>
+      <a:fillRef idx="1">
+        <a:scrgbClr r="0" g="0" b="0"/>
+      </a:fillRef>
+      <a:effectRef idx="0">
+        <a:scrgbClr r="0" g="0" b="0"/>
+      </a:effectRef>
+      <a:fontRef idx="minor"/>
+    </dgm:style>
+  </dgm:styleLbl>
+  <dgm:styleLbl name="alignAcc1">
+    <dgm:scene3d>
+      <a:camera prst="orthographicFront"/>
+      <a:lightRig rig="threePt" dir="t"/>
+    </dgm:scene3d>
+    <dgm:sp3d/>
+    <dgm:txPr/>
+    <dgm:style>
+      <a:lnRef idx="1">
+        <a:scrgbClr r="0" g="0" b="0"/>
+      </a:lnRef>
+      <a:fillRef idx="1">
+        <a:scrgbClr r="0" g="0" b="0"/>
+      </a:fillRef>
+      <a:effectRef idx="0">
+        <a:scrgbClr r="0" g="0" b="0"/>
+      </a:effectRef>
+      <a:fontRef idx="minor"/>
+    </dgm:style>
+  </dgm:styleLbl>
+  <dgm:styleLbl name="trAlignAcc1">
+    <dgm:scene3d>
+      <a:camera prst="orthographicFront"/>
+      <a:lightRig rig="threePt" dir="t"/>
+    </dgm:scene3d>
+    <dgm:sp3d/>
+    <dgm:txPr/>
+    <dgm:style>
+      <a:lnRef idx="1">
+        <a:scrgbClr r="0" g="0" b="0"/>
+      </a:lnRef>
+      <a:fillRef idx="1">
+        <a:scrgbClr r="0" g="0" b="0"/>
+      </a:fillRef>
+      <a:effectRef idx="0">
+        <a:scrgbClr r="0" g="0" b="0"/>
+      </a:effectRef>
+      <a:fontRef idx="minor"/>
+    </dgm:style>
+  </dgm:styleLbl>
+  <dgm:styleLbl name="bgAcc1">
+    <dgm:scene3d>
+      <a:camera prst="orthographicFront"/>
+      <a:lightRig rig="threePt" dir="t"/>
+    </dgm:scene3d>
+    <dgm:sp3d/>
+    <dgm:txPr/>
+    <dgm:style>
+      <a:lnRef idx="1">
+        <a:scrgbClr r="0" g="0" b="0"/>
+      </a:lnRef>
+      <a:fillRef idx="1">
+        <a:scrgbClr r="0" g="0" b="0"/>
+      </a:fillRef>
+      <a:effectRef idx="0">
+        <a:scrgbClr r="0" g="0" b="0"/>
+      </a:effectRef>
+      <a:fontRef idx="minor"/>
+    </dgm:style>
+  </dgm:styleLbl>
+  <dgm:styleLbl name="solidFgAcc1">
+    <dgm:scene3d>
+      <a:camera prst="orthographicFront"/>
+      <a:lightRig rig="threePt" dir="t"/>
+    </dgm:scene3d>
+    <dgm:sp3d/>
+    <dgm:txPr/>
+    <dgm:style>
+      <a:lnRef idx="1">
+        <a:scrgbClr r="0" g="0" b="0"/>
+      </a:lnRef>
+      <a:fillRef idx="1">
+        <a:scrgbClr r="0" g="0" b="0"/>
+      </a:fillRef>
+      <a:effectRef idx="0">
+        <a:scrgbClr r="0" g="0" b="0"/>
+      </a:effectRef>
+      <a:fontRef idx="minor"/>
+    </dgm:style>
+  </dgm:styleLbl>
+  <dgm:styleLbl name="solidAlignAcc1">
+    <dgm:scene3d>
+      <a:camera prst="orthographicFront"/>
+      <a:lightRig rig="threePt" dir="t"/>
+    </dgm:scene3d>
+    <dgm:sp3d/>
+    <dgm:txPr/>
+    <dgm:style>
+      <a:lnRef idx="1">
+        <a:scrgbClr r="0" g="0" b="0"/>
+      </a:lnRef>
+      <a:fillRef idx="1">
+        <a:scrgbClr r="0" g="0" b="0"/>
+      </a:fillRef>
+      <a:effectRef idx="0">
+        <a:scrgbClr r="0" g="0" b="0"/>
+      </a:effectRef>
+      <a:fontRef idx="minor"/>
+    </dgm:style>
+  </dgm:styleLbl>
+  <dgm:styleLbl name="solidBgAcc1">
+    <dgm:scene3d>
+      <a:camera prst="orthographicFront"/>
+      <a:lightRig rig="threePt" dir="t"/>
+    </dgm:scene3d>
+    <dgm:sp3d/>
+    <dgm:txPr/>
+    <dgm:style>
+      <a:lnRef idx="1">
+        <a:scrgbClr r="0" g="0" b="0"/>
+      </a:lnRef>
+      <a:fillRef idx="1">
+        <a:scrgbClr r="0" g="0" b="0"/>
+      </a:fillRef>
+      <a:effectRef idx="0">
+        <a:scrgbClr r="0" g="0" b="0"/>
+      </a:effectRef>
+      <a:fontRef idx="minor"/>
+    </dgm:style>
+  </dgm:styleLbl>
+  <dgm:styleLbl name="fgAccFollowNode1">
+    <dgm:scene3d>
+      <a:camera prst="orthographicFront"/>
+      <a:lightRig rig="threePt" dir="t"/>
+    </dgm:scene3d>
+    <dgm:sp3d/>
+    <dgm:txPr/>
+    <dgm:style>
+      <a:lnRef idx="1">
+        <a:scrgbClr r="0" g="0" b="0"/>
+      </a:lnRef>
+      <a:fillRef idx="1">
+        <a:scrgbClr r="0" g="0" b="0"/>
+      </a:fillRef>
+      <a:effectRef idx="0">
+        <a:scrgbClr r="0" g="0" b="0"/>
+      </a:effectRef>
+      <a:fontRef idx="minor"/>
+    </dgm:style>
+  </dgm:styleLbl>
+  <dgm:styleLbl name="alignAccFollowNode1">
+    <dgm:scene3d>
+      <a:camera prst="orthographicFront"/>
+      <a:lightRig rig="threePt" dir="t"/>
+    </dgm:scene3d>
+    <dgm:sp3d/>
+    <dgm:txPr/>
+    <dgm:style>
+      <a:lnRef idx="1">
+        <a:scrgbClr r="0" g="0" b="0"/>
+      </a:lnRef>
+      <a:fillRef idx="1">
+        <a:scrgbClr r="0" g="0" b="0"/>
+      </a:fillRef>
+      <a:effectRef idx="0">
+        <a:scrgbClr r="0" g="0" b="0"/>
+      </a:effectRef>
+      <a:fontRef idx="minor"/>
+    </dgm:style>
+  </dgm:styleLbl>
+  <dgm:styleLbl name="bgAccFollowNode1">
+    <dgm:scene3d>
+      <a:camera prst="orthographicFront"/>
+      <a:lightRig rig="threePt" dir="t"/>
+    </dgm:scene3d>
+    <dgm:sp3d/>
+    <dgm:txPr/>
+    <dgm:style>
+      <a:lnRef idx="1">
+        <a:scrgbClr r="0" g="0" b="0"/>
+      </a:lnRef>
+      <a:fillRef idx="1">
+        <a:scrgbClr r="0" g="0" b="0"/>
+      </a:fillRef>
+      <a:effectRef idx="0">
+        <a:scrgbClr r="0" g="0" b="0"/>
+      </a:effectRef>
+      <a:fontRef idx="minor"/>
+    </dgm:style>
+  </dgm:styleLbl>
+  <dgm:styleLbl name="fgAcc0">
+    <dgm:scene3d>
+      <a:camera prst="orthographicFront"/>
+      <a:lightRig rig="threePt" dir="t"/>
+    </dgm:scene3d>
+    <dgm:sp3d/>
+    <dgm:txPr/>
+    <dgm:style>
+      <a:lnRef idx="1">
+        <a:scrgbClr r="0" g="0" b="0"/>
+      </a:lnRef>
+      <a:fillRef idx="1">
+        <a:scrgbClr r="0" g="0" b="0"/>
+      </a:fillRef>
+      <a:effectRef idx="0">
+        <a:scrgbClr r="0" g="0" b="0"/>
+      </a:effectRef>
+      <a:fontRef idx="minor"/>
+    </dgm:style>
+  </dgm:styleLbl>
+  <dgm:styleLbl name="fgAcc2">
+    <dgm:scene3d>
+      <a:camera prst="orthographicFront"/>
+      <a:lightRig rig="threePt" dir="t"/>
+    </dgm:scene3d>
+    <dgm:sp3d/>
+    <dgm:txPr/>
+    <dgm:style>
+      <a:lnRef idx="1">
+        <a:scrgbClr r="0" g="0" b="0"/>
+      </a:lnRef>
+      <a:fillRef idx="1">
+        <a:scrgbClr r="0" g="0" b="0"/>
+      </a:fillRef>
+      <a:effectRef idx="0">
+        <a:scrgbClr r="0" g="0" b="0"/>
+      </a:effectRef>
+      <a:fontRef idx="minor"/>
+    </dgm:style>
+  </dgm:styleLbl>
+  <dgm:styleLbl name="fgAcc3">
+    <dgm:scene3d>
+      <a:camera prst="orthographicFront"/>
+      <a:lightRig rig="threePt" dir="t"/>
+    </dgm:scene3d>
+    <dgm:sp3d/>
+    <dgm:txPr/>
+    <dgm:style>
+      <a:lnRef idx="1">
+        <a:scrgbClr r="0" g="0" b="0"/>
+      </a:lnRef>
+      <a:fillRef idx="1">
+        <a:scrgbClr r="0" g="0" b="0"/>
+      </a:fillRef>
+      <a:effectRef idx="0">
+        <a:scrgbClr r="0" g="0" b="0"/>
+      </a:effectRef>
+      <a:fontRef idx="minor"/>
+    </dgm:style>
+  </dgm:styleLbl>
+  <dgm:styleLbl name="fgAcc4">
+    <dgm:scene3d>
+      <a:camera prst="orthographicFront"/>
+      <a:lightRig rig="threePt" dir="t"/>
+    </dgm:scene3d>
+    <dgm:sp3d/>
+    <dgm:txPr/>
+    <dgm:style>
+      <a:lnRef idx="1">
+        <a:scrgbClr r="0" g="0" b="0"/>
+      </a:lnRef>
+      <a:fillRef idx="1">
+        <a:scrgbClr r="0" g="0" b="0"/>
+      </a:fillRef>
+      <a:effectRef idx="0">
+        <a:scrgbClr r="0" g="0" b="0"/>
+      </a:effectRef>
+      <a:fontRef idx="minor"/>
+    </dgm:style>
+  </dgm:styleLbl>
+  <dgm:styleLbl name="bgShp">
+    <dgm:scene3d>
+      <a:camera prst="orthographicFront"/>
+      <a:lightRig rig="threePt" dir="t"/>
+    </dgm:scene3d>
+    <dgm:sp3d/>
+    <dgm:txPr/>
+    <dgm:style>
+      <a:lnRef idx="0">
+        <a:scrgbClr r="0" g="0" b="0"/>
+      </a:lnRef>
+      <a:fillRef idx="1">
+        <a:scrgbClr r="0" g="0" b="0"/>
+      </a:fillRef>
+      <a:effectRef idx="2">
+        <a:scrgbClr r="0" g="0" b="0"/>
+      </a:effectRef>
+      <a:fontRef idx="minor"/>
+    </dgm:style>
+  </dgm:styleLbl>
+  <dgm:styleLbl name="dkBgShp">
+    <dgm:scene3d>
+      <a:camera prst="orthographicFront"/>
+      <a:lightRig rig="threePt" dir="t"/>
+    </dgm:scene3d>
+    <dgm:sp3d/>
+    <dgm:txPr/>
+    <dgm:style>
+      <a:lnRef idx="0">
+        <a:scrgbClr r="0" g="0" b="0"/>
+      </a:lnRef>
+      <a:fillRef idx="1">
+        <a:scrgbClr r="0" g="0" b="0"/>
+      </a:fillRef>
+      <a:effectRef idx="2">
+        <a:scrgbClr r="0" g="0" b="0"/>
+      </a:effectRef>
+      <a:fontRef idx="minor"/>
+    </dgm:style>
+  </dgm:styleLbl>
+  <dgm:styleLbl name="trBgShp">
+    <dgm:scene3d>
+      <a:camera prst="orthographicFront"/>
+      <a:lightRig rig="threePt" dir="t"/>
+    </dgm:scene3d>
+    <dgm:sp3d/>
+    <dgm:txPr/>
+    <dgm:style>
+      <a:lnRef idx="0">
+        <a:scrgbClr r="0" g="0" b="0"/>
+      </a:lnRef>
+      <a:fillRef idx="1">
+        <a:scrgbClr r="0" g="0" b="0"/>
+      </a:fillRef>
+      <a:effectRef idx="0">
+        <a:scrgbClr r="0" g="0" b="0"/>
+      </a:effectRef>
+      <a:fontRef idx="minor"/>
+    </dgm:style>
+  </dgm:styleLbl>
+  <dgm:styleLbl name="fgShp">
+    <dgm:scene3d>
+      <a:camera prst="orthographicFront"/>
+      <a:lightRig rig="threePt" dir="t"/>
+    </dgm:scene3d>
+    <dgm:sp3d/>
+    <dgm:txPr/>
+    <dgm:style>
+      <a:lnRef idx="0">
+        <a:scrgbClr r="0" g="0" b="0"/>
+      </a:lnRef>
+      <a:fillRef idx="3">
+        <a:scrgbClr r="0" g="0" b="0"/>
+      </a:fillRef>
+      <a:effectRef idx="2">
+        <a:scrgbClr r="0" g="0" b="0"/>
+      </a:effectRef>
+      <a:fontRef idx="minor"/>
+    </dgm:style>
+  </dgm:styleLbl>
+  <dgm:styleLbl name="revTx">
+    <dgm:scene3d>
+      <a:camera prst="orthographicFront"/>
+      <a:lightRig rig="threePt" dir="t"/>
+    </dgm:scene3d>
+    <dgm:sp3d/>
+    <dgm:txPr/>
+    <dgm:style>
+      <a:lnRef idx="0">
+        <a:scrgbClr r="0" g="0" b="0"/>
+      </a:lnRef>
+      <a:fillRef idx="0">
+        <a:scrgbClr r="0" g="0" b="0"/>
+      </a:fillRef>
+      <a:effectRef idx="0">
+        <a:scrgbClr r="0" g="0" b="0"/>
+      </a:effectRef>
+      <a:fontRef idx="minor"/>
+    </dgm:style>
+  </dgm:styleLbl>
+</dgm:styleDef>
+</file>
+
+<file path=ppt/diagrams/quickStyle6.xml><?xml version="1.0" encoding="utf-8"?>
 <dgm:styleDef xmlns:dgm="http://schemas.openxmlformats.org/drawingml/2006/diagram" xmlns:a="http://schemas.openxmlformats.org/drawingml/2006/main" uniqueId="urn:microsoft.com/office/officeart/2005/8/quickstyle/simple4">
   <dgm:title val=""/>
   <dgm:desc val=""/>
@@ -21543,7 +24411,7 @@
         </p:nvSpPr>
         <p:spPr>
           <a:xfrm>
-            <a:off x="381000" y="1905000"/>
+            <a:off x="228600" y="2205317"/>
             <a:ext cx="4114800" cy="3133165"/>
           </a:xfrm>
         </p:spPr>
@@ -21594,25 +24462,31 @@
           </a:p>
         </p:txBody>
       </p:sp>
-      <p:sp>
-        <p:nvSpPr>
-          <p:cNvPr id="4" name="Content Placeholder 3"/>
-          <p:cNvSpPr>
-            <a:spLocks noGrp="1"/>
-          </p:cNvSpPr>
+      <p:graphicFrame>
+        <p:nvGraphicFramePr>
+          <p:cNvPr id="5" name="Content Placeholder 4"/>
+          <p:cNvGraphicFramePr>
+            <a:graphicFrameLocks noGrp="1"/>
+          </p:cNvGraphicFramePr>
           <p:nvPr>
             <p:ph sz="half" idx="2"/>
+            <p:extLst>
+              <p:ext uri="{D42A27DB-BD31-4B8C-83A1-F6EECF244321}">
+                <p14:modId xmlns:p14="http://schemas.microsoft.com/office/powerpoint/2010/main" val="1194417742"/>
+              </p:ext>
+            </p:extLst>
           </p:nvPr>
-        </p:nvSpPr>
-        <p:spPr/>
-        <p:txBody>
-          <a:bodyPr/>
-          <a:lstStyle/>
-          <a:p>
-            <a:endParaRPr lang="en-US"/>
-          </a:p>
-        </p:txBody>
-      </p:sp>
+        </p:nvGraphicFramePr>
+        <p:xfrm>
+          <a:off x="4648200" y="1524000"/>
+          <a:ext cx="4114800" cy="4191000"/>
+        </p:xfrm>
+        <a:graphic>
+          <a:graphicData uri="http://schemas.openxmlformats.org/drawingml/2006/diagram">
+            <dgm:relIds xmlns:dgm="http://schemas.openxmlformats.org/drawingml/2006/diagram" xmlns:r="http://schemas.openxmlformats.org/officeDocument/2006/relationships" r:dm="rId3" r:lo="rId4" r:qs="rId5" r:cs="rId6"/>
+          </a:graphicData>
+        </a:graphic>
+      </p:graphicFrame>
     </p:spTree>
     <p:extLst>
       <p:ext uri="{BB962C8B-B14F-4D97-AF65-F5344CB8AC3E}">

--- a/docs/ABMsAsAlgebraic.pptx
+++ b/docs/ABMsAsAlgebraic.pptx
@@ -6,7 +6,7 @@
     <p:sldMasterId id="2147483674" r:id="rId5"/>
   </p:sldMasterIdLst>
   <p:notesMasterIdLst>
-    <p:notesMasterId r:id="rId26"/>
+    <p:notesMasterId r:id="rId34"/>
   </p:notesMasterIdLst>
   <p:sldIdLst>
     <p:sldId id="257" r:id="rId6"/>
@@ -27,8 +27,16 @@
     <p:sldId id="295" r:id="rId21"/>
     <p:sldId id="296" r:id="rId22"/>
     <p:sldId id="297" r:id="rId23"/>
-    <p:sldId id="290" r:id="rId24"/>
-    <p:sldId id="268" r:id="rId25"/>
+    <p:sldId id="299" r:id="rId24"/>
+    <p:sldId id="301" r:id="rId25"/>
+    <p:sldId id="302" r:id="rId26"/>
+    <p:sldId id="303" r:id="rId27"/>
+    <p:sldId id="304" r:id="rId28"/>
+    <p:sldId id="305" r:id="rId29"/>
+    <p:sldId id="306" r:id="rId30"/>
+    <p:sldId id="290" r:id="rId31"/>
+    <p:sldId id="268" r:id="rId32"/>
+    <p:sldId id="307" r:id="rId33"/>
   </p:sldIdLst>
   <p:sldSz cx="9144000" cy="6858000" type="screen4x3"/>
   <p:notesSz cx="6858000" cy="9144000"/>
@@ -1641,11 +1649,11 @@
 </file>
 
 <file path=ppt/diagrams/colors3.xml><?xml version="1.0" encoding="utf-8"?>
-<dgm:colorsDef xmlns:dgm="http://schemas.openxmlformats.org/drawingml/2006/diagram" xmlns:a="http://schemas.openxmlformats.org/drawingml/2006/main" uniqueId="urn:microsoft.com/office/officeart/2005/8/colors/accent1_2">
+<dgm:colorsDef xmlns:dgm="http://schemas.openxmlformats.org/drawingml/2006/diagram" xmlns:a="http://schemas.openxmlformats.org/drawingml/2006/main" uniqueId="urn:microsoft.com/office/officeart/2005/8/colors/colorful1">
   <dgm:title val=""/>
   <dgm:desc val=""/>
   <dgm:catLst>
-    <dgm:cat type="accent1" pri="11200"/>
+    <dgm:cat type="colorful" pri="10100"/>
   </dgm:catLst>
   <dgm:styleLbl name="node0">
     <dgm:fillClrLst meth="repeat">
@@ -1659,21 +1667,49 @@
     <dgm:txFillClrLst/>
     <dgm:txEffectClrLst/>
   </dgm:styleLbl>
+  <dgm:styleLbl name="node1">
+    <dgm:fillClrLst meth="repeat">
+      <a:schemeClr val="accent2"/>
+      <a:schemeClr val="accent3"/>
+      <a:schemeClr val="accent4"/>
+      <a:schemeClr val="accent5"/>
+      <a:schemeClr val="accent6"/>
+    </dgm:fillClrLst>
+    <dgm:linClrLst meth="repeat">
+      <a:schemeClr val="lt1"/>
+    </dgm:linClrLst>
+    <dgm:effectClrLst/>
+    <dgm:txLinClrLst/>
+    <dgm:txFillClrLst/>
+    <dgm:txEffectClrLst/>
+  </dgm:styleLbl>
   <dgm:styleLbl name="alignNode1">
     <dgm:fillClrLst meth="repeat">
-      <a:schemeClr val="accent1"/>
+      <a:schemeClr val="accent2"/>
+      <a:schemeClr val="accent3"/>
+      <a:schemeClr val="accent4"/>
+      <a:schemeClr val="accent5"/>
+      <a:schemeClr val="accent6"/>
     </dgm:fillClrLst>
     <dgm:linClrLst meth="repeat">
-      <a:schemeClr val="accent1"/>
+      <a:schemeClr val="accent2"/>
+      <a:schemeClr val="accent3"/>
+      <a:schemeClr val="accent4"/>
+      <a:schemeClr val="accent5"/>
+      <a:schemeClr val="accent6"/>
     </dgm:linClrLst>
     <dgm:effectClrLst/>
     <dgm:txLinClrLst/>
     <dgm:txFillClrLst/>
     <dgm:txEffectClrLst/>
   </dgm:styleLbl>
-  <dgm:styleLbl name="node1">
+  <dgm:styleLbl name="lnNode1">
     <dgm:fillClrLst meth="repeat">
-      <a:schemeClr val="accent1"/>
+      <a:schemeClr val="accent2"/>
+      <a:schemeClr val="accent3"/>
+      <a:schemeClr val="accent4"/>
+      <a:schemeClr val="accent5"/>
+      <a:schemeClr val="accent6"/>
     </dgm:fillClrLst>
     <dgm:linClrLst meth="repeat">
       <a:schemeClr val="lt1"/>
@@ -1683,9 +1719,23 @@
     <dgm:txFillClrLst/>
     <dgm:txEffectClrLst/>
   </dgm:styleLbl>
-  <dgm:styleLbl name="lnNode1">
+  <dgm:styleLbl name="vennNode1">
     <dgm:fillClrLst meth="repeat">
-      <a:schemeClr val="accent1"/>
+      <a:schemeClr val="accent2">
+        <a:alpha val="50000"/>
+      </a:schemeClr>
+      <a:schemeClr val="accent3">
+        <a:alpha val="50000"/>
+      </a:schemeClr>
+      <a:schemeClr val="accent4">
+        <a:alpha val="50000"/>
+      </a:schemeClr>
+      <a:schemeClr val="accent5">
+        <a:alpha val="50000"/>
+      </a:schemeClr>
+      <a:schemeClr val="accent6">
+        <a:alpha val="50000"/>
+      </a:schemeClr>
     </dgm:fillClrLst>
     <dgm:linClrLst meth="repeat">
       <a:schemeClr val="lt1"/>
@@ -1695,11 +1745,9 @@
     <dgm:txFillClrLst/>
     <dgm:txEffectClrLst/>
   </dgm:styleLbl>
-  <dgm:styleLbl name="vennNode1">
-    <dgm:fillClrLst meth="repeat">
-      <a:schemeClr val="accent1">
-        <a:alpha val="50000"/>
-      </a:schemeClr>
+  <dgm:styleLbl name="node2">
+    <dgm:fillClrLst>
+      <a:schemeClr val="accent2"/>
     </dgm:fillClrLst>
     <dgm:linClrLst meth="repeat">
       <a:schemeClr val="lt1"/>
@@ -1709,9 +1757,9 @@
     <dgm:txFillClrLst/>
     <dgm:txEffectClrLst/>
   </dgm:styleLbl>
-  <dgm:styleLbl name="node2">
-    <dgm:fillClrLst meth="repeat">
-      <a:schemeClr val="accent1"/>
+  <dgm:styleLbl name="node3">
+    <dgm:fillClrLst>
+      <a:schemeClr val="accent3"/>
     </dgm:fillClrLst>
     <dgm:linClrLst meth="repeat">
       <a:schemeClr val="lt1"/>
@@ -1721,9 +1769,9 @@
     <dgm:txFillClrLst/>
     <dgm:txEffectClrLst/>
   </dgm:styleLbl>
-  <dgm:styleLbl name="node3">
-    <dgm:fillClrLst meth="repeat">
-      <a:schemeClr val="accent1"/>
+  <dgm:styleLbl name="node4">
+    <dgm:fillClrLst>
+      <a:schemeClr val="accent4"/>
     </dgm:fillClrLst>
     <dgm:linClrLst meth="repeat">
       <a:schemeClr val="lt1"/>
@@ -1733,21 +1781,21 @@
     <dgm:txFillClrLst/>
     <dgm:txEffectClrLst/>
   </dgm:styleLbl>
-  <dgm:styleLbl name="node4">
-    <dgm:fillClrLst meth="repeat">
-      <a:schemeClr val="accent1"/>
-    </dgm:fillClrLst>
-    <dgm:linClrLst meth="repeat">
-      <a:schemeClr val="lt1"/>
-    </dgm:linClrLst>
-    <dgm:effectClrLst/>
-    <dgm:txLinClrLst/>
-    <dgm:txFillClrLst/>
-    <dgm:txEffectClrLst/>
-  </dgm:styleLbl>
   <dgm:styleLbl name="fgImgPlace1">
     <dgm:fillClrLst meth="repeat">
-      <a:schemeClr val="accent1">
+      <a:schemeClr val="accent2">
+        <a:tint val="50000"/>
+      </a:schemeClr>
+      <a:schemeClr val="accent3">
+        <a:tint val="50000"/>
+      </a:schemeClr>
+      <a:schemeClr val="accent4">
+        <a:tint val="50000"/>
+      </a:schemeClr>
+      <a:schemeClr val="accent5">
+        <a:tint val="50000"/>
+      </a:schemeClr>
+      <a:schemeClr val="accent6">
         <a:tint val="50000"/>
       </a:schemeClr>
     </dgm:fillClrLst>
@@ -1762,9 +1810,12 @@
     <dgm:txEffectClrLst/>
   </dgm:styleLbl>
   <dgm:styleLbl name="alignImgPlace1">
-    <dgm:fillClrLst meth="repeat">
+    <dgm:fillClrLst>
       <a:schemeClr val="accent1">
         <a:tint val="50000"/>
+      </a:schemeClr>
+      <a:schemeClr val="accent2">
+        <a:tint val="20000"/>
       </a:schemeClr>
     </dgm:fillClrLst>
     <dgm:linClrLst meth="repeat">
@@ -1778,9 +1829,12 @@
     <dgm:txEffectClrLst/>
   </dgm:styleLbl>
   <dgm:styleLbl name="bgImgPlace1">
-    <dgm:fillClrLst meth="repeat">
+    <dgm:fillClrLst>
       <a:schemeClr val="accent1">
         <a:tint val="50000"/>
+      </a:schemeClr>
+      <a:schemeClr val="accent2">
+        <a:tint val="20000"/>
       </a:schemeClr>
     </dgm:fillClrLst>
     <dgm:linClrLst meth="repeat">
@@ -1795,14 +1849,14 @@
   </dgm:styleLbl>
   <dgm:styleLbl name="sibTrans2D1">
     <dgm:fillClrLst meth="repeat">
-      <a:schemeClr val="accent1">
-        <a:tint val="60000"/>
-      </a:schemeClr>
-    </dgm:fillClrLst>
-    <dgm:linClrLst meth="repeat">
-      <a:schemeClr val="accent1">
-        <a:tint val="60000"/>
-      </a:schemeClr>
+      <a:schemeClr val="accent2"/>
+      <a:schemeClr val="accent3"/>
+      <a:schemeClr val="accent4"/>
+      <a:schemeClr val="accent5"/>
+      <a:schemeClr val="accent6"/>
+    </dgm:fillClrLst>
+    <dgm:linClrLst meth="cycle">
+      <a:schemeClr val="lt1"/>
     </dgm:linClrLst>
     <dgm:effectClrLst/>
     <dgm:txLinClrLst/>
@@ -1811,42 +1865,54 @@
   </dgm:styleLbl>
   <dgm:styleLbl name="fgSibTrans2D1">
     <dgm:fillClrLst meth="repeat">
-      <a:schemeClr val="accent1">
-        <a:tint val="60000"/>
-      </a:schemeClr>
-    </dgm:fillClrLst>
-    <dgm:linClrLst meth="repeat">
-      <a:schemeClr val="accent1">
-        <a:tint val="60000"/>
-      </a:schemeClr>
-    </dgm:linClrLst>
-    <dgm:effectClrLst/>
-    <dgm:txLinClrLst/>
-    <dgm:txFillClrLst/>
+      <a:schemeClr val="accent2"/>
+      <a:schemeClr val="accent3"/>
+      <a:schemeClr val="accent4"/>
+      <a:schemeClr val="accent5"/>
+      <a:schemeClr val="accent6"/>
+    </dgm:fillClrLst>
+    <dgm:linClrLst meth="cycle">
+      <a:schemeClr val="lt1"/>
+    </dgm:linClrLst>
+    <dgm:effectClrLst/>
+    <dgm:txLinClrLst/>
+    <dgm:txFillClrLst meth="repeat">
+      <a:schemeClr val="lt1"/>
+    </dgm:txFillClrLst>
     <dgm:txEffectClrLst/>
   </dgm:styleLbl>
   <dgm:styleLbl name="bgSibTrans2D1">
     <dgm:fillClrLst meth="repeat">
-      <a:schemeClr val="accent1">
-        <a:tint val="60000"/>
-      </a:schemeClr>
-    </dgm:fillClrLst>
-    <dgm:linClrLst meth="repeat">
-      <a:schemeClr val="accent1">
-        <a:tint val="60000"/>
-      </a:schemeClr>
-    </dgm:linClrLst>
-    <dgm:effectClrLst/>
-    <dgm:txLinClrLst/>
-    <dgm:txFillClrLst/>
+      <a:schemeClr val="accent2"/>
+      <a:schemeClr val="accent3"/>
+      <a:schemeClr val="accent4"/>
+      <a:schemeClr val="accent5"/>
+      <a:schemeClr val="accent6"/>
+    </dgm:fillClrLst>
+    <dgm:linClrLst meth="cycle">
+      <a:schemeClr val="lt1"/>
+    </dgm:linClrLst>
+    <dgm:effectClrLst/>
+    <dgm:txLinClrLst/>
+    <dgm:txFillClrLst meth="repeat">
+      <a:schemeClr val="lt1"/>
+    </dgm:txFillClrLst>
     <dgm:txEffectClrLst/>
   </dgm:styleLbl>
   <dgm:styleLbl name="sibTrans1D1">
     <dgm:fillClrLst meth="repeat">
-      <a:schemeClr val="accent1"/>
+      <a:schemeClr val="accent2"/>
+      <a:schemeClr val="accent3"/>
+      <a:schemeClr val="accent4"/>
+      <a:schemeClr val="accent5"/>
+      <a:schemeClr val="accent6"/>
     </dgm:fillClrLst>
     <dgm:linClrLst meth="repeat">
-      <a:schemeClr val="accent1"/>
+      <a:schemeClr val="accent2"/>
+      <a:schemeClr val="accent3"/>
+      <a:schemeClr val="accent4"/>
+      <a:schemeClr val="accent5"/>
+      <a:schemeClr val="accent6"/>
     </dgm:linClrLst>
     <dgm:effectClrLst/>
     <dgm:txLinClrLst/>
@@ -1857,10 +1923,10 @@
   </dgm:styleLbl>
   <dgm:styleLbl name="callout">
     <dgm:fillClrLst meth="repeat">
-      <a:schemeClr val="accent1"/>
+      <a:schemeClr val="accent2"/>
     </dgm:fillClrLst>
     <dgm:linClrLst meth="repeat">
-      <a:schemeClr val="accent1">
+      <a:schemeClr val="accent2">
         <a:tint val="50000"/>
       </a:schemeClr>
     </dgm:linClrLst>
@@ -1885,7 +1951,7 @@
   </dgm:styleLbl>
   <dgm:styleLbl name="asst1">
     <dgm:fillClrLst meth="repeat">
-      <a:schemeClr val="accent1"/>
+      <a:schemeClr val="accent2"/>
     </dgm:fillClrLst>
     <dgm:linClrLst meth="repeat">
       <a:schemeClr val="lt1"/>
@@ -1896,8 +1962,8 @@
     <dgm:txEffectClrLst/>
   </dgm:styleLbl>
   <dgm:styleLbl name="asst2">
-    <dgm:fillClrLst meth="repeat">
-      <a:schemeClr val="accent1"/>
+    <dgm:fillClrLst>
+      <a:schemeClr val="accent3"/>
     </dgm:fillClrLst>
     <dgm:linClrLst meth="repeat">
       <a:schemeClr val="lt1"/>
@@ -1908,8 +1974,8 @@
     <dgm:txEffectClrLst/>
   </dgm:styleLbl>
   <dgm:styleLbl name="asst3">
-    <dgm:fillClrLst meth="repeat">
-      <a:schemeClr val="accent1"/>
+    <dgm:fillClrLst>
+      <a:schemeClr val="accent4"/>
     </dgm:fillClrLst>
     <dgm:linClrLst meth="repeat">
       <a:schemeClr val="lt1"/>
@@ -1920,8 +1986,8 @@
     <dgm:txEffectClrLst/>
   </dgm:styleLbl>
   <dgm:styleLbl name="asst4">
-    <dgm:fillClrLst meth="repeat">
-      <a:schemeClr val="accent1"/>
+    <dgm:fillClrLst>
+      <a:schemeClr val="accent5"/>
     </dgm:fillClrLst>
     <dgm:linClrLst meth="repeat">
       <a:schemeClr val="lt1"/>
@@ -1933,14 +1999,10 @@
   </dgm:styleLbl>
   <dgm:styleLbl name="parChTrans2D1">
     <dgm:fillClrLst meth="repeat">
-      <a:schemeClr val="accent1">
-        <a:tint val="60000"/>
-      </a:schemeClr>
+      <a:schemeClr val="accent2"/>
     </dgm:fillClrLst>
     <dgm:linClrLst meth="repeat">
-      <a:schemeClr val="accent1">
-        <a:tint val="60000"/>
-      </a:schemeClr>
+      <a:schemeClr val="lt1"/>
     </dgm:linClrLst>
     <dgm:effectClrLst/>
     <dgm:txLinClrLst/>
@@ -1951,10 +2013,34 @@
   </dgm:styleLbl>
   <dgm:styleLbl name="parChTrans2D2">
     <dgm:fillClrLst meth="repeat">
-      <a:schemeClr val="accent1"/>
+      <a:schemeClr val="accent3"/>
     </dgm:fillClrLst>
     <dgm:linClrLst meth="repeat">
-      <a:schemeClr val="accent1"/>
+      <a:schemeClr val="lt1"/>
+    </dgm:linClrLst>
+    <dgm:effectClrLst/>
+    <dgm:txLinClrLst/>
+    <dgm:txFillClrLst/>
+    <dgm:txEffectClrLst/>
+  </dgm:styleLbl>
+  <dgm:styleLbl name="parChTrans2D3">
+    <dgm:fillClrLst meth="repeat">
+      <a:schemeClr val="accent4"/>
+    </dgm:fillClrLst>
+    <dgm:linClrLst meth="repeat">
+      <a:schemeClr val="lt1"/>
+    </dgm:linClrLst>
+    <dgm:effectClrLst/>
+    <dgm:txLinClrLst/>
+    <dgm:txFillClrLst/>
+    <dgm:txEffectClrLst/>
+  </dgm:styleLbl>
+  <dgm:styleLbl name="parChTrans2D4">
+    <dgm:fillClrLst meth="repeat">
+      <a:schemeClr val="accent5"/>
+    </dgm:fillClrLst>
+    <dgm:linClrLst meth="repeat">
+      <a:schemeClr val="lt1"/>
     </dgm:linClrLst>
     <dgm:effectClrLst/>
     <dgm:txLinClrLst/>
@@ -1963,42 +2049,12 @@
     </dgm:txFillClrLst>
     <dgm:txEffectClrLst/>
   </dgm:styleLbl>
-  <dgm:styleLbl name="parChTrans2D3">
+  <dgm:styleLbl name="parChTrans1D1">
     <dgm:fillClrLst meth="repeat">
-      <a:schemeClr val="accent1"/>
+      <a:schemeClr val="accent2"/>
     </dgm:fillClrLst>
     <dgm:linClrLst meth="repeat">
       <a:schemeClr val="accent1"/>
-    </dgm:linClrLst>
-    <dgm:effectClrLst/>
-    <dgm:txLinClrLst/>
-    <dgm:txFillClrLst meth="repeat">
-      <a:schemeClr val="lt1"/>
-    </dgm:txFillClrLst>
-    <dgm:txEffectClrLst/>
-  </dgm:styleLbl>
-  <dgm:styleLbl name="parChTrans2D4">
-    <dgm:fillClrLst meth="repeat">
-      <a:schemeClr val="accent1"/>
-    </dgm:fillClrLst>
-    <dgm:linClrLst meth="repeat">
-      <a:schemeClr val="accent1"/>
-    </dgm:linClrLst>
-    <dgm:effectClrLst/>
-    <dgm:txLinClrLst/>
-    <dgm:txFillClrLst meth="repeat">
-      <a:schemeClr val="lt1"/>
-    </dgm:txFillClrLst>
-    <dgm:txEffectClrLst/>
-  </dgm:styleLbl>
-  <dgm:styleLbl name="parChTrans1D1">
-    <dgm:fillClrLst meth="repeat">
-      <a:schemeClr val="accent1"/>
-    </dgm:fillClrLst>
-    <dgm:linClrLst meth="repeat">
-      <a:schemeClr val="accent1">
-        <a:shade val="60000"/>
-      </a:schemeClr>
     </dgm:linClrLst>
     <dgm:effectClrLst/>
     <dgm:txLinClrLst/>
@@ -2009,12 +2065,12 @@
   </dgm:styleLbl>
   <dgm:styleLbl name="parChTrans1D2">
     <dgm:fillClrLst meth="repeat">
-      <a:schemeClr val="accent1"/>
+      <a:schemeClr val="accent3">
+        <a:tint val="90000"/>
+      </a:schemeClr>
     </dgm:fillClrLst>
     <dgm:linClrLst meth="repeat">
-      <a:schemeClr val="accent1">
-        <a:shade val="60000"/>
-      </a:schemeClr>
+      <a:schemeClr val="accent2"/>
     </dgm:linClrLst>
     <dgm:effectClrLst/>
     <dgm:txLinClrLst/>
@@ -2025,12 +2081,12 @@
   </dgm:styleLbl>
   <dgm:styleLbl name="parChTrans1D3">
     <dgm:fillClrLst meth="repeat">
-      <a:schemeClr val="accent1"/>
+      <a:schemeClr val="accent4">
+        <a:tint val="70000"/>
+      </a:schemeClr>
     </dgm:fillClrLst>
     <dgm:linClrLst meth="repeat">
-      <a:schemeClr val="accent1">
-        <a:shade val="80000"/>
-      </a:schemeClr>
+      <a:schemeClr val="accent3"/>
     </dgm:linClrLst>
     <dgm:effectClrLst/>
     <dgm:txLinClrLst/>
@@ -2041,12 +2097,12 @@
   </dgm:styleLbl>
   <dgm:styleLbl name="parChTrans1D4">
     <dgm:fillClrLst meth="repeat">
-      <a:schemeClr val="accent1"/>
+      <a:schemeClr val="accent5">
+        <a:tint val="50000"/>
+      </a:schemeClr>
     </dgm:fillClrLst>
     <dgm:linClrLst meth="repeat">
-      <a:schemeClr val="accent1">
-        <a:shade val="80000"/>
-      </a:schemeClr>
+      <a:schemeClr val="accent4"/>
     </dgm:linClrLst>
     <dgm:effectClrLst/>
     <dgm:txLinClrLst/>
@@ -2062,7 +2118,11 @@
       </a:schemeClr>
     </dgm:fillClrLst>
     <dgm:linClrLst meth="repeat">
-      <a:schemeClr val="accent1"/>
+      <a:schemeClr val="accent2"/>
+      <a:schemeClr val="accent3"/>
+      <a:schemeClr val="accent4"/>
+      <a:schemeClr val="accent5"/>
+      <a:schemeClr val="accent6"/>
     </dgm:linClrLst>
     <dgm:effectClrLst/>
     <dgm:txLinClrLst/>
@@ -2078,7 +2138,11 @@
       </a:schemeClr>
     </dgm:fillClrLst>
     <dgm:linClrLst meth="repeat">
-      <a:schemeClr val="accent1"/>
+      <a:schemeClr val="accent2"/>
+      <a:schemeClr val="accent3"/>
+      <a:schemeClr val="accent4"/>
+      <a:schemeClr val="accent5"/>
+      <a:schemeClr val="accent6"/>
     </dgm:linClrLst>
     <dgm:effectClrLst/>
     <dgm:txLinClrLst/>
@@ -2094,7 +2158,11 @@
       </a:schemeClr>
     </dgm:fillClrLst>
     <dgm:linClrLst meth="repeat">
-      <a:schemeClr val="accent1"/>
+      <a:schemeClr val="accent2"/>
+      <a:schemeClr val="accent3"/>
+      <a:schemeClr val="accent4"/>
+      <a:schemeClr val="accent5"/>
+      <a:schemeClr val="accent6"/>
     </dgm:linClrLst>
     <dgm:effectClrLst/>
     <dgm:txLinClrLst/>
@@ -2126,7 +2194,11 @@
       </a:schemeClr>
     </dgm:fillClrLst>
     <dgm:linClrLst meth="repeat">
-      <a:schemeClr val="accent1"/>
+      <a:schemeClr val="accent2"/>
+      <a:schemeClr val="accent3"/>
+      <a:schemeClr val="accent4"/>
+      <a:schemeClr val="accent5"/>
+      <a:schemeClr val="accent6"/>
     </dgm:linClrLst>
     <dgm:effectClrLst/>
     <dgm:txLinClrLst/>
@@ -2140,7 +2212,11 @@
       <a:schemeClr val="lt1"/>
     </dgm:fillClrLst>
     <dgm:linClrLst meth="repeat">
-      <a:schemeClr val="accent1"/>
+      <a:schemeClr val="accent2"/>
+      <a:schemeClr val="accent3"/>
+      <a:schemeClr val="accent4"/>
+      <a:schemeClr val="accent5"/>
+      <a:schemeClr val="accent6"/>
     </dgm:linClrLst>
     <dgm:effectClrLst/>
     <dgm:txLinClrLst/>
@@ -2154,7 +2230,11 @@
       <a:schemeClr val="lt1"/>
     </dgm:fillClrLst>
     <dgm:linClrLst meth="repeat">
-      <a:schemeClr val="accent1"/>
+      <a:schemeClr val="accent2"/>
+      <a:schemeClr val="accent3"/>
+      <a:schemeClr val="accent4"/>
+      <a:schemeClr val="accent5"/>
+      <a:schemeClr val="accent6"/>
     </dgm:linClrLst>
     <dgm:effectClrLst/>
     <dgm:txLinClrLst/>
@@ -2168,7 +2248,11 @@
       <a:schemeClr val="lt1"/>
     </dgm:fillClrLst>
     <dgm:linClrLst meth="repeat">
-      <a:schemeClr val="accent1"/>
+      <a:schemeClr val="accent2"/>
+      <a:schemeClr val="accent3"/>
+      <a:schemeClr val="accent4"/>
+      <a:schemeClr val="accent5"/>
+      <a:schemeClr val="accent6"/>
     </dgm:linClrLst>
     <dgm:effectClrLst/>
     <dgm:txLinClrLst/>
@@ -2179,15 +2263,47 @@
   </dgm:styleLbl>
   <dgm:styleLbl name="fgAccFollowNode1">
     <dgm:fillClrLst meth="repeat">
-      <a:schemeClr val="accent1">
+      <a:schemeClr val="accent2">
+        <a:tint val="40000"/>
         <a:alpha val="90000"/>
+      </a:schemeClr>
+      <a:schemeClr val="accent3">
         <a:tint val="40000"/>
+        <a:alpha val="90000"/>
+      </a:schemeClr>
+      <a:schemeClr val="accent4">
+        <a:tint val="40000"/>
+        <a:alpha val="90000"/>
+      </a:schemeClr>
+      <a:schemeClr val="accent5">
+        <a:tint val="40000"/>
+        <a:alpha val="90000"/>
+      </a:schemeClr>
+      <a:schemeClr val="accent6">
+        <a:tint val="40000"/>
+        <a:alpha val="90000"/>
       </a:schemeClr>
     </dgm:fillClrLst>
     <dgm:linClrLst meth="repeat">
-      <a:schemeClr val="accent1">
+      <a:schemeClr val="accent2">
+        <a:tint val="40000"/>
         <a:alpha val="90000"/>
+      </a:schemeClr>
+      <a:schemeClr val="accent3">
         <a:tint val="40000"/>
+        <a:alpha val="90000"/>
+      </a:schemeClr>
+      <a:schemeClr val="accent4">
+        <a:tint val="40000"/>
+        <a:alpha val="90000"/>
+      </a:schemeClr>
+      <a:schemeClr val="accent5">
+        <a:tint val="40000"/>
+        <a:alpha val="90000"/>
+      </a:schemeClr>
+      <a:schemeClr val="accent6">
+        <a:tint val="40000"/>
+        <a:alpha val="90000"/>
       </a:schemeClr>
     </dgm:linClrLst>
     <dgm:effectClrLst/>
@@ -2199,15 +2315,47 @@
   </dgm:styleLbl>
   <dgm:styleLbl name="alignAccFollowNode1">
     <dgm:fillClrLst meth="repeat">
-      <a:schemeClr val="accent1">
+      <a:schemeClr val="accent2">
+        <a:tint val="40000"/>
         <a:alpha val="90000"/>
+      </a:schemeClr>
+      <a:schemeClr val="accent3">
         <a:tint val="40000"/>
+        <a:alpha val="90000"/>
+      </a:schemeClr>
+      <a:schemeClr val="accent4">
+        <a:tint val="40000"/>
+        <a:alpha val="90000"/>
+      </a:schemeClr>
+      <a:schemeClr val="accent5">
+        <a:tint val="40000"/>
+        <a:alpha val="90000"/>
+      </a:schemeClr>
+      <a:schemeClr val="accent6">
+        <a:tint val="40000"/>
+        <a:alpha val="90000"/>
       </a:schemeClr>
     </dgm:fillClrLst>
     <dgm:linClrLst meth="repeat">
-      <a:schemeClr val="accent1">
+      <a:schemeClr val="accent2">
+        <a:tint val="40000"/>
         <a:alpha val="90000"/>
+      </a:schemeClr>
+      <a:schemeClr val="accent3">
         <a:tint val="40000"/>
+        <a:alpha val="90000"/>
+      </a:schemeClr>
+      <a:schemeClr val="accent4">
+        <a:tint val="40000"/>
+        <a:alpha val="90000"/>
+      </a:schemeClr>
+      <a:schemeClr val="accent5">
+        <a:tint val="40000"/>
+        <a:alpha val="90000"/>
+      </a:schemeClr>
+      <a:schemeClr val="accent6">
+        <a:tint val="40000"/>
+        <a:alpha val="90000"/>
       </a:schemeClr>
     </dgm:linClrLst>
     <dgm:effectClrLst/>
@@ -2219,15 +2367,47 @@
   </dgm:styleLbl>
   <dgm:styleLbl name="bgAccFollowNode1">
     <dgm:fillClrLst meth="repeat">
-      <a:schemeClr val="accent1">
+      <a:schemeClr val="accent2">
+        <a:tint val="40000"/>
         <a:alpha val="90000"/>
+      </a:schemeClr>
+      <a:schemeClr val="accent3">
         <a:tint val="40000"/>
+        <a:alpha val="90000"/>
+      </a:schemeClr>
+      <a:schemeClr val="accent4">
+        <a:tint val="40000"/>
+        <a:alpha val="90000"/>
+      </a:schemeClr>
+      <a:schemeClr val="accent5">
+        <a:tint val="40000"/>
+        <a:alpha val="90000"/>
+      </a:schemeClr>
+      <a:schemeClr val="accent6">
+        <a:tint val="40000"/>
+        <a:alpha val="90000"/>
       </a:schemeClr>
     </dgm:fillClrLst>
     <dgm:linClrLst meth="repeat">
-      <a:schemeClr val="accent1">
+      <a:schemeClr val="accent2">
+        <a:tint val="40000"/>
         <a:alpha val="90000"/>
+      </a:schemeClr>
+      <a:schemeClr val="accent3">
         <a:tint val="40000"/>
+        <a:alpha val="90000"/>
+      </a:schemeClr>
+      <a:schemeClr val="accent4">
+        <a:tint val="40000"/>
+        <a:alpha val="90000"/>
+      </a:schemeClr>
+      <a:schemeClr val="accent5">
+        <a:tint val="40000"/>
+        <a:alpha val="90000"/>
+      </a:schemeClr>
+      <a:schemeClr val="accent6">
+        <a:tint val="40000"/>
+        <a:alpha val="90000"/>
       </a:schemeClr>
     </dgm:linClrLst>
     <dgm:effectClrLst/>
@@ -2243,7 +2423,7 @@
         <a:alpha val="90000"/>
       </a:schemeClr>
     </dgm:fillClrLst>
-    <dgm:linClrLst meth="repeat">
+    <dgm:linClrLst>
       <a:schemeClr val="accent1"/>
     </dgm:linClrLst>
     <dgm:effectClrLst/>
@@ -2259,8 +2439,8 @@
         <a:alpha val="90000"/>
       </a:schemeClr>
     </dgm:fillClrLst>
-    <dgm:linClrLst meth="repeat">
-      <a:schemeClr val="accent1"/>
+    <dgm:linClrLst>
+      <a:schemeClr val="accent2"/>
     </dgm:linClrLst>
     <dgm:effectClrLst/>
     <dgm:txLinClrLst/>
@@ -2275,8 +2455,8 @@
         <a:alpha val="90000"/>
       </a:schemeClr>
     </dgm:fillClrLst>
-    <dgm:linClrLst meth="repeat">
-      <a:schemeClr val="accent1"/>
+    <dgm:linClrLst>
+      <a:schemeClr val="accent3"/>
     </dgm:linClrLst>
     <dgm:effectClrLst/>
     <dgm:txLinClrLst/>
@@ -2291,8 +2471,8 @@
         <a:alpha val="90000"/>
       </a:schemeClr>
     </dgm:fillClrLst>
-    <dgm:linClrLst meth="repeat">
-      <a:schemeClr val="accent1"/>
+    <dgm:linClrLst>
+      <a:schemeClr val="accent4"/>
     </dgm:linClrLst>
     <dgm:effectClrLst/>
     <dgm:txLinClrLst/>
@@ -2303,12 +2483,12 @@
   </dgm:styleLbl>
   <dgm:styleLbl name="bgShp">
     <dgm:fillClrLst meth="repeat">
-      <a:schemeClr val="accent1">
+      <a:schemeClr val="accent2">
         <a:tint val="40000"/>
       </a:schemeClr>
     </dgm:fillClrLst>
     <dgm:linClrLst meth="repeat">
-      <a:schemeClr val="accent1"/>
+      <a:schemeClr val="dk1"/>
     </dgm:linClrLst>
     <dgm:effectClrLst/>
     <dgm:txLinClrLst/>
@@ -2319,12 +2499,12 @@
   </dgm:styleLbl>
   <dgm:styleLbl name="dkBgShp">
     <dgm:fillClrLst meth="repeat">
-      <a:schemeClr val="accent1">
-        <a:shade val="80000"/>
+      <a:schemeClr val="accent2">
+        <a:shade val="90000"/>
       </a:schemeClr>
     </dgm:fillClrLst>
     <dgm:linClrLst meth="repeat">
-      <a:schemeClr val="accent1"/>
+      <a:schemeClr val="dk1"/>
     </dgm:linClrLst>
     <dgm:effectClrLst/>
     <dgm:txLinClrLst/>
@@ -2341,7 +2521,7 @@
       </a:schemeClr>
     </dgm:fillClrLst>
     <dgm:linClrLst meth="repeat">
-      <a:schemeClr val="accent1"/>
+      <a:schemeClr val="accent2"/>
     </dgm:linClrLst>
     <dgm:effectClrLst/>
     <dgm:txLinClrLst/>
@@ -2352,8 +2532,8 @@
   </dgm:styleLbl>
   <dgm:styleLbl name="fgShp">
     <dgm:fillClrLst meth="repeat">
-      <a:schemeClr val="accent1">
-        <a:tint val="60000"/>
+      <a:schemeClr val="accent2">
+        <a:tint val="40000"/>
       </a:schemeClr>
     </dgm:fillClrLst>
     <dgm:linClrLst meth="repeat">
@@ -3135,6 +3315,788 @@
 </file>
 
 <file path=ppt/diagrams/colors5.xml><?xml version="1.0" encoding="utf-8"?>
+<dgm:colorsDef xmlns:dgm="http://schemas.openxmlformats.org/drawingml/2006/diagram" xmlns:a="http://schemas.openxmlformats.org/drawingml/2006/main" uniqueId="urn:microsoft.com/office/officeart/2005/8/colors/colorful5">
+  <dgm:title val=""/>
+  <dgm:desc val=""/>
+  <dgm:catLst>
+    <dgm:cat type="colorful" pri="10500"/>
+  </dgm:catLst>
+  <dgm:styleLbl name="node0">
+    <dgm:fillClrLst meth="repeat">
+      <a:schemeClr val="accent4"/>
+    </dgm:fillClrLst>
+    <dgm:linClrLst meth="repeat">
+      <a:schemeClr val="lt1"/>
+    </dgm:linClrLst>
+    <dgm:effectClrLst/>
+    <dgm:txLinClrLst/>
+    <dgm:txFillClrLst/>
+    <dgm:txEffectClrLst/>
+  </dgm:styleLbl>
+  <dgm:styleLbl name="node1">
+    <dgm:fillClrLst>
+      <a:schemeClr val="accent5"/>
+      <a:schemeClr val="accent6"/>
+    </dgm:fillClrLst>
+    <dgm:linClrLst meth="repeat">
+      <a:schemeClr val="lt1"/>
+    </dgm:linClrLst>
+    <dgm:effectClrLst/>
+    <dgm:txLinClrLst/>
+    <dgm:txFillClrLst/>
+    <dgm:txEffectClrLst/>
+  </dgm:styleLbl>
+  <dgm:styleLbl name="alignNode1">
+    <dgm:fillClrLst>
+      <a:schemeClr val="accent5"/>
+      <a:schemeClr val="accent6"/>
+    </dgm:fillClrLst>
+    <dgm:linClrLst>
+      <a:schemeClr val="accent5"/>
+      <a:schemeClr val="accent6"/>
+    </dgm:linClrLst>
+    <dgm:effectClrLst/>
+    <dgm:txLinClrLst/>
+    <dgm:txFillClrLst/>
+    <dgm:txEffectClrLst/>
+  </dgm:styleLbl>
+  <dgm:styleLbl name="lnNode1">
+    <dgm:fillClrLst>
+      <a:schemeClr val="accent5"/>
+      <a:schemeClr val="accent6"/>
+    </dgm:fillClrLst>
+    <dgm:linClrLst meth="repeat">
+      <a:schemeClr val="lt1"/>
+    </dgm:linClrLst>
+    <dgm:effectClrLst/>
+    <dgm:txLinClrLst/>
+    <dgm:txFillClrLst/>
+    <dgm:txEffectClrLst/>
+  </dgm:styleLbl>
+  <dgm:styleLbl name="vennNode1">
+    <dgm:fillClrLst>
+      <a:schemeClr val="accent5">
+        <a:alpha val="50000"/>
+      </a:schemeClr>
+      <a:schemeClr val="accent6">
+        <a:alpha val="50000"/>
+      </a:schemeClr>
+    </dgm:fillClrLst>
+    <dgm:linClrLst meth="repeat">
+      <a:schemeClr val="lt1"/>
+    </dgm:linClrLst>
+    <dgm:effectClrLst/>
+    <dgm:txLinClrLst/>
+    <dgm:txFillClrLst/>
+    <dgm:txEffectClrLst/>
+  </dgm:styleLbl>
+  <dgm:styleLbl name="node2">
+    <dgm:fillClrLst>
+      <a:schemeClr val="accent6"/>
+    </dgm:fillClrLst>
+    <dgm:linClrLst meth="repeat">
+      <a:schemeClr val="lt1"/>
+    </dgm:linClrLst>
+    <dgm:effectClrLst/>
+    <dgm:txLinClrLst/>
+    <dgm:txFillClrLst/>
+    <dgm:txEffectClrLst/>
+  </dgm:styleLbl>
+  <dgm:styleLbl name="node3">
+    <dgm:fillClrLst>
+      <a:schemeClr val="accent1"/>
+    </dgm:fillClrLst>
+    <dgm:linClrLst meth="repeat">
+      <a:schemeClr val="lt1"/>
+    </dgm:linClrLst>
+    <dgm:effectClrLst/>
+    <dgm:txLinClrLst/>
+    <dgm:txFillClrLst/>
+    <dgm:txEffectClrLst/>
+  </dgm:styleLbl>
+  <dgm:styleLbl name="node4">
+    <dgm:fillClrLst>
+      <a:schemeClr val="accent2"/>
+    </dgm:fillClrLst>
+    <dgm:linClrLst meth="repeat">
+      <a:schemeClr val="lt1"/>
+    </dgm:linClrLst>
+    <dgm:effectClrLst/>
+    <dgm:txLinClrLst/>
+    <dgm:txFillClrLst/>
+    <dgm:txEffectClrLst/>
+  </dgm:styleLbl>
+  <dgm:styleLbl name="fgImgPlace1">
+    <dgm:fillClrLst>
+      <a:schemeClr val="accent5">
+        <a:tint val="50000"/>
+      </a:schemeClr>
+      <a:schemeClr val="accent6">
+        <a:tint val="50000"/>
+      </a:schemeClr>
+    </dgm:fillClrLst>
+    <dgm:linClrLst meth="repeat">
+      <a:schemeClr val="lt1"/>
+    </dgm:linClrLst>
+    <dgm:effectClrLst/>
+    <dgm:txLinClrLst/>
+    <dgm:txFillClrLst meth="repeat">
+      <a:schemeClr val="lt1"/>
+    </dgm:txFillClrLst>
+    <dgm:txEffectClrLst/>
+  </dgm:styleLbl>
+  <dgm:styleLbl name="alignImgPlace1">
+    <dgm:fillClrLst>
+      <a:schemeClr val="accent5">
+        <a:tint val="50000"/>
+      </a:schemeClr>
+      <a:schemeClr val="accent6">
+        <a:tint val="20000"/>
+      </a:schemeClr>
+    </dgm:fillClrLst>
+    <dgm:linClrLst meth="repeat">
+      <a:schemeClr val="lt1"/>
+    </dgm:linClrLst>
+    <dgm:effectClrLst/>
+    <dgm:txLinClrLst/>
+    <dgm:txFillClrLst meth="repeat">
+      <a:schemeClr val="lt1"/>
+    </dgm:txFillClrLst>
+    <dgm:txEffectClrLst/>
+  </dgm:styleLbl>
+  <dgm:styleLbl name="bgImgPlace1">
+    <dgm:fillClrLst>
+      <a:schemeClr val="accent5">
+        <a:tint val="50000"/>
+      </a:schemeClr>
+      <a:schemeClr val="accent6">
+        <a:tint val="20000"/>
+      </a:schemeClr>
+    </dgm:fillClrLst>
+    <dgm:linClrLst meth="repeat">
+      <a:schemeClr val="lt1"/>
+    </dgm:linClrLst>
+    <dgm:effectClrLst/>
+    <dgm:txLinClrLst/>
+    <dgm:txFillClrLst meth="repeat">
+      <a:schemeClr val="lt1"/>
+    </dgm:txFillClrLst>
+    <dgm:txEffectClrLst/>
+  </dgm:styleLbl>
+  <dgm:styleLbl name="sibTrans2D1">
+    <dgm:fillClrLst>
+      <a:schemeClr val="accent5"/>
+      <a:schemeClr val="accent6"/>
+    </dgm:fillClrLst>
+    <dgm:linClrLst meth="repeat">
+      <a:schemeClr val="lt1"/>
+    </dgm:linClrLst>
+    <dgm:effectClrLst/>
+    <dgm:txLinClrLst/>
+    <dgm:txFillClrLst/>
+    <dgm:txEffectClrLst/>
+  </dgm:styleLbl>
+  <dgm:styleLbl name="fgSibTrans2D1">
+    <dgm:fillClrLst>
+      <a:schemeClr val="accent5"/>
+      <a:schemeClr val="accent6"/>
+    </dgm:fillClrLst>
+    <dgm:linClrLst meth="repeat">
+      <a:schemeClr val="lt1"/>
+    </dgm:linClrLst>
+    <dgm:effectClrLst/>
+    <dgm:txLinClrLst/>
+    <dgm:txFillClrLst meth="repeat">
+      <a:schemeClr val="lt1"/>
+    </dgm:txFillClrLst>
+    <dgm:txEffectClrLst/>
+  </dgm:styleLbl>
+  <dgm:styleLbl name="bgSibTrans2D1">
+    <dgm:fillClrLst>
+      <a:schemeClr val="accent5"/>
+      <a:schemeClr val="accent6"/>
+    </dgm:fillClrLst>
+    <dgm:linClrLst meth="repeat">
+      <a:schemeClr val="lt1"/>
+    </dgm:linClrLst>
+    <dgm:effectClrLst/>
+    <dgm:txLinClrLst/>
+    <dgm:txFillClrLst meth="repeat">
+      <a:schemeClr val="lt1"/>
+    </dgm:txFillClrLst>
+    <dgm:txEffectClrLst/>
+  </dgm:styleLbl>
+  <dgm:styleLbl name="sibTrans1D1">
+    <dgm:fillClrLst/>
+    <dgm:linClrLst>
+      <a:schemeClr val="accent5"/>
+      <a:schemeClr val="accent6"/>
+    </dgm:linClrLst>
+    <dgm:effectClrLst/>
+    <dgm:txLinClrLst/>
+    <dgm:txFillClrLst meth="repeat">
+      <a:schemeClr val="tx1"/>
+    </dgm:txFillClrLst>
+    <dgm:txEffectClrLst/>
+  </dgm:styleLbl>
+  <dgm:styleLbl name="callout">
+    <dgm:fillClrLst meth="repeat">
+      <a:schemeClr val="accent5"/>
+    </dgm:fillClrLst>
+    <dgm:linClrLst meth="repeat">
+      <a:schemeClr val="accent5">
+        <a:tint val="50000"/>
+      </a:schemeClr>
+    </dgm:linClrLst>
+    <dgm:effectClrLst/>
+    <dgm:txLinClrLst/>
+    <dgm:txFillClrLst meth="repeat">
+      <a:schemeClr val="tx1"/>
+    </dgm:txFillClrLst>
+    <dgm:txEffectClrLst/>
+  </dgm:styleLbl>
+  <dgm:styleLbl name="asst0">
+    <dgm:fillClrLst meth="repeat">
+      <a:schemeClr val="accent5"/>
+    </dgm:fillClrLst>
+    <dgm:linClrLst meth="repeat">
+      <a:schemeClr val="lt1">
+        <a:shade val="80000"/>
+      </a:schemeClr>
+    </dgm:linClrLst>
+    <dgm:effectClrLst/>
+    <dgm:txLinClrLst/>
+    <dgm:txFillClrLst/>
+    <dgm:txEffectClrLst/>
+  </dgm:styleLbl>
+  <dgm:styleLbl name="asst1">
+    <dgm:fillClrLst meth="repeat">
+      <a:schemeClr val="accent6"/>
+    </dgm:fillClrLst>
+    <dgm:linClrLst meth="repeat">
+      <a:schemeClr val="lt1">
+        <a:shade val="80000"/>
+      </a:schemeClr>
+    </dgm:linClrLst>
+    <dgm:effectClrLst/>
+    <dgm:txLinClrLst/>
+    <dgm:txFillClrLst/>
+    <dgm:txEffectClrLst/>
+  </dgm:styleLbl>
+  <dgm:styleLbl name="asst2">
+    <dgm:fillClrLst>
+      <a:schemeClr val="accent1"/>
+    </dgm:fillClrLst>
+    <dgm:linClrLst meth="repeat">
+      <a:schemeClr val="lt1"/>
+    </dgm:linClrLst>
+    <dgm:effectClrLst/>
+    <dgm:txLinClrLst/>
+    <dgm:txFillClrLst/>
+    <dgm:txEffectClrLst/>
+  </dgm:styleLbl>
+  <dgm:styleLbl name="asst3">
+    <dgm:fillClrLst>
+      <a:schemeClr val="accent2"/>
+    </dgm:fillClrLst>
+    <dgm:linClrLst meth="repeat">
+      <a:schemeClr val="lt1"/>
+    </dgm:linClrLst>
+    <dgm:effectClrLst/>
+    <dgm:txLinClrLst/>
+    <dgm:txFillClrLst/>
+    <dgm:txEffectClrLst/>
+  </dgm:styleLbl>
+  <dgm:styleLbl name="asst4">
+    <dgm:fillClrLst>
+      <a:schemeClr val="accent3"/>
+    </dgm:fillClrLst>
+    <dgm:linClrLst meth="repeat">
+      <a:schemeClr val="lt1"/>
+    </dgm:linClrLst>
+    <dgm:effectClrLst/>
+    <dgm:txLinClrLst/>
+    <dgm:txFillClrLst/>
+    <dgm:txEffectClrLst/>
+  </dgm:styleLbl>
+  <dgm:styleLbl name="parChTrans2D1">
+    <dgm:fillClrLst meth="repeat">
+      <a:schemeClr val="accent5"/>
+    </dgm:fillClrLst>
+    <dgm:linClrLst meth="repeat">
+      <a:schemeClr val="lt1"/>
+    </dgm:linClrLst>
+    <dgm:effectClrLst/>
+    <dgm:txLinClrLst/>
+    <dgm:txFillClrLst meth="repeat">
+      <a:schemeClr val="lt1"/>
+    </dgm:txFillClrLst>
+    <dgm:txEffectClrLst/>
+  </dgm:styleLbl>
+  <dgm:styleLbl name="parChTrans2D2">
+    <dgm:fillClrLst meth="repeat">
+      <a:schemeClr val="accent6"/>
+    </dgm:fillClrLst>
+    <dgm:linClrLst meth="repeat">
+      <a:schemeClr val="lt1"/>
+    </dgm:linClrLst>
+    <dgm:effectClrLst/>
+    <dgm:txLinClrLst/>
+    <dgm:txFillClrLst/>
+    <dgm:txEffectClrLst/>
+  </dgm:styleLbl>
+  <dgm:styleLbl name="parChTrans2D3">
+    <dgm:fillClrLst meth="repeat">
+      <a:schemeClr val="accent6"/>
+    </dgm:fillClrLst>
+    <dgm:linClrLst meth="repeat">
+      <a:schemeClr val="lt1"/>
+    </dgm:linClrLst>
+    <dgm:effectClrLst/>
+    <dgm:txLinClrLst/>
+    <dgm:txFillClrLst/>
+    <dgm:txEffectClrLst/>
+  </dgm:styleLbl>
+  <dgm:styleLbl name="parChTrans2D4">
+    <dgm:fillClrLst meth="repeat">
+      <a:schemeClr val="accent1"/>
+    </dgm:fillClrLst>
+    <dgm:linClrLst meth="repeat">
+      <a:schemeClr val="lt1"/>
+    </dgm:linClrLst>
+    <dgm:effectClrLst/>
+    <dgm:txLinClrLst/>
+    <dgm:txFillClrLst meth="repeat">
+      <a:schemeClr val="lt1"/>
+    </dgm:txFillClrLst>
+    <dgm:txEffectClrLst/>
+  </dgm:styleLbl>
+  <dgm:styleLbl name="parChTrans1D1">
+    <dgm:fillClrLst meth="repeat">
+      <a:schemeClr val="accent5"/>
+    </dgm:fillClrLst>
+    <dgm:linClrLst meth="repeat">
+      <a:schemeClr val="accent5"/>
+    </dgm:linClrLst>
+    <dgm:effectClrLst/>
+    <dgm:txLinClrLst/>
+    <dgm:txFillClrLst meth="repeat">
+      <a:schemeClr val="tx1"/>
+    </dgm:txFillClrLst>
+    <dgm:txEffectClrLst/>
+  </dgm:styleLbl>
+  <dgm:styleLbl name="parChTrans1D2">
+    <dgm:fillClrLst meth="repeat">
+      <a:schemeClr val="accent6">
+        <a:tint val="90000"/>
+      </a:schemeClr>
+    </dgm:fillClrLst>
+    <dgm:linClrLst meth="repeat">
+      <a:schemeClr val="accent6"/>
+    </dgm:linClrLst>
+    <dgm:effectClrLst/>
+    <dgm:txLinClrLst/>
+    <dgm:txFillClrLst meth="repeat">
+      <a:schemeClr val="tx1"/>
+    </dgm:txFillClrLst>
+    <dgm:txEffectClrLst/>
+  </dgm:styleLbl>
+  <dgm:styleLbl name="parChTrans1D3">
+    <dgm:fillClrLst meth="repeat">
+      <a:schemeClr val="accent6">
+        <a:tint val="70000"/>
+      </a:schemeClr>
+    </dgm:fillClrLst>
+    <dgm:linClrLst meth="repeat">
+      <a:schemeClr val="accent1"/>
+    </dgm:linClrLst>
+    <dgm:effectClrLst/>
+    <dgm:txLinClrLst/>
+    <dgm:txFillClrLst meth="repeat">
+      <a:schemeClr val="tx1"/>
+    </dgm:txFillClrLst>
+    <dgm:txEffectClrLst/>
+  </dgm:styleLbl>
+  <dgm:styleLbl name="parChTrans1D4">
+    <dgm:fillClrLst meth="repeat">
+      <a:schemeClr val="accent6">
+        <a:tint val="50000"/>
+      </a:schemeClr>
+    </dgm:fillClrLst>
+    <dgm:linClrLst meth="repeat">
+      <a:schemeClr val="accent2"/>
+    </dgm:linClrLst>
+    <dgm:effectClrLst/>
+    <dgm:txLinClrLst/>
+    <dgm:txFillClrLst meth="repeat">
+      <a:schemeClr val="tx1"/>
+    </dgm:txFillClrLst>
+    <dgm:txEffectClrLst/>
+  </dgm:styleLbl>
+  <dgm:styleLbl name="fgAcc1">
+    <dgm:fillClrLst meth="repeat">
+      <a:schemeClr val="lt1">
+        <a:alpha val="90000"/>
+      </a:schemeClr>
+    </dgm:fillClrLst>
+    <dgm:linClrLst>
+      <a:schemeClr val="accent5"/>
+      <a:schemeClr val="accent6"/>
+    </dgm:linClrLst>
+    <dgm:effectClrLst/>
+    <dgm:txLinClrLst/>
+    <dgm:txFillClrLst meth="repeat">
+      <a:schemeClr val="dk1"/>
+    </dgm:txFillClrLst>
+    <dgm:txEffectClrLst/>
+  </dgm:styleLbl>
+  <dgm:styleLbl name="conFgAcc1">
+    <dgm:fillClrLst meth="repeat">
+      <a:schemeClr val="lt1">
+        <a:alpha val="90000"/>
+      </a:schemeClr>
+    </dgm:fillClrLst>
+    <dgm:linClrLst>
+      <a:schemeClr val="accent5"/>
+      <a:schemeClr val="accent6"/>
+    </dgm:linClrLst>
+    <dgm:effectClrLst/>
+    <dgm:txLinClrLst/>
+    <dgm:txFillClrLst meth="repeat">
+      <a:schemeClr val="dk1"/>
+    </dgm:txFillClrLst>
+    <dgm:txEffectClrLst/>
+  </dgm:styleLbl>
+  <dgm:styleLbl name="alignAcc1">
+    <dgm:fillClrLst meth="repeat">
+      <a:schemeClr val="lt1">
+        <a:alpha val="90000"/>
+      </a:schemeClr>
+    </dgm:fillClrLst>
+    <dgm:linClrLst>
+      <a:schemeClr val="accent5"/>
+      <a:schemeClr val="accent6"/>
+    </dgm:linClrLst>
+    <dgm:effectClrLst/>
+    <dgm:txLinClrLst/>
+    <dgm:txFillClrLst meth="repeat">
+      <a:schemeClr val="dk1"/>
+    </dgm:txFillClrLst>
+    <dgm:txEffectClrLst/>
+  </dgm:styleLbl>
+  <dgm:styleLbl name="trAlignAcc1">
+    <dgm:fillClrLst meth="repeat">
+      <a:schemeClr val="lt1">
+        <a:alpha val="40000"/>
+      </a:schemeClr>
+    </dgm:fillClrLst>
+    <dgm:linClrLst meth="repeat">
+      <a:schemeClr val="accent5"/>
+    </dgm:linClrLst>
+    <dgm:effectClrLst/>
+    <dgm:txLinClrLst/>
+    <dgm:txFillClrLst meth="repeat">
+      <a:schemeClr val="dk1"/>
+    </dgm:txFillClrLst>
+    <dgm:txEffectClrLst/>
+  </dgm:styleLbl>
+  <dgm:styleLbl name="bgAcc1">
+    <dgm:fillClrLst meth="repeat">
+      <a:schemeClr val="lt1">
+        <a:alpha val="90000"/>
+      </a:schemeClr>
+    </dgm:fillClrLst>
+    <dgm:linClrLst>
+      <a:schemeClr val="accent5"/>
+      <a:schemeClr val="accent6"/>
+    </dgm:linClrLst>
+    <dgm:effectClrLst/>
+    <dgm:txLinClrLst/>
+    <dgm:txFillClrLst meth="repeat">
+      <a:schemeClr val="dk1"/>
+    </dgm:txFillClrLst>
+    <dgm:txEffectClrLst/>
+  </dgm:styleLbl>
+  <dgm:styleLbl name="solidFgAcc1">
+    <dgm:fillClrLst meth="repeat">
+      <a:schemeClr val="lt1"/>
+    </dgm:fillClrLst>
+    <dgm:linClrLst>
+      <a:schemeClr val="accent5"/>
+      <a:schemeClr val="accent6"/>
+    </dgm:linClrLst>
+    <dgm:effectClrLst/>
+    <dgm:txLinClrLst/>
+    <dgm:txFillClrLst meth="repeat">
+      <a:schemeClr val="dk1"/>
+    </dgm:txFillClrLst>
+    <dgm:txEffectClrLst/>
+  </dgm:styleLbl>
+  <dgm:styleLbl name="solidAlignAcc1">
+    <dgm:fillClrLst meth="repeat">
+      <a:schemeClr val="lt1"/>
+    </dgm:fillClrLst>
+    <dgm:linClrLst>
+      <a:schemeClr val="accent5"/>
+      <a:schemeClr val="accent6"/>
+    </dgm:linClrLst>
+    <dgm:effectClrLst/>
+    <dgm:txLinClrLst/>
+    <dgm:txFillClrLst meth="repeat">
+      <a:schemeClr val="dk1"/>
+    </dgm:txFillClrLst>
+    <dgm:txEffectClrLst/>
+  </dgm:styleLbl>
+  <dgm:styleLbl name="solidBgAcc1">
+    <dgm:fillClrLst meth="repeat">
+      <a:schemeClr val="lt1"/>
+    </dgm:fillClrLst>
+    <dgm:linClrLst>
+      <a:schemeClr val="accent5"/>
+      <a:schemeClr val="accent6"/>
+    </dgm:linClrLst>
+    <dgm:effectClrLst/>
+    <dgm:txLinClrLst/>
+    <dgm:txFillClrLst meth="repeat">
+      <a:schemeClr val="dk1"/>
+    </dgm:txFillClrLst>
+    <dgm:txEffectClrLst/>
+  </dgm:styleLbl>
+  <dgm:styleLbl name="fgAccFollowNode1">
+    <dgm:fillClrLst>
+      <a:schemeClr val="accent5">
+        <a:tint val="40000"/>
+        <a:alpha val="90000"/>
+      </a:schemeClr>
+      <a:schemeClr val="accent6">
+        <a:tint val="40000"/>
+        <a:alpha val="90000"/>
+      </a:schemeClr>
+    </dgm:fillClrLst>
+    <dgm:linClrLst>
+      <a:schemeClr val="accent5">
+        <a:tint val="40000"/>
+        <a:alpha val="90000"/>
+      </a:schemeClr>
+      <a:schemeClr val="accent5">
+        <a:tint val="40000"/>
+        <a:alpha val="90000"/>
+      </a:schemeClr>
+    </dgm:linClrLst>
+    <dgm:effectClrLst/>
+    <dgm:txLinClrLst/>
+    <dgm:txFillClrLst meth="repeat">
+      <a:schemeClr val="dk1"/>
+    </dgm:txFillClrLst>
+    <dgm:txEffectClrLst/>
+  </dgm:styleLbl>
+  <dgm:styleLbl name="alignAccFollowNode1">
+    <dgm:fillClrLst>
+      <a:schemeClr val="accent5">
+        <a:tint val="40000"/>
+        <a:alpha val="90000"/>
+      </a:schemeClr>
+      <a:schemeClr val="accent6">
+        <a:tint val="40000"/>
+        <a:alpha val="90000"/>
+      </a:schemeClr>
+    </dgm:fillClrLst>
+    <dgm:linClrLst>
+      <a:schemeClr val="accent5">
+        <a:tint val="40000"/>
+        <a:alpha val="90000"/>
+      </a:schemeClr>
+      <a:schemeClr val="accent6">
+        <a:tint val="40000"/>
+        <a:alpha val="90000"/>
+      </a:schemeClr>
+    </dgm:linClrLst>
+    <dgm:effectClrLst/>
+    <dgm:txLinClrLst/>
+    <dgm:txFillClrLst meth="repeat">
+      <a:schemeClr val="dk1"/>
+    </dgm:txFillClrLst>
+    <dgm:txEffectClrLst/>
+  </dgm:styleLbl>
+  <dgm:styleLbl name="bgAccFollowNode1">
+    <dgm:fillClrLst>
+      <a:schemeClr val="accent5">
+        <a:tint val="40000"/>
+        <a:alpha val="90000"/>
+      </a:schemeClr>
+      <a:schemeClr val="accent6">
+        <a:tint val="40000"/>
+        <a:alpha val="90000"/>
+      </a:schemeClr>
+    </dgm:fillClrLst>
+    <dgm:linClrLst>
+      <a:schemeClr val="accent5">
+        <a:tint val="40000"/>
+        <a:alpha val="90000"/>
+      </a:schemeClr>
+      <a:schemeClr val="accent6">
+        <a:tint val="40000"/>
+        <a:alpha val="90000"/>
+      </a:schemeClr>
+    </dgm:linClrLst>
+    <dgm:effectClrLst/>
+    <dgm:txLinClrLst/>
+    <dgm:txFillClrLst meth="repeat">
+      <a:schemeClr val="dk1"/>
+    </dgm:txFillClrLst>
+    <dgm:txEffectClrLst/>
+  </dgm:styleLbl>
+  <dgm:styleLbl name="fgAcc0">
+    <dgm:fillClrLst meth="repeat">
+      <a:schemeClr val="lt1">
+        <a:alpha val="90000"/>
+      </a:schemeClr>
+    </dgm:fillClrLst>
+    <dgm:linClrLst>
+      <a:schemeClr val="accent4"/>
+    </dgm:linClrLst>
+    <dgm:effectClrLst/>
+    <dgm:txLinClrLst/>
+    <dgm:txFillClrLst meth="repeat">
+      <a:schemeClr val="dk1"/>
+    </dgm:txFillClrLst>
+    <dgm:txEffectClrLst/>
+  </dgm:styleLbl>
+  <dgm:styleLbl name="fgAcc2">
+    <dgm:fillClrLst meth="repeat">
+      <a:schemeClr val="lt1">
+        <a:alpha val="90000"/>
+      </a:schemeClr>
+    </dgm:fillClrLst>
+    <dgm:linClrLst>
+      <a:schemeClr val="accent6"/>
+    </dgm:linClrLst>
+    <dgm:effectClrLst/>
+    <dgm:txLinClrLst/>
+    <dgm:txFillClrLst meth="repeat">
+      <a:schemeClr val="dk1"/>
+    </dgm:txFillClrLst>
+    <dgm:txEffectClrLst/>
+  </dgm:styleLbl>
+  <dgm:styleLbl name="fgAcc3">
+    <dgm:fillClrLst meth="repeat">
+      <a:schemeClr val="lt1">
+        <a:alpha val="90000"/>
+      </a:schemeClr>
+    </dgm:fillClrLst>
+    <dgm:linClrLst>
+      <a:schemeClr val="accent1"/>
+    </dgm:linClrLst>
+    <dgm:effectClrLst/>
+    <dgm:txLinClrLst/>
+    <dgm:txFillClrLst meth="repeat">
+      <a:schemeClr val="dk1"/>
+    </dgm:txFillClrLst>
+    <dgm:txEffectClrLst/>
+  </dgm:styleLbl>
+  <dgm:styleLbl name="fgAcc4">
+    <dgm:fillClrLst meth="repeat">
+      <a:schemeClr val="lt1">
+        <a:alpha val="90000"/>
+      </a:schemeClr>
+    </dgm:fillClrLst>
+    <dgm:linClrLst>
+      <a:schemeClr val="accent2"/>
+    </dgm:linClrLst>
+    <dgm:effectClrLst/>
+    <dgm:txLinClrLst/>
+    <dgm:txFillClrLst meth="repeat">
+      <a:schemeClr val="dk1"/>
+    </dgm:txFillClrLst>
+    <dgm:txEffectClrLst/>
+  </dgm:styleLbl>
+  <dgm:styleLbl name="bgShp">
+    <dgm:fillClrLst meth="repeat">
+      <a:schemeClr val="accent5">
+        <a:tint val="40000"/>
+      </a:schemeClr>
+    </dgm:fillClrLst>
+    <dgm:linClrLst meth="repeat">
+      <a:schemeClr val="dk1"/>
+    </dgm:linClrLst>
+    <dgm:effectClrLst/>
+    <dgm:txLinClrLst/>
+    <dgm:txFillClrLst meth="repeat">
+      <a:schemeClr val="dk1"/>
+    </dgm:txFillClrLst>
+    <dgm:txEffectClrLst/>
+  </dgm:styleLbl>
+  <dgm:styleLbl name="dkBgShp">
+    <dgm:fillClrLst meth="repeat">
+      <a:schemeClr val="accent5">
+        <a:shade val="90000"/>
+      </a:schemeClr>
+    </dgm:fillClrLst>
+    <dgm:linClrLst meth="repeat">
+      <a:schemeClr val="dk1"/>
+    </dgm:linClrLst>
+    <dgm:effectClrLst/>
+    <dgm:txLinClrLst/>
+    <dgm:txFillClrLst meth="repeat">
+      <a:schemeClr val="lt1"/>
+    </dgm:txFillClrLst>
+    <dgm:txEffectClrLst/>
+  </dgm:styleLbl>
+  <dgm:styleLbl name="trBgShp">
+    <dgm:fillClrLst meth="repeat">
+      <a:schemeClr val="accent5">
+        <a:tint val="50000"/>
+        <a:alpha val="40000"/>
+      </a:schemeClr>
+    </dgm:fillClrLst>
+    <dgm:linClrLst meth="repeat">
+      <a:schemeClr val="accent5"/>
+    </dgm:linClrLst>
+    <dgm:effectClrLst/>
+    <dgm:txLinClrLst/>
+    <dgm:txFillClrLst meth="repeat">
+      <a:schemeClr val="lt1"/>
+    </dgm:txFillClrLst>
+    <dgm:txEffectClrLst/>
+  </dgm:styleLbl>
+  <dgm:styleLbl name="fgShp">
+    <dgm:fillClrLst meth="repeat">
+      <a:schemeClr val="accent5">
+        <a:tint val="40000"/>
+      </a:schemeClr>
+    </dgm:fillClrLst>
+    <dgm:linClrLst meth="repeat">
+      <a:schemeClr val="lt1"/>
+    </dgm:linClrLst>
+    <dgm:effectClrLst/>
+    <dgm:txLinClrLst/>
+    <dgm:txFillClrLst meth="repeat">
+      <a:schemeClr val="dk1"/>
+    </dgm:txFillClrLst>
+    <dgm:txEffectClrLst/>
+  </dgm:styleLbl>
+  <dgm:styleLbl name="revTx">
+    <dgm:fillClrLst meth="repeat">
+      <a:schemeClr val="lt1">
+        <a:alpha val="0"/>
+      </a:schemeClr>
+    </dgm:fillClrLst>
+    <dgm:linClrLst meth="repeat">
+      <a:schemeClr val="dk1">
+        <a:alpha val="0"/>
+      </a:schemeClr>
+    </dgm:linClrLst>
+    <dgm:effectClrLst/>
+    <dgm:txLinClrLst/>
+    <dgm:txFillClrLst meth="repeat">
+      <a:schemeClr val="tx1"/>
+    </dgm:txFillClrLst>
+    <dgm:txEffectClrLst/>
+  </dgm:styleLbl>
+</dgm:colorsDef>
+</file>
+
+<file path=ppt/diagrams/colors6.xml><?xml version="1.0" encoding="utf-8"?>
 <dgm:colorsDef xmlns:dgm="http://schemas.openxmlformats.org/drawingml/2006/diagram" xmlns:a="http://schemas.openxmlformats.org/drawingml/2006/main" uniqueId="urn:microsoft.com/office/officeart/2005/8/colors/accent1_2">
   <dgm:title val=""/>
   <dgm:desc val=""/>
@@ -3881,7 +4843,926 @@
 </dgm:colorsDef>
 </file>
 
-<file path=ppt/diagrams/colors6.xml><?xml version="1.0" encoding="utf-8"?>
+<file path=ppt/diagrams/colors7.xml><?xml version="1.0" encoding="utf-8"?>
+<dgm:colorsDef xmlns:dgm="http://schemas.openxmlformats.org/drawingml/2006/diagram" xmlns:a="http://schemas.openxmlformats.org/drawingml/2006/main" uniqueId="urn:microsoft.com/office/officeart/2005/8/colors/colorful1">
+  <dgm:title val=""/>
+  <dgm:desc val=""/>
+  <dgm:catLst>
+    <dgm:cat type="colorful" pri="10100"/>
+  </dgm:catLst>
+  <dgm:styleLbl name="node0">
+    <dgm:fillClrLst meth="repeat">
+      <a:schemeClr val="accent1"/>
+    </dgm:fillClrLst>
+    <dgm:linClrLst meth="repeat">
+      <a:schemeClr val="lt1"/>
+    </dgm:linClrLst>
+    <dgm:effectClrLst/>
+    <dgm:txLinClrLst/>
+    <dgm:txFillClrLst/>
+    <dgm:txEffectClrLst/>
+  </dgm:styleLbl>
+  <dgm:styleLbl name="node1">
+    <dgm:fillClrLst meth="repeat">
+      <a:schemeClr val="accent2"/>
+      <a:schemeClr val="accent3"/>
+      <a:schemeClr val="accent4"/>
+      <a:schemeClr val="accent5"/>
+      <a:schemeClr val="accent6"/>
+    </dgm:fillClrLst>
+    <dgm:linClrLst meth="repeat">
+      <a:schemeClr val="lt1"/>
+    </dgm:linClrLst>
+    <dgm:effectClrLst/>
+    <dgm:txLinClrLst/>
+    <dgm:txFillClrLst/>
+    <dgm:txEffectClrLst/>
+  </dgm:styleLbl>
+  <dgm:styleLbl name="alignNode1">
+    <dgm:fillClrLst meth="repeat">
+      <a:schemeClr val="accent2"/>
+      <a:schemeClr val="accent3"/>
+      <a:schemeClr val="accent4"/>
+      <a:schemeClr val="accent5"/>
+      <a:schemeClr val="accent6"/>
+    </dgm:fillClrLst>
+    <dgm:linClrLst meth="repeat">
+      <a:schemeClr val="accent2"/>
+      <a:schemeClr val="accent3"/>
+      <a:schemeClr val="accent4"/>
+      <a:schemeClr val="accent5"/>
+      <a:schemeClr val="accent6"/>
+    </dgm:linClrLst>
+    <dgm:effectClrLst/>
+    <dgm:txLinClrLst/>
+    <dgm:txFillClrLst/>
+    <dgm:txEffectClrLst/>
+  </dgm:styleLbl>
+  <dgm:styleLbl name="lnNode1">
+    <dgm:fillClrLst meth="repeat">
+      <a:schemeClr val="accent2"/>
+      <a:schemeClr val="accent3"/>
+      <a:schemeClr val="accent4"/>
+      <a:schemeClr val="accent5"/>
+      <a:schemeClr val="accent6"/>
+    </dgm:fillClrLst>
+    <dgm:linClrLst meth="repeat">
+      <a:schemeClr val="lt1"/>
+    </dgm:linClrLst>
+    <dgm:effectClrLst/>
+    <dgm:txLinClrLst/>
+    <dgm:txFillClrLst/>
+    <dgm:txEffectClrLst/>
+  </dgm:styleLbl>
+  <dgm:styleLbl name="vennNode1">
+    <dgm:fillClrLst meth="repeat">
+      <a:schemeClr val="accent2">
+        <a:alpha val="50000"/>
+      </a:schemeClr>
+      <a:schemeClr val="accent3">
+        <a:alpha val="50000"/>
+      </a:schemeClr>
+      <a:schemeClr val="accent4">
+        <a:alpha val="50000"/>
+      </a:schemeClr>
+      <a:schemeClr val="accent5">
+        <a:alpha val="50000"/>
+      </a:schemeClr>
+      <a:schemeClr val="accent6">
+        <a:alpha val="50000"/>
+      </a:schemeClr>
+    </dgm:fillClrLst>
+    <dgm:linClrLst meth="repeat">
+      <a:schemeClr val="lt1"/>
+    </dgm:linClrLst>
+    <dgm:effectClrLst/>
+    <dgm:txLinClrLst/>
+    <dgm:txFillClrLst/>
+    <dgm:txEffectClrLst/>
+  </dgm:styleLbl>
+  <dgm:styleLbl name="node2">
+    <dgm:fillClrLst>
+      <a:schemeClr val="accent2"/>
+    </dgm:fillClrLst>
+    <dgm:linClrLst meth="repeat">
+      <a:schemeClr val="lt1"/>
+    </dgm:linClrLst>
+    <dgm:effectClrLst/>
+    <dgm:txLinClrLst/>
+    <dgm:txFillClrLst/>
+    <dgm:txEffectClrLst/>
+  </dgm:styleLbl>
+  <dgm:styleLbl name="node3">
+    <dgm:fillClrLst>
+      <a:schemeClr val="accent3"/>
+    </dgm:fillClrLst>
+    <dgm:linClrLst meth="repeat">
+      <a:schemeClr val="lt1"/>
+    </dgm:linClrLst>
+    <dgm:effectClrLst/>
+    <dgm:txLinClrLst/>
+    <dgm:txFillClrLst/>
+    <dgm:txEffectClrLst/>
+  </dgm:styleLbl>
+  <dgm:styleLbl name="node4">
+    <dgm:fillClrLst>
+      <a:schemeClr val="accent4"/>
+    </dgm:fillClrLst>
+    <dgm:linClrLst meth="repeat">
+      <a:schemeClr val="lt1"/>
+    </dgm:linClrLst>
+    <dgm:effectClrLst/>
+    <dgm:txLinClrLst/>
+    <dgm:txFillClrLst/>
+    <dgm:txEffectClrLst/>
+  </dgm:styleLbl>
+  <dgm:styleLbl name="fgImgPlace1">
+    <dgm:fillClrLst meth="repeat">
+      <a:schemeClr val="accent2">
+        <a:tint val="50000"/>
+      </a:schemeClr>
+      <a:schemeClr val="accent3">
+        <a:tint val="50000"/>
+      </a:schemeClr>
+      <a:schemeClr val="accent4">
+        <a:tint val="50000"/>
+      </a:schemeClr>
+      <a:schemeClr val="accent5">
+        <a:tint val="50000"/>
+      </a:schemeClr>
+      <a:schemeClr val="accent6">
+        <a:tint val="50000"/>
+      </a:schemeClr>
+    </dgm:fillClrLst>
+    <dgm:linClrLst meth="repeat">
+      <a:schemeClr val="lt1"/>
+    </dgm:linClrLst>
+    <dgm:effectClrLst/>
+    <dgm:txLinClrLst/>
+    <dgm:txFillClrLst meth="repeat">
+      <a:schemeClr val="lt1"/>
+    </dgm:txFillClrLst>
+    <dgm:txEffectClrLst/>
+  </dgm:styleLbl>
+  <dgm:styleLbl name="alignImgPlace1">
+    <dgm:fillClrLst>
+      <a:schemeClr val="accent1">
+        <a:tint val="50000"/>
+      </a:schemeClr>
+      <a:schemeClr val="accent2">
+        <a:tint val="20000"/>
+      </a:schemeClr>
+    </dgm:fillClrLst>
+    <dgm:linClrLst meth="repeat">
+      <a:schemeClr val="lt1"/>
+    </dgm:linClrLst>
+    <dgm:effectClrLst/>
+    <dgm:txLinClrLst/>
+    <dgm:txFillClrLst meth="repeat">
+      <a:schemeClr val="lt1"/>
+    </dgm:txFillClrLst>
+    <dgm:txEffectClrLst/>
+  </dgm:styleLbl>
+  <dgm:styleLbl name="bgImgPlace1">
+    <dgm:fillClrLst>
+      <a:schemeClr val="accent1">
+        <a:tint val="50000"/>
+      </a:schemeClr>
+      <a:schemeClr val="accent2">
+        <a:tint val="20000"/>
+      </a:schemeClr>
+    </dgm:fillClrLst>
+    <dgm:linClrLst meth="repeat">
+      <a:schemeClr val="lt1"/>
+    </dgm:linClrLst>
+    <dgm:effectClrLst/>
+    <dgm:txLinClrLst/>
+    <dgm:txFillClrLst meth="repeat">
+      <a:schemeClr val="lt1"/>
+    </dgm:txFillClrLst>
+    <dgm:txEffectClrLst/>
+  </dgm:styleLbl>
+  <dgm:styleLbl name="sibTrans2D1">
+    <dgm:fillClrLst meth="repeat">
+      <a:schemeClr val="accent2"/>
+      <a:schemeClr val="accent3"/>
+      <a:schemeClr val="accent4"/>
+      <a:schemeClr val="accent5"/>
+      <a:schemeClr val="accent6"/>
+    </dgm:fillClrLst>
+    <dgm:linClrLst meth="cycle">
+      <a:schemeClr val="lt1"/>
+    </dgm:linClrLst>
+    <dgm:effectClrLst/>
+    <dgm:txLinClrLst/>
+    <dgm:txFillClrLst/>
+    <dgm:txEffectClrLst/>
+  </dgm:styleLbl>
+  <dgm:styleLbl name="fgSibTrans2D1">
+    <dgm:fillClrLst meth="repeat">
+      <a:schemeClr val="accent2"/>
+      <a:schemeClr val="accent3"/>
+      <a:schemeClr val="accent4"/>
+      <a:schemeClr val="accent5"/>
+      <a:schemeClr val="accent6"/>
+    </dgm:fillClrLst>
+    <dgm:linClrLst meth="cycle">
+      <a:schemeClr val="lt1"/>
+    </dgm:linClrLst>
+    <dgm:effectClrLst/>
+    <dgm:txLinClrLst/>
+    <dgm:txFillClrLst meth="repeat">
+      <a:schemeClr val="lt1"/>
+    </dgm:txFillClrLst>
+    <dgm:txEffectClrLst/>
+  </dgm:styleLbl>
+  <dgm:styleLbl name="bgSibTrans2D1">
+    <dgm:fillClrLst meth="repeat">
+      <a:schemeClr val="accent2"/>
+      <a:schemeClr val="accent3"/>
+      <a:schemeClr val="accent4"/>
+      <a:schemeClr val="accent5"/>
+      <a:schemeClr val="accent6"/>
+    </dgm:fillClrLst>
+    <dgm:linClrLst meth="cycle">
+      <a:schemeClr val="lt1"/>
+    </dgm:linClrLst>
+    <dgm:effectClrLst/>
+    <dgm:txLinClrLst/>
+    <dgm:txFillClrLst meth="repeat">
+      <a:schemeClr val="lt1"/>
+    </dgm:txFillClrLst>
+    <dgm:txEffectClrLst/>
+  </dgm:styleLbl>
+  <dgm:styleLbl name="sibTrans1D1">
+    <dgm:fillClrLst meth="repeat">
+      <a:schemeClr val="accent2"/>
+      <a:schemeClr val="accent3"/>
+      <a:schemeClr val="accent4"/>
+      <a:schemeClr val="accent5"/>
+      <a:schemeClr val="accent6"/>
+    </dgm:fillClrLst>
+    <dgm:linClrLst meth="repeat">
+      <a:schemeClr val="accent2"/>
+      <a:schemeClr val="accent3"/>
+      <a:schemeClr val="accent4"/>
+      <a:schemeClr val="accent5"/>
+      <a:schemeClr val="accent6"/>
+    </dgm:linClrLst>
+    <dgm:effectClrLst/>
+    <dgm:txLinClrLst/>
+    <dgm:txFillClrLst meth="repeat">
+      <a:schemeClr val="tx1"/>
+    </dgm:txFillClrLst>
+    <dgm:txEffectClrLst/>
+  </dgm:styleLbl>
+  <dgm:styleLbl name="callout">
+    <dgm:fillClrLst meth="repeat">
+      <a:schemeClr val="accent2"/>
+    </dgm:fillClrLst>
+    <dgm:linClrLst meth="repeat">
+      <a:schemeClr val="accent2">
+        <a:tint val="50000"/>
+      </a:schemeClr>
+    </dgm:linClrLst>
+    <dgm:effectClrLst/>
+    <dgm:txLinClrLst/>
+    <dgm:txFillClrLst meth="repeat">
+      <a:schemeClr val="tx1"/>
+    </dgm:txFillClrLst>
+    <dgm:txEffectClrLst/>
+  </dgm:styleLbl>
+  <dgm:styleLbl name="asst0">
+    <dgm:fillClrLst meth="repeat">
+      <a:schemeClr val="accent1"/>
+    </dgm:fillClrLst>
+    <dgm:linClrLst meth="repeat">
+      <a:schemeClr val="lt1"/>
+    </dgm:linClrLst>
+    <dgm:effectClrLst/>
+    <dgm:txLinClrLst/>
+    <dgm:txFillClrLst/>
+    <dgm:txEffectClrLst/>
+  </dgm:styleLbl>
+  <dgm:styleLbl name="asst1">
+    <dgm:fillClrLst meth="repeat">
+      <a:schemeClr val="accent2"/>
+    </dgm:fillClrLst>
+    <dgm:linClrLst meth="repeat">
+      <a:schemeClr val="lt1"/>
+    </dgm:linClrLst>
+    <dgm:effectClrLst/>
+    <dgm:txLinClrLst/>
+    <dgm:txFillClrLst/>
+    <dgm:txEffectClrLst/>
+  </dgm:styleLbl>
+  <dgm:styleLbl name="asst2">
+    <dgm:fillClrLst>
+      <a:schemeClr val="accent3"/>
+    </dgm:fillClrLst>
+    <dgm:linClrLst meth="repeat">
+      <a:schemeClr val="lt1"/>
+    </dgm:linClrLst>
+    <dgm:effectClrLst/>
+    <dgm:txLinClrLst/>
+    <dgm:txFillClrLst/>
+    <dgm:txEffectClrLst/>
+  </dgm:styleLbl>
+  <dgm:styleLbl name="asst3">
+    <dgm:fillClrLst>
+      <a:schemeClr val="accent4"/>
+    </dgm:fillClrLst>
+    <dgm:linClrLst meth="repeat">
+      <a:schemeClr val="lt1"/>
+    </dgm:linClrLst>
+    <dgm:effectClrLst/>
+    <dgm:txLinClrLst/>
+    <dgm:txFillClrLst/>
+    <dgm:txEffectClrLst/>
+  </dgm:styleLbl>
+  <dgm:styleLbl name="asst4">
+    <dgm:fillClrLst>
+      <a:schemeClr val="accent5"/>
+    </dgm:fillClrLst>
+    <dgm:linClrLst meth="repeat">
+      <a:schemeClr val="lt1"/>
+    </dgm:linClrLst>
+    <dgm:effectClrLst/>
+    <dgm:txLinClrLst/>
+    <dgm:txFillClrLst/>
+    <dgm:txEffectClrLst/>
+  </dgm:styleLbl>
+  <dgm:styleLbl name="parChTrans2D1">
+    <dgm:fillClrLst meth="repeat">
+      <a:schemeClr val="accent2"/>
+    </dgm:fillClrLst>
+    <dgm:linClrLst meth="repeat">
+      <a:schemeClr val="lt1"/>
+    </dgm:linClrLst>
+    <dgm:effectClrLst/>
+    <dgm:txLinClrLst/>
+    <dgm:txFillClrLst meth="repeat">
+      <a:schemeClr val="lt1"/>
+    </dgm:txFillClrLst>
+    <dgm:txEffectClrLst/>
+  </dgm:styleLbl>
+  <dgm:styleLbl name="parChTrans2D2">
+    <dgm:fillClrLst meth="repeat">
+      <a:schemeClr val="accent3"/>
+    </dgm:fillClrLst>
+    <dgm:linClrLst meth="repeat">
+      <a:schemeClr val="lt1"/>
+    </dgm:linClrLst>
+    <dgm:effectClrLst/>
+    <dgm:txLinClrLst/>
+    <dgm:txFillClrLst/>
+    <dgm:txEffectClrLst/>
+  </dgm:styleLbl>
+  <dgm:styleLbl name="parChTrans2D3">
+    <dgm:fillClrLst meth="repeat">
+      <a:schemeClr val="accent4"/>
+    </dgm:fillClrLst>
+    <dgm:linClrLst meth="repeat">
+      <a:schemeClr val="lt1"/>
+    </dgm:linClrLst>
+    <dgm:effectClrLst/>
+    <dgm:txLinClrLst/>
+    <dgm:txFillClrLst/>
+    <dgm:txEffectClrLst/>
+  </dgm:styleLbl>
+  <dgm:styleLbl name="parChTrans2D4">
+    <dgm:fillClrLst meth="repeat">
+      <a:schemeClr val="accent5"/>
+    </dgm:fillClrLst>
+    <dgm:linClrLst meth="repeat">
+      <a:schemeClr val="lt1"/>
+    </dgm:linClrLst>
+    <dgm:effectClrLst/>
+    <dgm:txLinClrLst/>
+    <dgm:txFillClrLst meth="repeat">
+      <a:schemeClr val="lt1"/>
+    </dgm:txFillClrLst>
+    <dgm:txEffectClrLst/>
+  </dgm:styleLbl>
+  <dgm:styleLbl name="parChTrans1D1">
+    <dgm:fillClrLst meth="repeat">
+      <a:schemeClr val="accent2"/>
+    </dgm:fillClrLst>
+    <dgm:linClrLst meth="repeat">
+      <a:schemeClr val="accent1"/>
+    </dgm:linClrLst>
+    <dgm:effectClrLst/>
+    <dgm:txLinClrLst/>
+    <dgm:txFillClrLst meth="repeat">
+      <a:schemeClr val="tx1"/>
+    </dgm:txFillClrLst>
+    <dgm:txEffectClrLst/>
+  </dgm:styleLbl>
+  <dgm:styleLbl name="parChTrans1D2">
+    <dgm:fillClrLst meth="repeat">
+      <a:schemeClr val="accent3">
+        <a:tint val="90000"/>
+      </a:schemeClr>
+    </dgm:fillClrLst>
+    <dgm:linClrLst meth="repeat">
+      <a:schemeClr val="accent2"/>
+    </dgm:linClrLst>
+    <dgm:effectClrLst/>
+    <dgm:txLinClrLst/>
+    <dgm:txFillClrLst meth="repeat">
+      <a:schemeClr val="tx1"/>
+    </dgm:txFillClrLst>
+    <dgm:txEffectClrLst/>
+  </dgm:styleLbl>
+  <dgm:styleLbl name="parChTrans1D3">
+    <dgm:fillClrLst meth="repeat">
+      <a:schemeClr val="accent4">
+        <a:tint val="70000"/>
+      </a:schemeClr>
+    </dgm:fillClrLst>
+    <dgm:linClrLst meth="repeat">
+      <a:schemeClr val="accent3"/>
+    </dgm:linClrLst>
+    <dgm:effectClrLst/>
+    <dgm:txLinClrLst/>
+    <dgm:txFillClrLst meth="repeat">
+      <a:schemeClr val="tx1"/>
+    </dgm:txFillClrLst>
+    <dgm:txEffectClrLst/>
+  </dgm:styleLbl>
+  <dgm:styleLbl name="parChTrans1D4">
+    <dgm:fillClrLst meth="repeat">
+      <a:schemeClr val="accent5">
+        <a:tint val="50000"/>
+      </a:schemeClr>
+    </dgm:fillClrLst>
+    <dgm:linClrLst meth="repeat">
+      <a:schemeClr val="accent4"/>
+    </dgm:linClrLst>
+    <dgm:effectClrLst/>
+    <dgm:txLinClrLst/>
+    <dgm:txFillClrLst meth="repeat">
+      <a:schemeClr val="tx1"/>
+    </dgm:txFillClrLst>
+    <dgm:txEffectClrLst/>
+  </dgm:styleLbl>
+  <dgm:styleLbl name="fgAcc1">
+    <dgm:fillClrLst meth="repeat">
+      <a:schemeClr val="lt1">
+        <a:alpha val="90000"/>
+      </a:schemeClr>
+    </dgm:fillClrLst>
+    <dgm:linClrLst meth="repeat">
+      <a:schemeClr val="accent2"/>
+      <a:schemeClr val="accent3"/>
+      <a:schemeClr val="accent4"/>
+      <a:schemeClr val="accent5"/>
+      <a:schemeClr val="accent6"/>
+    </dgm:linClrLst>
+    <dgm:effectClrLst/>
+    <dgm:txLinClrLst/>
+    <dgm:txFillClrLst meth="repeat">
+      <a:schemeClr val="dk1"/>
+    </dgm:txFillClrLst>
+    <dgm:txEffectClrLst/>
+  </dgm:styleLbl>
+  <dgm:styleLbl name="conFgAcc1">
+    <dgm:fillClrLst meth="repeat">
+      <a:schemeClr val="lt1">
+        <a:alpha val="90000"/>
+      </a:schemeClr>
+    </dgm:fillClrLst>
+    <dgm:linClrLst meth="repeat">
+      <a:schemeClr val="accent2"/>
+      <a:schemeClr val="accent3"/>
+      <a:schemeClr val="accent4"/>
+      <a:schemeClr val="accent5"/>
+      <a:schemeClr val="accent6"/>
+    </dgm:linClrLst>
+    <dgm:effectClrLst/>
+    <dgm:txLinClrLst/>
+    <dgm:txFillClrLst meth="repeat">
+      <a:schemeClr val="dk1"/>
+    </dgm:txFillClrLst>
+    <dgm:txEffectClrLst/>
+  </dgm:styleLbl>
+  <dgm:styleLbl name="alignAcc1">
+    <dgm:fillClrLst meth="repeat">
+      <a:schemeClr val="lt1">
+        <a:alpha val="90000"/>
+      </a:schemeClr>
+    </dgm:fillClrLst>
+    <dgm:linClrLst meth="repeat">
+      <a:schemeClr val="accent2"/>
+      <a:schemeClr val="accent3"/>
+      <a:schemeClr val="accent4"/>
+      <a:schemeClr val="accent5"/>
+      <a:schemeClr val="accent6"/>
+    </dgm:linClrLst>
+    <dgm:effectClrLst/>
+    <dgm:txLinClrLst/>
+    <dgm:txFillClrLst meth="repeat">
+      <a:schemeClr val="dk1"/>
+    </dgm:txFillClrLst>
+    <dgm:txEffectClrLst/>
+  </dgm:styleLbl>
+  <dgm:styleLbl name="trAlignAcc1">
+    <dgm:fillClrLst meth="repeat">
+      <a:schemeClr val="lt1">
+        <a:alpha val="40000"/>
+      </a:schemeClr>
+    </dgm:fillClrLst>
+    <dgm:linClrLst meth="repeat">
+      <a:schemeClr val="accent1"/>
+    </dgm:linClrLst>
+    <dgm:effectClrLst/>
+    <dgm:txLinClrLst/>
+    <dgm:txFillClrLst meth="repeat">
+      <a:schemeClr val="dk1"/>
+    </dgm:txFillClrLst>
+    <dgm:txEffectClrLst/>
+  </dgm:styleLbl>
+  <dgm:styleLbl name="bgAcc1">
+    <dgm:fillClrLst meth="repeat">
+      <a:schemeClr val="lt1">
+        <a:alpha val="90000"/>
+      </a:schemeClr>
+    </dgm:fillClrLst>
+    <dgm:linClrLst meth="repeat">
+      <a:schemeClr val="accent2"/>
+      <a:schemeClr val="accent3"/>
+      <a:schemeClr val="accent4"/>
+      <a:schemeClr val="accent5"/>
+      <a:schemeClr val="accent6"/>
+    </dgm:linClrLst>
+    <dgm:effectClrLst/>
+    <dgm:txLinClrLst/>
+    <dgm:txFillClrLst meth="repeat">
+      <a:schemeClr val="dk1"/>
+    </dgm:txFillClrLst>
+    <dgm:txEffectClrLst/>
+  </dgm:styleLbl>
+  <dgm:styleLbl name="solidFgAcc1">
+    <dgm:fillClrLst meth="repeat">
+      <a:schemeClr val="lt1"/>
+    </dgm:fillClrLst>
+    <dgm:linClrLst meth="repeat">
+      <a:schemeClr val="accent2"/>
+      <a:schemeClr val="accent3"/>
+      <a:schemeClr val="accent4"/>
+      <a:schemeClr val="accent5"/>
+      <a:schemeClr val="accent6"/>
+    </dgm:linClrLst>
+    <dgm:effectClrLst/>
+    <dgm:txLinClrLst/>
+    <dgm:txFillClrLst meth="repeat">
+      <a:schemeClr val="dk1"/>
+    </dgm:txFillClrLst>
+    <dgm:txEffectClrLst/>
+  </dgm:styleLbl>
+  <dgm:styleLbl name="solidAlignAcc1">
+    <dgm:fillClrLst meth="repeat">
+      <a:schemeClr val="lt1"/>
+    </dgm:fillClrLst>
+    <dgm:linClrLst meth="repeat">
+      <a:schemeClr val="accent2"/>
+      <a:schemeClr val="accent3"/>
+      <a:schemeClr val="accent4"/>
+      <a:schemeClr val="accent5"/>
+      <a:schemeClr val="accent6"/>
+    </dgm:linClrLst>
+    <dgm:effectClrLst/>
+    <dgm:txLinClrLst/>
+    <dgm:txFillClrLst meth="repeat">
+      <a:schemeClr val="dk1"/>
+    </dgm:txFillClrLst>
+    <dgm:txEffectClrLst/>
+  </dgm:styleLbl>
+  <dgm:styleLbl name="solidBgAcc1">
+    <dgm:fillClrLst meth="repeat">
+      <a:schemeClr val="lt1"/>
+    </dgm:fillClrLst>
+    <dgm:linClrLst meth="repeat">
+      <a:schemeClr val="accent2"/>
+      <a:schemeClr val="accent3"/>
+      <a:schemeClr val="accent4"/>
+      <a:schemeClr val="accent5"/>
+      <a:schemeClr val="accent6"/>
+    </dgm:linClrLst>
+    <dgm:effectClrLst/>
+    <dgm:txLinClrLst/>
+    <dgm:txFillClrLst meth="repeat">
+      <a:schemeClr val="dk1"/>
+    </dgm:txFillClrLst>
+    <dgm:txEffectClrLst/>
+  </dgm:styleLbl>
+  <dgm:styleLbl name="fgAccFollowNode1">
+    <dgm:fillClrLst meth="repeat">
+      <a:schemeClr val="accent2">
+        <a:tint val="40000"/>
+        <a:alpha val="90000"/>
+      </a:schemeClr>
+      <a:schemeClr val="accent3">
+        <a:tint val="40000"/>
+        <a:alpha val="90000"/>
+      </a:schemeClr>
+      <a:schemeClr val="accent4">
+        <a:tint val="40000"/>
+        <a:alpha val="90000"/>
+      </a:schemeClr>
+      <a:schemeClr val="accent5">
+        <a:tint val="40000"/>
+        <a:alpha val="90000"/>
+      </a:schemeClr>
+      <a:schemeClr val="accent6">
+        <a:tint val="40000"/>
+        <a:alpha val="90000"/>
+      </a:schemeClr>
+    </dgm:fillClrLst>
+    <dgm:linClrLst meth="repeat">
+      <a:schemeClr val="accent2">
+        <a:tint val="40000"/>
+        <a:alpha val="90000"/>
+      </a:schemeClr>
+      <a:schemeClr val="accent3">
+        <a:tint val="40000"/>
+        <a:alpha val="90000"/>
+      </a:schemeClr>
+      <a:schemeClr val="accent4">
+        <a:tint val="40000"/>
+        <a:alpha val="90000"/>
+      </a:schemeClr>
+      <a:schemeClr val="accent5">
+        <a:tint val="40000"/>
+        <a:alpha val="90000"/>
+      </a:schemeClr>
+      <a:schemeClr val="accent6">
+        <a:tint val="40000"/>
+        <a:alpha val="90000"/>
+      </a:schemeClr>
+    </dgm:linClrLst>
+    <dgm:effectClrLst/>
+    <dgm:txLinClrLst/>
+    <dgm:txFillClrLst meth="repeat">
+      <a:schemeClr val="dk1"/>
+    </dgm:txFillClrLst>
+    <dgm:txEffectClrLst/>
+  </dgm:styleLbl>
+  <dgm:styleLbl name="alignAccFollowNode1">
+    <dgm:fillClrLst meth="repeat">
+      <a:schemeClr val="accent2">
+        <a:tint val="40000"/>
+        <a:alpha val="90000"/>
+      </a:schemeClr>
+      <a:schemeClr val="accent3">
+        <a:tint val="40000"/>
+        <a:alpha val="90000"/>
+      </a:schemeClr>
+      <a:schemeClr val="accent4">
+        <a:tint val="40000"/>
+        <a:alpha val="90000"/>
+      </a:schemeClr>
+      <a:schemeClr val="accent5">
+        <a:tint val="40000"/>
+        <a:alpha val="90000"/>
+      </a:schemeClr>
+      <a:schemeClr val="accent6">
+        <a:tint val="40000"/>
+        <a:alpha val="90000"/>
+      </a:schemeClr>
+    </dgm:fillClrLst>
+    <dgm:linClrLst meth="repeat">
+      <a:schemeClr val="accent2">
+        <a:tint val="40000"/>
+        <a:alpha val="90000"/>
+      </a:schemeClr>
+      <a:schemeClr val="accent3">
+        <a:tint val="40000"/>
+        <a:alpha val="90000"/>
+      </a:schemeClr>
+      <a:schemeClr val="accent4">
+        <a:tint val="40000"/>
+        <a:alpha val="90000"/>
+      </a:schemeClr>
+      <a:schemeClr val="accent5">
+        <a:tint val="40000"/>
+        <a:alpha val="90000"/>
+      </a:schemeClr>
+      <a:schemeClr val="accent6">
+        <a:tint val="40000"/>
+        <a:alpha val="90000"/>
+      </a:schemeClr>
+    </dgm:linClrLst>
+    <dgm:effectClrLst/>
+    <dgm:txLinClrLst/>
+    <dgm:txFillClrLst meth="repeat">
+      <a:schemeClr val="dk1"/>
+    </dgm:txFillClrLst>
+    <dgm:txEffectClrLst/>
+  </dgm:styleLbl>
+  <dgm:styleLbl name="bgAccFollowNode1">
+    <dgm:fillClrLst meth="repeat">
+      <a:schemeClr val="accent2">
+        <a:tint val="40000"/>
+        <a:alpha val="90000"/>
+      </a:schemeClr>
+      <a:schemeClr val="accent3">
+        <a:tint val="40000"/>
+        <a:alpha val="90000"/>
+      </a:schemeClr>
+      <a:schemeClr val="accent4">
+        <a:tint val="40000"/>
+        <a:alpha val="90000"/>
+      </a:schemeClr>
+      <a:schemeClr val="accent5">
+        <a:tint val="40000"/>
+        <a:alpha val="90000"/>
+      </a:schemeClr>
+      <a:schemeClr val="accent6">
+        <a:tint val="40000"/>
+        <a:alpha val="90000"/>
+      </a:schemeClr>
+    </dgm:fillClrLst>
+    <dgm:linClrLst meth="repeat">
+      <a:schemeClr val="accent2">
+        <a:tint val="40000"/>
+        <a:alpha val="90000"/>
+      </a:schemeClr>
+      <a:schemeClr val="accent3">
+        <a:tint val="40000"/>
+        <a:alpha val="90000"/>
+      </a:schemeClr>
+      <a:schemeClr val="accent4">
+        <a:tint val="40000"/>
+        <a:alpha val="90000"/>
+      </a:schemeClr>
+      <a:schemeClr val="accent5">
+        <a:tint val="40000"/>
+        <a:alpha val="90000"/>
+      </a:schemeClr>
+      <a:schemeClr val="accent6">
+        <a:tint val="40000"/>
+        <a:alpha val="90000"/>
+      </a:schemeClr>
+    </dgm:linClrLst>
+    <dgm:effectClrLst/>
+    <dgm:txLinClrLst/>
+    <dgm:txFillClrLst meth="repeat">
+      <a:schemeClr val="dk1"/>
+    </dgm:txFillClrLst>
+    <dgm:txEffectClrLst/>
+  </dgm:styleLbl>
+  <dgm:styleLbl name="fgAcc0">
+    <dgm:fillClrLst meth="repeat">
+      <a:schemeClr val="lt1">
+        <a:alpha val="90000"/>
+      </a:schemeClr>
+    </dgm:fillClrLst>
+    <dgm:linClrLst>
+      <a:schemeClr val="accent1"/>
+    </dgm:linClrLst>
+    <dgm:effectClrLst/>
+    <dgm:txLinClrLst/>
+    <dgm:txFillClrLst meth="repeat">
+      <a:schemeClr val="dk1"/>
+    </dgm:txFillClrLst>
+    <dgm:txEffectClrLst/>
+  </dgm:styleLbl>
+  <dgm:styleLbl name="fgAcc2">
+    <dgm:fillClrLst meth="repeat">
+      <a:schemeClr val="lt1">
+        <a:alpha val="90000"/>
+      </a:schemeClr>
+    </dgm:fillClrLst>
+    <dgm:linClrLst>
+      <a:schemeClr val="accent2"/>
+    </dgm:linClrLst>
+    <dgm:effectClrLst/>
+    <dgm:txLinClrLst/>
+    <dgm:txFillClrLst meth="repeat">
+      <a:schemeClr val="dk1"/>
+    </dgm:txFillClrLst>
+    <dgm:txEffectClrLst/>
+  </dgm:styleLbl>
+  <dgm:styleLbl name="fgAcc3">
+    <dgm:fillClrLst meth="repeat">
+      <a:schemeClr val="lt1">
+        <a:alpha val="90000"/>
+      </a:schemeClr>
+    </dgm:fillClrLst>
+    <dgm:linClrLst>
+      <a:schemeClr val="accent3"/>
+    </dgm:linClrLst>
+    <dgm:effectClrLst/>
+    <dgm:txLinClrLst/>
+    <dgm:txFillClrLst meth="repeat">
+      <a:schemeClr val="dk1"/>
+    </dgm:txFillClrLst>
+    <dgm:txEffectClrLst/>
+  </dgm:styleLbl>
+  <dgm:styleLbl name="fgAcc4">
+    <dgm:fillClrLst meth="repeat">
+      <a:schemeClr val="lt1">
+        <a:alpha val="90000"/>
+      </a:schemeClr>
+    </dgm:fillClrLst>
+    <dgm:linClrLst>
+      <a:schemeClr val="accent4"/>
+    </dgm:linClrLst>
+    <dgm:effectClrLst/>
+    <dgm:txLinClrLst/>
+    <dgm:txFillClrLst meth="repeat">
+      <a:schemeClr val="dk1"/>
+    </dgm:txFillClrLst>
+    <dgm:txEffectClrLst/>
+  </dgm:styleLbl>
+  <dgm:styleLbl name="bgShp">
+    <dgm:fillClrLst meth="repeat">
+      <a:schemeClr val="accent2">
+        <a:tint val="40000"/>
+      </a:schemeClr>
+    </dgm:fillClrLst>
+    <dgm:linClrLst meth="repeat">
+      <a:schemeClr val="dk1"/>
+    </dgm:linClrLst>
+    <dgm:effectClrLst/>
+    <dgm:txLinClrLst/>
+    <dgm:txFillClrLst meth="repeat">
+      <a:schemeClr val="dk1"/>
+    </dgm:txFillClrLst>
+    <dgm:txEffectClrLst/>
+  </dgm:styleLbl>
+  <dgm:styleLbl name="dkBgShp">
+    <dgm:fillClrLst meth="repeat">
+      <a:schemeClr val="accent2">
+        <a:shade val="90000"/>
+      </a:schemeClr>
+    </dgm:fillClrLst>
+    <dgm:linClrLst meth="repeat">
+      <a:schemeClr val="dk1"/>
+    </dgm:linClrLst>
+    <dgm:effectClrLst/>
+    <dgm:txLinClrLst/>
+    <dgm:txFillClrLst meth="repeat">
+      <a:schemeClr val="lt1"/>
+    </dgm:txFillClrLst>
+    <dgm:txEffectClrLst/>
+  </dgm:styleLbl>
+  <dgm:styleLbl name="trBgShp">
+    <dgm:fillClrLst meth="repeat">
+      <a:schemeClr val="accent1">
+        <a:tint val="50000"/>
+        <a:alpha val="40000"/>
+      </a:schemeClr>
+    </dgm:fillClrLst>
+    <dgm:linClrLst meth="repeat">
+      <a:schemeClr val="accent2"/>
+    </dgm:linClrLst>
+    <dgm:effectClrLst/>
+    <dgm:txLinClrLst/>
+    <dgm:txFillClrLst meth="repeat">
+      <a:schemeClr val="lt1"/>
+    </dgm:txFillClrLst>
+    <dgm:txEffectClrLst/>
+  </dgm:styleLbl>
+  <dgm:styleLbl name="fgShp">
+    <dgm:fillClrLst meth="repeat">
+      <a:schemeClr val="accent2">
+        <a:tint val="40000"/>
+      </a:schemeClr>
+    </dgm:fillClrLst>
+    <dgm:linClrLst meth="repeat">
+      <a:schemeClr val="lt1"/>
+    </dgm:linClrLst>
+    <dgm:effectClrLst/>
+    <dgm:txLinClrLst/>
+    <dgm:txFillClrLst meth="repeat">
+      <a:schemeClr val="dk1"/>
+    </dgm:txFillClrLst>
+    <dgm:txEffectClrLst/>
+  </dgm:styleLbl>
+  <dgm:styleLbl name="revTx">
+    <dgm:fillClrLst meth="repeat">
+      <a:schemeClr val="lt1">
+        <a:alpha val="0"/>
+      </a:schemeClr>
+    </dgm:fillClrLst>
+    <dgm:linClrLst meth="repeat">
+      <a:schemeClr val="dk1">
+        <a:alpha val="0"/>
+      </a:schemeClr>
+    </dgm:linClrLst>
+    <dgm:effectClrLst/>
+    <dgm:txLinClrLst/>
+    <dgm:txFillClrLst meth="repeat">
+      <a:schemeClr val="tx1"/>
+    </dgm:txFillClrLst>
+    <dgm:txEffectClrLst/>
+  </dgm:styleLbl>
+</dgm:colorsDef>
+</file>
+
+<file path=ppt/diagrams/colors8.xml><?xml version="1.0" encoding="utf-8"?>
 <dgm:colorsDef xmlns:dgm="http://schemas.openxmlformats.org/drawingml/2006/diagram" xmlns:a="http://schemas.openxmlformats.org/drawingml/2006/main" uniqueId="urn:microsoft.com/office/officeart/2005/8/colors/colorful5">
   <dgm:title val=""/>
   <dgm:desc val=""/>
@@ -5149,7 +7030,7 @@
 <dgm:dataModel xmlns:dgm="http://schemas.openxmlformats.org/drawingml/2006/diagram" xmlns:a="http://schemas.openxmlformats.org/drawingml/2006/main">
   <dgm:ptLst>
     <dgm:pt modelId="{E9003F98-5D21-8344-8F29-A6476A129BB0}" type="doc">
-      <dgm:prSet loTypeId="urn:microsoft.com/office/officeart/2005/8/layout/radial4" loCatId="" qsTypeId="urn:microsoft.com/office/officeart/2005/8/quickstyle/simple4" qsCatId="simple" csTypeId="urn:microsoft.com/office/officeart/2005/8/colors/accent1_2" csCatId="accent1" phldr="1"/>
+      <dgm:prSet loTypeId="urn:microsoft.com/office/officeart/2005/8/layout/radial4" loCatId="" qsTypeId="urn:microsoft.com/office/officeart/2005/8/quickstyle/simple4" qsCatId="simple" csTypeId="urn:microsoft.com/office/officeart/2005/8/colors/colorful1" csCatId="colorful" phldr="1"/>
       <dgm:spPr/>
       <dgm:t>
         <a:bodyPr/>
@@ -5667,7 +7548,7 @@
 <dgm:dataModel xmlns:dgm="http://schemas.openxmlformats.org/drawingml/2006/diagram" xmlns:a="http://schemas.openxmlformats.org/drawingml/2006/main">
   <dgm:ptLst>
     <dgm:pt modelId="{688D77BE-721F-6842-8652-267ECDEC0D4C}" type="doc">
-      <dgm:prSet loTypeId="urn:microsoft.com/office/officeart/2005/8/layout/cycle2" loCatId="" qsTypeId="urn:microsoft.com/office/officeart/2005/8/quickstyle/simple4" qsCatId="simple" csTypeId="urn:microsoft.com/office/officeart/2005/8/colors/accent1_2" csCatId="accent1" phldr="1"/>
+      <dgm:prSet loTypeId="urn:microsoft.com/office/officeart/2005/8/layout/cycle2" loCatId="" qsTypeId="urn:microsoft.com/office/officeart/2005/8/quickstyle/simple4" qsCatId="simple" csTypeId="urn:microsoft.com/office/officeart/2005/8/colors/colorful5" csCatId="colorful" phldr="1"/>
       <dgm:spPr/>
       <dgm:t>
         <a:bodyPr/>
@@ -5941,6 +7822,329 @@
 </file>
 
 <file path=ppt/diagrams/data6.xml><?xml version="1.0" encoding="utf-8"?>
+<dgm:dataModel xmlns:dgm="http://schemas.openxmlformats.org/drawingml/2006/diagram" xmlns:a="http://schemas.openxmlformats.org/drawingml/2006/main">
+  <dgm:ptLst>
+    <dgm:pt modelId="{B17668EC-E26C-0B49-A152-3C66765905A8}" type="doc">
+      <dgm:prSet loTypeId="urn:microsoft.com/office/officeart/2005/8/layout/equation1" loCatId="" qsTypeId="urn:microsoft.com/office/officeart/2005/8/quickstyle/simple4" qsCatId="simple" csTypeId="urn:microsoft.com/office/officeart/2005/8/colors/accent1_2" csCatId="accent1" phldr="0"/>
+      <dgm:spPr/>
+    </dgm:pt>
+    <dgm:pt modelId="{71D61559-1B46-724D-B982-1621C3AACA4B}">
+      <dgm:prSet phldrT="[Text]" phldr="1"/>
+      <dgm:spPr/>
+      <dgm:t>
+        <a:bodyPr/>
+        <a:lstStyle/>
+        <a:p>
+          <a:endParaRPr lang="en-US"/>
+        </a:p>
+      </dgm:t>
+    </dgm:pt>
+    <dgm:pt modelId="{9F6AEFA3-185D-8146-9270-DE0C671D7FAA}" type="parTrans" cxnId="{542E6AC4-EDDE-BF47-89B6-E1AA4B93D6E2}">
+      <dgm:prSet/>
+      <dgm:spPr/>
+    </dgm:pt>
+    <dgm:pt modelId="{02562BB2-DF6A-2B41-9658-2164E1CEF651}" type="sibTrans" cxnId="{542E6AC4-EDDE-BF47-89B6-E1AA4B93D6E2}">
+      <dgm:prSet/>
+      <dgm:spPr/>
+      <dgm:t>
+        <a:bodyPr/>
+        <a:lstStyle/>
+        <a:p>
+          <a:endParaRPr lang="en-US"/>
+        </a:p>
+      </dgm:t>
+    </dgm:pt>
+    <dgm:pt modelId="{8A03BCB5-79F1-004D-ABE0-B1E051BE2228}">
+      <dgm:prSet phldrT="[Text]" phldr="1"/>
+      <dgm:spPr/>
+      <dgm:t>
+        <a:bodyPr/>
+        <a:lstStyle/>
+        <a:p>
+          <a:endParaRPr lang="en-US"/>
+        </a:p>
+      </dgm:t>
+    </dgm:pt>
+    <dgm:pt modelId="{740B7817-ED12-8C40-B966-A20A94DFDA48}" type="parTrans" cxnId="{31FF00AB-2A09-CF4E-A85C-C62CDAB6B2EC}">
+      <dgm:prSet/>
+      <dgm:spPr/>
+    </dgm:pt>
+    <dgm:pt modelId="{8CBB45B8-B840-CB4F-A6C6-7D0C3DBE4211}" type="sibTrans" cxnId="{31FF00AB-2A09-CF4E-A85C-C62CDAB6B2EC}">
+      <dgm:prSet/>
+      <dgm:spPr/>
+      <dgm:t>
+        <a:bodyPr/>
+        <a:lstStyle/>
+        <a:p>
+          <a:endParaRPr lang="en-US"/>
+        </a:p>
+      </dgm:t>
+    </dgm:pt>
+    <dgm:pt modelId="{6986377E-B4D2-A049-9E50-21815A9B1A0E}">
+      <dgm:prSet phldrT="[Text]" phldr="1"/>
+      <dgm:spPr/>
+      <dgm:t>
+        <a:bodyPr/>
+        <a:lstStyle/>
+        <a:p>
+          <a:endParaRPr lang="en-US"/>
+        </a:p>
+      </dgm:t>
+    </dgm:pt>
+    <dgm:pt modelId="{1E58748C-F4CC-A248-B1B9-4515EF77ED81}" type="parTrans" cxnId="{49388D81-947E-2F4F-92CC-342E1609A311}">
+      <dgm:prSet/>
+      <dgm:spPr/>
+    </dgm:pt>
+    <dgm:pt modelId="{80DEEF14-98CE-5248-9147-06D758ED233B}" type="sibTrans" cxnId="{49388D81-947E-2F4F-92CC-342E1609A311}">
+      <dgm:prSet/>
+      <dgm:spPr/>
+    </dgm:pt>
+    <dgm:pt modelId="{0D43A316-1EB7-6746-8427-515F40701667}" type="pres">
+      <dgm:prSet presAssocID="{B17668EC-E26C-0B49-A152-3C66765905A8}" presName="linearFlow" presStyleCnt="0">
+        <dgm:presLayoutVars>
+          <dgm:dir/>
+          <dgm:resizeHandles val="exact"/>
+        </dgm:presLayoutVars>
+      </dgm:prSet>
+      <dgm:spPr/>
+    </dgm:pt>
+    <dgm:pt modelId="{CA8BDA7A-BB7A-994A-8208-DF4257561724}" type="pres">
+      <dgm:prSet presAssocID="{71D61559-1B46-724D-B982-1621C3AACA4B}" presName="node" presStyleLbl="node1" presStyleIdx="0" presStyleCnt="3">
+        <dgm:presLayoutVars>
+          <dgm:bulletEnabled val="1"/>
+        </dgm:presLayoutVars>
+      </dgm:prSet>
+      <dgm:spPr/>
+    </dgm:pt>
+    <dgm:pt modelId="{3E967827-339A-4E4D-AB69-05A039A0A197}" type="pres">
+      <dgm:prSet presAssocID="{02562BB2-DF6A-2B41-9658-2164E1CEF651}" presName="spacerL" presStyleCnt="0"/>
+      <dgm:spPr/>
+    </dgm:pt>
+    <dgm:pt modelId="{0CF30D27-A0EF-6A42-9649-5C80087CACD6}" type="pres">
+      <dgm:prSet presAssocID="{02562BB2-DF6A-2B41-9658-2164E1CEF651}" presName="sibTrans" presStyleLbl="sibTrans2D1" presStyleIdx="0" presStyleCnt="2"/>
+      <dgm:spPr/>
+    </dgm:pt>
+    <dgm:pt modelId="{57450917-18F7-1C44-976C-734FB05B0F43}" type="pres">
+      <dgm:prSet presAssocID="{02562BB2-DF6A-2B41-9658-2164E1CEF651}" presName="spacerR" presStyleCnt="0"/>
+      <dgm:spPr/>
+    </dgm:pt>
+    <dgm:pt modelId="{023BB356-1122-1F49-A451-33569B727755}" type="pres">
+      <dgm:prSet presAssocID="{8A03BCB5-79F1-004D-ABE0-B1E051BE2228}" presName="node" presStyleLbl="node1" presStyleIdx="1" presStyleCnt="3">
+        <dgm:presLayoutVars>
+          <dgm:bulletEnabled val="1"/>
+        </dgm:presLayoutVars>
+      </dgm:prSet>
+      <dgm:spPr/>
+    </dgm:pt>
+    <dgm:pt modelId="{FD1ECD94-5336-4E42-809E-7D660B5357D7}" type="pres">
+      <dgm:prSet presAssocID="{8CBB45B8-B840-CB4F-A6C6-7D0C3DBE4211}" presName="spacerL" presStyleCnt="0"/>
+      <dgm:spPr/>
+    </dgm:pt>
+    <dgm:pt modelId="{8C8DB01A-18FA-E94C-924B-55B86B7C7AEA}" type="pres">
+      <dgm:prSet presAssocID="{8CBB45B8-B840-CB4F-A6C6-7D0C3DBE4211}" presName="sibTrans" presStyleLbl="sibTrans2D1" presStyleIdx="1" presStyleCnt="2"/>
+      <dgm:spPr/>
+    </dgm:pt>
+    <dgm:pt modelId="{16FC0D3C-A7C9-D14A-B85F-053AD896BF66}" type="pres">
+      <dgm:prSet presAssocID="{8CBB45B8-B840-CB4F-A6C6-7D0C3DBE4211}" presName="spacerR" presStyleCnt="0"/>
+      <dgm:spPr/>
+    </dgm:pt>
+    <dgm:pt modelId="{0CDC75F8-1F14-1647-9034-8EDA3F855F10}" type="pres">
+      <dgm:prSet presAssocID="{6986377E-B4D2-A049-9E50-21815A9B1A0E}" presName="node" presStyleLbl="node1" presStyleIdx="2" presStyleCnt="3">
+        <dgm:presLayoutVars>
+          <dgm:bulletEnabled val="1"/>
+        </dgm:presLayoutVars>
+      </dgm:prSet>
+      <dgm:spPr/>
+    </dgm:pt>
+  </dgm:ptLst>
+  <dgm:cxnLst>
+    <dgm:cxn modelId="{EE1E25B6-EC13-824B-AC51-E1552AF7ABD1}" type="presOf" srcId="{B17668EC-E26C-0B49-A152-3C66765905A8}" destId="{0D43A316-1EB7-6746-8427-515F40701667}" srcOrd="0" destOrd="0" presId="urn:microsoft.com/office/officeart/2005/8/layout/equation1"/>
+    <dgm:cxn modelId="{49388D81-947E-2F4F-92CC-342E1609A311}" srcId="{B17668EC-E26C-0B49-A152-3C66765905A8}" destId="{6986377E-B4D2-A049-9E50-21815A9B1A0E}" srcOrd="2" destOrd="0" parTransId="{1E58748C-F4CC-A248-B1B9-4515EF77ED81}" sibTransId="{80DEEF14-98CE-5248-9147-06D758ED233B}"/>
+    <dgm:cxn modelId="{CBF02692-A656-CE46-AC8C-866F68DA727C}" type="presOf" srcId="{8CBB45B8-B840-CB4F-A6C6-7D0C3DBE4211}" destId="{8C8DB01A-18FA-E94C-924B-55B86B7C7AEA}" srcOrd="0" destOrd="0" presId="urn:microsoft.com/office/officeart/2005/8/layout/equation1"/>
+    <dgm:cxn modelId="{542E6AC4-EDDE-BF47-89B6-E1AA4B93D6E2}" srcId="{B17668EC-E26C-0B49-A152-3C66765905A8}" destId="{71D61559-1B46-724D-B982-1621C3AACA4B}" srcOrd="0" destOrd="0" parTransId="{9F6AEFA3-185D-8146-9270-DE0C671D7FAA}" sibTransId="{02562BB2-DF6A-2B41-9658-2164E1CEF651}"/>
+    <dgm:cxn modelId="{D96EC199-B1B5-CE4C-B4AF-D016C04EB143}" type="presOf" srcId="{8A03BCB5-79F1-004D-ABE0-B1E051BE2228}" destId="{023BB356-1122-1F49-A451-33569B727755}" srcOrd="0" destOrd="0" presId="urn:microsoft.com/office/officeart/2005/8/layout/equation1"/>
+    <dgm:cxn modelId="{673F2949-1C15-764F-9ACA-67717FAA8495}" type="presOf" srcId="{6986377E-B4D2-A049-9E50-21815A9B1A0E}" destId="{0CDC75F8-1F14-1647-9034-8EDA3F855F10}" srcOrd="0" destOrd="0" presId="urn:microsoft.com/office/officeart/2005/8/layout/equation1"/>
+    <dgm:cxn modelId="{31FF00AB-2A09-CF4E-A85C-C62CDAB6B2EC}" srcId="{B17668EC-E26C-0B49-A152-3C66765905A8}" destId="{8A03BCB5-79F1-004D-ABE0-B1E051BE2228}" srcOrd="1" destOrd="0" parTransId="{740B7817-ED12-8C40-B966-A20A94DFDA48}" sibTransId="{8CBB45B8-B840-CB4F-A6C6-7D0C3DBE4211}"/>
+    <dgm:cxn modelId="{EE7C7B3C-3350-7549-8518-B43BA72A2A5F}" type="presOf" srcId="{71D61559-1B46-724D-B982-1621C3AACA4B}" destId="{CA8BDA7A-BB7A-994A-8208-DF4257561724}" srcOrd="0" destOrd="0" presId="urn:microsoft.com/office/officeart/2005/8/layout/equation1"/>
+    <dgm:cxn modelId="{917C48F8-0DDD-EB44-862A-F5CF0989697E}" type="presOf" srcId="{02562BB2-DF6A-2B41-9658-2164E1CEF651}" destId="{0CF30D27-A0EF-6A42-9649-5C80087CACD6}" srcOrd="0" destOrd="0" presId="urn:microsoft.com/office/officeart/2005/8/layout/equation1"/>
+    <dgm:cxn modelId="{1654F33E-BCFE-AF48-8646-EC0D20894408}" type="presParOf" srcId="{0D43A316-1EB7-6746-8427-515F40701667}" destId="{CA8BDA7A-BB7A-994A-8208-DF4257561724}" srcOrd="0" destOrd="0" presId="urn:microsoft.com/office/officeart/2005/8/layout/equation1"/>
+    <dgm:cxn modelId="{3D97F867-A2B0-8749-ABF0-883430DB5E60}" type="presParOf" srcId="{0D43A316-1EB7-6746-8427-515F40701667}" destId="{3E967827-339A-4E4D-AB69-05A039A0A197}" srcOrd="1" destOrd="0" presId="urn:microsoft.com/office/officeart/2005/8/layout/equation1"/>
+    <dgm:cxn modelId="{6D173FFE-32AC-8348-87FC-B6E0940BCAEE}" type="presParOf" srcId="{0D43A316-1EB7-6746-8427-515F40701667}" destId="{0CF30D27-A0EF-6A42-9649-5C80087CACD6}" srcOrd="2" destOrd="0" presId="urn:microsoft.com/office/officeart/2005/8/layout/equation1"/>
+    <dgm:cxn modelId="{368D8116-2EBF-8842-94F2-24BFEA9E3BE5}" type="presParOf" srcId="{0D43A316-1EB7-6746-8427-515F40701667}" destId="{57450917-18F7-1C44-976C-734FB05B0F43}" srcOrd="3" destOrd="0" presId="urn:microsoft.com/office/officeart/2005/8/layout/equation1"/>
+    <dgm:cxn modelId="{C0C198D7-0ACB-1442-AA23-6B94BB83B0CD}" type="presParOf" srcId="{0D43A316-1EB7-6746-8427-515F40701667}" destId="{023BB356-1122-1F49-A451-33569B727755}" srcOrd="4" destOrd="0" presId="urn:microsoft.com/office/officeart/2005/8/layout/equation1"/>
+    <dgm:cxn modelId="{D7C93160-1D3F-B14A-95F3-3B36E60A7796}" type="presParOf" srcId="{0D43A316-1EB7-6746-8427-515F40701667}" destId="{FD1ECD94-5336-4E42-809E-7D660B5357D7}" srcOrd="5" destOrd="0" presId="urn:microsoft.com/office/officeart/2005/8/layout/equation1"/>
+    <dgm:cxn modelId="{5AE85CBE-5479-924F-9522-279C0E9CB89C}" type="presParOf" srcId="{0D43A316-1EB7-6746-8427-515F40701667}" destId="{8C8DB01A-18FA-E94C-924B-55B86B7C7AEA}" srcOrd="6" destOrd="0" presId="urn:microsoft.com/office/officeart/2005/8/layout/equation1"/>
+    <dgm:cxn modelId="{8B359452-769A-6147-93CA-771C5407B493}" type="presParOf" srcId="{0D43A316-1EB7-6746-8427-515F40701667}" destId="{16FC0D3C-A7C9-D14A-B85F-053AD896BF66}" srcOrd="7" destOrd="0" presId="urn:microsoft.com/office/officeart/2005/8/layout/equation1"/>
+    <dgm:cxn modelId="{B5A14A6C-C700-1E4E-9AA2-15BBCAD5091B}" type="presParOf" srcId="{0D43A316-1EB7-6746-8427-515F40701667}" destId="{0CDC75F8-1F14-1647-9034-8EDA3F855F10}" srcOrd="8" destOrd="0" presId="urn:microsoft.com/office/officeart/2005/8/layout/equation1"/>
+  </dgm:cxnLst>
+  <dgm:bg/>
+  <dgm:whole/>
+  <dgm:extLst>
+    <a:ext uri="http://schemas.microsoft.com/office/drawing/2008/diagram">
+      <dsp:dataModelExt xmlns:dsp="http://schemas.microsoft.com/office/drawing/2008/diagram" relId="rId6" minVer="http://schemas.openxmlformats.org/drawingml/2006/diagram"/>
+    </a:ext>
+  </dgm:extLst>
+</dgm:dataModel>
+</file>
+
+<file path=ppt/diagrams/data7.xml><?xml version="1.0" encoding="utf-8"?>
+<dgm:dataModel xmlns:dgm="http://schemas.openxmlformats.org/drawingml/2006/diagram" xmlns:a="http://schemas.openxmlformats.org/drawingml/2006/main">
+  <dgm:ptLst>
+    <dgm:pt modelId="{6A6E47F8-1048-2F47-907A-D4BF231FF035}" type="doc">
+      <dgm:prSet loTypeId="urn:microsoft.com/office/officeart/2005/8/layout/cycle2" loCatId="" qsTypeId="urn:microsoft.com/office/officeart/2005/8/quickstyle/simple4" qsCatId="simple" csTypeId="urn:microsoft.com/office/officeart/2005/8/colors/colorful1" csCatId="colorful" phldr="1"/>
+      <dgm:spPr/>
+      <dgm:t>
+        <a:bodyPr/>
+        <a:lstStyle/>
+        <a:p>
+          <a:endParaRPr lang="en-US"/>
+        </a:p>
+      </dgm:t>
+    </dgm:pt>
+    <dgm:pt modelId="{EF1748F2-133D-8443-B07B-1F3DD04D9097}">
+      <dgm:prSet phldrT="[Text]"/>
+      <dgm:spPr/>
+      <dgm:t>
+        <a:bodyPr/>
+        <a:lstStyle/>
+        <a:p>
+          <a:r>
+            <a:rPr lang="en-US" dirty="0" smtClean="0"/>
+            <a:t>a</a:t>
+          </a:r>
+          <a:endParaRPr lang="en-US" dirty="0"/>
+        </a:p>
+      </dgm:t>
+    </dgm:pt>
+    <dgm:pt modelId="{B0EF66BE-1830-6144-B5C6-55B00DE505CD}" type="parTrans" cxnId="{44B4281D-862C-D64C-BC64-571E5A97D57D}">
+      <dgm:prSet/>
+      <dgm:spPr/>
+      <dgm:t>
+        <a:bodyPr/>
+        <a:lstStyle/>
+        <a:p>
+          <a:endParaRPr lang="en-US"/>
+        </a:p>
+      </dgm:t>
+    </dgm:pt>
+    <dgm:pt modelId="{D8011B7C-4543-B647-8959-0A49F7C91FED}" type="sibTrans" cxnId="{44B4281D-862C-D64C-BC64-571E5A97D57D}">
+      <dgm:prSet/>
+      <dgm:spPr/>
+      <dgm:t>
+        <a:bodyPr/>
+        <a:lstStyle/>
+        <a:p>
+          <a:endParaRPr lang="en-US"/>
+        </a:p>
+      </dgm:t>
+    </dgm:pt>
+    <dgm:pt modelId="{6960D0BA-9C91-784C-AE10-65AC169E4DC8}">
+      <dgm:prSet phldrT="[Text]"/>
+      <dgm:spPr/>
+      <dgm:t>
+        <a:bodyPr/>
+        <a:lstStyle/>
+        <a:p>
+          <a:r>
+            <a:rPr lang="en-US" dirty="0" smtClean="0"/>
+            <a:t>b</a:t>
+          </a:r>
+          <a:endParaRPr lang="en-US" dirty="0"/>
+        </a:p>
+      </dgm:t>
+    </dgm:pt>
+    <dgm:pt modelId="{93103E0C-F46E-5449-BEB6-78394DA3ACE1}" type="parTrans" cxnId="{64E6E056-B7AA-3743-B3F4-D2081AA4A681}">
+      <dgm:prSet/>
+      <dgm:spPr/>
+      <dgm:t>
+        <a:bodyPr/>
+        <a:lstStyle/>
+        <a:p>
+          <a:endParaRPr lang="en-US"/>
+        </a:p>
+      </dgm:t>
+    </dgm:pt>
+    <dgm:pt modelId="{DAD6F5FD-5C4B-154B-9FBC-3B262EBF8712}" type="sibTrans" cxnId="{64E6E056-B7AA-3743-B3F4-D2081AA4A681}">
+      <dgm:prSet/>
+      <dgm:spPr/>
+      <dgm:t>
+        <a:bodyPr/>
+        <a:lstStyle/>
+        <a:p>
+          <a:endParaRPr lang="en-US"/>
+        </a:p>
+      </dgm:t>
+    </dgm:pt>
+    <dgm:pt modelId="{D1550008-CC03-1C41-97A6-3AE1B03323AA}" type="pres">
+      <dgm:prSet presAssocID="{6A6E47F8-1048-2F47-907A-D4BF231FF035}" presName="cycle" presStyleCnt="0">
+        <dgm:presLayoutVars>
+          <dgm:dir/>
+          <dgm:resizeHandles val="exact"/>
+        </dgm:presLayoutVars>
+      </dgm:prSet>
+      <dgm:spPr/>
+    </dgm:pt>
+    <dgm:pt modelId="{65583AE2-E745-A745-871C-52C817E954DB}" type="pres">
+      <dgm:prSet presAssocID="{EF1748F2-133D-8443-B07B-1F3DD04D9097}" presName="node" presStyleLbl="node1" presStyleIdx="0" presStyleCnt="2">
+        <dgm:presLayoutVars>
+          <dgm:bulletEnabled val="1"/>
+        </dgm:presLayoutVars>
+      </dgm:prSet>
+      <dgm:spPr/>
+    </dgm:pt>
+    <dgm:pt modelId="{274AE413-8C94-2341-BBF5-1E261E2E00D7}" type="pres">
+      <dgm:prSet presAssocID="{D8011B7C-4543-B647-8959-0A49F7C91FED}" presName="sibTrans" presStyleLbl="sibTrans2D1" presStyleIdx="0" presStyleCnt="2"/>
+      <dgm:spPr/>
+    </dgm:pt>
+    <dgm:pt modelId="{34789F1D-661B-A340-90B1-DE96D4C88CE9}" type="pres">
+      <dgm:prSet presAssocID="{D8011B7C-4543-B647-8959-0A49F7C91FED}" presName="connectorText" presStyleLbl="sibTrans2D1" presStyleIdx="0" presStyleCnt="2"/>
+      <dgm:spPr/>
+    </dgm:pt>
+    <dgm:pt modelId="{0CE1B85C-6C34-BD4E-9439-2F58FF037D20}" type="pres">
+      <dgm:prSet presAssocID="{6960D0BA-9C91-784C-AE10-65AC169E4DC8}" presName="node" presStyleLbl="node1" presStyleIdx="1" presStyleCnt="2">
+        <dgm:presLayoutVars>
+          <dgm:bulletEnabled val="1"/>
+        </dgm:presLayoutVars>
+      </dgm:prSet>
+      <dgm:spPr/>
+    </dgm:pt>
+    <dgm:pt modelId="{BA549199-2999-F346-814B-A53DEEE169D9}" type="pres">
+      <dgm:prSet presAssocID="{DAD6F5FD-5C4B-154B-9FBC-3B262EBF8712}" presName="sibTrans" presStyleLbl="sibTrans2D1" presStyleIdx="1" presStyleCnt="2"/>
+      <dgm:spPr/>
+    </dgm:pt>
+    <dgm:pt modelId="{F88B9142-6A05-9E4A-BA0A-0DFC43570BFA}" type="pres">
+      <dgm:prSet presAssocID="{DAD6F5FD-5C4B-154B-9FBC-3B262EBF8712}" presName="connectorText" presStyleLbl="sibTrans2D1" presStyleIdx="1" presStyleCnt="2"/>
+      <dgm:spPr/>
+    </dgm:pt>
+  </dgm:ptLst>
+  <dgm:cxnLst>
+    <dgm:cxn modelId="{63E364E5-C5B8-D645-B153-64CC91436E9D}" type="presOf" srcId="{DAD6F5FD-5C4B-154B-9FBC-3B262EBF8712}" destId="{BA549199-2999-F346-814B-A53DEEE169D9}" srcOrd="0" destOrd="0" presId="urn:microsoft.com/office/officeart/2005/8/layout/cycle2"/>
+    <dgm:cxn modelId="{977F1DC4-98EB-9B46-89A1-0209F4002BBA}" type="presOf" srcId="{DAD6F5FD-5C4B-154B-9FBC-3B262EBF8712}" destId="{F88B9142-6A05-9E4A-BA0A-0DFC43570BFA}" srcOrd="1" destOrd="0" presId="urn:microsoft.com/office/officeart/2005/8/layout/cycle2"/>
+    <dgm:cxn modelId="{64E6E056-B7AA-3743-B3F4-D2081AA4A681}" srcId="{6A6E47F8-1048-2F47-907A-D4BF231FF035}" destId="{6960D0BA-9C91-784C-AE10-65AC169E4DC8}" srcOrd="1" destOrd="0" parTransId="{93103E0C-F46E-5449-BEB6-78394DA3ACE1}" sibTransId="{DAD6F5FD-5C4B-154B-9FBC-3B262EBF8712}"/>
+    <dgm:cxn modelId="{1C16E3C2-8DA0-E24A-AEF3-4855C0BCC855}" type="presOf" srcId="{6960D0BA-9C91-784C-AE10-65AC169E4DC8}" destId="{0CE1B85C-6C34-BD4E-9439-2F58FF037D20}" srcOrd="0" destOrd="0" presId="urn:microsoft.com/office/officeart/2005/8/layout/cycle2"/>
+    <dgm:cxn modelId="{8F066DED-EEAD-F84B-968C-A38CD4AA21AE}" type="presOf" srcId="{6A6E47F8-1048-2F47-907A-D4BF231FF035}" destId="{D1550008-CC03-1C41-97A6-3AE1B03323AA}" srcOrd="0" destOrd="0" presId="urn:microsoft.com/office/officeart/2005/8/layout/cycle2"/>
+    <dgm:cxn modelId="{44B4281D-862C-D64C-BC64-571E5A97D57D}" srcId="{6A6E47F8-1048-2F47-907A-D4BF231FF035}" destId="{EF1748F2-133D-8443-B07B-1F3DD04D9097}" srcOrd="0" destOrd="0" parTransId="{B0EF66BE-1830-6144-B5C6-55B00DE505CD}" sibTransId="{D8011B7C-4543-B647-8959-0A49F7C91FED}"/>
+    <dgm:cxn modelId="{AD5CC48D-9565-2248-92F8-1663DC42CBCA}" type="presOf" srcId="{D8011B7C-4543-B647-8959-0A49F7C91FED}" destId="{34789F1D-661B-A340-90B1-DE96D4C88CE9}" srcOrd="1" destOrd="0" presId="urn:microsoft.com/office/officeart/2005/8/layout/cycle2"/>
+    <dgm:cxn modelId="{6AAAD7F9-0E5A-5647-A4DB-772ECDFE4ECB}" type="presOf" srcId="{D8011B7C-4543-B647-8959-0A49F7C91FED}" destId="{274AE413-8C94-2341-BBF5-1E261E2E00D7}" srcOrd="0" destOrd="0" presId="urn:microsoft.com/office/officeart/2005/8/layout/cycle2"/>
+    <dgm:cxn modelId="{25296985-B719-5449-A8F6-7FF5D35B69C6}" type="presOf" srcId="{EF1748F2-133D-8443-B07B-1F3DD04D9097}" destId="{65583AE2-E745-A745-871C-52C817E954DB}" srcOrd="0" destOrd="0" presId="urn:microsoft.com/office/officeart/2005/8/layout/cycle2"/>
+    <dgm:cxn modelId="{AC09E120-0582-D049-BD43-D6918911EBFE}" type="presParOf" srcId="{D1550008-CC03-1C41-97A6-3AE1B03323AA}" destId="{65583AE2-E745-A745-871C-52C817E954DB}" srcOrd="0" destOrd="0" presId="urn:microsoft.com/office/officeart/2005/8/layout/cycle2"/>
+    <dgm:cxn modelId="{9FCFB997-8C2C-1842-B4B1-1BF493692312}" type="presParOf" srcId="{D1550008-CC03-1C41-97A6-3AE1B03323AA}" destId="{274AE413-8C94-2341-BBF5-1E261E2E00D7}" srcOrd="1" destOrd="0" presId="urn:microsoft.com/office/officeart/2005/8/layout/cycle2"/>
+    <dgm:cxn modelId="{A6C340B3-F3FF-004D-81B3-C7969266545D}" type="presParOf" srcId="{274AE413-8C94-2341-BBF5-1E261E2E00D7}" destId="{34789F1D-661B-A340-90B1-DE96D4C88CE9}" srcOrd="0" destOrd="0" presId="urn:microsoft.com/office/officeart/2005/8/layout/cycle2"/>
+    <dgm:cxn modelId="{0828CD6E-1E5B-7847-B7EB-60BD1658C487}" type="presParOf" srcId="{D1550008-CC03-1C41-97A6-3AE1B03323AA}" destId="{0CE1B85C-6C34-BD4E-9439-2F58FF037D20}" srcOrd="2" destOrd="0" presId="urn:microsoft.com/office/officeart/2005/8/layout/cycle2"/>
+    <dgm:cxn modelId="{0ED8B1FA-FA28-7542-AA8C-6FA9CC6A3A01}" type="presParOf" srcId="{D1550008-CC03-1C41-97A6-3AE1B03323AA}" destId="{BA549199-2999-F346-814B-A53DEEE169D9}" srcOrd="3" destOrd="0" presId="urn:microsoft.com/office/officeart/2005/8/layout/cycle2"/>
+    <dgm:cxn modelId="{67FC8AA9-31BE-8B4A-90E6-1CE0B5ED0FB1}" type="presParOf" srcId="{BA549199-2999-F346-814B-A53DEEE169D9}" destId="{F88B9142-6A05-9E4A-BA0A-0DFC43570BFA}" srcOrd="0" destOrd="0" presId="urn:microsoft.com/office/officeart/2005/8/layout/cycle2"/>
+  </dgm:cxnLst>
+  <dgm:bg/>
+  <dgm:whole/>
+  <dgm:extLst>
+    <a:ext uri="http://schemas.microsoft.com/office/drawing/2008/diagram">
+      <dsp:dataModelExt xmlns:dsp="http://schemas.microsoft.com/office/drawing/2008/diagram" relId="rId6" minVer="http://schemas.openxmlformats.org/drawingml/2006/diagram"/>
+    </a:ext>
+  </dgm:extLst>
+</dgm:dataModel>
+</file>
+
+<file path=ppt/diagrams/data8.xml><?xml version="1.0" encoding="utf-8"?>
 <dgm:dataModel xmlns:dgm="http://schemas.openxmlformats.org/drawingml/2006/diagram" xmlns:a="http://schemas.openxmlformats.org/drawingml/2006/main">
   <dgm:ptLst>
     <dgm:pt modelId="{E80DDE21-4817-EA47-94C2-0A9B57346F30}" type="doc">
@@ -7455,8 +9659,7 @@
         <a:gradFill rotWithShape="0">
           <a:gsLst>
             <a:gs pos="0">
-              <a:schemeClr val="accent1">
-                <a:tint val="60000"/>
+              <a:schemeClr val="accent2">
                 <a:hueOff val="0"/>
                 <a:satOff val="0"/>
                 <a:lumOff val="0"/>
@@ -7466,8 +9669,7 @@
               </a:schemeClr>
             </a:gs>
             <a:gs pos="50000">
-              <a:schemeClr val="accent1">
-                <a:tint val="60000"/>
+              <a:schemeClr val="accent2">
                 <a:hueOff val="0"/>
                 <a:satOff val="0"/>
                 <a:lumOff val="0"/>
@@ -7477,8 +9679,7 @@
               </a:schemeClr>
             </a:gs>
             <a:gs pos="70000">
-              <a:schemeClr val="accent1">
-                <a:tint val="60000"/>
+              <a:schemeClr val="accent2">
                 <a:hueOff val="0"/>
                 <a:satOff val="0"/>
                 <a:lumOff val="0"/>
@@ -7489,8 +9690,7 @@
               </a:schemeClr>
             </a:gs>
             <a:gs pos="100000">
-              <a:schemeClr val="accent1">
-                <a:tint val="60000"/>
+              <a:schemeClr val="accent2">
                 <a:hueOff val="0"/>
                 <a:satOff val="0"/>
                 <a:lumOff val="0"/>
@@ -7547,7 +9747,7 @@
         <a:gradFill rotWithShape="0">
           <a:gsLst>
             <a:gs pos="0">
-              <a:schemeClr val="accent1">
+              <a:schemeClr val="accent2">
                 <a:hueOff val="0"/>
                 <a:satOff val="0"/>
                 <a:lumOff val="0"/>
@@ -7557,7 +9757,7 @@
               </a:schemeClr>
             </a:gs>
             <a:gs pos="50000">
-              <a:schemeClr val="accent1">
+              <a:schemeClr val="accent2">
                 <a:hueOff val="0"/>
                 <a:satOff val="0"/>
                 <a:lumOff val="0"/>
@@ -7567,7 +9767,7 @@
               </a:schemeClr>
             </a:gs>
             <a:gs pos="70000">
-              <a:schemeClr val="accent1">
+              <a:schemeClr val="accent2">
                 <a:hueOff val="0"/>
                 <a:satOff val="0"/>
                 <a:lumOff val="0"/>
@@ -7578,7 +9778,7 @@
               </a:schemeClr>
             </a:gs>
             <a:gs pos="100000">
-              <a:schemeClr val="accent1">
+              <a:schemeClr val="accent2">
                 <a:hueOff val="0"/>
                 <a:satOff val="0"/>
                 <a:lumOff val="0"/>
@@ -7664,8 +9864,7 @@
         <a:gradFill rotWithShape="0">
           <a:gsLst>
             <a:gs pos="0">
-              <a:schemeClr val="accent1">
-                <a:tint val="60000"/>
+              <a:schemeClr val="accent3">
                 <a:hueOff val="0"/>
                 <a:satOff val="0"/>
                 <a:lumOff val="0"/>
@@ -7675,8 +9874,7 @@
               </a:schemeClr>
             </a:gs>
             <a:gs pos="50000">
-              <a:schemeClr val="accent1">
-                <a:tint val="60000"/>
+              <a:schemeClr val="accent3">
                 <a:hueOff val="0"/>
                 <a:satOff val="0"/>
                 <a:lumOff val="0"/>
@@ -7686,8 +9884,7 @@
               </a:schemeClr>
             </a:gs>
             <a:gs pos="70000">
-              <a:schemeClr val="accent1">
-                <a:tint val="60000"/>
+              <a:schemeClr val="accent3">
                 <a:hueOff val="0"/>
                 <a:satOff val="0"/>
                 <a:lumOff val="0"/>
@@ -7698,8 +9895,7 @@
               </a:schemeClr>
             </a:gs>
             <a:gs pos="100000">
-              <a:schemeClr val="accent1">
-                <a:tint val="60000"/>
+              <a:schemeClr val="accent3">
                 <a:hueOff val="0"/>
                 <a:satOff val="0"/>
                 <a:lumOff val="0"/>
@@ -7756,7 +9952,7 @@
         <a:gradFill rotWithShape="0">
           <a:gsLst>
             <a:gs pos="0">
-              <a:schemeClr val="accent1">
+              <a:schemeClr val="accent3">
                 <a:hueOff val="0"/>
                 <a:satOff val="0"/>
                 <a:lumOff val="0"/>
@@ -7766,7 +9962,7 @@
               </a:schemeClr>
             </a:gs>
             <a:gs pos="50000">
-              <a:schemeClr val="accent1">
+              <a:schemeClr val="accent3">
                 <a:hueOff val="0"/>
                 <a:satOff val="0"/>
                 <a:lumOff val="0"/>
@@ -7776,7 +9972,7 @@
               </a:schemeClr>
             </a:gs>
             <a:gs pos="70000">
-              <a:schemeClr val="accent1">
+              <a:schemeClr val="accent3">
                 <a:hueOff val="0"/>
                 <a:satOff val="0"/>
                 <a:lumOff val="0"/>
@@ -7787,7 +9983,7 @@
               </a:schemeClr>
             </a:gs>
             <a:gs pos="100000">
-              <a:schemeClr val="accent1">
+              <a:schemeClr val="accent3">
                 <a:hueOff val="0"/>
                 <a:satOff val="0"/>
                 <a:lumOff val="0"/>
@@ -7873,8 +10069,7 @@
         <a:gradFill rotWithShape="0">
           <a:gsLst>
             <a:gs pos="0">
-              <a:schemeClr val="accent1">
-                <a:tint val="60000"/>
+              <a:schemeClr val="accent4">
                 <a:hueOff val="0"/>
                 <a:satOff val="0"/>
                 <a:lumOff val="0"/>
@@ -7884,8 +10079,7 @@
               </a:schemeClr>
             </a:gs>
             <a:gs pos="50000">
-              <a:schemeClr val="accent1">
-                <a:tint val="60000"/>
+              <a:schemeClr val="accent4">
                 <a:hueOff val="0"/>
                 <a:satOff val="0"/>
                 <a:lumOff val="0"/>
@@ -7895,8 +10089,7 @@
               </a:schemeClr>
             </a:gs>
             <a:gs pos="70000">
-              <a:schemeClr val="accent1">
-                <a:tint val="60000"/>
+              <a:schemeClr val="accent4">
                 <a:hueOff val="0"/>
                 <a:satOff val="0"/>
                 <a:lumOff val="0"/>
@@ -7907,8 +10100,7 @@
               </a:schemeClr>
             </a:gs>
             <a:gs pos="100000">
-              <a:schemeClr val="accent1">
-                <a:tint val="60000"/>
+              <a:schemeClr val="accent4">
                 <a:hueOff val="0"/>
                 <a:satOff val="0"/>
                 <a:lumOff val="0"/>
@@ -7965,7 +10157,7 @@
         <a:gradFill rotWithShape="0">
           <a:gsLst>
             <a:gs pos="0">
-              <a:schemeClr val="accent1">
+              <a:schemeClr val="accent4">
                 <a:hueOff val="0"/>
                 <a:satOff val="0"/>
                 <a:lumOff val="0"/>
@@ -7975,7 +10167,7 @@
               </a:schemeClr>
             </a:gs>
             <a:gs pos="50000">
-              <a:schemeClr val="accent1">
+              <a:schemeClr val="accent4">
                 <a:hueOff val="0"/>
                 <a:satOff val="0"/>
                 <a:lumOff val="0"/>
@@ -7985,7 +10177,7 @@
               </a:schemeClr>
             </a:gs>
             <a:gs pos="70000">
-              <a:schemeClr val="accent1">
+              <a:schemeClr val="accent4">
                 <a:hueOff val="0"/>
                 <a:satOff val="0"/>
                 <a:lumOff val="0"/>
@@ -7996,7 +10188,7 @@
               </a:schemeClr>
             </a:gs>
             <a:gs pos="100000">
-              <a:schemeClr val="accent1">
+              <a:schemeClr val="accent4">
                 <a:hueOff val="0"/>
                 <a:satOff val="0"/>
                 <a:lumOff val="0"/>
@@ -8677,7 +10869,7 @@
         <a:gradFill rotWithShape="0">
           <a:gsLst>
             <a:gs pos="0">
-              <a:schemeClr val="accent1">
+              <a:schemeClr val="accent5">
                 <a:hueOff val="0"/>
                 <a:satOff val="0"/>
                 <a:lumOff val="0"/>
@@ -8687,7 +10879,7 @@
               </a:schemeClr>
             </a:gs>
             <a:gs pos="50000">
-              <a:schemeClr val="accent1">
+              <a:schemeClr val="accent5">
                 <a:hueOff val="0"/>
                 <a:satOff val="0"/>
                 <a:lumOff val="0"/>
@@ -8697,7 +10889,7 @@
               </a:schemeClr>
             </a:gs>
             <a:gs pos="70000">
-              <a:schemeClr val="accent1">
+              <a:schemeClr val="accent5">
                 <a:hueOff val="0"/>
                 <a:satOff val="0"/>
                 <a:lumOff val="0"/>
@@ -8708,7 +10900,7 @@
               </a:schemeClr>
             </a:gs>
             <a:gs pos="100000">
-              <a:schemeClr val="accent1">
+              <a:schemeClr val="accent5">
                 <a:hueOff val="0"/>
                 <a:satOff val="0"/>
                 <a:lumOff val="0"/>
@@ -8794,8 +10986,7 @@
         <a:gradFill rotWithShape="0">
           <a:gsLst>
             <a:gs pos="0">
-              <a:schemeClr val="accent1">
-                <a:tint val="60000"/>
+              <a:schemeClr val="accent5">
                 <a:hueOff val="0"/>
                 <a:satOff val="0"/>
                 <a:lumOff val="0"/>
@@ -8805,8 +10996,7 @@
               </a:schemeClr>
             </a:gs>
             <a:gs pos="50000">
-              <a:schemeClr val="accent1">
-                <a:tint val="60000"/>
+              <a:schemeClr val="accent5">
                 <a:hueOff val="0"/>
                 <a:satOff val="0"/>
                 <a:lumOff val="0"/>
@@ -8816,8 +11006,7 @@
               </a:schemeClr>
             </a:gs>
             <a:gs pos="70000">
-              <a:schemeClr val="accent1">
-                <a:tint val="60000"/>
+              <a:schemeClr val="accent5">
                 <a:hueOff val="0"/>
                 <a:satOff val="0"/>
                 <a:lumOff val="0"/>
@@ -8828,8 +11017,7 @@
               </a:schemeClr>
             </a:gs>
             <a:gs pos="100000">
-              <a:schemeClr val="accent1">
-                <a:tint val="60000"/>
+              <a:schemeClr val="accent5">
                 <a:hueOff val="0"/>
                 <a:satOff val="0"/>
                 <a:lumOff val="0"/>
@@ -8908,30 +11096,30 @@
         <a:gradFill rotWithShape="0">
           <a:gsLst>
             <a:gs pos="0">
-              <a:schemeClr val="accent1">
-                <a:hueOff val="0"/>
-                <a:satOff val="0"/>
-                <a:lumOff val="0"/>
+              <a:schemeClr val="accent5">
+                <a:hueOff val="4939938"/>
+                <a:satOff val="-18319"/>
+                <a:lumOff val="-4836"/>
                 <a:alphaOff val="0"/>
                 <a:shade val="15000"/>
                 <a:satMod val="180000"/>
               </a:schemeClr>
             </a:gs>
             <a:gs pos="50000">
-              <a:schemeClr val="accent1">
-                <a:hueOff val="0"/>
-                <a:satOff val="0"/>
-                <a:lumOff val="0"/>
+              <a:schemeClr val="accent5">
+                <a:hueOff val="4939938"/>
+                <a:satOff val="-18319"/>
+                <a:lumOff val="-4836"/>
                 <a:alphaOff val="0"/>
                 <a:shade val="45000"/>
                 <a:satMod val="170000"/>
               </a:schemeClr>
             </a:gs>
             <a:gs pos="70000">
-              <a:schemeClr val="accent1">
-                <a:hueOff val="0"/>
-                <a:satOff val="0"/>
-                <a:lumOff val="0"/>
+              <a:schemeClr val="accent5">
+                <a:hueOff val="4939938"/>
+                <a:satOff val="-18319"/>
+                <a:lumOff val="-4836"/>
                 <a:alphaOff val="0"/>
                 <a:tint val="99000"/>
                 <a:shade val="65000"/>
@@ -8939,10 +11127,10 @@
               </a:schemeClr>
             </a:gs>
             <a:gs pos="100000">
-              <a:schemeClr val="accent1">
-                <a:hueOff val="0"/>
-                <a:satOff val="0"/>
-                <a:lumOff val="0"/>
+              <a:schemeClr val="accent5">
+                <a:hueOff val="4939938"/>
+                <a:satOff val="-18319"/>
+                <a:lumOff val="-4836"/>
                 <a:alphaOff val="0"/>
                 <a:tint val="95500"/>
                 <a:shade val="100000"/>
@@ -9021,6 +11209,692 @@
             <a:gd name="adj1" fmla="val 60000"/>
             <a:gd name="adj2" fmla="val 50000"/>
           </a:avLst>
+        </a:prstGeom>
+        <a:gradFill rotWithShape="0">
+          <a:gsLst>
+            <a:gs pos="0">
+              <a:schemeClr val="accent5">
+                <a:hueOff val="4939938"/>
+                <a:satOff val="-18319"/>
+                <a:lumOff val="-4836"/>
+                <a:alphaOff val="0"/>
+                <a:shade val="15000"/>
+                <a:satMod val="180000"/>
+              </a:schemeClr>
+            </a:gs>
+            <a:gs pos="50000">
+              <a:schemeClr val="accent5">
+                <a:hueOff val="4939938"/>
+                <a:satOff val="-18319"/>
+                <a:lumOff val="-4836"/>
+                <a:alphaOff val="0"/>
+                <a:shade val="45000"/>
+                <a:satMod val="170000"/>
+              </a:schemeClr>
+            </a:gs>
+            <a:gs pos="70000">
+              <a:schemeClr val="accent5">
+                <a:hueOff val="4939938"/>
+                <a:satOff val="-18319"/>
+                <a:lumOff val="-4836"/>
+                <a:alphaOff val="0"/>
+                <a:tint val="99000"/>
+                <a:shade val="65000"/>
+                <a:satMod val="155000"/>
+              </a:schemeClr>
+            </a:gs>
+            <a:gs pos="100000">
+              <a:schemeClr val="accent5">
+                <a:hueOff val="4939938"/>
+                <a:satOff val="-18319"/>
+                <a:lumOff val="-4836"/>
+                <a:alphaOff val="0"/>
+                <a:tint val="95500"/>
+                <a:shade val="100000"/>
+                <a:satMod val="155000"/>
+              </a:schemeClr>
+            </a:gs>
+          </a:gsLst>
+          <a:lin ang="16200000" scaled="0"/>
+        </a:gradFill>
+        <a:ln>
+          <a:noFill/>
+        </a:ln>
+        <a:effectLst>
+          <a:outerShdw blurRad="50800" dist="38100" dir="5400000" rotWithShape="0">
+            <a:srgbClr val="000000">
+              <a:alpha val="35000"/>
+            </a:srgbClr>
+          </a:outerShdw>
+        </a:effectLst>
+      </dsp:spPr>
+      <dsp:style>
+        <a:lnRef idx="0">
+          <a:scrgbClr r="0" g="0" b="0"/>
+        </a:lnRef>
+        <a:fillRef idx="3">
+          <a:scrgbClr r="0" g="0" b="0"/>
+        </a:fillRef>
+        <a:effectRef idx="2">
+          <a:scrgbClr r="0" g="0" b="0"/>
+        </a:effectRef>
+        <a:fontRef idx="minor">
+          <a:schemeClr val="lt1"/>
+        </a:fontRef>
+      </dsp:style>
+      <dsp:txBody>
+        <a:bodyPr spcFirstLastPara="0" vert="horz" wrap="square" lIns="0" tIns="0" rIns="0" bIns="0" numCol="1" spcCol="1270" anchor="ctr" anchorCtr="0">
+          <a:noAutofit/>
+        </a:bodyPr>
+        <a:lstStyle/>
+        <a:p>
+          <a:pPr lvl="0" algn="ctr" defTabSz="444500">
+            <a:lnSpc>
+              <a:spcPct val="90000"/>
+            </a:lnSpc>
+            <a:spcBef>
+              <a:spcPct val="0"/>
+            </a:spcBef>
+            <a:spcAft>
+              <a:spcPct val="35000"/>
+            </a:spcAft>
+          </a:pPr>
+          <a:endParaRPr lang="en-US" sz="1000" kern="1200"/>
+        </a:p>
+      </dsp:txBody>
+      <dsp:txXfrm rot="10800000">
+        <a:off x="2678275" y="2617122"/>
+        <a:ext cx="244651" cy="266900"/>
+      </dsp:txXfrm>
+    </dsp:sp>
+    <dsp:sp modelId="{66AD2163-19FA-9842-B407-11A561E0B28C}">
+      <dsp:nvSpPr>
+        <dsp:cNvPr id="0" name=""/>
+        <dsp:cNvSpPr/>
+      </dsp:nvSpPr>
+      <dsp:spPr>
+        <a:xfrm>
+          <a:off x="1398389" y="2834763"/>
+          <a:ext cx="1318021" cy="1318021"/>
+        </a:xfrm>
+        <a:prstGeom prst="ellipse">
+          <a:avLst/>
+        </a:prstGeom>
+        <a:gradFill rotWithShape="0">
+          <a:gsLst>
+            <a:gs pos="0">
+              <a:schemeClr val="accent5">
+                <a:hueOff val="9879877"/>
+                <a:satOff val="-36638"/>
+                <a:lumOff val="-9672"/>
+                <a:alphaOff val="0"/>
+                <a:shade val="15000"/>
+                <a:satMod val="180000"/>
+              </a:schemeClr>
+            </a:gs>
+            <a:gs pos="50000">
+              <a:schemeClr val="accent5">
+                <a:hueOff val="9879877"/>
+                <a:satOff val="-36638"/>
+                <a:lumOff val="-9672"/>
+                <a:alphaOff val="0"/>
+                <a:shade val="45000"/>
+                <a:satMod val="170000"/>
+              </a:schemeClr>
+            </a:gs>
+            <a:gs pos="70000">
+              <a:schemeClr val="accent5">
+                <a:hueOff val="9879877"/>
+                <a:satOff val="-36638"/>
+                <a:lumOff val="-9672"/>
+                <a:alphaOff val="0"/>
+                <a:tint val="99000"/>
+                <a:shade val="65000"/>
+                <a:satMod val="155000"/>
+              </a:schemeClr>
+            </a:gs>
+            <a:gs pos="100000">
+              <a:schemeClr val="accent5">
+                <a:hueOff val="9879877"/>
+                <a:satOff val="-36638"/>
+                <a:lumOff val="-9672"/>
+                <a:alphaOff val="0"/>
+                <a:tint val="95500"/>
+                <a:shade val="100000"/>
+                <a:satMod val="155000"/>
+              </a:schemeClr>
+            </a:gs>
+          </a:gsLst>
+          <a:lin ang="16200000" scaled="0"/>
+        </a:gradFill>
+        <a:ln>
+          <a:noFill/>
+        </a:ln>
+        <a:effectLst>
+          <a:outerShdw blurRad="50800" dist="38100" dir="5400000" rotWithShape="0">
+            <a:srgbClr val="000000">
+              <a:alpha val="35000"/>
+            </a:srgbClr>
+          </a:outerShdw>
+        </a:effectLst>
+      </dsp:spPr>
+      <dsp:style>
+        <a:lnRef idx="0">
+          <a:scrgbClr r="0" g="0" b="0"/>
+        </a:lnRef>
+        <a:fillRef idx="3">
+          <a:scrgbClr r="0" g="0" b="0"/>
+        </a:fillRef>
+        <a:effectRef idx="2">
+          <a:scrgbClr r="0" g="0" b="0"/>
+        </a:effectRef>
+        <a:fontRef idx="minor">
+          <a:schemeClr val="lt1"/>
+        </a:fontRef>
+      </dsp:style>
+      <dsp:txBody>
+        <a:bodyPr spcFirstLastPara="0" vert="horz" wrap="square" lIns="16510" tIns="16510" rIns="16510" bIns="16510" numCol="1" spcCol="1270" anchor="ctr" anchorCtr="0">
+          <a:noAutofit/>
+        </a:bodyPr>
+        <a:lstStyle/>
+        <a:p>
+          <a:pPr lvl="0" algn="ctr" defTabSz="577850">
+            <a:lnSpc>
+              <a:spcPct val="90000"/>
+            </a:lnSpc>
+            <a:spcBef>
+              <a:spcPct val="0"/>
+            </a:spcBef>
+            <a:spcAft>
+              <a:spcPct val="35000"/>
+            </a:spcAft>
+          </a:pPr>
+          <a:r>
+            <a:rPr lang="en-US" sz="1300" kern="1200" dirty="0" smtClean="0"/>
+            <a:t>Agent</a:t>
+          </a:r>
+          <a:endParaRPr lang="en-US" sz="1300" kern="1200" dirty="0"/>
+        </a:p>
+      </dsp:txBody>
+      <dsp:txXfrm>
+        <a:off x="1591409" y="3027783"/>
+        <a:ext cx="931981" cy="931981"/>
+      </dsp:txXfrm>
+    </dsp:sp>
+    <dsp:sp modelId="{5B98DEAE-4428-8B49-BA68-1B1813C6005F}">
+      <dsp:nvSpPr>
+        <dsp:cNvPr id="0" name=""/>
+        <dsp:cNvSpPr/>
+      </dsp:nvSpPr>
+      <dsp:spPr>
+        <a:xfrm rot="13500000">
+          <a:off x="1190506" y="2579215"/>
+          <a:ext cx="349501" cy="444832"/>
+        </a:xfrm>
+        <a:prstGeom prst="rightArrow">
+          <a:avLst>
+            <a:gd name="adj1" fmla="val 60000"/>
+            <a:gd name="adj2" fmla="val 50000"/>
+          </a:avLst>
+        </a:prstGeom>
+        <a:gradFill rotWithShape="0">
+          <a:gsLst>
+            <a:gs pos="0">
+              <a:schemeClr val="accent5">
+                <a:hueOff val="9879877"/>
+                <a:satOff val="-36638"/>
+                <a:lumOff val="-9672"/>
+                <a:alphaOff val="0"/>
+                <a:shade val="15000"/>
+                <a:satMod val="180000"/>
+              </a:schemeClr>
+            </a:gs>
+            <a:gs pos="50000">
+              <a:schemeClr val="accent5">
+                <a:hueOff val="9879877"/>
+                <a:satOff val="-36638"/>
+                <a:lumOff val="-9672"/>
+                <a:alphaOff val="0"/>
+                <a:shade val="45000"/>
+                <a:satMod val="170000"/>
+              </a:schemeClr>
+            </a:gs>
+            <a:gs pos="70000">
+              <a:schemeClr val="accent5">
+                <a:hueOff val="9879877"/>
+                <a:satOff val="-36638"/>
+                <a:lumOff val="-9672"/>
+                <a:alphaOff val="0"/>
+                <a:tint val="99000"/>
+                <a:shade val="65000"/>
+                <a:satMod val="155000"/>
+              </a:schemeClr>
+            </a:gs>
+            <a:gs pos="100000">
+              <a:schemeClr val="accent5">
+                <a:hueOff val="9879877"/>
+                <a:satOff val="-36638"/>
+                <a:lumOff val="-9672"/>
+                <a:alphaOff val="0"/>
+                <a:tint val="95500"/>
+                <a:shade val="100000"/>
+                <a:satMod val="155000"/>
+              </a:schemeClr>
+            </a:gs>
+          </a:gsLst>
+          <a:lin ang="16200000" scaled="0"/>
+        </a:gradFill>
+        <a:ln>
+          <a:noFill/>
+        </a:ln>
+        <a:effectLst>
+          <a:outerShdw blurRad="50800" dist="38100" dir="5400000" rotWithShape="0">
+            <a:srgbClr val="000000">
+              <a:alpha val="35000"/>
+            </a:srgbClr>
+          </a:outerShdw>
+        </a:effectLst>
+      </dsp:spPr>
+      <dsp:style>
+        <a:lnRef idx="0">
+          <a:scrgbClr r="0" g="0" b="0"/>
+        </a:lnRef>
+        <a:fillRef idx="3">
+          <a:scrgbClr r="0" g="0" b="0"/>
+        </a:fillRef>
+        <a:effectRef idx="2">
+          <a:scrgbClr r="0" g="0" b="0"/>
+        </a:effectRef>
+        <a:fontRef idx="minor">
+          <a:schemeClr val="lt1"/>
+        </a:fontRef>
+      </dsp:style>
+      <dsp:txBody>
+        <a:bodyPr spcFirstLastPara="0" vert="horz" wrap="square" lIns="0" tIns="0" rIns="0" bIns="0" numCol="1" spcCol="1270" anchor="ctr" anchorCtr="0">
+          <a:noAutofit/>
+        </a:bodyPr>
+        <a:lstStyle/>
+        <a:p>
+          <a:pPr lvl="0" algn="ctr" defTabSz="444500">
+            <a:lnSpc>
+              <a:spcPct val="90000"/>
+            </a:lnSpc>
+            <a:spcBef>
+              <a:spcPct val="0"/>
+            </a:spcBef>
+            <a:spcAft>
+              <a:spcPct val="35000"/>
+            </a:spcAft>
+          </a:pPr>
+          <a:endParaRPr lang="en-US" sz="1000" kern="1200"/>
+        </a:p>
+      </dsp:txBody>
+      <dsp:txXfrm rot="10800000">
+        <a:off x="1280001" y="2705251"/>
+        <a:ext cx="244651" cy="266900"/>
+      </dsp:txXfrm>
+    </dsp:sp>
+    <dsp:sp modelId="{492633B3-01F9-E343-8017-0890C7327E6B}">
+      <dsp:nvSpPr>
+        <dsp:cNvPr id="0" name=""/>
+        <dsp:cNvSpPr/>
+      </dsp:nvSpPr>
+      <dsp:spPr>
+        <a:xfrm>
+          <a:off x="114" y="1436489"/>
+          <a:ext cx="1318021" cy="1318021"/>
+        </a:xfrm>
+        <a:prstGeom prst="ellipse">
+          <a:avLst/>
+        </a:prstGeom>
+        <a:gradFill rotWithShape="0">
+          <a:gsLst>
+            <a:gs pos="0">
+              <a:schemeClr val="accent5">
+                <a:hueOff val="14819814"/>
+                <a:satOff val="-54957"/>
+                <a:lumOff val="-14508"/>
+                <a:alphaOff val="0"/>
+                <a:shade val="15000"/>
+                <a:satMod val="180000"/>
+              </a:schemeClr>
+            </a:gs>
+            <a:gs pos="50000">
+              <a:schemeClr val="accent5">
+                <a:hueOff val="14819814"/>
+                <a:satOff val="-54957"/>
+                <a:lumOff val="-14508"/>
+                <a:alphaOff val="0"/>
+                <a:shade val="45000"/>
+                <a:satMod val="170000"/>
+              </a:schemeClr>
+            </a:gs>
+            <a:gs pos="70000">
+              <a:schemeClr val="accent5">
+                <a:hueOff val="14819814"/>
+                <a:satOff val="-54957"/>
+                <a:lumOff val="-14508"/>
+                <a:alphaOff val="0"/>
+                <a:tint val="99000"/>
+                <a:shade val="65000"/>
+                <a:satMod val="155000"/>
+              </a:schemeClr>
+            </a:gs>
+            <a:gs pos="100000">
+              <a:schemeClr val="accent5">
+                <a:hueOff val="14819814"/>
+                <a:satOff val="-54957"/>
+                <a:lumOff val="-14508"/>
+                <a:alphaOff val="0"/>
+                <a:tint val="95500"/>
+                <a:shade val="100000"/>
+                <a:satMod val="155000"/>
+              </a:schemeClr>
+            </a:gs>
+          </a:gsLst>
+          <a:lin ang="16200000" scaled="0"/>
+        </a:gradFill>
+        <a:ln>
+          <a:noFill/>
+        </a:ln>
+        <a:effectLst>
+          <a:outerShdw blurRad="50800" dist="38100" dir="5400000" rotWithShape="0">
+            <a:srgbClr val="000000">
+              <a:alpha val="35000"/>
+            </a:srgbClr>
+          </a:outerShdw>
+        </a:effectLst>
+      </dsp:spPr>
+      <dsp:style>
+        <a:lnRef idx="0">
+          <a:scrgbClr r="0" g="0" b="0"/>
+        </a:lnRef>
+        <a:fillRef idx="3">
+          <a:scrgbClr r="0" g="0" b="0"/>
+        </a:fillRef>
+        <a:effectRef idx="2">
+          <a:scrgbClr r="0" g="0" b="0"/>
+        </a:effectRef>
+        <a:fontRef idx="minor">
+          <a:schemeClr val="lt1"/>
+        </a:fontRef>
+      </dsp:style>
+      <dsp:txBody>
+        <a:bodyPr spcFirstLastPara="0" vert="horz" wrap="square" lIns="16510" tIns="16510" rIns="16510" bIns="16510" numCol="1" spcCol="1270" anchor="ctr" anchorCtr="0">
+          <a:noAutofit/>
+        </a:bodyPr>
+        <a:lstStyle/>
+        <a:p>
+          <a:pPr lvl="0" algn="ctr" defTabSz="577850">
+            <a:lnSpc>
+              <a:spcPct val="90000"/>
+            </a:lnSpc>
+            <a:spcBef>
+              <a:spcPct val="0"/>
+            </a:spcBef>
+            <a:spcAft>
+              <a:spcPct val="35000"/>
+            </a:spcAft>
+          </a:pPr>
+          <a:r>
+            <a:rPr lang="en-US" sz="1300" kern="1200" dirty="0" smtClean="0"/>
+            <a:t>Environment</a:t>
+          </a:r>
+          <a:endParaRPr lang="en-US" sz="1300" kern="1200" dirty="0"/>
+        </a:p>
+      </dsp:txBody>
+      <dsp:txXfrm>
+        <a:off x="193134" y="1629509"/>
+        <a:ext cx="931981" cy="931981"/>
+      </dsp:txXfrm>
+    </dsp:sp>
+    <dsp:sp modelId="{481688DA-3166-054F-941C-BF6AB84AC722}">
+      <dsp:nvSpPr>
+        <dsp:cNvPr id="0" name=""/>
+        <dsp:cNvSpPr/>
+      </dsp:nvSpPr>
+      <dsp:spPr>
+        <a:xfrm rot="18900000">
+          <a:off x="1176517" y="1180941"/>
+          <a:ext cx="349501" cy="444832"/>
+        </a:xfrm>
+        <a:prstGeom prst="rightArrow">
+          <a:avLst>
+            <a:gd name="adj1" fmla="val 60000"/>
+            <a:gd name="adj2" fmla="val 50000"/>
+          </a:avLst>
+        </a:prstGeom>
+        <a:gradFill rotWithShape="0">
+          <a:gsLst>
+            <a:gs pos="0">
+              <a:schemeClr val="accent5">
+                <a:hueOff val="14819814"/>
+                <a:satOff val="-54957"/>
+                <a:lumOff val="-14508"/>
+                <a:alphaOff val="0"/>
+                <a:shade val="15000"/>
+                <a:satMod val="180000"/>
+              </a:schemeClr>
+            </a:gs>
+            <a:gs pos="50000">
+              <a:schemeClr val="accent5">
+                <a:hueOff val="14819814"/>
+                <a:satOff val="-54957"/>
+                <a:lumOff val="-14508"/>
+                <a:alphaOff val="0"/>
+                <a:shade val="45000"/>
+                <a:satMod val="170000"/>
+              </a:schemeClr>
+            </a:gs>
+            <a:gs pos="70000">
+              <a:schemeClr val="accent5">
+                <a:hueOff val="14819814"/>
+                <a:satOff val="-54957"/>
+                <a:lumOff val="-14508"/>
+                <a:alphaOff val="0"/>
+                <a:tint val="99000"/>
+                <a:shade val="65000"/>
+                <a:satMod val="155000"/>
+              </a:schemeClr>
+            </a:gs>
+            <a:gs pos="100000">
+              <a:schemeClr val="accent5">
+                <a:hueOff val="14819814"/>
+                <a:satOff val="-54957"/>
+                <a:lumOff val="-14508"/>
+                <a:alphaOff val="0"/>
+                <a:tint val="95500"/>
+                <a:shade val="100000"/>
+                <a:satMod val="155000"/>
+              </a:schemeClr>
+            </a:gs>
+          </a:gsLst>
+          <a:lin ang="16200000" scaled="0"/>
+        </a:gradFill>
+        <a:ln>
+          <a:noFill/>
+        </a:ln>
+        <a:effectLst>
+          <a:outerShdw blurRad="50800" dist="38100" dir="5400000" rotWithShape="0">
+            <a:srgbClr val="000000">
+              <a:alpha val="35000"/>
+            </a:srgbClr>
+          </a:outerShdw>
+        </a:effectLst>
+      </dsp:spPr>
+      <dsp:style>
+        <a:lnRef idx="0">
+          <a:scrgbClr r="0" g="0" b="0"/>
+        </a:lnRef>
+        <a:fillRef idx="3">
+          <a:scrgbClr r="0" g="0" b="0"/>
+        </a:fillRef>
+        <a:effectRef idx="2">
+          <a:scrgbClr r="0" g="0" b="0"/>
+        </a:effectRef>
+        <a:fontRef idx="minor">
+          <a:schemeClr val="lt1"/>
+        </a:fontRef>
+      </dsp:style>
+      <dsp:txBody>
+        <a:bodyPr spcFirstLastPara="0" vert="horz" wrap="square" lIns="0" tIns="0" rIns="0" bIns="0" numCol="1" spcCol="1270" anchor="ctr" anchorCtr="0">
+          <a:noAutofit/>
+        </a:bodyPr>
+        <a:lstStyle/>
+        <a:p>
+          <a:pPr lvl="0" algn="ctr" defTabSz="444500">
+            <a:lnSpc>
+              <a:spcPct val="90000"/>
+            </a:lnSpc>
+            <a:spcBef>
+              <a:spcPct val="0"/>
+            </a:spcBef>
+            <a:spcAft>
+              <a:spcPct val="35000"/>
+            </a:spcAft>
+          </a:pPr>
+          <a:endParaRPr lang="en-US" sz="1000" kern="1200"/>
+        </a:p>
+      </dsp:txBody>
+      <dsp:txXfrm>
+        <a:off x="1191872" y="1306977"/>
+        <a:ext cx="244651" cy="266900"/>
+      </dsp:txXfrm>
+    </dsp:sp>
+  </dsp:spTree>
+</dsp:drawing>
+</file>
+
+<file path=ppt/diagrams/drawing6.xml><?xml version="1.0" encoding="utf-8"?>
+<dsp:drawing xmlns:dgm="http://schemas.openxmlformats.org/drawingml/2006/diagram" xmlns:dsp="http://schemas.microsoft.com/office/drawing/2008/diagram" xmlns:a="http://schemas.openxmlformats.org/drawingml/2006/main">
+  <dsp:spTree>
+    <dsp:nvGrpSpPr>
+      <dsp:cNvPr id="0" name=""/>
+      <dsp:cNvGrpSpPr/>
+    </dsp:nvGrpSpPr>
+    <dsp:grpSpPr/>
+    <dsp:sp modelId="{CA8BDA7A-BB7A-994A-8208-DF4257561724}">
+      <dsp:nvSpPr>
+        <dsp:cNvPr id="0" name=""/>
+        <dsp:cNvSpPr/>
+      </dsp:nvSpPr>
+      <dsp:spPr>
+        <a:xfrm>
+          <a:off x="691" y="1636904"/>
+          <a:ext cx="917190" cy="917190"/>
+        </a:xfrm>
+        <a:prstGeom prst="ellipse">
+          <a:avLst/>
+        </a:prstGeom>
+        <a:gradFill rotWithShape="0">
+          <a:gsLst>
+            <a:gs pos="0">
+              <a:schemeClr val="accent1">
+                <a:hueOff val="0"/>
+                <a:satOff val="0"/>
+                <a:lumOff val="0"/>
+                <a:alphaOff val="0"/>
+                <a:shade val="15000"/>
+                <a:satMod val="180000"/>
+              </a:schemeClr>
+            </a:gs>
+            <a:gs pos="50000">
+              <a:schemeClr val="accent1">
+                <a:hueOff val="0"/>
+                <a:satOff val="0"/>
+                <a:lumOff val="0"/>
+                <a:alphaOff val="0"/>
+                <a:shade val="45000"/>
+                <a:satMod val="170000"/>
+              </a:schemeClr>
+            </a:gs>
+            <a:gs pos="70000">
+              <a:schemeClr val="accent1">
+                <a:hueOff val="0"/>
+                <a:satOff val="0"/>
+                <a:lumOff val="0"/>
+                <a:alphaOff val="0"/>
+                <a:tint val="99000"/>
+                <a:shade val="65000"/>
+                <a:satMod val="155000"/>
+              </a:schemeClr>
+            </a:gs>
+            <a:gs pos="100000">
+              <a:schemeClr val="accent1">
+                <a:hueOff val="0"/>
+                <a:satOff val="0"/>
+                <a:lumOff val="0"/>
+                <a:alphaOff val="0"/>
+                <a:tint val="95500"/>
+                <a:shade val="100000"/>
+                <a:satMod val="155000"/>
+              </a:schemeClr>
+            </a:gs>
+          </a:gsLst>
+          <a:lin ang="16200000" scaled="0"/>
+        </a:gradFill>
+        <a:ln>
+          <a:noFill/>
+        </a:ln>
+        <a:effectLst>
+          <a:outerShdw blurRad="50800" dist="38100" dir="5400000" rotWithShape="0">
+            <a:srgbClr val="000000">
+              <a:alpha val="35000"/>
+            </a:srgbClr>
+          </a:outerShdw>
+        </a:effectLst>
+      </dsp:spPr>
+      <dsp:style>
+        <a:lnRef idx="0">
+          <a:scrgbClr r="0" g="0" b="0"/>
+        </a:lnRef>
+        <a:fillRef idx="3">
+          <a:scrgbClr r="0" g="0" b="0"/>
+        </a:fillRef>
+        <a:effectRef idx="2">
+          <a:scrgbClr r="0" g="0" b="0"/>
+        </a:effectRef>
+        <a:fontRef idx="minor">
+          <a:schemeClr val="lt1"/>
+        </a:fontRef>
+      </dsp:style>
+      <dsp:txBody>
+        <a:bodyPr spcFirstLastPara="0" vert="horz" wrap="square" lIns="25400" tIns="25400" rIns="25400" bIns="25400" numCol="1" spcCol="1270" anchor="ctr" anchorCtr="0">
+          <a:noAutofit/>
+        </a:bodyPr>
+        <a:lstStyle/>
+        <a:p>
+          <a:pPr lvl="0" algn="ctr" defTabSz="889000">
+            <a:lnSpc>
+              <a:spcPct val="90000"/>
+            </a:lnSpc>
+            <a:spcBef>
+              <a:spcPct val="0"/>
+            </a:spcBef>
+            <a:spcAft>
+              <a:spcPct val="35000"/>
+            </a:spcAft>
+          </a:pPr>
+          <a:endParaRPr lang="en-US" sz="2000" kern="1200"/>
+        </a:p>
+      </dsp:txBody>
+      <dsp:txXfrm>
+        <a:off x="135010" y="1771223"/>
+        <a:ext cx="648552" cy="648552"/>
+      </dsp:txXfrm>
+    </dsp:sp>
+    <dsp:sp modelId="{0CF30D27-A0EF-6A42-9649-5C80087CACD6}">
+      <dsp:nvSpPr>
+        <dsp:cNvPr id="0" name=""/>
+        <dsp:cNvSpPr/>
+      </dsp:nvSpPr>
+      <dsp:spPr>
+        <a:xfrm>
+          <a:off x="992358" y="1829514"/>
+          <a:ext cx="531970" cy="531970"/>
+        </a:xfrm>
+        <a:prstGeom prst="mathPlus">
+          <a:avLst/>
         </a:prstGeom>
         <a:gradFill rotWithShape="0">
           <a:gsLst>
@@ -9104,7 +11978,7 @@
         </a:bodyPr>
         <a:lstStyle/>
         <a:p>
-          <a:pPr lvl="0" algn="ctr" defTabSz="444500">
+          <a:pPr lvl="0" algn="ctr" defTabSz="355600">
             <a:lnSpc>
               <a:spcPct val="90000"/>
             </a:lnSpc>
@@ -9115,23 +11989,23 @@
               <a:spcPct val="35000"/>
             </a:spcAft>
           </a:pPr>
-          <a:endParaRPr lang="en-US" sz="1000" kern="1200"/>
+          <a:endParaRPr lang="en-US" sz="800" kern="1200"/>
         </a:p>
       </dsp:txBody>
-      <dsp:txXfrm rot="10800000">
-        <a:off x="2678275" y="2617122"/>
-        <a:ext cx="244651" cy="266900"/>
+      <dsp:txXfrm>
+        <a:off x="1062871" y="2032939"/>
+        <a:ext cx="390944" cy="125120"/>
       </dsp:txXfrm>
     </dsp:sp>
-    <dsp:sp modelId="{66AD2163-19FA-9842-B407-11A561E0B28C}">
+    <dsp:sp modelId="{023BB356-1122-1F49-A451-33569B727755}">
       <dsp:nvSpPr>
         <dsp:cNvPr id="0" name=""/>
         <dsp:cNvSpPr/>
       </dsp:nvSpPr>
       <dsp:spPr>
         <a:xfrm>
-          <a:off x="1398389" y="2834763"/>
-          <a:ext cx="1318021" cy="1318021"/>
+          <a:off x="1598804" y="1636904"/>
+          <a:ext cx="917190" cy="917190"/>
         </a:xfrm>
         <a:prstGeom prst="ellipse">
           <a:avLst/>
@@ -9209,12 +12083,12 @@
         </a:fontRef>
       </dsp:style>
       <dsp:txBody>
-        <a:bodyPr spcFirstLastPara="0" vert="horz" wrap="square" lIns="16510" tIns="16510" rIns="16510" bIns="16510" numCol="1" spcCol="1270" anchor="ctr" anchorCtr="0">
+        <a:bodyPr spcFirstLastPara="0" vert="horz" wrap="square" lIns="25400" tIns="25400" rIns="25400" bIns="25400" numCol="1" spcCol="1270" anchor="ctr" anchorCtr="0">
           <a:noAutofit/>
         </a:bodyPr>
         <a:lstStyle/>
         <a:p>
-          <a:pPr lvl="0" algn="ctr" defTabSz="577850">
+          <a:pPr lvl="0" algn="ctr" defTabSz="889000">
             <a:lnSpc>
               <a:spcPct val="90000"/>
             </a:lnSpc>
@@ -9225,33 +12099,26 @@
               <a:spcPct val="35000"/>
             </a:spcAft>
           </a:pPr>
-          <a:r>
-            <a:rPr lang="en-US" sz="1300" kern="1200" dirty="0" smtClean="0"/>
-            <a:t>Agent</a:t>
-          </a:r>
-          <a:endParaRPr lang="en-US" sz="1300" kern="1200" dirty="0"/>
+          <a:endParaRPr lang="en-US" sz="2000" kern="1200"/>
         </a:p>
       </dsp:txBody>
       <dsp:txXfrm>
-        <a:off x="1591409" y="3027783"/>
-        <a:ext cx="931981" cy="931981"/>
+        <a:off x="1733123" y="1771223"/>
+        <a:ext cx="648552" cy="648552"/>
       </dsp:txXfrm>
     </dsp:sp>
-    <dsp:sp modelId="{5B98DEAE-4428-8B49-BA68-1B1813C6005F}">
+    <dsp:sp modelId="{8C8DB01A-18FA-E94C-924B-55B86B7C7AEA}">
       <dsp:nvSpPr>
         <dsp:cNvPr id="0" name=""/>
         <dsp:cNvSpPr/>
       </dsp:nvSpPr>
       <dsp:spPr>
-        <a:xfrm rot="13500000">
-          <a:off x="1190506" y="2579215"/>
-          <a:ext cx="349501" cy="444832"/>
+        <a:xfrm>
+          <a:off x="2590471" y="1829514"/>
+          <a:ext cx="531970" cy="531970"/>
         </a:xfrm>
-        <a:prstGeom prst="rightArrow">
-          <a:avLst>
-            <a:gd name="adj1" fmla="val 60000"/>
-            <a:gd name="adj2" fmla="val 50000"/>
-          </a:avLst>
+        <a:prstGeom prst="mathEqual">
+          <a:avLst/>
         </a:prstGeom>
         <a:gradFill rotWithShape="0">
           <a:gsLst>
@@ -9335,7 +12202,7 @@
         </a:bodyPr>
         <a:lstStyle/>
         <a:p>
-          <a:pPr lvl="0" algn="ctr" defTabSz="444500">
+          <a:pPr lvl="0" algn="ctr" defTabSz="977900">
             <a:lnSpc>
               <a:spcPct val="90000"/>
             </a:lnSpc>
@@ -9346,23 +12213,23 @@
               <a:spcPct val="35000"/>
             </a:spcAft>
           </a:pPr>
-          <a:endParaRPr lang="en-US" sz="1000" kern="1200"/>
+          <a:endParaRPr lang="en-US" sz="2200" kern="1200"/>
         </a:p>
       </dsp:txBody>
-      <dsp:txXfrm rot="10800000">
-        <a:off x="1280001" y="2705251"/>
-        <a:ext cx="244651" cy="266900"/>
+      <dsp:txXfrm>
+        <a:off x="2660984" y="1939100"/>
+        <a:ext cx="390944" cy="312798"/>
       </dsp:txXfrm>
     </dsp:sp>
-    <dsp:sp modelId="{492633B3-01F9-E343-8017-0890C7327E6B}">
+    <dsp:sp modelId="{0CDC75F8-1F14-1647-9034-8EDA3F855F10}">
       <dsp:nvSpPr>
         <dsp:cNvPr id="0" name=""/>
         <dsp:cNvSpPr/>
       </dsp:nvSpPr>
       <dsp:spPr>
         <a:xfrm>
-          <a:off x="114" y="1436489"/>
-          <a:ext cx="1318021" cy="1318021"/>
+          <a:off x="3196917" y="1636904"/>
+          <a:ext cx="917190" cy="917190"/>
         </a:xfrm>
         <a:prstGeom prst="ellipse">
           <a:avLst/>
@@ -9440,12 +12307,134 @@
         </a:fontRef>
       </dsp:style>
       <dsp:txBody>
-        <a:bodyPr spcFirstLastPara="0" vert="horz" wrap="square" lIns="16510" tIns="16510" rIns="16510" bIns="16510" numCol="1" spcCol="1270" anchor="ctr" anchorCtr="0">
+        <a:bodyPr spcFirstLastPara="0" vert="horz" wrap="square" lIns="25400" tIns="25400" rIns="25400" bIns="25400" numCol="1" spcCol="1270" anchor="ctr" anchorCtr="0">
           <a:noAutofit/>
         </a:bodyPr>
         <a:lstStyle/>
         <a:p>
-          <a:pPr lvl="0" algn="ctr" defTabSz="577850">
+          <a:pPr lvl="0" algn="ctr" defTabSz="889000">
+            <a:lnSpc>
+              <a:spcPct val="90000"/>
+            </a:lnSpc>
+            <a:spcBef>
+              <a:spcPct val="0"/>
+            </a:spcBef>
+            <a:spcAft>
+              <a:spcPct val="35000"/>
+            </a:spcAft>
+          </a:pPr>
+          <a:endParaRPr lang="en-US" sz="2000" kern="1200"/>
+        </a:p>
+      </dsp:txBody>
+      <dsp:txXfrm>
+        <a:off x="3331236" y="1771223"/>
+        <a:ext cx="648552" cy="648552"/>
+      </dsp:txXfrm>
+    </dsp:sp>
+  </dsp:spTree>
+</dsp:drawing>
+</file>
+
+<file path=ppt/diagrams/drawing7.xml><?xml version="1.0" encoding="utf-8"?>
+<dsp:drawing xmlns:dgm="http://schemas.openxmlformats.org/drawingml/2006/diagram" xmlns:dsp="http://schemas.microsoft.com/office/drawing/2008/diagram" xmlns:a="http://schemas.openxmlformats.org/drawingml/2006/main">
+  <dsp:spTree>
+    <dsp:nvGrpSpPr>
+      <dsp:cNvPr id="0" name=""/>
+      <dsp:cNvGrpSpPr/>
+    </dsp:nvGrpSpPr>
+    <dsp:grpSpPr/>
+    <dsp:sp modelId="{65583AE2-E745-A745-871C-52C817E954DB}">
+      <dsp:nvSpPr>
+        <dsp:cNvPr id="0" name=""/>
+        <dsp:cNvSpPr/>
+      </dsp:nvSpPr>
+      <dsp:spPr>
+        <a:xfrm>
+          <a:off x="325" y="1272740"/>
+          <a:ext cx="1645518" cy="1645518"/>
+        </a:xfrm>
+        <a:prstGeom prst="ellipse">
+          <a:avLst/>
+        </a:prstGeom>
+        <a:gradFill rotWithShape="0">
+          <a:gsLst>
+            <a:gs pos="0">
+              <a:schemeClr val="accent2">
+                <a:hueOff val="0"/>
+                <a:satOff val="0"/>
+                <a:lumOff val="0"/>
+                <a:alphaOff val="0"/>
+                <a:shade val="15000"/>
+                <a:satMod val="180000"/>
+              </a:schemeClr>
+            </a:gs>
+            <a:gs pos="50000">
+              <a:schemeClr val="accent2">
+                <a:hueOff val="0"/>
+                <a:satOff val="0"/>
+                <a:lumOff val="0"/>
+                <a:alphaOff val="0"/>
+                <a:shade val="45000"/>
+                <a:satMod val="170000"/>
+              </a:schemeClr>
+            </a:gs>
+            <a:gs pos="70000">
+              <a:schemeClr val="accent2">
+                <a:hueOff val="0"/>
+                <a:satOff val="0"/>
+                <a:lumOff val="0"/>
+                <a:alphaOff val="0"/>
+                <a:tint val="99000"/>
+                <a:shade val="65000"/>
+                <a:satMod val="155000"/>
+              </a:schemeClr>
+            </a:gs>
+            <a:gs pos="100000">
+              <a:schemeClr val="accent2">
+                <a:hueOff val="0"/>
+                <a:satOff val="0"/>
+                <a:lumOff val="0"/>
+                <a:alphaOff val="0"/>
+                <a:tint val="95500"/>
+                <a:shade val="100000"/>
+                <a:satMod val="155000"/>
+              </a:schemeClr>
+            </a:gs>
+          </a:gsLst>
+          <a:lin ang="16200000" scaled="0"/>
+        </a:gradFill>
+        <a:ln>
+          <a:noFill/>
+        </a:ln>
+        <a:effectLst>
+          <a:outerShdw blurRad="50800" dist="38100" dir="5400000" rotWithShape="0">
+            <a:srgbClr val="000000">
+              <a:alpha val="35000"/>
+            </a:srgbClr>
+          </a:outerShdw>
+        </a:effectLst>
+      </dsp:spPr>
+      <dsp:style>
+        <a:lnRef idx="0">
+          <a:scrgbClr r="0" g="0" b="0"/>
+        </a:lnRef>
+        <a:fillRef idx="3">
+          <a:scrgbClr r="0" g="0" b="0"/>
+        </a:fillRef>
+        <a:effectRef idx="2">
+          <a:scrgbClr r="0" g="0" b="0"/>
+        </a:effectRef>
+        <a:fontRef idx="minor">
+          <a:schemeClr val="lt1"/>
+        </a:fontRef>
+      </dsp:style>
+      <dsp:txBody>
+        <a:bodyPr spcFirstLastPara="0" vert="horz" wrap="square" lIns="82550" tIns="82550" rIns="82550" bIns="82550" numCol="1" spcCol="1270" anchor="ctr" anchorCtr="0">
+          <a:noAutofit/>
+        </a:bodyPr>
+        <a:lstStyle/>
+        <a:p>
+          <a:pPr lvl="0" algn="ctr" defTabSz="2889250">
             <a:lnSpc>
               <a:spcPct val="90000"/>
             </a:lnSpc>
@@ -9457,26 +12446,26 @@
             </a:spcAft>
           </a:pPr>
           <a:r>
-            <a:rPr lang="en-US" sz="1300" kern="1200" dirty="0" smtClean="0"/>
-            <a:t>Environment</a:t>
+            <a:rPr lang="en-US" sz="6500" kern="1200" dirty="0" smtClean="0"/>
+            <a:t>a</a:t>
           </a:r>
-          <a:endParaRPr lang="en-US" sz="1300" kern="1200" dirty="0"/>
+          <a:endParaRPr lang="en-US" sz="6500" kern="1200" dirty="0"/>
         </a:p>
       </dsp:txBody>
       <dsp:txXfrm>
-        <a:off x="193134" y="1629509"/>
-        <a:ext cx="931981" cy="931981"/>
+        <a:off x="241306" y="1513721"/>
+        <a:ext cx="1163556" cy="1163556"/>
       </dsp:txXfrm>
     </dsp:sp>
-    <dsp:sp modelId="{481688DA-3166-054F-941C-BF6AB84AC722}">
+    <dsp:sp modelId="{274AE413-8C94-2341-BBF5-1E261E2E00D7}">
       <dsp:nvSpPr>
         <dsp:cNvPr id="0" name=""/>
         <dsp:cNvSpPr/>
       </dsp:nvSpPr>
       <dsp:spPr>
-        <a:xfrm rot="18900000">
-          <a:off x="1176517" y="1180941"/>
-          <a:ext cx="349501" cy="444832"/>
+        <a:xfrm>
+          <a:off x="1516915" y="1040334"/>
+          <a:ext cx="1023059" cy="555362"/>
         </a:xfrm>
         <a:prstGeom prst="rightArrow">
           <a:avLst>
@@ -9487,8 +12476,7 @@
         <a:gradFill rotWithShape="0">
           <a:gsLst>
             <a:gs pos="0">
-              <a:schemeClr val="accent1">
-                <a:tint val="60000"/>
+              <a:schemeClr val="accent2">
                 <a:hueOff val="0"/>
                 <a:satOff val="0"/>
                 <a:lumOff val="0"/>
@@ -9498,8 +12486,7 @@
               </a:schemeClr>
             </a:gs>
             <a:gs pos="50000">
-              <a:schemeClr val="accent1">
-                <a:tint val="60000"/>
+              <a:schemeClr val="accent2">
                 <a:hueOff val="0"/>
                 <a:satOff val="0"/>
                 <a:lumOff val="0"/>
@@ -9509,8 +12496,7 @@
               </a:schemeClr>
             </a:gs>
             <a:gs pos="70000">
-              <a:schemeClr val="accent1">
-                <a:tint val="60000"/>
+              <a:schemeClr val="accent2">
                 <a:hueOff val="0"/>
                 <a:satOff val="0"/>
                 <a:lumOff val="0"/>
@@ -9521,8 +12507,7 @@
               </a:schemeClr>
             </a:gs>
             <a:gs pos="100000">
-              <a:schemeClr val="accent1">
-                <a:tint val="60000"/>
+              <a:schemeClr val="accent2">
                 <a:hueOff val="0"/>
                 <a:satOff val="0"/>
                 <a:lumOff val="0"/>
@@ -9566,7 +12551,7 @@
         </a:bodyPr>
         <a:lstStyle/>
         <a:p>
-          <a:pPr lvl="0" algn="ctr" defTabSz="444500">
+          <a:pPr lvl="0" algn="ctr" defTabSz="1022350">
             <a:lnSpc>
               <a:spcPct val="90000"/>
             </a:lnSpc>
@@ -9577,19 +12562,246 @@
               <a:spcPct val="35000"/>
             </a:spcAft>
           </a:pPr>
-          <a:endParaRPr lang="en-US" sz="1000" kern="1200"/>
+          <a:endParaRPr lang="en-US" sz="2300" kern="1200"/>
         </a:p>
       </dsp:txBody>
       <dsp:txXfrm>
-        <a:off x="1191872" y="1306977"/>
-        <a:ext cx="244651" cy="266900"/>
+        <a:off x="1516915" y="1151406"/>
+        <a:ext cx="856450" cy="333218"/>
+      </dsp:txXfrm>
+    </dsp:sp>
+    <dsp:sp modelId="{0CE1B85C-6C34-BD4E-9439-2F58FF037D20}">
+      <dsp:nvSpPr>
+        <dsp:cNvPr id="0" name=""/>
+        <dsp:cNvSpPr/>
+      </dsp:nvSpPr>
+      <dsp:spPr>
+        <a:xfrm>
+          <a:off x="2468956" y="1272740"/>
+          <a:ext cx="1645518" cy="1645518"/>
+        </a:xfrm>
+        <a:prstGeom prst="ellipse">
+          <a:avLst/>
+        </a:prstGeom>
+        <a:gradFill rotWithShape="0">
+          <a:gsLst>
+            <a:gs pos="0">
+              <a:schemeClr val="accent3">
+                <a:hueOff val="0"/>
+                <a:satOff val="0"/>
+                <a:lumOff val="0"/>
+                <a:alphaOff val="0"/>
+                <a:shade val="15000"/>
+                <a:satMod val="180000"/>
+              </a:schemeClr>
+            </a:gs>
+            <a:gs pos="50000">
+              <a:schemeClr val="accent3">
+                <a:hueOff val="0"/>
+                <a:satOff val="0"/>
+                <a:lumOff val="0"/>
+                <a:alphaOff val="0"/>
+                <a:shade val="45000"/>
+                <a:satMod val="170000"/>
+              </a:schemeClr>
+            </a:gs>
+            <a:gs pos="70000">
+              <a:schemeClr val="accent3">
+                <a:hueOff val="0"/>
+                <a:satOff val="0"/>
+                <a:lumOff val="0"/>
+                <a:alphaOff val="0"/>
+                <a:tint val="99000"/>
+                <a:shade val="65000"/>
+                <a:satMod val="155000"/>
+              </a:schemeClr>
+            </a:gs>
+            <a:gs pos="100000">
+              <a:schemeClr val="accent3">
+                <a:hueOff val="0"/>
+                <a:satOff val="0"/>
+                <a:lumOff val="0"/>
+                <a:alphaOff val="0"/>
+                <a:tint val="95500"/>
+                <a:shade val="100000"/>
+                <a:satMod val="155000"/>
+              </a:schemeClr>
+            </a:gs>
+          </a:gsLst>
+          <a:lin ang="16200000" scaled="0"/>
+        </a:gradFill>
+        <a:ln>
+          <a:noFill/>
+        </a:ln>
+        <a:effectLst>
+          <a:outerShdw blurRad="50800" dist="38100" dir="5400000" rotWithShape="0">
+            <a:srgbClr val="000000">
+              <a:alpha val="35000"/>
+            </a:srgbClr>
+          </a:outerShdw>
+        </a:effectLst>
+      </dsp:spPr>
+      <dsp:style>
+        <a:lnRef idx="0">
+          <a:scrgbClr r="0" g="0" b="0"/>
+        </a:lnRef>
+        <a:fillRef idx="3">
+          <a:scrgbClr r="0" g="0" b="0"/>
+        </a:fillRef>
+        <a:effectRef idx="2">
+          <a:scrgbClr r="0" g="0" b="0"/>
+        </a:effectRef>
+        <a:fontRef idx="minor">
+          <a:schemeClr val="lt1"/>
+        </a:fontRef>
+      </dsp:style>
+      <dsp:txBody>
+        <a:bodyPr spcFirstLastPara="0" vert="horz" wrap="square" lIns="82550" tIns="82550" rIns="82550" bIns="82550" numCol="1" spcCol="1270" anchor="ctr" anchorCtr="0">
+          <a:noAutofit/>
+        </a:bodyPr>
+        <a:lstStyle/>
+        <a:p>
+          <a:pPr lvl="0" algn="ctr" defTabSz="2889250">
+            <a:lnSpc>
+              <a:spcPct val="90000"/>
+            </a:lnSpc>
+            <a:spcBef>
+              <a:spcPct val="0"/>
+            </a:spcBef>
+            <a:spcAft>
+              <a:spcPct val="35000"/>
+            </a:spcAft>
+          </a:pPr>
+          <a:r>
+            <a:rPr lang="en-US" sz="6500" kern="1200" dirty="0" smtClean="0"/>
+            <a:t>b</a:t>
+          </a:r>
+          <a:endParaRPr lang="en-US" sz="6500" kern="1200" dirty="0"/>
+        </a:p>
+      </dsp:txBody>
+      <dsp:txXfrm>
+        <a:off x="2709937" y="1513721"/>
+        <a:ext cx="1163556" cy="1163556"/>
+      </dsp:txXfrm>
+    </dsp:sp>
+    <dsp:sp modelId="{BA549199-2999-F346-814B-A53DEEE169D9}">
+      <dsp:nvSpPr>
+        <dsp:cNvPr id="0" name=""/>
+        <dsp:cNvSpPr/>
+      </dsp:nvSpPr>
+      <dsp:spPr>
+        <a:xfrm rot="10800000">
+          <a:off x="1574824" y="2595303"/>
+          <a:ext cx="1023059" cy="555362"/>
+        </a:xfrm>
+        <a:prstGeom prst="rightArrow">
+          <a:avLst>
+            <a:gd name="adj1" fmla="val 60000"/>
+            <a:gd name="adj2" fmla="val 50000"/>
+          </a:avLst>
+        </a:prstGeom>
+        <a:gradFill rotWithShape="0">
+          <a:gsLst>
+            <a:gs pos="0">
+              <a:schemeClr val="accent3">
+                <a:hueOff val="0"/>
+                <a:satOff val="0"/>
+                <a:lumOff val="0"/>
+                <a:alphaOff val="0"/>
+                <a:shade val="15000"/>
+                <a:satMod val="180000"/>
+              </a:schemeClr>
+            </a:gs>
+            <a:gs pos="50000">
+              <a:schemeClr val="accent3">
+                <a:hueOff val="0"/>
+                <a:satOff val="0"/>
+                <a:lumOff val="0"/>
+                <a:alphaOff val="0"/>
+                <a:shade val="45000"/>
+                <a:satMod val="170000"/>
+              </a:schemeClr>
+            </a:gs>
+            <a:gs pos="70000">
+              <a:schemeClr val="accent3">
+                <a:hueOff val="0"/>
+                <a:satOff val="0"/>
+                <a:lumOff val="0"/>
+                <a:alphaOff val="0"/>
+                <a:tint val="99000"/>
+                <a:shade val="65000"/>
+                <a:satMod val="155000"/>
+              </a:schemeClr>
+            </a:gs>
+            <a:gs pos="100000">
+              <a:schemeClr val="accent3">
+                <a:hueOff val="0"/>
+                <a:satOff val="0"/>
+                <a:lumOff val="0"/>
+                <a:alphaOff val="0"/>
+                <a:tint val="95500"/>
+                <a:shade val="100000"/>
+                <a:satMod val="155000"/>
+              </a:schemeClr>
+            </a:gs>
+          </a:gsLst>
+          <a:lin ang="16200000" scaled="0"/>
+        </a:gradFill>
+        <a:ln>
+          <a:noFill/>
+        </a:ln>
+        <a:effectLst>
+          <a:outerShdw blurRad="50800" dist="38100" dir="5400000" rotWithShape="0">
+            <a:srgbClr val="000000">
+              <a:alpha val="35000"/>
+            </a:srgbClr>
+          </a:outerShdw>
+        </a:effectLst>
+      </dsp:spPr>
+      <dsp:style>
+        <a:lnRef idx="0">
+          <a:scrgbClr r="0" g="0" b="0"/>
+        </a:lnRef>
+        <a:fillRef idx="3">
+          <a:scrgbClr r="0" g="0" b="0"/>
+        </a:fillRef>
+        <a:effectRef idx="2">
+          <a:scrgbClr r="0" g="0" b="0"/>
+        </a:effectRef>
+        <a:fontRef idx="minor">
+          <a:schemeClr val="lt1"/>
+        </a:fontRef>
+      </dsp:style>
+      <dsp:txBody>
+        <a:bodyPr spcFirstLastPara="0" vert="horz" wrap="square" lIns="0" tIns="0" rIns="0" bIns="0" numCol="1" spcCol="1270" anchor="ctr" anchorCtr="0">
+          <a:noAutofit/>
+        </a:bodyPr>
+        <a:lstStyle/>
+        <a:p>
+          <a:pPr lvl="0" algn="ctr" defTabSz="1022350">
+            <a:lnSpc>
+              <a:spcPct val="90000"/>
+            </a:lnSpc>
+            <a:spcBef>
+              <a:spcPct val="0"/>
+            </a:spcBef>
+            <a:spcAft>
+              <a:spcPct val="35000"/>
+            </a:spcAft>
+          </a:pPr>
+          <a:endParaRPr lang="en-US" sz="2300" kern="1200"/>
+        </a:p>
+      </dsp:txBody>
+      <dsp:txXfrm rot="10800000">
+        <a:off x="1741433" y="2706375"/>
+        <a:ext cx="856450" cy="333218"/>
       </dsp:txXfrm>
     </dsp:sp>
   </dsp:spTree>
 </dsp:drawing>
 </file>
 
-<file path=ppt/diagrams/drawing6.xml><?xml version="1.0" encoding="utf-8"?>
+<file path=ppt/diagrams/drawing8.xml><?xml version="1.0" encoding="utf-8"?>
 <dsp:drawing xmlns:dgm="http://schemas.openxmlformats.org/drawingml/2006/diagram" xmlns:dsp="http://schemas.microsoft.com/office/drawing/2008/diagram" xmlns:a="http://schemas.openxmlformats.org/drawingml/2006/main">
   <dsp:spTree>
     <dsp:nvGrpSpPr>
@@ -11103,6 +14315,372 @@
 </file>
 
 <file path=ppt/diagrams/layout6.xml><?xml version="1.0" encoding="utf-8"?>
+<dgm:layoutDef xmlns:dgm="http://schemas.openxmlformats.org/drawingml/2006/diagram" xmlns:a="http://schemas.openxmlformats.org/drawingml/2006/main" uniqueId="urn:microsoft.com/office/officeart/2005/8/layout/equation1">
+  <dgm:title val=""/>
+  <dgm:desc val=""/>
+  <dgm:catLst>
+    <dgm:cat type="relationship" pri="17000"/>
+    <dgm:cat type="process" pri="25000"/>
+  </dgm:catLst>
+  <dgm:sampData useDef="1">
+    <dgm:dataModel>
+      <dgm:ptLst/>
+      <dgm:bg/>
+      <dgm:whole/>
+    </dgm:dataModel>
+  </dgm:sampData>
+  <dgm:styleData>
+    <dgm:dataModel>
+      <dgm:ptLst>
+        <dgm:pt modelId="0" type="doc"/>
+        <dgm:pt modelId="1"/>
+        <dgm:pt modelId="2"/>
+      </dgm:ptLst>
+      <dgm:cxnLst>
+        <dgm:cxn modelId="3" srcId="0" destId="1" srcOrd="0" destOrd="0"/>
+        <dgm:cxn modelId="4" srcId="0" destId="2" srcOrd="1" destOrd="0"/>
+      </dgm:cxnLst>
+      <dgm:bg/>
+      <dgm:whole/>
+    </dgm:dataModel>
+  </dgm:styleData>
+  <dgm:clrData>
+    <dgm:dataModel>
+      <dgm:ptLst>
+        <dgm:pt modelId="0" type="doc"/>
+        <dgm:pt modelId="1"/>
+        <dgm:pt modelId="2"/>
+        <dgm:pt modelId="3"/>
+        <dgm:pt modelId="4"/>
+      </dgm:ptLst>
+      <dgm:cxnLst>
+        <dgm:cxn modelId="5" srcId="0" destId="1" srcOrd="0" destOrd="0"/>
+        <dgm:cxn modelId="6" srcId="0" destId="2" srcOrd="1" destOrd="0"/>
+        <dgm:cxn modelId="7" srcId="0" destId="3" srcOrd="2" destOrd="0"/>
+        <dgm:cxn modelId="8" srcId="0" destId="4" srcOrd="3" destOrd="0"/>
+      </dgm:cxnLst>
+      <dgm:bg/>
+      <dgm:whole/>
+    </dgm:dataModel>
+  </dgm:clrData>
+  <dgm:layoutNode name="linearFlow">
+    <dgm:varLst>
+      <dgm:dir/>
+      <dgm:resizeHandles val="exact"/>
+    </dgm:varLst>
+    <dgm:choose name="Name0">
+      <dgm:if name="Name1" func="var" arg="dir" op="equ" val="norm">
+        <dgm:alg type="lin">
+          <dgm:param type="fallback" val="2D"/>
+        </dgm:alg>
+      </dgm:if>
+      <dgm:else name="Name2">
+        <dgm:alg type="lin">
+          <dgm:param type="linDir" val="fromR"/>
+          <dgm:param type="fallback" val="2D"/>
+        </dgm:alg>
+      </dgm:else>
+    </dgm:choose>
+    <dgm:shape xmlns:r="http://schemas.openxmlformats.org/officeDocument/2006/relationships" r:blip="">
+      <dgm:adjLst/>
+    </dgm:shape>
+    <dgm:presOf/>
+    <dgm:constrLst>
+      <dgm:constr type="w" for="ch" ptType="node" refType="w"/>
+      <dgm:constr type="w" for="ch" ptType="sibTrans" refType="w" refFor="ch" refPtType="node" fact="0.58"/>
+      <dgm:constr type="primFontSz" for="ch" ptType="node" op="equ" val="65"/>
+      <dgm:constr type="primFontSz" for="ch" ptType="sibTrans" op="equ" val="55"/>
+      <dgm:constr type="primFontSz" for="ch" ptType="sibTrans" refType="primFontSz" refFor="ch" refPtType="node" op="lte" fact="0.8"/>
+      <dgm:constr type="w" for="ch" forName="spacerL" refType="w" refFor="ch" refPtType="sibTrans" fact="0.14"/>
+      <dgm:constr type="w" for="ch" forName="spacerR" refType="w" refFor="ch" refPtType="sibTrans" fact="0.14"/>
+    </dgm:constrLst>
+    <dgm:ruleLst/>
+    <dgm:forEach name="nodesForEach" axis="ch" ptType="node">
+      <dgm:layoutNode name="node">
+        <dgm:varLst>
+          <dgm:bulletEnabled val="1"/>
+        </dgm:varLst>
+        <dgm:alg type="tx">
+          <dgm:param type="txAnchorVertCh" val="mid"/>
+        </dgm:alg>
+        <dgm:shape xmlns:r="http://schemas.openxmlformats.org/officeDocument/2006/relationships" type="ellipse" r:blip="">
+          <dgm:adjLst/>
+        </dgm:shape>
+        <dgm:presOf axis="desOrSelf" ptType="node"/>
+        <dgm:constrLst>
+          <dgm:constr type="h" refType="w"/>
+          <dgm:constr type="tMarg" refType="primFontSz" fact="0.1"/>
+          <dgm:constr type="bMarg" refType="primFontSz" fact="0.1"/>
+          <dgm:constr type="lMarg" refType="primFontSz" fact="0.1"/>
+          <dgm:constr type="rMarg" refType="primFontSz" fact="0.1"/>
+        </dgm:constrLst>
+        <dgm:ruleLst>
+          <dgm:rule type="primFontSz" val="5" fact="NaN" max="NaN"/>
+        </dgm:ruleLst>
+      </dgm:layoutNode>
+      <dgm:forEach name="sibTransForEach" axis="followSib" ptType="sibTrans" cnt="1">
+        <dgm:layoutNode name="spacerL">
+          <dgm:alg type="sp"/>
+          <dgm:shape xmlns:r="http://schemas.openxmlformats.org/officeDocument/2006/relationships" r:blip="">
+            <dgm:adjLst/>
+          </dgm:shape>
+          <dgm:presOf/>
+          <dgm:constrLst/>
+          <dgm:ruleLst/>
+        </dgm:layoutNode>
+        <dgm:layoutNode name="sibTrans">
+          <dgm:alg type="tx"/>
+          <dgm:choose name="Name3">
+            <dgm:if name="Name4" axis="followSib" ptType="sibTrans" func="cnt" op="equ" val="0">
+              <dgm:shape xmlns:r="http://schemas.openxmlformats.org/officeDocument/2006/relationships" type="mathEqual" r:blip="">
+                <dgm:adjLst/>
+              </dgm:shape>
+            </dgm:if>
+            <dgm:else name="Name5">
+              <dgm:shape xmlns:r="http://schemas.openxmlformats.org/officeDocument/2006/relationships" type="mathPlus" r:blip="">
+                <dgm:adjLst/>
+              </dgm:shape>
+            </dgm:else>
+          </dgm:choose>
+          <dgm:presOf axis="self"/>
+          <dgm:constrLst>
+            <dgm:constr type="h" refType="w"/>
+            <dgm:constr type="lMarg"/>
+            <dgm:constr type="rMarg"/>
+            <dgm:constr type="tMarg"/>
+            <dgm:constr type="bMarg"/>
+          </dgm:constrLst>
+          <dgm:ruleLst>
+            <dgm:rule type="primFontSz" val="5" fact="NaN" max="NaN"/>
+          </dgm:ruleLst>
+        </dgm:layoutNode>
+        <dgm:layoutNode name="spacerR">
+          <dgm:alg type="sp"/>
+          <dgm:shape xmlns:r="http://schemas.openxmlformats.org/officeDocument/2006/relationships" r:blip="">
+            <dgm:adjLst/>
+          </dgm:shape>
+          <dgm:presOf/>
+          <dgm:constrLst/>
+          <dgm:ruleLst/>
+        </dgm:layoutNode>
+      </dgm:forEach>
+    </dgm:forEach>
+  </dgm:layoutNode>
+</dgm:layoutDef>
+</file>
+
+<file path=ppt/diagrams/layout7.xml><?xml version="1.0" encoding="utf-8"?>
+<dgm:layoutDef xmlns:dgm="http://schemas.openxmlformats.org/drawingml/2006/diagram" xmlns:a="http://schemas.openxmlformats.org/drawingml/2006/main" uniqueId="urn:microsoft.com/office/officeart/2005/8/layout/cycle2">
+  <dgm:title val=""/>
+  <dgm:desc val=""/>
+  <dgm:catLst>
+    <dgm:cat type="cycle" pri="1000"/>
+    <dgm:cat type="convert" pri="10000"/>
+  </dgm:catLst>
+  <dgm:sampData>
+    <dgm:dataModel>
+      <dgm:ptLst>
+        <dgm:pt modelId="0" type="doc"/>
+        <dgm:pt modelId="1">
+          <dgm:prSet phldr="1"/>
+        </dgm:pt>
+        <dgm:pt modelId="2">
+          <dgm:prSet phldr="1"/>
+        </dgm:pt>
+        <dgm:pt modelId="3">
+          <dgm:prSet phldr="1"/>
+        </dgm:pt>
+        <dgm:pt modelId="4">
+          <dgm:prSet phldr="1"/>
+        </dgm:pt>
+        <dgm:pt modelId="5">
+          <dgm:prSet phldr="1"/>
+        </dgm:pt>
+      </dgm:ptLst>
+      <dgm:cxnLst>
+        <dgm:cxn modelId="6" srcId="0" destId="1" srcOrd="0" destOrd="0"/>
+        <dgm:cxn modelId="7" srcId="0" destId="2" srcOrd="1" destOrd="0"/>
+        <dgm:cxn modelId="8" srcId="0" destId="3" srcOrd="2" destOrd="0"/>
+        <dgm:cxn modelId="9" srcId="0" destId="4" srcOrd="3" destOrd="0"/>
+        <dgm:cxn modelId="10" srcId="0" destId="5" srcOrd="4" destOrd="0"/>
+      </dgm:cxnLst>
+      <dgm:bg/>
+      <dgm:whole/>
+    </dgm:dataModel>
+  </dgm:sampData>
+  <dgm:styleData>
+    <dgm:dataModel>
+      <dgm:ptLst>
+        <dgm:pt modelId="0" type="doc"/>
+        <dgm:pt modelId="1"/>
+        <dgm:pt modelId="2"/>
+        <dgm:pt modelId="3"/>
+      </dgm:ptLst>
+      <dgm:cxnLst>
+        <dgm:cxn modelId="4" srcId="0" destId="1" srcOrd="0" destOrd="0"/>
+        <dgm:cxn modelId="5" srcId="0" destId="2" srcOrd="1" destOrd="0"/>
+        <dgm:cxn modelId="6" srcId="0" destId="3" srcOrd="2" destOrd="0"/>
+      </dgm:cxnLst>
+      <dgm:bg/>
+      <dgm:whole/>
+    </dgm:dataModel>
+  </dgm:styleData>
+  <dgm:clrData>
+    <dgm:dataModel>
+      <dgm:ptLst>
+        <dgm:pt modelId="0" type="doc"/>
+        <dgm:pt modelId="1"/>
+        <dgm:pt modelId="2"/>
+        <dgm:pt modelId="3"/>
+        <dgm:pt modelId="4"/>
+        <dgm:pt modelId="5"/>
+        <dgm:pt modelId="6"/>
+      </dgm:ptLst>
+      <dgm:cxnLst>
+        <dgm:cxn modelId="7" srcId="0" destId="1" srcOrd="0" destOrd="0"/>
+        <dgm:cxn modelId="8" srcId="0" destId="2" srcOrd="1" destOrd="0"/>
+        <dgm:cxn modelId="9" srcId="0" destId="3" srcOrd="2" destOrd="0"/>
+        <dgm:cxn modelId="10" srcId="0" destId="4" srcOrd="3" destOrd="0"/>
+        <dgm:cxn modelId="11" srcId="0" destId="5" srcOrd="4" destOrd="0"/>
+        <dgm:cxn modelId="12" srcId="0" destId="6" srcOrd="5" destOrd="0"/>
+      </dgm:cxnLst>
+      <dgm:bg/>
+      <dgm:whole/>
+    </dgm:dataModel>
+  </dgm:clrData>
+  <dgm:layoutNode name="cycle">
+    <dgm:varLst>
+      <dgm:dir/>
+      <dgm:resizeHandles val="exact"/>
+    </dgm:varLst>
+    <dgm:choose name="Name0">
+      <dgm:if name="Name1" func="var" arg="dir" op="equ" val="norm">
+        <dgm:choose name="Name2">
+          <dgm:if name="Name3" axis="ch" ptType="node" func="cnt" op="gt" val="2">
+            <dgm:alg type="cycle">
+              <dgm:param type="stAng" val="0"/>
+              <dgm:param type="spanAng" val="360"/>
+            </dgm:alg>
+          </dgm:if>
+          <dgm:else name="Name4">
+            <dgm:alg type="cycle">
+              <dgm:param type="stAng" val="-90"/>
+              <dgm:param type="spanAng" val="360"/>
+            </dgm:alg>
+          </dgm:else>
+        </dgm:choose>
+      </dgm:if>
+      <dgm:else name="Name5">
+        <dgm:choose name="Name6">
+          <dgm:if name="Name7" axis="ch" ptType="node" func="cnt" op="gt" val="2">
+            <dgm:alg type="cycle">
+              <dgm:param type="stAng" val="0"/>
+              <dgm:param type="spanAng" val="-360"/>
+            </dgm:alg>
+          </dgm:if>
+          <dgm:else name="Name8">
+            <dgm:alg type="cycle">
+              <dgm:param type="stAng" val="90"/>
+              <dgm:param type="spanAng" val="-360"/>
+            </dgm:alg>
+          </dgm:else>
+        </dgm:choose>
+      </dgm:else>
+    </dgm:choose>
+    <dgm:shape xmlns:r="http://schemas.openxmlformats.org/officeDocument/2006/relationships" r:blip="">
+      <dgm:adjLst/>
+    </dgm:shape>
+    <dgm:presOf/>
+    <dgm:constrLst>
+      <dgm:constr type="w" for="ch" ptType="node" refType="w"/>
+      <dgm:constr type="w" for="ch" ptType="sibTrans" refType="w" refFor="ch" refPtType="node" op="equ" fact="0.25"/>
+      <dgm:constr type="sibSp" refType="w" refFor="ch" refPtType="node" fact="0.5"/>
+      <dgm:constr type="primFontSz" for="ch" ptType="node" op="equ" val="65"/>
+      <dgm:constr type="primFontSz" for="des" forName="connectorText" op="equ" val="55"/>
+      <dgm:constr type="primFontSz" for="des" forName="connectorText" refType="primFontSz" refFor="ch" refPtType="node" op="lte" fact="0.8"/>
+    </dgm:constrLst>
+    <dgm:ruleLst/>
+    <dgm:forEach name="nodesForEach" axis="ch" ptType="node">
+      <dgm:layoutNode name="node">
+        <dgm:varLst>
+          <dgm:bulletEnabled val="1"/>
+        </dgm:varLst>
+        <dgm:alg type="tx">
+          <dgm:param type="txAnchorVertCh" val="mid"/>
+        </dgm:alg>
+        <dgm:shape xmlns:r="http://schemas.openxmlformats.org/officeDocument/2006/relationships" type="ellipse" r:blip="">
+          <dgm:adjLst/>
+        </dgm:shape>
+        <dgm:presOf axis="desOrSelf" ptType="node"/>
+        <dgm:constrLst>
+          <dgm:constr type="h" refType="w"/>
+          <dgm:constr type="lMarg" refType="primFontSz" fact="0.1"/>
+          <dgm:constr type="rMarg" refType="primFontSz" fact="0.1"/>
+          <dgm:constr type="tMarg" refType="primFontSz" fact="0.1"/>
+          <dgm:constr type="bMarg" refType="primFontSz" fact="0.1"/>
+        </dgm:constrLst>
+        <dgm:ruleLst>
+          <dgm:rule type="primFontSz" val="5" fact="NaN" max="NaN"/>
+        </dgm:ruleLst>
+      </dgm:layoutNode>
+      <dgm:choose name="Name9">
+        <dgm:if name="Name10" axis="par ch" ptType="doc node" func="cnt" op="gt" val="1">
+          <dgm:forEach name="sibTransForEach" axis="followSib" ptType="sibTrans" hideLastTrans="0" cnt="1">
+            <dgm:layoutNode name="sibTrans">
+              <dgm:choose name="Name11">
+                <dgm:if name="Name12" axis="par ch" ptType="doc node" func="cnt" op="lt" val="3">
+                  <dgm:alg type="conn">
+                    <dgm:param type="begPts" val="radial"/>
+                    <dgm:param type="endPts" val="radial"/>
+                  </dgm:alg>
+                </dgm:if>
+                <dgm:else name="Name13">
+                  <dgm:alg type="conn">
+                    <dgm:param type="begPts" val="auto"/>
+                    <dgm:param type="endPts" val="auto"/>
+                  </dgm:alg>
+                </dgm:else>
+              </dgm:choose>
+              <dgm:shape xmlns:r="http://schemas.openxmlformats.org/officeDocument/2006/relationships" type="conn" r:blip="">
+                <dgm:adjLst/>
+              </dgm:shape>
+              <dgm:presOf axis="self"/>
+              <dgm:constrLst>
+                <dgm:constr type="h" refType="w" fact="1.35"/>
+                <dgm:constr type="connDist"/>
+                <dgm:constr type="w" for="ch" refType="connDist" fact="0.45"/>
+                <dgm:constr type="h" for="ch" refType="h"/>
+              </dgm:constrLst>
+              <dgm:ruleLst/>
+              <dgm:layoutNode name="connectorText">
+                <dgm:alg type="tx">
+                  <dgm:param type="autoTxRot" val="grav"/>
+                </dgm:alg>
+                <dgm:shape xmlns:r="http://schemas.openxmlformats.org/officeDocument/2006/relationships" type="conn" r:blip="" hideGeom="1">
+                  <dgm:adjLst/>
+                </dgm:shape>
+                <dgm:presOf axis="self"/>
+                <dgm:constrLst>
+                  <dgm:constr type="lMarg"/>
+                  <dgm:constr type="rMarg"/>
+                  <dgm:constr type="tMarg"/>
+                  <dgm:constr type="bMarg"/>
+                </dgm:constrLst>
+                <dgm:ruleLst>
+                  <dgm:rule type="primFontSz" val="5" fact="NaN" max="NaN"/>
+                </dgm:ruleLst>
+              </dgm:layoutNode>
+            </dgm:layoutNode>
+          </dgm:forEach>
+        </dgm:if>
+        <dgm:else name="Name14"/>
+      </dgm:choose>
+    </dgm:forEach>
+  </dgm:layoutNode>
+</dgm:layoutDef>
+</file>
+
+<file path=ppt/diagrams/layout8.xml><?xml version="1.0" encoding="utf-8"?>
 <dgm:layoutDef xmlns:dgm="http://schemas.openxmlformats.org/drawingml/2006/diagram" xmlns:a="http://schemas.openxmlformats.org/drawingml/2006/main" uniqueId="urn:microsoft.com/office/officeart/2005/8/layout/equation2">
   <dgm:title val=""/>
   <dgm:desc val=""/>
@@ -16538,6 +20116,2074 @@
 </file>
 
 <file path=ppt/diagrams/quickStyle6.xml><?xml version="1.0" encoding="utf-8"?>
+<dgm:styleDef xmlns:dgm="http://schemas.openxmlformats.org/drawingml/2006/diagram" xmlns:a="http://schemas.openxmlformats.org/drawingml/2006/main" uniqueId="urn:microsoft.com/office/officeart/2005/8/quickstyle/simple4">
+  <dgm:title val=""/>
+  <dgm:desc val=""/>
+  <dgm:catLst>
+    <dgm:cat type="simple" pri="10400"/>
+  </dgm:catLst>
+  <dgm:scene3d>
+    <a:camera prst="orthographicFront"/>
+    <a:lightRig rig="threePt" dir="t"/>
+  </dgm:scene3d>
+  <dgm:styleLbl name="node0">
+    <dgm:scene3d>
+      <a:camera prst="orthographicFront"/>
+      <a:lightRig rig="threePt" dir="t"/>
+    </dgm:scene3d>
+    <dgm:sp3d/>
+    <dgm:txPr/>
+    <dgm:style>
+      <a:lnRef idx="0">
+        <a:scrgbClr r="0" g="0" b="0"/>
+      </a:lnRef>
+      <a:fillRef idx="3">
+        <a:scrgbClr r="0" g="0" b="0"/>
+      </a:fillRef>
+      <a:effectRef idx="2">
+        <a:scrgbClr r="0" g="0" b="0"/>
+      </a:effectRef>
+      <a:fontRef idx="minor">
+        <a:schemeClr val="lt1"/>
+      </a:fontRef>
+    </dgm:style>
+  </dgm:styleLbl>
+  <dgm:styleLbl name="lnNode1">
+    <dgm:scene3d>
+      <a:camera prst="orthographicFront"/>
+      <a:lightRig rig="threePt" dir="t"/>
+    </dgm:scene3d>
+    <dgm:sp3d/>
+    <dgm:txPr/>
+    <dgm:style>
+      <a:lnRef idx="1">
+        <a:scrgbClr r="0" g="0" b="0"/>
+      </a:lnRef>
+      <a:fillRef idx="3">
+        <a:scrgbClr r="0" g="0" b="0"/>
+      </a:fillRef>
+      <a:effectRef idx="2">
+        <a:scrgbClr r="0" g="0" b="0"/>
+      </a:effectRef>
+      <a:fontRef idx="minor">
+        <a:schemeClr val="lt1"/>
+      </a:fontRef>
+    </dgm:style>
+  </dgm:styleLbl>
+  <dgm:styleLbl name="vennNode1">
+    <dgm:scene3d>
+      <a:camera prst="orthographicFront"/>
+      <a:lightRig rig="threePt" dir="t"/>
+    </dgm:scene3d>
+    <dgm:sp3d/>
+    <dgm:txPr/>
+    <dgm:style>
+      <a:lnRef idx="0">
+        <a:scrgbClr r="0" g="0" b="0"/>
+      </a:lnRef>
+      <a:fillRef idx="3">
+        <a:scrgbClr r="0" g="0" b="0"/>
+      </a:fillRef>
+      <a:effectRef idx="0">
+        <a:scrgbClr r="0" g="0" b="0"/>
+      </a:effectRef>
+      <a:fontRef idx="minor">
+        <a:schemeClr val="tx1"/>
+      </a:fontRef>
+    </dgm:style>
+  </dgm:styleLbl>
+  <dgm:styleLbl name="alignNode1">
+    <dgm:scene3d>
+      <a:camera prst="orthographicFront"/>
+      <a:lightRig rig="threePt" dir="t"/>
+    </dgm:scene3d>
+    <dgm:sp3d/>
+    <dgm:txPr/>
+    <dgm:style>
+      <a:lnRef idx="1">
+        <a:scrgbClr r="0" g="0" b="0"/>
+      </a:lnRef>
+      <a:fillRef idx="3">
+        <a:scrgbClr r="0" g="0" b="0"/>
+      </a:fillRef>
+      <a:effectRef idx="2">
+        <a:scrgbClr r="0" g="0" b="0"/>
+      </a:effectRef>
+      <a:fontRef idx="minor">
+        <a:schemeClr val="lt1"/>
+      </a:fontRef>
+    </dgm:style>
+  </dgm:styleLbl>
+  <dgm:styleLbl name="node1">
+    <dgm:scene3d>
+      <a:camera prst="orthographicFront"/>
+      <a:lightRig rig="threePt" dir="t"/>
+    </dgm:scene3d>
+    <dgm:sp3d/>
+    <dgm:txPr/>
+    <dgm:style>
+      <a:lnRef idx="0">
+        <a:scrgbClr r="0" g="0" b="0"/>
+      </a:lnRef>
+      <a:fillRef idx="3">
+        <a:scrgbClr r="0" g="0" b="0"/>
+      </a:fillRef>
+      <a:effectRef idx="2">
+        <a:scrgbClr r="0" g="0" b="0"/>
+      </a:effectRef>
+      <a:fontRef idx="minor">
+        <a:schemeClr val="lt1"/>
+      </a:fontRef>
+    </dgm:style>
+  </dgm:styleLbl>
+  <dgm:styleLbl name="node2">
+    <dgm:scene3d>
+      <a:camera prst="orthographicFront"/>
+      <a:lightRig rig="threePt" dir="t"/>
+    </dgm:scene3d>
+    <dgm:sp3d/>
+    <dgm:txPr/>
+    <dgm:style>
+      <a:lnRef idx="0">
+        <a:scrgbClr r="0" g="0" b="0"/>
+      </a:lnRef>
+      <a:fillRef idx="3">
+        <a:scrgbClr r="0" g="0" b="0"/>
+      </a:fillRef>
+      <a:effectRef idx="2">
+        <a:scrgbClr r="0" g="0" b="0"/>
+      </a:effectRef>
+      <a:fontRef idx="minor">
+        <a:schemeClr val="lt1"/>
+      </a:fontRef>
+    </dgm:style>
+  </dgm:styleLbl>
+  <dgm:styleLbl name="node3">
+    <dgm:scene3d>
+      <a:camera prst="orthographicFront"/>
+      <a:lightRig rig="threePt" dir="t"/>
+    </dgm:scene3d>
+    <dgm:sp3d/>
+    <dgm:txPr/>
+    <dgm:style>
+      <a:lnRef idx="0">
+        <a:scrgbClr r="0" g="0" b="0"/>
+      </a:lnRef>
+      <a:fillRef idx="3">
+        <a:scrgbClr r="0" g="0" b="0"/>
+      </a:fillRef>
+      <a:effectRef idx="2">
+        <a:scrgbClr r="0" g="0" b="0"/>
+      </a:effectRef>
+      <a:fontRef idx="minor">
+        <a:schemeClr val="lt1"/>
+      </a:fontRef>
+    </dgm:style>
+  </dgm:styleLbl>
+  <dgm:styleLbl name="node4">
+    <dgm:scene3d>
+      <a:camera prst="orthographicFront"/>
+      <a:lightRig rig="threePt" dir="t"/>
+    </dgm:scene3d>
+    <dgm:sp3d/>
+    <dgm:txPr/>
+    <dgm:style>
+      <a:lnRef idx="0">
+        <a:scrgbClr r="0" g="0" b="0"/>
+      </a:lnRef>
+      <a:fillRef idx="3">
+        <a:scrgbClr r="0" g="0" b="0"/>
+      </a:fillRef>
+      <a:effectRef idx="2">
+        <a:scrgbClr r="0" g="0" b="0"/>
+      </a:effectRef>
+      <a:fontRef idx="minor">
+        <a:schemeClr val="lt1"/>
+      </a:fontRef>
+    </dgm:style>
+  </dgm:styleLbl>
+  <dgm:styleLbl name="fgImgPlace1">
+    <dgm:scene3d>
+      <a:camera prst="orthographicFront"/>
+      <a:lightRig rig="threePt" dir="t"/>
+    </dgm:scene3d>
+    <dgm:sp3d/>
+    <dgm:txPr/>
+    <dgm:style>
+      <a:lnRef idx="0">
+        <a:scrgbClr r="0" g="0" b="0"/>
+      </a:lnRef>
+      <a:fillRef idx="1">
+        <a:scrgbClr r="0" g="0" b="0"/>
+      </a:fillRef>
+      <a:effectRef idx="2">
+        <a:scrgbClr r="0" g="0" b="0"/>
+      </a:effectRef>
+      <a:fontRef idx="minor"/>
+    </dgm:style>
+  </dgm:styleLbl>
+  <dgm:styleLbl name="alignImgPlace1">
+    <dgm:scene3d>
+      <a:camera prst="orthographicFront"/>
+      <a:lightRig rig="threePt" dir="t"/>
+    </dgm:scene3d>
+    <dgm:sp3d/>
+    <dgm:txPr/>
+    <dgm:style>
+      <a:lnRef idx="0">
+        <a:scrgbClr r="0" g="0" b="0"/>
+      </a:lnRef>
+      <a:fillRef idx="1">
+        <a:scrgbClr r="0" g="0" b="0"/>
+      </a:fillRef>
+      <a:effectRef idx="2">
+        <a:scrgbClr r="0" g="0" b="0"/>
+      </a:effectRef>
+      <a:fontRef idx="minor"/>
+    </dgm:style>
+  </dgm:styleLbl>
+  <dgm:styleLbl name="bgImgPlace1">
+    <dgm:scene3d>
+      <a:camera prst="orthographicFront"/>
+      <a:lightRig rig="threePt" dir="t"/>
+    </dgm:scene3d>
+    <dgm:sp3d/>
+    <dgm:txPr/>
+    <dgm:style>
+      <a:lnRef idx="0">
+        <a:scrgbClr r="0" g="0" b="0"/>
+      </a:lnRef>
+      <a:fillRef idx="1">
+        <a:scrgbClr r="0" g="0" b="0"/>
+      </a:fillRef>
+      <a:effectRef idx="2">
+        <a:scrgbClr r="0" g="0" b="0"/>
+      </a:effectRef>
+      <a:fontRef idx="minor"/>
+    </dgm:style>
+  </dgm:styleLbl>
+  <dgm:styleLbl name="sibTrans2D1">
+    <dgm:scene3d>
+      <a:camera prst="orthographicFront"/>
+      <a:lightRig rig="threePt" dir="t"/>
+    </dgm:scene3d>
+    <dgm:sp3d/>
+    <dgm:txPr/>
+    <dgm:style>
+      <a:lnRef idx="0">
+        <a:scrgbClr r="0" g="0" b="0"/>
+      </a:lnRef>
+      <a:fillRef idx="3">
+        <a:scrgbClr r="0" g="0" b="0"/>
+      </a:fillRef>
+      <a:effectRef idx="2">
+        <a:scrgbClr r="0" g="0" b="0"/>
+      </a:effectRef>
+      <a:fontRef idx="minor">
+        <a:schemeClr val="lt1"/>
+      </a:fontRef>
+    </dgm:style>
+  </dgm:styleLbl>
+  <dgm:styleLbl name="fgSibTrans2D1">
+    <dgm:scene3d>
+      <a:camera prst="orthographicFront"/>
+      <a:lightRig rig="threePt" dir="t"/>
+    </dgm:scene3d>
+    <dgm:sp3d/>
+    <dgm:txPr/>
+    <dgm:style>
+      <a:lnRef idx="0">
+        <a:scrgbClr r="0" g="0" b="0"/>
+      </a:lnRef>
+      <a:fillRef idx="3">
+        <a:scrgbClr r="0" g="0" b="0"/>
+      </a:fillRef>
+      <a:effectRef idx="2">
+        <a:scrgbClr r="0" g="0" b="0"/>
+      </a:effectRef>
+      <a:fontRef idx="minor">
+        <a:schemeClr val="lt1"/>
+      </a:fontRef>
+    </dgm:style>
+  </dgm:styleLbl>
+  <dgm:styleLbl name="bgSibTrans2D1">
+    <dgm:scene3d>
+      <a:camera prst="orthographicFront"/>
+      <a:lightRig rig="threePt" dir="t"/>
+    </dgm:scene3d>
+    <dgm:sp3d/>
+    <dgm:txPr/>
+    <dgm:style>
+      <a:lnRef idx="0">
+        <a:scrgbClr r="0" g="0" b="0"/>
+      </a:lnRef>
+      <a:fillRef idx="3">
+        <a:scrgbClr r="0" g="0" b="0"/>
+      </a:fillRef>
+      <a:effectRef idx="2">
+        <a:scrgbClr r="0" g="0" b="0"/>
+      </a:effectRef>
+      <a:fontRef idx="minor">
+        <a:schemeClr val="lt1"/>
+      </a:fontRef>
+    </dgm:style>
+  </dgm:styleLbl>
+  <dgm:styleLbl name="sibTrans1D1">
+    <dgm:scene3d>
+      <a:camera prst="orthographicFront"/>
+      <a:lightRig rig="threePt" dir="t"/>
+    </dgm:scene3d>
+    <dgm:sp3d/>
+    <dgm:txPr/>
+    <dgm:style>
+      <a:lnRef idx="1">
+        <a:scrgbClr r="0" g="0" b="0"/>
+      </a:lnRef>
+      <a:fillRef idx="0">
+        <a:scrgbClr r="0" g="0" b="0"/>
+      </a:fillRef>
+      <a:effectRef idx="0">
+        <a:scrgbClr r="0" g="0" b="0"/>
+      </a:effectRef>
+      <a:fontRef idx="minor"/>
+    </dgm:style>
+  </dgm:styleLbl>
+  <dgm:styleLbl name="callout">
+    <dgm:scene3d>
+      <a:camera prst="orthographicFront"/>
+      <a:lightRig rig="threePt" dir="t"/>
+    </dgm:scene3d>
+    <dgm:sp3d/>
+    <dgm:txPr/>
+    <dgm:style>
+      <a:lnRef idx="2">
+        <a:scrgbClr r="0" g="0" b="0"/>
+      </a:lnRef>
+      <a:fillRef idx="1">
+        <a:scrgbClr r="0" g="0" b="0"/>
+      </a:fillRef>
+      <a:effectRef idx="1">
+        <a:scrgbClr r="0" g="0" b="0"/>
+      </a:effectRef>
+      <a:fontRef idx="minor"/>
+    </dgm:style>
+  </dgm:styleLbl>
+  <dgm:styleLbl name="asst0">
+    <dgm:scene3d>
+      <a:camera prst="orthographicFront"/>
+      <a:lightRig rig="threePt" dir="t"/>
+    </dgm:scene3d>
+    <dgm:sp3d/>
+    <dgm:txPr/>
+    <dgm:style>
+      <a:lnRef idx="0">
+        <a:scrgbClr r="0" g="0" b="0"/>
+      </a:lnRef>
+      <a:fillRef idx="3">
+        <a:scrgbClr r="0" g="0" b="0"/>
+      </a:fillRef>
+      <a:effectRef idx="2">
+        <a:scrgbClr r="0" g="0" b="0"/>
+      </a:effectRef>
+      <a:fontRef idx="minor">
+        <a:schemeClr val="lt1"/>
+      </a:fontRef>
+    </dgm:style>
+  </dgm:styleLbl>
+  <dgm:styleLbl name="asst1">
+    <dgm:scene3d>
+      <a:camera prst="orthographicFront"/>
+      <a:lightRig rig="threePt" dir="t"/>
+    </dgm:scene3d>
+    <dgm:sp3d/>
+    <dgm:txPr/>
+    <dgm:style>
+      <a:lnRef idx="0">
+        <a:scrgbClr r="0" g="0" b="0"/>
+      </a:lnRef>
+      <a:fillRef idx="3">
+        <a:scrgbClr r="0" g="0" b="0"/>
+      </a:fillRef>
+      <a:effectRef idx="2">
+        <a:scrgbClr r="0" g="0" b="0"/>
+      </a:effectRef>
+      <a:fontRef idx="minor">
+        <a:schemeClr val="lt1"/>
+      </a:fontRef>
+    </dgm:style>
+  </dgm:styleLbl>
+  <dgm:styleLbl name="asst2">
+    <dgm:scene3d>
+      <a:camera prst="orthographicFront"/>
+      <a:lightRig rig="threePt" dir="t"/>
+    </dgm:scene3d>
+    <dgm:sp3d/>
+    <dgm:txPr/>
+    <dgm:style>
+      <a:lnRef idx="0">
+        <a:scrgbClr r="0" g="0" b="0"/>
+      </a:lnRef>
+      <a:fillRef idx="3">
+        <a:scrgbClr r="0" g="0" b="0"/>
+      </a:fillRef>
+      <a:effectRef idx="2">
+        <a:scrgbClr r="0" g="0" b="0"/>
+      </a:effectRef>
+      <a:fontRef idx="minor">
+        <a:schemeClr val="lt1"/>
+      </a:fontRef>
+    </dgm:style>
+  </dgm:styleLbl>
+  <dgm:styleLbl name="asst3">
+    <dgm:scene3d>
+      <a:camera prst="orthographicFront"/>
+      <a:lightRig rig="threePt" dir="t"/>
+    </dgm:scene3d>
+    <dgm:sp3d/>
+    <dgm:txPr/>
+    <dgm:style>
+      <a:lnRef idx="0">
+        <a:scrgbClr r="0" g="0" b="0"/>
+      </a:lnRef>
+      <a:fillRef idx="3">
+        <a:scrgbClr r="0" g="0" b="0"/>
+      </a:fillRef>
+      <a:effectRef idx="2">
+        <a:scrgbClr r="0" g="0" b="0"/>
+      </a:effectRef>
+      <a:fontRef idx="minor">
+        <a:schemeClr val="lt1"/>
+      </a:fontRef>
+    </dgm:style>
+  </dgm:styleLbl>
+  <dgm:styleLbl name="asst4">
+    <dgm:scene3d>
+      <a:camera prst="orthographicFront"/>
+      <a:lightRig rig="threePt" dir="t"/>
+    </dgm:scene3d>
+    <dgm:sp3d/>
+    <dgm:txPr/>
+    <dgm:style>
+      <a:lnRef idx="0">
+        <a:scrgbClr r="0" g="0" b="0"/>
+      </a:lnRef>
+      <a:fillRef idx="3">
+        <a:scrgbClr r="0" g="0" b="0"/>
+      </a:fillRef>
+      <a:effectRef idx="2">
+        <a:scrgbClr r="0" g="0" b="0"/>
+      </a:effectRef>
+      <a:fontRef idx="minor">
+        <a:schemeClr val="lt1"/>
+      </a:fontRef>
+    </dgm:style>
+  </dgm:styleLbl>
+  <dgm:styleLbl name="parChTrans2D1">
+    <dgm:scene3d>
+      <a:camera prst="orthographicFront"/>
+      <a:lightRig rig="threePt" dir="t"/>
+    </dgm:scene3d>
+    <dgm:sp3d/>
+    <dgm:txPr/>
+    <dgm:style>
+      <a:lnRef idx="0">
+        <a:scrgbClr r="0" g="0" b="0"/>
+      </a:lnRef>
+      <a:fillRef idx="3">
+        <a:scrgbClr r="0" g="0" b="0"/>
+      </a:fillRef>
+      <a:effectRef idx="2">
+        <a:scrgbClr r="0" g="0" b="0"/>
+      </a:effectRef>
+      <a:fontRef idx="minor">
+        <a:schemeClr val="lt1"/>
+      </a:fontRef>
+    </dgm:style>
+  </dgm:styleLbl>
+  <dgm:styleLbl name="parChTrans2D2">
+    <dgm:scene3d>
+      <a:camera prst="orthographicFront"/>
+      <a:lightRig rig="threePt" dir="t"/>
+    </dgm:scene3d>
+    <dgm:sp3d/>
+    <dgm:txPr/>
+    <dgm:style>
+      <a:lnRef idx="0">
+        <a:scrgbClr r="0" g="0" b="0"/>
+      </a:lnRef>
+      <a:fillRef idx="3">
+        <a:scrgbClr r="0" g="0" b="0"/>
+      </a:fillRef>
+      <a:effectRef idx="2">
+        <a:scrgbClr r="0" g="0" b="0"/>
+      </a:effectRef>
+      <a:fontRef idx="minor">
+        <a:schemeClr val="lt1"/>
+      </a:fontRef>
+    </dgm:style>
+  </dgm:styleLbl>
+  <dgm:styleLbl name="parChTrans2D3">
+    <dgm:scene3d>
+      <a:camera prst="orthographicFront"/>
+      <a:lightRig rig="threePt" dir="t"/>
+    </dgm:scene3d>
+    <dgm:sp3d/>
+    <dgm:txPr/>
+    <dgm:style>
+      <a:lnRef idx="1">
+        <a:scrgbClr r="0" g="0" b="0"/>
+      </a:lnRef>
+      <a:fillRef idx="3">
+        <a:scrgbClr r="0" g="0" b="0"/>
+      </a:fillRef>
+      <a:effectRef idx="2">
+        <a:scrgbClr r="0" g="0" b="0"/>
+      </a:effectRef>
+      <a:fontRef idx="minor">
+        <a:schemeClr val="lt1"/>
+      </a:fontRef>
+    </dgm:style>
+  </dgm:styleLbl>
+  <dgm:styleLbl name="parChTrans2D4">
+    <dgm:scene3d>
+      <a:camera prst="orthographicFront"/>
+      <a:lightRig rig="threePt" dir="t"/>
+    </dgm:scene3d>
+    <dgm:sp3d/>
+    <dgm:txPr/>
+    <dgm:style>
+      <a:lnRef idx="1">
+        <a:scrgbClr r="0" g="0" b="0"/>
+      </a:lnRef>
+      <a:fillRef idx="3">
+        <a:scrgbClr r="0" g="0" b="0"/>
+      </a:fillRef>
+      <a:effectRef idx="2">
+        <a:scrgbClr r="0" g="0" b="0"/>
+      </a:effectRef>
+      <a:fontRef idx="minor">
+        <a:schemeClr val="lt1"/>
+      </a:fontRef>
+    </dgm:style>
+  </dgm:styleLbl>
+  <dgm:styleLbl name="parChTrans1D1">
+    <dgm:scene3d>
+      <a:camera prst="orthographicFront"/>
+      <a:lightRig rig="threePt" dir="t"/>
+    </dgm:scene3d>
+    <dgm:sp3d/>
+    <dgm:txPr/>
+    <dgm:style>
+      <a:lnRef idx="1">
+        <a:scrgbClr r="0" g="0" b="0"/>
+      </a:lnRef>
+      <a:fillRef idx="0">
+        <a:scrgbClr r="0" g="0" b="0"/>
+      </a:fillRef>
+      <a:effectRef idx="0">
+        <a:scrgbClr r="0" g="0" b="0"/>
+      </a:effectRef>
+      <a:fontRef idx="minor"/>
+    </dgm:style>
+  </dgm:styleLbl>
+  <dgm:styleLbl name="parChTrans1D2">
+    <dgm:scene3d>
+      <a:camera prst="orthographicFront"/>
+      <a:lightRig rig="threePt" dir="t"/>
+    </dgm:scene3d>
+    <dgm:sp3d/>
+    <dgm:txPr/>
+    <dgm:style>
+      <a:lnRef idx="1">
+        <a:scrgbClr r="0" g="0" b="0"/>
+      </a:lnRef>
+      <a:fillRef idx="0">
+        <a:scrgbClr r="0" g="0" b="0"/>
+      </a:fillRef>
+      <a:effectRef idx="0">
+        <a:scrgbClr r="0" g="0" b="0"/>
+      </a:effectRef>
+      <a:fontRef idx="minor"/>
+    </dgm:style>
+  </dgm:styleLbl>
+  <dgm:styleLbl name="parChTrans1D3">
+    <dgm:scene3d>
+      <a:camera prst="orthographicFront"/>
+      <a:lightRig rig="threePt" dir="t"/>
+    </dgm:scene3d>
+    <dgm:sp3d/>
+    <dgm:txPr/>
+    <dgm:style>
+      <a:lnRef idx="1">
+        <a:scrgbClr r="0" g="0" b="0"/>
+      </a:lnRef>
+      <a:fillRef idx="0">
+        <a:scrgbClr r="0" g="0" b="0"/>
+      </a:fillRef>
+      <a:effectRef idx="0">
+        <a:scrgbClr r="0" g="0" b="0"/>
+      </a:effectRef>
+      <a:fontRef idx="minor"/>
+    </dgm:style>
+  </dgm:styleLbl>
+  <dgm:styleLbl name="parChTrans1D4">
+    <dgm:scene3d>
+      <a:camera prst="orthographicFront"/>
+      <a:lightRig rig="threePt" dir="t"/>
+    </dgm:scene3d>
+    <dgm:sp3d/>
+    <dgm:txPr/>
+    <dgm:style>
+      <a:lnRef idx="1">
+        <a:scrgbClr r="0" g="0" b="0"/>
+      </a:lnRef>
+      <a:fillRef idx="0">
+        <a:scrgbClr r="0" g="0" b="0"/>
+      </a:fillRef>
+      <a:effectRef idx="0">
+        <a:scrgbClr r="0" g="0" b="0"/>
+      </a:effectRef>
+      <a:fontRef idx="minor"/>
+    </dgm:style>
+  </dgm:styleLbl>
+  <dgm:styleLbl name="fgAcc1">
+    <dgm:scene3d>
+      <a:camera prst="orthographicFront"/>
+      <a:lightRig rig="threePt" dir="t"/>
+    </dgm:scene3d>
+    <dgm:sp3d/>
+    <dgm:txPr/>
+    <dgm:style>
+      <a:lnRef idx="1">
+        <a:scrgbClr r="0" g="0" b="0"/>
+      </a:lnRef>
+      <a:fillRef idx="1">
+        <a:scrgbClr r="0" g="0" b="0"/>
+      </a:fillRef>
+      <a:effectRef idx="0">
+        <a:scrgbClr r="0" g="0" b="0"/>
+      </a:effectRef>
+      <a:fontRef idx="minor"/>
+    </dgm:style>
+  </dgm:styleLbl>
+  <dgm:styleLbl name="conFgAcc1">
+    <dgm:scene3d>
+      <a:camera prst="orthographicFront"/>
+      <a:lightRig rig="threePt" dir="t"/>
+    </dgm:scene3d>
+    <dgm:sp3d/>
+    <dgm:txPr/>
+    <dgm:style>
+      <a:lnRef idx="1">
+        <a:scrgbClr r="0" g="0" b="0"/>
+      </a:lnRef>
+      <a:fillRef idx="1">
+        <a:scrgbClr r="0" g="0" b="0"/>
+      </a:fillRef>
+      <a:effectRef idx="0">
+        <a:scrgbClr r="0" g="0" b="0"/>
+      </a:effectRef>
+      <a:fontRef idx="minor"/>
+    </dgm:style>
+  </dgm:styleLbl>
+  <dgm:styleLbl name="alignAcc1">
+    <dgm:scene3d>
+      <a:camera prst="orthographicFront"/>
+      <a:lightRig rig="threePt" dir="t"/>
+    </dgm:scene3d>
+    <dgm:sp3d/>
+    <dgm:txPr/>
+    <dgm:style>
+      <a:lnRef idx="1">
+        <a:scrgbClr r="0" g="0" b="0"/>
+      </a:lnRef>
+      <a:fillRef idx="1">
+        <a:scrgbClr r="0" g="0" b="0"/>
+      </a:fillRef>
+      <a:effectRef idx="0">
+        <a:scrgbClr r="0" g="0" b="0"/>
+      </a:effectRef>
+      <a:fontRef idx="minor"/>
+    </dgm:style>
+  </dgm:styleLbl>
+  <dgm:styleLbl name="trAlignAcc1">
+    <dgm:scene3d>
+      <a:camera prst="orthographicFront"/>
+      <a:lightRig rig="threePt" dir="t"/>
+    </dgm:scene3d>
+    <dgm:sp3d/>
+    <dgm:txPr/>
+    <dgm:style>
+      <a:lnRef idx="1">
+        <a:scrgbClr r="0" g="0" b="0"/>
+      </a:lnRef>
+      <a:fillRef idx="1">
+        <a:scrgbClr r="0" g="0" b="0"/>
+      </a:fillRef>
+      <a:effectRef idx="0">
+        <a:scrgbClr r="0" g="0" b="0"/>
+      </a:effectRef>
+      <a:fontRef idx="minor"/>
+    </dgm:style>
+  </dgm:styleLbl>
+  <dgm:styleLbl name="bgAcc1">
+    <dgm:scene3d>
+      <a:camera prst="orthographicFront"/>
+      <a:lightRig rig="threePt" dir="t"/>
+    </dgm:scene3d>
+    <dgm:sp3d/>
+    <dgm:txPr/>
+    <dgm:style>
+      <a:lnRef idx="1">
+        <a:scrgbClr r="0" g="0" b="0"/>
+      </a:lnRef>
+      <a:fillRef idx="1">
+        <a:scrgbClr r="0" g="0" b="0"/>
+      </a:fillRef>
+      <a:effectRef idx="0">
+        <a:scrgbClr r="0" g="0" b="0"/>
+      </a:effectRef>
+      <a:fontRef idx="minor"/>
+    </dgm:style>
+  </dgm:styleLbl>
+  <dgm:styleLbl name="solidFgAcc1">
+    <dgm:scene3d>
+      <a:camera prst="orthographicFront"/>
+      <a:lightRig rig="threePt" dir="t"/>
+    </dgm:scene3d>
+    <dgm:sp3d/>
+    <dgm:txPr/>
+    <dgm:style>
+      <a:lnRef idx="1">
+        <a:scrgbClr r="0" g="0" b="0"/>
+      </a:lnRef>
+      <a:fillRef idx="1">
+        <a:scrgbClr r="0" g="0" b="0"/>
+      </a:fillRef>
+      <a:effectRef idx="0">
+        <a:scrgbClr r="0" g="0" b="0"/>
+      </a:effectRef>
+      <a:fontRef idx="minor"/>
+    </dgm:style>
+  </dgm:styleLbl>
+  <dgm:styleLbl name="solidAlignAcc1">
+    <dgm:scene3d>
+      <a:camera prst="orthographicFront"/>
+      <a:lightRig rig="threePt" dir="t"/>
+    </dgm:scene3d>
+    <dgm:sp3d/>
+    <dgm:txPr/>
+    <dgm:style>
+      <a:lnRef idx="1">
+        <a:scrgbClr r="0" g="0" b="0"/>
+      </a:lnRef>
+      <a:fillRef idx="1">
+        <a:scrgbClr r="0" g="0" b="0"/>
+      </a:fillRef>
+      <a:effectRef idx="0">
+        <a:scrgbClr r="0" g="0" b="0"/>
+      </a:effectRef>
+      <a:fontRef idx="minor"/>
+    </dgm:style>
+  </dgm:styleLbl>
+  <dgm:styleLbl name="solidBgAcc1">
+    <dgm:scene3d>
+      <a:camera prst="orthographicFront"/>
+      <a:lightRig rig="threePt" dir="t"/>
+    </dgm:scene3d>
+    <dgm:sp3d/>
+    <dgm:txPr/>
+    <dgm:style>
+      <a:lnRef idx="1">
+        <a:scrgbClr r="0" g="0" b="0"/>
+      </a:lnRef>
+      <a:fillRef idx="1">
+        <a:scrgbClr r="0" g="0" b="0"/>
+      </a:fillRef>
+      <a:effectRef idx="0">
+        <a:scrgbClr r="0" g="0" b="0"/>
+      </a:effectRef>
+      <a:fontRef idx="minor"/>
+    </dgm:style>
+  </dgm:styleLbl>
+  <dgm:styleLbl name="fgAccFollowNode1">
+    <dgm:scene3d>
+      <a:camera prst="orthographicFront"/>
+      <a:lightRig rig="threePt" dir="t"/>
+    </dgm:scene3d>
+    <dgm:sp3d/>
+    <dgm:txPr/>
+    <dgm:style>
+      <a:lnRef idx="1">
+        <a:scrgbClr r="0" g="0" b="0"/>
+      </a:lnRef>
+      <a:fillRef idx="1">
+        <a:scrgbClr r="0" g="0" b="0"/>
+      </a:fillRef>
+      <a:effectRef idx="0">
+        <a:scrgbClr r="0" g="0" b="0"/>
+      </a:effectRef>
+      <a:fontRef idx="minor"/>
+    </dgm:style>
+  </dgm:styleLbl>
+  <dgm:styleLbl name="alignAccFollowNode1">
+    <dgm:scene3d>
+      <a:camera prst="orthographicFront"/>
+      <a:lightRig rig="threePt" dir="t"/>
+    </dgm:scene3d>
+    <dgm:sp3d/>
+    <dgm:txPr/>
+    <dgm:style>
+      <a:lnRef idx="1">
+        <a:scrgbClr r="0" g="0" b="0"/>
+      </a:lnRef>
+      <a:fillRef idx="1">
+        <a:scrgbClr r="0" g="0" b="0"/>
+      </a:fillRef>
+      <a:effectRef idx="0">
+        <a:scrgbClr r="0" g="0" b="0"/>
+      </a:effectRef>
+      <a:fontRef idx="minor"/>
+    </dgm:style>
+  </dgm:styleLbl>
+  <dgm:styleLbl name="bgAccFollowNode1">
+    <dgm:scene3d>
+      <a:camera prst="orthographicFront"/>
+      <a:lightRig rig="threePt" dir="t"/>
+    </dgm:scene3d>
+    <dgm:sp3d/>
+    <dgm:txPr/>
+    <dgm:style>
+      <a:lnRef idx="1">
+        <a:scrgbClr r="0" g="0" b="0"/>
+      </a:lnRef>
+      <a:fillRef idx="1">
+        <a:scrgbClr r="0" g="0" b="0"/>
+      </a:fillRef>
+      <a:effectRef idx="0">
+        <a:scrgbClr r="0" g="0" b="0"/>
+      </a:effectRef>
+      <a:fontRef idx="minor"/>
+    </dgm:style>
+  </dgm:styleLbl>
+  <dgm:styleLbl name="fgAcc0">
+    <dgm:scene3d>
+      <a:camera prst="orthographicFront"/>
+      <a:lightRig rig="threePt" dir="t"/>
+    </dgm:scene3d>
+    <dgm:sp3d/>
+    <dgm:txPr/>
+    <dgm:style>
+      <a:lnRef idx="1">
+        <a:scrgbClr r="0" g="0" b="0"/>
+      </a:lnRef>
+      <a:fillRef idx="1">
+        <a:scrgbClr r="0" g="0" b="0"/>
+      </a:fillRef>
+      <a:effectRef idx="0">
+        <a:scrgbClr r="0" g="0" b="0"/>
+      </a:effectRef>
+      <a:fontRef idx="minor"/>
+    </dgm:style>
+  </dgm:styleLbl>
+  <dgm:styleLbl name="fgAcc2">
+    <dgm:scene3d>
+      <a:camera prst="orthographicFront"/>
+      <a:lightRig rig="threePt" dir="t"/>
+    </dgm:scene3d>
+    <dgm:sp3d/>
+    <dgm:txPr/>
+    <dgm:style>
+      <a:lnRef idx="1">
+        <a:scrgbClr r="0" g="0" b="0"/>
+      </a:lnRef>
+      <a:fillRef idx="1">
+        <a:scrgbClr r="0" g="0" b="0"/>
+      </a:fillRef>
+      <a:effectRef idx="0">
+        <a:scrgbClr r="0" g="0" b="0"/>
+      </a:effectRef>
+      <a:fontRef idx="minor"/>
+    </dgm:style>
+  </dgm:styleLbl>
+  <dgm:styleLbl name="fgAcc3">
+    <dgm:scene3d>
+      <a:camera prst="orthographicFront"/>
+      <a:lightRig rig="threePt" dir="t"/>
+    </dgm:scene3d>
+    <dgm:sp3d/>
+    <dgm:txPr/>
+    <dgm:style>
+      <a:lnRef idx="1">
+        <a:scrgbClr r="0" g="0" b="0"/>
+      </a:lnRef>
+      <a:fillRef idx="1">
+        <a:scrgbClr r="0" g="0" b="0"/>
+      </a:fillRef>
+      <a:effectRef idx="0">
+        <a:scrgbClr r="0" g="0" b="0"/>
+      </a:effectRef>
+      <a:fontRef idx="minor"/>
+    </dgm:style>
+  </dgm:styleLbl>
+  <dgm:styleLbl name="fgAcc4">
+    <dgm:scene3d>
+      <a:camera prst="orthographicFront"/>
+      <a:lightRig rig="threePt" dir="t"/>
+    </dgm:scene3d>
+    <dgm:sp3d/>
+    <dgm:txPr/>
+    <dgm:style>
+      <a:lnRef idx="1">
+        <a:scrgbClr r="0" g="0" b="0"/>
+      </a:lnRef>
+      <a:fillRef idx="1">
+        <a:scrgbClr r="0" g="0" b="0"/>
+      </a:fillRef>
+      <a:effectRef idx="0">
+        <a:scrgbClr r="0" g="0" b="0"/>
+      </a:effectRef>
+      <a:fontRef idx="minor"/>
+    </dgm:style>
+  </dgm:styleLbl>
+  <dgm:styleLbl name="bgShp">
+    <dgm:scene3d>
+      <a:camera prst="orthographicFront"/>
+      <a:lightRig rig="threePt" dir="t"/>
+    </dgm:scene3d>
+    <dgm:sp3d/>
+    <dgm:txPr/>
+    <dgm:style>
+      <a:lnRef idx="0">
+        <a:scrgbClr r="0" g="0" b="0"/>
+      </a:lnRef>
+      <a:fillRef idx="1">
+        <a:scrgbClr r="0" g="0" b="0"/>
+      </a:fillRef>
+      <a:effectRef idx="2">
+        <a:scrgbClr r="0" g="0" b="0"/>
+      </a:effectRef>
+      <a:fontRef idx="minor"/>
+    </dgm:style>
+  </dgm:styleLbl>
+  <dgm:styleLbl name="dkBgShp">
+    <dgm:scene3d>
+      <a:camera prst="orthographicFront"/>
+      <a:lightRig rig="threePt" dir="t"/>
+    </dgm:scene3d>
+    <dgm:sp3d/>
+    <dgm:txPr/>
+    <dgm:style>
+      <a:lnRef idx="0">
+        <a:scrgbClr r="0" g="0" b="0"/>
+      </a:lnRef>
+      <a:fillRef idx="1">
+        <a:scrgbClr r="0" g="0" b="0"/>
+      </a:fillRef>
+      <a:effectRef idx="2">
+        <a:scrgbClr r="0" g="0" b="0"/>
+      </a:effectRef>
+      <a:fontRef idx="minor"/>
+    </dgm:style>
+  </dgm:styleLbl>
+  <dgm:styleLbl name="trBgShp">
+    <dgm:scene3d>
+      <a:camera prst="orthographicFront"/>
+      <a:lightRig rig="threePt" dir="t"/>
+    </dgm:scene3d>
+    <dgm:sp3d/>
+    <dgm:txPr/>
+    <dgm:style>
+      <a:lnRef idx="0">
+        <a:scrgbClr r="0" g="0" b="0"/>
+      </a:lnRef>
+      <a:fillRef idx="1">
+        <a:scrgbClr r="0" g="0" b="0"/>
+      </a:fillRef>
+      <a:effectRef idx="0">
+        <a:scrgbClr r="0" g="0" b="0"/>
+      </a:effectRef>
+      <a:fontRef idx="minor"/>
+    </dgm:style>
+  </dgm:styleLbl>
+  <dgm:styleLbl name="fgShp">
+    <dgm:scene3d>
+      <a:camera prst="orthographicFront"/>
+      <a:lightRig rig="threePt" dir="t"/>
+    </dgm:scene3d>
+    <dgm:sp3d/>
+    <dgm:txPr/>
+    <dgm:style>
+      <a:lnRef idx="0">
+        <a:scrgbClr r="0" g="0" b="0"/>
+      </a:lnRef>
+      <a:fillRef idx="3">
+        <a:scrgbClr r="0" g="0" b="0"/>
+      </a:fillRef>
+      <a:effectRef idx="2">
+        <a:scrgbClr r="0" g="0" b="0"/>
+      </a:effectRef>
+      <a:fontRef idx="minor"/>
+    </dgm:style>
+  </dgm:styleLbl>
+  <dgm:styleLbl name="revTx">
+    <dgm:scene3d>
+      <a:camera prst="orthographicFront"/>
+      <a:lightRig rig="threePt" dir="t"/>
+    </dgm:scene3d>
+    <dgm:sp3d/>
+    <dgm:txPr/>
+    <dgm:style>
+      <a:lnRef idx="0">
+        <a:scrgbClr r="0" g="0" b="0"/>
+      </a:lnRef>
+      <a:fillRef idx="0">
+        <a:scrgbClr r="0" g="0" b="0"/>
+      </a:fillRef>
+      <a:effectRef idx="0">
+        <a:scrgbClr r="0" g="0" b="0"/>
+      </a:effectRef>
+      <a:fontRef idx="minor"/>
+    </dgm:style>
+  </dgm:styleLbl>
+</dgm:styleDef>
+</file>
+
+<file path=ppt/diagrams/quickStyle7.xml><?xml version="1.0" encoding="utf-8"?>
+<dgm:styleDef xmlns:dgm="http://schemas.openxmlformats.org/drawingml/2006/diagram" xmlns:a="http://schemas.openxmlformats.org/drawingml/2006/main" uniqueId="urn:microsoft.com/office/officeart/2005/8/quickstyle/simple4">
+  <dgm:title val=""/>
+  <dgm:desc val=""/>
+  <dgm:catLst>
+    <dgm:cat type="simple" pri="10400"/>
+  </dgm:catLst>
+  <dgm:scene3d>
+    <a:camera prst="orthographicFront"/>
+    <a:lightRig rig="threePt" dir="t"/>
+  </dgm:scene3d>
+  <dgm:styleLbl name="node0">
+    <dgm:scene3d>
+      <a:camera prst="orthographicFront"/>
+      <a:lightRig rig="threePt" dir="t"/>
+    </dgm:scene3d>
+    <dgm:sp3d/>
+    <dgm:txPr/>
+    <dgm:style>
+      <a:lnRef idx="0">
+        <a:scrgbClr r="0" g="0" b="0"/>
+      </a:lnRef>
+      <a:fillRef idx="3">
+        <a:scrgbClr r="0" g="0" b="0"/>
+      </a:fillRef>
+      <a:effectRef idx="2">
+        <a:scrgbClr r="0" g="0" b="0"/>
+      </a:effectRef>
+      <a:fontRef idx="minor">
+        <a:schemeClr val="lt1"/>
+      </a:fontRef>
+    </dgm:style>
+  </dgm:styleLbl>
+  <dgm:styleLbl name="lnNode1">
+    <dgm:scene3d>
+      <a:camera prst="orthographicFront"/>
+      <a:lightRig rig="threePt" dir="t"/>
+    </dgm:scene3d>
+    <dgm:sp3d/>
+    <dgm:txPr/>
+    <dgm:style>
+      <a:lnRef idx="1">
+        <a:scrgbClr r="0" g="0" b="0"/>
+      </a:lnRef>
+      <a:fillRef idx="3">
+        <a:scrgbClr r="0" g="0" b="0"/>
+      </a:fillRef>
+      <a:effectRef idx="2">
+        <a:scrgbClr r="0" g="0" b="0"/>
+      </a:effectRef>
+      <a:fontRef idx="minor">
+        <a:schemeClr val="lt1"/>
+      </a:fontRef>
+    </dgm:style>
+  </dgm:styleLbl>
+  <dgm:styleLbl name="vennNode1">
+    <dgm:scene3d>
+      <a:camera prst="orthographicFront"/>
+      <a:lightRig rig="threePt" dir="t"/>
+    </dgm:scene3d>
+    <dgm:sp3d/>
+    <dgm:txPr/>
+    <dgm:style>
+      <a:lnRef idx="0">
+        <a:scrgbClr r="0" g="0" b="0"/>
+      </a:lnRef>
+      <a:fillRef idx="3">
+        <a:scrgbClr r="0" g="0" b="0"/>
+      </a:fillRef>
+      <a:effectRef idx="0">
+        <a:scrgbClr r="0" g="0" b="0"/>
+      </a:effectRef>
+      <a:fontRef idx="minor">
+        <a:schemeClr val="tx1"/>
+      </a:fontRef>
+    </dgm:style>
+  </dgm:styleLbl>
+  <dgm:styleLbl name="alignNode1">
+    <dgm:scene3d>
+      <a:camera prst="orthographicFront"/>
+      <a:lightRig rig="threePt" dir="t"/>
+    </dgm:scene3d>
+    <dgm:sp3d/>
+    <dgm:txPr/>
+    <dgm:style>
+      <a:lnRef idx="1">
+        <a:scrgbClr r="0" g="0" b="0"/>
+      </a:lnRef>
+      <a:fillRef idx="3">
+        <a:scrgbClr r="0" g="0" b="0"/>
+      </a:fillRef>
+      <a:effectRef idx="2">
+        <a:scrgbClr r="0" g="0" b="0"/>
+      </a:effectRef>
+      <a:fontRef idx="minor">
+        <a:schemeClr val="lt1"/>
+      </a:fontRef>
+    </dgm:style>
+  </dgm:styleLbl>
+  <dgm:styleLbl name="node1">
+    <dgm:scene3d>
+      <a:camera prst="orthographicFront"/>
+      <a:lightRig rig="threePt" dir="t"/>
+    </dgm:scene3d>
+    <dgm:sp3d/>
+    <dgm:txPr/>
+    <dgm:style>
+      <a:lnRef idx="0">
+        <a:scrgbClr r="0" g="0" b="0"/>
+      </a:lnRef>
+      <a:fillRef idx="3">
+        <a:scrgbClr r="0" g="0" b="0"/>
+      </a:fillRef>
+      <a:effectRef idx="2">
+        <a:scrgbClr r="0" g="0" b="0"/>
+      </a:effectRef>
+      <a:fontRef idx="minor">
+        <a:schemeClr val="lt1"/>
+      </a:fontRef>
+    </dgm:style>
+  </dgm:styleLbl>
+  <dgm:styleLbl name="node2">
+    <dgm:scene3d>
+      <a:camera prst="orthographicFront"/>
+      <a:lightRig rig="threePt" dir="t"/>
+    </dgm:scene3d>
+    <dgm:sp3d/>
+    <dgm:txPr/>
+    <dgm:style>
+      <a:lnRef idx="0">
+        <a:scrgbClr r="0" g="0" b="0"/>
+      </a:lnRef>
+      <a:fillRef idx="3">
+        <a:scrgbClr r="0" g="0" b="0"/>
+      </a:fillRef>
+      <a:effectRef idx="2">
+        <a:scrgbClr r="0" g="0" b="0"/>
+      </a:effectRef>
+      <a:fontRef idx="minor">
+        <a:schemeClr val="lt1"/>
+      </a:fontRef>
+    </dgm:style>
+  </dgm:styleLbl>
+  <dgm:styleLbl name="node3">
+    <dgm:scene3d>
+      <a:camera prst="orthographicFront"/>
+      <a:lightRig rig="threePt" dir="t"/>
+    </dgm:scene3d>
+    <dgm:sp3d/>
+    <dgm:txPr/>
+    <dgm:style>
+      <a:lnRef idx="0">
+        <a:scrgbClr r="0" g="0" b="0"/>
+      </a:lnRef>
+      <a:fillRef idx="3">
+        <a:scrgbClr r="0" g="0" b="0"/>
+      </a:fillRef>
+      <a:effectRef idx="2">
+        <a:scrgbClr r="0" g="0" b="0"/>
+      </a:effectRef>
+      <a:fontRef idx="minor">
+        <a:schemeClr val="lt1"/>
+      </a:fontRef>
+    </dgm:style>
+  </dgm:styleLbl>
+  <dgm:styleLbl name="node4">
+    <dgm:scene3d>
+      <a:camera prst="orthographicFront"/>
+      <a:lightRig rig="threePt" dir="t"/>
+    </dgm:scene3d>
+    <dgm:sp3d/>
+    <dgm:txPr/>
+    <dgm:style>
+      <a:lnRef idx="0">
+        <a:scrgbClr r="0" g="0" b="0"/>
+      </a:lnRef>
+      <a:fillRef idx="3">
+        <a:scrgbClr r="0" g="0" b="0"/>
+      </a:fillRef>
+      <a:effectRef idx="2">
+        <a:scrgbClr r="0" g="0" b="0"/>
+      </a:effectRef>
+      <a:fontRef idx="minor">
+        <a:schemeClr val="lt1"/>
+      </a:fontRef>
+    </dgm:style>
+  </dgm:styleLbl>
+  <dgm:styleLbl name="fgImgPlace1">
+    <dgm:scene3d>
+      <a:camera prst="orthographicFront"/>
+      <a:lightRig rig="threePt" dir="t"/>
+    </dgm:scene3d>
+    <dgm:sp3d/>
+    <dgm:txPr/>
+    <dgm:style>
+      <a:lnRef idx="0">
+        <a:scrgbClr r="0" g="0" b="0"/>
+      </a:lnRef>
+      <a:fillRef idx="1">
+        <a:scrgbClr r="0" g="0" b="0"/>
+      </a:fillRef>
+      <a:effectRef idx="2">
+        <a:scrgbClr r="0" g="0" b="0"/>
+      </a:effectRef>
+      <a:fontRef idx="minor"/>
+    </dgm:style>
+  </dgm:styleLbl>
+  <dgm:styleLbl name="alignImgPlace1">
+    <dgm:scene3d>
+      <a:camera prst="orthographicFront"/>
+      <a:lightRig rig="threePt" dir="t"/>
+    </dgm:scene3d>
+    <dgm:sp3d/>
+    <dgm:txPr/>
+    <dgm:style>
+      <a:lnRef idx="0">
+        <a:scrgbClr r="0" g="0" b="0"/>
+      </a:lnRef>
+      <a:fillRef idx="1">
+        <a:scrgbClr r="0" g="0" b="0"/>
+      </a:fillRef>
+      <a:effectRef idx="2">
+        <a:scrgbClr r="0" g="0" b="0"/>
+      </a:effectRef>
+      <a:fontRef idx="minor"/>
+    </dgm:style>
+  </dgm:styleLbl>
+  <dgm:styleLbl name="bgImgPlace1">
+    <dgm:scene3d>
+      <a:camera prst="orthographicFront"/>
+      <a:lightRig rig="threePt" dir="t"/>
+    </dgm:scene3d>
+    <dgm:sp3d/>
+    <dgm:txPr/>
+    <dgm:style>
+      <a:lnRef idx="0">
+        <a:scrgbClr r="0" g="0" b="0"/>
+      </a:lnRef>
+      <a:fillRef idx="1">
+        <a:scrgbClr r="0" g="0" b="0"/>
+      </a:fillRef>
+      <a:effectRef idx="2">
+        <a:scrgbClr r="0" g="0" b="0"/>
+      </a:effectRef>
+      <a:fontRef idx="minor"/>
+    </dgm:style>
+  </dgm:styleLbl>
+  <dgm:styleLbl name="sibTrans2D1">
+    <dgm:scene3d>
+      <a:camera prst="orthographicFront"/>
+      <a:lightRig rig="threePt" dir="t"/>
+    </dgm:scene3d>
+    <dgm:sp3d/>
+    <dgm:txPr/>
+    <dgm:style>
+      <a:lnRef idx="0">
+        <a:scrgbClr r="0" g="0" b="0"/>
+      </a:lnRef>
+      <a:fillRef idx="3">
+        <a:scrgbClr r="0" g="0" b="0"/>
+      </a:fillRef>
+      <a:effectRef idx="2">
+        <a:scrgbClr r="0" g="0" b="0"/>
+      </a:effectRef>
+      <a:fontRef idx="minor">
+        <a:schemeClr val="lt1"/>
+      </a:fontRef>
+    </dgm:style>
+  </dgm:styleLbl>
+  <dgm:styleLbl name="fgSibTrans2D1">
+    <dgm:scene3d>
+      <a:camera prst="orthographicFront"/>
+      <a:lightRig rig="threePt" dir="t"/>
+    </dgm:scene3d>
+    <dgm:sp3d/>
+    <dgm:txPr/>
+    <dgm:style>
+      <a:lnRef idx="0">
+        <a:scrgbClr r="0" g="0" b="0"/>
+      </a:lnRef>
+      <a:fillRef idx="3">
+        <a:scrgbClr r="0" g="0" b="0"/>
+      </a:fillRef>
+      <a:effectRef idx="2">
+        <a:scrgbClr r="0" g="0" b="0"/>
+      </a:effectRef>
+      <a:fontRef idx="minor">
+        <a:schemeClr val="lt1"/>
+      </a:fontRef>
+    </dgm:style>
+  </dgm:styleLbl>
+  <dgm:styleLbl name="bgSibTrans2D1">
+    <dgm:scene3d>
+      <a:camera prst="orthographicFront"/>
+      <a:lightRig rig="threePt" dir="t"/>
+    </dgm:scene3d>
+    <dgm:sp3d/>
+    <dgm:txPr/>
+    <dgm:style>
+      <a:lnRef idx="0">
+        <a:scrgbClr r="0" g="0" b="0"/>
+      </a:lnRef>
+      <a:fillRef idx="3">
+        <a:scrgbClr r="0" g="0" b="0"/>
+      </a:fillRef>
+      <a:effectRef idx="2">
+        <a:scrgbClr r="0" g="0" b="0"/>
+      </a:effectRef>
+      <a:fontRef idx="minor">
+        <a:schemeClr val="lt1"/>
+      </a:fontRef>
+    </dgm:style>
+  </dgm:styleLbl>
+  <dgm:styleLbl name="sibTrans1D1">
+    <dgm:scene3d>
+      <a:camera prst="orthographicFront"/>
+      <a:lightRig rig="threePt" dir="t"/>
+    </dgm:scene3d>
+    <dgm:sp3d/>
+    <dgm:txPr/>
+    <dgm:style>
+      <a:lnRef idx="1">
+        <a:scrgbClr r="0" g="0" b="0"/>
+      </a:lnRef>
+      <a:fillRef idx="0">
+        <a:scrgbClr r="0" g="0" b="0"/>
+      </a:fillRef>
+      <a:effectRef idx="0">
+        <a:scrgbClr r="0" g="0" b="0"/>
+      </a:effectRef>
+      <a:fontRef idx="minor"/>
+    </dgm:style>
+  </dgm:styleLbl>
+  <dgm:styleLbl name="callout">
+    <dgm:scene3d>
+      <a:camera prst="orthographicFront"/>
+      <a:lightRig rig="threePt" dir="t"/>
+    </dgm:scene3d>
+    <dgm:sp3d/>
+    <dgm:txPr/>
+    <dgm:style>
+      <a:lnRef idx="2">
+        <a:scrgbClr r="0" g="0" b="0"/>
+      </a:lnRef>
+      <a:fillRef idx="1">
+        <a:scrgbClr r="0" g="0" b="0"/>
+      </a:fillRef>
+      <a:effectRef idx="1">
+        <a:scrgbClr r="0" g="0" b="0"/>
+      </a:effectRef>
+      <a:fontRef idx="minor"/>
+    </dgm:style>
+  </dgm:styleLbl>
+  <dgm:styleLbl name="asst0">
+    <dgm:scene3d>
+      <a:camera prst="orthographicFront"/>
+      <a:lightRig rig="threePt" dir="t"/>
+    </dgm:scene3d>
+    <dgm:sp3d/>
+    <dgm:txPr/>
+    <dgm:style>
+      <a:lnRef idx="0">
+        <a:scrgbClr r="0" g="0" b="0"/>
+      </a:lnRef>
+      <a:fillRef idx="3">
+        <a:scrgbClr r="0" g="0" b="0"/>
+      </a:fillRef>
+      <a:effectRef idx="2">
+        <a:scrgbClr r="0" g="0" b="0"/>
+      </a:effectRef>
+      <a:fontRef idx="minor">
+        <a:schemeClr val="lt1"/>
+      </a:fontRef>
+    </dgm:style>
+  </dgm:styleLbl>
+  <dgm:styleLbl name="asst1">
+    <dgm:scene3d>
+      <a:camera prst="orthographicFront"/>
+      <a:lightRig rig="threePt" dir="t"/>
+    </dgm:scene3d>
+    <dgm:sp3d/>
+    <dgm:txPr/>
+    <dgm:style>
+      <a:lnRef idx="0">
+        <a:scrgbClr r="0" g="0" b="0"/>
+      </a:lnRef>
+      <a:fillRef idx="3">
+        <a:scrgbClr r="0" g="0" b="0"/>
+      </a:fillRef>
+      <a:effectRef idx="2">
+        <a:scrgbClr r="0" g="0" b="0"/>
+      </a:effectRef>
+      <a:fontRef idx="minor">
+        <a:schemeClr val="lt1"/>
+      </a:fontRef>
+    </dgm:style>
+  </dgm:styleLbl>
+  <dgm:styleLbl name="asst2">
+    <dgm:scene3d>
+      <a:camera prst="orthographicFront"/>
+      <a:lightRig rig="threePt" dir="t"/>
+    </dgm:scene3d>
+    <dgm:sp3d/>
+    <dgm:txPr/>
+    <dgm:style>
+      <a:lnRef idx="0">
+        <a:scrgbClr r="0" g="0" b="0"/>
+      </a:lnRef>
+      <a:fillRef idx="3">
+        <a:scrgbClr r="0" g="0" b="0"/>
+      </a:fillRef>
+      <a:effectRef idx="2">
+        <a:scrgbClr r="0" g="0" b="0"/>
+      </a:effectRef>
+      <a:fontRef idx="minor">
+        <a:schemeClr val="lt1"/>
+      </a:fontRef>
+    </dgm:style>
+  </dgm:styleLbl>
+  <dgm:styleLbl name="asst3">
+    <dgm:scene3d>
+      <a:camera prst="orthographicFront"/>
+      <a:lightRig rig="threePt" dir="t"/>
+    </dgm:scene3d>
+    <dgm:sp3d/>
+    <dgm:txPr/>
+    <dgm:style>
+      <a:lnRef idx="0">
+        <a:scrgbClr r="0" g="0" b="0"/>
+      </a:lnRef>
+      <a:fillRef idx="3">
+        <a:scrgbClr r="0" g="0" b="0"/>
+      </a:fillRef>
+      <a:effectRef idx="2">
+        <a:scrgbClr r="0" g="0" b="0"/>
+      </a:effectRef>
+      <a:fontRef idx="minor">
+        <a:schemeClr val="lt1"/>
+      </a:fontRef>
+    </dgm:style>
+  </dgm:styleLbl>
+  <dgm:styleLbl name="asst4">
+    <dgm:scene3d>
+      <a:camera prst="orthographicFront"/>
+      <a:lightRig rig="threePt" dir="t"/>
+    </dgm:scene3d>
+    <dgm:sp3d/>
+    <dgm:txPr/>
+    <dgm:style>
+      <a:lnRef idx="0">
+        <a:scrgbClr r="0" g="0" b="0"/>
+      </a:lnRef>
+      <a:fillRef idx="3">
+        <a:scrgbClr r="0" g="0" b="0"/>
+      </a:fillRef>
+      <a:effectRef idx="2">
+        <a:scrgbClr r="0" g="0" b="0"/>
+      </a:effectRef>
+      <a:fontRef idx="minor">
+        <a:schemeClr val="lt1"/>
+      </a:fontRef>
+    </dgm:style>
+  </dgm:styleLbl>
+  <dgm:styleLbl name="parChTrans2D1">
+    <dgm:scene3d>
+      <a:camera prst="orthographicFront"/>
+      <a:lightRig rig="threePt" dir="t"/>
+    </dgm:scene3d>
+    <dgm:sp3d/>
+    <dgm:txPr/>
+    <dgm:style>
+      <a:lnRef idx="0">
+        <a:scrgbClr r="0" g="0" b="0"/>
+      </a:lnRef>
+      <a:fillRef idx="3">
+        <a:scrgbClr r="0" g="0" b="0"/>
+      </a:fillRef>
+      <a:effectRef idx="2">
+        <a:scrgbClr r="0" g="0" b="0"/>
+      </a:effectRef>
+      <a:fontRef idx="minor">
+        <a:schemeClr val="lt1"/>
+      </a:fontRef>
+    </dgm:style>
+  </dgm:styleLbl>
+  <dgm:styleLbl name="parChTrans2D2">
+    <dgm:scene3d>
+      <a:camera prst="orthographicFront"/>
+      <a:lightRig rig="threePt" dir="t"/>
+    </dgm:scene3d>
+    <dgm:sp3d/>
+    <dgm:txPr/>
+    <dgm:style>
+      <a:lnRef idx="0">
+        <a:scrgbClr r="0" g="0" b="0"/>
+      </a:lnRef>
+      <a:fillRef idx="3">
+        <a:scrgbClr r="0" g="0" b="0"/>
+      </a:fillRef>
+      <a:effectRef idx="2">
+        <a:scrgbClr r="0" g="0" b="0"/>
+      </a:effectRef>
+      <a:fontRef idx="minor">
+        <a:schemeClr val="lt1"/>
+      </a:fontRef>
+    </dgm:style>
+  </dgm:styleLbl>
+  <dgm:styleLbl name="parChTrans2D3">
+    <dgm:scene3d>
+      <a:camera prst="orthographicFront"/>
+      <a:lightRig rig="threePt" dir="t"/>
+    </dgm:scene3d>
+    <dgm:sp3d/>
+    <dgm:txPr/>
+    <dgm:style>
+      <a:lnRef idx="1">
+        <a:scrgbClr r="0" g="0" b="0"/>
+      </a:lnRef>
+      <a:fillRef idx="3">
+        <a:scrgbClr r="0" g="0" b="0"/>
+      </a:fillRef>
+      <a:effectRef idx="2">
+        <a:scrgbClr r="0" g="0" b="0"/>
+      </a:effectRef>
+      <a:fontRef idx="minor">
+        <a:schemeClr val="lt1"/>
+      </a:fontRef>
+    </dgm:style>
+  </dgm:styleLbl>
+  <dgm:styleLbl name="parChTrans2D4">
+    <dgm:scene3d>
+      <a:camera prst="orthographicFront"/>
+      <a:lightRig rig="threePt" dir="t"/>
+    </dgm:scene3d>
+    <dgm:sp3d/>
+    <dgm:txPr/>
+    <dgm:style>
+      <a:lnRef idx="1">
+        <a:scrgbClr r="0" g="0" b="0"/>
+      </a:lnRef>
+      <a:fillRef idx="3">
+        <a:scrgbClr r="0" g="0" b="0"/>
+      </a:fillRef>
+      <a:effectRef idx="2">
+        <a:scrgbClr r="0" g="0" b="0"/>
+      </a:effectRef>
+      <a:fontRef idx="minor">
+        <a:schemeClr val="lt1"/>
+      </a:fontRef>
+    </dgm:style>
+  </dgm:styleLbl>
+  <dgm:styleLbl name="parChTrans1D1">
+    <dgm:scene3d>
+      <a:camera prst="orthographicFront"/>
+      <a:lightRig rig="threePt" dir="t"/>
+    </dgm:scene3d>
+    <dgm:sp3d/>
+    <dgm:txPr/>
+    <dgm:style>
+      <a:lnRef idx="1">
+        <a:scrgbClr r="0" g="0" b="0"/>
+      </a:lnRef>
+      <a:fillRef idx="0">
+        <a:scrgbClr r="0" g="0" b="0"/>
+      </a:fillRef>
+      <a:effectRef idx="0">
+        <a:scrgbClr r="0" g="0" b="0"/>
+      </a:effectRef>
+      <a:fontRef idx="minor"/>
+    </dgm:style>
+  </dgm:styleLbl>
+  <dgm:styleLbl name="parChTrans1D2">
+    <dgm:scene3d>
+      <a:camera prst="orthographicFront"/>
+      <a:lightRig rig="threePt" dir="t"/>
+    </dgm:scene3d>
+    <dgm:sp3d/>
+    <dgm:txPr/>
+    <dgm:style>
+      <a:lnRef idx="1">
+        <a:scrgbClr r="0" g="0" b="0"/>
+      </a:lnRef>
+      <a:fillRef idx="0">
+        <a:scrgbClr r="0" g="0" b="0"/>
+      </a:fillRef>
+      <a:effectRef idx="0">
+        <a:scrgbClr r="0" g="0" b="0"/>
+      </a:effectRef>
+      <a:fontRef idx="minor"/>
+    </dgm:style>
+  </dgm:styleLbl>
+  <dgm:styleLbl name="parChTrans1D3">
+    <dgm:scene3d>
+      <a:camera prst="orthographicFront"/>
+      <a:lightRig rig="threePt" dir="t"/>
+    </dgm:scene3d>
+    <dgm:sp3d/>
+    <dgm:txPr/>
+    <dgm:style>
+      <a:lnRef idx="1">
+        <a:scrgbClr r="0" g="0" b="0"/>
+      </a:lnRef>
+      <a:fillRef idx="0">
+        <a:scrgbClr r="0" g="0" b="0"/>
+      </a:fillRef>
+      <a:effectRef idx="0">
+        <a:scrgbClr r="0" g="0" b="0"/>
+      </a:effectRef>
+      <a:fontRef idx="minor"/>
+    </dgm:style>
+  </dgm:styleLbl>
+  <dgm:styleLbl name="parChTrans1D4">
+    <dgm:scene3d>
+      <a:camera prst="orthographicFront"/>
+      <a:lightRig rig="threePt" dir="t"/>
+    </dgm:scene3d>
+    <dgm:sp3d/>
+    <dgm:txPr/>
+    <dgm:style>
+      <a:lnRef idx="1">
+        <a:scrgbClr r="0" g="0" b="0"/>
+      </a:lnRef>
+      <a:fillRef idx="0">
+        <a:scrgbClr r="0" g="0" b="0"/>
+      </a:fillRef>
+      <a:effectRef idx="0">
+        <a:scrgbClr r="0" g="0" b="0"/>
+      </a:effectRef>
+      <a:fontRef idx="minor"/>
+    </dgm:style>
+  </dgm:styleLbl>
+  <dgm:styleLbl name="fgAcc1">
+    <dgm:scene3d>
+      <a:camera prst="orthographicFront"/>
+      <a:lightRig rig="threePt" dir="t"/>
+    </dgm:scene3d>
+    <dgm:sp3d/>
+    <dgm:txPr/>
+    <dgm:style>
+      <a:lnRef idx="1">
+        <a:scrgbClr r="0" g="0" b="0"/>
+      </a:lnRef>
+      <a:fillRef idx="1">
+        <a:scrgbClr r="0" g="0" b="0"/>
+      </a:fillRef>
+      <a:effectRef idx="0">
+        <a:scrgbClr r="0" g="0" b="0"/>
+      </a:effectRef>
+      <a:fontRef idx="minor"/>
+    </dgm:style>
+  </dgm:styleLbl>
+  <dgm:styleLbl name="conFgAcc1">
+    <dgm:scene3d>
+      <a:camera prst="orthographicFront"/>
+      <a:lightRig rig="threePt" dir="t"/>
+    </dgm:scene3d>
+    <dgm:sp3d/>
+    <dgm:txPr/>
+    <dgm:style>
+      <a:lnRef idx="1">
+        <a:scrgbClr r="0" g="0" b="0"/>
+      </a:lnRef>
+      <a:fillRef idx="1">
+        <a:scrgbClr r="0" g="0" b="0"/>
+      </a:fillRef>
+      <a:effectRef idx="0">
+        <a:scrgbClr r="0" g="0" b="0"/>
+      </a:effectRef>
+      <a:fontRef idx="minor"/>
+    </dgm:style>
+  </dgm:styleLbl>
+  <dgm:styleLbl name="alignAcc1">
+    <dgm:scene3d>
+      <a:camera prst="orthographicFront"/>
+      <a:lightRig rig="threePt" dir="t"/>
+    </dgm:scene3d>
+    <dgm:sp3d/>
+    <dgm:txPr/>
+    <dgm:style>
+      <a:lnRef idx="1">
+        <a:scrgbClr r="0" g="0" b="0"/>
+      </a:lnRef>
+      <a:fillRef idx="1">
+        <a:scrgbClr r="0" g="0" b="0"/>
+      </a:fillRef>
+      <a:effectRef idx="0">
+        <a:scrgbClr r="0" g="0" b="0"/>
+      </a:effectRef>
+      <a:fontRef idx="minor"/>
+    </dgm:style>
+  </dgm:styleLbl>
+  <dgm:styleLbl name="trAlignAcc1">
+    <dgm:scene3d>
+      <a:camera prst="orthographicFront"/>
+      <a:lightRig rig="threePt" dir="t"/>
+    </dgm:scene3d>
+    <dgm:sp3d/>
+    <dgm:txPr/>
+    <dgm:style>
+      <a:lnRef idx="1">
+        <a:scrgbClr r="0" g="0" b="0"/>
+      </a:lnRef>
+      <a:fillRef idx="1">
+        <a:scrgbClr r="0" g="0" b="0"/>
+      </a:fillRef>
+      <a:effectRef idx="0">
+        <a:scrgbClr r="0" g="0" b="0"/>
+      </a:effectRef>
+      <a:fontRef idx="minor"/>
+    </dgm:style>
+  </dgm:styleLbl>
+  <dgm:styleLbl name="bgAcc1">
+    <dgm:scene3d>
+      <a:camera prst="orthographicFront"/>
+      <a:lightRig rig="threePt" dir="t"/>
+    </dgm:scene3d>
+    <dgm:sp3d/>
+    <dgm:txPr/>
+    <dgm:style>
+      <a:lnRef idx="1">
+        <a:scrgbClr r="0" g="0" b="0"/>
+      </a:lnRef>
+      <a:fillRef idx="1">
+        <a:scrgbClr r="0" g="0" b="0"/>
+      </a:fillRef>
+      <a:effectRef idx="0">
+        <a:scrgbClr r="0" g="0" b="0"/>
+      </a:effectRef>
+      <a:fontRef idx="minor"/>
+    </dgm:style>
+  </dgm:styleLbl>
+  <dgm:styleLbl name="solidFgAcc1">
+    <dgm:scene3d>
+      <a:camera prst="orthographicFront"/>
+      <a:lightRig rig="threePt" dir="t"/>
+    </dgm:scene3d>
+    <dgm:sp3d/>
+    <dgm:txPr/>
+    <dgm:style>
+      <a:lnRef idx="1">
+        <a:scrgbClr r="0" g="0" b="0"/>
+      </a:lnRef>
+      <a:fillRef idx="1">
+        <a:scrgbClr r="0" g="0" b="0"/>
+      </a:fillRef>
+      <a:effectRef idx="0">
+        <a:scrgbClr r="0" g="0" b="0"/>
+      </a:effectRef>
+      <a:fontRef idx="minor"/>
+    </dgm:style>
+  </dgm:styleLbl>
+  <dgm:styleLbl name="solidAlignAcc1">
+    <dgm:scene3d>
+      <a:camera prst="orthographicFront"/>
+      <a:lightRig rig="threePt" dir="t"/>
+    </dgm:scene3d>
+    <dgm:sp3d/>
+    <dgm:txPr/>
+    <dgm:style>
+      <a:lnRef idx="1">
+        <a:scrgbClr r="0" g="0" b="0"/>
+      </a:lnRef>
+      <a:fillRef idx="1">
+        <a:scrgbClr r="0" g="0" b="0"/>
+      </a:fillRef>
+      <a:effectRef idx="0">
+        <a:scrgbClr r="0" g="0" b="0"/>
+      </a:effectRef>
+      <a:fontRef idx="minor"/>
+    </dgm:style>
+  </dgm:styleLbl>
+  <dgm:styleLbl name="solidBgAcc1">
+    <dgm:scene3d>
+      <a:camera prst="orthographicFront"/>
+      <a:lightRig rig="threePt" dir="t"/>
+    </dgm:scene3d>
+    <dgm:sp3d/>
+    <dgm:txPr/>
+    <dgm:style>
+      <a:lnRef idx="1">
+        <a:scrgbClr r="0" g="0" b="0"/>
+      </a:lnRef>
+      <a:fillRef idx="1">
+        <a:scrgbClr r="0" g="0" b="0"/>
+      </a:fillRef>
+      <a:effectRef idx="0">
+        <a:scrgbClr r="0" g="0" b="0"/>
+      </a:effectRef>
+      <a:fontRef idx="minor"/>
+    </dgm:style>
+  </dgm:styleLbl>
+  <dgm:styleLbl name="fgAccFollowNode1">
+    <dgm:scene3d>
+      <a:camera prst="orthographicFront"/>
+      <a:lightRig rig="threePt" dir="t"/>
+    </dgm:scene3d>
+    <dgm:sp3d/>
+    <dgm:txPr/>
+    <dgm:style>
+      <a:lnRef idx="1">
+        <a:scrgbClr r="0" g="0" b="0"/>
+      </a:lnRef>
+      <a:fillRef idx="1">
+        <a:scrgbClr r="0" g="0" b="0"/>
+      </a:fillRef>
+      <a:effectRef idx="0">
+        <a:scrgbClr r="0" g="0" b="0"/>
+      </a:effectRef>
+      <a:fontRef idx="minor"/>
+    </dgm:style>
+  </dgm:styleLbl>
+  <dgm:styleLbl name="alignAccFollowNode1">
+    <dgm:scene3d>
+      <a:camera prst="orthographicFront"/>
+      <a:lightRig rig="threePt" dir="t"/>
+    </dgm:scene3d>
+    <dgm:sp3d/>
+    <dgm:txPr/>
+    <dgm:style>
+      <a:lnRef idx="1">
+        <a:scrgbClr r="0" g="0" b="0"/>
+      </a:lnRef>
+      <a:fillRef idx="1">
+        <a:scrgbClr r="0" g="0" b="0"/>
+      </a:fillRef>
+      <a:effectRef idx="0">
+        <a:scrgbClr r="0" g="0" b="0"/>
+      </a:effectRef>
+      <a:fontRef idx="minor"/>
+    </dgm:style>
+  </dgm:styleLbl>
+  <dgm:styleLbl name="bgAccFollowNode1">
+    <dgm:scene3d>
+      <a:camera prst="orthographicFront"/>
+      <a:lightRig rig="threePt" dir="t"/>
+    </dgm:scene3d>
+    <dgm:sp3d/>
+    <dgm:txPr/>
+    <dgm:style>
+      <a:lnRef idx="1">
+        <a:scrgbClr r="0" g="0" b="0"/>
+      </a:lnRef>
+      <a:fillRef idx="1">
+        <a:scrgbClr r="0" g="0" b="0"/>
+      </a:fillRef>
+      <a:effectRef idx="0">
+        <a:scrgbClr r="0" g="0" b="0"/>
+      </a:effectRef>
+      <a:fontRef idx="minor"/>
+    </dgm:style>
+  </dgm:styleLbl>
+  <dgm:styleLbl name="fgAcc0">
+    <dgm:scene3d>
+      <a:camera prst="orthographicFront"/>
+      <a:lightRig rig="threePt" dir="t"/>
+    </dgm:scene3d>
+    <dgm:sp3d/>
+    <dgm:txPr/>
+    <dgm:style>
+      <a:lnRef idx="1">
+        <a:scrgbClr r="0" g="0" b="0"/>
+      </a:lnRef>
+      <a:fillRef idx="1">
+        <a:scrgbClr r="0" g="0" b="0"/>
+      </a:fillRef>
+      <a:effectRef idx="0">
+        <a:scrgbClr r="0" g="0" b="0"/>
+      </a:effectRef>
+      <a:fontRef idx="minor"/>
+    </dgm:style>
+  </dgm:styleLbl>
+  <dgm:styleLbl name="fgAcc2">
+    <dgm:scene3d>
+      <a:camera prst="orthographicFront"/>
+      <a:lightRig rig="threePt" dir="t"/>
+    </dgm:scene3d>
+    <dgm:sp3d/>
+    <dgm:txPr/>
+    <dgm:style>
+      <a:lnRef idx="1">
+        <a:scrgbClr r="0" g="0" b="0"/>
+      </a:lnRef>
+      <a:fillRef idx="1">
+        <a:scrgbClr r="0" g="0" b="0"/>
+      </a:fillRef>
+      <a:effectRef idx="0">
+        <a:scrgbClr r="0" g="0" b="0"/>
+      </a:effectRef>
+      <a:fontRef idx="minor"/>
+    </dgm:style>
+  </dgm:styleLbl>
+  <dgm:styleLbl name="fgAcc3">
+    <dgm:scene3d>
+      <a:camera prst="orthographicFront"/>
+      <a:lightRig rig="threePt" dir="t"/>
+    </dgm:scene3d>
+    <dgm:sp3d/>
+    <dgm:txPr/>
+    <dgm:style>
+      <a:lnRef idx="1">
+        <a:scrgbClr r="0" g="0" b="0"/>
+      </a:lnRef>
+      <a:fillRef idx="1">
+        <a:scrgbClr r="0" g="0" b="0"/>
+      </a:fillRef>
+      <a:effectRef idx="0">
+        <a:scrgbClr r="0" g="0" b="0"/>
+      </a:effectRef>
+      <a:fontRef idx="minor"/>
+    </dgm:style>
+  </dgm:styleLbl>
+  <dgm:styleLbl name="fgAcc4">
+    <dgm:scene3d>
+      <a:camera prst="orthographicFront"/>
+      <a:lightRig rig="threePt" dir="t"/>
+    </dgm:scene3d>
+    <dgm:sp3d/>
+    <dgm:txPr/>
+    <dgm:style>
+      <a:lnRef idx="1">
+        <a:scrgbClr r="0" g="0" b="0"/>
+      </a:lnRef>
+      <a:fillRef idx="1">
+        <a:scrgbClr r="0" g="0" b="0"/>
+      </a:fillRef>
+      <a:effectRef idx="0">
+        <a:scrgbClr r="0" g="0" b="0"/>
+      </a:effectRef>
+      <a:fontRef idx="minor"/>
+    </dgm:style>
+  </dgm:styleLbl>
+  <dgm:styleLbl name="bgShp">
+    <dgm:scene3d>
+      <a:camera prst="orthographicFront"/>
+      <a:lightRig rig="threePt" dir="t"/>
+    </dgm:scene3d>
+    <dgm:sp3d/>
+    <dgm:txPr/>
+    <dgm:style>
+      <a:lnRef idx="0">
+        <a:scrgbClr r="0" g="0" b="0"/>
+      </a:lnRef>
+      <a:fillRef idx="1">
+        <a:scrgbClr r="0" g="0" b="0"/>
+      </a:fillRef>
+      <a:effectRef idx="2">
+        <a:scrgbClr r="0" g="0" b="0"/>
+      </a:effectRef>
+      <a:fontRef idx="minor"/>
+    </dgm:style>
+  </dgm:styleLbl>
+  <dgm:styleLbl name="dkBgShp">
+    <dgm:scene3d>
+      <a:camera prst="orthographicFront"/>
+      <a:lightRig rig="threePt" dir="t"/>
+    </dgm:scene3d>
+    <dgm:sp3d/>
+    <dgm:txPr/>
+    <dgm:style>
+      <a:lnRef idx="0">
+        <a:scrgbClr r="0" g="0" b="0"/>
+      </a:lnRef>
+      <a:fillRef idx="1">
+        <a:scrgbClr r="0" g="0" b="0"/>
+      </a:fillRef>
+      <a:effectRef idx="2">
+        <a:scrgbClr r="0" g="0" b="0"/>
+      </a:effectRef>
+      <a:fontRef idx="minor"/>
+    </dgm:style>
+  </dgm:styleLbl>
+  <dgm:styleLbl name="trBgShp">
+    <dgm:scene3d>
+      <a:camera prst="orthographicFront"/>
+      <a:lightRig rig="threePt" dir="t"/>
+    </dgm:scene3d>
+    <dgm:sp3d/>
+    <dgm:txPr/>
+    <dgm:style>
+      <a:lnRef idx="0">
+        <a:scrgbClr r="0" g="0" b="0"/>
+      </a:lnRef>
+      <a:fillRef idx="1">
+        <a:scrgbClr r="0" g="0" b="0"/>
+      </a:fillRef>
+      <a:effectRef idx="0">
+        <a:scrgbClr r="0" g="0" b="0"/>
+      </a:effectRef>
+      <a:fontRef idx="minor"/>
+    </dgm:style>
+  </dgm:styleLbl>
+  <dgm:styleLbl name="fgShp">
+    <dgm:scene3d>
+      <a:camera prst="orthographicFront"/>
+      <a:lightRig rig="threePt" dir="t"/>
+    </dgm:scene3d>
+    <dgm:sp3d/>
+    <dgm:txPr/>
+    <dgm:style>
+      <a:lnRef idx="0">
+        <a:scrgbClr r="0" g="0" b="0"/>
+      </a:lnRef>
+      <a:fillRef idx="3">
+        <a:scrgbClr r="0" g="0" b="0"/>
+      </a:fillRef>
+      <a:effectRef idx="2">
+        <a:scrgbClr r="0" g="0" b="0"/>
+      </a:effectRef>
+      <a:fontRef idx="minor"/>
+    </dgm:style>
+  </dgm:styleLbl>
+  <dgm:styleLbl name="revTx">
+    <dgm:scene3d>
+      <a:camera prst="orthographicFront"/>
+      <a:lightRig rig="threePt" dir="t"/>
+    </dgm:scene3d>
+    <dgm:sp3d/>
+    <dgm:txPr/>
+    <dgm:style>
+      <a:lnRef idx="0">
+        <a:scrgbClr r="0" g="0" b="0"/>
+      </a:lnRef>
+      <a:fillRef idx="0">
+        <a:scrgbClr r="0" g="0" b="0"/>
+      </a:fillRef>
+      <a:effectRef idx="0">
+        <a:scrgbClr r="0" g="0" b="0"/>
+      </a:effectRef>
+      <a:fontRef idx="minor"/>
+    </dgm:style>
+  </dgm:styleLbl>
+</dgm:styleDef>
+</file>
+
+<file path=ppt/diagrams/quickStyle8.xml><?xml version="1.0" encoding="utf-8"?>
 <dgm:styleDef xmlns:dgm="http://schemas.openxmlformats.org/drawingml/2006/diagram" xmlns:a="http://schemas.openxmlformats.org/drawingml/2006/main" uniqueId="urn:microsoft.com/office/officeart/2005/8/quickstyle/simple4">
   <dgm:title val=""/>
   <dgm:desc val=""/>
@@ -18284,7 +23930,7 @@
             <a:fld id="{EC87E0CF-87F6-4B58-B8B8-DCAB2DAAF3CA}" type="slidenum">
               <a:rPr lang="en-US" smtClean="0"/>
               <a:pPr/>
-              <a:t>20</a:t>
+              <a:t>27</a:t>
             </a:fld>
             <a:endParaRPr lang="en-US" dirty="0"/>
           </a:p>
@@ -23623,7 +29269,7 @@
             <p:ph sz="half" idx="2"/>
             <p:extLst>
               <p:ext uri="{D42A27DB-BD31-4B8C-83A1-F6EECF244321}">
-                <p14:modId xmlns:p14="http://schemas.microsoft.com/office/powerpoint/2010/main" val="1828800468"/>
+                <p14:modId xmlns:p14="http://schemas.microsoft.com/office/powerpoint/2010/main" val="1082365804"/>
               </p:ext>
             </p:extLst>
           </p:nvPr>
@@ -24041,7 +29687,7 @@
             <p:ph sz="half" idx="2"/>
             <p:extLst>
               <p:ext uri="{D42A27DB-BD31-4B8C-83A1-F6EECF244321}">
-                <p14:modId xmlns:p14="http://schemas.microsoft.com/office/powerpoint/2010/main" val="1524901451"/>
+                <p14:modId xmlns:p14="http://schemas.microsoft.com/office/powerpoint/2010/main" val="1760850255"/>
               </p:ext>
             </p:extLst>
           </p:nvPr>
@@ -24176,25 +29822,31 @@
           </a:p>
         </p:txBody>
       </p:sp>
-      <p:sp>
-        <p:nvSpPr>
-          <p:cNvPr id="4" name="Content Placeholder 3"/>
-          <p:cNvSpPr>
-            <a:spLocks noGrp="1"/>
-          </p:cNvSpPr>
+      <p:graphicFrame>
+        <p:nvGraphicFramePr>
+          <p:cNvPr id="5" name="Content Placeholder 4"/>
+          <p:cNvGraphicFramePr>
+            <a:graphicFrameLocks noGrp="1"/>
+          </p:cNvGraphicFramePr>
           <p:nvPr>
             <p:ph sz="half" idx="2"/>
+            <p:extLst>
+              <p:ext uri="{D42A27DB-BD31-4B8C-83A1-F6EECF244321}">
+                <p14:modId xmlns:p14="http://schemas.microsoft.com/office/powerpoint/2010/main" val="696378925"/>
+              </p:ext>
+            </p:extLst>
           </p:nvPr>
-        </p:nvSpPr>
-        <p:spPr/>
-        <p:txBody>
-          <a:bodyPr/>
-          <a:lstStyle/>
-          <a:p>
-            <a:endParaRPr lang="en-US"/>
-          </a:p>
-        </p:txBody>
-      </p:sp>
+        </p:nvGraphicFramePr>
+        <p:xfrm>
+          <a:off x="4648200" y="1676400"/>
+          <a:ext cx="4114800" cy="4191000"/>
+        </p:xfrm>
+        <a:graphic>
+          <a:graphicData uri="http://schemas.openxmlformats.org/drawingml/2006/diagram">
+            <dgm:relIds xmlns:dgm="http://schemas.openxmlformats.org/drawingml/2006/diagram" xmlns:r="http://schemas.openxmlformats.org/officeDocument/2006/relationships" r:dm="rId2" r:lo="rId3" r:qs="rId4" r:cs="rId5"/>
+          </a:graphicData>
+        </a:graphic>
+      </p:graphicFrame>
     </p:spTree>
     <p:extLst>
       <p:ext uri="{BB962C8B-B14F-4D97-AF65-F5344CB8AC3E}">
@@ -24268,8 +29920,8 @@
         </p:nvSpPr>
         <p:spPr>
           <a:xfrm>
-            <a:off x="381000" y="1676400"/>
-            <a:ext cx="4114800" cy="775597"/>
+            <a:off x="381000" y="2743200"/>
+            <a:ext cx="4114800" cy="1495794"/>
           </a:xfrm>
         </p:spPr>
         <p:txBody>
@@ -24277,7 +29929,7 @@
           <a:lstStyle/>
           <a:p>
             <a:r>
-              <a:rPr lang="en-US" b="1" dirty="0" err="1">
+              <a:rPr lang="en-US" sz="3600" b="1" dirty="0" err="1">
                 <a:solidFill>
                   <a:schemeClr val="accent6"/>
                 </a:solidFill>
@@ -24285,59 +29937,69 @@
               <a:t>Commutativity</a:t>
             </a:r>
             <a:r>
-              <a:rPr lang="en-US" b="1" dirty="0"/>
-              <a:t>: :</a:t>
-            </a:r>
-            <a:r>
-              <a:rPr lang="en-US" dirty="0"/>
-              <a:t> (a </a:t>
-            </a:r>
-            <a:r>
-              <a:rPr lang="en-US" dirty="0">
+              <a:rPr lang="en-US" sz="3600" b="1" dirty="0"/>
+              <a:t>: </a:t>
+            </a:r>
+            <a:r>
+              <a:rPr lang="en-US" sz="3600" dirty="0" smtClean="0"/>
+              <a:t>(</a:t>
+            </a:r>
+            <a:r>
+              <a:rPr lang="en-US" sz="3600" dirty="0"/>
+              <a:t>a </a:t>
+            </a:r>
+            <a:r>
+              <a:rPr lang="en-US" sz="3600" dirty="0">
                 <a:sym typeface="Symbol" charset="2"/>
               </a:rPr>
               <a:t></a:t>
             </a:r>
             <a:r>
-              <a:rPr lang="en-US" dirty="0"/>
+              <a:rPr lang="en-US" sz="3600" dirty="0"/>
               <a:t> b) =  (b </a:t>
             </a:r>
             <a:r>
-              <a:rPr lang="en-US" dirty="0">
+              <a:rPr lang="en-US" sz="3600" dirty="0">
                 <a:sym typeface="Symbol" charset="2"/>
               </a:rPr>
               <a:t></a:t>
             </a:r>
             <a:r>
-              <a:rPr lang="en-US" dirty="0"/>
+              <a:rPr lang="en-US" sz="3600" dirty="0"/>
               <a:t> a)  for all a and b.</a:t>
             </a:r>
             <a:r>
-              <a:rPr lang="en-US" dirty="0"/>
+              <a:rPr lang="en-US" sz="3600" dirty="0"/>
               <a:t> </a:t>
             </a:r>
           </a:p>
         </p:txBody>
       </p:sp>
-      <p:sp>
-        <p:nvSpPr>
-          <p:cNvPr id="4" name="Content Placeholder 3"/>
-          <p:cNvSpPr>
-            <a:spLocks noGrp="1"/>
-          </p:cNvSpPr>
+      <p:graphicFrame>
+        <p:nvGraphicFramePr>
+          <p:cNvPr id="5" name="Content Placeholder 4"/>
+          <p:cNvGraphicFramePr>
+            <a:graphicFrameLocks noGrp="1"/>
+          </p:cNvGraphicFramePr>
           <p:nvPr>
             <p:ph sz="half" idx="2"/>
+            <p:extLst>
+              <p:ext uri="{D42A27DB-BD31-4B8C-83A1-F6EECF244321}">
+                <p14:modId xmlns:p14="http://schemas.microsoft.com/office/powerpoint/2010/main" val="1181747192"/>
+              </p:ext>
+            </p:extLst>
           </p:nvPr>
-        </p:nvSpPr>
-        <p:spPr/>
-        <p:txBody>
-          <a:bodyPr/>
-          <a:lstStyle/>
-          <a:p>
-            <a:endParaRPr lang="en-US"/>
-          </a:p>
-        </p:txBody>
-      </p:sp>
+        </p:nvGraphicFramePr>
+        <p:xfrm>
+          <a:off x="4657253" y="1531544"/>
+          <a:ext cx="4114800" cy="4191000"/>
+        </p:xfrm>
+        <a:graphic>
+          <a:graphicData uri="http://schemas.openxmlformats.org/drawingml/2006/diagram">
+            <dgm:relIds xmlns:dgm="http://schemas.openxmlformats.org/drawingml/2006/diagram" xmlns:r="http://schemas.openxmlformats.org/officeDocument/2006/relationships" r:dm="rId2" r:lo="rId3" r:qs="rId4" r:cs="rId5"/>
+          </a:graphicData>
+        </a:graphic>
+      </p:graphicFrame>
     </p:spTree>
     <p:extLst>
       <p:ext uri="{BB962C8B-B14F-4D97-AF65-F5344CB8AC3E}">
@@ -24533,7 +30195,7 @@
         <p:spPr>
           <a:xfrm>
             <a:off x="381000" y="230188"/>
-            <a:ext cx="8153400" cy="677108"/>
+            <a:ext cx="8382000" cy="664797"/>
           </a:xfrm>
         </p:spPr>
         <p:txBody>
@@ -24542,7 +30204,11 @@
           <a:p>
             <a:r>
               <a:rPr lang="en-US" dirty="0" smtClean="0"/>
-              <a:t>Final note</a:t>
+              <a:t>The Meaning of </a:t>
+            </a:r>
+            <a:r>
+              <a:rPr lang="en-US" dirty="0" err="1" smtClean="0"/>
+              <a:t>Prehensions</a:t>
             </a:r>
             <a:endParaRPr lang="en-US" dirty="0"/>
           </a:p>
@@ -24550,64 +30216,133 @@
       </p:sp>
       <p:sp>
         <p:nvSpPr>
-          <p:cNvPr id="3" name="Text Placeholder 2"/>
+          <p:cNvPr id="3" name="Content Placeholder 2"/>
           <p:cNvSpPr>
             <a:spLocks noGrp="1"/>
           </p:cNvSpPr>
           <p:nvPr>
-            <p:ph type="body" sz="quarter" idx="10"/>
+            <p:ph sz="half" idx="1"/>
           </p:nvPr>
         </p:nvSpPr>
         <p:spPr>
           <a:xfrm>
-            <a:off x="381000" y="1371600"/>
-            <a:ext cx="8382000" cy="886397"/>
+            <a:off x="381000" y="1676400"/>
+            <a:ext cx="4114800" cy="3776418"/>
           </a:xfrm>
         </p:spPr>
         <p:txBody>
           <a:bodyPr/>
           <a:lstStyle/>
           <a:p>
-            <a:r>
-              <a:rPr lang="en-US" dirty="0" smtClean="0"/>
-              <a:t>Contributors welcome! The project is on </a:t>
-            </a:r>
-            <a:r>
-              <a:rPr lang="en-US" dirty="0" err="1" smtClean="0"/>
-              <a:t>GitHub</a:t>
-            </a:r>
-            <a:r>
-              <a:rPr lang="en-US" dirty="0"/>
-              <a:t>: https://</a:t>
-            </a:r>
-            <a:r>
-              <a:rPr lang="en-US" dirty="0" err="1"/>
-              <a:t>github.com</a:t>
-            </a:r>
-            <a:r>
-              <a:rPr lang="en-US" dirty="0"/>
-              <a:t>/</a:t>
-            </a:r>
-            <a:r>
-              <a:rPr lang="en-US" dirty="0" err="1"/>
-              <a:t>gcallah</a:t>
-            </a:r>
-            <a:r>
-              <a:rPr lang="en-US" dirty="0"/>
-              <a:t>/</a:t>
-            </a:r>
-            <a:r>
-              <a:rPr lang="en-US" dirty="0" err="1"/>
-              <a:t>Indra</a:t>
-            </a:r>
-            <a:endParaRPr lang="en-US" dirty="0" smtClean="0"/>
+            <a:pPr marL="339976" lvl="3" indent="-339976">
+              <a:buBlip>
+                <a:blip r:embed="rId2"/>
+              </a:buBlip>
+            </a:pPr>
+            <a:r>
+              <a:rPr lang="en-US" sz="2400" b="1" i="1" dirty="0"/>
+              <a:t>An agent’s </a:t>
+            </a:r>
+            <a:r>
+              <a:rPr lang="en-US" sz="2400" b="1" i="1" dirty="0" err="1"/>
+              <a:t>prehension</a:t>
+            </a:r>
+            <a:r>
+              <a:rPr lang="en-US" sz="2400" b="1" i="1" dirty="0"/>
+              <a:t> of itself is its view of its own internal state</a:t>
+            </a:r>
+            <a:r>
+              <a:rPr lang="en-US" sz="2400" b="1" i="1" dirty="0" smtClean="0"/>
+              <a:t>.</a:t>
+            </a:r>
+          </a:p>
+          <a:p>
+            <a:pPr marL="339976" lvl="3" indent="-339976">
+              <a:buBlip>
+                <a:blip r:embed="rId2"/>
+              </a:buBlip>
+            </a:pPr>
+            <a:r>
+              <a:rPr lang="en-US" sz="2400" b="1" i="1" dirty="0" smtClean="0"/>
+              <a:t>An </a:t>
+            </a:r>
+            <a:r>
+              <a:rPr lang="en-US" sz="2400" b="1" i="1" dirty="0"/>
+              <a:t>agent’s </a:t>
+            </a:r>
+            <a:r>
+              <a:rPr lang="en-US" sz="2400" b="1" i="1" dirty="0" err="1"/>
+              <a:t>prehension</a:t>
+            </a:r>
+            <a:r>
+              <a:rPr lang="en-US" sz="2400" b="1" i="1" dirty="0"/>
+              <a:t> of its environment is its view of its surroundings</a:t>
+            </a:r>
+            <a:r>
+              <a:rPr lang="en-US" sz="2400" b="1" i="1" dirty="0" smtClean="0"/>
+              <a:t>.</a:t>
+            </a:r>
+          </a:p>
+          <a:p>
+            <a:pPr marL="339976" lvl="3" indent="-339976">
+              <a:buBlip>
+                <a:blip r:embed="rId2"/>
+              </a:buBlip>
+            </a:pPr>
+            <a:r>
+              <a:rPr lang="en-US" sz="2400" b="1" i="1" dirty="0"/>
+              <a:t>But from the point of view of the </a:t>
+            </a:r>
+            <a:r>
+              <a:rPr lang="en-US" sz="2400" b="1" i="1" dirty="0" err="1"/>
+              <a:t>prehension</a:t>
+            </a:r>
+            <a:r>
+              <a:rPr lang="en-US" sz="2400" b="1" i="1" dirty="0"/>
+              <a:t> module, these </a:t>
+            </a:r>
+            <a:r>
+              <a:rPr lang="en-US" sz="2400" b="1" i="1" dirty="0" err="1"/>
+              <a:t>prehensions</a:t>
+            </a:r>
+            <a:r>
+              <a:rPr lang="en-US" sz="2400" b="1" i="1" dirty="0"/>
+              <a:t> are interchangeable.</a:t>
+            </a:r>
+          </a:p>
+          <a:p>
+            <a:pPr marL="339976" lvl="3" indent="-339976">
+              <a:buBlip>
+                <a:blip r:embed="rId2"/>
+              </a:buBlip>
+            </a:pPr>
+            <a:endParaRPr lang="en-US" b="1" i="1" dirty="0"/>
+          </a:p>
+        </p:txBody>
+      </p:sp>
+      <p:sp>
+        <p:nvSpPr>
+          <p:cNvPr id="4" name="Content Placeholder 3"/>
+          <p:cNvSpPr>
+            <a:spLocks noGrp="1"/>
+          </p:cNvSpPr>
+          <p:nvPr>
+            <p:ph sz="half" idx="2"/>
+          </p:nvPr>
+        </p:nvSpPr>
+        <p:spPr/>
+        <p:txBody>
+          <a:bodyPr/>
+          <a:lstStyle/>
+          <a:p>
+            <a:endParaRPr lang="en-US"/>
           </a:p>
         </p:txBody>
       </p:sp>
     </p:spTree>
     <p:extLst>
       <p:ext uri="{BB962C8B-B14F-4D97-AF65-F5344CB8AC3E}">
-        <p14:creationId xmlns:p14="http://schemas.microsoft.com/office/powerpoint/2010/main" val="3965056846"/>
+        <p14:creationId xmlns:p14="http://schemas.microsoft.com/office/powerpoint/2010/main" val="344501993"/>
       </p:ext>
     </p:extLst>
   </p:cSld>
@@ -24617,13 +30352,6 @@
   <p:transition>
     <p:fade/>
   </p:transition>
-  <p:timing>
-    <p:tnLst>
-      <p:par>
-        <p:cTn id="1" dur="indefinite" restart="never" nodeType="tmRoot"/>
-      </p:par>
-    </p:tnLst>
-  </p:timing>
 </p:sld>
 </file>
 
@@ -24766,6 +30494,890 @@
         </p:nvSpPr>
         <p:spPr>
           <a:xfrm>
+            <a:off x="381000" y="230188"/>
+            <a:ext cx="8382000" cy="664797"/>
+          </a:xfrm>
+        </p:spPr>
+        <p:txBody>
+          <a:bodyPr/>
+          <a:lstStyle/>
+          <a:p>
+            <a:r>
+              <a:rPr lang="en-US" dirty="0" smtClean="0"/>
+              <a:t>Null </a:t>
+            </a:r>
+            <a:r>
+              <a:rPr lang="en-US" dirty="0" err="1" smtClean="0"/>
+              <a:t>Prehensions</a:t>
+            </a:r>
+            <a:endParaRPr lang="en-US" dirty="0"/>
+          </a:p>
+        </p:txBody>
+      </p:sp>
+      <p:sp>
+        <p:nvSpPr>
+          <p:cNvPr id="3" name="Content Placeholder 2"/>
+          <p:cNvSpPr>
+            <a:spLocks noGrp="1"/>
+          </p:cNvSpPr>
+          <p:nvPr>
+            <p:ph sz="half" idx="1"/>
+          </p:nvPr>
+        </p:nvSpPr>
+        <p:spPr>
+          <a:xfrm>
+            <a:off x="381000" y="1676400"/>
+            <a:ext cx="4114800" cy="3465564"/>
+          </a:xfrm>
+        </p:spPr>
+        <p:txBody>
+          <a:bodyPr/>
+          <a:lstStyle/>
+          <a:p>
+            <a:pPr marL="339976" lvl="3" indent="-339976">
+              <a:buBlip>
+                <a:blip r:embed="rId2"/>
+              </a:buBlip>
+            </a:pPr>
+            <a:r>
+              <a:rPr lang="en-US" sz="2400" b="1" i="1" dirty="0"/>
+              <a:t>A null </a:t>
+            </a:r>
+            <a:r>
+              <a:rPr lang="en-US" sz="2400" b="1" i="1" dirty="0" err="1"/>
+              <a:t>prehension</a:t>
+            </a:r>
+            <a:r>
+              <a:rPr lang="en-US" sz="2400" b="1" i="1" dirty="0"/>
+              <a:t> could arise, e.g., from the environment when an agent has no neighbors. It could arise internally when an agent has “no opinion” on the relevant parameters, e.g., a color-blind agent in our fashion model.</a:t>
+            </a:r>
+          </a:p>
+          <a:p>
+            <a:endParaRPr lang="en-US" dirty="0"/>
+          </a:p>
+        </p:txBody>
+      </p:sp>
+      <p:sp>
+        <p:nvSpPr>
+          <p:cNvPr id="4" name="Content Placeholder 3"/>
+          <p:cNvSpPr>
+            <a:spLocks noGrp="1"/>
+          </p:cNvSpPr>
+          <p:nvPr>
+            <p:ph sz="half" idx="2"/>
+          </p:nvPr>
+        </p:nvSpPr>
+        <p:spPr/>
+        <p:txBody>
+          <a:bodyPr/>
+          <a:lstStyle/>
+          <a:p>
+            <a:endParaRPr lang="en-US"/>
+          </a:p>
+        </p:txBody>
+      </p:sp>
+    </p:spTree>
+    <p:extLst>
+      <p:ext uri="{BB962C8B-B14F-4D97-AF65-F5344CB8AC3E}">
+        <p14:creationId xmlns:p14="http://schemas.microsoft.com/office/powerpoint/2010/main" val="162533324"/>
+      </p:ext>
+    </p:extLst>
+  </p:cSld>
+  <p:clrMapOvr>
+    <a:masterClrMapping/>
+  </p:clrMapOvr>
+  <p:transition>
+    <p:fade/>
+  </p:transition>
+</p:sld>
+</file>
+
+<file path=ppt/slides/slide21.xml><?xml version="1.0" encoding="utf-8"?>
+<p:sld xmlns:a="http://schemas.openxmlformats.org/drawingml/2006/main" xmlns:r="http://schemas.openxmlformats.org/officeDocument/2006/relationships" xmlns:p="http://schemas.openxmlformats.org/presentationml/2006/main">
+  <p:cSld>
+    <p:spTree>
+      <p:nvGrpSpPr>
+        <p:cNvPr id="1" name=""/>
+        <p:cNvGrpSpPr/>
+        <p:nvPr/>
+      </p:nvGrpSpPr>
+      <p:grpSpPr>
+        <a:xfrm>
+          <a:off x="0" y="0"/>
+          <a:ext cx="0" cy="0"/>
+          <a:chOff x="0" y="0"/>
+          <a:chExt cx="0" cy="0"/>
+        </a:xfrm>
+      </p:grpSpPr>
+      <p:sp>
+        <p:nvSpPr>
+          <p:cNvPr id="2" name="Title 1"/>
+          <p:cNvSpPr>
+            <a:spLocks noGrp="1"/>
+          </p:cNvSpPr>
+          <p:nvPr>
+            <p:ph type="title"/>
+          </p:nvPr>
+        </p:nvSpPr>
+        <p:spPr>
+          <a:xfrm>
+            <a:off x="381000" y="230188"/>
+            <a:ext cx="8382000" cy="664797"/>
+          </a:xfrm>
+        </p:spPr>
+        <p:txBody>
+          <a:bodyPr/>
+          <a:lstStyle/>
+          <a:p>
+            <a:r>
+              <a:rPr lang="en-US" dirty="0" err="1" smtClean="0"/>
+              <a:t>Invertibility</a:t>
+            </a:r>
+            <a:endParaRPr lang="en-US" dirty="0"/>
+          </a:p>
+        </p:txBody>
+      </p:sp>
+      <p:sp>
+        <p:nvSpPr>
+          <p:cNvPr id="3" name="Content Placeholder 2"/>
+          <p:cNvSpPr>
+            <a:spLocks noGrp="1"/>
+          </p:cNvSpPr>
+          <p:nvPr>
+            <p:ph sz="half" idx="1"/>
+          </p:nvPr>
+        </p:nvSpPr>
+        <p:spPr>
+          <a:xfrm>
+            <a:off x="381000" y="1676400"/>
+            <a:ext cx="4114800" cy="4462760"/>
+          </a:xfrm>
+        </p:spPr>
+        <p:txBody>
+          <a:bodyPr/>
+          <a:lstStyle/>
+          <a:p>
+            <a:pPr marL="339976" lvl="3" indent="-339976">
+              <a:buBlip>
+                <a:blip r:embed="rId2"/>
+              </a:buBlip>
+            </a:pPr>
+            <a:r>
+              <a:rPr lang="en-US" sz="2400" b="1" i="1" dirty="0" err="1"/>
+              <a:t>Invertibility</a:t>
+            </a:r>
+            <a:r>
+              <a:rPr lang="en-US" sz="2400" b="1" i="1" dirty="0"/>
+              <a:t> may occur, for instance, when an agent has some internal tendency(a self-</a:t>
+            </a:r>
+            <a:r>
+              <a:rPr lang="en-US" sz="2400" b="1" i="1" dirty="0" err="1"/>
+              <a:t>prehension</a:t>
+            </a:r>
+            <a:r>
+              <a:rPr lang="en-US" sz="2400" b="1" i="1" dirty="0"/>
+              <a:t>) to act in some way (e.g., to move to a new neighborhood or switch fashions) but some </a:t>
+            </a:r>
+            <a:r>
+              <a:rPr lang="en-US" sz="2400" b="1" i="1" dirty="0" err="1"/>
+              <a:t>prehension</a:t>
+            </a:r>
+            <a:r>
+              <a:rPr lang="en-US" sz="2400" b="1" i="1" dirty="0"/>
+              <a:t> in the environment exactly offsets that tendency (e.g., </a:t>
+            </a:r>
+            <a:r>
+              <a:rPr lang="en-US" sz="2400" b="1" i="1" dirty="0" smtClean="0"/>
+              <a:t>the </a:t>
+            </a:r>
+            <a:r>
+              <a:rPr lang="en-US" sz="2400" b="1" i="1" dirty="0"/>
+              <a:t>“authorities” establish come penalty for so acting).</a:t>
+            </a:r>
+          </a:p>
+          <a:p>
+            <a:endParaRPr lang="en-US" dirty="0"/>
+          </a:p>
+        </p:txBody>
+      </p:sp>
+      <p:sp>
+        <p:nvSpPr>
+          <p:cNvPr id="4" name="Content Placeholder 3"/>
+          <p:cNvSpPr>
+            <a:spLocks noGrp="1"/>
+          </p:cNvSpPr>
+          <p:nvPr>
+            <p:ph sz="half" idx="2"/>
+          </p:nvPr>
+        </p:nvSpPr>
+        <p:spPr/>
+        <p:txBody>
+          <a:bodyPr/>
+          <a:lstStyle/>
+          <a:p>
+            <a:endParaRPr lang="en-US"/>
+          </a:p>
+        </p:txBody>
+      </p:sp>
+    </p:spTree>
+    <p:extLst>
+      <p:ext uri="{BB962C8B-B14F-4D97-AF65-F5344CB8AC3E}">
+        <p14:creationId xmlns:p14="http://schemas.microsoft.com/office/powerpoint/2010/main" val="1392535184"/>
+      </p:ext>
+    </p:extLst>
+  </p:cSld>
+  <p:clrMapOvr>
+    <a:masterClrMapping/>
+  </p:clrMapOvr>
+  <p:transition>
+    <p:fade/>
+  </p:transition>
+</p:sld>
+</file>
+
+<file path=ppt/slides/slide22.xml><?xml version="1.0" encoding="utf-8"?>
+<p:sld xmlns:a="http://schemas.openxmlformats.org/drawingml/2006/main" xmlns:r="http://schemas.openxmlformats.org/officeDocument/2006/relationships" xmlns:p="http://schemas.openxmlformats.org/presentationml/2006/main">
+  <p:cSld>
+    <p:spTree>
+      <p:nvGrpSpPr>
+        <p:cNvPr id="1" name=""/>
+        <p:cNvGrpSpPr/>
+        <p:nvPr/>
+      </p:nvGrpSpPr>
+      <p:grpSpPr>
+        <a:xfrm>
+          <a:off x="0" y="0"/>
+          <a:ext cx="0" cy="0"/>
+          <a:chOff x="0" y="0"/>
+          <a:chExt cx="0" cy="0"/>
+        </a:xfrm>
+      </p:grpSpPr>
+      <p:sp>
+        <p:nvSpPr>
+          <p:cNvPr id="2" name="Title 1"/>
+          <p:cNvSpPr>
+            <a:spLocks noGrp="1"/>
+          </p:cNvSpPr>
+          <p:nvPr>
+            <p:ph type="title"/>
+          </p:nvPr>
+        </p:nvSpPr>
+        <p:spPr>
+          <a:xfrm>
+            <a:off x="381000" y="230188"/>
+            <a:ext cx="8382000" cy="664797"/>
+          </a:xfrm>
+        </p:spPr>
+        <p:txBody>
+          <a:bodyPr/>
+          <a:lstStyle/>
+          <a:p>
+            <a:r>
+              <a:rPr lang="en-US" dirty="0" smtClean="0"/>
+              <a:t>Intensification</a:t>
+            </a:r>
+            <a:endParaRPr lang="en-US" dirty="0"/>
+          </a:p>
+        </p:txBody>
+      </p:sp>
+      <p:sp>
+        <p:nvSpPr>
+          <p:cNvPr id="3" name="Content Placeholder 2"/>
+          <p:cNvSpPr>
+            <a:spLocks noGrp="1"/>
+          </p:cNvSpPr>
+          <p:nvPr>
+            <p:ph sz="half" idx="1"/>
+          </p:nvPr>
+        </p:nvSpPr>
+        <p:spPr>
+          <a:xfrm>
+            <a:off x="381000" y="1676400"/>
+            <a:ext cx="4114800" cy="4462760"/>
+          </a:xfrm>
+        </p:spPr>
+        <p:txBody>
+          <a:bodyPr/>
+          <a:lstStyle/>
+          <a:p>
+            <a:pPr marL="339976" lvl="3" indent="-339976">
+              <a:buBlip>
+                <a:blip r:embed="rId2"/>
+              </a:buBlip>
+            </a:pPr>
+            <a:r>
+              <a:rPr lang="en-US" sz="2400" b="1" i="1" dirty="0"/>
+              <a:t>An intensification of a </a:t>
+            </a:r>
+            <a:r>
+              <a:rPr lang="en-US" sz="2400" b="1" i="1" dirty="0" err="1"/>
+              <a:t>prehension</a:t>
+            </a:r>
+            <a:r>
+              <a:rPr lang="en-US" sz="2400" b="1" i="1" dirty="0"/>
+              <a:t> leaves the elements of the </a:t>
+            </a:r>
+            <a:r>
+              <a:rPr lang="en-US" sz="2400" b="1" i="1" dirty="0" err="1"/>
+              <a:t>prehension</a:t>
+            </a:r>
+            <a:r>
+              <a:rPr lang="en-US" sz="2400" b="1" i="1" dirty="0"/>
+              <a:t> in the same internal relationship, but they are scaled up or down relative to other </a:t>
+            </a:r>
+            <a:r>
+              <a:rPr lang="en-US" sz="2400" b="1" i="1" dirty="0" err="1"/>
+              <a:t>prehensions</a:t>
+            </a:r>
+            <a:r>
+              <a:rPr lang="en-US" sz="2400" b="1" i="1" dirty="0"/>
+              <a:t>. This is useful for capturing situations like the gradual dissipation of an attitude, or increasing fanaticism over time.</a:t>
+            </a:r>
+          </a:p>
+          <a:p>
+            <a:endParaRPr lang="en-US" dirty="0"/>
+          </a:p>
+        </p:txBody>
+      </p:sp>
+      <p:sp>
+        <p:nvSpPr>
+          <p:cNvPr id="4" name="Content Placeholder 3"/>
+          <p:cNvSpPr>
+            <a:spLocks noGrp="1"/>
+          </p:cNvSpPr>
+          <p:nvPr>
+            <p:ph sz="half" idx="2"/>
+          </p:nvPr>
+        </p:nvSpPr>
+        <p:spPr/>
+        <p:txBody>
+          <a:bodyPr/>
+          <a:lstStyle/>
+          <a:p>
+            <a:endParaRPr lang="en-US"/>
+          </a:p>
+        </p:txBody>
+      </p:sp>
+    </p:spTree>
+    <p:extLst>
+      <p:ext uri="{BB962C8B-B14F-4D97-AF65-F5344CB8AC3E}">
+        <p14:creationId xmlns:p14="http://schemas.microsoft.com/office/powerpoint/2010/main" val="803674020"/>
+      </p:ext>
+    </p:extLst>
+  </p:cSld>
+  <p:clrMapOvr>
+    <a:masterClrMapping/>
+  </p:clrMapOvr>
+  <p:transition>
+    <p:fade/>
+  </p:transition>
+</p:sld>
+</file>
+
+<file path=ppt/slides/slide23.xml><?xml version="1.0" encoding="utf-8"?>
+<p:sld xmlns:a="http://schemas.openxmlformats.org/drawingml/2006/main" xmlns:r="http://schemas.openxmlformats.org/officeDocument/2006/relationships" xmlns:p="http://schemas.openxmlformats.org/presentationml/2006/main">
+  <p:cSld>
+    <p:spTree>
+      <p:nvGrpSpPr>
+        <p:cNvPr id="1" name=""/>
+        <p:cNvGrpSpPr/>
+        <p:nvPr/>
+      </p:nvGrpSpPr>
+      <p:grpSpPr>
+        <a:xfrm>
+          <a:off x="0" y="0"/>
+          <a:ext cx="0" cy="0"/>
+          <a:chOff x="0" y="0"/>
+          <a:chExt cx="0" cy="0"/>
+        </a:xfrm>
+      </p:grpSpPr>
+      <p:sp>
+        <p:nvSpPr>
+          <p:cNvPr id="2" name="Title 1"/>
+          <p:cNvSpPr>
+            <a:spLocks noGrp="1"/>
+          </p:cNvSpPr>
+          <p:nvPr>
+            <p:ph type="title"/>
+          </p:nvPr>
+        </p:nvSpPr>
+        <p:spPr>
+          <a:xfrm>
+            <a:off x="381000" y="230188"/>
+            <a:ext cx="8382000" cy="664797"/>
+          </a:xfrm>
+        </p:spPr>
+        <p:txBody>
+          <a:bodyPr/>
+          <a:lstStyle/>
+          <a:p>
+            <a:r>
+              <a:rPr lang="en-US" dirty="0" smtClean="0"/>
+              <a:t>What’s the Point?</a:t>
+            </a:r>
+            <a:endParaRPr lang="en-US" dirty="0"/>
+          </a:p>
+        </p:txBody>
+      </p:sp>
+      <p:sp>
+        <p:nvSpPr>
+          <p:cNvPr id="3" name="Content Placeholder 2"/>
+          <p:cNvSpPr>
+            <a:spLocks noGrp="1"/>
+          </p:cNvSpPr>
+          <p:nvPr>
+            <p:ph sz="half" idx="1"/>
+          </p:nvPr>
+        </p:nvSpPr>
+        <p:spPr>
+          <a:xfrm>
+            <a:off x="381000" y="1676400"/>
+            <a:ext cx="4114800" cy="2400657"/>
+          </a:xfrm>
+        </p:spPr>
+        <p:txBody>
+          <a:bodyPr/>
+          <a:lstStyle/>
+          <a:p>
+            <a:pPr marL="339976" lvl="2" indent="-339976">
+              <a:buBlip>
+                <a:blip r:embed="rId2"/>
+              </a:buBlip>
+            </a:pPr>
+            <a:r>
+              <a:rPr lang="en-US" sz="2400" b="1" dirty="0"/>
+              <a:t>We achieve a uniform template for all models as far as how agents interact with their environment. Programming new models then becomes much easier.</a:t>
+            </a:r>
+          </a:p>
+          <a:p>
+            <a:pPr marL="0" indent="0">
+              <a:buNone/>
+            </a:pPr>
+            <a:endParaRPr lang="en-US" sz="2400" dirty="0"/>
+          </a:p>
+        </p:txBody>
+      </p:sp>
+      <p:sp>
+        <p:nvSpPr>
+          <p:cNvPr id="4" name="Content Placeholder 3"/>
+          <p:cNvSpPr>
+            <a:spLocks noGrp="1"/>
+          </p:cNvSpPr>
+          <p:nvPr>
+            <p:ph sz="half" idx="2"/>
+          </p:nvPr>
+        </p:nvSpPr>
+        <p:spPr/>
+        <p:txBody>
+          <a:bodyPr/>
+          <a:lstStyle/>
+          <a:p>
+            <a:endParaRPr lang="en-US"/>
+          </a:p>
+        </p:txBody>
+      </p:sp>
+    </p:spTree>
+    <p:extLst>
+      <p:ext uri="{BB962C8B-B14F-4D97-AF65-F5344CB8AC3E}">
+        <p14:creationId xmlns:p14="http://schemas.microsoft.com/office/powerpoint/2010/main" val="1217424829"/>
+      </p:ext>
+    </p:extLst>
+  </p:cSld>
+  <p:clrMapOvr>
+    <a:masterClrMapping/>
+  </p:clrMapOvr>
+  <p:transition>
+    <p:fade/>
+  </p:transition>
+</p:sld>
+</file>
+
+<file path=ppt/slides/slide24.xml><?xml version="1.0" encoding="utf-8"?>
+<p:sld xmlns:a="http://schemas.openxmlformats.org/drawingml/2006/main" xmlns:r="http://schemas.openxmlformats.org/officeDocument/2006/relationships" xmlns:p="http://schemas.openxmlformats.org/presentationml/2006/main">
+  <p:cSld>
+    <p:spTree>
+      <p:nvGrpSpPr>
+        <p:cNvPr id="1" name=""/>
+        <p:cNvGrpSpPr/>
+        <p:nvPr/>
+      </p:nvGrpSpPr>
+      <p:grpSpPr>
+        <a:xfrm>
+          <a:off x="0" y="0"/>
+          <a:ext cx="0" cy="0"/>
+          <a:chOff x="0" y="0"/>
+          <a:chExt cx="0" cy="0"/>
+        </a:xfrm>
+      </p:grpSpPr>
+      <p:sp>
+        <p:nvSpPr>
+          <p:cNvPr id="2" name="Title 1"/>
+          <p:cNvSpPr>
+            <a:spLocks noGrp="1"/>
+          </p:cNvSpPr>
+          <p:nvPr>
+            <p:ph type="title"/>
+          </p:nvPr>
+        </p:nvSpPr>
+        <p:spPr>
+          <a:xfrm>
+            <a:off x="381000" y="230188"/>
+            <a:ext cx="8382000" cy="664797"/>
+          </a:xfrm>
+        </p:spPr>
+        <p:txBody>
+          <a:bodyPr/>
+          <a:lstStyle/>
+          <a:p>
+            <a:r>
+              <a:rPr lang="en-US" dirty="0"/>
+              <a:t>What’s the Point?</a:t>
+            </a:r>
+          </a:p>
+        </p:txBody>
+      </p:sp>
+      <p:sp>
+        <p:nvSpPr>
+          <p:cNvPr id="3" name="Content Placeholder 2"/>
+          <p:cNvSpPr>
+            <a:spLocks noGrp="1"/>
+          </p:cNvSpPr>
+          <p:nvPr>
+            <p:ph sz="half" idx="1"/>
+          </p:nvPr>
+        </p:nvSpPr>
+        <p:spPr>
+          <a:xfrm>
+            <a:off x="381000" y="1676400"/>
+            <a:ext cx="4114800" cy="1803571"/>
+          </a:xfrm>
+        </p:spPr>
+        <p:txBody>
+          <a:bodyPr/>
+          <a:lstStyle/>
+          <a:p>
+            <a:pPr marL="339976" lvl="2" indent="-339976">
+              <a:buBlip>
+                <a:blip r:embed="rId2"/>
+              </a:buBlip>
+            </a:pPr>
+            <a:r>
+              <a:rPr lang="en-US" sz="2400" b="1" dirty="0"/>
+              <a:t>We will have taken a huge step towards enabling “fill-in-the-template” style programming of ABMs.</a:t>
+            </a:r>
+          </a:p>
+          <a:p>
+            <a:pPr marL="0" indent="0">
+              <a:buNone/>
+            </a:pPr>
+            <a:endParaRPr lang="en-US" dirty="0"/>
+          </a:p>
+        </p:txBody>
+      </p:sp>
+      <p:sp>
+        <p:nvSpPr>
+          <p:cNvPr id="4" name="Content Placeholder 3"/>
+          <p:cNvSpPr>
+            <a:spLocks noGrp="1"/>
+          </p:cNvSpPr>
+          <p:nvPr>
+            <p:ph sz="half" idx="2"/>
+          </p:nvPr>
+        </p:nvSpPr>
+        <p:spPr/>
+        <p:txBody>
+          <a:bodyPr/>
+          <a:lstStyle/>
+          <a:p>
+            <a:endParaRPr lang="en-US"/>
+          </a:p>
+        </p:txBody>
+      </p:sp>
+    </p:spTree>
+    <p:extLst>
+      <p:ext uri="{BB962C8B-B14F-4D97-AF65-F5344CB8AC3E}">
+        <p14:creationId xmlns:p14="http://schemas.microsoft.com/office/powerpoint/2010/main" val="2110678333"/>
+      </p:ext>
+    </p:extLst>
+  </p:cSld>
+  <p:clrMapOvr>
+    <a:masterClrMapping/>
+  </p:clrMapOvr>
+  <p:transition>
+    <p:fade/>
+  </p:transition>
+</p:sld>
+</file>
+
+<file path=ppt/slides/slide25.xml><?xml version="1.0" encoding="utf-8"?>
+<p:sld xmlns:a="http://schemas.openxmlformats.org/drawingml/2006/main" xmlns:r="http://schemas.openxmlformats.org/officeDocument/2006/relationships" xmlns:p="http://schemas.openxmlformats.org/presentationml/2006/main">
+  <p:cSld>
+    <p:spTree>
+      <p:nvGrpSpPr>
+        <p:cNvPr id="1" name=""/>
+        <p:cNvGrpSpPr/>
+        <p:nvPr/>
+      </p:nvGrpSpPr>
+      <p:grpSpPr>
+        <a:xfrm>
+          <a:off x="0" y="0"/>
+          <a:ext cx="0" cy="0"/>
+          <a:chOff x="0" y="0"/>
+          <a:chExt cx="0" cy="0"/>
+        </a:xfrm>
+      </p:grpSpPr>
+      <p:sp>
+        <p:nvSpPr>
+          <p:cNvPr id="2" name="Title 1"/>
+          <p:cNvSpPr>
+            <a:spLocks noGrp="1"/>
+          </p:cNvSpPr>
+          <p:nvPr>
+            <p:ph type="title"/>
+          </p:nvPr>
+        </p:nvSpPr>
+        <p:spPr>
+          <a:xfrm>
+            <a:off x="381000" y="230188"/>
+            <a:ext cx="8382000" cy="664797"/>
+          </a:xfrm>
+        </p:spPr>
+        <p:txBody>
+          <a:bodyPr/>
+          <a:lstStyle/>
+          <a:p>
+            <a:r>
+              <a:rPr lang="en-US" dirty="0"/>
+              <a:t>What’s the Point?</a:t>
+            </a:r>
+          </a:p>
+        </p:txBody>
+      </p:sp>
+      <p:sp>
+        <p:nvSpPr>
+          <p:cNvPr id="3" name="Content Placeholder 2"/>
+          <p:cNvSpPr>
+            <a:spLocks noGrp="1"/>
+          </p:cNvSpPr>
+          <p:nvPr>
+            <p:ph sz="half" idx="1"/>
+          </p:nvPr>
+        </p:nvSpPr>
+        <p:spPr>
+          <a:xfrm>
+            <a:off x="381000" y="1676400"/>
+            <a:ext cx="4114800" cy="1329595"/>
+          </a:xfrm>
+        </p:spPr>
+        <p:txBody>
+          <a:bodyPr/>
+          <a:lstStyle/>
+          <a:p>
+            <a:pPr marL="339976" lvl="2" indent="-339976">
+              <a:buBlip>
+                <a:blip r:embed="rId2"/>
+              </a:buBlip>
+            </a:pPr>
+            <a:r>
+              <a:rPr lang="en-US" sz="2400" b="1" dirty="0"/>
+              <a:t>We open up the possibility of using known properties of modules to identify properties of our ABM</a:t>
+            </a:r>
+            <a:r>
+              <a:rPr lang="en-US" sz="2400" b="1" dirty="0" smtClean="0"/>
+              <a:t>.</a:t>
+            </a:r>
+            <a:endParaRPr lang="en-US" sz="2400" b="1" dirty="0"/>
+          </a:p>
+        </p:txBody>
+      </p:sp>
+      <p:sp>
+        <p:nvSpPr>
+          <p:cNvPr id="4" name="Content Placeholder 3"/>
+          <p:cNvSpPr>
+            <a:spLocks noGrp="1"/>
+          </p:cNvSpPr>
+          <p:nvPr>
+            <p:ph sz="half" idx="2"/>
+          </p:nvPr>
+        </p:nvSpPr>
+        <p:spPr/>
+        <p:txBody>
+          <a:bodyPr/>
+          <a:lstStyle/>
+          <a:p>
+            <a:endParaRPr lang="en-US"/>
+          </a:p>
+        </p:txBody>
+      </p:sp>
+    </p:spTree>
+    <p:extLst>
+      <p:ext uri="{BB962C8B-B14F-4D97-AF65-F5344CB8AC3E}">
+        <p14:creationId xmlns:p14="http://schemas.microsoft.com/office/powerpoint/2010/main" val="1327860845"/>
+      </p:ext>
+    </p:extLst>
+  </p:cSld>
+  <p:clrMapOvr>
+    <a:masterClrMapping/>
+  </p:clrMapOvr>
+  <p:transition>
+    <p:fade/>
+  </p:transition>
+</p:sld>
+</file>
+
+<file path=ppt/slides/slide26.xml><?xml version="1.0" encoding="utf-8"?>
+<p:sld xmlns:a="http://schemas.openxmlformats.org/drawingml/2006/main" xmlns:r="http://schemas.openxmlformats.org/officeDocument/2006/relationships" xmlns:p="http://schemas.openxmlformats.org/presentationml/2006/main">
+  <p:cSld>
+    <p:spTree>
+      <p:nvGrpSpPr>
+        <p:cNvPr id="1" name=""/>
+        <p:cNvGrpSpPr/>
+        <p:nvPr/>
+      </p:nvGrpSpPr>
+      <p:grpSpPr>
+        <a:xfrm>
+          <a:off x="0" y="0"/>
+          <a:ext cx="0" cy="0"/>
+          <a:chOff x="0" y="0"/>
+          <a:chExt cx="0" cy="0"/>
+        </a:xfrm>
+      </p:grpSpPr>
+      <p:sp>
+        <p:nvSpPr>
+          <p:cNvPr id="2" name="Title 1"/>
+          <p:cNvSpPr>
+            <a:spLocks noGrp="1"/>
+          </p:cNvSpPr>
+          <p:nvPr>
+            <p:ph type="title"/>
+          </p:nvPr>
+        </p:nvSpPr>
+        <p:spPr>
+          <a:xfrm>
+            <a:off x="381000" y="230188"/>
+            <a:ext cx="8153400" cy="677108"/>
+          </a:xfrm>
+        </p:spPr>
+        <p:txBody>
+          <a:bodyPr/>
+          <a:lstStyle/>
+          <a:p>
+            <a:r>
+              <a:rPr lang="en-US" dirty="0" smtClean="0"/>
+              <a:t>Final note</a:t>
+            </a:r>
+            <a:endParaRPr lang="en-US" dirty="0"/>
+          </a:p>
+        </p:txBody>
+      </p:sp>
+      <p:sp>
+        <p:nvSpPr>
+          <p:cNvPr id="3" name="Text Placeholder 2"/>
+          <p:cNvSpPr>
+            <a:spLocks noGrp="1"/>
+          </p:cNvSpPr>
+          <p:nvPr>
+            <p:ph type="body" sz="quarter" idx="10"/>
+          </p:nvPr>
+        </p:nvSpPr>
+        <p:spPr>
+          <a:xfrm>
+            <a:off x="381000" y="1371600"/>
+            <a:ext cx="8382000" cy="886397"/>
+          </a:xfrm>
+        </p:spPr>
+        <p:txBody>
+          <a:bodyPr/>
+          <a:lstStyle/>
+          <a:p>
+            <a:r>
+              <a:rPr lang="en-US" dirty="0" smtClean="0"/>
+              <a:t>Contributors welcome! The project is on </a:t>
+            </a:r>
+            <a:r>
+              <a:rPr lang="en-US" dirty="0" err="1" smtClean="0"/>
+              <a:t>GitHub</a:t>
+            </a:r>
+            <a:r>
+              <a:rPr lang="en-US" dirty="0"/>
+              <a:t>: https://</a:t>
+            </a:r>
+            <a:r>
+              <a:rPr lang="en-US" dirty="0" err="1"/>
+              <a:t>github.com</a:t>
+            </a:r>
+            <a:r>
+              <a:rPr lang="en-US" dirty="0"/>
+              <a:t>/</a:t>
+            </a:r>
+            <a:r>
+              <a:rPr lang="en-US" dirty="0" err="1"/>
+              <a:t>gcallah</a:t>
+            </a:r>
+            <a:r>
+              <a:rPr lang="en-US" dirty="0"/>
+              <a:t>/</a:t>
+            </a:r>
+            <a:r>
+              <a:rPr lang="en-US" dirty="0" err="1"/>
+              <a:t>Indra</a:t>
+            </a:r>
+            <a:endParaRPr lang="en-US" dirty="0" smtClean="0"/>
+          </a:p>
+        </p:txBody>
+      </p:sp>
+    </p:spTree>
+    <p:extLst>
+      <p:ext uri="{BB962C8B-B14F-4D97-AF65-F5344CB8AC3E}">
+        <p14:creationId xmlns:p14="http://schemas.microsoft.com/office/powerpoint/2010/main" val="3965056846"/>
+      </p:ext>
+    </p:extLst>
+  </p:cSld>
+  <p:clrMapOvr>
+    <a:masterClrMapping/>
+  </p:clrMapOvr>
+  <p:transition>
+    <p:fade/>
+  </p:transition>
+  <p:timing>
+    <p:tnLst>
+      <p:par>
+        <p:cTn id="1" dur="indefinite" restart="never" nodeType="tmRoot"/>
+      </p:par>
+    </p:tnLst>
+  </p:timing>
+</p:sld>
+</file>
+
+<file path=ppt/slides/slide27.xml><?xml version="1.0" encoding="utf-8"?>
+<p:sld xmlns:a="http://schemas.openxmlformats.org/drawingml/2006/main" xmlns:r="http://schemas.openxmlformats.org/officeDocument/2006/relationships" xmlns:p="http://schemas.openxmlformats.org/presentationml/2006/main">
+  <p:cSld>
+    <p:spTree>
+      <p:nvGrpSpPr>
+        <p:cNvPr id="1" name=""/>
+        <p:cNvGrpSpPr/>
+        <p:nvPr/>
+      </p:nvGrpSpPr>
+      <p:grpSpPr>
+        <a:xfrm>
+          <a:off x="0" y="0"/>
+          <a:ext cx="0" cy="0"/>
+          <a:chOff x="0" y="0"/>
+          <a:chExt cx="0" cy="0"/>
+        </a:xfrm>
+      </p:grpSpPr>
+      <p:sp>
+        <p:nvSpPr>
+          <p:cNvPr id="2" name="Title 1"/>
+          <p:cNvSpPr>
+            <a:spLocks noGrp="1"/>
+          </p:cNvSpPr>
+          <p:nvPr>
+            <p:ph type="title"/>
+          </p:nvPr>
+        </p:nvSpPr>
+        <p:spPr>
+          <a:xfrm>
             <a:off x="381000" y="230189"/>
             <a:ext cx="8382000" cy="836612"/>
           </a:xfrm>
@@ -24809,7 +31421,7 @@
         </p:spPr>
         <p:txBody>
           <a:bodyPr>
-            <a:normAutofit fontScale="92500" lnSpcReduction="20000"/>
+            <a:normAutofit fontScale="92500" lnSpcReduction="10000"/>
           </a:bodyPr>
           <a:lstStyle/>
           <a:p>
@@ -24817,73 +31429,73 @@
           </a:p>
           <a:p>
             <a:r>
-              <a:rPr lang="en-US" dirty="0"/>
+              <a:rPr lang="en-US" sz="3000" dirty="0"/>
               <a:t>"Knot with </a:t>
             </a:r>
             <a:r>
-              <a:rPr lang="en-US" dirty="0" err="1"/>
+              <a:rPr lang="en-US" sz="3000" dirty="0" err="1"/>
               <a:t>borromean</a:t>
             </a:r>
             <a:r>
-              <a:rPr lang="en-US" dirty="0"/>
+              <a:rPr lang="en-US" sz="3000" dirty="0"/>
               <a:t> rings in </a:t>
             </a:r>
             <a:r>
-              <a:rPr lang="en-US" dirty="0" err="1"/>
+              <a:rPr lang="en-US" sz="3000" dirty="0" err="1"/>
               <a:t>jsj</a:t>
             </a:r>
             <a:r>
-              <a:rPr lang="en-US" dirty="0"/>
+              <a:rPr lang="en-US" sz="3000" dirty="0"/>
               <a:t> </a:t>
             </a:r>
             <a:r>
-              <a:rPr lang="en-US" dirty="0" err="1"/>
+              <a:rPr lang="en-US" sz="3000" dirty="0" err="1"/>
               <a:t>decomp</a:t>
             </a:r>
             <a:r>
-              <a:rPr lang="en-US" dirty="0"/>
+              <a:rPr lang="en-US" sz="3000" dirty="0"/>
               <a:t> small". Licensed under CC BY-SA 3.0 via Wikipedia - </a:t>
             </a:r>
             <a:r>
-              <a:rPr lang="en-US" dirty="0">
+              <a:rPr lang="en-US" sz="3000" dirty="0">
                 <a:hlinkClick r:id="rId3"/>
               </a:rPr>
               <a:t>https://en.wikipedia.org/wiki/File:Knot_with_borromean_rings_in_jsj_decomp_small.png#/media/</a:t>
             </a:r>
             <a:r>
-              <a:rPr lang="en-US" dirty="0" smtClean="0">
+              <a:rPr lang="en-US" sz="3000" dirty="0" smtClean="0">
                 <a:hlinkClick r:id="rId3"/>
               </a:rPr>
               <a:t>File:Knot_with_borromean_rings_in_jsj_decomp_small.png</a:t>
             </a:r>
-            <a:endParaRPr lang="en-US" dirty="0" smtClean="0"/>
+            <a:endParaRPr lang="en-US" sz="3000" dirty="0" smtClean="0"/>
           </a:p>
           <a:p>
             <a:r>
-              <a:rPr lang="en-US" dirty="0"/>
+              <a:rPr lang="en-US" sz="3000" dirty="0"/>
               <a:t>"Stonehenge on 27.01.08" by </a:t>
             </a:r>
             <a:r>
-              <a:rPr lang="en-US" dirty="0" err="1"/>
+              <a:rPr lang="en-US" sz="3000" dirty="0" err="1"/>
               <a:t>Mavratti</a:t>
             </a:r>
             <a:r>
-              <a:rPr lang="en-US" dirty="0"/>
+              <a:rPr lang="en-US" sz="3000" dirty="0"/>
               <a:t> - Own work. Licensed under Public Domain via Wikimedia Commons - https://</a:t>
             </a:r>
             <a:r>
-              <a:rPr lang="en-US" dirty="0" err="1"/>
+              <a:rPr lang="en-US" sz="3000" dirty="0" err="1"/>
               <a:t>commons.wikimedia.org</a:t>
             </a:r>
             <a:r>
-              <a:rPr lang="en-US" dirty="0"/>
+              <a:rPr lang="en-US" sz="3000" dirty="0"/>
               <a:t>/wiki/File:Stonehenge_on_27.01.08.jpg#/media/File:Stonehenge_on_27.01.08.jpg</a:t>
             </a:r>
-            <a:endParaRPr lang="en-US" dirty="0" smtClean="0"/>
+            <a:endParaRPr lang="en-US" sz="3000" dirty="0" smtClean="0"/>
           </a:p>
           <a:p>
             <a:r>
-              <a:rPr lang="en-US" dirty="0" smtClean="0"/>
+              <a:rPr lang="en-US" sz="3000" dirty="0" smtClean="0"/>
               <a:t>The Mesa team at George Mason has contributed code to this project.</a:t>
             </a:r>
           </a:p>
@@ -24912,6 +31524,118 @@
       </p:par>
     </p:tnLst>
   </p:timing>
+</p:sld>
+</file>
+
+<file path=ppt/slides/slide28.xml><?xml version="1.0" encoding="utf-8"?>
+<p:sld xmlns:a="http://schemas.openxmlformats.org/drawingml/2006/main" xmlns:r="http://schemas.openxmlformats.org/officeDocument/2006/relationships" xmlns:p="http://schemas.openxmlformats.org/presentationml/2006/main">
+  <p:cSld>
+    <p:spTree>
+      <p:nvGrpSpPr>
+        <p:cNvPr id="1" name=""/>
+        <p:cNvGrpSpPr/>
+        <p:nvPr/>
+      </p:nvGrpSpPr>
+      <p:grpSpPr>
+        <a:xfrm>
+          <a:off x="0" y="0"/>
+          <a:ext cx="0" cy="0"/>
+          <a:chOff x="0" y="0"/>
+          <a:chExt cx="0" cy="0"/>
+        </a:xfrm>
+      </p:grpSpPr>
+      <p:sp>
+        <p:nvSpPr>
+          <p:cNvPr id="2" name="Title 1"/>
+          <p:cNvSpPr>
+            <a:spLocks noGrp="1"/>
+          </p:cNvSpPr>
+          <p:nvPr>
+            <p:ph type="title"/>
+          </p:nvPr>
+        </p:nvSpPr>
+        <p:spPr>
+          <a:xfrm>
+            <a:off x="381000" y="230188"/>
+            <a:ext cx="8382000" cy="664797"/>
+          </a:xfrm>
+        </p:spPr>
+        <p:txBody>
+          <a:bodyPr/>
+          <a:lstStyle/>
+          <a:p>
+            <a:r>
+              <a:rPr lang="en-US" dirty="0" smtClean="0"/>
+              <a:t>Credits</a:t>
+            </a:r>
+            <a:endParaRPr lang="en-US" dirty="0"/>
+          </a:p>
+        </p:txBody>
+      </p:sp>
+      <p:sp>
+        <p:nvSpPr>
+          <p:cNvPr id="3" name="Text Placeholder 2"/>
+          <p:cNvSpPr>
+            <a:spLocks noGrp="1"/>
+          </p:cNvSpPr>
+          <p:nvPr>
+            <p:ph type="body" sz="quarter" idx="10"/>
+          </p:nvPr>
+        </p:nvSpPr>
+        <p:spPr>
+          <a:xfrm>
+            <a:off x="381000" y="1676400"/>
+            <a:ext cx="8382000" cy="2326791"/>
+          </a:xfrm>
+        </p:spPr>
+        <p:txBody>
+          <a:bodyPr/>
+          <a:lstStyle/>
+          <a:p>
+            <a:r>
+              <a:rPr lang="en-US" sz="2800" dirty="0"/>
+              <a:t>"Bronze Age spear tip </a:t>
+            </a:r>
+            <a:r>
+              <a:rPr lang="en-US" sz="2800" dirty="0" err="1"/>
+              <a:t>mould</a:t>
+            </a:r>
+            <a:r>
+              <a:rPr lang="en-US" sz="2800" dirty="0"/>
+              <a:t> IMG 5123" by Photograph by Rama, Wikimedia Commons, Cc-by-sa-2.0-fr. Licensed under CC BY-SA 2.0 </a:t>
+            </a:r>
+            <a:r>
+              <a:rPr lang="en-US" sz="2800" dirty="0" err="1"/>
+              <a:t>fr</a:t>
+            </a:r>
+            <a:r>
+              <a:rPr lang="en-US" sz="2800" dirty="0"/>
+              <a:t> via Commons - https://</a:t>
+            </a:r>
+            <a:r>
+              <a:rPr lang="en-US" sz="2800" dirty="0" err="1"/>
+              <a:t>commons.wikimedia.org</a:t>
+            </a:r>
+            <a:r>
+              <a:rPr lang="en-US" sz="2800" dirty="0"/>
+              <a:t>/wiki/File:Bronze_Age_spear_tip_mould_IMG_5123.jpg#/media/File:Bronze_Age_spear_tip_mould_IMG_5123.jpg</a:t>
+            </a:r>
+          </a:p>
+        </p:txBody>
+      </p:sp>
+    </p:spTree>
+    <p:extLst>
+      <p:ext uri="{BB962C8B-B14F-4D97-AF65-F5344CB8AC3E}">
+        <p14:creationId xmlns:p14="http://schemas.microsoft.com/office/powerpoint/2010/main" val="1548311111"/>
+      </p:ext>
+    </p:extLst>
+  </p:cSld>
+  <p:clrMapOvr>
+    <a:masterClrMapping/>
+  </p:clrMapOvr>
+  <p:transition>
+    <p:fade/>
+  </p:transition>
 </p:sld>
 </file>
 

--- a/docs/ABMsAsAlgebraic.pptx
+++ b/docs/ABMsAsAlgebraic.pptx
@@ -6,7 +6,7 @@
     <p:sldMasterId id="2147483674" r:id="rId5"/>
   </p:sldMasterIdLst>
   <p:notesMasterIdLst>
-    <p:notesMasterId r:id="rId34"/>
+    <p:notesMasterId r:id="rId35"/>
   </p:notesMasterIdLst>
   <p:sldIdLst>
     <p:sldId id="257" r:id="rId6"/>
@@ -37,6 +37,7 @@
     <p:sldId id="290" r:id="rId31"/>
     <p:sldId id="268" r:id="rId32"/>
     <p:sldId id="307" r:id="rId33"/>
+    <p:sldId id="308" r:id="rId34"/>
   </p:sldIdLst>
   <p:sldSz cx="9144000" cy="6858000" type="screen4x3"/>
   <p:notesSz cx="6858000" cy="9144000"/>
@@ -30227,7 +30228,7 @@
         <p:spPr>
           <a:xfrm>
             <a:off x="381000" y="1676400"/>
-            <a:ext cx="4114800" cy="3776418"/>
+            <a:ext cx="3581400" cy="4648200"/>
           </a:xfrm>
         </p:spPr>
         <p:txBody>
@@ -30320,25 +30321,35 @@
           </a:p>
         </p:txBody>
       </p:sp>
-      <p:sp>
-        <p:nvSpPr>
-          <p:cNvPr id="4" name="Content Placeholder 3"/>
-          <p:cNvSpPr>
-            <a:spLocks noGrp="1"/>
-          </p:cNvSpPr>
+      <p:pic>
+        <p:nvPicPr>
+          <p:cNvPr id="5" name="Content Placeholder 4"/>
+          <p:cNvPicPr>
+            <a:picLocks noGrp="1" noChangeAspect="1"/>
+          </p:cNvPicPr>
           <p:nvPr>
             <p:ph sz="half" idx="2"/>
           </p:nvPr>
-        </p:nvSpPr>
-        <p:spPr/>
-        <p:txBody>
-          <a:bodyPr/>
-          <a:lstStyle/>
-          <a:p>
-            <a:endParaRPr lang="en-US"/>
-          </a:p>
-        </p:txBody>
-      </p:sp>
+        </p:nvPicPr>
+        <p:blipFill>
+          <a:blip r:embed="rId3">
+            <a:extLst>
+              <a:ext uri="{28A0092B-C50C-407E-A947-70E740481C1C}">
+                <a14:useLocalDpi xmlns:a14="http://schemas.microsoft.com/office/drawing/2010/main" val="0"/>
+              </a:ext>
+            </a:extLst>
+          </a:blip>
+          <a:stretch>
+            <a:fillRect/>
+          </a:stretch>
+        </p:blipFill>
+        <p:spPr>
+          <a:xfrm>
+            <a:off x="4699000" y="2133600"/>
+            <a:ext cx="4064000" cy="2956560"/>
+          </a:xfrm>
+        </p:spPr>
+      </p:pic>
     </p:spTree>
     <p:extLst>
       <p:ext uri="{BB962C8B-B14F-4D97-AF65-F5344CB8AC3E}">
@@ -30526,7 +30537,7 @@
         </p:nvSpPr>
         <p:spPr>
           <a:xfrm>
-            <a:off x="381000" y="1676400"/>
+            <a:off x="381000" y="2209800"/>
             <a:ext cx="4114800" cy="3465564"/>
           </a:xfrm>
         </p:spPr>
@@ -30557,25 +30568,35 @@
           </a:p>
         </p:txBody>
       </p:sp>
-      <p:sp>
-        <p:nvSpPr>
-          <p:cNvPr id="4" name="Content Placeholder 3"/>
-          <p:cNvSpPr>
-            <a:spLocks noGrp="1"/>
-          </p:cNvSpPr>
+      <p:pic>
+        <p:nvPicPr>
+          <p:cNvPr id="5" name="Content Placeholder 4"/>
+          <p:cNvPicPr>
+            <a:picLocks noGrp="1" noChangeAspect="1"/>
+          </p:cNvPicPr>
           <p:nvPr>
             <p:ph sz="half" idx="2"/>
           </p:nvPr>
-        </p:nvSpPr>
-        <p:spPr/>
-        <p:txBody>
-          <a:bodyPr/>
-          <a:lstStyle/>
-          <a:p>
-            <a:endParaRPr lang="en-US"/>
-          </a:p>
-        </p:txBody>
-      </p:sp>
+        </p:nvPicPr>
+        <p:blipFill>
+          <a:blip r:embed="rId3">
+            <a:extLst>
+              <a:ext uri="{28A0092B-C50C-407E-A947-70E740481C1C}">
+                <a14:useLocalDpi xmlns:a14="http://schemas.microsoft.com/office/drawing/2010/main" val="0"/>
+              </a:ext>
+            </a:extLst>
+          </a:blip>
+          <a:stretch>
+            <a:fillRect/>
+          </a:stretch>
+        </p:blipFill>
+        <p:spPr>
+          <a:xfrm>
+            <a:off x="5178647" y="1676400"/>
+            <a:ext cx="3053906" cy="4191000"/>
+          </a:xfrm>
+        </p:spPr>
+      </p:pic>
     </p:spTree>
     <p:extLst>
       <p:ext uri="{BB962C8B-B14F-4D97-AF65-F5344CB8AC3E}">
@@ -31048,8 +31069,8 @@
         </p:nvSpPr>
         <p:spPr>
           <a:xfrm>
-            <a:off x="381000" y="1676400"/>
-            <a:ext cx="4114800" cy="1803571"/>
+            <a:off x="381000" y="2819400"/>
+            <a:ext cx="3810000" cy="1803571"/>
           </a:xfrm>
         </p:spPr>
         <p:txBody>
@@ -31074,25 +31095,35 @@
           </a:p>
         </p:txBody>
       </p:sp>
-      <p:sp>
-        <p:nvSpPr>
-          <p:cNvPr id="4" name="Content Placeholder 3"/>
-          <p:cNvSpPr>
-            <a:spLocks noGrp="1"/>
-          </p:cNvSpPr>
+      <p:pic>
+        <p:nvPicPr>
+          <p:cNvPr id="5" name="Content Placeholder 4"/>
+          <p:cNvPicPr>
+            <a:picLocks noGrp="1" noChangeAspect="1"/>
+          </p:cNvPicPr>
           <p:nvPr>
             <p:ph sz="half" idx="2"/>
           </p:nvPr>
-        </p:nvSpPr>
-        <p:spPr/>
-        <p:txBody>
-          <a:bodyPr/>
-          <a:lstStyle/>
-          <a:p>
-            <a:endParaRPr lang="en-US"/>
-          </a:p>
-        </p:txBody>
-      </p:sp>
+        </p:nvPicPr>
+        <p:blipFill>
+          <a:blip r:embed="rId3">
+            <a:extLst>
+              <a:ext uri="{28A0092B-C50C-407E-A947-70E740481C1C}">
+                <a14:useLocalDpi xmlns:a14="http://schemas.microsoft.com/office/drawing/2010/main" val="0"/>
+              </a:ext>
+            </a:extLst>
+          </a:blip>
+          <a:stretch>
+            <a:fillRect/>
+          </a:stretch>
+        </p:blipFill>
+        <p:spPr>
+          <a:xfrm>
+            <a:off x="4800600" y="2399228"/>
+            <a:ext cx="3962400" cy="2745343"/>
+          </a:xfrm>
+        </p:spPr>
+      </p:pic>
     </p:spTree>
     <p:extLst>
       <p:ext uri="{BB962C8B-B14F-4D97-AF65-F5344CB8AC3E}">
@@ -31585,7 +31616,7 @@
         <p:spPr>
           <a:xfrm>
             <a:off x="381000" y="1676400"/>
-            <a:ext cx="8382000" cy="2326791"/>
+            <a:ext cx="8382000" cy="4739759"/>
           </a:xfrm>
         </p:spPr>
         <p:txBody>
@@ -31610,7 +31641,58 @@
             </a:r>
             <a:r>
               <a:rPr lang="en-US" sz="2800" dirty="0"/>
-              <a:t> via Commons - https://</a:t>
+              <a:t> via Commons - </a:t>
+            </a:r>
+            <a:r>
+              <a:rPr lang="en-US" sz="2800" dirty="0">
+                <a:hlinkClick r:id="rId2"/>
+              </a:rPr>
+              <a:t>https://commons.wikimedia.org/wiki/File:Bronze_Age_spear_tip_mould_IMG_5123.jpg#/</a:t>
+            </a:r>
+            <a:r>
+              <a:rPr lang="en-US" sz="2800" dirty="0" smtClean="0">
+                <a:hlinkClick r:id="rId2"/>
+              </a:rPr>
+              <a:t>media/File:Bronze_Age_spear_tip_mould_IMG_5123.jpg</a:t>
+            </a:r>
+            <a:endParaRPr lang="en-US" sz="2800" dirty="0" smtClean="0"/>
+          </a:p>
+          <a:p>
+            <a:r>
+              <a:rPr lang="en-US" sz="2800" dirty="0"/>
+              <a:t>"</a:t>
+            </a:r>
+            <a:r>
+              <a:rPr lang="en-US" sz="2800" dirty="0" err="1"/>
+              <a:t>Axentowicz</a:t>
+            </a:r>
+            <a:r>
+              <a:rPr lang="en-US" sz="2800" dirty="0"/>
+              <a:t> The Anchorite" by </a:t>
+            </a:r>
+            <a:r>
+              <a:rPr lang="en-US" sz="2800" dirty="0" err="1"/>
+              <a:t>Teodor</a:t>
+            </a:r>
+            <a:r>
+              <a:rPr lang="en-US" sz="2800" dirty="0"/>
+              <a:t> </a:t>
+            </a:r>
+            <a:r>
+              <a:rPr lang="en-US" sz="2800" dirty="0" err="1"/>
+              <a:t>Axentowicz</a:t>
+            </a:r>
+            <a:r>
+              <a:rPr lang="en-US" sz="2800" dirty="0"/>
+              <a:t> - </a:t>
+            </a:r>
+            <a:r>
+              <a:rPr lang="en-US" sz="2800" dirty="0" err="1"/>
+              <a:t>cyfrowe.mnw.art.pl</a:t>
+            </a:r>
+            <a:r>
+              <a:rPr lang="en-US" sz="2800" dirty="0"/>
+              <a:t>. Licensed under Public Domain via Commons - https://</a:t>
             </a:r>
             <a:r>
               <a:rPr lang="en-US" sz="2800" dirty="0" err="1"/>
@@ -31618,8 +31700,21 @@
             </a:r>
             <a:r>
               <a:rPr lang="en-US" sz="2800" dirty="0"/>
-              <a:t>/wiki/File:Bronze_Age_spear_tip_mould_IMG_5123.jpg#/media/File:Bronze_Age_spear_tip_mould_IMG_5123.jpg</a:t>
-            </a:r>
+              <a:t>/wiki/</a:t>
+            </a:r>
+            <a:r>
+              <a:rPr lang="en-US" sz="2800" dirty="0" err="1"/>
+              <a:t>File:Axentowicz_The_Anchorite.jpg</a:t>
+            </a:r>
+            <a:r>
+              <a:rPr lang="en-US" sz="2800" dirty="0"/>
+              <a:t>#/media/</a:t>
+            </a:r>
+            <a:r>
+              <a:rPr lang="en-US" sz="2800" dirty="0" err="1"/>
+              <a:t>File:Axentowicz_The_Anchorite.jpg</a:t>
+            </a:r>
+            <a:endParaRPr lang="en-US" sz="2800" dirty="0"/>
           </a:p>
         </p:txBody>
       </p:sp>
@@ -31627,6 +31722,123 @@
     <p:extLst>
       <p:ext uri="{BB962C8B-B14F-4D97-AF65-F5344CB8AC3E}">
         <p14:creationId xmlns:p14="http://schemas.microsoft.com/office/powerpoint/2010/main" val="1548311111"/>
+      </p:ext>
+    </p:extLst>
+  </p:cSld>
+  <p:clrMapOvr>
+    <a:masterClrMapping/>
+  </p:clrMapOvr>
+  <p:transition>
+    <p:fade/>
+  </p:transition>
+</p:sld>
+</file>
+
+<file path=ppt/slides/slide29.xml><?xml version="1.0" encoding="utf-8"?>
+<p:sld xmlns:a="http://schemas.openxmlformats.org/drawingml/2006/main" xmlns:r="http://schemas.openxmlformats.org/officeDocument/2006/relationships" xmlns:p="http://schemas.openxmlformats.org/presentationml/2006/main">
+  <p:cSld>
+    <p:spTree>
+      <p:nvGrpSpPr>
+        <p:cNvPr id="1" name=""/>
+        <p:cNvGrpSpPr/>
+        <p:nvPr/>
+      </p:nvGrpSpPr>
+      <p:grpSpPr>
+        <a:xfrm>
+          <a:off x="0" y="0"/>
+          <a:ext cx="0" cy="0"/>
+          <a:chOff x="0" y="0"/>
+          <a:chExt cx="0" cy="0"/>
+        </a:xfrm>
+      </p:grpSpPr>
+      <p:sp>
+        <p:nvSpPr>
+          <p:cNvPr id="2" name="Title 1"/>
+          <p:cNvSpPr>
+            <a:spLocks noGrp="1"/>
+          </p:cNvSpPr>
+          <p:nvPr>
+            <p:ph type="title"/>
+          </p:nvPr>
+        </p:nvSpPr>
+        <p:spPr>
+          <a:xfrm>
+            <a:off x="381000" y="230188"/>
+            <a:ext cx="8382000" cy="664797"/>
+          </a:xfrm>
+        </p:spPr>
+        <p:txBody>
+          <a:bodyPr/>
+          <a:lstStyle/>
+          <a:p>
+            <a:r>
+              <a:rPr lang="en-US" dirty="0" smtClean="0"/>
+              <a:t>Credits</a:t>
+            </a:r>
+            <a:endParaRPr lang="en-US" dirty="0"/>
+          </a:p>
+        </p:txBody>
+      </p:sp>
+      <p:sp>
+        <p:nvSpPr>
+          <p:cNvPr id="3" name="Text Placeholder 2"/>
+          <p:cNvSpPr>
+            <a:spLocks noGrp="1"/>
+          </p:cNvSpPr>
+          <p:nvPr>
+            <p:ph type="body" sz="quarter" idx="10"/>
+          </p:nvPr>
+        </p:nvSpPr>
+        <p:spPr>
+          <a:xfrm>
+            <a:off x="381000" y="1676400"/>
+            <a:ext cx="8382000" cy="1551194"/>
+          </a:xfrm>
+        </p:spPr>
+        <p:txBody>
+          <a:bodyPr/>
+          <a:lstStyle/>
+          <a:p>
+            <a:r>
+              <a:rPr lang="en-US" sz="2800" dirty="0"/>
+              <a:t>"</a:t>
+            </a:r>
+            <a:r>
+              <a:rPr lang="en-US" sz="2800" dirty="0" err="1"/>
+              <a:t>Perspectivephoto</a:t>
+            </a:r>
+            <a:r>
+              <a:rPr lang="en-US" sz="2800" dirty="0"/>
+              <a:t>". Licensed under CC BY 2.5 via Wikipedia - https://</a:t>
+            </a:r>
+            <a:r>
+              <a:rPr lang="en-US" sz="2800" dirty="0" err="1"/>
+              <a:t>en.wikipedia.org</a:t>
+            </a:r>
+            <a:r>
+              <a:rPr lang="en-US" sz="2800" dirty="0"/>
+              <a:t>/wiki/</a:t>
+            </a:r>
+            <a:r>
+              <a:rPr lang="en-US" sz="2800" dirty="0" err="1"/>
+              <a:t>File:Perspectivephoto.jpg</a:t>
+            </a:r>
+            <a:r>
+              <a:rPr lang="en-US" sz="2800" dirty="0"/>
+              <a:t>#/media/</a:t>
+            </a:r>
+            <a:r>
+              <a:rPr lang="en-US" sz="2800" dirty="0" err="1"/>
+              <a:t>File:Perspectivephoto.jpg</a:t>
+            </a:r>
+            <a:endParaRPr lang="en-US" sz="2800" dirty="0"/>
+          </a:p>
+        </p:txBody>
+      </p:sp>
+    </p:spTree>
+    <p:extLst>
+      <p:ext uri="{BB962C8B-B14F-4D97-AF65-F5344CB8AC3E}">
+        <p14:creationId xmlns:p14="http://schemas.microsoft.com/office/powerpoint/2010/main" val="1596891371"/>
       </p:ext>
     </p:extLst>
   </p:cSld>

--- a/docs/ABMsAsAlgebraic.pptx
+++ b/docs/ABMsAsAlgebraic.pptx
@@ -6,7 +6,7 @@
     <p:sldMasterId id="2147483674" r:id="rId5"/>
   </p:sldMasterIdLst>
   <p:notesMasterIdLst>
-    <p:notesMasterId r:id="rId35"/>
+    <p:notesMasterId r:id="rId36"/>
   </p:notesMasterIdLst>
   <p:sldIdLst>
     <p:sldId id="257" r:id="rId6"/>
@@ -38,6 +38,7 @@
     <p:sldId id="268" r:id="rId32"/>
     <p:sldId id="307" r:id="rId33"/>
     <p:sldId id="308" r:id="rId34"/>
+    <p:sldId id="309" r:id="rId35"/>
   </p:sldIdLst>
   <p:sldSz cx="9144000" cy="6858000" type="screen4x3"/>
   <p:notesSz cx="6858000" cy="9144000"/>
@@ -30670,8 +30671,8 @@
         </p:nvSpPr>
         <p:spPr>
           <a:xfrm>
-            <a:off x="381000" y="1676400"/>
-            <a:ext cx="4114800" cy="4462760"/>
+            <a:off x="381000" y="1754109"/>
+            <a:ext cx="4114800" cy="4075191"/>
           </a:xfrm>
         </p:spPr>
         <p:txBody>
@@ -30721,25 +30722,35 @@
           </a:p>
         </p:txBody>
       </p:sp>
-      <p:sp>
-        <p:nvSpPr>
-          <p:cNvPr id="4" name="Content Placeholder 3"/>
-          <p:cNvSpPr>
-            <a:spLocks noGrp="1"/>
-          </p:cNvSpPr>
+      <p:pic>
+        <p:nvPicPr>
+          <p:cNvPr id="6" name="Content Placeholder 5"/>
+          <p:cNvPicPr>
+            <a:picLocks noGrp="1" noChangeAspect="1"/>
+          </p:cNvPicPr>
           <p:nvPr>
             <p:ph sz="half" idx="2"/>
           </p:nvPr>
-        </p:nvSpPr>
-        <p:spPr/>
-        <p:txBody>
-          <a:bodyPr/>
-          <a:lstStyle/>
-          <a:p>
-            <a:endParaRPr lang="en-US"/>
-          </a:p>
-        </p:txBody>
-      </p:sp>
+        </p:nvPicPr>
+        <p:blipFill>
+          <a:blip r:embed="rId3">
+            <a:extLst>
+              <a:ext uri="{28A0092B-C50C-407E-A947-70E740481C1C}">
+                <a14:useLocalDpi xmlns:a14="http://schemas.microsoft.com/office/drawing/2010/main" val="0"/>
+              </a:ext>
+            </a:extLst>
+          </a:blip>
+          <a:stretch>
+            <a:fillRect/>
+          </a:stretch>
+        </p:blipFill>
+        <p:spPr>
+          <a:xfrm>
+            <a:off x="4779852" y="1754109"/>
+            <a:ext cx="4000500" cy="4000500"/>
+          </a:xfrm>
+        </p:spPr>
+      </p:pic>
     </p:spTree>
     <p:extLst>
       <p:ext uri="{BB962C8B-B14F-4D97-AF65-F5344CB8AC3E}">
@@ -30814,7 +30825,7 @@
         <p:spPr>
           <a:xfrm>
             <a:off x="381000" y="1676400"/>
-            <a:ext cx="4114800" cy="4462760"/>
+            <a:ext cx="3962400" cy="4462760"/>
           </a:xfrm>
         </p:spPr>
         <p:txBody>
@@ -30860,25 +30871,35 @@
           </a:p>
         </p:txBody>
       </p:sp>
-      <p:sp>
-        <p:nvSpPr>
-          <p:cNvPr id="4" name="Content Placeholder 3"/>
-          <p:cNvSpPr>
-            <a:spLocks noGrp="1"/>
-          </p:cNvSpPr>
+      <p:pic>
+        <p:nvPicPr>
+          <p:cNvPr id="5" name="Content Placeholder 4"/>
+          <p:cNvPicPr>
+            <a:picLocks noGrp="1" noChangeAspect="1"/>
+          </p:cNvPicPr>
           <p:nvPr>
             <p:ph sz="half" idx="2"/>
           </p:nvPr>
-        </p:nvSpPr>
-        <p:spPr/>
-        <p:txBody>
-          <a:bodyPr/>
-          <a:lstStyle/>
-          <a:p>
-            <a:endParaRPr lang="en-US"/>
-          </a:p>
-        </p:txBody>
-      </p:sp>
+        </p:nvPicPr>
+        <p:blipFill>
+          <a:blip r:embed="rId3" cstate="print">
+            <a:extLst>
+              <a:ext uri="{28A0092B-C50C-407E-A947-70E740481C1C}">
+                <a14:useLocalDpi xmlns:a14="http://schemas.microsoft.com/office/drawing/2010/main" val="0"/>
+              </a:ext>
+            </a:extLst>
+          </a:blip>
+          <a:stretch>
+            <a:fillRect/>
+          </a:stretch>
+        </p:blipFill>
+        <p:spPr>
+          <a:xfrm>
+            <a:off x="4665552" y="1981200"/>
+            <a:ext cx="4114800" cy="3072384"/>
+          </a:xfrm>
+        </p:spPr>
+      </p:pic>
     </p:spTree>
     <p:extLst>
       <p:ext uri="{BB962C8B-B14F-4D97-AF65-F5344CB8AC3E}">
@@ -30953,7 +30974,7 @@
         <p:spPr>
           <a:xfrm>
             <a:off x="381000" y="1676400"/>
-            <a:ext cx="4114800" cy="2400657"/>
+            <a:ext cx="4114800" cy="4087273"/>
           </a:xfrm>
         </p:spPr>
         <p:txBody>
@@ -30966,7 +30987,7 @@
               </a:buBlip>
             </a:pPr>
             <a:r>
-              <a:rPr lang="en-US" sz="2400" b="1" dirty="0"/>
+              <a:rPr lang="en-US" sz="3200" b="1" dirty="0"/>
               <a:t>We achieve a uniform template for all models as far as how agents interact with their environment. Programming new models then becomes much easier.</a:t>
             </a:r>
           </a:p>
@@ -30974,7 +30995,7 @@
             <a:pPr marL="0" indent="0">
               <a:buNone/>
             </a:pPr>
-            <a:endParaRPr lang="en-US" sz="2400" dirty="0"/>
+            <a:endParaRPr lang="en-US" sz="3200" dirty="0"/>
           </a:p>
         </p:txBody>
       </p:sp>
@@ -31069,8 +31090,8 @@
         </p:nvSpPr>
         <p:spPr>
           <a:xfrm>
-            <a:off x="381000" y="2819400"/>
-            <a:ext cx="3810000" cy="1803571"/>
+            <a:off x="381000" y="2399228"/>
+            <a:ext cx="3810000" cy="2745343"/>
           </a:xfrm>
         </p:spPr>
         <p:txBody>
@@ -31083,7 +31104,7 @@
               </a:buBlip>
             </a:pPr>
             <a:r>
-              <a:rPr lang="en-US" sz="2400" b="1" dirty="0"/>
+              <a:rPr lang="en-US" sz="3200" b="1" dirty="0"/>
               <a:t>We will have taken a huge step towards enabling “fill-in-the-template” style programming of ABMs.</a:t>
             </a:r>
           </a:p>
@@ -31196,8 +31217,8 @@
         </p:nvSpPr>
         <p:spPr>
           <a:xfrm>
-            <a:off x="381000" y="1676400"/>
-            <a:ext cx="4114800" cy="1329595"/>
+            <a:off x="381000" y="1981200"/>
+            <a:ext cx="3886200" cy="3276600"/>
           </a:xfrm>
         </p:spPr>
         <p:txBody>
@@ -31210,36 +31231,58 @@
               </a:buBlip>
             </a:pPr>
             <a:r>
-              <a:rPr lang="en-US" sz="2400" b="1" dirty="0"/>
-              <a:t>We open up the possibility of using known properties of modules to identify properties of our ABM</a:t>
-            </a:r>
-            <a:r>
-              <a:rPr lang="en-US" sz="2400" b="1" dirty="0" smtClean="0"/>
+              <a:rPr lang="en-US" sz="3200" b="1" dirty="0"/>
+              <a:t>We open up the possibility of using known properties </a:t>
+            </a:r>
+            <a:r>
+              <a:rPr lang="en-US" sz="3200" b="1"/>
+              <a:t>of </a:t>
+            </a:r>
+            <a:r>
+              <a:rPr lang="en-US" sz="3200" b="1" smtClean="0"/>
+              <a:t>algebraic structures </a:t>
+            </a:r>
+            <a:r>
+              <a:rPr lang="en-US" sz="3200" b="1" dirty="0"/>
+              <a:t>to identify properties of our ABM</a:t>
+            </a:r>
+            <a:r>
+              <a:rPr lang="en-US" sz="3200" b="1" dirty="0" smtClean="0"/>
               <a:t>.</a:t>
             </a:r>
-            <a:endParaRPr lang="en-US" sz="2400" b="1" dirty="0"/>
+            <a:endParaRPr lang="en-US" sz="3200" b="1" dirty="0"/>
           </a:p>
         </p:txBody>
       </p:sp>
-      <p:sp>
-        <p:nvSpPr>
-          <p:cNvPr id="4" name="Content Placeholder 3"/>
-          <p:cNvSpPr>
-            <a:spLocks noGrp="1"/>
-          </p:cNvSpPr>
+      <p:pic>
+        <p:nvPicPr>
+          <p:cNvPr id="7" name="Content Placeholder 6"/>
+          <p:cNvPicPr>
+            <a:picLocks noGrp="1" noChangeAspect="1"/>
+          </p:cNvPicPr>
           <p:nvPr>
             <p:ph sz="half" idx="2"/>
           </p:nvPr>
-        </p:nvSpPr>
-        <p:spPr/>
-        <p:txBody>
-          <a:bodyPr/>
-          <a:lstStyle/>
-          <a:p>
-            <a:endParaRPr lang="en-US"/>
-          </a:p>
-        </p:txBody>
-      </p:sp>
+        </p:nvPicPr>
+        <p:blipFill>
+          <a:blip r:embed="rId3">
+            <a:extLst>
+              <a:ext uri="{28A0092B-C50C-407E-A947-70E740481C1C}">
+                <a14:useLocalDpi xmlns:a14="http://schemas.microsoft.com/office/drawing/2010/main" val="0"/>
+              </a:ext>
+            </a:extLst>
+          </a:blip>
+          <a:stretch>
+            <a:fillRect/>
+          </a:stretch>
+        </p:blipFill>
+        <p:spPr>
+          <a:xfrm>
+            <a:off x="4641410" y="1958566"/>
+            <a:ext cx="4114800" cy="2987977"/>
+          </a:xfrm>
+        </p:spPr>
+      </p:pic>
     </p:spTree>
     <p:extLst>
       <p:ext uri="{BB962C8B-B14F-4D97-AF65-F5344CB8AC3E}">
@@ -31791,8 +31834,8 @@
         </p:nvSpPr>
         <p:spPr>
           <a:xfrm>
-            <a:off x="381000" y="1676400"/>
-            <a:ext cx="8382000" cy="1551194"/>
+            <a:off x="381000" y="1371600"/>
+            <a:ext cx="8382000" cy="5127558"/>
           </a:xfrm>
         </p:spPr>
         <p:txBody>
@@ -31809,29 +31852,51 @@
             </a:r>
             <a:r>
               <a:rPr lang="en-US" sz="2800" dirty="0"/>
-              <a:t>". Licensed under CC BY 2.5 via Wikipedia - https://</a:t>
+              <a:t>". Licensed under CC BY 2.5 via Wikipedia - </a:t>
+            </a:r>
+            <a:r>
+              <a:rPr lang="en-US" sz="2800" dirty="0">
+                <a:hlinkClick r:id="rId2"/>
+              </a:rPr>
+              <a:t>https://en.wikipedia.org/wiki/File:Perspectivephoto.jpg#/</a:t>
+            </a:r>
+            <a:r>
+              <a:rPr lang="en-US" sz="2800" dirty="0" smtClean="0">
+                <a:hlinkClick r:id="rId2"/>
+              </a:rPr>
+              <a:t>media/File:Perspectivephoto.jpg</a:t>
+            </a:r>
+            <a:endParaRPr lang="en-US" sz="2800" dirty="0" smtClean="0"/>
+          </a:p>
+          <a:p>
+            <a:r>
+              <a:rPr lang="en-US" sz="2800" dirty="0"/>
+              <a:t>"</a:t>
             </a:r>
             <a:r>
               <a:rPr lang="en-US" sz="2800" dirty="0" err="1"/>
-              <a:t>en.wikipedia.org</a:t>
+              <a:t>Eugène</a:t>
             </a:r>
             <a:r>
               <a:rPr lang="en-US" sz="2800" dirty="0"/>
-              <a:t>/wiki/</a:t>
+              <a:t> Delacroix - The Fanatics of Tangier - WGA06195" by </a:t>
             </a:r>
             <a:r>
               <a:rPr lang="en-US" sz="2800" dirty="0" err="1"/>
-              <a:t>File:Perspectivephoto.jpg</a:t>
+              <a:t>Eugène</a:t>
             </a:r>
             <a:r>
               <a:rPr lang="en-US" sz="2800" dirty="0"/>
-              <a:t>#/media/</a:t>
+              <a:t> Delacroix - 1. Web Gallery of Art:   Image  Info about artwork2. The Minneapolis Institute of Arts. Licensed under Public Domain via Commons - https://</a:t>
             </a:r>
             <a:r>
               <a:rPr lang="en-US" sz="2800" dirty="0" err="1"/>
-              <a:t>File:Perspectivephoto.jpg</a:t>
-            </a:r>
-            <a:endParaRPr lang="en-US" sz="2800" dirty="0"/>
+              <a:t>commons.wikimedia.org</a:t>
+            </a:r>
+            <a:r>
+              <a:rPr lang="en-US" sz="2800" dirty="0"/>
+              <a:t>/wiki/File:Eug%C3%A8ne_Delacroix_-_The_Fanatics_of_Tangier_-_WGA06195.jpg#/media/File:Eug%C3%A8ne_Delacroix_-_The_Fanatics_of_Tangier_-_WGA06195.jpg</a:t>
+            </a:r>
           </a:p>
         </p:txBody>
       </p:sp>
@@ -32027,6 +32092,171 @@
       </p:par>
     </p:tnLst>
   </p:timing>
+</p:sld>
+</file>
+
+<file path=ppt/slides/slide30.xml><?xml version="1.0" encoding="utf-8"?>
+<p:sld xmlns:a="http://schemas.openxmlformats.org/drawingml/2006/main" xmlns:r="http://schemas.openxmlformats.org/officeDocument/2006/relationships" xmlns:p="http://schemas.openxmlformats.org/presentationml/2006/main">
+  <p:cSld>
+    <p:spTree>
+      <p:nvGrpSpPr>
+        <p:cNvPr id="1" name=""/>
+        <p:cNvGrpSpPr/>
+        <p:nvPr/>
+      </p:nvGrpSpPr>
+      <p:grpSpPr>
+        <a:xfrm>
+          <a:off x="0" y="0"/>
+          <a:ext cx="0" cy="0"/>
+          <a:chOff x="0" y="0"/>
+          <a:chExt cx="0" cy="0"/>
+        </a:xfrm>
+      </p:grpSpPr>
+      <p:sp>
+        <p:nvSpPr>
+          <p:cNvPr id="2" name="Title 1"/>
+          <p:cNvSpPr>
+            <a:spLocks noGrp="1"/>
+          </p:cNvSpPr>
+          <p:nvPr>
+            <p:ph type="title"/>
+          </p:nvPr>
+        </p:nvSpPr>
+        <p:spPr>
+          <a:xfrm>
+            <a:off x="381000" y="230188"/>
+            <a:ext cx="8382000" cy="664797"/>
+          </a:xfrm>
+        </p:spPr>
+        <p:txBody>
+          <a:bodyPr/>
+          <a:lstStyle/>
+          <a:p>
+            <a:r>
+              <a:rPr lang="en-US" dirty="0" smtClean="0"/>
+              <a:t>Credits</a:t>
+            </a:r>
+            <a:endParaRPr lang="en-US" dirty="0"/>
+          </a:p>
+        </p:txBody>
+      </p:sp>
+      <p:sp>
+        <p:nvSpPr>
+          <p:cNvPr id="3" name="Text Placeholder 2"/>
+          <p:cNvSpPr>
+            <a:spLocks noGrp="1"/>
+          </p:cNvSpPr>
+          <p:nvPr>
+            <p:ph type="body" sz="quarter" idx="10"/>
+          </p:nvPr>
+        </p:nvSpPr>
+        <p:spPr>
+          <a:xfrm>
+            <a:off x="381000" y="1676400"/>
+            <a:ext cx="8382000" cy="3877985"/>
+          </a:xfrm>
+        </p:spPr>
+        <p:txBody>
+          <a:bodyPr/>
+          <a:lstStyle/>
+          <a:p>
+            <a:r>
+              <a:rPr lang="en-US" sz="2800" dirty="0"/>
+              <a:t>"Linear subspaces with shading" by </a:t>
+            </a:r>
+            <a:r>
+              <a:rPr lang="en-US" sz="2800" dirty="0" err="1"/>
+              <a:t>Alksentrs</a:t>
+            </a:r>
+            <a:r>
+              <a:rPr lang="en-US" sz="2800" dirty="0"/>
+              <a:t> at </a:t>
+            </a:r>
+            <a:r>
+              <a:rPr lang="en-US" sz="2800" dirty="0" err="1"/>
+              <a:t>en.wikipedia</a:t>
+            </a:r>
+            <a:r>
+              <a:rPr lang="en-US" sz="2800" dirty="0"/>
+              <a:t> - Own work (Original text: Own work, based on en::</a:t>
+            </a:r>
+            <a:r>
+              <a:rPr lang="en-US" sz="2800" dirty="0" err="1"/>
+              <a:t>Image:Linearsubspace.svg</a:t>
+            </a:r>
+            <a:r>
+              <a:rPr lang="en-US" sz="2800" dirty="0"/>
+              <a:t> (by </a:t>
+            </a:r>
+            <a:r>
+              <a:rPr lang="en-US" sz="2800" dirty="0" err="1"/>
+              <a:t>en:User:Jakob.scholbach</a:t>
+            </a:r>
+            <a:r>
+              <a:rPr lang="en-US" sz="2800" dirty="0"/>
+              <a:t>).)Transferred from </a:t>
+            </a:r>
+            <a:r>
+              <a:rPr lang="en-US" sz="2800" dirty="0" err="1"/>
+              <a:t>en.wikipedia</a:t>
+            </a:r>
+            <a:r>
+              <a:rPr lang="en-US" sz="2800" dirty="0"/>
+              <a:t> to Commons by </a:t>
+            </a:r>
+            <a:r>
+              <a:rPr lang="en-US" sz="2800" dirty="0" err="1"/>
+              <a:t>User:Ylebru</a:t>
+            </a:r>
+            <a:r>
+              <a:rPr lang="en-US" sz="2800" dirty="0"/>
+              <a:t> using </a:t>
+            </a:r>
+            <a:r>
+              <a:rPr lang="en-US" sz="2800" dirty="0" err="1"/>
+              <a:t>CommonsHelper</a:t>
+            </a:r>
+            <a:r>
+              <a:rPr lang="en-US" sz="2800" dirty="0"/>
+              <a:t>.. Licensed under CC BY-SA 3.0 via Commons - https://</a:t>
+            </a:r>
+            <a:r>
+              <a:rPr lang="en-US" sz="2800" dirty="0" err="1"/>
+              <a:t>commons.wikimedia.org</a:t>
+            </a:r>
+            <a:r>
+              <a:rPr lang="en-US" sz="2800" dirty="0"/>
+              <a:t>/wiki/</a:t>
+            </a:r>
+            <a:r>
+              <a:rPr lang="en-US" sz="2800" dirty="0" err="1"/>
+              <a:t>File:Linear_subspaces_with_shading.svg</a:t>
+            </a:r>
+            <a:r>
+              <a:rPr lang="en-US" sz="2800" dirty="0"/>
+              <a:t>#/media/</a:t>
+            </a:r>
+            <a:r>
+              <a:rPr lang="en-US" sz="2800" dirty="0" err="1"/>
+              <a:t>File:Linear_subspaces_with_shading.svg</a:t>
+            </a:r>
+            <a:endParaRPr lang="en-US" sz="2800" dirty="0"/>
+          </a:p>
+        </p:txBody>
+      </p:sp>
+    </p:spTree>
+    <p:extLst>
+      <p:ext uri="{BB962C8B-B14F-4D97-AF65-F5344CB8AC3E}">
+        <p14:creationId xmlns:p14="http://schemas.microsoft.com/office/powerpoint/2010/main" val="901497122"/>
+      </p:ext>
+    </p:extLst>
+  </p:cSld>
+  <p:clrMapOvr>
+    <a:masterClrMapping/>
+  </p:clrMapOvr>
+  <p:transition>
+    <p:fade/>
+  </p:transition>
 </p:sld>
 </file>
 

--- a/docs/ABMsAsAlgebraic.pptx
+++ b/docs/ABMsAsAlgebraic.pptx
@@ -6,7 +6,7 @@
     <p:sldMasterId id="2147483674" r:id="rId5"/>
   </p:sldMasterIdLst>
   <p:notesMasterIdLst>
-    <p:notesMasterId r:id="rId36"/>
+    <p:notesMasterId r:id="rId37"/>
   </p:notesMasterIdLst>
   <p:sldIdLst>
     <p:sldId id="257" r:id="rId6"/>
@@ -39,6 +39,7 @@
     <p:sldId id="307" r:id="rId33"/>
     <p:sldId id="308" r:id="rId34"/>
     <p:sldId id="309" r:id="rId35"/>
+    <p:sldId id="310" r:id="rId36"/>
   </p:sldIdLst>
   <p:sldSz cx="9144000" cy="6858000" type="screen4x3"/>
   <p:notesSz cx="6858000" cy="9144000"/>
@@ -7716,6 +7717,13 @@
         </dgm:presLayoutVars>
       </dgm:prSet>
       <dgm:spPr/>
+      <dgm:t>
+        <a:bodyPr/>
+        <a:lstStyle/>
+        <a:p>
+          <a:endParaRPr lang="en-US"/>
+        </a:p>
+      </dgm:t>
     </dgm:pt>
     <dgm:pt modelId="{FAF75DFB-BAB1-0D4D-AAE3-3DB2C8A7C5CB}" type="pres">
       <dgm:prSet presAssocID="{D15DA790-D86E-2E4A-A4AC-BB2C53035A48}" presName="node" presStyleLbl="node1" presStyleIdx="0" presStyleCnt="4">
@@ -7724,14 +7732,35 @@
         </dgm:presLayoutVars>
       </dgm:prSet>
       <dgm:spPr/>
+      <dgm:t>
+        <a:bodyPr/>
+        <a:lstStyle/>
+        <a:p>
+          <a:endParaRPr lang="en-US"/>
+        </a:p>
+      </dgm:t>
     </dgm:pt>
     <dgm:pt modelId="{FC7907E5-A662-3049-A2C3-E4121564A074}" type="pres">
       <dgm:prSet presAssocID="{74AD216D-95D5-574B-A24A-4B7D5C57DC2C}" presName="sibTrans" presStyleLbl="sibTrans2D1" presStyleIdx="0" presStyleCnt="4"/>
       <dgm:spPr/>
+      <dgm:t>
+        <a:bodyPr/>
+        <a:lstStyle/>
+        <a:p>
+          <a:endParaRPr lang="en-US"/>
+        </a:p>
+      </dgm:t>
     </dgm:pt>
     <dgm:pt modelId="{05D6C732-8347-FD47-9C34-B0BC9F881B5F}" type="pres">
       <dgm:prSet presAssocID="{74AD216D-95D5-574B-A24A-4B7D5C57DC2C}" presName="connectorText" presStyleLbl="sibTrans2D1" presStyleIdx="0" presStyleCnt="4"/>
       <dgm:spPr/>
+      <dgm:t>
+        <a:bodyPr/>
+        <a:lstStyle/>
+        <a:p>
+          <a:endParaRPr lang="en-US"/>
+        </a:p>
+      </dgm:t>
     </dgm:pt>
     <dgm:pt modelId="{0032026F-C9CE-1E4F-A84D-F03E0A55B7FB}" type="pres">
       <dgm:prSet presAssocID="{0F7ACD39-B432-1F4E-9400-F52BC71C6B28}" presName="node" presStyleLbl="node1" presStyleIdx="1" presStyleCnt="4">
@@ -7740,14 +7769,35 @@
         </dgm:presLayoutVars>
       </dgm:prSet>
       <dgm:spPr/>
+      <dgm:t>
+        <a:bodyPr/>
+        <a:lstStyle/>
+        <a:p>
+          <a:endParaRPr lang="en-US"/>
+        </a:p>
+      </dgm:t>
     </dgm:pt>
     <dgm:pt modelId="{21835110-1248-0F40-B471-53227881DFA1}" type="pres">
       <dgm:prSet presAssocID="{E21A56C5-1158-414A-B458-A54D4E73A513}" presName="sibTrans" presStyleLbl="sibTrans2D1" presStyleIdx="1" presStyleCnt="4"/>
       <dgm:spPr/>
+      <dgm:t>
+        <a:bodyPr/>
+        <a:lstStyle/>
+        <a:p>
+          <a:endParaRPr lang="en-US"/>
+        </a:p>
+      </dgm:t>
     </dgm:pt>
     <dgm:pt modelId="{F43DE482-739C-984B-9F60-2A276C31DDF0}" type="pres">
       <dgm:prSet presAssocID="{E21A56C5-1158-414A-B458-A54D4E73A513}" presName="connectorText" presStyleLbl="sibTrans2D1" presStyleIdx="1" presStyleCnt="4"/>
       <dgm:spPr/>
+      <dgm:t>
+        <a:bodyPr/>
+        <a:lstStyle/>
+        <a:p>
+          <a:endParaRPr lang="en-US"/>
+        </a:p>
+      </dgm:t>
     </dgm:pt>
     <dgm:pt modelId="{66AD2163-19FA-9842-B407-11A561E0B28C}" type="pres">
       <dgm:prSet presAssocID="{2226E3C8-2586-284A-A8D3-C14D13411E64}" presName="node" presStyleLbl="node1" presStyleIdx="2" presStyleCnt="4">
@@ -7756,14 +7806,35 @@
         </dgm:presLayoutVars>
       </dgm:prSet>
       <dgm:spPr/>
+      <dgm:t>
+        <a:bodyPr/>
+        <a:lstStyle/>
+        <a:p>
+          <a:endParaRPr lang="en-US"/>
+        </a:p>
+      </dgm:t>
     </dgm:pt>
     <dgm:pt modelId="{5B98DEAE-4428-8B49-BA68-1B1813C6005F}" type="pres">
       <dgm:prSet presAssocID="{EAAA7CF0-15EA-7347-83D0-21E3F6B1D78A}" presName="sibTrans" presStyleLbl="sibTrans2D1" presStyleIdx="2" presStyleCnt="4"/>
       <dgm:spPr/>
+      <dgm:t>
+        <a:bodyPr/>
+        <a:lstStyle/>
+        <a:p>
+          <a:endParaRPr lang="en-US"/>
+        </a:p>
+      </dgm:t>
     </dgm:pt>
     <dgm:pt modelId="{0F9ED58B-2448-FA4D-8F18-E49CD9F59AAC}" type="pres">
       <dgm:prSet presAssocID="{EAAA7CF0-15EA-7347-83D0-21E3F6B1D78A}" presName="connectorText" presStyleLbl="sibTrans2D1" presStyleIdx="2" presStyleCnt="4"/>
       <dgm:spPr/>
+      <dgm:t>
+        <a:bodyPr/>
+        <a:lstStyle/>
+        <a:p>
+          <a:endParaRPr lang="en-US"/>
+        </a:p>
+      </dgm:t>
     </dgm:pt>
     <dgm:pt modelId="{492633B3-01F9-E343-8017-0890C7327E6B}" type="pres">
       <dgm:prSet presAssocID="{B54EC266-43BA-8B45-B04A-8F638F60EB18}" presName="node" presStyleLbl="node1" presStyleIdx="3" presStyleCnt="4">
@@ -7772,14 +7843,35 @@
         </dgm:presLayoutVars>
       </dgm:prSet>
       <dgm:spPr/>
+      <dgm:t>
+        <a:bodyPr/>
+        <a:lstStyle/>
+        <a:p>
+          <a:endParaRPr lang="en-US"/>
+        </a:p>
+      </dgm:t>
     </dgm:pt>
     <dgm:pt modelId="{481688DA-3166-054F-941C-BF6AB84AC722}" type="pres">
       <dgm:prSet presAssocID="{3868F799-4B2E-644E-BAEB-4CF4FD8D5CAD}" presName="sibTrans" presStyleLbl="sibTrans2D1" presStyleIdx="3" presStyleCnt="4"/>
       <dgm:spPr/>
+      <dgm:t>
+        <a:bodyPr/>
+        <a:lstStyle/>
+        <a:p>
+          <a:endParaRPr lang="en-US"/>
+        </a:p>
+      </dgm:t>
     </dgm:pt>
     <dgm:pt modelId="{7B7AF5A6-4B51-4242-A113-AB75EF6DDFAD}" type="pres">
       <dgm:prSet presAssocID="{3868F799-4B2E-644E-BAEB-4CF4FD8D5CAD}" presName="connectorText" presStyleLbl="sibTrans2D1" presStyleIdx="3" presStyleCnt="4"/>
       <dgm:spPr/>
+      <dgm:t>
+        <a:bodyPr/>
+        <a:lstStyle/>
+        <a:p>
+          <a:endParaRPr lang="en-US"/>
+        </a:p>
+      </dgm:t>
     </dgm:pt>
   </dgm:ptLst>
   <dgm:cxnLst>
@@ -7917,6 +8009,13 @@
         </dgm:presLayoutVars>
       </dgm:prSet>
       <dgm:spPr/>
+      <dgm:t>
+        <a:bodyPr/>
+        <a:lstStyle/>
+        <a:p>
+          <a:endParaRPr lang="en-US"/>
+        </a:p>
+      </dgm:t>
     </dgm:pt>
     <dgm:pt modelId="{3E967827-339A-4E4D-AB69-05A039A0A197}" type="pres">
       <dgm:prSet presAssocID="{02562BB2-DF6A-2B41-9658-2164E1CEF651}" presName="spacerL" presStyleCnt="0"/>
@@ -7925,6 +8024,13 @@
     <dgm:pt modelId="{0CF30D27-A0EF-6A42-9649-5C80087CACD6}" type="pres">
       <dgm:prSet presAssocID="{02562BB2-DF6A-2B41-9658-2164E1CEF651}" presName="sibTrans" presStyleLbl="sibTrans2D1" presStyleIdx="0" presStyleCnt="2"/>
       <dgm:spPr/>
+      <dgm:t>
+        <a:bodyPr/>
+        <a:lstStyle/>
+        <a:p>
+          <a:endParaRPr lang="en-US"/>
+        </a:p>
+      </dgm:t>
     </dgm:pt>
     <dgm:pt modelId="{57450917-18F7-1C44-976C-734FB05B0F43}" type="pres">
       <dgm:prSet presAssocID="{02562BB2-DF6A-2B41-9658-2164E1CEF651}" presName="spacerR" presStyleCnt="0"/>
@@ -7937,6 +8043,13 @@
         </dgm:presLayoutVars>
       </dgm:prSet>
       <dgm:spPr/>
+      <dgm:t>
+        <a:bodyPr/>
+        <a:lstStyle/>
+        <a:p>
+          <a:endParaRPr lang="en-US"/>
+        </a:p>
+      </dgm:t>
     </dgm:pt>
     <dgm:pt modelId="{FD1ECD94-5336-4E42-809E-7D660B5357D7}" type="pres">
       <dgm:prSet presAssocID="{8CBB45B8-B840-CB4F-A6C6-7D0C3DBE4211}" presName="spacerL" presStyleCnt="0"/>
@@ -7945,6 +8058,13 @@
     <dgm:pt modelId="{8C8DB01A-18FA-E94C-924B-55B86B7C7AEA}" type="pres">
       <dgm:prSet presAssocID="{8CBB45B8-B840-CB4F-A6C6-7D0C3DBE4211}" presName="sibTrans" presStyleLbl="sibTrans2D1" presStyleIdx="1" presStyleCnt="2"/>
       <dgm:spPr/>
+      <dgm:t>
+        <a:bodyPr/>
+        <a:lstStyle/>
+        <a:p>
+          <a:endParaRPr lang="en-US"/>
+        </a:p>
+      </dgm:t>
     </dgm:pt>
     <dgm:pt modelId="{16FC0D3C-A7C9-D14A-B85F-053AD896BF66}" type="pres">
       <dgm:prSet presAssocID="{8CBB45B8-B840-CB4F-A6C6-7D0C3DBE4211}" presName="spacerR" presStyleCnt="0"/>
@@ -7957,6 +8077,13 @@
         </dgm:presLayoutVars>
       </dgm:prSet>
       <dgm:spPr/>
+      <dgm:t>
+        <a:bodyPr/>
+        <a:lstStyle/>
+        <a:p>
+          <a:endParaRPr lang="en-US"/>
+        </a:p>
+      </dgm:t>
     </dgm:pt>
   </dgm:ptLst>
   <dgm:cxnLst>
@@ -8085,6 +8212,13 @@
         </dgm:presLayoutVars>
       </dgm:prSet>
       <dgm:spPr/>
+      <dgm:t>
+        <a:bodyPr/>
+        <a:lstStyle/>
+        <a:p>
+          <a:endParaRPr lang="en-US"/>
+        </a:p>
+      </dgm:t>
     </dgm:pt>
     <dgm:pt modelId="{65583AE2-E745-A745-871C-52C817E954DB}" type="pres">
       <dgm:prSet presAssocID="{EF1748F2-133D-8443-B07B-1F3DD04D9097}" presName="node" presStyleLbl="node1" presStyleIdx="0" presStyleCnt="2">
@@ -8093,14 +8227,35 @@
         </dgm:presLayoutVars>
       </dgm:prSet>
       <dgm:spPr/>
+      <dgm:t>
+        <a:bodyPr/>
+        <a:lstStyle/>
+        <a:p>
+          <a:endParaRPr lang="en-US"/>
+        </a:p>
+      </dgm:t>
     </dgm:pt>
     <dgm:pt modelId="{274AE413-8C94-2341-BBF5-1E261E2E00D7}" type="pres">
       <dgm:prSet presAssocID="{D8011B7C-4543-B647-8959-0A49F7C91FED}" presName="sibTrans" presStyleLbl="sibTrans2D1" presStyleIdx="0" presStyleCnt="2"/>
       <dgm:spPr/>
+      <dgm:t>
+        <a:bodyPr/>
+        <a:lstStyle/>
+        <a:p>
+          <a:endParaRPr lang="en-US"/>
+        </a:p>
+      </dgm:t>
     </dgm:pt>
     <dgm:pt modelId="{34789F1D-661B-A340-90B1-DE96D4C88CE9}" type="pres">
       <dgm:prSet presAssocID="{D8011B7C-4543-B647-8959-0A49F7C91FED}" presName="connectorText" presStyleLbl="sibTrans2D1" presStyleIdx="0" presStyleCnt="2"/>
       <dgm:spPr/>
+      <dgm:t>
+        <a:bodyPr/>
+        <a:lstStyle/>
+        <a:p>
+          <a:endParaRPr lang="en-US"/>
+        </a:p>
+      </dgm:t>
     </dgm:pt>
     <dgm:pt modelId="{0CE1B85C-6C34-BD4E-9439-2F58FF037D20}" type="pres">
       <dgm:prSet presAssocID="{6960D0BA-9C91-784C-AE10-65AC169E4DC8}" presName="node" presStyleLbl="node1" presStyleIdx="1" presStyleCnt="2">
@@ -8109,26 +8264,47 @@
         </dgm:presLayoutVars>
       </dgm:prSet>
       <dgm:spPr/>
+      <dgm:t>
+        <a:bodyPr/>
+        <a:lstStyle/>
+        <a:p>
+          <a:endParaRPr lang="en-US"/>
+        </a:p>
+      </dgm:t>
     </dgm:pt>
     <dgm:pt modelId="{BA549199-2999-F346-814B-A53DEEE169D9}" type="pres">
       <dgm:prSet presAssocID="{DAD6F5FD-5C4B-154B-9FBC-3B262EBF8712}" presName="sibTrans" presStyleLbl="sibTrans2D1" presStyleIdx="1" presStyleCnt="2"/>
       <dgm:spPr/>
+      <dgm:t>
+        <a:bodyPr/>
+        <a:lstStyle/>
+        <a:p>
+          <a:endParaRPr lang="en-US"/>
+        </a:p>
+      </dgm:t>
     </dgm:pt>
     <dgm:pt modelId="{F88B9142-6A05-9E4A-BA0A-0DFC43570BFA}" type="pres">
       <dgm:prSet presAssocID="{DAD6F5FD-5C4B-154B-9FBC-3B262EBF8712}" presName="connectorText" presStyleLbl="sibTrans2D1" presStyleIdx="1" presStyleCnt="2"/>
       <dgm:spPr/>
+      <dgm:t>
+        <a:bodyPr/>
+        <a:lstStyle/>
+        <a:p>
+          <a:endParaRPr lang="en-US"/>
+        </a:p>
+      </dgm:t>
     </dgm:pt>
   </dgm:ptLst>
   <dgm:cxnLst>
-    <dgm:cxn modelId="{63E364E5-C5B8-D645-B153-64CC91436E9D}" type="presOf" srcId="{DAD6F5FD-5C4B-154B-9FBC-3B262EBF8712}" destId="{BA549199-2999-F346-814B-A53DEEE169D9}" srcOrd="0" destOrd="0" presId="urn:microsoft.com/office/officeart/2005/8/layout/cycle2"/>
+    <dgm:cxn modelId="{44B4281D-862C-D64C-BC64-571E5A97D57D}" srcId="{6A6E47F8-1048-2F47-907A-D4BF231FF035}" destId="{EF1748F2-133D-8443-B07B-1F3DD04D9097}" srcOrd="0" destOrd="0" parTransId="{B0EF66BE-1830-6144-B5C6-55B00DE505CD}" sibTransId="{D8011B7C-4543-B647-8959-0A49F7C91FED}"/>
+    <dgm:cxn modelId="{8F066DED-EEAD-F84B-968C-A38CD4AA21AE}" type="presOf" srcId="{6A6E47F8-1048-2F47-907A-D4BF231FF035}" destId="{D1550008-CC03-1C41-97A6-3AE1B03323AA}" srcOrd="0" destOrd="0" presId="urn:microsoft.com/office/officeart/2005/8/layout/cycle2"/>
+    <dgm:cxn modelId="{6AAAD7F9-0E5A-5647-A4DB-772ECDFE4ECB}" type="presOf" srcId="{D8011B7C-4543-B647-8959-0A49F7C91FED}" destId="{274AE413-8C94-2341-BBF5-1E261E2E00D7}" srcOrd="0" destOrd="0" presId="urn:microsoft.com/office/officeart/2005/8/layout/cycle2"/>
+    <dgm:cxn modelId="{25296985-B719-5449-A8F6-7FF5D35B69C6}" type="presOf" srcId="{EF1748F2-133D-8443-B07B-1F3DD04D9097}" destId="{65583AE2-E745-A745-871C-52C817E954DB}" srcOrd="0" destOrd="0" presId="urn:microsoft.com/office/officeart/2005/8/layout/cycle2"/>
     <dgm:cxn modelId="{977F1DC4-98EB-9B46-89A1-0209F4002BBA}" type="presOf" srcId="{DAD6F5FD-5C4B-154B-9FBC-3B262EBF8712}" destId="{F88B9142-6A05-9E4A-BA0A-0DFC43570BFA}" srcOrd="1" destOrd="0" presId="urn:microsoft.com/office/officeart/2005/8/layout/cycle2"/>
     <dgm:cxn modelId="{64E6E056-B7AA-3743-B3F4-D2081AA4A681}" srcId="{6A6E47F8-1048-2F47-907A-D4BF231FF035}" destId="{6960D0BA-9C91-784C-AE10-65AC169E4DC8}" srcOrd="1" destOrd="0" parTransId="{93103E0C-F46E-5449-BEB6-78394DA3ACE1}" sibTransId="{DAD6F5FD-5C4B-154B-9FBC-3B262EBF8712}"/>
+    <dgm:cxn modelId="{63E364E5-C5B8-D645-B153-64CC91436E9D}" type="presOf" srcId="{DAD6F5FD-5C4B-154B-9FBC-3B262EBF8712}" destId="{BA549199-2999-F346-814B-A53DEEE169D9}" srcOrd="0" destOrd="0" presId="urn:microsoft.com/office/officeart/2005/8/layout/cycle2"/>
+    <dgm:cxn modelId="{AD5CC48D-9565-2248-92F8-1663DC42CBCA}" type="presOf" srcId="{D8011B7C-4543-B647-8959-0A49F7C91FED}" destId="{34789F1D-661B-A340-90B1-DE96D4C88CE9}" srcOrd="1" destOrd="0" presId="urn:microsoft.com/office/officeart/2005/8/layout/cycle2"/>
     <dgm:cxn modelId="{1C16E3C2-8DA0-E24A-AEF3-4855C0BCC855}" type="presOf" srcId="{6960D0BA-9C91-784C-AE10-65AC169E4DC8}" destId="{0CE1B85C-6C34-BD4E-9439-2F58FF037D20}" srcOrd="0" destOrd="0" presId="urn:microsoft.com/office/officeart/2005/8/layout/cycle2"/>
-    <dgm:cxn modelId="{8F066DED-EEAD-F84B-968C-A38CD4AA21AE}" type="presOf" srcId="{6A6E47F8-1048-2F47-907A-D4BF231FF035}" destId="{D1550008-CC03-1C41-97A6-3AE1B03323AA}" srcOrd="0" destOrd="0" presId="urn:microsoft.com/office/officeart/2005/8/layout/cycle2"/>
-    <dgm:cxn modelId="{44B4281D-862C-D64C-BC64-571E5A97D57D}" srcId="{6A6E47F8-1048-2F47-907A-D4BF231FF035}" destId="{EF1748F2-133D-8443-B07B-1F3DD04D9097}" srcOrd="0" destOrd="0" parTransId="{B0EF66BE-1830-6144-B5C6-55B00DE505CD}" sibTransId="{D8011B7C-4543-B647-8959-0A49F7C91FED}"/>
-    <dgm:cxn modelId="{AD5CC48D-9565-2248-92F8-1663DC42CBCA}" type="presOf" srcId="{D8011B7C-4543-B647-8959-0A49F7C91FED}" destId="{34789F1D-661B-A340-90B1-DE96D4C88CE9}" srcOrd="1" destOrd="0" presId="urn:microsoft.com/office/officeart/2005/8/layout/cycle2"/>
-    <dgm:cxn modelId="{6AAAD7F9-0E5A-5647-A4DB-772ECDFE4ECB}" type="presOf" srcId="{D8011B7C-4543-B647-8959-0A49F7C91FED}" destId="{274AE413-8C94-2341-BBF5-1E261E2E00D7}" srcOrd="0" destOrd="0" presId="urn:microsoft.com/office/officeart/2005/8/layout/cycle2"/>
-    <dgm:cxn modelId="{25296985-B719-5449-A8F6-7FF5D35B69C6}" type="presOf" srcId="{EF1748F2-133D-8443-B07B-1F3DD04D9097}" destId="{65583AE2-E745-A745-871C-52C817E954DB}" srcOrd="0" destOrd="0" presId="urn:microsoft.com/office/officeart/2005/8/layout/cycle2"/>
     <dgm:cxn modelId="{AC09E120-0582-D049-BD43-D6918911EBFE}" type="presParOf" srcId="{D1550008-CC03-1C41-97A6-3AE1B03323AA}" destId="{65583AE2-E745-A745-871C-52C817E954DB}" srcOrd="0" destOrd="0" presId="urn:microsoft.com/office/officeart/2005/8/layout/cycle2"/>
     <dgm:cxn modelId="{9FCFB997-8C2C-1842-B4B1-1BF493692312}" type="presParOf" srcId="{D1550008-CC03-1C41-97A6-3AE1B03323AA}" destId="{274AE413-8C94-2341-BBF5-1E261E2E00D7}" srcOrd="1" destOrd="0" presId="urn:microsoft.com/office/officeart/2005/8/layout/cycle2"/>
     <dgm:cxn modelId="{A6C340B3-F3FF-004D-81B3-C7969266545D}" type="presParOf" srcId="{274AE413-8C94-2341-BBF5-1E261E2E00D7}" destId="{34789F1D-661B-A340-90B1-DE96D4C88CE9}" srcOrd="0" destOrd="0" presId="urn:microsoft.com/office/officeart/2005/8/layout/cycle2"/>
@@ -8284,6 +8460,13 @@
         </dgm:presLayoutVars>
       </dgm:prSet>
       <dgm:spPr/>
+      <dgm:t>
+        <a:bodyPr/>
+        <a:lstStyle/>
+        <a:p>
+          <a:endParaRPr lang="en-US"/>
+        </a:p>
+      </dgm:t>
     </dgm:pt>
     <dgm:pt modelId="{33179443-2AD2-D343-A33C-9D033A9C51A9}" type="pres">
       <dgm:prSet presAssocID="{EF45CCB3-A4CB-CF4D-A791-D7357FED8189}" presName="spacerT" presStyleCnt="0"/>
@@ -8292,6 +8475,13 @@
     <dgm:pt modelId="{F02CB99D-15B1-AD44-9320-8E975381C9D8}" type="pres">
       <dgm:prSet presAssocID="{EF45CCB3-A4CB-CF4D-A791-D7357FED8189}" presName="sibTrans" presStyleLbl="sibTrans2D1" presStyleIdx="0" presStyleCnt="2"/>
       <dgm:spPr/>
+      <dgm:t>
+        <a:bodyPr/>
+        <a:lstStyle/>
+        <a:p>
+          <a:endParaRPr lang="en-US"/>
+        </a:p>
+      </dgm:t>
     </dgm:pt>
     <dgm:pt modelId="{85F6367F-898A-9A4C-9D96-785B930E4EAF}" type="pres">
       <dgm:prSet presAssocID="{EF45CCB3-A4CB-CF4D-A791-D7357FED8189}" presName="spacerB" presStyleCnt="0"/>
@@ -8304,14 +8494,35 @@
         </dgm:presLayoutVars>
       </dgm:prSet>
       <dgm:spPr/>
+      <dgm:t>
+        <a:bodyPr/>
+        <a:lstStyle/>
+        <a:p>
+          <a:endParaRPr lang="en-US"/>
+        </a:p>
+      </dgm:t>
     </dgm:pt>
     <dgm:pt modelId="{BF1CED5C-0D5B-3D4F-815B-A58D41B33ECF}" type="pres">
       <dgm:prSet presAssocID="{E80DDE21-4817-EA47-94C2-0A9B57346F30}" presName="sibTransLast" presStyleLbl="sibTrans2D1" presStyleIdx="1" presStyleCnt="2"/>
       <dgm:spPr/>
+      <dgm:t>
+        <a:bodyPr/>
+        <a:lstStyle/>
+        <a:p>
+          <a:endParaRPr lang="en-US"/>
+        </a:p>
+      </dgm:t>
     </dgm:pt>
     <dgm:pt modelId="{5CB1C4A4-FA9F-8740-88EF-0EC14C9FEE88}" type="pres">
       <dgm:prSet presAssocID="{E80DDE21-4817-EA47-94C2-0A9B57346F30}" presName="connectorText" presStyleLbl="sibTrans2D1" presStyleIdx="1" presStyleCnt="2"/>
       <dgm:spPr/>
+      <dgm:t>
+        <a:bodyPr/>
+        <a:lstStyle/>
+        <a:p>
+          <a:endParaRPr lang="en-US"/>
+        </a:p>
+      </dgm:t>
     </dgm:pt>
     <dgm:pt modelId="{660C8989-F8D4-4A43-862F-8B032FF92F2B}" type="pres">
       <dgm:prSet presAssocID="{E80DDE21-4817-EA47-94C2-0A9B57346F30}" presName="lastNode" presStyleLbl="node1" presStyleIdx="2" presStyleCnt="3">
@@ -8320,6 +8531,13 @@
         </dgm:presLayoutVars>
       </dgm:prSet>
       <dgm:spPr/>
+      <dgm:t>
+        <a:bodyPr/>
+        <a:lstStyle/>
+        <a:p>
+          <a:endParaRPr lang="en-US"/>
+        </a:p>
+      </dgm:t>
     </dgm:pt>
   </dgm:ptLst>
   <dgm:cxnLst>
@@ -23302,7 +23520,7 @@
             <a:fld id="{AB1CDEB6-C0D8-439D-94AA-7569540F08E4}" type="datetimeFigureOut">
               <a:rPr lang="en-US" smtClean="0"/>
               <a:pPr/>
-              <a:t>12/12/15</a:t>
+              <a:t>12/13/15</a:t>
             </a:fld>
             <a:endParaRPr lang="en-US"/>
           </a:p>
@@ -23660,7 +23878,7 @@
             <a:fld id="{81331B57-0BE5-4F82-AA58-76F53EFF3ADA}" type="datetime8">
               <a:rPr lang="en-US" smtClean="0"/>
               <a:pPr/>
-              <a:t>12/12/15 2:24 AM</a:t>
+              <a:t>12/13/15 5:09 PM</a:t>
             </a:fld>
             <a:endParaRPr lang="en-US" dirty="0"/>
           </a:p>
@@ -23854,7 +24072,7 @@
             <a:fld id="{81331B57-0BE5-4F82-AA58-76F53EFF3ADA}" type="datetime8">
               <a:rPr lang="en-US" smtClean="0"/>
               <a:pPr/>
-              <a:t>12/12/15 2:24 AM</a:t>
+              <a:t>12/13/15 5:09 PM</a:t>
             </a:fld>
             <a:endParaRPr lang="en-US"/>
           </a:p>
@@ -24038,7 +24256,7 @@
             <a:fld id="{81331B57-0BE5-4F82-AA58-76F53EFF3ADA}" type="datetime8">
               <a:rPr lang="en-US" smtClean="0"/>
               <a:pPr/>
-              <a:t>12/12/15 2:24 AM</a:t>
+              <a:t>12/13/15 5:09 PM</a:t>
             </a:fld>
             <a:endParaRPr lang="en-US"/>
           </a:p>
@@ -24222,7 +24440,7 @@
             <a:fld id="{81331B57-0BE5-4F82-AA58-76F53EFF3ADA}" type="datetime8">
               <a:rPr lang="en-US" smtClean="0"/>
               <a:pPr/>
-              <a:t>12/12/15 2:24 AM</a:t>
+              <a:t>12/13/15 5:09 PM</a:t>
             </a:fld>
             <a:endParaRPr lang="en-US"/>
           </a:p>
@@ -24406,7 +24624,7 @@
             <a:fld id="{81331B57-0BE5-4F82-AA58-76F53EFF3ADA}" type="datetime8">
               <a:rPr lang="en-US" smtClean="0"/>
               <a:pPr/>
-              <a:t>12/12/15 2:24 AM</a:t>
+              <a:t>12/13/15 5:09 PM</a:t>
             </a:fld>
             <a:endParaRPr lang="en-US"/>
           </a:p>
@@ -24590,7 +24808,7 @@
             <a:fld id="{81331B57-0BE5-4F82-AA58-76F53EFF3ADA}" type="datetime8">
               <a:rPr lang="en-US" smtClean="0"/>
               <a:pPr/>
-              <a:t>12/12/15 2:24 AM</a:t>
+              <a:t>12/13/15 5:09 PM</a:t>
             </a:fld>
             <a:endParaRPr lang="en-US"/>
           </a:p>
@@ -24774,7 +24992,7 @@
             <a:fld id="{81331B57-0BE5-4F82-AA58-76F53EFF3ADA}" type="datetime8">
               <a:rPr lang="en-US" smtClean="0"/>
               <a:pPr/>
-              <a:t>12/12/15 2:24 AM</a:t>
+              <a:t>12/13/15 5:09 PM</a:t>
             </a:fld>
             <a:endParaRPr lang="en-US"/>
           </a:p>
@@ -24958,7 +25176,7 @@
             <a:fld id="{81331B57-0BE5-4F82-AA58-76F53EFF3ADA}" type="datetime8">
               <a:rPr lang="en-US" smtClean="0"/>
               <a:pPr/>
-              <a:t>12/12/15 2:24 AM</a:t>
+              <a:t>12/13/15 8:46 PM</a:t>
             </a:fld>
             <a:endParaRPr lang="en-US"/>
           </a:p>
@@ -25142,7 +25360,7 @@
             <a:fld id="{81331B57-0BE5-4F82-AA58-76F53EFF3ADA}" type="datetime8">
               <a:rPr lang="en-US" smtClean="0"/>
               <a:pPr/>
-              <a:t>12/12/15 2:24 AM</a:t>
+              <a:t>12/13/15 5:09 PM</a:t>
             </a:fld>
             <a:endParaRPr lang="en-US"/>
           </a:p>
@@ -29140,6 +29358,13 @@
   <p:transition>
     <p:fade/>
   </p:transition>
+  <p:timing>
+    <p:tnLst>
+      <p:par>
+        <p:cTn id="1" dur="indefinite" restart="never" nodeType="tmRoot"/>
+      </p:par>
+    </p:tnLst>
+  </p:timing>
 </p:sld>
 </file>
 
@@ -29299,6 +29524,13 @@
   <p:transition>
     <p:fade/>
   </p:transition>
+  <p:timing>
+    <p:tnLst>
+      <p:par>
+        <p:cTn id="1" dur="indefinite" restart="never" nodeType="tmRoot"/>
+      </p:par>
+    </p:tnLst>
+  </p:timing>
 </p:sld>
 </file>
 
@@ -29468,6 +29700,13 @@
   <p:transition>
     <p:fade/>
   </p:transition>
+  <p:timing>
+    <p:tnLst>
+      <p:par>
+        <p:cTn id="1" dur="indefinite" restart="never" nodeType="tmRoot"/>
+      </p:par>
+    </p:tnLst>
+  </p:timing>
 </p:sld>
 </file>
 
@@ -29717,6 +29956,13 @@
   <p:transition>
     <p:fade/>
   </p:transition>
+  <p:timing>
+    <p:tnLst>
+      <p:par>
+        <p:cTn id="1" dur="indefinite" restart="never" nodeType="tmRoot"/>
+      </p:par>
+    </p:tnLst>
+  </p:timing>
 </p:sld>
 </file>
 
@@ -29862,6 +30108,13 @@
   <p:transition>
     <p:fade/>
   </p:transition>
+  <p:timing>
+    <p:tnLst>
+      <p:par>
+        <p:cTn id="1" dur="indefinite" restart="never" nodeType="tmRoot"/>
+      </p:par>
+    </p:tnLst>
+  </p:timing>
 </p:sld>
 </file>
 
@@ -29968,11 +30221,7 @@
             </a:r>
             <a:r>
               <a:rPr lang="en-US" sz="3600" dirty="0"/>
-              <a:t> a)  for all a and b.</a:t>
-            </a:r>
-            <a:r>
-              <a:rPr lang="en-US" sz="3600" dirty="0"/>
-              <a:t> </a:t>
+              <a:t> a)  for all a and b. </a:t>
             </a:r>
           </a:p>
         </p:txBody>
@@ -30015,6 +30264,13 @@
   <p:transition>
     <p:fade/>
   </p:transition>
+  <p:timing>
+    <p:tnLst>
+      <p:par>
+        <p:cTn id="1" dur="indefinite" restart="never" nodeType="tmRoot"/>
+      </p:par>
+    </p:tnLst>
+  </p:timing>
 </p:sld>
 </file>
 
@@ -30164,6 +30420,13 @@
   <p:transition>
     <p:fade/>
   </p:transition>
+  <p:timing>
+    <p:tnLst>
+      <p:par>
+        <p:cTn id="1" dur="indefinite" restart="never" nodeType="tmRoot"/>
+      </p:par>
+    </p:tnLst>
+  </p:timing>
 </p:sld>
 </file>
 
@@ -30364,6 +30627,13 @@
   <p:transition>
     <p:fade/>
   </p:transition>
+  <p:timing>
+    <p:tnLst>
+      <p:par>
+        <p:cTn id="1" dur="indefinite" restart="never" nodeType="tmRoot"/>
+      </p:par>
+    </p:tnLst>
+  </p:timing>
 </p:sld>
 </file>
 
@@ -30611,6 +30881,13 @@
   <p:transition>
     <p:fade/>
   </p:transition>
+  <p:timing>
+    <p:tnLst>
+      <p:par>
+        <p:cTn id="1" dur="indefinite" restart="never" nodeType="tmRoot"/>
+      </p:par>
+    </p:tnLst>
+  </p:timing>
 </p:sld>
 </file>
 
@@ -30672,7 +30949,7 @@
         <p:spPr>
           <a:xfrm>
             <a:off x="381000" y="1754109"/>
-            <a:ext cx="4114800" cy="4075191"/>
+            <a:ext cx="4114800" cy="4462760"/>
           </a:xfrm>
         </p:spPr>
         <p:txBody>
@@ -30690,7 +30967,15 @@
             </a:r>
             <a:r>
               <a:rPr lang="en-US" sz="2400" b="1" i="1" dirty="0"/>
-              <a:t> may occur, for instance, when an agent has some internal tendency(a self-</a:t>
+              <a:t> may occur, for instance, when an agent has some internal </a:t>
+            </a:r>
+            <a:r>
+              <a:rPr lang="en-US" sz="2400" b="1" i="1" dirty="0" smtClean="0"/>
+              <a:t>tendency (</a:t>
+            </a:r>
+            <a:r>
+              <a:rPr lang="en-US" sz="2400" b="1" i="1" dirty="0"/>
+              <a:t>a self-</a:t>
             </a:r>
             <a:r>
               <a:rPr lang="en-US" sz="2400" b="1" i="1" dirty="0" err="1"/>
@@ -30764,6 +31049,13 @@
   <p:transition>
     <p:fade/>
   </p:transition>
+  <p:timing>
+    <p:tnLst>
+      <p:par>
+        <p:cTn id="1" dur="indefinite" restart="never" nodeType="tmRoot"/>
+      </p:par>
+    </p:tnLst>
+  </p:timing>
 </p:sld>
 </file>
 
@@ -30913,6 +31205,13 @@
   <p:transition>
     <p:fade/>
   </p:transition>
+  <p:timing>
+    <p:tnLst>
+      <p:par>
+        <p:cTn id="1" dur="indefinite" restart="never" nodeType="tmRoot"/>
+      </p:par>
+    </p:tnLst>
+  </p:timing>
 </p:sld>
 </file>
 
@@ -30999,25 +31298,35 @@
           </a:p>
         </p:txBody>
       </p:sp>
-      <p:sp>
-        <p:nvSpPr>
-          <p:cNvPr id="4" name="Content Placeholder 3"/>
-          <p:cNvSpPr>
-            <a:spLocks noGrp="1"/>
-          </p:cNvSpPr>
+      <p:pic>
+        <p:nvPicPr>
+          <p:cNvPr id="5" name="Content Placeholder 4"/>
+          <p:cNvPicPr>
+            <a:picLocks noGrp="1" noChangeAspect="1"/>
+          </p:cNvPicPr>
           <p:nvPr>
             <p:ph sz="half" idx="2"/>
           </p:nvPr>
-        </p:nvSpPr>
-        <p:spPr/>
-        <p:txBody>
-          <a:bodyPr/>
-          <a:lstStyle/>
-          <a:p>
-            <a:endParaRPr lang="en-US"/>
-          </a:p>
-        </p:txBody>
-      </p:sp>
+        </p:nvPicPr>
+        <p:blipFill>
+          <a:blip r:embed="rId3">
+            <a:extLst>
+              <a:ext uri="{28A0092B-C50C-407E-A947-70E740481C1C}">
+                <a14:useLocalDpi xmlns:a14="http://schemas.microsoft.com/office/drawing/2010/main" val="0"/>
+              </a:ext>
+            </a:extLst>
+          </a:blip>
+          <a:stretch>
+            <a:fillRect/>
+          </a:stretch>
+        </p:blipFill>
+        <p:spPr>
+          <a:xfrm>
+            <a:off x="5334000" y="1905000"/>
+            <a:ext cx="3111500" cy="3175000"/>
+          </a:xfrm>
+        </p:spPr>
+      </p:pic>
     </p:spTree>
     <p:extLst>
       <p:ext uri="{BB962C8B-B14F-4D97-AF65-F5344CB8AC3E}">
@@ -31031,6 +31340,13 @@
   <p:transition>
     <p:fade/>
   </p:transition>
+  <p:timing>
+    <p:tnLst>
+      <p:par>
+        <p:cTn id="1" dur="indefinite" restart="never" nodeType="tmRoot"/>
+      </p:par>
+    </p:tnLst>
+  </p:timing>
 </p:sld>
 </file>
 
@@ -31158,6 +31474,13 @@
   <p:transition>
     <p:fade/>
   </p:transition>
+  <p:timing>
+    <p:tnLst>
+      <p:par>
+        <p:cTn id="1" dur="indefinite" restart="never" nodeType="tmRoot"/>
+      </p:par>
+    </p:tnLst>
+  </p:timing>
 </p:sld>
 </file>
 
@@ -31296,6 +31619,13 @@
   <p:transition>
     <p:fade/>
   </p:transition>
+  <p:timing>
+    <p:tnLst>
+      <p:par>
+        <p:cTn id="1" dur="indefinite" restart="never" nodeType="tmRoot"/>
+      </p:par>
+    </p:tnLst>
+  </p:timing>
 </p:sld>
 </file>
 
@@ -31774,6 +32104,13 @@
   <p:transition>
     <p:fade/>
   </p:transition>
+  <p:timing>
+    <p:tnLst>
+      <p:par>
+        <p:cTn id="1" dur="indefinite" restart="never" nodeType="tmRoot"/>
+      </p:par>
+    </p:tnLst>
+  </p:timing>
 </p:sld>
 </file>
 
@@ -31913,6 +32250,13 @@
   <p:transition>
     <p:fade/>
   </p:transition>
+  <p:timing>
+    <p:tnLst>
+      <p:par>
+        <p:cTn id="1" dur="indefinite" restart="never" nodeType="tmRoot"/>
+      </p:par>
+    </p:tnLst>
+  </p:timing>
 </p:sld>
 </file>
 
@@ -32257,6 +32601,148 @@
   <p:transition>
     <p:fade/>
   </p:transition>
+  <p:timing>
+    <p:tnLst>
+      <p:par>
+        <p:cTn id="1" dur="indefinite" restart="never" nodeType="tmRoot"/>
+      </p:par>
+    </p:tnLst>
+  </p:timing>
+</p:sld>
+</file>
+
+<file path=ppt/slides/slide31.xml><?xml version="1.0" encoding="utf-8"?>
+<p:sld xmlns:a="http://schemas.openxmlformats.org/drawingml/2006/main" xmlns:r="http://schemas.openxmlformats.org/officeDocument/2006/relationships" xmlns:p="http://schemas.openxmlformats.org/presentationml/2006/main">
+  <p:cSld>
+    <p:spTree>
+      <p:nvGrpSpPr>
+        <p:cNvPr id="1" name=""/>
+        <p:cNvGrpSpPr/>
+        <p:nvPr/>
+      </p:nvGrpSpPr>
+      <p:grpSpPr>
+        <a:xfrm>
+          <a:off x="0" y="0"/>
+          <a:ext cx="0" cy="0"/>
+          <a:chOff x="0" y="0"/>
+          <a:chExt cx="0" cy="0"/>
+        </a:xfrm>
+      </p:grpSpPr>
+      <p:sp>
+        <p:nvSpPr>
+          <p:cNvPr id="2" name="Title 1"/>
+          <p:cNvSpPr>
+            <a:spLocks noGrp="1"/>
+          </p:cNvSpPr>
+          <p:nvPr>
+            <p:ph type="title"/>
+          </p:nvPr>
+        </p:nvSpPr>
+        <p:spPr>
+          <a:xfrm>
+            <a:off x="381000" y="230188"/>
+            <a:ext cx="8382000" cy="664797"/>
+          </a:xfrm>
+        </p:spPr>
+        <p:txBody>
+          <a:bodyPr/>
+          <a:lstStyle/>
+          <a:p>
+            <a:r>
+              <a:rPr lang="en-US" dirty="0" smtClean="0"/>
+              <a:t>Credits</a:t>
+            </a:r>
+            <a:endParaRPr lang="en-US" dirty="0"/>
+          </a:p>
+        </p:txBody>
+      </p:sp>
+      <p:sp>
+        <p:nvSpPr>
+          <p:cNvPr id="3" name="Text Placeholder 2"/>
+          <p:cNvSpPr>
+            <a:spLocks noGrp="1"/>
+          </p:cNvSpPr>
+          <p:nvPr>
+            <p:ph type="body" sz="quarter" idx="10"/>
+          </p:nvPr>
+        </p:nvSpPr>
+        <p:spPr>
+          <a:xfrm>
+            <a:off x="381000" y="1676400"/>
+            <a:ext cx="8382000" cy="3102388"/>
+          </a:xfrm>
+        </p:spPr>
+        <p:txBody>
+          <a:bodyPr/>
+          <a:lstStyle/>
+          <a:p>
+            <a:r>
+              <a:rPr lang="en-US" sz="2800" dirty="0"/>
+              <a:t>"Hokusai-sketches---hokusai-manga-vol6-crop" by Katsushika </a:t>
+            </a:r>
+            <a:r>
+              <a:rPr lang="en-US" sz="2800" dirty="0" err="1"/>
+              <a:t>Hokusaiderivative</a:t>
+            </a:r>
+            <a:r>
+              <a:rPr lang="en-US" sz="2800" dirty="0"/>
+              <a:t> work: </a:t>
+            </a:r>
+            <a:r>
+              <a:rPr lang="en-US" sz="2800" dirty="0" err="1"/>
+              <a:t>AMorozov</a:t>
+            </a:r>
+            <a:r>
+              <a:rPr lang="en-US" sz="2800" dirty="0"/>
+              <a:t> - Hokusai_sketches_-_hokusai_manga_vol6.jpg. Licensed under Public Domain via Commons - https://</a:t>
+            </a:r>
+            <a:r>
+              <a:rPr lang="en-US" sz="2800" dirty="0" err="1"/>
+              <a:t>commons.wikimedia.org</a:t>
+            </a:r>
+            <a:r>
+              <a:rPr lang="en-US" sz="2800" dirty="0"/>
+              <a:t>/wiki/</a:t>
+            </a:r>
+            <a:r>
+              <a:rPr lang="en-US" sz="2800" dirty="0" err="1"/>
+              <a:t>File:Hokusai-sketches</a:t>
+            </a:r>
+            <a:r>
+              <a:rPr lang="en-US" sz="2800" dirty="0"/>
+              <a:t>---hokusai-manga-vol6-crop.jpg#/media/</a:t>
+            </a:r>
+            <a:r>
+              <a:rPr lang="en-US" sz="2800" dirty="0" err="1"/>
+              <a:t>File:Hokusai-sketches</a:t>
+            </a:r>
+            <a:r>
+              <a:rPr lang="en-US" sz="2800" dirty="0"/>
+              <a:t>---hokusai-manga-vol6-crop.jpg</a:t>
+            </a:r>
+          </a:p>
+        </p:txBody>
+      </p:sp>
+    </p:spTree>
+    <p:extLst>
+      <p:ext uri="{BB962C8B-B14F-4D97-AF65-F5344CB8AC3E}">
+        <p14:creationId xmlns:p14="http://schemas.microsoft.com/office/powerpoint/2010/main" val="526432442"/>
+      </p:ext>
+    </p:extLst>
+  </p:cSld>
+  <p:clrMapOvr>
+    <a:masterClrMapping/>
+  </p:clrMapOvr>
+  <p:transition>
+    <p:fade/>
+  </p:transition>
+  <p:timing>
+    <p:tnLst>
+      <p:par>
+        <p:cTn id="1" dur="indefinite" restart="never" nodeType="tmRoot"/>
+      </p:par>
+    </p:tnLst>
+  </p:timing>
 </p:sld>
 </file>
 
@@ -32605,15 +33091,10 @@
             <p:ph type="title"/>
           </p:nvPr>
         </p:nvSpPr>
-        <p:spPr>
-          <a:xfrm>
-            <a:off x="381000" y="230188"/>
-            <a:ext cx="8382000" cy="1903412"/>
-          </a:xfrm>
-        </p:spPr>
+        <p:spPr/>
         <p:txBody>
           <a:bodyPr>
-            <a:normAutofit/>
+            <a:normAutofit fontScale="90000"/>
           </a:bodyPr>
           <a:lstStyle/>
           <a:p>
@@ -32647,13 +33128,13 @@
             <a:spLocks noGrp="1"/>
           </p:cNvSpPr>
           <p:nvPr>
-            <p:ph type="body" sz="quarter" idx="10"/>
+            <p:ph sz="half" idx="1"/>
           </p:nvPr>
         </p:nvSpPr>
         <p:spPr>
           <a:xfrm>
-            <a:off x="381000" y="2438400"/>
-            <a:ext cx="8382000" cy="3352800"/>
+            <a:off x="381000" y="1981200"/>
+            <a:ext cx="4572000" cy="4114800"/>
           </a:xfrm>
         </p:spPr>
         <p:txBody>
@@ -32663,40 +33144,77 @@
           <a:lstStyle/>
           <a:p>
             <a:r>
-              <a:rPr lang="en-US" dirty="0" smtClean="0"/>
+              <a:rPr lang="en-US" sz="3200" dirty="0" smtClean="0"/>
               <a:t>Agents:</a:t>
             </a:r>
           </a:p>
           <a:p>
             <a:pPr lvl="1"/>
             <a:r>
-              <a:rPr lang="en-US" dirty="0" smtClean="0"/>
+              <a:rPr lang="en-US" sz="2800" dirty="0" smtClean="0"/>
               <a:t>Exist in some environment</a:t>
             </a:r>
           </a:p>
           <a:p>
             <a:pPr lvl="1"/>
             <a:r>
-              <a:rPr lang="en-US" dirty="0" smtClean="0"/>
+              <a:rPr lang="en-US" sz="2800" dirty="0" smtClean="0"/>
               <a:t>Are called upon to act</a:t>
             </a:r>
           </a:p>
           <a:p>
             <a:pPr lvl="1"/>
             <a:r>
-              <a:rPr lang="en-US" dirty="0" smtClean="0"/>
-              <a:t>Look to the environment to decide what to do</a:t>
+              <a:rPr lang="en-US" sz="2800" dirty="0" smtClean="0"/>
+              <a:t>Look to </a:t>
+            </a:r>
+            <a:r>
+              <a:rPr lang="en-US" sz="2800" dirty="0" smtClean="0"/>
+              <a:t>their goals and the </a:t>
+            </a:r>
+            <a:r>
+              <a:rPr lang="en-US" sz="2800" dirty="0" smtClean="0"/>
+              <a:t>environment to decide what to do</a:t>
             </a:r>
           </a:p>
           <a:p>
             <a:pPr lvl="1"/>
             <a:r>
-              <a:rPr lang="en-US" dirty="0" smtClean="0"/>
+              <a:rPr lang="en-US" sz="2800" dirty="0" smtClean="0"/>
               <a:t>Influence other agents by their actions</a:t>
             </a:r>
           </a:p>
         </p:txBody>
       </p:sp>
+      <p:pic>
+        <p:nvPicPr>
+          <p:cNvPr id="5" name="Content Placeholder 4"/>
+          <p:cNvPicPr>
+            <a:picLocks noGrp="1" noChangeAspect="1"/>
+          </p:cNvPicPr>
+          <p:nvPr>
+            <p:ph sz="half" idx="2"/>
+          </p:nvPr>
+        </p:nvPicPr>
+        <p:blipFill>
+          <a:blip r:embed="rId3">
+            <a:extLst>
+              <a:ext uri="{28A0092B-C50C-407E-A947-70E740481C1C}">
+                <a14:useLocalDpi xmlns:a14="http://schemas.microsoft.com/office/drawing/2010/main" val="0"/>
+              </a:ext>
+            </a:extLst>
+          </a:blip>
+          <a:stretch>
+            <a:fillRect/>
+          </a:stretch>
+        </p:blipFill>
+        <p:spPr>
+          <a:xfrm>
+            <a:off x="5791200" y="1676400"/>
+            <a:ext cx="2258483" cy="4191000"/>
+          </a:xfrm>
+        </p:spPr>
+      </p:pic>
     </p:spTree>
     <p:extLst>
       <p:ext uri="{BB962C8B-B14F-4D97-AF65-F5344CB8AC3E}">
@@ -32750,7 +33268,7 @@
         <p:spPr>
           <a:xfrm>
             <a:off x="381000" y="230188"/>
-            <a:ext cx="8382000" cy="912812"/>
+            <a:ext cx="8382000" cy="760412"/>
           </a:xfrm>
         </p:spPr>
         <p:txBody>
@@ -32760,8 +33278,20 @@
           <a:lstStyle/>
           <a:p>
             <a:r>
+              <a:rPr lang="en-US" smtClean="0"/>
+              <a:t>Agent-Based </a:t>
+            </a:r>
+            <a:r>
+              <a:rPr lang="en-US" smtClean="0"/>
+              <a:t>Modeling </a:t>
+            </a:r>
+            <a:r>
+              <a:rPr lang="en-US"/>
+              <a:t>(ABM)</a:t>
+            </a:r>
+            <a:r>
               <a:rPr lang="en-US" dirty="0" smtClean="0"/>
-              <a:t>Agent-Based Modeling</a:t>
+              <a:t/>
             </a:r>
             <a:br>
               <a:rPr lang="en-US" dirty="0" smtClean="0"/>
@@ -32918,7 +33448,15 @@
           <a:p>
             <a:r>
               <a:rPr lang="en-US" dirty="0" smtClean="0"/>
-              <a:t>Agent-Based Modeling (ABM)</a:t>
+              <a:t>Agent-Based </a:t>
+            </a:r>
+            <a:r>
+              <a:rPr lang="en-US" dirty="0" smtClean="0"/>
+              <a:t>Modeling</a:t>
+            </a:r>
+            <a:r>
+              <a:rPr lang="en-US" dirty="0" smtClean="0"/>
+              <a:t/>
             </a:r>
             <a:br>
               <a:rPr lang="en-US" dirty="0" smtClean="0"/>

--- a/docs/ABMsAsAlgebraic.pptx
+++ b/docs/ABMsAsAlgebraic.pptx
@@ -7919,11 +7919,26 @@
 <dgm:dataModel xmlns:dgm="http://schemas.openxmlformats.org/drawingml/2006/diagram" xmlns:a="http://schemas.openxmlformats.org/drawingml/2006/main">
   <dgm:ptLst>
     <dgm:pt modelId="{B17668EC-E26C-0B49-A152-3C66765905A8}" type="doc">
-      <dgm:prSet loTypeId="urn:microsoft.com/office/officeart/2005/8/layout/equation1" loCatId="" qsTypeId="urn:microsoft.com/office/officeart/2005/8/quickstyle/simple4" qsCatId="simple" csTypeId="urn:microsoft.com/office/officeart/2005/8/colors/accent1_2" csCatId="accent1" phldr="0"/>
+      <dgm:prSet loTypeId="urn:microsoft.com/office/officeart/2005/8/layout/equation1" loCatId="" qsTypeId="urn:microsoft.com/office/officeart/2005/8/quickstyle/simple4" qsCatId="simple" csTypeId="urn:microsoft.com/office/officeart/2005/8/colors/accent1_2" csCatId="accent1" phldr="1"/>
       <dgm:spPr/>
     </dgm:pt>
     <dgm:pt modelId="{71D61559-1B46-724D-B982-1621C3AACA4B}">
-      <dgm:prSet phldrT="[Text]" phldr="1"/>
+      <dgm:prSet phldrT="[Text]"/>
+      <dgm:spPr/>
+      <dgm:t>
+        <a:bodyPr/>
+        <a:lstStyle/>
+        <a:p>
+          <a:r>
+            <a:rPr lang="en-US" smtClean="0"/>
+            <a:t>Pre</a:t>
+          </a:r>
+          <a:endParaRPr lang="en-US"/>
+        </a:p>
+      </dgm:t>
+    </dgm:pt>
+    <dgm:pt modelId="{9F6AEFA3-185D-8146-9270-DE0C671D7FAA}" type="parTrans" cxnId="{542E6AC4-EDDE-BF47-89B6-E1AA4B93D6E2}">
+      <dgm:prSet/>
       <dgm:spPr/>
       <dgm:t>
         <a:bodyPr/>
@@ -7932,10 +7947,6 @@
           <a:endParaRPr lang="en-US"/>
         </a:p>
       </dgm:t>
-    </dgm:pt>
-    <dgm:pt modelId="{9F6AEFA3-185D-8146-9270-DE0C671D7FAA}" type="parTrans" cxnId="{542E6AC4-EDDE-BF47-89B6-E1AA4B93D6E2}">
-      <dgm:prSet/>
-      <dgm:spPr/>
     </dgm:pt>
     <dgm:pt modelId="{02562BB2-DF6A-2B41-9658-2164E1CEF651}" type="sibTrans" cxnId="{542E6AC4-EDDE-BF47-89B6-E1AA4B93D6E2}">
       <dgm:prSet/>
@@ -7949,7 +7960,22 @@
       </dgm:t>
     </dgm:pt>
     <dgm:pt modelId="{8A03BCB5-79F1-004D-ABE0-B1E051BE2228}">
-      <dgm:prSet phldrT="[Text]" phldr="1"/>
+      <dgm:prSet phldrT="[Text]"/>
+      <dgm:spPr/>
+      <dgm:t>
+        <a:bodyPr/>
+        <a:lstStyle/>
+        <a:p>
+          <a:r>
+            <a:rPr lang="en-US" dirty="0" smtClean="0"/>
+            <a:t>Null</a:t>
+          </a:r>
+          <a:endParaRPr lang="en-US" dirty="0"/>
+        </a:p>
+      </dgm:t>
+    </dgm:pt>
+    <dgm:pt modelId="{740B7817-ED12-8C40-B966-A20A94DFDA48}" type="parTrans" cxnId="{31FF00AB-2A09-CF4E-A85C-C62CDAB6B2EC}">
+      <dgm:prSet/>
       <dgm:spPr/>
       <dgm:t>
         <a:bodyPr/>
@@ -7958,10 +7984,6 @@
           <a:endParaRPr lang="en-US"/>
         </a:p>
       </dgm:t>
-    </dgm:pt>
-    <dgm:pt modelId="{740B7817-ED12-8C40-B966-A20A94DFDA48}" type="parTrans" cxnId="{31FF00AB-2A09-CF4E-A85C-C62CDAB6B2EC}">
-      <dgm:prSet/>
-      <dgm:spPr/>
     </dgm:pt>
     <dgm:pt modelId="{8CBB45B8-B840-CB4F-A6C6-7D0C3DBE4211}" type="sibTrans" cxnId="{31FF00AB-2A09-CF4E-A85C-C62CDAB6B2EC}">
       <dgm:prSet/>
@@ -7975,7 +7997,22 @@
       </dgm:t>
     </dgm:pt>
     <dgm:pt modelId="{6986377E-B4D2-A049-9E50-21815A9B1A0E}">
-      <dgm:prSet phldrT="[Text]" phldr="1"/>
+      <dgm:prSet phldrT="[Text]"/>
+      <dgm:spPr/>
+      <dgm:t>
+        <a:bodyPr/>
+        <a:lstStyle/>
+        <a:p>
+          <a:r>
+            <a:rPr lang="en-US" dirty="0" smtClean="0"/>
+            <a:t>Pre</a:t>
+          </a:r>
+          <a:endParaRPr lang="en-US" dirty="0"/>
+        </a:p>
+      </dgm:t>
+    </dgm:pt>
+    <dgm:pt modelId="{1E58748C-F4CC-A248-B1B9-4515EF77ED81}" type="parTrans" cxnId="{49388D81-947E-2F4F-92CC-342E1609A311}">
+      <dgm:prSet/>
       <dgm:spPr/>
       <dgm:t>
         <a:bodyPr/>
@@ -7985,13 +8022,16 @@
         </a:p>
       </dgm:t>
     </dgm:pt>
-    <dgm:pt modelId="{1E58748C-F4CC-A248-B1B9-4515EF77ED81}" type="parTrans" cxnId="{49388D81-947E-2F4F-92CC-342E1609A311}">
-      <dgm:prSet/>
-      <dgm:spPr/>
-    </dgm:pt>
     <dgm:pt modelId="{80DEEF14-98CE-5248-9147-06D758ED233B}" type="sibTrans" cxnId="{49388D81-947E-2F4F-92CC-342E1609A311}">
       <dgm:prSet/>
       <dgm:spPr/>
+      <dgm:t>
+        <a:bodyPr/>
+        <a:lstStyle/>
+        <a:p>
+          <a:endParaRPr lang="en-US"/>
+        </a:p>
+      </dgm:t>
     </dgm:pt>
     <dgm:pt modelId="{0D43A316-1EB7-6746-8427-515F40701667}" type="pres">
       <dgm:prSet presAssocID="{B17668EC-E26C-0B49-A152-3C66765905A8}" presName="linearFlow" presStyleCnt="0">
@@ -12079,12 +12119,12 @@
         </a:fontRef>
       </dsp:style>
       <dsp:txBody>
-        <a:bodyPr spcFirstLastPara="0" vert="horz" wrap="square" lIns="25400" tIns="25400" rIns="25400" bIns="25400" numCol="1" spcCol="1270" anchor="ctr" anchorCtr="0">
+        <a:bodyPr spcFirstLastPara="0" vert="horz" wrap="square" lIns="34290" tIns="34290" rIns="34290" bIns="34290" numCol="1" spcCol="1270" anchor="ctr" anchorCtr="0">
           <a:noAutofit/>
         </a:bodyPr>
         <a:lstStyle/>
         <a:p>
-          <a:pPr lvl="0" algn="ctr" defTabSz="889000">
+          <a:pPr lvl="0" algn="ctr" defTabSz="1200150">
             <a:lnSpc>
               <a:spcPct val="90000"/>
             </a:lnSpc>
@@ -12095,7 +12135,11 @@
               <a:spcPct val="35000"/>
             </a:spcAft>
           </a:pPr>
-          <a:endParaRPr lang="en-US" sz="2000" kern="1200"/>
+          <a:r>
+            <a:rPr lang="en-US" sz="2700" kern="1200" smtClean="0"/>
+            <a:t>Pre</a:t>
+          </a:r>
+          <a:endParaRPr lang="en-US" sz="2700" kern="1200"/>
         </a:p>
       </dsp:txBody>
       <dsp:txXfrm>
@@ -12303,12 +12347,12 @@
         </a:fontRef>
       </dsp:style>
       <dsp:txBody>
-        <a:bodyPr spcFirstLastPara="0" vert="horz" wrap="square" lIns="25400" tIns="25400" rIns="25400" bIns="25400" numCol="1" spcCol="1270" anchor="ctr" anchorCtr="0">
+        <a:bodyPr spcFirstLastPara="0" vert="horz" wrap="square" lIns="34290" tIns="34290" rIns="34290" bIns="34290" numCol="1" spcCol="1270" anchor="ctr" anchorCtr="0">
           <a:noAutofit/>
         </a:bodyPr>
         <a:lstStyle/>
         <a:p>
-          <a:pPr lvl="0" algn="ctr" defTabSz="889000">
+          <a:pPr lvl="0" algn="ctr" defTabSz="1200150">
             <a:lnSpc>
               <a:spcPct val="90000"/>
             </a:lnSpc>
@@ -12319,7 +12363,11 @@
               <a:spcPct val="35000"/>
             </a:spcAft>
           </a:pPr>
-          <a:endParaRPr lang="en-US" sz="2000" kern="1200"/>
+          <a:r>
+            <a:rPr lang="en-US" sz="2700" kern="1200" dirty="0" smtClean="0"/>
+            <a:t>Null</a:t>
+          </a:r>
+          <a:endParaRPr lang="en-US" sz="2700" kern="1200" dirty="0"/>
         </a:p>
       </dsp:txBody>
       <dsp:txXfrm>
@@ -12527,12 +12575,12 @@
         </a:fontRef>
       </dsp:style>
       <dsp:txBody>
-        <a:bodyPr spcFirstLastPara="0" vert="horz" wrap="square" lIns="25400" tIns="25400" rIns="25400" bIns="25400" numCol="1" spcCol="1270" anchor="ctr" anchorCtr="0">
+        <a:bodyPr spcFirstLastPara="0" vert="horz" wrap="square" lIns="34290" tIns="34290" rIns="34290" bIns="34290" numCol="1" spcCol="1270" anchor="ctr" anchorCtr="0">
           <a:noAutofit/>
         </a:bodyPr>
         <a:lstStyle/>
         <a:p>
-          <a:pPr lvl="0" algn="ctr" defTabSz="889000">
+          <a:pPr lvl="0" algn="ctr" defTabSz="1200150">
             <a:lnSpc>
               <a:spcPct val="90000"/>
             </a:lnSpc>
@@ -12543,7 +12591,11 @@
               <a:spcPct val="35000"/>
             </a:spcAft>
           </a:pPr>
-          <a:endParaRPr lang="en-US" sz="2000" kern="1200"/>
+          <a:r>
+            <a:rPr lang="en-US" sz="2700" kern="1200" dirty="0" smtClean="0"/>
+            <a:t>Pre</a:t>
+          </a:r>
+          <a:endParaRPr lang="en-US" sz="2700" kern="1200" dirty="0"/>
         </a:p>
       </dsp:txBody>
       <dsp:txXfrm>
@@ -23520,7 +23572,7 @@
             <a:fld id="{AB1CDEB6-C0D8-439D-94AA-7569540F08E4}" type="datetimeFigureOut">
               <a:rPr lang="en-US" smtClean="0"/>
               <a:pPr/>
-              <a:t>12/13/15</a:t>
+              <a:t>2/26/16</a:t>
             </a:fld>
             <a:endParaRPr lang="en-US"/>
           </a:p>
@@ -23878,7 +23930,7 @@
             <a:fld id="{81331B57-0BE5-4F82-AA58-76F53EFF3ADA}" type="datetime8">
               <a:rPr lang="en-US" smtClean="0"/>
               <a:pPr/>
-              <a:t>12/13/15 5:09 PM</a:t>
+              <a:t>2/26/16 8:14 AM</a:t>
             </a:fld>
             <a:endParaRPr lang="en-US" dirty="0"/>
           </a:p>
@@ -24072,7 +24124,7 @@
             <a:fld id="{81331B57-0BE5-4F82-AA58-76F53EFF3ADA}" type="datetime8">
               <a:rPr lang="en-US" smtClean="0"/>
               <a:pPr/>
-              <a:t>12/13/15 5:09 PM</a:t>
+              <a:t>2/26/16 8:14 AM</a:t>
             </a:fld>
             <a:endParaRPr lang="en-US"/>
           </a:p>
@@ -24256,7 +24308,7 @@
             <a:fld id="{81331B57-0BE5-4F82-AA58-76F53EFF3ADA}" type="datetime8">
               <a:rPr lang="en-US" smtClean="0"/>
               <a:pPr/>
-              <a:t>12/13/15 5:09 PM</a:t>
+              <a:t>2/26/16 8:14 AM</a:t>
             </a:fld>
             <a:endParaRPr lang="en-US"/>
           </a:p>
@@ -24440,7 +24492,7 @@
             <a:fld id="{81331B57-0BE5-4F82-AA58-76F53EFF3ADA}" type="datetime8">
               <a:rPr lang="en-US" smtClean="0"/>
               <a:pPr/>
-              <a:t>12/13/15 5:09 PM</a:t>
+              <a:t>2/26/16 8:14 AM</a:t>
             </a:fld>
             <a:endParaRPr lang="en-US"/>
           </a:p>
@@ -24624,7 +24676,7 @@
             <a:fld id="{81331B57-0BE5-4F82-AA58-76F53EFF3ADA}" type="datetime8">
               <a:rPr lang="en-US" smtClean="0"/>
               <a:pPr/>
-              <a:t>12/13/15 5:09 PM</a:t>
+              <a:t>2/26/16 8:14 AM</a:t>
             </a:fld>
             <a:endParaRPr lang="en-US"/>
           </a:p>
@@ -24808,7 +24860,7 @@
             <a:fld id="{81331B57-0BE5-4F82-AA58-76F53EFF3ADA}" type="datetime8">
               <a:rPr lang="en-US" smtClean="0"/>
               <a:pPr/>
-              <a:t>12/13/15 5:09 PM</a:t>
+              <a:t>2/26/16 8:14 AM</a:t>
             </a:fld>
             <a:endParaRPr lang="en-US"/>
           </a:p>
@@ -24992,7 +25044,7 @@
             <a:fld id="{81331B57-0BE5-4F82-AA58-76F53EFF3ADA}" type="datetime8">
               <a:rPr lang="en-US" smtClean="0"/>
               <a:pPr/>
-              <a:t>12/13/15 5:09 PM</a:t>
+              <a:t>2/26/16 8:14 AM</a:t>
             </a:fld>
             <a:endParaRPr lang="en-US"/>
           </a:p>
@@ -25176,7 +25228,7 @@
             <a:fld id="{81331B57-0BE5-4F82-AA58-76F53EFF3ADA}" type="datetime8">
               <a:rPr lang="en-US" smtClean="0"/>
               <a:pPr/>
-              <a:t>12/13/15 8:46 PM</a:t>
+              <a:t>2/26/16 8:14 AM</a:t>
             </a:fld>
             <a:endParaRPr lang="en-US"/>
           </a:p>
@@ -25360,7 +25412,7 @@
             <a:fld id="{81331B57-0BE5-4F82-AA58-76F53EFF3ADA}" type="datetime8">
               <a:rPr lang="en-US" smtClean="0"/>
               <a:pPr/>
-              <a:t>12/13/15 5:09 PM</a:t>
+              <a:t>2/26/16 8:14 AM</a:t>
             </a:fld>
             <a:endParaRPr lang="en-US"/>
           </a:p>
@@ -30080,7 +30132,7 @@
             <p:ph sz="half" idx="2"/>
             <p:extLst>
               <p:ext uri="{D42A27DB-BD31-4B8C-83A1-F6EECF244321}">
-                <p14:modId xmlns:p14="http://schemas.microsoft.com/office/powerpoint/2010/main" val="696378925"/>
+                <p14:modId xmlns:p14="http://schemas.microsoft.com/office/powerpoint/2010/main" val="1399496209"/>
               </p:ext>
             </p:extLst>
           </p:nvPr>
@@ -33166,15 +33218,7 @@
             <a:pPr lvl="1"/>
             <a:r>
               <a:rPr lang="en-US" sz="2800" dirty="0" smtClean="0"/>
-              <a:t>Look to </a:t>
-            </a:r>
-            <a:r>
-              <a:rPr lang="en-US" sz="2800" dirty="0" smtClean="0"/>
-              <a:t>their goals and the </a:t>
-            </a:r>
-            <a:r>
-              <a:rPr lang="en-US" sz="2800" dirty="0" smtClean="0"/>
-              <a:t>environment to decide what to do</a:t>
+              <a:t>Look to their goals and the environment to decide what to do</a:t>
             </a:r>
           </a:p>
           <a:p>
@@ -33279,11 +33323,7 @@
           <a:p>
             <a:r>
               <a:rPr lang="en-US" smtClean="0"/>
-              <a:t>Agent-Based </a:t>
-            </a:r>
-            <a:r>
-              <a:rPr lang="en-US" smtClean="0"/>
-              <a:t>Modeling </a:t>
+              <a:t>Agent-Based Modeling </a:t>
             </a:r>
             <a:r>
               <a:rPr lang="en-US"/>
@@ -33448,15 +33488,7 @@
           <a:p>
             <a:r>
               <a:rPr lang="en-US" dirty="0" smtClean="0"/>
-              <a:t>Agent-Based </a:t>
-            </a:r>
-            <a:r>
-              <a:rPr lang="en-US" dirty="0" smtClean="0"/>
-              <a:t>Modeling</a:t>
-            </a:r>
-            <a:r>
-              <a:rPr lang="en-US" dirty="0" smtClean="0"/>
-              <a:t/>
+              <a:t>Agent-Based Modeling</a:t>
             </a:r>
             <a:br>
               <a:rPr lang="en-US" dirty="0" smtClean="0"/>

--- a/docs/ABMsAsAlgebraic.pptx
+++ b/docs/ABMsAsAlgebraic.pptx
@@ -6,7 +6,7 @@
     <p:sldMasterId id="2147483674" r:id="rId5"/>
   </p:sldMasterIdLst>
   <p:notesMasterIdLst>
-    <p:notesMasterId r:id="rId37"/>
+    <p:notesMasterId r:id="rId38"/>
   </p:notesMasterIdLst>
   <p:sldIdLst>
     <p:sldId id="257" r:id="rId6"/>
@@ -22,24 +22,25 @@
     <p:sldId id="284" r:id="rId16"/>
     <p:sldId id="291" r:id="rId17"/>
     <p:sldId id="292" r:id="rId18"/>
-    <p:sldId id="293" r:id="rId19"/>
-    <p:sldId id="294" r:id="rId20"/>
-    <p:sldId id="295" r:id="rId21"/>
-    <p:sldId id="296" r:id="rId22"/>
-    <p:sldId id="297" r:id="rId23"/>
-    <p:sldId id="299" r:id="rId24"/>
-    <p:sldId id="301" r:id="rId25"/>
-    <p:sldId id="302" r:id="rId26"/>
-    <p:sldId id="303" r:id="rId27"/>
-    <p:sldId id="304" r:id="rId28"/>
-    <p:sldId id="305" r:id="rId29"/>
-    <p:sldId id="306" r:id="rId30"/>
-    <p:sldId id="290" r:id="rId31"/>
-    <p:sldId id="268" r:id="rId32"/>
-    <p:sldId id="307" r:id="rId33"/>
-    <p:sldId id="308" r:id="rId34"/>
-    <p:sldId id="309" r:id="rId35"/>
-    <p:sldId id="310" r:id="rId36"/>
+    <p:sldId id="311" r:id="rId19"/>
+    <p:sldId id="293" r:id="rId20"/>
+    <p:sldId id="294" r:id="rId21"/>
+    <p:sldId id="295" r:id="rId22"/>
+    <p:sldId id="296" r:id="rId23"/>
+    <p:sldId id="297" r:id="rId24"/>
+    <p:sldId id="299" r:id="rId25"/>
+    <p:sldId id="301" r:id="rId26"/>
+    <p:sldId id="302" r:id="rId27"/>
+    <p:sldId id="303" r:id="rId28"/>
+    <p:sldId id="304" r:id="rId29"/>
+    <p:sldId id="305" r:id="rId30"/>
+    <p:sldId id="306" r:id="rId31"/>
+    <p:sldId id="290" r:id="rId32"/>
+    <p:sldId id="268" r:id="rId33"/>
+    <p:sldId id="307" r:id="rId34"/>
+    <p:sldId id="308" r:id="rId35"/>
+    <p:sldId id="309" r:id="rId36"/>
+    <p:sldId id="310" r:id="rId37"/>
   </p:sldIdLst>
   <p:sldSz cx="9144000" cy="6858000" type="screen4x3"/>
   <p:notesSz cx="6858000" cy="9144000"/>
@@ -7930,10 +7931,10 @@
         <a:lstStyle/>
         <a:p>
           <a:r>
-            <a:rPr lang="en-US" smtClean="0"/>
+            <a:rPr lang="en-US" dirty="0" smtClean="0"/>
             <a:t>Pre</a:t>
           </a:r>
-          <a:endParaRPr lang="en-US"/>
+          <a:endParaRPr lang="en-US" dirty="0"/>
         </a:p>
       </dgm:t>
     </dgm:pt>
@@ -12136,10 +12137,10 @@
             </a:spcAft>
           </a:pPr>
           <a:r>
-            <a:rPr lang="en-US" sz="2700" kern="1200" smtClean="0"/>
+            <a:rPr lang="en-US" sz="2700" kern="1200" dirty="0" smtClean="0"/>
             <a:t>Pre</a:t>
           </a:r>
-          <a:endParaRPr lang="en-US" sz="2700" kern="1200"/>
+          <a:endParaRPr lang="en-US" sz="2700" kern="1200" dirty="0"/>
         </a:p>
       </dsp:txBody>
       <dsp:txXfrm>
@@ -24202,7 +24203,7 @@
             <a:fld id="{EC87E0CF-87F6-4B58-B8B8-DCAB2DAAF3CA}" type="slidenum">
               <a:rPr lang="en-US" smtClean="0"/>
               <a:pPr/>
-              <a:t>27</a:t>
+              <a:t>28</a:t>
             </a:fld>
             <a:endParaRPr lang="en-US" dirty="0"/>
           </a:p>
@@ -25575,7 +25576,7 @@
             <a:fld id="{033A6C6C-526F-4C16-B273-CA96130954AF}" type="slidenum">
               <a:rPr lang="en-US" smtClean="0"/>
               <a:pPr/>
-              <a:t>15</a:t>
+              <a:t>16</a:t>
             </a:fld>
             <a:endParaRPr lang="en-US"/>
           </a:p>
@@ -28921,8 +28922,8 @@
         </p:nvSpPr>
         <p:spPr>
           <a:xfrm>
-            <a:off x="381000" y="1219200"/>
-            <a:ext cx="8382000" cy="2224199"/>
+            <a:off x="304800" y="1059696"/>
+            <a:ext cx="8382000" cy="2293104"/>
           </a:xfrm>
         </p:spPr>
         <p:txBody>
@@ -28943,7 +28944,7 @@
             </a:r>
             <a:r>
               <a:rPr lang="en-US" dirty="0" smtClean="0"/>
-              <a:t>.”</a:t>
+              <a:t>.” (Ex.: Lisp.)</a:t>
             </a:r>
             <a:endParaRPr lang="en-US" dirty="0"/>
           </a:p>
@@ -29625,7 +29626,7 @@
           <a:p>
             <a:r>
               <a:rPr lang="en-US" dirty="0" err="1" smtClean="0"/>
-              <a:t>Prehending</a:t>
+              <a:t>Prehensions</a:t>
             </a:r>
             <a:endParaRPr lang="en-US" dirty="0"/>
           </a:p>
@@ -29633,116 +29634,54 @@
       </p:sp>
       <p:sp>
         <p:nvSpPr>
-          <p:cNvPr id="3" name="Content Placeholder 2"/>
+          <p:cNvPr id="3" name="Text Placeholder 2"/>
           <p:cNvSpPr>
             <a:spLocks noGrp="1"/>
           </p:cNvSpPr>
           <p:nvPr>
-            <p:ph sz="half" idx="1"/>
+            <p:ph type="body" sz="quarter" idx="10"/>
           </p:nvPr>
         </p:nvSpPr>
         <p:spPr>
           <a:xfrm>
-            <a:off x="381000" y="1943100"/>
-            <a:ext cx="3276600" cy="3988784"/>
+            <a:off x="381000" y="1676400"/>
+            <a:ext cx="8382000" cy="2609945"/>
           </a:xfrm>
         </p:spPr>
         <p:txBody>
           <a:bodyPr/>
           <a:lstStyle/>
           <a:p>
-            <a:pPr marL="339976" lvl="2" indent="-339976">
-              <a:buBlip>
-                <a:blip r:embed="rId2"/>
-              </a:buBlip>
-            </a:pPr>
-            <a:r>
-              <a:rPr lang="en-US" sz="3200" b="1" dirty="0"/>
-              <a:t>The operation </a:t>
-            </a:r>
-            <a:r>
-              <a:rPr lang="en-US" sz="3200" b="1" dirty="0">
-                <a:sym typeface="Symbol" charset="2"/>
-              </a:rPr>
-              <a:t></a:t>
-            </a:r>
-            <a:r>
-              <a:rPr lang="en-US" sz="3200" b="1" dirty="0"/>
-              <a:t>, which we will call “</a:t>
-            </a:r>
-            <a:r>
-              <a:rPr lang="en-US" sz="3200" b="1" dirty="0" err="1"/>
-              <a:t>prehend</a:t>
-            </a:r>
-            <a:r>
-              <a:rPr lang="en-US" sz="3200" b="1" dirty="0"/>
-              <a:t>”, accepts two </a:t>
-            </a:r>
-            <a:r>
-              <a:rPr lang="en-US" sz="3200" b="1" dirty="0" err="1"/>
-              <a:t>prehensions</a:t>
-            </a:r>
-            <a:r>
-              <a:rPr lang="en-US" sz="3200" b="1" dirty="0"/>
-              <a:t> as arguments and produces a third </a:t>
-            </a:r>
-            <a:r>
-              <a:rPr lang="en-US" sz="3200" b="1" dirty="0" err="1" smtClean="0"/>
-              <a:t>prehension</a:t>
-            </a:r>
-            <a:r>
-              <a:rPr lang="en-US" sz="3200" b="1" dirty="0"/>
-              <a:t> </a:t>
-            </a:r>
-            <a:r>
-              <a:rPr lang="en-US" sz="3200" b="1" dirty="0" smtClean="0"/>
-              <a:t>(</a:t>
-            </a:r>
-            <a:r>
-              <a:rPr lang="en-US" sz="3200" b="1" dirty="0" smtClean="0">
-                <a:solidFill>
-                  <a:schemeClr val="accent6"/>
-                </a:solidFill>
-              </a:rPr>
-              <a:t>Closure</a:t>
-            </a:r>
-            <a:r>
-              <a:rPr lang="en-US" sz="3200" b="1" dirty="0" smtClean="0"/>
-              <a:t>).</a:t>
-            </a:r>
-            <a:endParaRPr lang="en-US" sz="3200" b="1" dirty="0"/>
+            <a:r>
+              <a:rPr lang="en-US" dirty="0" smtClean="0"/>
+              <a:t>Even before implementing this as a module, we had made it easy to:</a:t>
+            </a:r>
+          </a:p>
+          <a:p>
+            <a:pPr lvl="1"/>
+            <a:r>
+              <a:rPr lang="en-US" dirty="0" smtClean="0"/>
+              <a:t>Get arbitrary slices of the agent’s environment as a “view.”</a:t>
+            </a:r>
+          </a:p>
+          <a:p>
+            <a:pPr lvl="1"/>
+            <a:r>
+              <a:rPr lang="en-US" dirty="0" smtClean="0"/>
+              <a:t>Filter that view to, e.g., see only agents of a type of </a:t>
+            </a:r>
+            <a:r>
+              <a:rPr lang="en-US" smtClean="0"/>
+              <a:t>particular interest.</a:t>
+            </a:r>
+            <a:endParaRPr lang="en-US"/>
           </a:p>
         </p:txBody>
       </p:sp>
-      <p:graphicFrame>
-        <p:nvGraphicFramePr>
-          <p:cNvPr id="5" name="Content Placeholder 4"/>
-          <p:cNvGraphicFramePr>
-            <a:graphicFrameLocks noGrp="1"/>
-          </p:cNvGraphicFramePr>
-          <p:nvPr>
-            <p:ph sz="half" idx="2"/>
-            <p:extLst>
-              <p:ext uri="{D42A27DB-BD31-4B8C-83A1-F6EECF244321}">
-                <p14:modId xmlns:p14="http://schemas.microsoft.com/office/powerpoint/2010/main" val="1356543855"/>
-              </p:ext>
-            </p:extLst>
-          </p:nvPr>
-        </p:nvGraphicFramePr>
-        <p:xfrm>
-          <a:off x="4419600" y="1676400"/>
-          <a:ext cx="4343400" cy="4419600"/>
-        </p:xfrm>
-        <a:graphic>
-          <a:graphicData uri="http://schemas.openxmlformats.org/drawingml/2006/diagram">
-            <dgm:relIds xmlns:dgm="http://schemas.openxmlformats.org/drawingml/2006/diagram" xmlns:r="http://schemas.openxmlformats.org/officeDocument/2006/relationships" r:dm="rId3" r:lo="rId4" r:qs="rId5" r:cs="rId6"/>
-          </a:graphicData>
-        </a:graphic>
-      </p:graphicFrame>
     </p:spTree>
     <p:extLst>
       <p:ext uri="{BB962C8B-B14F-4D97-AF65-F5344CB8AC3E}">
-        <p14:creationId xmlns:p14="http://schemas.microsoft.com/office/powerpoint/2010/main" val="406889955"/>
+        <p14:creationId xmlns:p14="http://schemas.microsoft.com/office/powerpoint/2010/main" val="1931021824"/>
       </p:ext>
     </p:extLst>
   </p:cSld>
@@ -29752,13 +29691,6 @@
   <p:transition>
     <p:fade/>
   </p:transition>
-  <p:timing>
-    <p:tnLst>
-      <p:par>
-        <p:cTn id="1" dur="indefinite" restart="never" nodeType="tmRoot"/>
-      </p:par>
-    </p:tnLst>
-  </p:timing>
 </p:sld>
 </file>
 
@@ -29800,8 +29732,8 @@
           <a:lstStyle/>
           <a:p>
             <a:r>
-              <a:rPr lang="en-US" dirty="0" smtClean="0"/>
-              <a:t>Associativity</a:t>
+              <a:rPr lang="en-US" dirty="0" err="1" smtClean="0"/>
+              <a:t>Prehending</a:t>
             </a:r>
             <a:endParaRPr lang="en-US" dirty="0"/>
           </a:p>
@@ -29819,154 +29751,74 @@
         </p:nvSpPr>
         <p:spPr>
           <a:xfrm>
-            <a:off x="381000" y="1676400"/>
-            <a:ext cx="4114800" cy="4062651"/>
+            <a:off x="381000" y="1943100"/>
+            <a:ext cx="3276600" cy="3988784"/>
           </a:xfrm>
         </p:spPr>
         <p:txBody>
           <a:bodyPr/>
           <a:lstStyle/>
           <a:p>
-            <a:r>
-              <a:rPr lang="en-US" sz="2400" dirty="0"/>
-              <a:t>(a </a:t>
-            </a:r>
-            <a:r>
-              <a:rPr lang="en-US" sz="2400" dirty="0">
+            <a:pPr marL="339976" lvl="2" indent="-339976">
+              <a:buBlip>
+                <a:blip r:embed="rId2"/>
+              </a:buBlip>
+            </a:pPr>
+            <a:r>
+              <a:rPr lang="en-US" sz="3200" b="1" dirty="0"/>
+              <a:t>The operation </a:t>
+            </a:r>
+            <a:r>
+              <a:rPr lang="en-US" sz="3200" b="1" dirty="0">
                 <a:sym typeface="Symbol" charset="2"/>
               </a:rPr>
               <a:t></a:t>
             </a:r>
             <a:r>
-              <a:rPr lang="en-US" sz="2400" dirty="0"/>
-              <a:t> b) </a:t>
-            </a:r>
-            <a:r>
-              <a:rPr lang="en-US" sz="2400" dirty="0">
-                <a:sym typeface="Symbol" charset="2"/>
+              <a:rPr lang="en-US" sz="3200" b="1" dirty="0"/>
+              <a:t>, which we will call “</a:t>
+            </a:r>
+            <a:r>
+              <a:rPr lang="en-US" sz="3200" b="1" dirty="0" err="1"/>
+              <a:t>prehend</a:t>
+            </a:r>
+            <a:r>
+              <a:rPr lang="en-US" sz="3200" b="1" dirty="0"/>
+              <a:t>”, accepts two </a:t>
+            </a:r>
+            <a:r>
+              <a:rPr lang="en-US" sz="3200" b="1" dirty="0" err="1"/>
+              <a:t>prehensions</a:t>
+            </a:r>
+            <a:r>
+              <a:rPr lang="en-US" sz="3200" b="1" dirty="0"/>
+              <a:t> as arguments and produces a third </a:t>
+            </a:r>
+            <a:r>
+              <a:rPr lang="en-US" sz="3200" b="1" dirty="0" err="1" smtClean="0"/>
+              <a:t>prehension</a:t>
+            </a:r>
+            <a:r>
+              <a:rPr lang="en-US" sz="3200" b="1" dirty="0"/>
+              <a:t> </a:t>
+            </a:r>
+            <a:r>
+              <a:rPr lang="en-US" sz="3200" b="1" dirty="0" smtClean="0"/>
+              <a:t>(</a:t>
+            </a:r>
+            <a:r>
+              <a:rPr lang="en-US" sz="3200" b="1" dirty="0" smtClean="0">
+                <a:solidFill>
+                  <a:schemeClr val="accent6"/>
+                </a:solidFill>
               </a:rPr>
-              <a:t></a:t>
-            </a:r>
-            <a:r>
-              <a:rPr lang="en-US" sz="2400" dirty="0"/>
-              <a:t> c = a </a:t>
-            </a:r>
-            <a:r>
-              <a:rPr lang="en-US" sz="2400" dirty="0">
-                <a:sym typeface="Symbol" charset="2"/>
-              </a:rPr>
-              <a:t></a:t>
-            </a:r>
-            <a:r>
-              <a:rPr lang="en-US" sz="2400" dirty="0"/>
-              <a:t> (b </a:t>
-            </a:r>
-            <a:r>
-              <a:rPr lang="en-US" sz="2400" dirty="0">
-                <a:sym typeface="Symbol" charset="2"/>
-              </a:rPr>
-              <a:t></a:t>
-            </a:r>
-            <a:r>
-              <a:rPr lang="en-US" sz="2400" dirty="0"/>
-              <a:t> c) for all a, b and c. </a:t>
-            </a:r>
-            <a:endParaRPr lang="en-US" sz="2400" dirty="0" smtClean="0"/>
-          </a:p>
-          <a:p>
-            <a:r>
-              <a:rPr lang="en-US" sz="2400" dirty="0" smtClean="0"/>
-              <a:t>We </a:t>
-            </a:r>
-            <a:r>
-              <a:rPr lang="en-US" sz="2400" dirty="0"/>
-              <a:t>must ensure that, say, a neighborhood can interact with a neighborhood (b </a:t>
-            </a:r>
-            <a:r>
-              <a:rPr lang="en-US" sz="2400" dirty="0">
-                <a:solidFill>
-                  <a:srgbClr val="FFFFFF"/>
-                </a:solidFill>
-                <a:sym typeface="Symbol" charset="2"/>
-              </a:rPr>
-              <a:t></a:t>
-            </a:r>
-            <a:r>
-              <a:rPr lang="en-US" sz="2400" dirty="0" smtClean="0"/>
-              <a:t> </a:t>
-            </a:r>
-            <a:r>
-              <a:rPr lang="en-US" sz="2400" dirty="0"/>
-              <a:t>c), and then with an agent (a </a:t>
-            </a:r>
-            <a:r>
-              <a:rPr lang="en-US" sz="2400" dirty="0">
-                <a:sym typeface="Symbol" charset="2"/>
-              </a:rPr>
-              <a:t></a:t>
-            </a:r>
-            <a:r>
-              <a:rPr lang="en-US" sz="2400" dirty="0" smtClean="0"/>
-              <a:t> </a:t>
-            </a:r>
-            <a:r>
-              <a:rPr lang="en-US" sz="2400" dirty="0"/>
-              <a:t>(b </a:t>
-            </a:r>
-            <a:r>
-              <a:rPr lang="en-US" sz="2400" dirty="0">
-                <a:sym typeface="Symbol" charset="2"/>
-              </a:rPr>
-              <a:t></a:t>
-            </a:r>
-            <a:r>
-              <a:rPr lang="en-US" sz="2400" dirty="0" smtClean="0"/>
-              <a:t> </a:t>
-            </a:r>
-            <a:r>
-              <a:rPr lang="en-US" sz="2400" dirty="0"/>
-              <a:t>c)). Furthermore, this must produce an identical </a:t>
-            </a:r>
-            <a:r>
-              <a:rPr lang="en-US" sz="2400" dirty="0" err="1"/>
-              <a:t>prehension</a:t>
-            </a:r>
-            <a:r>
-              <a:rPr lang="en-US" sz="2400" dirty="0"/>
-              <a:t> to that produced by an agent interacting with one neighborhood and then another one ((a </a:t>
-            </a:r>
-            <a:r>
-              <a:rPr lang="en-US" sz="2400" dirty="0">
-                <a:sym typeface="Symbol" charset="2"/>
-              </a:rPr>
-              <a:t></a:t>
-            </a:r>
-            <a:r>
-              <a:rPr lang="en-US" sz="2400" dirty="0" smtClean="0"/>
-              <a:t> </a:t>
-            </a:r>
-            <a:r>
-              <a:rPr lang="en-US" sz="2400" dirty="0"/>
-              <a:t>b</a:t>
-            </a:r>
-            <a:r>
-              <a:rPr lang="en-US" sz="2400"/>
-              <a:t>) </a:t>
-            </a:r>
-            <a:r>
-              <a:rPr lang="en-US" sz="2400">
-                <a:sym typeface="Symbol" charset="2"/>
-              </a:rPr>
-              <a:t></a:t>
-            </a:r>
-            <a:r>
-              <a:rPr lang="en-US" sz="2400" smtClean="0"/>
-              <a:t> </a:t>
-            </a:r>
-            <a:r>
-              <a:rPr lang="en-US" sz="2400" dirty="0"/>
-              <a:t>c).</a:t>
-            </a:r>
+              <a:t>Closure</a:t>
+            </a:r>
+            <a:r>
+              <a:rPr lang="en-US" sz="3200" b="1" dirty="0" smtClean="0"/>
+              <a:t>).</a:t>
+            </a:r>
+            <a:endParaRPr lang="en-US" sz="3200" b="1" dirty="0"/>
           </a:p>
         </p:txBody>
       </p:sp>
@@ -29980,14 +29832,14 @@
             <p:ph sz="half" idx="2"/>
             <p:extLst>
               <p:ext uri="{D42A27DB-BD31-4B8C-83A1-F6EECF244321}">
-                <p14:modId xmlns:p14="http://schemas.microsoft.com/office/powerpoint/2010/main" val="1760850255"/>
+                <p14:modId xmlns:p14="http://schemas.microsoft.com/office/powerpoint/2010/main" val="1356543855"/>
               </p:ext>
             </p:extLst>
           </p:nvPr>
         </p:nvGraphicFramePr>
         <p:xfrm>
-          <a:off x="4648200" y="1676400"/>
-          <a:ext cx="4114800" cy="4191000"/>
+          <a:off x="4419600" y="1676400"/>
+          <a:ext cx="4343400" cy="4419600"/>
         </p:xfrm>
         <a:graphic>
           <a:graphicData uri="http://schemas.openxmlformats.org/drawingml/2006/diagram">
@@ -29998,7 +29850,7 @@
     </p:spTree>
     <p:extLst>
       <p:ext uri="{BB962C8B-B14F-4D97-AF65-F5344CB8AC3E}">
-        <p14:creationId xmlns:p14="http://schemas.microsoft.com/office/powerpoint/2010/main" val="272259747"/>
+        <p14:creationId xmlns:p14="http://schemas.microsoft.com/office/powerpoint/2010/main" val="406889955"/>
       </p:ext>
     </p:extLst>
   </p:cSld>
@@ -30057,7 +29909,7 @@
           <a:p>
             <a:r>
               <a:rPr lang="en-US" dirty="0" smtClean="0"/>
-              <a:t>Identity</a:t>
+              <a:t>Associativity</a:t>
             </a:r>
             <a:endParaRPr lang="en-US" dirty="0"/>
           </a:p>
@@ -30075,8 +29927,8 @@
         </p:nvSpPr>
         <p:spPr>
           <a:xfrm>
-            <a:off x="381000" y="2743200"/>
-            <a:ext cx="4114800" cy="1551194"/>
+            <a:off x="381000" y="1676400"/>
+            <a:ext cx="4114800" cy="4062651"/>
           </a:xfrm>
         </p:spPr>
         <p:txBody>
@@ -30084,40 +29936,144 @@
           <a:lstStyle/>
           <a:p>
             <a:r>
-              <a:rPr lang="en-US" dirty="0" smtClean="0">
+              <a:rPr lang="en-US" sz="2400" dirty="0"/>
+              <a:t>(a </a:t>
+            </a:r>
+            <a:r>
+              <a:rPr lang="en-US" sz="2400" dirty="0">
+                <a:sym typeface="Symbol" charset="2"/>
+              </a:rPr>
+              <a:t></a:t>
+            </a:r>
+            <a:r>
+              <a:rPr lang="en-US" sz="2400" dirty="0"/>
+              <a:t> b) </a:t>
+            </a:r>
+            <a:r>
+              <a:rPr lang="en-US" sz="2400" dirty="0">
+                <a:sym typeface="Symbol" charset="2"/>
+              </a:rPr>
+              <a:t></a:t>
+            </a:r>
+            <a:r>
+              <a:rPr lang="en-US" sz="2400" dirty="0"/>
+              <a:t> c = a </a:t>
+            </a:r>
+            <a:r>
+              <a:rPr lang="en-US" sz="2400" dirty="0">
+                <a:sym typeface="Symbol" charset="2"/>
+              </a:rPr>
+              <a:t></a:t>
+            </a:r>
+            <a:r>
+              <a:rPr lang="en-US" sz="2400" dirty="0"/>
+              <a:t> (b </a:t>
+            </a:r>
+            <a:r>
+              <a:rPr lang="en-US" sz="2400" dirty="0">
+                <a:sym typeface="Symbol" charset="2"/>
+              </a:rPr>
+              <a:t></a:t>
+            </a:r>
+            <a:r>
+              <a:rPr lang="en-US" sz="2400" dirty="0"/>
+              <a:t> c) for all a, b and c. </a:t>
+            </a:r>
+            <a:endParaRPr lang="en-US" sz="2400" dirty="0" smtClean="0"/>
+          </a:p>
+          <a:p>
+            <a:r>
+              <a:rPr lang="en-US" sz="2400" dirty="0" smtClean="0"/>
+              <a:t>We </a:t>
+            </a:r>
+            <a:r>
+              <a:rPr lang="en-US" sz="2400" dirty="0"/>
+              <a:t>must ensure that, say, a neighborhood can interact with a neighborhood (b </a:t>
+            </a:r>
+            <a:r>
+              <a:rPr lang="en-US" sz="2400" dirty="0">
                 <a:solidFill>
-                  <a:schemeClr val="accent6"/>
+                  <a:srgbClr val="FFFFFF"/>
                 </a:solidFill>
+                <a:sym typeface="Symbol" charset="2"/>
               </a:rPr>
-              <a:t>Identity</a:t>
-            </a:r>
-            <a:r>
-              <a:rPr lang="en-US" dirty="0"/>
-              <a:t>: Any </a:t>
-            </a:r>
-            <a:r>
-              <a:rPr lang="en-US" dirty="0" err="1"/>
+              <a:t></a:t>
+            </a:r>
+            <a:r>
+              <a:rPr lang="en-US" sz="2400" dirty="0" smtClean="0"/>
+              <a:t> </a:t>
+            </a:r>
+            <a:r>
+              <a:rPr lang="en-US" sz="2400" dirty="0"/>
+              <a:t>c), and then with an agent (a </a:t>
+            </a:r>
+            <a:r>
+              <a:rPr lang="en-US" sz="2400" dirty="0">
+                <a:sym typeface="Symbol" charset="2"/>
+              </a:rPr>
+              <a:t></a:t>
+            </a:r>
+            <a:r>
+              <a:rPr lang="en-US" sz="2400" dirty="0" smtClean="0"/>
+              <a:t> </a:t>
+            </a:r>
+            <a:r>
+              <a:rPr lang="en-US" sz="2400" dirty="0"/>
+              <a:t>(b </a:t>
+            </a:r>
+            <a:r>
+              <a:rPr lang="en-US" sz="2400" dirty="0">
+                <a:sym typeface="Symbol" charset="2"/>
+              </a:rPr>
+              <a:t></a:t>
+            </a:r>
+            <a:r>
+              <a:rPr lang="en-US" sz="2400" dirty="0" smtClean="0"/>
+              <a:t> </a:t>
+            </a:r>
+            <a:r>
+              <a:rPr lang="en-US" sz="2400" dirty="0"/>
+              <a:t>c)). Furthermore, this must produce an identical </a:t>
+            </a:r>
+            <a:r>
+              <a:rPr lang="en-US" sz="2400" dirty="0" err="1"/>
               <a:t>prehension</a:t>
             </a:r>
             <a:r>
-              <a:rPr lang="en-US" dirty="0"/>
+              <a:rPr lang="en-US" sz="2400" dirty="0"/>
+              <a:t> to that produced by an agent interacting with one neighborhood and then another one ((a </a:t>
+            </a:r>
+            <a:r>
+              <a:rPr lang="en-US" sz="2400" dirty="0">
+                <a:sym typeface="Symbol" charset="2"/>
+              </a:rPr>
+              <a:t></a:t>
+            </a:r>
+            <a:r>
+              <a:rPr lang="en-US" sz="2400" dirty="0" smtClean="0"/>
               <a:t> </a:t>
             </a:r>
             <a:r>
-              <a:rPr lang="en-US" dirty="0" err="1"/>
-              <a:t>prehending</a:t>
-            </a:r>
-            <a:r>
-              <a:rPr lang="en-US" dirty="0"/>
-              <a:t> the null </a:t>
-            </a:r>
-            <a:r>
-              <a:rPr lang="en-US" dirty="0" err="1"/>
-              <a:t>prehension</a:t>
-            </a:r>
-            <a:r>
-              <a:rPr lang="en-US" dirty="0"/>
-              <a:t> remains unchanged.</a:t>
+              <a:rPr lang="en-US" sz="2400" dirty="0"/>
+              <a:t>b</a:t>
+            </a:r>
+            <a:r>
+              <a:rPr lang="en-US" sz="2400"/>
+              <a:t>) </a:t>
+            </a:r>
+            <a:r>
+              <a:rPr lang="en-US" sz="2400">
+                <a:sym typeface="Symbol" charset="2"/>
+              </a:rPr>
+              <a:t></a:t>
+            </a:r>
+            <a:r>
+              <a:rPr lang="en-US" sz="2400" smtClean="0"/>
+              <a:t> </a:t>
+            </a:r>
+            <a:r>
+              <a:rPr lang="en-US" sz="2400" dirty="0"/>
+              <a:t>c).</a:t>
             </a:r>
           </a:p>
         </p:txBody>
@@ -30132,7 +30088,7 @@
             <p:ph sz="half" idx="2"/>
             <p:extLst>
               <p:ext uri="{D42A27DB-BD31-4B8C-83A1-F6EECF244321}">
-                <p14:modId xmlns:p14="http://schemas.microsoft.com/office/powerpoint/2010/main" val="1399496209"/>
+                <p14:modId xmlns:p14="http://schemas.microsoft.com/office/powerpoint/2010/main" val="1760850255"/>
               </p:ext>
             </p:extLst>
           </p:nvPr>
@@ -30143,14 +30099,14 @@
         </p:xfrm>
         <a:graphic>
           <a:graphicData uri="http://schemas.openxmlformats.org/drawingml/2006/diagram">
-            <dgm:relIds xmlns:dgm="http://schemas.openxmlformats.org/drawingml/2006/diagram" xmlns:r="http://schemas.openxmlformats.org/officeDocument/2006/relationships" r:dm="rId2" r:lo="rId3" r:qs="rId4" r:cs="rId5"/>
+            <dgm:relIds xmlns:dgm="http://schemas.openxmlformats.org/drawingml/2006/diagram" xmlns:r="http://schemas.openxmlformats.org/officeDocument/2006/relationships" r:dm="rId3" r:lo="rId4" r:qs="rId5" r:cs="rId6"/>
           </a:graphicData>
         </a:graphic>
       </p:graphicFrame>
     </p:spTree>
     <p:extLst>
       <p:ext uri="{BB962C8B-B14F-4D97-AF65-F5344CB8AC3E}">
-        <p14:creationId xmlns:p14="http://schemas.microsoft.com/office/powerpoint/2010/main" val="1039198004"/>
+        <p14:creationId xmlns:p14="http://schemas.microsoft.com/office/powerpoint/2010/main" val="272259747"/>
       </p:ext>
     </p:extLst>
   </p:cSld>
@@ -30208,8 +30164,8 @@
           <a:lstStyle/>
           <a:p>
             <a:r>
-              <a:rPr lang="en-US" dirty="0" err="1" smtClean="0"/>
-              <a:t>Commutativity</a:t>
+              <a:rPr lang="en-US" dirty="0" smtClean="0"/>
+              <a:t>Identity</a:t>
             </a:r>
             <a:endParaRPr lang="en-US" dirty="0"/>
           </a:p>
@@ -30228,7 +30184,7 @@
         <p:spPr>
           <a:xfrm>
             <a:off x="381000" y="2743200"/>
-            <a:ext cx="4114800" cy="1495794"/>
+            <a:ext cx="4114800" cy="1551194"/>
           </a:xfrm>
         </p:spPr>
         <p:txBody>
@@ -30236,44 +30192,40 @@
           <a:lstStyle/>
           <a:p>
             <a:r>
-              <a:rPr lang="en-US" sz="3600" b="1" dirty="0" err="1">
+              <a:rPr lang="en-US" dirty="0" smtClean="0">
                 <a:solidFill>
                   <a:schemeClr val="accent6"/>
                 </a:solidFill>
               </a:rPr>
-              <a:t>Commutativity</a:t>
-            </a:r>
-            <a:r>
-              <a:rPr lang="en-US" sz="3600" b="1" dirty="0"/>
-              <a:t>: </a:t>
-            </a:r>
-            <a:r>
-              <a:rPr lang="en-US" sz="3600" dirty="0" smtClean="0"/>
-              <a:t>(</a:t>
-            </a:r>
-            <a:r>
-              <a:rPr lang="en-US" sz="3600" dirty="0"/>
-              <a:t>a </a:t>
-            </a:r>
-            <a:r>
-              <a:rPr lang="en-US" sz="3600" dirty="0">
-                <a:sym typeface="Symbol" charset="2"/>
-              </a:rPr>
-              <a:t></a:t>
-            </a:r>
-            <a:r>
-              <a:rPr lang="en-US" sz="3600" dirty="0"/>
-              <a:t> b) =  (b </a:t>
-            </a:r>
-            <a:r>
-              <a:rPr lang="en-US" sz="3600" dirty="0">
-                <a:sym typeface="Symbol" charset="2"/>
-              </a:rPr>
-              <a:t></a:t>
-            </a:r>
-            <a:r>
-              <a:rPr lang="en-US" sz="3600" dirty="0"/>
-              <a:t> a)  for all a and b. </a:t>
+              <a:t>Identity</a:t>
+            </a:r>
+            <a:r>
+              <a:rPr lang="en-US" dirty="0"/>
+              <a:t>: Any </a:t>
+            </a:r>
+            <a:r>
+              <a:rPr lang="en-US" dirty="0" err="1"/>
+              <a:t>prehension</a:t>
+            </a:r>
+            <a:r>
+              <a:rPr lang="en-US" dirty="0"/>
+              <a:t> </a:t>
+            </a:r>
+            <a:r>
+              <a:rPr lang="en-US" dirty="0" err="1"/>
+              <a:t>prehending</a:t>
+            </a:r>
+            <a:r>
+              <a:rPr lang="en-US" dirty="0"/>
+              <a:t> the null </a:t>
+            </a:r>
+            <a:r>
+              <a:rPr lang="en-US" dirty="0" err="1"/>
+              <a:t>prehension</a:t>
+            </a:r>
+            <a:r>
+              <a:rPr lang="en-US" dirty="0"/>
+              <a:t> remains unchanged.</a:t>
             </a:r>
           </a:p>
         </p:txBody>
@@ -30288,13 +30240,13 @@
             <p:ph sz="half" idx="2"/>
             <p:extLst>
               <p:ext uri="{D42A27DB-BD31-4B8C-83A1-F6EECF244321}">
-                <p14:modId xmlns:p14="http://schemas.microsoft.com/office/powerpoint/2010/main" val="1181747192"/>
+                <p14:modId xmlns:p14="http://schemas.microsoft.com/office/powerpoint/2010/main" val="1399496209"/>
               </p:ext>
             </p:extLst>
           </p:nvPr>
         </p:nvGraphicFramePr>
         <p:xfrm>
-          <a:off x="4657253" y="1531544"/>
+          <a:off x="4648200" y="1676400"/>
           <a:ext cx="4114800" cy="4191000"/>
         </p:xfrm>
         <a:graphic>
@@ -30306,7 +30258,7 @@
     </p:spTree>
     <p:extLst>
       <p:ext uri="{BB962C8B-B14F-4D97-AF65-F5344CB8AC3E}">
-        <p14:creationId xmlns:p14="http://schemas.microsoft.com/office/powerpoint/2010/main" val="654603717"/>
+        <p14:creationId xmlns:p14="http://schemas.microsoft.com/office/powerpoint/2010/main" val="1039198004"/>
       </p:ext>
     </p:extLst>
   </p:cSld>
@@ -30365,7 +30317,7 @@
           <a:p>
             <a:r>
               <a:rPr lang="en-US" dirty="0" err="1" smtClean="0"/>
-              <a:t>Invertability</a:t>
+              <a:t>Commutativity</a:t>
             </a:r>
             <a:endParaRPr lang="en-US" dirty="0"/>
           </a:p>
@@ -30383,54 +30335,54 @@
         </p:nvSpPr>
         <p:spPr>
           <a:xfrm>
-            <a:off x="228600" y="2205317"/>
-            <a:ext cx="4114800" cy="3133165"/>
+            <a:off x="381000" y="2743200"/>
+            <a:ext cx="4114800" cy="1495794"/>
           </a:xfrm>
         </p:spPr>
         <p:txBody>
           <a:bodyPr/>
           <a:lstStyle/>
           <a:p>
-            <a:pPr marL="339976" lvl="4" indent="-339976">
-              <a:buBlip>
-                <a:blip r:embed="rId2"/>
-              </a:buBlip>
-            </a:pPr>
-            <a:r>
-              <a:rPr lang="en-US" sz="3200" dirty="0" smtClean="0"/>
-              <a:t>For </a:t>
-            </a:r>
-            <a:r>
-              <a:rPr lang="en-US" sz="3200" dirty="0"/>
-              <a:t>any </a:t>
-            </a:r>
-            <a:r>
-              <a:rPr lang="en-US" sz="3200" dirty="0" err="1"/>
-              <a:t>prehension</a:t>
-            </a:r>
-            <a:r>
-              <a:rPr lang="en-US" sz="3200" dirty="0"/>
-              <a:t>, there is another </a:t>
-            </a:r>
-            <a:r>
-              <a:rPr lang="en-US" sz="3200" dirty="0" err="1"/>
-              <a:t>prehension</a:t>
-            </a:r>
-            <a:r>
-              <a:rPr lang="en-US" sz="3200" dirty="0"/>
-              <a:t> that combines with it to produce the null </a:t>
-            </a:r>
-            <a:r>
-              <a:rPr lang="en-US" sz="3200" dirty="0" err="1"/>
-              <a:t>prehension</a:t>
-            </a:r>
-            <a:r>
-              <a:rPr lang="en-US" sz="3200" dirty="0"/>
-              <a:t>.</a:t>
-            </a:r>
-          </a:p>
-          <a:p>
-            <a:endParaRPr lang="en-US" dirty="0"/>
+            <a:r>
+              <a:rPr lang="en-US" sz="3600" b="1" dirty="0" err="1">
+                <a:solidFill>
+                  <a:schemeClr val="accent6"/>
+                </a:solidFill>
+              </a:rPr>
+              <a:t>Commutativity</a:t>
+            </a:r>
+            <a:r>
+              <a:rPr lang="en-US" sz="3600" b="1" dirty="0"/>
+              <a:t>: </a:t>
+            </a:r>
+            <a:r>
+              <a:rPr lang="en-US" sz="3600" dirty="0" smtClean="0"/>
+              <a:t>(</a:t>
+            </a:r>
+            <a:r>
+              <a:rPr lang="en-US" sz="3600" dirty="0"/>
+              <a:t>a </a:t>
+            </a:r>
+            <a:r>
+              <a:rPr lang="en-US" sz="3600" dirty="0">
+                <a:sym typeface="Symbol" charset="2"/>
+              </a:rPr>
+              <a:t></a:t>
+            </a:r>
+            <a:r>
+              <a:rPr lang="en-US" sz="3600" dirty="0"/>
+              <a:t> b) =  (b </a:t>
+            </a:r>
+            <a:r>
+              <a:rPr lang="en-US" sz="3600" dirty="0">
+                <a:sym typeface="Symbol" charset="2"/>
+              </a:rPr>
+              <a:t></a:t>
+            </a:r>
+            <a:r>
+              <a:rPr lang="en-US" sz="3600" dirty="0"/>
+              <a:t> a)  for all a and b. </a:t>
+            </a:r>
           </a:p>
         </p:txBody>
       </p:sp>
@@ -30444,25 +30396,25 @@
             <p:ph sz="half" idx="2"/>
             <p:extLst>
               <p:ext uri="{D42A27DB-BD31-4B8C-83A1-F6EECF244321}">
-                <p14:modId xmlns:p14="http://schemas.microsoft.com/office/powerpoint/2010/main" val="1194417742"/>
+                <p14:modId xmlns:p14="http://schemas.microsoft.com/office/powerpoint/2010/main" val="1181747192"/>
               </p:ext>
             </p:extLst>
           </p:nvPr>
         </p:nvGraphicFramePr>
         <p:xfrm>
-          <a:off x="4648200" y="1524000"/>
+          <a:off x="4657253" y="1531544"/>
           <a:ext cx="4114800" cy="4191000"/>
         </p:xfrm>
         <a:graphic>
           <a:graphicData uri="http://schemas.openxmlformats.org/drawingml/2006/diagram">
-            <dgm:relIds xmlns:dgm="http://schemas.openxmlformats.org/drawingml/2006/diagram" xmlns:r="http://schemas.openxmlformats.org/officeDocument/2006/relationships" r:dm="rId3" r:lo="rId4" r:qs="rId5" r:cs="rId6"/>
+            <dgm:relIds xmlns:dgm="http://schemas.openxmlformats.org/drawingml/2006/diagram" xmlns:r="http://schemas.openxmlformats.org/officeDocument/2006/relationships" r:dm="rId2" r:lo="rId3" r:qs="rId4" r:cs="rId5"/>
           </a:graphicData>
         </a:graphic>
       </p:graphicFrame>
     </p:spTree>
     <p:extLst>
       <p:ext uri="{BB962C8B-B14F-4D97-AF65-F5344CB8AC3E}">
-        <p14:creationId xmlns:p14="http://schemas.microsoft.com/office/powerpoint/2010/main" val="1029124452"/>
+        <p14:creationId xmlns:p14="http://schemas.microsoft.com/office/powerpoint/2010/main" val="654603717"/>
       </p:ext>
     </p:extLst>
   </p:cSld>
@@ -30520,12 +30472,8 @@
           <a:lstStyle/>
           <a:p>
             <a:r>
-              <a:rPr lang="en-US" dirty="0" smtClean="0"/>
-              <a:t>The Meaning of </a:t>
-            </a:r>
-            <a:r>
               <a:rPr lang="en-US" dirty="0" err="1" smtClean="0"/>
-              <a:t>Prehensions</a:t>
+              <a:t>Invertability</a:t>
             </a:r>
             <a:endParaRPr lang="en-US" dirty="0"/>
           </a:p>
@@ -30543,133 +30491,86 @@
         </p:nvSpPr>
         <p:spPr>
           <a:xfrm>
-            <a:off x="381000" y="1676400"/>
-            <a:ext cx="3581400" cy="4648200"/>
+            <a:off x="228600" y="2205317"/>
+            <a:ext cx="4114800" cy="3133165"/>
           </a:xfrm>
         </p:spPr>
         <p:txBody>
           <a:bodyPr/>
           <a:lstStyle/>
           <a:p>
-            <a:pPr marL="339976" lvl="3" indent="-339976">
+            <a:pPr marL="339976" lvl="4" indent="-339976">
               <a:buBlip>
                 <a:blip r:embed="rId2"/>
               </a:buBlip>
             </a:pPr>
             <a:r>
-              <a:rPr lang="en-US" sz="2400" b="1" i="1" dirty="0"/>
-              <a:t>An agent’s </a:t>
-            </a:r>
-            <a:r>
-              <a:rPr lang="en-US" sz="2400" b="1" i="1" dirty="0" err="1"/>
+              <a:rPr lang="en-US" sz="3200" dirty="0" smtClean="0"/>
+              <a:t>For </a:t>
+            </a:r>
+            <a:r>
+              <a:rPr lang="en-US" sz="3200" dirty="0"/>
+              <a:t>any </a:t>
+            </a:r>
+            <a:r>
+              <a:rPr lang="en-US" sz="3200" dirty="0" err="1"/>
               <a:t>prehension</a:t>
             </a:r>
             <a:r>
-              <a:rPr lang="en-US" sz="2400" b="1" i="1" dirty="0"/>
-              <a:t> of itself is its view of its own internal state</a:t>
-            </a:r>
-            <a:r>
-              <a:rPr lang="en-US" sz="2400" b="1" i="1" dirty="0" smtClean="0"/>
+              <a:rPr lang="en-US" sz="3200" dirty="0"/>
+              <a:t>, there is another </a:t>
+            </a:r>
+            <a:r>
+              <a:rPr lang="en-US" sz="3200" dirty="0" err="1"/>
+              <a:t>prehension</a:t>
+            </a:r>
+            <a:r>
+              <a:rPr lang="en-US" sz="3200" dirty="0"/>
+              <a:t> that combines with it to produce the null </a:t>
+            </a:r>
+            <a:r>
+              <a:rPr lang="en-US" sz="3200" dirty="0" err="1"/>
+              <a:t>prehension</a:t>
+            </a:r>
+            <a:r>
+              <a:rPr lang="en-US" sz="3200" dirty="0"/>
               <a:t>.</a:t>
             </a:r>
           </a:p>
           <a:p>
-            <a:pPr marL="339976" lvl="3" indent="-339976">
-              <a:buBlip>
-                <a:blip r:embed="rId2"/>
-              </a:buBlip>
-            </a:pPr>
-            <a:r>
-              <a:rPr lang="en-US" sz="2400" b="1" i="1" dirty="0" smtClean="0"/>
-              <a:t>An </a:t>
-            </a:r>
-            <a:r>
-              <a:rPr lang="en-US" sz="2400" b="1" i="1" dirty="0"/>
-              <a:t>agent’s </a:t>
-            </a:r>
-            <a:r>
-              <a:rPr lang="en-US" sz="2400" b="1" i="1" dirty="0" err="1"/>
-              <a:t>prehension</a:t>
-            </a:r>
-            <a:r>
-              <a:rPr lang="en-US" sz="2400" b="1" i="1" dirty="0"/>
-              <a:t> of its environment is its view of its surroundings</a:t>
-            </a:r>
-            <a:r>
-              <a:rPr lang="en-US" sz="2400" b="1" i="1" dirty="0" smtClean="0"/>
-              <a:t>.</a:t>
-            </a:r>
-          </a:p>
-          <a:p>
-            <a:pPr marL="339976" lvl="3" indent="-339976">
-              <a:buBlip>
-                <a:blip r:embed="rId2"/>
-              </a:buBlip>
-            </a:pPr>
-            <a:r>
-              <a:rPr lang="en-US" sz="2400" b="1" i="1" dirty="0"/>
-              <a:t>But from the point of view of the </a:t>
-            </a:r>
-            <a:r>
-              <a:rPr lang="en-US" sz="2400" b="1" i="1" dirty="0" err="1"/>
-              <a:t>prehension</a:t>
-            </a:r>
-            <a:r>
-              <a:rPr lang="en-US" sz="2400" b="1" i="1" dirty="0"/>
-              <a:t> module, these </a:t>
-            </a:r>
-            <a:r>
-              <a:rPr lang="en-US" sz="2400" b="1" i="1" dirty="0" err="1"/>
-              <a:t>prehensions</a:t>
-            </a:r>
-            <a:r>
-              <a:rPr lang="en-US" sz="2400" b="1" i="1" dirty="0"/>
-              <a:t> are interchangeable.</a:t>
-            </a:r>
-          </a:p>
-          <a:p>
-            <a:pPr marL="339976" lvl="3" indent="-339976">
-              <a:buBlip>
-                <a:blip r:embed="rId2"/>
-              </a:buBlip>
-            </a:pPr>
-            <a:endParaRPr lang="en-US" b="1" i="1" dirty="0"/>
+            <a:endParaRPr lang="en-US" dirty="0"/>
           </a:p>
         </p:txBody>
       </p:sp>
-      <p:pic>
-        <p:nvPicPr>
+      <p:graphicFrame>
+        <p:nvGraphicFramePr>
           <p:cNvPr id="5" name="Content Placeholder 4"/>
-          <p:cNvPicPr>
-            <a:picLocks noGrp="1" noChangeAspect="1"/>
-          </p:cNvPicPr>
+          <p:cNvGraphicFramePr>
+            <a:graphicFrameLocks noGrp="1"/>
+          </p:cNvGraphicFramePr>
           <p:nvPr>
             <p:ph sz="half" idx="2"/>
+            <p:extLst>
+              <p:ext uri="{D42A27DB-BD31-4B8C-83A1-F6EECF244321}">
+                <p14:modId xmlns:p14="http://schemas.microsoft.com/office/powerpoint/2010/main" val="1194417742"/>
+              </p:ext>
+            </p:extLst>
           </p:nvPr>
-        </p:nvPicPr>
-        <p:blipFill>
-          <a:blip r:embed="rId3">
-            <a:extLst>
-              <a:ext uri="{28A0092B-C50C-407E-A947-70E740481C1C}">
-                <a14:useLocalDpi xmlns:a14="http://schemas.microsoft.com/office/drawing/2010/main" val="0"/>
-              </a:ext>
-            </a:extLst>
-          </a:blip>
-          <a:stretch>
-            <a:fillRect/>
-          </a:stretch>
-        </p:blipFill>
-        <p:spPr>
-          <a:xfrm>
-            <a:off x="4699000" y="2133600"/>
-            <a:ext cx="4064000" cy="2956560"/>
-          </a:xfrm>
-        </p:spPr>
-      </p:pic>
+        </p:nvGraphicFramePr>
+        <p:xfrm>
+          <a:off x="4648200" y="1524000"/>
+          <a:ext cx="4114800" cy="4191000"/>
+        </p:xfrm>
+        <a:graphic>
+          <a:graphicData uri="http://schemas.openxmlformats.org/drawingml/2006/diagram">
+            <dgm:relIds xmlns:dgm="http://schemas.openxmlformats.org/drawingml/2006/diagram" xmlns:r="http://schemas.openxmlformats.org/officeDocument/2006/relationships" r:dm="rId3" r:lo="rId4" r:qs="rId5" r:cs="rId6"/>
+          </a:graphicData>
+        </a:graphic>
+      </p:graphicFrame>
     </p:spTree>
     <p:extLst>
       <p:ext uri="{BB962C8B-B14F-4D97-AF65-F5344CB8AC3E}">
-        <p14:creationId xmlns:p14="http://schemas.microsoft.com/office/powerpoint/2010/main" val="344501993"/>
+        <p14:creationId xmlns:p14="http://schemas.microsoft.com/office/powerpoint/2010/main" val="1029124452"/>
       </p:ext>
     </p:extLst>
   </p:cSld>
@@ -30838,6 +30739,213 @@
           <a:p>
             <a:r>
               <a:rPr lang="en-US" dirty="0" smtClean="0"/>
+              <a:t>The Meaning of </a:t>
+            </a:r>
+            <a:r>
+              <a:rPr lang="en-US" dirty="0" err="1" smtClean="0"/>
+              <a:t>Prehensions</a:t>
+            </a:r>
+            <a:endParaRPr lang="en-US" dirty="0"/>
+          </a:p>
+        </p:txBody>
+      </p:sp>
+      <p:sp>
+        <p:nvSpPr>
+          <p:cNvPr id="3" name="Content Placeholder 2"/>
+          <p:cNvSpPr>
+            <a:spLocks noGrp="1"/>
+          </p:cNvSpPr>
+          <p:nvPr>
+            <p:ph sz="half" idx="1"/>
+          </p:nvPr>
+        </p:nvSpPr>
+        <p:spPr>
+          <a:xfrm>
+            <a:off x="381000" y="1676400"/>
+            <a:ext cx="3581400" cy="4648200"/>
+          </a:xfrm>
+        </p:spPr>
+        <p:txBody>
+          <a:bodyPr/>
+          <a:lstStyle/>
+          <a:p>
+            <a:pPr marL="339976" lvl="3" indent="-339976">
+              <a:buBlip>
+                <a:blip r:embed="rId2"/>
+              </a:buBlip>
+            </a:pPr>
+            <a:r>
+              <a:rPr lang="en-US" sz="2400" b="1" i="1" dirty="0"/>
+              <a:t>An agent’s </a:t>
+            </a:r>
+            <a:r>
+              <a:rPr lang="en-US" sz="2400" b="1" i="1" dirty="0" err="1"/>
+              <a:t>prehension</a:t>
+            </a:r>
+            <a:r>
+              <a:rPr lang="en-US" sz="2400" b="1" i="1" dirty="0"/>
+              <a:t> of itself is its view of its own internal state</a:t>
+            </a:r>
+            <a:r>
+              <a:rPr lang="en-US" sz="2400" b="1" i="1" dirty="0" smtClean="0"/>
+              <a:t>.</a:t>
+            </a:r>
+          </a:p>
+          <a:p>
+            <a:pPr marL="339976" lvl="3" indent="-339976">
+              <a:buBlip>
+                <a:blip r:embed="rId2"/>
+              </a:buBlip>
+            </a:pPr>
+            <a:r>
+              <a:rPr lang="en-US" sz="2400" b="1" i="1" dirty="0" smtClean="0"/>
+              <a:t>An </a:t>
+            </a:r>
+            <a:r>
+              <a:rPr lang="en-US" sz="2400" b="1" i="1" dirty="0"/>
+              <a:t>agent’s </a:t>
+            </a:r>
+            <a:r>
+              <a:rPr lang="en-US" sz="2400" b="1" i="1" dirty="0" err="1"/>
+              <a:t>prehension</a:t>
+            </a:r>
+            <a:r>
+              <a:rPr lang="en-US" sz="2400" b="1" i="1" dirty="0"/>
+              <a:t> of its environment is its view of its surroundings</a:t>
+            </a:r>
+            <a:r>
+              <a:rPr lang="en-US" sz="2400" b="1" i="1" dirty="0" smtClean="0"/>
+              <a:t>.</a:t>
+            </a:r>
+          </a:p>
+          <a:p>
+            <a:pPr marL="339976" lvl="3" indent="-339976">
+              <a:buBlip>
+                <a:blip r:embed="rId2"/>
+              </a:buBlip>
+            </a:pPr>
+            <a:r>
+              <a:rPr lang="en-US" sz="2400" b="1" i="1" dirty="0"/>
+              <a:t>But from the point of view of the </a:t>
+            </a:r>
+            <a:r>
+              <a:rPr lang="en-US" sz="2400" b="1" i="1" dirty="0" err="1"/>
+              <a:t>prehension</a:t>
+            </a:r>
+            <a:r>
+              <a:rPr lang="en-US" sz="2400" b="1" i="1" dirty="0"/>
+              <a:t> module, these </a:t>
+            </a:r>
+            <a:r>
+              <a:rPr lang="en-US" sz="2400" b="1" i="1" dirty="0" err="1"/>
+              <a:t>prehensions</a:t>
+            </a:r>
+            <a:r>
+              <a:rPr lang="en-US" sz="2400" b="1" i="1" dirty="0"/>
+              <a:t> are interchangeable.</a:t>
+            </a:r>
+          </a:p>
+          <a:p>
+            <a:pPr marL="339976" lvl="3" indent="-339976">
+              <a:buBlip>
+                <a:blip r:embed="rId2"/>
+              </a:buBlip>
+            </a:pPr>
+            <a:endParaRPr lang="en-US" b="1" i="1" dirty="0"/>
+          </a:p>
+        </p:txBody>
+      </p:sp>
+      <p:pic>
+        <p:nvPicPr>
+          <p:cNvPr id="5" name="Content Placeholder 4"/>
+          <p:cNvPicPr>
+            <a:picLocks noGrp="1" noChangeAspect="1"/>
+          </p:cNvPicPr>
+          <p:nvPr>
+            <p:ph sz="half" idx="2"/>
+          </p:nvPr>
+        </p:nvPicPr>
+        <p:blipFill>
+          <a:blip r:embed="rId3">
+            <a:extLst>
+              <a:ext uri="{28A0092B-C50C-407E-A947-70E740481C1C}">
+                <a14:useLocalDpi xmlns:a14="http://schemas.microsoft.com/office/drawing/2010/main" val="0"/>
+              </a:ext>
+            </a:extLst>
+          </a:blip>
+          <a:stretch>
+            <a:fillRect/>
+          </a:stretch>
+        </p:blipFill>
+        <p:spPr>
+          <a:xfrm>
+            <a:off x="4699000" y="2133600"/>
+            <a:ext cx="4064000" cy="2956560"/>
+          </a:xfrm>
+        </p:spPr>
+      </p:pic>
+    </p:spTree>
+    <p:extLst>
+      <p:ext uri="{BB962C8B-B14F-4D97-AF65-F5344CB8AC3E}">
+        <p14:creationId xmlns:p14="http://schemas.microsoft.com/office/powerpoint/2010/main" val="344501993"/>
+      </p:ext>
+    </p:extLst>
+  </p:cSld>
+  <p:clrMapOvr>
+    <a:masterClrMapping/>
+  </p:clrMapOvr>
+  <p:transition>
+    <p:fade/>
+  </p:transition>
+  <p:timing>
+    <p:tnLst>
+      <p:par>
+        <p:cTn id="1" dur="indefinite" restart="never" nodeType="tmRoot"/>
+      </p:par>
+    </p:tnLst>
+  </p:timing>
+</p:sld>
+</file>
+
+<file path=ppt/slides/slide21.xml><?xml version="1.0" encoding="utf-8"?>
+<p:sld xmlns:a="http://schemas.openxmlformats.org/drawingml/2006/main" xmlns:r="http://schemas.openxmlformats.org/officeDocument/2006/relationships" xmlns:p="http://schemas.openxmlformats.org/presentationml/2006/main">
+  <p:cSld>
+    <p:spTree>
+      <p:nvGrpSpPr>
+        <p:cNvPr id="1" name=""/>
+        <p:cNvGrpSpPr/>
+        <p:nvPr/>
+      </p:nvGrpSpPr>
+      <p:grpSpPr>
+        <a:xfrm>
+          <a:off x="0" y="0"/>
+          <a:ext cx="0" cy="0"/>
+          <a:chOff x="0" y="0"/>
+          <a:chExt cx="0" cy="0"/>
+        </a:xfrm>
+      </p:grpSpPr>
+      <p:sp>
+        <p:nvSpPr>
+          <p:cNvPr id="2" name="Title 1"/>
+          <p:cNvSpPr>
+            <a:spLocks noGrp="1"/>
+          </p:cNvSpPr>
+          <p:nvPr>
+            <p:ph type="title"/>
+          </p:nvPr>
+        </p:nvSpPr>
+        <p:spPr>
+          <a:xfrm>
+            <a:off x="381000" y="230188"/>
+            <a:ext cx="8382000" cy="664797"/>
+          </a:xfrm>
+        </p:spPr>
+        <p:txBody>
+          <a:bodyPr/>
+          <a:lstStyle/>
+          <a:p>
+            <a:r>
+              <a:rPr lang="en-US" dirty="0" smtClean="0"/>
               <a:t>Null </a:t>
             </a:r>
             <a:r>
@@ -30943,7 +31051,7 @@
 </p:sld>
 </file>
 
-<file path=ppt/slides/slide21.xml><?xml version="1.0" encoding="utf-8"?>
+<file path=ppt/slides/slide22.xml><?xml version="1.0" encoding="utf-8"?>
 <p:sld xmlns:a="http://schemas.openxmlformats.org/drawingml/2006/main" xmlns:r="http://schemas.openxmlformats.org/officeDocument/2006/relationships" xmlns:p="http://schemas.openxmlformats.org/presentationml/2006/main">
   <p:cSld>
     <p:spTree>
@@ -31111,7 +31219,7 @@
 </p:sld>
 </file>
 
-<file path=ppt/slides/slide22.xml><?xml version="1.0" encoding="utf-8"?>
+<file path=ppt/slides/slide23.xml><?xml version="1.0" encoding="utf-8"?>
 <p:sld xmlns:a="http://schemas.openxmlformats.org/drawingml/2006/main" xmlns:r="http://schemas.openxmlformats.org/officeDocument/2006/relationships" xmlns:p="http://schemas.openxmlformats.org/presentationml/2006/main">
   <p:cSld>
     <p:spTree>
@@ -31267,7 +31375,7 @@
 </p:sld>
 </file>
 
-<file path=ppt/slides/slide23.xml><?xml version="1.0" encoding="utf-8"?>
+<file path=ppt/slides/slide24.xml><?xml version="1.0" encoding="utf-8"?>
 <p:sld xmlns:a="http://schemas.openxmlformats.org/drawingml/2006/main" xmlns:r="http://schemas.openxmlformats.org/officeDocument/2006/relationships" xmlns:p="http://schemas.openxmlformats.org/presentationml/2006/main">
   <p:cSld>
     <p:spTree>
@@ -31402,7 +31510,7 @@
 </p:sld>
 </file>
 
-<file path=ppt/slides/slide24.xml><?xml version="1.0" encoding="utf-8"?>
+<file path=ppt/slides/slide25.xml><?xml version="1.0" encoding="utf-8"?>
 <p:sld xmlns:a="http://schemas.openxmlformats.org/drawingml/2006/main" xmlns:r="http://schemas.openxmlformats.org/officeDocument/2006/relationships" xmlns:p="http://schemas.openxmlformats.org/presentationml/2006/main">
   <p:cSld>
     <p:spTree>
@@ -31536,7 +31644,7 @@
 </p:sld>
 </file>
 
-<file path=ppt/slides/slide25.xml><?xml version="1.0" encoding="utf-8"?>
+<file path=ppt/slides/slide26.xml><?xml version="1.0" encoding="utf-8"?>
 <p:sld xmlns:a="http://schemas.openxmlformats.org/drawingml/2006/main" xmlns:r="http://schemas.openxmlformats.org/officeDocument/2006/relationships" xmlns:p="http://schemas.openxmlformats.org/presentationml/2006/main">
   <p:cSld>
     <p:spTree>
@@ -31681,7 +31789,7 @@
 </p:sld>
 </file>
 
-<file path=ppt/slides/slide26.xml><?xml version="1.0" encoding="utf-8"?>
+<file path=ppt/slides/slide27.xml><?xml version="1.0" encoding="utf-8"?>
 <p:sld xmlns:a="http://schemas.openxmlformats.org/drawingml/2006/main" xmlns:r="http://schemas.openxmlformats.org/officeDocument/2006/relationships" xmlns:p="http://schemas.openxmlformats.org/presentationml/2006/main">
   <p:cSld>
     <p:spTree>
@@ -31786,184 +31894,6 @@
     <p:extLst>
       <p:ext uri="{BB962C8B-B14F-4D97-AF65-F5344CB8AC3E}">
         <p14:creationId xmlns:p14="http://schemas.microsoft.com/office/powerpoint/2010/main" val="3965056846"/>
-      </p:ext>
-    </p:extLst>
-  </p:cSld>
-  <p:clrMapOvr>
-    <a:masterClrMapping/>
-  </p:clrMapOvr>
-  <p:transition>
-    <p:fade/>
-  </p:transition>
-  <p:timing>
-    <p:tnLst>
-      <p:par>
-        <p:cTn id="1" dur="indefinite" restart="never" nodeType="tmRoot"/>
-      </p:par>
-    </p:tnLst>
-  </p:timing>
-</p:sld>
-</file>
-
-<file path=ppt/slides/slide27.xml><?xml version="1.0" encoding="utf-8"?>
-<p:sld xmlns:a="http://schemas.openxmlformats.org/drawingml/2006/main" xmlns:r="http://schemas.openxmlformats.org/officeDocument/2006/relationships" xmlns:p="http://schemas.openxmlformats.org/presentationml/2006/main">
-  <p:cSld>
-    <p:spTree>
-      <p:nvGrpSpPr>
-        <p:cNvPr id="1" name=""/>
-        <p:cNvGrpSpPr/>
-        <p:nvPr/>
-      </p:nvGrpSpPr>
-      <p:grpSpPr>
-        <a:xfrm>
-          <a:off x="0" y="0"/>
-          <a:ext cx="0" cy="0"/>
-          <a:chOff x="0" y="0"/>
-          <a:chExt cx="0" cy="0"/>
-        </a:xfrm>
-      </p:grpSpPr>
-      <p:sp>
-        <p:nvSpPr>
-          <p:cNvPr id="2" name="Title 1"/>
-          <p:cNvSpPr>
-            <a:spLocks noGrp="1"/>
-          </p:cNvSpPr>
-          <p:nvPr>
-            <p:ph type="title"/>
-          </p:nvPr>
-        </p:nvSpPr>
-        <p:spPr>
-          <a:xfrm>
-            <a:off x="381000" y="230189"/>
-            <a:ext cx="8382000" cy="836612"/>
-          </a:xfrm>
-        </p:spPr>
-        <p:txBody>
-          <a:bodyPr>
-            <a:normAutofit fontScale="90000"/>
-          </a:bodyPr>
-          <a:lstStyle/>
-          <a:p>
-            <a:r>
-              <a:rPr lang="en-US" dirty="0" smtClean="0"/>
-              <a:t>Credits</a:t>
-            </a:r>
-            <a:br>
-              <a:rPr lang="en-US" dirty="0" smtClean="0"/>
-            </a:br>
-            <a:endParaRPr lang="en-US" dirty="0">
-              <a:solidFill>
-                <a:schemeClr val="tx2"/>
-              </a:solidFill>
-            </a:endParaRPr>
-          </a:p>
-        </p:txBody>
-      </p:sp>
-      <p:sp>
-        <p:nvSpPr>
-          <p:cNvPr id="3" name="Text Placeholder 2"/>
-          <p:cNvSpPr>
-            <a:spLocks noGrp="1"/>
-          </p:cNvSpPr>
-          <p:nvPr>
-            <p:ph type="body" sz="quarter" idx="10"/>
-          </p:nvPr>
-        </p:nvSpPr>
-        <p:spPr>
-          <a:xfrm>
-            <a:off x="381000" y="838200"/>
-            <a:ext cx="8382000" cy="5486400"/>
-          </a:xfrm>
-        </p:spPr>
-        <p:txBody>
-          <a:bodyPr>
-            <a:normAutofit fontScale="92500" lnSpcReduction="10000"/>
-          </a:bodyPr>
-          <a:lstStyle/>
-          <a:p>
-            <a:endParaRPr lang="en-US" dirty="0" smtClean="0"/>
-          </a:p>
-          <a:p>
-            <a:r>
-              <a:rPr lang="en-US" sz="3000" dirty="0"/>
-              <a:t>"Knot with </a:t>
-            </a:r>
-            <a:r>
-              <a:rPr lang="en-US" sz="3000" dirty="0" err="1"/>
-              <a:t>borromean</a:t>
-            </a:r>
-            <a:r>
-              <a:rPr lang="en-US" sz="3000" dirty="0"/>
-              <a:t> rings in </a:t>
-            </a:r>
-            <a:r>
-              <a:rPr lang="en-US" sz="3000" dirty="0" err="1"/>
-              <a:t>jsj</a:t>
-            </a:r>
-            <a:r>
-              <a:rPr lang="en-US" sz="3000" dirty="0"/>
-              <a:t> </a:t>
-            </a:r>
-            <a:r>
-              <a:rPr lang="en-US" sz="3000" dirty="0" err="1"/>
-              <a:t>decomp</a:t>
-            </a:r>
-            <a:r>
-              <a:rPr lang="en-US" sz="3000" dirty="0"/>
-              <a:t> small". Licensed under CC BY-SA 3.0 via Wikipedia - </a:t>
-            </a:r>
-            <a:r>
-              <a:rPr lang="en-US" sz="3000" dirty="0">
-                <a:hlinkClick r:id="rId3"/>
-              </a:rPr>
-              <a:t>https://en.wikipedia.org/wiki/File:Knot_with_borromean_rings_in_jsj_decomp_small.png#/media/</a:t>
-            </a:r>
-            <a:r>
-              <a:rPr lang="en-US" sz="3000" dirty="0" smtClean="0">
-                <a:hlinkClick r:id="rId3"/>
-              </a:rPr>
-              <a:t>File:Knot_with_borromean_rings_in_jsj_decomp_small.png</a:t>
-            </a:r>
-            <a:endParaRPr lang="en-US" sz="3000" dirty="0" smtClean="0"/>
-          </a:p>
-          <a:p>
-            <a:r>
-              <a:rPr lang="en-US" sz="3000" dirty="0"/>
-              <a:t>"Stonehenge on 27.01.08" by </a:t>
-            </a:r>
-            <a:r>
-              <a:rPr lang="en-US" sz="3000" dirty="0" err="1"/>
-              <a:t>Mavratti</a:t>
-            </a:r>
-            <a:r>
-              <a:rPr lang="en-US" sz="3000" dirty="0"/>
-              <a:t> - Own work. Licensed under Public Domain via Wikimedia Commons - https://</a:t>
-            </a:r>
-            <a:r>
-              <a:rPr lang="en-US" sz="3000" dirty="0" err="1"/>
-              <a:t>commons.wikimedia.org</a:t>
-            </a:r>
-            <a:r>
-              <a:rPr lang="en-US" sz="3000" dirty="0"/>
-              <a:t>/wiki/File:Stonehenge_on_27.01.08.jpg#/media/File:Stonehenge_on_27.01.08.jpg</a:t>
-            </a:r>
-            <a:endParaRPr lang="en-US" sz="3000" dirty="0" smtClean="0"/>
-          </a:p>
-          <a:p>
-            <a:r>
-              <a:rPr lang="en-US" sz="3000" dirty="0" smtClean="0"/>
-              <a:t>The Mesa team at George Mason has contributed code to this project.</a:t>
-            </a:r>
-          </a:p>
-          <a:p>
-            <a:endParaRPr lang="en-US" dirty="0" smtClean="0"/>
-          </a:p>
-        </p:txBody>
-      </p:sp>
-    </p:spTree>
-    <p:extLst>
-      <p:ext uri="{BB962C8B-B14F-4D97-AF65-F5344CB8AC3E}">
-        <p14:creationId xmlns:p14="http://schemas.microsoft.com/office/powerpoint/2010/main" val="3776600832"/>
       </p:ext>
     </p:extLst>
   </p:cSld>
@@ -32012,19 +31942,28 @@
         </p:nvSpPr>
         <p:spPr>
           <a:xfrm>
-            <a:off x="381000" y="230188"/>
-            <a:ext cx="8382000" cy="664797"/>
+            <a:off x="381000" y="230189"/>
+            <a:ext cx="8382000" cy="836612"/>
           </a:xfrm>
         </p:spPr>
         <p:txBody>
-          <a:bodyPr/>
+          <a:bodyPr>
+            <a:normAutofit fontScale="90000"/>
+          </a:bodyPr>
           <a:lstStyle/>
           <a:p>
             <a:r>
               <a:rPr lang="en-US" dirty="0" smtClean="0"/>
               <a:t>Credits</a:t>
             </a:r>
-            <a:endParaRPr lang="en-US" dirty="0"/>
+            <a:br>
+              <a:rPr lang="en-US" dirty="0" smtClean="0"/>
+            </a:br>
+            <a:endParaRPr lang="en-US" dirty="0">
+              <a:solidFill>
+                <a:schemeClr val="tx2"/>
+              </a:solidFill>
+            </a:endParaRPr>
           </a:p>
         </p:txBody>
       </p:sp>
@@ -32040,113 +31979,99 @@
         </p:nvSpPr>
         <p:spPr>
           <a:xfrm>
-            <a:off x="381000" y="1676400"/>
-            <a:ext cx="8382000" cy="4739759"/>
+            <a:off x="381000" y="838200"/>
+            <a:ext cx="8382000" cy="5486400"/>
           </a:xfrm>
         </p:spPr>
         <p:txBody>
-          <a:bodyPr/>
+          <a:bodyPr>
+            <a:normAutofit fontScale="92500" lnSpcReduction="10000"/>
+          </a:bodyPr>
           <a:lstStyle/>
           <a:p>
-            <a:r>
-              <a:rPr lang="en-US" sz="2800" dirty="0"/>
-              <a:t>"Bronze Age spear tip </a:t>
-            </a:r>
-            <a:r>
-              <a:rPr lang="en-US" sz="2800" dirty="0" err="1"/>
-              <a:t>mould</a:t>
-            </a:r>
-            <a:r>
-              <a:rPr lang="en-US" sz="2800" dirty="0"/>
-              <a:t> IMG 5123" by Photograph by Rama, Wikimedia Commons, Cc-by-sa-2.0-fr. Licensed under CC BY-SA 2.0 </a:t>
-            </a:r>
-            <a:r>
-              <a:rPr lang="en-US" sz="2800" dirty="0" err="1"/>
-              <a:t>fr</a:t>
-            </a:r>
-            <a:r>
-              <a:rPr lang="en-US" sz="2800" dirty="0"/>
-              <a:t> via Commons - </a:t>
-            </a:r>
-            <a:r>
-              <a:rPr lang="en-US" sz="2800" dirty="0">
-                <a:hlinkClick r:id="rId2"/>
-              </a:rPr>
-              <a:t>https://commons.wikimedia.org/wiki/File:Bronze_Age_spear_tip_mould_IMG_5123.jpg#/</a:t>
-            </a:r>
-            <a:r>
-              <a:rPr lang="en-US" sz="2800" dirty="0" smtClean="0">
-                <a:hlinkClick r:id="rId2"/>
-              </a:rPr>
-              <a:t>media/File:Bronze_Age_spear_tip_mould_IMG_5123.jpg</a:t>
-            </a:r>
-            <a:endParaRPr lang="en-US" sz="2800" dirty="0" smtClean="0"/>
+            <a:endParaRPr lang="en-US" dirty="0" smtClean="0"/>
           </a:p>
           <a:p>
             <a:r>
-              <a:rPr lang="en-US" sz="2800" dirty="0"/>
-              <a:t>"</a:t>
-            </a:r>
-            <a:r>
-              <a:rPr lang="en-US" sz="2800" dirty="0" err="1"/>
-              <a:t>Axentowicz</a:t>
-            </a:r>
-            <a:r>
-              <a:rPr lang="en-US" sz="2800" dirty="0"/>
-              <a:t> The Anchorite" by </a:t>
-            </a:r>
-            <a:r>
-              <a:rPr lang="en-US" sz="2800" dirty="0" err="1"/>
-              <a:t>Teodor</a:t>
-            </a:r>
-            <a:r>
-              <a:rPr lang="en-US" sz="2800" dirty="0"/>
+              <a:rPr lang="en-US" sz="3000" dirty="0"/>
+              <a:t>"Knot with </a:t>
+            </a:r>
+            <a:r>
+              <a:rPr lang="en-US" sz="3000" dirty="0" err="1"/>
+              <a:t>borromean</a:t>
+            </a:r>
+            <a:r>
+              <a:rPr lang="en-US" sz="3000" dirty="0"/>
+              <a:t> rings in </a:t>
+            </a:r>
+            <a:r>
+              <a:rPr lang="en-US" sz="3000" dirty="0" err="1"/>
+              <a:t>jsj</a:t>
+            </a:r>
+            <a:r>
+              <a:rPr lang="en-US" sz="3000" dirty="0"/>
               <a:t> </a:t>
             </a:r>
             <a:r>
-              <a:rPr lang="en-US" sz="2800" dirty="0" err="1"/>
-              <a:t>Axentowicz</a:t>
-            </a:r>
-            <a:r>
-              <a:rPr lang="en-US" sz="2800" dirty="0"/>
-              <a:t> - </a:t>
-            </a:r>
-            <a:r>
-              <a:rPr lang="en-US" sz="2800" dirty="0" err="1"/>
-              <a:t>cyfrowe.mnw.art.pl</a:t>
-            </a:r>
-            <a:r>
-              <a:rPr lang="en-US" sz="2800" dirty="0"/>
-              <a:t>. Licensed under Public Domain via Commons - https://</a:t>
-            </a:r>
-            <a:r>
-              <a:rPr lang="en-US" sz="2800" dirty="0" err="1"/>
+              <a:rPr lang="en-US" sz="3000" dirty="0" err="1"/>
+              <a:t>decomp</a:t>
+            </a:r>
+            <a:r>
+              <a:rPr lang="en-US" sz="3000" dirty="0"/>
+              <a:t> small". Licensed under CC BY-SA 3.0 via Wikipedia - </a:t>
+            </a:r>
+            <a:r>
+              <a:rPr lang="en-US" sz="3000" dirty="0">
+                <a:hlinkClick r:id="rId3"/>
+              </a:rPr>
+              <a:t>https://en.wikipedia.org/wiki/File:Knot_with_borromean_rings_in_jsj_decomp_small.png#/media/</a:t>
+            </a:r>
+            <a:r>
+              <a:rPr lang="en-US" sz="3000" dirty="0" smtClean="0">
+                <a:hlinkClick r:id="rId3"/>
+              </a:rPr>
+              <a:t>File:Knot_with_borromean_rings_in_jsj_decomp_small.png</a:t>
+            </a:r>
+            <a:endParaRPr lang="en-US" sz="3000" dirty="0" smtClean="0"/>
+          </a:p>
+          <a:p>
+            <a:r>
+              <a:rPr lang="en-US" sz="3000" dirty="0"/>
+              <a:t>"Stonehenge on 27.01.08" by </a:t>
+            </a:r>
+            <a:r>
+              <a:rPr lang="en-US" sz="3000" dirty="0" err="1"/>
+              <a:t>Mavratti</a:t>
+            </a:r>
+            <a:r>
+              <a:rPr lang="en-US" sz="3000" dirty="0"/>
+              <a:t> - Own work. Licensed under Public Domain via Wikimedia Commons - https://</a:t>
+            </a:r>
+            <a:r>
+              <a:rPr lang="en-US" sz="3000" dirty="0" err="1"/>
               <a:t>commons.wikimedia.org</a:t>
             </a:r>
             <a:r>
-              <a:rPr lang="en-US" sz="2800" dirty="0"/>
-              <a:t>/wiki/</a:t>
-            </a:r>
-            <a:r>
-              <a:rPr lang="en-US" sz="2800" dirty="0" err="1"/>
-              <a:t>File:Axentowicz_The_Anchorite.jpg</a:t>
-            </a:r>
-            <a:r>
-              <a:rPr lang="en-US" sz="2800" dirty="0"/>
-              <a:t>#/media/</a:t>
-            </a:r>
-            <a:r>
-              <a:rPr lang="en-US" sz="2800" dirty="0" err="1"/>
-              <a:t>File:Axentowicz_The_Anchorite.jpg</a:t>
-            </a:r>
-            <a:endParaRPr lang="en-US" sz="2800" dirty="0"/>
+              <a:rPr lang="en-US" sz="3000" dirty="0"/>
+              <a:t>/wiki/File:Stonehenge_on_27.01.08.jpg#/media/File:Stonehenge_on_27.01.08.jpg</a:t>
+            </a:r>
+            <a:endParaRPr lang="en-US" sz="3000" dirty="0" smtClean="0"/>
+          </a:p>
+          <a:p>
+            <a:r>
+              <a:rPr lang="en-US" sz="3000" dirty="0" smtClean="0"/>
+              <a:t>The Mesa team at George Mason has contributed code to this project.</a:t>
+            </a:r>
+          </a:p>
+          <a:p>
+            <a:endParaRPr lang="en-US" dirty="0" smtClean="0"/>
           </a:p>
         </p:txBody>
       </p:sp>
     </p:spTree>
     <p:extLst>
       <p:ext uri="{BB962C8B-B14F-4D97-AF65-F5344CB8AC3E}">
-        <p14:creationId xmlns:p14="http://schemas.microsoft.com/office/powerpoint/2010/main" val="1548311111"/>
+        <p14:creationId xmlns:p14="http://schemas.microsoft.com/office/powerpoint/2010/main" val="3776600832"/>
       </p:ext>
     </p:extLst>
   </p:cSld>
@@ -32223,8 +32148,8 @@
         </p:nvSpPr>
         <p:spPr>
           <a:xfrm>
-            <a:off x="381000" y="1371600"/>
-            <a:ext cx="8382000" cy="5127558"/>
+            <a:off x="381000" y="1676400"/>
+            <a:ext cx="8382000" cy="4739759"/>
           </a:xfrm>
         </p:spPr>
         <p:txBody>
@@ -32233,27 +32158,35 @@
           <a:p>
             <a:r>
               <a:rPr lang="en-US" sz="2800" dirty="0"/>
-              <a:t>"</a:t>
+              <a:t>"Bronze Age spear tip </a:t>
             </a:r>
             <a:r>
               <a:rPr lang="en-US" sz="2800" dirty="0" err="1"/>
-              <a:t>Perspectivephoto</a:t>
+              <a:t>mould</a:t>
             </a:r>
             <a:r>
               <a:rPr lang="en-US" sz="2800" dirty="0"/>
-              <a:t>". Licensed under CC BY 2.5 via Wikipedia - </a:t>
+              <a:t> IMG 5123" by Photograph by Rama, Wikimedia Commons, Cc-by-sa-2.0-fr. Licensed under CC BY-SA 2.0 </a:t>
+            </a:r>
+            <a:r>
+              <a:rPr lang="en-US" sz="2800" dirty="0" err="1"/>
+              <a:t>fr</a:t>
+            </a:r>
+            <a:r>
+              <a:rPr lang="en-US" sz="2800" dirty="0"/>
+              <a:t> via Commons - </a:t>
             </a:r>
             <a:r>
               <a:rPr lang="en-US" sz="2800" dirty="0">
                 <a:hlinkClick r:id="rId2"/>
               </a:rPr>
-              <a:t>https://en.wikipedia.org/wiki/File:Perspectivephoto.jpg#/</a:t>
+              <a:t>https://commons.wikimedia.org/wiki/File:Bronze_Age_spear_tip_mould_IMG_5123.jpg#/</a:t>
             </a:r>
             <a:r>
               <a:rPr lang="en-US" sz="2800" dirty="0" smtClean="0">
                 <a:hlinkClick r:id="rId2"/>
               </a:rPr>
-              <a:t>media/File:Perspectivephoto.jpg</a:t>
+              <a:t>media/File:Bronze_Age_spear_tip_mould_IMG_5123.jpg</a:t>
             </a:r>
             <a:endParaRPr lang="en-US" sz="2800" dirty="0" smtClean="0"/>
           </a:p>
@@ -32264,19 +32197,35 @@
             </a:r>
             <a:r>
               <a:rPr lang="en-US" sz="2800" dirty="0" err="1"/>
-              <a:t>Eugène</a:t>
+              <a:t>Axentowicz</a:t>
             </a:r>
             <a:r>
               <a:rPr lang="en-US" sz="2800" dirty="0"/>
-              <a:t> Delacroix - The Fanatics of Tangier - WGA06195" by </a:t>
+              <a:t> The Anchorite" by </a:t>
             </a:r>
             <a:r>
               <a:rPr lang="en-US" sz="2800" dirty="0" err="1"/>
-              <a:t>Eugène</a:t>
+              <a:t>Teodor</a:t>
             </a:r>
             <a:r>
               <a:rPr lang="en-US" sz="2800" dirty="0"/>
-              <a:t> Delacroix - 1. Web Gallery of Art:   Image  Info about artwork2. The Minneapolis Institute of Arts. Licensed under Public Domain via Commons - https://</a:t>
+              <a:t> </a:t>
+            </a:r>
+            <a:r>
+              <a:rPr lang="en-US" sz="2800" dirty="0" err="1"/>
+              <a:t>Axentowicz</a:t>
+            </a:r>
+            <a:r>
+              <a:rPr lang="en-US" sz="2800" dirty="0"/>
+              <a:t> - </a:t>
+            </a:r>
+            <a:r>
+              <a:rPr lang="en-US" sz="2800" dirty="0" err="1"/>
+              <a:t>cyfrowe.mnw.art.pl</a:t>
+            </a:r>
+            <a:r>
+              <a:rPr lang="en-US" sz="2800" dirty="0"/>
+              <a:t>. Licensed under Public Domain via Commons - https://</a:t>
             </a:r>
             <a:r>
               <a:rPr lang="en-US" sz="2800" dirty="0" err="1"/>
@@ -32284,15 +32233,28 @@
             </a:r>
             <a:r>
               <a:rPr lang="en-US" sz="2800" dirty="0"/>
-              <a:t>/wiki/File:Eug%C3%A8ne_Delacroix_-_The_Fanatics_of_Tangier_-_WGA06195.jpg#/media/File:Eug%C3%A8ne_Delacroix_-_The_Fanatics_of_Tangier_-_WGA06195.jpg</a:t>
-            </a:r>
+              <a:t>/wiki/</a:t>
+            </a:r>
+            <a:r>
+              <a:rPr lang="en-US" sz="2800" dirty="0" err="1"/>
+              <a:t>File:Axentowicz_The_Anchorite.jpg</a:t>
+            </a:r>
+            <a:r>
+              <a:rPr lang="en-US" sz="2800" dirty="0"/>
+              <a:t>#/media/</a:t>
+            </a:r>
+            <a:r>
+              <a:rPr lang="en-US" sz="2800" dirty="0" err="1"/>
+              <a:t>File:Axentowicz_The_Anchorite.jpg</a:t>
+            </a:r>
+            <a:endParaRPr lang="en-US" sz="2800" dirty="0"/>
           </a:p>
         </p:txBody>
       </p:sp>
     </p:spTree>
     <p:extLst>
       <p:ext uri="{BB962C8B-B14F-4D97-AF65-F5344CB8AC3E}">
-        <p14:creationId xmlns:p14="http://schemas.microsoft.com/office/powerpoint/2010/main" val="1596891371"/>
+        <p14:creationId xmlns:p14="http://schemas.microsoft.com/office/powerpoint/2010/main" val="1548311111"/>
       </p:ext>
     </p:extLst>
   </p:cSld>
@@ -32548,6 +32510,152 @@
         </p:nvSpPr>
         <p:spPr>
           <a:xfrm>
+            <a:off x="381000" y="1371600"/>
+            <a:ext cx="8382000" cy="5127558"/>
+          </a:xfrm>
+        </p:spPr>
+        <p:txBody>
+          <a:bodyPr/>
+          <a:lstStyle/>
+          <a:p>
+            <a:r>
+              <a:rPr lang="en-US" sz="2800" dirty="0"/>
+              <a:t>"</a:t>
+            </a:r>
+            <a:r>
+              <a:rPr lang="en-US" sz="2800" dirty="0" err="1"/>
+              <a:t>Perspectivephoto</a:t>
+            </a:r>
+            <a:r>
+              <a:rPr lang="en-US" sz="2800" dirty="0"/>
+              <a:t>". Licensed under CC BY 2.5 via Wikipedia - </a:t>
+            </a:r>
+            <a:r>
+              <a:rPr lang="en-US" sz="2800" dirty="0">
+                <a:hlinkClick r:id="rId2"/>
+              </a:rPr>
+              <a:t>https://en.wikipedia.org/wiki/File:Perspectivephoto.jpg#/</a:t>
+            </a:r>
+            <a:r>
+              <a:rPr lang="en-US" sz="2800" dirty="0" smtClean="0">
+                <a:hlinkClick r:id="rId2"/>
+              </a:rPr>
+              <a:t>media/File:Perspectivephoto.jpg</a:t>
+            </a:r>
+            <a:endParaRPr lang="en-US" sz="2800" dirty="0" smtClean="0"/>
+          </a:p>
+          <a:p>
+            <a:r>
+              <a:rPr lang="en-US" sz="2800" dirty="0"/>
+              <a:t>"</a:t>
+            </a:r>
+            <a:r>
+              <a:rPr lang="en-US" sz="2800" dirty="0" err="1"/>
+              <a:t>Eugène</a:t>
+            </a:r>
+            <a:r>
+              <a:rPr lang="en-US" sz="2800" dirty="0"/>
+              <a:t> Delacroix - The Fanatics of Tangier - WGA06195" by </a:t>
+            </a:r>
+            <a:r>
+              <a:rPr lang="en-US" sz="2800" dirty="0" err="1"/>
+              <a:t>Eugène</a:t>
+            </a:r>
+            <a:r>
+              <a:rPr lang="en-US" sz="2800" dirty="0"/>
+              <a:t> Delacroix - 1. Web Gallery of Art:   Image  Info about artwork2. The Minneapolis Institute of Arts. Licensed under Public Domain via Commons - https://</a:t>
+            </a:r>
+            <a:r>
+              <a:rPr lang="en-US" sz="2800" dirty="0" err="1"/>
+              <a:t>commons.wikimedia.org</a:t>
+            </a:r>
+            <a:r>
+              <a:rPr lang="en-US" sz="2800" dirty="0"/>
+              <a:t>/wiki/File:Eug%C3%A8ne_Delacroix_-_The_Fanatics_of_Tangier_-_WGA06195.jpg#/media/File:Eug%C3%A8ne_Delacroix_-_The_Fanatics_of_Tangier_-_WGA06195.jpg</a:t>
+            </a:r>
+          </a:p>
+        </p:txBody>
+      </p:sp>
+    </p:spTree>
+    <p:extLst>
+      <p:ext uri="{BB962C8B-B14F-4D97-AF65-F5344CB8AC3E}">
+        <p14:creationId xmlns:p14="http://schemas.microsoft.com/office/powerpoint/2010/main" val="1596891371"/>
+      </p:ext>
+    </p:extLst>
+  </p:cSld>
+  <p:clrMapOvr>
+    <a:masterClrMapping/>
+  </p:clrMapOvr>
+  <p:transition>
+    <p:fade/>
+  </p:transition>
+  <p:timing>
+    <p:tnLst>
+      <p:par>
+        <p:cTn id="1" dur="indefinite" restart="never" nodeType="tmRoot"/>
+      </p:par>
+    </p:tnLst>
+  </p:timing>
+</p:sld>
+</file>
+
+<file path=ppt/slides/slide31.xml><?xml version="1.0" encoding="utf-8"?>
+<p:sld xmlns:a="http://schemas.openxmlformats.org/drawingml/2006/main" xmlns:r="http://schemas.openxmlformats.org/officeDocument/2006/relationships" xmlns:p="http://schemas.openxmlformats.org/presentationml/2006/main">
+  <p:cSld>
+    <p:spTree>
+      <p:nvGrpSpPr>
+        <p:cNvPr id="1" name=""/>
+        <p:cNvGrpSpPr/>
+        <p:nvPr/>
+      </p:nvGrpSpPr>
+      <p:grpSpPr>
+        <a:xfrm>
+          <a:off x="0" y="0"/>
+          <a:ext cx="0" cy="0"/>
+          <a:chOff x="0" y="0"/>
+          <a:chExt cx="0" cy="0"/>
+        </a:xfrm>
+      </p:grpSpPr>
+      <p:sp>
+        <p:nvSpPr>
+          <p:cNvPr id="2" name="Title 1"/>
+          <p:cNvSpPr>
+            <a:spLocks noGrp="1"/>
+          </p:cNvSpPr>
+          <p:nvPr>
+            <p:ph type="title"/>
+          </p:nvPr>
+        </p:nvSpPr>
+        <p:spPr>
+          <a:xfrm>
+            <a:off x="381000" y="230188"/>
+            <a:ext cx="8382000" cy="664797"/>
+          </a:xfrm>
+        </p:spPr>
+        <p:txBody>
+          <a:bodyPr/>
+          <a:lstStyle/>
+          <a:p>
+            <a:r>
+              <a:rPr lang="en-US" dirty="0" smtClean="0"/>
+              <a:t>Credits</a:t>
+            </a:r>
+            <a:endParaRPr lang="en-US" dirty="0"/>
+          </a:p>
+        </p:txBody>
+      </p:sp>
+      <p:sp>
+        <p:nvSpPr>
+          <p:cNvPr id="3" name="Text Placeholder 2"/>
+          <p:cNvSpPr>
+            <a:spLocks noGrp="1"/>
+          </p:cNvSpPr>
+          <p:nvPr>
+            <p:ph type="body" sz="quarter" idx="10"/>
+          </p:nvPr>
+        </p:nvSpPr>
+        <p:spPr>
+          <a:xfrm>
             <a:off x="381000" y="1676400"/>
             <a:ext cx="8382000" cy="3877985"/>
           </a:xfrm>
@@ -32663,7 +32771,7 @@
 </p:sld>
 </file>
 
-<file path=ppt/slides/slide31.xml><?xml version="1.0" encoding="utf-8"?>
+<file path=ppt/slides/slide32.xml><?xml version="1.0" encoding="utf-8"?>
 <p:sld xmlns:a="http://schemas.openxmlformats.org/drawingml/2006/main" xmlns:r="http://schemas.openxmlformats.org/officeDocument/2006/relationships" xmlns:p="http://schemas.openxmlformats.org/presentationml/2006/main">
   <p:cSld>
     <p:spTree>

--- a/docs/ABMsAsAlgebraic.pptx
+++ b/docs/ABMsAsAlgebraic.pptx
@@ -29644,7 +29644,7 @@
         </p:nvSpPr>
         <p:spPr>
           <a:xfrm>
-            <a:off x="381000" y="1676400"/>
+            <a:off x="381000" y="1219200"/>
             <a:ext cx="8382000" cy="2609945"/>
           </a:xfrm>
         </p:spPr>
@@ -29668,16 +29668,42 @@
             <a:pPr lvl="1"/>
             <a:r>
               <a:rPr lang="en-US" dirty="0" smtClean="0"/>
-              <a:t>Filter that view to, e.g., see only agents of a type of </a:t>
-            </a:r>
-            <a:r>
-              <a:rPr lang="en-US" smtClean="0"/>
-              <a:t>particular interest.</a:t>
-            </a:r>
-            <a:endParaRPr lang="en-US"/>
+              <a:t>Filter that view to, e.g., see only agents of a type of particular interest.</a:t>
+            </a:r>
+            <a:endParaRPr lang="en-US" dirty="0"/>
           </a:p>
         </p:txBody>
       </p:sp>
+      <p:pic>
+        <p:nvPicPr>
+          <p:cNvPr id="4" name="Picture 3"/>
+          <p:cNvPicPr>
+            <a:picLocks noChangeAspect="1"/>
+          </p:cNvPicPr>
+          <p:nvPr/>
+        </p:nvPicPr>
+        <p:blipFill>
+          <a:blip r:embed="rId2">
+            <a:extLst>
+              <a:ext uri="{28A0092B-C50C-407E-A947-70E740481C1C}">
+                <a14:useLocalDpi xmlns:a14="http://schemas.microsoft.com/office/drawing/2010/main" val="0"/>
+              </a:ext>
+            </a:extLst>
+          </a:blip>
+          <a:stretch>
+            <a:fillRect/>
+          </a:stretch>
+        </p:blipFill>
+        <p:spPr>
+          <a:xfrm>
+            <a:off x="381000" y="4419600"/>
+            <a:ext cx="8407831" cy="1600200"/>
+          </a:xfrm>
+          <a:prstGeom prst="rect">
+            <a:avLst/>
+          </a:prstGeom>
+        </p:spPr>
+      </p:pic>
     </p:spTree>
     <p:extLst>
       <p:ext uri="{BB962C8B-B14F-4D97-AF65-F5344CB8AC3E}">

--- a/docs/ABMsAsAlgebraic.pptx
+++ b/docs/ABMsAsAlgebraic.pptx
@@ -6,7 +6,7 @@
     <p:sldMasterId id="2147483674" r:id="rId5"/>
   </p:sldMasterIdLst>
   <p:notesMasterIdLst>
-    <p:notesMasterId r:id="rId38"/>
+    <p:notesMasterId r:id="rId39"/>
   </p:notesMasterIdLst>
   <p:sldIdLst>
     <p:sldId id="257" r:id="rId6"/>
@@ -35,12 +35,13 @@
     <p:sldId id="304" r:id="rId29"/>
     <p:sldId id="305" r:id="rId30"/>
     <p:sldId id="306" r:id="rId31"/>
-    <p:sldId id="290" r:id="rId32"/>
-    <p:sldId id="268" r:id="rId33"/>
-    <p:sldId id="307" r:id="rId34"/>
-    <p:sldId id="308" r:id="rId35"/>
-    <p:sldId id="309" r:id="rId36"/>
-    <p:sldId id="310" r:id="rId37"/>
+    <p:sldId id="312" r:id="rId32"/>
+    <p:sldId id="290" r:id="rId33"/>
+    <p:sldId id="268" r:id="rId34"/>
+    <p:sldId id="307" r:id="rId35"/>
+    <p:sldId id="308" r:id="rId36"/>
+    <p:sldId id="309" r:id="rId37"/>
+    <p:sldId id="310" r:id="rId38"/>
   </p:sldIdLst>
   <p:sldSz cx="9144000" cy="6858000" type="screen4x3"/>
   <p:notesSz cx="6858000" cy="9144000"/>
@@ -24203,7 +24204,7 @@
             <a:fld id="{EC87E0CF-87F6-4B58-B8B8-DCAB2DAAF3CA}" type="slidenum">
               <a:rPr lang="en-US" smtClean="0"/>
               <a:pPr/>
-              <a:t>28</a:t>
+              <a:t>29</a:t>
             </a:fld>
             <a:endParaRPr lang="en-US" dirty="0"/>
           </a:p>
@@ -31185,7 +31186,15 @@
             </a:r>
             <a:r>
               <a:rPr lang="en-US" sz="2400" b="1" i="1" dirty="0"/>
-              <a:t>“authorities” establish come penalty for so acting).</a:t>
+              <a:t>“authorities” establish </a:t>
+            </a:r>
+            <a:r>
+              <a:rPr lang="en-US" sz="2400" b="1" i="1" dirty="0" smtClean="0"/>
+              <a:t>some </a:t>
+            </a:r>
+            <a:r>
+              <a:rPr lang="en-US" sz="2400" b="1" i="1" dirty="0"/>
+              <a:t>penalty for so acting).</a:t>
             </a:r>
           </a:p>
           <a:p>
@@ -31845,7 +31854,7 @@
         <p:spPr>
           <a:xfrm>
             <a:off x="381000" y="230188"/>
-            <a:ext cx="8153400" cy="677108"/>
+            <a:ext cx="8382000" cy="664797"/>
           </a:xfrm>
         </p:spPr>
         <p:txBody>
@@ -31854,7 +31863,7 @@
           <a:p>
             <a:r>
               <a:rPr lang="en-US" dirty="0" smtClean="0"/>
-              <a:t>Final note</a:t>
+              <a:t>Implementation Sample</a:t>
             </a:r>
             <a:endParaRPr lang="en-US" dirty="0"/>
           </a:p>
@@ -31862,18 +31871,18 @@
       </p:sp>
       <p:sp>
         <p:nvSpPr>
-          <p:cNvPr id="3" name="Text Placeholder 2"/>
+          <p:cNvPr id="3" name="Content Placeholder 2"/>
           <p:cNvSpPr>
             <a:spLocks noGrp="1"/>
           </p:cNvSpPr>
           <p:nvPr>
-            <p:ph type="body" sz="quarter" idx="10"/>
+            <p:ph sz="half" idx="1"/>
           </p:nvPr>
         </p:nvSpPr>
         <p:spPr>
           <a:xfrm>
-            <a:off x="381000" y="1371600"/>
-            <a:ext cx="8382000" cy="886397"/>
+            <a:off x="524302" y="1143000"/>
+            <a:ext cx="8219364" cy="1772015"/>
           </a:xfrm>
         </p:spPr>
         <p:txBody>
@@ -31881,45 +31890,56 @@
           <a:lstStyle/>
           <a:p>
             <a:r>
+              <a:rPr lang="en-US" dirty="0" err="1" smtClean="0"/>
+              <a:t>Prehensions</a:t>
+            </a:r>
+            <a:r>
               <a:rPr lang="en-US" dirty="0" smtClean="0"/>
-              <a:t>Contributors welcome! The project is on </a:t>
-            </a:r>
-            <a:r>
-              <a:rPr lang="en-US" dirty="0" err="1" smtClean="0"/>
-              <a:t>GitHub</a:t>
-            </a:r>
-            <a:r>
-              <a:rPr lang="en-US" dirty="0"/>
-              <a:t>: https://</a:t>
-            </a:r>
-            <a:r>
-              <a:rPr lang="en-US" dirty="0" err="1"/>
-              <a:t>github.com</a:t>
-            </a:r>
-            <a:r>
-              <a:rPr lang="en-US" dirty="0"/>
-              <a:t>/</a:t>
-            </a:r>
-            <a:r>
-              <a:rPr lang="en-US" dirty="0" err="1"/>
-              <a:t>gcallah</a:t>
-            </a:r>
-            <a:r>
-              <a:rPr lang="en-US" dirty="0"/>
-              <a:t>/</a:t>
-            </a:r>
-            <a:r>
-              <a:rPr lang="en-US" dirty="0" err="1"/>
-              <a:t>Indra</a:t>
-            </a:r>
-            <a:endParaRPr lang="en-US" dirty="0" smtClean="0"/>
+              <a:t> are a vector space in the base class.</a:t>
+            </a:r>
+          </a:p>
+          <a:p>
+            <a:r>
+              <a:rPr lang="en-US" dirty="0" smtClean="0"/>
+              <a:t>However, any other implementation in which the module axioms are true can be sub-classed.</a:t>
+            </a:r>
+            <a:endParaRPr lang="en-US" dirty="0"/>
           </a:p>
         </p:txBody>
       </p:sp>
+      <p:pic>
+        <p:nvPicPr>
+          <p:cNvPr id="5" name="Content Placeholder 4"/>
+          <p:cNvPicPr>
+            <a:picLocks noGrp="1" noChangeAspect="1"/>
+          </p:cNvPicPr>
+          <p:nvPr>
+            <p:ph sz="half" idx="2"/>
+          </p:nvPr>
+        </p:nvPicPr>
+        <p:blipFill>
+          <a:blip r:embed="rId2">
+            <a:extLst>
+              <a:ext uri="{28A0092B-C50C-407E-A947-70E740481C1C}">
+                <a14:useLocalDpi xmlns:a14="http://schemas.microsoft.com/office/drawing/2010/main" val="0"/>
+              </a:ext>
+            </a:extLst>
+          </a:blip>
+          <a:stretch>
+            <a:fillRect/>
+          </a:stretch>
+        </p:blipFill>
+        <p:spPr>
+          <a:xfrm>
+            <a:off x="1030307" y="2914650"/>
+            <a:ext cx="7159586" cy="3116263"/>
+          </a:xfrm>
+        </p:spPr>
+      </p:pic>
     </p:spTree>
     <p:extLst>
       <p:ext uri="{BB962C8B-B14F-4D97-AF65-F5344CB8AC3E}">
-        <p14:creationId xmlns:p14="http://schemas.microsoft.com/office/powerpoint/2010/main" val="3965056846"/>
+        <p14:creationId xmlns:p14="http://schemas.microsoft.com/office/powerpoint/2010/main" val="1408983316"/>
       </p:ext>
     </p:extLst>
   </p:cSld>
@@ -31929,13 +31949,6 @@
   <p:transition>
     <p:fade/>
   </p:transition>
-  <p:timing>
-    <p:tnLst>
-      <p:par>
-        <p:cTn id="1" dur="indefinite" restart="never" nodeType="tmRoot"/>
-      </p:par>
-    </p:tnLst>
-  </p:timing>
 </p:sld>
 </file>
 
@@ -31968,28 +31981,19 @@
         </p:nvSpPr>
         <p:spPr>
           <a:xfrm>
-            <a:off x="381000" y="230189"/>
-            <a:ext cx="8382000" cy="836612"/>
+            <a:off x="381000" y="230188"/>
+            <a:ext cx="8153400" cy="677108"/>
           </a:xfrm>
         </p:spPr>
         <p:txBody>
-          <a:bodyPr>
-            <a:normAutofit fontScale="90000"/>
-          </a:bodyPr>
+          <a:bodyPr/>
           <a:lstStyle/>
           <a:p>
             <a:r>
               <a:rPr lang="en-US" dirty="0" smtClean="0"/>
-              <a:t>Credits</a:t>
-            </a:r>
-            <a:br>
-              <a:rPr lang="en-US" dirty="0" smtClean="0"/>
-            </a:br>
-            <a:endParaRPr lang="en-US" dirty="0">
-              <a:solidFill>
-                <a:schemeClr val="tx2"/>
-              </a:solidFill>
-            </a:endParaRPr>
+              <a:t>Final note</a:t>
+            </a:r>
+            <a:endParaRPr lang="en-US" dirty="0"/>
           </a:p>
         </p:txBody>
       </p:sp>
@@ -32005,91 +32009,46 @@
         </p:nvSpPr>
         <p:spPr>
           <a:xfrm>
-            <a:off x="381000" y="838200"/>
-            <a:ext cx="8382000" cy="5486400"/>
+            <a:off x="381000" y="1371600"/>
+            <a:ext cx="8382000" cy="886397"/>
           </a:xfrm>
         </p:spPr>
         <p:txBody>
-          <a:bodyPr>
-            <a:normAutofit fontScale="92500" lnSpcReduction="10000"/>
-          </a:bodyPr>
+          <a:bodyPr/>
           <a:lstStyle/>
           <a:p>
-            <a:endParaRPr lang="en-US" dirty="0" smtClean="0"/>
-          </a:p>
-          <a:p>
-            <a:r>
-              <a:rPr lang="en-US" sz="3000" dirty="0"/>
-              <a:t>"Knot with </a:t>
-            </a:r>
-            <a:r>
-              <a:rPr lang="en-US" sz="3000" dirty="0" err="1"/>
-              <a:t>borromean</a:t>
-            </a:r>
-            <a:r>
-              <a:rPr lang="en-US" sz="3000" dirty="0"/>
-              <a:t> rings in </a:t>
-            </a:r>
-            <a:r>
-              <a:rPr lang="en-US" sz="3000" dirty="0" err="1"/>
-              <a:t>jsj</a:t>
-            </a:r>
-            <a:r>
-              <a:rPr lang="en-US" sz="3000" dirty="0"/>
-              <a:t> </a:t>
-            </a:r>
-            <a:r>
-              <a:rPr lang="en-US" sz="3000" dirty="0" err="1"/>
-              <a:t>decomp</a:t>
-            </a:r>
-            <a:r>
-              <a:rPr lang="en-US" sz="3000" dirty="0"/>
-              <a:t> small". Licensed under CC BY-SA 3.0 via Wikipedia - </a:t>
-            </a:r>
-            <a:r>
-              <a:rPr lang="en-US" sz="3000" dirty="0">
-                <a:hlinkClick r:id="rId3"/>
-              </a:rPr>
-              <a:t>https://en.wikipedia.org/wiki/File:Knot_with_borromean_rings_in_jsj_decomp_small.png#/media/</a:t>
-            </a:r>
-            <a:r>
-              <a:rPr lang="en-US" sz="3000" dirty="0" smtClean="0">
-                <a:hlinkClick r:id="rId3"/>
-              </a:rPr>
-              <a:t>File:Knot_with_borromean_rings_in_jsj_decomp_small.png</a:t>
-            </a:r>
-            <a:endParaRPr lang="en-US" sz="3000" dirty="0" smtClean="0"/>
-          </a:p>
-          <a:p>
-            <a:r>
-              <a:rPr lang="en-US" sz="3000" dirty="0"/>
-              <a:t>"Stonehenge on 27.01.08" by </a:t>
-            </a:r>
-            <a:r>
-              <a:rPr lang="en-US" sz="3000" dirty="0" err="1"/>
-              <a:t>Mavratti</a:t>
-            </a:r>
-            <a:r>
-              <a:rPr lang="en-US" sz="3000" dirty="0"/>
-              <a:t> - Own work. Licensed under Public Domain via Wikimedia Commons - https://</a:t>
-            </a:r>
-            <a:r>
-              <a:rPr lang="en-US" sz="3000" dirty="0" err="1"/>
-              <a:t>commons.wikimedia.org</a:t>
-            </a:r>
-            <a:r>
-              <a:rPr lang="en-US" sz="3000" dirty="0"/>
-              <a:t>/wiki/File:Stonehenge_on_27.01.08.jpg#/media/File:Stonehenge_on_27.01.08.jpg</a:t>
-            </a:r>
-            <a:endParaRPr lang="en-US" sz="3000" dirty="0" smtClean="0"/>
-          </a:p>
-          <a:p>
-            <a:r>
-              <a:rPr lang="en-US" sz="3000" dirty="0" smtClean="0"/>
-              <a:t>The Mesa team at George Mason has contributed code to this project.</a:t>
-            </a:r>
-          </a:p>
-          <a:p>
+            <a:r>
+              <a:rPr lang="en-US" dirty="0" smtClean="0"/>
+              <a:t>Contributors welcome! The project is on </a:t>
+            </a:r>
+            <a:r>
+              <a:rPr lang="en-US" dirty="0" err="1" smtClean="0"/>
+              <a:t>GitHub</a:t>
+            </a:r>
+            <a:r>
+              <a:rPr lang="en-US" dirty="0"/>
+              <a:t>: https://</a:t>
+            </a:r>
+            <a:r>
+              <a:rPr lang="en-US" dirty="0" err="1"/>
+              <a:t>github.com</a:t>
+            </a:r>
+            <a:r>
+              <a:rPr lang="en-US" dirty="0"/>
+              <a:t>/</a:t>
+            </a:r>
+            <a:r>
+              <a:rPr lang="en-US" dirty="0" err="1"/>
+              <a:t>gcallah</a:t>
+            </a:r>
+            <a:r>
+              <a:rPr lang="en-US" dirty="0"/>
+              <a:t>/</a:t>
+            </a:r>
+            <a:r>
+              <a:rPr lang="en-US" dirty="0" err="1"/>
+              <a:t>Indra</a:t>
+            </a:r>
             <a:endParaRPr lang="en-US" dirty="0" smtClean="0"/>
           </a:p>
         </p:txBody>
@@ -32097,7 +32056,7 @@
     </p:spTree>
     <p:extLst>
       <p:ext uri="{BB962C8B-B14F-4D97-AF65-F5344CB8AC3E}">
-        <p14:creationId xmlns:p14="http://schemas.microsoft.com/office/powerpoint/2010/main" val="3776600832"/>
+        <p14:creationId xmlns:p14="http://schemas.microsoft.com/office/powerpoint/2010/main" val="3965056846"/>
       </p:ext>
     </p:extLst>
   </p:cSld>
@@ -32146,19 +32105,28 @@
         </p:nvSpPr>
         <p:spPr>
           <a:xfrm>
-            <a:off x="381000" y="230188"/>
-            <a:ext cx="8382000" cy="664797"/>
+            <a:off x="381000" y="230189"/>
+            <a:ext cx="8382000" cy="836612"/>
           </a:xfrm>
         </p:spPr>
         <p:txBody>
-          <a:bodyPr/>
+          <a:bodyPr>
+            <a:normAutofit fontScale="90000"/>
+          </a:bodyPr>
           <a:lstStyle/>
           <a:p>
             <a:r>
               <a:rPr lang="en-US" dirty="0" smtClean="0"/>
               <a:t>Credits</a:t>
             </a:r>
-            <a:endParaRPr lang="en-US" dirty="0"/>
+            <a:br>
+              <a:rPr lang="en-US" dirty="0" smtClean="0"/>
+            </a:br>
+            <a:endParaRPr lang="en-US" dirty="0">
+              <a:solidFill>
+                <a:schemeClr val="tx2"/>
+              </a:solidFill>
+            </a:endParaRPr>
           </a:p>
         </p:txBody>
       </p:sp>
@@ -32174,113 +32142,99 @@
         </p:nvSpPr>
         <p:spPr>
           <a:xfrm>
-            <a:off x="381000" y="1676400"/>
-            <a:ext cx="8382000" cy="4739759"/>
+            <a:off x="381000" y="838200"/>
+            <a:ext cx="8382000" cy="5486400"/>
           </a:xfrm>
         </p:spPr>
         <p:txBody>
-          <a:bodyPr/>
+          <a:bodyPr>
+            <a:normAutofit fontScale="92500" lnSpcReduction="10000"/>
+          </a:bodyPr>
           <a:lstStyle/>
           <a:p>
-            <a:r>
-              <a:rPr lang="en-US" sz="2800" dirty="0"/>
-              <a:t>"Bronze Age spear tip </a:t>
-            </a:r>
-            <a:r>
-              <a:rPr lang="en-US" sz="2800" dirty="0" err="1"/>
-              <a:t>mould</a:t>
-            </a:r>
-            <a:r>
-              <a:rPr lang="en-US" sz="2800" dirty="0"/>
-              <a:t> IMG 5123" by Photograph by Rama, Wikimedia Commons, Cc-by-sa-2.0-fr. Licensed under CC BY-SA 2.0 </a:t>
-            </a:r>
-            <a:r>
-              <a:rPr lang="en-US" sz="2800" dirty="0" err="1"/>
-              <a:t>fr</a:t>
-            </a:r>
-            <a:r>
-              <a:rPr lang="en-US" sz="2800" dirty="0"/>
-              <a:t> via Commons - </a:t>
-            </a:r>
-            <a:r>
-              <a:rPr lang="en-US" sz="2800" dirty="0">
-                <a:hlinkClick r:id="rId2"/>
-              </a:rPr>
-              <a:t>https://commons.wikimedia.org/wiki/File:Bronze_Age_spear_tip_mould_IMG_5123.jpg#/</a:t>
-            </a:r>
-            <a:r>
-              <a:rPr lang="en-US" sz="2800" dirty="0" smtClean="0">
-                <a:hlinkClick r:id="rId2"/>
-              </a:rPr>
-              <a:t>media/File:Bronze_Age_spear_tip_mould_IMG_5123.jpg</a:t>
-            </a:r>
-            <a:endParaRPr lang="en-US" sz="2800" dirty="0" smtClean="0"/>
+            <a:endParaRPr lang="en-US" dirty="0" smtClean="0"/>
           </a:p>
           <a:p>
             <a:r>
-              <a:rPr lang="en-US" sz="2800" dirty="0"/>
-              <a:t>"</a:t>
-            </a:r>
-            <a:r>
-              <a:rPr lang="en-US" sz="2800" dirty="0" err="1"/>
-              <a:t>Axentowicz</a:t>
-            </a:r>
-            <a:r>
-              <a:rPr lang="en-US" sz="2800" dirty="0"/>
-              <a:t> The Anchorite" by </a:t>
-            </a:r>
-            <a:r>
-              <a:rPr lang="en-US" sz="2800" dirty="0" err="1"/>
-              <a:t>Teodor</a:t>
-            </a:r>
-            <a:r>
-              <a:rPr lang="en-US" sz="2800" dirty="0"/>
+              <a:rPr lang="en-US" sz="3000" dirty="0"/>
+              <a:t>"Knot with </a:t>
+            </a:r>
+            <a:r>
+              <a:rPr lang="en-US" sz="3000" dirty="0" err="1"/>
+              <a:t>borromean</a:t>
+            </a:r>
+            <a:r>
+              <a:rPr lang="en-US" sz="3000" dirty="0"/>
+              <a:t> rings in </a:t>
+            </a:r>
+            <a:r>
+              <a:rPr lang="en-US" sz="3000" dirty="0" err="1"/>
+              <a:t>jsj</a:t>
+            </a:r>
+            <a:r>
+              <a:rPr lang="en-US" sz="3000" dirty="0"/>
               <a:t> </a:t>
             </a:r>
             <a:r>
-              <a:rPr lang="en-US" sz="2800" dirty="0" err="1"/>
-              <a:t>Axentowicz</a:t>
-            </a:r>
-            <a:r>
-              <a:rPr lang="en-US" sz="2800" dirty="0"/>
-              <a:t> - </a:t>
-            </a:r>
-            <a:r>
-              <a:rPr lang="en-US" sz="2800" dirty="0" err="1"/>
-              <a:t>cyfrowe.mnw.art.pl</a:t>
-            </a:r>
-            <a:r>
-              <a:rPr lang="en-US" sz="2800" dirty="0"/>
-              <a:t>. Licensed under Public Domain via Commons - https://</a:t>
-            </a:r>
-            <a:r>
-              <a:rPr lang="en-US" sz="2800" dirty="0" err="1"/>
+              <a:rPr lang="en-US" sz="3000" dirty="0" err="1"/>
+              <a:t>decomp</a:t>
+            </a:r>
+            <a:r>
+              <a:rPr lang="en-US" sz="3000" dirty="0"/>
+              <a:t> small". Licensed under CC BY-SA 3.0 via Wikipedia - </a:t>
+            </a:r>
+            <a:r>
+              <a:rPr lang="en-US" sz="3000" dirty="0">
+                <a:hlinkClick r:id="rId3"/>
+              </a:rPr>
+              <a:t>https://en.wikipedia.org/wiki/File:Knot_with_borromean_rings_in_jsj_decomp_small.png#/media/</a:t>
+            </a:r>
+            <a:r>
+              <a:rPr lang="en-US" sz="3000" dirty="0" smtClean="0">
+                <a:hlinkClick r:id="rId3"/>
+              </a:rPr>
+              <a:t>File:Knot_with_borromean_rings_in_jsj_decomp_small.png</a:t>
+            </a:r>
+            <a:endParaRPr lang="en-US" sz="3000" dirty="0" smtClean="0"/>
+          </a:p>
+          <a:p>
+            <a:r>
+              <a:rPr lang="en-US" sz="3000" dirty="0"/>
+              <a:t>"Stonehenge on 27.01.08" by </a:t>
+            </a:r>
+            <a:r>
+              <a:rPr lang="en-US" sz="3000" dirty="0" err="1"/>
+              <a:t>Mavratti</a:t>
+            </a:r>
+            <a:r>
+              <a:rPr lang="en-US" sz="3000" dirty="0"/>
+              <a:t> - Own work. Licensed under Public Domain via Wikimedia Commons - https://</a:t>
+            </a:r>
+            <a:r>
+              <a:rPr lang="en-US" sz="3000" dirty="0" err="1"/>
               <a:t>commons.wikimedia.org</a:t>
             </a:r>
             <a:r>
-              <a:rPr lang="en-US" sz="2800" dirty="0"/>
-              <a:t>/wiki/</a:t>
-            </a:r>
-            <a:r>
-              <a:rPr lang="en-US" sz="2800" dirty="0" err="1"/>
-              <a:t>File:Axentowicz_The_Anchorite.jpg</a:t>
-            </a:r>
-            <a:r>
-              <a:rPr lang="en-US" sz="2800" dirty="0"/>
-              <a:t>#/media/</a:t>
-            </a:r>
-            <a:r>
-              <a:rPr lang="en-US" sz="2800" dirty="0" err="1"/>
-              <a:t>File:Axentowicz_The_Anchorite.jpg</a:t>
-            </a:r>
-            <a:endParaRPr lang="en-US" sz="2800" dirty="0"/>
+              <a:rPr lang="en-US" sz="3000" dirty="0"/>
+              <a:t>/wiki/File:Stonehenge_on_27.01.08.jpg#/media/File:Stonehenge_on_27.01.08.jpg</a:t>
+            </a:r>
+            <a:endParaRPr lang="en-US" sz="3000" dirty="0" smtClean="0"/>
+          </a:p>
+          <a:p>
+            <a:r>
+              <a:rPr lang="en-US" sz="3000" dirty="0" smtClean="0"/>
+              <a:t>The Mesa team at George Mason has contributed code to this project.</a:t>
+            </a:r>
+          </a:p>
+          <a:p>
+            <a:endParaRPr lang="en-US" dirty="0" smtClean="0"/>
           </a:p>
         </p:txBody>
       </p:sp>
     </p:spTree>
     <p:extLst>
       <p:ext uri="{BB962C8B-B14F-4D97-AF65-F5344CB8AC3E}">
-        <p14:creationId xmlns:p14="http://schemas.microsoft.com/office/powerpoint/2010/main" val="1548311111"/>
+        <p14:creationId xmlns:p14="http://schemas.microsoft.com/office/powerpoint/2010/main" val="3776600832"/>
       </p:ext>
     </p:extLst>
   </p:cSld>
@@ -32536,8 +32490,8 @@
         </p:nvSpPr>
         <p:spPr>
           <a:xfrm>
-            <a:off x="381000" y="1371600"/>
-            <a:ext cx="8382000" cy="5127558"/>
+            <a:off x="381000" y="1676400"/>
+            <a:ext cx="8382000" cy="4739759"/>
           </a:xfrm>
         </p:spPr>
         <p:txBody>
@@ -32546,27 +32500,35 @@
           <a:p>
             <a:r>
               <a:rPr lang="en-US" sz="2800" dirty="0"/>
-              <a:t>"</a:t>
+              <a:t>"Bronze Age spear tip </a:t>
             </a:r>
             <a:r>
               <a:rPr lang="en-US" sz="2800" dirty="0" err="1"/>
-              <a:t>Perspectivephoto</a:t>
+              <a:t>mould</a:t>
             </a:r>
             <a:r>
               <a:rPr lang="en-US" sz="2800" dirty="0"/>
-              <a:t>". Licensed under CC BY 2.5 via Wikipedia - </a:t>
+              <a:t> IMG 5123" by Photograph by Rama, Wikimedia Commons, Cc-by-sa-2.0-fr. Licensed under CC BY-SA 2.0 </a:t>
+            </a:r>
+            <a:r>
+              <a:rPr lang="en-US" sz="2800" dirty="0" err="1"/>
+              <a:t>fr</a:t>
+            </a:r>
+            <a:r>
+              <a:rPr lang="en-US" sz="2800" dirty="0"/>
+              <a:t> via Commons - </a:t>
             </a:r>
             <a:r>
               <a:rPr lang="en-US" sz="2800" dirty="0">
                 <a:hlinkClick r:id="rId2"/>
               </a:rPr>
-              <a:t>https://en.wikipedia.org/wiki/File:Perspectivephoto.jpg#/</a:t>
+              <a:t>https://commons.wikimedia.org/wiki/File:Bronze_Age_spear_tip_mould_IMG_5123.jpg#/</a:t>
             </a:r>
             <a:r>
               <a:rPr lang="en-US" sz="2800" dirty="0" smtClean="0">
                 <a:hlinkClick r:id="rId2"/>
               </a:rPr>
-              <a:t>media/File:Perspectivephoto.jpg</a:t>
+              <a:t>media/File:Bronze_Age_spear_tip_mould_IMG_5123.jpg</a:t>
             </a:r>
             <a:endParaRPr lang="en-US" sz="2800" dirty="0" smtClean="0"/>
           </a:p>
@@ -32577,19 +32539,35 @@
             </a:r>
             <a:r>
               <a:rPr lang="en-US" sz="2800" dirty="0" err="1"/>
-              <a:t>Eugène</a:t>
+              <a:t>Axentowicz</a:t>
             </a:r>
             <a:r>
               <a:rPr lang="en-US" sz="2800" dirty="0"/>
-              <a:t> Delacroix - The Fanatics of Tangier - WGA06195" by </a:t>
+              <a:t> The Anchorite" by </a:t>
             </a:r>
             <a:r>
               <a:rPr lang="en-US" sz="2800" dirty="0" err="1"/>
-              <a:t>Eugène</a:t>
+              <a:t>Teodor</a:t>
             </a:r>
             <a:r>
               <a:rPr lang="en-US" sz="2800" dirty="0"/>
-              <a:t> Delacroix - 1. Web Gallery of Art:   Image  Info about artwork2. The Minneapolis Institute of Arts. Licensed under Public Domain via Commons - https://</a:t>
+              <a:t> </a:t>
+            </a:r>
+            <a:r>
+              <a:rPr lang="en-US" sz="2800" dirty="0" err="1"/>
+              <a:t>Axentowicz</a:t>
+            </a:r>
+            <a:r>
+              <a:rPr lang="en-US" sz="2800" dirty="0"/>
+              <a:t> - </a:t>
+            </a:r>
+            <a:r>
+              <a:rPr lang="en-US" sz="2800" dirty="0" err="1"/>
+              <a:t>cyfrowe.mnw.art.pl</a:t>
+            </a:r>
+            <a:r>
+              <a:rPr lang="en-US" sz="2800" dirty="0"/>
+              <a:t>. Licensed under Public Domain via Commons - https://</a:t>
             </a:r>
             <a:r>
               <a:rPr lang="en-US" sz="2800" dirty="0" err="1"/>
@@ -32597,15 +32575,28 @@
             </a:r>
             <a:r>
               <a:rPr lang="en-US" sz="2800" dirty="0"/>
-              <a:t>/wiki/File:Eug%C3%A8ne_Delacroix_-_The_Fanatics_of_Tangier_-_WGA06195.jpg#/media/File:Eug%C3%A8ne_Delacroix_-_The_Fanatics_of_Tangier_-_WGA06195.jpg</a:t>
-            </a:r>
+              <a:t>/wiki/</a:t>
+            </a:r>
+            <a:r>
+              <a:rPr lang="en-US" sz="2800" dirty="0" err="1"/>
+              <a:t>File:Axentowicz_The_Anchorite.jpg</a:t>
+            </a:r>
+            <a:r>
+              <a:rPr lang="en-US" sz="2800" dirty="0"/>
+              <a:t>#/media/</a:t>
+            </a:r>
+            <a:r>
+              <a:rPr lang="en-US" sz="2800" dirty="0" err="1"/>
+              <a:t>File:Axentowicz_The_Anchorite.jpg</a:t>
+            </a:r>
+            <a:endParaRPr lang="en-US" sz="2800" dirty="0"/>
           </a:p>
         </p:txBody>
       </p:sp>
     </p:spTree>
     <p:extLst>
       <p:ext uri="{BB962C8B-B14F-4D97-AF65-F5344CB8AC3E}">
-        <p14:creationId xmlns:p14="http://schemas.microsoft.com/office/powerpoint/2010/main" val="1596891371"/>
+        <p14:creationId xmlns:p14="http://schemas.microsoft.com/office/powerpoint/2010/main" val="1548311111"/>
       </p:ext>
     </p:extLst>
   </p:cSld>
@@ -32682,6 +32673,152 @@
         </p:nvSpPr>
         <p:spPr>
           <a:xfrm>
+            <a:off x="381000" y="1371600"/>
+            <a:ext cx="8382000" cy="5127558"/>
+          </a:xfrm>
+        </p:spPr>
+        <p:txBody>
+          <a:bodyPr/>
+          <a:lstStyle/>
+          <a:p>
+            <a:r>
+              <a:rPr lang="en-US" sz="2800" dirty="0"/>
+              <a:t>"</a:t>
+            </a:r>
+            <a:r>
+              <a:rPr lang="en-US" sz="2800" dirty="0" err="1"/>
+              <a:t>Perspectivephoto</a:t>
+            </a:r>
+            <a:r>
+              <a:rPr lang="en-US" sz="2800" dirty="0"/>
+              <a:t>". Licensed under CC BY 2.5 via Wikipedia - </a:t>
+            </a:r>
+            <a:r>
+              <a:rPr lang="en-US" sz="2800" dirty="0">
+                <a:hlinkClick r:id="rId2"/>
+              </a:rPr>
+              <a:t>https://en.wikipedia.org/wiki/File:Perspectivephoto.jpg#/</a:t>
+            </a:r>
+            <a:r>
+              <a:rPr lang="en-US" sz="2800" dirty="0" smtClean="0">
+                <a:hlinkClick r:id="rId2"/>
+              </a:rPr>
+              <a:t>media/File:Perspectivephoto.jpg</a:t>
+            </a:r>
+            <a:endParaRPr lang="en-US" sz="2800" dirty="0" smtClean="0"/>
+          </a:p>
+          <a:p>
+            <a:r>
+              <a:rPr lang="en-US" sz="2800" dirty="0"/>
+              <a:t>"</a:t>
+            </a:r>
+            <a:r>
+              <a:rPr lang="en-US" sz="2800" dirty="0" err="1"/>
+              <a:t>Eugène</a:t>
+            </a:r>
+            <a:r>
+              <a:rPr lang="en-US" sz="2800" dirty="0"/>
+              <a:t> Delacroix - The Fanatics of Tangier - WGA06195" by </a:t>
+            </a:r>
+            <a:r>
+              <a:rPr lang="en-US" sz="2800" dirty="0" err="1"/>
+              <a:t>Eugène</a:t>
+            </a:r>
+            <a:r>
+              <a:rPr lang="en-US" sz="2800" dirty="0"/>
+              <a:t> Delacroix - 1. Web Gallery of Art:   Image  Info about artwork2. The Minneapolis Institute of Arts. Licensed under Public Domain via Commons - https://</a:t>
+            </a:r>
+            <a:r>
+              <a:rPr lang="en-US" sz="2800" dirty="0" err="1"/>
+              <a:t>commons.wikimedia.org</a:t>
+            </a:r>
+            <a:r>
+              <a:rPr lang="en-US" sz="2800" dirty="0"/>
+              <a:t>/wiki/File:Eug%C3%A8ne_Delacroix_-_The_Fanatics_of_Tangier_-_WGA06195.jpg#/media/File:Eug%C3%A8ne_Delacroix_-_The_Fanatics_of_Tangier_-_WGA06195.jpg</a:t>
+            </a:r>
+          </a:p>
+        </p:txBody>
+      </p:sp>
+    </p:spTree>
+    <p:extLst>
+      <p:ext uri="{BB962C8B-B14F-4D97-AF65-F5344CB8AC3E}">
+        <p14:creationId xmlns:p14="http://schemas.microsoft.com/office/powerpoint/2010/main" val="1596891371"/>
+      </p:ext>
+    </p:extLst>
+  </p:cSld>
+  <p:clrMapOvr>
+    <a:masterClrMapping/>
+  </p:clrMapOvr>
+  <p:transition>
+    <p:fade/>
+  </p:transition>
+  <p:timing>
+    <p:tnLst>
+      <p:par>
+        <p:cTn id="1" dur="indefinite" restart="never" nodeType="tmRoot"/>
+      </p:par>
+    </p:tnLst>
+  </p:timing>
+</p:sld>
+</file>
+
+<file path=ppt/slides/slide32.xml><?xml version="1.0" encoding="utf-8"?>
+<p:sld xmlns:a="http://schemas.openxmlformats.org/drawingml/2006/main" xmlns:r="http://schemas.openxmlformats.org/officeDocument/2006/relationships" xmlns:p="http://schemas.openxmlformats.org/presentationml/2006/main">
+  <p:cSld>
+    <p:spTree>
+      <p:nvGrpSpPr>
+        <p:cNvPr id="1" name=""/>
+        <p:cNvGrpSpPr/>
+        <p:nvPr/>
+      </p:nvGrpSpPr>
+      <p:grpSpPr>
+        <a:xfrm>
+          <a:off x="0" y="0"/>
+          <a:ext cx="0" cy="0"/>
+          <a:chOff x="0" y="0"/>
+          <a:chExt cx="0" cy="0"/>
+        </a:xfrm>
+      </p:grpSpPr>
+      <p:sp>
+        <p:nvSpPr>
+          <p:cNvPr id="2" name="Title 1"/>
+          <p:cNvSpPr>
+            <a:spLocks noGrp="1"/>
+          </p:cNvSpPr>
+          <p:nvPr>
+            <p:ph type="title"/>
+          </p:nvPr>
+        </p:nvSpPr>
+        <p:spPr>
+          <a:xfrm>
+            <a:off x="381000" y="230188"/>
+            <a:ext cx="8382000" cy="664797"/>
+          </a:xfrm>
+        </p:spPr>
+        <p:txBody>
+          <a:bodyPr/>
+          <a:lstStyle/>
+          <a:p>
+            <a:r>
+              <a:rPr lang="en-US" dirty="0" smtClean="0"/>
+              <a:t>Credits</a:t>
+            </a:r>
+            <a:endParaRPr lang="en-US" dirty="0"/>
+          </a:p>
+        </p:txBody>
+      </p:sp>
+      <p:sp>
+        <p:nvSpPr>
+          <p:cNvPr id="3" name="Text Placeholder 2"/>
+          <p:cNvSpPr>
+            <a:spLocks noGrp="1"/>
+          </p:cNvSpPr>
+          <p:nvPr>
+            <p:ph type="body" sz="quarter" idx="10"/>
+          </p:nvPr>
+        </p:nvSpPr>
+        <p:spPr>
+          <a:xfrm>
             <a:off x="381000" y="1676400"/>
             <a:ext cx="8382000" cy="3877985"/>
           </a:xfrm>
@@ -32797,7 +32934,7 @@
 </p:sld>
 </file>
 
-<file path=ppt/slides/slide32.xml><?xml version="1.0" encoding="utf-8"?>
+<file path=ppt/slides/slide33.xml><?xml version="1.0" encoding="utf-8"?>
 <p:sld xmlns:a="http://schemas.openxmlformats.org/drawingml/2006/main" xmlns:r="http://schemas.openxmlformats.org/officeDocument/2006/relationships" xmlns:p="http://schemas.openxmlformats.org/presentationml/2006/main">
   <p:cSld>
     <p:spTree>

--- a/docs/ABMsAsAlgebraic.pptx
+++ b/docs/ABMsAsAlgebraic.pptx
@@ -6,42 +6,45 @@
     <p:sldMasterId id="2147483674" r:id="rId5"/>
   </p:sldMasterIdLst>
   <p:notesMasterIdLst>
-    <p:notesMasterId r:id="rId39"/>
+    <p:notesMasterId r:id="rId42"/>
   </p:notesMasterIdLst>
   <p:sldIdLst>
     <p:sldId id="257" r:id="rId6"/>
     <p:sldId id="259" r:id="rId7"/>
-    <p:sldId id="289" r:id="rId8"/>
-    <p:sldId id="266" r:id="rId9"/>
-    <p:sldId id="267" r:id="rId10"/>
-    <p:sldId id="269" r:id="rId11"/>
-    <p:sldId id="270" r:id="rId12"/>
-    <p:sldId id="271" r:id="rId13"/>
-    <p:sldId id="282" r:id="rId14"/>
-    <p:sldId id="283" r:id="rId15"/>
-    <p:sldId id="284" r:id="rId16"/>
-    <p:sldId id="291" r:id="rId17"/>
-    <p:sldId id="292" r:id="rId18"/>
-    <p:sldId id="311" r:id="rId19"/>
-    <p:sldId id="293" r:id="rId20"/>
-    <p:sldId id="294" r:id="rId21"/>
-    <p:sldId id="295" r:id="rId22"/>
-    <p:sldId id="296" r:id="rId23"/>
-    <p:sldId id="297" r:id="rId24"/>
-    <p:sldId id="299" r:id="rId25"/>
-    <p:sldId id="301" r:id="rId26"/>
-    <p:sldId id="302" r:id="rId27"/>
-    <p:sldId id="303" r:id="rId28"/>
-    <p:sldId id="304" r:id="rId29"/>
-    <p:sldId id="305" r:id="rId30"/>
-    <p:sldId id="306" r:id="rId31"/>
-    <p:sldId id="312" r:id="rId32"/>
-    <p:sldId id="290" r:id="rId33"/>
-    <p:sldId id="268" r:id="rId34"/>
-    <p:sldId id="307" r:id="rId35"/>
-    <p:sldId id="308" r:id="rId36"/>
-    <p:sldId id="309" r:id="rId37"/>
-    <p:sldId id="310" r:id="rId38"/>
+    <p:sldId id="313" r:id="rId8"/>
+    <p:sldId id="315" r:id="rId9"/>
+    <p:sldId id="289" r:id="rId10"/>
+    <p:sldId id="266" r:id="rId11"/>
+    <p:sldId id="267" r:id="rId12"/>
+    <p:sldId id="269" r:id="rId13"/>
+    <p:sldId id="270" r:id="rId14"/>
+    <p:sldId id="271" r:id="rId15"/>
+    <p:sldId id="282" r:id="rId16"/>
+    <p:sldId id="283" r:id="rId17"/>
+    <p:sldId id="284" r:id="rId18"/>
+    <p:sldId id="291" r:id="rId19"/>
+    <p:sldId id="292" r:id="rId20"/>
+    <p:sldId id="311" r:id="rId21"/>
+    <p:sldId id="293" r:id="rId22"/>
+    <p:sldId id="294" r:id="rId23"/>
+    <p:sldId id="295" r:id="rId24"/>
+    <p:sldId id="296" r:id="rId25"/>
+    <p:sldId id="297" r:id="rId26"/>
+    <p:sldId id="299" r:id="rId27"/>
+    <p:sldId id="301" r:id="rId28"/>
+    <p:sldId id="302" r:id="rId29"/>
+    <p:sldId id="303" r:id="rId30"/>
+    <p:sldId id="304" r:id="rId31"/>
+    <p:sldId id="305" r:id="rId32"/>
+    <p:sldId id="306" r:id="rId33"/>
+    <p:sldId id="312" r:id="rId34"/>
+    <p:sldId id="290" r:id="rId35"/>
+    <p:sldId id="268" r:id="rId36"/>
+    <p:sldId id="307" r:id="rId37"/>
+    <p:sldId id="308" r:id="rId38"/>
+    <p:sldId id="309" r:id="rId39"/>
+    <p:sldId id="310" r:id="rId40"/>
+    <p:sldId id="314" r:id="rId41"/>
   </p:sldIdLst>
   <p:sldSz cx="9144000" cy="6858000" type="screen4x3"/>
   <p:notesSz cx="6858000" cy="9144000"/>
@@ -23574,7 +23577,7 @@
             <a:fld id="{AB1CDEB6-C0D8-439D-94AA-7569540F08E4}" type="datetimeFigureOut">
               <a:rPr lang="en-US" smtClean="0"/>
               <a:pPr/>
-              <a:t>2/26/16</a:t>
+              <a:t>6/17/16</a:t>
             </a:fld>
             <a:endParaRPr lang="en-US"/>
           </a:p>
@@ -23932,7 +23935,7 @@
             <a:fld id="{81331B57-0BE5-4F82-AA58-76F53EFF3ADA}" type="datetime8">
               <a:rPr lang="en-US" smtClean="0"/>
               <a:pPr/>
-              <a:t>2/26/16 8:14 AM</a:t>
+              <a:t>6/17/16 2:49 PM</a:t>
             </a:fld>
             <a:endParaRPr lang="en-US" dirty="0"/>
           </a:p>
@@ -24126,7 +24129,7 @@
             <a:fld id="{81331B57-0BE5-4F82-AA58-76F53EFF3ADA}" type="datetime8">
               <a:rPr lang="en-US" smtClean="0"/>
               <a:pPr/>
-              <a:t>2/26/16 8:14 AM</a:t>
+              <a:t>6/17/16 2:49 PM</a:t>
             </a:fld>
             <a:endParaRPr lang="en-US"/>
           </a:p>
@@ -24204,7 +24207,7 @@
             <a:fld id="{EC87E0CF-87F6-4B58-B8B8-DCAB2DAAF3CA}" type="slidenum">
               <a:rPr lang="en-US" smtClean="0"/>
               <a:pPr/>
-              <a:t>29</a:t>
+              <a:t>31</a:t>
             </a:fld>
             <a:endParaRPr lang="en-US" dirty="0"/>
           </a:p>
@@ -24310,7 +24313,7 @@
             <a:fld id="{81331B57-0BE5-4F82-AA58-76F53EFF3ADA}" type="datetime8">
               <a:rPr lang="en-US" smtClean="0"/>
               <a:pPr/>
-              <a:t>2/26/16 8:14 AM</a:t>
+              <a:t>6/17/16 2:49 PM</a:t>
             </a:fld>
             <a:endParaRPr lang="en-US"/>
           </a:p>
@@ -24494,7 +24497,7 @@
             <a:fld id="{81331B57-0BE5-4F82-AA58-76F53EFF3ADA}" type="datetime8">
               <a:rPr lang="en-US" smtClean="0"/>
               <a:pPr/>
-              <a:t>2/26/16 8:14 AM</a:t>
+              <a:t>6/17/16 2:49 PM</a:t>
             </a:fld>
             <a:endParaRPr lang="en-US"/>
           </a:p>
@@ -24572,7 +24575,7 @@
             <a:fld id="{EC87E0CF-87F6-4B58-B8B8-DCAB2DAAF3CA}" type="slidenum">
               <a:rPr lang="en-US" smtClean="0"/>
               <a:pPr/>
-              <a:t>3</a:t>
+              <a:t>5</a:t>
             </a:fld>
             <a:endParaRPr lang="en-US" dirty="0"/>
           </a:p>
@@ -24678,7 +24681,7 @@
             <a:fld id="{81331B57-0BE5-4F82-AA58-76F53EFF3ADA}" type="datetime8">
               <a:rPr lang="en-US" smtClean="0"/>
               <a:pPr/>
-              <a:t>2/26/16 8:14 AM</a:t>
+              <a:t>6/17/16 2:49 PM</a:t>
             </a:fld>
             <a:endParaRPr lang="en-US"/>
           </a:p>
@@ -24756,7 +24759,7 @@
             <a:fld id="{EC87E0CF-87F6-4B58-B8B8-DCAB2DAAF3CA}" type="slidenum">
               <a:rPr lang="en-US" smtClean="0"/>
               <a:pPr/>
-              <a:t>4</a:t>
+              <a:t>6</a:t>
             </a:fld>
             <a:endParaRPr lang="en-US" dirty="0"/>
           </a:p>
@@ -24862,7 +24865,7 @@
             <a:fld id="{81331B57-0BE5-4F82-AA58-76F53EFF3ADA}" type="datetime8">
               <a:rPr lang="en-US" smtClean="0"/>
               <a:pPr/>
-              <a:t>2/26/16 8:14 AM</a:t>
+              <a:t>6/17/16 2:49 PM</a:t>
             </a:fld>
             <a:endParaRPr lang="en-US"/>
           </a:p>
@@ -24940,7 +24943,7 @@
             <a:fld id="{EC87E0CF-87F6-4B58-B8B8-DCAB2DAAF3CA}" type="slidenum">
               <a:rPr lang="en-US" smtClean="0"/>
               <a:pPr/>
-              <a:t>5</a:t>
+              <a:t>7</a:t>
             </a:fld>
             <a:endParaRPr lang="en-US" dirty="0"/>
           </a:p>
@@ -25046,7 +25049,7 @@
             <a:fld id="{81331B57-0BE5-4F82-AA58-76F53EFF3ADA}" type="datetime8">
               <a:rPr lang="en-US" smtClean="0"/>
               <a:pPr/>
-              <a:t>2/26/16 8:14 AM</a:t>
+              <a:t>6/17/16 2:49 PM</a:t>
             </a:fld>
             <a:endParaRPr lang="en-US"/>
           </a:p>
@@ -25124,7 +25127,7 @@
             <a:fld id="{EC87E0CF-87F6-4B58-B8B8-DCAB2DAAF3CA}" type="slidenum">
               <a:rPr lang="en-US" smtClean="0"/>
               <a:pPr/>
-              <a:t>6</a:t>
+              <a:t>8</a:t>
             </a:fld>
             <a:endParaRPr lang="en-US" dirty="0"/>
           </a:p>
@@ -25230,7 +25233,7 @@
             <a:fld id="{81331B57-0BE5-4F82-AA58-76F53EFF3ADA}" type="datetime8">
               <a:rPr lang="en-US" smtClean="0"/>
               <a:pPr/>
-              <a:t>2/26/16 8:14 AM</a:t>
+              <a:t>6/17/16 2:49 PM</a:t>
             </a:fld>
             <a:endParaRPr lang="en-US"/>
           </a:p>
@@ -25308,7 +25311,7 @@
             <a:fld id="{EC87E0CF-87F6-4B58-B8B8-DCAB2DAAF3CA}" type="slidenum">
               <a:rPr lang="en-US" smtClean="0"/>
               <a:pPr/>
-              <a:t>7</a:t>
+              <a:t>9</a:t>
             </a:fld>
             <a:endParaRPr lang="en-US" dirty="0"/>
           </a:p>
@@ -25414,7 +25417,7 @@
             <a:fld id="{81331B57-0BE5-4F82-AA58-76F53EFF3ADA}" type="datetime8">
               <a:rPr lang="en-US" smtClean="0"/>
               <a:pPr/>
-              <a:t>2/26/16 8:14 AM</a:t>
+              <a:t>6/17/16 2:49 PM</a:t>
             </a:fld>
             <a:endParaRPr lang="en-US"/>
           </a:p>
@@ -25492,7 +25495,7 @@
             <a:fld id="{EC87E0CF-87F6-4B58-B8B8-DCAB2DAAF3CA}" type="slidenum">
               <a:rPr lang="en-US" smtClean="0"/>
               <a:pPr/>
-              <a:t>8</a:t>
+              <a:t>10</a:t>
             </a:fld>
             <a:endParaRPr lang="en-US" dirty="0"/>
           </a:p>
@@ -25577,7 +25580,7 @@
             <a:fld id="{033A6C6C-526F-4C16-B273-CA96130954AF}" type="slidenum">
               <a:rPr lang="en-US" smtClean="0"/>
               <a:pPr/>
-              <a:t>16</a:t>
+              <a:t>18</a:t>
             </a:fld>
             <a:endParaRPr lang="en-US"/>
           </a:p>
@@ -28782,14 +28785,23 @@
             <p:ph type="ctrTitle"/>
           </p:nvPr>
         </p:nvSpPr>
-        <p:spPr/>
+        <p:spPr>
+          <a:xfrm>
+            <a:off x="227805" y="1828800"/>
+            <a:ext cx="8686800" cy="1523495"/>
+          </a:xfrm>
+        </p:spPr>
         <p:txBody>
           <a:bodyPr/>
           <a:lstStyle/>
           <a:p>
             <a:r>
               <a:rPr lang="en-US" dirty="0" smtClean="0"/>
-              <a:t>ABM Interactions as Algebraic Structures</a:t>
+              <a:t>Write Less Code</a:t>
+            </a:r>
+            <a:r>
+              <a:rPr lang="is-IS" dirty="0" smtClean="0"/>
+              <a:t>… Using Algebra!</a:t>
             </a:r>
             <a:endParaRPr lang="en-US" dirty="0"/>
           </a:p>
@@ -28867,6 +28879,379 @@
 </file>
 
 <file path=ppt/slides/slide10.xml><?xml version="1.0" encoding="utf-8"?>
+<p:sld xmlns:a="http://schemas.openxmlformats.org/drawingml/2006/main" xmlns:r="http://schemas.openxmlformats.org/officeDocument/2006/relationships" xmlns:p="http://schemas.openxmlformats.org/presentationml/2006/main">
+  <p:cSld>
+    <p:spTree>
+      <p:nvGrpSpPr>
+        <p:cNvPr id="1" name=""/>
+        <p:cNvGrpSpPr/>
+        <p:nvPr/>
+      </p:nvGrpSpPr>
+      <p:grpSpPr>
+        <a:xfrm>
+          <a:off x="0" y="0"/>
+          <a:ext cx="0" cy="0"/>
+          <a:chOff x="0" y="0"/>
+          <a:chExt cx="0" cy="0"/>
+        </a:xfrm>
+      </p:grpSpPr>
+      <p:sp>
+        <p:nvSpPr>
+          <p:cNvPr id="2" name="Title 1"/>
+          <p:cNvSpPr>
+            <a:spLocks noGrp="1"/>
+          </p:cNvSpPr>
+          <p:nvPr>
+            <p:ph type="title"/>
+          </p:nvPr>
+        </p:nvSpPr>
+        <p:spPr>
+          <a:xfrm>
+            <a:off x="381000" y="230188"/>
+            <a:ext cx="8382000" cy="912812"/>
+          </a:xfrm>
+        </p:spPr>
+        <p:txBody>
+          <a:bodyPr>
+            <a:normAutofit fontScale="90000"/>
+          </a:bodyPr>
+          <a:lstStyle/>
+          <a:p>
+            <a:r>
+              <a:rPr lang="en-US" dirty="0" smtClean="0"/>
+              <a:t>Agent-Based Modeling</a:t>
+            </a:r>
+            <a:br>
+              <a:rPr lang="en-US" dirty="0" smtClean="0"/>
+            </a:br>
+            <a:endParaRPr lang="en-US" dirty="0">
+              <a:solidFill>
+                <a:schemeClr val="tx2"/>
+              </a:solidFill>
+            </a:endParaRPr>
+          </a:p>
+        </p:txBody>
+      </p:sp>
+      <p:sp>
+        <p:nvSpPr>
+          <p:cNvPr id="3" name="Text Placeholder 2"/>
+          <p:cNvSpPr>
+            <a:spLocks noGrp="1"/>
+          </p:cNvSpPr>
+          <p:nvPr>
+            <p:ph type="body" sz="quarter" idx="10"/>
+          </p:nvPr>
+        </p:nvSpPr>
+        <p:spPr>
+          <a:xfrm>
+            <a:off x="381000" y="990600"/>
+            <a:ext cx="8382000" cy="2209800"/>
+          </a:xfrm>
+        </p:spPr>
+        <p:txBody>
+          <a:bodyPr>
+            <a:normAutofit/>
+          </a:bodyPr>
+          <a:lstStyle/>
+          <a:p>
+            <a:r>
+              <a:rPr lang="en-US" dirty="0" smtClean="0"/>
+              <a:t>Example: Schelling’s segregation model</a:t>
+            </a:r>
+          </a:p>
+          <a:p>
+            <a:pPr lvl="1"/>
+            <a:r>
+              <a:rPr lang="en-US" dirty="0" smtClean="0"/>
+              <a:t>Agent’s preferences are just not to be too small a minority, not for fully segregated neighborhoods</a:t>
+            </a:r>
+          </a:p>
+          <a:p>
+            <a:pPr lvl="1"/>
+            <a:r>
+              <a:rPr lang="en-US" dirty="0" smtClean="0"/>
+              <a:t>But that can be the result anyway:</a:t>
+            </a:r>
+          </a:p>
+        </p:txBody>
+      </p:sp>
+      <p:pic>
+        <p:nvPicPr>
+          <p:cNvPr id="5" name="Picture 4" descr="segregation.png"/>
+          <p:cNvPicPr>
+            <a:picLocks noChangeAspect="1"/>
+          </p:cNvPicPr>
+          <p:nvPr/>
+        </p:nvPicPr>
+        <p:blipFill>
+          <a:blip r:embed="rId3">
+            <a:extLst>
+              <a:ext uri="{28A0092B-C50C-407E-A947-70E740481C1C}">
+                <a14:useLocalDpi xmlns:a14="http://schemas.microsoft.com/office/drawing/2010/main" val="0"/>
+              </a:ext>
+            </a:extLst>
+          </a:blip>
+          <a:stretch>
+            <a:fillRect/>
+          </a:stretch>
+        </p:blipFill>
+        <p:spPr>
+          <a:xfrm>
+            <a:off x="3581400" y="3048000"/>
+            <a:ext cx="4699000" cy="3524250"/>
+          </a:xfrm>
+          <a:prstGeom prst="rect">
+            <a:avLst/>
+          </a:prstGeom>
+        </p:spPr>
+      </p:pic>
+    </p:spTree>
+    <p:extLst>
+      <p:ext uri="{BB962C8B-B14F-4D97-AF65-F5344CB8AC3E}">
+        <p14:creationId xmlns:p14="http://schemas.microsoft.com/office/powerpoint/2010/main" val="1235514271"/>
+      </p:ext>
+    </p:extLst>
+  </p:cSld>
+  <p:clrMapOvr>
+    <a:masterClrMapping/>
+  </p:clrMapOvr>
+  <p:transition>
+    <p:fade/>
+  </p:transition>
+  <p:timing>
+    <p:tnLst>
+      <p:par>
+        <p:cTn id="1" dur="indefinite" restart="never" nodeType="tmRoot"/>
+      </p:par>
+    </p:tnLst>
+  </p:timing>
+</p:sld>
+</file>
+
+<file path=ppt/slides/slide11.xml><?xml version="1.0" encoding="utf-8"?>
+<p:sld xmlns:a="http://schemas.openxmlformats.org/drawingml/2006/main" xmlns:r="http://schemas.openxmlformats.org/officeDocument/2006/relationships" xmlns:p="http://schemas.openxmlformats.org/presentationml/2006/main">
+  <p:cSld>
+    <p:spTree>
+      <p:nvGrpSpPr>
+        <p:cNvPr id="1" name=""/>
+        <p:cNvGrpSpPr/>
+        <p:nvPr/>
+      </p:nvGrpSpPr>
+      <p:grpSpPr>
+        <a:xfrm>
+          <a:off x="0" y="0"/>
+          <a:ext cx="0" cy="0"/>
+          <a:chOff x="0" y="0"/>
+          <a:chExt cx="0" cy="0"/>
+        </a:xfrm>
+      </p:grpSpPr>
+      <p:sp>
+        <p:nvSpPr>
+          <p:cNvPr id="2" name="Title 1"/>
+          <p:cNvSpPr>
+            <a:spLocks noGrp="1"/>
+          </p:cNvSpPr>
+          <p:nvPr>
+            <p:ph type="title"/>
+          </p:nvPr>
+        </p:nvSpPr>
+        <p:spPr>
+          <a:xfrm>
+            <a:off x="381000" y="230188"/>
+            <a:ext cx="8382000" cy="677108"/>
+          </a:xfrm>
+        </p:spPr>
+        <p:txBody>
+          <a:bodyPr/>
+          <a:lstStyle/>
+          <a:p>
+            <a:r>
+              <a:rPr lang="en-US" dirty="0" smtClean="0"/>
+              <a:t>How to Do Generic Programming</a:t>
+            </a:r>
+            <a:endParaRPr lang="en-US" dirty="0"/>
+          </a:p>
+        </p:txBody>
+      </p:sp>
+      <p:sp>
+        <p:nvSpPr>
+          <p:cNvPr id="3" name="Text Placeholder 2"/>
+          <p:cNvSpPr>
+            <a:spLocks noGrp="1"/>
+          </p:cNvSpPr>
+          <p:nvPr>
+            <p:ph type="body" sz="quarter" idx="10"/>
+          </p:nvPr>
+        </p:nvSpPr>
+        <p:spPr>
+          <a:xfrm>
+            <a:off x="381000" y="1125149"/>
+            <a:ext cx="8382000" cy="5580451"/>
+          </a:xfrm>
+        </p:spPr>
+        <p:txBody>
+          <a:bodyPr/>
+          <a:lstStyle/>
+          <a:p>
+            <a:r>
+              <a:rPr lang="en-US" dirty="0"/>
+              <a:t>In </a:t>
+            </a:r>
+            <a:r>
+              <a:rPr lang="en-US" dirty="0" smtClean="0"/>
+              <a:t>math, the process </a:t>
+            </a:r>
+            <a:r>
+              <a:rPr lang="en-US" dirty="0"/>
+              <a:t>of generalization </a:t>
+            </a:r>
+            <a:r>
+              <a:rPr lang="en-US" dirty="0" smtClean="0"/>
+              <a:t>was</a:t>
+            </a:r>
+            <a:r>
+              <a:rPr lang="en-US" dirty="0"/>
+              <a:t>:</a:t>
+            </a:r>
+          </a:p>
+          <a:p>
+            <a:pPr lvl="1"/>
+            <a:r>
+              <a:rPr lang="en-US" dirty="0"/>
+              <a:t>Common measures</a:t>
+            </a:r>
+          </a:p>
+          <a:p>
+            <a:pPr lvl="1"/>
+            <a:r>
+              <a:rPr lang="en-US" dirty="0"/>
+              <a:t>Natural numbers </a:t>
+            </a:r>
+          </a:p>
+          <a:p>
+            <a:pPr lvl="1"/>
+            <a:r>
+              <a:rPr lang="en-US" dirty="0"/>
+              <a:t>Integers</a:t>
+            </a:r>
+          </a:p>
+          <a:p>
+            <a:pPr lvl="1"/>
+            <a:r>
+              <a:rPr lang="en-US" dirty="0"/>
+              <a:t>Rational numbers</a:t>
+            </a:r>
+          </a:p>
+          <a:p>
+            <a:pPr lvl="1"/>
+            <a:r>
+              <a:rPr lang="en-US" dirty="0"/>
+              <a:t>Polynomials</a:t>
+            </a:r>
+          </a:p>
+          <a:p>
+            <a:pPr lvl="1"/>
+            <a:r>
+              <a:rPr lang="en-US" dirty="0"/>
+              <a:t>Real </a:t>
+            </a:r>
+            <a:r>
+              <a:rPr lang="en-US" dirty="0" smtClean="0"/>
+              <a:t>numbers</a:t>
+            </a:r>
+          </a:p>
+          <a:p>
+            <a:pPr lvl="1"/>
+            <a:r>
+              <a:rPr lang="en-US" dirty="0" smtClean="0"/>
+              <a:t>Complex </a:t>
+            </a:r>
+            <a:r>
+              <a:rPr lang="en-US" dirty="0"/>
+              <a:t>numbers</a:t>
+            </a:r>
+          </a:p>
+          <a:p>
+            <a:pPr lvl="1"/>
+            <a:r>
+              <a:rPr lang="en-US" dirty="0" smtClean="0"/>
+              <a:t>Groups</a:t>
+            </a:r>
+          </a:p>
+          <a:p>
+            <a:pPr lvl="1"/>
+            <a:r>
+              <a:rPr lang="en-US" dirty="0" smtClean="0"/>
+              <a:t>Rings</a:t>
+            </a:r>
+            <a:endParaRPr lang="en-US" dirty="0"/>
+          </a:p>
+          <a:p>
+            <a:pPr lvl="1"/>
+            <a:r>
+              <a:rPr lang="en-US" dirty="0"/>
+              <a:t>Fields</a:t>
+            </a:r>
+          </a:p>
+          <a:p>
+            <a:endParaRPr lang="en-US" dirty="0"/>
+          </a:p>
+        </p:txBody>
+      </p:sp>
+      <p:pic>
+        <p:nvPicPr>
+          <p:cNvPr id="4" name="Picture 3" descr="Stonehenge.jpg"/>
+          <p:cNvPicPr>
+            <a:picLocks noChangeAspect="1"/>
+          </p:cNvPicPr>
+          <p:nvPr/>
+        </p:nvPicPr>
+        <p:blipFill>
+          <a:blip r:embed="rId2">
+            <a:extLst>
+              <a:ext uri="{28A0092B-C50C-407E-A947-70E740481C1C}">
+                <a14:useLocalDpi xmlns:a14="http://schemas.microsoft.com/office/drawing/2010/main" val="0"/>
+              </a:ext>
+            </a:extLst>
+          </a:blip>
+          <a:stretch>
+            <a:fillRect/>
+          </a:stretch>
+        </p:blipFill>
+        <p:spPr>
+          <a:xfrm>
+            <a:off x="4521200" y="3048000"/>
+            <a:ext cx="4140200" cy="3105150"/>
+          </a:xfrm>
+          <a:prstGeom prst="rect">
+            <a:avLst/>
+          </a:prstGeom>
+        </p:spPr>
+      </p:pic>
+    </p:spTree>
+    <p:extLst>
+      <p:ext uri="{BB962C8B-B14F-4D97-AF65-F5344CB8AC3E}">
+        <p14:creationId xmlns:p14="http://schemas.microsoft.com/office/powerpoint/2010/main" val="2427681662"/>
+      </p:ext>
+    </p:extLst>
+  </p:cSld>
+  <p:clrMapOvr>
+    <a:masterClrMapping/>
+  </p:clrMapOvr>
+  <p:transition>
+    <p:fade/>
+  </p:transition>
+  <p:timing>
+    <p:tnLst>
+      <p:par>
+        <p:cTn id="1" dur="indefinite" restart="never" nodeType="tmRoot"/>
+      </p:par>
+    </p:tnLst>
+  </p:timing>
+</p:sld>
+</file>
+
+<file path=ppt/slides/slide12.xml><?xml version="1.0" encoding="utf-8"?>
 <p:sld xmlns:a="http://schemas.openxmlformats.org/drawingml/2006/main" xmlns:r="http://schemas.openxmlformats.org/officeDocument/2006/relationships" xmlns:p="http://schemas.openxmlformats.org/presentationml/2006/main">
   <p:cSld>
     <p:spTree>
@@ -29122,7 +29507,7 @@
 </p:sld>
 </file>
 
-<file path=ppt/slides/slide11.xml><?xml version="1.0" encoding="utf-8"?>
+<file path=ppt/slides/slide13.xml><?xml version="1.0" encoding="utf-8"?>
 <p:sld xmlns:a="http://schemas.openxmlformats.org/drawingml/2006/main" xmlns:r="http://schemas.openxmlformats.org/officeDocument/2006/relationships" xmlns:p="http://schemas.openxmlformats.org/presentationml/2006/main">
   <p:cSld>
     <p:spTree>
@@ -29271,304 +29656,6 @@
     <p:extLst>
       <p:ext uri="{BB962C8B-B14F-4D97-AF65-F5344CB8AC3E}">
         <p14:creationId xmlns:p14="http://schemas.microsoft.com/office/powerpoint/2010/main" val="3526871055"/>
-      </p:ext>
-    </p:extLst>
-  </p:cSld>
-  <p:clrMapOvr>
-    <a:masterClrMapping/>
-  </p:clrMapOvr>
-  <p:transition>
-    <p:fade/>
-  </p:transition>
-  <p:timing>
-    <p:tnLst>
-      <p:par>
-        <p:cTn id="1" dur="indefinite" restart="never" nodeType="tmRoot"/>
-      </p:par>
-    </p:tnLst>
-  </p:timing>
-</p:sld>
-</file>
-
-<file path=ppt/slides/slide12.xml><?xml version="1.0" encoding="utf-8"?>
-<p:sld xmlns:a="http://schemas.openxmlformats.org/drawingml/2006/main" xmlns:r="http://schemas.openxmlformats.org/officeDocument/2006/relationships" xmlns:p="http://schemas.openxmlformats.org/presentationml/2006/main">
-  <p:cSld>
-    <p:spTree>
-      <p:nvGrpSpPr>
-        <p:cNvPr id="1" name=""/>
-        <p:cNvGrpSpPr/>
-        <p:nvPr/>
-      </p:nvGrpSpPr>
-      <p:grpSpPr>
-        <a:xfrm>
-          <a:off x="0" y="0"/>
-          <a:ext cx="0" cy="0"/>
-          <a:chOff x="0" y="0"/>
-          <a:chExt cx="0" cy="0"/>
-        </a:xfrm>
-      </p:grpSpPr>
-      <p:sp>
-        <p:nvSpPr>
-          <p:cNvPr id="2" name="Title 1"/>
-          <p:cNvSpPr>
-            <a:spLocks noGrp="1"/>
-          </p:cNvSpPr>
-          <p:nvPr>
-            <p:ph type="title"/>
-          </p:nvPr>
-        </p:nvSpPr>
-        <p:spPr>
-          <a:xfrm>
-            <a:off x="381000" y="230188"/>
-            <a:ext cx="8382000" cy="664797"/>
-          </a:xfrm>
-        </p:spPr>
-        <p:txBody>
-          <a:bodyPr/>
-          <a:lstStyle/>
-          <a:p>
-            <a:r>
-              <a:rPr lang="en-US" dirty="0" smtClean="0"/>
-              <a:t>An Algebraic Module</a:t>
-            </a:r>
-            <a:endParaRPr lang="en-US" dirty="0"/>
-          </a:p>
-        </p:txBody>
-      </p:sp>
-      <p:sp>
-        <p:nvSpPr>
-          <p:cNvPr id="3" name="Content Placeholder 2"/>
-          <p:cNvSpPr>
-            <a:spLocks noGrp="1"/>
-          </p:cNvSpPr>
-          <p:nvPr>
-            <p:ph type="body" sz="quarter" idx="10"/>
-          </p:nvPr>
-        </p:nvSpPr>
-        <p:spPr>
-          <a:xfrm>
-            <a:off x="381000" y="1676400"/>
-            <a:ext cx="8382000" cy="4505849"/>
-          </a:xfrm>
-        </p:spPr>
-        <p:txBody>
-          <a:bodyPr/>
-          <a:lstStyle/>
-          <a:p>
-            <a:r>
-              <a:rPr lang="en-US" sz="2800" dirty="0"/>
-              <a:t>To be a module an algebraic structure must contain a primary set that is an Abelian group, G, satisfying four group axioms: closure, associativity, identity and </a:t>
-            </a:r>
-            <a:r>
-              <a:rPr lang="en-US" sz="2800" dirty="0" err="1"/>
-              <a:t>invertibility</a:t>
-            </a:r>
-            <a:r>
-              <a:rPr lang="en-US" sz="2800" dirty="0"/>
-              <a:t>. There is an operator </a:t>
-            </a:r>
-            <a:r>
-              <a:rPr lang="en-US" sz="2800" dirty="0">
-                <a:sym typeface="Symbol" charset="2"/>
-              </a:rPr>
-              <a:t></a:t>
-            </a:r>
-            <a:r>
-              <a:rPr lang="en-US" sz="2800" dirty="0"/>
-              <a:t> which takes two elements of the group and yields an element, and its operation satisfies these axioms.</a:t>
-            </a:r>
-          </a:p>
-          <a:p>
-            <a:r>
-              <a:rPr lang="en-US" sz="2800" dirty="0"/>
-              <a:t>In addition, a module contains a secondary set, R, a ring of coefficients, with a second operation, </a:t>
-            </a:r>
-            <a:r>
-              <a:rPr lang="en-US" sz="2800" dirty="0">
-                <a:sym typeface="Symbol" charset="2"/>
-              </a:rPr>
-              <a:t></a:t>
-            </a:r>
-            <a:r>
-              <a:rPr lang="en-US" sz="2800" dirty="0"/>
-              <a:t>, which takes an element of R and an element of G and produces and element of G.</a:t>
-            </a:r>
-          </a:p>
-          <a:p>
-            <a:endParaRPr lang="en-US" dirty="0"/>
-          </a:p>
-        </p:txBody>
-      </p:sp>
-    </p:spTree>
-    <p:extLst>
-      <p:ext uri="{BB962C8B-B14F-4D97-AF65-F5344CB8AC3E}">
-        <p14:creationId xmlns:p14="http://schemas.microsoft.com/office/powerpoint/2010/main" val="1957043964"/>
-      </p:ext>
-    </p:extLst>
-  </p:cSld>
-  <p:clrMapOvr>
-    <a:masterClrMapping/>
-  </p:clrMapOvr>
-  <p:transition>
-    <p:fade/>
-  </p:transition>
-  <p:timing>
-    <p:tnLst>
-      <p:par>
-        <p:cTn id="1" dur="indefinite" restart="never" nodeType="tmRoot"/>
-      </p:par>
-    </p:tnLst>
-  </p:timing>
-</p:sld>
-</file>
-
-<file path=ppt/slides/slide13.xml><?xml version="1.0" encoding="utf-8"?>
-<p:sld xmlns:a="http://schemas.openxmlformats.org/drawingml/2006/main" xmlns:r="http://schemas.openxmlformats.org/officeDocument/2006/relationships" xmlns:p="http://schemas.openxmlformats.org/presentationml/2006/main">
-  <p:cSld>
-    <p:spTree>
-      <p:nvGrpSpPr>
-        <p:cNvPr id="1" name=""/>
-        <p:cNvGrpSpPr/>
-        <p:nvPr/>
-      </p:nvGrpSpPr>
-      <p:grpSpPr>
-        <a:xfrm>
-          <a:off x="0" y="0"/>
-          <a:ext cx="0" cy="0"/>
-          <a:chOff x="0" y="0"/>
-          <a:chExt cx="0" cy="0"/>
-        </a:xfrm>
-      </p:grpSpPr>
-      <p:sp>
-        <p:nvSpPr>
-          <p:cNvPr id="2" name="Title 1"/>
-          <p:cNvSpPr>
-            <a:spLocks noGrp="1"/>
-          </p:cNvSpPr>
-          <p:nvPr>
-            <p:ph type="title"/>
-          </p:nvPr>
-        </p:nvSpPr>
-        <p:spPr>
-          <a:xfrm>
-            <a:off x="381000" y="230188"/>
-            <a:ext cx="8382000" cy="664797"/>
-          </a:xfrm>
-        </p:spPr>
-        <p:txBody>
-          <a:bodyPr/>
-          <a:lstStyle/>
-          <a:p>
-            <a:r>
-              <a:rPr lang="en-US" dirty="0" smtClean="0">
-                <a:effectLst/>
-              </a:rPr>
-              <a:t>ABM </a:t>
-            </a:r>
-            <a:r>
-              <a:rPr lang="en-US" dirty="0">
-                <a:effectLst/>
-              </a:rPr>
-              <a:t>Interaction as a </a:t>
-            </a:r>
-            <a:r>
-              <a:rPr lang="en-US" dirty="0" smtClean="0">
-                <a:effectLst/>
-              </a:rPr>
-              <a:t>Module</a:t>
-            </a:r>
-            <a:endParaRPr lang="en-US" dirty="0"/>
-          </a:p>
-        </p:txBody>
-      </p:sp>
-      <p:sp>
-        <p:nvSpPr>
-          <p:cNvPr id="3" name="Content Placeholder 2"/>
-          <p:cNvSpPr>
-            <a:spLocks noGrp="1"/>
-          </p:cNvSpPr>
-          <p:nvPr>
-            <p:ph sz="half" idx="1"/>
-          </p:nvPr>
-        </p:nvSpPr>
-        <p:spPr>
-          <a:xfrm>
-            <a:off x="381000" y="1752600"/>
-            <a:ext cx="3657600" cy="3877985"/>
-          </a:xfrm>
-        </p:spPr>
-        <p:txBody>
-          <a:bodyPr/>
-          <a:lstStyle/>
-          <a:p>
-            <a:r>
-              <a:rPr lang="en-US" dirty="0"/>
-              <a:t>Elements: Following </a:t>
-            </a:r>
-            <a:r>
-              <a:rPr lang="en-US" dirty="0" smtClean="0"/>
-              <a:t>A. N. Whitehead, </a:t>
-            </a:r>
-            <a:r>
-              <a:rPr lang="en-US" dirty="0"/>
-              <a:t>we call the elements of our group G </a:t>
-            </a:r>
-            <a:r>
-              <a:rPr lang="en-US" i="1" dirty="0" err="1"/>
-              <a:t>prehensions</a:t>
-            </a:r>
-            <a:r>
-              <a:rPr lang="en-US" dirty="0"/>
-              <a:t>. A </a:t>
-            </a:r>
-            <a:r>
-              <a:rPr lang="en-US" dirty="0" err="1"/>
-              <a:t>prehension</a:t>
-            </a:r>
-            <a:r>
-              <a:rPr lang="en-US" dirty="0"/>
-              <a:t> can be roughly understood as a state of affairs in the world </a:t>
-            </a:r>
-            <a:r>
-              <a:rPr lang="en-US" i="1" dirty="0"/>
-              <a:t>as seen from a particular point of view</a:t>
-            </a:r>
-            <a:r>
-              <a:rPr lang="en-US" dirty="0"/>
-              <a:t>. </a:t>
-            </a:r>
-          </a:p>
-        </p:txBody>
-      </p:sp>
-      <p:graphicFrame>
-        <p:nvGraphicFramePr>
-          <p:cNvPr id="5" name="Content Placeholder 4"/>
-          <p:cNvGraphicFramePr>
-            <a:graphicFrameLocks noGrp="1"/>
-          </p:cNvGraphicFramePr>
-          <p:nvPr>
-            <p:ph sz="half" idx="2"/>
-            <p:extLst>
-              <p:ext uri="{D42A27DB-BD31-4B8C-83A1-F6EECF244321}">
-                <p14:modId xmlns:p14="http://schemas.microsoft.com/office/powerpoint/2010/main" val="1082365804"/>
-              </p:ext>
-            </p:extLst>
-          </p:nvPr>
-        </p:nvGraphicFramePr>
-        <p:xfrm>
-          <a:off x="4648200" y="1676400"/>
-          <a:ext cx="4114800" cy="4191000"/>
-        </p:xfrm>
-        <a:graphic>
-          <a:graphicData uri="http://schemas.openxmlformats.org/drawingml/2006/diagram">
-            <dgm:relIds xmlns:dgm="http://schemas.openxmlformats.org/drawingml/2006/diagram" xmlns:r="http://schemas.openxmlformats.org/officeDocument/2006/relationships" r:dm="rId2" r:lo="rId3" r:qs="rId4" r:cs="rId5"/>
-          </a:graphicData>
-        </a:graphic>
-      </p:graphicFrame>
-    </p:spTree>
-    <p:extLst>
-      <p:ext uri="{BB962C8B-B14F-4D97-AF65-F5344CB8AC3E}">
-        <p14:creationId xmlns:p14="http://schemas.microsoft.com/office/powerpoint/2010/main" val="1849000610"/>
       </p:ext>
     </p:extLst>
   </p:cSld>
@@ -29626,8 +29713,8 @@
           <a:lstStyle/>
           <a:p>
             <a:r>
-              <a:rPr lang="en-US" dirty="0" err="1" smtClean="0"/>
-              <a:t>Prehensions</a:t>
+              <a:rPr lang="en-US" dirty="0" smtClean="0"/>
+              <a:t>An Algebraic Module</a:t>
             </a:r>
             <a:endParaRPr lang="en-US" dirty="0"/>
           </a:p>
@@ -29635,7 +29722,7 @@
       </p:sp>
       <p:sp>
         <p:nvSpPr>
-          <p:cNvPr id="3" name="Text Placeholder 2"/>
+          <p:cNvPr id="3" name="Content Placeholder 2"/>
           <p:cNvSpPr>
             <a:spLocks noGrp="1"/>
           </p:cNvSpPr>
@@ -29645,8 +29732,8 @@
         </p:nvSpPr>
         <p:spPr>
           <a:xfrm>
-            <a:off x="381000" y="1219200"/>
-            <a:ext cx="8382000" cy="2609945"/>
+            <a:off x="381000" y="1676400"/>
+            <a:ext cx="8382000" cy="4505849"/>
           </a:xfrm>
         </p:spPr>
         <p:txBody>
@@ -29654,61 +29741,53 @@
           <a:lstStyle/>
           <a:p>
             <a:r>
-              <a:rPr lang="en-US" dirty="0" smtClean="0"/>
-              <a:t>Even before implementing this as a module, we had made it easy to:</a:t>
+              <a:rPr lang="en-US" sz="2800" dirty="0"/>
+              <a:t>To be a module an algebraic structure must contain a primary set that is an Abelian group, G, satisfying four group axioms: closure, associativity, identity and </a:t>
+            </a:r>
+            <a:r>
+              <a:rPr lang="en-US" sz="2800" dirty="0" err="1"/>
+              <a:t>invertibility</a:t>
+            </a:r>
+            <a:r>
+              <a:rPr lang="en-US" sz="2800" dirty="0"/>
+              <a:t>. There is an operator </a:t>
+            </a:r>
+            <a:r>
+              <a:rPr lang="en-US" sz="2800" dirty="0">
+                <a:sym typeface="Symbol" charset="2"/>
+              </a:rPr>
+              <a:t></a:t>
+            </a:r>
+            <a:r>
+              <a:rPr lang="en-US" sz="2800" dirty="0"/>
+              <a:t> which takes two elements of the group and yields an element, and its operation satisfies these axioms.</a:t>
             </a:r>
           </a:p>
           <a:p>
-            <a:pPr lvl="1"/>
-            <a:r>
-              <a:rPr lang="en-US" dirty="0" smtClean="0"/>
-              <a:t>Get arbitrary slices of the agent’s environment as a “view.”</a:t>
+            <a:r>
+              <a:rPr lang="en-US" sz="2800" dirty="0"/>
+              <a:t>In addition, a module contains a secondary set, R, a ring of coefficients, with a second operation, </a:t>
+            </a:r>
+            <a:r>
+              <a:rPr lang="en-US" sz="2800" dirty="0">
+                <a:sym typeface="Symbol" charset="2"/>
+              </a:rPr>
+              <a:t></a:t>
+            </a:r>
+            <a:r>
+              <a:rPr lang="en-US" sz="2800" dirty="0"/>
+              <a:t>, which takes an element of R and an element of G and produces and element of G.</a:t>
             </a:r>
           </a:p>
           <a:p>
-            <a:pPr lvl="1"/>
-            <a:r>
-              <a:rPr lang="en-US" dirty="0" smtClean="0"/>
-              <a:t>Filter that view to, e.g., see only agents of a type of particular interest.</a:t>
-            </a:r>
             <a:endParaRPr lang="en-US" dirty="0"/>
           </a:p>
         </p:txBody>
       </p:sp>
-      <p:pic>
-        <p:nvPicPr>
-          <p:cNvPr id="4" name="Picture 3"/>
-          <p:cNvPicPr>
-            <a:picLocks noChangeAspect="1"/>
-          </p:cNvPicPr>
-          <p:nvPr/>
-        </p:nvPicPr>
-        <p:blipFill>
-          <a:blip r:embed="rId2">
-            <a:extLst>
-              <a:ext uri="{28A0092B-C50C-407E-A947-70E740481C1C}">
-                <a14:useLocalDpi xmlns:a14="http://schemas.microsoft.com/office/drawing/2010/main" val="0"/>
-              </a:ext>
-            </a:extLst>
-          </a:blip>
-          <a:stretch>
-            <a:fillRect/>
-          </a:stretch>
-        </p:blipFill>
-        <p:spPr>
-          <a:xfrm>
-            <a:off x="381000" y="4419600"/>
-            <a:ext cx="8407831" cy="1600200"/>
-          </a:xfrm>
-          <a:prstGeom prst="rect">
-            <a:avLst/>
-          </a:prstGeom>
-        </p:spPr>
-      </p:pic>
     </p:spTree>
     <p:extLst>
       <p:ext uri="{BB962C8B-B14F-4D97-AF65-F5344CB8AC3E}">
-        <p14:creationId xmlns:p14="http://schemas.microsoft.com/office/powerpoint/2010/main" val="1931021824"/>
+        <p14:creationId xmlns:p14="http://schemas.microsoft.com/office/powerpoint/2010/main" val="1957043964"/>
       </p:ext>
     </p:extLst>
   </p:cSld>
@@ -29718,6 +29797,13 @@
   <p:transition>
     <p:fade/>
   </p:transition>
+  <p:timing>
+    <p:tnLst>
+      <p:par>
+        <p:cTn id="1" dur="indefinite" restart="never" nodeType="tmRoot"/>
+      </p:par>
+    </p:tnLst>
+  </p:timing>
 </p:sld>
 </file>
 
@@ -29759,8 +29845,22 @@
           <a:lstStyle/>
           <a:p>
             <a:r>
-              <a:rPr lang="en-US" dirty="0" err="1" smtClean="0"/>
-              <a:t>Prehending</a:t>
+              <a:rPr lang="en-US" dirty="0" smtClean="0">
+                <a:effectLst/>
+              </a:rPr>
+              <a:t>ABM </a:t>
+            </a:r>
+            <a:r>
+              <a:rPr lang="en-US" dirty="0">
+                <a:effectLst/>
+              </a:rPr>
+              <a:t>Interaction as a </a:t>
+            </a:r>
+            <a:r>
+              <a:rPr lang="en-US" dirty="0" smtClean="0">
+                <a:effectLst/>
+              </a:rPr>
+              <a:t>Module</a:t>
             </a:r>
             <a:endParaRPr lang="en-US" dirty="0"/>
           </a:p>
@@ -29778,74 +29878,50 @@
         </p:nvSpPr>
         <p:spPr>
           <a:xfrm>
-            <a:off x="381000" y="1943100"/>
-            <a:ext cx="3276600" cy="3988784"/>
+            <a:off x="381000" y="1752600"/>
+            <a:ext cx="3657600" cy="3877985"/>
           </a:xfrm>
         </p:spPr>
         <p:txBody>
           <a:bodyPr/>
           <a:lstStyle/>
           <a:p>
-            <a:pPr marL="339976" lvl="2" indent="-339976">
-              <a:buBlip>
-                <a:blip r:embed="rId2"/>
-              </a:buBlip>
-            </a:pPr>
-            <a:r>
-              <a:rPr lang="en-US" sz="3200" b="1" dirty="0"/>
-              <a:t>The operation </a:t>
-            </a:r>
-            <a:r>
-              <a:rPr lang="en-US" sz="3200" b="1" dirty="0">
-                <a:sym typeface="Symbol" charset="2"/>
-              </a:rPr>
-              <a:t></a:t>
-            </a:r>
-            <a:r>
-              <a:rPr lang="en-US" sz="3200" b="1" dirty="0"/>
-              <a:t>, which we will call “</a:t>
-            </a:r>
-            <a:r>
-              <a:rPr lang="en-US" sz="3200" b="1" dirty="0" err="1"/>
-              <a:t>prehend</a:t>
-            </a:r>
-            <a:r>
-              <a:rPr lang="en-US" sz="3200" b="1" dirty="0"/>
-              <a:t>”, accepts two </a:t>
-            </a:r>
-            <a:r>
-              <a:rPr lang="en-US" sz="3200" b="1" dirty="0" err="1"/>
+            <a:r>
+              <a:rPr lang="en-US" dirty="0"/>
+              <a:t>Elements: Following </a:t>
+            </a:r>
+            <a:r>
+              <a:rPr lang="en-US" dirty="0" smtClean="0"/>
+              <a:t>A. N. Whitehead, </a:t>
+            </a:r>
+            <a:r>
+              <a:rPr lang="en-US" dirty="0"/>
+              <a:t>we call the elements of our group G </a:t>
+            </a:r>
+            <a:r>
+              <a:rPr lang="en-US" i="1" dirty="0" err="1"/>
               <a:t>prehensions</a:t>
             </a:r>
             <a:r>
-              <a:rPr lang="en-US" sz="3200" b="1" dirty="0"/>
-              <a:t> as arguments and produces a third </a:t>
-            </a:r>
-            <a:r>
-              <a:rPr lang="en-US" sz="3200" b="1" dirty="0" err="1" smtClean="0"/>
+              <a:rPr lang="en-US" dirty="0"/>
+              <a:t>. A </a:t>
+            </a:r>
+            <a:r>
+              <a:rPr lang="en-US" dirty="0" err="1"/>
               <a:t>prehension</a:t>
             </a:r>
             <a:r>
-              <a:rPr lang="en-US" sz="3200" b="1" dirty="0"/>
-              <a:t> </a:t>
-            </a:r>
-            <a:r>
-              <a:rPr lang="en-US" sz="3200" b="1" dirty="0" smtClean="0"/>
-              <a:t>(</a:t>
-            </a:r>
-            <a:r>
-              <a:rPr lang="en-US" sz="3200" b="1" dirty="0" smtClean="0">
-                <a:solidFill>
-                  <a:schemeClr val="accent6"/>
-                </a:solidFill>
-              </a:rPr>
-              <a:t>Closure</a:t>
-            </a:r>
-            <a:r>
-              <a:rPr lang="en-US" sz="3200" b="1" dirty="0" smtClean="0"/>
-              <a:t>).</a:t>
-            </a:r>
-            <a:endParaRPr lang="en-US" sz="3200" b="1" dirty="0"/>
+              <a:rPr lang="en-US" dirty="0"/>
+              <a:t> can be roughly understood as a state of affairs in the world </a:t>
+            </a:r>
+            <a:r>
+              <a:rPr lang="en-US" i="1" dirty="0"/>
+              <a:t>as seen from a particular point of view</a:t>
+            </a:r>
+            <a:r>
+              <a:rPr lang="en-US" dirty="0"/>
+              <a:t>. </a:t>
+            </a:r>
           </a:p>
         </p:txBody>
       </p:sp>
@@ -29859,25 +29935,25 @@
             <p:ph sz="half" idx="2"/>
             <p:extLst>
               <p:ext uri="{D42A27DB-BD31-4B8C-83A1-F6EECF244321}">
-                <p14:modId xmlns:p14="http://schemas.microsoft.com/office/powerpoint/2010/main" val="1356543855"/>
+                <p14:modId xmlns:p14="http://schemas.microsoft.com/office/powerpoint/2010/main" val="1082365804"/>
               </p:ext>
             </p:extLst>
           </p:nvPr>
         </p:nvGraphicFramePr>
         <p:xfrm>
-          <a:off x="4419600" y="1676400"/>
-          <a:ext cx="4343400" cy="4419600"/>
+          <a:off x="4648200" y="1676400"/>
+          <a:ext cx="4114800" cy="4191000"/>
         </p:xfrm>
         <a:graphic>
           <a:graphicData uri="http://schemas.openxmlformats.org/drawingml/2006/diagram">
-            <dgm:relIds xmlns:dgm="http://schemas.openxmlformats.org/drawingml/2006/diagram" xmlns:r="http://schemas.openxmlformats.org/officeDocument/2006/relationships" r:dm="rId3" r:lo="rId4" r:qs="rId5" r:cs="rId6"/>
+            <dgm:relIds xmlns:dgm="http://schemas.openxmlformats.org/drawingml/2006/diagram" xmlns:r="http://schemas.openxmlformats.org/officeDocument/2006/relationships" r:dm="rId2" r:lo="rId3" r:qs="rId4" r:cs="rId5"/>
           </a:graphicData>
         </a:graphic>
       </p:graphicFrame>
     </p:spTree>
     <p:extLst>
       <p:ext uri="{BB962C8B-B14F-4D97-AF65-F5344CB8AC3E}">
-        <p14:creationId xmlns:p14="http://schemas.microsoft.com/office/powerpoint/2010/main" val="406889955"/>
+        <p14:creationId xmlns:p14="http://schemas.microsoft.com/office/powerpoint/2010/main" val="1849000610"/>
       </p:ext>
     </p:extLst>
   </p:cSld>
@@ -29935,8 +30011,8 @@
           <a:lstStyle/>
           <a:p>
             <a:r>
-              <a:rPr lang="en-US" dirty="0" smtClean="0"/>
-              <a:t>Associativity</a:t>
+              <a:rPr lang="en-US" dirty="0" err="1" smtClean="0"/>
+              <a:t>Prehensions</a:t>
             </a:r>
             <a:endParaRPr lang="en-US" dirty="0"/>
           </a:p>
@@ -29944,18 +30020,18 @@
       </p:sp>
       <p:sp>
         <p:nvSpPr>
-          <p:cNvPr id="3" name="Content Placeholder 2"/>
+          <p:cNvPr id="3" name="Text Placeholder 2"/>
           <p:cNvSpPr>
             <a:spLocks noGrp="1"/>
           </p:cNvSpPr>
           <p:nvPr>
-            <p:ph sz="half" idx="1"/>
+            <p:ph type="body" sz="quarter" idx="10"/>
           </p:nvPr>
         </p:nvSpPr>
         <p:spPr>
           <a:xfrm>
-            <a:off x="381000" y="1676400"/>
-            <a:ext cx="4114800" cy="4062651"/>
+            <a:off x="381000" y="1219200"/>
+            <a:ext cx="8382000" cy="2609945"/>
           </a:xfrm>
         </p:spPr>
         <p:txBody>
@@ -29963,177 +30039,61 @@
           <a:lstStyle/>
           <a:p>
             <a:r>
-              <a:rPr lang="en-US" sz="2400" dirty="0"/>
-              <a:t>(a </a:t>
-            </a:r>
-            <a:r>
-              <a:rPr lang="en-US" sz="2400" dirty="0">
-                <a:sym typeface="Symbol" charset="2"/>
-              </a:rPr>
-              <a:t></a:t>
-            </a:r>
-            <a:r>
-              <a:rPr lang="en-US" sz="2400" dirty="0"/>
-              <a:t> b) </a:t>
-            </a:r>
-            <a:r>
-              <a:rPr lang="en-US" sz="2400" dirty="0">
-                <a:sym typeface="Symbol" charset="2"/>
-              </a:rPr>
-              <a:t></a:t>
-            </a:r>
-            <a:r>
-              <a:rPr lang="en-US" sz="2400" dirty="0"/>
-              <a:t> c = a </a:t>
-            </a:r>
-            <a:r>
-              <a:rPr lang="en-US" sz="2400" dirty="0">
-                <a:sym typeface="Symbol" charset="2"/>
-              </a:rPr>
-              <a:t></a:t>
-            </a:r>
-            <a:r>
-              <a:rPr lang="en-US" sz="2400" dirty="0"/>
-              <a:t> (b </a:t>
-            </a:r>
-            <a:r>
-              <a:rPr lang="en-US" sz="2400" dirty="0">
-                <a:sym typeface="Symbol" charset="2"/>
-              </a:rPr>
-              <a:t></a:t>
-            </a:r>
-            <a:r>
-              <a:rPr lang="en-US" sz="2400" dirty="0"/>
-              <a:t> c) for all a, b and c. </a:t>
-            </a:r>
-            <a:endParaRPr lang="en-US" sz="2400" dirty="0" smtClean="0"/>
+              <a:rPr lang="en-US" dirty="0" smtClean="0"/>
+              <a:t>Even before implementing this as a module, we had made it easy to:</a:t>
+            </a:r>
           </a:p>
           <a:p>
-            <a:r>
-              <a:rPr lang="en-US" sz="2400" dirty="0" smtClean="0"/>
-              <a:t>We </a:t>
-            </a:r>
-            <a:r>
-              <a:rPr lang="en-US" sz="2400" dirty="0"/>
-              <a:t>must ensure that, say, a neighborhood can interact with a neighborhood (b </a:t>
-            </a:r>
-            <a:r>
-              <a:rPr lang="en-US" sz="2400" dirty="0">
-                <a:solidFill>
-                  <a:srgbClr val="FFFFFF"/>
-                </a:solidFill>
-                <a:sym typeface="Symbol" charset="2"/>
-              </a:rPr>
-              <a:t></a:t>
-            </a:r>
-            <a:r>
-              <a:rPr lang="en-US" sz="2400" dirty="0" smtClean="0"/>
-              <a:t> </a:t>
-            </a:r>
-            <a:r>
-              <a:rPr lang="en-US" sz="2400" dirty="0"/>
-              <a:t>c), and then with an agent (a </a:t>
-            </a:r>
-            <a:r>
-              <a:rPr lang="en-US" sz="2400" dirty="0">
-                <a:sym typeface="Symbol" charset="2"/>
-              </a:rPr>
-              <a:t></a:t>
-            </a:r>
-            <a:r>
-              <a:rPr lang="en-US" sz="2400" dirty="0" smtClean="0"/>
-              <a:t> </a:t>
-            </a:r>
-            <a:r>
-              <a:rPr lang="en-US" sz="2400" dirty="0"/>
-              <a:t>(b </a:t>
-            </a:r>
-            <a:r>
-              <a:rPr lang="en-US" sz="2400" dirty="0">
-                <a:sym typeface="Symbol" charset="2"/>
-              </a:rPr>
-              <a:t></a:t>
-            </a:r>
-            <a:r>
-              <a:rPr lang="en-US" sz="2400" dirty="0" smtClean="0"/>
-              <a:t> </a:t>
-            </a:r>
-            <a:r>
-              <a:rPr lang="en-US" sz="2400" dirty="0"/>
-              <a:t>c)). Furthermore, this must produce an identical </a:t>
-            </a:r>
-            <a:r>
-              <a:rPr lang="en-US" sz="2400" dirty="0" err="1"/>
-              <a:t>prehension</a:t>
-            </a:r>
-            <a:r>
-              <a:rPr lang="en-US" sz="2400" dirty="0"/>
-              <a:t> to that produced by an agent interacting with one neighborhood and then another one ((a </a:t>
-            </a:r>
-            <a:r>
-              <a:rPr lang="en-US" sz="2400" dirty="0">
-                <a:sym typeface="Symbol" charset="2"/>
-              </a:rPr>
-              <a:t></a:t>
-            </a:r>
-            <a:r>
-              <a:rPr lang="en-US" sz="2400" dirty="0" smtClean="0"/>
-              <a:t> </a:t>
-            </a:r>
-            <a:r>
-              <a:rPr lang="en-US" sz="2400" dirty="0"/>
-              <a:t>b</a:t>
-            </a:r>
-            <a:r>
-              <a:rPr lang="en-US" sz="2400"/>
-              <a:t>) </a:t>
-            </a:r>
-            <a:r>
-              <a:rPr lang="en-US" sz="2400">
-                <a:sym typeface="Symbol" charset="2"/>
-              </a:rPr>
-              <a:t></a:t>
-            </a:r>
-            <a:r>
-              <a:rPr lang="en-US" sz="2400" smtClean="0"/>
-              <a:t> </a:t>
-            </a:r>
-            <a:r>
-              <a:rPr lang="en-US" sz="2400" dirty="0"/>
-              <a:t>c).</a:t>
-            </a:r>
+            <a:pPr lvl="1"/>
+            <a:r>
+              <a:rPr lang="en-US" dirty="0" smtClean="0"/>
+              <a:t>Get arbitrary slices of the agent’s environment as a “view.”</a:t>
+            </a:r>
+          </a:p>
+          <a:p>
+            <a:pPr lvl="1"/>
+            <a:r>
+              <a:rPr lang="en-US" dirty="0" smtClean="0"/>
+              <a:t>Filter that view to, e.g., see only agents of a type of particular interest.</a:t>
+            </a:r>
+            <a:endParaRPr lang="en-US" dirty="0"/>
           </a:p>
         </p:txBody>
       </p:sp>
-      <p:graphicFrame>
-        <p:nvGraphicFramePr>
-          <p:cNvPr id="5" name="Content Placeholder 4"/>
-          <p:cNvGraphicFramePr>
-            <a:graphicFrameLocks noGrp="1"/>
-          </p:cNvGraphicFramePr>
-          <p:nvPr>
-            <p:ph sz="half" idx="2"/>
-            <p:extLst>
-              <p:ext uri="{D42A27DB-BD31-4B8C-83A1-F6EECF244321}">
-                <p14:modId xmlns:p14="http://schemas.microsoft.com/office/powerpoint/2010/main" val="1760850255"/>
-              </p:ext>
-            </p:extLst>
-          </p:nvPr>
-        </p:nvGraphicFramePr>
-        <p:xfrm>
-          <a:off x="4648200" y="1676400"/>
-          <a:ext cx="4114800" cy="4191000"/>
-        </p:xfrm>
-        <a:graphic>
-          <a:graphicData uri="http://schemas.openxmlformats.org/drawingml/2006/diagram">
-            <dgm:relIds xmlns:dgm="http://schemas.openxmlformats.org/drawingml/2006/diagram" xmlns:r="http://schemas.openxmlformats.org/officeDocument/2006/relationships" r:dm="rId3" r:lo="rId4" r:qs="rId5" r:cs="rId6"/>
-          </a:graphicData>
-        </a:graphic>
-      </p:graphicFrame>
+      <p:pic>
+        <p:nvPicPr>
+          <p:cNvPr id="4" name="Picture 3"/>
+          <p:cNvPicPr>
+            <a:picLocks noChangeAspect="1"/>
+          </p:cNvPicPr>
+          <p:nvPr/>
+        </p:nvPicPr>
+        <p:blipFill>
+          <a:blip r:embed="rId2">
+            <a:extLst>
+              <a:ext uri="{28A0092B-C50C-407E-A947-70E740481C1C}">
+                <a14:useLocalDpi xmlns:a14="http://schemas.microsoft.com/office/drawing/2010/main" val="0"/>
+              </a:ext>
+            </a:extLst>
+          </a:blip>
+          <a:stretch>
+            <a:fillRect/>
+          </a:stretch>
+        </p:blipFill>
+        <p:spPr>
+          <a:xfrm>
+            <a:off x="381000" y="4419600"/>
+            <a:ext cx="8407831" cy="1600200"/>
+          </a:xfrm>
+          <a:prstGeom prst="rect">
+            <a:avLst/>
+          </a:prstGeom>
+        </p:spPr>
+      </p:pic>
     </p:spTree>
     <p:extLst>
       <p:ext uri="{BB962C8B-B14F-4D97-AF65-F5344CB8AC3E}">
-        <p14:creationId xmlns:p14="http://schemas.microsoft.com/office/powerpoint/2010/main" val="272259747"/>
+        <p14:creationId xmlns:p14="http://schemas.microsoft.com/office/powerpoint/2010/main" val="1931021824"/>
       </p:ext>
     </p:extLst>
   </p:cSld>
@@ -30143,13 +30103,6 @@
   <p:transition>
     <p:fade/>
   </p:transition>
-  <p:timing>
-    <p:tnLst>
-      <p:par>
-        <p:cTn id="1" dur="indefinite" restart="never" nodeType="tmRoot"/>
-      </p:par>
-    </p:tnLst>
-  </p:timing>
 </p:sld>
 </file>
 
@@ -30191,8 +30144,8 @@
           <a:lstStyle/>
           <a:p>
             <a:r>
-              <a:rPr lang="en-US" dirty="0" smtClean="0"/>
-              <a:t>Identity</a:t>
+              <a:rPr lang="en-US" dirty="0" err="1" smtClean="0"/>
+              <a:t>Prehending</a:t>
             </a:r>
             <a:endParaRPr lang="en-US" dirty="0"/>
           </a:p>
@@ -30210,50 +30163,74 @@
         </p:nvSpPr>
         <p:spPr>
           <a:xfrm>
-            <a:off x="381000" y="2743200"/>
-            <a:ext cx="4114800" cy="1551194"/>
+            <a:off x="381000" y="1943100"/>
+            <a:ext cx="3276600" cy="3988784"/>
           </a:xfrm>
         </p:spPr>
         <p:txBody>
           <a:bodyPr/>
           <a:lstStyle/>
           <a:p>
-            <a:r>
-              <a:rPr lang="en-US" dirty="0" smtClean="0">
+            <a:pPr marL="339976" lvl="2" indent="-339976">
+              <a:buBlip>
+                <a:blip r:embed="rId2"/>
+              </a:buBlip>
+            </a:pPr>
+            <a:r>
+              <a:rPr lang="en-US" sz="3200" b="1" dirty="0"/>
+              <a:t>The operation </a:t>
+            </a:r>
+            <a:r>
+              <a:rPr lang="en-US" sz="3200" b="1" dirty="0">
+                <a:sym typeface="Symbol" charset="2"/>
+              </a:rPr>
+              <a:t></a:t>
+            </a:r>
+            <a:r>
+              <a:rPr lang="en-US" sz="3200" b="1" dirty="0"/>
+              <a:t>, which we will call “</a:t>
+            </a:r>
+            <a:r>
+              <a:rPr lang="en-US" sz="3200" b="1" dirty="0" err="1"/>
+              <a:t>prehend</a:t>
+            </a:r>
+            <a:r>
+              <a:rPr lang="en-US" sz="3200" b="1" dirty="0"/>
+              <a:t>”, accepts two </a:t>
+            </a:r>
+            <a:r>
+              <a:rPr lang="en-US" sz="3200" b="1" dirty="0" err="1"/>
+              <a:t>prehensions</a:t>
+            </a:r>
+            <a:r>
+              <a:rPr lang="en-US" sz="3200" b="1" dirty="0"/>
+              <a:t> as arguments and produces a third </a:t>
+            </a:r>
+            <a:r>
+              <a:rPr lang="en-US" sz="3200" b="1" dirty="0" err="1" smtClean="0"/>
+              <a:t>prehension</a:t>
+            </a:r>
+            <a:r>
+              <a:rPr lang="en-US" sz="3200" b="1" dirty="0"/>
+              <a:t> </a:t>
+            </a:r>
+            <a:r>
+              <a:rPr lang="en-US" sz="3200" b="1" dirty="0" smtClean="0"/>
+              <a:t>(</a:t>
+            </a:r>
+            <a:r>
+              <a:rPr lang="en-US" sz="3200" b="1" dirty="0" smtClean="0">
                 <a:solidFill>
                   <a:schemeClr val="accent6"/>
                 </a:solidFill>
               </a:rPr>
-              <a:t>Identity</a:t>
-            </a:r>
-            <a:r>
-              <a:rPr lang="en-US" dirty="0"/>
-              <a:t>: Any </a:t>
-            </a:r>
-            <a:r>
-              <a:rPr lang="en-US" dirty="0" err="1"/>
-              <a:t>prehension</a:t>
-            </a:r>
-            <a:r>
-              <a:rPr lang="en-US" dirty="0"/>
-              <a:t> </a:t>
-            </a:r>
-            <a:r>
-              <a:rPr lang="en-US" dirty="0" err="1"/>
-              <a:t>prehending</a:t>
-            </a:r>
-            <a:r>
-              <a:rPr lang="en-US" dirty="0"/>
-              <a:t> the null </a:t>
-            </a:r>
-            <a:r>
-              <a:rPr lang="en-US" dirty="0" err="1"/>
-              <a:t>prehension</a:t>
-            </a:r>
-            <a:r>
-              <a:rPr lang="en-US" dirty="0"/>
-              <a:t> remains unchanged.</a:t>
-            </a:r>
+              <a:t>Closure</a:t>
+            </a:r>
+            <a:r>
+              <a:rPr lang="en-US" sz="3200" b="1" dirty="0" smtClean="0"/>
+              <a:t>).</a:t>
+            </a:r>
+            <a:endParaRPr lang="en-US" sz="3200" b="1" dirty="0"/>
           </a:p>
         </p:txBody>
       </p:sp>
@@ -30267,25 +30244,25 @@
             <p:ph sz="half" idx="2"/>
             <p:extLst>
               <p:ext uri="{D42A27DB-BD31-4B8C-83A1-F6EECF244321}">
-                <p14:modId xmlns:p14="http://schemas.microsoft.com/office/powerpoint/2010/main" val="1399496209"/>
+                <p14:modId xmlns:p14="http://schemas.microsoft.com/office/powerpoint/2010/main" val="1356543855"/>
               </p:ext>
             </p:extLst>
           </p:nvPr>
         </p:nvGraphicFramePr>
         <p:xfrm>
-          <a:off x="4648200" y="1676400"/>
-          <a:ext cx="4114800" cy="4191000"/>
+          <a:off x="4419600" y="1676400"/>
+          <a:ext cx="4343400" cy="4419600"/>
         </p:xfrm>
         <a:graphic>
           <a:graphicData uri="http://schemas.openxmlformats.org/drawingml/2006/diagram">
-            <dgm:relIds xmlns:dgm="http://schemas.openxmlformats.org/drawingml/2006/diagram" xmlns:r="http://schemas.openxmlformats.org/officeDocument/2006/relationships" r:dm="rId2" r:lo="rId3" r:qs="rId4" r:cs="rId5"/>
+            <dgm:relIds xmlns:dgm="http://schemas.openxmlformats.org/drawingml/2006/diagram" xmlns:r="http://schemas.openxmlformats.org/officeDocument/2006/relationships" r:dm="rId3" r:lo="rId4" r:qs="rId5" r:cs="rId6"/>
           </a:graphicData>
         </a:graphic>
       </p:graphicFrame>
     </p:spTree>
     <p:extLst>
       <p:ext uri="{BB962C8B-B14F-4D97-AF65-F5344CB8AC3E}">
-        <p14:creationId xmlns:p14="http://schemas.microsoft.com/office/powerpoint/2010/main" val="1039198004"/>
+        <p14:creationId xmlns:p14="http://schemas.microsoft.com/office/powerpoint/2010/main" val="406889955"/>
       </p:ext>
     </p:extLst>
   </p:cSld>
@@ -30343,8 +30320,8 @@
           <a:lstStyle/>
           <a:p>
             <a:r>
-              <a:rPr lang="en-US" dirty="0" err="1" smtClean="0"/>
-              <a:t>Commutativity</a:t>
+              <a:rPr lang="en-US" dirty="0" smtClean="0"/>
+              <a:t>Associativity</a:t>
             </a:r>
             <a:endParaRPr lang="en-US" dirty="0"/>
           </a:p>
@@ -30362,8 +30339,8 @@
         </p:nvSpPr>
         <p:spPr>
           <a:xfrm>
-            <a:off x="381000" y="2743200"/>
-            <a:ext cx="4114800" cy="1495794"/>
+            <a:off x="381000" y="1676400"/>
+            <a:ext cx="4114800" cy="4062651"/>
           </a:xfrm>
         </p:spPr>
         <p:txBody>
@@ -30371,44 +30348,144 @@
           <a:lstStyle/>
           <a:p>
             <a:r>
-              <a:rPr lang="en-US" sz="3600" b="1" dirty="0" err="1">
-                <a:solidFill>
-                  <a:schemeClr val="accent6"/>
-                </a:solidFill>
-              </a:rPr>
-              <a:t>Commutativity</a:t>
-            </a:r>
-            <a:r>
-              <a:rPr lang="en-US" sz="3600" b="1" dirty="0"/>
-              <a:t>: </a:t>
-            </a:r>
-            <a:r>
-              <a:rPr lang="en-US" sz="3600" dirty="0" smtClean="0"/>
-              <a:t>(</a:t>
-            </a:r>
-            <a:r>
-              <a:rPr lang="en-US" sz="3600" dirty="0"/>
-              <a:t>a </a:t>
-            </a:r>
-            <a:r>
-              <a:rPr lang="en-US" sz="3600" dirty="0">
+              <a:rPr lang="en-US" sz="2400" dirty="0"/>
+              <a:t>(a </a:t>
+            </a:r>
+            <a:r>
+              <a:rPr lang="en-US" sz="2400" dirty="0">
                 <a:sym typeface="Symbol" charset="2"/>
               </a:rPr>
               <a:t></a:t>
             </a:r>
             <a:r>
-              <a:rPr lang="en-US" sz="3600" dirty="0"/>
-              <a:t> b) =  (b </a:t>
-            </a:r>
-            <a:r>
-              <a:rPr lang="en-US" sz="3600" dirty="0">
+              <a:rPr lang="en-US" sz="2400" dirty="0"/>
+              <a:t> b) </a:t>
+            </a:r>
+            <a:r>
+              <a:rPr lang="en-US" sz="2400" dirty="0">
                 <a:sym typeface="Symbol" charset="2"/>
               </a:rPr>
               <a:t></a:t>
             </a:r>
             <a:r>
-              <a:rPr lang="en-US" sz="3600" dirty="0"/>
-              <a:t> a)  for all a and b. </a:t>
+              <a:rPr lang="en-US" sz="2400" dirty="0"/>
+              <a:t> c = a </a:t>
+            </a:r>
+            <a:r>
+              <a:rPr lang="en-US" sz="2400" dirty="0">
+                <a:sym typeface="Symbol" charset="2"/>
+              </a:rPr>
+              <a:t></a:t>
+            </a:r>
+            <a:r>
+              <a:rPr lang="en-US" sz="2400" dirty="0"/>
+              <a:t> (b </a:t>
+            </a:r>
+            <a:r>
+              <a:rPr lang="en-US" sz="2400" dirty="0">
+                <a:sym typeface="Symbol" charset="2"/>
+              </a:rPr>
+              <a:t></a:t>
+            </a:r>
+            <a:r>
+              <a:rPr lang="en-US" sz="2400" dirty="0"/>
+              <a:t> c) for all a, b and c. </a:t>
+            </a:r>
+            <a:endParaRPr lang="en-US" sz="2400" dirty="0" smtClean="0"/>
+          </a:p>
+          <a:p>
+            <a:r>
+              <a:rPr lang="en-US" sz="2400" dirty="0" smtClean="0"/>
+              <a:t>We </a:t>
+            </a:r>
+            <a:r>
+              <a:rPr lang="en-US" sz="2400" dirty="0"/>
+              <a:t>must ensure that, say, a neighborhood can interact with a neighborhood (b </a:t>
+            </a:r>
+            <a:r>
+              <a:rPr lang="en-US" sz="2400" dirty="0">
+                <a:solidFill>
+                  <a:srgbClr val="FFFFFF"/>
+                </a:solidFill>
+                <a:sym typeface="Symbol" charset="2"/>
+              </a:rPr>
+              <a:t></a:t>
+            </a:r>
+            <a:r>
+              <a:rPr lang="en-US" sz="2400" dirty="0" smtClean="0"/>
+              <a:t> </a:t>
+            </a:r>
+            <a:r>
+              <a:rPr lang="en-US" sz="2400" dirty="0"/>
+              <a:t>c), and then with an agent (a </a:t>
+            </a:r>
+            <a:r>
+              <a:rPr lang="en-US" sz="2400" dirty="0">
+                <a:sym typeface="Symbol" charset="2"/>
+              </a:rPr>
+              <a:t></a:t>
+            </a:r>
+            <a:r>
+              <a:rPr lang="en-US" sz="2400" dirty="0" smtClean="0"/>
+              <a:t> </a:t>
+            </a:r>
+            <a:r>
+              <a:rPr lang="en-US" sz="2400" dirty="0"/>
+              <a:t>(b </a:t>
+            </a:r>
+            <a:r>
+              <a:rPr lang="en-US" sz="2400" dirty="0">
+                <a:sym typeface="Symbol" charset="2"/>
+              </a:rPr>
+              <a:t></a:t>
+            </a:r>
+            <a:r>
+              <a:rPr lang="en-US" sz="2400" dirty="0" smtClean="0"/>
+              <a:t> </a:t>
+            </a:r>
+            <a:r>
+              <a:rPr lang="en-US" sz="2400" dirty="0"/>
+              <a:t>c)). Furthermore, this must produce an identical </a:t>
+            </a:r>
+            <a:r>
+              <a:rPr lang="en-US" sz="2400" dirty="0" err="1"/>
+              <a:t>prehension</a:t>
+            </a:r>
+            <a:r>
+              <a:rPr lang="en-US" sz="2400" dirty="0"/>
+              <a:t> to that produced by an agent interacting with one neighborhood and then another one ((a </a:t>
+            </a:r>
+            <a:r>
+              <a:rPr lang="en-US" sz="2400" dirty="0">
+                <a:sym typeface="Symbol" charset="2"/>
+              </a:rPr>
+              <a:t></a:t>
+            </a:r>
+            <a:r>
+              <a:rPr lang="en-US" sz="2400" dirty="0" smtClean="0"/>
+              <a:t> </a:t>
+            </a:r>
+            <a:r>
+              <a:rPr lang="en-US" sz="2400" dirty="0"/>
+              <a:t>b</a:t>
+            </a:r>
+            <a:r>
+              <a:rPr lang="en-US" sz="2400"/>
+              <a:t>) </a:t>
+            </a:r>
+            <a:r>
+              <a:rPr lang="en-US" sz="2400">
+                <a:sym typeface="Symbol" charset="2"/>
+              </a:rPr>
+              <a:t></a:t>
+            </a:r>
+            <a:r>
+              <a:rPr lang="en-US" sz="2400" smtClean="0"/>
+              <a:t> </a:t>
+            </a:r>
+            <a:r>
+              <a:rPr lang="en-US" sz="2400" dirty="0"/>
+              <a:t>c).</a:t>
             </a:r>
           </a:p>
         </p:txBody>
@@ -30423,25 +30500,25 @@
             <p:ph sz="half" idx="2"/>
             <p:extLst>
               <p:ext uri="{D42A27DB-BD31-4B8C-83A1-F6EECF244321}">
-                <p14:modId xmlns:p14="http://schemas.microsoft.com/office/powerpoint/2010/main" val="1181747192"/>
+                <p14:modId xmlns:p14="http://schemas.microsoft.com/office/powerpoint/2010/main" val="1760850255"/>
               </p:ext>
             </p:extLst>
           </p:nvPr>
         </p:nvGraphicFramePr>
         <p:xfrm>
-          <a:off x="4657253" y="1531544"/>
+          <a:off x="4648200" y="1676400"/>
           <a:ext cx="4114800" cy="4191000"/>
         </p:xfrm>
         <a:graphic>
           <a:graphicData uri="http://schemas.openxmlformats.org/drawingml/2006/diagram">
-            <dgm:relIds xmlns:dgm="http://schemas.openxmlformats.org/drawingml/2006/diagram" xmlns:r="http://schemas.openxmlformats.org/officeDocument/2006/relationships" r:dm="rId2" r:lo="rId3" r:qs="rId4" r:cs="rId5"/>
+            <dgm:relIds xmlns:dgm="http://schemas.openxmlformats.org/drawingml/2006/diagram" xmlns:r="http://schemas.openxmlformats.org/officeDocument/2006/relationships" r:dm="rId3" r:lo="rId4" r:qs="rId5" r:cs="rId6"/>
           </a:graphicData>
         </a:graphic>
       </p:graphicFrame>
     </p:spTree>
     <p:extLst>
       <p:ext uri="{BB962C8B-B14F-4D97-AF65-F5344CB8AC3E}">
-        <p14:creationId xmlns:p14="http://schemas.microsoft.com/office/powerpoint/2010/main" val="654603717"/>
+        <p14:creationId xmlns:p14="http://schemas.microsoft.com/office/powerpoint/2010/main" val="272259747"/>
       </p:ext>
     </p:extLst>
   </p:cSld>
@@ -30499,8 +30576,8 @@
           <a:lstStyle/>
           <a:p>
             <a:r>
-              <a:rPr lang="en-US" dirty="0" err="1" smtClean="0"/>
-              <a:t>Invertability</a:t>
+              <a:rPr lang="en-US" dirty="0" smtClean="0"/>
+              <a:t>Identity</a:t>
             </a:r>
             <a:endParaRPr lang="en-US" dirty="0"/>
           </a:p>
@@ -30518,54 +30595,50 @@
         </p:nvSpPr>
         <p:spPr>
           <a:xfrm>
-            <a:off x="228600" y="2205317"/>
-            <a:ext cx="4114800" cy="3133165"/>
+            <a:off x="381000" y="2743200"/>
+            <a:ext cx="4114800" cy="1551194"/>
           </a:xfrm>
         </p:spPr>
         <p:txBody>
           <a:bodyPr/>
           <a:lstStyle/>
           <a:p>
-            <a:pPr marL="339976" lvl="4" indent="-339976">
-              <a:buBlip>
-                <a:blip r:embed="rId2"/>
-              </a:buBlip>
-            </a:pPr>
-            <a:r>
-              <a:rPr lang="en-US" sz="3200" dirty="0" smtClean="0"/>
-              <a:t>For </a:t>
-            </a:r>
-            <a:r>
-              <a:rPr lang="en-US" sz="3200" dirty="0"/>
-              <a:t>any </a:t>
-            </a:r>
-            <a:r>
-              <a:rPr lang="en-US" sz="3200" dirty="0" err="1"/>
+            <a:r>
+              <a:rPr lang="en-US" dirty="0" smtClean="0">
+                <a:solidFill>
+                  <a:schemeClr val="accent6"/>
+                </a:solidFill>
+              </a:rPr>
+              <a:t>Identity</a:t>
+            </a:r>
+            <a:r>
+              <a:rPr lang="en-US" dirty="0"/>
+              <a:t>: Any </a:t>
+            </a:r>
+            <a:r>
+              <a:rPr lang="en-US" dirty="0" err="1"/>
               <a:t>prehension</a:t>
             </a:r>
             <a:r>
-              <a:rPr lang="en-US" sz="3200" dirty="0"/>
-              <a:t>, there is another </a:t>
-            </a:r>
-            <a:r>
-              <a:rPr lang="en-US" sz="3200" dirty="0" err="1"/>
+              <a:rPr lang="en-US" dirty="0"/>
+              <a:t> </a:t>
+            </a:r>
+            <a:r>
+              <a:rPr lang="en-US" dirty="0" err="1"/>
+              <a:t>prehending</a:t>
+            </a:r>
+            <a:r>
+              <a:rPr lang="en-US" dirty="0"/>
+              <a:t> the null </a:t>
+            </a:r>
+            <a:r>
+              <a:rPr lang="en-US" dirty="0" err="1"/>
               <a:t>prehension</a:t>
             </a:r>
             <a:r>
-              <a:rPr lang="en-US" sz="3200" dirty="0"/>
-              <a:t> that combines with it to produce the null </a:t>
-            </a:r>
-            <a:r>
-              <a:rPr lang="en-US" sz="3200" dirty="0" err="1"/>
-              <a:t>prehension</a:t>
-            </a:r>
-            <a:r>
-              <a:rPr lang="en-US" sz="3200" dirty="0"/>
-              <a:t>.</a:t>
-            </a:r>
-          </a:p>
-          <a:p>
-            <a:endParaRPr lang="en-US" dirty="0"/>
+              <a:rPr lang="en-US" dirty="0"/>
+              <a:t> remains unchanged.</a:t>
+            </a:r>
           </a:p>
         </p:txBody>
       </p:sp>
@@ -30579,25 +30652,25 @@
             <p:ph sz="half" idx="2"/>
             <p:extLst>
               <p:ext uri="{D42A27DB-BD31-4B8C-83A1-F6EECF244321}">
-                <p14:modId xmlns:p14="http://schemas.microsoft.com/office/powerpoint/2010/main" val="1194417742"/>
+                <p14:modId xmlns:p14="http://schemas.microsoft.com/office/powerpoint/2010/main" val="1399496209"/>
               </p:ext>
             </p:extLst>
           </p:nvPr>
         </p:nvGraphicFramePr>
         <p:xfrm>
-          <a:off x="4648200" y="1524000"/>
+          <a:off x="4648200" y="1676400"/>
           <a:ext cx="4114800" cy="4191000"/>
         </p:xfrm>
         <a:graphic>
           <a:graphicData uri="http://schemas.openxmlformats.org/drawingml/2006/diagram">
-            <dgm:relIds xmlns:dgm="http://schemas.openxmlformats.org/drawingml/2006/diagram" xmlns:r="http://schemas.openxmlformats.org/officeDocument/2006/relationships" r:dm="rId3" r:lo="rId4" r:qs="rId5" r:cs="rId6"/>
+            <dgm:relIds xmlns:dgm="http://schemas.openxmlformats.org/drawingml/2006/diagram" xmlns:r="http://schemas.openxmlformats.org/officeDocument/2006/relationships" r:dm="rId2" r:lo="rId3" r:qs="rId4" r:cs="rId5"/>
           </a:graphicData>
         </a:graphic>
       </p:graphicFrame>
     </p:spTree>
     <p:extLst>
       <p:ext uri="{BB962C8B-B14F-4D97-AF65-F5344CB8AC3E}">
-        <p14:creationId xmlns:p14="http://schemas.microsoft.com/office/powerpoint/2010/main" val="1029124452"/>
+        <p14:creationId xmlns:p14="http://schemas.microsoft.com/office/powerpoint/2010/main" val="1039198004"/>
       </p:ext>
     </p:extLst>
   </p:cSld>
@@ -30765,6 +30838,318 @@
           <a:lstStyle/>
           <a:p>
             <a:r>
+              <a:rPr lang="en-US" dirty="0" err="1" smtClean="0"/>
+              <a:t>Commutativity</a:t>
+            </a:r>
+            <a:endParaRPr lang="en-US" dirty="0"/>
+          </a:p>
+        </p:txBody>
+      </p:sp>
+      <p:sp>
+        <p:nvSpPr>
+          <p:cNvPr id="3" name="Content Placeholder 2"/>
+          <p:cNvSpPr>
+            <a:spLocks noGrp="1"/>
+          </p:cNvSpPr>
+          <p:nvPr>
+            <p:ph sz="half" idx="1"/>
+          </p:nvPr>
+        </p:nvSpPr>
+        <p:spPr>
+          <a:xfrm>
+            <a:off x="381000" y="2743200"/>
+            <a:ext cx="4114800" cy="1495794"/>
+          </a:xfrm>
+        </p:spPr>
+        <p:txBody>
+          <a:bodyPr/>
+          <a:lstStyle/>
+          <a:p>
+            <a:r>
+              <a:rPr lang="en-US" sz="3600" b="1" dirty="0" err="1">
+                <a:solidFill>
+                  <a:schemeClr val="accent6"/>
+                </a:solidFill>
+              </a:rPr>
+              <a:t>Commutativity</a:t>
+            </a:r>
+            <a:r>
+              <a:rPr lang="en-US" sz="3600" b="1" dirty="0"/>
+              <a:t>: </a:t>
+            </a:r>
+            <a:r>
+              <a:rPr lang="en-US" sz="3600" dirty="0" smtClean="0"/>
+              <a:t>(</a:t>
+            </a:r>
+            <a:r>
+              <a:rPr lang="en-US" sz="3600" dirty="0"/>
+              <a:t>a </a:t>
+            </a:r>
+            <a:r>
+              <a:rPr lang="en-US" sz="3600" dirty="0">
+                <a:sym typeface="Symbol" charset="2"/>
+              </a:rPr>
+              <a:t></a:t>
+            </a:r>
+            <a:r>
+              <a:rPr lang="en-US" sz="3600" dirty="0"/>
+              <a:t> b) =  (b </a:t>
+            </a:r>
+            <a:r>
+              <a:rPr lang="en-US" sz="3600" dirty="0">
+                <a:sym typeface="Symbol" charset="2"/>
+              </a:rPr>
+              <a:t></a:t>
+            </a:r>
+            <a:r>
+              <a:rPr lang="en-US" sz="3600" dirty="0"/>
+              <a:t> a)  for all a and b. </a:t>
+            </a:r>
+          </a:p>
+        </p:txBody>
+      </p:sp>
+      <p:graphicFrame>
+        <p:nvGraphicFramePr>
+          <p:cNvPr id="5" name="Content Placeholder 4"/>
+          <p:cNvGraphicFramePr>
+            <a:graphicFrameLocks noGrp="1"/>
+          </p:cNvGraphicFramePr>
+          <p:nvPr>
+            <p:ph sz="half" idx="2"/>
+            <p:extLst>
+              <p:ext uri="{D42A27DB-BD31-4B8C-83A1-F6EECF244321}">
+                <p14:modId xmlns:p14="http://schemas.microsoft.com/office/powerpoint/2010/main" val="1181747192"/>
+              </p:ext>
+            </p:extLst>
+          </p:nvPr>
+        </p:nvGraphicFramePr>
+        <p:xfrm>
+          <a:off x="4657253" y="1531544"/>
+          <a:ext cx="4114800" cy="4191000"/>
+        </p:xfrm>
+        <a:graphic>
+          <a:graphicData uri="http://schemas.openxmlformats.org/drawingml/2006/diagram">
+            <dgm:relIds xmlns:dgm="http://schemas.openxmlformats.org/drawingml/2006/diagram" xmlns:r="http://schemas.openxmlformats.org/officeDocument/2006/relationships" r:dm="rId2" r:lo="rId3" r:qs="rId4" r:cs="rId5"/>
+          </a:graphicData>
+        </a:graphic>
+      </p:graphicFrame>
+    </p:spTree>
+    <p:extLst>
+      <p:ext uri="{BB962C8B-B14F-4D97-AF65-F5344CB8AC3E}">
+        <p14:creationId xmlns:p14="http://schemas.microsoft.com/office/powerpoint/2010/main" val="654603717"/>
+      </p:ext>
+    </p:extLst>
+  </p:cSld>
+  <p:clrMapOvr>
+    <a:masterClrMapping/>
+  </p:clrMapOvr>
+  <p:transition>
+    <p:fade/>
+  </p:transition>
+  <p:timing>
+    <p:tnLst>
+      <p:par>
+        <p:cTn id="1" dur="indefinite" restart="never" nodeType="tmRoot"/>
+      </p:par>
+    </p:tnLst>
+  </p:timing>
+</p:sld>
+</file>
+
+<file path=ppt/slides/slide21.xml><?xml version="1.0" encoding="utf-8"?>
+<p:sld xmlns:a="http://schemas.openxmlformats.org/drawingml/2006/main" xmlns:r="http://schemas.openxmlformats.org/officeDocument/2006/relationships" xmlns:p="http://schemas.openxmlformats.org/presentationml/2006/main">
+  <p:cSld>
+    <p:spTree>
+      <p:nvGrpSpPr>
+        <p:cNvPr id="1" name=""/>
+        <p:cNvGrpSpPr/>
+        <p:nvPr/>
+      </p:nvGrpSpPr>
+      <p:grpSpPr>
+        <a:xfrm>
+          <a:off x="0" y="0"/>
+          <a:ext cx="0" cy="0"/>
+          <a:chOff x="0" y="0"/>
+          <a:chExt cx="0" cy="0"/>
+        </a:xfrm>
+      </p:grpSpPr>
+      <p:sp>
+        <p:nvSpPr>
+          <p:cNvPr id="2" name="Title 1"/>
+          <p:cNvSpPr>
+            <a:spLocks noGrp="1"/>
+          </p:cNvSpPr>
+          <p:nvPr>
+            <p:ph type="title"/>
+          </p:nvPr>
+        </p:nvSpPr>
+        <p:spPr>
+          <a:xfrm>
+            <a:off x="381000" y="230188"/>
+            <a:ext cx="8382000" cy="664797"/>
+          </a:xfrm>
+        </p:spPr>
+        <p:txBody>
+          <a:bodyPr/>
+          <a:lstStyle/>
+          <a:p>
+            <a:r>
+              <a:rPr lang="en-US" dirty="0" err="1" smtClean="0"/>
+              <a:t>Invertability</a:t>
+            </a:r>
+            <a:endParaRPr lang="en-US" dirty="0"/>
+          </a:p>
+        </p:txBody>
+      </p:sp>
+      <p:sp>
+        <p:nvSpPr>
+          <p:cNvPr id="3" name="Content Placeholder 2"/>
+          <p:cNvSpPr>
+            <a:spLocks noGrp="1"/>
+          </p:cNvSpPr>
+          <p:nvPr>
+            <p:ph sz="half" idx="1"/>
+          </p:nvPr>
+        </p:nvSpPr>
+        <p:spPr>
+          <a:xfrm>
+            <a:off x="228600" y="2205317"/>
+            <a:ext cx="4114800" cy="3133165"/>
+          </a:xfrm>
+        </p:spPr>
+        <p:txBody>
+          <a:bodyPr/>
+          <a:lstStyle/>
+          <a:p>
+            <a:pPr marL="339976" lvl="4" indent="-339976">
+              <a:buBlip>
+                <a:blip r:embed="rId2"/>
+              </a:buBlip>
+            </a:pPr>
+            <a:r>
+              <a:rPr lang="en-US" sz="3200" dirty="0" smtClean="0"/>
+              <a:t>For </a:t>
+            </a:r>
+            <a:r>
+              <a:rPr lang="en-US" sz="3200" dirty="0"/>
+              <a:t>any </a:t>
+            </a:r>
+            <a:r>
+              <a:rPr lang="en-US" sz="3200" dirty="0" err="1"/>
+              <a:t>prehension</a:t>
+            </a:r>
+            <a:r>
+              <a:rPr lang="en-US" sz="3200" dirty="0"/>
+              <a:t>, there is another </a:t>
+            </a:r>
+            <a:r>
+              <a:rPr lang="en-US" sz="3200" dirty="0" err="1"/>
+              <a:t>prehension</a:t>
+            </a:r>
+            <a:r>
+              <a:rPr lang="en-US" sz="3200" dirty="0"/>
+              <a:t> that combines with it to produce the null </a:t>
+            </a:r>
+            <a:r>
+              <a:rPr lang="en-US" sz="3200" dirty="0" err="1"/>
+              <a:t>prehension</a:t>
+            </a:r>
+            <a:r>
+              <a:rPr lang="en-US" sz="3200" dirty="0"/>
+              <a:t>.</a:t>
+            </a:r>
+          </a:p>
+          <a:p>
+            <a:endParaRPr lang="en-US" dirty="0"/>
+          </a:p>
+        </p:txBody>
+      </p:sp>
+      <p:graphicFrame>
+        <p:nvGraphicFramePr>
+          <p:cNvPr id="5" name="Content Placeholder 4"/>
+          <p:cNvGraphicFramePr>
+            <a:graphicFrameLocks noGrp="1"/>
+          </p:cNvGraphicFramePr>
+          <p:nvPr>
+            <p:ph sz="half" idx="2"/>
+            <p:extLst>
+              <p:ext uri="{D42A27DB-BD31-4B8C-83A1-F6EECF244321}">
+                <p14:modId xmlns:p14="http://schemas.microsoft.com/office/powerpoint/2010/main" val="1194417742"/>
+              </p:ext>
+            </p:extLst>
+          </p:nvPr>
+        </p:nvGraphicFramePr>
+        <p:xfrm>
+          <a:off x="4648200" y="1524000"/>
+          <a:ext cx="4114800" cy="4191000"/>
+        </p:xfrm>
+        <a:graphic>
+          <a:graphicData uri="http://schemas.openxmlformats.org/drawingml/2006/diagram">
+            <dgm:relIds xmlns:dgm="http://schemas.openxmlformats.org/drawingml/2006/diagram" xmlns:r="http://schemas.openxmlformats.org/officeDocument/2006/relationships" r:dm="rId3" r:lo="rId4" r:qs="rId5" r:cs="rId6"/>
+          </a:graphicData>
+        </a:graphic>
+      </p:graphicFrame>
+    </p:spTree>
+    <p:extLst>
+      <p:ext uri="{BB962C8B-B14F-4D97-AF65-F5344CB8AC3E}">
+        <p14:creationId xmlns:p14="http://schemas.microsoft.com/office/powerpoint/2010/main" val="1029124452"/>
+      </p:ext>
+    </p:extLst>
+  </p:cSld>
+  <p:clrMapOvr>
+    <a:masterClrMapping/>
+  </p:clrMapOvr>
+  <p:transition>
+    <p:fade/>
+  </p:transition>
+  <p:timing>
+    <p:tnLst>
+      <p:par>
+        <p:cTn id="1" dur="indefinite" restart="never" nodeType="tmRoot"/>
+      </p:par>
+    </p:tnLst>
+  </p:timing>
+</p:sld>
+</file>
+
+<file path=ppt/slides/slide22.xml><?xml version="1.0" encoding="utf-8"?>
+<p:sld xmlns:a="http://schemas.openxmlformats.org/drawingml/2006/main" xmlns:r="http://schemas.openxmlformats.org/officeDocument/2006/relationships" xmlns:p="http://schemas.openxmlformats.org/presentationml/2006/main">
+  <p:cSld>
+    <p:spTree>
+      <p:nvGrpSpPr>
+        <p:cNvPr id="1" name=""/>
+        <p:cNvGrpSpPr/>
+        <p:nvPr/>
+      </p:nvGrpSpPr>
+      <p:grpSpPr>
+        <a:xfrm>
+          <a:off x="0" y="0"/>
+          <a:ext cx="0" cy="0"/>
+          <a:chOff x="0" y="0"/>
+          <a:chExt cx="0" cy="0"/>
+        </a:xfrm>
+      </p:grpSpPr>
+      <p:sp>
+        <p:nvSpPr>
+          <p:cNvPr id="2" name="Title 1"/>
+          <p:cNvSpPr>
+            <a:spLocks noGrp="1"/>
+          </p:cNvSpPr>
+          <p:nvPr>
+            <p:ph type="title"/>
+          </p:nvPr>
+        </p:nvSpPr>
+        <p:spPr>
+          <a:xfrm>
+            <a:off x="381000" y="230188"/>
+            <a:ext cx="8382000" cy="664797"/>
+          </a:xfrm>
+        </p:spPr>
+        <p:txBody>
+          <a:bodyPr/>
+          <a:lstStyle/>
+          <a:p>
+            <a:r>
               <a:rPr lang="en-US" dirty="0" smtClean="0"/>
               <a:t>The Meaning of </a:t>
             </a:r>
@@ -30934,7 +31319,7 @@
 </p:sld>
 </file>
 
-<file path=ppt/slides/slide21.xml><?xml version="1.0" encoding="utf-8"?>
+<file path=ppt/slides/slide23.xml><?xml version="1.0" encoding="utf-8"?>
 <p:sld xmlns:a="http://schemas.openxmlformats.org/drawingml/2006/main" xmlns:r="http://schemas.openxmlformats.org/officeDocument/2006/relationships" xmlns:p="http://schemas.openxmlformats.org/presentationml/2006/main">
   <p:cSld>
     <p:spTree>
@@ -31078,7 +31463,7 @@
 </p:sld>
 </file>
 
-<file path=ppt/slides/slide22.xml><?xml version="1.0" encoding="utf-8"?>
+<file path=ppt/slides/slide24.xml><?xml version="1.0" encoding="utf-8"?>
 <p:sld xmlns:a="http://schemas.openxmlformats.org/drawingml/2006/main" xmlns:r="http://schemas.openxmlformats.org/officeDocument/2006/relationships" xmlns:p="http://schemas.openxmlformats.org/presentationml/2006/main">
   <p:cSld>
     <p:spTree>
@@ -31254,7 +31639,7 @@
 </p:sld>
 </file>
 
-<file path=ppt/slides/slide23.xml><?xml version="1.0" encoding="utf-8"?>
+<file path=ppt/slides/slide25.xml><?xml version="1.0" encoding="utf-8"?>
 <p:sld xmlns:a="http://schemas.openxmlformats.org/drawingml/2006/main" xmlns:r="http://schemas.openxmlformats.org/officeDocument/2006/relationships" xmlns:p="http://schemas.openxmlformats.org/presentationml/2006/main">
   <p:cSld>
     <p:spTree>
@@ -31410,7 +31795,7 @@
 </p:sld>
 </file>
 
-<file path=ppt/slides/slide24.xml><?xml version="1.0" encoding="utf-8"?>
+<file path=ppt/slides/slide26.xml><?xml version="1.0" encoding="utf-8"?>
 <p:sld xmlns:a="http://schemas.openxmlformats.org/drawingml/2006/main" xmlns:r="http://schemas.openxmlformats.org/officeDocument/2006/relationships" xmlns:p="http://schemas.openxmlformats.org/presentationml/2006/main">
   <p:cSld>
     <p:spTree>
@@ -31545,7 +31930,7 @@
 </p:sld>
 </file>
 
-<file path=ppt/slides/slide25.xml><?xml version="1.0" encoding="utf-8"?>
+<file path=ppt/slides/slide27.xml><?xml version="1.0" encoding="utf-8"?>
 <p:sld xmlns:a="http://schemas.openxmlformats.org/drawingml/2006/main" xmlns:r="http://schemas.openxmlformats.org/officeDocument/2006/relationships" xmlns:p="http://schemas.openxmlformats.org/presentationml/2006/main">
   <p:cSld>
     <p:spTree>
@@ -31679,7 +32064,7 @@
 </p:sld>
 </file>
 
-<file path=ppt/slides/slide26.xml><?xml version="1.0" encoding="utf-8"?>
+<file path=ppt/slides/slide28.xml><?xml version="1.0" encoding="utf-8"?>
 <p:sld xmlns:a="http://schemas.openxmlformats.org/drawingml/2006/main" xmlns:r="http://schemas.openxmlformats.org/officeDocument/2006/relationships" xmlns:p="http://schemas.openxmlformats.org/presentationml/2006/main">
   <p:cSld>
     <p:spTree>
@@ -31824,7 +32209,7 @@
 </p:sld>
 </file>
 
-<file path=ppt/slides/slide27.xml><?xml version="1.0" encoding="utf-8"?>
+<file path=ppt/slides/slide29.xml><?xml version="1.0" encoding="utf-8"?>
 <p:sld xmlns:a="http://schemas.openxmlformats.org/drawingml/2006/main" xmlns:r="http://schemas.openxmlformats.org/officeDocument/2006/relationships" xmlns:p="http://schemas.openxmlformats.org/presentationml/2006/main">
   <p:cSld>
     <p:spTree>
@@ -31952,7 +32337,140 @@
 </p:sld>
 </file>
 
-<file path=ppt/slides/slide28.xml><?xml version="1.0" encoding="utf-8"?>
+<file path=ppt/slides/slide3.xml><?xml version="1.0" encoding="utf-8"?>
+<p:sld xmlns:a="http://schemas.openxmlformats.org/drawingml/2006/main" xmlns:r="http://schemas.openxmlformats.org/officeDocument/2006/relationships" xmlns:p="http://schemas.openxmlformats.org/presentationml/2006/main">
+  <p:cSld>
+    <p:spTree>
+      <p:nvGrpSpPr>
+        <p:cNvPr id="1" name=""/>
+        <p:cNvGrpSpPr/>
+        <p:nvPr/>
+      </p:nvGrpSpPr>
+      <p:grpSpPr>
+        <a:xfrm>
+          <a:off x="0" y="0"/>
+          <a:ext cx="0" cy="0"/>
+          <a:chOff x="0" y="0"/>
+          <a:chExt cx="0" cy="0"/>
+        </a:xfrm>
+      </p:grpSpPr>
+      <p:sp>
+        <p:nvSpPr>
+          <p:cNvPr id="2" name="Title 1"/>
+          <p:cNvSpPr>
+            <a:spLocks noGrp="1"/>
+          </p:cNvSpPr>
+          <p:nvPr>
+            <p:ph type="title"/>
+          </p:nvPr>
+        </p:nvSpPr>
+        <p:spPr>
+          <a:xfrm>
+            <a:off x="381000" y="230188"/>
+            <a:ext cx="8382000" cy="664797"/>
+          </a:xfrm>
+        </p:spPr>
+        <p:txBody>
+          <a:bodyPr/>
+          <a:lstStyle/>
+          <a:p>
+            <a:r>
+              <a:rPr lang="en-US" dirty="0" smtClean="0"/>
+              <a:t>Python</a:t>
+            </a:r>
+            <a:endParaRPr lang="en-US" dirty="0"/>
+          </a:p>
+        </p:txBody>
+      </p:sp>
+      <p:sp>
+        <p:nvSpPr>
+          <p:cNvPr id="3" name="Text Placeholder 2"/>
+          <p:cNvSpPr>
+            <a:spLocks noGrp="1"/>
+          </p:cNvSpPr>
+          <p:nvPr>
+            <p:ph type="body" sz="quarter" idx="10"/>
+          </p:nvPr>
+        </p:nvSpPr>
+        <p:spPr>
+          <a:xfrm>
+            <a:off x="417214" y="1600200"/>
+            <a:ext cx="8382000" cy="1828800"/>
+          </a:xfrm>
+        </p:spPr>
+        <p:txBody>
+          <a:bodyPr/>
+          <a:lstStyle/>
+          <a:p>
+            <a:r>
+              <a:rPr lang="en-US" sz="3600" dirty="0" smtClean="0"/>
+              <a:t>A great generic programming language!</a:t>
+            </a:r>
+          </a:p>
+          <a:p>
+            <a:r>
+              <a:rPr lang="en-US" sz="3600" dirty="0" smtClean="0"/>
+              <a:t>Don’t repeat yourself</a:t>
+            </a:r>
+          </a:p>
+          <a:p>
+            <a:r>
+              <a:rPr lang="en-US" sz="3600" dirty="0"/>
+              <a:t>Duck typing</a:t>
+            </a:r>
+          </a:p>
+          <a:p>
+            <a:endParaRPr lang="en-US" sz="3600" dirty="0"/>
+          </a:p>
+        </p:txBody>
+      </p:sp>
+      <p:pic>
+        <p:nvPicPr>
+          <p:cNvPr id="5" name="Picture 4"/>
+          <p:cNvPicPr>
+            <a:picLocks noChangeAspect="1"/>
+          </p:cNvPicPr>
+          <p:nvPr/>
+        </p:nvPicPr>
+        <p:blipFill>
+          <a:blip r:embed="rId2">
+            <a:extLst>
+              <a:ext uri="{28A0092B-C50C-407E-A947-70E740481C1C}">
+                <a14:useLocalDpi xmlns:a14="http://schemas.microsoft.com/office/drawing/2010/main" val="0"/>
+              </a:ext>
+            </a:extLst>
+          </a:blip>
+          <a:stretch>
+            <a:fillRect/>
+          </a:stretch>
+        </p:blipFill>
+        <p:spPr>
+          <a:xfrm>
+            <a:off x="4038600" y="3124200"/>
+            <a:ext cx="4556125" cy="3258362"/>
+          </a:xfrm>
+          <a:prstGeom prst="rect">
+            <a:avLst/>
+          </a:prstGeom>
+        </p:spPr>
+      </p:pic>
+    </p:spTree>
+    <p:extLst>
+      <p:ext uri="{BB962C8B-B14F-4D97-AF65-F5344CB8AC3E}">
+        <p14:creationId xmlns:p14="http://schemas.microsoft.com/office/powerpoint/2010/main" val="334257492"/>
+      </p:ext>
+    </p:extLst>
+  </p:cSld>
+  <p:clrMapOvr>
+    <a:masterClrMapping/>
+  </p:clrMapOvr>
+  <p:transition>
+    <p:fade/>
+  </p:transition>
+</p:sld>
+</file>
+
+<file path=ppt/slides/slide30.xml><?xml version="1.0" encoding="utf-8"?>
 <p:sld xmlns:a="http://schemas.openxmlformats.org/drawingml/2006/main" xmlns:r="http://schemas.openxmlformats.org/officeDocument/2006/relationships" xmlns:p="http://schemas.openxmlformats.org/presentationml/2006/main">
   <p:cSld>
     <p:spTree>
@@ -32010,7 +32528,7 @@
         <p:spPr>
           <a:xfrm>
             <a:off x="381000" y="1371600"/>
-            <a:ext cx="8382000" cy="886397"/>
+            <a:ext cx="8382000" cy="1661993"/>
           </a:xfrm>
         </p:spPr>
         <p:txBody>
@@ -32018,38 +32536,53 @@
           <a:lstStyle/>
           <a:p>
             <a:r>
-              <a:rPr lang="en-US" dirty="0" smtClean="0"/>
-              <a:t>Contributors welcome! The project is on </a:t>
-            </a:r>
-            <a:r>
-              <a:rPr lang="en-US" dirty="0" err="1" smtClean="0"/>
+              <a:rPr lang="en-US" sz="4000" dirty="0" smtClean="0"/>
+              <a:t>Contributors </a:t>
+            </a:r>
+            <a:r>
+              <a:rPr lang="en-US" sz="4000" dirty="0" smtClean="0"/>
+              <a:t>welcome!</a:t>
+            </a:r>
+            <a:br>
+              <a:rPr lang="en-US" sz="4000" dirty="0" smtClean="0"/>
+            </a:br>
+            <a:r>
+              <a:rPr lang="en-US" sz="4000" dirty="0" smtClean="0"/>
+              <a:t>The </a:t>
+            </a:r>
+            <a:r>
+              <a:rPr lang="en-US" sz="4000" dirty="0" smtClean="0"/>
+              <a:t>project is on </a:t>
+            </a:r>
+            <a:r>
+              <a:rPr lang="en-US" sz="4000" dirty="0" err="1" smtClean="0"/>
               <a:t>GitHub</a:t>
             </a:r>
             <a:r>
-              <a:rPr lang="en-US" dirty="0"/>
+              <a:rPr lang="en-US" sz="4000" dirty="0"/>
               <a:t>: https://</a:t>
             </a:r>
             <a:r>
-              <a:rPr lang="en-US" dirty="0" err="1"/>
+              <a:rPr lang="en-US" sz="4000" dirty="0" err="1"/>
               <a:t>github.com</a:t>
             </a:r>
             <a:r>
-              <a:rPr lang="en-US" dirty="0"/>
+              <a:rPr lang="en-US" sz="4000" dirty="0"/>
               <a:t>/</a:t>
             </a:r>
             <a:r>
-              <a:rPr lang="en-US" dirty="0" err="1"/>
+              <a:rPr lang="en-US" sz="4000" dirty="0" err="1"/>
               <a:t>gcallah</a:t>
             </a:r>
             <a:r>
-              <a:rPr lang="en-US" dirty="0"/>
+              <a:rPr lang="en-US" sz="4000" dirty="0"/>
               <a:t>/</a:t>
             </a:r>
             <a:r>
-              <a:rPr lang="en-US" dirty="0" err="1"/>
+              <a:rPr lang="en-US" sz="4000" dirty="0" err="1"/>
               <a:t>Indra</a:t>
             </a:r>
-            <a:endParaRPr lang="en-US" dirty="0" smtClean="0"/>
+            <a:endParaRPr lang="en-US" sz="4000" dirty="0" smtClean="0"/>
           </a:p>
         </p:txBody>
       </p:sp>
@@ -32057,546 +32590,6 @@
     <p:extLst>
       <p:ext uri="{BB962C8B-B14F-4D97-AF65-F5344CB8AC3E}">
         <p14:creationId xmlns:p14="http://schemas.microsoft.com/office/powerpoint/2010/main" val="3965056846"/>
-      </p:ext>
-    </p:extLst>
-  </p:cSld>
-  <p:clrMapOvr>
-    <a:masterClrMapping/>
-  </p:clrMapOvr>
-  <p:transition>
-    <p:fade/>
-  </p:transition>
-  <p:timing>
-    <p:tnLst>
-      <p:par>
-        <p:cTn id="1" dur="indefinite" restart="never" nodeType="tmRoot"/>
-      </p:par>
-    </p:tnLst>
-  </p:timing>
-</p:sld>
-</file>
-
-<file path=ppt/slides/slide29.xml><?xml version="1.0" encoding="utf-8"?>
-<p:sld xmlns:a="http://schemas.openxmlformats.org/drawingml/2006/main" xmlns:r="http://schemas.openxmlformats.org/officeDocument/2006/relationships" xmlns:p="http://schemas.openxmlformats.org/presentationml/2006/main">
-  <p:cSld>
-    <p:spTree>
-      <p:nvGrpSpPr>
-        <p:cNvPr id="1" name=""/>
-        <p:cNvGrpSpPr/>
-        <p:nvPr/>
-      </p:nvGrpSpPr>
-      <p:grpSpPr>
-        <a:xfrm>
-          <a:off x="0" y="0"/>
-          <a:ext cx="0" cy="0"/>
-          <a:chOff x="0" y="0"/>
-          <a:chExt cx="0" cy="0"/>
-        </a:xfrm>
-      </p:grpSpPr>
-      <p:sp>
-        <p:nvSpPr>
-          <p:cNvPr id="2" name="Title 1"/>
-          <p:cNvSpPr>
-            <a:spLocks noGrp="1"/>
-          </p:cNvSpPr>
-          <p:nvPr>
-            <p:ph type="title"/>
-          </p:nvPr>
-        </p:nvSpPr>
-        <p:spPr>
-          <a:xfrm>
-            <a:off x="381000" y="230189"/>
-            <a:ext cx="8382000" cy="836612"/>
-          </a:xfrm>
-        </p:spPr>
-        <p:txBody>
-          <a:bodyPr>
-            <a:normAutofit fontScale="90000"/>
-          </a:bodyPr>
-          <a:lstStyle/>
-          <a:p>
-            <a:r>
-              <a:rPr lang="en-US" dirty="0" smtClean="0"/>
-              <a:t>Credits</a:t>
-            </a:r>
-            <a:br>
-              <a:rPr lang="en-US" dirty="0" smtClean="0"/>
-            </a:br>
-            <a:endParaRPr lang="en-US" dirty="0">
-              <a:solidFill>
-                <a:schemeClr val="tx2"/>
-              </a:solidFill>
-            </a:endParaRPr>
-          </a:p>
-        </p:txBody>
-      </p:sp>
-      <p:sp>
-        <p:nvSpPr>
-          <p:cNvPr id="3" name="Text Placeholder 2"/>
-          <p:cNvSpPr>
-            <a:spLocks noGrp="1"/>
-          </p:cNvSpPr>
-          <p:nvPr>
-            <p:ph type="body" sz="quarter" idx="10"/>
-          </p:nvPr>
-        </p:nvSpPr>
-        <p:spPr>
-          <a:xfrm>
-            <a:off x="381000" y="838200"/>
-            <a:ext cx="8382000" cy="5486400"/>
-          </a:xfrm>
-        </p:spPr>
-        <p:txBody>
-          <a:bodyPr>
-            <a:normAutofit fontScale="92500" lnSpcReduction="10000"/>
-          </a:bodyPr>
-          <a:lstStyle/>
-          <a:p>
-            <a:endParaRPr lang="en-US" dirty="0" smtClean="0"/>
-          </a:p>
-          <a:p>
-            <a:r>
-              <a:rPr lang="en-US" sz="3000" dirty="0"/>
-              <a:t>"Knot with </a:t>
-            </a:r>
-            <a:r>
-              <a:rPr lang="en-US" sz="3000" dirty="0" err="1"/>
-              <a:t>borromean</a:t>
-            </a:r>
-            <a:r>
-              <a:rPr lang="en-US" sz="3000" dirty="0"/>
-              <a:t> rings in </a:t>
-            </a:r>
-            <a:r>
-              <a:rPr lang="en-US" sz="3000" dirty="0" err="1"/>
-              <a:t>jsj</a:t>
-            </a:r>
-            <a:r>
-              <a:rPr lang="en-US" sz="3000" dirty="0"/>
-              <a:t> </a:t>
-            </a:r>
-            <a:r>
-              <a:rPr lang="en-US" sz="3000" dirty="0" err="1"/>
-              <a:t>decomp</a:t>
-            </a:r>
-            <a:r>
-              <a:rPr lang="en-US" sz="3000" dirty="0"/>
-              <a:t> small". Licensed under CC BY-SA 3.0 via Wikipedia - </a:t>
-            </a:r>
-            <a:r>
-              <a:rPr lang="en-US" sz="3000" dirty="0">
-                <a:hlinkClick r:id="rId3"/>
-              </a:rPr>
-              <a:t>https://en.wikipedia.org/wiki/File:Knot_with_borromean_rings_in_jsj_decomp_small.png#/media/</a:t>
-            </a:r>
-            <a:r>
-              <a:rPr lang="en-US" sz="3000" dirty="0" smtClean="0">
-                <a:hlinkClick r:id="rId3"/>
-              </a:rPr>
-              <a:t>File:Knot_with_borromean_rings_in_jsj_decomp_small.png</a:t>
-            </a:r>
-            <a:endParaRPr lang="en-US" sz="3000" dirty="0" smtClean="0"/>
-          </a:p>
-          <a:p>
-            <a:r>
-              <a:rPr lang="en-US" sz="3000" dirty="0"/>
-              <a:t>"Stonehenge on 27.01.08" by </a:t>
-            </a:r>
-            <a:r>
-              <a:rPr lang="en-US" sz="3000" dirty="0" err="1"/>
-              <a:t>Mavratti</a:t>
-            </a:r>
-            <a:r>
-              <a:rPr lang="en-US" sz="3000" dirty="0"/>
-              <a:t> - Own work. Licensed under Public Domain via Wikimedia Commons - https://</a:t>
-            </a:r>
-            <a:r>
-              <a:rPr lang="en-US" sz="3000" dirty="0" err="1"/>
-              <a:t>commons.wikimedia.org</a:t>
-            </a:r>
-            <a:r>
-              <a:rPr lang="en-US" sz="3000" dirty="0"/>
-              <a:t>/wiki/File:Stonehenge_on_27.01.08.jpg#/media/File:Stonehenge_on_27.01.08.jpg</a:t>
-            </a:r>
-            <a:endParaRPr lang="en-US" sz="3000" dirty="0" smtClean="0"/>
-          </a:p>
-          <a:p>
-            <a:r>
-              <a:rPr lang="en-US" sz="3000" dirty="0" smtClean="0"/>
-              <a:t>The Mesa team at George Mason has contributed code to this project.</a:t>
-            </a:r>
-          </a:p>
-          <a:p>
-            <a:endParaRPr lang="en-US" dirty="0" smtClean="0"/>
-          </a:p>
-        </p:txBody>
-      </p:sp>
-    </p:spTree>
-    <p:extLst>
-      <p:ext uri="{BB962C8B-B14F-4D97-AF65-F5344CB8AC3E}">
-        <p14:creationId xmlns:p14="http://schemas.microsoft.com/office/powerpoint/2010/main" val="3776600832"/>
-      </p:ext>
-    </p:extLst>
-  </p:cSld>
-  <p:clrMapOvr>
-    <a:masterClrMapping/>
-  </p:clrMapOvr>
-  <p:transition>
-    <p:fade/>
-  </p:transition>
-  <p:timing>
-    <p:tnLst>
-      <p:par>
-        <p:cTn id="1" dur="indefinite" restart="never" nodeType="tmRoot"/>
-      </p:par>
-    </p:tnLst>
-  </p:timing>
-</p:sld>
-</file>
-
-<file path=ppt/slides/slide3.xml><?xml version="1.0" encoding="utf-8"?>
-<p:sld xmlns:a="http://schemas.openxmlformats.org/drawingml/2006/main" xmlns:r="http://schemas.openxmlformats.org/officeDocument/2006/relationships" xmlns:p="http://schemas.openxmlformats.org/presentationml/2006/main">
-  <p:cSld>
-    <p:spTree>
-      <p:nvGrpSpPr>
-        <p:cNvPr id="1" name=""/>
-        <p:cNvGrpSpPr/>
-        <p:nvPr/>
-      </p:nvGrpSpPr>
-      <p:grpSpPr>
-        <a:xfrm>
-          <a:off x="0" y="0"/>
-          <a:ext cx="0" cy="0"/>
-          <a:chOff x="0" y="0"/>
-          <a:chExt cx="0" cy="0"/>
-        </a:xfrm>
-      </p:grpSpPr>
-      <p:sp>
-        <p:nvSpPr>
-          <p:cNvPr id="2" name="Title 1"/>
-          <p:cNvSpPr>
-            <a:spLocks noGrp="1"/>
-          </p:cNvSpPr>
-          <p:nvPr>
-            <p:ph type="title"/>
-          </p:nvPr>
-        </p:nvSpPr>
-        <p:spPr>
-          <a:xfrm>
-            <a:off x="381000" y="230188"/>
-            <a:ext cx="8382000" cy="1163395"/>
-          </a:xfrm>
-        </p:spPr>
-        <p:txBody>
-          <a:bodyPr>
-            <a:normAutofit/>
-          </a:bodyPr>
-          <a:lstStyle/>
-          <a:p>
-            <a:r>
-              <a:rPr lang="en-US" dirty="0" smtClean="0"/>
-              <a:t>Generic Programming</a:t>
-            </a:r>
-            <a:br>
-              <a:rPr lang="en-US" dirty="0" smtClean="0"/>
-            </a:br>
-            <a:r>
-              <a:rPr lang="en-US" sz="3600" dirty="0" smtClean="0">
-                <a:solidFill>
-                  <a:schemeClr val="tx2"/>
-                </a:solidFill>
-              </a:rPr>
-              <a:t>Abstracting logic from data</a:t>
-            </a:r>
-            <a:endParaRPr lang="en-US" dirty="0">
-              <a:solidFill>
-                <a:schemeClr val="tx2"/>
-              </a:solidFill>
-            </a:endParaRPr>
-          </a:p>
-        </p:txBody>
-      </p:sp>
-      <p:sp>
-        <p:nvSpPr>
-          <p:cNvPr id="3" name="Text Placeholder 2"/>
-          <p:cNvSpPr>
-            <a:spLocks noGrp="1"/>
-          </p:cNvSpPr>
-          <p:nvPr>
-            <p:ph type="body" sz="quarter" idx="10"/>
-          </p:nvPr>
-        </p:nvSpPr>
-        <p:spPr>
-          <a:xfrm>
-            <a:off x="381000" y="1828800"/>
-            <a:ext cx="8382000" cy="3502497"/>
-          </a:xfrm>
-        </p:spPr>
-        <p:txBody>
-          <a:bodyPr>
-            <a:normAutofit/>
-          </a:bodyPr>
-          <a:lstStyle/>
-          <a:p>
-            <a:r>
-              <a:rPr lang="en-US" dirty="0" smtClean="0"/>
-              <a:t>Inspired by abstract algebra</a:t>
-            </a:r>
-          </a:p>
-          <a:p>
-            <a:pPr lvl="1"/>
-            <a:r>
-              <a:rPr lang="en-US" dirty="0" smtClean="0"/>
-              <a:t>“Addition” can be any operation that follows the </a:t>
-            </a:r>
-            <a:r>
-              <a:rPr lang="en-US" i="1" dirty="0" smtClean="0"/>
-              <a:t>pattern</a:t>
-            </a:r>
-            <a:r>
-              <a:rPr lang="en-US" dirty="0" smtClean="0"/>
-              <a:t> of addition</a:t>
-            </a:r>
-          </a:p>
-          <a:p>
-            <a:pPr lvl="1"/>
-            <a:r>
-              <a:rPr lang="en-US" dirty="0" smtClean="0"/>
-              <a:t>The addition operation should:</a:t>
-            </a:r>
-          </a:p>
-          <a:p>
-            <a:pPr lvl="2"/>
-            <a:r>
-              <a:rPr lang="en-US" dirty="0" smtClean="0"/>
-              <a:t>Be associative</a:t>
-            </a:r>
-          </a:p>
-          <a:p>
-            <a:pPr lvl="2"/>
-            <a:r>
-              <a:rPr lang="en-US" dirty="0" smtClean="0"/>
-              <a:t>Be commutative</a:t>
-            </a:r>
-          </a:p>
-          <a:p>
-            <a:pPr lvl="2"/>
-            <a:r>
-              <a:rPr lang="en-US" dirty="0" smtClean="0"/>
-              <a:t>Have an identity element (e.g., 0, or the unknot)</a:t>
-            </a:r>
-          </a:p>
-        </p:txBody>
-      </p:sp>
-      <p:graphicFrame>
-        <p:nvGraphicFramePr>
-          <p:cNvPr id="5" name="Diagram 4"/>
-          <p:cNvGraphicFramePr/>
-          <p:nvPr>
-            <p:extLst>
-              <p:ext uri="{D42A27DB-BD31-4B8C-83A1-F6EECF244321}">
-                <p14:modId xmlns:p14="http://schemas.microsoft.com/office/powerpoint/2010/main" val="1420844482"/>
-              </p:ext>
-            </p:extLst>
-          </p:nvPr>
-        </p:nvGraphicFramePr>
-        <p:xfrm>
-          <a:off x="5181600" y="5029200"/>
-          <a:ext cx="3124200" cy="1676400"/>
-        </p:xfrm>
-        <a:graphic>
-          <a:graphicData uri="http://schemas.openxmlformats.org/drawingml/2006/diagram">
-            <dgm:relIds xmlns:dgm="http://schemas.openxmlformats.org/drawingml/2006/diagram" xmlns:r="http://schemas.openxmlformats.org/officeDocument/2006/relationships" r:dm="rId3" r:lo="rId4" r:qs="rId5" r:cs="rId6"/>
-          </a:graphicData>
-        </a:graphic>
-      </p:graphicFrame>
-    </p:spTree>
-    <p:extLst>
-      <p:ext uri="{BB962C8B-B14F-4D97-AF65-F5344CB8AC3E}">
-        <p14:creationId xmlns:p14="http://schemas.microsoft.com/office/powerpoint/2010/main" val="181375898"/>
-      </p:ext>
-    </p:extLst>
-  </p:cSld>
-  <p:clrMapOvr>
-    <a:masterClrMapping/>
-  </p:clrMapOvr>
-  <p:transition>
-    <p:fade/>
-  </p:transition>
-  <p:timing>
-    <p:tnLst>
-      <p:par>
-        <p:cTn id="1" dur="indefinite" restart="never" nodeType="tmRoot"/>
-      </p:par>
-    </p:tnLst>
-  </p:timing>
-</p:sld>
-</file>
-
-<file path=ppt/slides/slide30.xml><?xml version="1.0" encoding="utf-8"?>
-<p:sld xmlns:a="http://schemas.openxmlformats.org/drawingml/2006/main" xmlns:r="http://schemas.openxmlformats.org/officeDocument/2006/relationships" xmlns:p="http://schemas.openxmlformats.org/presentationml/2006/main">
-  <p:cSld>
-    <p:spTree>
-      <p:nvGrpSpPr>
-        <p:cNvPr id="1" name=""/>
-        <p:cNvGrpSpPr/>
-        <p:nvPr/>
-      </p:nvGrpSpPr>
-      <p:grpSpPr>
-        <a:xfrm>
-          <a:off x="0" y="0"/>
-          <a:ext cx="0" cy="0"/>
-          <a:chOff x="0" y="0"/>
-          <a:chExt cx="0" cy="0"/>
-        </a:xfrm>
-      </p:grpSpPr>
-      <p:sp>
-        <p:nvSpPr>
-          <p:cNvPr id="2" name="Title 1"/>
-          <p:cNvSpPr>
-            <a:spLocks noGrp="1"/>
-          </p:cNvSpPr>
-          <p:nvPr>
-            <p:ph type="title"/>
-          </p:nvPr>
-        </p:nvSpPr>
-        <p:spPr>
-          <a:xfrm>
-            <a:off x="381000" y="230188"/>
-            <a:ext cx="8382000" cy="664797"/>
-          </a:xfrm>
-        </p:spPr>
-        <p:txBody>
-          <a:bodyPr/>
-          <a:lstStyle/>
-          <a:p>
-            <a:r>
-              <a:rPr lang="en-US" dirty="0" smtClean="0"/>
-              <a:t>Credits</a:t>
-            </a:r>
-            <a:endParaRPr lang="en-US" dirty="0"/>
-          </a:p>
-        </p:txBody>
-      </p:sp>
-      <p:sp>
-        <p:nvSpPr>
-          <p:cNvPr id="3" name="Text Placeholder 2"/>
-          <p:cNvSpPr>
-            <a:spLocks noGrp="1"/>
-          </p:cNvSpPr>
-          <p:nvPr>
-            <p:ph type="body" sz="quarter" idx="10"/>
-          </p:nvPr>
-        </p:nvSpPr>
-        <p:spPr>
-          <a:xfrm>
-            <a:off x="381000" y="1676400"/>
-            <a:ext cx="8382000" cy="4739759"/>
-          </a:xfrm>
-        </p:spPr>
-        <p:txBody>
-          <a:bodyPr/>
-          <a:lstStyle/>
-          <a:p>
-            <a:r>
-              <a:rPr lang="en-US" sz="2800" dirty="0"/>
-              <a:t>"Bronze Age spear tip </a:t>
-            </a:r>
-            <a:r>
-              <a:rPr lang="en-US" sz="2800" dirty="0" err="1"/>
-              <a:t>mould</a:t>
-            </a:r>
-            <a:r>
-              <a:rPr lang="en-US" sz="2800" dirty="0"/>
-              <a:t> IMG 5123" by Photograph by Rama, Wikimedia Commons, Cc-by-sa-2.0-fr. Licensed under CC BY-SA 2.0 </a:t>
-            </a:r>
-            <a:r>
-              <a:rPr lang="en-US" sz="2800" dirty="0" err="1"/>
-              <a:t>fr</a:t>
-            </a:r>
-            <a:r>
-              <a:rPr lang="en-US" sz="2800" dirty="0"/>
-              <a:t> via Commons - </a:t>
-            </a:r>
-            <a:r>
-              <a:rPr lang="en-US" sz="2800" dirty="0">
-                <a:hlinkClick r:id="rId2"/>
-              </a:rPr>
-              <a:t>https://commons.wikimedia.org/wiki/File:Bronze_Age_spear_tip_mould_IMG_5123.jpg#/</a:t>
-            </a:r>
-            <a:r>
-              <a:rPr lang="en-US" sz="2800" dirty="0" smtClean="0">
-                <a:hlinkClick r:id="rId2"/>
-              </a:rPr>
-              <a:t>media/File:Bronze_Age_spear_tip_mould_IMG_5123.jpg</a:t>
-            </a:r>
-            <a:endParaRPr lang="en-US" sz="2800" dirty="0" smtClean="0"/>
-          </a:p>
-          <a:p>
-            <a:r>
-              <a:rPr lang="en-US" sz="2800" dirty="0"/>
-              <a:t>"</a:t>
-            </a:r>
-            <a:r>
-              <a:rPr lang="en-US" sz="2800" dirty="0" err="1"/>
-              <a:t>Axentowicz</a:t>
-            </a:r>
-            <a:r>
-              <a:rPr lang="en-US" sz="2800" dirty="0"/>
-              <a:t> The Anchorite" by </a:t>
-            </a:r>
-            <a:r>
-              <a:rPr lang="en-US" sz="2800" dirty="0" err="1"/>
-              <a:t>Teodor</a:t>
-            </a:r>
-            <a:r>
-              <a:rPr lang="en-US" sz="2800" dirty="0"/>
-              <a:t> </a:t>
-            </a:r>
-            <a:r>
-              <a:rPr lang="en-US" sz="2800" dirty="0" err="1"/>
-              <a:t>Axentowicz</a:t>
-            </a:r>
-            <a:r>
-              <a:rPr lang="en-US" sz="2800" dirty="0"/>
-              <a:t> - </a:t>
-            </a:r>
-            <a:r>
-              <a:rPr lang="en-US" sz="2800" dirty="0" err="1"/>
-              <a:t>cyfrowe.mnw.art.pl</a:t>
-            </a:r>
-            <a:r>
-              <a:rPr lang="en-US" sz="2800" dirty="0"/>
-              <a:t>. Licensed under Public Domain via Commons - https://</a:t>
-            </a:r>
-            <a:r>
-              <a:rPr lang="en-US" sz="2800" dirty="0" err="1"/>
-              <a:t>commons.wikimedia.org</a:t>
-            </a:r>
-            <a:r>
-              <a:rPr lang="en-US" sz="2800" dirty="0"/>
-              <a:t>/wiki/</a:t>
-            </a:r>
-            <a:r>
-              <a:rPr lang="en-US" sz="2800" dirty="0" err="1"/>
-              <a:t>File:Axentowicz_The_Anchorite.jpg</a:t>
-            </a:r>
-            <a:r>
-              <a:rPr lang="en-US" sz="2800" dirty="0"/>
-              <a:t>#/media/</a:t>
-            </a:r>
-            <a:r>
-              <a:rPr lang="en-US" sz="2800" dirty="0" err="1"/>
-              <a:t>File:Axentowicz_The_Anchorite.jpg</a:t>
-            </a:r>
-            <a:endParaRPr lang="en-US" sz="2800" dirty="0"/>
-          </a:p>
-        </p:txBody>
-      </p:sp>
-    </p:spTree>
-    <p:extLst>
-      <p:ext uri="{BB962C8B-B14F-4D97-AF65-F5344CB8AC3E}">
-        <p14:creationId xmlns:p14="http://schemas.microsoft.com/office/powerpoint/2010/main" val="1548311111"/>
       </p:ext>
     </p:extLst>
   </p:cSld>
@@ -32645,19 +32638,28 @@
         </p:nvSpPr>
         <p:spPr>
           <a:xfrm>
-            <a:off x="381000" y="230188"/>
-            <a:ext cx="8382000" cy="664797"/>
+            <a:off x="381000" y="230189"/>
+            <a:ext cx="8382000" cy="836612"/>
           </a:xfrm>
         </p:spPr>
         <p:txBody>
-          <a:bodyPr/>
+          <a:bodyPr>
+            <a:normAutofit fontScale="90000"/>
+          </a:bodyPr>
           <a:lstStyle/>
           <a:p>
             <a:r>
               <a:rPr lang="en-US" dirty="0" smtClean="0"/>
               <a:t>Credits</a:t>
             </a:r>
-            <a:endParaRPr lang="en-US" dirty="0"/>
+            <a:br>
+              <a:rPr lang="en-US" dirty="0" smtClean="0"/>
+            </a:br>
+            <a:endParaRPr lang="en-US" dirty="0">
+              <a:solidFill>
+                <a:schemeClr val="tx2"/>
+              </a:solidFill>
+            </a:endParaRPr>
           </a:p>
         </p:txBody>
       </p:sp>
@@ -32673,76 +32675,99 @@
         </p:nvSpPr>
         <p:spPr>
           <a:xfrm>
-            <a:off x="381000" y="1371600"/>
-            <a:ext cx="8382000" cy="5127558"/>
+            <a:off x="381000" y="838200"/>
+            <a:ext cx="8382000" cy="5486400"/>
           </a:xfrm>
         </p:spPr>
         <p:txBody>
-          <a:bodyPr/>
+          <a:bodyPr>
+            <a:normAutofit fontScale="92500" lnSpcReduction="10000"/>
+          </a:bodyPr>
           <a:lstStyle/>
           <a:p>
-            <a:r>
-              <a:rPr lang="en-US" sz="2800" dirty="0"/>
-              <a:t>"</a:t>
-            </a:r>
-            <a:r>
-              <a:rPr lang="en-US" sz="2800" dirty="0" err="1"/>
-              <a:t>Perspectivephoto</a:t>
-            </a:r>
-            <a:r>
-              <a:rPr lang="en-US" sz="2800" dirty="0"/>
-              <a:t>". Licensed under CC BY 2.5 via Wikipedia - </a:t>
-            </a:r>
-            <a:r>
-              <a:rPr lang="en-US" sz="2800" dirty="0">
-                <a:hlinkClick r:id="rId2"/>
-              </a:rPr>
-              <a:t>https://en.wikipedia.org/wiki/File:Perspectivephoto.jpg#/</a:t>
-            </a:r>
-            <a:r>
-              <a:rPr lang="en-US" sz="2800" dirty="0" smtClean="0">
-                <a:hlinkClick r:id="rId2"/>
-              </a:rPr>
-              <a:t>media/File:Perspectivephoto.jpg</a:t>
-            </a:r>
-            <a:endParaRPr lang="en-US" sz="2800" dirty="0" smtClean="0"/>
+            <a:endParaRPr lang="en-US" dirty="0" smtClean="0"/>
           </a:p>
           <a:p>
             <a:r>
-              <a:rPr lang="en-US" sz="2800" dirty="0"/>
-              <a:t>"</a:t>
-            </a:r>
-            <a:r>
-              <a:rPr lang="en-US" sz="2800" dirty="0" err="1"/>
-              <a:t>Eugène</a:t>
-            </a:r>
-            <a:r>
-              <a:rPr lang="en-US" sz="2800" dirty="0"/>
-              <a:t> Delacroix - The Fanatics of Tangier - WGA06195" by </a:t>
-            </a:r>
-            <a:r>
-              <a:rPr lang="en-US" sz="2800" dirty="0" err="1"/>
-              <a:t>Eugène</a:t>
-            </a:r>
-            <a:r>
-              <a:rPr lang="en-US" sz="2800" dirty="0"/>
-              <a:t> Delacroix - 1. Web Gallery of Art:   Image  Info about artwork2. The Minneapolis Institute of Arts. Licensed under Public Domain via Commons - https://</a:t>
-            </a:r>
-            <a:r>
-              <a:rPr lang="en-US" sz="2800" dirty="0" err="1"/>
+              <a:rPr lang="en-US" sz="3000" dirty="0"/>
+              <a:t>"Knot with </a:t>
+            </a:r>
+            <a:r>
+              <a:rPr lang="en-US" sz="3000" dirty="0" err="1"/>
+              <a:t>borromean</a:t>
+            </a:r>
+            <a:r>
+              <a:rPr lang="en-US" sz="3000" dirty="0"/>
+              <a:t> rings in </a:t>
+            </a:r>
+            <a:r>
+              <a:rPr lang="en-US" sz="3000" dirty="0" err="1"/>
+              <a:t>jsj</a:t>
+            </a:r>
+            <a:r>
+              <a:rPr lang="en-US" sz="3000" dirty="0"/>
+              <a:t> </a:t>
+            </a:r>
+            <a:r>
+              <a:rPr lang="en-US" sz="3000" dirty="0" err="1"/>
+              <a:t>decomp</a:t>
+            </a:r>
+            <a:r>
+              <a:rPr lang="en-US" sz="3000" dirty="0"/>
+              <a:t> small". Licensed under CC BY-SA 3.0 via Wikipedia - </a:t>
+            </a:r>
+            <a:r>
+              <a:rPr lang="en-US" sz="3000" dirty="0">
+                <a:hlinkClick r:id="rId3"/>
+              </a:rPr>
+              <a:t>https://en.wikipedia.org/wiki/File:Knot_with_borromean_rings_in_jsj_decomp_small.png#/media/</a:t>
+            </a:r>
+            <a:r>
+              <a:rPr lang="en-US" sz="3000" dirty="0" smtClean="0">
+                <a:hlinkClick r:id="rId3"/>
+              </a:rPr>
+              <a:t>File:Knot_with_borromean_rings_in_jsj_decomp_small.png</a:t>
+            </a:r>
+            <a:endParaRPr lang="en-US" sz="3000" dirty="0" smtClean="0"/>
+          </a:p>
+          <a:p>
+            <a:r>
+              <a:rPr lang="en-US" sz="3000" dirty="0"/>
+              <a:t>"Stonehenge on 27.01.08" by </a:t>
+            </a:r>
+            <a:r>
+              <a:rPr lang="en-US" sz="3000" dirty="0" err="1"/>
+              <a:t>Mavratti</a:t>
+            </a:r>
+            <a:r>
+              <a:rPr lang="en-US" sz="3000" dirty="0"/>
+              <a:t> - Own work. Licensed under Public Domain via Wikimedia Commons - https://</a:t>
+            </a:r>
+            <a:r>
+              <a:rPr lang="en-US" sz="3000" dirty="0" err="1"/>
               <a:t>commons.wikimedia.org</a:t>
             </a:r>
             <a:r>
-              <a:rPr lang="en-US" sz="2800" dirty="0"/>
-              <a:t>/wiki/File:Eug%C3%A8ne_Delacroix_-_The_Fanatics_of_Tangier_-_WGA06195.jpg#/media/File:Eug%C3%A8ne_Delacroix_-_The_Fanatics_of_Tangier_-_WGA06195.jpg</a:t>
-            </a:r>
+              <a:rPr lang="en-US" sz="3000" dirty="0"/>
+              <a:t>/wiki/File:Stonehenge_on_27.01.08.jpg#/media/File:Stonehenge_on_27.01.08.jpg</a:t>
+            </a:r>
+            <a:endParaRPr lang="en-US" sz="3000" dirty="0" smtClean="0"/>
+          </a:p>
+          <a:p>
+            <a:r>
+              <a:rPr lang="en-US" sz="3000" dirty="0" smtClean="0"/>
+              <a:t>The Mesa team at George Mason has contributed code to this project.</a:t>
+            </a:r>
+          </a:p>
+          <a:p>
+            <a:endParaRPr lang="en-US" dirty="0" smtClean="0"/>
           </a:p>
         </p:txBody>
       </p:sp>
     </p:spTree>
     <p:extLst>
       <p:ext uri="{BB962C8B-B14F-4D97-AF65-F5344CB8AC3E}">
-        <p14:creationId xmlns:p14="http://schemas.microsoft.com/office/powerpoint/2010/main" val="1596891371"/>
+        <p14:creationId xmlns:p14="http://schemas.microsoft.com/office/powerpoint/2010/main" val="3776600832"/>
       </p:ext>
     </p:extLst>
   </p:cSld>
@@ -32820,7 +32845,7 @@
         <p:spPr>
           <a:xfrm>
             <a:off x="381000" y="1676400"/>
-            <a:ext cx="8382000" cy="3877985"/>
+            <a:ext cx="8382000" cy="4739759"/>
           </a:xfrm>
         </p:spPr>
         <p:txBody>
@@ -32829,63 +32854,74 @@
           <a:p>
             <a:r>
               <a:rPr lang="en-US" sz="2800" dirty="0"/>
-              <a:t>"Linear subspaces with shading" by </a:t>
+              <a:t>"Bronze Age spear tip </a:t>
             </a:r>
             <a:r>
               <a:rPr lang="en-US" sz="2800" dirty="0" err="1"/>
-              <a:t>Alksentrs</a:t>
+              <a:t>mould</a:t>
             </a:r>
             <a:r>
               <a:rPr lang="en-US" sz="2800" dirty="0"/>
-              <a:t> at </a:t>
+              <a:t> IMG 5123" by Photograph by Rama, Wikimedia Commons, Cc-by-sa-2.0-fr. Licensed under CC BY-SA 2.0 </a:t>
             </a:r>
             <a:r>
               <a:rPr lang="en-US" sz="2800" dirty="0" err="1"/>
-              <a:t>en.wikipedia</a:t>
+              <a:t>fr</a:t>
             </a:r>
             <a:r>
               <a:rPr lang="en-US" sz="2800" dirty="0"/>
-              <a:t> - Own work (Original text: Own work, based on en::</a:t>
+              <a:t> via Commons - </a:t>
+            </a:r>
+            <a:r>
+              <a:rPr lang="en-US" sz="2800" dirty="0">
+                <a:hlinkClick r:id="rId2"/>
+              </a:rPr>
+              <a:t>https://commons.wikimedia.org/wiki/File:Bronze_Age_spear_tip_mould_IMG_5123.jpg#/</a:t>
+            </a:r>
+            <a:r>
+              <a:rPr lang="en-US" sz="2800" dirty="0" smtClean="0">
+                <a:hlinkClick r:id="rId2"/>
+              </a:rPr>
+              <a:t>media/File:Bronze_Age_spear_tip_mould_IMG_5123.jpg</a:t>
+            </a:r>
+            <a:endParaRPr lang="en-US" sz="2800" dirty="0" smtClean="0"/>
+          </a:p>
+          <a:p>
+            <a:r>
+              <a:rPr lang="en-US" sz="2800" dirty="0"/>
+              <a:t>"</a:t>
             </a:r>
             <a:r>
               <a:rPr lang="en-US" sz="2800" dirty="0" err="1"/>
-              <a:t>Image:Linearsubspace.svg</a:t>
+              <a:t>Axentowicz</a:t>
             </a:r>
             <a:r>
               <a:rPr lang="en-US" sz="2800" dirty="0"/>
-              <a:t> (by </a:t>
+              <a:t> The Anchorite" by </a:t>
             </a:r>
             <a:r>
               <a:rPr lang="en-US" sz="2800" dirty="0" err="1"/>
-              <a:t>en:User:Jakob.scholbach</a:t>
+              <a:t>Teodor</a:t>
             </a:r>
             <a:r>
               <a:rPr lang="en-US" sz="2800" dirty="0"/>
-              <a:t>).)Transferred from </a:t>
+              <a:t> </a:t>
             </a:r>
             <a:r>
               <a:rPr lang="en-US" sz="2800" dirty="0" err="1"/>
-              <a:t>en.wikipedia</a:t>
+              <a:t>Axentowicz</a:t>
             </a:r>
             <a:r>
               <a:rPr lang="en-US" sz="2800" dirty="0"/>
-              <a:t> to Commons by </a:t>
+              <a:t> - </a:t>
             </a:r>
             <a:r>
               <a:rPr lang="en-US" sz="2800" dirty="0" err="1"/>
-              <a:t>User:Ylebru</a:t>
+              <a:t>cyfrowe.mnw.art.pl</a:t>
             </a:r>
             <a:r>
               <a:rPr lang="en-US" sz="2800" dirty="0"/>
-              <a:t> using </a:t>
-            </a:r>
-            <a:r>
-              <a:rPr lang="en-US" sz="2800" dirty="0" err="1"/>
-              <a:t>CommonsHelper</a:t>
-            </a:r>
-            <a:r>
-              <a:rPr lang="en-US" sz="2800" dirty="0"/>
-              <a:t>.. Licensed under CC BY-SA 3.0 via Commons - https://</a:t>
+              <a:t>. Licensed under Public Domain via Commons - https://</a:t>
             </a:r>
             <a:r>
               <a:rPr lang="en-US" sz="2800" dirty="0" err="1"/>
@@ -32897,7 +32933,7 @@
             </a:r>
             <a:r>
               <a:rPr lang="en-US" sz="2800" dirty="0" err="1"/>
-              <a:t>File:Linear_subspaces_with_shading.svg</a:t>
+              <a:t>File:Axentowicz_The_Anchorite.jpg</a:t>
             </a:r>
             <a:r>
               <a:rPr lang="en-US" sz="2800" dirty="0"/>
@@ -32905,7 +32941,7 @@
             </a:r>
             <a:r>
               <a:rPr lang="en-US" sz="2800" dirty="0" err="1"/>
-              <a:t>File:Linear_subspaces_with_shading.svg</a:t>
+              <a:t>File:Axentowicz_The_Anchorite.jpg</a:t>
             </a:r>
             <a:endParaRPr lang="en-US" sz="2800" dirty="0"/>
           </a:p>
@@ -32914,7 +32950,7 @@
     </p:spTree>
     <p:extLst>
       <p:ext uri="{BB962C8B-B14F-4D97-AF65-F5344CB8AC3E}">
-        <p14:creationId xmlns:p14="http://schemas.microsoft.com/office/powerpoint/2010/main" val="901497122"/>
+        <p14:creationId xmlns:p14="http://schemas.microsoft.com/office/powerpoint/2010/main" val="1548311111"/>
       </p:ext>
     </p:extLst>
   </p:cSld>
@@ -32991,8 +33027,8 @@
         </p:nvSpPr>
         <p:spPr>
           <a:xfrm>
-            <a:off x="381000" y="1676400"/>
-            <a:ext cx="8382000" cy="3102388"/>
+            <a:off x="381000" y="1371600"/>
+            <a:ext cx="8382000" cy="5127558"/>
           </a:xfrm>
         </p:spPr>
         <p:txBody>
@@ -33001,6 +33037,324 @@
           <a:p>
             <a:r>
               <a:rPr lang="en-US" sz="2800" dirty="0"/>
+              <a:t>"</a:t>
+            </a:r>
+            <a:r>
+              <a:rPr lang="en-US" sz="2800" dirty="0" err="1"/>
+              <a:t>Perspectivephoto</a:t>
+            </a:r>
+            <a:r>
+              <a:rPr lang="en-US" sz="2800" dirty="0"/>
+              <a:t>". Licensed under CC BY 2.5 via Wikipedia - </a:t>
+            </a:r>
+            <a:r>
+              <a:rPr lang="en-US" sz="2800" dirty="0">
+                <a:hlinkClick r:id="rId2"/>
+              </a:rPr>
+              <a:t>https://en.wikipedia.org/wiki/File:Perspectivephoto.jpg#/</a:t>
+            </a:r>
+            <a:r>
+              <a:rPr lang="en-US" sz="2800" dirty="0" smtClean="0">
+                <a:hlinkClick r:id="rId2"/>
+              </a:rPr>
+              <a:t>media/File:Perspectivephoto.jpg</a:t>
+            </a:r>
+            <a:endParaRPr lang="en-US" sz="2800" dirty="0" smtClean="0"/>
+          </a:p>
+          <a:p>
+            <a:r>
+              <a:rPr lang="en-US" sz="2800" dirty="0"/>
+              <a:t>"</a:t>
+            </a:r>
+            <a:r>
+              <a:rPr lang="en-US" sz="2800" dirty="0" err="1"/>
+              <a:t>Eugène</a:t>
+            </a:r>
+            <a:r>
+              <a:rPr lang="en-US" sz="2800" dirty="0"/>
+              <a:t> Delacroix - The Fanatics of Tangier - WGA06195" by </a:t>
+            </a:r>
+            <a:r>
+              <a:rPr lang="en-US" sz="2800" dirty="0" err="1"/>
+              <a:t>Eugène</a:t>
+            </a:r>
+            <a:r>
+              <a:rPr lang="en-US" sz="2800" dirty="0"/>
+              <a:t> Delacroix - 1. Web Gallery of Art:   Image  Info about artwork2. The Minneapolis Institute of Arts. Licensed under Public Domain via Commons - https://</a:t>
+            </a:r>
+            <a:r>
+              <a:rPr lang="en-US" sz="2800" dirty="0" err="1"/>
+              <a:t>commons.wikimedia.org</a:t>
+            </a:r>
+            <a:r>
+              <a:rPr lang="en-US" sz="2800" dirty="0"/>
+              <a:t>/wiki/File:Eug%C3%A8ne_Delacroix_-_The_Fanatics_of_Tangier_-_WGA06195.jpg#/media/File:Eug%C3%A8ne_Delacroix_-_The_Fanatics_of_Tangier_-_WGA06195.jpg</a:t>
+            </a:r>
+          </a:p>
+        </p:txBody>
+      </p:sp>
+    </p:spTree>
+    <p:extLst>
+      <p:ext uri="{BB962C8B-B14F-4D97-AF65-F5344CB8AC3E}">
+        <p14:creationId xmlns:p14="http://schemas.microsoft.com/office/powerpoint/2010/main" val="1596891371"/>
+      </p:ext>
+    </p:extLst>
+  </p:cSld>
+  <p:clrMapOvr>
+    <a:masterClrMapping/>
+  </p:clrMapOvr>
+  <p:transition>
+    <p:fade/>
+  </p:transition>
+  <p:timing>
+    <p:tnLst>
+      <p:par>
+        <p:cTn id="1" dur="indefinite" restart="never" nodeType="tmRoot"/>
+      </p:par>
+    </p:tnLst>
+  </p:timing>
+</p:sld>
+</file>
+
+<file path=ppt/slides/slide34.xml><?xml version="1.0" encoding="utf-8"?>
+<p:sld xmlns:a="http://schemas.openxmlformats.org/drawingml/2006/main" xmlns:r="http://schemas.openxmlformats.org/officeDocument/2006/relationships" xmlns:p="http://schemas.openxmlformats.org/presentationml/2006/main">
+  <p:cSld>
+    <p:spTree>
+      <p:nvGrpSpPr>
+        <p:cNvPr id="1" name=""/>
+        <p:cNvGrpSpPr/>
+        <p:nvPr/>
+      </p:nvGrpSpPr>
+      <p:grpSpPr>
+        <a:xfrm>
+          <a:off x="0" y="0"/>
+          <a:ext cx="0" cy="0"/>
+          <a:chOff x="0" y="0"/>
+          <a:chExt cx="0" cy="0"/>
+        </a:xfrm>
+      </p:grpSpPr>
+      <p:sp>
+        <p:nvSpPr>
+          <p:cNvPr id="2" name="Title 1"/>
+          <p:cNvSpPr>
+            <a:spLocks noGrp="1"/>
+          </p:cNvSpPr>
+          <p:nvPr>
+            <p:ph type="title"/>
+          </p:nvPr>
+        </p:nvSpPr>
+        <p:spPr>
+          <a:xfrm>
+            <a:off x="381000" y="230188"/>
+            <a:ext cx="8382000" cy="664797"/>
+          </a:xfrm>
+        </p:spPr>
+        <p:txBody>
+          <a:bodyPr/>
+          <a:lstStyle/>
+          <a:p>
+            <a:r>
+              <a:rPr lang="en-US" dirty="0" smtClean="0"/>
+              <a:t>Credits</a:t>
+            </a:r>
+            <a:endParaRPr lang="en-US" dirty="0"/>
+          </a:p>
+        </p:txBody>
+      </p:sp>
+      <p:sp>
+        <p:nvSpPr>
+          <p:cNvPr id="3" name="Text Placeholder 2"/>
+          <p:cNvSpPr>
+            <a:spLocks noGrp="1"/>
+          </p:cNvSpPr>
+          <p:nvPr>
+            <p:ph type="body" sz="quarter" idx="10"/>
+          </p:nvPr>
+        </p:nvSpPr>
+        <p:spPr>
+          <a:xfrm>
+            <a:off x="381000" y="1676400"/>
+            <a:ext cx="8382000" cy="3877985"/>
+          </a:xfrm>
+        </p:spPr>
+        <p:txBody>
+          <a:bodyPr/>
+          <a:lstStyle/>
+          <a:p>
+            <a:r>
+              <a:rPr lang="en-US" sz="2800" dirty="0"/>
+              <a:t>"Linear subspaces with shading" by </a:t>
+            </a:r>
+            <a:r>
+              <a:rPr lang="en-US" sz="2800" dirty="0" err="1"/>
+              <a:t>Alksentrs</a:t>
+            </a:r>
+            <a:r>
+              <a:rPr lang="en-US" sz="2800" dirty="0"/>
+              <a:t> at </a:t>
+            </a:r>
+            <a:r>
+              <a:rPr lang="en-US" sz="2800" dirty="0" err="1"/>
+              <a:t>en.wikipedia</a:t>
+            </a:r>
+            <a:r>
+              <a:rPr lang="en-US" sz="2800" dirty="0"/>
+              <a:t> - Own work (Original text: Own work, based on en::</a:t>
+            </a:r>
+            <a:r>
+              <a:rPr lang="en-US" sz="2800" dirty="0" err="1"/>
+              <a:t>Image:Linearsubspace.svg</a:t>
+            </a:r>
+            <a:r>
+              <a:rPr lang="en-US" sz="2800" dirty="0"/>
+              <a:t> (by </a:t>
+            </a:r>
+            <a:r>
+              <a:rPr lang="en-US" sz="2800" dirty="0" err="1"/>
+              <a:t>en:User:Jakob.scholbach</a:t>
+            </a:r>
+            <a:r>
+              <a:rPr lang="en-US" sz="2800" dirty="0"/>
+              <a:t>).)Transferred from </a:t>
+            </a:r>
+            <a:r>
+              <a:rPr lang="en-US" sz="2800" dirty="0" err="1"/>
+              <a:t>en.wikipedia</a:t>
+            </a:r>
+            <a:r>
+              <a:rPr lang="en-US" sz="2800" dirty="0"/>
+              <a:t> to Commons by </a:t>
+            </a:r>
+            <a:r>
+              <a:rPr lang="en-US" sz="2800" dirty="0" err="1"/>
+              <a:t>User:Ylebru</a:t>
+            </a:r>
+            <a:r>
+              <a:rPr lang="en-US" sz="2800" dirty="0"/>
+              <a:t> using </a:t>
+            </a:r>
+            <a:r>
+              <a:rPr lang="en-US" sz="2800" dirty="0" err="1"/>
+              <a:t>CommonsHelper</a:t>
+            </a:r>
+            <a:r>
+              <a:rPr lang="en-US" sz="2800" dirty="0"/>
+              <a:t>.. Licensed under CC BY-SA 3.0 via Commons - https://</a:t>
+            </a:r>
+            <a:r>
+              <a:rPr lang="en-US" sz="2800" dirty="0" err="1"/>
+              <a:t>commons.wikimedia.org</a:t>
+            </a:r>
+            <a:r>
+              <a:rPr lang="en-US" sz="2800" dirty="0"/>
+              <a:t>/wiki/</a:t>
+            </a:r>
+            <a:r>
+              <a:rPr lang="en-US" sz="2800" dirty="0" err="1"/>
+              <a:t>File:Linear_subspaces_with_shading.svg</a:t>
+            </a:r>
+            <a:r>
+              <a:rPr lang="en-US" sz="2800" dirty="0"/>
+              <a:t>#/media/</a:t>
+            </a:r>
+            <a:r>
+              <a:rPr lang="en-US" sz="2800" dirty="0" err="1"/>
+              <a:t>File:Linear_subspaces_with_shading.svg</a:t>
+            </a:r>
+            <a:endParaRPr lang="en-US" sz="2800" dirty="0"/>
+          </a:p>
+        </p:txBody>
+      </p:sp>
+    </p:spTree>
+    <p:extLst>
+      <p:ext uri="{BB962C8B-B14F-4D97-AF65-F5344CB8AC3E}">
+        <p14:creationId xmlns:p14="http://schemas.microsoft.com/office/powerpoint/2010/main" val="901497122"/>
+      </p:ext>
+    </p:extLst>
+  </p:cSld>
+  <p:clrMapOvr>
+    <a:masterClrMapping/>
+  </p:clrMapOvr>
+  <p:transition>
+    <p:fade/>
+  </p:transition>
+  <p:timing>
+    <p:tnLst>
+      <p:par>
+        <p:cTn id="1" dur="indefinite" restart="never" nodeType="tmRoot"/>
+      </p:par>
+    </p:tnLst>
+  </p:timing>
+</p:sld>
+</file>
+
+<file path=ppt/slides/slide35.xml><?xml version="1.0" encoding="utf-8"?>
+<p:sld xmlns:a="http://schemas.openxmlformats.org/drawingml/2006/main" xmlns:r="http://schemas.openxmlformats.org/officeDocument/2006/relationships" xmlns:p="http://schemas.openxmlformats.org/presentationml/2006/main">
+  <p:cSld>
+    <p:spTree>
+      <p:nvGrpSpPr>
+        <p:cNvPr id="1" name=""/>
+        <p:cNvGrpSpPr/>
+        <p:nvPr/>
+      </p:nvGrpSpPr>
+      <p:grpSpPr>
+        <a:xfrm>
+          <a:off x="0" y="0"/>
+          <a:ext cx="0" cy="0"/>
+          <a:chOff x="0" y="0"/>
+          <a:chExt cx="0" cy="0"/>
+        </a:xfrm>
+      </p:grpSpPr>
+      <p:sp>
+        <p:nvSpPr>
+          <p:cNvPr id="2" name="Title 1"/>
+          <p:cNvSpPr>
+            <a:spLocks noGrp="1"/>
+          </p:cNvSpPr>
+          <p:nvPr>
+            <p:ph type="title"/>
+          </p:nvPr>
+        </p:nvSpPr>
+        <p:spPr>
+          <a:xfrm>
+            <a:off x="381000" y="230188"/>
+            <a:ext cx="8382000" cy="664797"/>
+          </a:xfrm>
+        </p:spPr>
+        <p:txBody>
+          <a:bodyPr/>
+          <a:lstStyle/>
+          <a:p>
+            <a:r>
+              <a:rPr lang="en-US" dirty="0" smtClean="0"/>
+              <a:t>Credits</a:t>
+            </a:r>
+            <a:endParaRPr lang="en-US" dirty="0"/>
+          </a:p>
+        </p:txBody>
+      </p:sp>
+      <p:sp>
+        <p:nvSpPr>
+          <p:cNvPr id="3" name="Text Placeholder 2"/>
+          <p:cNvSpPr>
+            <a:spLocks noGrp="1"/>
+          </p:cNvSpPr>
+          <p:nvPr>
+            <p:ph type="body" sz="quarter" idx="10"/>
+          </p:nvPr>
+        </p:nvSpPr>
+        <p:spPr>
+          <a:xfrm>
+            <a:off x="381000" y="1295400"/>
+            <a:ext cx="8382000" cy="5120759"/>
+          </a:xfrm>
+        </p:spPr>
+        <p:txBody>
+          <a:bodyPr/>
+          <a:lstStyle/>
+          <a:p>
+            <a:r>
+              <a:rPr lang="en-US" sz="2800" dirty="0"/>
               <a:t>"Hokusai-sketches---hokusai-manga-vol6-crop" by Katsushika </a:t>
             </a:r>
             <a:r>
@@ -33017,7 +33371,42 @@
             </a:r>
             <a:r>
               <a:rPr lang="en-US" sz="2800" dirty="0"/>
-              <a:t> - Hokusai_sketches_-_hokusai_manga_vol6.jpg. Licensed under Public Domain via Commons - https://</a:t>
+              <a:t> - Hokusai_sketches_-_hokusai_manga_vol6.jpg. Licensed under Public Domain via Commons - </a:t>
+            </a:r>
+            <a:r>
+              <a:rPr lang="en-US" sz="2800" dirty="0">
+                <a:hlinkClick r:id="rId2"/>
+              </a:rPr>
+              <a:t>https://commons.wikimedia.org/wiki/File:Hokusai-sketches---hokusai-manga-vol6-crop.jpg#/media/File:Hokusai-sketches---</a:t>
+            </a:r>
+            <a:r>
+              <a:rPr lang="en-US" sz="2800" dirty="0" smtClean="0">
+                <a:hlinkClick r:id="rId2"/>
+              </a:rPr>
+              <a:t>hokusai-manga-vol6-crop.jpg</a:t>
+            </a:r>
+            <a:endParaRPr lang="en-US" sz="2800" dirty="0" smtClean="0"/>
+          </a:p>
+          <a:p>
+            <a:r>
+              <a:rPr lang="en-US" sz="2800" dirty="0"/>
+              <a:t>Daffy Duck: By Directed by </a:t>
+            </a:r>
+            <a:r>
+              <a:rPr lang="en-US" sz="2800" dirty="0" err="1"/>
+              <a:t>Friz</a:t>
+            </a:r>
+            <a:r>
+              <a:rPr lang="en-US" sz="2800" dirty="0"/>
+              <a:t> </a:t>
+            </a:r>
+            <a:r>
+              <a:rPr lang="en-US" sz="2800" dirty="0" err="1"/>
+              <a:t>Freleng</a:t>
+            </a:r>
+            <a:r>
+              <a:rPr lang="en-US" sz="2800" dirty="0"/>
+              <a:t>, (Warner Bros.) - YouTube, Public Domain, https://</a:t>
             </a:r>
             <a:r>
               <a:rPr lang="en-US" sz="2800" dirty="0" err="1"/>
@@ -33025,24 +33414,17 @@
             </a:r>
             <a:r>
               <a:rPr lang="en-US" sz="2800" dirty="0"/>
-              <a:t>/wiki/</a:t>
+              <a:t>/w/</a:t>
             </a:r>
             <a:r>
               <a:rPr lang="en-US" sz="2800" dirty="0" err="1"/>
-              <a:t>File:Hokusai-sketches</a:t>
+              <a:t>index.php?curid</a:t>
             </a:r>
             <a:r>
               <a:rPr lang="en-US" sz="2800" dirty="0"/>
-              <a:t>---hokusai-manga-vol6-crop.jpg#/media/</a:t>
-            </a:r>
-            <a:r>
-              <a:rPr lang="en-US" sz="2800" dirty="0" err="1"/>
-              <a:t>File:Hokusai-sketches</a:t>
-            </a:r>
-            <a:r>
-              <a:rPr lang="en-US" sz="2800" dirty="0"/>
-              <a:t>---hokusai-manga-vol6-crop.jpg</a:t>
-            </a:r>
+              <a:t>=34296734</a:t>
+            </a:r>
+            <a:endParaRPr lang="en-US" sz="2800" dirty="0" smtClean="0"/>
           </a:p>
         </p:txBody>
       </p:sp>
@@ -33069,7 +33451,391 @@
 </p:sld>
 </file>
 
+<file path=ppt/slides/slide36.xml><?xml version="1.0" encoding="utf-8"?>
+<p:sld xmlns:a="http://schemas.openxmlformats.org/drawingml/2006/main" xmlns:r="http://schemas.openxmlformats.org/officeDocument/2006/relationships" xmlns:p="http://schemas.openxmlformats.org/presentationml/2006/main">
+  <p:cSld>
+    <p:spTree>
+      <p:nvGrpSpPr>
+        <p:cNvPr id="1" name=""/>
+        <p:cNvGrpSpPr/>
+        <p:nvPr/>
+      </p:nvGrpSpPr>
+      <p:grpSpPr>
+        <a:xfrm>
+          <a:off x="0" y="0"/>
+          <a:ext cx="0" cy="0"/>
+          <a:chOff x="0" y="0"/>
+          <a:chExt cx="0" cy="0"/>
+        </a:xfrm>
+      </p:grpSpPr>
+      <p:sp>
+        <p:nvSpPr>
+          <p:cNvPr id="2" name="Title 1"/>
+          <p:cNvSpPr>
+            <a:spLocks noGrp="1"/>
+          </p:cNvSpPr>
+          <p:nvPr>
+            <p:ph type="title"/>
+          </p:nvPr>
+        </p:nvSpPr>
+        <p:spPr>
+          <a:xfrm>
+            <a:off x="381000" y="230188"/>
+            <a:ext cx="8382000" cy="664797"/>
+          </a:xfrm>
+        </p:spPr>
+        <p:txBody>
+          <a:bodyPr/>
+          <a:lstStyle/>
+          <a:p>
+            <a:r>
+              <a:rPr lang="en-US" dirty="0" smtClean="0"/>
+              <a:t>Credits</a:t>
+            </a:r>
+            <a:endParaRPr lang="en-US" dirty="0"/>
+          </a:p>
+        </p:txBody>
+      </p:sp>
+      <p:sp>
+        <p:nvSpPr>
+          <p:cNvPr id="3" name="Text Placeholder 2"/>
+          <p:cNvSpPr>
+            <a:spLocks noGrp="1"/>
+          </p:cNvSpPr>
+          <p:nvPr>
+            <p:ph type="body" sz="quarter" idx="10"/>
+          </p:nvPr>
+        </p:nvSpPr>
+        <p:spPr>
+          <a:xfrm>
+            <a:off x="381000" y="1295400"/>
+            <a:ext cx="8382000" cy="3102388"/>
+          </a:xfrm>
+        </p:spPr>
+        <p:txBody>
+          <a:bodyPr/>
+          <a:lstStyle/>
+          <a:p>
+            <a:r>
+              <a:rPr lang="en-US" sz="2800" dirty="0" smtClean="0"/>
+              <a:t>Earth</a:t>
+            </a:r>
+            <a:r>
+              <a:rPr lang="en-US" sz="2800" dirty="0"/>
+              <a:t>: By NASA/Apollo 17 crew; taken by either Harrison Schmitt or Ron Evans - http://</a:t>
+            </a:r>
+            <a:r>
+              <a:rPr lang="en-US" sz="2800" dirty="0" err="1"/>
+              <a:t>www.nasa.gov</a:t>
+            </a:r>
+            <a:r>
+              <a:rPr lang="en-US" sz="2800" dirty="0"/>
+              <a:t>/images/content/115334main_image_feature_329_ys_full.jpgAlt: http://</a:t>
+            </a:r>
+            <a:r>
+              <a:rPr lang="en-US" sz="2800" dirty="0" err="1"/>
+              <a:t>grin.hq.nasa.gov</a:t>
+            </a:r>
+            <a:r>
+              <a:rPr lang="en-US" sz="2800" dirty="0"/>
+              <a:t>/ABSTRACTS/GPN-2000-001138.html (direct link), Public Domain, https://</a:t>
+            </a:r>
+            <a:r>
+              <a:rPr lang="en-US" sz="2800" dirty="0" err="1"/>
+              <a:t>commons.wikimedia.org</a:t>
+            </a:r>
+            <a:r>
+              <a:rPr lang="en-US" sz="2800" dirty="0"/>
+              <a:t>/w/</a:t>
+            </a:r>
+            <a:r>
+              <a:rPr lang="en-US" sz="2800" dirty="0" err="1"/>
+              <a:t>index.php?curid</a:t>
+            </a:r>
+            <a:r>
+              <a:rPr lang="en-US" sz="2800" dirty="0"/>
+              <a:t>=43894484</a:t>
+            </a:r>
+            <a:endParaRPr lang="en-US" sz="2800" dirty="0" smtClean="0"/>
+          </a:p>
+        </p:txBody>
+      </p:sp>
+    </p:spTree>
+    <p:extLst>
+      <p:ext uri="{BB962C8B-B14F-4D97-AF65-F5344CB8AC3E}">
+        <p14:creationId xmlns:p14="http://schemas.microsoft.com/office/powerpoint/2010/main" val="511046477"/>
+      </p:ext>
+    </p:extLst>
+  </p:cSld>
+  <p:clrMapOvr>
+    <a:masterClrMapping/>
+  </p:clrMapOvr>
+  <p:transition>
+    <p:fade/>
+  </p:transition>
+  <p:timing>
+    <p:tnLst>
+      <p:par>
+        <p:cTn id="1" dur="indefinite" restart="never" nodeType="tmRoot"/>
+      </p:par>
+    </p:tnLst>
+  </p:timing>
+</p:sld>
+</file>
+
 <file path=ppt/slides/slide4.xml><?xml version="1.0" encoding="utf-8"?>
+<p:sld xmlns:a="http://schemas.openxmlformats.org/drawingml/2006/main" xmlns:r="http://schemas.openxmlformats.org/officeDocument/2006/relationships" xmlns:p="http://schemas.openxmlformats.org/presentationml/2006/main">
+  <p:cSld>
+    <p:spTree>
+      <p:nvGrpSpPr>
+        <p:cNvPr id="1" name=""/>
+        <p:cNvGrpSpPr/>
+        <p:nvPr/>
+      </p:nvGrpSpPr>
+      <p:grpSpPr>
+        <a:xfrm>
+          <a:off x="0" y="0"/>
+          <a:ext cx="0" cy="0"/>
+          <a:chOff x="0" y="0"/>
+          <a:chExt cx="0" cy="0"/>
+        </a:xfrm>
+      </p:grpSpPr>
+      <p:pic>
+        <p:nvPicPr>
+          <p:cNvPr id="2" name="Picture 1"/>
+          <p:cNvPicPr>
+            <a:picLocks noChangeAspect="1"/>
+          </p:cNvPicPr>
+          <p:nvPr/>
+        </p:nvPicPr>
+        <p:blipFill>
+          <a:blip r:embed="rId2" cstate="print">
+            <a:clrChange>
+              <a:clrFrom>
+                <a:srgbClr val="020003"/>
+              </a:clrFrom>
+              <a:clrTo>
+                <a:srgbClr val="020003">
+                  <a:alpha val="0"/>
+                </a:srgbClr>
+              </a:clrTo>
+            </a:clrChange>
+            <a:extLst>
+              <a:ext uri="{28A0092B-C50C-407E-A947-70E740481C1C}">
+                <a14:useLocalDpi xmlns:a14="http://schemas.microsoft.com/office/drawing/2010/main" val="0"/>
+              </a:ext>
+            </a:extLst>
+          </a:blip>
+          <a:stretch>
+            <a:fillRect/>
+          </a:stretch>
+        </p:blipFill>
+        <p:spPr>
+          <a:xfrm>
+            <a:off x="2209800" y="1219200"/>
+            <a:ext cx="4648200" cy="4653371"/>
+          </a:xfrm>
+          <a:prstGeom prst="rect">
+            <a:avLst/>
+          </a:prstGeom>
+        </p:spPr>
+      </p:pic>
+    </p:spTree>
+    <p:extLst>
+      <p:ext uri="{BB962C8B-B14F-4D97-AF65-F5344CB8AC3E}">
+        <p14:creationId xmlns:p14="http://schemas.microsoft.com/office/powerpoint/2010/main" val="2139863441"/>
+      </p:ext>
+    </p:extLst>
+  </p:cSld>
+  <p:clrMapOvr>
+    <a:masterClrMapping/>
+  </p:clrMapOvr>
+  <p:transition>
+    <p:fade/>
+  </p:transition>
+</p:sld>
+</file>
+
+<file path=ppt/slides/slide5.xml><?xml version="1.0" encoding="utf-8"?>
+<p:sld xmlns:a="http://schemas.openxmlformats.org/drawingml/2006/main" xmlns:r="http://schemas.openxmlformats.org/officeDocument/2006/relationships" xmlns:p="http://schemas.openxmlformats.org/presentationml/2006/main">
+  <p:cSld>
+    <p:spTree>
+      <p:nvGrpSpPr>
+        <p:cNvPr id="1" name=""/>
+        <p:cNvGrpSpPr/>
+        <p:nvPr/>
+      </p:nvGrpSpPr>
+      <p:grpSpPr>
+        <a:xfrm>
+          <a:off x="0" y="0"/>
+          <a:ext cx="0" cy="0"/>
+          <a:chOff x="0" y="0"/>
+          <a:chExt cx="0" cy="0"/>
+        </a:xfrm>
+      </p:grpSpPr>
+      <p:sp>
+        <p:nvSpPr>
+          <p:cNvPr id="2" name="Title 1"/>
+          <p:cNvSpPr>
+            <a:spLocks noGrp="1"/>
+          </p:cNvSpPr>
+          <p:nvPr>
+            <p:ph type="title"/>
+          </p:nvPr>
+        </p:nvSpPr>
+        <p:spPr>
+          <a:xfrm>
+            <a:off x="381000" y="230188"/>
+            <a:ext cx="8382000" cy="1163395"/>
+          </a:xfrm>
+        </p:spPr>
+        <p:txBody>
+          <a:bodyPr>
+            <a:normAutofit/>
+          </a:bodyPr>
+          <a:lstStyle/>
+          <a:p>
+            <a:r>
+              <a:rPr lang="en-US" dirty="0" smtClean="0"/>
+              <a:t>Generic Programming</a:t>
+            </a:r>
+            <a:br>
+              <a:rPr lang="en-US" dirty="0" smtClean="0"/>
+            </a:br>
+            <a:r>
+              <a:rPr lang="en-US" sz="3600" dirty="0" smtClean="0">
+                <a:solidFill>
+                  <a:schemeClr val="tx2"/>
+                </a:solidFill>
+              </a:rPr>
+              <a:t>Abstracting logic from data</a:t>
+            </a:r>
+            <a:endParaRPr lang="en-US" dirty="0">
+              <a:solidFill>
+                <a:schemeClr val="tx2"/>
+              </a:solidFill>
+            </a:endParaRPr>
+          </a:p>
+        </p:txBody>
+      </p:sp>
+      <p:sp>
+        <p:nvSpPr>
+          <p:cNvPr id="3" name="Text Placeholder 2"/>
+          <p:cNvSpPr>
+            <a:spLocks noGrp="1"/>
+          </p:cNvSpPr>
+          <p:nvPr>
+            <p:ph type="body" sz="quarter" idx="10"/>
+          </p:nvPr>
+        </p:nvSpPr>
+        <p:spPr>
+          <a:xfrm>
+            <a:off x="381000" y="1828800"/>
+            <a:ext cx="8382000" cy="3502497"/>
+          </a:xfrm>
+        </p:spPr>
+        <p:txBody>
+          <a:bodyPr>
+            <a:normAutofit/>
+          </a:bodyPr>
+          <a:lstStyle/>
+          <a:p>
+            <a:r>
+              <a:rPr lang="en-US" dirty="0" smtClean="0"/>
+              <a:t>Inspired by abstract algebra</a:t>
+            </a:r>
+          </a:p>
+          <a:p>
+            <a:pPr lvl="1"/>
+            <a:r>
+              <a:rPr lang="en-US" dirty="0" smtClean="0"/>
+              <a:t>“Addition” can be any operation that follows the </a:t>
+            </a:r>
+            <a:r>
+              <a:rPr lang="en-US" i="1" dirty="0" smtClean="0"/>
+              <a:t>pattern</a:t>
+            </a:r>
+            <a:r>
+              <a:rPr lang="en-US" dirty="0" smtClean="0"/>
+              <a:t> of addition</a:t>
+            </a:r>
+          </a:p>
+          <a:p>
+            <a:pPr lvl="1"/>
+            <a:r>
+              <a:rPr lang="en-US" dirty="0" smtClean="0"/>
+              <a:t>The addition operation should:</a:t>
+            </a:r>
+          </a:p>
+          <a:p>
+            <a:pPr lvl="2"/>
+            <a:r>
+              <a:rPr lang="en-US" dirty="0" smtClean="0"/>
+              <a:t>Be associative</a:t>
+            </a:r>
+          </a:p>
+          <a:p>
+            <a:pPr lvl="2"/>
+            <a:r>
+              <a:rPr lang="en-US" dirty="0" smtClean="0"/>
+              <a:t>Be commutative</a:t>
+            </a:r>
+          </a:p>
+          <a:p>
+            <a:pPr lvl="2"/>
+            <a:r>
+              <a:rPr lang="en-US" dirty="0" smtClean="0"/>
+              <a:t>Have an identity element (e.g., 0, or the unknot)</a:t>
+            </a:r>
+          </a:p>
+        </p:txBody>
+      </p:sp>
+      <p:graphicFrame>
+        <p:nvGraphicFramePr>
+          <p:cNvPr id="5" name="Diagram 4"/>
+          <p:cNvGraphicFramePr/>
+          <p:nvPr>
+            <p:extLst>
+              <p:ext uri="{D42A27DB-BD31-4B8C-83A1-F6EECF244321}">
+                <p14:modId xmlns:p14="http://schemas.microsoft.com/office/powerpoint/2010/main" val="1420844482"/>
+              </p:ext>
+            </p:extLst>
+          </p:nvPr>
+        </p:nvGraphicFramePr>
+        <p:xfrm>
+          <a:off x="5181600" y="5029200"/>
+          <a:ext cx="3124200" cy="1676400"/>
+        </p:xfrm>
+        <a:graphic>
+          <a:graphicData uri="http://schemas.openxmlformats.org/drawingml/2006/diagram">
+            <dgm:relIds xmlns:dgm="http://schemas.openxmlformats.org/drawingml/2006/diagram" xmlns:r="http://schemas.openxmlformats.org/officeDocument/2006/relationships" r:dm="rId3" r:lo="rId4" r:qs="rId5" r:cs="rId6"/>
+          </a:graphicData>
+        </a:graphic>
+      </p:graphicFrame>
+    </p:spTree>
+    <p:extLst>
+      <p:ext uri="{BB962C8B-B14F-4D97-AF65-F5344CB8AC3E}">
+        <p14:creationId xmlns:p14="http://schemas.microsoft.com/office/powerpoint/2010/main" val="181375898"/>
+      </p:ext>
+    </p:extLst>
+  </p:cSld>
+  <p:clrMapOvr>
+    <a:masterClrMapping/>
+  </p:clrMapOvr>
+  <p:transition>
+    <p:fade/>
+  </p:transition>
+  <p:timing>
+    <p:tnLst>
+      <p:par>
+        <p:cTn id="1" dur="indefinite" restart="never" nodeType="tmRoot"/>
+      </p:par>
+    </p:tnLst>
+  </p:timing>
+</p:sld>
+</file>
+
+<file path=ppt/slides/slide6.xml><?xml version="1.0" encoding="utf-8"?>
 <p:sld xmlns:a="http://schemas.openxmlformats.org/drawingml/2006/main" xmlns:r="http://schemas.openxmlformats.org/officeDocument/2006/relationships" xmlns:p="http://schemas.openxmlformats.org/presentationml/2006/main">
   <p:cSld>
     <p:spTree>
@@ -33245,7 +34011,7 @@
 </p:sld>
 </file>
 
-<file path=ppt/slides/slide5.xml><?xml version="1.0" encoding="utf-8"?>
+<file path=ppt/slides/slide7.xml><?xml version="1.0" encoding="utf-8"?>
 <p:sld xmlns:a="http://schemas.openxmlformats.org/drawingml/2006/main" xmlns:r="http://schemas.openxmlformats.org/officeDocument/2006/relationships" xmlns:p="http://schemas.openxmlformats.org/presentationml/2006/main">
   <p:cSld>
     <p:spTree>
@@ -33387,7 +34153,7 @@
 </p:sld>
 </file>
 
-<file path=ppt/slides/slide6.xml><?xml version="1.0" encoding="utf-8"?>
+<file path=ppt/slides/slide8.xml><?xml version="1.0" encoding="utf-8"?>
 <p:sld xmlns:a="http://schemas.openxmlformats.org/drawingml/2006/main" xmlns:r="http://schemas.openxmlformats.org/officeDocument/2006/relationships" xmlns:p="http://schemas.openxmlformats.org/presentationml/2006/main">
   <p:cSld>
     <p:spTree>
@@ -33553,7 +34319,7 @@
 </p:sld>
 </file>
 
-<file path=ppt/slides/slide7.xml><?xml version="1.0" encoding="utf-8"?>
+<file path=ppt/slides/slide9.xml><?xml version="1.0" encoding="utf-8"?>
 <p:sld xmlns:a="http://schemas.openxmlformats.org/drawingml/2006/main" xmlns:r="http://schemas.openxmlformats.org/officeDocument/2006/relationships" xmlns:p="http://schemas.openxmlformats.org/presentationml/2006/main">
   <p:cSld>
     <p:spTree>
@@ -33699,379 +34465,6 @@
     <p:extLst>
       <p:ext uri="{BB962C8B-B14F-4D97-AF65-F5344CB8AC3E}">
         <p14:creationId xmlns:p14="http://schemas.microsoft.com/office/powerpoint/2010/main" val="4038856037"/>
-      </p:ext>
-    </p:extLst>
-  </p:cSld>
-  <p:clrMapOvr>
-    <a:masterClrMapping/>
-  </p:clrMapOvr>
-  <p:transition>
-    <p:fade/>
-  </p:transition>
-  <p:timing>
-    <p:tnLst>
-      <p:par>
-        <p:cTn id="1" dur="indefinite" restart="never" nodeType="tmRoot"/>
-      </p:par>
-    </p:tnLst>
-  </p:timing>
-</p:sld>
-</file>
-
-<file path=ppt/slides/slide8.xml><?xml version="1.0" encoding="utf-8"?>
-<p:sld xmlns:a="http://schemas.openxmlformats.org/drawingml/2006/main" xmlns:r="http://schemas.openxmlformats.org/officeDocument/2006/relationships" xmlns:p="http://schemas.openxmlformats.org/presentationml/2006/main">
-  <p:cSld>
-    <p:spTree>
-      <p:nvGrpSpPr>
-        <p:cNvPr id="1" name=""/>
-        <p:cNvGrpSpPr/>
-        <p:nvPr/>
-      </p:nvGrpSpPr>
-      <p:grpSpPr>
-        <a:xfrm>
-          <a:off x="0" y="0"/>
-          <a:ext cx="0" cy="0"/>
-          <a:chOff x="0" y="0"/>
-          <a:chExt cx="0" cy="0"/>
-        </a:xfrm>
-      </p:grpSpPr>
-      <p:sp>
-        <p:nvSpPr>
-          <p:cNvPr id="2" name="Title 1"/>
-          <p:cNvSpPr>
-            <a:spLocks noGrp="1"/>
-          </p:cNvSpPr>
-          <p:nvPr>
-            <p:ph type="title"/>
-          </p:nvPr>
-        </p:nvSpPr>
-        <p:spPr>
-          <a:xfrm>
-            <a:off x="381000" y="230188"/>
-            <a:ext cx="8382000" cy="912812"/>
-          </a:xfrm>
-        </p:spPr>
-        <p:txBody>
-          <a:bodyPr>
-            <a:normAutofit fontScale="90000"/>
-          </a:bodyPr>
-          <a:lstStyle/>
-          <a:p>
-            <a:r>
-              <a:rPr lang="en-US" dirty="0" smtClean="0"/>
-              <a:t>Agent-Based Modeling</a:t>
-            </a:r>
-            <a:br>
-              <a:rPr lang="en-US" dirty="0" smtClean="0"/>
-            </a:br>
-            <a:endParaRPr lang="en-US" dirty="0">
-              <a:solidFill>
-                <a:schemeClr val="tx2"/>
-              </a:solidFill>
-            </a:endParaRPr>
-          </a:p>
-        </p:txBody>
-      </p:sp>
-      <p:sp>
-        <p:nvSpPr>
-          <p:cNvPr id="3" name="Text Placeholder 2"/>
-          <p:cNvSpPr>
-            <a:spLocks noGrp="1"/>
-          </p:cNvSpPr>
-          <p:nvPr>
-            <p:ph type="body" sz="quarter" idx="10"/>
-          </p:nvPr>
-        </p:nvSpPr>
-        <p:spPr>
-          <a:xfrm>
-            <a:off x="381000" y="990600"/>
-            <a:ext cx="8382000" cy="2209800"/>
-          </a:xfrm>
-        </p:spPr>
-        <p:txBody>
-          <a:bodyPr>
-            <a:normAutofit/>
-          </a:bodyPr>
-          <a:lstStyle/>
-          <a:p>
-            <a:r>
-              <a:rPr lang="en-US" dirty="0" smtClean="0"/>
-              <a:t>Example: Schelling’s segregation model</a:t>
-            </a:r>
-          </a:p>
-          <a:p>
-            <a:pPr lvl="1"/>
-            <a:r>
-              <a:rPr lang="en-US" dirty="0" smtClean="0"/>
-              <a:t>Agent’s preferences are just not to be too small a minority, not for fully segregated neighborhoods</a:t>
-            </a:r>
-          </a:p>
-          <a:p>
-            <a:pPr lvl="1"/>
-            <a:r>
-              <a:rPr lang="en-US" dirty="0" smtClean="0"/>
-              <a:t>But that can be the result anyway:</a:t>
-            </a:r>
-          </a:p>
-        </p:txBody>
-      </p:sp>
-      <p:pic>
-        <p:nvPicPr>
-          <p:cNvPr id="5" name="Picture 4" descr="segregation.png"/>
-          <p:cNvPicPr>
-            <a:picLocks noChangeAspect="1"/>
-          </p:cNvPicPr>
-          <p:nvPr/>
-        </p:nvPicPr>
-        <p:blipFill>
-          <a:blip r:embed="rId3">
-            <a:extLst>
-              <a:ext uri="{28A0092B-C50C-407E-A947-70E740481C1C}">
-                <a14:useLocalDpi xmlns:a14="http://schemas.microsoft.com/office/drawing/2010/main" val="0"/>
-              </a:ext>
-            </a:extLst>
-          </a:blip>
-          <a:stretch>
-            <a:fillRect/>
-          </a:stretch>
-        </p:blipFill>
-        <p:spPr>
-          <a:xfrm>
-            <a:off x="3581400" y="3048000"/>
-            <a:ext cx="4699000" cy="3524250"/>
-          </a:xfrm>
-          <a:prstGeom prst="rect">
-            <a:avLst/>
-          </a:prstGeom>
-        </p:spPr>
-      </p:pic>
-    </p:spTree>
-    <p:extLst>
-      <p:ext uri="{BB962C8B-B14F-4D97-AF65-F5344CB8AC3E}">
-        <p14:creationId xmlns:p14="http://schemas.microsoft.com/office/powerpoint/2010/main" val="1235514271"/>
-      </p:ext>
-    </p:extLst>
-  </p:cSld>
-  <p:clrMapOvr>
-    <a:masterClrMapping/>
-  </p:clrMapOvr>
-  <p:transition>
-    <p:fade/>
-  </p:transition>
-  <p:timing>
-    <p:tnLst>
-      <p:par>
-        <p:cTn id="1" dur="indefinite" restart="never" nodeType="tmRoot"/>
-      </p:par>
-    </p:tnLst>
-  </p:timing>
-</p:sld>
-</file>
-
-<file path=ppt/slides/slide9.xml><?xml version="1.0" encoding="utf-8"?>
-<p:sld xmlns:a="http://schemas.openxmlformats.org/drawingml/2006/main" xmlns:r="http://schemas.openxmlformats.org/officeDocument/2006/relationships" xmlns:p="http://schemas.openxmlformats.org/presentationml/2006/main">
-  <p:cSld>
-    <p:spTree>
-      <p:nvGrpSpPr>
-        <p:cNvPr id="1" name=""/>
-        <p:cNvGrpSpPr/>
-        <p:nvPr/>
-      </p:nvGrpSpPr>
-      <p:grpSpPr>
-        <a:xfrm>
-          <a:off x="0" y="0"/>
-          <a:ext cx="0" cy="0"/>
-          <a:chOff x="0" y="0"/>
-          <a:chExt cx="0" cy="0"/>
-        </a:xfrm>
-      </p:grpSpPr>
-      <p:sp>
-        <p:nvSpPr>
-          <p:cNvPr id="2" name="Title 1"/>
-          <p:cNvSpPr>
-            <a:spLocks noGrp="1"/>
-          </p:cNvSpPr>
-          <p:nvPr>
-            <p:ph type="title"/>
-          </p:nvPr>
-        </p:nvSpPr>
-        <p:spPr>
-          <a:xfrm>
-            <a:off x="381000" y="230188"/>
-            <a:ext cx="8382000" cy="677108"/>
-          </a:xfrm>
-        </p:spPr>
-        <p:txBody>
-          <a:bodyPr/>
-          <a:lstStyle/>
-          <a:p>
-            <a:r>
-              <a:rPr lang="en-US" dirty="0" smtClean="0"/>
-              <a:t>How to Do Generic Programming</a:t>
-            </a:r>
-            <a:endParaRPr lang="en-US" dirty="0"/>
-          </a:p>
-        </p:txBody>
-      </p:sp>
-      <p:sp>
-        <p:nvSpPr>
-          <p:cNvPr id="3" name="Text Placeholder 2"/>
-          <p:cNvSpPr>
-            <a:spLocks noGrp="1"/>
-          </p:cNvSpPr>
-          <p:nvPr>
-            <p:ph type="body" sz="quarter" idx="10"/>
-          </p:nvPr>
-        </p:nvSpPr>
-        <p:spPr>
-          <a:xfrm>
-            <a:off x="381000" y="1125149"/>
-            <a:ext cx="8382000" cy="5580451"/>
-          </a:xfrm>
-        </p:spPr>
-        <p:txBody>
-          <a:bodyPr/>
-          <a:lstStyle/>
-          <a:p>
-            <a:r>
-              <a:rPr lang="en-US" dirty="0"/>
-              <a:t>In </a:t>
-            </a:r>
-            <a:r>
-              <a:rPr lang="en-US" dirty="0" smtClean="0"/>
-              <a:t>math, the process </a:t>
-            </a:r>
-            <a:r>
-              <a:rPr lang="en-US" dirty="0"/>
-              <a:t>of generalization </a:t>
-            </a:r>
-            <a:r>
-              <a:rPr lang="en-US" dirty="0" smtClean="0"/>
-              <a:t>was</a:t>
-            </a:r>
-            <a:r>
-              <a:rPr lang="en-US" dirty="0"/>
-              <a:t>:</a:t>
-            </a:r>
-          </a:p>
-          <a:p>
-            <a:pPr lvl="1"/>
-            <a:r>
-              <a:rPr lang="en-US" dirty="0"/>
-              <a:t>Common measures</a:t>
-            </a:r>
-          </a:p>
-          <a:p>
-            <a:pPr lvl="1"/>
-            <a:r>
-              <a:rPr lang="en-US" dirty="0"/>
-              <a:t>Natural numbers </a:t>
-            </a:r>
-          </a:p>
-          <a:p>
-            <a:pPr lvl="1"/>
-            <a:r>
-              <a:rPr lang="en-US" dirty="0"/>
-              <a:t>Integers</a:t>
-            </a:r>
-          </a:p>
-          <a:p>
-            <a:pPr lvl="1"/>
-            <a:r>
-              <a:rPr lang="en-US" dirty="0"/>
-              <a:t>Rational numbers</a:t>
-            </a:r>
-          </a:p>
-          <a:p>
-            <a:pPr lvl="1"/>
-            <a:r>
-              <a:rPr lang="en-US" dirty="0"/>
-              <a:t>Polynomials</a:t>
-            </a:r>
-          </a:p>
-          <a:p>
-            <a:pPr lvl="1"/>
-            <a:r>
-              <a:rPr lang="en-US" dirty="0"/>
-              <a:t>Real </a:t>
-            </a:r>
-            <a:r>
-              <a:rPr lang="en-US" dirty="0" smtClean="0"/>
-              <a:t>numbers</a:t>
-            </a:r>
-          </a:p>
-          <a:p>
-            <a:pPr lvl="1"/>
-            <a:r>
-              <a:rPr lang="en-US" dirty="0" smtClean="0"/>
-              <a:t>Complex </a:t>
-            </a:r>
-            <a:r>
-              <a:rPr lang="en-US" dirty="0"/>
-              <a:t>numbers</a:t>
-            </a:r>
-          </a:p>
-          <a:p>
-            <a:pPr lvl="1"/>
-            <a:r>
-              <a:rPr lang="en-US" dirty="0" smtClean="0"/>
-              <a:t>Groups</a:t>
-            </a:r>
-          </a:p>
-          <a:p>
-            <a:pPr lvl="1"/>
-            <a:r>
-              <a:rPr lang="en-US" dirty="0" smtClean="0"/>
-              <a:t>Rings</a:t>
-            </a:r>
-            <a:endParaRPr lang="en-US" dirty="0"/>
-          </a:p>
-          <a:p>
-            <a:pPr lvl="1"/>
-            <a:r>
-              <a:rPr lang="en-US" dirty="0"/>
-              <a:t>Fields</a:t>
-            </a:r>
-          </a:p>
-          <a:p>
-            <a:endParaRPr lang="en-US" dirty="0"/>
-          </a:p>
-        </p:txBody>
-      </p:sp>
-      <p:pic>
-        <p:nvPicPr>
-          <p:cNvPr id="4" name="Picture 3" descr="Stonehenge.jpg"/>
-          <p:cNvPicPr>
-            <a:picLocks noChangeAspect="1"/>
-          </p:cNvPicPr>
-          <p:nvPr/>
-        </p:nvPicPr>
-        <p:blipFill>
-          <a:blip r:embed="rId2">
-            <a:extLst>
-              <a:ext uri="{28A0092B-C50C-407E-A947-70E740481C1C}">
-                <a14:useLocalDpi xmlns:a14="http://schemas.microsoft.com/office/drawing/2010/main" val="0"/>
-              </a:ext>
-            </a:extLst>
-          </a:blip>
-          <a:stretch>
-            <a:fillRect/>
-          </a:stretch>
-        </p:blipFill>
-        <p:spPr>
-          <a:xfrm>
-            <a:off x="4521200" y="3048000"/>
-            <a:ext cx="4140200" cy="3105150"/>
-          </a:xfrm>
-          <a:prstGeom prst="rect">
-            <a:avLst/>
-          </a:prstGeom>
-        </p:spPr>
-      </p:pic>
-    </p:spTree>
-    <p:extLst>
-      <p:ext uri="{BB962C8B-B14F-4D97-AF65-F5344CB8AC3E}">
-        <p14:creationId xmlns:p14="http://schemas.microsoft.com/office/powerpoint/2010/main" val="2427681662"/>
       </p:ext>
     </p:extLst>
   </p:cSld>

--- a/docs/ABMsAsAlgebraic.pptx
+++ b/docs/ABMsAsAlgebraic.pptx
@@ -6,45 +6,47 @@
     <p:sldMasterId id="2147483674" r:id="rId5"/>
   </p:sldMasterIdLst>
   <p:notesMasterIdLst>
-    <p:notesMasterId r:id="rId42"/>
+    <p:notesMasterId r:id="rId44"/>
   </p:notesMasterIdLst>
   <p:sldIdLst>
     <p:sldId id="257" r:id="rId6"/>
     <p:sldId id="259" r:id="rId7"/>
     <p:sldId id="313" r:id="rId8"/>
-    <p:sldId id="315" r:id="rId9"/>
-    <p:sldId id="289" r:id="rId10"/>
-    <p:sldId id="266" r:id="rId11"/>
-    <p:sldId id="267" r:id="rId12"/>
-    <p:sldId id="269" r:id="rId13"/>
-    <p:sldId id="270" r:id="rId14"/>
-    <p:sldId id="271" r:id="rId15"/>
-    <p:sldId id="282" r:id="rId16"/>
-    <p:sldId id="283" r:id="rId17"/>
-    <p:sldId id="284" r:id="rId18"/>
-    <p:sldId id="291" r:id="rId19"/>
-    <p:sldId id="292" r:id="rId20"/>
-    <p:sldId id="311" r:id="rId21"/>
-    <p:sldId id="293" r:id="rId22"/>
-    <p:sldId id="294" r:id="rId23"/>
-    <p:sldId id="295" r:id="rId24"/>
-    <p:sldId id="296" r:id="rId25"/>
-    <p:sldId id="297" r:id="rId26"/>
-    <p:sldId id="299" r:id="rId27"/>
-    <p:sldId id="301" r:id="rId28"/>
-    <p:sldId id="302" r:id="rId29"/>
-    <p:sldId id="303" r:id="rId30"/>
-    <p:sldId id="304" r:id="rId31"/>
-    <p:sldId id="305" r:id="rId32"/>
-    <p:sldId id="306" r:id="rId33"/>
-    <p:sldId id="312" r:id="rId34"/>
-    <p:sldId id="290" r:id="rId35"/>
-    <p:sldId id="268" r:id="rId36"/>
-    <p:sldId id="307" r:id="rId37"/>
-    <p:sldId id="308" r:id="rId38"/>
-    <p:sldId id="309" r:id="rId39"/>
-    <p:sldId id="310" r:id="rId40"/>
-    <p:sldId id="314" r:id="rId41"/>
+    <p:sldId id="316" r:id="rId9"/>
+    <p:sldId id="315" r:id="rId10"/>
+    <p:sldId id="289" r:id="rId11"/>
+    <p:sldId id="266" r:id="rId12"/>
+    <p:sldId id="267" r:id="rId13"/>
+    <p:sldId id="269" r:id="rId14"/>
+    <p:sldId id="270" r:id="rId15"/>
+    <p:sldId id="271" r:id="rId16"/>
+    <p:sldId id="282" r:id="rId17"/>
+    <p:sldId id="283" r:id="rId18"/>
+    <p:sldId id="284" r:id="rId19"/>
+    <p:sldId id="291" r:id="rId20"/>
+    <p:sldId id="317" r:id="rId21"/>
+    <p:sldId id="292" r:id="rId22"/>
+    <p:sldId id="311" r:id="rId23"/>
+    <p:sldId id="293" r:id="rId24"/>
+    <p:sldId id="294" r:id="rId25"/>
+    <p:sldId id="295" r:id="rId26"/>
+    <p:sldId id="296" r:id="rId27"/>
+    <p:sldId id="297" r:id="rId28"/>
+    <p:sldId id="299" r:id="rId29"/>
+    <p:sldId id="301" r:id="rId30"/>
+    <p:sldId id="302" r:id="rId31"/>
+    <p:sldId id="303" r:id="rId32"/>
+    <p:sldId id="304" r:id="rId33"/>
+    <p:sldId id="305" r:id="rId34"/>
+    <p:sldId id="306" r:id="rId35"/>
+    <p:sldId id="312" r:id="rId36"/>
+    <p:sldId id="290" r:id="rId37"/>
+    <p:sldId id="268" r:id="rId38"/>
+    <p:sldId id="307" r:id="rId39"/>
+    <p:sldId id="308" r:id="rId40"/>
+    <p:sldId id="309" r:id="rId41"/>
+    <p:sldId id="310" r:id="rId42"/>
+    <p:sldId id="314" r:id="rId43"/>
   </p:sldIdLst>
   <p:sldSz cx="9144000" cy="6858000" type="screen4x3"/>
   <p:notesSz cx="6858000" cy="9144000"/>
@@ -23577,7 +23579,7 @@
             <a:fld id="{AB1CDEB6-C0D8-439D-94AA-7569540F08E4}" type="datetimeFigureOut">
               <a:rPr lang="en-US" smtClean="0"/>
               <a:pPr/>
-              <a:t>6/17/16</a:t>
+              <a:t>6/19/16</a:t>
             </a:fld>
             <a:endParaRPr lang="en-US"/>
           </a:p>
@@ -23935,7 +23937,7 @@
             <a:fld id="{81331B57-0BE5-4F82-AA58-76F53EFF3ADA}" type="datetime8">
               <a:rPr lang="en-US" smtClean="0"/>
               <a:pPr/>
-              <a:t>6/17/16 2:49 PM</a:t>
+              <a:t>6/19/16 1:58 AM</a:t>
             </a:fld>
             <a:endParaRPr lang="en-US" dirty="0"/>
           </a:p>
@@ -24129,7 +24131,7 @@
             <a:fld id="{81331B57-0BE5-4F82-AA58-76F53EFF3ADA}" type="datetime8">
               <a:rPr lang="en-US" smtClean="0"/>
               <a:pPr/>
-              <a:t>6/17/16 2:49 PM</a:t>
+              <a:t>6/19/16 1:58 AM</a:t>
             </a:fld>
             <a:endParaRPr lang="en-US"/>
           </a:p>
@@ -24207,7 +24209,7 @@
             <a:fld id="{EC87E0CF-87F6-4B58-B8B8-DCAB2DAAF3CA}" type="slidenum">
               <a:rPr lang="en-US" smtClean="0"/>
               <a:pPr/>
-              <a:t>31</a:t>
+              <a:t>33</a:t>
             </a:fld>
             <a:endParaRPr lang="en-US" dirty="0"/>
           </a:p>
@@ -24313,7 +24315,7 @@
             <a:fld id="{81331B57-0BE5-4F82-AA58-76F53EFF3ADA}" type="datetime8">
               <a:rPr lang="en-US" smtClean="0"/>
               <a:pPr/>
-              <a:t>6/17/16 2:49 PM</a:t>
+              <a:t>6/19/16 1:58 AM</a:t>
             </a:fld>
             <a:endParaRPr lang="en-US"/>
           </a:p>
@@ -24497,7 +24499,7 @@
             <a:fld id="{81331B57-0BE5-4F82-AA58-76F53EFF3ADA}" type="datetime8">
               <a:rPr lang="en-US" smtClean="0"/>
               <a:pPr/>
-              <a:t>6/17/16 2:49 PM</a:t>
+              <a:t>6/19/16 1:58 AM</a:t>
             </a:fld>
             <a:endParaRPr lang="en-US"/>
           </a:p>
@@ -24575,7 +24577,7 @@
             <a:fld id="{EC87E0CF-87F6-4B58-B8B8-DCAB2DAAF3CA}" type="slidenum">
               <a:rPr lang="en-US" smtClean="0"/>
               <a:pPr/>
-              <a:t>5</a:t>
+              <a:t>6</a:t>
             </a:fld>
             <a:endParaRPr lang="en-US" dirty="0"/>
           </a:p>
@@ -24681,7 +24683,7 @@
             <a:fld id="{81331B57-0BE5-4F82-AA58-76F53EFF3ADA}" type="datetime8">
               <a:rPr lang="en-US" smtClean="0"/>
               <a:pPr/>
-              <a:t>6/17/16 2:49 PM</a:t>
+              <a:t>6/19/16 1:58 AM</a:t>
             </a:fld>
             <a:endParaRPr lang="en-US"/>
           </a:p>
@@ -24759,7 +24761,7 @@
             <a:fld id="{EC87E0CF-87F6-4B58-B8B8-DCAB2DAAF3CA}" type="slidenum">
               <a:rPr lang="en-US" smtClean="0"/>
               <a:pPr/>
-              <a:t>6</a:t>
+              <a:t>7</a:t>
             </a:fld>
             <a:endParaRPr lang="en-US" dirty="0"/>
           </a:p>
@@ -24865,7 +24867,7 @@
             <a:fld id="{81331B57-0BE5-4F82-AA58-76F53EFF3ADA}" type="datetime8">
               <a:rPr lang="en-US" smtClean="0"/>
               <a:pPr/>
-              <a:t>6/17/16 2:49 PM</a:t>
+              <a:t>6/19/16 1:58 AM</a:t>
             </a:fld>
             <a:endParaRPr lang="en-US"/>
           </a:p>
@@ -24943,7 +24945,7 @@
             <a:fld id="{EC87E0CF-87F6-4B58-B8B8-DCAB2DAAF3CA}" type="slidenum">
               <a:rPr lang="en-US" smtClean="0"/>
               <a:pPr/>
-              <a:t>7</a:t>
+              <a:t>8</a:t>
             </a:fld>
             <a:endParaRPr lang="en-US" dirty="0"/>
           </a:p>
@@ -25049,7 +25051,7 @@
             <a:fld id="{81331B57-0BE5-4F82-AA58-76F53EFF3ADA}" type="datetime8">
               <a:rPr lang="en-US" smtClean="0"/>
               <a:pPr/>
-              <a:t>6/17/16 2:49 PM</a:t>
+              <a:t>6/19/16 1:58 AM</a:t>
             </a:fld>
             <a:endParaRPr lang="en-US"/>
           </a:p>
@@ -25127,7 +25129,7 @@
             <a:fld id="{EC87E0CF-87F6-4B58-B8B8-DCAB2DAAF3CA}" type="slidenum">
               <a:rPr lang="en-US" smtClean="0"/>
               <a:pPr/>
-              <a:t>8</a:t>
+              <a:t>9</a:t>
             </a:fld>
             <a:endParaRPr lang="en-US" dirty="0"/>
           </a:p>
@@ -25233,7 +25235,7 @@
             <a:fld id="{81331B57-0BE5-4F82-AA58-76F53EFF3ADA}" type="datetime8">
               <a:rPr lang="en-US" smtClean="0"/>
               <a:pPr/>
-              <a:t>6/17/16 2:49 PM</a:t>
+              <a:t>6/19/16 1:58 AM</a:t>
             </a:fld>
             <a:endParaRPr lang="en-US"/>
           </a:p>
@@ -25311,7 +25313,7 @@
             <a:fld id="{EC87E0CF-87F6-4B58-B8B8-DCAB2DAAF3CA}" type="slidenum">
               <a:rPr lang="en-US" smtClean="0"/>
               <a:pPr/>
-              <a:t>9</a:t>
+              <a:t>10</a:t>
             </a:fld>
             <a:endParaRPr lang="en-US" dirty="0"/>
           </a:p>
@@ -25417,7 +25419,7 @@
             <a:fld id="{81331B57-0BE5-4F82-AA58-76F53EFF3ADA}" type="datetime8">
               <a:rPr lang="en-US" smtClean="0"/>
               <a:pPr/>
-              <a:t>6/17/16 2:49 PM</a:t>
+              <a:t>6/19/16 1:58 AM</a:t>
             </a:fld>
             <a:endParaRPr lang="en-US"/>
           </a:p>
@@ -25495,7 +25497,7 @@
             <a:fld id="{EC87E0CF-87F6-4B58-B8B8-DCAB2DAAF3CA}" type="slidenum">
               <a:rPr lang="en-US" smtClean="0"/>
               <a:pPr/>
-              <a:t>10</a:t>
+              <a:t>11</a:t>
             </a:fld>
             <a:endParaRPr lang="en-US" dirty="0"/>
           </a:p>
@@ -25580,7 +25582,7 @@
             <a:fld id="{033A6C6C-526F-4C16-B273-CA96130954AF}" type="slidenum">
               <a:rPr lang="en-US" smtClean="0"/>
               <a:pPr/>
-              <a:t>18</a:t>
+              <a:t>20</a:t>
             </a:fld>
             <a:endParaRPr lang="en-US"/>
           </a:p>
@@ -28908,6 +28910,171 @@
         <p:spPr>
           <a:xfrm>
             <a:off x="381000" y="230188"/>
+            <a:ext cx="8382000" cy="760412"/>
+          </a:xfrm>
+        </p:spPr>
+        <p:txBody>
+          <a:bodyPr>
+            <a:normAutofit fontScale="90000"/>
+          </a:bodyPr>
+          <a:lstStyle/>
+          <a:p>
+            <a:r>
+              <a:rPr lang="en-US" smtClean="0"/>
+              <a:t>Agent-Based Modeling </a:t>
+            </a:r>
+            <a:r>
+              <a:rPr lang="en-US"/>
+              <a:t>(ABM)</a:t>
+            </a:r>
+            <a:r>
+              <a:rPr lang="en-US" dirty="0" smtClean="0"/>
+              <a:t/>
+            </a:r>
+            <a:br>
+              <a:rPr lang="en-US" dirty="0" smtClean="0"/>
+            </a:br>
+            <a:endParaRPr lang="en-US" dirty="0">
+              <a:solidFill>
+                <a:schemeClr val="tx2"/>
+              </a:solidFill>
+            </a:endParaRPr>
+          </a:p>
+        </p:txBody>
+      </p:sp>
+      <p:sp>
+        <p:nvSpPr>
+          <p:cNvPr id="3" name="Text Placeholder 2"/>
+          <p:cNvSpPr>
+            <a:spLocks noGrp="1"/>
+          </p:cNvSpPr>
+          <p:nvPr>
+            <p:ph type="body" sz="quarter" idx="10"/>
+          </p:nvPr>
+        </p:nvSpPr>
+        <p:spPr>
+          <a:xfrm>
+            <a:off x="381000" y="990600"/>
+            <a:ext cx="8382000" cy="2209800"/>
+          </a:xfrm>
+        </p:spPr>
+        <p:txBody>
+          <a:bodyPr>
+            <a:normAutofit/>
+          </a:bodyPr>
+          <a:lstStyle/>
+          <a:p>
+            <a:r>
+              <a:rPr lang="en-US" dirty="0" smtClean="0"/>
+              <a:t>Example: a forest fire model</a:t>
+            </a:r>
+          </a:p>
+          <a:p>
+            <a:pPr lvl="1"/>
+            <a:r>
+              <a:rPr lang="en-US" dirty="0" smtClean="0"/>
+              <a:t>Lightening strikes randomly, starting a fire</a:t>
+            </a:r>
+          </a:p>
+          <a:p>
+            <a:pPr lvl="1"/>
+            <a:r>
+              <a:rPr lang="en-US" dirty="0" smtClean="0"/>
+              <a:t>Trees on fire ignite neighbors</a:t>
+            </a:r>
+          </a:p>
+          <a:p>
+            <a:pPr lvl="1"/>
+            <a:r>
+              <a:rPr lang="en-US" dirty="0" smtClean="0"/>
+              <a:t>Trees grow anew in burned out spots</a:t>
+            </a:r>
+          </a:p>
+        </p:txBody>
+      </p:sp>
+      <p:pic>
+        <p:nvPicPr>
+          <p:cNvPr id="4" name="Picture 3" descr="forest_fire.png"/>
+          <p:cNvPicPr>
+            <a:picLocks noChangeAspect="1"/>
+          </p:cNvPicPr>
+          <p:nvPr/>
+        </p:nvPicPr>
+        <p:blipFill>
+          <a:blip r:embed="rId3">
+            <a:extLst>
+              <a:ext uri="{28A0092B-C50C-407E-A947-70E740481C1C}">
+                <a14:useLocalDpi xmlns:a14="http://schemas.microsoft.com/office/drawing/2010/main" val="0"/>
+              </a:ext>
+            </a:extLst>
+          </a:blip>
+          <a:stretch>
+            <a:fillRect/>
+          </a:stretch>
+        </p:blipFill>
+        <p:spPr>
+          <a:xfrm>
+            <a:off x="3581400" y="3048000"/>
+            <a:ext cx="4724400" cy="3543300"/>
+          </a:xfrm>
+          <a:prstGeom prst="rect">
+            <a:avLst/>
+          </a:prstGeom>
+        </p:spPr>
+      </p:pic>
+    </p:spTree>
+    <p:extLst>
+      <p:ext uri="{BB962C8B-B14F-4D97-AF65-F5344CB8AC3E}">
+        <p14:creationId xmlns:p14="http://schemas.microsoft.com/office/powerpoint/2010/main" val="4038856037"/>
+      </p:ext>
+    </p:extLst>
+  </p:cSld>
+  <p:clrMapOvr>
+    <a:masterClrMapping/>
+  </p:clrMapOvr>
+  <p:transition>
+    <p:fade/>
+  </p:transition>
+  <p:timing>
+    <p:tnLst>
+      <p:par>
+        <p:cTn id="1" dur="indefinite" restart="never" nodeType="tmRoot"/>
+      </p:par>
+    </p:tnLst>
+  </p:timing>
+</p:sld>
+</file>
+
+<file path=ppt/slides/slide11.xml><?xml version="1.0" encoding="utf-8"?>
+<p:sld xmlns:a="http://schemas.openxmlformats.org/drawingml/2006/main" xmlns:r="http://schemas.openxmlformats.org/officeDocument/2006/relationships" xmlns:p="http://schemas.openxmlformats.org/presentationml/2006/main">
+  <p:cSld>
+    <p:spTree>
+      <p:nvGrpSpPr>
+        <p:cNvPr id="1" name=""/>
+        <p:cNvGrpSpPr/>
+        <p:nvPr/>
+      </p:nvGrpSpPr>
+      <p:grpSpPr>
+        <a:xfrm>
+          <a:off x="0" y="0"/>
+          <a:ext cx="0" cy="0"/>
+          <a:chOff x="0" y="0"/>
+          <a:chExt cx="0" cy="0"/>
+        </a:xfrm>
+      </p:grpSpPr>
+      <p:sp>
+        <p:nvSpPr>
+          <p:cNvPr id="2" name="Title 1"/>
+          <p:cNvSpPr>
+            <a:spLocks noGrp="1"/>
+          </p:cNvSpPr>
+          <p:nvPr>
+            <p:ph type="title"/>
+          </p:nvPr>
+        </p:nvSpPr>
+        <p:spPr>
+          <a:xfrm>
+            <a:off x="381000" y="230188"/>
             <a:ext cx="8382000" cy="912812"/>
           </a:xfrm>
         </p:spPr>
@@ -29028,7 +29195,7 @@
 </p:sld>
 </file>
 
-<file path=ppt/slides/slide11.xml><?xml version="1.0" encoding="utf-8"?>
+<file path=ppt/slides/slide12.xml><?xml version="1.0" encoding="utf-8"?>
 <p:sld xmlns:a="http://schemas.openxmlformats.org/drawingml/2006/main" xmlns:r="http://schemas.openxmlformats.org/officeDocument/2006/relationships" xmlns:p="http://schemas.openxmlformats.org/presentationml/2006/main">
   <p:cSld>
     <p:spTree>
@@ -29251,7 +29418,7 @@
 </p:sld>
 </file>
 
-<file path=ppt/slides/slide12.xml><?xml version="1.0" encoding="utf-8"?>
+<file path=ppt/slides/slide13.xml><?xml version="1.0" encoding="utf-8"?>
 <p:sld xmlns:a="http://schemas.openxmlformats.org/drawingml/2006/main" xmlns:r="http://schemas.openxmlformats.org/officeDocument/2006/relationships" xmlns:p="http://schemas.openxmlformats.org/presentationml/2006/main">
   <p:cSld>
     <p:spTree>
@@ -29507,7 +29674,7 @@
 </p:sld>
 </file>
 
-<file path=ppt/slides/slide13.xml><?xml version="1.0" encoding="utf-8"?>
+<file path=ppt/slides/slide14.xml><?xml version="1.0" encoding="utf-8"?>
 <p:sld xmlns:a="http://schemas.openxmlformats.org/drawingml/2006/main" xmlns:r="http://schemas.openxmlformats.org/officeDocument/2006/relationships" xmlns:p="http://schemas.openxmlformats.org/presentationml/2006/main">
   <p:cSld>
     <p:spTree>
@@ -29656,138 +29823,6 @@
     <p:extLst>
       <p:ext uri="{BB962C8B-B14F-4D97-AF65-F5344CB8AC3E}">
         <p14:creationId xmlns:p14="http://schemas.microsoft.com/office/powerpoint/2010/main" val="3526871055"/>
-      </p:ext>
-    </p:extLst>
-  </p:cSld>
-  <p:clrMapOvr>
-    <a:masterClrMapping/>
-  </p:clrMapOvr>
-  <p:transition>
-    <p:fade/>
-  </p:transition>
-  <p:timing>
-    <p:tnLst>
-      <p:par>
-        <p:cTn id="1" dur="indefinite" restart="never" nodeType="tmRoot"/>
-      </p:par>
-    </p:tnLst>
-  </p:timing>
-</p:sld>
-</file>
-
-<file path=ppt/slides/slide14.xml><?xml version="1.0" encoding="utf-8"?>
-<p:sld xmlns:a="http://schemas.openxmlformats.org/drawingml/2006/main" xmlns:r="http://schemas.openxmlformats.org/officeDocument/2006/relationships" xmlns:p="http://schemas.openxmlformats.org/presentationml/2006/main">
-  <p:cSld>
-    <p:spTree>
-      <p:nvGrpSpPr>
-        <p:cNvPr id="1" name=""/>
-        <p:cNvGrpSpPr/>
-        <p:nvPr/>
-      </p:nvGrpSpPr>
-      <p:grpSpPr>
-        <a:xfrm>
-          <a:off x="0" y="0"/>
-          <a:ext cx="0" cy="0"/>
-          <a:chOff x="0" y="0"/>
-          <a:chExt cx="0" cy="0"/>
-        </a:xfrm>
-      </p:grpSpPr>
-      <p:sp>
-        <p:nvSpPr>
-          <p:cNvPr id="2" name="Title 1"/>
-          <p:cNvSpPr>
-            <a:spLocks noGrp="1"/>
-          </p:cNvSpPr>
-          <p:nvPr>
-            <p:ph type="title"/>
-          </p:nvPr>
-        </p:nvSpPr>
-        <p:spPr>
-          <a:xfrm>
-            <a:off x="381000" y="230188"/>
-            <a:ext cx="8382000" cy="664797"/>
-          </a:xfrm>
-        </p:spPr>
-        <p:txBody>
-          <a:bodyPr/>
-          <a:lstStyle/>
-          <a:p>
-            <a:r>
-              <a:rPr lang="en-US" dirty="0" smtClean="0"/>
-              <a:t>An Algebraic Module</a:t>
-            </a:r>
-            <a:endParaRPr lang="en-US" dirty="0"/>
-          </a:p>
-        </p:txBody>
-      </p:sp>
-      <p:sp>
-        <p:nvSpPr>
-          <p:cNvPr id="3" name="Content Placeholder 2"/>
-          <p:cNvSpPr>
-            <a:spLocks noGrp="1"/>
-          </p:cNvSpPr>
-          <p:nvPr>
-            <p:ph type="body" sz="quarter" idx="10"/>
-          </p:nvPr>
-        </p:nvSpPr>
-        <p:spPr>
-          <a:xfrm>
-            <a:off x="381000" y="1676400"/>
-            <a:ext cx="8382000" cy="4505849"/>
-          </a:xfrm>
-        </p:spPr>
-        <p:txBody>
-          <a:bodyPr/>
-          <a:lstStyle/>
-          <a:p>
-            <a:r>
-              <a:rPr lang="en-US" sz="2800" dirty="0"/>
-              <a:t>To be a module an algebraic structure must contain a primary set that is an Abelian group, G, satisfying four group axioms: closure, associativity, identity and </a:t>
-            </a:r>
-            <a:r>
-              <a:rPr lang="en-US" sz="2800" dirty="0" err="1"/>
-              <a:t>invertibility</a:t>
-            </a:r>
-            <a:r>
-              <a:rPr lang="en-US" sz="2800" dirty="0"/>
-              <a:t>. There is an operator </a:t>
-            </a:r>
-            <a:r>
-              <a:rPr lang="en-US" sz="2800" dirty="0">
-                <a:sym typeface="Symbol" charset="2"/>
-              </a:rPr>
-              <a:t></a:t>
-            </a:r>
-            <a:r>
-              <a:rPr lang="en-US" sz="2800" dirty="0"/>
-              <a:t> which takes two elements of the group and yields an element, and its operation satisfies these axioms.</a:t>
-            </a:r>
-          </a:p>
-          <a:p>
-            <a:r>
-              <a:rPr lang="en-US" sz="2800" dirty="0"/>
-              <a:t>In addition, a module contains a secondary set, R, a ring of coefficients, with a second operation, </a:t>
-            </a:r>
-            <a:r>
-              <a:rPr lang="en-US" sz="2800" dirty="0">
-                <a:sym typeface="Symbol" charset="2"/>
-              </a:rPr>
-              <a:t></a:t>
-            </a:r>
-            <a:r>
-              <a:rPr lang="en-US" sz="2800" dirty="0"/>
-              <a:t>, which takes an element of R and an element of G and produces and element of G.</a:t>
-            </a:r>
-          </a:p>
-          <a:p>
-            <a:endParaRPr lang="en-US" dirty="0"/>
-          </a:p>
-        </p:txBody>
-      </p:sp>
-    </p:spTree>
-    <p:extLst>
-      <p:ext uri="{BB962C8B-B14F-4D97-AF65-F5344CB8AC3E}">
-        <p14:creationId xmlns:p14="http://schemas.microsoft.com/office/powerpoint/2010/main" val="1957043964"/>
       </p:ext>
     </p:extLst>
   </p:cSld>
@@ -29845,22 +29880,12 @@
           <a:lstStyle/>
           <a:p>
             <a:r>
-              <a:rPr lang="en-US" dirty="0" smtClean="0">
-                <a:effectLst/>
-              </a:rPr>
-              <a:t>ABM </a:t>
-            </a:r>
-            <a:r>
-              <a:rPr lang="en-US" dirty="0">
-                <a:effectLst/>
-              </a:rPr>
-              <a:t>Interaction as a </a:t>
-            </a:r>
-            <a:r>
-              <a:rPr lang="en-US" dirty="0" smtClean="0">
-                <a:effectLst/>
-              </a:rPr>
-              <a:t>Module</a:t>
+              <a:rPr lang="en-US" dirty="0" smtClean="0"/>
+              <a:t>An Algebraic </a:t>
+            </a:r>
+            <a:r>
+              <a:rPr lang="en-US" dirty="0" err="1" smtClean="0"/>
+              <a:t>Monoid</a:t>
             </a:r>
             <a:endParaRPr lang="en-US" dirty="0"/>
           </a:p>
@@ -29873,13 +29898,13 @@
             <a:spLocks noGrp="1"/>
           </p:cNvSpPr>
           <p:nvPr>
-            <p:ph sz="half" idx="1"/>
+            <p:ph type="body" sz="quarter" idx="10"/>
           </p:nvPr>
         </p:nvSpPr>
         <p:spPr>
           <a:xfrm>
-            <a:off x="381000" y="1752600"/>
-            <a:ext cx="3657600" cy="3877985"/>
+            <a:off x="381000" y="1676400"/>
+            <a:ext cx="8382000" cy="4893647"/>
           </a:xfrm>
         </p:spPr>
         <p:txBody>
@@ -29887,73 +29912,122 @@
           <a:lstStyle/>
           <a:p>
             <a:r>
-              <a:rPr lang="en-US" dirty="0"/>
-              <a:t>Elements: Following </a:t>
-            </a:r>
-            <a:r>
-              <a:rPr lang="en-US" dirty="0" smtClean="0"/>
-              <a:t>A. N. Whitehead, </a:t>
-            </a:r>
-            <a:r>
-              <a:rPr lang="en-US" dirty="0"/>
-              <a:t>we call the elements of our group G </a:t>
-            </a:r>
-            <a:r>
-              <a:rPr lang="en-US" i="1" dirty="0" err="1"/>
-              <a:t>prehensions</a:t>
-            </a:r>
-            <a:r>
-              <a:rPr lang="en-US" dirty="0"/>
-              <a:t>. A </a:t>
-            </a:r>
-            <a:r>
-              <a:rPr lang="en-US" dirty="0" err="1"/>
-              <a:t>prehension</a:t>
-            </a:r>
-            <a:r>
-              <a:rPr lang="en-US" dirty="0"/>
-              <a:t> can be roughly understood as a state of affairs in the world </a:t>
-            </a:r>
-            <a:r>
-              <a:rPr lang="en-US" i="1" dirty="0"/>
-              <a:t>as seen from a particular point of view</a:t>
-            </a:r>
-            <a:r>
-              <a:rPr lang="en-US" dirty="0"/>
-              <a:t>. </a:t>
-            </a:r>
+              <a:rPr lang="en-US" sz="2800" dirty="0"/>
+              <a:t>To be a </a:t>
+            </a:r>
+            <a:r>
+              <a:rPr lang="en-US" sz="2800" i="1" dirty="0" err="1" smtClean="0"/>
+              <a:t>monoid</a:t>
+            </a:r>
+            <a:r>
+              <a:rPr lang="en-US" sz="2800" dirty="0" smtClean="0"/>
+              <a:t> an </a:t>
+            </a:r>
+            <a:r>
+              <a:rPr lang="en-US" sz="2800" dirty="0"/>
+              <a:t>algebraic structure must contain a primary set </a:t>
+            </a:r>
+            <a:r>
+              <a:rPr lang="en-US" sz="2800" dirty="0" smtClean="0"/>
+              <a:t>S, satisfying three </a:t>
+            </a:r>
+            <a:r>
+              <a:rPr lang="en-US" sz="2800" dirty="0"/>
+              <a:t>axioms: closure, associativity, </a:t>
+            </a:r>
+            <a:r>
+              <a:rPr lang="en-US" sz="2800" dirty="0" smtClean="0"/>
+              <a:t>and identity. </a:t>
+            </a:r>
+            <a:r>
+              <a:rPr lang="en-US" sz="2800" dirty="0"/>
+              <a:t>There is an operator </a:t>
+            </a:r>
+            <a:r>
+              <a:rPr lang="en-US" sz="2800" dirty="0">
+                <a:sym typeface="Symbol" charset="2"/>
+              </a:rPr>
+              <a:t></a:t>
+            </a:r>
+            <a:r>
+              <a:rPr lang="en-US" sz="2800" dirty="0"/>
+              <a:t> which takes two elements of the group and yields an element, and its operation satisfies these axioms.</a:t>
+            </a:r>
+          </a:p>
+          <a:p>
+            <a:r>
+              <a:rPr lang="en-US" sz="2800" dirty="0" smtClean="0"/>
+              <a:t>We may define further requirements and get more restrictively defined structures: </a:t>
+            </a:r>
+            <a:r>
+              <a:rPr lang="en-US" sz="2800" dirty="0" err="1" smtClean="0"/>
+              <a:t>e.g</a:t>
+            </a:r>
+            <a:r>
+              <a:rPr lang="en-US" sz="2800" dirty="0" smtClean="0"/>
+              <a:t>, </a:t>
+            </a:r>
+            <a:r>
+              <a:rPr lang="en-US" sz="2800" dirty="0"/>
+              <a:t>a </a:t>
+            </a:r>
+            <a:r>
+              <a:rPr lang="en-US" sz="2800" i="1" dirty="0"/>
+              <a:t>module</a:t>
+            </a:r>
+            <a:r>
+              <a:rPr lang="en-US" sz="2800" dirty="0"/>
+              <a:t> </a:t>
+            </a:r>
+            <a:r>
+              <a:rPr lang="en-US" sz="2800" dirty="0" smtClean="0"/>
+              <a:t>must be Abelian, have inverse elements, and contain </a:t>
+            </a:r>
+            <a:r>
+              <a:rPr lang="en-US" sz="2800" dirty="0"/>
+              <a:t>a secondary set, R, a ring of coefficients, with a second operation, </a:t>
+            </a:r>
+            <a:r>
+              <a:rPr lang="en-US" sz="2800" dirty="0">
+                <a:sym typeface="Symbol" charset="2"/>
+              </a:rPr>
+              <a:t></a:t>
+            </a:r>
+            <a:r>
+              <a:rPr lang="en-US" sz="2800" dirty="0"/>
+              <a:t>, which takes an element of R and an element of </a:t>
+            </a:r>
+            <a:r>
+              <a:rPr lang="en-US" sz="2800" dirty="0" smtClean="0"/>
+              <a:t>S </a:t>
+            </a:r>
+            <a:r>
+              <a:rPr lang="en-US" sz="2800" dirty="0"/>
+              <a:t>and produces </a:t>
+            </a:r>
+            <a:r>
+              <a:rPr lang="en-US" sz="2800" dirty="0" smtClean="0"/>
+              <a:t>an </a:t>
+            </a:r>
+            <a:r>
+              <a:rPr lang="en-US" sz="2800" dirty="0"/>
+              <a:t>element of </a:t>
+            </a:r>
+            <a:r>
+              <a:rPr lang="en-US" sz="2800" dirty="0" smtClean="0"/>
+              <a:t>S.</a:t>
+            </a:r>
+            <a:endParaRPr lang="en-US" sz="2800" dirty="0"/>
+          </a:p>
+          <a:p>
+            <a:endParaRPr lang="en-US" dirty="0"/>
           </a:p>
         </p:txBody>
       </p:sp>
-      <p:graphicFrame>
-        <p:nvGraphicFramePr>
-          <p:cNvPr id="5" name="Content Placeholder 4"/>
-          <p:cNvGraphicFramePr>
-            <a:graphicFrameLocks noGrp="1"/>
-          </p:cNvGraphicFramePr>
-          <p:nvPr>
-            <p:ph sz="half" idx="2"/>
-            <p:extLst>
-              <p:ext uri="{D42A27DB-BD31-4B8C-83A1-F6EECF244321}">
-                <p14:modId xmlns:p14="http://schemas.microsoft.com/office/powerpoint/2010/main" val="1082365804"/>
-              </p:ext>
-            </p:extLst>
-          </p:nvPr>
-        </p:nvGraphicFramePr>
-        <p:xfrm>
-          <a:off x="4648200" y="1676400"/>
-          <a:ext cx="4114800" cy="4191000"/>
-        </p:xfrm>
-        <a:graphic>
-          <a:graphicData uri="http://schemas.openxmlformats.org/drawingml/2006/diagram">
-            <dgm:relIds xmlns:dgm="http://schemas.openxmlformats.org/drawingml/2006/diagram" xmlns:r="http://schemas.openxmlformats.org/officeDocument/2006/relationships" r:dm="rId2" r:lo="rId3" r:qs="rId4" r:cs="rId5"/>
-          </a:graphicData>
-        </a:graphic>
-      </p:graphicFrame>
     </p:spTree>
     <p:extLst>
       <p:ext uri="{BB962C8B-B14F-4D97-AF65-F5344CB8AC3E}">
-        <p14:creationId xmlns:p14="http://schemas.microsoft.com/office/powerpoint/2010/main" val="1849000610"/>
+        <p14:creationId xmlns:p14="http://schemas.microsoft.com/office/powerpoint/2010/main" val="1957043964"/>
       </p:ext>
     </p:extLst>
   </p:cSld>
@@ -30011,8 +30085,8 @@
           <a:lstStyle/>
           <a:p>
             <a:r>
-              <a:rPr lang="en-US" dirty="0" err="1" smtClean="0"/>
-              <a:t>Prehensions</a:t>
+              <a:rPr lang="en-US" dirty="0" smtClean="0"/>
+              <a:t>Different Strokes for Different Folks</a:t>
             </a:r>
             <a:endParaRPr lang="en-US" dirty="0"/>
           </a:p>
@@ -30020,18 +30094,18 @@
       </p:sp>
       <p:sp>
         <p:nvSpPr>
-          <p:cNvPr id="3" name="Text Placeholder 2"/>
+          <p:cNvPr id="3" name="Content Placeholder 2"/>
           <p:cNvSpPr>
             <a:spLocks noGrp="1"/>
           </p:cNvSpPr>
           <p:nvPr>
-            <p:ph type="body" sz="quarter" idx="10"/>
+            <p:ph sz="half" idx="1"/>
           </p:nvPr>
         </p:nvSpPr>
         <p:spPr>
           <a:xfrm>
-            <a:off x="381000" y="1219200"/>
-            <a:ext cx="8382000" cy="2609945"/>
+            <a:off x="381000" y="1411762"/>
+            <a:ext cx="4114800" cy="1163395"/>
           </a:xfrm>
         </p:spPr>
         <p:txBody>
@@ -30040,21 +30114,43 @@
           <a:p>
             <a:r>
               <a:rPr lang="en-US" dirty="0" smtClean="0"/>
-              <a:t>Even before implementing this as a module, we had made it easy to:</a:t>
-            </a:r>
+              <a:t>The Forest Fire model turns out to be best represented as a </a:t>
+            </a:r>
+            <a:r>
+              <a:rPr lang="en-US" dirty="0" err="1" smtClean="0"/>
+              <a:t>monoid</a:t>
+            </a:r>
+            <a:r>
+              <a:rPr lang="en-US" dirty="0" smtClean="0"/>
+              <a:t>.</a:t>
+            </a:r>
+            <a:endParaRPr lang="en-US" dirty="0"/>
           </a:p>
+        </p:txBody>
+      </p:sp>
+      <p:sp>
+        <p:nvSpPr>
+          <p:cNvPr id="4" name="Content Placeholder 3"/>
+          <p:cNvSpPr>
+            <a:spLocks noGrp="1"/>
+          </p:cNvSpPr>
+          <p:nvPr>
+            <p:ph sz="half" idx="2"/>
+          </p:nvPr>
+        </p:nvSpPr>
+        <p:spPr>
+          <a:xfrm>
+            <a:off x="4645937" y="1411762"/>
+            <a:ext cx="4114800" cy="775597"/>
+          </a:xfrm>
+        </p:spPr>
+        <p:txBody>
+          <a:bodyPr/>
+          <a:lstStyle/>
           <a:p>
-            <a:pPr lvl="1"/>
             <a:r>
               <a:rPr lang="en-US" dirty="0" smtClean="0"/>
-              <a:t>Get arbitrary slices of the agent’s environment as a “view.”</a:t>
-            </a:r>
-          </a:p>
-          <a:p>
-            <a:pPr lvl="1"/>
-            <a:r>
-              <a:rPr lang="en-US" dirty="0" smtClean="0"/>
-              <a:t>Filter that view to, e.g., see only agents of a type of particular interest.</a:t>
+              <a:t>Schelling’s segregation model is a module.</a:t>
             </a:r>
             <a:endParaRPr lang="en-US" dirty="0"/>
           </a:p>
@@ -30062,7 +30158,7 @@
       </p:sp>
       <p:pic>
         <p:nvPicPr>
-          <p:cNvPr id="4" name="Picture 3"/>
+          <p:cNvPr id="5" name="Picture 4" descr="segregation.png"/>
           <p:cNvPicPr>
             <a:picLocks noChangeAspect="1"/>
           </p:cNvPicPr>
@@ -30082,18 +30178,93 @@
         </p:blipFill>
         <p:spPr>
           <a:xfrm>
-            <a:off x="381000" y="4419600"/>
-            <a:ext cx="8407831" cy="1600200"/>
+            <a:off x="5115837" y="2914987"/>
+            <a:ext cx="3175000" cy="2381250"/>
           </a:xfrm>
           <a:prstGeom prst="rect">
             <a:avLst/>
           </a:prstGeom>
         </p:spPr>
       </p:pic>
+      <p:pic>
+        <p:nvPicPr>
+          <p:cNvPr id="6" name="Picture 5" descr="forest_fire.png"/>
+          <p:cNvPicPr>
+            <a:picLocks noChangeAspect="1"/>
+          </p:cNvPicPr>
+          <p:nvPr/>
+        </p:nvPicPr>
+        <p:blipFill>
+          <a:blip r:embed="rId3">
+            <a:extLst>
+              <a:ext uri="{28A0092B-C50C-407E-A947-70E740481C1C}">
+                <a14:useLocalDpi xmlns:a14="http://schemas.microsoft.com/office/drawing/2010/main" val="0"/>
+              </a:ext>
+            </a:extLst>
+          </a:blip>
+          <a:stretch>
+            <a:fillRect/>
+          </a:stretch>
+        </p:blipFill>
+        <p:spPr>
+          <a:xfrm>
+            <a:off x="850900" y="2914987"/>
+            <a:ext cx="3175000" cy="2381250"/>
+          </a:xfrm>
+          <a:prstGeom prst="rect">
+            <a:avLst/>
+          </a:prstGeom>
+        </p:spPr>
+      </p:pic>
+      <p:sp>
+        <p:nvSpPr>
+          <p:cNvPr id="7" name="TextBox 6"/>
+          <p:cNvSpPr txBox="1"/>
+          <p:nvPr/>
+        </p:nvSpPr>
+        <p:spPr>
+          <a:xfrm>
+            <a:off x="762000" y="5636067"/>
+            <a:ext cx="7331152" cy="954107"/>
+          </a:xfrm>
+          <a:prstGeom prst="rect">
+            <a:avLst/>
+          </a:prstGeom>
+          <a:noFill/>
+        </p:spPr>
+        <p:txBody>
+          <a:bodyPr wrap="square" rtlCol="0">
+            <a:spAutoFit/>
+          </a:bodyPr>
+          <a:lstStyle/>
+          <a:p>
+            <a:pPr algn="ctr"/>
+            <a:r>
+              <a:rPr lang="en-US" sz="2800" dirty="0" smtClean="0">
+                <a:solidFill>
+                  <a:schemeClr val="accent6">
+                    <a:lumMod val="40000"/>
+                    <a:lumOff val="60000"/>
+                  </a:schemeClr>
+                </a:solidFill>
+              </a:rPr>
+              <a:t>We can now see how the second is a subclass of the first with additional axioms.</a:t>
+            </a:r>
+            <a:endParaRPr lang="en-US" sz="2800" dirty="0">
+              <a:solidFill>
+                <a:schemeClr val="accent6">
+                  <a:lumMod val="40000"/>
+                  <a:lumOff val="60000"/>
+                </a:schemeClr>
+              </a:solidFill>
+            </a:endParaRPr>
+          </a:p>
+        </p:txBody>
+      </p:sp>
     </p:spTree>
     <p:extLst>
       <p:ext uri="{BB962C8B-B14F-4D97-AF65-F5344CB8AC3E}">
-        <p14:creationId xmlns:p14="http://schemas.microsoft.com/office/powerpoint/2010/main" val="1931021824"/>
+        <p14:creationId xmlns:p14="http://schemas.microsoft.com/office/powerpoint/2010/main" val="1220646720"/>
       </p:ext>
     </p:extLst>
   </p:cSld>
@@ -30103,6 +30274,13 @@
   <p:transition>
     <p:fade/>
   </p:transition>
+  <p:timing>
+    <p:tnLst>
+      <p:par>
+        <p:cTn id="1" dur="indefinite" restart="never" nodeType="tmRoot"/>
+      </p:par>
+    </p:tnLst>
+  </p:timing>
 </p:sld>
 </file>
 
@@ -30135,8 +30313,8 @@
         </p:nvSpPr>
         <p:spPr>
           <a:xfrm>
-            <a:off x="381000" y="230188"/>
-            <a:ext cx="8382000" cy="664797"/>
+            <a:off x="152400" y="228600"/>
+            <a:ext cx="8763000" cy="1218795"/>
           </a:xfrm>
         </p:spPr>
         <p:txBody>
@@ -30144,10 +30322,24 @@
           <a:lstStyle/>
           <a:p>
             <a:r>
-              <a:rPr lang="en-US" dirty="0" err="1" smtClean="0"/>
-              <a:t>Prehending</a:t>
-            </a:r>
-            <a:endParaRPr lang="en-US" dirty="0"/>
+              <a:rPr lang="en-US" sz="4400" dirty="0" smtClean="0">
+                <a:effectLst/>
+              </a:rPr>
+              <a:t>ABM </a:t>
+            </a:r>
+            <a:r>
+              <a:rPr lang="en-US" sz="4400" dirty="0">
+                <a:effectLst/>
+              </a:rPr>
+              <a:t>Interaction as </a:t>
+            </a:r>
+            <a:r>
+              <a:rPr lang="en-US" sz="4400" dirty="0" smtClean="0">
+                <a:effectLst/>
+              </a:rPr>
+              <a:t>an Algebraic Structure</a:t>
+            </a:r>
+            <a:endParaRPr lang="en-US" sz="4400" dirty="0"/>
           </a:p>
         </p:txBody>
       </p:sp>
@@ -30163,74 +30355,50 @@
         </p:nvSpPr>
         <p:spPr>
           <a:xfrm>
-            <a:off x="381000" y="1943100"/>
-            <a:ext cx="3276600" cy="3988784"/>
+            <a:off x="381000" y="1752600"/>
+            <a:ext cx="3657600" cy="3877985"/>
           </a:xfrm>
         </p:spPr>
         <p:txBody>
           <a:bodyPr/>
           <a:lstStyle/>
           <a:p>
-            <a:pPr marL="339976" lvl="2" indent="-339976">
-              <a:buBlip>
-                <a:blip r:embed="rId2"/>
-              </a:buBlip>
-            </a:pPr>
-            <a:r>
-              <a:rPr lang="en-US" sz="3200" b="1" dirty="0"/>
-              <a:t>The operation </a:t>
-            </a:r>
-            <a:r>
-              <a:rPr lang="en-US" sz="3200" b="1" dirty="0">
-                <a:sym typeface="Symbol" charset="2"/>
-              </a:rPr>
-              <a:t></a:t>
-            </a:r>
-            <a:r>
-              <a:rPr lang="en-US" sz="3200" b="1" dirty="0"/>
-              <a:t>, which we will call “</a:t>
-            </a:r>
-            <a:r>
-              <a:rPr lang="en-US" sz="3200" b="1" dirty="0" err="1"/>
-              <a:t>prehend</a:t>
-            </a:r>
-            <a:r>
-              <a:rPr lang="en-US" sz="3200" b="1" dirty="0"/>
-              <a:t>”, accepts two </a:t>
-            </a:r>
-            <a:r>
-              <a:rPr lang="en-US" sz="3200" b="1" dirty="0" err="1"/>
+            <a:r>
+              <a:rPr lang="en-US" dirty="0"/>
+              <a:t>Elements: Following </a:t>
+            </a:r>
+            <a:r>
+              <a:rPr lang="en-US" dirty="0" smtClean="0"/>
+              <a:t>A. N. Whitehead, </a:t>
+            </a:r>
+            <a:r>
+              <a:rPr lang="en-US" dirty="0"/>
+              <a:t>we call the elements of our group G </a:t>
+            </a:r>
+            <a:r>
+              <a:rPr lang="en-US" i="1" dirty="0" err="1"/>
               <a:t>prehensions</a:t>
             </a:r>
             <a:r>
-              <a:rPr lang="en-US" sz="3200" b="1" dirty="0"/>
-              <a:t> as arguments and produces a third </a:t>
-            </a:r>
-            <a:r>
-              <a:rPr lang="en-US" sz="3200" b="1" dirty="0" err="1" smtClean="0"/>
+              <a:rPr lang="en-US" dirty="0"/>
+              <a:t>. A </a:t>
+            </a:r>
+            <a:r>
+              <a:rPr lang="en-US" dirty="0" err="1"/>
               <a:t>prehension</a:t>
             </a:r>
             <a:r>
-              <a:rPr lang="en-US" sz="3200" b="1" dirty="0"/>
-              <a:t> </a:t>
-            </a:r>
-            <a:r>
-              <a:rPr lang="en-US" sz="3200" b="1" dirty="0" smtClean="0"/>
-              <a:t>(</a:t>
-            </a:r>
-            <a:r>
-              <a:rPr lang="en-US" sz="3200" b="1" dirty="0" smtClean="0">
-                <a:solidFill>
-                  <a:schemeClr val="accent6"/>
-                </a:solidFill>
-              </a:rPr>
-              <a:t>Closure</a:t>
-            </a:r>
-            <a:r>
-              <a:rPr lang="en-US" sz="3200" b="1" dirty="0" smtClean="0"/>
-              <a:t>).</a:t>
-            </a:r>
-            <a:endParaRPr lang="en-US" sz="3200" b="1" dirty="0"/>
+              <a:rPr lang="en-US" dirty="0"/>
+              <a:t> can be roughly understood as a state of affairs in the world </a:t>
+            </a:r>
+            <a:r>
+              <a:rPr lang="en-US" i="1" dirty="0"/>
+              <a:t>as seen from a particular point of view</a:t>
+            </a:r>
+            <a:r>
+              <a:rPr lang="en-US" dirty="0"/>
+              <a:t>. </a:t>
+            </a:r>
           </a:p>
         </p:txBody>
       </p:sp>
@@ -30244,25 +30412,25 @@
             <p:ph sz="half" idx="2"/>
             <p:extLst>
               <p:ext uri="{D42A27DB-BD31-4B8C-83A1-F6EECF244321}">
-                <p14:modId xmlns:p14="http://schemas.microsoft.com/office/powerpoint/2010/main" val="1356543855"/>
+                <p14:modId xmlns:p14="http://schemas.microsoft.com/office/powerpoint/2010/main" val="1082365804"/>
               </p:ext>
             </p:extLst>
           </p:nvPr>
         </p:nvGraphicFramePr>
         <p:xfrm>
-          <a:off x="4419600" y="1676400"/>
-          <a:ext cx="4343400" cy="4419600"/>
+          <a:off x="4648200" y="1676400"/>
+          <a:ext cx="4114800" cy="4191000"/>
         </p:xfrm>
         <a:graphic>
           <a:graphicData uri="http://schemas.openxmlformats.org/drawingml/2006/diagram">
-            <dgm:relIds xmlns:dgm="http://schemas.openxmlformats.org/drawingml/2006/diagram" xmlns:r="http://schemas.openxmlformats.org/officeDocument/2006/relationships" r:dm="rId3" r:lo="rId4" r:qs="rId5" r:cs="rId6"/>
+            <dgm:relIds xmlns:dgm="http://schemas.openxmlformats.org/drawingml/2006/diagram" xmlns:r="http://schemas.openxmlformats.org/officeDocument/2006/relationships" r:dm="rId2" r:lo="rId3" r:qs="rId4" r:cs="rId5"/>
           </a:graphicData>
         </a:graphic>
       </p:graphicFrame>
     </p:spTree>
     <p:extLst>
       <p:ext uri="{BB962C8B-B14F-4D97-AF65-F5344CB8AC3E}">
-        <p14:creationId xmlns:p14="http://schemas.microsoft.com/office/powerpoint/2010/main" val="406889955"/>
+        <p14:creationId xmlns:p14="http://schemas.microsoft.com/office/powerpoint/2010/main" val="1849000610"/>
       </p:ext>
     </p:extLst>
   </p:cSld>
@@ -30320,8 +30488,8 @@
           <a:lstStyle/>
           <a:p>
             <a:r>
-              <a:rPr lang="en-US" dirty="0" smtClean="0"/>
-              <a:t>Associativity</a:t>
+              <a:rPr lang="en-US" dirty="0" err="1" smtClean="0"/>
+              <a:t>Prehensions</a:t>
             </a:r>
             <a:endParaRPr lang="en-US" dirty="0"/>
           </a:p>
@@ -30329,18 +30497,18 @@
       </p:sp>
       <p:sp>
         <p:nvSpPr>
-          <p:cNvPr id="3" name="Content Placeholder 2"/>
+          <p:cNvPr id="3" name="Text Placeholder 2"/>
           <p:cNvSpPr>
             <a:spLocks noGrp="1"/>
           </p:cNvSpPr>
           <p:nvPr>
-            <p:ph sz="half" idx="1"/>
+            <p:ph type="body" sz="quarter" idx="10"/>
           </p:nvPr>
         </p:nvSpPr>
         <p:spPr>
           <a:xfrm>
-            <a:off x="381000" y="1676400"/>
-            <a:ext cx="4114800" cy="4062651"/>
+            <a:off x="381000" y="1219200"/>
+            <a:ext cx="8382000" cy="2609945"/>
           </a:xfrm>
         </p:spPr>
         <p:txBody>
@@ -30348,177 +30516,73 @@
           <a:lstStyle/>
           <a:p>
             <a:r>
-              <a:rPr lang="en-US" sz="2400" dirty="0"/>
-              <a:t>(a </a:t>
-            </a:r>
-            <a:r>
-              <a:rPr lang="en-US" sz="2400" dirty="0">
-                <a:sym typeface="Symbol" charset="2"/>
-              </a:rPr>
-              <a:t></a:t>
-            </a:r>
-            <a:r>
-              <a:rPr lang="en-US" sz="2400" dirty="0"/>
-              <a:t> b) </a:t>
-            </a:r>
-            <a:r>
-              <a:rPr lang="en-US" sz="2400" dirty="0">
-                <a:sym typeface="Symbol" charset="2"/>
-              </a:rPr>
-              <a:t></a:t>
-            </a:r>
-            <a:r>
-              <a:rPr lang="en-US" sz="2400" dirty="0"/>
-              <a:t> c = a </a:t>
-            </a:r>
-            <a:r>
-              <a:rPr lang="en-US" sz="2400" dirty="0">
-                <a:sym typeface="Symbol" charset="2"/>
-              </a:rPr>
-              <a:t></a:t>
-            </a:r>
-            <a:r>
-              <a:rPr lang="en-US" sz="2400" dirty="0"/>
-              <a:t> (b </a:t>
-            </a:r>
-            <a:r>
-              <a:rPr lang="en-US" sz="2400" dirty="0">
-                <a:sym typeface="Symbol" charset="2"/>
-              </a:rPr>
-              <a:t></a:t>
-            </a:r>
-            <a:r>
-              <a:rPr lang="en-US" sz="2400" dirty="0"/>
-              <a:t> c) for all a, b and c. </a:t>
-            </a:r>
-            <a:endParaRPr lang="en-US" sz="2400" dirty="0" smtClean="0"/>
+              <a:rPr lang="en-US" dirty="0" smtClean="0"/>
+              <a:t>Even before implementing this as a </a:t>
+            </a:r>
+            <a:r>
+              <a:rPr lang="en-US" dirty="0" err="1" smtClean="0"/>
+              <a:t>monoid</a:t>
+            </a:r>
+            <a:r>
+              <a:rPr lang="en-US" dirty="0" smtClean="0"/>
+              <a:t>, </a:t>
+            </a:r>
+            <a:r>
+              <a:rPr lang="en-US" dirty="0" smtClean="0"/>
+              <a:t>we had made it easy to:</a:t>
+            </a:r>
           </a:p>
           <a:p>
-            <a:r>
-              <a:rPr lang="en-US" sz="2400" dirty="0" smtClean="0"/>
-              <a:t>We </a:t>
-            </a:r>
-            <a:r>
-              <a:rPr lang="en-US" sz="2400" dirty="0"/>
-              <a:t>must ensure that, say, a neighborhood can interact with a neighborhood (b </a:t>
-            </a:r>
-            <a:r>
-              <a:rPr lang="en-US" sz="2400" dirty="0">
-                <a:solidFill>
-                  <a:srgbClr val="FFFFFF"/>
-                </a:solidFill>
-                <a:sym typeface="Symbol" charset="2"/>
-              </a:rPr>
-              <a:t></a:t>
-            </a:r>
-            <a:r>
-              <a:rPr lang="en-US" sz="2400" dirty="0" smtClean="0"/>
-              <a:t> </a:t>
-            </a:r>
-            <a:r>
-              <a:rPr lang="en-US" sz="2400" dirty="0"/>
-              <a:t>c), and then with an agent (a </a:t>
-            </a:r>
-            <a:r>
-              <a:rPr lang="en-US" sz="2400" dirty="0">
-                <a:sym typeface="Symbol" charset="2"/>
-              </a:rPr>
-              <a:t></a:t>
-            </a:r>
-            <a:r>
-              <a:rPr lang="en-US" sz="2400" dirty="0" smtClean="0"/>
-              <a:t> </a:t>
-            </a:r>
-            <a:r>
-              <a:rPr lang="en-US" sz="2400" dirty="0"/>
-              <a:t>(b </a:t>
-            </a:r>
-            <a:r>
-              <a:rPr lang="en-US" sz="2400" dirty="0">
-                <a:sym typeface="Symbol" charset="2"/>
-              </a:rPr>
-              <a:t></a:t>
-            </a:r>
-            <a:r>
-              <a:rPr lang="en-US" sz="2400" dirty="0" smtClean="0"/>
-              <a:t> </a:t>
-            </a:r>
-            <a:r>
-              <a:rPr lang="en-US" sz="2400" dirty="0"/>
-              <a:t>c)). Furthermore, this must produce an identical </a:t>
-            </a:r>
-            <a:r>
-              <a:rPr lang="en-US" sz="2400" dirty="0" err="1"/>
-              <a:t>prehension</a:t>
-            </a:r>
-            <a:r>
-              <a:rPr lang="en-US" sz="2400" dirty="0"/>
-              <a:t> to that produced by an agent interacting with one neighborhood and then another one ((a </a:t>
-            </a:r>
-            <a:r>
-              <a:rPr lang="en-US" sz="2400" dirty="0">
-                <a:sym typeface="Symbol" charset="2"/>
-              </a:rPr>
-              <a:t></a:t>
-            </a:r>
-            <a:r>
-              <a:rPr lang="en-US" sz="2400" dirty="0" smtClean="0"/>
-              <a:t> </a:t>
-            </a:r>
-            <a:r>
-              <a:rPr lang="en-US" sz="2400" dirty="0"/>
-              <a:t>b</a:t>
-            </a:r>
-            <a:r>
-              <a:rPr lang="en-US" sz="2400"/>
-              <a:t>) </a:t>
-            </a:r>
-            <a:r>
-              <a:rPr lang="en-US" sz="2400">
-                <a:sym typeface="Symbol" charset="2"/>
-              </a:rPr>
-              <a:t></a:t>
-            </a:r>
-            <a:r>
-              <a:rPr lang="en-US" sz="2400" smtClean="0"/>
-              <a:t> </a:t>
-            </a:r>
-            <a:r>
-              <a:rPr lang="en-US" sz="2400" dirty="0"/>
-              <a:t>c).</a:t>
-            </a:r>
+            <a:pPr lvl="1"/>
+            <a:r>
+              <a:rPr lang="en-US" dirty="0" smtClean="0"/>
+              <a:t>Get arbitrary slices of the agent’s environment as a “view.”</a:t>
+            </a:r>
+          </a:p>
+          <a:p>
+            <a:pPr lvl="1"/>
+            <a:r>
+              <a:rPr lang="en-US" dirty="0" smtClean="0"/>
+              <a:t>Filter that view to, e.g., see only agents of a type of particular interest.</a:t>
+            </a:r>
+            <a:endParaRPr lang="en-US" dirty="0"/>
           </a:p>
         </p:txBody>
       </p:sp>
-      <p:graphicFrame>
-        <p:nvGraphicFramePr>
-          <p:cNvPr id="5" name="Content Placeholder 4"/>
-          <p:cNvGraphicFramePr>
-            <a:graphicFrameLocks noGrp="1"/>
-          </p:cNvGraphicFramePr>
-          <p:nvPr>
-            <p:ph sz="half" idx="2"/>
-            <p:extLst>
-              <p:ext uri="{D42A27DB-BD31-4B8C-83A1-F6EECF244321}">
-                <p14:modId xmlns:p14="http://schemas.microsoft.com/office/powerpoint/2010/main" val="1760850255"/>
-              </p:ext>
-            </p:extLst>
-          </p:nvPr>
-        </p:nvGraphicFramePr>
-        <p:xfrm>
-          <a:off x="4648200" y="1676400"/>
-          <a:ext cx="4114800" cy="4191000"/>
-        </p:xfrm>
-        <a:graphic>
-          <a:graphicData uri="http://schemas.openxmlformats.org/drawingml/2006/diagram">
-            <dgm:relIds xmlns:dgm="http://schemas.openxmlformats.org/drawingml/2006/diagram" xmlns:r="http://schemas.openxmlformats.org/officeDocument/2006/relationships" r:dm="rId3" r:lo="rId4" r:qs="rId5" r:cs="rId6"/>
-          </a:graphicData>
-        </a:graphic>
-      </p:graphicFrame>
+      <p:pic>
+        <p:nvPicPr>
+          <p:cNvPr id="4" name="Picture 3"/>
+          <p:cNvPicPr>
+            <a:picLocks noChangeAspect="1"/>
+          </p:cNvPicPr>
+          <p:nvPr/>
+        </p:nvPicPr>
+        <p:blipFill>
+          <a:blip r:embed="rId2">
+            <a:extLst>
+              <a:ext uri="{28A0092B-C50C-407E-A947-70E740481C1C}">
+                <a14:useLocalDpi xmlns:a14="http://schemas.microsoft.com/office/drawing/2010/main" val="0"/>
+              </a:ext>
+            </a:extLst>
+          </a:blip>
+          <a:stretch>
+            <a:fillRect/>
+          </a:stretch>
+        </p:blipFill>
+        <p:spPr>
+          <a:xfrm>
+            <a:off x="381000" y="4419600"/>
+            <a:ext cx="8407831" cy="1600200"/>
+          </a:xfrm>
+          <a:prstGeom prst="rect">
+            <a:avLst/>
+          </a:prstGeom>
+        </p:spPr>
+      </p:pic>
     </p:spTree>
     <p:extLst>
       <p:ext uri="{BB962C8B-B14F-4D97-AF65-F5344CB8AC3E}">
-        <p14:creationId xmlns:p14="http://schemas.microsoft.com/office/powerpoint/2010/main" val="272259747"/>
+        <p14:creationId xmlns:p14="http://schemas.microsoft.com/office/powerpoint/2010/main" val="1931021824"/>
       </p:ext>
     </p:extLst>
   </p:cSld>
@@ -30576,8 +30640,8 @@
           <a:lstStyle/>
           <a:p>
             <a:r>
-              <a:rPr lang="en-US" dirty="0" smtClean="0"/>
-              <a:t>Identity</a:t>
+              <a:rPr lang="en-US" dirty="0" err="1" smtClean="0"/>
+              <a:t>Prehending</a:t>
             </a:r>
             <a:endParaRPr lang="en-US" dirty="0"/>
           </a:p>
@@ -30595,50 +30659,74 @@
         </p:nvSpPr>
         <p:spPr>
           <a:xfrm>
-            <a:off x="381000" y="2743200"/>
-            <a:ext cx="4114800" cy="1551194"/>
+            <a:off x="381000" y="1943100"/>
+            <a:ext cx="3276600" cy="3988784"/>
           </a:xfrm>
         </p:spPr>
         <p:txBody>
           <a:bodyPr/>
           <a:lstStyle/>
           <a:p>
-            <a:r>
-              <a:rPr lang="en-US" dirty="0" smtClean="0">
+            <a:pPr marL="339976" lvl="2" indent="-339976">
+              <a:buBlip>
+                <a:blip r:embed="rId2"/>
+              </a:buBlip>
+            </a:pPr>
+            <a:r>
+              <a:rPr lang="en-US" sz="3200" b="1" dirty="0"/>
+              <a:t>The operation </a:t>
+            </a:r>
+            <a:r>
+              <a:rPr lang="en-US" sz="3200" b="1" dirty="0">
+                <a:sym typeface="Symbol" charset="2"/>
+              </a:rPr>
+              <a:t></a:t>
+            </a:r>
+            <a:r>
+              <a:rPr lang="en-US" sz="3200" b="1" dirty="0"/>
+              <a:t>, which we will call “</a:t>
+            </a:r>
+            <a:r>
+              <a:rPr lang="en-US" sz="3200" b="1" dirty="0" err="1"/>
+              <a:t>prehend</a:t>
+            </a:r>
+            <a:r>
+              <a:rPr lang="en-US" sz="3200" b="1" dirty="0"/>
+              <a:t>”, accepts two </a:t>
+            </a:r>
+            <a:r>
+              <a:rPr lang="en-US" sz="3200" b="1" dirty="0" err="1"/>
+              <a:t>prehensions</a:t>
+            </a:r>
+            <a:r>
+              <a:rPr lang="en-US" sz="3200" b="1" dirty="0"/>
+              <a:t> as arguments and produces a third </a:t>
+            </a:r>
+            <a:r>
+              <a:rPr lang="en-US" sz="3200" b="1" dirty="0" err="1" smtClean="0"/>
+              <a:t>prehension</a:t>
+            </a:r>
+            <a:r>
+              <a:rPr lang="en-US" sz="3200" b="1" dirty="0"/>
+              <a:t> </a:t>
+            </a:r>
+            <a:r>
+              <a:rPr lang="en-US" sz="3200" b="1" dirty="0" smtClean="0"/>
+              <a:t>(</a:t>
+            </a:r>
+            <a:r>
+              <a:rPr lang="en-US" sz="3200" b="1" dirty="0" smtClean="0">
                 <a:solidFill>
                   <a:schemeClr val="accent6"/>
                 </a:solidFill>
               </a:rPr>
-              <a:t>Identity</a:t>
-            </a:r>
-            <a:r>
-              <a:rPr lang="en-US" dirty="0"/>
-              <a:t>: Any </a:t>
-            </a:r>
-            <a:r>
-              <a:rPr lang="en-US" dirty="0" err="1"/>
-              <a:t>prehension</a:t>
-            </a:r>
-            <a:r>
-              <a:rPr lang="en-US" dirty="0"/>
-              <a:t> </a:t>
-            </a:r>
-            <a:r>
-              <a:rPr lang="en-US" dirty="0" err="1"/>
-              <a:t>prehending</a:t>
-            </a:r>
-            <a:r>
-              <a:rPr lang="en-US" dirty="0"/>
-              <a:t> the null </a:t>
-            </a:r>
-            <a:r>
-              <a:rPr lang="en-US" dirty="0" err="1"/>
-              <a:t>prehension</a:t>
-            </a:r>
-            <a:r>
-              <a:rPr lang="en-US" dirty="0"/>
-              <a:t> remains unchanged.</a:t>
-            </a:r>
+              <a:t>Closure</a:t>
+            </a:r>
+            <a:r>
+              <a:rPr lang="en-US" sz="3200" b="1" dirty="0" smtClean="0"/>
+              <a:t>).</a:t>
+            </a:r>
+            <a:endParaRPr lang="en-US" sz="3200" b="1" dirty="0"/>
           </a:p>
         </p:txBody>
       </p:sp>
@@ -30652,25 +30740,25 @@
             <p:ph sz="half" idx="2"/>
             <p:extLst>
               <p:ext uri="{D42A27DB-BD31-4B8C-83A1-F6EECF244321}">
-                <p14:modId xmlns:p14="http://schemas.microsoft.com/office/powerpoint/2010/main" val="1399496209"/>
+                <p14:modId xmlns:p14="http://schemas.microsoft.com/office/powerpoint/2010/main" val="1356543855"/>
               </p:ext>
             </p:extLst>
           </p:nvPr>
         </p:nvGraphicFramePr>
         <p:xfrm>
-          <a:off x="4648200" y="1676400"/>
-          <a:ext cx="4114800" cy="4191000"/>
+          <a:off x="4419600" y="1676400"/>
+          <a:ext cx="4343400" cy="4419600"/>
         </p:xfrm>
         <a:graphic>
           <a:graphicData uri="http://schemas.openxmlformats.org/drawingml/2006/diagram">
-            <dgm:relIds xmlns:dgm="http://schemas.openxmlformats.org/drawingml/2006/diagram" xmlns:r="http://schemas.openxmlformats.org/officeDocument/2006/relationships" r:dm="rId2" r:lo="rId3" r:qs="rId4" r:cs="rId5"/>
+            <dgm:relIds xmlns:dgm="http://schemas.openxmlformats.org/drawingml/2006/diagram" xmlns:r="http://schemas.openxmlformats.org/officeDocument/2006/relationships" r:dm="rId3" r:lo="rId4" r:qs="rId5" r:cs="rId6"/>
           </a:graphicData>
         </a:graphic>
       </p:graphicFrame>
     </p:spTree>
     <p:extLst>
       <p:ext uri="{BB962C8B-B14F-4D97-AF65-F5344CB8AC3E}">
-        <p14:creationId xmlns:p14="http://schemas.microsoft.com/office/powerpoint/2010/main" val="1039198004"/>
+        <p14:creationId xmlns:p14="http://schemas.microsoft.com/office/powerpoint/2010/main" val="406889955"/>
       </p:ext>
     </p:extLst>
   </p:cSld>
@@ -30838,8 +30926,8 @@
           <a:lstStyle/>
           <a:p>
             <a:r>
-              <a:rPr lang="en-US" dirty="0" err="1" smtClean="0"/>
-              <a:t>Commutativity</a:t>
+              <a:rPr lang="en-US" dirty="0" smtClean="0"/>
+              <a:t>Associativity</a:t>
             </a:r>
             <a:endParaRPr lang="en-US" dirty="0"/>
           </a:p>
@@ -30857,8 +30945,8 @@
         </p:nvSpPr>
         <p:spPr>
           <a:xfrm>
-            <a:off x="381000" y="2743200"/>
-            <a:ext cx="4114800" cy="1495794"/>
+            <a:off x="381000" y="1676400"/>
+            <a:ext cx="4114800" cy="4062651"/>
           </a:xfrm>
         </p:spPr>
         <p:txBody>
@@ -30866,44 +30954,144 @@
           <a:lstStyle/>
           <a:p>
             <a:r>
-              <a:rPr lang="en-US" sz="3600" b="1" dirty="0" err="1">
-                <a:solidFill>
-                  <a:schemeClr val="accent6"/>
-                </a:solidFill>
-              </a:rPr>
-              <a:t>Commutativity</a:t>
-            </a:r>
-            <a:r>
-              <a:rPr lang="en-US" sz="3600" b="1" dirty="0"/>
-              <a:t>: </a:t>
-            </a:r>
-            <a:r>
-              <a:rPr lang="en-US" sz="3600" dirty="0" smtClean="0"/>
-              <a:t>(</a:t>
-            </a:r>
-            <a:r>
-              <a:rPr lang="en-US" sz="3600" dirty="0"/>
-              <a:t>a </a:t>
-            </a:r>
-            <a:r>
-              <a:rPr lang="en-US" sz="3600" dirty="0">
+              <a:rPr lang="en-US" sz="2400" dirty="0"/>
+              <a:t>(a </a:t>
+            </a:r>
+            <a:r>
+              <a:rPr lang="en-US" sz="2400" dirty="0">
                 <a:sym typeface="Symbol" charset="2"/>
               </a:rPr>
               <a:t></a:t>
             </a:r>
             <a:r>
-              <a:rPr lang="en-US" sz="3600" dirty="0"/>
-              <a:t> b) =  (b </a:t>
-            </a:r>
-            <a:r>
-              <a:rPr lang="en-US" sz="3600" dirty="0">
+              <a:rPr lang="en-US" sz="2400" dirty="0"/>
+              <a:t> b) </a:t>
+            </a:r>
+            <a:r>
+              <a:rPr lang="en-US" sz="2400" dirty="0">
                 <a:sym typeface="Symbol" charset="2"/>
               </a:rPr>
               <a:t></a:t>
             </a:r>
             <a:r>
-              <a:rPr lang="en-US" sz="3600" dirty="0"/>
-              <a:t> a)  for all a and b. </a:t>
+              <a:rPr lang="en-US" sz="2400" dirty="0"/>
+              <a:t> c = a </a:t>
+            </a:r>
+            <a:r>
+              <a:rPr lang="en-US" sz="2400" dirty="0">
+                <a:sym typeface="Symbol" charset="2"/>
+              </a:rPr>
+              <a:t></a:t>
+            </a:r>
+            <a:r>
+              <a:rPr lang="en-US" sz="2400" dirty="0"/>
+              <a:t> (b </a:t>
+            </a:r>
+            <a:r>
+              <a:rPr lang="en-US" sz="2400" dirty="0">
+                <a:sym typeface="Symbol" charset="2"/>
+              </a:rPr>
+              <a:t></a:t>
+            </a:r>
+            <a:r>
+              <a:rPr lang="en-US" sz="2400" dirty="0"/>
+              <a:t> c) for all a, b and c. </a:t>
+            </a:r>
+            <a:endParaRPr lang="en-US" sz="2400" dirty="0" smtClean="0"/>
+          </a:p>
+          <a:p>
+            <a:r>
+              <a:rPr lang="en-US" sz="2400" dirty="0" smtClean="0"/>
+              <a:t>We </a:t>
+            </a:r>
+            <a:r>
+              <a:rPr lang="en-US" sz="2400" dirty="0"/>
+              <a:t>must ensure that, say, a neighborhood can interact with a neighborhood (b </a:t>
+            </a:r>
+            <a:r>
+              <a:rPr lang="en-US" sz="2400" dirty="0">
+                <a:solidFill>
+                  <a:srgbClr val="FFFFFF"/>
+                </a:solidFill>
+                <a:sym typeface="Symbol" charset="2"/>
+              </a:rPr>
+              <a:t></a:t>
+            </a:r>
+            <a:r>
+              <a:rPr lang="en-US" sz="2400" dirty="0" smtClean="0"/>
+              <a:t> </a:t>
+            </a:r>
+            <a:r>
+              <a:rPr lang="en-US" sz="2400" dirty="0"/>
+              <a:t>c), and then with an agent (a </a:t>
+            </a:r>
+            <a:r>
+              <a:rPr lang="en-US" sz="2400" dirty="0">
+                <a:sym typeface="Symbol" charset="2"/>
+              </a:rPr>
+              <a:t></a:t>
+            </a:r>
+            <a:r>
+              <a:rPr lang="en-US" sz="2400" dirty="0" smtClean="0"/>
+              <a:t> </a:t>
+            </a:r>
+            <a:r>
+              <a:rPr lang="en-US" sz="2400" dirty="0"/>
+              <a:t>(b </a:t>
+            </a:r>
+            <a:r>
+              <a:rPr lang="en-US" sz="2400" dirty="0">
+                <a:sym typeface="Symbol" charset="2"/>
+              </a:rPr>
+              <a:t></a:t>
+            </a:r>
+            <a:r>
+              <a:rPr lang="en-US" sz="2400" dirty="0" smtClean="0"/>
+              <a:t> </a:t>
+            </a:r>
+            <a:r>
+              <a:rPr lang="en-US" sz="2400" dirty="0"/>
+              <a:t>c)). Furthermore, this must produce an identical </a:t>
+            </a:r>
+            <a:r>
+              <a:rPr lang="en-US" sz="2400" dirty="0" err="1"/>
+              <a:t>prehension</a:t>
+            </a:r>
+            <a:r>
+              <a:rPr lang="en-US" sz="2400" dirty="0"/>
+              <a:t> to that produced by an agent interacting with one neighborhood and then another one ((a </a:t>
+            </a:r>
+            <a:r>
+              <a:rPr lang="en-US" sz="2400" dirty="0">
+                <a:sym typeface="Symbol" charset="2"/>
+              </a:rPr>
+              <a:t></a:t>
+            </a:r>
+            <a:r>
+              <a:rPr lang="en-US" sz="2400" dirty="0" smtClean="0"/>
+              <a:t> </a:t>
+            </a:r>
+            <a:r>
+              <a:rPr lang="en-US" sz="2400" dirty="0"/>
+              <a:t>b</a:t>
+            </a:r>
+            <a:r>
+              <a:rPr lang="en-US" sz="2400"/>
+              <a:t>) </a:t>
+            </a:r>
+            <a:r>
+              <a:rPr lang="en-US" sz="2400">
+                <a:sym typeface="Symbol" charset="2"/>
+              </a:rPr>
+              <a:t></a:t>
+            </a:r>
+            <a:r>
+              <a:rPr lang="en-US" sz="2400" smtClean="0"/>
+              <a:t> </a:t>
+            </a:r>
+            <a:r>
+              <a:rPr lang="en-US" sz="2400" dirty="0"/>
+              <a:t>c).</a:t>
             </a:r>
           </a:p>
         </p:txBody>
@@ -30918,25 +31106,25 @@
             <p:ph sz="half" idx="2"/>
             <p:extLst>
               <p:ext uri="{D42A27DB-BD31-4B8C-83A1-F6EECF244321}">
-                <p14:modId xmlns:p14="http://schemas.microsoft.com/office/powerpoint/2010/main" val="1181747192"/>
+                <p14:modId xmlns:p14="http://schemas.microsoft.com/office/powerpoint/2010/main" val="1760850255"/>
               </p:ext>
             </p:extLst>
           </p:nvPr>
         </p:nvGraphicFramePr>
         <p:xfrm>
-          <a:off x="4657253" y="1531544"/>
+          <a:off x="4648200" y="1676400"/>
           <a:ext cx="4114800" cy="4191000"/>
         </p:xfrm>
         <a:graphic>
           <a:graphicData uri="http://schemas.openxmlformats.org/drawingml/2006/diagram">
-            <dgm:relIds xmlns:dgm="http://schemas.openxmlformats.org/drawingml/2006/diagram" xmlns:r="http://schemas.openxmlformats.org/officeDocument/2006/relationships" r:dm="rId2" r:lo="rId3" r:qs="rId4" r:cs="rId5"/>
+            <dgm:relIds xmlns:dgm="http://schemas.openxmlformats.org/drawingml/2006/diagram" xmlns:r="http://schemas.openxmlformats.org/officeDocument/2006/relationships" r:dm="rId3" r:lo="rId4" r:qs="rId5" r:cs="rId6"/>
           </a:graphicData>
         </a:graphic>
       </p:graphicFrame>
     </p:spTree>
     <p:extLst>
       <p:ext uri="{BB962C8B-B14F-4D97-AF65-F5344CB8AC3E}">
-        <p14:creationId xmlns:p14="http://schemas.microsoft.com/office/powerpoint/2010/main" val="654603717"/>
+        <p14:creationId xmlns:p14="http://schemas.microsoft.com/office/powerpoint/2010/main" val="272259747"/>
       </p:ext>
     </p:extLst>
   </p:cSld>
@@ -30994,6 +31182,340 @@
           <a:lstStyle/>
           <a:p>
             <a:r>
+              <a:rPr lang="en-US" dirty="0" smtClean="0"/>
+              <a:t>Identity</a:t>
+            </a:r>
+            <a:endParaRPr lang="en-US" dirty="0"/>
+          </a:p>
+        </p:txBody>
+      </p:sp>
+      <p:sp>
+        <p:nvSpPr>
+          <p:cNvPr id="3" name="Content Placeholder 2"/>
+          <p:cNvSpPr>
+            <a:spLocks noGrp="1"/>
+          </p:cNvSpPr>
+          <p:nvPr>
+            <p:ph sz="half" idx="1"/>
+          </p:nvPr>
+        </p:nvSpPr>
+        <p:spPr>
+          <a:xfrm>
+            <a:off x="381000" y="2743200"/>
+            <a:ext cx="4114800" cy="1551194"/>
+          </a:xfrm>
+        </p:spPr>
+        <p:txBody>
+          <a:bodyPr/>
+          <a:lstStyle/>
+          <a:p>
+            <a:r>
+              <a:rPr lang="en-US" dirty="0" smtClean="0">
+                <a:solidFill>
+                  <a:schemeClr val="accent6"/>
+                </a:solidFill>
+              </a:rPr>
+              <a:t>Identity</a:t>
+            </a:r>
+            <a:r>
+              <a:rPr lang="en-US" dirty="0"/>
+              <a:t>: Any </a:t>
+            </a:r>
+            <a:r>
+              <a:rPr lang="en-US" dirty="0" err="1"/>
+              <a:t>prehension</a:t>
+            </a:r>
+            <a:r>
+              <a:rPr lang="en-US" dirty="0"/>
+              <a:t> </a:t>
+            </a:r>
+            <a:r>
+              <a:rPr lang="en-US" dirty="0" err="1"/>
+              <a:t>prehending</a:t>
+            </a:r>
+            <a:r>
+              <a:rPr lang="en-US" dirty="0"/>
+              <a:t> the null </a:t>
+            </a:r>
+            <a:r>
+              <a:rPr lang="en-US" dirty="0" err="1"/>
+              <a:t>prehension</a:t>
+            </a:r>
+            <a:r>
+              <a:rPr lang="en-US" dirty="0"/>
+              <a:t> remains unchanged.</a:t>
+            </a:r>
+          </a:p>
+        </p:txBody>
+      </p:sp>
+      <p:graphicFrame>
+        <p:nvGraphicFramePr>
+          <p:cNvPr id="5" name="Content Placeholder 4"/>
+          <p:cNvGraphicFramePr>
+            <a:graphicFrameLocks noGrp="1"/>
+          </p:cNvGraphicFramePr>
+          <p:nvPr>
+            <p:ph sz="half" idx="2"/>
+            <p:extLst>
+              <p:ext uri="{D42A27DB-BD31-4B8C-83A1-F6EECF244321}">
+                <p14:modId xmlns:p14="http://schemas.microsoft.com/office/powerpoint/2010/main" val="1399496209"/>
+              </p:ext>
+            </p:extLst>
+          </p:nvPr>
+        </p:nvGraphicFramePr>
+        <p:xfrm>
+          <a:off x="4648200" y="1676400"/>
+          <a:ext cx="4114800" cy="4191000"/>
+        </p:xfrm>
+        <a:graphic>
+          <a:graphicData uri="http://schemas.openxmlformats.org/drawingml/2006/diagram">
+            <dgm:relIds xmlns:dgm="http://schemas.openxmlformats.org/drawingml/2006/diagram" xmlns:r="http://schemas.openxmlformats.org/officeDocument/2006/relationships" r:dm="rId2" r:lo="rId3" r:qs="rId4" r:cs="rId5"/>
+          </a:graphicData>
+        </a:graphic>
+      </p:graphicFrame>
+    </p:spTree>
+    <p:extLst>
+      <p:ext uri="{BB962C8B-B14F-4D97-AF65-F5344CB8AC3E}">
+        <p14:creationId xmlns:p14="http://schemas.microsoft.com/office/powerpoint/2010/main" val="1039198004"/>
+      </p:ext>
+    </p:extLst>
+  </p:cSld>
+  <p:clrMapOvr>
+    <a:masterClrMapping/>
+  </p:clrMapOvr>
+  <p:transition>
+    <p:fade/>
+  </p:transition>
+  <p:timing>
+    <p:tnLst>
+      <p:par>
+        <p:cTn id="1" dur="indefinite" restart="never" nodeType="tmRoot"/>
+      </p:par>
+    </p:tnLst>
+  </p:timing>
+</p:sld>
+</file>
+
+<file path=ppt/slides/slide22.xml><?xml version="1.0" encoding="utf-8"?>
+<p:sld xmlns:a="http://schemas.openxmlformats.org/drawingml/2006/main" xmlns:r="http://schemas.openxmlformats.org/officeDocument/2006/relationships" xmlns:p="http://schemas.openxmlformats.org/presentationml/2006/main">
+  <p:cSld>
+    <p:spTree>
+      <p:nvGrpSpPr>
+        <p:cNvPr id="1" name=""/>
+        <p:cNvGrpSpPr/>
+        <p:nvPr/>
+      </p:nvGrpSpPr>
+      <p:grpSpPr>
+        <a:xfrm>
+          <a:off x="0" y="0"/>
+          <a:ext cx="0" cy="0"/>
+          <a:chOff x="0" y="0"/>
+          <a:chExt cx="0" cy="0"/>
+        </a:xfrm>
+      </p:grpSpPr>
+      <p:sp>
+        <p:nvSpPr>
+          <p:cNvPr id="2" name="Title 1"/>
+          <p:cNvSpPr>
+            <a:spLocks noGrp="1"/>
+          </p:cNvSpPr>
+          <p:nvPr>
+            <p:ph type="title"/>
+          </p:nvPr>
+        </p:nvSpPr>
+        <p:spPr>
+          <a:xfrm>
+            <a:off x="381000" y="230188"/>
+            <a:ext cx="8382000" cy="664797"/>
+          </a:xfrm>
+        </p:spPr>
+        <p:txBody>
+          <a:bodyPr/>
+          <a:lstStyle/>
+          <a:p>
+            <a:r>
+              <a:rPr lang="en-US" dirty="0" err="1" smtClean="0"/>
+              <a:t>Commutativity</a:t>
+            </a:r>
+            <a:endParaRPr lang="en-US" dirty="0"/>
+          </a:p>
+        </p:txBody>
+      </p:sp>
+      <p:sp>
+        <p:nvSpPr>
+          <p:cNvPr id="3" name="Content Placeholder 2"/>
+          <p:cNvSpPr>
+            <a:spLocks noGrp="1"/>
+          </p:cNvSpPr>
+          <p:nvPr>
+            <p:ph sz="half" idx="1"/>
+          </p:nvPr>
+        </p:nvSpPr>
+        <p:spPr>
+          <a:xfrm>
+            <a:off x="381000" y="2438400"/>
+            <a:ext cx="4114800" cy="3102388"/>
+          </a:xfrm>
+        </p:spPr>
+        <p:txBody>
+          <a:bodyPr/>
+          <a:lstStyle/>
+          <a:p>
+            <a:r>
+              <a:rPr lang="en-US" sz="3600" b="1" dirty="0" smtClean="0">
+                <a:solidFill>
+                  <a:schemeClr val="accent6"/>
+                </a:solidFill>
+              </a:rPr>
+              <a:t>For </a:t>
+            </a:r>
+            <a:r>
+              <a:rPr lang="en-US" sz="3600" b="1" smtClean="0">
+                <a:solidFill>
+                  <a:schemeClr val="accent6"/>
+                </a:solidFill>
+              </a:rPr>
+              <a:t>Abelian structures, </a:t>
+            </a:r>
+            <a:r>
+              <a:rPr lang="en-US" sz="3600" b="1" dirty="0" smtClean="0">
+                <a:solidFill>
+                  <a:schemeClr val="accent6"/>
+                </a:solidFill>
+              </a:rPr>
+              <a:t>we need:</a:t>
+            </a:r>
+          </a:p>
+          <a:p>
+            <a:r>
+              <a:rPr lang="en-US" sz="3600" b="1" dirty="0" err="1" smtClean="0">
+                <a:solidFill>
+                  <a:schemeClr val="accent6"/>
+                </a:solidFill>
+              </a:rPr>
+              <a:t>Commutativity</a:t>
+            </a:r>
+            <a:r>
+              <a:rPr lang="en-US" sz="3600" b="1" dirty="0"/>
+              <a:t>: </a:t>
+            </a:r>
+            <a:r>
+              <a:rPr lang="en-US" sz="3600" dirty="0" smtClean="0"/>
+              <a:t>(</a:t>
+            </a:r>
+            <a:r>
+              <a:rPr lang="en-US" sz="3600" dirty="0"/>
+              <a:t>a </a:t>
+            </a:r>
+            <a:r>
+              <a:rPr lang="en-US" sz="3600" dirty="0">
+                <a:sym typeface="Symbol" charset="2"/>
+              </a:rPr>
+              <a:t></a:t>
+            </a:r>
+            <a:r>
+              <a:rPr lang="en-US" sz="3600" dirty="0"/>
+              <a:t> b) =  (b </a:t>
+            </a:r>
+            <a:r>
+              <a:rPr lang="en-US" sz="3600" dirty="0">
+                <a:sym typeface="Symbol" charset="2"/>
+              </a:rPr>
+              <a:t></a:t>
+            </a:r>
+            <a:r>
+              <a:rPr lang="en-US" sz="3600" dirty="0"/>
+              <a:t> a)  for all a and b. </a:t>
+            </a:r>
+          </a:p>
+        </p:txBody>
+      </p:sp>
+      <p:graphicFrame>
+        <p:nvGraphicFramePr>
+          <p:cNvPr id="5" name="Content Placeholder 4"/>
+          <p:cNvGraphicFramePr>
+            <a:graphicFrameLocks noGrp="1"/>
+          </p:cNvGraphicFramePr>
+          <p:nvPr>
+            <p:ph sz="half" idx="2"/>
+            <p:extLst>
+              <p:ext uri="{D42A27DB-BD31-4B8C-83A1-F6EECF244321}">
+                <p14:modId xmlns:p14="http://schemas.microsoft.com/office/powerpoint/2010/main" val="1181747192"/>
+              </p:ext>
+            </p:extLst>
+          </p:nvPr>
+        </p:nvGraphicFramePr>
+        <p:xfrm>
+          <a:off x="4657253" y="1531544"/>
+          <a:ext cx="4114800" cy="4191000"/>
+        </p:xfrm>
+        <a:graphic>
+          <a:graphicData uri="http://schemas.openxmlformats.org/drawingml/2006/diagram">
+            <dgm:relIds xmlns:dgm="http://schemas.openxmlformats.org/drawingml/2006/diagram" xmlns:r="http://schemas.openxmlformats.org/officeDocument/2006/relationships" r:dm="rId2" r:lo="rId3" r:qs="rId4" r:cs="rId5"/>
+          </a:graphicData>
+        </a:graphic>
+      </p:graphicFrame>
+    </p:spTree>
+    <p:extLst>
+      <p:ext uri="{BB962C8B-B14F-4D97-AF65-F5344CB8AC3E}">
+        <p14:creationId xmlns:p14="http://schemas.microsoft.com/office/powerpoint/2010/main" val="654603717"/>
+      </p:ext>
+    </p:extLst>
+  </p:cSld>
+  <p:clrMapOvr>
+    <a:masterClrMapping/>
+  </p:clrMapOvr>
+  <p:transition>
+    <p:fade/>
+  </p:transition>
+  <p:timing>
+    <p:tnLst>
+      <p:par>
+        <p:cTn id="1" dur="indefinite" restart="never" nodeType="tmRoot"/>
+      </p:par>
+    </p:tnLst>
+  </p:timing>
+</p:sld>
+</file>
+
+<file path=ppt/slides/slide23.xml><?xml version="1.0" encoding="utf-8"?>
+<p:sld xmlns:a="http://schemas.openxmlformats.org/drawingml/2006/main" xmlns:r="http://schemas.openxmlformats.org/officeDocument/2006/relationships" xmlns:p="http://schemas.openxmlformats.org/presentationml/2006/main">
+  <p:cSld>
+    <p:spTree>
+      <p:nvGrpSpPr>
+        <p:cNvPr id="1" name=""/>
+        <p:cNvGrpSpPr/>
+        <p:nvPr/>
+      </p:nvGrpSpPr>
+      <p:grpSpPr>
+        <a:xfrm>
+          <a:off x="0" y="0"/>
+          <a:ext cx="0" cy="0"/>
+          <a:chOff x="0" y="0"/>
+          <a:chExt cx="0" cy="0"/>
+        </a:xfrm>
+      </p:grpSpPr>
+      <p:sp>
+        <p:nvSpPr>
+          <p:cNvPr id="2" name="Title 1"/>
+          <p:cNvSpPr>
+            <a:spLocks noGrp="1"/>
+          </p:cNvSpPr>
+          <p:nvPr>
+            <p:ph type="title"/>
+          </p:nvPr>
+        </p:nvSpPr>
+        <p:spPr>
+          <a:xfrm>
+            <a:off x="381000" y="230188"/>
+            <a:ext cx="8382000" cy="664797"/>
+          </a:xfrm>
+        </p:spPr>
+        <p:txBody>
+          <a:bodyPr/>
+          <a:lstStyle/>
+          <a:p>
+            <a:r>
               <a:rPr lang="en-US" dirty="0" err="1" smtClean="0"/>
               <a:t>Invertability</a:t>
             </a:r>
@@ -31014,12 +31536,23 @@
         <p:spPr>
           <a:xfrm>
             <a:off x="228600" y="2205317"/>
-            <a:ext cx="4114800" cy="3133165"/>
+            <a:ext cx="4114800" cy="3674852"/>
           </a:xfrm>
         </p:spPr>
         <p:txBody>
           <a:bodyPr/>
           <a:lstStyle/>
+          <a:p>
+            <a:pPr marL="339976" lvl="4" indent="-339976">
+              <a:buBlip>
+                <a:blip r:embed="rId2"/>
+              </a:buBlip>
+            </a:pPr>
+            <a:r>
+              <a:rPr lang="en-US" sz="3200" dirty="0" smtClean="0"/>
+              <a:t>Modules need:</a:t>
+            </a:r>
+          </a:p>
           <a:p>
             <a:pPr marL="339976" lvl="4" indent="-339976">
               <a:buBlip>
@@ -31112,7 +31645,7 @@
 </p:sld>
 </file>
 
-<file path=ppt/slides/slide22.xml><?xml version="1.0" encoding="utf-8"?>
+<file path=ppt/slides/slide24.xml><?xml version="1.0" encoding="utf-8"?>
 <p:sld xmlns:a="http://schemas.openxmlformats.org/drawingml/2006/main" xmlns:r="http://schemas.openxmlformats.org/officeDocument/2006/relationships" xmlns:p="http://schemas.openxmlformats.org/presentationml/2006/main">
   <p:cSld>
     <p:spTree>
@@ -31319,7 +31852,7 @@
 </p:sld>
 </file>
 
-<file path=ppt/slides/slide23.xml><?xml version="1.0" encoding="utf-8"?>
+<file path=ppt/slides/slide25.xml><?xml version="1.0" encoding="utf-8"?>
 <p:sld xmlns:a="http://schemas.openxmlformats.org/drawingml/2006/main" xmlns:r="http://schemas.openxmlformats.org/officeDocument/2006/relationships" xmlns:p="http://schemas.openxmlformats.org/presentationml/2006/main">
   <p:cSld>
     <p:spTree>
@@ -31463,7 +31996,7 @@
 </p:sld>
 </file>
 
-<file path=ppt/slides/slide24.xml><?xml version="1.0" encoding="utf-8"?>
+<file path=ppt/slides/slide26.xml><?xml version="1.0" encoding="utf-8"?>
 <p:sld xmlns:a="http://schemas.openxmlformats.org/drawingml/2006/main" xmlns:r="http://schemas.openxmlformats.org/officeDocument/2006/relationships" xmlns:p="http://schemas.openxmlformats.org/presentationml/2006/main">
   <p:cSld>
     <p:spTree>
@@ -31639,7 +32172,7 @@
 </p:sld>
 </file>
 
-<file path=ppt/slides/slide25.xml><?xml version="1.0" encoding="utf-8"?>
+<file path=ppt/slides/slide27.xml><?xml version="1.0" encoding="utf-8"?>
 <p:sld xmlns:a="http://schemas.openxmlformats.org/drawingml/2006/main" xmlns:r="http://schemas.openxmlformats.org/officeDocument/2006/relationships" xmlns:p="http://schemas.openxmlformats.org/presentationml/2006/main">
   <p:cSld>
     <p:spTree>
@@ -31795,7 +32328,7 @@
 </p:sld>
 </file>
 
-<file path=ppt/slides/slide26.xml><?xml version="1.0" encoding="utf-8"?>
+<file path=ppt/slides/slide28.xml><?xml version="1.0" encoding="utf-8"?>
 <p:sld xmlns:a="http://schemas.openxmlformats.org/drawingml/2006/main" xmlns:r="http://schemas.openxmlformats.org/officeDocument/2006/relationships" xmlns:p="http://schemas.openxmlformats.org/presentationml/2006/main">
   <p:cSld>
     <p:spTree>
@@ -31930,7 +32463,7 @@
 </p:sld>
 </file>
 
-<file path=ppt/slides/slide27.xml><?xml version="1.0" encoding="utf-8"?>
+<file path=ppt/slides/slide29.xml><?xml version="1.0" encoding="utf-8"?>
 <p:sld xmlns:a="http://schemas.openxmlformats.org/drawingml/2006/main" xmlns:r="http://schemas.openxmlformats.org/officeDocument/2006/relationships" xmlns:p="http://schemas.openxmlformats.org/presentationml/2006/main">
   <p:cSld>
     <p:spTree>
@@ -32064,7 +32597,246 @@
 </p:sld>
 </file>
 
-<file path=ppt/slides/slide28.xml><?xml version="1.0" encoding="utf-8"?>
+<file path=ppt/slides/slide3.xml><?xml version="1.0" encoding="utf-8"?>
+<p:sld xmlns:a="http://schemas.openxmlformats.org/drawingml/2006/main" xmlns:r="http://schemas.openxmlformats.org/officeDocument/2006/relationships" xmlns:p="http://schemas.openxmlformats.org/presentationml/2006/main">
+  <p:cSld>
+    <p:spTree>
+      <p:nvGrpSpPr>
+        <p:cNvPr id="1" name=""/>
+        <p:cNvGrpSpPr/>
+        <p:nvPr/>
+      </p:nvGrpSpPr>
+      <p:grpSpPr>
+        <a:xfrm>
+          <a:off x="0" y="0"/>
+          <a:ext cx="0" cy="0"/>
+          <a:chOff x="0" y="0"/>
+          <a:chExt cx="0" cy="0"/>
+        </a:xfrm>
+      </p:grpSpPr>
+      <p:sp>
+        <p:nvSpPr>
+          <p:cNvPr id="2" name="Title 1"/>
+          <p:cNvSpPr>
+            <a:spLocks noGrp="1"/>
+          </p:cNvSpPr>
+          <p:nvPr>
+            <p:ph type="title"/>
+          </p:nvPr>
+        </p:nvSpPr>
+        <p:spPr>
+          <a:xfrm>
+            <a:off x="381000" y="230188"/>
+            <a:ext cx="8382000" cy="664797"/>
+          </a:xfrm>
+        </p:spPr>
+        <p:txBody>
+          <a:bodyPr/>
+          <a:lstStyle/>
+          <a:p>
+            <a:r>
+              <a:rPr lang="en-US" dirty="0" smtClean="0"/>
+              <a:t>Python</a:t>
+            </a:r>
+            <a:endParaRPr lang="en-US" dirty="0"/>
+          </a:p>
+        </p:txBody>
+      </p:sp>
+      <p:sp>
+        <p:nvSpPr>
+          <p:cNvPr id="3" name="Text Placeholder 2"/>
+          <p:cNvSpPr>
+            <a:spLocks noGrp="1"/>
+          </p:cNvSpPr>
+          <p:nvPr>
+            <p:ph type="body" sz="quarter" idx="10"/>
+          </p:nvPr>
+        </p:nvSpPr>
+        <p:spPr>
+          <a:xfrm>
+            <a:off x="417214" y="1600200"/>
+            <a:ext cx="8382000" cy="1828800"/>
+          </a:xfrm>
+        </p:spPr>
+        <p:txBody>
+          <a:bodyPr/>
+          <a:lstStyle/>
+          <a:p>
+            <a:r>
+              <a:rPr lang="en-US" sz="3600" dirty="0" smtClean="0"/>
+              <a:t>A great generic programming language!</a:t>
+            </a:r>
+          </a:p>
+          <a:p>
+            <a:r>
+              <a:rPr lang="en-US" sz="3600" dirty="0" smtClean="0"/>
+              <a:t>Don’t repeat yourself</a:t>
+            </a:r>
+          </a:p>
+          <a:p>
+            <a:r>
+              <a:rPr lang="en-US" sz="3600" dirty="0"/>
+              <a:t>Duck typing</a:t>
+            </a:r>
+          </a:p>
+          <a:p>
+            <a:endParaRPr lang="en-US" sz="3600" dirty="0"/>
+          </a:p>
+        </p:txBody>
+      </p:sp>
+      <p:pic>
+        <p:nvPicPr>
+          <p:cNvPr id="5" name="Picture 4"/>
+          <p:cNvPicPr>
+            <a:picLocks noChangeAspect="1"/>
+          </p:cNvPicPr>
+          <p:nvPr/>
+        </p:nvPicPr>
+        <p:blipFill>
+          <a:blip r:embed="rId2">
+            <a:extLst>
+              <a:ext uri="{28A0092B-C50C-407E-A947-70E740481C1C}">
+                <a14:useLocalDpi xmlns:a14="http://schemas.microsoft.com/office/drawing/2010/main" val="0"/>
+              </a:ext>
+            </a:extLst>
+          </a:blip>
+          <a:stretch>
+            <a:fillRect/>
+          </a:stretch>
+        </p:blipFill>
+        <p:spPr>
+          <a:xfrm>
+            <a:off x="4038600" y="3124200"/>
+            <a:ext cx="4556125" cy="3258362"/>
+          </a:xfrm>
+          <a:prstGeom prst="rect">
+            <a:avLst/>
+          </a:prstGeom>
+        </p:spPr>
+      </p:pic>
+    </p:spTree>
+    <p:extLst>
+      <p:ext uri="{BB962C8B-B14F-4D97-AF65-F5344CB8AC3E}">
+        <p14:creationId xmlns:p14="http://schemas.microsoft.com/office/powerpoint/2010/main" val="334257492"/>
+      </p:ext>
+    </p:extLst>
+  </p:cSld>
+  <p:clrMapOvr>
+    <a:masterClrMapping/>
+  </p:clrMapOvr>
+  <p:transition>
+    <p:fade/>
+  </p:transition>
+  <p:timing>
+    <p:tnLst>
+      <p:par>
+        <p:cTn id="1" dur="indefinite" restart="never" nodeType="tmRoot">
+          <p:childTnLst>
+            <p:seq concurrent="1" nextAc="seek">
+              <p:cTn id="2" dur="indefinite" nodeType="mainSeq">
+                <p:childTnLst>
+                  <p:par>
+                    <p:cTn id="3" fill="hold">
+                      <p:stCondLst>
+                        <p:cond delay="indefinite"/>
+                      </p:stCondLst>
+                      <p:childTnLst>
+                        <p:par>
+                          <p:cTn id="4" fill="hold">
+                            <p:stCondLst>
+                              <p:cond delay="0"/>
+                            </p:stCondLst>
+                            <p:childTnLst>
+                              <p:par>
+                                <p:cTn id="5" presetID="12" presetClass="entr" presetSubtype="4" fill="hold" nodeType="clickEffect">
+                                  <p:stCondLst>
+                                    <p:cond delay="0"/>
+                                  </p:stCondLst>
+                                  <p:childTnLst>
+                                    <p:set>
+                                      <p:cBhvr>
+                                        <p:cTn id="6" dur="1" fill="hold">
+                                          <p:stCondLst>
+                                            <p:cond delay="0"/>
+                                          </p:stCondLst>
+                                        </p:cTn>
+                                        <p:tgtEl>
+                                          <p:spTgt spid="5"/>
+                                        </p:tgtEl>
+                                        <p:attrNameLst>
+                                          <p:attrName>style.visibility</p:attrName>
+                                        </p:attrNameLst>
+                                      </p:cBhvr>
+                                      <p:to>
+                                        <p:strVal val="visible"/>
+                                      </p:to>
+                                    </p:set>
+                                    <p:anim calcmode="lin" valueType="num">
+                                      <p:cBhvr additive="base">
+                                        <p:cTn id="7" dur="500"/>
+                                        <p:tgtEl>
+                                          <p:spTgt spid="5"/>
+                                        </p:tgtEl>
+                                        <p:attrNameLst>
+                                          <p:attrName>ppt_y</p:attrName>
+                                        </p:attrNameLst>
+                                      </p:cBhvr>
+                                      <p:tavLst>
+                                        <p:tav tm="0">
+                                          <p:val>
+                                            <p:strVal val="#ppt_y+#ppt_h*1.125000"/>
+                                          </p:val>
+                                        </p:tav>
+                                        <p:tav tm="100000">
+                                          <p:val>
+                                            <p:strVal val="#ppt_y"/>
+                                          </p:val>
+                                        </p:tav>
+                                      </p:tavLst>
+                                    </p:anim>
+                                    <p:animEffect transition="in" filter="wipe(up)">
+                                      <p:cBhvr>
+                                        <p:cTn id="8" dur="500"/>
+                                        <p:tgtEl>
+                                          <p:spTgt spid="5"/>
+                                        </p:tgtEl>
+                                      </p:cBhvr>
+                                    </p:animEffect>
+                                  </p:childTnLst>
+                                </p:cTn>
+                              </p:par>
+                            </p:childTnLst>
+                          </p:cTn>
+                        </p:par>
+                      </p:childTnLst>
+                    </p:cTn>
+                  </p:par>
+                </p:childTnLst>
+              </p:cTn>
+              <p:prevCondLst>
+                <p:cond evt="onPrev" delay="0">
+                  <p:tgtEl>
+                    <p:sldTgt/>
+                  </p:tgtEl>
+                </p:cond>
+              </p:prevCondLst>
+              <p:nextCondLst>
+                <p:cond evt="onNext" delay="0">
+                  <p:tgtEl>
+                    <p:sldTgt/>
+                  </p:tgtEl>
+                </p:cond>
+              </p:nextCondLst>
+            </p:seq>
+          </p:childTnLst>
+        </p:cTn>
+      </p:par>
+    </p:tnLst>
+  </p:timing>
+</p:sld>
+</file>
+
+<file path=ppt/slides/slide30.xml><?xml version="1.0" encoding="utf-8"?>
 <p:sld xmlns:a="http://schemas.openxmlformats.org/drawingml/2006/main" xmlns:r="http://schemas.openxmlformats.org/officeDocument/2006/relationships" xmlns:p="http://schemas.openxmlformats.org/presentationml/2006/main">
   <p:cSld>
     <p:spTree>
@@ -32209,7 +32981,7 @@
 </p:sld>
 </file>
 
-<file path=ppt/slides/slide29.xml><?xml version="1.0" encoding="utf-8"?>
+<file path=ppt/slides/slide31.xml><?xml version="1.0" encoding="utf-8"?>
 <p:sld xmlns:a="http://schemas.openxmlformats.org/drawingml/2006/main" xmlns:r="http://schemas.openxmlformats.org/officeDocument/2006/relationships" xmlns:p="http://schemas.openxmlformats.org/presentationml/2006/main">
   <p:cSld>
     <p:spTree>
@@ -32267,7 +33039,7 @@
         <p:spPr>
           <a:xfrm>
             <a:off x="524302" y="1143000"/>
-            <a:ext cx="8219364" cy="1772015"/>
+            <a:ext cx="8219364" cy="1249573"/>
           </a:xfrm>
         </p:spPr>
         <p:txBody>
@@ -32280,13 +33052,37 @@
             </a:r>
             <a:r>
               <a:rPr lang="en-US" dirty="0" smtClean="0"/>
-              <a:t> are a vector space in the base class.</a:t>
+              <a:t> are a vector space in </a:t>
+            </a:r>
+            <a:r>
+              <a:rPr lang="en-US" dirty="0" smtClean="0"/>
+              <a:t>one</a:t>
+            </a:r>
+            <a:r>
+              <a:rPr lang="en-US" dirty="0" smtClean="0"/>
+              <a:t> </a:t>
+            </a:r>
+            <a:r>
+              <a:rPr lang="en-US" dirty="0" smtClean="0"/>
+              <a:t>class.</a:t>
             </a:r>
           </a:p>
           <a:p>
             <a:r>
               <a:rPr lang="en-US" dirty="0" smtClean="0"/>
-              <a:t>However, any other implementation in which the module axioms are true can be sub-classed.</a:t>
+              <a:t>However, any other implementation in which the </a:t>
+            </a:r>
+            <a:r>
+              <a:rPr lang="en-US" dirty="0" smtClean="0"/>
+              <a:t>vector-space</a:t>
+            </a:r>
+            <a:r>
+              <a:rPr lang="en-US" dirty="0" smtClean="0"/>
+              <a:t> </a:t>
+            </a:r>
+            <a:r>
+              <a:rPr lang="en-US" dirty="0" smtClean="0"/>
+              <a:t>axioms are true can be sub-classed.</a:t>
             </a:r>
             <a:endParaRPr lang="en-US" dirty="0"/>
           </a:p>
@@ -32316,7 +33112,7 @@
         </p:blipFill>
         <p:spPr>
           <a:xfrm>
-            <a:off x="1030307" y="2914650"/>
+            <a:off x="992207" y="3276600"/>
             <a:ext cx="7159586" cy="3116263"/>
           </a:xfrm>
         </p:spPr>
@@ -32325,449 +33121,6 @@
     <p:extLst>
       <p:ext uri="{BB962C8B-B14F-4D97-AF65-F5344CB8AC3E}">
         <p14:creationId xmlns:p14="http://schemas.microsoft.com/office/powerpoint/2010/main" val="1408983316"/>
-      </p:ext>
-    </p:extLst>
-  </p:cSld>
-  <p:clrMapOvr>
-    <a:masterClrMapping/>
-  </p:clrMapOvr>
-  <p:transition>
-    <p:fade/>
-  </p:transition>
-</p:sld>
-</file>
-
-<file path=ppt/slides/slide3.xml><?xml version="1.0" encoding="utf-8"?>
-<p:sld xmlns:a="http://schemas.openxmlformats.org/drawingml/2006/main" xmlns:r="http://schemas.openxmlformats.org/officeDocument/2006/relationships" xmlns:p="http://schemas.openxmlformats.org/presentationml/2006/main">
-  <p:cSld>
-    <p:spTree>
-      <p:nvGrpSpPr>
-        <p:cNvPr id="1" name=""/>
-        <p:cNvGrpSpPr/>
-        <p:nvPr/>
-      </p:nvGrpSpPr>
-      <p:grpSpPr>
-        <a:xfrm>
-          <a:off x="0" y="0"/>
-          <a:ext cx="0" cy="0"/>
-          <a:chOff x="0" y="0"/>
-          <a:chExt cx="0" cy="0"/>
-        </a:xfrm>
-      </p:grpSpPr>
-      <p:sp>
-        <p:nvSpPr>
-          <p:cNvPr id="2" name="Title 1"/>
-          <p:cNvSpPr>
-            <a:spLocks noGrp="1"/>
-          </p:cNvSpPr>
-          <p:nvPr>
-            <p:ph type="title"/>
-          </p:nvPr>
-        </p:nvSpPr>
-        <p:spPr>
-          <a:xfrm>
-            <a:off x="381000" y="230188"/>
-            <a:ext cx="8382000" cy="664797"/>
-          </a:xfrm>
-        </p:spPr>
-        <p:txBody>
-          <a:bodyPr/>
-          <a:lstStyle/>
-          <a:p>
-            <a:r>
-              <a:rPr lang="en-US" dirty="0" smtClean="0"/>
-              <a:t>Python</a:t>
-            </a:r>
-            <a:endParaRPr lang="en-US" dirty="0"/>
-          </a:p>
-        </p:txBody>
-      </p:sp>
-      <p:sp>
-        <p:nvSpPr>
-          <p:cNvPr id="3" name="Text Placeholder 2"/>
-          <p:cNvSpPr>
-            <a:spLocks noGrp="1"/>
-          </p:cNvSpPr>
-          <p:nvPr>
-            <p:ph type="body" sz="quarter" idx="10"/>
-          </p:nvPr>
-        </p:nvSpPr>
-        <p:spPr>
-          <a:xfrm>
-            <a:off x="417214" y="1600200"/>
-            <a:ext cx="8382000" cy="1828800"/>
-          </a:xfrm>
-        </p:spPr>
-        <p:txBody>
-          <a:bodyPr/>
-          <a:lstStyle/>
-          <a:p>
-            <a:r>
-              <a:rPr lang="en-US" sz="3600" dirty="0" smtClean="0"/>
-              <a:t>A great generic programming language!</a:t>
-            </a:r>
-          </a:p>
-          <a:p>
-            <a:r>
-              <a:rPr lang="en-US" sz="3600" dirty="0" smtClean="0"/>
-              <a:t>Don’t repeat yourself</a:t>
-            </a:r>
-          </a:p>
-          <a:p>
-            <a:r>
-              <a:rPr lang="en-US" sz="3600" dirty="0"/>
-              <a:t>Duck typing</a:t>
-            </a:r>
-          </a:p>
-          <a:p>
-            <a:endParaRPr lang="en-US" sz="3600" dirty="0"/>
-          </a:p>
-        </p:txBody>
-      </p:sp>
-      <p:pic>
-        <p:nvPicPr>
-          <p:cNvPr id="5" name="Picture 4"/>
-          <p:cNvPicPr>
-            <a:picLocks noChangeAspect="1"/>
-          </p:cNvPicPr>
-          <p:nvPr/>
-        </p:nvPicPr>
-        <p:blipFill>
-          <a:blip r:embed="rId2">
-            <a:extLst>
-              <a:ext uri="{28A0092B-C50C-407E-A947-70E740481C1C}">
-                <a14:useLocalDpi xmlns:a14="http://schemas.microsoft.com/office/drawing/2010/main" val="0"/>
-              </a:ext>
-            </a:extLst>
-          </a:blip>
-          <a:stretch>
-            <a:fillRect/>
-          </a:stretch>
-        </p:blipFill>
-        <p:spPr>
-          <a:xfrm>
-            <a:off x="4038600" y="3124200"/>
-            <a:ext cx="4556125" cy="3258362"/>
-          </a:xfrm>
-          <a:prstGeom prst="rect">
-            <a:avLst/>
-          </a:prstGeom>
-        </p:spPr>
-      </p:pic>
-    </p:spTree>
-    <p:extLst>
-      <p:ext uri="{BB962C8B-B14F-4D97-AF65-F5344CB8AC3E}">
-        <p14:creationId xmlns:p14="http://schemas.microsoft.com/office/powerpoint/2010/main" val="334257492"/>
-      </p:ext>
-    </p:extLst>
-  </p:cSld>
-  <p:clrMapOvr>
-    <a:masterClrMapping/>
-  </p:clrMapOvr>
-  <p:transition>
-    <p:fade/>
-  </p:transition>
-</p:sld>
-</file>
-
-<file path=ppt/slides/slide30.xml><?xml version="1.0" encoding="utf-8"?>
-<p:sld xmlns:a="http://schemas.openxmlformats.org/drawingml/2006/main" xmlns:r="http://schemas.openxmlformats.org/officeDocument/2006/relationships" xmlns:p="http://schemas.openxmlformats.org/presentationml/2006/main">
-  <p:cSld>
-    <p:spTree>
-      <p:nvGrpSpPr>
-        <p:cNvPr id="1" name=""/>
-        <p:cNvGrpSpPr/>
-        <p:nvPr/>
-      </p:nvGrpSpPr>
-      <p:grpSpPr>
-        <a:xfrm>
-          <a:off x="0" y="0"/>
-          <a:ext cx="0" cy="0"/>
-          <a:chOff x="0" y="0"/>
-          <a:chExt cx="0" cy="0"/>
-        </a:xfrm>
-      </p:grpSpPr>
-      <p:sp>
-        <p:nvSpPr>
-          <p:cNvPr id="2" name="Title 1"/>
-          <p:cNvSpPr>
-            <a:spLocks noGrp="1"/>
-          </p:cNvSpPr>
-          <p:nvPr>
-            <p:ph type="title"/>
-          </p:nvPr>
-        </p:nvSpPr>
-        <p:spPr>
-          <a:xfrm>
-            <a:off x="381000" y="230188"/>
-            <a:ext cx="8153400" cy="677108"/>
-          </a:xfrm>
-        </p:spPr>
-        <p:txBody>
-          <a:bodyPr/>
-          <a:lstStyle/>
-          <a:p>
-            <a:r>
-              <a:rPr lang="en-US" dirty="0" smtClean="0"/>
-              <a:t>Final note</a:t>
-            </a:r>
-            <a:endParaRPr lang="en-US" dirty="0"/>
-          </a:p>
-        </p:txBody>
-      </p:sp>
-      <p:sp>
-        <p:nvSpPr>
-          <p:cNvPr id="3" name="Text Placeholder 2"/>
-          <p:cNvSpPr>
-            <a:spLocks noGrp="1"/>
-          </p:cNvSpPr>
-          <p:nvPr>
-            <p:ph type="body" sz="quarter" idx="10"/>
-          </p:nvPr>
-        </p:nvSpPr>
-        <p:spPr>
-          <a:xfrm>
-            <a:off x="381000" y="1371600"/>
-            <a:ext cx="8382000" cy="1661993"/>
-          </a:xfrm>
-        </p:spPr>
-        <p:txBody>
-          <a:bodyPr/>
-          <a:lstStyle/>
-          <a:p>
-            <a:r>
-              <a:rPr lang="en-US" sz="4000" dirty="0" smtClean="0"/>
-              <a:t>Contributors </a:t>
-            </a:r>
-            <a:r>
-              <a:rPr lang="en-US" sz="4000" dirty="0" smtClean="0"/>
-              <a:t>welcome!</a:t>
-            </a:r>
-            <a:br>
-              <a:rPr lang="en-US" sz="4000" dirty="0" smtClean="0"/>
-            </a:br>
-            <a:r>
-              <a:rPr lang="en-US" sz="4000" dirty="0" smtClean="0"/>
-              <a:t>The </a:t>
-            </a:r>
-            <a:r>
-              <a:rPr lang="en-US" sz="4000" dirty="0" smtClean="0"/>
-              <a:t>project is on </a:t>
-            </a:r>
-            <a:r>
-              <a:rPr lang="en-US" sz="4000" dirty="0" err="1" smtClean="0"/>
-              <a:t>GitHub</a:t>
-            </a:r>
-            <a:r>
-              <a:rPr lang="en-US" sz="4000" dirty="0"/>
-              <a:t>: https://</a:t>
-            </a:r>
-            <a:r>
-              <a:rPr lang="en-US" sz="4000" dirty="0" err="1"/>
-              <a:t>github.com</a:t>
-            </a:r>
-            <a:r>
-              <a:rPr lang="en-US" sz="4000" dirty="0"/>
-              <a:t>/</a:t>
-            </a:r>
-            <a:r>
-              <a:rPr lang="en-US" sz="4000" dirty="0" err="1"/>
-              <a:t>gcallah</a:t>
-            </a:r>
-            <a:r>
-              <a:rPr lang="en-US" sz="4000" dirty="0"/>
-              <a:t>/</a:t>
-            </a:r>
-            <a:r>
-              <a:rPr lang="en-US" sz="4000" dirty="0" err="1"/>
-              <a:t>Indra</a:t>
-            </a:r>
-            <a:endParaRPr lang="en-US" sz="4000" dirty="0" smtClean="0"/>
-          </a:p>
-        </p:txBody>
-      </p:sp>
-    </p:spTree>
-    <p:extLst>
-      <p:ext uri="{BB962C8B-B14F-4D97-AF65-F5344CB8AC3E}">
-        <p14:creationId xmlns:p14="http://schemas.microsoft.com/office/powerpoint/2010/main" val="3965056846"/>
-      </p:ext>
-    </p:extLst>
-  </p:cSld>
-  <p:clrMapOvr>
-    <a:masterClrMapping/>
-  </p:clrMapOvr>
-  <p:transition>
-    <p:fade/>
-  </p:transition>
-  <p:timing>
-    <p:tnLst>
-      <p:par>
-        <p:cTn id="1" dur="indefinite" restart="never" nodeType="tmRoot"/>
-      </p:par>
-    </p:tnLst>
-  </p:timing>
-</p:sld>
-</file>
-
-<file path=ppt/slides/slide31.xml><?xml version="1.0" encoding="utf-8"?>
-<p:sld xmlns:a="http://schemas.openxmlformats.org/drawingml/2006/main" xmlns:r="http://schemas.openxmlformats.org/officeDocument/2006/relationships" xmlns:p="http://schemas.openxmlformats.org/presentationml/2006/main">
-  <p:cSld>
-    <p:spTree>
-      <p:nvGrpSpPr>
-        <p:cNvPr id="1" name=""/>
-        <p:cNvGrpSpPr/>
-        <p:nvPr/>
-      </p:nvGrpSpPr>
-      <p:grpSpPr>
-        <a:xfrm>
-          <a:off x="0" y="0"/>
-          <a:ext cx="0" cy="0"/>
-          <a:chOff x="0" y="0"/>
-          <a:chExt cx="0" cy="0"/>
-        </a:xfrm>
-      </p:grpSpPr>
-      <p:sp>
-        <p:nvSpPr>
-          <p:cNvPr id="2" name="Title 1"/>
-          <p:cNvSpPr>
-            <a:spLocks noGrp="1"/>
-          </p:cNvSpPr>
-          <p:nvPr>
-            <p:ph type="title"/>
-          </p:nvPr>
-        </p:nvSpPr>
-        <p:spPr>
-          <a:xfrm>
-            <a:off x="381000" y="230189"/>
-            <a:ext cx="8382000" cy="836612"/>
-          </a:xfrm>
-        </p:spPr>
-        <p:txBody>
-          <a:bodyPr>
-            <a:normAutofit fontScale="90000"/>
-          </a:bodyPr>
-          <a:lstStyle/>
-          <a:p>
-            <a:r>
-              <a:rPr lang="en-US" dirty="0" smtClean="0"/>
-              <a:t>Credits</a:t>
-            </a:r>
-            <a:br>
-              <a:rPr lang="en-US" dirty="0" smtClean="0"/>
-            </a:br>
-            <a:endParaRPr lang="en-US" dirty="0">
-              <a:solidFill>
-                <a:schemeClr val="tx2"/>
-              </a:solidFill>
-            </a:endParaRPr>
-          </a:p>
-        </p:txBody>
-      </p:sp>
-      <p:sp>
-        <p:nvSpPr>
-          <p:cNvPr id="3" name="Text Placeholder 2"/>
-          <p:cNvSpPr>
-            <a:spLocks noGrp="1"/>
-          </p:cNvSpPr>
-          <p:nvPr>
-            <p:ph type="body" sz="quarter" idx="10"/>
-          </p:nvPr>
-        </p:nvSpPr>
-        <p:spPr>
-          <a:xfrm>
-            <a:off x="381000" y="838200"/>
-            <a:ext cx="8382000" cy="5486400"/>
-          </a:xfrm>
-        </p:spPr>
-        <p:txBody>
-          <a:bodyPr>
-            <a:normAutofit fontScale="92500" lnSpcReduction="10000"/>
-          </a:bodyPr>
-          <a:lstStyle/>
-          <a:p>
-            <a:endParaRPr lang="en-US" dirty="0" smtClean="0"/>
-          </a:p>
-          <a:p>
-            <a:r>
-              <a:rPr lang="en-US" sz="3000" dirty="0"/>
-              <a:t>"Knot with </a:t>
-            </a:r>
-            <a:r>
-              <a:rPr lang="en-US" sz="3000" dirty="0" err="1"/>
-              <a:t>borromean</a:t>
-            </a:r>
-            <a:r>
-              <a:rPr lang="en-US" sz="3000" dirty="0"/>
-              <a:t> rings in </a:t>
-            </a:r>
-            <a:r>
-              <a:rPr lang="en-US" sz="3000" dirty="0" err="1"/>
-              <a:t>jsj</a:t>
-            </a:r>
-            <a:r>
-              <a:rPr lang="en-US" sz="3000" dirty="0"/>
-              <a:t> </a:t>
-            </a:r>
-            <a:r>
-              <a:rPr lang="en-US" sz="3000" dirty="0" err="1"/>
-              <a:t>decomp</a:t>
-            </a:r>
-            <a:r>
-              <a:rPr lang="en-US" sz="3000" dirty="0"/>
-              <a:t> small". Licensed under CC BY-SA 3.0 via Wikipedia - </a:t>
-            </a:r>
-            <a:r>
-              <a:rPr lang="en-US" sz="3000" dirty="0">
-                <a:hlinkClick r:id="rId3"/>
-              </a:rPr>
-              <a:t>https://en.wikipedia.org/wiki/File:Knot_with_borromean_rings_in_jsj_decomp_small.png#/media/</a:t>
-            </a:r>
-            <a:r>
-              <a:rPr lang="en-US" sz="3000" dirty="0" smtClean="0">
-                <a:hlinkClick r:id="rId3"/>
-              </a:rPr>
-              <a:t>File:Knot_with_borromean_rings_in_jsj_decomp_small.png</a:t>
-            </a:r>
-            <a:endParaRPr lang="en-US" sz="3000" dirty="0" smtClean="0"/>
-          </a:p>
-          <a:p>
-            <a:r>
-              <a:rPr lang="en-US" sz="3000" dirty="0"/>
-              <a:t>"Stonehenge on 27.01.08" by </a:t>
-            </a:r>
-            <a:r>
-              <a:rPr lang="en-US" sz="3000" dirty="0" err="1"/>
-              <a:t>Mavratti</a:t>
-            </a:r>
-            <a:r>
-              <a:rPr lang="en-US" sz="3000" dirty="0"/>
-              <a:t> - Own work. Licensed under Public Domain via Wikimedia Commons - https://</a:t>
-            </a:r>
-            <a:r>
-              <a:rPr lang="en-US" sz="3000" dirty="0" err="1"/>
-              <a:t>commons.wikimedia.org</a:t>
-            </a:r>
-            <a:r>
-              <a:rPr lang="en-US" sz="3000" dirty="0"/>
-              <a:t>/wiki/File:Stonehenge_on_27.01.08.jpg#/media/File:Stonehenge_on_27.01.08.jpg</a:t>
-            </a:r>
-            <a:endParaRPr lang="en-US" sz="3000" dirty="0" smtClean="0"/>
-          </a:p>
-          <a:p>
-            <a:r>
-              <a:rPr lang="en-US" sz="3000" dirty="0" smtClean="0"/>
-              <a:t>The Mesa team at George Mason has contributed code to this project.</a:t>
-            </a:r>
-          </a:p>
-          <a:p>
-            <a:endParaRPr lang="en-US" dirty="0" smtClean="0"/>
-          </a:p>
-        </p:txBody>
-      </p:sp>
-    </p:spTree>
-    <p:extLst>
-      <p:ext uri="{BB962C8B-B14F-4D97-AF65-F5344CB8AC3E}">
-        <p14:creationId xmlns:p14="http://schemas.microsoft.com/office/powerpoint/2010/main" val="3776600832"/>
       </p:ext>
     </p:extLst>
   </p:cSld>
@@ -32817,7 +33170,7 @@
         <p:spPr>
           <a:xfrm>
             <a:off x="381000" y="230188"/>
-            <a:ext cx="8382000" cy="664797"/>
+            <a:ext cx="8153400" cy="677108"/>
           </a:xfrm>
         </p:spPr>
         <p:txBody>
@@ -32826,7 +33179,7 @@
           <a:p>
             <a:r>
               <a:rPr lang="en-US" dirty="0" smtClean="0"/>
-              <a:t>Credits</a:t>
+              <a:t>Final note</a:t>
             </a:r>
             <a:endParaRPr lang="en-US" dirty="0"/>
           </a:p>
@@ -32844,8 +33197,8 @@
         </p:nvSpPr>
         <p:spPr>
           <a:xfrm>
-            <a:off x="381000" y="1676400"/>
-            <a:ext cx="8382000" cy="4739759"/>
+            <a:off x="381000" y="1371600"/>
+            <a:ext cx="8382000" cy="1661993"/>
           </a:xfrm>
         </p:spPr>
         <p:txBody>
@@ -32853,104 +33206,52 @@
           <a:lstStyle/>
           <a:p>
             <a:r>
-              <a:rPr lang="en-US" sz="2800" dirty="0"/>
-              <a:t>"Bronze Age spear tip </a:t>
-            </a:r>
-            <a:r>
-              <a:rPr lang="en-US" sz="2800" dirty="0" err="1"/>
-              <a:t>mould</a:t>
-            </a:r>
-            <a:r>
-              <a:rPr lang="en-US" sz="2800" dirty="0"/>
-              <a:t> IMG 5123" by Photograph by Rama, Wikimedia Commons, Cc-by-sa-2.0-fr. Licensed under CC BY-SA 2.0 </a:t>
-            </a:r>
-            <a:r>
-              <a:rPr lang="en-US" sz="2800" dirty="0" err="1"/>
-              <a:t>fr</a:t>
-            </a:r>
-            <a:r>
-              <a:rPr lang="en-US" sz="2800" dirty="0"/>
-              <a:t> via Commons - </a:t>
-            </a:r>
-            <a:r>
-              <a:rPr lang="en-US" sz="2800" dirty="0">
-                <a:hlinkClick r:id="rId2"/>
-              </a:rPr>
-              <a:t>https://commons.wikimedia.org/wiki/File:Bronze_Age_spear_tip_mould_IMG_5123.jpg#/</a:t>
-            </a:r>
-            <a:r>
-              <a:rPr lang="en-US" sz="2800" dirty="0" smtClean="0">
-                <a:hlinkClick r:id="rId2"/>
-              </a:rPr>
-              <a:t>media/File:Bronze_Age_spear_tip_mould_IMG_5123.jpg</a:t>
-            </a:r>
-            <a:endParaRPr lang="en-US" sz="2800" dirty="0" smtClean="0"/>
-          </a:p>
-          <a:p>
-            <a:r>
-              <a:rPr lang="en-US" sz="2800" dirty="0"/>
-              <a:t>"</a:t>
-            </a:r>
-            <a:r>
-              <a:rPr lang="en-US" sz="2800" dirty="0" err="1"/>
-              <a:t>Axentowicz</a:t>
-            </a:r>
-            <a:r>
-              <a:rPr lang="en-US" sz="2800" dirty="0"/>
-              <a:t> The Anchorite" by </a:t>
-            </a:r>
-            <a:r>
-              <a:rPr lang="en-US" sz="2800" dirty="0" err="1"/>
-              <a:t>Teodor</a:t>
-            </a:r>
-            <a:r>
-              <a:rPr lang="en-US" sz="2800" dirty="0"/>
-              <a:t> </a:t>
-            </a:r>
-            <a:r>
-              <a:rPr lang="en-US" sz="2800" dirty="0" err="1"/>
-              <a:t>Axentowicz</a:t>
-            </a:r>
-            <a:r>
-              <a:rPr lang="en-US" sz="2800" dirty="0"/>
-              <a:t> - </a:t>
-            </a:r>
-            <a:r>
-              <a:rPr lang="en-US" sz="2800" dirty="0" err="1"/>
-              <a:t>cyfrowe.mnw.art.pl</a:t>
-            </a:r>
-            <a:r>
-              <a:rPr lang="en-US" sz="2800" dirty="0"/>
-              <a:t>. Licensed under Public Domain via Commons - https://</a:t>
-            </a:r>
-            <a:r>
-              <a:rPr lang="en-US" sz="2800" dirty="0" err="1"/>
-              <a:t>commons.wikimedia.org</a:t>
-            </a:r>
-            <a:r>
-              <a:rPr lang="en-US" sz="2800" dirty="0"/>
-              <a:t>/wiki/</a:t>
-            </a:r>
-            <a:r>
-              <a:rPr lang="en-US" sz="2800" dirty="0" err="1"/>
-              <a:t>File:Axentowicz_The_Anchorite.jpg</a:t>
-            </a:r>
-            <a:r>
-              <a:rPr lang="en-US" sz="2800" dirty="0"/>
-              <a:t>#/media/</a:t>
-            </a:r>
-            <a:r>
-              <a:rPr lang="en-US" sz="2800" dirty="0" err="1"/>
-              <a:t>File:Axentowicz_The_Anchorite.jpg</a:t>
-            </a:r>
-            <a:endParaRPr lang="en-US" sz="2800" dirty="0"/>
+              <a:rPr lang="en-US" sz="4000" dirty="0" smtClean="0"/>
+              <a:t>Contributors welcome!</a:t>
+            </a:r>
+            <a:br>
+              <a:rPr lang="en-US" sz="4000" dirty="0" smtClean="0"/>
+            </a:br>
+            <a:r>
+              <a:rPr lang="en-US" sz="4000" dirty="0" smtClean="0"/>
+              <a:t>The project is on </a:t>
+            </a:r>
+            <a:r>
+              <a:rPr lang="en-US" sz="4000" dirty="0" err="1" smtClean="0"/>
+              <a:t>GitHub</a:t>
+            </a:r>
+            <a:r>
+              <a:rPr lang="en-US" sz="4000" dirty="0"/>
+              <a:t>: https://</a:t>
+            </a:r>
+            <a:r>
+              <a:rPr lang="en-US" sz="4000" dirty="0" err="1"/>
+              <a:t>github.com</a:t>
+            </a:r>
+            <a:r>
+              <a:rPr lang="en-US" sz="4000" dirty="0"/>
+              <a:t>/</a:t>
+            </a:r>
+            <a:r>
+              <a:rPr lang="en-US" sz="4000" dirty="0" err="1"/>
+              <a:t>gcallah</a:t>
+            </a:r>
+            <a:r>
+              <a:rPr lang="en-US" sz="4000" dirty="0"/>
+              <a:t>/</a:t>
+            </a:r>
+            <a:r>
+              <a:rPr lang="en-US" sz="4000" dirty="0" err="1"/>
+              <a:t>Indra</a:t>
+            </a:r>
+            <a:endParaRPr lang="en-US" sz="4000" dirty="0" smtClean="0"/>
           </a:p>
         </p:txBody>
       </p:sp>
     </p:spTree>
     <p:extLst>
       <p:ext uri="{BB962C8B-B14F-4D97-AF65-F5344CB8AC3E}">
-        <p14:creationId xmlns:p14="http://schemas.microsoft.com/office/powerpoint/2010/main" val="1548311111"/>
+        <p14:creationId xmlns:p14="http://schemas.microsoft.com/office/powerpoint/2010/main" val="3965056846"/>
       </p:ext>
     </p:extLst>
   </p:cSld>
@@ -32999,19 +33300,28 @@
         </p:nvSpPr>
         <p:spPr>
           <a:xfrm>
-            <a:off x="381000" y="230188"/>
-            <a:ext cx="8382000" cy="664797"/>
+            <a:off x="381000" y="230189"/>
+            <a:ext cx="8382000" cy="836612"/>
           </a:xfrm>
         </p:spPr>
         <p:txBody>
-          <a:bodyPr/>
+          <a:bodyPr>
+            <a:normAutofit fontScale="90000"/>
+          </a:bodyPr>
           <a:lstStyle/>
           <a:p>
             <a:r>
               <a:rPr lang="en-US" dirty="0" smtClean="0"/>
               <a:t>Credits</a:t>
             </a:r>
-            <a:endParaRPr lang="en-US" dirty="0"/>
+            <a:br>
+              <a:rPr lang="en-US" dirty="0" smtClean="0"/>
+            </a:br>
+            <a:endParaRPr lang="en-US" dirty="0">
+              <a:solidFill>
+                <a:schemeClr val="tx2"/>
+              </a:solidFill>
+            </a:endParaRPr>
           </a:p>
         </p:txBody>
       </p:sp>
@@ -33027,76 +33337,99 @@
         </p:nvSpPr>
         <p:spPr>
           <a:xfrm>
-            <a:off x="381000" y="1371600"/>
-            <a:ext cx="8382000" cy="5127558"/>
+            <a:off x="381000" y="838200"/>
+            <a:ext cx="8382000" cy="5486400"/>
           </a:xfrm>
         </p:spPr>
         <p:txBody>
-          <a:bodyPr/>
+          <a:bodyPr>
+            <a:normAutofit fontScale="92500" lnSpcReduction="10000"/>
+          </a:bodyPr>
           <a:lstStyle/>
           <a:p>
-            <a:r>
-              <a:rPr lang="en-US" sz="2800" dirty="0"/>
-              <a:t>"</a:t>
-            </a:r>
-            <a:r>
-              <a:rPr lang="en-US" sz="2800" dirty="0" err="1"/>
-              <a:t>Perspectivephoto</a:t>
-            </a:r>
-            <a:r>
-              <a:rPr lang="en-US" sz="2800" dirty="0"/>
-              <a:t>". Licensed under CC BY 2.5 via Wikipedia - </a:t>
-            </a:r>
-            <a:r>
-              <a:rPr lang="en-US" sz="2800" dirty="0">
-                <a:hlinkClick r:id="rId2"/>
-              </a:rPr>
-              <a:t>https://en.wikipedia.org/wiki/File:Perspectivephoto.jpg#/</a:t>
-            </a:r>
-            <a:r>
-              <a:rPr lang="en-US" sz="2800" dirty="0" smtClean="0">
-                <a:hlinkClick r:id="rId2"/>
-              </a:rPr>
-              <a:t>media/File:Perspectivephoto.jpg</a:t>
-            </a:r>
-            <a:endParaRPr lang="en-US" sz="2800" dirty="0" smtClean="0"/>
+            <a:endParaRPr lang="en-US" dirty="0" smtClean="0"/>
           </a:p>
           <a:p>
             <a:r>
-              <a:rPr lang="en-US" sz="2800" dirty="0"/>
-              <a:t>"</a:t>
-            </a:r>
-            <a:r>
-              <a:rPr lang="en-US" sz="2800" dirty="0" err="1"/>
-              <a:t>Eugène</a:t>
-            </a:r>
-            <a:r>
-              <a:rPr lang="en-US" sz="2800" dirty="0"/>
-              <a:t> Delacroix - The Fanatics of Tangier - WGA06195" by </a:t>
-            </a:r>
-            <a:r>
-              <a:rPr lang="en-US" sz="2800" dirty="0" err="1"/>
-              <a:t>Eugène</a:t>
-            </a:r>
-            <a:r>
-              <a:rPr lang="en-US" sz="2800" dirty="0"/>
-              <a:t> Delacroix - 1. Web Gallery of Art:   Image  Info about artwork2. The Minneapolis Institute of Arts. Licensed under Public Domain via Commons - https://</a:t>
-            </a:r>
-            <a:r>
-              <a:rPr lang="en-US" sz="2800" dirty="0" err="1"/>
+              <a:rPr lang="en-US" sz="3000" dirty="0"/>
+              <a:t>"Knot with </a:t>
+            </a:r>
+            <a:r>
+              <a:rPr lang="en-US" sz="3000" dirty="0" err="1"/>
+              <a:t>borromean</a:t>
+            </a:r>
+            <a:r>
+              <a:rPr lang="en-US" sz="3000" dirty="0"/>
+              <a:t> rings in </a:t>
+            </a:r>
+            <a:r>
+              <a:rPr lang="en-US" sz="3000" dirty="0" err="1"/>
+              <a:t>jsj</a:t>
+            </a:r>
+            <a:r>
+              <a:rPr lang="en-US" sz="3000" dirty="0"/>
+              <a:t> </a:t>
+            </a:r>
+            <a:r>
+              <a:rPr lang="en-US" sz="3000" dirty="0" err="1"/>
+              <a:t>decomp</a:t>
+            </a:r>
+            <a:r>
+              <a:rPr lang="en-US" sz="3000" dirty="0"/>
+              <a:t> small". Licensed under CC BY-SA 3.0 via Wikipedia - </a:t>
+            </a:r>
+            <a:r>
+              <a:rPr lang="en-US" sz="3000" dirty="0">
+                <a:hlinkClick r:id="rId3"/>
+              </a:rPr>
+              <a:t>https://en.wikipedia.org/wiki/File:Knot_with_borromean_rings_in_jsj_decomp_small.png#/media/</a:t>
+            </a:r>
+            <a:r>
+              <a:rPr lang="en-US" sz="3000" dirty="0" smtClean="0">
+                <a:hlinkClick r:id="rId3"/>
+              </a:rPr>
+              <a:t>File:Knot_with_borromean_rings_in_jsj_decomp_small.png</a:t>
+            </a:r>
+            <a:endParaRPr lang="en-US" sz="3000" dirty="0" smtClean="0"/>
+          </a:p>
+          <a:p>
+            <a:r>
+              <a:rPr lang="en-US" sz="3000" dirty="0"/>
+              <a:t>"Stonehenge on 27.01.08" by </a:t>
+            </a:r>
+            <a:r>
+              <a:rPr lang="en-US" sz="3000" dirty="0" err="1"/>
+              <a:t>Mavratti</a:t>
+            </a:r>
+            <a:r>
+              <a:rPr lang="en-US" sz="3000" dirty="0"/>
+              <a:t> - Own work. Licensed under Public Domain via Wikimedia Commons - https://</a:t>
+            </a:r>
+            <a:r>
+              <a:rPr lang="en-US" sz="3000" dirty="0" err="1"/>
               <a:t>commons.wikimedia.org</a:t>
             </a:r>
             <a:r>
-              <a:rPr lang="en-US" sz="2800" dirty="0"/>
-              <a:t>/wiki/File:Eug%C3%A8ne_Delacroix_-_The_Fanatics_of_Tangier_-_WGA06195.jpg#/media/File:Eug%C3%A8ne_Delacroix_-_The_Fanatics_of_Tangier_-_WGA06195.jpg</a:t>
-            </a:r>
+              <a:rPr lang="en-US" sz="3000" dirty="0"/>
+              <a:t>/wiki/File:Stonehenge_on_27.01.08.jpg#/media/File:Stonehenge_on_27.01.08.jpg</a:t>
+            </a:r>
+            <a:endParaRPr lang="en-US" sz="3000" dirty="0" smtClean="0"/>
+          </a:p>
+          <a:p>
+            <a:r>
+              <a:rPr lang="en-US" sz="3000" dirty="0" smtClean="0"/>
+              <a:t>The Mesa team at George Mason has contributed code to this project.</a:t>
+            </a:r>
+          </a:p>
+          <a:p>
+            <a:endParaRPr lang="en-US" dirty="0" smtClean="0"/>
           </a:p>
         </p:txBody>
       </p:sp>
     </p:spTree>
     <p:extLst>
       <p:ext uri="{BB962C8B-B14F-4D97-AF65-F5344CB8AC3E}">
-        <p14:creationId xmlns:p14="http://schemas.microsoft.com/office/powerpoint/2010/main" val="1596891371"/>
+        <p14:creationId xmlns:p14="http://schemas.microsoft.com/office/powerpoint/2010/main" val="3776600832"/>
       </p:ext>
     </p:extLst>
   </p:cSld>
@@ -33174,7 +33507,7 @@
         <p:spPr>
           <a:xfrm>
             <a:off x="381000" y="1676400"/>
-            <a:ext cx="8382000" cy="3877985"/>
+            <a:ext cx="8382000" cy="4739759"/>
           </a:xfrm>
         </p:spPr>
         <p:txBody>
@@ -33183,63 +33516,74 @@
           <a:p>
             <a:r>
               <a:rPr lang="en-US" sz="2800" dirty="0"/>
-              <a:t>"Linear subspaces with shading" by </a:t>
+              <a:t>"Bronze Age spear tip </a:t>
             </a:r>
             <a:r>
               <a:rPr lang="en-US" sz="2800" dirty="0" err="1"/>
-              <a:t>Alksentrs</a:t>
+              <a:t>mould</a:t>
             </a:r>
             <a:r>
               <a:rPr lang="en-US" sz="2800" dirty="0"/>
-              <a:t> at </a:t>
+              <a:t> IMG 5123" by Photograph by Rama, Wikimedia Commons, Cc-by-sa-2.0-fr. Licensed under CC BY-SA 2.0 </a:t>
             </a:r>
             <a:r>
               <a:rPr lang="en-US" sz="2800" dirty="0" err="1"/>
-              <a:t>en.wikipedia</a:t>
+              <a:t>fr</a:t>
             </a:r>
             <a:r>
               <a:rPr lang="en-US" sz="2800" dirty="0"/>
-              <a:t> - Own work (Original text: Own work, based on en::</a:t>
+              <a:t> via Commons - </a:t>
+            </a:r>
+            <a:r>
+              <a:rPr lang="en-US" sz="2800" dirty="0">
+                <a:hlinkClick r:id="rId2"/>
+              </a:rPr>
+              <a:t>https://commons.wikimedia.org/wiki/File:Bronze_Age_spear_tip_mould_IMG_5123.jpg#/</a:t>
+            </a:r>
+            <a:r>
+              <a:rPr lang="en-US" sz="2800" dirty="0" smtClean="0">
+                <a:hlinkClick r:id="rId2"/>
+              </a:rPr>
+              <a:t>media/File:Bronze_Age_spear_tip_mould_IMG_5123.jpg</a:t>
+            </a:r>
+            <a:endParaRPr lang="en-US" sz="2800" dirty="0" smtClean="0"/>
+          </a:p>
+          <a:p>
+            <a:r>
+              <a:rPr lang="en-US" sz="2800" dirty="0"/>
+              <a:t>"</a:t>
             </a:r>
             <a:r>
               <a:rPr lang="en-US" sz="2800" dirty="0" err="1"/>
-              <a:t>Image:Linearsubspace.svg</a:t>
+              <a:t>Axentowicz</a:t>
             </a:r>
             <a:r>
               <a:rPr lang="en-US" sz="2800" dirty="0"/>
-              <a:t> (by </a:t>
+              <a:t> The Anchorite" by </a:t>
             </a:r>
             <a:r>
               <a:rPr lang="en-US" sz="2800" dirty="0" err="1"/>
-              <a:t>en:User:Jakob.scholbach</a:t>
+              <a:t>Teodor</a:t>
             </a:r>
             <a:r>
               <a:rPr lang="en-US" sz="2800" dirty="0"/>
-              <a:t>).)Transferred from </a:t>
+              <a:t> </a:t>
             </a:r>
             <a:r>
               <a:rPr lang="en-US" sz="2800" dirty="0" err="1"/>
-              <a:t>en.wikipedia</a:t>
+              <a:t>Axentowicz</a:t>
             </a:r>
             <a:r>
               <a:rPr lang="en-US" sz="2800" dirty="0"/>
-              <a:t> to Commons by </a:t>
+              <a:t> - </a:t>
             </a:r>
             <a:r>
               <a:rPr lang="en-US" sz="2800" dirty="0" err="1"/>
-              <a:t>User:Ylebru</a:t>
+              <a:t>cyfrowe.mnw.art.pl</a:t>
             </a:r>
             <a:r>
               <a:rPr lang="en-US" sz="2800" dirty="0"/>
-              <a:t> using </a:t>
-            </a:r>
-            <a:r>
-              <a:rPr lang="en-US" sz="2800" dirty="0" err="1"/>
-              <a:t>CommonsHelper</a:t>
-            </a:r>
-            <a:r>
-              <a:rPr lang="en-US" sz="2800" dirty="0"/>
-              <a:t>.. Licensed under CC BY-SA 3.0 via Commons - https://</a:t>
+              <a:t>. Licensed under Public Domain via Commons - https://</a:t>
             </a:r>
             <a:r>
               <a:rPr lang="en-US" sz="2800" dirty="0" err="1"/>
@@ -33251,7 +33595,7 @@
             </a:r>
             <a:r>
               <a:rPr lang="en-US" sz="2800" dirty="0" err="1"/>
-              <a:t>File:Linear_subspaces_with_shading.svg</a:t>
+              <a:t>File:Axentowicz_The_Anchorite.jpg</a:t>
             </a:r>
             <a:r>
               <a:rPr lang="en-US" sz="2800" dirty="0"/>
@@ -33259,7 +33603,7 @@
             </a:r>
             <a:r>
               <a:rPr lang="en-US" sz="2800" dirty="0" err="1"/>
-              <a:t>File:Linear_subspaces_with_shading.svg</a:t>
+              <a:t>File:Axentowicz_The_Anchorite.jpg</a:t>
             </a:r>
             <a:endParaRPr lang="en-US" sz="2800" dirty="0"/>
           </a:p>
@@ -33268,7 +33612,7 @@
     </p:spTree>
     <p:extLst>
       <p:ext uri="{BB962C8B-B14F-4D97-AF65-F5344CB8AC3E}">
-        <p14:creationId xmlns:p14="http://schemas.microsoft.com/office/powerpoint/2010/main" val="901497122"/>
+        <p14:creationId xmlns:p14="http://schemas.microsoft.com/office/powerpoint/2010/main" val="1548311111"/>
       </p:ext>
     </p:extLst>
   </p:cSld>
@@ -33345,8 +33689,8 @@
         </p:nvSpPr>
         <p:spPr>
           <a:xfrm>
-            <a:off x="381000" y="1295400"/>
-            <a:ext cx="8382000" cy="5120759"/>
+            <a:off x="381000" y="1371600"/>
+            <a:ext cx="8382000" cy="5127558"/>
           </a:xfrm>
         </p:spPr>
         <p:txBody>
@@ -33355,58 +33699,50 @@
           <a:p>
             <a:r>
               <a:rPr lang="en-US" sz="2800" dirty="0"/>
-              <a:t>"Hokusai-sketches---hokusai-manga-vol6-crop" by Katsushika </a:t>
+              <a:t>"</a:t>
             </a:r>
             <a:r>
               <a:rPr lang="en-US" sz="2800" dirty="0" err="1"/>
-              <a:t>Hokusaiderivative</a:t>
+              <a:t>Perspectivephoto</a:t>
             </a:r>
             <a:r>
               <a:rPr lang="en-US" sz="2800" dirty="0"/>
-              <a:t> work: </a:t>
-            </a:r>
-            <a:r>
-              <a:rPr lang="en-US" sz="2800" dirty="0" err="1"/>
-              <a:t>AMorozov</a:t>
-            </a:r>
-            <a:r>
-              <a:rPr lang="en-US" sz="2800" dirty="0"/>
-              <a:t> - Hokusai_sketches_-_hokusai_manga_vol6.jpg. Licensed under Public Domain via Commons - </a:t>
+              <a:t>". Licensed under CC BY 2.5 via Wikipedia - </a:t>
             </a:r>
             <a:r>
               <a:rPr lang="en-US" sz="2800" dirty="0">
                 <a:hlinkClick r:id="rId2"/>
               </a:rPr>
-              <a:t>https://commons.wikimedia.org/wiki/File:Hokusai-sketches---hokusai-manga-vol6-crop.jpg#/media/File:Hokusai-sketches---</a:t>
+              <a:t>https://en.wikipedia.org/wiki/File:Perspectivephoto.jpg#/</a:t>
             </a:r>
             <a:r>
               <a:rPr lang="en-US" sz="2800" dirty="0" smtClean="0">
                 <a:hlinkClick r:id="rId2"/>
               </a:rPr>
-              <a:t>hokusai-manga-vol6-crop.jpg</a:t>
+              <a:t>media/File:Perspectivephoto.jpg</a:t>
             </a:r>
             <a:endParaRPr lang="en-US" sz="2800" dirty="0" smtClean="0"/>
           </a:p>
           <a:p>
             <a:r>
               <a:rPr lang="en-US" sz="2800" dirty="0"/>
-              <a:t>Daffy Duck: By Directed by </a:t>
+              <a:t>"</a:t>
             </a:r>
             <a:r>
               <a:rPr lang="en-US" sz="2800" dirty="0" err="1"/>
-              <a:t>Friz</a:t>
+              <a:t>Eugène</a:t>
             </a:r>
             <a:r>
               <a:rPr lang="en-US" sz="2800" dirty="0"/>
-              <a:t> </a:t>
+              <a:t> Delacroix - The Fanatics of Tangier - WGA06195" by </a:t>
             </a:r>
             <a:r>
               <a:rPr lang="en-US" sz="2800" dirty="0" err="1"/>
-              <a:t>Freleng</a:t>
+              <a:t>Eugène</a:t>
             </a:r>
             <a:r>
               <a:rPr lang="en-US" sz="2800" dirty="0"/>
-              <a:t>, (Warner Bros.) - YouTube, Public Domain, https://</a:t>
+              <a:t> Delacroix - 1. Web Gallery of Art:   Image  Info about artwork2. The Minneapolis Institute of Arts. Licensed under Public Domain via Commons - https://</a:t>
             </a:r>
             <a:r>
               <a:rPr lang="en-US" sz="2800" dirty="0" err="1"/>
@@ -33414,24 +33750,15 @@
             </a:r>
             <a:r>
               <a:rPr lang="en-US" sz="2800" dirty="0"/>
-              <a:t>/w/</a:t>
-            </a:r>
-            <a:r>
-              <a:rPr lang="en-US" sz="2800" dirty="0" err="1"/>
-              <a:t>index.php?curid</a:t>
-            </a:r>
-            <a:r>
-              <a:rPr lang="en-US" sz="2800" dirty="0"/>
-              <a:t>=34296734</a:t>
-            </a:r>
-            <a:endParaRPr lang="en-US" sz="2800" dirty="0" smtClean="0"/>
+              <a:t>/wiki/File:Eug%C3%A8ne_Delacroix_-_The_Fanatics_of_Tangier_-_WGA06195.jpg#/media/File:Eug%C3%A8ne_Delacroix_-_The_Fanatics_of_Tangier_-_WGA06195.jpg</a:t>
+            </a:r>
           </a:p>
         </p:txBody>
       </p:sp>
     </p:spTree>
     <p:extLst>
       <p:ext uri="{BB962C8B-B14F-4D97-AF65-F5344CB8AC3E}">
-        <p14:creationId xmlns:p14="http://schemas.microsoft.com/office/powerpoint/2010/main" val="526432442"/>
+        <p14:creationId xmlns:p14="http://schemas.microsoft.com/office/powerpoint/2010/main" val="1596891371"/>
       </p:ext>
     </p:extLst>
   </p:cSld>
@@ -33508,6 +33835,341 @@
         </p:nvSpPr>
         <p:spPr>
           <a:xfrm>
+            <a:off x="381000" y="1676400"/>
+            <a:ext cx="8382000" cy="3877985"/>
+          </a:xfrm>
+        </p:spPr>
+        <p:txBody>
+          <a:bodyPr/>
+          <a:lstStyle/>
+          <a:p>
+            <a:r>
+              <a:rPr lang="en-US" sz="2800" dirty="0"/>
+              <a:t>"Linear subspaces with shading" by </a:t>
+            </a:r>
+            <a:r>
+              <a:rPr lang="en-US" sz="2800" dirty="0" err="1"/>
+              <a:t>Alksentrs</a:t>
+            </a:r>
+            <a:r>
+              <a:rPr lang="en-US" sz="2800" dirty="0"/>
+              <a:t> at </a:t>
+            </a:r>
+            <a:r>
+              <a:rPr lang="en-US" sz="2800" dirty="0" err="1"/>
+              <a:t>en.wikipedia</a:t>
+            </a:r>
+            <a:r>
+              <a:rPr lang="en-US" sz="2800" dirty="0"/>
+              <a:t> - Own work (Original text: Own work, based on en::</a:t>
+            </a:r>
+            <a:r>
+              <a:rPr lang="en-US" sz="2800" dirty="0" err="1"/>
+              <a:t>Image:Linearsubspace.svg</a:t>
+            </a:r>
+            <a:r>
+              <a:rPr lang="en-US" sz="2800" dirty="0"/>
+              <a:t> (by </a:t>
+            </a:r>
+            <a:r>
+              <a:rPr lang="en-US" sz="2800" dirty="0" err="1"/>
+              <a:t>en:User:Jakob.scholbach</a:t>
+            </a:r>
+            <a:r>
+              <a:rPr lang="en-US" sz="2800" dirty="0"/>
+              <a:t>).)Transferred from </a:t>
+            </a:r>
+            <a:r>
+              <a:rPr lang="en-US" sz="2800" dirty="0" err="1"/>
+              <a:t>en.wikipedia</a:t>
+            </a:r>
+            <a:r>
+              <a:rPr lang="en-US" sz="2800" dirty="0"/>
+              <a:t> to Commons by </a:t>
+            </a:r>
+            <a:r>
+              <a:rPr lang="en-US" sz="2800" dirty="0" err="1"/>
+              <a:t>User:Ylebru</a:t>
+            </a:r>
+            <a:r>
+              <a:rPr lang="en-US" sz="2800" dirty="0"/>
+              <a:t> using </a:t>
+            </a:r>
+            <a:r>
+              <a:rPr lang="en-US" sz="2800" dirty="0" err="1"/>
+              <a:t>CommonsHelper</a:t>
+            </a:r>
+            <a:r>
+              <a:rPr lang="en-US" sz="2800" dirty="0"/>
+              <a:t>.. Licensed under CC BY-SA 3.0 via Commons - https://</a:t>
+            </a:r>
+            <a:r>
+              <a:rPr lang="en-US" sz="2800" dirty="0" err="1"/>
+              <a:t>commons.wikimedia.org</a:t>
+            </a:r>
+            <a:r>
+              <a:rPr lang="en-US" sz="2800" dirty="0"/>
+              <a:t>/wiki/</a:t>
+            </a:r>
+            <a:r>
+              <a:rPr lang="en-US" sz="2800" dirty="0" err="1"/>
+              <a:t>File:Linear_subspaces_with_shading.svg</a:t>
+            </a:r>
+            <a:r>
+              <a:rPr lang="en-US" sz="2800" dirty="0"/>
+              <a:t>#/media/</a:t>
+            </a:r>
+            <a:r>
+              <a:rPr lang="en-US" sz="2800" dirty="0" err="1"/>
+              <a:t>File:Linear_subspaces_with_shading.svg</a:t>
+            </a:r>
+            <a:endParaRPr lang="en-US" sz="2800" dirty="0"/>
+          </a:p>
+        </p:txBody>
+      </p:sp>
+    </p:spTree>
+    <p:extLst>
+      <p:ext uri="{BB962C8B-B14F-4D97-AF65-F5344CB8AC3E}">
+        <p14:creationId xmlns:p14="http://schemas.microsoft.com/office/powerpoint/2010/main" val="901497122"/>
+      </p:ext>
+    </p:extLst>
+  </p:cSld>
+  <p:clrMapOvr>
+    <a:masterClrMapping/>
+  </p:clrMapOvr>
+  <p:transition>
+    <p:fade/>
+  </p:transition>
+  <p:timing>
+    <p:tnLst>
+      <p:par>
+        <p:cTn id="1" dur="indefinite" restart="never" nodeType="tmRoot"/>
+      </p:par>
+    </p:tnLst>
+  </p:timing>
+</p:sld>
+</file>
+
+<file path=ppt/slides/slide37.xml><?xml version="1.0" encoding="utf-8"?>
+<p:sld xmlns:a="http://schemas.openxmlformats.org/drawingml/2006/main" xmlns:r="http://schemas.openxmlformats.org/officeDocument/2006/relationships" xmlns:p="http://schemas.openxmlformats.org/presentationml/2006/main">
+  <p:cSld>
+    <p:spTree>
+      <p:nvGrpSpPr>
+        <p:cNvPr id="1" name=""/>
+        <p:cNvGrpSpPr/>
+        <p:nvPr/>
+      </p:nvGrpSpPr>
+      <p:grpSpPr>
+        <a:xfrm>
+          <a:off x="0" y="0"/>
+          <a:ext cx="0" cy="0"/>
+          <a:chOff x="0" y="0"/>
+          <a:chExt cx="0" cy="0"/>
+        </a:xfrm>
+      </p:grpSpPr>
+      <p:sp>
+        <p:nvSpPr>
+          <p:cNvPr id="2" name="Title 1"/>
+          <p:cNvSpPr>
+            <a:spLocks noGrp="1"/>
+          </p:cNvSpPr>
+          <p:nvPr>
+            <p:ph type="title"/>
+          </p:nvPr>
+        </p:nvSpPr>
+        <p:spPr>
+          <a:xfrm>
+            <a:off x="381000" y="230188"/>
+            <a:ext cx="8382000" cy="664797"/>
+          </a:xfrm>
+        </p:spPr>
+        <p:txBody>
+          <a:bodyPr/>
+          <a:lstStyle/>
+          <a:p>
+            <a:r>
+              <a:rPr lang="en-US" dirty="0" smtClean="0"/>
+              <a:t>Credits</a:t>
+            </a:r>
+            <a:endParaRPr lang="en-US" dirty="0"/>
+          </a:p>
+        </p:txBody>
+      </p:sp>
+      <p:sp>
+        <p:nvSpPr>
+          <p:cNvPr id="3" name="Text Placeholder 2"/>
+          <p:cNvSpPr>
+            <a:spLocks noGrp="1"/>
+          </p:cNvSpPr>
+          <p:nvPr>
+            <p:ph type="body" sz="quarter" idx="10"/>
+          </p:nvPr>
+        </p:nvSpPr>
+        <p:spPr>
+          <a:xfrm>
+            <a:off x="381000" y="1295400"/>
+            <a:ext cx="8382000" cy="5120759"/>
+          </a:xfrm>
+        </p:spPr>
+        <p:txBody>
+          <a:bodyPr/>
+          <a:lstStyle/>
+          <a:p>
+            <a:r>
+              <a:rPr lang="en-US" sz="2800" dirty="0"/>
+              <a:t>"Hokusai-sketches---hokusai-manga-vol6-crop" by Katsushika </a:t>
+            </a:r>
+            <a:r>
+              <a:rPr lang="en-US" sz="2800" dirty="0" err="1"/>
+              <a:t>Hokusaiderivative</a:t>
+            </a:r>
+            <a:r>
+              <a:rPr lang="en-US" sz="2800" dirty="0"/>
+              <a:t> work: </a:t>
+            </a:r>
+            <a:r>
+              <a:rPr lang="en-US" sz="2800" dirty="0" err="1"/>
+              <a:t>AMorozov</a:t>
+            </a:r>
+            <a:r>
+              <a:rPr lang="en-US" sz="2800" dirty="0"/>
+              <a:t> - Hokusai_sketches_-_hokusai_manga_vol6.jpg. Licensed under Public Domain via Commons - </a:t>
+            </a:r>
+            <a:r>
+              <a:rPr lang="en-US" sz="2800" dirty="0">
+                <a:hlinkClick r:id="rId2"/>
+              </a:rPr>
+              <a:t>https://commons.wikimedia.org/wiki/File:Hokusai-sketches---hokusai-manga-vol6-crop.jpg#/media/File:Hokusai-sketches---</a:t>
+            </a:r>
+            <a:r>
+              <a:rPr lang="en-US" sz="2800" dirty="0" smtClean="0">
+                <a:hlinkClick r:id="rId2"/>
+              </a:rPr>
+              <a:t>hokusai-manga-vol6-crop.jpg</a:t>
+            </a:r>
+            <a:endParaRPr lang="en-US" sz="2800" dirty="0" smtClean="0"/>
+          </a:p>
+          <a:p>
+            <a:r>
+              <a:rPr lang="en-US" sz="2800" dirty="0"/>
+              <a:t>Daffy Duck: By Directed by </a:t>
+            </a:r>
+            <a:r>
+              <a:rPr lang="en-US" sz="2800" dirty="0" err="1"/>
+              <a:t>Friz</a:t>
+            </a:r>
+            <a:r>
+              <a:rPr lang="en-US" sz="2800" dirty="0"/>
+              <a:t> </a:t>
+            </a:r>
+            <a:r>
+              <a:rPr lang="en-US" sz="2800" dirty="0" err="1"/>
+              <a:t>Freleng</a:t>
+            </a:r>
+            <a:r>
+              <a:rPr lang="en-US" sz="2800" dirty="0"/>
+              <a:t>, (Warner Bros.) - YouTube, Public Domain, https://</a:t>
+            </a:r>
+            <a:r>
+              <a:rPr lang="en-US" sz="2800" dirty="0" err="1"/>
+              <a:t>commons.wikimedia.org</a:t>
+            </a:r>
+            <a:r>
+              <a:rPr lang="en-US" sz="2800" dirty="0"/>
+              <a:t>/w/</a:t>
+            </a:r>
+            <a:r>
+              <a:rPr lang="en-US" sz="2800" dirty="0" err="1"/>
+              <a:t>index.php?curid</a:t>
+            </a:r>
+            <a:r>
+              <a:rPr lang="en-US" sz="2800" dirty="0"/>
+              <a:t>=34296734</a:t>
+            </a:r>
+            <a:endParaRPr lang="en-US" sz="2800" dirty="0" smtClean="0"/>
+          </a:p>
+        </p:txBody>
+      </p:sp>
+    </p:spTree>
+    <p:extLst>
+      <p:ext uri="{BB962C8B-B14F-4D97-AF65-F5344CB8AC3E}">
+        <p14:creationId xmlns:p14="http://schemas.microsoft.com/office/powerpoint/2010/main" val="526432442"/>
+      </p:ext>
+    </p:extLst>
+  </p:cSld>
+  <p:clrMapOvr>
+    <a:masterClrMapping/>
+  </p:clrMapOvr>
+  <p:transition>
+    <p:fade/>
+  </p:transition>
+  <p:timing>
+    <p:tnLst>
+      <p:par>
+        <p:cTn id="1" dur="indefinite" restart="never" nodeType="tmRoot"/>
+      </p:par>
+    </p:tnLst>
+  </p:timing>
+</p:sld>
+</file>
+
+<file path=ppt/slides/slide38.xml><?xml version="1.0" encoding="utf-8"?>
+<p:sld xmlns:a="http://schemas.openxmlformats.org/drawingml/2006/main" xmlns:r="http://schemas.openxmlformats.org/officeDocument/2006/relationships" xmlns:p="http://schemas.openxmlformats.org/presentationml/2006/main">
+  <p:cSld>
+    <p:spTree>
+      <p:nvGrpSpPr>
+        <p:cNvPr id="1" name=""/>
+        <p:cNvGrpSpPr/>
+        <p:nvPr/>
+      </p:nvGrpSpPr>
+      <p:grpSpPr>
+        <a:xfrm>
+          <a:off x="0" y="0"/>
+          <a:ext cx="0" cy="0"/>
+          <a:chOff x="0" y="0"/>
+          <a:chExt cx="0" cy="0"/>
+        </a:xfrm>
+      </p:grpSpPr>
+      <p:sp>
+        <p:nvSpPr>
+          <p:cNvPr id="2" name="Title 1"/>
+          <p:cNvSpPr>
+            <a:spLocks noGrp="1"/>
+          </p:cNvSpPr>
+          <p:nvPr>
+            <p:ph type="title"/>
+          </p:nvPr>
+        </p:nvSpPr>
+        <p:spPr>
+          <a:xfrm>
+            <a:off x="381000" y="230188"/>
+            <a:ext cx="8382000" cy="664797"/>
+          </a:xfrm>
+        </p:spPr>
+        <p:txBody>
+          <a:bodyPr/>
+          <a:lstStyle/>
+          <a:p>
+            <a:r>
+              <a:rPr lang="en-US" dirty="0" smtClean="0"/>
+              <a:t>Credits</a:t>
+            </a:r>
+            <a:endParaRPr lang="en-US" dirty="0"/>
+          </a:p>
+        </p:txBody>
+      </p:sp>
+      <p:sp>
+        <p:nvSpPr>
+          <p:cNvPr id="3" name="Text Placeholder 2"/>
+          <p:cNvSpPr>
+            <a:spLocks noGrp="1"/>
+          </p:cNvSpPr>
+          <p:nvPr>
+            <p:ph type="body" sz="quarter" idx="10"/>
+          </p:nvPr>
+        </p:nvSpPr>
+        <p:spPr>
+          <a:xfrm>
             <a:off x="381000" y="1295400"/>
             <a:ext cx="8382000" cy="3102388"/>
           </a:xfrm>
@@ -33584,6 +34246,155 @@
 </file>
 
 <file path=ppt/slides/slide4.xml><?xml version="1.0" encoding="utf-8"?>
+<p:sld xmlns:a="http://schemas.openxmlformats.org/drawingml/2006/main" xmlns:r="http://schemas.openxmlformats.org/officeDocument/2006/relationships" xmlns:p="http://schemas.openxmlformats.org/presentationml/2006/main">
+  <p:cSld>
+    <p:spTree>
+      <p:nvGrpSpPr>
+        <p:cNvPr id="1" name=""/>
+        <p:cNvGrpSpPr/>
+        <p:nvPr/>
+      </p:nvGrpSpPr>
+      <p:grpSpPr>
+        <a:xfrm>
+          <a:off x="0" y="0"/>
+          <a:ext cx="0" cy="0"/>
+          <a:chOff x="0" y="0"/>
+          <a:chExt cx="0" cy="0"/>
+        </a:xfrm>
+      </p:grpSpPr>
+      <p:sp>
+        <p:nvSpPr>
+          <p:cNvPr id="2" name="Title 1"/>
+          <p:cNvSpPr>
+            <a:spLocks noGrp="1"/>
+          </p:cNvSpPr>
+          <p:nvPr>
+            <p:ph type="title"/>
+          </p:nvPr>
+        </p:nvSpPr>
+        <p:spPr>
+          <a:xfrm>
+            <a:off x="381000" y="230188"/>
+            <a:ext cx="8382000" cy="664797"/>
+          </a:xfrm>
+        </p:spPr>
+        <p:txBody>
+          <a:bodyPr/>
+          <a:lstStyle/>
+          <a:p>
+            <a:r>
+              <a:rPr lang="en-US" dirty="0" smtClean="0"/>
+              <a:t>Polymorphism</a:t>
+            </a:r>
+            <a:endParaRPr lang="en-US" dirty="0"/>
+          </a:p>
+        </p:txBody>
+      </p:sp>
+      <p:sp>
+        <p:nvSpPr>
+          <p:cNvPr id="3" name="Text Placeholder 2"/>
+          <p:cNvSpPr>
+            <a:spLocks noGrp="1"/>
+          </p:cNvSpPr>
+          <p:nvPr>
+            <p:ph type="body" sz="quarter" idx="10"/>
+          </p:nvPr>
+        </p:nvSpPr>
+        <p:spPr>
+          <a:xfrm>
+            <a:off x="304800" y="1295400"/>
+            <a:ext cx="8534400" cy="4764381"/>
+          </a:xfrm>
+        </p:spPr>
+        <p:txBody>
+          <a:bodyPr/>
+          <a:lstStyle/>
+          <a:p>
+            <a:r>
+              <a:rPr lang="en-US" dirty="0" smtClean="0"/>
+              <a:t>What is the difference between generic programming and polymorphism?</a:t>
+            </a:r>
+          </a:p>
+          <a:p>
+            <a:r>
+              <a:rPr lang="en-US" dirty="0" smtClean="0"/>
+              <a:t>For Python, not much!</a:t>
+            </a:r>
+          </a:p>
+          <a:p>
+            <a:pPr lvl="1"/>
+            <a:r>
+              <a:rPr lang="en-US" dirty="0" smtClean="0"/>
+              <a:t>Just a greater focus on abstraction.</a:t>
+            </a:r>
+          </a:p>
+          <a:p>
+            <a:r>
+              <a:rPr lang="en-US" dirty="0" smtClean="0"/>
+              <a:t>Languages like C++, with stronger typing, needed extension to support generic programming:</a:t>
+            </a:r>
+          </a:p>
+          <a:p>
+            <a:pPr lvl="1"/>
+            <a:r>
+              <a:rPr lang="en-US" dirty="0" smtClean="0"/>
+              <a:t>C++ Standard Template Library, written by </a:t>
+            </a:r>
+            <a:r>
+              <a:rPr lang="en-US" dirty="0" err="1" smtClean="0"/>
+              <a:t>Stepanov</a:t>
+            </a:r>
+            <a:r>
+              <a:rPr lang="en-US" dirty="0" smtClean="0"/>
+              <a:t>:</a:t>
+            </a:r>
+          </a:p>
+          <a:p>
+            <a:pPr lvl="2"/>
+            <a:r>
+              <a:rPr lang="en-US" dirty="0" smtClean="0"/>
+              <a:t>“</a:t>
+            </a:r>
+            <a:r>
+              <a:rPr lang="en-US" dirty="0"/>
+              <a:t>For example, an algorithm to reverse a sequence can be implemented using bidirectional iterators, and then the same implementation can be used on lists, vectors and </a:t>
+            </a:r>
+            <a:r>
+              <a:rPr lang="en-US" dirty="0" err="1" smtClean="0"/>
+              <a:t>deques</a:t>
+            </a:r>
+            <a:r>
+              <a:rPr lang="en-US" dirty="0" smtClean="0"/>
+              <a:t>.” (Wikipedia)</a:t>
+            </a:r>
+            <a:endParaRPr lang="en-US" dirty="0"/>
+          </a:p>
+        </p:txBody>
+      </p:sp>
+    </p:spTree>
+    <p:extLst>
+      <p:ext uri="{BB962C8B-B14F-4D97-AF65-F5344CB8AC3E}">
+        <p14:creationId xmlns:p14="http://schemas.microsoft.com/office/powerpoint/2010/main" val="1039285656"/>
+      </p:ext>
+    </p:extLst>
+  </p:cSld>
+  <p:clrMapOvr>
+    <a:masterClrMapping/>
+  </p:clrMapOvr>
+  <p:transition>
+    <p:fade/>
+  </p:transition>
+  <p:timing>
+    <p:tnLst>
+      <p:par>
+        <p:cTn id="1" dur="indefinite" restart="never" nodeType="tmRoot"/>
+      </p:par>
+    </p:tnLst>
+  </p:timing>
+</p:sld>
+</file>
+
+<file path=ppt/slides/slide5.xml><?xml version="1.0" encoding="utf-8"?>
 <p:sld xmlns:a="http://schemas.openxmlformats.org/drawingml/2006/main" xmlns:r="http://schemas.openxmlformats.org/officeDocument/2006/relationships" xmlns:p="http://schemas.openxmlformats.org/presentationml/2006/main">
   <p:cSld>
     <p:spTree>
@@ -33650,13 +34461,29 @@
   <p:clrMapOvr>
     <a:masterClrMapping/>
   </p:clrMapOvr>
-  <p:transition>
-    <p:fade/>
-  </p:transition>
+  <mc:AlternateContent xmlns:mc="http://schemas.openxmlformats.org/markup-compatibility/2006">
+    <mc:Choice xmlns:p14="http://schemas.microsoft.com/office/powerpoint/2010/main" Requires="p14">
+      <p:transition spd="slow" p14:dur="4400">
+        <p14:honeycomb/>
+      </p:transition>
+    </mc:Choice>
+    <mc:Fallback>
+      <p:transition spd="slow">
+        <p:fade/>
+      </p:transition>
+    </mc:Fallback>
+  </mc:AlternateContent>
+  <p:timing>
+    <p:tnLst>
+      <p:par>
+        <p:cTn id="1" dur="indefinite" restart="never" nodeType="tmRoot"/>
+      </p:par>
+    </p:tnLst>
+  </p:timing>
 </p:sld>
 </file>
 
-<file path=ppt/slides/slide5.xml><?xml version="1.0" encoding="utf-8"?>
+<file path=ppt/slides/slide6.xml><?xml version="1.0" encoding="utf-8"?>
 <p:sld xmlns:a="http://schemas.openxmlformats.org/drawingml/2006/main" xmlns:r="http://schemas.openxmlformats.org/officeDocument/2006/relationships" xmlns:p="http://schemas.openxmlformats.org/presentationml/2006/main">
   <p:cSld>
     <p:spTree>
@@ -33835,7 +34662,7 @@
 </p:sld>
 </file>
 
-<file path=ppt/slides/slide6.xml><?xml version="1.0" encoding="utf-8"?>
+<file path=ppt/slides/slide7.xml><?xml version="1.0" encoding="utf-8"?>
 <p:sld xmlns:a="http://schemas.openxmlformats.org/drawingml/2006/main" xmlns:r="http://schemas.openxmlformats.org/officeDocument/2006/relationships" xmlns:p="http://schemas.openxmlformats.org/presentationml/2006/main">
   <p:cSld>
     <p:spTree>
@@ -34011,7 +34838,7 @@
 </p:sld>
 </file>
 
-<file path=ppt/slides/slide7.xml><?xml version="1.0" encoding="utf-8"?>
+<file path=ppt/slides/slide8.xml><?xml version="1.0" encoding="utf-8"?>
 <p:sld xmlns:a="http://schemas.openxmlformats.org/drawingml/2006/main" xmlns:r="http://schemas.openxmlformats.org/officeDocument/2006/relationships" xmlns:p="http://schemas.openxmlformats.org/presentationml/2006/main">
   <p:cSld>
     <p:spTree>
@@ -34153,7 +34980,7 @@
 </p:sld>
 </file>
 
-<file path=ppt/slides/slide8.xml><?xml version="1.0" encoding="utf-8"?>
+<file path=ppt/slides/slide9.xml><?xml version="1.0" encoding="utf-8"?>
 <p:sld xmlns:a="http://schemas.openxmlformats.org/drawingml/2006/main" xmlns:r="http://schemas.openxmlformats.org/officeDocument/2006/relationships" xmlns:p="http://schemas.openxmlformats.org/presentationml/2006/main">
   <p:cSld>
     <p:spTree>
@@ -34300,171 +35127,6 @@
     <p:extLst>
       <p:ext uri="{BB962C8B-B14F-4D97-AF65-F5344CB8AC3E}">
         <p14:creationId xmlns:p14="http://schemas.microsoft.com/office/powerpoint/2010/main" val="3726126062"/>
-      </p:ext>
-    </p:extLst>
-  </p:cSld>
-  <p:clrMapOvr>
-    <a:masterClrMapping/>
-  </p:clrMapOvr>
-  <p:transition>
-    <p:fade/>
-  </p:transition>
-  <p:timing>
-    <p:tnLst>
-      <p:par>
-        <p:cTn id="1" dur="indefinite" restart="never" nodeType="tmRoot"/>
-      </p:par>
-    </p:tnLst>
-  </p:timing>
-</p:sld>
-</file>
-
-<file path=ppt/slides/slide9.xml><?xml version="1.0" encoding="utf-8"?>
-<p:sld xmlns:a="http://schemas.openxmlformats.org/drawingml/2006/main" xmlns:r="http://schemas.openxmlformats.org/officeDocument/2006/relationships" xmlns:p="http://schemas.openxmlformats.org/presentationml/2006/main">
-  <p:cSld>
-    <p:spTree>
-      <p:nvGrpSpPr>
-        <p:cNvPr id="1" name=""/>
-        <p:cNvGrpSpPr/>
-        <p:nvPr/>
-      </p:nvGrpSpPr>
-      <p:grpSpPr>
-        <a:xfrm>
-          <a:off x="0" y="0"/>
-          <a:ext cx="0" cy="0"/>
-          <a:chOff x="0" y="0"/>
-          <a:chExt cx="0" cy="0"/>
-        </a:xfrm>
-      </p:grpSpPr>
-      <p:sp>
-        <p:nvSpPr>
-          <p:cNvPr id="2" name="Title 1"/>
-          <p:cNvSpPr>
-            <a:spLocks noGrp="1"/>
-          </p:cNvSpPr>
-          <p:nvPr>
-            <p:ph type="title"/>
-          </p:nvPr>
-        </p:nvSpPr>
-        <p:spPr>
-          <a:xfrm>
-            <a:off x="381000" y="230188"/>
-            <a:ext cx="8382000" cy="760412"/>
-          </a:xfrm>
-        </p:spPr>
-        <p:txBody>
-          <a:bodyPr>
-            <a:normAutofit fontScale="90000"/>
-          </a:bodyPr>
-          <a:lstStyle/>
-          <a:p>
-            <a:r>
-              <a:rPr lang="en-US" smtClean="0"/>
-              <a:t>Agent-Based Modeling </a:t>
-            </a:r>
-            <a:r>
-              <a:rPr lang="en-US"/>
-              <a:t>(ABM)</a:t>
-            </a:r>
-            <a:r>
-              <a:rPr lang="en-US" dirty="0" smtClean="0"/>
-              <a:t/>
-            </a:r>
-            <a:br>
-              <a:rPr lang="en-US" dirty="0" smtClean="0"/>
-            </a:br>
-            <a:endParaRPr lang="en-US" dirty="0">
-              <a:solidFill>
-                <a:schemeClr val="tx2"/>
-              </a:solidFill>
-            </a:endParaRPr>
-          </a:p>
-        </p:txBody>
-      </p:sp>
-      <p:sp>
-        <p:nvSpPr>
-          <p:cNvPr id="3" name="Text Placeholder 2"/>
-          <p:cNvSpPr>
-            <a:spLocks noGrp="1"/>
-          </p:cNvSpPr>
-          <p:nvPr>
-            <p:ph type="body" sz="quarter" idx="10"/>
-          </p:nvPr>
-        </p:nvSpPr>
-        <p:spPr>
-          <a:xfrm>
-            <a:off x="381000" y="990600"/>
-            <a:ext cx="8382000" cy="2209800"/>
-          </a:xfrm>
-        </p:spPr>
-        <p:txBody>
-          <a:bodyPr>
-            <a:normAutofit/>
-          </a:bodyPr>
-          <a:lstStyle/>
-          <a:p>
-            <a:r>
-              <a:rPr lang="en-US" dirty="0" smtClean="0"/>
-              <a:t>Example: a forest fire model</a:t>
-            </a:r>
-          </a:p>
-          <a:p>
-            <a:pPr lvl="1"/>
-            <a:r>
-              <a:rPr lang="en-US" dirty="0" smtClean="0"/>
-              <a:t>Lightening strikes randomly, starting a fire</a:t>
-            </a:r>
-          </a:p>
-          <a:p>
-            <a:pPr lvl="1"/>
-            <a:r>
-              <a:rPr lang="en-US" dirty="0" smtClean="0"/>
-              <a:t>Trees on fire ignite neighbors</a:t>
-            </a:r>
-          </a:p>
-          <a:p>
-            <a:pPr lvl="1"/>
-            <a:r>
-              <a:rPr lang="en-US" dirty="0" smtClean="0"/>
-              <a:t>Trees grow anew in burned out spots</a:t>
-            </a:r>
-          </a:p>
-        </p:txBody>
-      </p:sp>
-      <p:pic>
-        <p:nvPicPr>
-          <p:cNvPr id="4" name="Picture 3" descr="forest_fire.png"/>
-          <p:cNvPicPr>
-            <a:picLocks noChangeAspect="1"/>
-          </p:cNvPicPr>
-          <p:nvPr/>
-        </p:nvPicPr>
-        <p:blipFill>
-          <a:blip r:embed="rId3">
-            <a:extLst>
-              <a:ext uri="{28A0092B-C50C-407E-A947-70E740481C1C}">
-                <a14:useLocalDpi xmlns:a14="http://schemas.microsoft.com/office/drawing/2010/main" val="0"/>
-              </a:ext>
-            </a:extLst>
-          </a:blip>
-          <a:stretch>
-            <a:fillRect/>
-          </a:stretch>
-        </p:blipFill>
-        <p:spPr>
-          <a:xfrm>
-            <a:off x="3581400" y="3048000"/>
-            <a:ext cx="4724400" cy="3543300"/>
-          </a:xfrm>
-          <a:prstGeom prst="rect">
-            <a:avLst/>
-          </a:prstGeom>
-        </p:spPr>
-      </p:pic>
-    </p:spTree>
-    <p:extLst>
-      <p:ext uri="{BB962C8B-B14F-4D97-AF65-F5344CB8AC3E}">
-        <p14:creationId xmlns:p14="http://schemas.microsoft.com/office/powerpoint/2010/main" val="4038856037"/>
       </p:ext>
     </p:extLst>
   </p:cSld>

--- a/docs/ABMsAsAlgebraic.pptx
+++ b/docs/ABMsAsAlgebraic.pptx
@@ -36,10 +36,10 @@
     <p:sldId id="301" r:id="rId30"/>
     <p:sldId id="302" r:id="rId31"/>
     <p:sldId id="303" r:id="rId32"/>
-    <p:sldId id="304" r:id="rId33"/>
-    <p:sldId id="305" r:id="rId34"/>
-    <p:sldId id="306" r:id="rId35"/>
-    <p:sldId id="312" r:id="rId36"/>
+    <p:sldId id="318" r:id="rId33"/>
+    <p:sldId id="304" r:id="rId34"/>
+    <p:sldId id="305" r:id="rId35"/>
+    <p:sldId id="306" r:id="rId36"/>
     <p:sldId id="290" r:id="rId37"/>
     <p:sldId id="268" r:id="rId38"/>
     <p:sldId id="307" r:id="rId39"/>
@@ -6520,6 +6520,788 @@
   <dgm:styleLbl name="fgShp">
     <dgm:fillClrLst meth="repeat">
       <a:schemeClr val="accent5">
+        <a:tint val="40000"/>
+      </a:schemeClr>
+    </dgm:fillClrLst>
+    <dgm:linClrLst meth="repeat">
+      <a:schemeClr val="lt1"/>
+    </dgm:linClrLst>
+    <dgm:effectClrLst/>
+    <dgm:txLinClrLst/>
+    <dgm:txFillClrLst meth="repeat">
+      <a:schemeClr val="dk1"/>
+    </dgm:txFillClrLst>
+    <dgm:txEffectClrLst/>
+  </dgm:styleLbl>
+  <dgm:styleLbl name="revTx">
+    <dgm:fillClrLst meth="repeat">
+      <a:schemeClr val="lt1">
+        <a:alpha val="0"/>
+      </a:schemeClr>
+    </dgm:fillClrLst>
+    <dgm:linClrLst meth="repeat">
+      <a:schemeClr val="dk1">
+        <a:alpha val="0"/>
+      </a:schemeClr>
+    </dgm:linClrLst>
+    <dgm:effectClrLst/>
+    <dgm:txLinClrLst/>
+    <dgm:txFillClrLst meth="repeat">
+      <a:schemeClr val="tx1"/>
+    </dgm:txFillClrLst>
+    <dgm:txEffectClrLst/>
+  </dgm:styleLbl>
+</dgm:colorsDef>
+</file>
+
+<file path=ppt/diagrams/colors9.xml><?xml version="1.0" encoding="utf-8"?>
+<dgm:colorsDef xmlns:dgm="http://schemas.openxmlformats.org/drawingml/2006/diagram" xmlns:a="http://schemas.openxmlformats.org/drawingml/2006/main" uniqueId="urn:microsoft.com/office/officeart/2005/8/colors/colorful2">
+  <dgm:title val=""/>
+  <dgm:desc val=""/>
+  <dgm:catLst>
+    <dgm:cat type="colorful" pri="10200"/>
+  </dgm:catLst>
+  <dgm:styleLbl name="node0">
+    <dgm:fillClrLst meth="repeat">
+      <a:schemeClr val="accent1"/>
+    </dgm:fillClrLst>
+    <dgm:linClrLst meth="repeat">
+      <a:schemeClr val="lt1"/>
+    </dgm:linClrLst>
+    <dgm:effectClrLst/>
+    <dgm:txLinClrLst/>
+    <dgm:txFillClrLst/>
+    <dgm:txEffectClrLst/>
+  </dgm:styleLbl>
+  <dgm:styleLbl name="node1">
+    <dgm:fillClrLst>
+      <a:schemeClr val="accent2"/>
+      <a:schemeClr val="accent3"/>
+    </dgm:fillClrLst>
+    <dgm:linClrLst meth="repeat">
+      <a:schemeClr val="lt1"/>
+    </dgm:linClrLst>
+    <dgm:effectClrLst/>
+    <dgm:txLinClrLst/>
+    <dgm:txFillClrLst/>
+    <dgm:txEffectClrLst/>
+  </dgm:styleLbl>
+  <dgm:styleLbl name="alignNode1">
+    <dgm:fillClrLst>
+      <a:schemeClr val="accent2"/>
+      <a:schemeClr val="accent3"/>
+    </dgm:fillClrLst>
+    <dgm:linClrLst>
+      <a:schemeClr val="accent2"/>
+      <a:schemeClr val="accent3"/>
+    </dgm:linClrLst>
+    <dgm:effectClrLst/>
+    <dgm:txLinClrLst/>
+    <dgm:txFillClrLst/>
+    <dgm:txEffectClrLst/>
+  </dgm:styleLbl>
+  <dgm:styleLbl name="lnNode1">
+    <dgm:fillClrLst>
+      <a:schemeClr val="accent2"/>
+      <a:schemeClr val="accent3"/>
+    </dgm:fillClrLst>
+    <dgm:linClrLst meth="repeat">
+      <a:schemeClr val="lt1"/>
+    </dgm:linClrLst>
+    <dgm:effectClrLst/>
+    <dgm:txLinClrLst/>
+    <dgm:txFillClrLst/>
+    <dgm:txEffectClrLst/>
+  </dgm:styleLbl>
+  <dgm:styleLbl name="vennNode1">
+    <dgm:fillClrLst>
+      <a:schemeClr val="accent2">
+        <a:alpha val="50000"/>
+      </a:schemeClr>
+      <a:schemeClr val="accent3">
+        <a:alpha val="50000"/>
+      </a:schemeClr>
+    </dgm:fillClrLst>
+    <dgm:linClrLst meth="repeat">
+      <a:schemeClr val="lt1"/>
+    </dgm:linClrLst>
+    <dgm:effectClrLst/>
+    <dgm:txLinClrLst/>
+    <dgm:txFillClrLst/>
+    <dgm:txEffectClrLst/>
+  </dgm:styleLbl>
+  <dgm:styleLbl name="node2">
+    <dgm:fillClrLst>
+      <a:schemeClr val="accent3"/>
+    </dgm:fillClrLst>
+    <dgm:linClrLst meth="repeat">
+      <a:schemeClr val="lt1"/>
+    </dgm:linClrLst>
+    <dgm:effectClrLst/>
+    <dgm:txLinClrLst/>
+    <dgm:txFillClrLst/>
+    <dgm:txEffectClrLst/>
+  </dgm:styleLbl>
+  <dgm:styleLbl name="node3">
+    <dgm:fillClrLst>
+      <a:schemeClr val="accent4"/>
+    </dgm:fillClrLst>
+    <dgm:linClrLst meth="repeat">
+      <a:schemeClr val="lt1"/>
+    </dgm:linClrLst>
+    <dgm:effectClrLst/>
+    <dgm:txLinClrLst/>
+    <dgm:txFillClrLst/>
+    <dgm:txEffectClrLst/>
+  </dgm:styleLbl>
+  <dgm:styleLbl name="node4">
+    <dgm:fillClrLst>
+      <a:schemeClr val="accent5"/>
+    </dgm:fillClrLst>
+    <dgm:linClrLst meth="repeat">
+      <a:schemeClr val="lt1"/>
+    </dgm:linClrLst>
+    <dgm:effectClrLst/>
+    <dgm:txLinClrLst/>
+    <dgm:txFillClrLst/>
+    <dgm:txEffectClrLst/>
+  </dgm:styleLbl>
+  <dgm:styleLbl name="fgImgPlace1">
+    <dgm:fillClrLst>
+      <a:schemeClr val="accent2">
+        <a:tint val="50000"/>
+      </a:schemeClr>
+      <a:schemeClr val="accent3">
+        <a:tint val="50000"/>
+      </a:schemeClr>
+    </dgm:fillClrLst>
+    <dgm:linClrLst meth="repeat">
+      <a:schemeClr val="lt1"/>
+    </dgm:linClrLst>
+    <dgm:effectClrLst/>
+    <dgm:txLinClrLst/>
+    <dgm:txFillClrLst meth="repeat">
+      <a:schemeClr val="lt1"/>
+    </dgm:txFillClrLst>
+    <dgm:txEffectClrLst/>
+  </dgm:styleLbl>
+  <dgm:styleLbl name="alignImgPlace1">
+    <dgm:fillClrLst>
+      <a:schemeClr val="accent2">
+        <a:tint val="50000"/>
+      </a:schemeClr>
+      <a:schemeClr val="accent3">
+        <a:tint val="20000"/>
+      </a:schemeClr>
+    </dgm:fillClrLst>
+    <dgm:linClrLst meth="repeat">
+      <a:schemeClr val="lt1"/>
+    </dgm:linClrLst>
+    <dgm:effectClrLst/>
+    <dgm:txLinClrLst/>
+    <dgm:txFillClrLst meth="repeat">
+      <a:schemeClr val="lt1"/>
+    </dgm:txFillClrLst>
+    <dgm:txEffectClrLst/>
+  </dgm:styleLbl>
+  <dgm:styleLbl name="bgImgPlace1">
+    <dgm:fillClrLst>
+      <a:schemeClr val="accent2">
+        <a:tint val="50000"/>
+      </a:schemeClr>
+      <a:schemeClr val="accent3">
+        <a:tint val="20000"/>
+      </a:schemeClr>
+    </dgm:fillClrLst>
+    <dgm:linClrLst meth="repeat">
+      <a:schemeClr val="lt1"/>
+    </dgm:linClrLst>
+    <dgm:effectClrLst/>
+    <dgm:txLinClrLst/>
+    <dgm:txFillClrLst meth="repeat">
+      <a:schemeClr val="lt1"/>
+    </dgm:txFillClrLst>
+    <dgm:txEffectClrLst/>
+  </dgm:styleLbl>
+  <dgm:styleLbl name="sibTrans2D1">
+    <dgm:fillClrLst>
+      <a:schemeClr val="accent2"/>
+      <a:schemeClr val="accent3"/>
+    </dgm:fillClrLst>
+    <dgm:linClrLst meth="repeat">
+      <a:schemeClr val="lt1"/>
+    </dgm:linClrLst>
+    <dgm:effectClrLst/>
+    <dgm:txLinClrLst/>
+    <dgm:txFillClrLst/>
+    <dgm:txEffectClrLst/>
+  </dgm:styleLbl>
+  <dgm:styleLbl name="fgSibTrans2D1">
+    <dgm:fillClrLst>
+      <a:schemeClr val="accent2"/>
+      <a:schemeClr val="accent3"/>
+    </dgm:fillClrLst>
+    <dgm:linClrLst meth="repeat">
+      <a:schemeClr val="lt1"/>
+    </dgm:linClrLst>
+    <dgm:effectClrLst/>
+    <dgm:txLinClrLst/>
+    <dgm:txFillClrLst meth="repeat">
+      <a:schemeClr val="lt1"/>
+    </dgm:txFillClrLst>
+    <dgm:txEffectClrLst/>
+  </dgm:styleLbl>
+  <dgm:styleLbl name="bgSibTrans2D1">
+    <dgm:fillClrLst>
+      <a:schemeClr val="accent2"/>
+      <a:schemeClr val="accent3"/>
+    </dgm:fillClrLst>
+    <dgm:linClrLst meth="repeat">
+      <a:schemeClr val="lt1"/>
+    </dgm:linClrLst>
+    <dgm:effectClrLst/>
+    <dgm:txLinClrLst/>
+    <dgm:txFillClrLst meth="repeat">
+      <a:schemeClr val="lt1"/>
+    </dgm:txFillClrLst>
+    <dgm:txEffectClrLst/>
+  </dgm:styleLbl>
+  <dgm:styleLbl name="sibTrans1D1">
+    <dgm:fillClrLst/>
+    <dgm:linClrLst>
+      <a:schemeClr val="accent2"/>
+      <a:schemeClr val="accent3"/>
+    </dgm:linClrLst>
+    <dgm:effectClrLst/>
+    <dgm:txLinClrLst/>
+    <dgm:txFillClrLst meth="repeat">
+      <a:schemeClr val="tx1"/>
+    </dgm:txFillClrLst>
+    <dgm:txEffectClrLst/>
+  </dgm:styleLbl>
+  <dgm:styleLbl name="callout">
+    <dgm:fillClrLst meth="repeat">
+      <a:schemeClr val="accent2"/>
+    </dgm:fillClrLst>
+    <dgm:linClrLst meth="repeat">
+      <a:schemeClr val="accent2">
+        <a:tint val="50000"/>
+      </a:schemeClr>
+    </dgm:linClrLst>
+    <dgm:effectClrLst/>
+    <dgm:txLinClrLst/>
+    <dgm:txFillClrLst meth="repeat">
+      <a:schemeClr val="tx1"/>
+    </dgm:txFillClrLst>
+    <dgm:txEffectClrLst/>
+  </dgm:styleLbl>
+  <dgm:styleLbl name="asst0">
+    <dgm:fillClrLst meth="repeat">
+      <a:schemeClr val="accent2"/>
+    </dgm:fillClrLst>
+    <dgm:linClrLst meth="repeat">
+      <a:schemeClr val="lt1">
+        <a:shade val="80000"/>
+      </a:schemeClr>
+    </dgm:linClrLst>
+    <dgm:effectClrLst/>
+    <dgm:txLinClrLst/>
+    <dgm:txFillClrLst/>
+    <dgm:txEffectClrLst/>
+  </dgm:styleLbl>
+  <dgm:styleLbl name="asst1">
+    <dgm:fillClrLst meth="repeat">
+      <a:schemeClr val="accent3"/>
+    </dgm:fillClrLst>
+    <dgm:linClrLst meth="repeat">
+      <a:schemeClr val="lt1">
+        <a:shade val="80000"/>
+      </a:schemeClr>
+    </dgm:linClrLst>
+    <dgm:effectClrLst/>
+    <dgm:txLinClrLst/>
+    <dgm:txFillClrLst/>
+    <dgm:txEffectClrLst/>
+  </dgm:styleLbl>
+  <dgm:styleLbl name="asst2">
+    <dgm:fillClrLst>
+      <a:schemeClr val="accent4"/>
+    </dgm:fillClrLst>
+    <dgm:linClrLst meth="repeat">
+      <a:schemeClr val="lt1"/>
+    </dgm:linClrLst>
+    <dgm:effectClrLst/>
+    <dgm:txLinClrLst/>
+    <dgm:txFillClrLst/>
+    <dgm:txEffectClrLst/>
+  </dgm:styleLbl>
+  <dgm:styleLbl name="asst3">
+    <dgm:fillClrLst>
+      <a:schemeClr val="accent5"/>
+    </dgm:fillClrLst>
+    <dgm:linClrLst meth="repeat">
+      <a:schemeClr val="lt1"/>
+    </dgm:linClrLst>
+    <dgm:effectClrLst/>
+    <dgm:txLinClrLst/>
+    <dgm:txFillClrLst/>
+    <dgm:txEffectClrLst/>
+  </dgm:styleLbl>
+  <dgm:styleLbl name="asst4">
+    <dgm:fillClrLst>
+      <a:schemeClr val="accent6"/>
+    </dgm:fillClrLst>
+    <dgm:linClrLst meth="repeat">
+      <a:schemeClr val="lt1"/>
+    </dgm:linClrLst>
+    <dgm:effectClrLst/>
+    <dgm:txLinClrLst/>
+    <dgm:txFillClrLst/>
+    <dgm:txEffectClrLst/>
+  </dgm:styleLbl>
+  <dgm:styleLbl name="parChTrans2D1">
+    <dgm:fillClrLst meth="repeat">
+      <a:schemeClr val="accent2"/>
+    </dgm:fillClrLst>
+    <dgm:linClrLst meth="repeat">
+      <a:schemeClr val="lt1"/>
+    </dgm:linClrLst>
+    <dgm:effectClrLst/>
+    <dgm:txLinClrLst/>
+    <dgm:txFillClrLst meth="repeat">
+      <a:schemeClr val="lt1"/>
+    </dgm:txFillClrLst>
+    <dgm:txEffectClrLst/>
+  </dgm:styleLbl>
+  <dgm:styleLbl name="parChTrans2D2">
+    <dgm:fillClrLst meth="repeat">
+      <a:schemeClr val="accent3"/>
+    </dgm:fillClrLst>
+    <dgm:linClrLst meth="repeat">
+      <a:schemeClr val="lt1"/>
+    </dgm:linClrLst>
+    <dgm:effectClrLst/>
+    <dgm:txLinClrLst/>
+    <dgm:txFillClrLst/>
+    <dgm:txEffectClrLst/>
+  </dgm:styleLbl>
+  <dgm:styleLbl name="parChTrans2D3">
+    <dgm:fillClrLst meth="repeat">
+      <a:schemeClr val="accent4"/>
+    </dgm:fillClrLst>
+    <dgm:linClrLst meth="repeat">
+      <a:schemeClr val="lt1"/>
+    </dgm:linClrLst>
+    <dgm:effectClrLst/>
+    <dgm:txLinClrLst/>
+    <dgm:txFillClrLst/>
+    <dgm:txEffectClrLst/>
+  </dgm:styleLbl>
+  <dgm:styleLbl name="parChTrans2D4">
+    <dgm:fillClrLst meth="repeat">
+      <a:schemeClr val="accent5"/>
+    </dgm:fillClrLst>
+    <dgm:linClrLst meth="repeat">
+      <a:schemeClr val="lt1"/>
+    </dgm:linClrLst>
+    <dgm:effectClrLst/>
+    <dgm:txLinClrLst/>
+    <dgm:txFillClrLst meth="repeat">
+      <a:schemeClr val="lt1"/>
+    </dgm:txFillClrLst>
+    <dgm:txEffectClrLst/>
+  </dgm:styleLbl>
+  <dgm:styleLbl name="parChTrans1D1">
+    <dgm:fillClrLst meth="repeat">
+      <a:schemeClr val="accent2"/>
+    </dgm:fillClrLst>
+    <dgm:linClrLst meth="repeat">
+      <a:schemeClr val="accent2"/>
+    </dgm:linClrLst>
+    <dgm:effectClrLst/>
+    <dgm:txLinClrLst/>
+    <dgm:txFillClrLst meth="repeat">
+      <a:schemeClr val="tx1"/>
+    </dgm:txFillClrLst>
+    <dgm:txEffectClrLst/>
+  </dgm:styleLbl>
+  <dgm:styleLbl name="parChTrans1D2">
+    <dgm:fillClrLst meth="repeat">
+      <a:schemeClr val="accent2">
+        <a:tint val="90000"/>
+      </a:schemeClr>
+    </dgm:fillClrLst>
+    <dgm:linClrLst meth="repeat">
+      <a:schemeClr val="accent3"/>
+    </dgm:linClrLst>
+    <dgm:effectClrLst/>
+    <dgm:txLinClrLst/>
+    <dgm:txFillClrLst meth="repeat">
+      <a:schemeClr val="tx1"/>
+    </dgm:txFillClrLst>
+    <dgm:txEffectClrLst/>
+  </dgm:styleLbl>
+  <dgm:styleLbl name="parChTrans1D3">
+    <dgm:fillClrLst meth="repeat">
+      <a:schemeClr val="accent2">
+        <a:tint val="70000"/>
+      </a:schemeClr>
+    </dgm:fillClrLst>
+    <dgm:linClrLst meth="repeat">
+      <a:schemeClr val="accent4"/>
+    </dgm:linClrLst>
+    <dgm:effectClrLst/>
+    <dgm:txLinClrLst/>
+    <dgm:txFillClrLst meth="repeat">
+      <a:schemeClr val="tx1"/>
+    </dgm:txFillClrLst>
+    <dgm:txEffectClrLst/>
+  </dgm:styleLbl>
+  <dgm:styleLbl name="parChTrans1D4">
+    <dgm:fillClrLst meth="repeat">
+      <a:schemeClr val="accent2">
+        <a:tint val="50000"/>
+      </a:schemeClr>
+    </dgm:fillClrLst>
+    <dgm:linClrLst meth="repeat">
+      <a:schemeClr val="accent5"/>
+    </dgm:linClrLst>
+    <dgm:effectClrLst/>
+    <dgm:txLinClrLst/>
+    <dgm:txFillClrLst meth="repeat">
+      <a:schemeClr val="tx1"/>
+    </dgm:txFillClrLst>
+    <dgm:txEffectClrLst/>
+  </dgm:styleLbl>
+  <dgm:styleLbl name="fgAcc1">
+    <dgm:fillClrLst meth="repeat">
+      <a:schemeClr val="lt1">
+        <a:alpha val="90000"/>
+      </a:schemeClr>
+    </dgm:fillClrLst>
+    <dgm:linClrLst>
+      <a:schemeClr val="accent2"/>
+      <a:schemeClr val="accent3"/>
+    </dgm:linClrLst>
+    <dgm:effectClrLst/>
+    <dgm:txLinClrLst/>
+    <dgm:txFillClrLst meth="repeat">
+      <a:schemeClr val="dk1"/>
+    </dgm:txFillClrLst>
+    <dgm:txEffectClrLst/>
+  </dgm:styleLbl>
+  <dgm:styleLbl name="conFgAcc1">
+    <dgm:fillClrLst meth="repeat">
+      <a:schemeClr val="lt1">
+        <a:alpha val="90000"/>
+      </a:schemeClr>
+    </dgm:fillClrLst>
+    <dgm:linClrLst>
+      <a:schemeClr val="accent2"/>
+      <a:schemeClr val="accent3"/>
+    </dgm:linClrLst>
+    <dgm:effectClrLst/>
+    <dgm:txLinClrLst/>
+    <dgm:txFillClrLst meth="repeat">
+      <a:schemeClr val="dk1"/>
+    </dgm:txFillClrLst>
+    <dgm:txEffectClrLst/>
+  </dgm:styleLbl>
+  <dgm:styleLbl name="alignAcc1">
+    <dgm:fillClrLst meth="repeat">
+      <a:schemeClr val="lt1">
+        <a:alpha val="90000"/>
+      </a:schemeClr>
+    </dgm:fillClrLst>
+    <dgm:linClrLst>
+      <a:schemeClr val="accent2"/>
+      <a:schemeClr val="accent3"/>
+    </dgm:linClrLst>
+    <dgm:effectClrLst/>
+    <dgm:txLinClrLst/>
+    <dgm:txFillClrLst meth="repeat">
+      <a:schemeClr val="dk1"/>
+    </dgm:txFillClrLst>
+    <dgm:txEffectClrLst/>
+  </dgm:styleLbl>
+  <dgm:styleLbl name="trAlignAcc1">
+    <dgm:fillClrLst meth="repeat">
+      <a:schemeClr val="lt1">
+        <a:alpha val="40000"/>
+      </a:schemeClr>
+    </dgm:fillClrLst>
+    <dgm:linClrLst meth="repeat">
+      <a:schemeClr val="accent2"/>
+    </dgm:linClrLst>
+    <dgm:effectClrLst/>
+    <dgm:txLinClrLst/>
+    <dgm:txFillClrLst meth="repeat">
+      <a:schemeClr val="dk1"/>
+    </dgm:txFillClrLst>
+    <dgm:txEffectClrLst/>
+  </dgm:styleLbl>
+  <dgm:styleLbl name="bgAcc1">
+    <dgm:fillClrLst meth="repeat">
+      <a:schemeClr val="lt1">
+        <a:alpha val="90000"/>
+      </a:schemeClr>
+    </dgm:fillClrLst>
+    <dgm:linClrLst>
+      <a:schemeClr val="accent2"/>
+      <a:schemeClr val="accent3"/>
+    </dgm:linClrLst>
+    <dgm:effectClrLst/>
+    <dgm:txLinClrLst/>
+    <dgm:txFillClrLst meth="repeat">
+      <a:schemeClr val="dk1"/>
+    </dgm:txFillClrLst>
+    <dgm:txEffectClrLst/>
+  </dgm:styleLbl>
+  <dgm:styleLbl name="solidFgAcc1">
+    <dgm:fillClrLst meth="repeat">
+      <a:schemeClr val="lt1"/>
+    </dgm:fillClrLst>
+    <dgm:linClrLst>
+      <a:schemeClr val="accent2"/>
+      <a:schemeClr val="accent3"/>
+    </dgm:linClrLst>
+    <dgm:effectClrLst/>
+    <dgm:txLinClrLst/>
+    <dgm:txFillClrLst meth="repeat">
+      <a:schemeClr val="dk1"/>
+    </dgm:txFillClrLst>
+    <dgm:txEffectClrLst/>
+  </dgm:styleLbl>
+  <dgm:styleLbl name="solidAlignAcc1">
+    <dgm:fillClrLst meth="repeat">
+      <a:schemeClr val="lt1"/>
+    </dgm:fillClrLst>
+    <dgm:linClrLst>
+      <a:schemeClr val="accent2"/>
+      <a:schemeClr val="accent3"/>
+    </dgm:linClrLst>
+    <dgm:effectClrLst/>
+    <dgm:txLinClrLst/>
+    <dgm:txFillClrLst meth="repeat">
+      <a:schemeClr val="dk1"/>
+    </dgm:txFillClrLst>
+    <dgm:txEffectClrLst/>
+  </dgm:styleLbl>
+  <dgm:styleLbl name="solidBgAcc1">
+    <dgm:fillClrLst meth="repeat">
+      <a:schemeClr val="lt1"/>
+    </dgm:fillClrLst>
+    <dgm:linClrLst>
+      <a:schemeClr val="accent2"/>
+      <a:schemeClr val="accent3"/>
+    </dgm:linClrLst>
+    <dgm:effectClrLst/>
+    <dgm:txLinClrLst/>
+    <dgm:txFillClrLst meth="repeat">
+      <a:schemeClr val="dk1"/>
+    </dgm:txFillClrLst>
+    <dgm:txEffectClrLst/>
+  </dgm:styleLbl>
+  <dgm:styleLbl name="fgAccFollowNode1">
+    <dgm:fillClrLst>
+      <a:schemeClr val="accent2">
+        <a:tint val="40000"/>
+        <a:alpha val="90000"/>
+      </a:schemeClr>
+      <a:schemeClr val="accent3">
+        <a:tint val="40000"/>
+        <a:alpha val="90000"/>
+      </a:schemeClr>
+    </dgm:fillClrLst>
+    <dgm:linClrLst>
+      <a:schemeClr val="accent2">
+        <a:tint val="40000"/>
+        <a:alpha val="90000"/>
+      </a:schemeClr>
+      <a:schemeClr val="accent3">
+        <a:tint val="40000"/>
+        <a:alpha val="90000"/>
+      </a:schemeClr>
+    </dgm:linClrLst>
+    <dgm:effectClrLst/>
+    <dgm:txLinClrLst/>
+    <dgm:txFillClrLst meth="repeat">
+      <a:schemeClr val="dk1"/>
+    </dgm:txFillClrLst>
+    <dgm:txEffectClrLst/>
+  </dgm:styleLbl>
+  <dgm:styleLbl name="alignAccFollowNode1">
+    <dgm:fillClrLst>
+      <a:schemeClr val="accent2">
+        <a:tint val="40000"/>
+        <a:alpha val="90000"/>
+      </a:schemeClr>
+      <a:schemeClr val="accent3">
+        <a:tint val="40000"/>
+        <a:alpha val="90000"/>
+      </a:schemeClr>
+    </dgm:fillClrLst>
+    <dgm:linClrLst>
+      <a:schemeClr val="accent2">
+        <a:tint val="40000"/>
+        <a:alpha val="90000"/>
+      </a:schemeClr>
+      <a:schemeClr val="accent3">
+        <a:tint val="40000"/>
+        <a:alpha val="90000"/>
+      </a:schemeClr>
+    </dgm:linClrLst>
+    <dgm:effectClrLst/>
+    <dgm:txLinClrLst/>
+    <dgm:txFillClrLst meth="repeat">
+      <a:schemeClr val="dk1"/>
+    </dgm:txFillClrLst>
+    <dgm:txEffectClrLst/>
+  </dgm:styleLbl>
+  <dgm:styleLbl name="bgAccFollowNode1">
+    <dgm:fillClrLst>
+      <a:schemeClr val="accent2">
+        <a:tint val="40000"/>
+        <a:alpha val="90000"/>
+      </a:schemeClr>
+      <a:schemeClr val="accent3">
+        <a:tint val="40000"/>
+        <a:alpha val="90000"/>
+      </a:schemeClr>
+    </dgm:fillClrLst>
+    <dgm:linClrLst>
+      <a:schemeClr val="accent2">
+        <a:tint val="40000"/>
+        <a:alpha val="90000"/>
+      </a:schemeClr>
+      <a:schemeClr val="accent3">
+        <a:tint val="40000"/>
+        <a:alpha val="90000"/>
+      </a:schemeClr>
+    </dgm:linClrLst>
+    <dgm:effectClrLst/>
+    <dgm:txLinClrLst/>
+    <dgm:txFillClrLst meth="repeat">
+      <a:schemeClr val="dk1"/>
+    </dgm:txFillClrLst>
+    <dgm:txEffectClrLst/>
+  </dgm:styleLbl>
+  <dgm:styleLbl name="fgAcc0">
+    <dgm:fillClrLst meth="repeat">
+      <a:schemeClr val="lt1">
+        <a:alpha val="90000"/>
+      </a:schemeClr>
+    </dgm:fillClrLst>
+    <dgm:linClrLst>
+      <a:schemeClr val="accent1"/>
+    </dgm:linClrLst>
+    <dgm:effectClrLst/>
+    <dgm:txLinClrLst/>
+    <dgm:txFillClrLst meth="repeat">
+      <a:schemeClr val="dk1"/>
+    </dgm:txFillClrLst>
+    <dgm:txEffectClrLst/>
+  </dgm:styleLbl>
+  <dgm:styleLbl name="fgAcc2">
+    <dgm:fillClrLst meth="repeat">
+      <a:schemeClr val="lt1">
+        <a:alpha val="90000"/>
+      </a:schemeClr>
+    </dgm:fillClrLst>
+    <dgm:linClrLst>
+      <a:schemeClr val="accent3"/>
+    </dgm:linClrLst>
+    <dgm:effectClrLst/>
+    <dgm:txLinClrLst/>
+    <dgm:txFillClrLst meth="repeat">
+      <a:schemeClr val="dk1"/>
+    </dgm:txFillClrLst>
+    <dgm:txEffectClrLst/>
+  </dgm:styleLbl>
+  <dgm:styleLbl name="fgAcc3">
+    <dgm:fillClrLst meth="repeat">
+      <a:schemeClr val="lt1">
+        <a:alpha val="90000"/>
+      </a:schemeClr>
+    </dgm:fillClrLst>
+    <dgm:linClrLst>
+      <a:schemeClr val="accent4"/>
+    </dgm:linClrLst>
+    <dgm:effectClrLst/>
+    <dgm:txLinClrLst/>
+    <dgm:txFillClrLst meth="repeat">
+      <a:schemeClr val="dk1"/>
+    </dgm:txFillClrLst>
+    <dgm:txEffectClrLst/>
+  </dgm:styleLbl>
+  <dgm:styleLbl name="fgAcc4">
+    <dgm:fillClrLst meth="repeat">
+      <a:schemeClr val="lt1">
+        <a:alpha val="90000"/>
+      </a:schemeClr>
+    </dgm:fillClrLst>
+    <dgm:linClrLst>
+      <a:schemeClr val="accent5"/>
+    </dgm:linClrLst>
+    <dgm:effectClrLst/>
+    <dgm:txLinClrLst/>
+    <dgm:txFillClrLst meth="repeat">
+      <a:schemeClr val="dk1"/>
+    </dgm:txFillClrLst>
+    <dgm:txEffectClrLst/>
+  </dgm:styleLbl>
+  <dgm:styleLbl name="bgShp">
+    <dgm:fillClrLst meth="repeat">
+      <a:schemeClr val="accent2">
+        <a:tint val="40000"/>
+      </a:schemeClr>
+    </dgm:fillClrLst>
+    <dgm:linClrLst meth="repeat">
+      <a:schemeClr val="dk1"/>
+    </dgm:linClrLst>
+    <dgm:effectClrLst/>
+    <dgm:txLinClrLst/>
+    <dgm:txFillClrLst meth="repeat">
+      <a:schemeClr val="dk1"/>
+    </dgm:txFillClrLst>
+    <dgm:txEffectClrLst/>
+  </dgm:styleLbl>
+  <dgm:styleLbl name="dkBgShp">
+    <dgm:fillClrLst meth="repeat">
+      <a:schemeClr val="accent2">
+        <a:shade val="90000"/>
+      </a:schemeClr>
+    </dgm:fillClrLst>
+    <dgm:linClrLst meth="repeat">
+      <a:schemeClr val="dk1"/>
+    </dgm:linClrLst>
+    <dgm:effectClrLst/>
+    <dgm:txLinClrLst/>
+    <dgm:txFillClrLst meth="repeat">
+      <a:schemeClr val="lt1"/>
+    </dgm:txFillClrLst>
+    <dgm:txEffectClrLst/>
+  </dgm:styleLbl>
+  <dgm:styleLbl name="trBgShp">
+    <dgm:fillClrLst meth="repeat">
+      <a:schemeClr val="accent2">
+        <a:tint val="50000"/>
+        <a:alpha val="40000"/>
+      </a:schemeClr>
+    </dgm:fillClrLst>
+    <dgm:linClrLst meth="repeat">
+      <a:schemeClr val="accent2"/>
+    </dgm:linClrLst>
+    <dgm:effectClrLst/>
+    <dgm:txLinClrLst/>
+    <dgm:txFillClrLst meth="repeat">
+      <a:schemeClr val="lt1"/>
+    </dgm:txFillClrLst>
+    <dgm:txEffectClrLst/>
+  </dgm:styleLbl>
+  <dgm:styleLbl name="fgShp">
+    <dgm:fillClrLst meth="repeat">
+      <a:schemeClr val="accent2">
         <a:tint val="40000"/>
       </a:schemeClr>
     </dgm:fillClrLst>
@@ -8616,6 +9398,484 @@
     </a:ext>
     <a:ext uri="{C62137D5-CB1D-491B-B009-E17868A290BF}">
       <dgm14:recolorImg xmlns:dgm14="http://schemas.microsoft.com/office/drawing/2010/diagram" val="1"/>
+    </a:ext>
+  </dgm:extLst>
+</dgm:dataModel>
+</file>
+
+<file path=ppt/diagrams/data9.xml><?xml version="1.0" encoding="utf-8"?>
+<dgm:dataModel xmlns:dgm="http://schemas.openxmlformats.org/drawingml/2006/diagram" xmlns:a="http://schemas.openxmlformats.org/drawingml/2006/main">
+  <dgm:ptLst>
+    <dgm:pt modelId="{2AC110E6-F772-164D-A74E-9BCCCBE8B031}" type="doc">
+      <dgm:prSet loTypeId="urn:microsoft.com/office/officeart/2009/layout/CirclePictureHierarchy" loCatId="" qsTypeId="urn:microsoft.com/office/officeart/2005/8/quickstyle/simple4" qsCatId="simple" csTypeId="urn:microsoft.com/office/officeart/2005/8/colors/colorful2" csCatId="colorful" phldr="1"/>
+      <dgm:spPr/>
+      <dgm:t>
+        <a:bodyPr/>
+        <a:lstStyle/>
+        <a:p>
+          <a:endParaRPr lang="en-US"/>
+        </a:p>
+      </dgm:t>
+    </dgm:pt>
+    <dgm:pt modelId="{50CE8BE5-FE4F-8D40-989F-58B127300842}">
+      <dgm:prSet phldrT="[Text]"/>
+      <dgm:spPr/>
+      <dgm:t>
+        <a:bodyPr/>
+        <a:lstStyle/>
+        <a:p>
+          <a:r>
+            <a:rPr lang="en-US" dirty="0" err="1" smtClean="0"/>
+            <a:t>Prehension</a:t>
+          </a:r>
+          <a:endParaRPr lang="en-US" dirty="0"/>
+        </a:p>
+      </dgm:t>
+    </dgm:pt>
+    <dgm:pt modelId="{B0C311EB-3644-0248-A207-C561591F2130}" type="parTrans" cxnId="{5EB3EF3E-32FD-E24C-83D2-6D7748D99A93}">
+      <dgm:prSet/>
+      <dgm:spPr/>
+      <dgm:t>
+        <a:bodyPr/>
+        <a:lstStyle/>
+        <a:p>
+          <a:endParaRPr lang="en-US"/>
+        </a:p>
+      </dgm:t>
+    </dgm:pt>
+    <dgm:pt modelId="{E1DB3513-1D53-6B4E-AC85-66E578D05C9F}" type="sibTrans" cxnId="{5EB3EF3E-32FD-E24C-83D2-6D7748D99A93}">
+      <dgm:prSet/>
+      <dgm:spPr/>
+      <dgm:t>
+        <a:bodyPr/>
+        <a:lstStyle/>
+        <a:p>
+          <a:endParaRPr lang="en-US"/>
+        </a:p>
+      </dgm:t>
+    </dgm:pt>
+    <dgm:pt modelId="{5947C7E3-01D6-CA4D-974E-3BBC51416DCB}">
+      <dgm:prSet phldrT="[Text]"/>
+      <dgm:spPr/>
+      <dgm:t>
+        <a:bodyPr/>
+        <a:lstStyle/>
+        <a:p>
+          <a:r>
+            <a:rPr lang="en-US" dirty="0" smtClean="0"/>
+            <a:t>Vector Space</a:t>
+          </a:r>
+          <a:endParaRPr lang="en-US" dirty="0"/>
+        </a:p>
+      </dgm:t>
+    </dgm:pt>
+    <dgm:pt modelId="{634B3ED2-2B7E-EC44-BCDD-5D639DCE0F61}" type="parTrans" cxnId="{EEF6E9A4-2C18-DC42-B3A0-77B919DB31D9}">
+      <dgm:prSet/>
+      <dgm:spPr/>
+      <dgm:t>
+        <a:bodyPr/>
+        <a:lstStyle/>
+        <a:p>
+          <a:endParaRPr lang="en-US"/>
+        </a:p>
+      </dgm:t>
+    </dgm:pt>
+    <dgm:pt modelId="{88EC45BB-3F78-0343-86B1-90C12B59880F}" type="sibTrans" cxnId="{EEF6E9A4-2C18-DC42-B3A0-77B919DB31D9}">
+      <dgm:prSet/>
+      <dgm:spPr/>
+      <dgm:t>
+        <a:bodyPr/>
+        <a:lstStyle/>
+        <a:p>
+          <a:endParaRPr lang="en-US"/>
+        </a:p>
+      </dgm:t>
+    </dgm:pt>
+    <dgm:pt modelId="{8E742056-2AE6-854E-9FEA-BE128397F8FD}">
+      <dgm:prSet phldrT="[Text]"/>
+      <dgm:spPr/>
+      <dgm:t>
+        <a:bodyPr/>
+        <a:lstStyle/>
+        <a:p>
+          <a:r>
+            <a:rPr lang="en-US" dirty="0" smtClean="0"/>
+            <a:t>Fashion model</a:t>
+          </a:r>
+          <a:endParaRPr lang="en-US" dirty="0"/>
+        </a:p>
+      </dgm:t>
+    </dgm:pt>
+    <dgm:pt modelId="{DD3C6668-7100-A248-90FE-335F532DE7D9}" type="parTrans" cxnId="{045B215C-2BB9-D040-B40E-F9C7345F2450}">
+      <dgm:prSet/>
+      <dgm:spPr/>
+      <dgm:t>
+        <a:bodyPr/>
+        <a:lstStyle/>
+        <a:p>
+          <a:endParaRPr lang="en-US"/>
+        </a:p>
+      </dgm:t>
+    </dgm:pt>
+    <dgm:pt modelId="{6635668E-D0F5-C74D-A35C-A726D64124C2}" type="sibTrans" cxnId="{045B215C-2BB9-D040-B40E-F9C7345F2450}">
+      <dgm:prSet/>
+      <dgm:spPr/>
+      <dgm:t>
+        <a:bodyPr/>
+        <a:lstStyle/>
+        <a:p>
+          <a:endParaRPr lang="en-US"/>
+        </a:p>
+      </dgm:t>
+    </dgm:pt>
+    <dgm:pt modelId="{2E75A9C6-C8EA-9546-8733-3262A052CC00}">
+      <dgm:prSet phldrT="[Text]"/>
+      <dgm:spPr/>
+      <dgm:t>
+        <a:bodyPr/>
+        <a:lstStyle/>
+        <a:p>
+          <a:r>
+            <a:rPr lang="en-US" dirty="0" smtClean="0"/>
+            <a:t>Segregation model</a:t>
+          </a:r>
+          <a:endParaRPr lang="en-US" dirty="0"/>
+        </a:p>
+      </dgm:t>
+    </dgm:pt>
+    <dgm:pt modelId="{F46B314C-F2E1-1D4A-8A6D-BFC29AB2A3D1}" type="parTrans" cxnId="{16674432-352B-7849-9F3F-369C1CD8CE0A}">
+      <dgm:prSet/>
+      <dgm:spPr/>
+      <dgm:t>
+        <a:bodyPr/>
+        <a:lstStyle/>
+        <a:p>
+          <a:endParaRPr lang="en-US"/>
+        </a:p>
+      </dgm:t>
+    </dgm:pt>
+    <dgm:pt modelId="{27B61B99-5BA6-8849-B964-393292C0F327}" type="sibTrans" cxnId="{16674432-352B-7849-9F3F-369C1CD8CE0A}">
+      <dgm:prSet/>
+      <dgm:spPr/>
+      <dgm:t>
+        <a:bodyPr/>
+        <a:lstStyle/>
+        <a:p>
+          <a:endParaRPr lang="en-US"/>
+        </a:p>
+      </dgm:t>
+    </dgm:pt>
+    <dgm:pt modelId="{7393D429-4215-3E4F-851F-3C5E85712256}">
+      <dgm:prSet phldrT="[Text]"/>
+      <dgm:spPr/>
+      <dgm:t>
+        <a:bodyPr/>
+        <a:lstStyle/>
+        <a:p>
+          <a:r>
+            <a:rPr lang="en-US" dirty="0" smtClean="0"/>
+            <a:t>Markov chain</a:t>
+          </a:r>
+          <a:endParaRPr lang="en-US" dirty="0"/>
+        </a:p>
+      </dgm:t>
+    </dgm:pt>
+    <dgm:pt modelId="{12B274E4-18DF-1F4B-A44D-2A6EDCC2AEDF}" type="parTrans" cxnId="{0CFDD76D-5F04-7A44-BFEA-5AEEF5AB19DF}">
+      <dgm:prSet/>
+      <dgm:spPr/>
+      <dgm:t>
+        <a:bodyPr/>
+        <a:lstStyle/>
+        <a:p>
+          <a:endParaRPr lang="en-US"/>
+        </a:p>
+      </dgm:t>
+    </dgm:pt>
+    <dgm:pt modelId="{239B13B9-AFAC-994B-ADC2-B0FC2237CA42}" type="sibTrans" cxnId="{0CFDD76D-5F04-7A44-BFEA-5AEEF5AB19DF}">
+      <dgm:prSet/>
+      <dgm:spPr/>
+      <dgm:t>
+        <a:bodyPr/>
+        <a:lstStyle/>
+        <a:p>
+          <a:endParaRPr lang="en-US"/>
+        </a:p>
+      </dgm:t>
+    </dgm:pt>
+    <dgm:pt modelId="{8F02186B-4DB5-E746-A59D-B6EE971B6A15}">
+      <dgm:prSet phldrT="[Text]"/>
+      <dgm:spPr/>
+      <dgm:t>
+        <a:bodyPr/>
+        <a:lstStyle/>
+        <a:p>
+          <a:r>
+            <a:rPr lang="en-US" dirty="0" smtClean="0"/>
+            <a:t>Forest fire</a:t>
+          </a:r>
+          <a:endParaRPr lang="en-US" dirty="0"/>
+        </a:p>
+      </dgm:t>
+    </dgm:pt>
+    <dgm:pt modelId="{B63DCA60-5459-BA43-8773-949551BE5A96}" type="parTrans" cxnId="{4AEE76C3-5D53-C647-B197-3027AC114694}">
+      <dgm:prSet/>
+      <dgm:spPr/>
+      <dgm:t>
+        <a:bodyPr/>
+        <a:lstStyle/>
+        <a:p>
+          <a:endParaRPr lang="en-US"/>
+        </a:p>
+      </dgm:t>
+    </dgm:pt>
+    <dgm:pt modelId="{096A4D9F-B72B-2A46-911B-B8567288A4D6}" type="sibTrans" cxnId="{4AEE76C3-5D53-C647-B197-3027AC114694}">
+      <dgm:prSet/>
+      <dgm:spPr/>
+      <dgm:t>
+        <a:bodyPr/>
+        <a:lstStyle/>
+        <a:p>
+          <a:endParaRPr lang="en-US"/>
+        </a:p>
+      </dgm:t>
+    </dgm:pt>
+    <dgm:pt modelId="{5B69B621-125F-8C4C-A968-60E72CEDA897}" type="pres">
+      <dgm:prSet presAssocID="{2AC110E6-F772-164D-A74E-9BCCCBE8B031}" presName="hierChild1" presStyleCnt="0">
+        <dgm:presLayoutVars>
+          <dgm:chPref val="1"/>
+          <dgm:dir/>
+          <dgm:animOne val="branch"/>
+          <dgm:animLvl val="lvl"/>
+          <dgm:resizeHandles/>
+        </dgm:presLayoutVars>
+      </dgm:prSet>
+      <dgm:spPr/>
+    </dgm:pt>
+    <dgm:pt modelId="{58B3EE37-8A08-6E43-95EE-907BE55FD870}" type="pres">
+      <dgm:prSet presAssocID="{50CE8BE5-FE4F-8D40-989F-58B127300842}" presName="hierRoot1" presStyleCnt="0"/>
+      <dgm:spPr/>
+    </dgm:pt>
+    <dgm:pt modelId="{7B7C76DB-5BF7-8543-800B-2F46386A06EC}" type="pres">
+      <dgm:prSet presAssocID="{50CE8BE5-FE4F-8D40-989F-58B127300842}" presName="composite" presStyleCnt="0"/>
+      <dgm:spPr/>
+    </dgm:pt>
+    <dgm:pt modelId="{C38CC957-ED72-804C-8A9C-6E439DBFDED6}" type="pres">
+      <dgm:prSet presAssocID="{50CE8BE5-FE4F-8D40-989F-58B127300842}" presName="image" presStyleLbl="node0" presStyleIdx="0" presStyleCnt="1"/>
+      <dgm:spPr/>
+    </dgm:pt>
+    <dgm:pt modelId="{458E2CEA-2D4A-D048-848A-9EF3A29552BB}" type="pres">
+      <dgm:prSet presAssocID="{50CE8BE5-FE4F-8D40-989F-58B127300842}" presName="text" presStyleLbl="revTx" presStyleIdx="0" presStyleCnt="6">
+        <dgm:presLayoutVars>
+          <dgm:chPref val="3"/>
+        </dgm:presLayoutVars>
+      </dgm:prSet>
+      <dgm:spPr/>
+    </dgm:pt>
+    <dgm:pt modelId="{B6AEF241-F12C-FF4D-8017-6EC6691DA945}" type="pres">
+      <dgm:prSet presAssocID="{50CE8BE5-FE4F-8D40-989F-58B127300842}" presName="hierChild2" presStyleCnt="0"/>
+      <dgm:spPr/>
+    </dgm:pt>
+    <dgm:pt modelId="{C86EDF08-DE64-4A46-A556-D15AA930C60B}" type="pres">
+      <dgm:prSet presAssocID="{634B3ED2-2B7E-EC44-BCDD-5D639DCE0F61}" presName="Name10" presStyleLbl="parChTrans1D2" presStyleIdx="0" presStyleCnt="2"/>
+      <dgm:spPr/>
+    </dgm:pt>
+    <dgm:pt modelId="{FDC9D4DA-7F68-9241-9D25-F143FFBB052A}" type="pres">
+      <dgm:prSet presAssocID="{5947C7E3-01D6-CA4D-974E-3BBC51416DCB}" presName="hierRoot2" presStyleCnt="0"/>
+      <dgm:spPr/>
+    </dgm:pt>
+    <dgm:pt modelId="{50C1ABC6-A74E-374E-AE06-245969D4007F}" type="pres">
+      <dgm:prSet presAssocID="{5947C7E3-01D6-CA4D-974E-3BBC51416DCB}" presName="composite2" presStyleCnt="0"/>
+      <dgm:spPr/>
+    </dgm:pt>
+    <dgm:pt modelId="{BE353C04-56BF-AA44-B29C-1AA30BF506C0}" type="pres">
+      <dgm:prSet presAssocID="{5947C7E3-01D6-CA4D-974E-3BBC51416DCB}" presName="image2" presStyleLbl="node2" presStyleIdx="0" presStyleCnt="2"/>
+      <dgm:spPr/>
+    </dgm:pt>
+    <dgm:pt modelId="{DF09DBBF-55BC-1B47-A387-2E7B09D5AB74}" type="pres">
+      <dgm:prSet presAssocID="{5947C7E3-01D6-CA4D-974E-3BBC51416DCB}" presName="text2" presStyleLbl="revTx" presStyleIdx="1" presStyleCnt="6">
+        <dgm:presLayoutVars>
+          <dgm:chPref val="3"/>
+        </dgm:presLayoutVars>
+      </dgm:prSet>
+      <dgm:spPr/>
+    </dgm:pt>
+    <dgm:pt modelId="{25A8F0A1-DE43-D543-9A28-DDB08C3B0352}" type="pres">
+      <dgm:prSet presAssocID="{5947C7E3-01D6-CA4D-974E-3BBC51416DCB}" presName="hierChild3" presStyleCnt="0"/>
+      <dgm:spPr/>
+    </dgm:pt>
+    <dgm:pt modelId="{13B7136B-2EAC-4848-B65B-0F39B09ECCDA}" type="pres">
+      <dgm:prSet presAssocID="{DD3C6668-7100-A248-90FE-335F532DE7D9}" presName="Name17" presStyleLbl="parChTrans1D3" presStyleIdx="0" presStyleCnt="3"/>
+      <dgm:spPr/>
+    </dgm:pt>
+    <dgm:pt modelId="{F57A151E-50BB-EC46-A25B-818DC8E38060}" type="pres">
+      <dgm:prSet presAssocID="{8E742056-2AE6-854E-9FEA-BE128397F8FD}" presName="hierRoot3" presStyleCnt="0"/>
+      <dgm:spPr/>
+    </dgm:pt>
+    <dgm:pt modelId="{B0400492-DAA7-F24C-B67A-3BF8C4254974}" type="pres">
+      <dgm:prSet presAssocID="{8E742056-2AE6-854E-9FEA-BE128397F8FD}" presName="composite3" presStyleCnt="0"/>
+      <dgm:spPr/>
+    </dgm:pt>
+    <dgm:pt modelId="{EBC49A22-B099-BD46-AD21-44FA8524C224}" type="pres">
+      <dgm:prSet presAssocID="{8E742056-2AE6-854E-9FEA-BE128397F8FD}" presName="image3" presStyleLbl="node3" presStyleIdx="0" presStyleCnt="3"/>
+      <dgm:spPr/>
+    </dgm:pt>
+    <dgm:pt modelId="{B1A733B9-3613-574B-9F98-957D16DC6C04}" type="pres">
+      <dgm:prSet presAssocID="{8E742056-2AE6-854E-9FEA-BE128397F8FD}" presName="text3" presStyleLbl="revTx" presStyleIdx="2" presStyleCnt="6">
+        <dgm:presLayoutVars>
+          <dgm:chPref val="3"/>
+        </dgm:presLayoutVars>
+      </dgm:prSet>
+      <dgm:spPr/>
+    </dgm:pt>
+    <dgm:pt modelId="{79AFEBA5-7C6E-744D-BB67-405501CECE8C}" type="pres">
+      <dgm:prSet presAssocID="{8E742056-2AE6-854E-9FEA-BE128397F8FD}" presName="hierChild4" presStyleCnt="0"/>
+      <dgm:spPr/>
+    </dgm:pt>
+    <dgm:pt modelId="{AF6AA274-C165-2646-8B10-57BF2472FAF0}" type="pres">
+      <dgm:prSet presAssocID="{F46B314C-F2E1-1D4A-8A6D-BFC29AB2A3D1}" presName="Name17" presStyleLbl="parChTrans1D3" presStyleIdx="1" presStyleCnt="3"/>
+      <dgm:spPr/>
+    </dgm:pt>
+    <dgm:pt modelId="{2E5C0D61-750C-BF49-A249-895C4A98B472}" type="pres">
+      <dgm:prSet presAssocID="{2E75A9C6-C8EA-9546-8733-3262A052CC00}" presName="hierRoot3" presStyleCnt="0"/>
+      <dgm:spPr/>
+    </dgm:pt>
+    <dgm:pt modelId="{221DAE5D-60A1-B94F-AD46-ABE9A5AAC607}" type="pres">
+      <dgm:prSet presAssocID="{2E75A9C6-C8EA-9546-8733-3262A052CC00}" presName="composite3" presStyleCnt="0"/>
+      <dgm:spPr/>
+    </dgm:pt>
+    <dgm:pt modelId="{A72A3CB1-5DC8-1B44-A4CE-68D3BB31496B}" type="pres">
+      <dgm:prSet presAssocID="{2E75A9C6-C8EA-9546-8733-3262A052CC00}" presName="image3" presStyleLbl="node3" presStyleIdx="1" presStyleCnt="3"/>
+      <dgm:spPr/>
+    </dgm:pt>
+    <dgm:pt modelId="{F5BD635E-94FA-804C-BBC2-F21E897E3F76}" type="pres">
+      <dgm:prSet presAssocID="{2E75A9C6-C8EA-9546-8733-3262A052CC00}" presName="text3" presStyleLbl="revTx" presStyleIdx="3" presStyleCnt="6">
+        <dgm:presLayoutVars>
+          <dgm:chPref val="3"/>
+        </dgm:presLayoutVars>
+      </dgm:prSet>
+      <dgm:spPr/>
+    </dgm:pt>
+    <dgm:pt modelId="{154637F6-D0A3-844E-AB63-0B35CBD08203}" type="pres">
+      <dgm:prSet presAssocID="{2E75A9C6-C8EA-9546-8733-3262A052CC00}" presName="hierChild4" presStyleCnt="0"/>
+      <dgm:spPr/>
+    </dgm:pt>
+    <dgm:pt modelId="{E92107B0-854F-B241-97F9-6B4A99BFDD89}" type="pres">
+      <dgm:prSet presAssocID="{12B274E4-18DF-1F4B-A44D-2A6EDCC2AEDF}" presName="Name10" presStyleLbl="parChTrans1D2" presStyleIdx="1" presStyleCnt="2"/>
+      <dgm:spPr/>
+    </dgm:pt>
+    <dgm:pt modelId="{1F530A33-3BE1-5740-B48A-AF32CFABDE6C}" type="pres">
+      <dgm:prSet presAssocID="{7393D429-4215-3E4F-851F-3C5E85712256}" presName="hierRoot2" presStyleCnt="0"/>
+      <dgm:spPr/>
+    </dgm:pt>
+    <dgm:pt modelId="{F2499FFD-EAD3-B048-AE16-573D4DC48D78}" type="pres">
+      <dgm:prSet presAssocID="{7393D429-4215-3E4F-851F-3C5E85712256}" presName="composite2" presStyleCnt="0"/>
+      <dgm:spPr/>
+    </dgm:pt>
+    <dgm:pt modelId="{EBCDE10E-5169-6145-BF2E-07E34DEA19B6}" type="pres">
+      <dgm:prSet presAssocID="{7393D429-4215-3E4F-851F-3C5E85712256}" presName="image2" presStyleLbl="node2" presStyleIdx="1" presStyleCnt="2"/>
+      <dgm:spPr/>
+    </dgm:pt>
+    <dgm:pt modelId="{793AA1F8-448D-F048-96F5-F99C11C83C06}" type="pres">
+      <dgm:prSet presAssocID="{7393D429-4215-3E4F-851F-3C5E85712256}" presName="text2" presStyleLbl="revTx" presStyleIdx="4" presStyleCnt="6">
+        <dgm:presLayoutVars>
+          <dgm:chPref val="3"/>
+        </dgm:presLayoutVars>
+      </dgm:prSet>
+      <dgm:spPr/>
+    </dgm:pt>
+    <dgm:pt modelId="{A02B0F4F-1CA7-B448-8522-49696BD613A3}" type="pres">
+      <dgm:prSet presAssocID="{7393D429-4215-3E4F-851F-3C5E85712256}" presName="hierChild3" presStyleCnt="0"/>
+      <dgm:spPr/>
+    </dgm:pt>
+    <dgm:pt modelId="{88ABB882-E21C-E14C-917B-0DC5752A833C}" type="pres">
+      <dgm:prSet presAssocID="{B63DCA60-5459-BA43-8773-949551BE5A96}" presName="Name17" presStyleLbl="parChTrans1D3" presStyleIdx="2" presStyleCnt="3"/>
+      <dgm:spPr/>
+    </dgm:pt>
+    <dgm:pt modelId="{ACC3D9FE-3727-B04F-A975-6DDEB234387A}" type="pres">
+      <dgm:prSet presAssocID="{8F02186B-4DB5-E746-A59D-B6EE971B6A15}" presName="hierRoot3" presStyleCnt="0"/>
+      <dgm:spPr/>
+    </dgm:pt>
+    <dgm:pt modelId="{7CF59750-A7B5-1745-A119-A12A43C43DBF}" type="pres">
+      <dgm:prSet presAssocID="{8F02186B-4DB5-E746-A59D-B6EE971B6A15}" presName="composite3" presStyleCnt="0"/>
+      <dgm:spPr/>
+    </dgm:pt>
+    <dgm:pt modelId="{4716271B-2BEA-D54C-8720-8FBF05DF84AD}" type="pres">
+      <dgm:prSet presAssocID="{8F02186B-4DB5-E746-A59D-B6EE971B6A15}" presName="image3" presStyleLbl="node3" presStyleIdx="2" presStyleCnt="3"/>
+      <dgm:spPr/>
+    </dgm:pt>
+    <dgm:pt modelId="{E1D24100-DA38-774C-96CB-071D1B086443}" type="pres">
+      <dgm:prSet presAssocID="{8F02186B-4DB5-E746-A59D-B6EE971B6A15}" presName="text3" presStyleLbl="revTx" presStyleIdx="5" presStyleCnt="6">
+        <dgm:presLayoutVars>
+          <dgm:chPref val="3"/>
+        </dgm:presLayoutVars>
+      </dgm:prSet>
+      <dgm:spPr/>
+    </dgm:pt>
+    <dgm:pt modelId="{32A31B9E-E3C9-D54C-BD15-22B81C91F1BF}" type="pres">
+      <dgm:prSet presAssocID="{8F02186B-4DB5-E746-A59D-B6EE971B6A15}" presName="hierChild4" presStyleCnt="0"/>
+      <dgm:spPr/>
+    </dgm:pt>
+  </dgm:ptLst>
+  <dgm:cxnLst>
+    <dgm:cxn modelId="{EEF6E9A4-2C18-DC42-B3A0-77B919DB31D9}" srcId="{50CE8BE5-FE4F-8D40-989F-58B127300842}" destId="{5947C7E3-01D6-CA4D-974E-3BBC51416DCB}" srcOrd="0" destOrd="0" parTransId="{634B3ED2-2B7E-EC44-BCDD-5D639DCE0F61}" sibTransId="{88EC45BB-3F78-0343-86B1-90C12B59880F}"/>
+    <dgm:cxn modelId="{0CFDD76D-5F04-7A44-BFEA-5AEEF5AB19DF}" srcId="{50CE8BE5-FE4F-8D40-989F-58B127300842}" destId="{7393D429-4215-3E4F-851F-3C5E85712256}" srcOrd="1" destOrd="0" parTransId="{12B274E4-18DF-1F4B-A44D-2A6EDCC2AEDF}" sibTransId="{239B13B9-AFAC-994B-ADC2-B0FC2237CA42}"/>
+    <dgm:cxn modelId="{DB9C5B5C-4A79-7B4E-A3D6-8055C310D662}" type="presOf" srcId="{B63DCA60-5459-BA43-8773-949551BE5A96}" destId="{88ABB882-E21C-E14C-917B-0DC5752A833C}" srcOrd="0" destOrd="0" presId="urn:microsoft.com/office/officeart/2009/layout/CirclePictureHierarchy"/>
+    <dgm:cxn modelId="{0AE479EB-0EF9-D34B-8224-D07151CB5832}" type="presOf" srcId="{2E75A9C6-C8EA-9546-8733-3262A052CC00}" destId="{F5BD635E-94FA-804C-BBC2-F21E897E3F76}" srcOrd="0" destOrd="0" presId="urn:microsoft.com/office/officeart/2009/layout/CirclePictureHierarchy"/>
+    <dgm:cxn modelId="{045B215C-2BB9-D040-B40E-F9C7345F2450}" srcId="{5947C7E3-01D6-CA4D-974E-3BBC51416DCB}" destId="{8E742056-2AE6-854E-9FEA-BE128397F8FD}" srcOrd="0" destOrd="0" parTransId="{DD3C6668-7100-A248-90FE-335F532DE7D9}" sibTransId="{6635668E-D0F5-C74D-A35C-A726D64124C2}"/>
+    <dgm:cxn modelId="{3A05CB44-2E75-6146-A581-C6058E997509}" type="presOf" srcId="{8F02186B-4DB5-E746-A59D-B6EE971B6A15}" destId="{E1D24100-DA38-774C-96CB-071D1B086443}" srcOrd="0" destOrd="0" presId="urn:microsoft.com/office/officeart/2009/layout/CirclePictureHierarchy"/>
+    <dgm:cxn modelId="{4AEE76C3-5D53-C647-B197-3027AC114694}" srcId="{7393D429-4215-3E4F-851F-3C5E85712256}" destId="{8F02186B-4DB5-E746-A59D-B6EE971B6A15}" srcOrd="0" destOrd="0" parTransId="{B63DCA60-5459-BA43-8773-949551BE5A96}" sibTransId="{096A4D9F-B72B-2A46-911B-B8567288A4D6}"/>
+    <dgm:cxn modelId="{925B6507-EE59-1443-8FA7-A7FE0509B880}" type="presOf" srcId="{DD3C6668-7100-A248-90FE-335F532DE7D9}" destId="{13B7136B-2EAC-4848-B65B-0F39B09ECCDA}" srcOrd="0" destOrd="0" presId="urn:microsoft.com/office/officeart/2009/layout/CirclePictureHierarchy"/>
+    <dgm:cxn modelId="{B42C974C-D1F2-5F43-8B08-1CB5E565BEE9}" type="presOf" srcId="{50CE8BE5-FE4F-8D40-989F-58B127300842}" destId="{458E2CEA-2D4A-D048-848A-9EF3A29552BB}" srcOrd="0" destOrd="0" presId="urn:microsoft.com/office/officeart/2009/layout/CirclePictureHierarchy"/>
+    <dgm:cxn modelId="{19336CE4-5834-834E-BCF8-9B89C44290F0}" type="presOf" srcId="{12B274E4-18DF-1F4B-A44D-2A6EDCC2AEDF}" destId="{E92107B0-854F-B241-97F9-6B4A99BFDD89}" srcOrd="0" destOrd="0" presId="urn:microsoft.com/office/officeart/2009/layout/CirclePictureHierarchy"/>
+    <dgm:cxn modelId="{9CB5DF6F-CAE3-2742-95EA-E559249D4FE7}" type="presOf" srcId="{F46B314C-F2E1-1D4A-8A6D-BFC29AB2A3D1}" destId="{AF6AA274-C165-2646-8B10-57BF2472FAF0}" srcOrd="0" destOrd="0" presId="urn:microsoft.com/office/officeart/2009/layout/CirclePictureHierarchy"/>
+    <dgm:cxn modelId="{F755BA59-D952-0340-95CC-60B75B0DA401}" type="presOf" srcId="{7393D429-4215-3E4F-851F-3C5E85712256}" destId="{793AA1F8-448D-F048-96F5-F99C11C83C06}" srcOrd="0" destOrd="0" presId="urn:microsoft.com/office/officeart/2009/layout/CirclePictureHierarchy"/>
+    <dgm:cxn modelId="{5EB3EF3E-32FD-E24C-83D2-6D7748D99A93}" srcId="{2AC110E6-F772-164D-A74E-9BCCCBE8B031}" destId="{50CE8BE5-FE4F-8D40-989F-58B127300842}" srcOrd="0" destOrd="0" parTransId="{B0C311EB-3644-0248-A207-C561591F2130}" sibTransId="{E1DB3513-1D53-6B4E-AC85-66E578D05C9F}"/>
+    <dgm:cxn modelId="{ABFBFB36-E9F9-1E40-A245-89D907C88BAA}" type="presOf" srcId="{5947C7E3-01D6-CA4D-974E-3BBC51416DCB}" destId="{DF09DBBF-55BC-1B47-A387-2E7B09D5AB74}" srcOrd="0" destOrd="0" presId="urn:microsoft.com/office/officeart/2009/layout/CirclePictureHierarchy"/>
+    <dgm:cxn modelId="{16674432-352B-7849-9F3F-369C1CD8CE0A}" srcId="{5947C7E3-01D6-CA4D-974E-3BBC51416DCB}" destId="{2E75A9C6-C8EA-9546-8733-3262A052CC00}" srcOrd="1" destOrd="0" parTransId="{F46B314C-F2E1-1D4A-8A6D-BFC29AB2A3D1}" sibTransId="{27B61B99-5BA6-8849-B964-393292C0F327}"/>
+    <dgm:cxn modelId="{7CFE2B3D-AB04-154E-9470-09E31B743FDD}" type="presOf" srcId="{634B3ED2-2B7E-EC44-BCDD-5D639DCE0F61}" destId="{C86EDF08-DE64-4A46-A556-D15AA930C60B}" srcOrd="0" destOrd="0" presId="urn:microsoft.com/office/officeart/2009/layout/CirclePictureHierarchy"/>
+    <dgm:cxn modelId="{01F8F861-87A9-0543-9BD9-EB706AA52DBC}" type="presOf" srcId="{2AC110E6-F772-164D-A74E-9BCCCBE8B031}" destId="{5B69B621-125F-8C4C-A968-60E72CEDA897}" srcOrd="0" destOrd="0" presId="urn:microsoft.com/office/officeart/2009/layout/CirclePictureHierarchy"/>
+    <dgm:cxn modelId="{670DE44E-DA3A-BB47-A5A2-5F3B3659A790}" type="presOf" srcId="{8E742056-2AE6-854E-9FEA-BE128397F8FD}" destId="{B1A733B9-3613-574B-9F98-957D16DC6C04}" srcOrd="0" destOrd="0" presId="urn:microsoft.com/office/officeart/2009/layout/CirclePictureHierarchy"/>
+    <dgm:cxn modelId="{790D5EEB-CF73-FD44-BC37-077A587BD2EF}" type="presParOf" srcId="{5B69B621-125F-8C4C-A968-60E72CEDA897}" destId="{58B3EE37-8A08-6E43-95EE-907BE55FD870}" srcOrd="0" destOrd="0" presId="urn:microsoft.com/office/officeart/2009/layout/CirclePictureHierarchy"/>
+    <dgm:cxn modelId="{B1817EA3-514C-9F4A-BE1E-B66904A92DBC}" type="presParOf" srcId="{58B3EE37-8A08-6E43-95EE-907BE55FD870}" destId="{7B7C76DB-5BF7-8543-800B-2F46386A06EC}" srcOrd="0" destOrd="0" presId="urn:microsoft.com/office/officeart/2009/layout/CirclePictureHierarchy"/>
+    <dgm:cxn modelId="{B53B2732-9A36-DB49-AADF-A068B89F7D6D}" type="presParOf" srcId="{7B7C76DB-5BF7-8543-800B-2F46386A06EC}" destId="{C38CC957-ED72-804C-8A9C-6E439DBFDED6}" srcOrd="0" destOrd="0" presId="urn:microsoft.com/office/officeart/2009/layout/CirclePictureHierarchy"/>
+    <dgm:cxn modelId="{EC6E98A1-14D8-DA45-868C-E144243AE713}" type="presParOf" srcId="{7B7C76DB-5BF7-8543-800B-2F46386A06EC}" destId="{458E2CEA-2D4A-D048-848A-9EF3A29552BB}" srcOrd="1" destOrd="0" presId="urn:microsoft.com/office/officeart/2009/layout/CirclePictureHierarchy"/>
+    <dgm:cxn modelId="{AAB5BAFB-1819-9A41-BFE2-FFC1351779A5}" type="presParOf" srcId="{58B3EE37-8A08-6E43-95EE-907BE55FD870}" destId="{B6AEF241-F12C-FF4D-8017-6EC6691DA945}" srcOrd="1" destOrd="0" presId="urn:microsoft.com/office/officeart/2009/layout/CirclePictureHierarchy"/>
+    <dgm:cxn modelId="{02B19BAE-5ABA-4249-904B-C84009F7DBAD}" type="presParOf" srcId="{B6AEF241-F12C-FF4D-8017-6EC6691DA945}" destId="{C86EDF08-DE64-4A46-A556-D15AA930C60B}" srcOrd="0" destOrd="0" presId="urn:microsoft.com/office/officeart/2009/layout/CirclePictureHierarchy"/>
+    <dgm:cxn modelId="{C681B6EB-3C1D-8348-A4C3-AAE38DD4ED4A}" type="presParOf" srcId="{B6AEF241-F12C-FF4D-8017-6EC6691DA945}" destId="{FDC9D4DA-7F68-9241-9D25-F143FFBB052A}" srcOrd="1" destOrd="0" presId="urn:microsoft.com/office/officeart/2009/layout/CirclePictureHierarchy"/>
+    <dgm:cxn modelId="{85DDC3E4-FDBD-6A48-BC18-AD13962CEF59}" type="presParOf" srcId="{FDC9D4DA-7F68-9241-9D25-F143FFBB052A}" destId="{50C1ABC6-A74E-374E-AE06-245969D4007F}" srcOrd="0" destOrd="0" presId="urn:microsoft.com/office/officeart/2009/layout/CirclePictureHierarchy"/>
+    <dgm:cxn modelId="{3420D5FC-1376-AF48-AEED-D56084CCDD5A}" type="presParOf" srcId="{50C1ABC6-A74E-374E-AE06-245969D4007F}" destId="{BE353C04-56BF-AA44-B29C-1AA30BF506C0}" srcOrd="0" destOrd="0" presId="urn:microsoft.com/office/officeart/2009/layout/CirclePictureHierarchy"/>
+    <dgm:cxn modelId="{ED69102A-DBA5-DA4A-84E3-7A04E69F5823}" type="presParOf" srcId="{50C1ABC6-A74E-374E-AE06-245969D4007F}" destId="{DF09DBBF-55BC-1B47-A387-2E7B09D5AB74}" srcOrd="1" destOrd="0" presId="urn:microsoft.com/office/officeart/2009/layout/CirclePictureHierarchy"/>
+    <dgm:cxn modelId="{1FCC6229-74E2-3247-9F95-CFBEBD6A72F2}" type="presParOf" srcId="{FDC9D4DA-7F68-9241-9D25-F143FFBB052A}" destId="{25A8F0A1-DE43-D543-9A28-DDB08C3B0352}" srcOrd="1" destOrd="0" presId="urn:microsoft.com/office/officeart/2009/layout/CirclePictureHierarchy"/>
+    <dgm:cxn modelId="{A4AE3F01-9F3F-C34F-92EA-F5A3809F595B}" type="presParOf" srcId="{25A8F0A1-DE43-D543-9A28-DDB08C3B0352}" destId="{13B7136B-2EAC-4848-B65B-0F39B09ECCDA}" srcOrd="0" destOrd="0" presId="urn:microsoft.com/office/officeart/2009/layout/CirclePictureHierarchy"/>
+    <dgm:cxn modelId="{58613442-8706-3246-80D0-9C9CD2392B76}" type="presParOf" srcId="{25A8F0A1-DE43-D543-9A28-DDB08C3B0352}" destId="{F57A151E-50BB-EC46-A25B-818DC8E38060}" srcOrd="1" destOrd="0" presId="urn:microsoft.com/office/officeart/2009/layout/CirclePictureHierarchy"/>
+    <dgm:cxn modelId="{AF13F9E3-FAC0-9B42-8553-8C5F2637B030}" type="presParOf" srcId="{F57A151E-50BB-EC46-A25B-818DC8E38060}" destId="{B0400492-DAA7-F24C-B67A-3BF8C4254974}" srcOrd="0" destOrd="0" presId="urn:microsoft.com/office/officeart/2009/layout/CirclePictureHierarchy"/>
+    <dgm:cxn modelId="{8AED4EFA-F212-F14B-994E-1F8A954C6E75}" type="presParOf" srcId="{B0400492-DAA7-F24C-B67A-3BF8C4254974}" destId="{EBC49A22-B099-BD46-AD21-44FA8524C224}" srcOrd="0" destOrd="0" presId="urn:microsoft.com/office/officeart/2009/layout/CirclePictureHierarchy"/>
+    <dgm:cxn modelId="{4D9EE101-5B9F-C342-A3CC-29EFB559F7AA}" type="presParOf" srcId="{B0400492-DAA7-F24C-B67A-3BF8C4254974}" destId="{B1A733B9-3613-574B-9F98-957D16DC6C04}" srcOrd="1" destOrd="0" presId="urn:microsoft.com/office/officeart/2009/layout/CirclePictureHierarchy"/>
+    <dgm:cxn modelId="{54C3845E-5690-F946-A024-9D34E4E87F47}" type="presParOf" srcId="{F57A151E-50BB-EC46-A25B-818DC8E38060}" destId="{79AFEBA5-7C6E-744D-BB67-405501CECE8C}" srcOrd="1" destOrd="0" presId="urn:microsoft.com/office/officeart/2009/layout/CirclePictureHierarchy"/>
+    <dgm:cxn modelId="{A5C17C82-BCCF-2440-889A-802833223306}" type="presParOf" srcId="{25A8F0A1-DE43-D543-9A28-DDB08C3B0352}" destId="{AF6AA274-C165-2646-8B10-57BF2472FAF0}" srcOrd="2" destOrd="0" presId="urn:microsoft.com/office/officeart/2009/layout/CirclePictureHierarchy"/>
+    <dgm:cxn modelId="{FFD6C167-6C44-4B46-9A0B-A13EEF609337}" type="presParOf" srcId="{25A8F0A1-DE43-D543-9A28-DDB08C3B0352}" destId="{2E5C0D61-750C-BF49-A249-895C4A98B472}" srcOrd="3" destOrd="0" presId="urn:microsoft.com/office/officeart/2009/layout/CirclePictureHierarchy"/>
+    <dgm:cxn modelId="{4ABCAFD1-6C37-CA4B-BBB8-E86A69D874E8}" type="presParOf" srcId="{2E5C0D61-750C-BF49-A249-895C4A98B472}" destId="{221DAE5D-60A1-B94F-AD46-ABE9A5AAC607}" srcOrd="0" destOrd="0" presId="urn:microsoft.com/office/officeart/2009/layout/CirclePictureHierarchy"/>
+    <dgm:cxn modelId="{F8031DC1-EA1D-6448-B7C8-E0275E44D3EC}" type="presParOf" srcId="{221DAE5D-60A1-B94F-AD46-ABE9A5AAC607}" destId="{A72A3CB1-5DC8-1B44-A4CE-68D3BB31496B}" srcOrd="0" destOrd="0" presId="urn:microsoft.com/office/officeart/2009/layout/CirclePictureHierarchy"/>
+    <dgm:cxn modelId="{5AB9F194-ECDB-854B-8FF1-B0784D7C5A13}" type="presParOf" srcId="{221DAE5D-60A1-B94F-AD46-ABE9A5AAC607}" destId="{F5BD635E-94FA-804C-BBC2-F21E897E3F76}" srcOrd="1" destOrd="0" presId="urn:microsoft.com/office/officeart/2009/layout/CirclePictureHierarchy"/>
+    <dgm:cxn modelId="{C820EB78-51E8-ED43-AE96-C34B432AD99E}" type="presParOf" srcId="{2E5C0D61-750C-BF49-A249-895C4A98B472}" destId="{154637F6-D0A3-844E-AB63-0B35CBD08203}" srcOrd="1" destOrd="0" presId="urn:microsoft.com/office/officeart/2009/layout/CirclePictureHierarchy"/>
+    <dgm:cxn modelId="{1EEA5B58-DD41-5B4E-A998-6B936493C4E0}" type="presParOf" srcId="{B6AEF241-F12C-FF4D-8017-6EC6691DA945}" destId="{E92107B0-854F-B241-97F9-6B4A99BFDD89}" srcOrd="2" destOrd="0" presId="urn:microsoft.com/office/officeart/2009/layout/CirclePictureHierarchy"/>
+    <dgm:cxn modelId="{D8D8523E-52D5-E041-89BF-8B7CC1C65A1F}" type="presParOf" srcId="{B6AEF241-F12C-FF4D-8017-6EC6691DA945}" destId="{1F530A33-3BE1-5740-B48A-AF32CFABDE6C}" srcOrd="3" destOrd="0" presId="urn:microsoft.com/office/officeart/2009/layout/CirclePictureHierarchy"/>
+    <dgm:cxn modelId="{2E3EE952-1E64-EC4E-B8D0-8F0248C84D28}" type="presParOf" srcId="{1F530A33-3BE1-5740-B48A-AF32CFABDE6C}" destId="{F2499FFD-EAD3-B048-AE16-573D4DC48D78}" srcOrd="0" destOrd="0" presId="urn:microsoft.com/office/officeart/2009/layout/CirclePictureHierarchy"/>
+    <dgm:cxn modelId="{2D24C522-2974-584F-A562-B51DE34B7DE9}" type="presParOf" srcId="{F2499FFD-EAD3-B048-AE16-573D4DC48D78}" destId="{EBCDE10E-5169-6145-BF2E-07E34DEA19B6}" srcOrd="0" destOrd="0" presId="urn:microsoft.com/office/officeart/2009/layout/CirclePictureHierarchy"/>
+    <dgm:cxn modelId="{15D01FCC-8857-F842-8E36-61FEDA527EE2}" type="presParOf" srcId="{F2499FFD-EAD3-B048-AE16-573D4DC48D78}" destId="{793AA1F8-448D-F048-96F5-F99C11C83C06}" srcOrd="1" destOrd="0" presId="urn:microsoft.com/office/officeart/2009/layout/CirclePictureHierarchy"/>
+    <dgm:cxn modelId="{9F3D622E-8780-9145-AF63-8440984F740A}" type="presParOf" srcId="{1F530A33-3BE1-5740-B48A-AF32CFABDE6C}" destId="{A02B0F4F-1CA7-B448-8522-49696BD613A3}" srcOrd="1" destOrd="0" presId="urn:microsoft.com/office/officeart/2009/layout/CirclePictureHierarchy"/>
+    <dgm:cxn modelId="{2ACC61E6-07F1-1745-9185-07F5905FC62C}" type="presParOf" srcId="{A02B0F4F-1CA7-B448-8522-49696BD613A3}" destId="{88ABB882-E21C-E14C-917B-0DC5752A833C}" srcOrd="0" destOrd="0" presId="urn:microsoft.com/office/officeart/2009/layout/CirclePictureHierarchy"/>
+    <dgm:cxn modelId="{F841F00F-C3F3-804B-B050-686D376C3887}" type="presParOf" srcId="{A02B0F4F-1CA7-B448-8522-49696BD613A3}" destId="{ACC3D9FE-3727-B04F-A975-6DDEB234387A}" srcOrd="1" destOrd="0" presId="urn:microsoft.com/office/officeart/2009/layout/CirclePictureHierarchy"/>
+    <dgm:cxn modelId="{024356C5-4A13-6E4E-95A2-498FD913CE9E}" type="presParOf" srcId="{ACC3D9FE-3727-B04F-A975-6DDEB234387A}" destId="{7CF59750-A7B5-1745-A119-A12A43C43DBF}" srcOrd="0" destOrd="0" presId="urn:microsoft.com/office/officeart/2009/layout/CirclePictureHierarchy"/>
+    <dgm:cxn modelId="{58149E46-F6C8-C04F-8535-437EC6C84072}" type="presParOf" srcId="{7CF59750-A7B5-1745-A119-A12A43C43DBF}" destId="{4716271B-2BEA-D54C-8720-8FBF05DF84AD}" srcOrd="0" destOrd="0" presId="urn:microsoft.com/office/officeart/2009/layout/CirclePictureHierarchy"/>
+    <dgm:cxn modelId="{A427D0F1-70A8-604E-B36F-E08688824932}" type="presParOf" srcId="{7CF59750-A7B5-1745-A119-A12A43C43DBF}" destId="{E1D24100-DA38-774C-96CB-071D1B086443}" srcOrd="1" destOrd="0" presId="urn:microsoft.com/office/officeart/2009/layout/CirclePictureHierarchy"/>
+    <dgm:cxn modelId="{AC0EC2FC-6BC4-D44F-9F62-840510FC3FF2}" type="presParOf" srcId="{ACC3D9FE-3727-B04F-A975-6DDEB234387A}" destId="{32A31B9E-E3C9-D54C-BD15-22B81C91F1BF}" srcOrd="1" destOrd="0" presId="urn:microsoft.com/office/officeart/2009/layout/CirclePictureHierarchy"/>
+  </dgm:cxnLst>
+  <dgm:bg/>
+  <dgm:whole/>
+  <dgm:extLst>
+    <a:ext uri="http://schemas.microsoft.com/office/drawing/2008/diagram">
+      <dsp:dataModelExt xmlns:dsp="http://schemas.microsoft.com/office/drawing/2008/diagram" relId="rId6" minVer="http://schemas.openxmlformats.org/drawingml/2006/diagram"/>
     </a:ext>
   </dgm:extLst>
 </dgm:dataModel>
@@ -13657,6 +14917,1188 @@
 </dsp:drawing>
 </file>
 
+<file path=ppt/diagrams/drawing9.xml><?xml version="1.0" encoding="utf-8"?>
+<dsp:drawing xmlns:dgm="http://schemas.openxmlformats.org/drawingml/2006/diagram" xmlns:dsp="http://schemas.microsoft.com/office/drawing/2008/diagram" xmlns:a="http://schemas.openxmlformats.org/drawingml/2006/main">
+  <dsp:spTree>
+    <dsp:nvGrpSpPr>
+      <dsp:cNvPr id="0" name=""/>
+      <dsp:cNvGrpSpPr/>
+    </dsp:nvGrpSpPr>
+    <dsp:grpSpPr/>
+    <dsp:sp modelId="{88ABB882-E21C-E14C-917B-0DC5752A833C}">
+      <dsp:nvSpPr>
+        <dsp:cNvPr id="0" name=""/>
+        <dsp:cNvSpPr/>
+      </dsp:nvSpPr>
+      <dsp:spPr>
+        <a:xfrm>
+          <a:off x="4526280" y="2413952"/>
+          <a:ext cx="91440" cy="240029"/>
+        </a:xfrm>
+        <a:custGeom>
+          <a:avLst/>
+          <a:gdLst/>
+          <a:ahLst/>
+          <a:cxnLst/>
+          <a:rect l="0" t="0" r="0" b="0"/>
+          <a:pathLst>
+            <a:path>
+              <a:moveTo>
+                <a:pt x="45720" y="0"/>
+              </a:moveTo>
+              <a:lnTo>
+                <a:pt x="45720" y="240029"/>
+              </a:lnTo>
+            </a:path>
+          </a:pathLst>
+        </a:custGeom>
+        <a:noFill/>
+        <a:ln w="9525" cap="flat" cmpd="sng" algn="ctr">
+          <a:solidFill>
+            <a:schemeClr val="accent4">
+              <a:hueOff val="0"/>
+              <a:satOff val="0"/>
+              <a:lumOff val="0"/>
+              <a:alphaOff val="0"/>
+            </a:schemeClr>
+          </a:solidFill>
+          <a:prstDash val="solid"/>
+        </a:ln>
+        <a:effectLst/>
+      </dsp:spPr>
+      <dsp:style>
+        <a:lnRef idx="1">
+          <a:scrgbClr r="0" g="0" b="0"/>
+        </a:lnRef>
+        <a:fillRef idx="0">
+          <a:scrgbClr r="0" g="0" b="0"/>
+        </a:fillRef>
+        <a:effectRef idx="0">
+          <a:scrgbClr r="0" g="0" b="0"/>
+        </a:effectRef>
+        <a:fontRef idx="minor"/>
+      </dsp:style>
+    </dsp:sp>
+    <dsp:sp modelId="{E92107B0-854F-B241-97F9-6B4A99BFDD89}">
+      <dsp:nvSpPr>
+        <dsp:cNvPr id="0" name=""/>
+        <dsp:cNvSpPr/>
+      </dsp:nvSpPr>
+      <dsp:spPr>
+        <a:xfrm>
+          <a:off x="3000375" y="1411922"/>
+          <a:ext cx="1571625" cy="240030"/>
+        </a:xfrm>
+        <a:custGeom>
+          <a:avLst/>
+          <a:gdLst/>
+          <a:ahLst/>
+          <a:cxnLst/>
+          <a:rect l="0" t="0" r="0" b="0"/>
+          <a:pathLst>
+            <a:path>
+              <a:moveTo>
+                <a:pt x="0" y="0"/>
+              </a:moveTo>
+              <a:lnTo>
+                <a:pt x="0" y="120967"/>
+              </a:lnTo>
+              <a:lnTo>
+                <a:pt x="1571625" y="120967"/>
+              </a:lnTo>
+              <a:lnTo>
+                <a:pt x="1571625" y="240030"/>
+              </a:lnTo>
+            </a:path>
+          </a:pathLst>
+        </a:custGeom>
+        <a:noFill/>
+        <a:ln w="9525" cap="flat" cmpd="sng" algn="ctr">
+          <a:solidFill>
+            <a:schemeClr val="accent3">
+              <a:hueOff val="0"/>
+              <a:satOff val="0"/>
+              <a:lumOff val="0"/>
+              <a:alphaOff val="0"/>
+            </a:schemeClr>
+          </a:solidFill>
+          <a:prstDash val="solid"/>
+        </a:ln>
+        <a:effectLst/>
+      </dsp:spPr>
+      <dsp:style>
+        <a:lnRef idx="1">
+          <a:scrgbClr r="0" g="0" b="0"/>
+        </a:lnRef>
+        <a:fillRef idx="0">
+          <a:scrgbClr r="0" g="0" b="0"/>
+        </a:fillRef>
+        <a:effectRef idx="0">
+          <a:scrgbClr r="0" g="0" b="0"/>
+        </a:effectRef>
+        <a:fontRef idx="minor"/>
+      </dsp:style>
+    </dsp:sp>
+    <dsp:sp modelId="{AF6AA274-C165-2646-8B10-57BF2472FAF0}">
+      <dsp:nvSpPr>
+        <dsp:cNvPr id="0" name=""/>
+        <dsp:cNvSpPr/>
+      </dsp:nvSpPr>
+      <dsp:spPr>
+        <a:xfrm>
+          <a:off x="1428749" y="2413952"/>
+          <a:ext cx="1047749" cy="240029"/>
+        </a:xfrm>
+        <a:custGeom>
+          <a:avLst/>
+          <a:gdLst/>
+          <a:ahLst/>
+          <a:cxnLst/>
+          <a:rect l="0" t="0" r="0" b="0"/>
+          <a:pathLst>
+            <a:path>
+              <a:moveTo>
+                <a:pt x="0" y="0"/>
+              </a:moveTo>
+              <a:lnTo>
+                <a:pt x="0" y="120967"/>
+              </a:lnTo>
+              <a:lnTo>
+                <a:pt x="1047749" y="120967"/>
+              </a:lnTo>
+              <a:lnTo>
+                <a:pt x="1047749" y="240029"/>
+              </a:lnTo>
+            </a:path>
+          </a:pathLst>
+        </a:custGeom>
+        <a:noFill/>
+        <a:ln w="9525" cap="flat" cmpd="sng" algn="ctr">
+          <a:solidFill>
+            <a:schemeClr val="accent4">
+              <a:hueOff val="0"/>
+              <a:satOff val="0"/>
+              <a:lumOff val="0"/>
+              <a:alphaOff val="0"/>
+            </a:schemeClr>
+          </a:solidFill>
+          <a:prstDash val="solid"/>
+        </a:ln>
+        <a:effectLst/>
+      </dsp:spPr>
+      <dsp:style>
+        <a:lnRef idx="1">
+          <a:scrgbClr r="0" g="0" b="0"/>
+        </a:lnRef>
+        <a:fillRef idx="0">
+          <a:scrgbClr r="0" g="0" b="0"/>
+        </a:fillRef>
+        <a:effectRef idx="0">
+          <a:scrgbClr r="0" g="0" b="0"/>
+        </a:effectRef>
+        <a:fontRef idx="minor"/>
+      </dsp:style>
+    </dsp:sp>
+    <dsp:sp modelId="{13B7136B-2EAC-4848-B65B-0F39B09ECCDA}">
+      <dsp:nvSpPr>
+        <dsp:cNvPr id="0" name=""/>
+        <dsp:cNvSpPr/>
+      </dsp:nvSpPr>
+      <dsp:spPr>
+        <a:xfrm>
+          <a:off x="380999" y="2413952"/>
+          <a:ext cx="1047750" cy="240029"/>
+        </a:xfrm>
+        <a:custGeom>
+          <a:avLst/>
+          <a:gdLst/>
+          <a:ahLst/>
+          <a:cxnLst/>
+          <a:rect l="0" t="0" r="0" b="0"/>
+          <a:pathLst>
+            <a:path>
+              <a:moveTo>
+                <a:pt x="1047750" y="0"/>
+              </a:moveTo>
+              <a:lnTo>
+                <a:pt x="1047750" y="120967"/>
+              </a:lnTo>
+              <a:lnTo>
+                <a:pt x="0" y="120967"/>
+              </a:lnTo>
+              <a:lnTo>
+                <a:pt x="0" y="240029"/>
+              </a:lnTo>
+            </a:path>
+          </a:pathLst>
+        </a:custGeom>
+        <a:noFill/>
+        <a:ln w="9525" cap="flat" cmpd="sng" algn="ctr">
+          <a:solidFill>
+            <a:schemeClr val="accent4">
+              <a:hueOff val="0"/>
+              <a:satOff val="0"/>
+              <a:lumOff val="0"/>
+              <a:alphaOff val="0"/>
+            </a:schemeClr>
+          </a:solidFill>
+          <a:prstDash val="solid"/>
+        </a:ln>
+        <a:effectLst/>
+      </dsp:spPr>
+      <dsp:style>
+        <a:lnRef idx="1">
+          <a:scrgbClr r="0" g="0" b="0"/>
+        </a:lnRef>
+        <a:fillRef idx="0">
+          <a:scrgbClr r="0" g="0" b="0"/>
+        </a:fillRef>
+        <a:effectRef idx="0">
+          <a:scrgbClr r="0" g="0" b="0"/>
+        </a:effectRef>
+        <a:fontRef idx="minor"/>
+      </dsp:style>
+    </dsp:sp>
+    <dsp:sp modelId="{C86EDF08-DE64-4A46-A556-D15AA930C60B}">
+      <dsp:nvSpPr>
+        <dsp:cNvPr id="0" name=""/>
+        <dsp:cNvSpPr/>
+      </dsp:nvSpPr>
+      <dsp:spPr>
+        <a:xfrm>
+          <a:off x="1428749" y="1411922"/>
+          <a:ext cx="1571625" cy="240030"/>
+        </a:xfrm>
+        <a:custGeom>
+          <a:avLst/>
+          <a:gdLst/>
+          <a:ahLst/>
+          <a:cxnLst/>
+          <a:rect l="0" t="0" r="0" b="0"/>
+          <a:pathLst>
+            <a:path>
+              <a:moveTo>
+                <a:pt x="1571625" y="0"/>
+              </a:moveTo>
+              <a:lnTo>
+                <a:pt x="1571625" y="120967"/>
+              </a:lnTo>
+              <a:lnTo>
+                <a:pt x="0" y="120967"/>
+              </a:lnTo>
+              <a:lnTo>
+                <a:pt x="0" y="240030"/>
+              </a:lnTo>
+            </a:path>
+          </a:pathLst>
+        </a:custGeom>
+        <a:noFill/>
+        <a:ln w="9525" cap="flat" cmpd="sng" algn="ctr">
+          <a:solidFill>
+            <a:schemeClr val="accent3">
+              <a:hueOff val="0"/>
+              <a:satOff val="0"/>
+              <a:lumOff val="0"/>
+              <a:alphaOff val="0"/>
+            </a:schemeClr>
+          </a:solidFill>
+          <a:prstDash val="solid"/>
+        </a:ln>
+        <a:effectLst/>
+      </dsp:spPr>
+      <dsp:style>
+        <a:lnRef idx="1">
+          <a:scrgbClr r="0" g="0" b="0"/>
+        </a:lnRef>
+        <a:fillRef idx="0">
+          <a:scrgbClr r="0" g="0" b="0"/>
+        </a:fillRef>
+        <a:effectRef idx="0">
+          <a:scrgbClr r="0" g="0" b="0"/>
+        </a:effectRef>
+        <a:fontRef idx="minor"/>
+      </dsp:style>
+    </dsp:sp>
+    <dsp:sp modelId="{C38CC957-ED72-804C-8A9C-6E439DBFDED6}">
+      <dsp:nvSpPr>
+        <dsp:cNvPr id="0" name=""/>
+        <dsp:cNvSpPr/>
+      </dsp:nvSpPr>
+      <dsp:spPr>
+        <a:xfrm>
+          <a:off x="2619375" y="649922"/>
+          <a:ext cx="761999" cy="761999"/>
+        </a:xfrm>
+        <a:prstGeom prst="ellipse">
+          <a:avLst/>
+        </a:prstGeom>
+        <a:gradFill rotWithShape="0">
+          <a:gsLst>
+            <a:gs pos="0">
+              <a:schemeClr val="accent1">
+                <a:hueOff val="0"/>
+                <a:satOff val="0"/>
+                <a:lumOff val="0"/>
+                <a:alphaOff val="0"/>
+                <a:shade val="15000"/>
+                <a:satMod val="180000"/>
+              </a:schemeClr>
+            </a:gs>
+            <a:gs pos="50000">
+              <a:schemeClr val="accent1">
+                <a:hueOff val="0"/>
+                <a:satOff val="0"/>
+                <a:lumOff val="0"/>
+                <a:alphaOff val="0"/>
+                <a:shade val="45000"/>
+                <a:satMod val="170000"/>
+              </a:schemeClr>
+            </a:gs>
+            <a:gs pos="70000">
+              <a:schemeClr val="accent1">
+                <a:hueOff val="0"/>
+                <a:satOff val="0"/>
+                <a:lumOff val="0"/>
+                <a:alphaOff val="0"/>
+                <a:tint val="99000"/>
+                <a:shade val="65000"/>
+                <a:satMod val="155000"/>
+              </a:schemeClr>
+            </a:gs>
+            <a:gs pos="100000">
+              <a:schemeClr val="accent1">
+                <a:hueOff val="0"/>
+                <a:satOff val="0"/>
+                <a:lumOff val="0"/>
+                <a:alphaOff val="0"/>
+                <a:tint val="95500"/>
+                <a:shade val="100000"/>
+                <a:satMod val="155000"/>
+              </a:schemeClr>
+            </a:gs>
+          </a:gsLst>
+          <a:lin ang="16200000" scaled="0"/>
+        </a:gradFill>
+        <a:ln>
+          <a:noFill/>
+        </a:ln>
+        <a:effectLst>
+          <a:outerShdw blurRad="50800" dist="38100" dir="5400000" rotWithShape="0">
+            <a:srgbClr val="000000">
+              <a:alpha val="35000"/>
+            </a:srgbClr>
+          </a:outerShdw>
+        </a:effectLst>
+      </dsp:spPr>
+      <dsp:style>
+        <a:lnRef idx="0">
+          <a:scrgbClr r="0" g="0" b="0"/>
+        </a:lnRef>
+        <a:fillRef idx="3">
+          <a:scrgbClr r="0" g="0" b="0"/>
+        </a:fillRef>
+        <a:effectRef idx="2">
+          <a:scrgbClr r="0" g="0" b="0"/>
+        </a:effectRef>
+        <a:fontRef idx="minor">
+          <a:schemeClr val="lt1"/>
+        </a:fontRef>
+      </dsp:style>
+    </dsp:sp>
+    <dsp:sp modelId="{458E2CEA-2D4A-D048-848A-9EF3A29552BB}">
+      <dsp:nvSpPr>
+        <dsp:cNvPr id="0" name=""/>
+        <dsp:cNvSpPr/>
+      </dsp:nvSpPr>
+      <dsp:spPr>
+        <a:xfrm>
+          <a:off x="3381375" y="648017"/>
+          <a:ext cx="1143000" cy="761999"/>
+        </a:xfrm>
+        <a:prstGeom prst="rect">
+          <a:avLst/>
+        </a:prstGeom>
+        <a:noFill/>
+        <a:ln>
+          <a:noFill/>
+        </a:ln>
+        <a:effectLst/>
+      </dsp:spPr>
+      <dsp:style>
+        <a:lnRef idx="0">
+          <a:scrgbClr r="0" g="0" b="0"/>
+        </a:lnRef>
+        <a:fillRef idx="0">
+          <a:scrgbClr r="0" g="0" b="0"/>
+        </a:fillRef>
+        <a:effectRef idx="0">
+          <a:scrgbClr r="0" g="0" b="0"/>
+        </a:effectRef>
+        <a:fontRef idx="minor"/>
+      </dsp:style>
+      <dsp:txBody>
+        <a:bodyPr spcFirstLastPara="0" vert="horz" wrap="square" lIns="60960" tIns="60960" rIns="60960" bIns="60960" numCol="1" spcCol="1270" anchor="ctr" anchorCtr="0">
+          <a:noAutofit/>
+        </a:bodyPr>
+        <a:lstStyle/>
+        <a:p>
+          <a:pPr lvl="0" algn="l" defTabSz="711200">
+            <a:lnSpc>
+              <a:spcPct val="90000"/>
+            </a:lnSpc>
+            <a:spcBef>
+              <a:spcPct val="0"/>
+            </a:spcBef>
+            <a:spcAft>
+              <a:spcPct val="35000"/>
+            </a:spcAft>
+          </a:pPr>
+          <a:r>
+            <a:rPr lang="en-US" sz="1600" kern="1200" dirty="0" err="1" smtClean="0"/>
+            <a:t>Prehension</a:t>
+          </a:r>
+          <a:endParaRPr lang="en-US" sz="1600" kern="1200" dirty="0"/>
+        </a:p>
+      </dsp:txBody>
+      <dsp:txXfrm>
+        <a:off x="3381375" y="648017"/>
+        <a:ext cx="1143000" cy="761999"/>
+      </dsp:txXfrm>
+    </dsp:sp>
+    <dsp:sp modelId="{BE353C04-56BF-AA44-B29C-1AA30BF506C0}">
+      <dsp:nvSpPr>
+        <dsp:cNvPr id="0" name=""/>
+        <dsp:cNvSpPr/>
+      </dsp:nvSpPr>
+      <dsp:spPr>
+        <a:xfrm>
+          <a:off x="1047749" y="1651952"/>
+          <a:ext cx="761999" cy="761999"/>
+        </a:xfrm>
+        <a:prstGeom prst="ellipse">
+          <a:avLst/>
+        </a:prstGeom>
+        <a:gradFill rotWithShape="0">
+          <a:gsLst>
+            <a:gs pos="0">
+              <a:schemeClr val="accent3">
+                <a:hueOff val="0"/>
+                <a:satOff val="0"/>
+                <a:lumOff val="0"/>
+                <a:alphaOff val="0"/>
+                <a:shade val="15000"/>
+                <a:satMod val="180000"/>
+              </a:schemeClr>
+            </a:gs>
+            <a:gs pos="50000">
+              <a:schemeClr val="accent3">
+                <a:hueOff val="0"/>
+                <a:satOff val="0"/>
+                <a:lumOff val="0"/>
+                <a:alphaOff val="0"/>
+                <a:shade val="45000"/>
+                <a:satMod val="170000"/>
+              </a:schemeClr>
+            </a:gs>
+            <a:gs pos="70000">
+              <a:schemeClr val="accent3">
+                <a:hueOff val="0"/>
+                <a:satOff val="0"/>
+                <a:lumOff val="0"/>
+                <a:alphaOff val="0"/>
+                <a:tint val="99000"/>
+                <a:shade val="65000"/>
+                <a:satMod val="155000"/>
+              </a:schemeClr>
+            </a:gs>
+            <a:gs pos="100000">
+              <a:schemeClr val="accent3">
+                <a:hueOff val="0"/>
+                <a:satOff val="0"/>
+                <a:lumOff val="0"/>
+                <a:alphaOff val="0"/>
+                <a:tint val="95500"/>
+                <a:shade val="100000"/>
+                <a:satMod val="155000"/>
+              </a:schemeClr>
+            </a:gs>
+          </a:gsLst>
+          <a:lin ang="16200000" scaled="0"/>
+        </a:gradFill>
+        <a:ln>
+          <a:noFill/>
+        </a:ln>
+        <a:effectLst>
+          <a:outerShdw blurRad="50800" dist="38100" dir="5400000" rotWithShape="0">
+            <a:srgbClr val="000000">
+              <a:alpha val="35000"/>
+            </a:srgbClr>
+          </a:outerShdw>
+        </a:effectLst>
+      </dsp:spPr>
+      <dsp:style>
+        <a:lnRef idx="0">
+          <a:scrgbClr r="0" g="0" b="0"/>
+        </a:lnRef>
+        <a:fillRef idx="3">
+          <a:scrgbClr r="0" g="0" b="0"/>
+        </a:fillRef>
+        <a:effectRef idx="2">
+          <a:scrgbClr r="0" g="0" b="0"/>
+        </a:effectRef>
+        <a:fontRef idx="minor">
+          <a:schemeClr val="lt1"/>
+        </a:fontRef>
+      </dsp:style>
+    </dsp:sp>
+    <dsp:sp modelId="{DF09DBBF-55BC-1B47-A387-2E7B09D5AB74}">
+      <dsp:nvSpPr>
+        <dsp:cNvPr id="0" name=""/>
+        <dsp:cNvSpPr/>
+      </dsp:nvSpPr>
+      <dsp:spPr>
+        <a:xfrm>
+          <a:off x="1809749" y="1650047"/>
+          <a:ext cx="1143000" cy="761999"/>
+        </a:xfrm>
+        <a:prstGeom prst="rect">
+          <a:avLst/>
+        </a:prstGeom>
+        <a:noFill/>
+        <a:ln>
+          <a:noFill/>
+        </a:ln>
+        <a:effectLst/>
+      </dsp:spPr>
+      <dsp:style>
+        <a:lnRef idx="0">
+          <a:scrgbClr r="0" g="0" b="0"/>
+        </a:lnRef>
+        <a:fillRef idx="0">
+          <a:scrgbClr r="0" g="0" b="0"/>
+        </a:fillRef>
+        <a:effectRef idx="0">
+          <a:scrgbClr r="0" g="0" b="0"/>
+        </a:effectRef>
+        <a:fontRef idx="minor"/>
+      </dsp:style>
+      <dsp:txBody>
+        <a:bodyPr spcFirstLastPara="0" vert="horz" wrap="square" lIns="60960" tIns="60960" rIns="60960" bIns="60960" numCol="1" spcCol="1270" anchor="ctr" anchorCtr="0">
+          <a:noAutofit/>
+        </a:bodyPr>
+        <a:lstStyle/>
+        <a:p>
+          <a:pPr lvl="0" algn="l" defTabSz="711200">
+            <a:lnSpc>
+              <a:spcPct val="90000"/>
+            </a:lnSpc>
+            <a:spcBef>
+              <a:spcPct val="0"/>
+            </a:spcBef>
+            <a:spcAft>
+              <a:spcPct val="35000"/>
+            </a:spcAft>
+          </a:pPr>
+          <a:r>
+            <a:rPr lang="en-US" sz="1600" kern="1200" dirty="0" smtClean="0"/>
+            <a:t>Vector Space</a:t>
+          </a:r>
+          <a:endParaRPr lang="en-US" sz="1600" kern="1200" dirty="0"/>
+        </a:p>
+      </dsp:txBody>
+      <dsp:txXfrm>
+        <a:off x="1809749" y="1650047"/>
+        <a:ext cx="1143000" cy="761999"/>
+      </dsp:txXfrm>
+    </dsp:sp>
+    <dsp:sp modelId="{EBC49A22-B099-BD46-AD21-44FA8524C224}">
+      <dsp:nvSpPr>
+        <dsp:cNvPr id="0" name=""/>
+        <dsp:cNvSpPr/>
+      </dsp:nvSpPr>
+      <dsp:spPr>
+        <a:xfrm>
+          <a:off x="0" y="2653982"/>
+          <a:ext cx="761999" cy="761999"/>
+        </a:xfrm>
+        <a:prstGeom prst="ellipse">
+          <a:avLst/>
+        </a:prstGeom>
+        <a:gradFill rotWithShape="0">
+          <a:gsLst>
+            <a:gs pos="0">
+              <a:schemeClr val="accent4">
+                <a:hueOff val="0"/>
+                <a:satOff val="0"/>
+                <a:lumOff val="0"/>
+                <a:alphaOff val="0"/>
+                <a:shade val="15000"/>
+                <a:satMod val="180000"/>
+              </a:schemeClr>
+            </a:gs>
+            <a:gs pos="50000">
+              <a:schemeClr val="accent4">
+                <a:hueOff val="0"/>
+                <a:satOff val="0"/>
+                <a:lumOff val="0"/>
+                <a:alphaOff val="0"/>
+                <a:shade val="45000"/>
+                <a:satMod val="170000"/>
+              </a:schemeClr>
+            </a:gs>
+            <a:gs pos="70000">
+              <a:schemeClr val="accent4">
+                <a:hueOff val="0"/>
+                <a:satOff val="0"/>
+                <a:lumOff val="0"/>
+                <a:alphaOff val="0"/>
+                <a:tint val="99000"/>
+                <a:shade val="65000"/>
+                <a:satMod val="155000"/>
+              </a:schemeClr>
+            </a:gs>
+            <a:gs pos="100000">
+              <a:schemeClr val="accent4">
+                <a:hueOff val="0"/>
+                <a:satOff val="0"/>
+                <a:lumOff val="0"/>
+                <a:alphaOff val="0"/>
+                <a:tint val="95500"/>
+                <a:shade val="100000"/>
+                <a:satMod val="155000"/>
+              </a:schemeClr>
+            </a:gs>
+          </a:gsLst>
+          <a:lin ang="16200000" scaled="0"/>
+        </a:gradFill>
+        <a:ln>
+          <a:noFill/>
+        </a:ln>
+        <a:effectLst>
+          <a:outerShdw blurRad="50800" dist="38100" dir="5400000" rotWithShape="0">
+            <a:srgbClr val="000000">
+              <a:alpha val="35000"/>
+            </a:srgbClr>
+          </a:outerShdw>
+        </a:effectLst>
+      </dsp:spPr>
+      <dsp:style>
+        <a:lnRef idx="0">
+          <a:scrgbClr r="0" g="0" b="0"/>
+        </a:lnRef>
+        <a:fillRef idx="3">
+          <a:scrgbClr r="0" g="0" b="0"/>
+        </a:fillRef>
+        <a:effectRef idx="2">
+          <a:scrgbClr r="0" g="0" b="0"/>
+        </a:effectRef>
+        <a:fontRef idx="minor">
+          <a:schemeClr val="lt1"/>
+        </a:fontRef>
+      </dsp:style>
+    </dsp:sp>
+    <dsp:sp modelId="{B1A733B9-3613-574B-9F98-957D16DC6C04}">
+      <dsp:nvSpPr>
+        <dsp:cNvPr id="0" name=""/>
+        <dsp:cNvSpPr/>
+      </dsp:nvSpPr>
+      <dsp:spPr>
+        <a:xfrm>
+          <a:off x="761999" y="2652077"/>
+          <a:ext cx="1143000" cy="761999"/>
+        </a:xfrm>
+        <a:prstGeom prst="rect">
+          <a:avLst/>
+        </a:prstGeom>
+        <a:noFill/>
+        <a:ln>
+          <a:noFill/>
+        </a:ln>
+        <a:effectLst/>
+      </dsp:spPr>
+      <dsp:style>
+        <a:lnRef idx="0">
+          <a:scrgbClr r="0" g="0" b="0"/>
+        </a:lnRef>
+        <a:fillRef idx="0">
+          <a:scrgbClr r="0" g="0" b="0"/>
+        </a:fillRef>
+        <a:effectRef idx="0">
+          <a:scrgbClr r="0" g="0" b="0"/>
+        </a:effectRef>
+        <a:fontRef idx="minor"/>
+      </dsp:style>
+      <dsp:txBody>
+        <a:bodyPr spcFirstLastPara="0" vert="horz" wrap="square" lIns="60960" tIns="60960" rIns="60960" bIns="60960" numCol="1" spcCol="1270" anchor="ctr" anchorCtr="0">
+          <a:noAutofit/>
+        </a:bodyPr>
+        <a:lstStyle/>
+        <a:p>
+          <a:pPr lvl="0" algn="l" defTabSz="711200">
+            <a:lnSpc>
+              <a:spcPct val="90000"/>
+            </a:lnSpc>
+            <a:spcBef>
+              <a:spcPct val="0"/>
+            </a:spcBef>
+            <a:spcAft>
+              <a:spcPct val="35000"/>
+            </a:spcAft>
+          </a:pPr>
+          <a:r>
+            <a:rPr lang="en-US" sz="1600" kern="1200" dirty="0" smtClean="0"/>
+            <a:t>Fashion model</a:t>
+          </a:r>
+          <a:endParaRPr lang="en-US" sz="1600" kern="1200" dirty="0"/>
+        </a:p>
+      </dsp:txBody>
+      <dsp:txXfrm>
+        <a:off x="761999" y="2652077"/>
+        <a:ext cx="1143000" cy="761999"/>
+      </dsp:txXfrm>
+    </dsp:sp>
+    <dsp:sp modelId="{A72A3CB1-5DC8-1B44-A4CE-68D3BB31496B}">
+      <dsp:nvSpPr>
+        <dsp:cNvPr id="0" name=""/>
+        <dsp:cNvSpPr/>
+      </dsp:nvSpPr>
+      <dsp:spPr>
+        <a:xfrm>
+          <a:off x="2095499" y="2653982"/>
+          <a:ext cx="761999" cy="761999"/>
+        </a:xfrm>
+        <a:prstGeom prst="ellipse">
+          <a:avLst/>
+        </a:prstGeom>
+        <a:gradFill rotWithShape="0">
+          <a:gsLst>
+            <a:gs pos="0">
+              <a:schemeClr val="accent4">
+                <a:hueOff val="0"/>
+                <a:satOff val="0"/>
+                <a:lumOff val="0"/>
+                <a:alphaOff val="0"/>
+                <a:shade val="15000"/>
+                <a:satMod val="180000"/>
+              </a:schemeClr>
+            </a:gs>
+            <a:gs pos="50000">
+              <a:schemeClr val="accent4">
+                <a:hueOff val="0"/>
+                <a:satOff val="0"/>
+                <a:lumOff val="0"/>
+                <a:alphaOff val="0"/>
+                <a:shade val="45000"/>
+                <a:satMod val="170000"/>
+              </a:schemeClr>
+            </a:gs>
+            <a:gs pos="70000">
+              <a:schemeClr val="accent4">
+                <a:hueOff val="0"/>
+                <a:satOff val="0"/>
+                <a:lumOff val="0"/>
+                <a:alphaOff val="0"/>
+                <a:tint val="99000"/>
+                <a:shade val="65000"/>
+                <a:satMod val="155000"/>
+              </a:schemeClr>
+            </a:gs>
+            <a:gs pos="100000">
+              <a:schemeClr val="accent4">
+                <a:hueOff val="0"/>
+                <a:satOff val="0"/>
+                <a:lumOff val="0"/>
+                <a:alphaOff val="0"/>
+                <a:tint val="95500"/>
+                <a:shade val="100000"/>
+                <a:satMod val="155000"/>
+              </a:schemeClr>
+            </a:gs>
+          </a:gsLst>
+          <a:lin ang="16200000" scaled="0"/>
+        </a:gradFill>
+        <a:ln>
+          <a:noFill/>
+        </a:ln>
+        <a:effectLst>
+          <a:outerShdw blurRad="50800" dist="38100" dir="5400000" rotWithShape="0">
+            <a:srgbClr val="000000">
+              <a:alpha val="35000"/>
+            </a:srgbClr>
+          </a:outerShdw>
+        </a:effectLst>
+      </dsp:spPr>
+      <dsp:style>
+        <a:lnRef idx="0">
+          <a:scrgbClr r="0" g="0" b="0"/>
+        </a:lnRef>
+        <a:fillRef idx="3">
+          <a:scrgbClr r="0" g="0" b="0"/>
+        </a:fillRef>
+        <a:effectRef idx="2">
+          <a:scrgbClr r="0" g="0" b="0"/>
+        </a:effectRef>
+        <a:fontRef idx="minor">
+          <a:schemeClr val="lt1"/>
+        </a:fontRef>
+      </dsp:style>
+    </dsp:sp>
+    <dsp:sp modelId="{F5BD635E-94FA-804C-BBC2-F21E897E3F76}">
+      <dsp:nvSpPr>
+        <dsp:cNvPr id="0" name=""/>
+        <dsp:cNvSpPr/>
+      </dsp:nvSpPr>
+      <dsp:spPr>
+        <a:xfrm>
+          <a:off x="2857500" y="2652077"/>
+          <a:ext cx="1143000" cy="761999"/>
+        </a:xfrm>
+        <a:prstGeom prst="rect">
+          <a:avLst/>
+        </a:prstGeom>
+        <a:noFill/>
+        <a:ln>
+          <a:noFill/>
+        </a:ln>
+        <a:effectLst/>
+      </dsp:spPr>
+      <dsp:style>
+        <a:lnRef idx="0">
+          <a:scrgbClr r="0" g="0" b="0"/>
+        </a:lnRef>
+        <a:fillRef idx="0">
+          <a:scrgbClr r="0" g="0" b="0"/>
+        </a:fillRef>
+        <a:effectRef idx="0">
+          <a:scrgbClr r="0" g="0" b="0"/>
+        </a:effectRef>
+        <a:fontRef idx="minor"/>
+      </dsp:style>
+      <dsp:txBody>
+        <a:bodyPr spcFirstLastPara="0" vert="horz" wrap="square" lIns="60960" tIns="60960" rIns="60960" bIns="60960" numCol="1" spcCol="1270" anchor="ctr" anchorCtr="0">
+          <a:noAutofit/>
+        </a:bodyPr>
+        <a:lstStyle/>
+        <a:p>
+          <a:pPr lvl="0" algn="l" defTabSz="711200">
+            <a:lnSpc>
+              <a:spcPct val="90000"/>
+            </a:lnSpc>
+            <a:spcBef>
+              <a:spcPct val="0"/>
+            </a:spcBef>
+            <a:spcAft>
+              <a:spcPct val="35000"/>
+            </a:spcAft>
+          </a:pPr>
+          <a:r>
+            <a:rPr lang="en-US" sz="1600" kern="1200" dirty="0" smtClean="0"/>
+            <a:t>Segregation model</a:t>
+          </a:r>
+          <a:endParaRPr lang="en-US" sz="1600" kern="1200" dirty="0"/>
+        </a:p>
+      </dsp:txBody>
+      <dsp:txXfrm>
+        <a:off x="2857500" y="2652077"/>
+        <a:ext cx="1143000" cy="761999"/>
+      </dsp:txXfrm>
+    </dsp:sp>
+    <dsp:sp modelId="{EBCDE10E-5169-6145-BF2E-07E34DEA19B6}">
+      <dsp:nvSpPr>
+        <dsp:cNvPr id="0" name=""/>
+        <dsp:cNvSpPr/>
+      </dsp:nvSpPr>
+      <dsp:spPr>
+        <a:xfrm>
+          <a:off x="4191000" y="1651952"/>
+          <a:ext cx="761999" cy="761999"/>
+        </a:xfrm>
+        <a:prstGeom prst="ellipse">
+          <a:avLst/>
+        </a:prstGeom>
+        <a:gradFill rotWithShape="0">
+          <a:gsLst>
+            <a:gs pos="0">
+              <a:schemeClr val="accent3">
+                <a:hueOff val="0"/>
+                <a:satOff val="0"/>
+                <a:lumOff val="0"/>
+                <a:alphaOff val="0"/>
+                <a:shade val="15000"/>
+                <a:satMod val="180000"/>
+              </a:schemeClr>
+            </a:gs>
+            <a:gs pos="50000">
+              <a:schemeClr val="accent3">
+                <a:hueOff val="0"/>
+                <a:satOff val="0"/>
+                <a:lumOff val="0"/>
+                <a:alphaOff val="0"/>
+                <a:shade val="45000"/>
+                <a:satMod val="170000"/>
+              </a:schemeClr>
+            </a:gs>
+            <a:gs pos="70000">
+              <a:schemeClr val="accent3">
+                <a:hueOff val="0"/>
+                <a:satOff val="0"/>
+                <a:lumOff val="0"/>
+                <a:alphaOff val="0"/>
+                <a:tint val="99000"/>
+                <a:shade val="65000"/>
+                <a:satMod val="155000"/>
+              </a:schemeClr>
+            </a:gs>
+            <a:gs pos="100000">
+              <a:schemeClr val="accent3">
+                <a:hueOff val="0"/>
+                <a:satOff val="0"/>
+                <a:lumOff val="0"/>
+                <a:alphaOff val="0"/>
+                <a:tint val="95500"/>
+                <a:shade val="100000"/>
+                <a:satMod val="155000"/>
+              </a:schemeClr>
+            </a:gs>
+          </a:gsLst>
+          <a:lin ang="16200000" scaled="0"/>
+        </a:gradFill>
+        <a:ln>
+          <a:noFill/>
+        </a:ln>
+        <a:effectLst>
+          <a:outerShdw blurRad="50800" dist="38100" dir="5400000" rotWithShape="0">
+            <a:srgbClr val="000000">
+              <a:alpha val="35000"/>
+            </a:srgbClr>
+          </a:outerShdw>
+        </a:effectLst>
+      </dsp:spPr>
+      <dsp:style>
+        <a:lnRef idx="0">
+          <a:scrgbClr r="0" g="0" b="0"/>
+        </a:lnRef>
+        <a:fillRef idx="3">
+          <a:scrgbClr r="0" g="0" b="0"/>
+        </a:fillRef>
+        <a:effectRef idx="2">
+          <a:scrgbClr r="0" g="0" b="0"/>
+        </a:effectRef>
+        <a:fontRef idx="minor">
+          <a:schemeClr val="lt1"/>
+        </a:fontRef>
+      </dsp:style>
+    </dsp:sp>
+    <dsp:sp modelId="{793AA1F8-448D-F048-96F5-F99C11C83C06}">
+      <dsp:nvSpPr>
+        <dsp:cNvPr id="0" name=""/>
+        <dsp:cNvSpPr/>
+      </dsp:nvSpPr>
+      <dsp:spPr>
+        <a:xfrm>
+          <a:off x="4953000" y="1650047"/>
+          <a:ext cx="1143000" cy="761999"/>
+        </a:xfrm>
+        <a:prstGeom prst="rect">
+          <a:avLst/>
+        </a:prstGeom>
+        <a:noFill/>
+        <a:ln>
+          <a:noFill/>
+        </a:ln>
+        <a:effectLst/>
+      </dsp:spPr>
+      <dsp:style>
+        <a:lnRef idx="0">
+          <a:scrgbClr r="0" g="0" b="0"/>
+        </a:lnRef>
+        <a:fillRef idx="0">
+          <a:scrgbClr r="0" g="0" b="0"/>
+        </a:fillRef>
+        <a:effectRef idx="0">
+          <a:scrgbClr r="0" g="0" b="0"/>
+        </a:effectRef>
+        <a:fontRef idx="minor"/>
+      </dsp:style>
+      <dsp:txBody>
+        <a:bodyPr spcFirstLastPara="0" vert="horz" wrap="square" lIns="60960" tIns="60960" rIns="60960" bIns="60960" numCol="1" spcCol="1270" anchor="ctr" anchorCtr="0">
+          <a:noAutofit/>
+        </a:bodyPr>
+        <a:lstStyle/>
+        <a:p>
+          <a:pPr lvl="0" algn="l" defTabSz="711200">
+            <a:lnSpc>
+              <a:spcPct val="90000"/>
+            </a:lnSpc>
+            <a:spcBef>
+              <a:spcPct val="0"/>
+            </a:spcBef>
+            <a:spcAft>
+              <a:spcPct val="35000"/>
+            </a:spcAft>
+          </a:pPr>
+          <a:r>
+            <a:rPr lang="en-US" sz="1600" kern="1200" dirty="0" smtClean="0"/>
+            <a:t>Markov chain</a:t>
+          </a:r>
+          <a:endParaRPr lang="en-US" sz="1600" kern="1200" dirty="0"/>
+        </a:p>
+      </dsp:txBody>
+      <dsp:txXfrm>
+        <a:off x="4953000" y="1650047"/>
+        <a:ext cx="1143000" cy="761999"/>
+      </dsp:txXfrm>
+    </dsp:sp>
+    <dsp:sp modelId="{4716271B-2BEA-D54C-8720-8FBF05DF84AD}">
+      <dsp:nvSpPr>
+        <dsp:cNvPr id="0" name=""/>
+        <dsp:cNvSpPr/>
+      </dsp:nvSpPr>
+      <dsp:spPr>
+        <a:xfrm>
+          <a:off x="4191000" y="2653982"/>
+          <a:ext cx="761999" cy="761999"/>
+        </a:xfrm>
+        <a:prstGeom prst="ellipse">
+          <a:avLst/>
+        </a:prstGeom>
+        <a:gradFill rotWithShape="0">
+          <a:gsLst>
+            <a:gs pos="0">
+              <a:schemeClr val="accent4">
+                <a:hueOff val="0"/>
+                <a:satOff val="0"/>
+                <a:lumOff val="0"/>
+                <a:alphaOff val="0"/>
+                <a:shade val="15000"/>
+                <a:satMod val="180000"/>
+              </a:schemeClr>
+            </a:gs>
+            <a:gs pos="50000">
+              <a:schemeClr val="accent4">
+                <a:hueOff val="0"/>
+                <a:satOff val="0"/>
+                <a:lumOff val="0"/>
+                <a:alphaOff val="0"/>
+                <a:shade val="45000"/>
+                <a:satMod val="170000"/>
+              </a:schemeClr>
+            </a:gs>
+            <a:gs pos="70000">
+              <a:schemeClr val="accent4">
+                <a:hueOff val="0"/>
+                <a:satOff val="0"/>
+                <a:lumOff val="0"/>
+                <a:alphaOff val="0"/>
+                <a:tint val="99000"/>
+                <a:shade val="65000"/>
+                <a:satMod val="155000"/>
+              </a:schemeClr>
+            </a:gs>
+            <a:gs pos="100000">
+              <a:schemeClr val="accent4">
+                <a:hueOff val="0"/>
+                <a:satOff val="0"/>
+                <a:lumOff val="0"/>
+                <a:alphaOff val="0"/>
+                <a:tint val="95500"/>
+                <a:shade val="100000"/>
+                <a:satMod val="155000"/>
+              </a:schemeClr>
+            </a:gs>
+          </a:gsLst>
+          <a:lin ang="16200000" scaled="0"/>
+        </a:gradFill>
+        <a:ln>
+          <a:noFill/>
+        </a:ln>
+        <a:effectLst>
+          <a:outerShdw blurRad="50800" dist="38100" dir="5400000" rotWithShape="0">
+            <a:srgbClr val="000000">
+              <a:alpha val="35000"/>
+            </a:srgbClr>
+          </a:outerShdw>
+        </a:effectLst>
+      </dsp:spPr>
+      <dsp:style>
+        <a:lnRef idx="0">
+          <a:scrgbClr r="0" g="0" b="0"/>
+        </a:lnRef>
+        <a:fillRef idx="3">
+          <a:scrgbClr r="0" g="0" b="0"/>
+        </a:fillRef>
+        <a:effectRef idx="2">
+          <a:scrgbClr r="0" g="0" b="0"/>
+        </a:effectRef>
+        <a:fontRef idx="minor">
+          <a:schemeClr val="lt1"/>
+        </a:fontRef>
+      </dsp:style>
+    </dsp:sp>
+    <dsp:sp modelId="{E1D24100-DA38-774C-96CB-071D1B086443}">
+      <dsp:nvSpPr>
+        <dsp:cNvPr id="0" name=""/>
+        <dsp:cNvSpPr/>
+      </dsp:nvSpPr>
+      <dsp:spPr>
+        <a:xfrm>
+          <a:off x="4953000" y="2652077"/>
+          <a:ext cx="1143000" cy="761999"/>
+        </a:xfrm>
+        <a:prstGeom prst="rect">
+          <a:avLst/>
+        </a:prstGeom>
+        <a:noFill/>
+        <a:ln>
+          <a:noFill/>
+        </a:ln>
+        <a:effectLst/>
+      </dsp:spPr>
+      <dsp:style>
+        <a:lnRef idx="0">
+          <a:scrgbClr r="0" g="0" b="0"/>
+        </a:lnRef>
+        <a:fillRef idx="0">
+          <a:scrgbClr r="0" g="0" b="0"/>
+        </a:fillRef>
+        <a:effectRef idx="0">
+          <a:scrgbClr r="0" g="0" b="0"/>
+        </a:effectRef>
+        <a:fontRef idx="minor"/>
+      </dsp:style>
+      <dsp:txBody>
+        <a:bodyPr spcFirstLastPara="0" vert="horz" wrap="square" lIns="60960" tIns="60960" rIns="60960" bIns="60960" numCol="1" spcCol="1270" anchor="ctr" anchorCtr="0">
+          <a:noAutofit/>
+        </a:bodyPr>
+        <a:lstStyle/>
+        <a:p>
+          <a:pPr lvl="0" algn="l" defTabSz="711200">
+            <a:lnSpc>
+              <a:spcPct val="90000"/>
+            </a:lnSpc>
+            <a:spcBef>
+              <a:spcPct val="0"/>
+            </a:spcBef>
+            <a:spcAft>
+              <a:spcPct val="35000"/>
+            </a:spcAft>
+          </a:pPr>
+          <a:r>
+            <a:rPr lang="en-US" sz="1600" kern="1200" dirty="0" smtClean="0"/>
+            <a:t>Forest fire</a:t>
+          </a:r>
+          <a:endParaRPr lang="en-US" sz="1600" kern="1200" dirty="0"/>
+        </a:p>
+      </dsp:txBody>
+      <dsp:txXfrm>
+        <a:off x="4953000" y="2652077"/>
+        <a:ext cx="1143000" cy="761999"/>
+      </dsp:txXfrm>
+    </dsp:sp>
+  </dsp:spTree>
+</dsp:drawing>
+</file>
+
 <file path=ppt/diagrams/layout1.xml><?xml version="1.0" encoding="utf-8"?>
 <dgm:layoutDef xmlns:dgm="http://schemas.openxmlformats.org/drawingml/2006/diagram" xmlns:a="http://schemas.openxmlformats.org/drawingml/2006/main" uniqueId="urn:microsoft.com/office/officeart/2005/8/layout/equation1">
   <dgm:title val=""/>
@@ -15224,6 +17666,567 @@
 </dgm:layoutDef>
 </file>
 
+<file path=ppt/diagrams/layout9.xml><?xml version="1.0" encoding="utf-8"?>
+<dgm:layoutDef xmlns:dgm="http://schemas.openxmlformats.org/drawingml/2006/diagram" xmlns:a="http://schemas.openxmlformats.org/drawingml/2006/main" uniqueId="urn:microsoft.com/office/officeart/2009/layout/CirclePictureHierarchy">
+  <dgm:title val=""/>
+  <dgm:desc val=""/>
+  <dgm:catLst>
+    <dgm:cat type="hierarchy" pri="1750"/>
+    <dgm:cat type="picture" pri="23000"/>
+    <dgm:cat type="pictureconvert" pri="23000"/>
+  </dgm:catLst>
+  <dgm:sampData>
+    <dgm:dataModel>
+      <dgm:ptLst>
+        <dgm:pt modelId="0" type="doc"/>
+        <dgm:pt modelId="1">
+          <dgm:prSet phldr="1"/>
+        </dgm:pt>
+        <dgm:pt modelId="2">
+          <dgm:prSet phldr="1"/>
+        </dgm:pt>
+        <dgm:pt modelId="21">
+          <dgm:prSet phldr="1"/>
+        </dgm:pt>
+        <dgm:pt modelId="22">
+          <dgm:prSet phldr="1"/>
+        </dgm:pt>
+        <dgm:pt modelId="3">
+          <dgm:prSet phldr="1"/>
+        </dgm:pt>
+        <dgm:pt modelId="31">
+          <dgm:prSet phldr="1"/>
+        </dgm:pt>
+      </dgm:ptLst>
+      <dgm:cxnLst>
+        <dgm:cxn modelId="4" srcId="0" destId="1" srcOrd="0" destOrd="0"/>
+        <dgm:cxn modelId="5" srcId="1" destId="2" srcOrd="0" destOrd="0"/>
+        <dgm:cxn modelId="6" srcId="1" destId="3" srcOrd="1" destOrd="0"/>
+        <dgm:cxn modelId="23" srcId="2" destId="21" srcOrd="0" destOrd="0"/>
+        <dgm:cxn modelId="24" srcId="2" destId="22" srcOrd="1" destOrd="0"/>
+        <dgm:cxn modelId="33" srcId="3" destId="31" srcOrd="0" destOrd="0"/>
+      </dgm:cxnLst>
+      <dgm:bg/>
+      <dgm:whole/>
+    </dgm:dataModel>
+  </dgm:sampData>
+  <dgm:styleData>
+    <dgm:dataModel>
+      <dgm:ptLst>
+        <dgm:pt modelId="0" type="doc"/>
+        <dgm:pt modelId="1"/>
+        <dgm:pt modelId="11"/>
+        <dgm:pt modelId="12"/>
+      </dgm:ptLst>
+      <dgm:cxnLst>
+        <dgm:cxn modelId="2" srcId="0" destId="1" srcOrd="0" destOrd="0"/>
+        <dgm:cxn modelId="13" srcId="1" destId="11" srcOrd="0" destOrd="0"/>
+        <dgm:cxn modelId="14" srcId="1" destId="12" srcOrd="1" destOrd="0"/>
+      </dgm:cxnLst>
+      <dgm:bg/>
+      <dgm:whole/>
+    </dgm:dataModel>
+  </dgm:styleData>
+  <dgm:clrData>
+    <dgm:dataModel>
+      <dgm:ptLst>
+        <dgm:pt modelId="0" type="doc"/>
+        <dgm:pt modelId="1"/>
+        <dgm:pt modelId="2"/>
+        <dgm:pt modelId="21"/>
+        <dgm:pt modelId="211"/>
+        <dgm:pt modelId="3"/>
+        <dgm:pt modelId="31"/>
+        <dgm:pt modelId="311"/>
+      </dgm:ptLst>
+      <dgm:cxnLst>
+        <dgm:cxn modelId="4" srcId="0" destId="1" srcOrd="0" destOrd="0"/>
+        <dgm:cxn modelId="5" srcId="1" destId="2" srcOrd="0" destOrd="0"/>
+        <dgm:cxn modelId="6" srcId="1" destId="3" srcOrd="1" destOrd="0"/>
+        <dgm:cxn modelId="23" srcId="2" destId="21" srcOrd="0" destOrd="0"/>
+        <dgm:cxn modelId="24" srcId="21" destId="211" srcOrd="0" destOrd="0"/>
+        <dgm:cxn modelId="33" srcId="3" destId="31" srcOrd="0" destOrd="0"/>
+        <dgm:cxn modelId="34" srcId="31" destId="311" srcOrd="0" destOrd="0"/>
+      </dgm:cxnLst>
+      <dgm:bg/>
+      <dgm:whole/>
+    </dgm:dataModel>
+  </dgm:clrData>
+  <dgm:layoutNode name="hierChild1">
+    <dgm:varLst>
+      <dgm:chPref val="1"/>
+      <dgm:dir/>
+      <dgm:animOne val="branch"/>
+      <dgm:animLvl val="lvl"/>
+      <dgm:resizeHandles/>
+    </dgm:varLst>
+    <dgm:choose name="Name0">
+      <dgm:if name="Name1" func="var" arg="dir" op="equ" val="norm">
+        <dgm:alg type="hierChild">
+          <dgm:param type="linDir" val="fromL"/>
+        </dgm:alg>
+      </dgm:if>
+      <dgm:else name="Name2">
+        <dgm:alg type="hierChild">
+          <dgm:param type="linDir" val="fromR"/>
+        </dgm:alg>
+      </dgm:else>
+    </dgm:choose>
+    <dgm:shape xmlns:r="http://schemas.openxmlformats.org/officeDocument/2006/relationships" r:blip="">
+      <dgm:adjLst/>
+    </dgm:shape>
+    <dgm:presOf/>
+    <dgm:constrLst>
+      <dgm:constr type="primFontSz" for="des" ptType="node" op="equ" val="65"/>
+      <dgm:constr type="w" for="des" forName="composite" refType="w"/>
+      <dgm:constr type="h" for="des" forName="composite" refType="w" refFor="des" refForName="composite" fact="0.5"/>
+      <dgm:constr type="w" for="des" forName="composite2" refType="w" refFor="des" refForName="composite"/>
+      <dgm:constr type="h" for="des" forName="composite2" refType="h" refFor="des" refForName="composite"/>
+      <dgm:constr type="w" for="des" forName="composite3" refType="w" refFor="des" refForName="composite"/>
+      <dgm:constr type="h" for="des" forName="composite3" refType="h" refFor="des" refForName="composite"/>
+      <dgm:constr type="w" for="des" forName="composite4" refType="w" refFor="des" refForName="composite"/>
+      <dgm:constr type="h" for="des" forName="composite4" refType="h" refFor="des" refForName="composite"/>
+      <dgm:constr type="w" for="des" forName="composite5" refType="w" refFor="des" refForName="composite"/>
+      <dgm:constr type="h" for="des" forName="composite5" refType="h" refFor="des" refForName="composite"/>
+      <dgm:constr type="sibSp" refType="w" refFor="des" refForName="composite" fact="0.1"/>
+      <dgm:constr type="sibSp" for="des" forName="hierChild2" refType="sibSp"/>
+      <dgm:constr type="sibSp" for="des" forName="hierChild3" refType="sibSp"/>
+      <dgm:constr type="sibSp" for="des" forName="hierChild4" refType="sibSp"/>
+      <dgm:constr type="sibSp" for="des" forName="hierChild5" refType="sibSp"/>
+      <dgm:constr type="sibSp" for="des" forName="hierChild6" refType="sibSp"/>
+      <dgm:constr type="sp" for="des" forName="hierRoot1" refType="h" refFor="des" refForName="composite" fact="0.25"/>
+      <dgm:constr type="sp" for="des" forName="hierRoot2" refType="sp" refFor="des" refForName="hierRoot1"/>
+      <dgm:constr type="sp" for="des" forName="hierRoot3" refType="sp" refFor="des" refForName="hierRoot1"/>
+      <dgm:constr type="sp" for="des" forName="hierRoot4" refType="sp" refFor="des" refForName="hierRoot1"/>
+      <dgm:constr type="sp" for="des" forName="hierRoot5" refType="sp" refFor="des" refForName="hierRoot1"/>
+    </dgm:constrLst>
+    <dgm:ruleLst/>
+    <dgm:forEach name="Name3" axis="ch">
+      <dgm:forEach name="Name4" axis="self" ptType="node">
+        <dgm:layoutNode name="hierRoot1">
+          <dgm:alg type="hierRoot"/>
+          <dgm:shape xmlns:r="http://schemas.openxmlformats.org/officeDocument/2006/relationships" r:blip="">
+            <dgm:adjLst/>
+          </dgm:shape>
+          <dgm:presOf/>
+          <dgm:constrLst>
+            <dgm:constr type="bendDist" for="des" ptType="parTrans" refType="sp" fact="0.5"/>
+          </dgm:constrLst>
+          <dgm:ruleLst/>
+          <dgm:layoutNode name="composite">
+            <dgm:alg type="composite"/>
+            <dgm:shape xmlns:r="http://schemas.openxmlformats.org/officeDocument/2006/relationships" r:blip="">
+              <dgm:adjLst/>
+            </dgm:shape>
+            <dgm:presOf/>
+            <dgm:constrLst>
+              <dgm:constr type="h" for="ch" forName="image" refType="h" fact="0.8"/>
+              <dgm:constr type="w" for="ch" forName="image" refType="h" refFor="ch" refForName="image"/>
+              <dgm:constr type="t" for="ch" forName="image" refType="h" fact="0.1"/>
+              <dgm:constr type="l" for="ch" forName="image"/>
+              <dgm:constr type="w" for="ch" forName="text" refType="w" fact="0.6"/>
+              <dgm:constr type="h" for="ch" forName="text" refType="h" fact="0.8"/>
+              <dgm:constr type="t" for="ch" forName="text" refType="w" fact="0.04"/>
+              <dgm:constr type="l" for="ch" forName="text" refType="w" fact="0.4"/>
+            </dgm:constrLst>
+            <dgm:ruleLst/>
+            <dgm:layoutNode name="image" styleLbl="node0">
+              <dgm:alg type="sp"/>
+              <dgm:shape xmlns:r="http://schemas.openxmlformats.org/officeDocument/2006/relationships" type="ellipse" r:blip="" blipPhldr="1">
+                <dgm:adjLst/>
+              </dgm:shape>
+              <dgm:presOf/>
+              <dgm:constrLst/>
+              <dgm:ruleLst/>
+            </dgm:layoutNode>
+            <dgm:layoutNode name="text" styleLbl="revTx">
+              <dgm:varLst>
+                <dgm:chPref val="3"/>
+              </dgm:varLst>
+              <dgm:alg type="tx">
+                <dgm:param type="parTxLTRAlign" val="l"/>
+                <dgm:param type="parTxRTLAlign" val="r"/>
+              </dgm:alg>
+              <dgm:shape xmlns:r="http://schemas.openxmlformats.org/officeDocument/2006/relationships" type="rect" r:blip="">
+                <dgm:adjLst/>
+              </dgm:shape>
+              <dgm:presOf axis="self"/>
+              <dgm:constrLst>
+                <dgm:constr type="tMarg" refType="primFontSz" fact="0.3"/>
+                <dgm:constr type="bMarg" refType="primFontSz" fact="0.3"/>
+                <dgm:constr type="lMarg" refType="primFontSz" fact="0.3"/>
+                <dgm:constr type="rMarg" refType="primFontSz" fact="0.3"/>
+              </dgm:constrLst>
+              <dgm:ruleLst>
+                <dgm:rule type="primFontSz" val="5" fact="NaN" max="NaN"/>
+              </dgm:ruleLst>
+            </dgm:layoutNode>
+          </dgm:layoutNode>
+          <dgm:layoutNode name="hierChild2">
+            <dgm:choose name="Name5">
+              <dgm:if name="Name6" func="var" arg="dir" op="equ" val="norm">
+                <dgm:alg type="hierChild">
+                  <dgm:param type="linDir" val="fromL"/>
+                </dgm:alg>
+              </dgm:if>
+              <dgm:else name="Name7">
+                <dgm:alg type="hierChild">
+                  <dgm:param type="linDir" val="fromR"/>
+                </dgm:alg>
+              </dgm:else>
+            </dgm:choose>
+            <dgm:shape xmlns:r="http://schemas.openxmlformats.org/officeDocument/2006/relationships" r:blip="">
+              <dgm:adjLst/>
+            </dgm:shape>
+            <dgm:presOf/>
+            <dgm:constrLst/>
+            <dgm:ruleLst/>
+            <dgm:forEach name="Name8" axis="ch">
+              <dgm:forEach name="Name9" axis="self" ptType="parTrans" cnt="1">
+                <dgm:layoutNode name="Name10">
+                  <dgm:alg type="conn">
+                    <dgm:param type="dim" val="1D"/>
+                    <dgm:param type="endSty" val="noArr"/>
+                    <dgm:param type="connRout" val="bend"/>
+                    <dgm:param type="bendPt" val="end"/>
+                    <dgm:param type="begPts" val="bCtr"/>
+                    <dgm:param type="endPts" val="tCtr"/>
+                    <dgm:param type="srcNode" val="image"/>
+                    <dgm:param type="dstNode" val="image2"/>
+                  </dgm:alg>
+                  <dgm:shape xmlns:r="http://schemas.openxmlformats.org/officeDocument/2006/relationships" type="conn" r:blip="" zOrderOff="-999">
+                    <dgm:adjLst/>
+                  </dgm:shape>
+                  <dgm:presOf axis="self"/>
+                  <dgm:constrLst>
+                    <dgm:constr type="begPad"/>
+                    <dgm:constr type="endPad"/>
+                  </dgm:constrLst>
+                  <dgm:ruleLst/>
+                </dgm:layoutNode>
+              </dgm:forEach>
+              <dgm:forEach name="Name11" axis="self" ptType="node">
+                <dgm:layoutNode name="hierRoot2">
+                  <dgm:alg type="hierRoot"/>
+                  <dgm:shape xmlns:r="http://schemas.openxmlformats.org/officeDocument/2006/relationships" r:blip="">
+                    <dgm:adjLst/>
+                  </dgm:shape>
+                  <dgm:presOf/>
+                  <dgm:constrLst>
+                    <dgm:constr type="bendDist" for="des" ptType="parTrans" refType="sp" fact="0.5"/>
+                  </dgm:constrLst>
+                  <dgm:ruleLst/>
+                  <dgm:layoutNode name="composite2">
+                    <dgm:alg type="composite"/>
+                    <dgm:shape xmlns:r="http://schemas.openxmlformats.org/officeDocument/2006/relationships" r:blip="">
+                      <dgm:adjLst/>
+                    </dgm:shape>
+                    <dgm:presOf/>
+                    <dgm:constrLst>
+                      <dgm:constr type="h" for="ch" forName="image2" refType="h" fact="0.8"/>
+                      <dgm:constr type="w" for="ch" forName="image2" refType="h" refFor="ch" refForName="image2"/>
+                      <dgm:constr type="t" for="ch" forName="image2" refType="h" fact="0.1"/>
+                      <dgm:constr type="l" for="ch" forName="image2"/>
+                      <dgm:constr type="w" for="ch" forName="text2" refType="w" fact="0.6"/>
+                      <dgm:constr type="h" for="ch" forName="text2" refType="h" fact="0.8"/>
+                      <dgm:constr type="t" for="ch" forName="text2" refType="w" fact="0.04"/>
+                      <dgm:constr type="l" for="ch" forName="text2" refType="w" fact="0.4"/>
+                    </dgm:constrLst>
+                    <dgm:ruleLst/>
+                    <dgm:layoutNode name="image2">
+                      <dgm:alg type="sp"/>
+                      <dgm:shape xmlns:r="http://schemas.openxmlformats.org/officeDocument/2006/relationships" type="ellipse" r:blip="" blipPhldr="1">
+                        <dgm:adjLst/>
+                      </dgm:shape>
+                      <dgm:presOf/>
+                      <dgm:constrLst/>
+                      <dgm:ruleLst/>
+                    </dgm:layoutNode>
+                    <dgm:layoutNode name="text2" styleLbl="revTx">
+                      <dgm:varLst>
+                        <dgm:chPref val="3"/>
+                      </dgm:varLst>
+                      <dgm:alg type="tx">
+                        <dgm:param type="parTxLTRAlign" val="l"/>
+                        <dgm:param type="parTxRTLAlign" val="r"/>
+                      </dgm:alg>
+                      <dgm:shape xmlns:r="http://schemas.openxmlformats.org/officeDocument/2006/relationships" type="rect" r:blip="">
+                        <dgm:adjLst/>
+                      </dgm:shape>
+                      <dgm:presOf axis="self"/>
+                      <dgm:constrLst>
+                        <dgm:constr type="tMarg" refType="primFontSz" fact="0.3"/>
+                        <dgm:constr type="bMarg" refType="primFontSz" fact="0.3"/>
+                        <dgm:constr type="lMarg" refType="primFontSz" fact="0.3"/>
+                        <dgm:constr type="rMarg" refType="primFontSz" fact="0.3"/>
+                      </dgm:constrLst>
+                      <dgm:ruleLst>
+                        <dgm:rule type="primFontSz" val="5" fact="NaN" max="NaN"/>
+                      </dgm:ruleLst>
+                    </dgm:layoutNode>
+                  </dgm:layoutNode>
+                  <dgm:layoutNode name="hierChild3">
+                    <dgm:choose name="Name12">
+                      <dgm:if name="Name13" func="var" arg="dir" op="equ" val="norm">
+                        <dgm:alg type="hierChild">
+                          <dgm:param type="linDir" val="fromL"/>
+                        </dgm:alg>
+                      </dgm:if>
+                      <dgm:else name="Name14">
+                        <dgm:alg type="hierChild">
+                          <dgm:param type="linDir" val="fromR"/>
+                        </dgm:alg>
+                      </dgm:else>
+                    </dgm:choose>
+                    <dgm:shape xmlns:r="http://schemas.openxmlformats.org/officeDocument/2006/relationships" r:blip="">
+                      <dgm:adjLst/>
+                    </dgm:shape>
+                    <dgm:presOf/>
+                    <dgm:constrLst/>
+                    <dgm:ruleLst/>
+                    <dgm:forEach name="Name15" axis="ch">
+                      <dgm:forEach name="Name16" axis="self" ptType="parTrans" cnt="1">
+                        <dgm:layoutNode name="Name17">
+                          <dgm:alg type="conn">
+                            <dgm:param type="dim" val="1D"/>
+                            <dgm:param type="endSty" val="noArr"/>
+                            <dgm:param type="connRout" val="bend"/>
+                            <dgm:param type="bendPt" val="end"/>
+                            <dgm:param type="begPts" val="bCtr"/>
+                            <dgm:param type="endPts" val="tCtr"/>
+                            <dgm:param type="srcNode" val="image2"/>
+                            <dgm:param type="dstNode" val="image3"/>
+                          </dgm:alg>
+                          <dgm:shape xmlns:r="http://schemas.openxmlformats.org/officeDocument/2006/relationships" type="conn" r:blip="" zOrderOff="-999">
+                            <dgm:adjLst/>
+                          </dgm:shape>
+                          <dgm:presOf axis="self"/>
+                          <dgm:constrLst>
+                            <dgm:constr type="begPad"/>
+                            <dgm:constr type="endPad"/>
+                          </dgm:constrLst>
+                          <dgm:ruleLst/>
+                        </dgm:layoutNode>
+                      </dgm:forEach>
+                      <dgm:forEach name="Name18" axis="self" ptType="node">
+                        <dgm:layoutNode name="hierRoot3">
+                          <dgm:alg type="hierRoot"/>
+                          <dgm:shape xmlns:r="http://schemas.openxmlformats.org/officeDocument/2006/relationships" r:blip="">
+                            <dgm:adjLst/>
+                          </dgm:shape>
+                          <dgm:presOf/>
+                          <dgm:constrLst>
+                            <dgm:constr type="bendDist" for="des" ptType="parTrans" refType="sp" fact="0.5"/>
+                          </dgm:constrLst>
+                          <dgm:ruleLst/>
+                          <dgm:layoutNode name="composite3">
+                            <dgm:alg type="composite"/>
+                            <dgm:shape xmlns:r="http://schemas.openxmlformats.org/officeDocument/2006/relationships" r:blip="">
+                              <dgm:adjLst/>
+                            </dgm:shape>
+                            <dgm:presOf/>
+                            <dgm:constrLst>
+                              <dgm:constr type="h" for="ch" forName="image3" refType="h" fact="0.8"/>
+                              <dgm:constr type="w" for="ch" forName="image3" refType="h" refFor="ch" refForName="image3"/>
+                              <dgm:constr type="t" for="ch" forName="image3" refType="h" fact="0.1"/>
+                              <dgm:constr type="l" for="ch" forName="image3"/>
+                              <dgm:constr type="w" for="ch" forName="text3" refType="w" fact="0.6"/>
+                              <dgm:constr type="h" for="ch" forName="text3" refType="h" fact="0.8"/>
+                              <dgm:constr type="t" for="ch" forName="text3" refType="w" fact="0.04"/>
+                              <dgm:constr type="l" for="ch" forName="text3" refType="w" fact="0.4"/>
+                            </dgm:constrLst>
+                            <dgm:ruleLst/>
+                            <dgm:layoutNode name="image3">
+                              <dgm:alg type="sp"/>
+                              <dgm:shape xmlns:r="http://schemas.openxmlformats.org/officeDocument/2006/relationships" type="ellipse" r:blip="" blipPhldr="1">
+                                <dgm:adjLst/>
+                              </dgm:shape>
+                              <dgm:presOf/>
+                              <dgm:constrLst/>
+                              <dgm:ruleLst/>
+                            </dgm:layoutNode>
+                            <dgm:layoutNode name="text3" styleLbl="revTx">
+                              <dgm:varLst>
+                                <dgm:chPref val="3"/>
+                              </dgm:varLst>
+                              <dgm:alg type="tx">
+                                <dgm:param type="parTxLTRAlign" val="l"/>
+                                <dgm:param type="parTxRTLAlign" val="r"/>
+                              </dgm:alg>
+                              <dgm:shape xmlns:r="http://schemas.openxmlformats.org/officeDocument/2006/relationships" type="rect" r:blip="">
+                                <dgm:adjLst/>
+                              </dgm:shape>
+                              <dgm:presOf axis="self"/>
+                              <dgm:constrLst>
+                                <dgm:constr type="tMarg" refType="primFontSz" fact="0.3"/>
+                                <dgm:constr type="bMarg" refType="primFontSz" fact="0.3"/>
+                                <dgm:constr type="lMarg" refType="primFontSz" fact="0.3"/>
+                                <dgm:constr type="rMarg" refType="primFontSz" fact="0.3"/>
+                              </dgm:constrLst>
+                              <dgm:ruleLst>
+                                <dgm:rule type="primFontSz" val="5" fact="NaN" max="NaN"/>
+                              </dgm:ruleLst>
+                            </dgm:layoutNode>
+                          </dgm:layoutNode>
+                          <dgm:layoutNode name="hierChild4">
+                            <dgm:choose name="Name19">
+                              <dgm:if name="Name20" func="var" arg="dir" op="equ" val="norm">
+                                <dgm:alg type="hierChild">
+                                  <dgm:param type="linDir" val="fromL"/>
+                                </dgm:alg>
+                              </dgm:if>
+                              <dgm:else name="Name21">
+                                <dgm:alg type="hierChild">
+                                  <dgm:param type="linDir" val="fromR"/>
+                                </dgm:alg>
+                              </dgm:else>
+                            </dgm:choose>
+                            <dgm:shape xmlns:r="http://schemas.openxmlformats.org/officeDocument/2006/relationships" r:blip="">
+                              <dgm:adjLst/>
+                            </dgm:shape>
+                            <dgm:presOf/>
+                            <dgm:constrLst/>
+                            <dgm:ruleLst/>
+                            <dgm:forEach name="repeat" axis="ch">
+                              <dgm:forEach name="Name22" axis="self" ptType="parTrans" cnt="1">
+                                <dgm:layoutNode name="Name23">
+                                  <dgm:choose name="Name24">
+                                    <dgm:if name="Name25" axis="self" func="depth" op="lte" val="4">
+                                      <dgm:alg type="conn">
+                                        <dgm:param type="dim" val="1D"/>
+                                        <dgm:param type="endSty" val="noArr"/>
+                                        <dgm:param type="connRout" val="bend"/>
+                                        <dgm:param type="bendPt" val="end"/>
+                                        <dgm:param type="begPts" val="bCtr"/>
+                                        <dgm:param type="endPts" val="tCtr"/>
+                                        <dgm:param type="srcNode" val="image3"/>
+                                        <dgm:param type="dstNode" val="image4"/>
+                                      </dgm:alg>
+                                    </dgm:if>
+                                    <dgm:else name="Name26">
+                                      <dgm:alg type="conn">
+                                        <dgm:param type="dim" val="1D"/>
+                                        <dgm:param type="endSty" val="noArr"/>
+                                        <dgm:param type="connRout" val="bend"/>
+                                        <dgm:param type="bendPt" val="end"/>
+                                        <dgm:param type="begPts" val="bCtr"/>
+                                        <dgm:param type="endPts" val="tCtr"/>
+                                        <dgm:param type="srcNode" val="image4"/>
+                                        <dgm:param type="dstNode" val="image4"/>
+                                      </dgm:alg>
+                                    </dgm:else>
+                                  </dgm:choose>
+                                  <dgm:shape xmlns:r="http://schemas.openxmlformats.org/officeDocument/2006/relationships" type="conn" r:blip="" zOrderOff="-999">
+                                    <dgm:adjLst/>
+                                  </dgm:shape>
+                                  <dgm:presOf axis="self"/>
+                                  <dgm:constrLst>
+                                    <dgm:constr type="begPad"/>
+                                    <dgm:constr type="endPad"/>
+                                  </dgm:constrLst>
+                                  <dgm:ruleLst/>
+                                </dgm:layoutNode>
+                              </dgm:forEach>
+                              <dgm:forEach name="Name27" axis="self" ptType="node">
+                                <dgm:layoutNode name="hierRoot4">
+                                  <dgm:alg type="hierRoot"/>
+                                  <dgm:shape xmlns:r="http://schemas.openxmlformats.org/officeDocument/2006/relationships" r:blip="">
+                                    <dgm:adjLst/>
+                                  </dgm:shape>
+                                  <dgm:presOf/>
+                                  <dgm:constrLst>
+                                    <dgm:constr type="bendDist" for="des" ptType="parTrans" refType="sp" fact="0.5"/>
+                                  </dgm:constrLst>
+                                  <dgm:ruleLst/>
+                                  <dgm:layoutNode name="composite4">
+                                    <dgm:alg type="composite"/>
+                                    <dgm:shape xmlns:r="http://schemas.openxmlformats.org/officeDocument/2006/relationships" r:blip="">
+                                      <dgm:adjLst/>
+                                    </dgm:shape>
+                                    <dgm:presOf/>
+                                    <dgm:constrLst>
+                                      <dgm:constr type="h" for="ch" forName="image4" refType="h" fact="0.8"/>
+                                      <dgm:constr type="w" for="ch" forName="image4" refType="h" refFor="ch" refForName="image4"/>
+                                      <dgm:constr type="t" for="ch" forName="image4" refType="h" fact="0.1"/>
+                                      <dgm:constr type="l" for="ch" forName="image4"/>
+                                      <dgm:constr type="w" for="ch" forName="text4" refType="w" fact="0.6"/>
+                                      <dgm:constr type="h" for="ch" forName="text4" refType="h" fact="0.8"/>
+                                      <dgm:constr type="t" for="ch" forName="text4" refType="w" fact="0.04"/>
+                                      <dgm:constr type="l" for="ch" forName="text4" refType="w" fact="0.4"/>
+                                    </dgm:constrLst>
+                                    <dgm:ruleLst/>
+                                    <dgm:layoutNode name="image4">
+                                      <dgm:alg type="sp"/>
+                                      <dgm:shape xmlns:r="http://schemas.openxmlformats.org/officeDocument/2006/relationships" type="ellipse" r:blip="" blipPhldr="1">
+                                        <dgm:adjLst/>
+                                      </dgm:shape>
+                                      <dgm:presOf/>
+                                      <dgm:constrLst/>
+                                      <dgm:ruleLst/>
+                                    </dgm:layoutNode>
+                                    <dgm:layoutNode name="text4" styleLbl="revTx">
+                                      <dgm:varLst>
+                                        <dgm:chPref val="3"/>
+                                      </dgm:varLst>
+                                      <dgm:alg type="tx">
+                                        <dgm:param type="parTxLTRAlign" val="l"/>
+                                        <dgm:param type="parTxRTLAlign" val="r"/>
+                                      </dgm:alg>
+                                      <dgm:shape xmlns:r="http://schemas.openxmlformats.org/officeDocument/2006/relationships" type="rect" r:blip="">
+                                        <dgm:adjLst/>
+                                      </dgm:shape>
+                                      <dgm:presOf axis="self"/>
+                                      <dgm:constrLst>
+                                        <dgm:constr type="tMarg" refType="primFontSz" fact="0.3"/>
+                                        <dgm:constr type="bMarg" refType="primFontSz" fact="0.3"/>
+                                        <dgm:constr type="lMarg" refType="primFontSz" fact="0.3"/>
+                                        <dgm:constr type="rMarg" refType="primFontSz" fact="0.3"/>
+                                      </dgm:constrLst>
+                                      <dgm:ruleLst>
+                                        <dgm:rule type="primFontSz" val="5" fact="NaN" max="NaN"/>
+                                      </dgm:ruleLst>
+                                    </dgm:layoutNode>
+                                  </dgm:layoutNode>
+                                  <dgm:layoutNode name="hierChild5">
+                                    <dgm:choose name="Name28">
+                                      <dgm:if name="Name29" func="var" arg="dir" op="equ" val="norm">
+                                        <dgm:alg type="hierChild">
+                                          <dgm:param type="linDir" val="fromL"/>
+                                        </dgm:alg>
+                                      </dgm:if>
+                                      <dgm:else name="Name30">
+                                        <dgm:alg type="hierChild">
+                                          <dgm:param type="linDir" val="fromR"/>
+                                        </dgm:alg>
+                                      </dgm:else>
+                                    </dgm:choose>
+                                    <dgm:shape xmlns:r="http://schemas.openxmlformats.org/officeDocument/2006/relationships" r:blip="">
+                                      <dgm:adjLst/>
+                                    </dgm:shape>
+                                    <dgm:presOf/>
+                                    <dgm:constrLst/>
+                                    <dgm:ruleLst/>
+                                    <dgm:forEach name="Name31" ref="repeat"/>
+                                  </dgm:layoutNode>
+                                </dgm:layoutNode>
+                              </dgm:forEach>
+                            </dgm:forEach>
+                          </dgm:layoutNode>
+                        </dgm:layoutNode>
+                      </dgm:forEach>
+                    </dgm:forEach>
+                  </dgm:layoutNode>
+                </dgm:layoutNode>
+              </dgm:forEach>
+            </dgm:forEach>
+          </dgm:layoutNode>
+        </dgm:layoutNode>
+      </dgm:forEach>
+    </dgm:forEach>
+  </dgm:layoutNode>
+</dgm:layoutDef>
+</file>
+
 <file path=ppt/diagrams/quickStyle1.xml><?xml version="1.0" encoding="utf-8"?>
 <dgm:styleDef xmlns:dgm="http://schemas.openxmlformats.org/drawingml/2006/diagram" xmlns:a="http://schemas.openxmlformats.org/drawingml/2006/main" uniqueId="urn:microsoft.com/office/officeart/2005/8/quickstyle/simple4">
   <dgm:title val=""/>
@@ -22463,6 +25466,1040 @@
 </file>
 
 <file path=ppt/diagrams/quickStyle8.xml><?xml version="1.0" encoding="utf-8"?>
+<dgm:styleDef xmlns:dgm="http://schemas.openxmlformats.org/drawingml/2006/diagram" xmlns:a="http://schemas.openxmlformats.org/drawingml/2006/main" uniqueId="urn:microsoft.com/office/officeart/2005/8/quickstyle/simple4">
+  <dgm:title val=""/>
+  <dgm:desc val=""/>
+  <dgm:catLst>
+    <dgm:cat type="simple" pri="10400"/>
+  </dgm:catLst>
+  <dgm:scene3d>
+    <a:camera prst="orthographicFront"/>
+    <a:lightRig rig="threePt" dir="t"/>
+  </dgm:scene3d>
+  <dgm:styleLbl name="node0">
+    <dgm:scene3d>
+      <a:camera prst="orthographicFront"/>
+      <a:lightRig rig="threePt" dir="t"/>
+    </dgm:scene3d>
+    <dgm:sp3d/>
+    <dgm:txPr/>
+    <dgm:style>
+      <a:lnRef idx="0">
+        <a:scrgbClr r="0" g="0" b="0"/>
+      </a:lnRef>
+      <a:fillRef idx="3">
+        <a:scrgbClr r="0" g="0" b="0"/>
+      </a:fillRef>
+      <a:effectRef idx="2">
+        <a:scrgbClr r="0" g="0" b="0"/>
+      </a:effectRef>
+      <a:fontRef idx="minor">
+        <a:schemeClr val="lt1"/>
+      </a:fontRef>
+    </dgm:style>
+  </dgm:styleLbl>
+  <dgm:styleLbl name="lnNode1">
+    <dgm:scene3d>
+      <a:camera prst="orthographicFront"/>
+      <a:lightRig rig="threePt" dir="t"/>
+    </dgm:scene3d>
+    <dgm:sp3d/>
+    <dgm:txPr/>
+    <dgm:style>
+      <a:lnRef idx="1">
+        <a:scrgbClr r="0" g="0" b="0"/>
+      </a:lnRef>
+      <a:fillRef idx="3">
+        <a:scrgbClr r="0" g="0" b="0"/>
+      </a:fillRef>
+      <a:effectRef idx="2">
+        <a:scrgbClr r="0" g="0" b="0"/>
+      </a:effectRef>
+      <a:fontRef idx="minor">
+        <a:schemeClr val="lt1"/>
+      </a:fontRef>
+    </dgm:style>
+  </dgm:styleLbl>
+  <dgm:styleLbl name="vennNode1">
+    <dgm:scene3d>
+      <a:camera prst="orthographicFront"/>
+      <a:lightRig rig="threePt" dir="t"/>
+    </dgm:scene3d>
+    <dgm:sp3d/>
+    <dgm:txPr/>
+    <dgm:style>
+      <a:lnRef idx="0">
+        <a:scrgbClr r="0" g="0" b="0"/>
+      </a:lnRef>
+      <a:fillRef idx="3">
+        <a:scrgbClr r="0" g="0" b="0"/>
+      </a:fillRef>
+      <a:effectRef idx="0">
+        <a:scrgbClr r="0" g="0" b="0"/>
+      </a:effectRef>
+      <a:fontRef idx="minor">
+        <a:schemeClr val="tx1"/>
+      </a:fontRef>
+    </dgm:style>
+  </dgm:styleLbl>
+  <dgm:styleLbl name="alignNode1">
+    <dgm:scene3d>
+      <a:camera prst="orthographicFront"/>
+      <a:lightRig rig="threePt" dir="t"/>
+    </dgm:scene3d>
+    <dgm:sp3d/>
+    <dgm:txPr/>
+    <dgm:style>
+      <a:lnRef idx="1">
+        <a:scrgbClr r="0" g="0" b="0"/>
+      </a:lnRef>
+      <a:fillRef idx="3">
+        <a:scrgbClr r="0" g="0" b="0"/>
+      </a:fillRef>
+      <a:effectRef idx="2">
+        <a:scrgbClr r="0" g="0" b="0"/>
+      </a:effectRef>
+      <a:fontRef idx="minor">
+        <a:schemeClr val="lt1"/>
+      </a:fontRef>
+    </dgm:style>
+  </dgm:styleLbl>
+  <dgm:styleLbl name="node1">
+    <dgm:scene3d>
+      <a:camera prst="orthographicFront"/>
+      <a:lightRig rig="threePt" dir="t"/>
+    </dgm:scene3d>
+    <dgm:sp3d/>
+    <dgm:txPr/>
+    <dgm:style>
+      <a:lnRef idx="0">
+        <a:scrgbClr r="0" g="0" b="0"/>
+      </a:lnRef>
+      <a:fillRef idx="3">
+        <a:scrgbClr r="0" g="0" b="0"/>
+      </a:fillRef>
+      <a:effectRef idx="2">
+        <a:scrgbClr r="0" g="0" b="0"/>
+      </a:effectRef>
+      <a:fontRef idx="minor">
+        <a:schemeClr val="lt1"/>
+      </a:fontRef>
+    </dgm:style>
+  </dgm:styleLbl>
+  <dgm:styleLbl name="node2">
+    <dgm:scene3d>
+      <a:camera prst="orthographicFront"/>
+      <a:lightRig rig="threePt" dir="t"/>
+    </dgm:scene3d>
+    <dgm:sp3d/>
+    <dgm:txPr/>
+    <dgm:style>
+      <a:lnRef idx="0">
+        <a:scrgbClr r="0" g="0" b="0"/>
+      </a:lnRef>
+      <a:fillRef idx="3">
+        <a:scrgbClr r="0" g="0" b="0"/>
+      </a:fillRef>
+      <a:effectRef idx="2">
+        <a:scrgbClr r="0" g="0" b="0"/>
+      </a:effectRef>
+      <a:fontRef idx="minor">
+        <a:schemeClr val="lt1"/>
+      </a:fontRef>
+    </dgm:style>
+  </dgm:styleLbl>
+  <dgm:styleLbl name="node3">
+    <dgm:scene3d>
+      <a:camera prst="orthographicFront"/>
+      <a:lightRig rig="threePt" dir="t"/>
+    </dgm:scene3d>
+    <dgm:sp3d/>
+    <dgm:txPr/>
+    <dgm:style>
+      <a:lnRef idx="0">
+        <a:scrgbClr r="0" g="0" b="0"/>
+      </a:lnRef>
+      <a:fillRef idx="3">
+        <a:scrgbClr r="0" g="0" b="0"/>
+      </a:fillRef>
+      <a:effectRef idx="2">
+        <a:scrgbClr r="0" g="0" b="0"/>
+      </a:effectRef>
+      <a:fontRef idx="minor">
+        <a:schemeClr val="lt1"/>
+      </a:fontRef>
+    </dgm:style>
+  </dgm:styleLbl>
+  <dgm:styleLbl name="node4">
+    <dgm:scene3d>
+      <a:camera prst="orthographicFront"/>
+      <a:lightRig rig="threePt" dir="t"/>
+    </dgm:scene3d>
+    <dgm:sp3d/>
+    <dgm:txPr/>
+    <dgm:style>
+      <a:lnRef idx="0">
+        <a:scrgbClr r="0" g="0" b="0"/>
+      </a:lnRef>
+      <a:fillRef idx="3">
+        <a:scrgbClr r="0" g="0" b="0"/>
+      </a:fillRef>
+      <a:effectRef idx="2">
+        <a:scrgbClr r="0" g="0" b="0"/>
+      </a:effectRef>
+      <a:fontRef idx="minor">
+        <a:schemeClr val="lt1"/>
+      </a:fontRef>
+    </dgm:style>
+  </dgm:styleLbl>
+  <dgm:styleLbl name="fgImgPlace1">
+    <dgm:scene3d>
+      <a:camera prst="orthographicFront"/>
+      <a:lightRig rig="threePt" dir="t"/>
+    </dgm:scene3d>
+    <dgm:sp3d/>
+    <dgm:txPr/>
+    <dgm:style>
+      <a:lnRef idx="0">
+        <a:scrgbClr r="0" g="0" b="0"/>
+      </a:lnRef>
+      <a:fillRef idx="1">
+        <a:scrgbClr r="0" g="0" b="0"/>
+      </a:fillRef>
+      <a:effectRef idx="2">
+        <a:scrgbClr r="0" g="0" b="0"/>
+      </a:effectRef>
+      <a:fontRef idx="minor"/>
+    </dgm:style>
+  </dgm:styleLbl>
+  <dgm:styleLbl name="alignImgPlace1">
+    <dgm:scene3d>
+      <a:camera prst="orthographicFront"/>
+      <a:lightRig rig="threePt" dir="t"/>
+    </dgm:scene3d>
+    <dgm:sp3d/>
+    <dgm:txPr/>
+    <dgm:style>
+      <a:lnRef idx="0">
+        <a:scrgbClr r="0" g="0" b="0"/>
+      </a:lnRef>
+      <a:fillRef idx="1">
+        <a:scrgbClr r="0" g="0" b="0"/>
+      </a:fillRef>
+      <a:effectRef idx="2">
+        <a:scrgbClr r="0" g="0" b="0"/>
+      </a:effectRef>
+      <a:fontRef idx="minor"/>
+    </dgm:style>
+  </dgm:styleLbl>
+  <dgm:styleLbl name="bgImgPlace1">
+    <dgm:scene3d>
+      <a:camera prst="orthographicFront"/>
+      <a:lightRig rig="threePt" dir="t"/>
+    </dgm:scene3d>
+    <dgm:sp3d/>
+    <dgm:txPr/>
+    <dgm:style>
+      <a:lnRef idx="0">
+        <a:scrgbClr r="0" g="0" b="0"/>
+      </a:lnRef>
+      <a:fillRef idx="1">
+        <a:scrgbClr r="0" g="0" b="0"/>
+      </a:fillRef>
+      <a:effectRef idx="2">
+        <a:scrgbClr r="0" g="0" b="0"/>
+      </a:effectRef>
+      <a:fontRef idx="minor"/>
+    </dgm:style>
+  </dgm:styleLbl>
+  <dgm:styleLbl name="sibTrans2D1">
+    <dgm:scene3d>
+      <a:camera prst="orthographicFront"/>
+      <a:lightRig rig="threePt" dir="t"/>
+    </dgm:scene3d>
+    <dgm:sp3d/>
+    <dgm:txPr/>
+    <dgm:style>
+      <a:lnRef idx="0">
+        <a:scrgbClr r="0" g="0" b="0"/>
+      </a:lnRef>
+      <a:fillRef idx="3">
+        <a:scrgbClr r="0" g="0" b="0"/>
+      </a:fillRef>
+      <a:effectRef idx="2">
+        <a:scrgbClr r="0" g="0" b="0"/>
+      </a:effectRef>
+      <a:fontRef idx="minor">
+        <a:schemeClr val="lt1"/>
+      </a:fontRef>
+    </dgm:style>
+  </dgm:styleLbl>
+  <dgm:styleLbl name="fgSibTrans2D1">
+    <dgm:scene3d>
+      <a:camera prst="orthographicFront"/>
+      <a:lightRig rig="threePt" dir="t"/>
+    </dgm:scene3d>
+    <dgm:sp3d/>
+    <dgm:txPr/>
+    <dgm:style>
+      <a:lnRef idx="0">
+        <a:scrgbClr r="0" g="0" b="0"/>
+      </a:lnRef>
+      <a:fillRef idx="3">
+        <a:scrgbClr r="0" g="0" b="0"/>
+      </a:fillRef>
+      <a:effectRef idx="2">
+        <a:scrgbClr r="0" g="0" b="0"/>
+      </a:effectRef>
+      <a:fontRef idx="minor">
+        <a:schemeClr val="lt1"/>
+      </a:fontRef>
+    </dgm:style>
+  </dgm:styleLbl>
+  <dgm:styleLbl name="bgSibTrans2D1">
+    <dgm:scene3d>
+      <a:camera prst="orthographicFront"/>
+      <a:lightRig rig="threePt" dir="t"/>
+    </dgm:scene3d>
+    <dgm:sp3d/>
+    <dgm:txPr/>
+    <dgm:style>
+      <a:lnRef idx="0">
+        <a:scrgbClr r="0" g="0" b="0"/>
+      </a:lnRef>
+      <a:fillRef idx="3">
+        <a:scrgbClr r="0" g="0" b="0"/>
+      </a:fillRef>
+      <a:effectRef idx="2">
+        <a:scrgbClr r="0" g="0" b="0"/>
+      </a:effectRef>
+      <a:fontRef idx="minor">
+        <a:schemeClr val="lt1"/>
+      </a:fontRef>
+    </dgm:style>
+  </dgm:styleLbl>
+  <dgm:styleLbl name="sibTrans1D1">
+    <dgm:scene3d>
+      <a:camera prst="orthographicFront"/>
+      <a:lightRig rig="threePt" dir="t"/>
+    </dgm:scene3d>
+    <dgm:sp3d/>
+    <dgm:txPr/>
+    <dgm:style>
+      <a:lnRef idx="1">
+        <a:scrgbClr r="0" g="0" b="0"/>
+      </a:lnRef>
+      <a:fillRef idx="0">
+        <a:scrgbClr r="0" g="0" b="0"/>
+      </a:fillRef>
+      <a:effectRef idx="0">
+        <a:scrgbClr r="0" g="0" b="0"/>
+      </a:effectRef>
+      <a:fontRef idx="minor"/>
+    </dgm:style>
+  </dgm:styleLbl>
+  <dgm:styleLbl name="callout">
+    <dgm:scene3d>
+      <a:camera prst="orthographicFront"/>
+      <a:lightRig rig="threePt" dir="t"/>
+    </dgm:scene3d>
+    <dgm:sp3d/>
+    <dgm:txPr/>
+    <dgm:style>
+      <a:lnRef idx="2">
+        <a:scrgbClr r="0" g="0" b="0"/>
+      </a:lnRef>
+      <a:fillRef idx="1">
+        <a:scrgbClr r="0" g="0" b="0"/>
+      </a:fillRef>
+      <a:effectRef idx="1">
+        <a:scrgbClr r="0" g="0" b="0"/>
+      </a:effectRef>
+      <a:fontRef idx="minor"/>
+    </dgm:style>
+  </dgm:styleLbl>
+  <dgm:styleLbl name="asst0">
+    <dgm:scene3d>
+      <a:camera prst="orthographicFront"/>
+      <a:lightRig rig="threePt" dir="t"/>
+    </dgm:scene3d>
+    <dgm:sp3d/>
+    <dgm:txPr/>
+    <dgm:style>
+      <a:lnRef idx="0">
+        <a:scrgbClr r="0" g="0" b="0"/>
+      </a:lnRef>
+      <a:fillRef idx="3">
+        <a:scrgbClr r="0" g="0" b="0"/>
+      </a:fillRef>
+      <a:effectRef idx="2">
+        <a:scrgbClr r="0" g="0" b="0"/>
+      </a:effectRef>
+      <a:fontRef idx="minor">
+        <a:schemeClr val="lt1"/>
+      </a:fontRef>
+    </dgm:style>
+  </dgm:styleLbl>
+  <dgm:styleLbl name="asst1">
+    <dgm:scene3d>
+      <a:camera prst="orthographicFront"/>
+      <a:lightRig rig="threePt" dir="t"/>
+    </dgm:scene3d>
+    <dgm:sp3d/>
+    <dgm:txPr/>
+    <dgm:style>
+      <a:lnRef idx="0">
+        <a:scrgbClr r="0" g="0" b="0"/>
+      </a:lnRef>
+      <a:fillRef idx="3">
+        <a:scrgbClr r="0" g="0" b="0"/>
+      </a:fillRef>
+      <a:effectRef idx="2">
+        <a:scrgbClr r="0" g="0" b="0"/>
+      </a:effectRef>
+      <a:fontRef idx="minor">
+        <a:schemeClr val="lt1"/>
+      </a:fontRef>
+    </dgm:style>
+  </dgm:styleLbl>
+  <dgm:styleLbl name="asst2">
+    <dgm:scene3d>
+      <a:camera prst="orthographicFront"/>
+      <a:lightRig rig="threePt" dir="t"/>
+    </dgm:scene3d>
+    <dgm:sp3d/>
+    <dgm:txPr/>
+    <dgm:style>
+      <a:lnRef idx="0">
+        <a:scrgbClr r="0" g="0" b="0"/>
+      </a:lnRef>
+      <a:fillRef idx="3">
+        <a:scrgbClr r="0" g="0" b="0"/>
+      </a:fillRef>
+      <a:effectRef idx="2">
+        <a:scrgbClr r="0" g="0" b="0"/>
+      </a:effectRef>
+      <a:fontRef idx="minor">
+        <a:schemeClr val="lt1"/>
+      </a:fontRef>
+    </dgm:style>
+  </dgm:styleLbl>
+  <dgm:styleLbl name="asst3">
+    <dgm:scene3d>
+      <a:camera prst="orthographicFront"/>
+      <a:lightRig rig="threePt" dir="t"/>
+    </dgm:scene3d>
+    <dgm:sp3d/>
+    <dgm:txPr/>
+    <dgm:style>
+      <a:lnRef idx="0">
+        <a:scrgbClr r="0" g="0" b="0"/>
+      </a:lnRef>
+      <a:fillRef idx="3">
+        <a:scrgbClr r="0" g="0" b="0"/>
+      </a:fillRef>
+      <a:effectRef idx="2">
+        <a:scrgbClr r="0" g="0" b="0"/>
+      </a:effectRef>
+      <a:fontRef idx="minor">
+        <a:schemeClr val="lt1"/>
+      </a:fontRef>
+    </dgm:style>
+  </dgm:styleLbl>
+  <dgm:styleLbl name="asst4">
+    <dgm:scene3d>
+      <a:camera prst="orthographicFront"/>
+      <a:lightRig rig="threePt" dir="t"/>
+    </dgm:scene3d>
+    <dgm:sp3d/>
+    <dgm:txPr/>
+    <dgm:style>
+      <a:lnRef idx="0">
+        <a:scrgbClr r="0" g="0" b="0"/>
+      </a:lnRef>
+      <a:fillRef idx="3">
+        <a:scrgbClr r="0" g="0" b="0"/>
+      </a:fillRef>
+      <a:effectRef idx="2">
+        <a:scrgbClr r="0" g="0" b="0"/>
+      </a:effectRef>
+      <a:fontRef idx="minor">
+        <a:schemeClr val="lt1"/>
+      </a:fontRef>
+    </dgm:style>
+  </dgm:styleLbl>
+  <dgm:styleLbl name="parChTrans2D1">
+    <dgm:scene3d>
+      <a:camera prst="orthographicFront"/>
+      <a:lightRig rig="threePt" dir="t"/>
+    </dgm:scene3d>
+    <dgm:sp3d/>
+    <dgm:txPr/>
+    <dgm:style>
+      <a:lnRef idx="0">
+        <a:scrgbClr r="0" g="0" b="0"/>
+      </a:lnRef>
+      <a:fillRef idx="3">
+        <a:scrgbClr r="0" g="0" b="0"/>
+      </a:fillRef>
+      <a:effectRef idx="2">
+        <a:scrgbClr r="0" g="0" b="0"/>
+      </a:effectRef>
+      <a:fontRef idx="minor">
+        <a:schemeClr val="lt1"/>
+      </a:fontRef>
+    </dgm:style>
+  </dgm:styleLbl>
+  <dgm:styleLbl name="parChTrans2D2">
+    <dgm:scene3d>
+      <a:camera prst="orthographicFront"/>
+      <a:lightRig rig="threePt" dir="t"/>
+    </dgm:scene3d>
+    <dgm:sp3d/>
+    <dgm:txPr/>
+    <dgm:style>
+      <a:lnRef idx="0">
+        <a:scrgbClr r="0" g="0" b="0"/>
+      </a:lnRef>
+      <a:fillRef idx="3">
+        <a:scrgbClr r="0" g="0" b="0"/>
+      </a:fillRef>
+      <a:effectRef idx="2">
+        <a:scrgbClr r="0" g="0" b="0"/>
+      </a:effectRef>
+      <a:fontRef idx="minor">
+        <a:schemeClr val="lt1"/>
+      </a:fontRef>
+    </dgm:style>
+  </dgm:styleLbl>
+  <dgm:styleLbl name="parChTrans2D3">
+    <dgm:scene3d>
+      <a:camera prst="orthographicFront"/>
+      <a:lightRig rig="threePt" dir="t"/>
+    </dgm:scene3d>
+    <dgm:sp3d/>
+    <dgm:txPr/>
+    <dgm:style>
+      <a:lnRef idx="1">
+        <a:scrgbClr r="0" g="0" b="0"/>
+      </a:lnRef>
+      <a:fillRef idx="3">
+        <a:scrgbClr r="0" g="0" b="0"/>
+      </a:fillRef>
+      <a:effectRef idx="2">
+        <a:scrgbClr r="0" g="0" b="0"/>
+      </a:effectRef>
+      <a:fontRef idx="minor">
+        <a:schemeClr val="lt1"/>
+      </a:fontRef>
+    </dgm:style>
+  </dgm:styleLbl>
+  <dgm:styleLbl name="parChTrans2D4">
+    <dgm:scene3d>
+      <a:camera prst="orthographicFront"/>
+      <a:lightRig rig="threePt" dir="t"/>
+    </dgm:scene3d>
+    <dgm:sp3d/>
+    <dgm:txPr/>
+    <dgm:style>
+      <a:lnRef idx="1">
+        <a:scrgbClr r="0" g="0" b="0"/>
+      </a:lnRef>
+      <a:fillRef idx="3">
+        <a:scrgbClr r="0" g="0" b="0"/>
+      </a:fillRef>
+      <a:effectRef idx="2">
+        <a:scrgbClr r="0" g="0" b="0"/>
+      </a:effectRef>
+      <a:fontRef idx="minor">
+        <a:schemeClr val="lt1"/>
+      </a:fontRef>
+    </dgm:style>
+  </dgm:styleLbl>
+  <dgm:styleLbl name="parChTrans1D1">
+    <dgm:scene3d>
+      <a:camera prst="orthographicFront"/>
+      <a:lightRig rig="threePt" dir="t"/>
+    </dgm:scene3d>
+    <dgm:sp3d/>
+    <dgm:txPr/>
+    <dgm:style>
+      <a:lnRef idx="1">
+        <a:scrgbClr r="0" g="0" b="0"/>
+      </a:lnRef>
+      <a:fillRef idx="0">
+        <a:scrgbClr r="0" g="0" b="0"/>
+      </a:fillRef>
+      <a:effectRef idx="0">
+        <a:scrgbClr r="0" g="0" b="0"/>
+      </a:effectRef>
+      <a:fontRef idx="minor"/>
+    </dgm:style>
+  </dgm:styleLbl>
+  <dgm:styleLbl name="parChTrans1D2">
+    <dgm:scene3d>
+      <a:camera prst="orthographicFront"/>
+      <a:lightRig rig="threePt" dir="t"/>
+    </dgm:scene3d>
+    <dgm:sp3d/>
+    <dgm:txPr/>
+    <dgm:style>
+      <a:lnRef idx="1">
+        <a:scrgbClr r="0" g="0" b="0"/>
+      </a:lnRef>
+      <a:fillRef idx="0">
+        <a:scrgbClr r="0" g="0" b="0"/>
+      </a:fillRef>
+      <a:effectRef idx="0">
+        <a:scrgbClr r="0" g="0" b="0"/>
+      </a:effectRef>
+      <a:fontRef idx="minor"/>
+    </dgm:style>
+  </dgm:styleLbl>
+  <dgm:styleLbl name="parChTrans1D3">
+    <dgm:scene3d>
+      <a:camera prst="orthographicFront"/>
+      <a:lightRig rig="threePt" dir="t"/>
+    </dgm:scene3d>
+    <dgm:sp3d/>
+    <dgm:txPr/>
+    <dgm:style>
+      <a:lnRef idx="1">
+        <a:scrgbClr r="0" g="0" b="0"/>
+      </a:lnRef>
+      <a:fillRef idx="0">
+        <a:scrgbClr r="0" g="0" b="0"/>
+      </a:fillRef>
+      <a:effectRef idx="0">
+        <a:scrgbClr r="0" g="0" b="0"/>
+      </a:effectRef>
+      <a:fontRef idx="minor"/>
+    </dgm:style>
+  </dgm:styleLbl>
+  <dgm:styleLbl name="parChTrans1D4">
+    <dgm:scene3d>
+      <a:camera prst="orthographicFront"/>
+      <a:lightRig rig="threePt" dir="t"/>
+    </dgm:scene3d>
+    <dgm:sp3d/>
+    <dgm:txPr/>
+    <dgm:style>
+      <a:lnRef idx="1">
+        <a:scrgbClr r="0" g="0" b="0"/>
+      </a:lnRef>
+      <a:fillRef idx="0">
+        <a:scrgbClr r="0" g="0" b="0"/>
+      </a:fillRef>
+      <a:effectRef idx="0">
+        <a:scrgbClr r="0" g="0" b="0"/>
+      </a:effectRef>
+      <a:fontRef idx="minor"/>
+    </dgm:style>
+  </dgm:styleLbl>
+  <dgm:styleLbl name="fgAcc1">
+    <dgm:scene3d>
+      <a:camera prst="orthographicFront"/>
+      <a:lightRig rig="threePt" dir="t"/>
+    </dgm:scene3d>
+    <dgm:sp3d/>
+    <dgm:txPr/>
+    <dgm:style>
+      <a:lnRef idx="1">
+        <a:scrgbClr r="0" g="0" b="0"/>
+      </a:lnRef>
+      <a:fillRef idx="1">
+        <a:scrgbClr r="0" g="0" b="0"/>
+      </a:fillRef>
+      <a:effectRef idx="0">
+        <a:scrgbClr r="0" g="0" b="0"/>
+      </a:effectRef>
+      <a:fontRef idx="minor"/>
+    </dgm:style>
+  </dgm:styleLbl>
+  <dgm:styleLbl name="conFgAcc1">
+    <dgm:scene3d>
+      <a:camera prst="orthographicFront"/>
+      <a:lightRig rig="threePt" dir="t"/>
+    </dgm:scene3d>
+    <dgm:sp3d/>
+    <dgm:txPr/>
+    <dgm:style>
+      <a:lnRef idx="1">
+        <a:scrgbClr r="0" g="0" b="0"/>
+      </a:lnRef>
+      <a:fillRef idx="1">
+        <a:scrgbClr r="0" g="0" b="0"/>
+      </a:fillRef>
+      <a:effectRef idx="0">
+        <a:scrgbClr r="0" g="0" b="0"/>
+      </a:effectRef>
+      <a:fontRef idx="minor"/>
+    </dgm:style>
+  </dgm:styleLbl>
+  <dgm:styleLbl name="alignAcc1">
+    <dgm:scene3d>
+      <a:camera prst="orthographicFront"/>
+      <a:lightRig rig="threePt" dir="t"/>
+    </dgm:scene3d>
+    <dgm:sp3d/>
+    <dgm:txPr/>
+    <dgm:style>
+      <a:lnRef idx="1">
+        <a:scrgbClr r="0" g="0" b="0"/>
+      </a:lnRef>
+      <a:fillRef idx="1">
+        <a:scrgbClr r="0" g="0" b="0"/>
+      </a:fillRef>
+      <a:effectRef idx="0">
+        <a:scrgbClr r="0" g="0" b="0"/>
+      </a:effectRef>
+      <a:fontRef idx="minor"/>
+    </dgm:style>
+  </dgm:styleLbl>
+  <dgm:styleLbl name="trAlignAcc1">
+    <dgm:scene3d>
+      <a:camera prst="orthographicFront"/>
+      <a:lightRig rig="threePt" dir="t"/>
+    </dgm:scene3d>
+    <dgm:sp3d/>
+    <dgm:txPr/>
+    <dgm:style>
+      <a:lnRef idx="1">
+        <a:scrgbClr r="0" g="0" b="0"/>
+      </a:lnRef>
+      <a:fillRef idx="1">
+        <a:scrgbClr r="0" g="0" b="0"/>
+      </a:fillRef>
+      <a:effectRef idx="0">
+        <a:scrgbClr r="0" g="0" b="0"/>
+      </a:effectRef>
+      <a:fontRef idx="minor"/>
+    </dgm:style>
+  </dgm:styleLbl>
+  <dgm:styleLbl name="bgAcc1">
+    <dgm:scene3d>
+      <a:camera prst="orthographicFront"/>
+      <a:lightRig rig="threePt" dir="t"/>
+    </dgm:scene3d>
+    <dgm:sp3d/>
+    <dgm:txPr/>
+    <dgm:style>
+      <a:lnRef idx="1">
+        <a:scrgbClr r="0" g="0" b="0"/>
+      </a:lnRef>
+      <a:fillRef idx="1">
+        <a:scrgbClr r="0" g="0" b="0"/>
+      </a:fillRef>
+      <a:effectRef idx="0">
+        <a:scrgbClr r="0" g="0" b="0"/>
+      </a:effectRef>
+      <a:fontRef idx="minor"/>
+    </dgm:style>
+  </dgm:styleLbl>
+  <dgm:styleLbl name="solidFgAcc1">
+    <dgm:scene3d>
+      <a:camera prst="orthographicFront"/>
+      <a:lightRig rig="threePt" dir="t"/>
+    </dgm:scene3d>
+    <dgm:sp3d/>
+    <dgm:txPr/>
+    <dgm:style>
+      <a:lnRef idx="1">
+        <a:scrgbClr r="0" g="0" b="0"/>
+      </a:lnRef>
+      <a:fillRef idx="1">
+        <a:scrgbClr r="0" g="0" b="0"/>
+      </a:fillRef>
+      <a:effectRef idx="0">
+        <a:scrgbClr r="0" g="0" b="0"/>
+      </a:effectRef>
+      <a:fontRef idx="minor"/>
+    </dgm:style>
+  </dgm:styleLbl>
+  <dgm:styleLbl name="solidAlignAcc1">
+    <dgm:scene3d>
+      <a:camera prst="orthographicFront"/>
+      <a:lightRig rig="threePt" dir="t"/>
+    </dgm:scene3d>
+    <dgm:sp3d/>
+    <dgm:txPr/>
+    <dgm:style>
+      <a:lnRef idx="1">
+        <a:scrgbClr r="0" g="0" b="0"/>
+      </a:lnRef>
+      <a:fillRef idx="1">
+        <a:scrgbClr r="0" g="0" b="0"/>
+      </a:fillRef>
+      <a:effectRef idx="0">
+        <a:scrgbClr r="0" g="0" b="0"/>
+      </a:effectRef>
+      <a:fontRef idx="minor"/>
+    </dgm:style>
+  </dgm:styleLbl>
+  <dgm:styleLbl name="solidBgAcc1">
+    <dgm:scene3d>
+      <a:camera prst="orthographicFront"/>
+      <a:lightRig rig="threePt" dir="t"/>
+    </dgm:scene3d>
+    <dgm:sp3d/>
+    <dgm:txPr/>
+    <dgm:style>
+      <a:lnRef idx="1">
+        <a:scrgbClr r="0" g="0" b="0"/>
+      </a:lnRef>
+      <a:fillRef idx="1">
+        <a:scrgbClr r="0" g="0" b="0"/>
+      </a:fillRef>
+      <a:effectRef idx="0">
+        <a:scrgbClr r="0" g="0" b="0"/>
+      </a:effectRef>
+      <a:fontRef idx="minor"/>
+    </dgm:style>
+  </dgm:styleLbl>
+  <dgm:styleLbl name="fgAccFollowNode1">
+    <dgm:scene3d>
+      <a:camera prst="orthographicFront"/>
+      <a:lightRig rig="threePt" dir="t"/>
+    </dgm:scene3d>
+    <dgm:sp3d/>
+    <dgm:txPr/>
+    <dgm:style>
+      <a:lnRef idx="1">
+        <a:scrgbClr r="0" g="0" b="0"/>
+      </a:lnRef>
+      <a:fillRef idx="1">
+        <a:scrgbClr r="0" g="0" b="0"/>
+      </a:fillRef>
+      <a:effectRef idx="0">
+        <a:scrgbClr r="0" g="0" b="0"/>
+      </a:effectRef>
+      <a:fontRef idx="minor"/>
+    </dgm:style>
+  </dgm:styleLbl>
+  <dgm:styleLbl name="alignAccFollowNode1">
+    <dgm:scene3d>
+      <a:camera prst="orthographicFront"/>
+      <a:lightRig rig="threePt" dir="t"/>
+    </dgm:scene3d>
+    <dgm:sp3d/>
+    <dgm:txPr/>
+    <dgm:style>
+      <a:lnRef idx="1">
+        <a:scrgbClr r="0" g="0" b="0"/>
+      </a:lnRef>
+      <a:fillRef idx="1">
+        <a:scrgbClr r="0" g="0" b="0"/>
+      </a:fillRef>
+      <a:effectRef idx="0">
+        <a:scrgbClr r="0" g="0" b="0"/>
+      </a:effectRef>
+      <a:fontRef idx="minor"/>
+    </dgm:style>
+  </dgm:styleLbl>
+  <dgm:styleLbl name="bgAccFollowNode1">
+    <dgm:scene3d>
+      <a:camera prst="orthographicFront"/>
+      <a:lightRig rig="threePt" dir="t"/>
+    </dgm:scene3d>
+    <dgm:sp3d/>
+    <dgm:txPr/>
+    <dgm:style>
+      <a:lnRef idx="1">
+        <a:scrgbClr r="0" g="0" b="0"/>
+      </a:lnRef>
+      <a:fillRef idx="1">
+        <a:scrgbClr r="0" g="0" b="0"/>
+      </a:fillRef>
+      <a:effectRef idx="0">
+        <a:scrgbClr r="0" g="0" b="0"/>
+      </a:effectRef>
+      <a:fontRef idx="minor"/>
+    </dgm:style>
+  </dgm:styleLbl>
+  <dgm:styleLbl name="fgAcc0">
+    <dgm:scene3d>
+      <a:camera prst="orthographicFront"/>
+      <a:lightRig rig="threePt" dir="t"/>
+    </dgm:scene3d>
+    <dgm:sp3d/>
+    <dgm:txPr/>
+    <dgm:style>
+      <a:lnRef idx="1">
+        <a:scrgbClr r="0" g="0" b="0"/>
+      </a:lnRef>
+      <a:fillRef idx="1">
+        <a:scrgbClr r="0" g="0" b="0"/>
+      </a:fillRef>
+      <a:effectRef idx="0">
+        <a:scrgbClr r="0" g="0" b="0"/>
+      </a:effectRef>
+      <a:fontRef idx="minor"/>
+    </dgm:style>
+  </dgm:styleLbl>
+  <dgm:styleLbl name="fgAcc2">
+    <dgm:scene3d>
+      <a:camera prst="orthographicFront"/>
+      <a:lightRig rig="threePt" dir="t"/>
+    </dgm:scene3d>
+    <dgm:sp3d/>
+    <dgm:txPr/>
+    <dgm:style>
+      <a:lnRef idx="1">
+        <a:scrgbClr r="0" g="0" b="0"/>
+      </a:lnRef>
+      <a:fillRef idx="1">
+        <a:scrgbClr r="0" g="0" b="0"/>
+      </a:fillRef>
+      <a:effectRef idx="0">
+        <a:scrgbClr r="0" g="0" b="0"/>
+      </a:effectRef>
+      <a:fontRef idx="minor"/>
+    </dgm:style>
+  </dgm:styleLbl>
+  <dgm:styleLbl name="fgAcc3">
+    <dgm:scene3d>
+      <a:camera prst="orthographicFront"/>
+      <a:lightRig rig="threePt" dir="t"/>
+    </dgm:scene3d>
+    <dgm:sp3d/>
+    <dgm:txPr/>
+    <dgm:style>
+      <a:lnRef idx="1">
+        <a:scrgbClr r="0" g="0" b="0"/>
+      </a:lnRef>
+      <a:fillRef idx="1">
+        <a:scrgbClr r="0" g="0" b="0"/>
+      </a:fillRef>
+      <a:effectRef idx="0">
+        <a:scrgbClr r="0" g="0" b="0"/>
+      </a:effectRef>
+      <a:fontRef idx="minor"/>
+    </dgm:style>
+  </dgm:styleLbl>
+  <dgm:styleLbl name="fgAcc4">
+    <dgm:scene3d>
+      <a:camera prst="orthographicFront"/>
+      <a:lightRig rig="threePt" dir="t"/>
+    </dgm:scene3d>
+    <dgm:sp3d/>
+    <dgm:txPr/>
+    <dgm:style>
+      <a:lnRef idx="1">
+        <a:scrgbClr r="0" g="0" b="0"/>
+      </a:lnRef>
+      <a:fillRef idx="1">
+        <a:scrgbClr r="0" g="0" b="0"/>
+      </a:fillRef>
+      <a:effectRef idx="0">
+        <a:scrgbClr r="0" g="0" b="0"/>
+      </a:effectRef>
+      <a:fontRef idx="minor"/>
+    </dgm:style>
+  </dgm:styleLbl>
+  <dgm:styleLbl name="bgShp">
+    <dgm:scene3d>
+      <a:camera prst="orthographicFront"/>
+      <a:lightRig rig="threePt" dir="t"/>
+    </dgm:scene3d>
+    <dgm:sp3d/>
+    <dgm:txPr/>
+    <dgm:style>
+      <a:lnRef idx="0">
+        <a:scrgbClr r="0" g="0" b="0"/>
+      </a:lnRef>
+      <a:fillRef idx="1">
+        <a:scrgbClr r="0" g="0" b="0"/>
+      </a:fillRef>
+      <a:effectRef idx="2">
+        <a:scrgbClr r="0" g="0" b="0"/>
+      </a:effectRef>
+      <a:fontRef idx="minor"/>
+    </dgm:style>
+  </dgm:styleLbl>
+  <dgm:styleLbl name="dkBgShp">
+    <dgm:scene3d>
+      <a:camera prst="orthographicFront"/>
+      <a:lightRig rig="threePt" dir="t"/>
+    </dgm:scene3d>
+    <dgm:sp3d/>
+    <dgm:txPr/>
+    <dgm:style>
+      <a:lnRef idx="0">
+        <a:scrgbClr r="0" g="0" b="0"/>
+      </a:lnRef>
+      <a:fillRef idx="1">
+        <a:scrgbClr r="0" g="0" b="0"/>
+      </a:fillRef>
+      <a:effectRef idx="2">
+        <a:scrgbClr r="0" g="0" b="0"/>
+      </a:effectRef>
+      <a:fontRef idx="minor"/>
+    </dgm:style>
+  </dgm:styleLbl>
+  <dgm:styleLbl name="trBgShp">
+    <dgm:scene3d>
+      <a:camera prst="orthographicFront"/>
+      <a:lightRig rig="threePt" dir="t"/>
+    </dgm:scene3d>
+    <dgm:sp3d/>
+    <dgm:txPr/>
+    <dgm:style>
+      <a:lnRef idx="0">
+        <a:scrgbClr r="0" g="0" b="0"/>
+      </a:lnRef>
+      <a:fillRef idx="1">
+        <a:scrgbClr r="0" g="0" b="0"/>
+      </a:fillRef>
+      <a:effectRef idx="0">
+        <a:scrgbClr r="0" g="0" b="0"/>
+      </a:effectRef>
+      <a:fontRef idx="minor"/>
+    </dgm:style>
+  </dgm:styleLbl>
+  <dgm:styleLbl name="fgShp">
+    <dgm:scene3d>
+      <a:camera prst="orthographicFront"/>
+      <a:lightRig rig="threePt" dir="t"/>
+    </dgm:scene3d>
+    <dgm:sp3d/>
+    <dgm:txPr/>
+    <dgm:style>
+      <a:lnRef idx="0">
+        <a:scrgbClr r="0" g="0" b="0"/>
+      </a:lnRef>
+      <a:fillRef idx="3">
+        <a:scrgbClr r="0" g="0" b="0"/>
+      </a:fillRef>
+      <a:effectRef idx="2">
+        <a:scrgbClr r="0" g="0" b="0"/>
+      </a:effectRef>
+      <a:fontRef idx="minor"/>
+    </dgm:style>
+  </dgm:styleLbl>
+  <dgm:styleLbl name="revTx">
+    <dgm:scene3d>
+      <a:camera prst="orthographicFront"/>
+      <a:lightRig rig="threePt" dir="t"/>
+    </dgm:scene3d>
+    <dgm:sp3d/>
+    <dgm:txPr/>
+    <dgm:style>
+      <a:lnRef idx="0">
+        <a:scrgbClr r="0" g="0" b="0"/>
+      </a:lnRef>
+      <a:fillRef idx="0">
+        <a:scrgbClr r="0" g="0" b="0"/>
+      </a:fillRef>
+      <a:effectRef idx="0">
+        <a:scrgbClr r="0" g="0" b="0"/>
+      </a:effectRef>
+      <a:fontRef idx="minor"/>
+    </dgm:style>
+  </dgm:styleLbl>
+</dgm:styleDef>
+</file>
+
+<file path=ppt/diagrams/quickStyle9.xml><?xml version="1.0" encoding="utf-8"?>
 <dgm:styleDef xmlns:dgm="http://schemas.openxmlformats.org/drawingml/2006/diagram" xmlns:a="http://schemas.openxmlformats.org/drawingml/2006/main" uniqueId="urn:microsoft.com/office/officeart/2005/8/quickstyle/simple4">
   <dgm:title val=""/>
   <dgm:desc val=""/>
@@ -23579,7 +27616,7 @@
             <a:fld id="{AB1CDEB6-C0D8-439D-94AA-7569540F08E4}" type="datetimeFigureOut">
               <a:rPr lang="en-US" smtClean="0"/>
               <a:pPr/>
-              <a:t>6/19/16</a:t>
+              <a:t>7/15/16</a:t>
             </a:fld>
             <a:endParaRPr lang="en-US"/>
           </a:p>
@@ -23937,7 +27974,7 @@
             <a:fld id="{81331B57-0BE5-4F82-AA58-76F53EFF3ADA}" type="datetime8">
               <a:rPr lang="en-US" smtClean="0"/>
               <a:pPr/>
-              <a:t>6/19/16 1:58 AM</a:t>
+              <a:t>7/15/16 2:01 PM</a:t>
             </a:fld>
             <a:endParaRPr lang="en-US" dirty="0"/>
           </a:p>
@@ -24131,7 +28168,7 @@
             <a:fld id="{81331B57-0BE5-4F82-AA58-76F53EFF3ADA}" type="datetime8">
               <a:rPr lang="en-US" smtClean="0"/>
               <a:pPr/>
-              <a:t>6/19/16 1:58 AM</a:t>
+              <a:t>7/15/16 2:02 PM</a:t>
             </a:fld>
             <a:endParaRPr lang="en-US"/>
           </a:p>
@@ -24315,7 +28352,7 @@
             <a:fld id="{81331B57-0BE5-4F82-AA58-76F53EFF3ADA}" type="datetime8">
               <a:rPr lang="en-US" smtClean="0"/>
               <a:pPr/>
-              <a:t>6/19/16 1:58 AM</a:t>
+              <a:t>7/15/16 2:01 PM</a:t>
             </a:fld>
             <a:endParaRPr lang="en-US"/>
           </a:p>
@@ -24499,7 +28536,7 @@
             <a:fld id="{81331B57-0BE5-4F82-AA58-76F53EFF3ADA}" type="datetime8">
               <a:rPr lang="en-US" smtClean="0"/>
               <a:pPr/>
-              <a:t>6/19/16 1:58 AM</a:t>
+              <a:t>7/15/16 2:01 PM</a:t>
             </a:fld>
             <a:endParaRPr lang="en-US"/>
           </a:p>
@@ -24683,7 +28720,7 @@
             <a:fld id="{81331B57-0BE5-4F82-AA58-76F53EFF3ADA}" type="datetime8">
               <a:rPr lang="en-US" smtClean="0"/>
               <a:pPr/>
-              <a:t>6/19/16 1:58 AM</a:t>
+              <a:t>7/15/16 2:02 PM</a:t>
             </a:fld>
             <a:endParaRPr lang="en-US"/>
           </a:p>
@@ -24867,7 +28904,7 @@
             <a:fld id="{81331B57-0BE5-4F82-AA58-76F53EFF3ADA}" type="datetime8">
               <a:rPr lang="en-US" smtClean="0"/>
               <a:pPr/>
-              <a:t>6/19/16 1:58 AM</a:t>
+              <a:t>7/15/16 2:02 PM</a:t>
             </a:fld>
             <a:endParaRPr lang="en-US"/>
           </a:p>
@@ -25051,7 +29088,7 @@
             <a:fld id="{81331B57-0BE5-4F82-AA58-76F53EFF3ADA}" type="datetime8">
               <a:rPr lang="en-US" smtClean="0"/>
               <a:pPr/>
-              <a:t>6/19/16 1:58 AM</a:t>
+              <a:t>7/15/16 2:02 PM</a:t>
             </a:fld>
             <a:endParaRPr lang="en-US"/>
           </a:p>
@@ -25235,7 +29272,7 @@
             <a:fld id="{81331B57-0BE5-4F82-AA58-76F53EFF3ADA}" type="datetime8">
               <a:rPr lang="en-US" smtClean="0"/>
               <a:pPr/>
-              <a:t>6/19/16 1:58 AM</a:t>
+              <a:t>7/15/16 2:02 PM</a:t>
             </a:fld>
             <a:endParaRPr lang="en-US"/>
           </a:p>
@@ -25419,7 +29456,7 @@
             <a:fld id="{81331B57-0BE5-4F82-AA58-76F53EFF3ADA}" type="datetime8">
               <a:rPr lang="en-US" smtClean="0"/>
               <a:pPr/>
-              <a:t>6/19/16 1:58 AM</a:t>
+              <a:t>7/15/16 2:02 PM</a:t>
             </a:fld>
             <a:endParaRPr lang="en-US"/>
           </a:p>
@@ -29112,7 +33149,7 @@
         <p:spPr>
           <a:xfrm>
             <a:off x="381000" y="990600"/>
-            <a:ext cx="8382000" cy="2209800"/>
+            <a:ext cx="8382000" cy="1981200"/>
           </a:xfrm>
         </p:spPr>
         <p:txBody>
@@ -29130,7 +33167,19 @@
             <a:pPr lvl="1"/>
             <a:r>
               <a:rPr lang="en-US" dirty="0" smtClean="0"/>
-              <a:t>Agent’s preferences are just not to be too small a minority, not for fully segregated neighborhoods</a:t>
+              <a:t>Agent’s preferences are just not to be too </a:t>
+            </a:r>
+            <a:r>
+              <a:rPr lang="en-US" dirty="0" smtClean="0"/>
+              <a:t>much of</a:t>
+            </a:r>
+            <a:r>
+              <a:rPr lang="en-US" dirty="0" smtClean="0"/>
+              <a:t> </a:t>
+            </a:r>
+            <a:r>
+              <a:rPr lang="en-US" dirty="0" smtClean="0"/>
+              <a:t>a minority, not for fully segregated neighborhoods</a:t>
             </a:r>
           </a:p>
           <a:p>
@@ -30117,8 +34166,8 @@
               <a:t>The Forest Fire model turns out to be best represented as a </a:t>
             </a:r>
             <a:r>
-              <a:rPr lang="en-US" dirty="0" err="1" smtClean="0"/>
-              <a:t>monoid</a:t>
+              <a:rPr lang="en-US" dirty="0" smtClean="0"/>
+              <a:t>group</a:t>
             </a:r>
             <a:r>
               <a:rPr lang="en-US" dirty="0" smtClean="0"/>
@@ -30240,6 +34289,17 @@
           <a:p>
             <a:pPr algn="ctr"/>
             <a:r>
+              <a:rPr lang="en-US" sz="2800" dirty="0">
+                <a:solidFill>
+                  <a:schemeClr val="accent6">
+                    <a:lumMod val="40000"/>
+                    <a:lumOff val="60000"/>
+                  </a:schemeClr>
+                </a:solidFill>
+              </a:rPr>
+              <a:t>T</a:t>
+            </a:r>
+            <a:r>
               <a:rPr lang="en-US" sz="2800" dirty="0" smtClean="0">
                 <a:solidFill>
                   <a:schemeClr val="accent6">
@@ -30248,7 +34308,51 @@
                   </a:schemeClr>
                 </a:solidFill>
               </a:rPr>
-              <a:t>We can now see how the second is a subclass of the first with additional axioms.</a:t>
+              <a:t>he </a:t>
+            </a:r>
+            <a:r>
+              <a:rPr lang="en-US" sz="2800" dirty="0" smtClean="0">
+                <a:solidFill>
+                  <a:schemeClr val="accent6">
+                    <a:lumMod val="40000"/>
+                    <a:lumOff val="60000"/>
+                  </a:schemeClr>
+                </a:solidFill>
+              </a:rPr>
+              <a:t>second </a:t>
+            </a:r>
+            <a:r>
+              <a:rPr lang="en-US" sz="2800" dirty="0" smtClean="0">
+                <a:solidFill>
+                  <a:schemeClr val="accent6">
+                    <a:lumMod val="40000"/>
+                    <a:lumOff val="60000"/>
+                  </a:schemeClr>
+                </a:solidFill>
+              </a:rPr>
+              <a:t>structure is </a:t>
+            </a:r>
+            <a:r>
+              <a:rPr lang="en-US" sz="2800" dirty="0" smtClean="0">
+                <a:solidFill>
+                  <a:schemeClr val="accent6">
+                    <a:lumMod val="40000"/>
+                    <a:lumOff val="60000"/>
+                  </a:schemeClr>
+                </a:solidFill>
+              </a:rPr>
+              <a:t>a subclass of the first with additional </a:t>
+            </a:r>
+            <a:r>
+              <a:rPr lang="en-US" sz="2800" dirty="0" smtClean="0">
+                <a:solidFill>
+                  <a:schemeClr val="accent6">
+                    <a:lumMod val="40000"/>
+                    <a:lumOff val="60000"/>
+                  </a:schemeClr>
+                </a:solidFill>
+              </a:rPr>
+              <a:t>axioms required to be true.</a:t>
             </a:r>
             <a:endParaRPr lang="en-US" sz="2800" dirty="0">
               <a:solidFill>
@@ -30517,15 +34621,11 @@
           <a:p>
             <a:r>
               <a:rPr lang="en-US" dirty="0" smtClean="0"/>
-              <a:t>Even before implementing this as a </a:t>
-            </a:r>
-            <a:r>
-              <a:rPr lang="en-US" dirty="0" err="1" smtClean="0"/>
-              <a:t>monoid</a:t>
+              <a:t>Even before implementing </a:t>
             </a:r>
             <a:r>
               <a:rPr lang="en-US" dirty="0" smtClean="0"/>
-              <a:t>, </a:t>
+              <a:t>this, </a:t>
             </a:r>
             <a:r>
               <a:rPr lang="en-US" dirty="0" smtClean="0"/>
@@ -32367,6 +36467,117 @@
           <a:p>
             <a:r>
               <a:rPr lang="en-US" dirty="0" smtClean="0"/>
+              <a:t>Actual Achievements</a:t>
+            </a:r>
+            <a:endParaRPr lang="en-US" dirty="0"/>
+          </a:p>
+        </p:txBody>
+      </p:sp>
+      <p:sp>
+        <p:nvSpPr>
+          <p:cNvPr id="3" name="Text Placeholder 2"/>
+          <p:cNvSpPr>
+            <a:spLocks noGrp="1"/>
+          </p:cNvSpPr>
+          <p:nvPr>
+            <p:ph type="body" sz="quarter" idx="10"/>
+          </p:nvPr>
+        </p:nvSpPr>
+        <p:spPr>
+          <a:xfrm>
+            <a:off x="371475" y="1447800"/>
+            <a:ext cx="8382000" cy="443198"/>
+          </a:xfrm>
+        </p:spPr>
+        <p:txBody>
+          <a:bodyPr/>
+          <a:lstStyle/>
+          <a:p>
+            <a:r>
+              <a:rPr lang="en-US" dirty="0" smtClean="0"/>
+              <a:t>Implemented so far:</a:t>
+            </a:r>
+            <a:endParaRPr lang="en-US" dirty="0"/>
+          </a:p>
+        </p:txBody>
+      </p:sp>
+      <p:graphicFrame>
+        <p:nvGraphicFramePr>
+          <p:cNvPr id="4" name="Diagram 3"/>
+          <p:cNvGraphicFramePr/>
+          <p:nvPr>
+            <p:extLst>
+              <p:ext uri="{D42A27DB-BD31-4B8C-83A1-F6EECF244321}">
+                <p14:modId xmlns:p14="http://schemas.microsoft.com/office/powerpoint/2010/main" val="297980700"/>
+              </p:ext>
+            </p:extLst>
+          </p:nvPr>
+        </p:nvGraphicFramePr>
+        <p:xfrm>
+          <a:off x="1524000" y="2108200"/>
+          <a:ext cx="6096000" cy="4064000"/>
+        </p:xfrm>
+        <a:graphic>
+          <a:graphicData uri="http://schemas.openxmlformats.org/drawingml/2006/diagram">
+            <dgm:relIds xmlns:dgm="http://schemas.openxmlformats.org/drawingml/2006/diagram" xmlns:r="http://schemas.openxmlformats.org/officeDocument/2006/relationships" r:dm="rId2" r:lo="rId3" r:qs="rId4" r:cs="rId5"/>
+          </a:graphicData>
+        </a:graphic>
+      </p:graphicFrame>
+    </p:spTree>
+    <p:extLst>
+      <p:ext uri="{BB962C8B-B14F-4D97-AF65-F5344CB8AC3E}">
+        <p14:creationId xmlns:p14="http://schemas.microsoft.com/office/powerpoint/2010/main" val="361548523"/>
+      </p:ext>
+    </p:extLst>
+  </p:cSld>
+  <p:clrMapOvr>
+    <a:masterClrMapping/>
+  </p:clrMapOvr>
+  <p:transition>
+    <p:fade/>
+  </p:transition>
+</p:sld>
+</file>
+
+<file path=ppt/slides/slide29.xml><?xml version="1.0" encoding="utf-8"?>
+<p:sld xmlns:a="http://schemas.openxmlformats.org/drawingml/2006/main" xmlns:r="http://schemas.openxmlformats.org/officeDocument/2006/relationships" xmlns:p="http://schemas.openxmlformats.org/presentationml/2006/main">
+  <p:cSld>
+    <p:spTree>
+      <p:nvGrpSpPr>
+        <p:cNvPr id="1" name=""/>
+        <p:cNvGrpSpPr/>
+        <p:nvPr/>
+      </p:nvGrpSpPr>
+      <p:grpSpPr>
+        <a:xfrm>
+          <a:off x="0" y="0"/>
+          <a:ext cx="0" cy="0"/>
+          <a:chOff x="0" y="0"/>
+          <a:chExt cx="0" cy="0"/>
+        </a:xfrm>
+      </p:grpSpPr>
+      <p:sp>
+        <p:nvSpPr>
+          <p:cNvPr id="2" name="Title 1"/>
+          <p:cNvSpPr>
+            <a:spLocks noGrp="1"/>
+          </p:cNvSpPr>
+          <p:nvPr>
+            <p:ph type="title"/>
+          </p:nvPr>
+        </p:nvSpPr>
+        <p:spPr>
+          <a:xfrm>
+            <a:off x="381000" y="230188"/>
+            <a:ext cx="8382000" cy="664797"/>
+          </a:xfrm>
+        </p:spPr>
+        <p:txBody>
+          <a:bodyPr/>
+          <a:lstStyle/>
+          <a:p>
+            <a:r>
+              <a:rPr lang="en-US" dirty="0" smtClean="0"/>
               <a:t>What’s the Point?</a:t>
             </a:r>
             <a:endParaRPr lang="en-US" dirty="0"/>
@@ -32444,140 +36655,6 @@
     <p:extLst>
       <p:ext uri="{BB962C8B-B14F-4D97-AF65-F5344CB8AC3E}">
         <p14:creationId xmlns:p14="http://schemas.microsoft.com/office/powerpoint/2010/main" val="1217424829"/>
-      </p:ext>
-    </p:extLst>
-  </p:cSld>
-  <p:clrMapOvr>
-    <a:masterClrMapping/>
-  </p:clrMapOvr>
-  <p:transition>
-    <p:fade/>
-  </p:transition>
-  <p:timing>
-    <p:tnLst>
-      <p:par>
-        <p:cTn id="1" dur="indefinite" restart="never" nodeType="tmRoot"/>
-      </p:par>
-    </p:tnLst>
-  </p:timing>
-</p:sld>
-</file>
-
-<file path=ppt/slides/slide29.xml><?xml version="1.0" encoding="utf-8"?>
-<p:sld xmlns:a="http://schemas.openxmlformats.org/drawingml/2006/main" xmlns:r="http://schemas.openxmlformats.org/officeDocument/2006/relationships" xmlns:p="http://schemas.openxmlformats.org/presentationml/2006/main">
-  <p:cSld>
-    <p:spTree>
-      <p:nvGrpSpPr>
-        <p:cNvPr id="1" name=""/>
-        <p:cNvGrpSpPr/>
-        <p:nvPr/>
-      </p:nvGrpSpPr>
-      <p:grpSpPr>
-        <a:xfrm>
-          <a:off x="0" y="0"/>
-          <a:ext cx="0" cy="0"/>
-          <a:chOff x="0" y="0"/>
-          <a:chExt cx="0" cy="0"/>
-        </a:xfrm>
-      </p:grpSpPr>
-      <p:sp>
-        <p:nvSpPr>
-          <p:cNvPr id="2" name="Title 1"/>
-          <p:cNvSpPr>
-            <a:spLocks noGrp="1"/>
-          </p:cNvSpPr>
-          <p:nvPr>
-            <p:ph type="title"/>
-          </p:nvPr>
-        </p:nvSpPr>
-        <p:spPr>
-          <a:xfrm>
-            <a:off x="381000" y="230188"/>
-            <a:ext cx="8382000" cy="664797"/>
-          </a:xfrm>
-        </p:spPr>
-        <p:txBody>
-          <a:bodyPr/>
-          <a:lstStyle/>
-          <a:p>
-            <a:r>
-              <a:rPr lang="en-US" dirty="0"/>
-              <a:t>What’s the Point?</a:t>
-            </a:r>
-          </a:p>
-        </p:txBody>
-      </p:sp>
-      <p:sp>
-        <p:nvSpPr>
-          <p:cNvPr id="3" name="Content Placeholder 2"/>
-          <p:cNvSpPr>
-            <a:spLocks noGrp="1"/>
-          </p:cNvSpPr>
-          <p:nvPr>
-            <p:ph sz="half" idx="1"/>
-          </p:nvPr>
-        </p:nvSpPr>
-        <p:spPr>
-          <a:xfrm>
-            <a:off x="381000" y="2399228"/>
-            <a:ext cx="3810000" cy="2745343"/>
-          </a:xfrm>
-        </p:spPr>
-        <p:txBody>
-          <a:bodyPr/>
-          <a:lstStyle/>
-          <a:p>
-            <a:pPr marL="339976" lvl="2" indent="-339976">
-              <a:buBlip>
-                <a:blip r:embed="rId2"/>
-              </a:buBlip>
-            </a:pPr>
-            <a:r>
-              <a:rPr lang="en-US" sz="3200" b="1" dirty="0"/>
-              <a:t>We will have taken a huge step towards enabling “fill-in-the-template” style programming of ABMs.</a:t>
-            </a:r>
-          </a:p>
-          <a:p>
-            <a:pPr marL="0" indent="0">
-              <a:buNone/>
-            </a:pPr>
-            <a:endParaRPr lang="en-US" dirty="0"/>
-          </a:p>
-        </p:txBody>
-      </p:sp>
-      <p:pic>
-        <p:nvPicPr>
-          <p:cNvPr id="5" name="Content Placeholder 4"/>
-          <p:cNvPicPr>
-            <a:picLocks noGrp="1" noChangeAspect="1"/>
-          </p:cNvPicPr>
-          <p:nvPr>
-            <p:ph sz="half" idx="2"/>
-          </p:nvPr>
-        </p:nvPicPr>
-        <p:blipFill>
-          <a:blip r:embed="rId3">
-            <a:extLst>
-              <a:ext uri="{28A0092B-C50C-407E-A947-70E740481C1C}">
-                <a14:useLocalDpi xmlns:a14="http://schemas.microsoft.com/office/drawing/2010/main" val="0"/>
-              </a:ext>
-            </a:extLst>
-          </a:blip>
-          <a:stretch>
-            <a:fillRect/>
-          </a:stretch>
-        </p:blipFill>
-        <p:spPr>
-          <a:xfrm>
-            <a:off x="4800600" y="2399228"/>
-            <a:ext cx="3962400" cy="2745343"/>
-          </a:xfrm>
-        </p:spPr>
-      </p:pic>
-    </p:spTree>
-    <p:extLst>
-      <p:ext uri="{BB962C8B-B14F-4D97-AF65-F5344CB8AC3E}">
-        <p14:creationId xmlns:p14="http://schemas.microsoft.com/office/powerpoint/2010/main" val="2110678333"/>
       </p:ext>
     </p:extLst>
   </p:cSld>
@@ -32892,8 +36969,8 @@
         </p:nvSpPr>
         <p:spPr>
           <a:xfrm>
-            <a:off x="381000" y="1981200"/>
-            <a:ext cx="3886200" cy="3276600"/>
+            <a:off x="381000" y="2399228"/>
+            <a:ext cx="3810000" cy="2745343"/>
           </a:xfrm>
         </p:spPr>
         <p:txBody>
@@ -32907,31 +36984,20 @@
             </a:pPr>
             <a:r>
               <a:rPr lang="en-US" sz="3200" b="1" dirty="0"/>
-              <a:t>We open up the possibility of using known properties </a:t>
-            </a:r>
-            <a:r>
-              <a:rPr lang="en-US" sz="3200" b="1"/>
-              <a:t>of </a:t>
-            </a:r>
-            <a:r>
-              <a:rPr lang="en-US" sz="3200" b="1" smtClean="0"/>
-              <a:t>algebraic structures </a:t>
-            </a:r>
-            <a:r>
-              <a:rPr lang="en-US" sz="3200" b="1" dirty="0"/>
-              <a:t>to identify properties of our ABM</a:t>
-            </a:r>
-            <a:r>
-              <a:rPr lang="en-US" sz="3200" b="1" dirty="0" smtClean="0"/>
-              <a:t>.</a:t>
-            </a:r>
-            <a:endParaRPr lang="en-US" sz="3200" b="1" dirty="0"/>
+              <a:t>We will have taken a huge step towards enabling “fill-in-the-template” style programming of ABMs.</a:t>
+            </a:r>
+          </a:p>
+          <a:p>
+            <a:pPr marL="0" indent="0">
+              <a:buNone/>
+            </a:pPr>
+            <a:endParaRPr lang="en-US" dirty="0"/>
           </a:p>
         </p:txBody>
       </p:sp>
       <p:pic>
         <p:nvPicPr>
-          <p:cNvPr id="7" name="Content Placeholder 6"/>
+          <p:cNvPr id="5" name="Content Placeholder 4"/>
           <p:cNvPicPr>
             <a:picLocks noGrp="1" noChangeAspect="1"/>
           </p:cNvPicPr>
@@ -32953,15 +37019,15 @@
         </p:blipFill>
         <p:spPr>
           <a:xfrm>
-            <a:off x="4641410" y="1958566"/>
-            <a:ext cx="4114800" cy="2987977"/>
+            <a:off x="4800600" y="2399228"/>
+            <a:ext cx="3962400" cy="2745343"/>
           </a:xfrm>
         </p:spPr>
       </p:pic>
     </p:spTree>
     <p:extLst>
       <p:ext uri="{BB962C8B-B14F-4D97-AF65-F5344CB8AC3E}">
-        <p14:creationId xmlns:p14="http://schemas.microsoft.com/office/powerpoint/2010/main" val="1327860845"/>
+        <p14:creationId xmlns:p14="http://schemas.microsoft.com/office/powerpoint/2010/main" val="2110678333"/>
       </p:ext>
     </p:extLst>
   </p:cSld>
@@ -33019,10 +37085,9 @@
           <a:lstStyle/>
           <a:p>
             <a:r>
-              <a:rPr lang="en-US" dirty="0" smtClean="0"/>
-              <a:t>Implementation Sample</a:t>
-            </a:r>
-            <a:endParaRPr lang="en-US" dirty="0"/>
+              <a:rPr lang="en-US" dirty="0"/>
+              <a:t>What’s the Point?</a:t>
+            </a:r>
           </a:p>
         </p:txBody>
       </p:sp>
@@ -33038,59 +37103,46 @@
         </p:nvSpPr>
         <p:spPr>
           <a:xfrm>
-            <a:off x="524302" y="1143000"/>
-            <a:ext cx="8219364" cy="1249573"/>
+            <a:off x="381000" y="1981200"/>
+            <a:ext cx="3886200" cy="3276600"/>
           </a:xfrm>
         </p:spPr>
         <p:txBody>
           <a:bodyPr/>
           <a:lstStyle/>
           <a:p>
-            <a:r>
-              <a:rPr lang="en-US" dirty="0" err="1" smtClean="0"/>
-              <a:t>Prehensions</a:t>
-            </a:r>
-            <a:r>
-              <a:rPr lang="en-US" dirty="0" smtClean="0"/>
-              <a:t> are a vector space in </a:t>
-            </a:r>
-            <a:r>
-              <a:rPr lang="en-US" dirty="0" smtClean="0"/>
-              <a:t>one</a:t>
-            </a:r>
-            <a:r>
-              <a:rPr lang="en-US" dirty="0" smtClean="0"/>
-              <a:t> </a:t>
-            </a:r>
-            <a:r>
-              <a:rPr lang="en-US" dirty="0" smtClean="0"/>
-              <a:t>class.</a:t>
-            </a:r>
-          </a:p>
-          <a:p>
-            <a:r>
-              <a:rPr lang="en-US" dirty="0" smtClean="0"/>
-              <a:t>However, any other implementation in which the </a:t>
-            </a:r>
-            <a:r>
-              <a:rPr lang="en-US" dirty="0" smtClean="0"/>
-              <a:t>vector-space</a:t>
-            </a:r>
-            <a:r>
-              <a:rPr lang="en-US" dirty="0" smtClean="0"/>
-              <a:t> </a:t>
-            </a:r>
-            <a:r>
-              <a:rPr lang="en-US" dirty="0" smtClean="0"/>
-              <a:t>axioms are true can be sub-classed.</a:t>
-            </a:r>
-            <a:endParaRPr lang="en-US" dirty="0"/>
+            <a:pPr marL="339976" lvl="2" indent="-339976">
+              <a:buBlip>
+                <a:blip r:embed="rId2"/>
+              </a:buBlip>
+            </a:pPr>
+            <a:r>
+              <a:rPr lang="en-US" sz="3200" b="1" dirty="0"/>
+              <a:t>We open up the possibility of using known properties </a:t>
+            </a:r>
+            <a:r>
+              <a:rPr lang="en-US" sz="3200" b="1"/>
+              <a:t>of </a:t>
+            </a:r>
+            <a:r>
+              <a:rPr lang="en-US" sz="3200" b="1" smtClean="0"/>
+              <a:t>algebraic structures </a:t>
+            </a:r>
+            <a:r>
+              <a:rPr lang="en-US" sz="3200" b="1" dirty="0"/>
+              <a:t>to identify properties of our ABM</a:t>
+            </a:r>
+            <a:r>
+              <a:rPr lang="en-US" sz="3200" b="1" dirty="0" smtClean="0"/>
+              <a:t>.</a:t>
+            </a:r>
+            <a:endParaRPr lang="en-US" sz="3200" b="1" dirty="0"/>
           </a:p>
         </p:txBody>
       </p:sp>
       <p:pic>
         <p:nvPicPr>
-          <p:cNvPr id="5" name="Content Placeholder 4"/>
+          <p:cNvPr id="7" name="Content Placeholder 6"/>
           <p:cNvPicPr>
             <a:picLocks noGrp="1" noChangeAspect="1"/>
           </p:cNvPicPr>
@@ -33099,7 +37151,7 @@
           </p:nvPr>
         </p:nvPicPr>
         <p:blipFill>
-          <a:blip r:embed="rId2">
+          <a:blip r:embed="rId3">
             <a:extLst>
               <a:ext uri="{28A0092B-C50C-407E-A947-70E740481C1C}">
                 <a14:useLocalDpi xmlns:a14="http://schemas.microsoft.com/office/drawing/2010/main" val="0"/>
@@ -33112,15 +37164,15 @@
         </p:blipFill>
         <p:spPr>
           <a:xfrm>
-            <a:off x="992207" y="3276600"/>
-            <a:ext cx="7159586" cy="3116263"/>
+            <a:off x="4641410" y="1958566"/>
+            <a:ext cx="4114800" cy="2987977"/>
           </a:xfrm>
         </p:spPr>
       </p:pic>
     </p:spTree>
     <p:extLst>
       <p:ext uri="{BB962C8B-B14F-4D97-AF65-F5344CB8AC3E}">
-        <p14:creationId xmlns:p14="http://schemas.microsoft.com/office/powerpoint/2010/main" val="1408983316"/>
+        <p14:creationId xmlns:p14="http://schemas.microsoft.com/office/powerpoint/2010/main" val="1327860845"/>
       </p:ext>
     </p:extLst>
   </p:cSld>
@@ -34318,8 +38370,21 @@
           <a:p>
             <a:r>
               <a:rPr lang="en-US" dirty="0" smtClean="0"/>
-              <a:t>For Python, not much!</a:t>
-            </a:r>
+              <a:t>For Python, not </a:t>
+            </a:r>
+            <a:r>
+              <a:rPr lang="en-US" dirty="0" smtClean="0"/>
+              <a:t>much, because of </a:t>
+            </a:r>
+            <a:r>
+              <a:rPr lang="en-US" i="1" dirty="0" smtClean="0"/>
+              <a:t>duck typing</a:t>
+            </a:r>
+            <a:r>
+              <a:rPr lang="en-US" dirty="0" smtClean="0"/>
+              <a:t>.</a:t>
+            </a:r>
+            <a:endParaRPr lang="en-US" dirty="0" smtClean="0"/>
           </a:p>
           <a:p>
             <a:pPr lvl="1"/>
@@ -34461,13 +38526,13 @@
   <p:clrMapOvr>
     <a:masterClrMapping/>
   </p:clrMapOvr>
-  <mc:AlternateContent xmlns:mc="http://schemas.openxmlformats.org/markup-compatibility/2006">
-    <mc:Choice xmlns:p14="http://schemas.microsoft.com/office/powerpoint/2010/main" Requires="p14">
+  <mc:AlternateContent xmlns:mc="http://schemas.openxmlformats.org/markup-compatibility/2006" xmlns:p14="http://schemas.microsoft.com/office/powerpoint/2010/main">
+    <mc:Choice Requires="p14">
       <p:transition spd="slow" p14:dur="4400">
         <p14:honeycomb/>
       </p:transition>
     </mc:Choice>
-    <mc:Fallback>
+    <mc:Fallback xmlns="">
       <p:transition spd="slow">
         <p:fade/>
       </p:transition>
@@ -34605,8 +38670,21 @@
             <a:pPr lvl="2"/>
             <a:r>
               <a:rPr lang="en-US" dirty="0" smtClean="0"/>
-              <a:t>Be commutative</a:t>
-            </a:r>
+              <a:t>Be </a:t>
+            </a:r>
+            <a:r>
+              <a:rPr lang="en-US" dirty="0" smtClean="0"/>
+              <a:t>commutative (</a:t>
+            </a:r>
+            <a:r>
+              <a:rPr lang="en-US" i="1" dirty="0" smtClean="0"/>
+              <a:t>if Abelian group!</a:t>
+            </a:r>
+            <a:r>
+              <a:rPr lang="en-US" dirty="0" smtClean="0"/>
+              <a:t>)</a:t>
+            </a:r>
+            <a:endParaRPr lang="en-US" dirty="0" smtClean="0"/>
           </a:p>
           <a:p>
             <a:pPr lvl="2"/>
@@ -35027,7 +39105,15 @@
                   <a:schemeClr val="tx2"/>
                 </a:solidFill>
               </a:rPr>
-              <a:t>Generating complex macro-behavior from simple rule</a:t>
+              <a:t>Generating complex macro-behavior from simple </a:t>
+            </a:r>
+            <a:r>
+              <a:rPr lang="en-US" sz="3600" dirty="0" smtClean="0">
+                <a:solidFill>
+                  <a:schemeClr val="tx2"/>
+                </a:solidFill>
+              </a:rPr>
+              <a:t>rules</a:t>
             </a:r>
             <a:endParaRPr lang="en-US" dirty="0">
               <a:solidFill>

--- a/docs/ABMsAsAlgebraic.pptx
+++ b/docs/ABMsAsAlgebraic.pptx
@@ -9639,6 +9639,52 @@
         </a:p>
       </dgm:t>
     </dgm:pt>
+    <dgm:pt modelId="{1AB75FD3-4C30-B24B-8DB5-5A27033277D6}">
+      <dgm:prSet/>
+      <dgm:spPr/>
+      <dgm:t>
+        <a:bodyPr/>
+        <a:lstStyle/>
+        <a:p>
+          <a:r>
+            <a:rPr lang="en-US" dirty="0" smtClean="0"/>
+            <a:t>Sand pile</a:t>
+          </a:r>
+          <a:endParaRPr lang="en-US" dirty="0"/>
+        </a:p>
+      </dgm:t>
+    </dgm:pt>
+    <dgm:pt modelId="{5B3C7606-B9F0-CE49-B274-816CB6A65616}" type="parTrans" cxnId="{56C39063-EFDD-424E-B9E0-3C23150B1633}">
+      <dgm:prSet/>
+      <dgm:spPr/>
+    </dgm:pt>
+    <dgm:pt modelId="{40584D13-979A-6749-9B12-7A169FB1A457}" type="sibTrans" cxnId="{56C39063-EFDD-424E-B9E0-3C23150B1633}">
+      <dgm:prSet/>
+      <dgm:spPr/>
+    </dgm:pt>
+    <dgm:pt modelId="{0ABB7A46-78A7-044F-B660-A6F29C6BDE74}">
+      <dgm:prSet/>
+      <dgm:spPr/>
+      <dgm:t>
+        <a:bodyPr/>
+        <a:lstStyle/>
+        <a:p>
+          <a:r>
+            <a:rPr lang="en-US" smtClean="0"/>
+            <a:t>Market exchange</a:t>
+          </a:r>
+          <a:endParaRPr lang="en-US"/>
+        </a:p>
+      </dgm:t>
+    </dgm:pt>
+    <dgm:pt modelId="{4392CD87-719E-9E4C-94D9-1C9438B92CF5}" type="parTrans" cxnId="{B5FC367F-E3B4-3D4D-9910-766AD0DC9976}">
+      <dgm:prSet/>
+      <dgm:spPr/>
+    </dgm:pt>
+    <dgm:pt modelId="{0AF22048-2F58-4240-BED2-74F59EF900EA}" type="sibTrans" cxnId="{B5FC367F-E3B4-3D4D-9910-766AD0DC9976}">
+      <dgm:prSet/>
+      <dgm:spPr/>
+    </dgm:pt>
     <dgm:pt modelId="{5B69B621-125F-8C4C-A968-60E72CEDA897}" type="pres">
       <dgm:prSet presAssocID="{2AC110E6-F772-164D-A74E-9BCCCBE8B031}" presName="hierChild1" presStyleCnt="0">
         <dgm:presLayoutVars>
@@ -9650,6 +9696,13 @@
         </dgm:presLayoutVars>
       </dgm:prSet>
       <dgm:spPr/>
+      <dgm:t>
+        <a:bodyPr/>
+        <a:lstStyle/>
+        <a:p>
+          <a:endParaRPr lang="en-US"/>
+        </a:p>
+      </dgm:t>
     </dgm:pt>
     <dgm:pt modelId="{58B3EE37-8A08-6E43-95EE-907BE55FD870}" type="pres">
       <dgm:prSet presAssocID="{50CE8BE5-FE4F-8D40-989F-58B127300842}" presName="hierRoot1" presStyleCnt="0"/>
@@ -9664,12 +9717,19 @@
       <dgm:spPr/>
     </dgm:pt>
     <dgm:pt modelId="{458E2CEA-2D4A-D048-848A-9EF3A29552BB}" type="pres">
-      <dgm:prSet presAssocID="{50CE8BE5-FE4F-8D40-989F-58B127300842}" presName="text" presStyleLbl="revTx" presStyleIdx="0" presStyleCnt="6">
+      <dgm:prSet presAssocID="{50CE8BE5-FE4F-8D40-989F-58B127300842}" presName="text" presStyleLbl="revTx" presStyleIdx="0" presStyleCnt="8">
         <dgm:presLayoutVars>
           <dgm:chPref val="3"/>
         </dgm:presLayoutVars>
       </dgm:prSet>
       <dgm:spPr/>
+      <dgm:t>
+        <a:bodyPr/>
+        <a:lstStyle/>
+        <a:p>
+          <a:endParaRPr lang="en-US"/>
+        </a:p>
+      </dgm:t>
     </dgm:pt>
     <dgm:pt modelId="{B6AEF241-F12C-FF4D-8017-6EC6691DA945}" type="pres">
       <dgm:prSet presAssocID="{50CE8BE5-FE4F-8D40-989F-58B127300842}" presName="hierChild2" presStyleCnt="0"/>
@@ -9678,6 +9738,13 @@
     <dgm:pt modelId="{C86EDF08-DE64-4A46-A556-D15AA930C60B}" type="pres">
       <dgm:prSet presAssocID="{634B3ED2-2B7E-EC44-BCDD-5D639DCE0F61}" presName="Name10" presStyleLbl="parChTrans1D2" presStyleIdx="0" presStyleCnt="2"/>
       <dgm:spPr/>
+      <dgm:t>
+        <a:bodyPr/>
+        <a:lstStyle/>
+        <a:p>
+          <a:endParaRPr lang="en-US"/>
+        </a:p>
+      </dgm:t>
     </dgm:pt>
     <dgm:pt modelId="{FDC9D4DA-7F68-9241-9D25-F143FFBB052A}" type="pres">
       <dgm:prSet presAssocID="{5947C7E3-01D6-CA4D-974E-3BBC51416DCB}" presName="hierRoot2" presStyleCnt="0"/>
@@ -9692,20 +9759,34 @@
       <dgm:spPr/>
     </dgm:pt>
     <dgm:pt modelId="{DF09DBBF-55BC-1B47-A387-2E7B09D5AB74}" type="pres">
-      <dgm:prSet presAssocID="{5947C7E3-01D6-CA4D-974E-3BBC51416DCB}" presName="text2" presStyleLbl="revTx" presStyleIdx="1" presStyleCnt="6">
+      <dgm:prSet presAssocID="{5947C7E3-01D6-CA4D-974E-3BBC51416DCB}" presName="text2" presStyleLbl="revTx" presStyleIdx="1" presStyleCnt="8">
         <dgm:presLayoutVars>
           <dgm:chPref val="3"/>
         </dgm:presLayoutVars>
       </dgm:prSet>
       <dgm:spPr/>
+      <dgm:t>
+        <a:bodyPr/>
+        <a:lstStyle/>
+        <a:p>
+          <a:endParaRPr lang="en-US"/>
+        </a:p>
+      </dgm:t>
     </dgm:pt>
     <dgm:pt modelId="{25A8F0A1-DE43-D543-9A28-DDB08C3B0352}" type="pres">
       <dgm:prSet presAssocID="{5947C7E3-01D6-CA4D-974E-3BBC51416DCB}" presName="hierChild3" presStyleCnt="0"/>
       <dgm:spPr/>
     </dgm:pt>
     <dgm:pt modelId="{13B7136B-2EAC-4848-B65B-0F39B09ECCDA}" type="pres">
-      <dgm:prSet presAssocID="{DD3C6668-7100-A248-90FE-335F532DE7D9}" presName="Name17" presStyleLbl="parChTrans1D3" presStyleIdx="0" presStyleCnt="3"/>
+      <dgm:prSet presAssocID="{DD3C6668-7100-A248-90FE-335F532DE7D9}" presName="Name17" presStyleLbl="parChTrans1D3" presStyleIdx="0" presStyleCnt="5"/>
       <dgm:spPr/>
+      <dgm:t>
+        <a:bodyPr/>
+        <a:lstStyle/>
+        <a:p>
+          <a:endParaRPr lang="en-US"/>
+        </a:p>
+      </dgm:t>
     </dgm:pt>
     <dgm:pt modelId="{F57A151E-50BB-EC46-A25B-818DC8E38060}" type="pres">
       <dgm:prSet presAssocID="{8E742056-2AE6-854E-9FEA-BE128397F8FD}" presName="hierRoot3" presStyleCnt="0"/>
@@ -9716,24 +9797,38 @@
       <dgm:spPr/>
     </dgm:pt>
     <dgm:pt modelId="{EBC49A22-B099-BD46-AD21-44FA8524C224}" type="pres">
-      <dgm:prSet presAssocID="{8E742056-2AE6-854E-9FEA-BE128397F8FD}" presName="image3" presStyleLbl="node3" presStyleIdx="0" presStyleCnt="3"/>
+      <dgm:prSet presAssocID="{8E742056-2AE6-854E-9FEA-BE128397F8FD}" presName="image3" presStyleLbl="node3" presStyleIdx="0" presStyleCnt="5"/>
       <dgm:spPr/>
     </dgm:pt>
     <dgm:pt modelId="{B1A733B9-3613-574B-9F98-957D16DC6C04}" type="pres">
-      <dgm:prSet presAssocID="{8E742056-2AE6-854E-9FEA-BE128397F8FD}" presName="text3" presStyleLbl="revTx" presStyleIdx="2" presStyleCnt="6">
+      <dgm:prSet presAssocID="{8E742056-2AE6-854E-9FEA-BE128397F8FD}" presName="text3" presStyleLbl="revTx" presStyleIdx="2" presStyleCnt="8">
         <dgm:presLayoutVars>
           <dgm:chPref val="3"/>
         </dgm:presLayoutVars>
       </dgm:prSet>
       <dgm:spPr/>
+      <dgm:t>
+        <a:bodyPr/>
+        <a:lstStyle/>
+        <a:p>
+          <a:endParaRPr lang="en-US"/>
+        </a:p>
+      </dgm:t>
     </dgm:pt>
     <dgm:pt modelId="{79AFEBA5-7C6E-744D-BB67-405501CECE8C}" type="pres">
       <dgm:prSet presAssocID="{8E742056-2AE6-854E-9FEA-BE128397F8FD}" presName="hierChild4" presStyleCnt="0"/>
       <dgm:spPr/>
     </dgm:pt>
     <dgm:pt modelId="{AF6AA274-C165-2646-8B10-57BF2472FAF0}" type="pres">
-      <dgm:prSet presAssocID="{F46B314C-F2E1-1D4A-8A6D-BFC29AB2A3D1}" presName="Name17" presStyleLbl="parChTrans1D3" presStyleIdx="1" presStyleCnt="3"/>
+      <dgm:prSet presAssocID="{F46B314C-F2E1-1D4A-8A6D-BFC29AB2A3D1}" presName="Name17" presStyleLbl="parChTrans1D3" presStyleIdx="1" presStyleCnt="5"/>
       <dgm:spPr/>
+      <dgm:t>
+        <a:bodyPr/>
+        <a:lstStyle/>
+        <a:p>
+          <a:endParaRPr lang="en-US"/>
+        </a:p>
+      </dgm:t>
     </dgm:pt>
     <dgm:pt modelId="{2E5C0D61-750C-BF49-A249-895C4A98B472}" type="pres">
       <dgm:prSet presAssocID="{2E75A9C6-C8EA-9546-8733-3262A052CC00}" presName="hierRoot3" presStyleCnt="0"/>
@@ -9744,24 +9839,66 @@
       <dgm:spPr/>
     </dgm:pt>
     <dgm:pt modelId="{A72A3CB1-5DC8-1B44-A4CE-68D3BB31496B}" type="pres">
-      <dgm:prSet presAssocID="{2E75A9C6-C8EA-9546-8733-3262A052CC00}" presName="image3" presStyleLbl="node3" presStyleIdx="1" presStyleCnt="3"/>
+      <dgm:prSet presAssocID="{2E75A9C6-C8EA-9546-8733-3262A052CC00}" presName="image3" presStyleLbl="node3" presStyleIdx="1" presStyleCnt="5"/>
       <dgm:spPr/>
     </dgm:pt>
     <dgm:pt modelId="{F5BD635E-94FA-804C-BBC2-F21E897E3F76}" type="pres">
-      <dgm:prSet presAssocID="{2E75A9C6-C8EA-9546-8733-3262A052CC00}" presName="text3" presStyleLbl="revTx" presStyleIdx="3" presStyleCnt="6">
+      <dgm:prSet presAssocID="{2E75A9C6-C8EA-9546-8733-3262A052CC00}" presName="text3" presStyleLbl="revTx" presStyleIdx="3" presStyleCnt="8">
+        <dgm:presLayoutVars>
+          <dgm:chPref val="3"/>
+        </dgm:presLayoutVars>
+      </dgm:prSet>
+      <dgm:spPr/>
+      <dgm:t>
+        <a:bodyPr/>
+        <a:lstStyle/>
+        <a:p>
+          <a:endParaRPr lang="en-US"/>
+        </a:p>
+      </dgm:t>
+    </dgm:pt>
+    <dgm:pt modelId="{154637F6-D0A3-844E-AB63-0B35CBD08203}" type="pres">
+      <dgm:prSet presAssocID="{2E75A9C6-C8EA-9546-8733-3262A052CC00}" presName="hierChild4" presStyleCnt="0"/>
+      <dgm:spPr/>
+    </dgm:pt>
+    <dgm:pt modelId="{349F3BDB-77D3-B24A-802E-3E0BEB312606}" type="pres">
+      <dgm:prSet presAssocID="{4392CD87-719E-9E4C-94D9-1C9438B92CF5}" presName="Name17" presStyleLbl="parChTrans1D3" presStyleIdx="2" presStyleCnt="5"/>
+      <dgm:spPr/>
+    </dgm:pt>
+    <dgm:pt modelId="{EFAFDCEC-E856-264C-90CF-9BB75B90CE2C}" type="pres">
+      <dgm:prSet presAssocID="{0ABB7A46-78A7-044F-B660-A6F29C6BDE74}" presName="hierRoot3" presStyleCnt="0"/>
+      <dgm:spPr/>
+    </dgm:pt>
+    <dgm:pt modelId="{10599CB9-B149-B54D-9C97-1FB3820DB9F6}" type="pres">
+      <dgm:prSet presAssocID="{0ABB7A46-78A7-044F-B660-A6F29C6BDE74}" presName="composite3" presStyleCnt="0"/>
+      <dgm:spPr/>
+    </dgm:pt>
+    <dgm:pt modelId="{937C2AA6-E74E-E243-9558-44A6ACC0DFF0}" type="pres">
+      <dgm:prSet presAssocID="{0ABB7A46-78A7-044F-B660-A6F29C6BDE74}" presName="image3" presStyleLbl="node3" presStyleIdx="2" presStyleCnt="5"/>
+      <dgm:spPr/>
+    </dgm:pt>
+    <dgm:pt modelId="{6C1E050A-E5E0-814D-9813-6C8E4D9CC316}" type="pres">
+      <dgm:prSet presAssocID="{0ABB7A46-78A7-044F-B660-A6F29C6BDE74}" presName="text3" presStyleLbl="revTx" presStyleIdx="4" presStyleCnt="8">
         <dgm:presLayoutVars>
           <dgm:chPref val="3"/>
         </dgm:presLayoutVars>
       </dgm:prSet>
       <dgm:spPr/>
     </dgm:pt>
-    <dgm:pt modelId="{154637F6-D0A3-844E-AB63-0B35CBD08203}" type="pres">
-      <dgm:prSet presAssocID="{2E75A9C6-C8EA-9546-8733-3262A052CC00}" presName="hierChild4" presStyleCnt="0"/>
+    <dgm:pt modelId="{309C6921-0BF6-894F-A54B-07EC658341B7}" type="pres">
+      <dgm:prSet presAssocID="{0ABB7A46-78A7-044F-B660-A6F29C6BDE74}" presName="hierChild4" presStyleCnt="0"/>
       <dgm:spPr/>
     </dgm:pt>
     <dgm:pt modelId="{E92107B0-854F-B241-97F9-6B4A99BFDD89}" type="pres">
       <dgm:prSet presAssocID="{12B274E4-18DF-1F4B-A44D-2A6EDCC2AEDF}" presName="Name10" presStyleLbl="parChTrans1D2" presStyleIdx="1" presStyleCnt="2"/>
       <dgm:spPr/>
+      <dgm:t>
+        <a:bodyPr/>
+        <a:lstStyle/>
+        <a:p>
+          <a:endParaRPr lang="en-US"/>
+        </a:p>
+      </dgm:t>
     </dgm:pt>
     <dgm:pt modelId="{1F530A33-3BE1-5740-B48A-AF32CFABDE6C}" type="pres">
       <dgm:prSet presAssocID="{7393D429-4215-3E4F-851F-3C5E85712256}" presName="hierRoot2" presStyleCnt="0"/>
@@ -9776,20 +9913,34 @@
       <dgm:spPr/>
     </dgm:pt>
     <dgm:pt modelId="{793AA1F8-448D-F048-96F5-F99C11C83C06}" type="pres">
-      <dgm:prSet presAssocID="{7393D429-4215-3E4F-851F-3C5E85712256}" presName="text2" presStyleLbl="revTx" presStyleIdx="4" presStyleCnt="6">
+      <dgm:prSet presAssocID="{7393D429-4215-3E4F-851F-3C5E85712256}" presName="text2" presStyleLbl="revTx" presStyleIdx="5" presStyleCnt="8">
         <dgm:presLayoutVars>
           <dgm:chPref val="3"/>
         </dgm:presLayoutVars>
       </dgm:prSet>
       <dgm:spPr/>
+      <dgm:t>
+        <a:bodyPr/>
+        <a:lstStyle/>
+        <a:p>
+          <a:endParaRPr lang="en-US"/>
+        </a:p>
+      </dgm:t>
     </dgm:pt>
     <dgm:pt modelId="{A02B0F4F-1CA7-B448-8522-49696BD613A3}" type="pres">
       <dgm:prSet presAssocID="{7393D429-4215-3E4F-851F-3C5E85712256}" presName="hierChild3" presStyleCnt="0"/>
       <dgm:spPr/>
     </dgm:pt>
     <dgm:pt modelId="{88ABB882-E21C-E14C-917B-0DC5752A833C}" type="pres">
-      <dgm:prSet presAssocID="{B63DCA60-5459-BA43-8773-949551BE5A96}" presName="Name17" presStyleLbl="parChTrans1D3" presStyleIdx="2" presStyleCnt="3"/>
+      <dgm:prSet presAssocID="{B63DCA60-5459-BA43-8773-949551BE5A96}" presName="Name17" presStyleLbl="parChTrans1D3" presStyleIdx="3" presStyleCnt="5"/>
       <dgm:spPr/>
+      <dgm:t>
+        <a:bodyPr/>
+        <a:lstStyle/>
+        <a:p>
+          <a:endParaRPr lang="en-US"/>
+        </a:p>
+      </dgm:t>
     </dgm:pt>
     <dgm:pt modelId="{ACC3D9FE-3727-B04F-A975-6DDEB234387A}" type="pres">
       <dgm:prSet presAssocID="{8F02186B-4DB5-E746-A59D-B6EE971B6A15}" presName="hierRoot3" presStyleCnt="0"/>
@@ -9800,41 +9951,82 @@
       <dgm:spPr/>
     </dgm:pt>
     <dgm:pt modelId="{4716271B-2BEA-D54C-8720-8FBF05DF84AD}" type="pres">
-      <dgm:prSet presAssocID="{8F02186B-4DB5-E746-A59D-B6EE971B6A15}" presName="image3" presStyleLbl="node3" presStyleIdx="2" presStyleCnt="3"/>
+      <dgm:prSet presAssocID="{8F02186B-4DB5-E746-A59D-B6EE971B6A15}" presName="image3" presStyleLbl="node3" presStyleIdx="3" presStyleCnt="5"/>
       <dgm:spPr/>
     </dgm:pt>
     <dgm:pt modelId="{E1D24100-DA38-774C-96CB-071D1B086443}" type="pres">
-      <dgm:prSet presAssocID="{8F02186B-4DB5-E746-A59D-B6EE971B6A15}" presName="text3" presStyleLbl="revTx" presStyleIdx="5" presStyleCnt="6">
+      <dgm:prSet presAssocID="{8F02186B-4DB5-E746-A59D-B6EE971B6A15}" presName="text3" presStyleLbl="revTx" presStyleIdx="6" presStyleCnt="8">
+        <dgm:presLayoutVars>
+          <dgm:chPref val="3"/>
+        </dgm:presLayoutVars>
+      </dgm:prSet>
+      <dgm:spPr/>
+      <dgm:t>
+        <a:bodyPr/>
+        <a:lstStyle/>
+        <a:p>
+          <a:endParaRPr lang="en-US"/>
+        </a:p>
+      </dgm:t>
+    </dgm:pt>
+    <dgm:pt modelId="{32A31B9E-E3C9-D54C-BD15-22B81C91F1BF}" type="pres">
+      <dgm:prSet presAssocID="{8F02186B-4DB5-E746-A59D-B6EE971B6A15}" presName="hierChild4" presStyleCnt="0"/>
+      <dgm:spPr/>
+    </dgm:pt>
+    <dgm:pt modelId="{E1C7E81B-03A0-2D48-939A-99F8D1DFADB4}" type="pres">
+      <dgm:prSet presAssocID="{5B3C7606-B9F0-CE49-B274-816CB6A65616}" presName="Name17" presStyleLbl="parChTrans1D3" presStyleIdx="4" presStyleCnt="5"/>
+      <dgm:spPr/>
+    </dgm:pt>
+    <dgm:pt modelId="{D4694270-56D7-BE4E-AC3B-4A1981F138E4}" type="pres">
+      <dgm:prSet presAssocID="{1AB75FD3-4C30-B24B-8DB5-5A27033277D6}" presName="hierRoot3" presStyleCnt="0"/>
+      <dgm:spPr/>
+    </dgm:pt>
+    <dgm:pt modelId="{9D7096BF-9FD8-E642-8444-29E4193E1D5A}" type="pres">
+      <dgm:prSet presAssocID="{1AB75FD3-4C30-B24B-8DB5-5A27033277D6}" presName="composite3" presStyleCnt="0"/>
+      <dgm:spPr/>
+    </dgm:pt>
+    <dgm:pt modelId="{26CA25AD-9F33-6045-B827-835832CB20EA}" type="pres">
+      <dgm:prSet presAssocID="{1AB75FD3-4C30-B24B-8DB5-5A27033277D6}" presName="image3" presStyleLbl="node3" presStyleIdx="4" presStyleCnt="5"/>
+      <dgm:spPr/>
+    </dgm:pt>
+    <dgm:pt modelId="{E583DA9E-7A18-BD43-A205-CF6EB8F09FF6}" type="pres">
+      <dgm:prSet presAssocID="{1AB75FD3-4C30-B24B-8DB5-5A27033277D6}" presName="text3" presStyleLbl="revTx" presStyleIdx="7" presStyleCnt="8">
         <dgm:presLayoutVars>
           <dgm:chPref val="3"/>
         </dgm:presLayoutVars>
       </dgm:prSet>
       <dgm:spPr/>
     </dgm:pt>
-    <dgm:pt modelId="{32A31B9E-E3C9-D54C-BD15-22B81C91F1BF}" type="pres">
-      <dgm:prSet presAssocID="{8F02186B-4DB5-E746-A59D-B6EE971B6A15}" presName="hierChild4" presStyleCnt="0"/>
+    <dgm:pt modelId="{171BC581-D5ED-2840-B311-B06BB70194CB}" type="pres">
+      <dgm:prSet presAssocID="{1AB75FD3-4C30-B24B-8DB5-5A27033277D6}" presName="hierChild4" presStyleCnt="0"/>
       <dgm:spPr/>
     </dgm:pt>
   </dgm:ptLst>
   <dgm:cxnLst>
+    <dgm:cxn modelId="{4AEE76C3-5D53-C647-B197-3027AC114694}" srcId="{7393D429-4215-3E4F-851F-3C5E85712256}" destId="{8F02186B-4DB5-E746-A59D-B6EE971B6A15}" srcOrd="0" destOrd="0" parTransId="{B63DCA60-5459-BA43-8773-949551BE5A96}" sibTransId="{096A4D9F-B72B-2A46-911B-B8567288A4D6}"/>
+    <dgm:cxn modelId="{B42C974C-D1F2-5F43-8B08-1CB5E565BEE9}" type="presOf" srcId="{50CE8BE5-FE4F-8D40-989F-58B127300842}" destId="{458E2CEA-2D4A-D048-848A-9EF3A29552BB}" srcOrd="0" destOrd="0" presId="urn:microsoft.com/office/officeart/2009/layout/CirclePictureHierarchy"/>
+    <dgm:cxn modelId="{045B215C-2BB9-D040-B40E-F9C7345F2450}" srcId="{5947C7E3-01D6-CA4D-974E-3BBC51416DCB}" destId="{8E742056-2AE6-854E-9FEA-BE128397F8FD}" srcOrd="0" destOrd="0" parTransId="{DD3C6668-7100-A248-90FE-335F532DE7D9}" sibTransId="{6635668E-D0F5-C74D-A35C-A726D64124C2}"/>
+    <dgm:cxn modelId="{9CB5DF6F-CAE3-2742-95EA-E559249D4FE7}" type="presOf" srcId="{F46B314C-F2E1-1D4A-8A6D-BFC29AB2A3D1}" destId="{AF6AA274-C165-2646-8B10-57BF2472FAF0}" srcOrd="0" destOrd="0" presId="urn:microsoft.com/office/officeart/2009/layout/CirclePictureHierarchy"/>
+    <dgm:cxn modelId="{7CFE2B3D-AB04-154E-9470-09E31B743FDD}" type="presOf" srcId="{634B3ED2-2B7E-EC44-BCDD-5D639DCE0F61}" destId="{C86EDF08-DE64-4A46-A556-D15AA930C60B}" srcOrd="0" destOrd="0" presId="urn:microsoft.com/office/officeart/2009/layout/CirclePictureHierarchy"/>
+    <dgm:cxn modelId="{B5FC367F-E3B4-3D4D-9910-766AD0DC9976}" srcId="{5947C7E3-01D6-CA4D-974E-3BBC51416DCB}" destId="{0ABB7A46-78A7-044F-B660-A6F29C6BDE74}" srcOrd="2" destOrd="0" parTransId="{4392CD87-719E-9E4C-94D9-1C9438B92CF5}" sibTransId="{0AF22048-2F58-4240-BED2-74F59EF900EA}"/>
+    <dgm:cxn modelId="{19336CE4-5834-834E-BCF8-9B89C44290F0}" type="presOf" srcId="{12B274E4-18DF-1F4B-A44D-2A6EDCC2AEDF}" destId="{E92107B0-854F-B241-97F9-6B4A99BFDD89}" srcOrd="0" destOrd="0" presId="urn:microsoft.com/office/officeart/2009/layout/CirclePictureHierarchy"/>
+    <dgm:cxn modelId="{0CFDD76D-5F04-7A44-BFEA-5AEEF5AB19DF}" srcId="{50CE8BE5-FE4F-8D40-989F-58B127300842}" destId="{7393D429-4215-3E4F-851F-3C5E85712256}" srcOrd="1" destOrd="0" parTransId="{12B274E4-18DF-1F4B-A44D-2A6EDCC2AEDF}" sibTransId="{239B13B9-AFAC-994B-ADC2-B0FC2237CA42}"/>
+    <dgm:cxn modelId="{670DE44E-DA3A-BB47-A5A2-5F3B3659A790}" type="presOf" srcId="{8E742056-2AE6-854E-9FEA-BE128397F8FD}" destId="{B1A733B9-3613-574B-9F98-957D16DC6C04}" srcOrd="0" destOrd="0" presId="urn:microsoft.com/office/officeart/2009/layout/CirclePictureHierarchy"/>
+    <dgm:cxn modelId="{15272987-660B-3B4F-818B-B1874B43BADC}" type="presOf" srcId="{1AB75FD3-4C30-B24B-8DB5-5A27033277D6}" destId="{E583DA9E-7A18-BD43-A205-CF6EB8F09FF6}" srcOrd="0" destOrd="0" presId="urn:microsoft.com/office/officeart/2009/layout/CirclePictureHierarchy"/>
+    <dgm:cxn modelId="{16674432-352B-7849-9F3F-369C1CD8CE0A}" srcId="{5947C7E3-01D6-CA4D-974E-3BBC51416DCB}" destId="{2E75A9C6-C8EA-9546-8733-3262A052CC00}" srcOrd="1" destOrd="0" parTransId="{F46B314C-F2E1-1D4A-8A6D-BFC29AB2A3D1}" sibTransId="{27B61B99-5BA6-8849-B964-393292C0F327}"/>
+    <dgm:cxn modelId="{0AE479EB-0EF9-D34B-8224-D07151CB5832}" type="presOf" srcId="{2E75A9C6-C8EA-9546-8733-3262A052CC00}" destId="{F5BD635E-94FA-804C-BBC2-F21E897E3F76}" srcOrd="0" destOrd="0" presId="urn:microsoft.com/office/officeart/2009/layout/CirclePictureHierarchy"/>
+    <dgm:cxn modelId="{925B6507-EE59-1443-8FA7-A7FE0509B880}" type="presOf" srcId="{DD3C6668-7100-A248-90FE-335F532DE7D9}" destId="{13B7136B-2EAC-4848-B65B-0F39B09ECCDA}" srcOrd="0" destOrd="0" presId="urn:microsoft.com/office/officeart/2009/layout/CirclePictureHierarchy"/>
+    <dgm:cxn modelId="{ABFBFB36-E9F9-1E40-A245-89D907C88BAA}" type="presOf" srcId="{5947C7E3-01D6-CA4D-974E-3BBC51416DCB}" destId="{DF09DBBF-55BC-1B47-A387-2E7B09D5AB74}" srcOrd="0" destOrd="0" presId="urn:microsoft.com/office/officeart/2009/layout/CirclePictureHierarchy"/>
+    <dgm:cxn modelId="{3A05CB44-2E75-6146-A581-C6058E997509}" type="presOf" srcId="{8F02186B-4DB5-E746-A59D-B6EE971B6A15}" destId="{E1D24100-DA38-774C-96CB-071D1B086443}" srcOrd="0" destOrd="0" presId="urn:microsoft.com/office/officeart/2009/layout/CirclePictureHierarchy"/>
+    <dgm:cxn modelId="{C0D965AF-C04D-1647-AA32-12C0264AD169}" type="presOf" srcId="{0ABB7A46-78A7-044F-B660-A6F29C6BDE74}" destId="{6C1E050A-E5E0-814D-9813-6C8E4D9CC316}" srcOrd="0" destOrd="0" presId="urn:microsoft.com/office/officeart/2009/layout/CirclePictureHierarchy"/>
+    <dgm:cxn modelId="{5EB3EF3E-32FD-E24C-83D2-6D7748D99A93}" srcId="{2AC110E6-F772-164D-A74E-9BCCCBE8B031}" destId="{50CE8BE5-FE4F-8D40-989F-58B127300842}" srcOrd="0" destOrd="0" parTransId="{B0C311EB-3644-0248-A207-C561591F2130}" sibTransId="{E1DB3513-1D53-6B4E-AC85-66E578D05C9F}"/>
     <dgm:cxn modelId="{EEF6E9A4-2C18-DC42-B3A0-77B919DB31D9}" srcId="{50CE8BE5-FE4F-8D40-989F-58B127300842}" destId="{5947C7E3-01D6-CA4D-974E-3BBC51416DCB}" srcOrd="0" destOrd="0" parTransId="{634B3ED2-2B7E-EC44-BCDD-5D639DCE0F61}" sibTransId="{88EC45BB-3F78-0343-86B1-90C12B59880F}"/>
-    <dgm:cxn modelId="{0CFDD76D-5F04-7A44-BFEA-5AEEF5AB19DF}" srcId="{50CE8BE5-FE4F-8D40-989F-58B127300842}" destId="{7393D429-4215-3E4F-851F-3C5E85712256}" srcOrd="1" destOrd="0" parTransId="{12B274E4-18DF-1F4B-A44D-2A6EDCC2AEDF}" sibTransId="{239B13B9-AFAC-994B-ADC2-B0FC2237CA42}"/>
+    <dgm:cxn modelId="{01F8F861-87A9-0543-9BD9-EB706AA52DBC}" type="presOf" srcId="{2AC110E6-F772-164D-A74E-9BCCCBE8B031}" destId="{5B69B621-125F-8C4C-A968-60E72CEDA897}" srcOrd="0" destOrd="0" presId="urn:microsoft.com/office/officeart/2009/layout/CirclePictureHierarchy"/>
+    <dgm:cxn modelId="{F755BA59-D952-0340-95CC-60B75B0DA401}" type="presOf" srcId="{7393D429-4215-3E4F-851F-3C5E85712256}" destId="{793AA1F8-448D-F048-96F5-F99C11C83C06}" srcOrd="0" destOrd="0" presId="urn:microsoft.com/office/officeart/2009/layout/CirclePictureHierarchy"/>
+    <dgm:cxn modelId="{56C39063-EFDD-424E-B9E0-3C23150B1633}" srcId="{7393D429-4215-3E4F-851F-3C5E85712256}" destId="{1AB75FD3-4C30-B24B-8DB5-5A27033277D6}" srcOrd="1" destOrd="0" parTransId="{5B3C7606-B9F0-CE49-B274-816CB6A65616}" sibTransId="{40584D13-979A-6749-9B12-7A169FB1A457}"/>
     <dgm:cxn modelId="{DB9C5B5C-4A79-7B4E-A3D6-8055C310D662}" type="presOf" srcId="{B63DCA60-5459-BA43-8773-949551BE5A96}" destId="{88ABB882-E21C-E14C-917B-0DC5752A833C}" srcOrd="0" destOrd="0" presId="urn:microsoft.com/office/officeart/2009/layout/CirclePictureHierarchy"/>
-    <dgm:cxn modelId="{0AE479EB-0EF9-D34B-8224-D07151CB5832}" type="presOf" srcId="{2E75A9C6-C8EA-9546-8733-3262A052CC00}" destId="{F5BD635E-94FA-804C-BBC2-F21E897E3F76}" srcOrd="0" destOrd="0" presId="urn:microsoft.com/office/officeart/2009/layout/CirclePictureHierarchy"/>
-    <dgm:cxn modelId="{045B215C-2BB9-D040-B40E-F9C7345F2450}" srcId="{5947C7E3-01D6-CA4D-974E-3BBC51416DCB}" destId="{8E742056-2AE6-854E-9FEA-BE128397F8FD}" srcOrd="0" destOrd="0" parTransId="{DD3C6668-7100-A248-90FE-335F532DE7D9}" sibTransId="{6635668E-D0F5-C74D-A35C-A726D64124C2}"/>
-    <dgm:cxn modelId="{3A05CB44-2E75-6146-A581-C6058E997509}" type="presOf" srcId="{8F02186B-4DB5-E746-A59D-B6EE971B6A15}" destId="{E1D24100-DA38-774C-96CB-071D1B086443}" srcOrd="0" destOrd="0" presId="urn:microsoft.com/office/officeart/2009/layout/CirclePictureHierarchy"/>
-    <dgm:cxn modelId="{4AEE76C3-5D53-C647-B197-3027AC114694}" srcId="{7393D429-4215-3E4F-851F-3C5E85712256}" destId="{8F02186B-4DB5-E746-A59D-B6EE971B6A15}" srcOrd="0" destOrd="0" parTransId="{B63DCA60-5459-BA43-8773-949551BE5A96}" sibTransId="{096A4D9F-B72B-2A46-911B-B8567288A4D6}"/>
-    <dgm:cxn modelId="{925B6507-EE59-1443-8FA7-A7FE0509B880}" type="presOf" srcId="{DD3C6668-7100-A248-90FE-335F532DE7D9}" destId="{13B7136B-2EAC-4848-B65B-0F39B09ECCDA}" srcOrd="0" destOrd="0" presId="urn:microsoft.com/office/officeart/2009/layout/CirclePictureHierarchy"/>
-    <dgm:cxn modelId="{B42C974C-D1F2-5F43-8B08-1CB5E565BEE9}" type="presOf" srcId="{50CE8BE5-FE4F-8D40-989F-58B127300842}" destId="{458E2CEA-2D4A-D048-848A-9EF3A29552BB}" srcOrd="0" destOrd="0" presId="urn:microsoft.com/office/officeart/2009/layout/CirclePictureHierarchy"/>
-    <dgm:cxn modelId="{19336CE4-5834-834E-BCF8-9B89C44290F0}" type="presOf" srcId="{12B274E4-18DF-1F4B-A44D-2A6EDCC2AEDF}" destId="{E92107B0-854F-B241-97F9-6B4A99BFDD89}" srcOrd="0" destOrd="0" presId="urn:microsoft.com/office/officeart/2009/layout/CirclePictureHierarchy"/>
-    <dgm:cxn modelId="{9CB5DF6F-CAE3-2742-95EA-E559249D4FE7}" type="presOf" srcId="{F46B314C-F2E1-1D4A-8A6D-BFC29AB2A3D1}" destId="{AF6AA274-C165-2646-8B10-57BF2472FAF0}" srcOrd="0" destOrd="0" presId="urn:microsoft.com/office/officeart/2009/layout/CirclePictureHierarchy"/>
-    <dgm:cxn modelId="{F755BA59-D952-0340-95CC-60B75B0DA401}" type="presOf" srcId="{7393D429-4215-3E4F-851F-3C5E85712256}" destId="{793AA1F8-448D-F048-96F5-F99C11C83C06}" srcOrd="0" destOrd="0" presId="urn:microsoft.com/office/officeart/2009/layout/CirclePictureHierarchy"/>
-    <dgm:cxn modelId="{5EB3EF3E-32FD-E24C-83D2-6D7748D99A93}" srcId="{2AC110E6-F772-164D-A74E-9BCCCBE8B031}" destId="{50CE8BE5-FE4F-8D40-989F-58B127300842}" srcOrd="0" destOrd="0" parTransId="{B0C311EB-3644-0248-A207-C561591F2130}" sibTransId="{E1DB3513-1D53-6B4E-AC85-66E578D05C9F}"/>
-    <dgm:cxn modelId="{ABFBFB36-E9F9-1E40-A245-89D907C88BAA}" type="presOf" srcId="{5947C7E3-01D6-CA4D-974E-3BBC51416DCB}" destId="{DF09DBBF-55BC-1B47-A387-2E7B09D5AB74}" srcOrd="0" destOrd="0" presId="urn:microsoft.com/office/officeart/2009/layout/CirclePictureHierarchy"/>
-    <dgm:cxn modelId="{16674432-352B-7849-9F3F-369C1CD8CE0A}" srcId="{5947C7E3-01D6-CA4D-974E-3BBC51416DCB}" destId="{2E75A9C6-C8EA-9546-8733-3262A052CC00}" srcOrd="1" destOrd="0" parTransId="{F46B314C-F2E1-1D4A-8A6D-BFC29AB2A3D1}" sibTransId="{27B61B99-5BA6-8849-B964-393292C0F327}"/>
-    <dgm:cxn modelId="{7CFE2B3D-AB04-154E-9470-09E31B743FDD}" type="presOf" srcId="{634B3ED2-2B7E-EC44-BCDD-5D639DCE0F61}" destId="{C86EDF08-DE64-4A46-A556-D15AA930C60B}" srcOrd="0" destOrd="0" presId="urn:microsoft.com/office/officeart/2009/layout/CirclePictureHierarchy"/>
-    <dgm:cxn modelId="{01F8F861-87A9-0543-9BD9-EB706AA52DBC}" type="presOf" srcId="{2AC110E6-F772-164D-A74E-9BCCCBE8B031}" destId="{5B69B621-125F-8C4C-A968-60E72CEDA897}" srcOrd="0" destOrd="0" presId="urn:microsoft.com/office/officeart/2009/layout/CirclePictureHierarchy"/>
-    <dgm:cxn modelId="{670DE44E-DA3A-BB47-A5A2-5F3B3659A790}" type="presOf" srcId="{8E742056-2AE6-854E-9FEA-BE128397F8FD}" destId="{B1A733B9-3613-574B-9F98-957D16DC6C04}" srcOrd="0" destOrd="0" presId="urn:microsoft.com/office/officeart/2009/layout/CirclePictureHierarchy"/>
+    <dgm:cxn modelId="{5F3A5FBB-769D-3D43-9D8E-6874A1532D20}" type="presOf" srcId="{5B3C7606-B9F0-CE49-B274-816CB6A65616}" destId="{E1C7E81B-03A0-2D48-939A-99F8D1DFADB4}" srcOrd="0" destOrd="0" presId="urn:microsoft.com/office/officeart/2009/layout/CirclePictureHierarchy"/>
+    <dgm:cxn modelId="{BC69B35C-EA31-3440-A949-3FC734AB8539}" type="presOf" srcId="{4392CD87-719E-9E4C-94D9-1C9438B92CF5}" destId="{349F3BDB-77D3-B24A-802E-3E0BEB312606}" srcOrd="0" destOrd="0" presId="urn:microsoft.com/office/officeart/2009/layout/CirclePictureHierarchy"/>
     <dgm:cxn modelId="{790D5EEB-CF73-FD44-BC37-077A587BD2EF}" type="presParOf" srcId="{5B69B621-125F-8C4C-A968-60E72CEDA897}" destId="{58B3EE37-8A08-6E43-95EE-907BE55FD870}" srcOrd="0" destOrd="0" presId="urn:microsoft.com/office/officeart/2009/layout/CirclePictureHierarchy"/>
     <dgm:cxn modelId="{B1817EA3-514C-9F4A-BE1E-B66904A92DBC}" type="presParOf" srcId="{58B3EE37-8A08-6E43-95EE-907BE55FD870}" destId="{7B7C76DB-5BF7-8543-800B-2F46386A06EC}" srcOrd="0" destOrd="0" presId="urn:microsoft.com/office/officeart/2009/layout/CirclePictureHierarchy"/>
     <dgm:cxn modelId="{B53B2732-9A36-DB49-AADF-A068B89F7D6D}" type="presParOf" srcId="{7B7C76DB-5BF7-8543-800B-2F46386A06EC}" destId="{C38CC957-ED72-804C-8A9C-6E439DBFDED6}" srcOrd="0" destOrd="0" presId="urn:microsoft.com/office/officeart/2009/layout/CirclePictureHierarchy"/>
@@ -9858,6 +10050,12 @@
     <dgm:cxn modelId="{F8031DC1-EA1D-6448-B7C8-E0275E44D3EC}" type="presParOf" srcId="{221DAE5D-60A1-B94F-AD46-ABE9A5AAC607}" destId="{A72A3CB1-5DC8-1B44-A4CE-68D3BB31496B}" srcOrd="0" destOrd="0" presId="urn:microsoft.com/office/officeart/2009/layout/CirclePictureHierarchy"/>
     <dgm:cxn modelId="{5AB9F194-ECDB-854B-8FF1-B0784D7C5A13}" type="presParOf" srcId="{221DAE5D-60A1-B94F-AD46-ABE9A5AAC607}" destId="{F5BD635E-94FA-804C-BBC2-F21E897E3F76}" srcOrd="1" destOrd="0" presId="urn:microsoft.com/office/officeart/2009/layout/CirclePictureHierarchy"/>
     <dgm:cxn modelId="{C820EB78-51E8-ED43-AE96-C34B432AD99E}" type="presParOf" srcId="{2E5C0D61-750C-BF49-A249-895C4A98B472}" destId="{154637F6-D0A3-844E-AB63-0B35CBD08203}" srcOrd="1" destOrd="0" presId="urn:microsoft.com/office/officeart/2009/layout/CirclePictureHierarchy"/>
+    <dgm:cxn modelId="{DD98572F-5929-F947-B3D1-FD66FBE8F3F5}" type="presParOf" srcId="{25A8F0A1-DE43-D543-9A28-DDB08C3B0352}" destId="{349F3BDB-77D3-B24A-802E-3E0BEB312606}" srcOrd="4" destOrd="0" presId="urn:microsoft.com/office/officeart/2009/layout/CirclePictureHierarchy"/>
+    <dgm:cxn modelId="{10C300FC-AC97-3640-A5A8-D3E9869F308F}" type="presParOf" srcId="{25A8F0A1-DE43-D543-9A28-DDB08C3B0352}" destId="{EFAFDCEC-E856-264C-90CF-9BB75B90CE2C}" srcOrd="5" destOrd="0" presId="urn:microsoft.com/office/officeart/2009/layout/CirclePictureHierarchy"/>
+    <dgm:cxn modelId="{C31A9A6E-0289-9643-90D9-8DCE1C362D80}" type="presParOf" srcId="{EFAFDCEC-E856-264C-90CF-9BB75B90CE2C}" destId="{10599CB9-B149-B54D-9C97-1FB3820DB9F6}" srcOrd="0" destOrd="0" presId="urn:microsoft.com/office/officeart/2009/layout/CirclePictureHierarchy"/>
+    <dgm:cxn modelId="{834338C2-2598-0844-B104-30885E505D71}" type="presParOf" srcId="{10599CB9-B149-B54D-9C97-1FB3820DB9F6}" destId="{937C2AA6-E74E-E243-9558-44A6ACC0DFF0}" srcOrd="0" destOrd="0" presId="urn:microsoft.com/office/officeart/2009/layout/CirclePictureHierarchy"/>
+    <dgm:cxn modelId="{C20A43E3-F2C9-8947-9C38-A073A75CB682}" type="presParOf" srcId="{10599CB9-B149-B54D-9C97-1FB3820DB9F6}" destId="{6C1E050A-E5E0-814D-9813-6C8E4D9CC316}" srcOrd="1" destOrd="0" presId="urn:microsoft.com/office/officeart/2009/layout/CirclePictureHierarchy"/>
+    <dgm:cxn modelId="{BD8E83E7-C4E5-D444-9A89-A108C6797395}" type="presParOf" srcId="{EFAFDCEC-E856-264C-90CF-9BB75B90CE2C}" destId="{309C6921-0BF6-894F-A54B-07EC658341B7}" srcOrd="1" destOrd="0" presId="urn:microsoft.com/office/officeart/2009/layout/CirclePictureHierarchy"/>
     <dgm:cxn modelId="{1EEA5B58-DD41-5B4E-A998-6B936493C4E0}" type="presParOf" srcId="{B6AEF241-F12C-FF4D-8017-6EC6691DA945}" destId="{E92107B0-854F-B241-97F9-6B4A99BFDD89}" srcOrd="2" destOrd="0" presId="urn:microsoft.com/office/officeart/2009/layout/CirclePictureHierarchy"/>
     <dgm:cxn modelId="{D8D8523E-52D5-E041-89BF-8B7CC1C65A1F}" type="presParOf" srcId="{B6AEF241-F12C-FF4D-8017-6EC6691DA945}" destId="{1F530A33-3BE1-5740-B48A-AF32CFABDE6C}" srcOrd="3" destOrd="0" presId="urn:microsoft.com/office/officeart/2009/layout/CirclePictureHierarchy"/>
     <dgm:cxn modelId="{2E3EE952-1E64-EC4E-B8D0-8F0248C84D28}" type="presParOf" srcId="{1F530A33-3BE1-5740-B48A-AF32CFABDE6C}" destId="{F2499FFD-EAD3-B048-AE16-573D4DC48D78}" srcOrd="0" destOrd="0" presId="urn:microsoft.com/office/officeart/2009/layout/CirclePictureHierarchy"/>
@@ -9870,6 +10068,12 @@
     <dgm:cxn modelId="{58149E46-F6C8-C04F-8535-437EC6C84072}" type="presParOf" srcId="{7CF59750-A7B5-1745-A119-A12A43C43DBF}" destId="{4716271B-2BEA-D54C-8720-8FBF05DF84AD}" srcOrd="0" destOrd="0" presId="urn:microsoft.com/office/officeart/2009/layout/CirclePictureHierarchy"/>
     <dgm:cxn modelId="{A427D0F1-70A8-604E-B36F-E08688824932}" type="presParOf" srcId="{7CF59750-A7B5-1745-A119-A12A43C43DBF}" destId="{E1D24100-DA38-774C-96CB-071D1B086443}" srcOrd="1" destOrd="0" presId="urn:microsoft.com/office/officeart/2009/layout/CirclePictureHierarchy"/>
     <dgm:cxn modelId="{AC0EC2FC-6BC4-D44F-9F62-840510FC3FF2}" type="presParOf" srcId="{ACC3D9FE-3727-B04F-A975-6DDEB234387A}" destId="{32A31B9E-E3C9-D54C-BD15-22B81C91F1BF}" srcOrd="1" destOrd="0" presId="urn:microsoft.com/office/officeart/2009/layout/CirclePictureHierarchy"/>
+    <dgm:cxn modelId="{E197848C-B579-004F-A20E-90D8151BE8DA}" type="presParOf" srcId="{A02B0F4F-1CA7-B448-8522-49696BD613A3}" destId="{E1C7E81B-03A0-2D48-939A-99F8D1DFADB4}" srcOrd="2" destOrd="0" presId="urn:microsoft.com/office/officeart/2009/layout/CirclePictureHierarchy"/>
+    <dgm:cxn modelId="{993444A8-FC70-1243-AE70-5547960E6B41}" type="presParOf" srcId="{A02B0F4F-1CA7-B448-8522-49696BD613A3}" destId="{D4694270-56D7-BE4E-AC3B-4A1981F138E4}" srcOrd="3" destOrd="0" presId="urn:microsoft.com/office/officeart/2009/layout/CirclePictureHierarchy"/>
+    <dgm:cxn modelId="{9CBEC5D1-16DA-024C-A6D3-A3F403ACC177}" type="presParOf" srcId="{D4694270-56D7-BE4E-AC3B-4A1981F138E4}" destId="{9D7096BF-9FD8-E642-8444-29E4193E1D5A}" srcOrd="0" destOrd="0" presId="urn:microsoft.com/office/officeart/2009/layout/CirclePictureHierarchy"/>
+    <dgm:cxn modelId="{03612748-0B1A-3D4F-8B9A-F5A6EDF276A3}" type="presParOf" srcId="{9D7096BF-9FD8-E642-8444-29E4193E1D5A}" destId="{26CA25AD-9F33-6045-B827-835832CB20EA}" srcOrd="0" destOrd="0" presId="urn:microsoft.com/office/officeart/2009/layout/CirclePictureHierarchy"/>
+    <dgm:cxn modelId="{38285702-A166-EC40-8FDF-93DA558C8C7D}" type="presParOf" srcId="{9D7096BF-9FD8-E642-8444-29E4193E1D5A}" destId="{E583DA9E-7A18-BD43-A205-CF6EB8F09FF6}" srcOrd="1" destOrd="0" presId="urn:microsoft.com/office/officeart/2009/layout/CirclePictureHierarchy"/>
+    <dgm:cxn modelId="{5DFBAF86-B903-634D-B507-89846522CEF8}" type="presParOf" srcId="{D4694270-56D7-BE4E-AC3B-4A1981F138E4}" destId="{171BC581-D5ED-2840-B311-B06BB70194CB}" srcOrd="1" destOrd="0" presId="urn:microsoft.com/office/officeart/2009/layout/CirclePictureHierarchy"/>
   </dgm:cxnLst>
   <dgm:bg/>
   <dgm:whole/>
@@ -14925,15 +15129,15 @@
       <dsp:cNvGrpSpPr/>
     </dsp:nvGrpSpPr>
     <dsp:grpSpPr/>
-    <dsp:sp modelId="{88ABB882-E21C-E14C-917B-0DC5752A833C}">
+    <dsp:sp modelId="{E1C7E81B-03A0-2D48-939A-99F8D1DFADB4}">
       <dsp:nvSpPr>
         <dsp:cNvPr id="0" name=""/>
         <dsp:cNvSpPr/>
       </dsp:nvSpPr>
       <dsp:spPr>
         <a:xfrm>
-          <a:off x="4526280" y="2413952"/>
-          <a:ext cx="91440" cy="240029"/>
+          <a:off x="6049376" y="2483744"/>
+          <a:ext cx="821145" cy="188117"/>
         </a:xfrm>
         <a:custGeom>
           <a:avLst/>
@@ -14944,10 +15148,76 @@
           <a:pathLst>
             <a:path>
               <a:moveTo>
-                <a:pt x="45720" y="0"/>
+                <a:pt x="0" y="0"/>
               </a:moveTo>
               <a:lnTo>
-                <a:pt x="45720" y="240029"/>
+                <a:pt x="0" y="94805"/>
+              </a:lnTo>
+              <a:lnTo>
+                <a:pt x="821145" y="94805"/>
+              </a:lnTo>
+              <a:lnTo>
+                <a:pt x="821145" y="188117"/>
+              </a:lnTo>
+            </a:path>
+          </a:pathLst>
+        </a:custGeom>
+        <a:noFill/>
+        <a:ln w="9525" cap="flat" cmpd="sng" algn="ctr">
+          <a:solidFill>
+            <a:schemeClr val="accent4">
+              <a:hueOff val="0"/>
+              <a:satOff val="0"/>
+              <a:lumOff val="0"/>
+              <a:alphaOff val="0"/>
+            </a:schemeClr>
+          </a:solidFill>
+          <a:prstDash val="solid"/>
+        </a:ln>
+        <a:effectLst/>
+      </dsp:spPr>
+      <dsp:style>
+        <a:lnRef idx="1">
+          <a:scrgbClr r="0" g="0" b="0"/>
+        </a:lnRef>
+        <a:fillRef idx="0">
+          <a:scrgbClr r="0" g="0" b="0"/>
+        </a:fillRef>
+        <a:effectRef idx="0">
+          <a:scrgbClr r="0" g="0" b="0"/>
+        </a:effectRef>
+        <a:fontRef idx="minor"/>
+      </dsp:style>
+    </dsp:sp>
+    <dsp:sp modelId="{88ABB882-E21C-E14C-917B-0DC5752A833C}">
+      <dsp:nvSpPr>
+        <dsp:cNvPr id="0" name=""/>
+        <dsp:cNvSpPr/>
+      </dsp:nvSpPr>
+      <dsp:spPr>
+        <a:xfrm>
+          <a:off x="5228230" y="2483744"/>
+          <a:ext cx="821145" cy="188117"/>
+        </a:xfrm>
+        <a:custGeom>
+          <a:avLst/>
+          <a:gdLst/>
+          <a:ahLst/>
+          <a:cxnLst/>
+          <a:rect l="0" t="0" r="0" b="0"/>
+          <a:pathLst>
+            <a:path>
+              <a:moveTo>
+                <a:pt x="821145" y="0"/>
+              </a:moveTo>
+              <a:lnTo>
+                <a:pt x="821145" y="94805"/>
+              </a:lnTo>
+              <a:lnTo>
+                <a:pt x="0" y="94805"/>
+              </a:lnTo>
+              <a:lnTo>
+                <a:pt x="0" y="188117"/>
               </a:lnTo>
             </a:path>
           </a:pathLst>
@@ -14986,8 +15256,8 @@
       </dsp:nvSpPr>
       <dsp:spPr>
         <a:xfrm>
-          <a:off x="3000375" y="1411922"/>
-          <a:ext cx="1571625" cy="240030"/>
+          <a:off x="3996512" y="1698430"/>
+          <a:ext cx="2052864" cy="188117"/>
         </a:xfrm>
         <a:custGeom>
           <a:avLst/>
@@ -15001,13 +15271,13 @@
                 <a:pt x="0" y="0"/>
               </a:moveTo>
               <a:lnTo>
-                <a:pt x="0" y="120967"/>
+                <a:pt x="0" y="94805"/>
               </a:lnTo>
               <a:lnTo>
-                <a:pt x="1571625" y="120967"/>
+                <a:pt x="2052864" y="94805"/>
               </a:lnTo>
               <a:lnTo>
-                <a:pt x="1571625" y="240030"/>
+                <a:pt x="2052864" y="188117"/>
               </a:lnTo>
             </a:path>
           </a:pathLst>
@@ -15039,15 +15309,15 @@
         <a:fontRef idx="minor"/>
       </dsp:style>
     </dsp:sp>
-    <dsp:sp modelId="{AF6AA274-C165-2646-8B10-57BF2472FAF0}">
+    <dsp:sp modelId="{349F3BDB-77D3-B24A-802E-3E0BEB312606}">
       <dsp:nvSpPr>
         <dsp:cNvPr id="0" name=""/>
         <dsp:cNvSpPr/>
       </dsp:nvSpPr>
       <dsp:spPr>
         <a:xfrm>
-          <a:off x="1428749" y="2413952"/>
-          <a:ext cx="1047749" cy="240029"/>
+          <a:off x="1943647" y="2483744"/>
+          <a:ext cx="1642291" cy="188117"/>
         </a:xfrm>
         <a:custGeom>
           <a:avLst/>
@@ -15061,13 +15331,67 @@
                 <a:pt x="0" y="0"/>
               </a:moveTo>
               <a:lnTo>
-                <a:pt x="0" y="120967"/>
+                <a:pt x="0" y="94805"/>
               </a:lnTo>
               <a:lnTo>
-                <a:pt x="1047749" y="120967"/>
+                <a:pt x="1642291" y="94805"/>
               </a:lnTo>
               <a:lnTo>
-                <a:pt x="1047749" y="240029"/>
+                <a:pt x="1642291" y="188117"/>
+              </a:lnTo>
+            </a:path>
+          </a:pathLst>
+        </a:custGeom>
+        <a:noFill/>
+        <a:ln w="9525" cap="flat" cmpd="sng" algn="ctr">
+          <a:solidFill>
+            <a:schemeClr val="accent4">
+              <a:hueOff val="0"/>
+              <a:satOff val="0"/>
+              <a:lumOff val="0"/>
+              <a:alphaOff val="0"/>
+            </a:schemeClr>
+          </a:solidFill>
+          <a:prstDash val="solid"/>
+        </a:ln>
+        <a:effectLst/>
+      </dsp:spPr>
+      <dsp:style>
+        <a:lnRef idx="1">
+          <a:scrgbClr r="0" g="0" b="0"/>
+        </a:lnRef>
+        <a:fillRef idx="0">
+          <a:scrgbClr r="0" g="0" b="0"/>
+        </a:fillRef>
+        <a:effectRef idx="0">
+          <a:scrgbClr r="0" g="0" b="0"/>
+        </a:effectRef>
+        <a:fontRef idx="minor"/>
+      </dsp:style>
+    </dsp:sp>
+    <dsp:sp modelId="{AF6AA274-C165-2646-8B10-57BF2472FAF0}">
+      <dsp:nvSpPr>
+        <dsp:cNvPr id="0" name=""/>
+        <dsp:cNvSpPr/>
+      </dsp:nvSpPr>
+      <dsp:spPr>
+        <a:xfrm>
+          <a:off x="1897927" y="2483744"/>
+          <a:ext cx="91440" cy="188117"/>
+        </a:xfrm>
+        <a:custGeom>
+          <a:avLst/>
+          <a:gdLst/>
+          <a:ahLst/>
+          <a:cxnLst/>
+          <a:rect l="0" t="0" r="0" b="0"/>
+          <a:pathLst>
+            <a:path>
+              <a:moveTo>
+                <a:pt x="45720" y="0"/>
+              </a:moveTo>
+              <a:lnTo>
+                <a:pt x="45720" y="188117"/>
               </a:lnTo>
             </a:path>
           </a:pathLst>
@@ -15106,8 +15430,8 @@
       </dsp:nvSpPr>
       <dsp:spPr>
         <a:xfrm>
-          <a:off x="380999" y="2413952"/>
-          <a:ext cx="1047750" cy="240029"/>
+          <a:off x="301355" y="2483744"/>
+          <a:ext cx="1642291" cy="188117"/>
         </a:xfrm>
         <a:custGeom>
           <a:avLst/>
@@ -15118,16 +15442,16 @@
           <a:pathLst>
             <a:path>
               <a:moveTo>
-                <a:pt x="1047750" y="0"/>
+                <a:pt x="1642291" y="0"/>
               </a:moveTo>
               <a:lnTo>
-                <a:pt x="1047750" y="120967"/>
+                <a:pt x="1642291" y="94805"/>
               </a:lnTo>
               <a:lnTo>
-                <a:pt x="0" y="120967"/>
+                <a:pt x="0" y="94805"/>
               </a:lnTo>
               <a:lnTo>
-                <a:pt x="0" y="240029"/>
+                <a:pt x="0" y="188117"/>
               </a:lnTo>
             </a:path>
           </a:pathLst>
@@ -15166,8 +15490,8 @@
       </dsp:nvSpPr>
       <dsp:spPr>
         <a:xfrm>
-          <a:off x="1428749" y="1411922"/>
-          <a:ext cx="1571625" cy="240030"/>
+          <a:off x="1943647" y="1698430"/>
+          <a:ext cx="2052864" cy="188117"/>
         </a:xfrm>
         <a:custGeom>
           <a:avLst/>
@@ -15178,16 +15502,16 @@
           <a:pathLst>
             <a:path>
               <a:moveTo>
-                <a:pt x="1571625" y="0"/>
+                <a:pt x="2052864" y="0"/>
               </a:moveTo>
               <a:lnTo>
-                <a:pt x="1571625" y="120967"/>
+                <a:pt x="2052864" y="94805"/>
               </a:lnTo>
               <a:lnTo>
-                <a:pt x="0" y="120967"/>
+                <a:pt x="0" y="94805"/>
               </a:lnTo>
               <a:lnTo>
-                <a:pt x="0" y="240030"/>
+                <a:pt x="0" y="188117"/>
               </a:lnTo>
             </a:path>
           </a:pathLst>
@@ -15226,8 +15550,8 @@
       </dsp:nvSpPr>
       <dsp:spPr>
         <a:xfrm>
-          <a:off x="2619375" y="649922"/>
-          <a:ext cx="761999" cy="761999"/>
+          <a:off x="3697913" y="1101234"/>
+          <a:ext cx="597196" cy="597196"/>
         </a:xfrm>
         <a:prstGeom prst="ellipse">
           <a:avLst/>
@@ -15312,8 +15636,8 @@
       </dsp:nvSpPr>
       <dsp:spPr>
         <a:xfrm>
-          <a:off x="3381375" y="648017"/>
-          <a:ext cx="1143000" cy="761999"/>
+          <a:off x="4295110" y="1099741"/>
+          <a:ext cx="895795" cy="597196"/>
         </a:xfrm>
         <a:prstGeom prst="rect">
           <a:avLst/>
@@ -15337,12 +15661,12 @@
         <a:fontRef idx="minor"/>
       </dsp:style>
       <dsp:txBody>
-        <a:bodyPr spcFirstLastPara="0" vert="horz" wrap="square" lIns="60960" tIns="60960" rIns="60960" bIns="60960" numCol="1" spcCol="1270" anchor="ctr" anchorCtr="0">
+        <a:bodyPr spcFirstLastPara="0" vert="horz" wrap="square" lIns="49530" tIns="49530" rIns="49530" bIns="49530" numCol="1" spcCol="1270" anchor="ctr" anchorCtr="0">
           <a:noAutofit/>
         </a:bodyPr>
         <a:lstStyle/>
         <a:p>
-          <a:pPr lvl="0" algn="l" defTabSz="711200">
+          <a:pPr lvl="0" algn="l" defTabSz="577850">
             <a:lnSpc>
               <a:spcPct val="90000"/>
             </a:lnSpc>
@@ -15354,15 +15678,15 @@
             </a:spcAft>
           </a:pPr>
           <a:r>
-            <a:rPr lang="en-US" sz="1600" kern="1200" dirty="0" err="1" smtClean="0"/>
+            <a:rPr lang="en-US" sz="1300" kern="1200" dirty="0" err="1" smtClean="0"/>
             <a:t>Prehension</a:t>
           </a:r>
-          <a:endParaRPr lang="en-US" sz="1600" kern="1200" dirty="0"/>
+          <a:endParaRPr lang="en-US" sz="1300" kern="1200" dirty="0"/>
         </a:p>
       </dsp:txBody>
       <dsp:txXfrm>
-        <a:off x="3381375" y="648017"/>
-        <a:ext cx="1143000" cy="761999"/>
+        <a:off x="4295110" y="1099741"/>
+        <a:ext cx="895795" cy="597196"/>
       </dsp:txXfrm>
     </dsp:sp>
     <dsp:sp modelId="{BE353C04-56BF-AA44-B29C-1AA30BF506C0}">
@@ -15372,8 +15696,8 @@
       </dsp:nvSpPr>
       <dsp:spPr>
         <a:xfrm>
-          <a:off x="1047749" y="1651952"/>
-          <a:ext cx="761999" cy="761999"/>
+          <a:off x="1645049" y="1886548"/>
+          <a:ext cx="597196" cy="597196"/>
         </a:xfrm>
         <a:prstGeom prst="ellipse">
           <a:avLst/>
@@ -15458,8 +15782,8 @@
       </dsp:nvSpPr>
       <dsp:spPr>
         <a:xfrm>
-          <a:off x="1809749" y="1650047"/>
-          <a:ext cx="1143000" cy="761999"/>
+          <a:off x="2242246" y="1885055"/>
+          <a:ext cx="895795" cy="597196"/>
         </a:xfrm>
         <a:prstGeom prst="rect">
           <a:avLst/>
@@ -15483,12 +15807,12 @@
         <a:fontRef idx="minor"/>
       </dsp:style>
       <dsp:txBody>
-        <a:bodyPr spcFirstLastPara="0" vert="horz" wrap="square" lIns="60960" tIns="60960" rIns="60960" bIns="60960" numCol="1" spcCol="1270" anchor="ctr" anchorCtr="0">
+        <a:bodyPr spcFirstLastPara="0" vert="horz" wrap="square" lIns="49530" tIns="49530" rIns="49530" bIns="49530" numCol="1" spcCol="1270" anchor="ctr" anchorCtr="0">
           <a:noAutofit/>
         </a:bodyPr>
         <a:lstStyle/>
         <a:p>
-          <a:pPr lvl="0" algn="l" defTabSz="711200">
+          <a:pPr lvl="0" algn="l" defTabSz="577850">
             <a:lnSpc>
               <a:spcPct val="90000"/>
             </a:lnSpc>
@@ -15500,15 +15824,15 @@
             </a:spcAft>
           </a:pPr>
           <a:r>
-            <a:rPr lang="en-US" sz="1600" kern="1200" dirty="0" smtClean="0"/>
+            <a:rPr lang="en-US" sz="1300" kern="1200" dirty="0" smtClean="0"/>
             <a:t>Vector Space</a:t>
           </a:r>
-          <a:endParaRPr lang="en-US" sz="1600" kern="1200" dirty="0"/>
+          <a:endParaRPr lang="en-US" sz="1300" kern="1200" dirty="0"/>
         </a:p>
       </dsp:txBody>
       <dsp:txXfrm>
-        <a:off x="1809749" y="1650047"/>
-        <a:ext cx="1143000" cy="761999"/>
+        <a:off x="2242246" y="1885055"/>
+        <a:ext cx="895795" cy="597196"/>
       </dsp:txXfrm>
     </dsp:sp>
     <dsp:sp modelId="{EBC49A22-B099-BD46-AD21-44FA8524C224}">
@@ -15518,8 +15842,8 @@
       </dsp:nvSpPr>
       <dsp:spPr>
         <a:xfrm>
-          <a:off x="0" y="2653982"/>
-          <a:ext cx="761999" cy="761999"/>
+          <a:off x="2757" y="2671862"/>
+          <a:ext cx="597196" cy="597196"/>
         </a:xfrm>
         <a:prstGeom prst="ellipse">
           <a:avLst/>
@@ -15604,8 +15928,8 @@
       </dsp:nvSpPr>
       <dsp:spPr>
         <a:xfrm>
-          <a:off x="761999" y="2652077"/>
-          <a:ext cx="1143000" cy="761999"/>
+          <a:off x="599954" y="2670369"/>
+          <a:ext cx="895795" cy="597196"/>
         </a:xfrm>
         <a:prstGeom prst="rect">
           <a:avLst/>
@@ -15629,12 +15953,12 @@
         <a:fontRef idx="minor"/>
       </dsp:style>
       <dsp:txBody>
-        <a:bodyPr spcFirstLastPara="0" vert="horz" wrap="square" lIns="60960" tIns="60960" rIns="60960" bIns="60960" numCol="1" spcCol="1270" anchor="ctr" anchorCtr="0">
+        <a:bodyPr spcFirstLastPara="0" vert="horz" wrap="square" lIns="49530" tIns="49530" rIns="49530" bIns="49530" numCol="1" spcCol="1270" anchor="ctr" anchorCtr="0">
           <a:noAutofit/>
         </a:bodyPr>
         <a:lstStyle/>
         <a:p>
-          <a:pPr lvl="0" algn="l" defTabSz="711200">
+          <a:pPr lvl="0" algn="l" defTabSz="577850">
             <a:lnSpc>
               <a:spcPct val="90000"/>
             </a:lnSpc>
@@ -15646,15 +15970,15 @@
             </a:spcAft>
           </a:pPr>
           <a:r>
-            <a:rPr lang="en-US" sz="1600" kern="1200" dirty="0" smtClean="0"/>
+            <a:rPr lang="en-US" sz="1300" kern="1200" dirty="0" smtClean="0"/>
             <a:t>Fashion model</a:t>
           </a:r>
-          <a:endParaRPr lang="en-US" sz="1600" kern="1200" dirty="0"/>
+          <a:endParaRPr lang="en-US" sz="1300" kern="1200" dirty="0"/>
         </a:p>
       </dsp:txBody>
       <dsp:txXfrm>
-        <a:off x="761999" y="2652077"/>
-        <a:ext cx="1143000" cy="761999"/>
+        <a:off x="599954" y="2670369"/>
+        <a:ext cx="895795" cy="597196"/>
       </dsp:txXfrm>
     </dsp:sp>
     <dsp:sp modelId="{A72A3CB1-5DC8-1B44-A4CE-68D3BB31496B}">
@@ -15664,8 +15988,8 @@
       </dsp:nvSpPr>
       <dsp:spPr>
         <a:xfrm>
-          <a:off x="2095499" y="2653982"/>
-          <a:ext cx="761999" cy="761999"/>
+          <a:off x="1645049" y="2671862"/>
+          <a:ext cx="597196" cy="597196"/>
         </a:xfrm>
         <a:prstGeom prst="ellipse">
           <a:avLst/>
@@ -15750,8 +16074,8 @@
       </dsp:nvSpPr>
       <dsp:spPr>
         <a:xfrm>
-          <a:off x="2857500" y="2652077"/>
-          <a:ext cx="1143000" cy="761999"/>
+          <a:off x="2242246" y="2670369"/>
+          <a:ext cx="895795" cy="597196"/>
         </a:xfrm>
         <a:prstGeom prst="rect">
           <a:avLst/>
@@ -15775,12 +16099,12 @@
         <a:fontRef idx="minor"/>
       </dsp:style>
       <dsp:txBody>
-        <a:bodyPr spcFirstLastPara="0" vert="horz" wrap="square" lIns="60960" tIns="60960" rIns="60960" bIns="60960" numCol="1" spcCol="1270" anchor="ctr" anchorCtr="0">
+        <a:bodyPr spcFirstLastPara="0" vert="horz" wrap="square" lIns="49530" tIns="49530" rIns="49530" bIns="49530" numCol="1" spcCol="1270" anchor="ctr" anchorCtr="0">
           <a:noAutofit/>
         </a:bodyPr>
         <a:lstStyle/>
         <a:p>
-          <a:pPr lvl="0" algn="l" defTabSz="711200">
+          <a:pPr lvl="0" algn="l" defTabSz="577850">
             <a:lnSpc>
               <a:spcPct val="90000"/>
             </a:lnSpc>
@@ -15792,15 +16116,161 @@
             </a:spcAft>
           </a:pPr>
           <a:r>
-            <a:rPr lang="en-US" sz="1600" kern="1200" dirty="0" smtClean="0"/>
+            <a:rPr lang="en-US" sz="1300" kern="1200" dirty="0" smtClean="0"/>
             <a:t>Segregation model</a:t>
           </a:r>
-          <a:endParaRPr lang="en-US" sz="1600" kern="1200" dirty="0"/>
+          <a:endParaRPr lang="en-US" sz="1300" kern="1200" dirty="0"/>
         </a:p>
       </dsp:txBody>
       <dsp:txXfrm>
-        <a:off x="2857500" y="2652077"/>
-        <a:ext cx="1143000" cy="761999"/>
+        <a:off x="2242246" y="2670369"/>
+        <a:ext cx="895795" cy="597196"/>
+      </dsp:txXfrm>
+    </dsp:sp>
+    <dsp:sp modelId="{937C2AA6-E74E-E243-9558-44A6ACC0DFF0}">
+      <dsp:nvSpPr>
+        <dsp:cNvPr id="0" name=""/>
+        <dsp:cNvSpPr/>
+      </dsp:nvSpPr>
+      <dsp:spPr>
+        <a:xfrm>
+          <a:off x="3287340" y="2671862"/>
+          <a:ext cx="597196" cy="597196"/>
+        </a:xfrm>
+        <a:prstGeom prst="ellipse">
+          <a:avLst/>
+        </a:prstGeom>
+        <a:gradFill rotWithShape="0">
+          <a:gsLst>
+            <a:gs pos="0">
+              <a:schemeClr val="accent4">
+                <a:hueOff val="0"/>
+                <a:satOff val="0"/>
+                <a:lumOff val="0"/>
+                <a:alphaOff val="0"/>
+                <a:shade val="15000"/>
+                <a:satMod val="180000"/>
+              </a:schemeClr>
+            </a:gs>
+            <a:gs pos="50000">
+              <a:schemeClr val="accent4">
+                <a:hueOff val="0"/>
+                <a:satOff val="0"/>
+                <a:lumOff val="0"/>
+                <a:alphaOff val="0"/>
+                <a:shade val="45000"/>
+                <a:satMod val="170000"/>
+              </a:schemeClr>
+            </a:gs>
+            <a:gs pos="70000">
+              <a:schemeClr val="accent4">
+                <a:hueOff val="0"/>
+                <a:satOff val="0"/>
+                <a:lumOff val="0"/>
+                <a:alphaOff val="0"/>
+                <a:tint val="99000"/>
+                <a:shade val="65000"/>
+                <a:satMod val="155000"/>
+              </a:schemeClr>
+            </a:gs>
+            <a:gs pos="100000">
+              <a:schemeClr val="accent4">
+                <a:hueOff val="0"/>
+                <a:satOff val="0"/>
+                <a:lumOff val="0"/>
+                <a:alphaOff val="0"/>
+                <a:tint val="95500"/>
+                <a:shade val="100000"/>
+                <a:satMod val="155000"/>
+              </a:schemeClr>
+            </a:gs>
+          </a:gsLst>
+          <a:lin ang="16200000" scaled="0"/>
+        </a:gradFill>
+        <a:ln>
+          <a:noFill/>
+        </a:ln>
+        <a:effectLst>
+          <a:outerShdw blurRad="50800" dist="38100" dir="5400000" rotWithShape="0">
+            <a:srgbClr val="000000">
+              <a:alpha val="35000"/>
+            </a:srgbClr>
+          </a:outerShdw>
+        </a:effectLst>
+      </dsp:spPr>
+      <dsp:style>
+        <a:lnRef idx="0">
+          <a:scrgbClr r="0" g="0" b="0"/>
+        </a:lnRef>
+        <a:fillRef idx="3">
+          <a:scrgbClr r="0" g="0" b="0"/>
+        </a:fillRef>
+        <a:effectRef idx="2">
+          <a:scrgbClr r="0" g="0" b="0"/>
+        </a:effectRef>
+        <a:fontRef idx="minor">
+          <a:schemeClr val="lt1"/>
+        </a:fontRef>
+      </dsp:style>
+    </dsp:sp>
+    <dsp:sp modelId="{6C1E050A-E5E0-814D-9813-6C8E4D9CC316}">
+      <dsp:nvSpPr>
+        <dsp:cNvPr id="0" name=""/>
+        <dsp:cNvSpPr/>
+      </dsp:nvSpPr>
+      <dsp:spPr>
+        <a:xfrm>
+          <a:off x="3884537" y="2670369"/>
+          <a:ext cx="895795" cy="597196"/>
+        </a:xfrm>
+        <a:prstGeom prst="rect">
+          <a:avLst/>
+        </a:prstGeom>
+        <a:noFill/>
+        <a:ln>
+          <a:noFill/>
+        </a:ln>
+        <a:effectLst/>
+      </dsp:spPr>
+      <dsp:style>
+        <a:lnRef idx="0">
+          <a:scrgbClr r="0" g="0" b="0"/>
+        </a:lnRef>
+        <a:fillRef idx="0">
+          <a:scrgbClr r="0" g="0" b="0"/>
+        </a:fillRef>
+        <a:effectRef idx="0">
+          <a:scrgbClr r="0" g="0" b="0"/>
+        </a:effectRef>
+        <a:fontRef idx="minor"/>
+      </dsp:style>
+      <dsp:txBody>
+        <a:bodyPr spcFirstLastPara="0" vert="horz" wrap="square" lIns="49530" tIns="49530" rIns="49530" bIns="49530" numCol="1" spcCol="1270" anchor="ctr" anchorCtr="0">
+          <a:noAutofit/>
+        </a:bodyPr>
+        <a:lstStyle/>
+        <a:p>
+          <a:pPr lvl="0" algn="l" defTabSz="577850">
+            <a:lnSpc>
+              <a:spcPct val="90000"/>
+            </a:lnSpc>
+            <a:spcBef>
+              <a:spcPct val="0"/>
+            </a:spcBef>
+            <a:spcAft>
+              <a:spcPct val="35000"/>
+            </a:spcAft>
+          </a:pPr>
+          <a:r>
+            <a:rPr lang="en-US" sz="1300" kern="1200" smtClean="0"/>
+            <a:t>Market exchange</a:t>
+          </a:r>
+          <a:endParaRPr lang="en-US" sz="1300" kern="1200"/>
+        </a:p>
+      </dsp:txBody>
+      <dsp:txXfrm>
+        <a:off x="3884537" y="2670369"/>
+        <a:ext cx="895795" cy="597196"/>
       </dsp:txXfrm>
     </dsp:sp>
     <dsp:sp modelId="{EBCDE10E-5169-6145-BF2E-07E34DEA19B6}">
@@ -15810,8 +16280,8 @@
       </dsp:nvSpPr>
       <dsp:spPr>
         <a:xfrm>
-          <a:off x="4191000" y="1651952"/>
-          <a:ext cx="761999" cy="761999"/>
+          <a:off x="5750778" y="1886548"/>
+          <a:ext cx="597196" cy="597196"/>
         </a:xfrm>
         <a:prstGeom prst="ellipse">
           <a:avLst/>
@@ -15896,8 +16366,8 @@
       </dsp:nvSpPr>
       <dsp:spPr>
         <a:xfrm>
-          <a:off x="4953000" y="1650047"/>
-          <a:ext cx="1143000" cy="761999"/>
+          <a:off x="6347975" y="1885055"/>
+          <a:ext cx="895795" cy="597196"/>
         </a:xfrm>
         <a:prstGeom prst="rect">
           <a:avLst/>
@@ -15921,12 +16391,12 @@
         <a:fontRef idx="minor"/>
       </dsp:style>
       <dsp:txBody>
-        <a:bodyPr spcFirstLastPara="0" vert="horz" wrap="square" lIns="60960" tIns="60960" rIns="60960" bIns="60960" numCol="1" spcCol="1270" anchor="ctr" anchorCtr="0">
+        <a:bodyPr spcFirstLastPara="0" vert="horz" wrap="square" lIns="49530" tIns="49530" rIns="49530" bIns="49530" numCol="1" spcCol="1270" anchor="ctr" anchorCtr="0">
           <a:noAutofit/>
         </a:bodyPr>
         <a:lstStyle/>
         <a:p>
-          <a:pPr lvl="0" algn="l" defTabSz="711200">
+          <a:pPr lvl="0" algn="l" defTabSz="577850">
             <a:lnSpc>
               <a:spcPct val="90000"/>
             </a:lnSpc>
@@ -15938,15 +16408,15 @@
             </a:spcAft>
           </a:pPr>
           <a:r>
-            <a:rPr lang="en-US" sz="1600" kern="1200" dirty="0" smtClean="0"/>
+            <a:rPr lang="en-US" sz="1300" kern="1200" dirty="0" smtClean="0"/>
             <a:t>Markov chain</a:t>
           </a:r>
-          <a:endParaRPr lang="en-US" sz="1600" kern="1200" dirty="0"/>
+          <a:endParaRPr lang="en-US" sz="1300" kern="1200" dirty="0"/>
         </a:p>
       </dsp:txBody>
       <dsp:txXfrm>
-        <a:off x="4953000" y="1650047"/>
-        <a:ext cx="1143000" cy="761999"/>
+        <a:off x="6347975" y="1885055"/>
+        <a:ext cx="895795" cy="597196"/>
       </dsp:txXfrm>
     </dsp:sp>
     <dsp:sp modelId="{4716271B-2BEA-D54C-8720-8FBF05DF84AD}">
@@ -15956,8 +16426,8 @@
       </dsp:nvSpPr>
       <dsp:spPr>
         <a:xfrm>
-          <a:off x="4191000" y="2653982"/>
-          <a:ext cx="761999" cy="761999"/>
+          <a:off x="4929632" y="2671862"/>
+          <a:ext cx="597196" cy="597196"/>
         </a:xfrm>
         <a:prstGeom prst="ellipse">
           <a:avLst/>
@@ -16042,8 +16512,8 @@
       </dsp:nvSpPr>
       <dsp:spPr>
         <a:xfrm>
-          <a:off x="4953000" y="2652077"/>
-          <a:ext cx="1143000" cy="761999"/>
+          <a:off x="5526829" y="2670369"/>
+          <a:ext cx="895795" cy="597196"/>
         </a:xfrm>
         <a:prstGeom prst="rect">
           <a:avLst/>
@@ -16067,12 +16537,12 @@
         <a:fontRef idx="minor"/>
       </dsp:style>
       <dsp:txBody>
-        <a:bodyPr spcFirstLastPara="0" vert="horz" wrap="square" lIns="60960" tIns="60960" rIns="60960" bIns="60960" numCol="1" spcCol="1270" anchor="ctr" anchorCtr="0">
+        <a:bodyPr spcFirstLastPara="0" vert="horz" wrap="square" lIns="49530" tIns="49530" rIns="49530" bIns="49530" numCol="1" spcCol="1270" anchor="ctr" anchorCtr="0">
           <a:noAutofit/>
         </a:bodyPr>
         <a:lstStyle/>
         <a:p>
-          <a:pPr lvl="0" algn="l" defTabSz="711200">
+          <a:pPr lvl="0" algn="l" defTabSz="577850">
             <a:lnSpc>
               <a:spcPct val="90000"/>
             </a:lnSpc>
@@ -16084,15 +16554,161 @@
             </a:spcAft>
           </a:pPr>
           <a:r>
-            <a:rPr lang="en-US" sz="1600" kern="1200" dirty="0" smtClean="0"/>
+            <a:rPr lang="en-US" sz="1300" kern="1200" dirty="0" smtClean="0"/>
             <a:t>Forest fire</a:t>
           </a:r>
-          <a:endParaRPr lang="en-US" sz="1600" kern="1200" dirty="0"/>
+          <a:endParaRPr lang="en-US" sz="1300" kern="1200" dirty="0"/>
         </a:p>
       </dsp:txBody>
       <dsp:txXfrm>
-        <a:off x="4953000" y="2652077"/>
-        <a:ext cx="1143000" cy="761999"/>
+        <a:off x="5526829" y="2670369"/>
+        <a:ext cx="895795" cy="597196"/>
+      </dsp:txXfrm>
+    </dsp:sp>
+    <dsp:sp modelId="{26CA25AD-9F33-6045-B827-835832CB20EA}">
+      <dsp:nvSpPr>
+        <dsp:cNvPr id="0" name=""/>
+        <dsp:cNvSpPr/>
+      </dsp:nvSpPr>
+      <dsp:spPr>
+        <a:xfrm>
+          <a:off x="6571924" y="2671862"/>
+          <a:ext cx="597196" cy="597196"/>
+        </a:xfrm>
+        <a:prstGeom prst="ellipse">
+          <a:avLst/>
+        </a:prstGeom>
+        <a:gradFill rotWithShape="0">
+          <a:gsLst>
+            <a:gs pos="0">
+              <a:schemeClr val="accent4">
+                <a:hueOff val="0"/>
+                <a:satOff val="0"/>
+                <a:lumOff val="0"/>
+                <a:alphaOff val="0"/>
+                <a:shade val="15000"/>
+                <a:satMod val="180000"/>
+              </a:schemeClr>
+            </a:gs>
+            <a:gs pos="50000">
+              <a:schemeClr val="accent4">
+                <a:hueOff val="0"/>
+                <a:satOff val="0"/>
+                <a:lumOff val="0"/>
+                <a:alphaOff val="0"/>
+                <a:shade val="45000"/>
+                <a:satMod val="170000"/>
+              </a:schemeClr>
+            </a:gs>
+            <a:gs pos="70000">
+              <a:schemeClr val="accent4">
+                <a:hueOff val="0"/>
+                <a:satOff val="0"/>
+                <a:lumOff val="0"/>
+                <a:alphaOff val="0"/>
+                <a:tint val="99000"/>
+                <a:shade val="65000"/>
+                <a:satMod val="155000"/>
+              </a:schemeClr>
+            </a:gs>
+            <a:gs pos="100000">
+              <a:schemeClr val="accent4">
+                <a:hueOff val="0"/>
+                <a:satOff val="0"/>
+                <a:lumOff val="0"/>
+                <a:alphaOff val="0"/>
+                <a:tint val="95500"/>
+                <a:shade val="100000"/>
+                <a:satMod val="155000"/>
+              </a:schemeClr>
+            </a:gs>
+          </a:gsLst>
+          <a:lin ang="16200000" scaled="0"/>
+        </a:gradFill>
+        <a:ln>
+          <a:noFill/>
+        </a:ln>
+        <a:effectLst>
+          <a:outerShdw blurRad="50800" dist="38100" dir="5400000" rotWithShape="0">
+            <a:srgbClr val="000000">
+              <a:alpha val="35000"/>
+            </a:srgbClr>
+          </a:outerShdw>
+        </a:effectLst>
+      </dsp:spPr>
+      <dsp:style>
+        <a:lnRef idx="0">
+          <a:scrgbClr r="0" g="0" b="0"/>
+        </a:lnRef>
+        <a:fillRef idx="3">
+          <a:scrgbClr r="0" g="0" b="0"/>
+        </a:fillRef>
+        <a:effectRef idx="2">
+          <a:scrgbClr r="0" g="0" b="0"/>
+        </a:effectRef>
+        <a:fontRef idx="minor">
+          <a:schemeClr val="lt1"/>
+        </a:fontRef>
+      </dsp:style>
+    </dsp:sp>
+    <dsp:sp modelId="{E583DA9E-7A18-BD43-A205-CF6EB8F09FF6}">
+      <dsp:nvSpPr>
+        <dsp:cNvPr id="0" name=""/>
+        <dsp:cNvSpPr/>
+      </dsp:nvSpPr>
+      <dsp:spPr>
+        <a:xfrm>
+          <a:off x="7169121" y="2670369"/>
+          <a:ext cx="895795" cy="597196"/>
+        </a:xfrm>
+        <a:prstGeom prst="rect">
+          <a:avLst/>
+        </a:prstGeom>
+        <a:noFill/>
+        <a:ln>
+          <a:noFill/>
+        </a:ln>
+        <a:effectLst/>
+      </dsp:spPr>
+      <dsp:style>
+        <a:lnRef idx="0">
+          <a:scrgbClr r="0" g="0" b="0"/>
+        </a:lnRef>
+        <a:fillRef idx="0">
+          <a:scrgbClr r="0" g="0" b="0"/>
+        </a:fillRef>
+        <a:effectRef idx="0">
+          <a:scrgbClr r="0" g="0" b="0"/>
+        </a:effectRef>
+        <a:fontRef idx="minor"/>
+      </dsp:style>
+      <dsp:txBody>
+        <a:bodyPr spcFirstLastPara="0" vert="horz" wrap="square" lIns="49530" tIns="49530" rIns="49530" bIns="49530" numCol="1" spcCol="1270" anchor="ctr" anchorCtr="0">
+          <a:noAutofit/>
+        </a:bodyPr>
+        <a:lstStyle/>
+        <a:p>
+          <a:pPr lvl="0" algn="l" defTabSz="577850">
+            <a:lnSpc>
+              <a:spcPct val="90000"/>
+            </a:lnSpc>
+            <a:spcBef>
+              <a:spcPct val="0"/>
+            </a:spcBef>
+            <a:spcAft>
+              <a:spcPct val="35000"/>
+            </a:spcAft>
+          </a:pPr>
+          <a:r>
+            <a:rPr lang="en-US" sz="1300" kern="1200" dirty="0" smtClean="0"/>
+            <a:t>Sand pile</a:t>
+          </a:r>
+          <a:endParaRPr lang="en-US" sz="1300" kern="1200" dirty="0"/>
+        </a:p>
+      </dsp:txBody>
+      <dsp:txXfrm>
+        <a:off x="7169121" y="2670369"/>
+        <a:ext cx="895795" cy="597196"/>
       </dsp:txXfrm>
     </dsp:sp>
   </dsp:spTree>
@@ -27616,7 +28232,7 @@
             <a:fld id="{AB1CDEB6-C0D8-439D-94AA-7569540F08E4}" type="datetimeFigureOut">
               <a:rPr lang="en-US" smtClean="0"/>
               <a:pPr/>
-              <a:t>7/15/16</a:t>
+              <a:t>7/16/16</a:t>
             </a:fld>
             <a:endParaRPr lang="en-US"/>
           </a:p>
@@ -27974,7 +28590,7 @@
             <a:fld id="{81331B57-0BE5-4F82-AA58-76F53EFF3ADA}" type="datetime8">
               <a:rPr lang="en-US" smtClean="0"/>
               <a:pPr/>
-              <a:t>7/15/16 2:01 PM</a:t>
+              <a:t>7/16/16 8:56 AM</a:t>
             </a:fld>
             <a:endParaRPr lang="en-US" dirty="0"/>
           </a:p>
@@ -28168,7 +28784,7 @@
             <a:fld id="{81331B57-0BE5-4F82-AA58-76F53EFF3ADA}" type="datetime8">
               <a:rPr lang="en-US" smtClean="0"/>
               <a:pPr/>
-              <a:t>7/15/16 2:02 PM</a:t>
+              <a:t>7/16/16 8:56 AM</a:t>
             </a:fld>
             <a:endParaRPr lang="en-US"/>
           </a:p>
@@ -28352,7 +28968,7 @@
             <a:fld id="{81331B57-0BE5-4F82-AA58-76F53EFF3ADA}" type="datetime8">
               <a:rPr lang="en-US" smtClean="0"/>
               <a:pPr/>
-              <a:t>7/15/16 2:01 PM</a:t>
+              <a:t>7/16/16 8:56 AM</a:t>
             </a:fld>
             <a:endParaRPr lang="en-US"/>
           </a:p>
@@ -28536,7 +29152,7 @@
             <a:fld id="{81331B57-0BE5-4F82-AA58-76F53EFF3ADA}" type="datetime8">
               <a:rPr lang="en-US" smtClean="0"/>
               <a:pPr/>
-              <a:t>7/15/16 2:01 PM</a:t>
+              <a:t>7/16/16 8:56 AM</a:t>
             </a:fld>
             <a:endParaRPr lang="en-US"/>
           </a:p>
@@ -28720,7 +29336,7 @@
             <a:fld id="{81331B57-0BE5-4F82-AA58-76F53EFF3ADA}" type="datetime8">
               <a:rPr lang="en-US" smtClean="0"/>
               <a:pPr/>
-              <a:t>7/15/16 2:02 PM</a:t>
+              <a:t>7/16/16 8:56 AM</a:t>
             </a:fld>
             <a:endParaRPr lang="en-US"/>
           </a:p>
@@ -28904,7 +29520,7 @@
             <a:fld id="{81331B57-0BE5-4F82-AA58-76F53EFF3ADA}" type="datetime8">
               <a:rPr lang="en-US" smtClean="0"/>
               <a:pPr/>
-              <a:t>7/15/16 2:02 PM</a:t>
+              <a:t>7/16/16 8:56 AM</a:t>
             </a:fld>
             <a:endParaRPr lang="en-US"/>
           </a:p>
@@ -29088,7 +29704,7 @@
             <a:fld id="{81331B57-0BE5-4F82-AA58-76F53EFF3ADA}" type="datetime8">
               <a:rPr lang="en-US" smtClean="0"/>
               <a:pPr/>
-              <a:t>7/15/16 2:02 PM</a:t>
+              <a:t>7/16/16 8:56 AM</a:t>
             </a:fld>
             <a:endParaRPr lang="en-US"/>
           </a:p>
@@ -29272,7 +29888,7 @@
             <a:fld id="{81331B57-0BE5-4F82-AA58-76F53EFF3ADA}" type="datetime8">
               <a:rPr lang="en-US" smtClean="0"/>
               <a:pPr/>
-              <a:t>7/15/16 2:02 PM</a:t>
+              <a:t>7/16/16 8:56 AM</a:t>
             </a:fld>
             <a:endParaRPr lang="en-US"/>
           </a:p>
@@ -29456,7 +30072,7 @@
             <a:fld id="{81331B57-0BE5-4F82-AA58-76F53EFF3ADA}" type="datetime8">
               <a:rPr lang="en-US" smtClean="0"/>
               <a:pPr/>
-              <a:t>7/15/16 2:02 PM</a:t>
+              <a:t>7/16/16 8:56 AM</a:t>
             </a:fld>
             <a:endParaRPr lang="en-US"/>
           </a:p>
@@ -33167,19 +33783,7 @@
             <a:pPr lvl="1"/>
             <a:r>
               <a:rPr lang="en-US" dirty="0" smtClean="0"/>
-              <a:t>Agent’s preferences are just not to be too </a:t>
-            </a:r>
-            <a:r>
-              <a:rPr lang="en-US" dirty="0" smtClean="0"/>
-              <a:t>much of</a:t>
-            </a:r>
-            <a:r>
-              <a:rPr lang="en-US" dirty="0" smtClean="0"/>
-              <a:t> </a:t>
-            </a:r>
-            <a:r>
-              <a:rPr lang="en-US" dirty="0" smtClean="0"/>
-              <a:t>a minority, not for fully segregated neighborhoods</a:t>
+              <a:t>Agent’s preferences are just not to be too much of a minority, not for fully segregated neighborhoods</a:t>
             </a:r>
           </a:p>
           <a:p>
@@ -34163,15 +34767,7 @@
           <a:p>
             <a:r>
               <a:rPr lang="en-US" dirty="0" smtClean="0"/>
-              <a:t>The Forest Fire model turns out to be best represented as a </a:t>
-            </a:r>
-            <a:r>
-              <a:rPr lang="en-US" dirty="0" smtClean="0"/>
-              <a:t>group</a:t>
-            </a:r>
-            <a:r>
-              <a:rPr lang="en-US" dirty="0" smtClean="0"/>
-              <a:t>.</a:t>
+              <a:t>The Forest Fire model turns out to be best represented as a group.</a:t>
             </a:r>
             <a:endParaRPr lang="en-US" dirty="0"/>
           </a:p>
@@ -34308,51 +34904,7 @@
                   </a:schemeClr>
                 </a:solidFill>
               </a:rPr>
-              <a:t>he </a:t>
-            </a:r>
-            <a:r>
-              <a:rPr lang="en-US" sz="2800" dirty="0" smtClean="0">
-                <a:solidFill>
-                  <a:schemeClr val="accent6">
-                    <a:lumMod val="40000"/>
-                    <a:lumOff val="60000"/>
-                  </a:schemeClr>
-                </a:solidFill>
-              </a:rPr>
-              <a:t>second </a:t>
-            </a:r>
-            <a:r>
-              <a:rPr lang="en-US" sz="2800" dirty="0" smtClean="0">
-                <a:solidFill>
-                  <a:schemeClr val="accent6">
-                    <a:lumMod val="40000"/>
-                    <a:lumOff val="60000"/>
-                  </a:schemeClr>
-                </a:solidFill>
-              </a:rPr>
-              <a:t>structure is </a:t>
-            </a:r>
-            <a:r>
-              <a:rPr lang="en-US" sz="2800" dirty="0" smtClean="0">
-                <a:solidFill>
-                  <a:schemeClr val="accent6">
-                    <a:lumMod val="40000"/>
-                    <a:lumOff val="60000"/>
-                  </a:schemeClr>
-                </a:solidFill>
-              </a:rPr>
-              <a:t>a subclass of the first with additional </a:t>
-            </a:r>
-            <a:r>
-              <a:rPr lang="en-US" sz="2800" dirty="0" smtClean="0">
-                <a:solidFill>
-                  <a:schemeClr val="accent6">
-                    <a:lumMod val="40000"/>
-                    <a:lumOff val="60000"/>
-                  </a:schemeClr>
-                </a:solidFill>
-              </a:rPr>
-              <a:t>axioms required to be true.</a:t>
+              <a:t>he second structure is a subclass of the first with additional axioms required to be true.</a:t>
             </a:r>
             <a:endParaRPr lang="en-US" sz="2800" dirty="0">
               <a:solidFill>
@@ -34621,15 +35173,7 @@
           <a:p>
             <a:r>
               <a:rPr lang="en-US" dirty="0" smtClean="0"/>
-              <a:t>Even before implementing </a:t>
-            </a:r>
-            <a:r>
-              <a:rPr lang="en-US" dirty="0" smtClean="0"/>
-              <a:t>this, </a:t>
-            </a:r>
-            <a:r>
-              <a:rPr lang="en-US" dirty="0" smtClean="0"/>
-              <a:t>we had made it easy to:</a:t>
+              <a:t>Even before implementing this, we had made it easy to:</a:t>
             </a:r>
           </a:p>
           <a:p>
@@ -36508,14 +37052,14 @@
           <p:nvPr>
             <p:extLst>
               <p:ext uri="{D42A27DB-BD31-4B8C-83A1-F6EECF244321}">
-                <p14:modId xmlns:p14="http://schemas.microsoft.com/office/powerpoint/2010/main" val="297980700"/>
+                <p14:modId xmlns:p14="http://schemas.microsoft.com/office/powerpoint/2010/main" val="168141087"/>
               </p:ext>
             </p:extLst>
           </p:nvPr>
         </p:nvGraphicFramePr>
         <p:xfrm>
-          <a:off x="1524000" y="2108200"/>
-          <a:ext cx="6096000" cy="4064000"/>
+          <a:off x="609600" y="2057400"/>
+          <a:ext cx="8067674" cy="4368800"/>
         </p:xfrm>
         <a:graphic>
           <a:graphicData uri="http://schemas.openxmlformats.org/drawingml/2006/diagram">
@@ -38370,11 +38914,7 @@
           <a:p>
             <a:r>
               <a:rPr lang="en-US" dirty="0" smtClean="0"/>
-              <a:t>For Python, not </a:t>
-            </a:r>
-            <a:r>
-              <a:rPr lang="en-US" dirty="0" smtClean="0"/>
-              <a:t>much, because of </a:t>
+              <a:t>For Python, not much, because of </a:t>
             </a:r>
             <a:r>
               <a:rPr lang="en-US" i="1" dirty="0" smtClean="0"/>
@@ -38384,7 +38924,6 @@
               <a:rPr lang="en-US" dirty="0" smtClean="0"/>
               <a:t>.</a:t>
             </a:r>
-            <a:endParaRPr lang="en-US" dirty="0" smtClean="0"/>
           </a:p>
           <a:p>
             <a:pPr lvl="1"/>
@@ -38670,11 +39209,7 @@
             <a:pPr lvl="2"/>
             <a:r>
               <a:rPr lang="en-US" dirty="0" smtClean="0"/>
-              <a:t>Be </a:t>
-            </a:r>
-            <a:r>
-              <a:rPr lang="en-US" dirty="0" smtClean="0"/>
-              <a:t>commutative (</a:t>
+              <a:t>Be commutative (</a:t>
             </a:r>
             <a:r>
               <a:rPr lang="en-US" i="1" dirty="0" smtClean="0"/>
@@ -38684,7 +39219,6 @@
               <a:rPr lang="en-US" dirty="0" smtClean="0"/>
               <a:t>)</a:t>
             </a:r>
-            <a:endParaRPr lang="en-US" dirty="0" smtClean="0"/>
           </a:p>
           <a:p>
             <a:pPr lvl="2"/>
@@ -39105,15 +39639,7 @@
                   <a:schemeClr val="tx2"/>
                 </a:solidFill>
               </a:rPr>
-              <a:t>Generating complex macro-behavior from simple </a:t>
-            </a:r>
-            <a:r>
-              <a:rPr lang="en-US" sz="3600" dirty="0" smtClean="0">
-                <a:solidFill>
-                  <a:schemeClr val="tx2"/>
-                </a:solidFill>
-              </a:rPr>
-              <a:t>rules</a:t>
+              <a:t>Generating complex macro-behavior from simple rules</a:t>
             </a:r>
             <a:endParaRPr lang="en-US" dirty="0">
               <a:solidFill>
